--- a/ModelisationMultiphysique/ModelisationMultiphysique.pptx
+++ b/ModelisationMultiphysique/ModelisationMultiphysique.pptx
@@ -1,13 +1,23 @@
 
 <file path=ppt/presentation.xml><?xml version="1.0" encoding="utf-8"?>
-<p:presentation xmlns:a="http://schemas.openxmlformats.org/drawingml/2006/main" xmlns:r="http://schemas.openxmlformats.org/officeDocument/2006/relationships" xmlns:p="http://schemas.openxmlformats.org/presentationml/2006/main" saveSubsetFonts="1">
+<p:presentation xmlns:a="http://schemas.openxmlformats.org/drawingml/2006/main" xmlns:r="http://schemas.openxmlformats.org/officeDocument/2006/relationships" xmlns:p="http://schemas.openxmlformats.org/presentationml/2006/main" showSpecialPlsOnTitleSld="0" saveSubsetFonts="1">
   <p:sldMasterIdLst>
     <p:sldMasterId id="2147483804" r:id="rId1"/>
   </p:sldMasterIdLst>
+  <p:notesMasterIdLst>
+    <p:notesMasterId r:id="rId12"/>
+  </p:notesMasterIdLst>
   <p:sldIdLst>
     <p:sldId id="256" r:id="rId2"/>
     <p:sldId id="257" r:id="rId3"/>
     <p:sldId id="258" r:id="rId4"/>
+    <p:sldId id="263" r:id="rId5"/>
+    <p:sldId id="259" r:id="rId6"/>
+    <p:sldId id="260" r:id="rId7"/>
+    <p:sldId id="261" r:id="rId8"/>
+    <p:sldId id="262" r:id="rId9"/>
+    <p:sldId id="265" r:id="rId10"/>
+    <p:sldId id="264" r:id="rId11"/>
   </p:sldIdLst>
   <p:sldSz cx="9144000" cy="6858000" type="screen4x3"/>
   <p:notesSz cx="6858000" cy="9144000"/>
@@ -109,6 +119,356 @@
 </p:presentation>
 </file>
 
+<file path=ppt/notesMasters/notesMaster1.xml><?xml version="1.0" encoding="utf-8"?>
+<p:notesMaster xmlns:a="http://schemas.openxmlformats.org/drawingml/2006/main" xmlns:r="http://schemas.openxmlformats.org/officeDocument/2006/relationships" xmlns:p="http://schemas.openxmlformats.org/presentationml/2006/main">
+  <p:cSld>
+    <p:bg>
+      <p:bgRef idx="1001">
+        <a:schemeClr val="bg1"/>
+      </p:bgRef>
+    </p:bg>
+    <p:spTree>
+      <p:nvGrpSpPr>
+        <p:cNvPr id="1" name=""/>
+        <p:cNvGrpSpPr/>
+        <p:nvPr/>
+      </p:nvGrpSpPr>
+      <p:grpSpPr>
+        <a:xfrm>
+          <a:off x="0" y="0"/>
+          <a:ext cx="0" cy="0"/>
+          <a:chOff x="0" y="0"/>
+          <a:chExt cx="0" cy="0"/>
+        </a:xfrm>
+      </p:grpSpPr>
+      <p:sp>
+        <p:nvSpPr>
+          <p:cNvPr id="2" name="Espace réservé de l'en-tête 1"/>
+          <p:cNvSpPr>
+            <a:spLocks noGrp="1"/>
+          </p:cNvSpPr>
+          <p:nvPr>
+            <p:ph type="hdr" sz="quarter"/>
+          </p:nvPr>
+        </p:nvSpPr>
+        <p:spPr>
+          <a:xfrm>
+            <a:off x="0" y="0"/>
+            <a:ext cx="2971800" cy="457200"/>
+          </a:xfrm>
+          <a:prstGeom prst="rect">
+            <a:avLst/>
+          </a:prstGeom>
+        </p:spPr>
+        <p:txBody>
+          <a:bodyPr vert="horz" lIns="91440" tIns="45720" rIns="91440" bIns="45720" rtlCol="0"/>
+          <a:lstStyle>
+            <a:lvl1pPr algn="l">
+              <a:defRPr sz="1200"/>
+            </a:lvl1pPr>
+          </a:lstStyle>
+          <a:p>
+            <a:endParaRPr lang="fr-FR"/>
+          </a:p>
+        </p:txBody>
+      </p:sp>
+      <p:sp>
+        <p:nvSpPr>
+          <p:cNvPr id="3" name="Espace réservé de la date 2"/>
+          <p:cNvSpPr>
+            <a:spLocks noGrp="1"/>
+          </p:cNvSpPr>
+          <p:nvPr>
+            <p:ph type="dt" idx="1"/>
+          </p:nvPr>
+        </p:nvSpPr>
+        <p:spPr>
+          <a:xfrm>
+            <a:off x="3884613" y="0"/>
+            <a:ext cx="2971800" cy="457200"/>
+          </a:xfrm>
+          <a:prstGeom prst="rect">
+            <a:avLst/>
+          </a:prstGeom>
+        </p:spPr>
+        <p:txBody>
+          <a:bodyPr vert="horz" lIns="91440" tIns="45720" rIns="91440" bIns="45720" rtlCol="0"/>
+          <a:lstStyle>
+            <a:lvl1pPr algn="r">
+              <a:defRPr sz="1200"/>
+            </a:lvl1pPr>
+          </a:lstStyle>
+          <a:p>
+            <a:fld id="{39C4ABE7-6968-4EF3-8008-B142D354329E}" type="datetimeFigureOut">
+              <a:rPr lang="fr-FR" smtClean="0"/>
+              <a:t>12/01/2014</a:t>
+            </a:fld>
+            <a:endParaRPr lang="fr-FR"/>
+          </a:p>
+        </p:txBody>
+      </p:sp>
+      <p:sp>
+        <p:nvSpPr>
+          <p:cNvPr id="4" name="Espace réservé de l'image des diapositives 3"/>
+          <p:cNvSpPr>
+            <a:spLocks noGrp="1" noRot="1" noChangeAspect="1"/>
+          </p:cNvSpPr>
+          <p:nvPr>
+            <p:ph type="sldImg" idx="2"/>
+          </p:nvPr>
+        </p:nvSpPr>
+        <p:spPr>
+          <a:xfrm>
+            <a:off x="1143000" y="685800"/>
+            <a:ext cx="4572000" cy="3429000"/>
+          </a:xfrm>
+          <a:prstGeom prst="rect">
+            <a:avLst/>
+          </a:prstGeom>
+          <a:noFill/>
+          <a:ln w="12700">
+            <a:solidFill>
+              <a:prstClr val="black"/>
+            </a:solidFill>
+          </a:ln>
+        </p:spPr>
+        <p:txBody>
+          <a:bodyPr vert="horz" lIns="91440" tIns="45720" rIns="91440" bIns="45720" rtlCol="0" anchor="ctr"/>
+          <a:lstStyle/>
+          <a:p>
+            <a:endParaRPr lang="fr-FR"/>
+          </a:p>
+        </p:txBody>
+      </p:sp>
+      <p:sp>
+        <p:nvSpPr>
+          <p:cNvPr id="5" name="Espace réservé des commentaires 4"/>
+          <p:cNvSpPr>
+            <a:spLocks noGrp="1"/>
+          </p:cNvSpPr>
+          <p:nvPr>
+            <p:ph type="body" sz="quarter" idx="3"/>
+          </p:nvPr>
+        </p:nvSpPr>
+        <p:spPr>
+          <a:xfrm>
+            <a:off x="685800" y="4343400"/>
+            <a:ext cx="5486400" cy="4114800"/>
+          </a:xfrm>
+          <a:prstGeom prst="rect">
+            <a:avLst/>
+          </a:prstGeom>
+        </p:spPr>
+        <p:txBody>
+          <a:bodyPr vert="horz" lIns="91440" tIns="45720" rIns="91440" bIns="45720" rtlCol="0"/>
+          <a:lstStyle/>
+          <a:p>
+            <a:pPr lvl="0"/>
+            <a:r>
+              <a:rPr lang="fr-FR" smtClean="0"/>
+              <a:t>Modifiez les styles du texte du masque</a:t>
+            </a:r>
+          </a:p>
+          <a:p>
+            <a:pPr lvl="1"/>
+            <a:r>
+              <a:rPr lang="fr-FR" smtClean="0"/>
+              <a:t>Deuxième niveau</a:t>
+            </a:r>
+          </a:p>
+          <a:p>
+            <a:pPr lvl="2"/>
+            <a:r>
+              <a:rPr lang="fr-FR" smtClean="0"/>
+              <a:t>Troisième niveau</a:t>
+            </a:r>
+          </a:p>
+          <a:p>
+            <a:pPr lvl="3"/>
+            <a:r>
+              <a:rPr lang="fr-FR" smtClean="0"/>
+              <a:t>Quatrième niveau</a:t>
+            </a:r>
+          </a:p>
+          <a:p>
+            <a:pPr lvl="4"/>
+            <a:r>
+              <a:rPr lang="fr-FR" smtClean="0"/>
+              <a:t>Cinquième niveau</a:t>
+            </a:r>
+            <a:endParaRPr lang="fr-FR"/>
+          </a:p>
+        </p:txBody>
+      </p:sp>
+      <p:sp>
+        <p:nvSpPr>
+          <p:cNvPr id="6" name="Espace réservé du pied de page 5"/>
+          <p:cNvSpPr>
+            <a:spLocks noGrp="1"/>
+          </p:cNvSpPr>
+          <p:nvPr>
+            <p:ph type="ftr" sz="quarter" idx="4"/>
+          </p:nvPr>
+        </p:nvSpPr>
+        <p:spPr>
+          <a:xfrm>
+            <a:off x="0" y="8685213"/>
+            <a:ext cx="2971800" cy="457200"/>
+          </a:xfrm>
+          <a:prstGeom prst="rect">
+            <a:avLst/>
+          </a:prstGeom>
+        </p:spPr>
+        <p:txBody>
+          <a:bodyPr vert="horz" lIns="91440" tIns="45720" rIns="91440" bIns="45720" rtlCol="0" anchor="b"/>
+          <a:lstStyle>
+            <a:lvl1pPr algn="l">
+              <a:defRPr sz="1200"/>
+            </a:lvl1pPr>
+          </a:lstStyle>
+          <a:p>
+            <a:endParaRPr lang="fr-FR"/>
+          </a:p>
+        </p:txBody>
+      </p:sp>
+      <p:sp>
+        <p:nvSpPr>
+          <p:cNvPr id="7" name="Espace réservé du numéro de diapositive 6"/>
+          <p:cNvSpPr>
+            <a:spLocks noGrp="1"/>
+          </p:cNvSpPr>
+          <p:nvPr>
+            <p:ph type="sldNum" sz="quarter" idx="5"/>
+          </p:nvPr>
+        </p:nvSpPr>
+        <p:spPr>
+          <a:xfrm>
+            <a:off x="3884613" y="8685213"/>
+            <a:ext cx="2971800" cy="457200"/>
+          </a:xfrm>
+          <a:prstGeom prst="rect">
+            <a:avLst/>
+          </a:prstGeom>
+        </p:spPr>
+        <p:txBody>
+          <a:bodyPr vert="horz" lIns="91440" tIns="45720" rIns="91440" bIns="45720" rtlCol="0" anchor="b"/>
+          <a:lstStyle>
+            <a:lvl1pPr algn="r">
+              <a:defRPr sz="1200"/>
+            </a:lvl1pPr>
+          </a:lstStyle>
+          <a:p>
+            <a:fld id="{5F0D6C09-BCA6-44EF-99A6-4587823B287A}" type="slidenum">
+              <a:rPr lang="fr-FR" smtClean="0"/>
+              <a:t>‹N°›</a:t>
+            </a:fld>
+            <a:endParaRPr lang="fr-FR"/>
+          </a:p>
+        </p:txBody>
+      </p:sp>
+    </p:spTree>
+    <p:extLst>
+      <p:ext uri="{BB962C8B-B14F-4D97-AF65-F5344CB8AC3E}">
+        <p14:creationId xmlns:p14="http://schemas.microsoft.com/office/powerpoint/2010/main" val="1900129878"/>
+      </p:ext>
+    </p:extLst>
+  </p:cSld>
+  <p:clrMap bg1="lt1" tx1="dk1" bg2="lt2" tx2="dk2" accent1="accent1" accent2="accent2" accent3="accent3" accent4="accent4" accent5="accent5" accent6="accent6" hlink="hlink" folHlink="folHlink"/>
+  <p:notesStyle>
+    <a:lvl1pPr marL="0" algn="l" defTabSz="914400" rtl="0" eaLnBrk="1" latinLnBrk="0" hangingPunct="1">
+      <a:defRPr sz="1200" kern="1200">
+        <a:solidFill>
+          <a:schemeClr val="tx1"/>
+        </a:solidFill>
+        <a:latin typeface="+mn-lt"/>
+        <a:ea typeface="+mn-ea"/>
+        <a:cs typeface="+mn-cs"/>
+      </a:defRPr>
+    </a:lvl1pPr>
+    <a:lvl2pPr marL="457200" algn="l" defTabSz="914400" rtl="0" eaLnBrk="1" latinLnBrk="0" hangingPunct="1">
+      <a:defRPr sz="1200" kern="1200">
+        <a:solidFill>
+          <a:schemeClr val="tx1"/>
+        </a:solidFill>
+        <a:latin typeface="+mn-lt"/>
+        <a:ea typeface="+mn-ea"/>
+        <a:cs typeface="+mn-cs"/>
+      </a:defRPr>
+    </a:lvl2pPr>
+    <a:lvl3pPr marL="914400" algn="l" defTabSz="914400" rtl="0" eaLnBrk="1" latinLnBrk="0" hangingPunct="1">
+      <a:defRPr sz="1200" kern="1200">
+        <a:solidFill>
+          <a:schemeClr val="tx1"/>
+        </a:solidFill>
+        <a:latin typeface="+mn-lt"/>
+        <a:ea typeface="+mn-ea"/>
+        <a:cs typeface="+mn-cs"/>
+      </a:defRPr>
+    </a:lvl3pPr>
+    <a:lvl4pPr marL="1371600" algn="l" defTabSz="914400" rtl="0" eaLnBrk="1" latinLnBrk="0" hangingPunct="1">
+      <a:defRPr sz="1200" kern="1200">
+        <a:solidFill>
+          <a:schemeClr val="tx1"/>
+        </a:solidFill>
+        <a:latin typeface="+mn-lt"/>
+        <a:ea typeface="+mn-ea"/>
+        <a:cs typeface="+mn-cs"/>
+      </a:defRPr>
+    </a:lvl4pPr>
+    <a:lvl5pPr marL="1828800" algn="l" defTabSz="914400" rtl="0" eaLnBrk="1" latinLnBrk="0" hangingPunct="1">
+      <a:defRPr sz="1200" kern="1200">
+        <a:solidFill>
+          <a:schemeClr val="tx1"/>
+        </a:solidFill>
+        <a:latin typeface="+mn-lt"/>
+        <a:ea typeface="+mn-ea"/>
+        <a:cs typeface="+mn-cs"/>
+      </a:defRPr>
+    </a:lvl5pPr>
+    <a:lvl6pPr marL="2286000" algn="l" defTabSz="914400" rtl="0" eaLnBrk="1" latinLnBrk="0" hangingPunct="1">
+      <a:defRPr sz="1200" kern="1200">
+        <a:solidFill>
+          <a:schemeClr val="tx1"/>
+        </a:solidFill>
+        <a:latin typeface="+mn-lt"/>
+        <a:ea typeface="+mn-ea"/>
+        <a:cs typeface="+mn-cs"/>
+      </a:defRPr>
+    </a:lvl6pPr>
+    <a:lvl7pPr marL="2743200" algn="l" defTabSz="914400" rtl="0" eaLnBrk="1" latinLnBrk="0" hangingPunct="1">
+      <a:defRPr sz="1200" kern="1200">
+        <a:solidFill>
+          <a:schemeClr val="tx1"/>
+        </a:solidFill>
+        <a:latin typeface="+mn-lt"/>
+        <a:ea typeface="+mn-ea"/>
+        <a:cs typeface="+mn-cs"/>
+      </a:defRPr>
+    </a:lvl7pPr>
+    <a:lvl8pPr marL="3200400" algn="l" defTabSz="914400" rtl="0" eaLnBrk="1" latinLnBrk="0" hangingPunct="1">
+      <a:defRPr sz="1200" kern="1200">
+        <a:solidFill>
+          <a:schemeClr val="tx1"/>
+        </a:solidFill>
+        <a:latin typeface="+mn-lt"/>
+        <a:ea typeface="+mn-ea"/>
+        <a:cs typeface="+mn-cs"/>
+      </a:defRPr>
+    </a:lvl8pPr>
+    <a:lvl9pPr marL="3657600" algn="l" defTabSz="914400" rtl="0" eaLnBrk="1" latinLnBrk="0" hangingPunct="1">
+      <a:defRPr sz="1200" kern="1200">
+        <a:solidFill>
+          <a:schemeClr val="tx1"/>
+        </a:solidFill>
+        <a:latin typeface="+mn-lt"/>
+        <a:ea typeface="+mn-ea"/>
+        <a:cs typeface="+mn-cs"/>
+      </a:defRPr>
+    </a:lvl9pPr>
+  </p:notesStyle>
+</p:notesMaster>
+</file>
+
 <file path=ppt/slideLayouts/slideLayout1.xml><?xml version="1.0" encoding="utf-8"?>
 <p:sldLayout xmlns:a="http://schemas.openxmlformats.org/drawingml/2006/main" xmlns:r="http://schemas.openxmlformats.org/officeDocument/2006/relationships" xmlns:p="http://schemas.openxmlformats.org/presentationml/2006/main" showMasterSp="0" type="title" preserve="1">
   <p:cSld name="Diapositive de titre">
@@ -244,9 +604,9 @@
           <a:bodyPr/>
           <a:lstStyle/>
           <a:p>
-            <a:fld id="{AD408A1E-C2DD-44DC-A9A0-F70687E169DD}" type="datetimeFigureOut">
-              <a:rPr lang="fr-FR" smtClean="0"/>
-              <a:t>29/12/2013</a:t>
+            <a:fld id="{B4549172-3FEE-47D0-BB65-1A18684F7B98}" type="datetime1">
+              <a:rPr lang="fr-FR" smtClean="0"/>
+              <a:t>12/01/2014</a:t>
             </a:fld>
             <a:endParaRPr lang="fr-FR"/>
           </a:p>
@@ -1113,9 +1473,9 @@
           <a:bodyPr/>
           <a:lstStyle/>
           <a:p>
-            <a:fld id="{AD408A1E-C2DD-44DC-A9A0-F70687E169DD}" type="datetimeFigureOut">
-              <a:rPr lang="fr-FR" smtClean="0"/>
-              <a:t>29/12/2013</a:t>
+            <a:fld id="{0688EC1D-1471-4698-BCB8-4CF0BC090325}" type="datetime1">
+              <a:rPr lang="fr-FR" smtClean="0"/>
+              <a:t>12/01/2014</a:t>
             </a:fld>
             <a:endParaRPr lang="fr-FR"/>
           </a:p>
@@ -1288,9 +1648,9 @@
           <a:bodyPr/>
           <a:lstStyle/>
           <a:p>
-            <a:fld id="{AD408A1E-C2DD-44DC-A9A0-F70687E169DD}" type="datetimeFigureOut">
-              <a:rPr lang="fr-FR" smtClean="0"/>
-              <a:t>29/12/2013</a:t>
+            <a:fld id="{34F453BD-45AF-4B4E-99AC-6020FBB0AF33}" type="datetime1">
+              <a:rPr lang="fr-FR" smtClean="0"/>
+              <a:t>12/01/2014</a:t>
             </a:fld>
             <a:endParaRPr lang="fr-FR"/>
           </a:p>
@@ -1458,9 +1818,9 @@
           <a:bodyPr rtlCol="0"/>
           <a:lstStyle/>
           <a:p>
-            <a:fld id="{AD408A1E-C2DD-44DC-A9A0-F70687E169DD}" type="datetimeFigureOut">
-              <a:rPr lang="fr-FR" smtClean="0"/>
-              <a:t>29/12/2013</a:t>
+            <a:fld id="{FEB61240-9CB5-48EB-BBA6-3C19629F7658}" type="datetime1">
+              <a:rPr lang="fr-FR" smtClean="0"/>
+              <a:t>12/01/2014</a:t>
             </a:fld>
             <a:endParaRPr lang="fr-FR"/>
           </a:p>
@@ -1668,9 +2028,9 @@
           <a:bodyPr/>
           <a:lstStyle/>
           <a:p>
-            <a:fld id="{AD408A1E-C2DD-44DC-A9A0-F70687E169DD}" type="datetimeFigureOut">
-              <a:rPr lang="fr-FR" smtClean="0"/>
-              <a:t>29/12/2013</a:t>
+            <a:fld id="{2BAACD1D-30C3-476D-A850-5E16ED207568}" type="datetime1">
+              <a:rPr lang="fr-FR" smtClean="0"/>
+              <a:t>12/01/2014</a:t>
             </a:fld>
             <a:endParaRPr lang="fr-FR"/>
           </a:p>
@@ -2482,9 +2842,9 @@
           <a:bodyPr/>
           <a:lstStyle/>
           <a:p>
-            <a:fld id="{AD408A1E-C2DD-44DC-A9A0-F70687E169DD}" type="datetimeFigureOut">
-              <a:rPr lang="fr-FR" smtClean="0"/>
-              <a:t>29/12/2013</a:t>
+            <a:fld id="{B9694703-0C5B-4AFF-B4BE-E07D7CDC5B14}" type="datetime1">
+              <a:rPr lang="fr-FR" smtClean="0"/>
+              <a:t>12/01/2014</a:t>
             </a:fld>
             <a:endParaRPr lang="fr-FR"/>
           </a:p>
@@ -2718,9 +3078,9 @@
           <a:bodyPr/>
           <a:lstStyle/>
           <a:p>
-            <a:fld id="{AD408A1E-C2DD-44DC-A9A0-F70687E169DD}" type="datetimeFigureOut">
-              <a:rPr lang="fr-FR" smtClean="0"/>
-              <a:t>29/12/2013</a:t>
+            <a:fld id="{37245C4D-23E6-48C4-9F30-3F474E6D101F}" type="datetime1">
+              <a:rPr lang="fr-FR" smtClean="0"/>
+              <a:t>12/01/2014</a:t>
             </a:fld>
             <a:endParaRPr lang="fr-FR"/>
           </a:p>
@@ -3041,9 +3401,9 @@
           <a:bodyPr rtlCol="0"/>
           <a:lstStyle/>
           <a:p>
-            <a:fld id="{AD408A1E-C2DD-44DC-A9A0-F70687E169DD}" type="datetimeFigureOut">
-              <a:rPr lang="fr-FR" smtClean="0"/>
-              <a:t>29/12/2013</a:t>
+            <a:fld id="{A3E5E471-8E97-4CF8-A94F-AB51374CF764}" type="datetime1">
+              <a:rPr lang="fr-FR" smtClean="0"/>
+              <a:t>12/01/2014</a:t>
             </a:fld>
             <a:endParaRPr lang="fr-FR"/>
           </a:p>
@@ -3131,9 +3491,9 @@
           <a:bodyPr/>
           <a:lstStyle/>
           <a:p>
-            <a:fld id="{AD408A1E-C2DD-44DC-A9A0-F70687E169DD}" type="datetimeFigureOut">
-              <a:rPr lang="fr-FR" smtClean="0"/>
-              <a:t>29/12/2013</a:t>
+            <a:fld id="{6A8C3648-6B48-4061-B02D-C97909C99497}" type="datetime1">
+              <a:rPr lang="fr-FR" smtClean="0"/>
+              <a:t>12/01/2014</a:t>
             </a:fld>
             <a:endParaRPr lang="fr-FR"/>
           </a:p>
@@ -3648,9 +4008,9 @@
           <a:bodyPr rtlCol="0"/>
           <a:lstStyle/>
           <a:p>
-            <a:fld id="{AD408A1E-C2DD-44DC-A9A0-F70687E169DD}" type="datetimeFigureOut">
-              <a:rPr lang="fr-FR" smtClean="0"/>
-              <a:t>29/12/2013</a:t>
+            <a:fld id="{B2A6E1C4-077A-4686-B4A8-84EDB76D0538}" type="datetime1">
+              <a:rPr lang="fr-FR" smtClean="0"/>
+              <a:t>12/01/2014</a:t>
             </a:fld>
             <a:endParaRPr lang="fr-FR"/>
           </a:p>
@@ -4159,9 +4519,9 @@
           <a:bodyPr rtlCol="0"/>
           <a:lstStyle/>
           <a:p>
-            <a:fld id="{AD408A1E-C2DD-44DC-A9A0-F70687E169DD}" type="datetimeFigureOut">
-              <a:rPr lang="fr-FR" smtClean="0"/>
-              <a:t>29/12/2013</a:t>
+            <a:fld id="{B2A3A41F-5CC8-4B2F-A21F-2E1DB772744F}" type="datetime1">
+              <a:rPr lang="fr-FR" smtClean="0"/>
+              <a:t>12/01/2014</a:t>
             </a:fld>
             <a:endParaRPr lang="fr-FR"/>
           </a:p>
@@ -4404,9 +4764,9 @@
             </a:lvl1pPr>
           </a:lstStyle>
           <a:p>
-            <a:fld id="{AD408A1E-C2DD-44DC-A9A0-F70687E169DD}" type="datetimeFigureOut">
-              <a:rPr lang="fr-FR" smtClean="0"/>
-              <a:t>29/12/2013</a:t>
+            <a:fld id="{85C30354-83D0-4C08-BE63-E487BB73E13E}" type="datetime1">
+              <a:rPr lang="fr-FR" smtClean="0"/>
+              <a:t>12/01/2014</a:t>
             </a:fld>
             <a:endParaRPr lang="fr-FR"/>
           </a:p>
@@ -4704,6 +5064,7 @@
     <p:sldLayoutId id="2147483814" r:id="rId10"/>
     <p:sldLayoutId id="2147483815" r:id="rId11"/>
   </p:sldLayoutIdLst>
+  <p:hf hdr="0" ftr="0" dt="0"/>
   <p:txStyles>
     <p:titleStyle>
       <a:lvl1pPr algn="l" rtl="0" eaLnBrk="1" latinLnBrk="0" hangingPunct="1">
@@ -5114,6 +5475,109 @@
 </p:sld>
 </file>
 
+<file path=ppt/slides/slide10.xml><?xml version="1.0" encoding="utf-8"?>
+<p:sld xmlns:a="http://schemas.openxmlformats.org/drawingml/2006/main" xmlns:r="http://schemas.openxmlformats.org/officeDocument/2006/relationships" xmlns:p="http://schemas.openxmlformats.org/presentationml/2006/main">
+  <p:cSld>
+    <p:spTree>
+      <p:nvGrpSpPr>
+        <p:cNvPr id="1" name=""/>
+        <p:cNvGrpSpPr/>
+        <p:nvPr/>
+      </p:nvGrpSpPr>
+      <p:grpSpPr>
+        <a:xfrm>
+          <a:off x="0" y="0"/>
+          <a:ext cx="0" cy="0"/>
+          <a:chOff x="0" y="0"/>
+          <a:chExt cx="0" cy="0"/>
+        </a:xfrm>
+      </p:grpSpPr>
+      <p:sp>
+        <p:nvSpPr>
+          <p:cNvPr id="4" name="Titre 3"/>
+          <p:cNvSpPr>
+            <a:spLocks noGrp="1"/>
+          </p:cNvSpPr>
+          <p:nvPr>
+            <p:ph type="title"/>
+          </p:nvPr>
+        </p:nvSpPr>
+        <p:spPr/>
+        <p:txBody>
+          <a:bodyPr/>
+          <a:lstStyle/>
+          <a:p>
+            <a:r>
+              <a:rPr lang="fr-FR" dirty="0" err="1" smtClean="0"/>
+              <a:t>Xcos</a:t>
+            </a:r>
+            <a:r>
+              <a:rPr lang="fr-FR" dirty="0" smtClean="0"/>
+              <a:t> &amp; </a:t>
+            </a:r>
+            <a:r>
+              <a:rPr lang="fr-FR" dirty="0" err="1" smtClean="0"/>
+              <a:t>Arduino</a:t>
+            </a:r>
+            <a:endParaRPr lang="fr-FR" dirty="0"/>
+          </a:p>
+        </p:txBody>
+      </p:sp>
+      <p:sp>
+        <p:nvSpPr>
+          <p:cNvPr id="5" name="Espace réservé du texte 4"/>
+          <p:cNvSpPr>
+            <a:spLocks noGrp="1"/>
+          </p:cNvSpPr>
+          <p:nvPr>
+            <p:ph type="body" idx="1"/>
+          </p:nvPr>
+        </p:nvSpPr>
+        <p:spPr/>
+        <p:txBody>
+          <a:bodyPr/>
+          <a:lstStyle/>
+          <a:p>
+            <a:endParaRPr lang="fr-FR"/>
+          </a:p>
+        </p:txBody>
+      </p:sp>
+      <p:sp>
+        <p:nvSpPr>
+          <p:cNvPr id="2" name="Espace réservé du numéro de diapositive 1"/>
+          <p:cNvSpPr>
+            <a:spLocks noGrp="1"/>
+          </p:cNvSpPr>
+          <p:nvPr>
+            <p:ph type="sldNum" sz="quarter" idx="12"/>
+          </p:nvPr>
+        </p:nvSpPr>
+        <p:spPr/>
+        <p:txBody>
+          <a:bodyPr/>
+          <a:lstStyle/>
+          <a:p>
+            <a:fld id="{136A7F36-7A21-4EA8-9DC2-F00219448035}" type="slidenum">
+              <a:rPr lang="fr-FR" smtClean="0"/>
+              <a:t>10</a:t>
+            </a:fld>
+            <a:endParaRPr lang="fr-FR"/>
+          </a:p>
+        </p:txBody>
+      </p:sp>
+    </p:spTree>
+    <p:extLst>
+      <p:ext uri="{BB962C8B-B14F-4D97-AF65-F5344CB8AC3E}">
+        <p14:creationId xmlns:p14="http://schemas.microsoft.com/office/powerpoint/2010/main" val="1589319820"/>
+      </p:ext>
+    </p:extLst>
+  </p:cSld>
+  <p:clrMapOvr>
+    <a:masterClrMapping/>
+  </p:clrMapOvr>
+</p:sld>
+</file>
+
 <file path=ppt/slides/slide2.xml><?xml version="1.0" encoding="utf-8"?>
 <p:sld xmlns:a="http://schemas.openxmlformats.org/drawingml/2006/main" xmlns:r="http://schemas.openxmlformats.org/officeDocument/2006/relationships" xmlns:p="http://schemas.openxmlformats.org/presentationml/2006/main">
   <p:cSld>
@@ -5274,6 +5738,29 @@
           <a:p>
             <a:pPr lvl="1"/>
             <a:endParaRPr lang="fr-FR" dirty="0"/>
+          </a:p>
+        </p:txBody>
+      </p:sp>
+      <p:sp>
+        <p:nvSpPr>
+          <p:cNvPr id="4" name="Espace réservé du numéro de diapositive 3"/>
+          <p:cNvSpPr>
+            <a:spLocks noGrp="1"/>
+          </p:cNvSpPr>
+          <p:nvPr>
+            <p:ph type="sldNum" sz="quarter" idx="15"/>
+          </p:nvPr>
+        </p:nvSpPr>
+        <p:spPr/>
+        <p:txBody>
+          <a:bodyPr/>
+          <a:lstStyle/>
+          <a:p>
+            <a:fld id="{136A7F36-7A21-4EA8-9DC2-F00219448035}" type="slidenum">
+              <a:rPr lang="fr-FR" smtClean="0"/>
+              <a:t>2</a:t>
+            </a:fld>
+            <a:endParaRPr lang="fr-FR"/>
           </a:p>
         </p:txBody>
       </p:sp>
@@ -5345,10 +5832,658 @@
           </a:p>
         </p:txBody>
       </p:sp>
+      <p:sp>
+        <p:nvSpPr>
+          <p:cNvPr id="4" name="Espace réservé du numéro de diapositive 3"/>
+          <p:cNvSpPr>
+            <a:spLocks noGrp="1"/>
+          </p:cNvSpPr>
+          <p:nvPr>
+            <p:ph type="sldNum" sz="quarter" idx="15"/>
+          </p:nvPr>
+        </p:nvSpPr>
+        <p:spPr/>
+        <p:txBody>
+          <a:bodyPr/>
+          <a:lstStyle/>
+          <a:p>
+            <a:fld id="{136A7F36-7A21-4EA8-9DC2-F00219448035}" type="slidenum">
+              <a:rPr lang="fr-FR" smtClean="0"/>
+              <a:t>3</a:t>
+            </a:fld>
+            <a:endParaRPr lang="fr-FR"/>
+          </a:p>
+        </p:txBody>
+      </p:sp>
     </p:spTree>
     <p:extLst>
       <p:ext uri="{BB962C8B-B14F-4D97-AF65-F5344CB8AC3E}">
         <p14:creationId xmlns:p14="http://schemas.microsoft.com/office/powerpoint/2010/main" val="2954816179"/>
+      </p:ext>
+    </p:extLst>
+  </p:cSld>
+  <p:clrMapOvr>
+    <a:masterClrMapping/>
+  </p:clrMapOvr>
+</p:sld>
+</file>
+
+<file path=ppt/slides/slide4.xml><?xml version="1.0" encoding="utf-8"?>
+<p:sld xmlns:a="http://schemas.openxmlformats.org/drawingml/2006/main" xmlns:r="http://schemas.openxmlformats.org/officeDocument/2006/relationships" xmlns:p="http://schemas.openxmlformats.org/presentationml/2006/main">
+  <p:cSld>
+    <p:spTree>
+      <p:nvGrpSpPr>
+        <p:cNvPr id="1" name=""/>
+        <p:cNvGrpSpPr/>
+        <p:nvPr/>
+      </p:nvGrpSpPr>
+      <p:grpSpPr>
+        <a:xfrm>
+          <a:off x="0" y="0"/>
+          <a:ext cx="0" cy="0"/>
+          <a:chOff x="0" y="0"/>
+          <a:chExt cx="0" cy="0"/>
+        </a:xfrm>
+      </p:grpSpPr>
+      <p:sp>
+        <p:nvSpPr>
+          <p:cNvPr id="4" name="Titre 3"/>
+          <p:cNvSpPr>
+            <a:spLocks noGrp="1"/>
+          </p:cNvSpPr>
+          <p:nvPr>
+            <p:ph type="title"/>
+          </p:nvPr>
+        </p:nvSpPr>
+        <p:spPr/>
+        <p:txBody>
+          <a:bodyPr/>
+          <a:lstStyle/>
+          <a:p>
+            <a:r>
+              <a:rPr lang="fr-FR" dirty="0" smtClean="0"/>
+              <a:t>Modélisation des systèmes avec le module </a:t>
+            </a:r>
+            <a:r>
+              <a:rPr lang="fr-FR" dirty="0" err="1" smtClean="0"/>
+              <a:t>Coselica</a:t>
+            </a:r>
+            <a:endParaRPr lang="fr-FR" dirty="0"/>
+          </a:p>
+        </p:txBody>
+      </p:sp>
+      <p:sp>
+        <p:nvSpPr>
+          <p:cNvPr id="5" name="Espace réservé du texte 4"/>
+          <p:cNvSpPr>
+            <a:spLocks noGrp="1"/>
+          </p:cNvSpPr>
+          <p:nvPr>
+            <p:ph type="body" idx="1"/>
+          </p:nvPr>
+        </p:nvSpPr>
+        <p:spPr/>
+        <p:txBody>
+          <a:bodyPr/>
+          <a:lstStyle/>
+          <a:p>
+            <a:endParaRPr lang="fr-FR"/>
+          </a:p>
+        </p:txBody>
+      </p:sp>
+      <p:sp>
+        <p:nvSpPr>
+          <p:cNvPr id="6" name="Espace réservé du numéro de diapositive 5"/>
+          <p:cNvSpPr>
+            <a:spLocks noGrp="1"/>
+          </p:cNvSpPr>
+          <p:nvPr>
+            <p:ph type="sldNum" sz="quarter" idx="12"/>
+          </p:nvPr>
+        </p:nvSpPr>
+        <p:spPr/>
+        <p:txBody>
+          <a:bodyPr/>
+          <a:lstStyle/>
+          <a:p>
+            <a:fld id="{136A7F36-7A21-4EA8-9DC2-F00219448035}" type="slidenum">
+              <a:rPr lang="fr-FR" smtClean="0"/>
+              <a:t>4</a:t>
+            </a:fld>
+            <a:endParaRPr lang="fr-FR"/>
+          </a:p>
+        </p:txBody>
+      </p:sp>
+    </p:spTree>
+    <p:extLst>
+      <p:ext uri="{BB962C8B-B14F-4D97-AF65-F5344CB8AC3E}">
+        <p14:creationId xmlns:p14="http://schemas.microsoft.com/office/powerpoint/2010/main" val="1140419535"/>
+      </p:ext>
+    </p:extLst>
+  </p:cSld>
+  <p:clrMapOvr>
+    <a:masterClrMapping/>
+  </p:clrMapOvr>
+</p:sld>
+</file>
+
+<file path=ppt/slides/slide5.xml><?xml version="1.0" encoding="utf-8"?>
+<p:sld xmlns:a="http://schemas.openxmlformats.org/drawingml/2006/main" xmlns:r="http://schemas.openxmlformats.org/officeDocument/2006/relationships" xmlns:p="http://schemas.openxmlformats.org/presentationml/2006/main">
+  <p:cSld>
+    <p:spTree>
+      <p:nvGrpSpPr>
+        <p:cNvPr id="1" name=""/>
+        <p:cNvGrpSpPr/>
+        <p:nvPr/>
+      </p:nvGrpSpPr>
+      <p:grpSpPr>
+        <a:xfrm>
+          <a:off x="0" y="0"/>
+          <a:ext cx="0" cy="0"/>
+          <a:chOff x="0" y="0"/>
+          <a:chExt cx="0" cy="0"/>
+        </a:xfrm>
+      </p:grpSpPr>
+      <p:sp>
+        <p:nvSpPr>
+          <p:cNvPr id="2" name="Titre 1"/>
+          <p:cNvSpPr>
+            <a:spLocks noGrp="1"/>
+          </p:cNvSpPr>
+          <p:nvPr>
+            <p:ph type="title"/>
+          </p:nvPr>
+        </p:nvSpPr>
+        <p:spPr/>
+        <p:txBody>
+          <a:bodyPr/>
+          <a:lstStyle/>
+          <a:p>
+            <a:r>
+              <a:rPr lang="fr-FR" dirty="0" smtClean="0"/>
+              <a:t>Connecteurs</a:t>
+            </a:r>
+            <a:endParaRPr lang="fr-FR" dirty="0"/>
+          </a:p>
+        </p:txBody>
+      </p:sp>
+      <p:sp>
+        <p:nvSpPr>
+          <p:cNvPr id="3" name="Espace réservé du contenu 2"/>
+          <p:cNvSpPr>
+            <a:spLocks noGrp="1"/>
+          </p:cNvSpPr>
+          <p:nvPr>
+            <p:ph sz="quarter" idx="1"/>
+          </p:nvPr>
+        </p:nvSpPr>
+        <p:spPr/>
+        <p:txBody>
+          <a:bodyPr/>
+          <a:lstStyle/>
+          <a:p>
+            <a:r>
+              <a:rPr lang="fr-FR" dirty="0" smtClean="0"/>
+              <a:t>Triangle bleu : signal de données (sans dimension)</a:t>
+            </a:r>
+          </a:p>
+          <a:p>
+            <a:r>
+              <a:rPr lang="fr-FR" dirty="0" smtClean="0"/>
+              <a:t>Carré bleu : signal électrique</a:t>
+            </a:r>
+          </a:p>
+          <a:p>
+            <a:r>
+              <a:rPr lang="fr-FR" dirty="0" smtClean="0"/>
+              <a:t>Carré rouge : donnée thermique</a:t>
+            </a:r>
+          </a:p>
+          <a:p>
+            <a:r>
+              <a:rPr lang="fr-FR" dirty="0" smtClean="0"/>
+              <a:t>Carré vert : mécanique 1D en translation</a:t>
+            </a:r>
+          </a:p>
+          <a:p>
+            <a:r>
+              <a:rPr lang="fr-FR" dirty="0" smtClean="0"/>
+              <a:t>Rond gris : mécanique 1D en rotation</a:t>
+            </a:r>
+          </a:p>
+          <a:p>
+            <a:r>
+              <a:rPr lang="fr-FR" dirty="0" smtClean="0"/>
+              <a:t>Carré gris : mécanique 2D plane</a:t>
+            </a:r>
+          </a:p>
+          <a:p>
+            <a:endParaRPr lang="fr-FR" dirty="0" smtClean="0"/>
+          </a:p>
+          <a:p>
+            <a:endParaRPr lang="fr-FR" dirty="0"/>
+          </a:p>
+        </p:txBody>
+      </p:sp>
+      <p:sp>
+        <p:nvSpPr>
+          <p:cNvPr id="4" name="Espace réservé du numéro de diapositive 3"/>
+          <p:cNvSpPr>
+            <a:spLocks noGrp="1"/>
+          </p:cNvSpPr>
+          <p:nvPr>
+            <p:ph type="sldNum" sz="quarter" idx="15"/>
+          </p:nvPr>
+        </p:nvSpPr>
+        <p:spPr/>
+        <p:txBody>
+          <a:bodyPr/>
+          <a:lstStyle/>
+          <a:p>
+            <a:fld id="{136A7F36-7A21-4EA8-9DC2-F00219448035}" type="slidenum">
+              <a:rPr lang="fr-FR" smtClean="0"/>
+              <a:t>5</a:t>
+            </a:fld>
+            <a:endParaRPr lang="fr-FR"/>
+          </a:p>
+        </p:txBody>
+      </p:sp>
+    </p:spTree>
+    <p:extLst>
+      <p:ext uri="{BB962C8B-B14F-4D97-AF65-F5344CB8AC3E}">
+        <p14:creationId xmlns:p14="http://schemas.microsoft.com/office/powerpoint/2010/main" val="398496562"/>
+      </p:ext>
+    </p:extLst>
+  </p:cSld>
+  <p:clrMapOvr>
+    <a:masterClrMapping/>
+  </p:clrMapOvr>
+</p:sld>
+</file>
+
+<file path=ppt/slides/slide6.xml><?xml version="1.0" encoding="utf-8"?>
+<p:sld xmlns:a="http://schemas.openxmlformats.org/drawingml/2006/main" xmlns:r="http://schemas.openxmlformats.org/officeDocument/2006/relationships" xmlns:p="http://schemas.openxmlformats.org/presentationml/2006/main">
+  <p:cSld>
+    <p:spTree>
+      <p:nvGrpSpPr>
+        <p:cNvPr id="1" name=""/>
+        <p:cNvGrpSpPr/>
+        <p:nvPr/>
+      </p:nvGrpSpPr>
+      <p:grpSpPr>
+        <a:xfrm>
+          <a:off x="0" y="0"/>
+          <a:ext cx="0" cy="0"/>
+          <a:chOff x="0" y="0"/>
+          <a:chExt cx="0" cy="0"/>
+        </a:xfrm>
+      </p:grpSpPr>
+      <p:sp>
+        <p:nvSpPr>
+          <p:cNvPr id="2" name="Titre 1"/>
+          <p:cNvSpPr>
+            <a:spLocks noGrp="1"/>
+          </p:cNvSpPr>
+          <p:nvPr>
+            <p:ph type="title"/>
+          </p:nvPr>
+        </p:nvSpPr>
+        <p:spPr/>
+        <p:txBody>
+          <a:bodyPr/>
+          <a:lstStyle/>
+          <a:p>
+            <a:r>
+              <a:rPr lang="fr-FR" dirty="0" smtClean="0"/>
+              <a:t>Modélisation d’un système mécanique</a:t>
+            </a:r>
+            <a:endParaRPr lang="fr-FR" dirty="0"/>
+          </a:p>
+        </p:txBody>
+      </p:sp>
+      <p:sp>
+        <p:nvSpPr>
+          <p:cNvPr id="3" name="Espace réservé du contenu 2"/>
+          <p:cNvSpPr>
+            <a:spLocks noGrp="1"/>
+          </p:cNvSpPr>
+          <p:nvPr>
+            <p:ph sz="quarter" idx="1"/>
+          </p:nvPr>
+        </p:nvSpPr>
+        <p:spPr/>
+        <p:txBody>
+          <a:bodyPr/>
+          <a:lstStyle/>
+          <a:p>
+            <a:endParaRPr lang="fr-FR"/>
+          </a:p>
+        </p:txBody>
+      </p:sp>
+      <p:sp>
+        <p:nvSpPr>
+          <p:cNvPr id="4" name="Espace réservé du numéro de diapositive 3"/>
+          <p:cNvSpPr>
+            <a:spLocks noGrp="1"/>
+          </p:cNvSpPr>
+          <p:nvPr>
+            <p:ph type="sldNum" sz="quarter" idx="15"/>
+          </p:nvPr>
+        </p:nvSpPr>
+        <p:spPr/>
+        <p:txBody>
+          <a:bodyPr/>
+          <a:lstStyle/>
+          <a:p>
+            <a:fld id="{136A7F36-7A21-4EA8-9DC2-F00219448035}" type="slidenum">
+              <a:rPr lang="fr-FR" smtClean="0"/>
+              <a:t>6</a:t>
+            </a:fld>
+            <a:endParaRPr lang="fr-FR"/>
+          </a:p>
+        </p:txBody>
+      </p:sp>
+    </p:spTree>
+    <p:extLst>
+      <p:ext uri="{BB962C8B-B14F-4D97-AF65-F5344CB8AC3E}">
+        <p14:creationId xmlns:p14="http://schemas.microsoft.com/office/powerpoint/2010/main" val="2499627110"/>
+      </p:ext>
+    </p:extLst>
+  </p:cSld>
+  <p:clrMapOvr>
+    <a:masterClrMapping/>
+  </p:clrMapOvr>
+</p:sld>
+</file>
+
+<file path=ppt/slides/slide7.xml><?xml version="1.0" encoding="utf-8"?>
+<p:sld xmlns:a="http://schemas.openxmlformats.org/drawingml/2006/main" xmlns:r="http://schemas.openxmlformats.org/officeDocument/2006/relationships" xmlns:p="http://schemas.openxmlformats.org/presentationml/2006/main">
+  <p:cSld>
+    <p:spTree>
+      <p:nvGrpSpPr>
+        <p:cNvPr id="1" name=""/>
+        <p:cNvGrpSpPr/>
+        <p:nvPr/>
+      </p:nvGrpSpPr>
+      <p:grpSpPr>
+        <a:xfrm>
+          <a:off x="0" y="0"/>
+          <a:ext cx="0" cy="0"/>
+          <a:chOff x="0" y="0"/>
+          <a:chExt cx="0" cy="0"/>
+        </a:xfrm>
+      </p:grpSpPr>
+      <p:sp>
+        <p:nvSpPr>
+          <p:cNvPr id="2" name="Titre 1"/>
+          <p:cNvSpPr>
+            <a:spLocks noGrp="1"/>
+          </p:cNvSpPr>
+          <p:nvPr>
+            <p:ph type="title"/>
+          </p:nvPr>
+        </p:nvSpPr>
+        <p:spPr/>
+        <p:txBody>
+          <a:bodyPr/>
+          <a:lstStyle/>
+          <a:p>
+            <a:r>
+              <a:rPr lang="fr-FR" dirty="0" smtClean="0"/>
+              <a:t>Modélisation d’un système électrique</a:t>
+            </a:r>
+            <a:endParaRPr lang="fr-FR" dirty="0"/>
+          </a:p>
+        </p:txBody>
+      </p:sp>
+      <p:sp>
+        <p:nvSpPr>
+          <p:cNvPr id="3" name="Espace réservé du contenu 2"/>
+          <p:cNvSpPr>
+            <a:spLocks noGrp="1"/>
+          </p:cNvSpPr>
+          <p:nvPr>
+            <p:ph sz="quarter" idx="1"/>
+          </p:nvPr>
+        </p:nvSpPr>
+        <p:spPr/>
+        <p:txBody>
+          <a:bodyPr/>
+          <a:lstStyle/>
+          <a:p>
+            <a:endParaRPr lang="fr-FR"/>
+          </a:p>
+        </p:txBody>
+      </p:sp>
+      <p:sp>
+        <p:nvSpPr>
+          <p:cNvPr id="4" name="Espace réservé du numéro de diapositive 3"/>
+          <p:cNvSpPr>
+            <a:spLocks noGrp="1"/>
+          </p:cNvSpPr>
+          <p:nvPr>
+            <p:ph type="sldNum" sz="quarter" idx="15"/>
+          </p:nvPr>
+        </p:nvSpPr>
+        <p:spPr/>
+        <p:txBody>
+          <a:bodyPr/>
+          <a:lstStyle/>
+          <a:p>
+            <a:fld id="{136A7F36-7A21-4EA8-9DC2-F00219448035}" type="slidenum">
+              <a:rPr lang="fr-FR" smtClean="0"/>
+              <a:t>7</a:t>
+            </a:fld>
+            <a:endParaRPr lang="fr-FR"/>
+          </a:p>
+        </p:txBody>
+      </p:sp>
+    </p:spTree>
+    <p:extLst>
+      <p:ext uri="{BB962C8B-B14F-4D97-AF65-F5344CB8AC3E}">
+        <p14:creationId xmlns:p14="http://schemas.microsoft.com/office/powerpoint/2010/main" val="1668926440"/>
+      </p:ext>
+    </p:extLst>
+  </p:cSld>
+  <p:clrMapOvr>
+    <a:masterClrMapping/>
+  </p:clrMapOvr>
+</p:sld>
+</file>
+
+<file path=ppt/slides/slide8.xml><?xml version="1.0" encoding="utf-8"?>
+<p:sld xmlns:a="http://schemas.openxmlformats.org/drawingml/2006/main" xmlns:r="http://schemas.openxmlformats.org/officeDocument/2006/relationships" xmlns:p="http://schemas.openxmlformats.org/presentationml/2006/main">
+  <p:cSld>
+    <p:spTree>
+      <p:nvGrpSpPr>
+        <p:cNvPr id="1" name=""/>
+        <p:cNvGrpSpPr/>
+        <p:nvPr/>
+      </p:nvGrpSpPr>
+      <p:grpSpPr>
+        <a:xfrm>
+          <a:off x="0" y="0"/>
+          <a:ext cx="0" cy="0"/>
+          <a:chOff x="0" y="0"/>
+          <a:chExt cx="0" cy="0"/>
+        </a:xfrm>
+      </p:grpSpPr>
+      <p:sp>
+        <p:nvSpPr>
+          <p:cNvPr id="2" name="Titre 1"/>
+          <p:cNvSpPr>
+            <a:spLocks noGrp="1"/>
+          </p:cNvSpPr>
+          <p:nvPr>
+            <p:ph type="title"/>
+          </p:nvPr>
+        </p:nvSpPr>
+        <p:spPr/>
+        <p:txBody>
+          <a:bodyPr>
+            <a:normAutofit fontScale="90000"/>
+          </a:bodyPr>
+          <a:lstStyle/>
+          <a:p>
+            <a:r>
+              <a:rPr lang="fr-FR" dirty="0" smtClean="0"/>
+              <a:t>Modélisation d’un système </a:t>
+            </a:r>
+            <a:r>
+              <a:rPr lang="fr-FR" dirty="0" err="1" smtClean="0"/>
+              <a:t>multiphysique</a:t>
+            </a:r>
+            <a:endParaRPr lang="fr-FR" dirty="0"/>
+          </a:p>
+        </p:txBody>
+      </p:sp>
+      <p:sp>
+        <p:nvSpPr>
+          <p:cNvPr id="3" name="Espace réservé du contenu 2"/>
+          <p:cNvSpPr>
+            <a:spLocks noGrp="1"/>
+          </p:cNvSpPr>
+          <p:nvPr>
+            <p:ph sz="quarter" idx="1"/>
+          </p:nvPr>
+        </p:nvSpPr>
+        <p:spPr/>
+        <p:txBody>
+          <a:bodyPr/>
+          <a:lstStyle/>
+          <a:p>
+            <a:endParaRPr lang="fr-FR"/>
+          </a:p>
+        </p:txBody>
+      </p:sp>
+      <p:sp>
+        <p:nvSpPr>
+          <p:cNvPr id="4" name="Espace réservé du numéro de diapositive 3"/>
+          <p:cNvSpPr>
+            <a:spLocks noGrp="1"/>
+          </p:cNvSpPr>
+          <p:nvPr>
+            <p:ph type="sldNum" sz="quarter" idx="15"/>
+          </p:nvPr>
+        </p:nvSpPr>
+        <p:spPr/>
+        <p:txBody>
+          <a:bodyPr/>
+          <a:lstStyle/>
+          <a:p>
+            <a:fld id="{136A7F36-7A21-4EA8-9DC2-F00219448035}" type="slidenum">
+              <a:rPr lang="fr-FR" smtClean="0"/>
+              <a:t>8</a:t>
+            </a:fld>
+            <a:endParaRPr lang="fr-FR"/>
+          </a:p>
+        </p:txBody>
+      </p:sp>
+    </p:spTree>
+    <p:extLst>
+      <p:ext uri="{BB962C8B-B14F-4D97-AF65-F5344CB8AC3E}">
+        <p14:creationId xmlns:p14="http://schemas.microsoft.com/office/powerpoint/2010/main" val="1827117536"/>
+      </p:ext>
+    </p:extLst>
+  </p:cSld>
+  <p:clrMapOvr>
+    <a:masterClrMapping/>
+  </p:clrMapOvr>
+</p:sld>
+</file>
+
+<file path=ppt/slides/slide9.xml><?xml version="1.0" encoding="utf-8"?>
+<p:sld xmlns:a="http://schemas.openxmlformats.org/drawingml/2006/main" xmlns:r="http://schemas.openxmlformats.org/officeDocument/2006/relationships" xmlns:p="http://schemas.openxmlformats.org/presentationml/2006/main">
+  <p:cSld>
+    <p:spTree>
+      <p:nvGrpSpPr>
+        <p:cNvPr id="1" name=""/>
+        <p:cNvGrpSpPr/>
+        <p:nvPr/>
+      </p:nvGrpSpPr>
+      <p:grpSpPr>
+        <a:xfrm>
+          <a:off x="0" y="0"/>
+          <a:ext cx="0" cy="0"/>
+          <a:chOff x="0" y="0"/>
+          <a:chExt cx="0" cy="0"/>
+        </a:xfrm>
+      </p:grpSpPr>
+      <p:sp>
+        <p:nvSpPr>
+          <p:cNvPr id="2" name="Titre 1"/>
+          <p:cNvSpPr>
+            <a:spLocks noGrp="1"/>
+          </p:cNvSpPr>
+          <p:nvPr>
+            <p:ph type="title"/>
+          </p:nvPr>
+        </p:nvSpPr>
+        <p:spPr/>
+        <p:txBody>
+          <a:bodyPr>
+            <a:normAutofit fontScale="90000"/>
+          </a:bodyPr>
+          <a:lstStyle/>
+          <a:p>
+            <a:r>
+              <a:rPr lang="fr-FR" dirty="0" smtClean="0"/>
+              <a:t>Modélisation d’un système </a:t>
+            </a:r>
+            <a:r>
+              <a:rPr lang="fr-FR" dirty="0" err="1" smtClean="0"/>
+              <a:t>multiphysique</a:t>
+            </a:r>
+            <a:endParaRPr lang="fr-FR" dirty="0"/>
+          </a:p>
+        </p:txBody>
+      </p:sp>
+      <p:sp>
+        <p:nvSpPr>
+          <p:cNvPr id="3" name="Espace réservé du contenu 2"/>
+          <p:cNvSpPr>
+            <a:spLocks noGrp="1"/>
+          </p:cNvSpPr>
+          <p:nvPr>
+            <p:ph sz="quarter" idx="1"/>
+          </p:nvPr>
+        </p:nvSpPr>
+        <p:spPr/>
+        <p:txBody>
+          <a:bodyPr/>
+          <a:lstStyle/>
+          <a:p>
+            <a:endParaRPr lang="fr-FR"/>
+          </a:p>
+        </p:txBody>
+      </p:sp>
+      <p:sp>
+        <p:nvSpPr>
+          <p:cNvPr id="4" name="Espace réservé du numéro de diapositive 3"/>
+          <p:cNvSpPr>
+            <a:spLocks noGrp="1"/>
+          </p:cNvSpPr>
+          <p:nvPr>
+            <p:ph type="sldNum" sz="quarter" idx="15"/>
+          </p:nvPr>
+        </p:nvSpPr>
+        <p:spPr/>
+        <p:txBody>
+          <a:bodyPr/>
+          <a:lstStyle/>
+          <a:p>
+            <a:fld id="{136A7F36-7A21-4EA8-9DC2-F00219448035}" type="slidenum">
+              <a:rPr lang="fr-FR" smtClean="0"/>
+              <a:t>9</a:t>
+            </a:fld>
+            <a:endParaRPr lang="fr-FR"/>
+          </a:p>
+        </p:txBody>
+      </p:sp>
+    </p:spTree>
+    <p:extLst>
+      <p:ext uri="{BB962C8B-B14F-4D97-AF65-F5344CB8AC3E}">
+        <p14:creationId xmlns:p14="http://schemas.microsoft.com/office/powerpoint/2010/main" val="241906218"/>
       </p:ext>
     </p:extLst>
   </p:cSld>
@@ -5651,4 +6786,289 @@
   <a:objectDefaults/>
   <a:extraClrSchemeLst/>
 </a:theme>
+</file>
+
+<file path=ppt/theme/theme2.xml><?xml version="1.0" encoding="utf-8"?>
+<a:theme xmlns:a="http://schemas.openxmlformats.org/drawingml/2006/main" name="Thème Office">
+  <a:themeElements>
+    <a:clrScheme name="Office">
+      <a:dk1>
+        <a:sysClr val="windowText" lastClr="000000"/>
+      </a:dk1>
+      <a:lt1>
+        <a:sysClr val="window" lastClr="FFFFFF"/>
+      </a:lt1>
+      <a:dk2>
+        <a:srgbClr val="1F497D"/>
+      </a:dk2>
+      <a:lt2>
+        <a:srgbClr val="EEECE1"/>
+      </a:lt2>
+      <a:accent1>
+        <a:srgbClr val="4F81BD"/>
+      </a:accent1>
+      <a:accent2>
+        <a:srgbClr val="C0504D"/>
+      </a:accent2>
+      <a:accent3>
+        <a:srgbClr val="9BBB59"/>
+      </a:accent3>
+      <a:accent4>
+        <a:srgbClr val="8064A2"/>
+      </a:accent4>
+      <a:accent5>
+        <a:srgbClr val="4BACC6"/>
+      </a:accent5>
+      <a:accent6>
+        <a:srgbClr val="F79646"/>
+      </a:accent6>
+      <a:hlink>
+        <a:srgbClr val="0000FF"/>
+      </a:hlink>
+      <a:folHlink>
+        <a:srgbClr val="800080"/>
+      </a:folHlink>
+    </a:clrScheme>
+    <a:fontScheme name="Office">
+      <a:majorFont>
+        <a:latin typeface="Calibri"/>
+        <a:ea typeface=""/>
+        <a:cs typeface=""/>
+        <a:font script="Jpan" typeface="ＭＳ Ｐゴシック"/>
+        <a:font script="Hang" typeface="맑은 고딕"/>
+        <a:font script="Hans" typeface="宋体"/>
+        <a:font script="Hant" typeface="新細明體"/>
+        <a:font script="Arab" typeface="Times New Roman"/>
+        <a:font script="Hebr" typeface="Times New Roman"/>
+        <a:font script="Thai" typeface="Angsana New"/>
+        <a:font script="Ethi" typeface="Nyala"/>
+        <a:font script="Beng" typeface="Vrinda"/>
+        <a:font script="Gujr" typeface="Shruti"/>
+        <a:font script="Khmr" typeface="MoolBoran"/>
+        <a:font script="Knda" typeface="Tunga"/>
+        <a:font script="Guru" typeface="Raavi"/>
+        <a:font script="Cans" typeface="Euphemia"/>
+        <a:font script="Cher" typeface="Plantagenet Cherokee"/>
+        <a:font script="Yiii" typeface="Microsoft Yi Baiti"/>
+        <a:font script="Tibt" typeface="Microsoft Himalaya"/>
+        <a:font script="Thaa" typeface="MV Boli"/>
+        <a:font script="Deva" typeface="Mangal"/>
+        <a:font script="Telu" typeface="Gautami"/>
+        <a:font script="Taml" typeface="Latha"/>
+        <a:font script="Syrc" typeface="Estrangelo Edessa"/>
+        <a:font script="Orya" typeface="Kalinga"/>
+        <a:font script="Mlym" typeface="Kartika"/>
+        <a:font script="Laoo" typeface="DokChampa"/>
+        <a:font script="Sinh" typeface="Iskoola Pota"/>
+        <a:font script="Mong" typeface="Mongolian Baiti"/>
+        <a:font script="Viet" typeface="Times New Roman"/>
+        <a:font script="Uigh" typeface="Microsoft Uighur"/>
+        <a:font script="Geor" typeface="Sylfaen"/>
+      </a:majorFont>
+      <a:minorFont>
+        <a:latin typeface="Calibri"/>
+        <a:ea typeface=""/>
+        <a:cs typeface=""/>
+        <a:font script="Jpan" typeface="ＭＳ Ｐゴシック"/>
+        <a:font script="Hang" typeface="맑은 고딕"/>
+        <a:font script="Hans" typeface="宋体"/>
+        <a:font script="Hant" typeface="新細明體"/>
+        <a:font script="Arab" typeface="Arial"/>
+        <a:font script="Hebr" typeface="Arial"/>
+        <a:font script="Thai" typeface="Cordia New"/>
+        <a:font script="Ethi" typeface="Nyala"/>
+        <a:font script="Beng" typeface="Vrinda"/>
+        <a:font script="Gujr" typeface="Shruti"/>
+        <a:font script="Khmr" typeface="DaunPenh"/>
+        <a:font script="Knda" typeface="Tunga"/>
+        <a:font script="Guru" typeface="Raavi"/>
+        <a:font script="Cans" typeface="Euphemia"/>
+        <a:font script="Cher" typeface="Plantagenet Cherokee"/>
+        <a:font script="Yiii" typeface="Microsoft Yi Baiti"/>
+        <a:font script="Tibt" typeface="Microsoft Himalaya"/>
+        <a:font script="Thaa" typeface="MV Boli"/>
+        <a:font script="Deva" typeface="Mangal"/>
+        <a:font script="Telu" typeface="Gautami"/>
+        <a:font script="Taml" typeface="Latha"/>
+        <a:font script="Syrc" typeface="Estrangelo Edessa"/>
+        <a:font script="Orya" typeface="Kalinga"/>
+        <a:font script="Mlym" typeface="Kartika"/>
+        <a:font script="Laoo" typeface="DokChampa"/>
+        <a:font script="Sinh" typeface="Iskoola Pota"/>
+        <a:font script="Mong" typeface="Mongolian Baiti"/>
+        <a:font script="Viet" typeface="Arial"/>
+        <a:font script="Uigh" typeface="Microsoft Uighur"/>
+        <a:font script="Geor" typeface="Sylfaen"/>
+      </a:minorFont>
+    </a:fontScheme>
+    <a:fmtScheme name="Office">
+      <a:fillStyleLst>
+        <a:solidFill>
+          <a:schemeClr val="phClr"/>
+        </a:solidFill>
+        <a:gradFill rotWithShape="1">
+          <a:gsLst>
+            <a:gs pos="0">
+              <a:schemeClr val="phClr">
+                <a:tint val="50000"/>
+                <a:satMod val="300000"/>
+              </a:schemeClr>
+            </a:gs>
+            <a:gs pos="35000">
+              <a:schemeClr val="phClr">
+                <a:tint val="37000"/>
+                <a:satMod val="300000"/>
+              </a:schemeClr>
+            </a:gs>
+            <a:gs pos="100000">
+              <a:schemeClr val="phClr">
+                <a:tint val="15000"/>
+                <a:satMod val="350000"/>
+              </a:schemeClr>
+            </a:gs>
+          </a:gsLst>
+          <a:lin ang="16200000" scaled="1"/>
+        </a:gradFill>
+        <a:gradFill rotWithShape="1">
+          <a:gsLst>
+            <a:gs pos="0">
+              <a:schemeClr val="phClr">
+                <a:shade val="51000"/>
+                <a:satMod val="130000"/>
+              </a:schemeClr>
+            </a:gs>
+            <a:gs pos="80000">
+              <a:schemeClr val="phClr">
+                <a:shade val="93000"/>
+                <a:satMod val="130000"/>
+              </a:schemeClr>
+            </a:gs>
+            <a:gs pos="100000">
+              <a:schemeClr val="phClr">
+                <a:shade val="94000"/>
+                <a:satMod val="135000"/>
+              </a:schemeClr>
+            </a:gs>
+          </a:gsLst>
+          <a:lin ang="16200000" scaled="0"/>
+        </a:gradFill>
+      </a:fillStyleLst>
+      <a:lnStyleLst>
+        <a:ln w="9525" cap="flat" cmpd="sng" algn="ctr">
+          <a:solidFill>
+            <a:schemeClr val="phClr">
+              <a:shade val="95000"/>
+              <a:satMod val="105000"/>
+            </a:schemeClr>
+          </a:solidFill>
+          <a:prstDash val="solid"/>
+        </a:ln>
+        <a:ln w="25400" cap="flat" cmpd="sng" algn="ctr">
+          <a:solidFill>
+            <a:schemeClr val="phClr"/>
+          </a:solidFill>
+          <a:prstDash val="solid"/>
+        </a:ln>
+        <a:ln w="38100" cap="flat" cmpd="sng" algn="ctr">
+          <a:solidFill>
+            <a:schemeClr val="phClr"/>
+          </a:solidFill>
+          <a:prstDash val="solid"/>
+        </a:ln>
+      </a:lnStyleLst>
+      <a:effectStyleLst>
+        <a:effectStyle>
+          <a:effectLst>
+            <a:outerShdw blurRad="40000" dist="20000" dir="5400000" rotWithShape="0">
+              <a:srgbClr val="000000">
+                <a:alpha val="38000"/>
+              </a:srgbClr>
+            </a:outerShdw>
+          </a:effectLst>
+        </a:effectStyle>
+        <a:effectStyle>
+          <a:effectLst>
+            <a:outerShdw blurRad="40000" dist="23000" dir="5400000" rotWithShape="0">
+              <a:srgbClr val="000000">
+                <a:alpha val="35000"/>
+              </a:srgbClr>
+            </a:outerShdw>
+          </a:effectLst>
+        </a:effectStyle>
+        <a:effectStyle>
+          <a:effectLst>
+            <a:outerShdw blurRad="40000" dist="23000" dir="5400000" rotWithShape="0">
+              <a:srgbClr val="000000">
+                <a:alpha val="35000"/>
+              </a:srgbClr>
+            </a:outerShdw>
+          </a:effectLst>
+          <a:scene3d>
+            <a:camera prst="orthographicFront">
+              <a:rot lat="0" lon="0" rev="0"/>
+            </a:camera>
+            <a:lightRig rig="threePt" dir="t">
+              <a:rot lat="0" lon="0" rev="1200000"/>
+            </a:lightRig>
+          </a:scene3d>
+          <a:sp3d>
+            <a:bevelT w="63500" h="25400"/>
+          </a:sp3d>
+        </a:effectStyle>
+      </a:effectStyleLst>
+      <a:bgFillStyleLst>
+        <a:solidFill>
+          <a:schemeClr val="phClr"/>
+        </a:solidFill>
+        <a:gradFill rotWithShape="1">
+          <a:gsLst>
+            <a:gs pos="0">
+              <a:schemeClr val="phClr">
+                <a:tint val="40000"/>
+                <a:satMod val="350000"/>
+              </a:schemeClr>
+            </a:gs>
+            <a:gs pos="40000">
+              <a:schemeClr val="phClr">
+                <a:tint val="45000"/>
+                <a:shade val="99000"/>
+                <a:satMod val="350000"/>
+              </a:schemeClr>
+            </a:gs>
+            <a:gs pos="100000">
+              <a:schemeClr val="phClr">
+                <a:shade val="20000"/>
+                <a:satMod val="255000"/>
+              </a:schemeClr>
+            </a:gs>
+          </a:gsLst>
+          <a:path path="circle">
+            <a:fillToRect l="50000" t="-80000" r="50000" b="180000"/>
+          </a:path>
+        </a:gradFill>
+        <a:gradFill rotWithShape="1">
+          <a:gsLst>
+            <a:gs pos="0">
+              <a:schemeClr val="phClr">
+                <a:tint val="80000"/>
+                <a:satMod val="300000"/>
+              </a:schemeClr>
+            </a:gs>
+            <a:gs pos="100000">
+              <a:schemeClr val="phClr">
+                <a:shade val="30000"/>
+                <a:satMod val="200000"/>
+              </a:schemeClr>
+            </a:gs>
+          </a:gsLst>
+          <a:path path="circle">
+            <a:fillToRect l="50000" t="50000" r="50000" b="50000"/>
+          </a:path>
+        </a:gradFill>
+      </a:bgFillStyleLst>
+    </a:fmtScheme>
+  </a:themeElements>
+  <a:objectDefaults/>
+  <a:extraClrSchemeLst/>
+</a:theme>
 </file>
--- a/ModelisationMultiphysique/ModelisationMultiphysique.pptx
+++ b/ModelisationMultiphysique/ModelisationMultiphysique.pptx
@@ -5,7 +5,7 @@
     <p:sldMasterId id="2147483804" r:id="rId1"/>
   </p:sldMasterIdLst>
   <p:notesMasterIdLst>
-    <p:notesMasterId r:id="rId12"/>
+    <p:notesMasterId r:id="rId17"/>
   </p:notesMasterIdLst>
   <p:sldIdLst>
     <p:sldId id="256" r:id="rId2"/>
@@ -17,7 +17,12 @@
     <p:sldId id="261" r:id="rId8"/>
     <p:sldId id="262" r:id="rId9"/>
     <p:sldId id="265" r:id="rId10"/>
-    <p:sldId id="264" r:id="rId11"/>
+    <p:sldId id="267" r:id="rId11"/>
+    <p:sldId id="268" r:id="rId12"/>
+    <p:sldId id="269" r:id="rId13"/>
+    <p:sldId id="270" r:id="rId14"/>
+    <p:sldId id="264" r:id="rId15"/>
+    <p:sldId id="266" r:id="rId16"/>
   </p:sldIdLst>
   <p:sldSz cx="9144000" cy="6858000" type="screen4x3"/>
   <p:notesSz cx="6858000" cy="9144000"/>
@@ -201,7 +206,7 @@
           <a:p>
             <a:fld id="{39C4ABE7-6968-4EF3-8008-B142D354329E}" type="datetimeFigureOut">
               <a:rPr lang="fr-FR" smtClean="0"/>
-              <a:t>12/01/2014</a:t>
+              <a:t>16/01/2014</a:t>
             </a:fld>
             <a:endParaRPr lang="fr-FR"/>
           </a:p>
@@ -606,7 +611,7 @@
           <a:p>
             <a:fld id="{B4549172-3FEE-47D0-BB65-1A18684F7B98}" type="datetime1">
               <a:rPr lang="fr-FR" smtClean="0"/>
-              <a:t>12/01/2014</a:t>
+              <a:t>16/01/2014</a:t>
             </a:fld>
             <a:endParaRPr lang="fr-FR"/>
           </a:p>
@@ -1475,7 +1480,7 @@
           <a:p>
             <a:fld id="{0688EC1D-1471-4698-BCB8-4CF0BC090325}" type="datetime1">
               <a:rPr lang="fr-FR" smtClean="0"/>
-              <a:t>12/01/2014</a:t>
+              <a:t>16/01/2014</a:t>
             </a:fld>
             <a:endParaRPr lang="fr-FR"/>
           </a:p>
@@ -1650,7 +1655,7 @@
           <a:p>
             <a:fld id="{34F453BD-45AF-4B4E-99AC-6020FBB0AF33}" type="datetime1">
               <a:rPr lang="fr-FR" smtClean="0"/>
-              <a:t>12/01/2014</a:t>
+              <a:t>16/01/2014</a:t>
             </a:fld>
             <a:endParaRPr lang="fr-FR"/>
           </a:p>
@@ -1820,7 +1825,7 @@
           <a:p>
             <a:fld id="{FEB61240-9CB5-48EB-BBA6-3C19629F7658}" type="datetime1">
               <a:rPr lang="fr-FR" smtClean="0"/>
-              <a:t>12/01/2014</a:t>
+              <a:t>16/01/2014</a:t>
             </a:fld>
             <a:endParaRPr lang="fr-FR"/>
           </a:p>
@@ -2030,7 +2035,7 @@
           <a:p>
             <a:fld id="{2BAACD1D-30C3-476D-A850-5E16ED207568}" type="datetime1">
               <a:rPr lang="fr-FR" smtClean="0"/>
-              <a:t>12/01/2014</a:t>
+              <a:t>16/01/2014</a:t>
             </a:fld>
             <a:endParaRPr lang="fr-FR"/>
           </a:p>
@@ -2844,7 +2849,7 @@
           <a:p>
             <a:fld id="{B9694703-0C5B-4AFF-B4BE-E07D7CDC5B14}" type="datetime1">
               <a:rPr lang="fr-FR" smtClean="0"/>
-              <a:t>12/01/2014</a:t>
+              <a:t>16/01/2014</a:t>
             </a:fld>
             <a:endParaRPr lang="fr-FR"/>
           </a:p>
@@ -3080,7 +3085,7 @@
           <a:p>
             <a:fld id="{37245C4D-23E6-48C4-9F30-3F474E6D101F}" type="datetime1">
               <a:rPr lang="fr-FR" smtClean="0"/>
-              <a:t>12/01/2014</a:t>
+              <a:t>16/01/2014</a:t>
             </a:fld>
             <a:endParaRPr lang="fr-FR"/>
           </a:p>
@@ -3403,7 +3408,7 @@
           <a:p>
             <a:fld id="{A3E5E471-8E97-4CF8-A94F-AB51374CF764}" type="datetime1">
               <a:rPr lang="fr-FR" smtClean="0"/>
-              <a:t>12/01/2014</a:t>
+              <a:t>16/01/2014</a:t>
             </a:fld>
             <a:endParaRPr lang="fr-FR"/>
           </a:p>
@@ -3493,7 +3498,7 @@
           <a:p>
             <a:fld id="{6A8C3648-6B48-4061-B02D-C97909C99497}" type="datetime1">
               <a:rPr lang="fr-FR" smtClean="0"/>
-              <a:t>12/01/2014</a:t>
+              <a:t>16/01/2014</a:t>
             </a:fld>
             <a:endParaRPr lang="fr-FR"/>
           </a:p>
@@ -4010,7 +4015,7 @@
           <a:p>
             <a:fld id="{B2A6E1C4-077A-4686-B4A8-84EDB76D0538}" type="datetime1">
               <a:rPr lang="fr-FR" smtClean="0"/>
-              <a:t>12/01/2014</a:t>
+              <a:t>16/01/2014</a:t>
             </a:fld>
             <a:endParaRPr lang="fr-FR"/>
           </a:p>
@@ -4521,7 +4526,7 @@
           <a:p>
             <a:fld id="{B2A3A41F-5CC8-4B2F-A21F-2E1DB772744F}" type="datetime1">
               <a:rPr lang="fr-FR" smtClean="0"/>
-              <a:t>12/01/2014</a:t>
+              <a:t>16/01/2014</a:t>
             </a:fld>
             <a:endParaRPr lang="fr-FR"/>
           </a:p>
@@ -4766,7 +4771,7 @@
           <a:p>
             <a:fld id="{85C30354-83D0-4C08-BE63-E487BB73E13E}" type="datetime1">
               <a:rPr lang="fr-FR" smtClean="0"/>
-              <a:t>12/01/2014</a:t>
+              <a:t>16/01/2014</a:t>
             </a:fld>
             <a:endParaRPr lang="fr-FR"/>
           </a:p>
@@ -5382,34 +5387,39 @@
             <p:ph type="ctrTitle"/>
           </p:nvPr>
         </p:nvSpPr>
-        <p:spPr/>
+        <p:spPr>
+          <a:xfrm>
+            <a:off x="2267744" y="2348880"/>
+            <a:ext cx="6172200" cy="1894362"/>
+          </a:xfrm>
+        </p:spPr>
         <p:txBody>
           <a:bodyPr>
-            <a:normAutofit fontScale="90000"/>
+            <a:normAutofit/>
           </a:bodyPr>
           <a:lstStyle/>
           <a:p>
             <a:r>
-              <a:rPr lang="fr-FR" dirty="0"/>
+              <a:rPr lang="fr-FR" sz="2400" dirty="0"/>
               <a:t>Découverte du logiciel SCILAB </a:t>
             </a:r>
             <a:r>
-              <a:rPr lang="fr-FR" dirty="0" smtClean="0"/>
+              <a:rPr lang="fr-FR" sz="2400" dirty="0" smtClean="0"/>
               <a:t>Modélisations </a:t>
             </a:r>
             <a:r>
-              <a:rPr lang="fr-FR" dirty="0" err="1"/>
+              <a:rPr lang="fr-FR" sz="2400" dirty="0" err="1"/>
               <a:t>multi-physiques</a:t>
             </a:r>
             <a:r>
-              <a:rPr lang="fr-FR" dirty="0"/>
+              <a:rPr lang="fr-FR" sz="2400" dirty="0"/>
               <a:t> causales et acausales, avec simulation du </a:t>
             </a:r>
             <a:r>
-              <a:rPr lang="fr-FR" dirty="0" smtClean="0"/>
+              <a:rPr lang="fr-FR" sz="2400" dirty="0" smtClean="0"/>
               <a:t>comportement</a:t>
             </a:r>
-            <a:endParaRPr lang="fr-FR" dirty="0"/>
+            <a:endParaRPr lang="fr-FR" sz="2400" dirty="0"/>
           </a:p>
         </p:txBody>
       </p:sp>
@@ -5452,6 +5462,9 @@
               <a:rPr lang="fr-FR" dirty="0" err="1" smtClean="0"/>
               <a:t>Coselica</a:t>
             </a:r>
+            <a:endParaRPr lang="fr-FR" dirty="0" smtClean="0"/>
+          </a:p>
+          <a:p>
             <a:endParaRPr lang="fr-FR" dirty="0" smtClean="0"/>
           </a:p>
           <a:p>
@@ -5494,7 +5507,7 @@
       </p:grpSpPr>
       <p:sp>
         <p:nvSpPr>
-          <p:cNvPr id="4" name="Titre 3"/>
+          <p:cNvPr id="2" name="Titre 1"/>
           <p:cNvSpPr>
             <a:spLocks noGrp="1"/>
           </p:cNvSpPr>
@@ -5508,16 +5521,8 @@
           <a:lstStyle/>
           <a:p>
             <a:r>
-              <a:rPr lang="fr-FR" dirty="0" err="1" smtClean="0"/>
-              <a:t>Xcos</a:t>
-            </a:r>
-            <a:r>
               <a:rPr lang="fr-FR" dirty="0" smtClean="0"/>
-              <a:t> &amp; </a:t>
-            </a:r>
-            <a:r>
-              <a:rPr lang="fr-FR" dirty="0" err="1" smtClean="0"/>
-              <a:t>Arduino</a:t>
+              <a:t>Modélisation d’un système de laboratoire</a:t>
             </a:r>
             <a:endParaRPr lang="fr-FR" dirty="0"/>
           </a:p>
@@ -5525,7 +5530,7 @@
       </p:sp>
       <p:sp>
         <p:nvSpPr>
-          <p:cNvPr id="5" name="Espace réservé du texte 4"/>
+          <p:cNvPr id="3" name="Espace réservé du texte 2"/>
           <p:cNvSpPr>
             <a:spLocks noGrp="1"/>
           </p:cNvSpPr>
@@ -5538,13 +5543,17 @@
           <a:bodyPr/>
           <a:lstStyle/>
           <a:p>
-            <a:endParaRPr lang="fr-FR"/>
-          </a:p>
-        </p:txBody>
-      </p:sp>
-      <p:sp>
-        <p:nvSpPr>
-          <p:cNvPr id="2" name="Espace réservé du numéro de diapositive 1"/>
+            <a:r>
+              <a:rPr lang="fr-FR" dirty="0" smtClean="0"/>
+              <a:t>Pilote automatique TP 30</a:t>
+            </a:r>
+            <a:endParaRPr lang="fr-FR" dirty="0"/>
+          </a:p>
+        </p:txBody>
+      </p:sp>
+      <p:sp>
+        <p:nvSpPr>
+          <p:cNvPr id="4" name="Espace réservé du numéro de diapositive 3"/>
           <p:cNvSpPr>
             <a:spLocks noGrp="1"/>
           </p:cNvSpPr>
@@ -5568,7 +5577,1627 @@
     </p:spTree>
     <p:extLst>
       <p:ext uri="{BB962C8B-B14F-4D97-AF65-F5344CB8AC3E}">
+        <p14:creationId xmlns:p14="http://schemas.microsoft.com/office/powerpoint/2010/main" val="3672452185"/>
+      </p:ext>
+    </p:extLst>
+  </p:cSld>
+  <p:clrMapOvr>
+    <a:masterClrMapping/>
+  </p:clrMapOvr>
+</p:sld>
+</file>
+
+<file path=ppt/slides/slide11.xml><?xml version="1.0" encoding="utf-8"?>
+<p:sld xmlns:a="http://schemas.openxmlformats.org/drawingml/2006/main" xmlns:r="http://schemas.openxmlformats.org/officeDocument/2006/relationships" xmlns:p="http://schemas.openxmlformats.org/presentationml/2006/main">
+  <p:cSld>
+    <p:spTree>
+      <p:nvGrpSpPr>
+        <p:cNvPr id="1" name=""/>
+        <p:cNvGrpSpPr/>
+        <p:nvPr/>
+      </p:nvGrpSpPr>
+      <p:grpSpPr>
+        <a:xfrm>
+          <a:off x="0" y="0"/>
+          <a:ext cx="0" cy="0"/>
+          <a:chOff x="0" y="0"/>
+          <a:chExt cx="0" cy="0"/>
+        </a:xfrm>
+      </p:grpSpPr>
+      <p:sp>
+        <p:nvSpPr>
+          <p:cNvPr id="5" name="Titre 4"/>
+          <p:cNvSpPr>
+            <a:spLocks noGrp="1"/>
+          </p:cNvSpPr>
+          <p:nvPr>
+            <p:ph type="title"/>
+          </p:nvPr>
+        </p:nvSpPr>
+        <p:spPr/>
+        <p:txBody>
+          <a:bodyPr>
+            <a:normAutofit fontScale="90000"/>
+          </a:bodyPr>
+          <a:lstStyle/>
+          <a:p>
+            <a:r>
+              <a:rPr lang="fr-FR" dirty="0" smtClean="0"/>
+              <a:t>Pilote Automatique</a:t>
+            </a:r>
+            <a:br>
+              <a:rPr lang="fr-FR" dirty="0" smtClean="0"/>
+            </a:br>
+            <a:r>
+              <a:rPr lang="fr-FR" dirty="0" smtClean="0"/>
+              <a:t>Analyse Interne</a:t>
+            </a:r>
+            <a:endParaRPr lang="fr-FR" dirty="0"/>
+          </a:p>
+        </p:txBody>
+      </p:sp>
+      <p:sp>
+        <p:nvSpPr>
+          <p:cNvPr id="6" name="Espace réservé du contenu 5"/>
+          <p:cNvSpPr>
+            <a:spLocks noGrp="1"/>
+          </p:cNvSpPr>
+          <p:nvPr>
+            <p:ph sz="quarter" idx="1"/>
+          </p:nvPr>
+        </p:nvSpPr>
+        <p:spPr/>
+        <p:txBody>
+          <a:bodyPr/>
+          <a:lstStyle/>
+          <a:p>
+            <a:endParaRPr lang="fr-FR"/>
+          </a:p>
+        </p:txBody>
+      </p:sp>
+      <p:sp>
+        <p:nvSpPr>
+          <p:cNvPr id="4" name="Espace réservé du numéro de diapositive 3"/>
+          <p:cNvSpPr>
+            <a:spLocks noGrp="1"/>
+          </p:cNvSpPr>
+          <p:nvPr>
+            <p:ph type="sldNum" sz="quarter" idx="15"/>
+          </p:nvPr>
+        </p:nvSpPr>
+        <p:spPr/>
+        <p:txBody>
+          <a:bodyPr/>
+          <a:lstStyle/>
+          <a:p>
+            <a:fld id="{136A7F36-7A21-4EA8-9DC2-F00219448035}" type="slidenum">
+              <a:rPr lang="fr-FR" smtClean="0"/>
+              <a:t>11</a:t>
+            </a:fld>
+            <a:endParaRPr lang="fr-FR"/>
+          </a:p>
+        </p:txBody>
+      </p:sp>
+    </p:spTree>
+    <p:extLst>
+      <p:ext uri="{BB962C8B-B14F-4D97-AF65-F5344CB8AC3E}">
+        <p14:creationId xmlns:p14="http://schemas.microsoft.com/office/powerpoint/2010/main" val="601726295"/>
+      </p:ext>
+    </p:extLst>
+  </p:cSld>
+  <p:clrMapOvr>
+    <a:masterClrMapping/>
+  </p:clrMapOvr>
+</p:sld>
+</file>
+
+<file path=ppt/slides/slide12.xml><?xml version="1.0" encoding="utf-8"?>
+<p:sld xmlns:a="http://schemas.openxmlformats.org/drawingml/2006/main" xmlns:r="http://schemas.openxmlformats.org/officeDocument/2006/relationships" xmlns:p="http://schemas.openxmlformats.org/presentationml/2006/main">
+  <p:cSld>
+    <p:spTree>
+      <p:nvGrpSpPr>
+        <p:cNvPr id="1" name=""/>
+        <p:cNvGrpSpPr/>
+        <p:nvPr/>
+      </p:nvGrpSpPr>
+      <p:grpSpPr>
+        <a:xfrm>
+          <a:off x="0" y="0"/>
+          <a:ext cx="0" cy="0"/>
+          <a:chOff x="0" y="0"/>
+          <a:chExt cx="0" cy="0"/>
+        </a:xfrm>
+      </p:grpSpPr>
+      <p:sp>
+        <p:nvSpPr>
+          <p:cNvPr id="2" name="Titre 1"/>
+          <p:cNvSpPr>
+            <a:spLocks noGrp="1"/>
+          </p:cNvSpPr>
+          <p:nvPr>
+            <p:ph type="title"/>
+          </p:nvPr>
+        </p:nvSpPr>
+        <p:spPr/>
+        <p:txBody>
+          <a:bodyPr>
+            <a:normAutofit fontScale="90000"/>
+          </a:bodyPr>
+          <a:lstStyle/>
+          <a:p>
+            <a:r>
+              <a:rPr lang="fr-FR" dirty="0" smtClean="0"/>
+              <a:t>Pilote Automatique</a:t>
+            </a:r>
+            <a:br>
+              <a:rPr lang="fr-FR" dirty="0" smtClean="0"/>
+            </a:br>
+            <a:r>
+              <a:rPr lang="fr-FR" dirty="0" smtClean="0"/>
+              <a:t>Modélisation</a:t>
+            </a:r>
+            <a:endParaRPr lang="fr-FR" dirty="0"/>
+          </a:p>
+        </p:txBody>
+      </p:sp>
+      <p:sp>
+        <p:nvSpPr>
+          <p:cNvPr id="3" name="Espace réservé du contenu 2"/>
+          <p:cNvSpPr>
+            <a:spLocks noGrp="1"/>
+          </p:cNvSpPr>
+          <p:nvPr>
+            <p:ph sz="quarter" idx="1"/>
+          </p:nvPr>
+        </p:nvSpPr>
+        <p:spPr/>
+        <p:txBody>
+          <a:bodyPr/>
+          <a:lstStyle/>
+          <a:p>
+            <a:endParaRPr lang="fr-FR"/>
+          </a:p>
+        </p:txBody>
+      </p:sp>
+      <p:sp>
+        <p:nvSpPr>
+          <p:cNvPr id="4" name="Espace réservé du numéro de diapositive 3"/>
+          <p:cNvSpPr>
+            <a:spLocks noGrp="1"/>
+          </p:cNvSpPr>
+          <p:nvPr>
+            <p:ph type="sldNum" sz="quarter" idx="15"/>
+          </p:nvPr>
+        </p:nvSpPr>
+        <p:spPr/>
+        <p:txBody>
+          <a:bodyPr/>
+          <a:lstStyle/>
+          <a:p>
+            <a:fld id="{136A7F36-7A21-4EA8-9DC2-F00219448035}" type="slidenum">
+              <a:rPr lang="fr-FR" smtClean="0"/>
+              <a:t>12</a:t>
+            </a:fld>
+            <a:endParaRPr lang="fr-FR"/>
+          </a:p>
+        </p:txBody>
+      </p:sp>
+    </p:spTree>
+    <p:extLst>
+      <p:ext uri="{BB962C8B-B14F-4D97-AF65-F5344CB8AC3E}">
+        <p14:creationId xmlns:p14="http://schemas.microsoft.com/office/powerpoint/2010/main" val="2388859630"/>
+      </p:ext>
+    </p:extLst>
+  </p:cSld>
+  <p:clrMapOvr>
+    <a:masterClrMapping/>
+  </p:clrMapOvr>
+</p:sld>
+</file>
+
+<file path=ppt/slides/slide13.xml><?xml version="1.0" encoding="utf-8"?>
+<p:sld xmlns:a="http://schemas.openxmlformats.org/drawingml/2006/main" xmlns:r="http://schemas.openxmlformats.org/officeDocument/2006/relationships" xmlns:p="http://schemas.openxmlformats.org/presentationml/2006/main">
+  <p:cSld>
+    <p:spTree>
+      <p:nvGrpSpPr>
+        <p:cNvPr id="1" name=""/>
+        <p:cNvGrpSpPr/>
+        <p:nvPr/>
+      </p:nvGrpSpPr>
+      <p:grpSpPr>
+        <a:xfrm>
+          <a:off x="0" y="0"/>
+          <a:ext cx="0" cy="0"/>
+          <a:chOff x="0" y="0"/>
+          <a:chExt cx="0" cy="0"/>
+        </a:xfrm>
+      </p:grpSpPr>
+      <p:sp>
+        <p:nvSpPr>
+          <p:cNvPr id="2" name="Titre 1"/>
+          <p:cNvSpPr>
+            <a:spLocks noGrp="1"/>
+          </p:cNvSpPr>
+          <p:nvPr>
+            <p:ph type="title"/>
+          </p:nvPr>
+        </p:nvSpPr>
+        <p:spPr/>
+        <p:txBody>
+          <a:bodyPr>
+            <a:normAutofit fontScale="90000"/>
+          </a:bodyPr>
+          <a:lstStyle/>
+          <a:p>
+            <a:r>
+              <a:rPr lang="fr-FR" dirty="0" smtClean="0"/>
+              <a:t>Pilote automatique</a:t>
+            </a:r>
+            <a:br>
+              <a:rPr lang="fr-FR" dirty="0" smtClean="0"/>
+            </a:br>
+            <a:r>
+              <a:rPr lang="fr-FR" dirty="0" smtClean="0"/>
+              <a:t>Application pédagogique</a:t>
+            </a:r>
+            <a:endParaRPr lang="fr-FR" dirty="0"/>
+          </a:p>
+        </p:txBody>
+      </p:sp>
+      <p:sp>
+        <p:nvSpPr>
+          <p:cNvPr id="3" name="Espace réservé du contenu 2"/>
+          <p:cNvSpPr>
+            <a:spLocks noGrp="1"/>
+          </p:cNvSpPr>
+          <p:nvPr>
+            <p:ph sz="quarter" idx="1"/>
+          </p:nvPr>
+        </p:nvSpPr>
+        <p:spPr/>
+        <p:txBody>
+          <a:bodyPr/>
+          <a:lstStyle/>
+          <a:p>
+            <a:endParaRPr lang="fr-FR"/>
+          </a:p>
+        </p:txBody>
+      </p:sp>
+      <p:sp>
+        <p:nvSpPr>
+          <p:cNvPr id="4" name="Espace réservé du numéro de diapositive 3"/>
+          <p:cNvSpPr>
+            <a:spLocks noGrp="1"/>
+          </p:cNvSpPr>
+          <p:nvPr>
+            <p:ph type="sldNum" sz="quarter" idx="15"/>
+          </p:nvPr>
+        </p:nvSpPr>
+        <p:spPr/>
+        <p:txBody>
+          <a:bodyPr/>
+          <a:lstStyle/>
+          <a:p>
+            <a:fld id="{136A7F36-7A21-4EA8-9DC2-F00219448035}" type="slidenum">
+              <a:rPr lang="fr-FR" smtClean="0"/>
+              <a:t>13</a:t>
+            </a:fld>
+            <a:endParaRPr lang="fr-FR"/>
+          </a:p>
+        </p:txBody>
+      </p:sp>
+    </p:spTree>
+    <p:extLst>
+      <p:ext uri="{BB962C8B-B14F-4D97-AF65-F5344CB8AC3E}">
+        <p14:creationId xmlns:p14="http://schemas.microsoft.com/office/powerpoint/2010/main" val="4068046631"/>
+      </p:ext>
+    </p:extLst>
+  </p:cSld>
+  <p:clrMapOvr>
+    <a:masterClrMapping/>
+  </p:clrMapOvr>
+</p:sld>
+</file>
+
+<file path=ppt/slides/slide14.xml><?xml version="1.0" encoding="utf-8"?>
+<p:sld xmlns:a="http://schemas.openxmlformats.org/drawingml/2006/main" xmlns:r="http://schemas.openxmlformats.org/officeDocument/2006/relationships" xmlns:p="http://schemas.openxmlformats.org/presentationml/2006/main">
+  <p:cSld>
+    <p:spTree>
+      <p:nvGrpSpPr>
+        <p:cNvPr id="1" name=""/>
+        <p:cNvGrpSpPr/>
+        <p:nvPr/>
+      </p:nvGrpSpPr>
+      <p:grpSpPr>
+        <a:xfrm>
+          <a:off x="0" y="0"/>
+          <a:ext cx="0" cy="0"/>
+          <a:chOff x="0" y="0"/>
+          <a:chExt cx="0" cy="0"/>
+        </a:xfrm>
+      </p:grpSpPr>
+      <p:sp>
+        <p:nvSpPr>
+          <p:cNvPr id="4" name="Titre 3"/>
+          <p:cNvSpPr>
+            <a:spLocks noGrp="1"/>
+          </p:cNvSpPr>
+          <p:nvPr>
+            <p:ph type="title"/>
+          </p:nvPr>
+        </p:nvSpPr>
+        <p:spPr/>
+        <p:txBody>
+          <a:bodyPr/>
+          <a:lstStyle/>
+          <a:p>
+            <a:r>
+              <a:rPr lang="fr-FR" dirty="0" err="1" smtClean="0"/>
+              <a:t>Xcos</a:t>
+            </a:r>
+            <a:r>
+              <a:rPr lang="fr-FR" dirty="0" smtClean="0"/>
+              <a:t> &amp; </a:t>
+            </a:r>
+            <a:r>
+              <a:rPr lang="fr-FR" dirty="0" err="1" smtClean="0"/>
+              <a:t>Arduino</a:t>
+            </a:r>
+            <a:endParaRPr lang="fr-FR" dirty="0"/>
+          </a:p>
+        </p:txBody>
+      </p:sp>
+      <p:sp>
+        <p:nvSpPr>
+          <p:cNvPr id="5" name="Espace réservé du texte 4"/>
+          <p:cNvSpPr>
+            <a:spLocks noGrp="1"/>
+          </p:cNvSpPr>
+          <p:nvPr>
+            <p:ph type="body" idx="1"/>
+          </p:nvPr>
+        </p:nvSpPr>
+        <p:spPr/>
+        <p:txBody>
+          <a:bodyPr/>
+          <a:lstStyle/>
+          <a:p>
+            <a:endParaRPr lang="fr-FR"/>
+          </a:p>
+        </p:txBody>
+      </p:sp>
+      <p:sp>
+        <p:nvSpPr>
+          <p:cNvPr id="2" name="Espace réservé du numéro de diapositive 1"/>
+          <p:cNvSpPr>
+            <a:spLocks noGrp="1"/>
+          </p:cNvSpPr>
+          <p:nvPr>
+            <p:ph type="sldNum" sz="quarter" idx="12"/>
+          </p:nvPr>
+        </p:nvSpPr>
+        <p:spPr/>
+        <p:txBody>
+          <a:bodyPr/>
+          <a:lstStyle/>
+          <a:p>
+            <a:fld id="{136A7F36-7A21-4EA8-9DC2-F00219448035}" type="slidenum">
+              <a:rPr lang="fr-FR" smtClean="0"/>
+              <a:t>14</a:t>
+            </a:fld>
+            <a:endParaRPr lang="fr-FR"/>
+          </a:p>
+        </p:txBody>
+      </p:sp>
+    </p:spTree>
+    <p:extLst>
+      <p:ext uri="{BB962C8B-B14F-4D97-AF65-F5344CB8AC3E}">
         <p14:creationId xmlns:p14="http://schemas.microsoft.com/office/powerpoint/2010/main" val="1589319820"/>
+      </p:ext>
+    </p:extLst>
+  </p:cSld>
+  <p:clrMapOvr>
+    <a:masterClrMapping/>
+  </p:clrMapOvr>
+</p:sld>
+</file>
+
+<file path=ppt/slides/slide15.xml><?xml version="1.0" encoding="utf-8"?>
+<p:sld xmlns:a="http://schemas.openxmlformats.org/drawingml/2006/main" xmlns:r="http://schemas.openxmlformats.org/officeDocument/2006/relationships" xmlns:p="http://schemas.openxmlformats.org/presentationml/2006/main">
+  <p:cSld>
+    <p:spTree>
+      <p:nvGrpSpPr>
+        <p:cNvPr id="1" name=""/>
+        <p:cNvGrpSpPr/>
+        <p:nvPr/>
+      </p:nvGrpSpPr>
+      <p:grpSpPr>
+        <a:xfrm>
+          <a:off x="0" y="0"/>
+          <a:ext cx="0" cy="0"/>
+          <a:chOff x="0" y="0"/>
+          <a:chExt cx="0" cy="0"/>
+        </a:xfrm>
+      </p:grpSpPr>
+      <p:sp>
+        <p:nvSpPr>
+          <p:cNvPr id="4" name="Espace réservé du numéro de diapositive 3"/>
+          <p:cNvSpPr>
+            <a:spLocks noGrp="1"/>
+          </p:cNvSpPr>
+          <p:nvPr>
+            <p:ph type="sldNum" sz="quarter" idx="12"/>
+          </p:nvPr>
+        </p:nvSpPr>
+        <p:spPr/>
+        <p:txBody>
+          <a:bodyPr/>
+          <a:lstStyle/>
+          <a:p>
+            <a:fld id="{136A7F36-7A21-4EA8-9DC2-F00219448035}" type="slidenum">
+              <a:rPr lang="fr-FR" smtClean="0"/>
+              <a:t>15</a:t>
+            </a:fld>
+            <a:endParaRPr lang="fr-FR"/>
+          </a:p>
+        </p:txBody>
+      </p:sp>
+      <p:pic>
+        <p:nvPicPr>
+          <p:cNvPr id="1026" name="Picture 2"/>
+          <p:cNvPicPr>
+            <a:picLocks noChangeAspect="1" noChangeArrowheads="1"/>
+          </p:cNvPicPr>
+          <p:nvPr/>
+        </p:nvPicPr>
+        <p:blipFill>
+          <a:blip r:embed="rId2">
+            <a:extLst>
+              <a:ext uri="{28A0092B-C50C-407E-A947-70E740481C1C}">
+                <a14:useLocalDpi xmlns:a14="http://schemas.microsoft.com/office/drawing/2010/main" val="0"/>
+              </a:ext>
+            </a:extLst>
+          </a:blip>
+          <a:srcRect/>
+          <a:stretch>
+            <a:fillRect/>
+          </a:stretch>
+        </p:blipFill>
+        <p:spPr bwMode="auto">
+          <a:xfrm>
+            <a:off x="926033" y="1152550"/>
+            <a:ext cx="542925" cy="571500"/>
+          </a:xfrm>
+          <a:prstGeom prst="rect">
+            <a:avLst/>
+          </a:prstGeom>
+          <a:noFill/>
+          <a:ln>
+            <a:noFill/>
+          </a:ln>
+          <a:effectLst/>
+          <a:extLst>
+            <a:ext uri="{909E8E84-426E-40DD-AFC4-6F175D3DCCD1}">
+              <a14:hiddenFill xmlns:a14="http://schemas.microsoft.com/office/drawing/2010/main">
+                <a:solidFill>
+                  <a:schemeClr val="accent1"/>
+                </a:solidFill>
+              </a14:hiddenFill>
+            </a:ext>
+            <a:ext uri="{91240B29-F687-4F45-9708-019B960494DF}">
+              <a14:hiddenLine xmlns:a14="http://schemas.microsoft.com/office/drawing/2010/main" w="9525">
+                <a:solidFill>
+                  <a:schemeClr val="tx1"/>
+                </a:solidFill>
+                <a:miter lim="800000"/>
+                <a:headEnd/>
+                <a:tailEnd/>
+              </a14:hiddenLine>
+            </a:ext>
+            <a:ext uri="{AF507438-7753-43E0-B8FC-AC1667EBCBE1}">
+              <a14:hiddenEffects xmlns:a14="http://schemas.microsoft.com/office/drawing/2010/main">
+                <a:effectLst>
+                  <a:outerShdw dist="35921" dir="2700000" algn="ctr" rotWithShape="0">
+                    <a:schemeClr val="bg2"/>
+                  </a:outerShdw>
+                </a:effectLst>
+              </a14:hiddenEffects>
+            </a:ext>
+          </a:extLst>
+        </p:spPr>
+      </p:pic>
+      <p:pic>
+        <p:nvPicPr>
+          <p:cNvPr id="1027" name="Picture 3"/>
+          <p:cNvPicPr>
+            <a:picLocks noChangeAspect="1" noChangeArrowheads="1"/>
+          </p:cNvPicPr>
+          <p:nvPr/>
+        </p:nvPicPr>
+        <p:blipFill>
+          <a:blip r:embed="rId3">
+            <a:extLst>
+              <a:ext uri="{28A0092B-C50C-407E-A947-70E740481C1C}">
+                <a14:useLocalDpi xmlns:a14="http://schemas.microsoft.com/office/drawing/2010/main" val="0"/>
+              </a:ext>
+            </a:extLst>
+          </a:blip>
+          <a:srcRect/>
+          <a:stretch>
+            <a:fillRect/>
+          </a:stretch>
+        </p:blipFill>
+        <p:spPr bwMode="auto">
+          <a:xfrm>
+            <a:off x="2173330" y="2877847"/>
+            <a:ext cx="895350" cy="571500"/>
+          </a:xfrm>
+          <a:prstGeom prst="rect">
+            <a:avLst/>
+          </a:prstGeom>
+          <a:noFill/>
+          <a:ln>
+            <a:noFill/>
+          </a:ln>
+          <a:effectLst/>
+          <a:extLst>
+            <a:ext uri="{909E8E84-426E-40DD-AFC4-6F175D3DCCD1}">
+              <a14:hiddenFill xmlns:a14="http://schemas.microsoft.com/office/drawing/2010/main">
+                <a:solidFill>
+                  <a:schemeClr val="accent1"/>
+                </a:solidFill>
+              </a14:hiddenFill>
+            </a:ext>
+            <a:ext uri="{91240B29-F687-4F45-9708-019B960494DF}">
+              <a14:hiddenLine xmlns:a14="http://schemas.microsoft.com/office/drawing/2010/main" w="9525">
+                <a:solidFill>
+                  <a:schemeClr val="tx1"/>
+                </a:solidFill>
+                <a:miter lim="800000"/>
+                <a:headEnd/>
+                <a:tailEnd/>
+              </a14:hiddenLine>
+            </a:ext>
+            <a:ext uri="{AF507438-7753-43E0-B8FC-AC1667EBCBE1}">
+              <a14:hiddenEffects xmlns:a14="http://schemas.microsoft.com/office/drawing/2010/main">
+                <a:effectLst>
+                  <a:outerShdw dist="35921" dir="2700000" algn="ctr" rotWithShape="0">
+                    <a:schemeClr val="bg2"/>
+                  </a:outerShdw>
+                </a:effectLst>
+              </a14:hiddenEffects>
+            </a:ext>
+          </a:extLst>
+        </p:spPr>
+      </p:pic>
+      <p:pic>
+        <p:nvPicPr>
+          <p:cNvPr id="1029" name="Picture 5"/>
+          <p:cNvPicPr>
+            <a:picLocks noChangeAspect="1" noChangeArrowheads="1"/>
+          </p:cNvPicPr>
+          <p:nvPr/>
+        </p:nvPicPr>
+        <p:blipFill>
+          <a:blip r:embed="rId4">
+            <a:extLst>
+              <a:ext uri="{28A0092B-C50C-407E-A947-70E740481C1C}">
+                <a14:useLocalDpi xmlns:a14="http://schemas.microsoft.com/office/drawing/2010/main" val="0"/>
+              </a:ext>
+            </a:extLst>
+          </a:blip>
+          <a:srcRect/>
+          <a:stretch>
+            <a:fillRect/>
+          </a:stretch>
+        </p:blipFill>
+        <p:spPr bwMode="auto">
+          <a:xfrm>
+            <a:off x="3555652" y="3837275"/>
+            <a:ext cx="466725" cy="552450"/>
+          </a:xfrm>
+          <a:prstGeom prst="rect">
+            <a:avLst/>
+          </a:prstGeom>
+          <a:noFill/>
+          <a:ln>
+            <a:noFill/>
+          </a:ln>
+          <a:effectLst/>
+          <a:extLst>
+            <a:ext uri="{909E8E84-426E-40DD-AFC4-6F175D3DCCD1}">
+              <a14:hiddenFill xmlns:a14="http://schemas.microsoft.com/office/drawing/2010/main">
+                <a:solidFill>
+                  <a:schemeClr val="accent1"/>
+                </a:solidFill>
+              </a14:hiddenFill>
+            </a:ext>
+            <a:ext uri="{91240B29-F687-4F45-9708-019B960494DF}">
+              <a14:hiddenLine xmlns:a14="http://schemas.microsoft.com/office/drawing/2010/main" w="9525">
+                <a:solidFill>
+                  <a:schemeClr val="tx1"/>
+                </a:solidFill>
+                <a:miter lim="800000"/>
+                <a:headEnd/>
+                <a:tailEnd/>
+              </a14:hiddenLine>
+            </a:ext>
+            <a:ext uri="{AF507438-7753-43E0-B8FC-AC1667EBCBE1}">
+              <a14:hiddenEffects xmlns:a14="http://schemas.microsoft.com/office/drawing/2010/main">
+                <a:effectLst>
+                  <a:outerShdw dist="35921" dir="2700000" algn="ctr" rotWithShape="0">
+                    <a:schemeClr val="bg2"/>
+                  </a:outerShdw>
+                </a:effectLst>
+              </a14:hiddenEffects>
+            </a:ext>
+          </a:extLst>
+        </p:spPr>
+      </p:pic>
+      <p:pic>
+        <p:nvPicPr>
+          <p:cNvPr id="1030" name="Picture 6"/>
+          <p:cNvPicPr>
+            <a:picLocks noChangeAspect="1" noChangeArrowheads="1"/>
+          </p:cNvPicPr>
+          <p:nvPr/>
+        </p:nvPicPr>
+        <p:blipFill>
+          <a:blip r:embed="rId5">
+            <a:extLst>
+              <a:ext uri="{28A0092B-C50C-407E-A947-70E740481C1C}">
+                <a14:useLocalDpi xmlns:a14="http://schemas.microsoft.com/office/drawing/2010/main" val="0"/>
+              </a:ext>
+            </a:extLst>
+          </a:blip>
+          <a:srcRect/>
+          <a:stretch>
+            <a:fillRect/>
+          </a:stretch>
+        </p:blipFill>
+        <p:spPr bwMode="auto">
+          <a:xfrm>
+            <a:off x="1617850" y="2262187"/>
+            <a:ext cx="657225" cy="571500"/>
+          </a:xfrm>
+          <a:prstGeom prst="rect">
+            <a:avLst/>
+          </a:prstGeom>
+          <a:noFill/>
+          <a:ln>
+            <a:noFill/>
+          </a:ln>
+          <a:effectLst/>
+          <a:extLst>
+            <a:ext uri="{909E8E84-426E-40DD-AFC4-6F175D3DCCD1}">
+              <a14:hiddenFill xmlns:a14="http://schemas.microsoft.com/office/drawing/2010/main">
+                <a:solidFill>
+                  <a:schemeClr val="accent1"/>
+                </a:solidFill>
+              </a14:hiddenFill>
+            </a:ext>
+            <a:ext uri="{91240B29-F687-4F45-9708-019B960494DF}">
+              <a14:hiddenLine xmlns:a14="http://schemas.microsoft.com/office/drawing/2010/main" w="9525">
+                <a:solidFill>
+                  <a:schemeClr val="tx1"/>
+                </a:solidFill>
+                <a:miter lim="800000"/>
+                <a:headEnd/>
+                <a:tailEnd/>
+              </a14:hiddenLine>
+            </a:ext>
+            <a:ext uri="{AF507438-7753-43E0-B8FC-AC1667EBCBE1}">
+              <a14:hiddenEffects xmlns:a14="http://schemas.microsoft.com/office/drawing/2010/main">
+                <a:effectLst>
+                  <a:outerShdw dist="35921" dir="2700000" algn="ctr" rotWithShape="0">
+                    <a:schemeClr val="bg2"/>
+                  </a:outerShdw>
+                </a:effectLst>
+              </a14:hiddenEffects>
+            </a:ext>
+          </a:extLst>
+        </p:spPr>
+      </p:pic>
+      <p:pic>
+        <p:nvPicPr>
+          <p:cNvPr id="1031" name="Picture 7"/>
+          <p:cNvPicPr>
+            <a:picLocks noChangeAspect="1" noChangeArrowheads="1"/>
+          </p:cNvPicPr>
+          <p:nvPr/>
+        </p:nvPicPr>
+        <p:blipFill>
+          <a:blip r:embed="rId6">
+            <a:extLst>
+              <a:ext uri="{28A0092B-C50C-407E-A947-70E740481C1C}">
+                <a14:useLocalDpi xmlns:a14="http://schemas.microsoft.com/office/drawing/2010/main" val="0"/>
+              </a:ext>
+            </a:extLst>
+          </a:blip>
+          <a:srcRect/>
+          <a:stretch>
+            <a:fillRect/>
+          </a:stretch>
+        </p:blipFill>
+        <p:spPr bwMode="auto">
+          <a:xfrm>
+            <a:off x="4759698" y="2188585"/>
+            <a:ext cx="847725" cy="647700"/>
+          </a:xfrm>
+          <a:prstGeom prst="rect">
+            <a:avLst/>
+          </a:prstGeom>
+          <a:noFill/>
+          <a:ln>
+            <a:noFill/>
+          </a:ln>
+          <a:effectLst/>
+          <a:extLst>
+            <a:ext uri="{909E8E84-426E-40DD-AFC4-6F175D3DCCD1}">
+              <a14:hiddenFill xmlns:a14="http://schemas.microsoft.com/office/drawing/2010/main">
+                <a:solidFill>
+                  <a:schemeClr val="accent1"/>
+                </a:solidFill>
+              </a14:hiddenFill>
+            </a:ext>
+            <a:ext uri="{91240B29-F687-4F45-9708-019B960494DF}">
+              <a14:hiddenLine xmlns:a14="http://schemas.microsoft.com/office/drawing/2010/main" w="9525">
+                <a:solidFill>
+                  <a:schemeClr val="tx1"/>
+                </a:solidFill>
+                <a:miter lim="800000"/>
+                <a:headEnd/>
+                <a:tailEnd/>
+              </a14:hiddenLine>
+            </a:ext>
+            <a:ext uri="{AF507438-7753-43E0-B8FC-AC1667EBCBE1}">
+              <a14:hiddenEffects xmlns:a14="http://schemas.microsoft.com/office/drawing/2010/main">
+                <a:effectLst>
+                  <a:outerShdw dist="35921" dir="2700000" algn="ctr" rotWithShape="0">
+                    <a:schemeClr val="bg2"/>
+                  </a:outerShdw>
+                </a:effectLst>
+              </a14:hiddenEffects>
+            </a:ext>
+          </a:extLst>
+        </p:spPr>
+      </p:pic>
+      <p:pic>
+        <p:nvPicPr>
+          <p:cNvPr id="1033" name="Picture 9"/>
+          <p:cNvPicPr>
+            <a:picLocks noChangeAspect="1" noChangeArrowheads="1"/>
+          </p:cNvPicPr>
+          <p:nvPr/>
+        </p:nvPicPr>
+        <p:blipFill>
+          <a:blip r:embed="rId7">
+            <a:extLst>
+              <a:ext uri="{28A0092B-C50C-407E-A947-70E740481C1C}">
+                <a14:useLocalDpi xmlns:a14="http://schemas.microsoft.com/office/drawing/2010/main" val="0"/>
+              </a:ext>
+            </a:extLst>
+          </a:blip>
+          <a:srcRect/>
+          <a:stretch>
+            <a:fillRect/>
+          </a:stretch>
+        </p:blipFill>
+        <p:spPr bwMode="auto">
+          <a:xfrm>
+            <a:off x="696567" y="2264785"/>
+            <a:ext cx="704850" cy="571500"/>
+          </a:xfrm>
+          <a:prstGeom prst="rect">
+            <a:avLst/>
+          </a:prstGeom>
+          <a:noFill/>
+          <a:ln>
+            <a:noFill/>
+          </a:ln>
+          <a:effectLst/>
+          <a:extLst>
+            <a:ext uri="{909E8E84-426E-40DD-AFC4-6F175D3DCCD1}">
+              <a14:hiddenFill xmlns:a14="http://schemas.microsoft.com/office/drawing/2010/main">
+                <a:solidFill>
+                  <a:schemeClr val="accent1"/>
+                </a:solidFill>
+              </a14:hiddenFill>
+            </a:ext>
+            <a:ext uri="{91240B29-F687-4F45-9708-019B960494DF}">
+              <a14:hiddenLine xmlns:a14="http://schemas.microsoft.com/office/drawing/2010/main" w="9525">
+                <a:solidFill>
+                  <a:schemeClr val="tx1"/>
+                </a:solidFill>
+                <a:miter lim="800000"/>
+                <a:headEnd/>
+                <a:tailEnd/>
+              </a14:hiddenLine>
+            </a:ext>
+            <a:ext uri="{AF507438-7753-43E0-B8FC-AC1667EBCBE1}">
+              <a14:hiddenEffects xmlns:a14="http://schemas.microsoft.com/office/drawing/2010/main">
+                <a:effectLst>
+                  <a:outerShdw dist="35921" dir="2700000" algn="ctr" rotWithShape="0">
+                    <a:schemeClr val="bg2"/>
+                  </a:outerShdw>
+                </a:effectLst>
+              </a14:hiddenEffects>
+            </a:ext>
+          </a:extLst>
+        </p:spPr>
+      </p:pic>
+      <p:pic>
+        <p:nvPicPr>
+          <p:cNvPr id="1034" name="Picture 10"/>
+          <p:cNvPicPr>
+            <a:picLocks noChangeAspect="1" noChangeArrowheads="1"/>
+          </p:cNvPicPr>
+          <p:nvPr/>
+        </p:nvPicPr>
+        <p:blipFill>
+          <a:blip r:embed="rId8">
+            <a:extLst>
+              <a:ext uri="{28A0092B-C50C-407E-A947-70E740481C1C}">
+                <a14:useLocalDpi xmlns:a14="http://schemas.microsoft.com/office/drawing/2010/main" val="0"/>
+              </a:ext>
+            </a:extLst>
+          </a:blip>
+          <a:srcRect/>
+          <a:stretch>
+            <a:fillRect/>
+          </a:stretch>
+        </p:blipFill>
+        <p:spPr bwMode="auto">
+          <a:xfrm>
+            <a:off x="2999407" y="1712335"/>
+            <a:ext cx="542925" cy="552450"/>
+          </a:xfrm>
+          <a:prstGeom prst="rect">
+            <a:avLst/>
+          </a:prstGeom>
+          <a:noFill/>
+          <a:ln>
+            <a:noFill/>
+          </a:ln>
+          <a:effectLst/>
+          <a:extLst>
+            <a:ext uri="{909E8E84-426E-40DD-AFC4-6F175D3DCCD1}">
+              <a14:hiddenFill xmlns:a14="http://schemas.microsoft.com/office/drawing/2010/main">
+                <a:solidFill>
+                  <a:schemeClr val="accent1"/>
+                </a:solidFill>
+              </a14:hiddenFill>
+            </a:ext>
+            <a:ext uri="{91240B29-F687-4F45-9708-019B960494DF}">
+              <a14:hiddenLine xmlns:a14="http://schemas.microsoft.com/office/drawing/2010/main" w="9525">
+                <a:solidFill>
+                  <a:schemeClr val="tx1"/>
+                </a:solidFill>
+                <a:miter lim="800000"/>
+                <a:headEnd/>
+                <a:tailEnd/>
+              </a14:hiddenLine>
+            </a:ext>
+            <a:ext uri="{AF507438-7753-43E0-B8FC-AC1667EBCBE1}">
+              <a14:hiddenEffects xmlns:a14="http://schemas.microsoft.com/office/drawing/2010/main">
+                <a:effectLst>
+                  <a:outerShdw dist="35921" dir="2700000" algn="ctr" rotWithShape="0">
+                    <a:schemeClr val="bg2"/>
+                  </a:outerShdw>
+                </a:effectLst>
+              </a14:hiddenEffects>
+            </a:ext>
+          </a:extLst>
+        </p:spPr>
+      </p:pic>
+      <p:pic>
+        <p:nvPicPr>
+          <p:cNvPr id="1035" name="Picture 11"/>
+          <p:cNvPicPr>
+            <a:picLocks noChangeAspect="1" noChangeArrowheads="1"/>
+          </p:cNvPicPr>
+          <p:nvPr/>
+        </p:nvPicPr>
+        <p:blipFill>
+          <a:blip r:embed="rId9">
+            <a:extLst>
+              <a:ext uri="{28A0092B-C50C-407E-A947-70E740481C1C}">
+                <a14:useLocalDpi xmlns:a14="http://schemas.microsoft.com/office/drawing/2010/main" val="0"/>
+              </a:ext>
+            </a:extLst>
+          </a:blip>
+          <a:srcRect/>
+          <a:stretch>
+            <a:fillRect/>
+          </a:stretch>
+        </p:blipFill>
+        <p:spPr bwMode="auto">
+          <a:xfrm>
+            <a:off x="3712814" y="2010209"/>
+            <a:ext cx="542925" cy="762000"/>
+          </a:xfrm>
+          <a:prstGeom prst="rect">
+            <a:avLst/>
+          </a:prstGeom>
+          <a:noFill/>
+          <a:ln>
+            <a:noFill/>
+          </a:ln>
+          <a:effectLst/>
+          <a:extLst>
+            <a:ext uri="{909E8E84-426E-40DD-AFC4-6F175D3DCCD1}">
+              <a14:hiddenFill xmlns:a14="http://schemas.microsoft.com/office/drawing/2010/main">
+                <a:solidFill>
+                  <a:schemeClr val="accent1"/>
+                </a:solidFill>
+              </a14:hiddenFill>
+            </a:ext>
+            <a:ext uri="{91240B29-F687-4F45-9708-019B960494DF}">
+              <a14:hiddenLine xmlns:a14="http://schemas.microsoft.com/office/drawing/2010/main" w="9525">
+                <a:solidFill>
+                  <a:schemeClr val="tx1"/>
+                </a:solidFill>
+                <a:miter lim="800000"/>
+                <a:headEnd/>
+                <a:tailEnd/>
+              </a14:hiddenLine>
+            </a:ext>
+            <a:ext uri="{AF507438-7753-43E0-B8FC-AC1667EBCBE1}">
+              <a14:hiddenEffects xmlns:a14="http://schemas.microsoft.com/office/drawing/2010/main">
+                <a:effectLst>
+                  <a:outerShdw dist="35921" dir="2700000" algn="ctr" rotWithShape="0">
+                    <a:schemeClr val="bg2"/>
+                  </a:outerShdw>
+                </a:effectLst>
+              </a14:hiddenEffects>
+            </a:ext>
+          </a:extLst>
+        </p:spPr>
+      </p:pic>
+      <p:pic>
+        <p:nvPicPr>
+          <p:cNvPr id="1037" name="Picture 13"/>
+          <p:cNvPicPr>
+            <a:picLocks noChangeAspect="1" noChangeArrowheads="1"/>
+          </p:cNvPicPr>
+          <p:nvPr/>
+        </p:nvPicPr>
+        <p:blipFill>
+          <a:blip r:embed="rId10">
+            <a:extLst>
+              <a:ext uri="{28A0092B-C50C-407E-A947-70E740481C1C}">
+                <a14:useLocalDpi xmlns:a14="http://schemas.microsoft.com/office/drawing/2010/main" val="0"/>
+              </a:ext>
+            </a:extLst>
+          </a:blip>
+          <a:srcRect/>
+          <a:stretch>
+            <a:fillRect/>
+          </a:stretch>
+        </p:blipFill>
+        <p:spPr bwMode="auto">
+          <a:xfrm>
+            <a:off x="4255739" y="3171824"/>
+            <a:ext cx="571500" cy="571500"/>
+          </a:xfrm>
+          <a:prstGeom prst="rect">
+            <a:avLst/>
+          </a:prstGeom>
+          <a:noFill/>
+          <a:ln>
+            <a:noFill/>
+          </a:ln>
+          <a:effectLst/>
+          <a:extLst>
+            <a:ext uri="{909E8E84-426E-40DD-AFC4-6F175D3DCCD1}">
+              <a14:hiddenFill xmlns:a14="http://schemas.microsoft.com/office/drawing/2010/main">
+                <a:solidFill>
+                  <a:schemeClr val="accent1"/>
+                </a:solidFill>
+              </a14:hiddenFill>
+            </a:ext>
+            <a:ext uri="{91240B29-F687-4F45-9708-019B960494DF}">
+              <a14:hiddenLine xmlns:a14="http://schemas.microsoft.com/office/drawing/2010/main" w="9525">
+                <a:solidFill>
+                  <a:schemeClr val="tx1"/>
+                </a:solidFill>
+                <a:miter lim="800000"/>
+                <a:headEnd/>
+                <a:tailEnd/>
+              </a14:hiddenLine>
+            </a:ext>
+            <a:ext uri="{AF507438-7753-43E0-B8FC-AC1667EBCBE1}">
+              <a14:hiddenEffects xmlns:a14="http://schemas.microsoft.com/office/drawing/2010/main">
+                <a:effectLst>
+                  <a:outerShdw dist="35921" dir="2700000" algn="ctr" rotWithShape="0">
+                    <a:schemeClr val="bg2"/>
+                  </a:outerShdw>
+                </a:effectLst>
+              </a14:hiddenEffects>
+            </a:ext>
+          </a:extLst>
+        </p:spPr>
+      </p:pic>
+      <p:pic>
+        <p:nvPicPr>
+          <p:cNvPr id="1038" name="Picture 14"/>
+          <p:cNvPicPr>
+            <a:picLocks noChangeAspect="1" noChangeArrowheads="1"/>
+          </p:cNvPicPr>
+          <p:nvPr/>
+        </p:nvPicPr>
+        <p:blipFill>
+          <a:blip r:embed="rId11">
+            <a:extLst>
+              <a:ext uri="{28A0092B-C50C-407E-A947-70E740481C1C}">
+                <a14:useLocalDpi xmlns:a14="http://schemas.microsoft.com/office/drawing/2010/main" val="0"/>
+              </a:ext>
+            </a:extLst>
+          </a:blip>
+          <a:srcRect/>
+          <a:stretch>
+            <a:fillRect/>
+          </a:stretch>
+        </p:blipFill>
+        <p:spPr bwMode="auto">
+          <a:xfrm>
+            <a:off x="1975470" y="1421823"/>
+            <a:ext cx="733425" cy="581025"/>
+          </a:xfrm>
+          <a:prstGeom prst="rect">
+            <a:avLst/>
+          </a:prstGeom>
+          <a:noFill/>
+          <a:ln>
+            <a:noFill/>
+          </a:ln>
+          <a:effectLst/>
+          <a:extLst>
+            <a:ext uri="{909E8E84-426E-40DD-AFC4-6F175D3DCCD1}">
+              <a14:hiddenFill xmlns:a14="http://schemas.microsoft.com/office/drawing/2010/main">
+                <a:solidFill>
+                  <a:schemeClr val="accent1"/>
+                </a:solidFill>
+              </a14:hiddenFill>
+            </a:ext>
+            <a:ext uri="{91240B29-F687-4F45-9708-019B960494DF}">
+              <a14:hiddenLine xmlns:a14="http://schemas.microsoft.com/office/drawing/2010/main" w="9525">
+                <a:solidFill>
+                  <a:schemeClr val="tx1"/>
+                </a:solidFill>
+                <a:miter lim="800000"/>
+                <a:headEnd/>
+                <a:tailEnd/>
+              </a14:hiddenLine>
+            </a:ext>
+            <a:ext uri="{AF507438-7753-43E0-B8FC-AC1667EBCBE1}">
+              <a14:hiddenEffects xmlns:a14="http://schemas.microsoft.com/office/drawing/2010/main">
+                <a:effectLst>
+                  <a:outerShdw dist="35921" dir="2700000" algn="ctr" rotWithShape="0">
+                    <a:schemeClr val="bg2"/>
+                  </a:outerShdw>
+                </a:effectLst>
+              </a14:hiddenEffects>
+            </a:ext>
+          </a:extLst>
+        </p:spPr>
+      </p:pic>
+      <p:pic>
+        <p:nvPicPr>
+          <p:cNvPr id="1039" name="Picture 15"/>
+          <p:cNvPicPr>
+            <a:picLocks noChangeAspect="1" noChangeArrowheads="1"/>
+          </p:cNvPicPr>
+          <p:nvPr/>
+        </p:nvPicPr>
+        <p:blipFill>
+          <a:blip r:embed="rId12">
+            <a:extLst>
+              <a:ext uri="{28A0092B-C50C-407E-A947-70E740481C1C}">
+                <a14:useLocalDpi xmlns:a14="http://schemas.microsoft.com/office/drawing/2010/main" val="0"/>
+              </a:ext>
+            </a:extLst>
+          </a:blip>
+          <a:srcRect/>
+          <a:stretch>
+            <a:fillRect/>
+          </a:stretch>
+        </p:blipFill>
+        <p:spPr bwMode="auto">
+          <a:xfrm>
+            <a:off x="2399332" y="3777528"/>
+            <a:ext cx="542925" cy="552450"/>
+          </a:xfrm>
+          <a:prstGeom prst="rect">
+            <a:avLst/>
+          </a:prstGeom>
+          <a:noFill/>
+          <a:ln>
+            <a:noFill/>
+          </a:ln>
+          <a:effectLst/>
+          <a:extLst>
+            <a:ext uri="{909E8E84-426E-40DD-AFC4-6F175D3DCCD1}">
+              <a14:hiddenFill xmlns:a14="http://schemas.microsoft.com/office/drawing/2010/main">
+                <a:solidFill>
+                  <a:schemeClr val="accent1"/>
+                </a:solidFill>
+              </a14:hiddenFill>
+            </a:ext>
+            <a:ext uri="{91240B29-F687-4F45-9708-019B960494DF}">
+              <a14:hiddenLine xmlns:a14="http://schemas.microsoft.com/office/drawing/2010/main" w="9525">
+                <a:solidFill>
+                  <a:schemeClr val="tx1"/>
+                </a:solidFill>
+                <a:miter lim="800000"/>
+                <a:headEnd/>
+                <a:tailEnd/>
+              </a14:hiddenLine>
+            </a:ext>
+            <a:ext uri="{AF507438-7753-43E0-B8FC-AC1667EBCBE1}">
+              <a14:hiddenEffects xmlns:a14="http://schemas.microsoft.com/office/drawing/2010/main">
+                <a:effectLst>
+                  <a:outerShdw dist="35921" dir="2700000" algn="ctr" rotWithShape="0">
+                    <a:schemeClr val="bg2"/>
+                  </a:outerShdw>
+                </a:effectLst>
+              </a14:hiddenEffects>
+            </a:ext>
+          </a:extLst>
+        </p:spPr>
+      </p:pic>
+      <p:pic>
+        <p:nvPicPr>
+          <p:cNvPr id="1040" name="Picture 16"/>
+          <p:cNvPicPr>
+            <a:picLocks noChangeAspect="1" noChangeArrowheads="1"/>
+          </p:cNvPicPr>
+          <p:nvPr/>
+        </p:nvPicPr>
+        <p:blipFill>
+          <a:blip r:embed="rId13">
+            <a:extLst>
+              <a:ext uri="{28A0092B-C50C-407E-A947-70E740481C1C}">
+                <a14:useLocalDpi xmlns:a14="http://schemas.microsoft.com/office/drawing/2010/main" val="0"/>
+              </a:ext>
+            </a:extLst>
+          </a:blip>
+          <a:srcRect/>
+          <a:stretch>
+            <a:fillRect/>
+          </a:stretch>
+        </p:blipFill>
+        <p:spPr bwMode="auto">
+          <a:xfrm>
+            <a:off x="4022377" y="3690937"/>
+            <a:ext cx="466725" cy="590550"/>
+          </a:xfrm>
+          <a:prstGeom prst="rect">
+            <a:avLst/>
+          </a:prstGeom>
+          <a:noFill/>
+          <a:ln>
+            <a:noFill/>
+          </a:ln>
+          <a:effectLst/>
+          <a:extLst>
+            <a:ext uri="{909E8E84-426E-40DD-AFC4-6F175D3DCCD1}">
+              <a14:hiddenFill xmlns:a14="http://schemas.microsoft.com/office/drawing/2010/main">
+                <a:solidFill>
+                  <a:schemeClr val="accent1"/>
+                </a:solidFill>
+              </a14:hiddenFill>
+            </a:ext>
+            <a:ext uri="{91240B29-F687-4F45-9708-019B960494DF}">
+              <a14:hiddenLine xmlns:a14="http://schemas.microsoft.com/office/drawing/2010/main" w="9525">
+                <a:solidFill>
+                  <a:schemeClr val="tx1"/>
+                </a:solidFill>
+                <a:miter lim="800000"/>
+                <a:headEnd/>
+                <a:tailEnd/>
+              </a14:hiddenLine>
+            </a:ext>
+            <a:ext uri="{AF507438-7753-43E0-B8FC-AC1667EBCBE1}">
+              <a14:hiddenEffects xmlns:a14="http://schemas.microsoft.com/office/drawing/2010/main">
+                <a:effectLst>
+                  <a:outerShdw dist="35921" dir="2700000" algn="ctr" rotWithShape="0">
+                    <a:schemeClr val="bg2"/>
+                  </a:outerShdw>
+                </a:effectLst>
+              </a14:hiddenEffects>
+            </a:ext>
+          </a:extLst>
+        </p:spPr>
+      </p:pic>
+      <p:pic>
+        <p:nvPicPr>
+          <p:cNvPr id="1041" name="Picture 17"/>
+          <p:cNvPicPr>
+            <a:picLocks noChangeAspect="1" noChangeArrowheads="1"/>
+          </p:cNvPicPr>
+          <p:nvPr/>
+        </p:nvPicPr>
+        <p:blipFill>
+          <a:blip r:embed="rId14">
+            <a:extLst>
+              <a:ext uri="{28A0092B-C50C-407E-A947-70E740481C1C}">
+                <a14:useLocalDpi xmlns:a14="http://schemas.microsoft.com/office/drawing/2010/main" val="0"/>
+              </a:ext>
+            </a:extLst>
+          </a:blip>
+          <a:srcRect/>
+          <a:stretch>
+            <a:fillRect/>
+          </a:stretch>
+        </p:blipFill>
+        <p:spPr bwMode="auto">
+          <a:xfrm>
+            <a:off x="449782" y="3633787"/>
+            <a:ext cx="847725" cy="647700"/>
+          </a:xfrm>
+          <a:prstGeom prst="rect">
+            <a:avLst/>
+          </a:prstGeom>
+          <a:noFill/>
+          <a:ln>
+            <a:noFill/>
+          </a:ln>
+          <a:effectLst/>
+          <a:extLst>
+            <a:ext uri="{909E8E84-426E-40DD-AFC4-6F175D3DCCD1}">
+              <a14:hiddenFill xmlns:a14="http://schemas.microsoft.com/office/drawing/2010/main">
+                <a:solidFill>
+                  <a:schemeClr val="accent1"/>
+                </a:solidFill>
+              </a14:hiddenFill>
+            </a:ext>
+            <a:ext uri="{91240B29-F687-4F45-9708-019B960494DF}">
+              <a14:hiddenLine xmlns:a14="http://schemas.microsoft.com/office/drawing/2010/main" w="9525">
+                <a:solidFill>
+                  <a:schemeClr val="tx1"/>
+                </a:solidFill>
+                <a:miter lim="800000"/>
+                <a:headEnd/>
+                <a:tailEnd/>
+              </a14:hiddenLine>
+            </a:ext>
+            <a:ext uri="{AF507438-7753-43E0-B8FC-AC1667EBCBE1}">
+              <a14:hiddenEffects xmlns:a14="http://schemas.microsoft.com/office/drawing/2010/main">
+                <a:effectLst>
+                  <a:outerShdw dist="35921" dir="2700000" algn="ctr" rotWithShape="0">
+                    <a:schemeClr val="bg2"/>
+                  </a:outerShdw>
+                </a:effectLst>
+              </a14:hiddenEffects>
+            </a:ext>
+          </a:extLst>
+        </p:spPr>
+      </p:pic>
+      <p:pic>
+        <p:nvPicPr>
+          <p:cNvPr id="1042" name="Picture 18"/>
+          <p:cNvPicPr>
+            <a:picLocks noChangeAspect="1" noChangeArrowheads="1"/>
+          </p:cNvPicPr>
+          <p:nvPr/>
+        </p:nvPicPr>
+        <p:blipFill>
+          <a:blip r:embed="rId15">
+            <a:extLst>
+              <a:ext uri="{28A0092B-C50C-407E-A947-70E740481C1C}">
+                <a14:useLocalDpi xmlns:a14="http://schemas.microsoft.com/office/drawing/2010/main" val="0"/>
+              </a:ext>
+            </a:extLst>
+          </a:blip>
+          <a:srcRect/>
+          <a:stretch>
+            <a:fillRect/>
+          </a:stretch>
+        </p:blipFill>
+        <p:spPr bwMode="auto">
+          <a:xfrm>
+            <a:off x="592658" y="2909887"/>
+            <a:ext cx="561975" cy="676275"/>
+          </a:xfrm>
+          <a:prstGeom prst="rect">
+            <a:avLst/>
+          </a:prstGeom>
+          <a:noFill/>
+          <a:ln>
+            <a:noFill/>
+          </a:ln>
+          <a:effectLst/>
+          <a:extLst>
+            <a:ext uri="{909E8E84-426E-40DD-AFC4-6F175D3DCCD1}">
+              <a14:hiddenFill xmlns:a14="http://schemas.microsoft.com/office/drawing/2010/main">
+                <a:solidFill>
+                  <a:schemeClr val="accent1"/>
+                </a:solidFill>
+              </a14:hiddenFill>
+            </a:ext>
+            <a:ext uri="{91240B29-F687-4F45-9708-019B960494DF}">
+              <a14:hiddenLine xmlns:a14="http://schemas.microsoft.com/office/drawing/2010/main" w="9525">
+                <a:solidFill>
+                  <a:schemeClr val="tx1"/>
+                </a:solidFill>
+                <a:miter lim="800000"/>
+                <a:headEnd/>
+                <a:tailEnd/>
+              </a14:hiddenLine>
+            </a:ext>
+            <a:ext uri="{AF507438-7753-43E0-B8FC-AC1667EBCBE1}">
+              <a14:hiddenEffects xmlns:a14="http://schemas.microsoft.com/office/drawing/2010/main">
+                <a:effectLst>
+                  <a:outerShdw dist="35921" dir="2700000" algn="ctr" rotWithShape="0">
+                    <a:schemeClr val="bg2"/>
+                  </a:outerShdw>
+                </a:effectLst>
+              </a14:hiddenEffects>
+            </a:ext>
+          </a:extLst>
+        </p:spPr>
+      </p:pic>
+      <p:pic>
+        <p:nvPicPr>
+          <p:cNvPr id="1043" name="Picture 19"/>
+          <p:cNvPicPr>
+            <a:picLocks noChangeAspect="1" noChangeArrowheads="1"/>
+          </p:cNvPicPr>
+          <p:nvPr/>
+        </p:nvPicPr>
+        <p:blipFill>
+          <a:blip r:embed="rId16">
+            <a:extLst>
+              <a:ext uri="{28A0092B-C50C-407E-A947-70E740481C1C}">
+                <a14:useLocalDpi xmlns:a14="http://schemas.microsoft.com/office/drawing/2010/main" val="0"/>
+              </a:ext>
+            </a:extLst>
+          </a:blip>
+          <a:srcRect/>
+          <a:stretch>
+            <a:fillRect/>
+          </a:stretch>
+        </p:blipFill>
+        <p:spPr bwMode="auto">
+          <a:xfrm>
+            <a:off x="259283" y="2002848"/>
+            <a:ext cx="666750" cy="676275"/>
+          </a:xfrm>
+          <a:prstGeom prst="rect">
+            <a:avLst/>
+          </a:prstGeom>
+          <a:noFill/>
+          <a:ln>
+            <a:noFill/>
+          </a:ln>
+          <a:effectLst/>
+          <a:extLst>
+            <a:ext uri="{909E8E84-426E-40DD-AFC4-6F175D3DCCD1}">
+              <a14:hiddenFill xmlns:a14="http://schemas.microsoft.com/office/drawing/2010/main">
+                <a:solidFill>
+                  <a:schemeClr val="accent1"/>
+                </a:solidFill>
+              </a14:hiddenFill>
+            </a:ext>
+            <a:ext uri="{91240B29-F687-4F45-9708-019B960494DF}">
+              <a14:hiddenLine xmlns:a14="http://schemas.microsoft.com/office/drawing/2010/main" w="9525">
+                <a:solidFill>
+                  <a:schemeClr val="tx1"/>
+                </a:solidFill>
+                <a:miter lim="800000"/>
+                <a:headEnd/>
+                <a:tailEnd/>
+              </a14:hiddenLine>
+            </a:ext>
+            <a:ext uri="{AF507438-7753-43E0-B8FC-AC1667EBCBE1}">
+              <a14:hiddenEffects xmlns:a14="http://schemas.microsoft.com/office/drawing/2010/main">
+                <a:effectLst>
+                  <a:outerShdw dist="35921" dir="2700000" algn="ctr" rotWithShape="0">
+                    <a:schemeClr val="bg2"/>
+                  </a:outerShdw>
+                </a:effectLst>
+              </a14:hiddenEffects>
+            </a:ext>
+          </a:extLst>
+        </p:spPr>
+      </p:pic>
+      <p:pic>
+        <p:nvPicPr>
+          <p:cNvPr id="1044" name="Picture 20"/>
+          <p:cNvPicPr>
+            <a:picLocks noChangeAspect="1" noChangeArrowheads="1"/>
+          </p:cNvPicPr>
+          <p:nvPr/>
+        </p:nvPicPr>
+        <p:blipFill>
+          <a:blip r:embed="rId17">
+            <a:extLst>
+              <a:ext uri="{28A0092B-C50C-407E-A947-70E740481C1C}">
+                <a14:useLocalDpi xmlns:a14="http://schemas.microsoft.com/office/drawing/2010/main" val="0"/>
+              </a:ext>
+            </a:extLst>
+          </a:blip>
+          <a:srcRect/>
+          <a:stretch>
+            <a:fillRect/>
+          </a:stretch>
+        </p:blipFill>
+        <p:spPr bwMode="auto">
+          <a:xfrm>
+            <a:off x="106017" y="4941168"/>
+            <a:ext cx="942975" cy="628650"/>
+          </a:xfrm>
+          <a:prstGeom prst="rect">
+            <a:avLst/>
+          </a:prstGeom>
+          <a:noFill/>
+          <a:ln>
+            <a:noFill/>
+          </a:ln>
+          <a:effectLst/>
+          <a:extLst>
+            <a:ext uri="{909E8E84-426E-40DD-AFC4-6F175D3DCCD1}">
+              <a14:hiddenFill xmlns:a14="http://schemas.microsoft.com/office/drawing/2010/main">
+                <a:solidFill>
+                  <a:schemeClr val="accent1"/>
+                </a:solidFill>
+              </a14:hiddenFill>
+            </a:ext>
+            <a:ext uri="{91240B29-F687-4F45-9708-019B960494DF}">
+              <a14:hiddenLine xmlns:a14="http://schemas.microsoft.com/office/drawing/2010/main" w="9525">
+                <a:solidFill>
+                  <a:schemeClr val="tx1"/>
+                </a:solidFill>
+                <a:miter lim="800000"/>
+                <a:headEnd/>
+                <a:tailEnd/>
+              </a14:hiddenLine>
+            </a:ext>
+            <a:ext uri="{AF507438-7753-43E0-B8FC-AC1667EBCBE1}">
+              <a14:hiddenEffects xmlns:a14="http://schemas.microsoft.com/office/drawing/2010/main">
+                <a:effectLst>
+                  <a:outerShdw dist="35921" dir="2700000" algn="ctr" rotWithShape="0">
+                    <a:schemeClr val="bg2"/>
+                  </a:outerShdw>
+                </a:effectLst>
+              </a14:hiddenEffects>
+            </a:ext>
+          </a:extLst>
+        </p:spPr>
+      </p:pic>
+      <p:pic>
+        <p:nvPicPr>
+          <p:cNvPr id="1045" name="Picture 21"/>
+          <p:cNvPicPr>
+            <a:picLocks noChangeAspect="1" noChangeArrowheads="1"/>
+          </p:cNvPicPr>
+          <p:nvPr/>
+        </p:nvPicPr>
+        <p:blipFill>
+          <a:blip r:embed="rId18">
+            <a:extLst>
+              <a:ext uri="{28A0092B-C50C-407E-A947-70E740481C1C}">
+                <a14:useLocalDpi xmlns:a14="http://schemas.microsoft.com/office/drawing/2010/main" val="0"/>
+              </a:ext>
+            </a:extLst>
+          </a:blip>
+          <a:srcRect/>
+          <a:stretch>
+            <a:fillRect/>
+          </a:stretch>
+        </p:blipFill>
+        <p:spPr bwMode="auto">
+          <a:xfrm>
+            <a:off x="1465882" y="4919519"/>
+            <a:ext cx="933450" cy="628650"/>
+          </a:xfrm>
+          <a:prstGeom prst="rect">
+            <a:avLst/>
+          </a:prstGeom>
+          <a:noFill/>
+          <a:ln>
+            <a:noFill/>
+          </a:ln>
+          <a:effectLst/>
+          <a:extLst>
+            <a:ext uri="{909E8E84-426E-40DD-AFC4-6F175D3DCCD1}">
+              <a14:hiddenFill xmlns:a14="http://schemas.microsoft.com/office/drawing/2010/main">
+                <a:solidFill>
+                  <a:schemeClr val="accent1"/>
+                </a:solidFill>
+              </a14:hiddenFill>
+            </a:ext>
+            <a:ext uri="{91240B29-F687-4F45-9708-019B960494DF}">
+              <a14:hiddenLine xmlns:a14="http://schemas.microsoft.com/office/drawing/2010/main" w="9525">
+                <a:solidFill>
+                  <a:schemeClr val="tx1"/>
+                </a:solidFill>
+                <a:miter lim="800000"/>
+                <a:headEnd/>
+                <a:tailEnd/>
+              </a14:hiddenLine>
+            </a:ext>
+            <a:ext uri="{AF507438-7753-43E0-B8FC-AC1667EBCBE1}">
+              <a14:hiddenEffects xmlns:a14="http://schemas.microsoft.com/office/drawing/2010/main">
+                <a:effectLst>
+                  <a:outerShdw dist="35921" dir="2700000" algn="ctr" rotWithShape="0">
+                    <a:schemeClr val="bg2"/>
+                  </a:outerShdw>
+                </a:effectLst>
+              </a14:hiddenEffects>
+            </a:ext>
+          </a:extLst>
+        </p:spPr>
+      </p:pic>
+      <p:pic>
+        <p:nvPicPr>
+          <p:cNvPr id="1046" name="Picture 22"/>
+          <p:cNvPicPr>
+            <a:picLocks noChangeAspect="1" noChangeArrowheads="1"/>
+          </p:cNvPicPr>
+          <p:nvPr/>
+        </p:nvPicPr>
+        <p:blipFill>
+          <a:blip r:embed="rId19">
+            <a:extLst>
+              <a:ext uri="{28A0092B-C50C-407E-A947-70E740481C1C}">
+                <a14:useLocalDpi xmlns:a14="http://schemas.microsoft.com/office/drawing/2010/main" val="0"/>
+              </a:ext>
+            </a:extLst>
+          </a:blip>
+          <a:srcRect/>
+          <a:stretch>
+            <a:fillRect/>
+          </a:stretch>
+        </p:blipFill>
+        <p:spPr bwMode="auto">
+          <a:xfrm>
+            <a:off x="454545" y="5805264"/>
+            <a:ext cx="742950" cy="790575"/>
+          </a:xfrm>
+          <a:prstGeom prst="rect">
+            <a:avLst/>
+          </a:prstGeom>
+          <a:noFill/>
+          <a:ln>
+            <a:noFill/>
+          </a:ln>
+          <a:effectLst/>
+          <a:extLst>
+            <a:ext uri="{909E8E84-426E-40DD-AFC4-6F175D3DCCD1}">
+              <a14:hiddenFill xmlns:a14="http://schemas.microsoft.com/office/drawing/2010/main">
+                <a:solidFill>
+                  <a:schemeClr val="accent1"/>
+                </a:solidFill>
+              </a14:hiddenFill>
+            </a:ext>
+            <a:ext uri="{91240B29-F687-4F45-9708-019B960494DF}">
+              <a14:hiddenLine xmlns:a14="http://schemas.microsoft.com/office/drawing/2010/main" w="9525">
+                <a:solidFill>
+                  <a:schemeClr val="tx1"/>
+                </a:solidFill>
+                <a:miter lim="800000"/>
+                <a:headEnd/>
+                <a:tailEnd/>
+              </a14:hiddenLine>
+            </a:ext>
+            <a:ext uri="{AF507438-7753-43E0-B8FC-AC1667EBCBE1}">
+              <a14:hiddenEffects xmlns:a14="http://schemas.microsoft.com/office/drawing/2010/main">
+                <a:effectLst>
+                  <a:outerShdw dist="35921" dir="2700000" algn="ctr" rotWithShape="0">
+                    <a:schemeClr val="bg2"/>
+                  </a:outerShdw>
+                </a:effectLst>
+              </a14:hiddenEffects>
+            </a:ext>
+          </a:extLst>
+        </p:spPr>
+      </p:pic>
+    </p:spTree>
+    <p:extLst>
+      <p:ext uri="{BB962C8B-B14F-4D97-AF65-F5344CB8AC3E}">
+        <p14:creationId xmlns:p14="http://schemas.microsoft.com/office/powerpoint/2010/main" val="2733093475"/>
       </p:ext>
     </p:extLst>
   </p:cSld>
@@ -6251,7 +7880,7 @@
           <a:bodyPr/>
           <a:lstStyle/>
           <a:p>
-            <a:endParaRPr lang="fr-FR"/>
+            <a:endParaRPr lang="fr-FR" dirty="0"/>
           </a:p>
         </p:txBody>
       </p:sp>
@@ -6275,6 +7904,112 @@
               <a:t>7</a:t>
             </a:fld>
             <a:endParaRPr lang="fr-FR"/>
+          </a:p>
+        </p:txBody>
+      </p:sp>
+      <p:pic>
+        <p:nvPicPr>
+          <p:cNvPr id="2050" name="Picture 2"/>
+          <p:cNvPicPr>
+            <a:picLocks noChangeAspect="1" noChangeArrowheads="1"/>
+          </p:cNvPicPr>
+          <p:nvPr/>
+        </p:nvPicPr>
+        <p:blipFill>
+          <a:blip r:embed="rId2">
+            <a:extLst>
+              <a:ext uri="{28A0092B-C50C-407E-A947-70E740481C1C}">
+                <a14:useLocalDpi xmlns:a14="http://schemas.microsoft.com/office/drawing/2010/main" val="0"/>
+              </a:ext>
+            </a:extLst>
+          </a:blip>
+          <a:srcRect/>
+          <a:stretch>
+            <a:fillRect/>
+          </a:stretch>
+        </p:blipFill>
+        <p:spPr bwMode="auto">
+          <a:xfrm>
+            <a:off x="3563888" y="2348880"/>
+            <a:ext cx="4800600" cy="3971925"/>
+          </a:xfrm>
+          <a:prstGeom prst="rect">
+            <a:avLst/>
+          </a:prstGeom>
+          <a:noFill/>
+          <a:ln>
+            <a:noFill/>
+          </a:ln>
+          <a:effectLst/>
+          <a:extLst>
+            <a:ext uri="{909E8E84-426E-40DD-AFC4-6F175D3DCCD1}">
+              <a14:hiddenFill xmlns:a14="http://schemas.microsoft.com/office/drawing/2010/main">
+                <a:solidFill>
+                  <a:schemeClr val="accent1"/>
+                </a:solidFill>
+              </a14:hiddenFill>
+            </a:ext>
+            <a:ext uri="{91240B29-F687-4F45-9708-019B960494DF}">
+              <a14:hiddenLine xmlns:a14="http://schemas.microsoft.com/office/drawing/2010/main" w="9525">
+                <a:solidFill>
+                  <a:schemeClr val="tx1"/>
+                </a:solidFill>
+                <a:miter lim="800000"/>
+                <a:headEnd/>
+                <a:tailEnd/>
+              </a14:hiddenLine>
+            </a:ext>
+            <a:ext uri="{AF507438-7753-43E0-B8FC-AC1667EBCBE1}">
+              <a14:hiddenEffects xmlns:a14="http://schemas.microsoft.com/office/drawing/2010/main">
+                <a:effectLst>
+                  <a:outerShdw dist="35921" dir="2700000" algn="ctr" rotWithShape="0">
+                    <a:schemeClr val="bg2"/>
+                  </a:outerShdw>
+                </a:effectLst>
+              </a14:hiddenEffects>
+            </a:ext>
+          </a:extLst>
+        </p:spPr>
+      </p:pic>
+      <p:sp>
+        <p:nvSpPr>
+          <p:cNvPr id="5" name="Rectangle 4"/>
+          <p:cNvSpPr/>
+          <p:nvPr/>
+        </p:nvSpPr>
+        <p:spPr>
+          <a:xfrm>
+            <a:off x="827584" y="5182553"/>
+            <a:ext cx="2232248" cy="1368152"/>
+          </a:xfrm>
+          <a:prstGeom prst="rect">
+            <a:avLst/>
+          </a:prstGeom>
+        </p:spPr>
+        <p:style>
+          <a:lnRef idx="3">
+            <a:schemeClr val="lt1"/>
+          </a:lnRef>
+          <a:fillRef idx="1">
+            <a:schemeClr val="accent3"/>
+          </a:fillRef>
+          <a:effectRef idx="1">
+            <a:schemeClr val="accent3"/>
+          </a:effectRef>
+          <a:fontRef idx="minor">
+            <a:schemeClr val="lt1"/>
+          </a:fontRef>
+        </p:style>
+        <p:txBody>
+          <a:bodyPr rtlCol="0" anchor="ctr"/>
+          <a:lstStyle/>
+          <a:p>
+            <a:pPr algn="ctr"/>
+            <a:r>
+              <a:rPr lang="fr-FR" dirty="0" smtClean="0"/>
+              <a:t>POURQUOI VOLTMETRE « A L’ENVERS » ?</a:t>
+            </a:r>
+            <a:endParaRPr lang="fr-FR" dirty="0"/>
           </a:p>
         </p:txBody>
       </p:sp>

--- a/ModelisationMultiphysique/ModelisationMultiphysique.pptx
+++ b/ModelisationMultiphysique/ModelisationMultiphysique.pptx
@@ -7909,7 +7909,7 @@
       </p:sp>
       <p:pic>
         <p:nvPicPr>
-          <p:cNvPr id="2050" name="Picture 2"/>
+          <p:cNvPr id="1026" name="Picture 2"/>
           <p:cNvPicPr>
             <a:picLocks noChangeAspect="1" noChangeArrowheads="1"/>
           </p:cNvPicPr>
@@ -7930,8 +7930,8 @@
         </p:blipFill>
         <p:spPr bwMode="auto">
           <a:xfrm>
-            <a:off x="3563888" y="2348880"/>
-            <a:ext cx="4800600" cy="3971925"/>
+            <a:off x="4932040" y="1340768"/>
+            <a:ext cx="3248025" cy="2009775"/>
           </a:xfrm>
           <a:prstGeom prst="rect">
             <a:avLst/>
@@ -7971,48 +7971,6 @@
           </a:extLst>
         </p:spPr>
       </p:pic>
-      <p:sp>
-        <p:nvSpPr>
-          <p:cNvPr id="5" name="Rectangle 4"/>
-          <p:cNvSpPr/>
-          <p:nvPr/>
-        </p:nvSpPr>
-        <p:spPr>
-          <a:xfrm>
-            <a:off x="827584" y="5182553"/>
-            <a:ext cx="2232248" cy="1368152"/>
-          </a:xfrm>
-          <a:prstGeom prst="rect">
-            <a:avLst/>
-          </a:prstGeom>
-        </p:spPr>
-        <p:style>
-          <a:lnRef idx="3">
-            <a:schemeClr val="lt1"/>
-          </a:lnRef>
-          <a:fillRef idx="1">
-            <a:schemeClr val="accent3"/>
-          </a:fillRef>
-          <a:effectRef idx="1">
-            <a:schemeClr val="accent3"/>
-          </a:effectRef>
-          <a:fontRef idx="minor">
-            <a:schemeClr val="lt1"/>
-          </a:fontRef>
-        </p:style>
-        <p:txBody>
-          <a:bodyPr rtlCol="0" anchor="ctr"/>
-          <a:lstStyle/>
-          <a:p>
-            <a:pPr algn="ctr"/>
-            <a:r>
-              <a:rPr lang="fr-FR" dirty="0" smtClean="0"/>
-              <a:t>POURQUOI VOLTMETRE « A L’ENVERS » ?</a:t>
-            </a:r>
-            <a:endParaRPr lang="fr-FR" dirty="0"/>
-          </a:p>
-        </p:txBody>
-      </p:sp>
     </p:spTree>
     <p:extLst>
       <p:ext uri="{BB962C8B-B14F-4D97-AF65-F5344CB8AC3E}">

--- a/ModelisationMultiphysique/ModelisationMultiphysique.pptx
+++ b/ModelisationMultiphysique/ModelisationMultiphysique.pptx
@@ -5,24 +5,33 @@
     <p:sldMasterId id="2147483804" r:id="rId1"/>
   </p:sldMasterIdLst>
   <p:notesMasterIdLst>
-    <p:notesMasterId r:id="rId17"/>
+    <p:notesMasterId r:id="rId26"/>
   </p:notesMasterIdLst>
   <p:sldIdLst>
     <p:sldId id="256" r:id="rId2"/>
     <p:sldId id="257" r:id="rId3"/>
-    <p:sldId id="258" r:id="rId4"/>
-    <p:sldId id="263" r:id="rId5"/>
-    <p:sldId id="259" r:id="rId6"/>
-    <p:sldId id="260" r:id="rId7"/>
-    <p:sldId id="261" r:id="rId8"/>
-    <p:sldId id="262" r:id="rId9"/>
-    <p:sldId id="265" r:id="rId10"/>
-    <p:sldId id="267" r:id="rId11"/>
-    <p:sldId id="268" r:id="rId12"/>
-    <p:sldId id="269" r:id="rId13"/>
-    <p:sldId id="270" r:id="rId14"/>
-    <p:sldId id="264" r:id="rId15"/>
-    <p:sldId id="266" r:id="rId16"/>
+    <p:sldId id="263" r:id="rId4"/>
+    <p:sldId id="272" r:id="rId5"/>
+    <p:sldId id="273" r:id="rId6"/>
+    <p:sldId id="274" r:id="rId7"/>
+    <p:sldId id="276" r:id="rId8"/>
+    <p:sldId id="277" r:id="rId9"/>
+    <p:sldId id="271" r:id="rId10"/>
+    <p:sldId id="278" r:id="rId11"/>
+    <p:sldId id="279" r:id="rId12"/>
+    <p:sldId id="275" r:id="rId13"/>
+    <p:sldId id="259" r:id="rId14"/>
+    <p:sldId id="260" r:id="rId15"/>
+    <p:sldId id="261" r:id="rId16"/>
+    <p:sldId id="280" r:id="rId17"/>
+    <p:sldId id="262" r:id="rId18"/>
+    <p:sldId id="265" r:id="rId19"/>
+    <p:sldId id="267" r:id="rId20"/>
+    <p:sldId id="268" r:id="rId21"/>
+    <p:sldId id="269" r:id="rId22"/>
+    <p:sldId id="270" r:id="rId23"/>
+    <p:sldId id="264" r:id="rId24"/>
+    <p:sldId id="266" r:id="rId25"/>
   </p:sldIdLst>
   <p:sldSz cx="9144000" cy="6858000" type="screen4x3"/>
   <p:notesSz cx="6858000" cy="9144000"/>
@@ -206,7 +215,7 @@
           <a:p>
             <a:fld id="{39C4ABE7-6968-4EF3-8008-B142D354329E}" type="datetimeFigureOut">
               <a:rPr lang="fr-FR" smtClean="0"/>
-              <a:t>16/01/2014</a:t>
+              <a:t>17/01/2014</a:t>
             </a:fld>
             <a:endParaRPr lang="fr-FR"/>
           </a:p>
@@ -611,7 +620,7 @@
           <a:p>
             <a:fld id="{B4549172-3FEE-47D0-BB65-1A18684F7B98}" type="datetime1">
               <a:rPr lang="fr-FR" smtClean="0"/>
-              <a:t>16/01/2014</a:t>
+              <a:t>17/01/2014</a:t>
             </a:fld>
             <a:endParaRPr lang="fr-FR"/>
           </a:p>
@@ -1480,7 +1489,7 @@
           <a:p>
             <a:fld id="{0688EC1D-1471-4698-BCB8-4CF0BC090325}" type="datetime1">
               <a:rPr lang="fr-FR" smtClean="0"/>
-              <a:t>16/01/2014</a:t>
+              <a:t>17/01/2014</a:t>
             </a:fld>
             <a:endParaRPr lang="fr-FR"/>
           </a:p>
@@ -1655,7 +1664,7 @@
           <a:p>
             <a:fld id="{34F453BD-45AF-4B4E-99AC-6020FBB0AF33}" type="datetime1">
               <a:rPr lang="fr-FR" smtClean="0"/>
-              <a:t>16/01/2014</a:t>
+              <a:t>17/01/2014</a:t>
             </a:fld>
             <a:endParaRPr lang="fr-FR"/>
           </a:p>
@@ -1825,7 +1834,7 @@
           <a:p>
             <a:fld id="{FEB61240-9CB5-48EB-BBA6-3C19629F7658}" type="datetime1">
               <a:rPr lang="fr-FR" smtClean="0"/>
-              <a:t>16/01/2014</a:t>
+              <a:t>17/01/2014</a:t>
             </a:fld>
             <a:endParaRPr lang="fr-FR"/>
           </a:p>
@@ -2035,7 +2044,7 @@
           <a:p>
             <a:fld id="{2BAACD1D-30C3-476D-A850-5E16ED207568}" type="datetime1">
               <a:rPr lang="fr-FR" smtClean="0"/>
-              <a:t>16/01/2014</a:t>
+              <a:t>17/01/2014</a:t>
             </a:fld>
             <a:endParaRPr lang="fr-FR"/>
           </a:p>
@@ -2849,7 +2858,7 @@
           <a:p>
             <a:fld id="{B9694703-0C5B-4AFF-B4BE-E07D7CDC5B14}" type="datetime1">
               <a:rPr lang="fr-FR" smtClean="0"/>
-              <a:t>16/01/2014</a:t>
+              <a:t>17/01/2014</a:t>
             </a:fld>
             <a:endParaRPr lang="fr-FR"/>
           </a:p>
@@ -3085,7 +3094,7 @@
           <a:p>
             <a:fld id="{37245C4D-23E6-48C4-9F30-3F474E6D101F}" type="datetime1">
               <a:rPr lang="fr-FR" smtClean="0"/>
-              <a:t>16/01/2014</a:t>
+              <a:t>17/01/2014</a:t>
             </a:fld>
             <a:endParaRPr lang="fr-FR"/>
           </a:p>
@@ -3408,7 +3417,7 @@
           <a:p>
             <a:fld id="{A3E5E471-8E97-4CF8-A94F-AB51374CF764}" type="datetime1">
               <a:rPr lang="fr-FR" smtClean="0"/>
-              <a:t>16/01/2014</a:t>
+              <a:t>17/01/2014</a:t>
             </a:fld>
             <a:endParaRPr lang="fr-FR"/>
           </a:p>
@@ -3498,7 +3507,7 @@
           <a:p>
             <a:fld id="{6A8C3648-6B48-4061-B02D-C97909C99497}" type="datetime1">
               <a:rPr lang="fr-FR" smtClean="0"/>
-              <a:t>16/01/2014</a:t>
+              <a:t>17/01/2014</a:t>
             </a:fld>
             <a:endParaRPr lang="fr-FR"/>
           </a:p>
@@ -4015,7 +4024,7 @@
           <a:p>
             <a:fld id="{B2A6E1C4-077A-4686-B4A8-84EDB76D0538}" type="datetime1">
               <a:rPr lang="fr-FR" smtClean="0"/>
-              <a:t>16/01/2014</a:t>
+              <a:t>17/01/2014</a:t>
             </a:fld>
             <a:endParaRPr lang="fr-FR"/>
           </a:p>
@@ -4526,7 +4535,7 @@
           <a:p>
             <a:fld id="{B2A3A41F-5CC8-4B2F-A21F-2E1DB772744F}" type="datetime1">
               <a:rPr lang="fr-FR" smtClean="0"/>
-              <a:t>16/01/2014</a:t>
+              <a:t>17/01/2014</a:t>
             </a:fld>
             <a:endParaRPr lang="fr-FR"/>
           </a:p>
@@ -4771,7 +4780,7 @@
           <a:p>
             <a:fld id="{85C30354-83D0-4C08-BE63-E487BB73E13E}" type="datetime1">
               <a:rPr lang="fr-FR" smtClean="0"/>
-              <a:t>16/01/2014</a:t>
+              <a:t>17/01/2014</a:t>
             </a:fld>
             <a:endParaRPr lang="fr-FR"/>
           </a:p>
@@ -5098,7 +5107,7 @@
         <a:buSzPct val="70000"/>
         <a:buFont typeface="Wingdings"/>
         <a:buChar char=""/>
-        <a:defRPr kumimoji="0" sz="2400" kern="1200">
+        <a:defRPr kumimoji="0" sz="2000" kern="1200">
           <a:solidFill>
             <a:schemeClr val="tx1"/>
           </a:solidFill>
@@ -5117,7 +5126,7 @@
         <a:buSzPct val="80000"/>
         <a:buFont typeface="Wingdings 2"/>
         <a:buChar char=""/>
-        <a:defRPr kumimoji="0" sz="2100" kern="1200">
+        <a:defRPr kumimoji="0" sz="2000" kern="1200">
           <a:solidFill>
             <a:schemeClr val="tx1"/>
           </a:solidFill>
@@ -5138,7 +5147,7 @@
         <a:buSzPct val="60000"/>
         <a:buFont typeface="Wingdings"/>
         <a:buChar char=""/>
-        <a:defRPr kumimoji="0" sz="1800" kern="1200">
+        <a:defRPr kumimoji="0" sz="1600" kern="1200">
           <a:solidFill>
             <a:schemeClr val="tx1"/>
           </a:solidFill>
@@ -5159,7 +5168,7 @@
         <a:buSzPct val="60000"/>
         <a:buFont typeface="Wingdings"/>
         <a:buChar char=""/>
-        <a:defRPr kumimoji="0" sz="1800" kern="1200">
+        <a:defRPr kumimoji="0" sz="1600" kern="1200">
           <a:solidFill>
             <a:schemeClr val="tx1"/>
           </a:solidFill>
@@ -5180,7 +5189,7 @@
         <a:buSzPct val="68000"/>
         <a:buFont typeface="Wingdings 2"/>
         <a:buChar char=""/>
-        <a:defRPr kumimoji="0" sz="1600" kern="1200">
+        <a:defRPr kumimoji="0" sz="1400" kern="1200">
           <a:solidFill>
             <a:schemeClr val="tx1"/>
           </a:solidFill>
@@ -5507,7 +5516,7 @@
       </p:grpSpPr>
       <p:sp>
         <p:nvSpPr>
-          <p:cNvPr id="2" name="Titre 1"/>
+          <p:cNvPr id="5" name="Titre 4"/>
           <p:cNvSpPr>
             <a:spLocks noGrp="1"/>
           </p:cNvSpPr>
@@ -5522,7 +5531,7 @@
           <a:p>
             <a:r>
               <a:rPr lang="fr-FR" dirty="0" smtClean="0"/>
-              <a:t>Modélisation d’un système de laboratoire</a:t>
+              <a:t>Les logiciels de calcul numérique</a:t>
             </a:r>
             <a:endParaRPr lang="fr-FR" dirty="0"/>
           </a:p>
@@ -5530,12 +5539,12 @@
       </p:sp>
       <p:sp>
         <p:nvSpPr>
-          <p:cNvPr id="3" name="Espace réservé du texte 2"/>
-          <p:cNvSpPr>
-            <a:spLocks noGrp="1"/>
-          </p:cNvSpPr>
-          <p:nvPr>
-            <p:ph type="body" idx="1"/>
+          <p:cNvPr id="6" name="Espace réservé du contenu 5"/>
+          <p:cNvSpPr>
+            <a:spLocks noGrp="1"/>
+          </p:cNvSpPr>
+          <p:nvPr>
+            <p:ph sz="quarter" idx="1"/>
           </p:nvPr>
         </p:nvSpPr>
         <p:spPr/>
@@ -5545,9 +5554,82 @@
           <a:p>
             <a:r>
               <a:rPr lang="fr-FR" dirty="0" smtClean="0"/>
-              <a:t>Pilote automatique TP 30</a:t>
-            </a:r>
-            <a:endParaRPr lang="fr-FR" dirty="0"/>
+              <a:t>Parmi les logiciels de simulation numérique utilisés dans la recherche ou dans l’industrie on trouve </a:t>
+            </a:r>
+            <a:r>
+              <a:rPr lang="fr-FR" dirty="0" err="1" smtClean="0"/>
+              <a:t>Matlab</a:t>
+            </a:r>
+            <a:r>
+              <a:rPr lang="fr-FR" dirty="0" smtClean="0"/>
+              <a:t> et </a:t>
+            </a:r>
+            <a:r>
+              <a:rPr lang="fr-FR" dirty="0" err="1" smtClean="0"/>
+              <a:t>Scilab</a:t>
+            </a:r>
+            <a:r>
+              <a:rPr lang="fr-FR" dirty="0" smtClean="0"/>
+              <a:t>.</a:t>
+            </a:r>
+          </a:p>
+          <a:p>
+            <a:pPr lvl="1"/>
+            <a:r>
+              <a:rPr lang="fr-FR" dirty="0" err="1" smtClean="0"/>
+              <a:t>Matlab</a:t>
+            </a:r>
+            <a:r>
+              <a:rPr lang="fr-FR" dirty="0"/>
+              <a:t> </a:t>
+            </a:r>
+            <a:r>
+              <a:rPr lang="fr-FR" dirty="0" smtClean="0"/>
+              <a:t>et </a:t>
+            </a:r>
+            <a:r>
+              <a:rPr lang="fr-FR" dirty="0" err="1" smtClean="0"/>
+              <a:t>Scilab</a:t>
+            </a:r>
+            <a:r>
+              <a:rPr lang="fr-FR" dirty="0" smtClean="0"/>
+              <a:t> sont des logiciels de calcul numériques. Ils possèdent un langage de programmation (haut niveau) permettant (entre autre) de manipuler aisément des matrices et d’afficher des courbes de résultats.</a:t>
+            </a:r>
+          </a:p>
+          <a:p>
+            <a:r>
+              <a:rPr lang="fr-FR" dirty="0" smtClean="0"/>
+              <a:t>Simulink et </a:t>
+            </a:r>
+            <a:r>
+              <a:rPr lang="fr-FR" dirty="0" err="1" smtClean="0"/>
+              <a:t>Xcos</a:t>
+            </a:r>
+            <a:r>
+              <a:rPr lang="fr-FR" dirty="0" smtClean="0"/>
+              <a:t> sont des modules respectifs de </a:t>
+            </a:r>
+            <a:r>
+              <a:rPr lang="fr-FR" dirty="0" err="1" smtClean="0"/>
+              <a:t>Matlab</a:t>
+            </a:r>
+            <a:r>
+              <a:rPr lang="fr-FR" dirty="0" smtClean="0"/>
+              <a:t> et </a:t>
+            </a:r>
+            <a:r>
+              <a:rPr lang="fr-FR" dirty="0" err="1" smtClean="0"/>
+              <a:t>Scilab</a:t>
+            </a:r>
+            <a:r>
+              <a:rPr lang="fr-FR" dirty="0" smtClean="0"/>
+              <a:t> permettant de réaliser des modélisations graphiques de systèmes </a:t>
+            </a:r>
+            <a:r>
+              <a:rPr lang="fr-FR" dirty="0" err="1" smtClean="0"/>
+              <a:t>multiphysiques</a:t>
+            </a:r>
+            <a:endParaRPr lang="fr-FR" dirty="0" smtClean="0"/>
           </a:p>
         </p:txBody>
       </p:sp>
@@ -5558,7 +5640,7 @@
             <a:spLocks noGrp="1"/>
           </p:cNvSpPr>
           <p:nvPr>
-            <p:ph type="sldNum" sz="quarter" idx="12"/>
+            <p:ph type="sldNum" sz="quarter" idx="15"/>
           </p:nvPr>
         </p:nvSpPr>
         <p:spPr/>
@@ -5574,10 +5656,80 @@
           </a:p>
         </p:txBody>
       </p:sp>
+      <p:sp>
+        <p:nvSpPr>
+          <p:cNvPr id="7" name="ZoneTexte 6"/>
+          <p:cNvSpPr txBox="1"/>
+          <p:nvPr/>
+        </p:nvSpPr>
+        <p:spPr>
+          <a:xfrm>
+            <a:off x="251520" y="6453336"/>
+            <a:ext cx="7848872" cy="369332"/>
+          </a:xfrm>
+          <a:prstGeom prst="rect">
+            <a:avLst/>
+          </a:prstGeom>
+          <a:noFill/>
+        </p:spPr>
+        <p:txBody>
+          <a:bodyPr wrap="square" rtlCol="0">
+            <a:spAutoFit/>
+          </a:bodyPr>
+          <a:lstStyle/>
+          <a:p>
+            <a:r>
+              <a:rPr lang="fr-FR" b="1" dirty="0" smtClean="0"/>
+              <a:t>Mat</a:t>
+            </a:r>
+            <a:r>
+              <a:rPr lang="fr-FR" dirty="0" smtClean="0"/>
+              <a:t>rix </a:t>
+            </a:r>
+            <a:r>
+              <a:rPr lang="fr-FR" b="1" dirty="0" err="1" smtClean="0"/>
+              <a:t>Lab</a:t>
+            </a:r>
+            <a:r>
+              <a:rPr lang="fr-FR" dirty="0" err="1" smtClean="0"/>
+              <a:t>oratory</a:t>
+            </a:r>
+            <a:r>
+              <a:rPr lang="fr-FR" dirty="0" smtClean="0"/>
+              <a:t>, </a:t>
+            </a:r>
+            <a:r>
+              <a:rPr lang="fr-FR" b="1" dirty="0" err="1" smtClean="0"/>
+              <a:t>Sci</a:t>
+            </a:r>
+            <a:r>
+              <a:rPr lang="fr-FR" dirty="0" err="1" smtClean="0"/>
+              <a:t>entific</a:t>
+            </a:r>
+            <a:r>
+              <a:rPr lang="fr-FR" dirty="0" smtClean="0"/>
+              <a:t> </a:t>
+            </a:r>
+            <a:r>
+              <a:rPr lang="fr-FR" b="1" dirty="0" err="1" smtClean="0"/>
+              <a:t>Lab</a:t>
+            </a:r>
+            <a:r>
+              <a:rPr lang="fr-FR" dirty="0" err="1" smtClean="0"/>
+              <a:t>oratory</a:t>
+            </a:r>
+            <a:r>
+              <a:rPr lang="fr-FR" dirty="0" smtClean="0"/>
+              <a:t> </a:t>
+            </a:r>
+            <a:endParaRPr lang="fr-FR" dirty="0"/>
+          </a:p>
+        </p:txBody>
+      </p:sp>
     </p:spTree>
     <p:extLst>
       <p:ext uri="{BB962C8B-B14F-4D97-AF65-F5344CB8AC3E}">
-        <p14:creationId xmlns:p14="http://schemas.microsoft.com/office/powerpoint/2010/main" val="3672452185"/>
+        <p14:creationId xmlns:p14="http://schemas.microsoft.com/office/powerpoint/2010/main" val="4274161845"/>
       </p:ext>
     </p:extLst>
   </p:cSld>
@@ -5606,7 +5758,7 @@
       </p:grpSpPr>
       <p:sp>
         <p:nvSpPr>
-          <p:cNvPr id="5" name="Titre 4"/>
+          <p:cNvPr id="2" name="Titre 1"/>
           <p:cNvSpPr>
             <a:spLocks noGrp="1"/>
           </p:cNvSpPr>
@@ -5622,39 +5774,170 @@
           <a:lstStyle/>
           <a:p>
             <a:r>
-              <a:rPr lang="fr-FR" dirty="0" smtClean="0"/>
-              <a:t>Pilote Automatique</a:t>
+              <a:rPr lang="fr-FR" dirty="0"/>
+              <a:t>Les logiciels de calcul </a:t>
+            </a:r>
+            <a:r>
+              <a:rPr lang="fr-FR" dirty="0" smtClean="0"/>
+              <a:t>numérique</a:t>
             </a:r>
             <a:br>
               <a:rPr lang="fr-FR" dirty="0" smtClean="0"/>
             </a:br>
             <a:r>
               <a:rPr lang="fr-FR" dirty="0" smtClean="0"/>
-              <a:t>Analyse Interne</a:t>
+              <a:t>Quelques avantages et inconvénients</a:t>
             </a:r>
             <a:endParaRPr lang="fr-FR" dirty="0"/>
           </a:p>
         </p:txBody>
       </p:sp>
-      <p:sp>
-        <p:nvSpPr>
-          <p:cNvPr id="6" name="Espace réservé du contenu 5"/>
-          <p:cNvSpPr>
-            <a:spLocks noGrp="1"/>
-          </p:cNvSpPr>
+      <p:graphicFrame>
+        <p:nvGraphicFramePr>
+          <p:cNvPr id="5" name="Espace réservé du contenu 4"/>
+          <p:cNvGraphicFramePr>
+            <a:graphicFrameLocks noGrp="1"/>
+          </p:cNvGraphicFramePr>
           <p:nvPr>
             <p:ph sz="quarter" idx="1"/>
-          </p:nvPr>
-        </p:nvSpPr>
-        <p:spPr/>
-        <p:txBody>
-          <a:bodyPr/>
-          <a:lstStyle/>
-          <a:p>
-            <a:endParaRPr lang="fr-FR"/>
-          </a:p>
-        </p:txBody>
-      </p:sp>
+            <p:extLst>
+              <p:ext uri="{D42A27DB-BD31-4B8C-83A1-F6EECF244321}">
+                <p14:modId xmlns:p14="http://schemas.microsoft.com/office/powerpoint/2010/main" val="1650909468"/>
+              </p:ext>
+            </p:extLst>
+          </p:nvPr>
+        </p:nvGraphicFramePr>
+        <p:xfrm>
+          <a:off x="250825" y="1268413"/>
+          <a:ext cx="7921626" cy="1112520"/>
+        </p:xfrm>
+        <a:graphic>
+          <a:graphicData uri="http://schemas.openxmlformats.org/drawingml/2006/table">
+            <a:tbl>
+              <a:tblPr firstRow="1" bandRow="1">
+                <a:tableStyleId>{21E4AEA4-8DFA-4A89-87EB-49C32662AFE0}</a:tableStyleId>
+              </a:tblPr>
+              <a:tblGrid>
+                <a:gridCol w="2640542"/>
+                <a:gridCol w="2640542"/>
+                <a:gridCol w="2640542"/>
+              </a:tblGrid>
+              <a:tr h="370840">
+                <a:tc>
+                  <a:txBody>
+                    <a:bodyPr/>
+                    <a:lstStyle/>
+                    <a:p>
+                      <a:endParaRPr lang="fr-FR" dirty="0"/>
+                    </a:p>
+                  </a:txBody>
+                  <a:tcPr/>
+                </a:tc>
+                <a:tc>
+                  <a:txBody>
+                    <a:bodyPr/>
+                    <a:lstStyle/>
+                    <a:p>
+                      <a:r>
+                        <a:rPr lang="fr-FR" dirty="0" err="1" smtClean="0"/>
+                        <a:t>Matlab</a:t>
+                      </a:r>
+                      <a:endParaRPr lang="fr-FR" dirty="0"/>
+                    </a:p>
+                  </a:txBody>
+                  <a:tcPr/>
+                </a:tc>
+                <a:tc>
+                  <a:txBody>
+                    <a:bodyPr/>
+                    <a:lstStyle/>
+                    <a:p>
+                      <a:r>
+                        <a:rPr lang="fr-FR" dirty="0" err="1" smtClean="0"/>
+                        <a:t>Scilab</a:t>
+                      </a:r>
+                      <a:endParaRPr lang="fr-FR" dirty="0"/>
+                    </a:p>
+                  </a:txBody>
+                  <a:tcPr/>
+                </a:tc>
+              </a:tr>
+              <a:tr h="370840">
+                <a:tc>
+                  <a:txBody>
+                    <a:bodyPr/>
+                    <a:lstStyle/>
+                    <a:p>
+                      <a:r>
+                        <a:rPr lang="fr-FR" dirty="0" smtClean="0"/>
+                        <a:t>Avantages</a:t>
+                      </a:r>
+                      <a:endParaRPr lang="fr-FR" dirty="0"/>
+                    </a:p>
+                  </a:txBody>
+                  <a:tcPr/>
+                </a:tc>
+                <a:tc>
+                  <a:txBody>
+                    <a:bodyPr/>
+                    <a:lstStyle/>
+                    <a:p>
+                      <a:endParaRPr lang="fr-FR" dirty="0"/>
+                    </a:p>
+                  </a:txBody>
+                  <a:tcPr/>
+                </a:tc>
+                <a:tc>
+                  <a:txBody>
+                    <a:bodyPr/>
+                    <a:lstStyle/>
+                    <a:p>
+                      <a:endParaRPr lang="fr-FR" dirty="0"/>
+                    </a:p>
+                  </a:txBody>
+                  <a:tcPr/>
+                </a:tc>
+              </a:tr>
+              <a:tr h="370840">
+                <a:tc>
+                  <a:txBody>
+                    <a:bodyPr/>
+                    <a:lstStyle/>
+                    <a:p>
+                      <a:r>
+                        <a:rPr lang="fr-FR" dirty="0" smtClean="0"/>
+                        <a:t>Inconvénients</a:t>
+                      </a:r>
+                      <a:endParaRPr lang="fr-FR" dirty="0"/>
+                    </a:p>
+                  </a:txBody>
+                  <a:tcPr/>
+                </a:tc>
+                <a:tc>
+                  <a:txBody>
+                    <a:bodyPr/>
+                    <a:lstStyle/>
+                    <a:p>
+                      <a:endParaRPr lang="fr-FR"/>
+                    </a:p>
+                  </a:txBody>
+                  <a:tcPr/>
+                </a:tc>
+                <a:tc>
+                  <a:txBody>
+                    <a:bodyPr/>
+                    <a:lstStyle/>
+                    <a:p>
+                      <a:endParaRPr lang="fr-FR"/>
+                    </a:p>
+                  </a:txBody>
+                  <a:tcPr/>
+                </a:tc>
+              </a:tr>
+            </a:tbl>
+          </a:graphicData>
+        </a:graphic>
+      </p:graphicFrame>
       <p:sp>
         <p:nvSpPr>
           <p:cNvPr id="4" name="Espace réservé du numéro de diapositive 3"/>
@@ -5681,7 +5964,7 @@
     </p:spTree>
     <p:extLst>
       <p:ext uri="{BB962C8B-B14F-4D97-AF65-F5344CB8AC3E}">
-        <p14:creationId xmlns:p14="http://schemas.microsoft.com/office/powerpoint/2010/main" val="601726295"/>
+        <p14:creationId xmlns:p14="http://schemas.microsoft.com/office/powerpoint/2010/main" val="2674533744"/>
       </p:ext>
     </p:extLst>
   </p:cSld>
@@ -5710,7 +5993,7 @@
       </p:grpSpPr>
       <p:sp>
         <p:nvSpPr>
-          <p:cNvPr id="2" name="Titre 1"/>
+          <p:cNvPr id="4" name="Titre 3"/>
           <p:cNvSpPr>
             <a:spLocks noGrp="1"/>
           </p:cNvSpPr>
@@ -5720,21 +6003,16 @@
         </p:nvSpPr>
         <p:spPr/>
         <p:txBody>
-          <a:bodyPr>
-            <a:normAutofit fontScale="90000"/>
-          </a:bodyPr>
-          <a:lstStyle/>
-          <a:p>
-            <a:r>
-              <a:rPr lang="fr-FR" dirty="0" smtClean="0"/>
-              <a:t>Pilote Automatique</a:t>
-            </a:r>
-            <a:br>
-              <a:rPr lang="fr-FR" dirty="0" smtClean="0"/>
-            </a:br>
-            <a:r>
-              <a:rPr lang="fr-FR" dirty="0" smtClean="0"/>
-              <a:t>Modélisation</a:t>
+          <a:bodyPr/>
+          <a:lstStyle/>
+          <a:p>
+            <a:r>
+              <a:rPr lang="fr-FR" dirty="0" smtClean="0"/>
+              <a:t>Modélisation des systèmes avec le module </a:t>
+            </a:r>
+            <a:r>
+              <a:rPr lang="fr-FR" dirty="0" err="1" smtClean="0"/>
+              <a:t>Coselica</a:t>
             </a:r>
             <a:endParaRPr lang="fr-FR" dirty="0"/>
           </a:p>
@@ -5742,12 +6020,12 @@
       </p:sp>
       <p:sp>
         <p:nvSpPr>
-          <p:cNvPr id="3" name="Espace réservé du contenu 2"/>
-          <p:cNvSpPr>
-            <a:spLocks noGrp="1"/>
-          </p:cNvSpPr>
-          <p:nvPr>
-            <p:ph sz="quarter" idx="1"/>
+          <p:cNvPr id="5" name="Espace réservé du texte 4"/>
+          <p:cNvSpPr>
+            <a:spLocks noGrp="1"/>
+          </p:cNvSpPr>
+          <p:nvPr>
+            <p:ph type="body" idx="1"/>
           </p:nvPr>
         </p:nvSpPr>
         <p:spPr/>
@@ -5761,12 +6039,12 @@
       </p:sp>
       <p:sp>
         <p:nvSpPr>
-          <p:cNvPr id="4" name="Espace réservé du numéro de diapositive 3"/>
-          <p:cNvSpPr>
-            <a:spLocks noGrp="1"/>
-          </p:cNvSpPr>
-          <p:nvPr>
-            <p:ph type="sldNum" sz="quarter" idx="15"/>
+          <p:cNvPr id="6" name="Espace réservé du numéro de diapositive 5"/>
+          <p:cNvSpPr>
+            <a:spLocks noGrp="1"/>
+          </p:cNvSpPr>
+          <p:nvPr>
+            <p:ph type="sldNum" sz="quarter" idx="12"/>
           </p:nvPr>
         </p:nvSpPr>
         <p:spPr/>
@@ -5785,7 +6063,7 @@
     </p:spTree>
     <p:extLst>
       <p:ext uri="{BB962C8B-B14F-4D97-AF65-F5344CB8AC3E}">
-        <p14:creationId xmlns:p14="http://schemas.microsoft.com/office/powerpoint/2010/main" val="2388859630"/>
+        <p14:creationId xmlns:p14="http://schemas.microsoft.com/office/powerpoint/2010/main" val="3659242063"/>
       </p:ext>
     </p:extLst>
   </p:cSld>
@@ -5824,21 +6102,12 @@
         </p:nvSpPr>
         <p:spPr/>
         <p:txBody>
-          <a:bodyPr>
-            <a:normAutofit fontScale="90000"/>
-          </a:bodyPr>
-          <a:lstStyle/>
-          <a:p>
-            <a:r>
-              <a:rPr lang="fr-FR" dirty="0" smtClean="0"/>
-              <a:t>Pilote automatique</a:t>
-            </a:r>
-            <a:br>
-              <a:rPr lang="fr-FR" dirty="0" smtClean="0"/>
-            </a:br>
-            <a:r>
-              <a:rPr lang="fr-FR" dirty="0" smtClean="0"/>
-              <a:t>Application pédagogique</a:t>
+          <a:bodyPr/>
+          <a:lstStyle/>
+          <a:p>
+            <a:r>
+              <a:rPr lang="fr-FR" dirty="0" smtClean="0"/>
+              <a:t>Connecteurs</a:t>
             </a:r>
             <a:endParaRPr lang="fr-FR" dirty="0"/>
           </a:p>
@@ -5859,7 +6128,46 @@
           <a:bodyPr/>
           <a:lstStyle/>
           <a:p>
-            <a:endParaRPr lang="fr-FR"/>
+            <a:r>
+              <a:rPr lang="fr-FR" dirty="0" smtClean="0"/>
+              <a:t>Triangle bleu : signal de données (sans dimension)</a:t>
+            </a:r>
+          </a:p>
+          <a:p>
+            <a:r>
+              <a:rPr lang="fr-FR" dirty="0" smtClean="0"/>
+              <a:t>Carré bleu : signal électrique</a:t>
+            </a:r>
+          </a:p>
+          <a:p>
+            <a:r>
+              <a:rPr lang="fr-FR" dirty="0" smtClean="0"/>
+              <a:t>Carré rouge : donnée thermique</a:t>
+            </a:r>
+          </a:p>
+          <a:p>
+            <a:r>
+              <a:rPr lang="fr-FR" dirty="0" smtClean="0"/>
+              <a:t>Carré vert : mécanique 1D en translation</a:t>
+            </a:r>
+          </a:p>
+          <a:p>
+            <a:r>
+              <a:rPr lang="fr-FR" dirty="0" smtClean="0"/>
+              <a:t>Rond gris : mécanique 1D en rotation</a:t>
+            </a:r>
+          </a:p>
+          <a:p>
+            <a:r>
+              <a:rPr lang="fr-FR" dirty="0" smtClean="0"/>
+              <a:t>Carré gris : mécanique 2D plane</a:t>
+            </a:r>
+          </a:p>
+          <a:p>
+            <a:endParaRPr lang="fr-FR" dirty="0" smtClean="0"/>
+          </a:p>
+          <a:p>
+            <a:endParaRPr lang="fr-FR" dirty="0"/>
           </a:p>
         </p:txBody>
       </p:sp>
@@ -5889,7 +6197,7 @@
     </p:spTree>
     <p:extLst>
       <p:ext uri="{BB962C8B-B14F-4D97-AF65-F5344CB8AC3E}">
-        <p14:creationId xmlns:p14="http://schemas.microsoft.com/office/powerpoint/2010/main" val="4068046631"/>
+        <p14:creationId xmlns:p14="http://schemas.microsoft.com/office/powerpoint/2010/main" val="398496562"/>
       </p:ext>
     </p:extLst>
   </p:cSld>
@@ -5918,7 +6226,7 @@
       </p:grpSpPr>
       <p:sp>
         <p:nvSpPr>
-          <p:cNvPr id="4" name="Titre 3"/>
+          <p:cNvPr id="2" name="Titre 1"/>
           <p:cNvSpPr>
             <a:spLocks noGrp="1"/>
           </p:cNvSpPr>
@@ -5932,16 +6240,8 @@
           <a:lstStyle/>
           <a:p>
             <a:r>
-              <a:rPr lang="fr-FR" dirty="0" err="1" smtClean="0"/>
-              <a:t>Xcos</a:t>
-            </a:r>
-            <a:r>
-              <a:rPr lang="fr-FR" dirty="0" smtClean="0"/>
-              <a:t> &amp; </a:t>
-            </a:r>
-            <a:r>
-              <a:rPr lang="fr-FR" dirty="0" err="1" smtClean="0"/>
-              <a:t>Arduino</a:t>
+              <a:rPr lang="fr-FR" dirty="0" smtClean="0"/>
+              <a:t>Modélisation d’un système mécanique</a:t>
             </a:r>
             <a:endParaRPr lang="fr-FR" dirty="0"/>
           </a:p>
@@ -5949,12 +6249,12 @@
       </p:sp>
       <p:sp>
         <p:nvSpPr>
-          <p:cNvPr id="5" name="Espace réservé du texte 4"/>
-          <p:cNvSpPr>
-            <a:spLocks noGrp="1"/>
-          </p:cNvSpPr>
-          <p:nvPr>
-            <p:ph type="body" idx="1"/>
+          <p:cNvPr id="3" name="Espace réservé du contenu 2"/>
+          <p:cNvSpPr>
+            <a:spLocks noGrp="1"/>
+          </p:cNvSpPr>
+          <p:nvPr>
+            <p:ph sz="quarter" idx="1"/>
           </p:nvPr>
         </p:nvSpPr>
         <p:spPr/>
@@ -5968,12 +6268,12 @@
       </p:sp>
       <p:sp>
         <p:nvSpPr>
-          <p:cNvPr id="2" name="Espace réservé du numéro de diapositive 1"/>
-          <p:cNvSpPr>
-            <a:spLocks noGrp="1"/>
-          </p:cNvSpPr>
-          <p:nvPr>
-            <p:ph type="sldNum" sz="quarter" idx="12"/>
+          <p:cNvPr id="4" name="Espace réservé du numéro de diapositive 3"/>
+          <p:cNvSpPr>
+            <a:spLocks noGrp="1"/>
+          </p:cNvSpPr>
+          <p:nvPr>
+            <p:ph type="sldNum" sz="quarter" idx="15"/>
           </p:nvPr>
         </p:nvSpPr>
         <p:spPr/>
@@ -5992,7 +6292,7 @@
     </p:spTree>
     <p:extLst>
       <p:ext uri="{BB962C8B-B14F-4D97-AF65-F5344CB8AC3E}">
-        <p14:creationId xmlns:p14="http://schemas.microsoft.com/office/powerpoint/2010/main" val="1589319820"/>
+        <p14:creationId xmlns:p14="http://schemas.microsoft.com/office/powerpoint/2010/main" val="2499627110"/>
       </p:ext>
     </p:extLst>
   </p:cSld>
@@ -6021,12 +6321,258 @@
       </p:grpSpPr>
       <p:sp>
         <p:nvSpPr>
+          <p:cNvPr id="7" name="Espace réservé du contenu 6"/>
+          <p:cNvSpPr>
+            <a:spLocks noGrp="1"/>
+          </p:cNvSpPr>
+          <p:nvPr>
+            <p:ph sz="quarter" idx="1"/>
+          </p:nvPr>
+        </p:nvSpPr>
+        <p:spPr>
+          <a:xfrm>
+            <a:off x="0" y="980728"/>
+            <a:ext cx="5652120" cy="5760640"/>
+          </a:xfrm>
+        </p:spPr>
+        <p:txBody>
+          <a:bodyPr>
+            <a:normAutofit fontScale="85000" lnSpcReduction="20000"/>
+          </a:bodyPr>
+          <a:lstStyle/>
+          <a:p>
+            <a:r>
+              <a:rPr lang="fr-FR" dirty="0" smtClean="0"/>
+              <a:t>Source électrique</a:t>
+            </a:r>
+          </a:p>
+          <a:p>
+            <a:pPr lvl="1"/>
+            <a:r>
+              <a:rPr lang="fr-FR" dirty="0" smtClean="0"/>
+              <a:t>Source de tension</a:t>
+            </a:r>
+          </a:p>
+          <a:p>
+            <a:pPr lvl="1"/>
+            <a:r>
+              <a:rPr lang="fr-FR" dirty="0" smtClean="0"/>
+              <a:t>SIMM/</a:t>
+            </a:r>
+            <a:r>
+              <a:rPr lang="fr-FR" dirty="0" err="1" smtClean="0"/>
+              <a:t>Electrique</a:t>
+            </a:r>
+            <a:r>
+              <a:rPr lang="fr-FR" dirty="0" smtClean="0"/>
+              <a:t>/Sources/</a:t>
+            </a:r>
+            <a:r>
+              <a:rPr lang="fr-FR" dirty="0" err="1" smtClean="0"/>
+              <a:t>CEAS_PredefVoltage</a:t>
+            </a:r>
+            <a:endParaRPr lang="fr-FR" dirty="0" smtClean="0"/>
+          </a:p>
+          <a:p>
+            <a:pPr lvl="1"/>
+            <a:r>
+              <a:rPr lang="fr-FR" dirty="0" smtClean="0"/>
+              <a:t>Générateur de signaux constant, échelon, rampe, sinusoïdal, carré, dents de scie, trapézoïdal</a:t>
+            </a:r>
+          </a:p>
+          <a:p>
+            <a:r>
+              <a:rPr lang="fr-FR" dirty="0" smtClean="0"/>
+              <a:t>La masse</a:t>
+            </a:r>
+          </a:p>
+          <a:p>
+            <a:pPr lvl="1"/>
+            <a:r>
+              <a:rPr lang="fr-FR" dirty="0" smtClean="0"/>
+              <a:t>SIMM/</a:t>
+            </a:r>
+            <a:r>
+              <a:rPr lang="fr-FR" dirty="0" err="1" smtClean="0"/>
+              <a:t>Electrique</a:t>
+            </a:r>
+            <a:r>
+              <a:rPr lang="fr-FR" dirty="0" smtClean="0"/>
+              <a:t>/Sources/</a:t>
+            </a:r>
+            <a:r>
+              <a:rPr lang="fr-FR" dirty="0" err="1" smtClean="0"/>
+              <a:t>MEAB_Ground</a:t>
+            </a:r>
+            <a:endParaRPr lang="fr-FR" dirty="0" smtClean="0"/>
+          </a:p>
+          <a:p>
+            <a:r>
+              <a:rPr lang="fr-FR" dirty="0" smtClean="0"/>
+              <a:t>Composants électriques</a:t>
+            </a:r>
+          </a:p>
+          <a:p>
+            <a:pPr lvl="1"/>
+            <a:r>
+              <a:rPr lang="fr-FR" dirty="0" smtClean="0"/>
+              <a:t>Résistor, Condensateur</a:t>
+            </a:r>
+          </a:p>
+          <a:p>
+            <a:pPr lvl="1"/>
+            <a:r>
+              <a:rPr lang="fr-FR" dirty="0" smtClean="0"/>
+              <a:t>SIMM/</a:t>
+            </a:r>
+            <a:r>
+              <a:rPr lang="fr-FR" dirty="0" err="1" smtClean="0"/>
+              <a:t>Electrique</a:t>
+            </a:r>
+            <a:r>
+              <a:rPr lang="fr-FR" dirty="0" smtClean="0"/>
+              <a:t>/Passif/</a:t>
+            </a:r>
+            <a:r>
+              <a:rPr lang="fr-FR" dirty="0" err="1" smtClean="0"/>
+              <a:t>MEAB_Resistor</a:t>
+            </a:r>
+            <a:endParaRPr lang="fr-FR" dirty="0" smtClean="0"/>
+          </a:p>
+          <a:p>
+            <a:pPr lvl="1"/>
+            <a:r>
+              <a:rPr lang="fr-FR" dirty="0" smtClean="0"/>
+              <a:t>SIMM/</a:t>
+            </a:r>
+            <a:r>
+              <a:rPr lang="fr-FR" dirty="0" err="1" smtClean="0"/>
+              <a:t>Electrique</a:t>
+            </a:r>
+            <a:r>
+              <a:rPr lang="fr-FR" dirty="0" smtClean="0"/>
+              <a:t>/Passif/</a:t>
+            </a:r>
+            <a:r>
+              <a:rPr lang="fr-FR" dirty="0" err="1" smtClean="0"/>
+              <a:t>MEAB_Capacitor</a:t>
+            </a:r>
+            <a:endParaRPr lang="fr-FR" dirty="0" smtClean="0"/>
+          </a:p>
+          <a:p>
+            <a:r>
+              <a:rPr lang="fr-FR" dirty="0" smtClean="0"/>
+              <a:t>Un capteur</a:t>
+            </a:r>
+          </a:p>
+          <a:p>
+            <a:pPr lvl="1"/>
+            <a:r>
+              <a:rPr lang="fr-FR" dirty="0" smtClean="0"/>
+              <a:t>Un voltmètre</a:t>
+            </a:r>
+          </a:p>
+          <a:p>
+            <a:pPr lvl="1"/>
+            <a:r>
+              <a:rPr lang="fr-FR" dirty="0" smtClean="0"/>
+              <a:t>SIMM/</a:t>
+            </a:r>
+            <a:r>
+              <a:rPr lang="fr-FR" dirty="0" err="1" smtClean="0"/>
+              <a:t>Electrique</a:t>
+            </a:r>
+            <a:r>
+              <a:rPr lang="fr-FR" dirty="0" smtClean="0"/>
+              <a:t>/Mesure/</a:t>
+            </a:r>
+            <a:r>
+              <a:rPr lang="fr-FR" dirty="0" err="1" smtClean="0"/>
+              <a:t>MEAS_VoltageSensor</a:t>
+            </a:r>
+            <a:endParaRPr lang="fr-FR" dirty="0" smtClean="0"/>
+          </a:p>
+          <a:p>
+            <a:r>
+              <a:rPr lang="fr-FR" dirty="0" smtClean="0"/>
+              <a:t>Un afficheur</a:t>
+            </a:r>
+          </a:p>
+          <a:p>
+            <a:pPr lvl="1"/>
+            <a:r>
+              <a:rPr lang="fr-FR" dirty="0" smtClean="0"/>
+              <a:t>Scope</a:t>
+            </a:r>
+          </a:p>
+          <a:p>
+            <a:pPr lvl="1"/>
+            <a:r>
+              <a:rPr lang="fr-FR" dirty="0" smtClean="0"/>
+              <a:t>SIMM/Utilitaires/Visualisation/ISCOPE</a:t>
+            </a:r>
+            <a:endParaRPr lang="fr-FR" dirty="0"/>
+          </a:p>
+          <a:p>
+            <a:pPr lvl="1"/>
+            <a:r>
+              <a:rPr lang="fr-FR" dirty="0" smtClean="0"/>
+              <a:t>Une ou plusieurs entrées</a:t>
+            </a:r>
+          </a:p>
+          <a:p>
+            <a:r>
+              <a:rPr lang="fr-FR" dirty="0" smtClean="0"/>
+              <a:t>Paramétrage de la simulation</a:t>
+            </a:r>
+          </a:p>
+          <a:p>
+            <a:pPr lvl="1"/>
+            <a:r>
+              <a:rPr lang="fr-FR" dirty="0" smtClean="0"/>
+              <a:t>SIMM/Utilitaires/Analyses/IREP_TEMP</a:t>
+            </a:r>
+          </a:p>
+          <a:p>
+            <a:pPr lvl="1"/>
+            <a:r>
+              <a:rPr lang="fr-FR" dirty="0" smtClean="0"/>
+              <a:t>Temps de simulation, nombre de points</a:t>
+            </a:r>
+          </a:p>
+        </p:txBody>
+      </p:sp>
+      <p:sp>
+        <p:nvSpPr>
+          <p:cNvPr id="2" name="Titre 1"/>
+          <p:cNvSpPr>
+            <a:spLocks noGrp="1"/>
+          </p:cNvSpPr>
+          <p:nvPr>
+            <p:ph type="title"/>
+          </p:nvPr>
+        </p:nvSpPr>
+        <p:spPr/>
+        <p:txBody>
+          <a:bodyPr/>
+          <a:lstStyle/>
+          <a:p>
+            <a:r>
+              <a:rPr lang="fr-FR" dirty="0" smtClean="0"/>
+              <a:t>Modélisation d’un système électrique</a:t>
+            </a:r>
+            <a:endParaRPr lang="fr-FR" dirty="0"/>
+          </a:p>
+        </p:txBody>
+      </p:sp>
+      <p:sp>
+        <p:nvSpPr>
           <p:cNvPr id="4" name="Espace réservé du numéro de diapositive 3"/>
           <p:cNvSpPr>
             <a:spLocks noGrp="1"/>
           </p:cNvSpPr>
           <p:nvPr>
-            <p:ph type="sldNum" sz="quarter" idx="12"/>
+            <p:ph type="sldNum" sz="quarter" idx="15"/>
           </p:nvPr>
         </p:nvSpPr>
         <p:spPr/>
@@ -6037,6 +6583,1324 @@
             <a:fld id="{136A7F36-7A21-4EA8-9DC2-F00219448035}" type="slidenum">
               <a:rPr lang="fr-FR" smtClean="0"/>
               <a:t>15</a:t>
+            </a:fld>
+            <a:endParaRPr lang="fr-FR"/>
+          </a:p>
+        </p:txBody>
+      </p:sp>
+      <p:pic>
+        <p:nvPicPr>
+          <p:cNvPr id="1028" name="Picture 4"/>
+          <p:cNvPicPr>
+            <a:picLocks noChangeAspect="1" noChangeArrowheads="1"/>
+          </p:cNvPicPr>
+          <p:nvPr/>
+        </p:nvPicPr>
+        <p:blipFill>
+          <a:blip r:embed="rId2">
+            <a:extLst>
+              <a:ext uri="{28A0092B-C50C-407E-A947-70E740481C1C}">
+                <a14:useLocalDpi xmlns:a14="http://schemas.microsoft.com/office/drawing/2010/main" val="0"/>
+              </a:ext>
+            </a:extLst>
+          </a:blip>
+          <a:srcRect/>
+          <a:stretch>
+            <a:fillRect/>
+          </a:stretch>
+        </p:blipFill>
+        <p:spPr bwMode="auto">
+          <a:xfrm>
+            <a:off x="5292080" y="2276872"/>
+            <a:ext cx="3642827" cy="2255409"/>
+          </a:xfrm>
+          <a:prstGeom prst="rect">
+            <a:avLst/>
+          </a:prstGeom>
+          <a:ln>
+            <a:noFill/>
+          </a:ln>
+          <a:effectLst>
+            <a:outerShdw blurRad="292100" dist="139700" dir="2700000" algn="tl" rotWithShape="0">
+              <a:srgbClr val="333333">
+                <a:alpha val="65000"/>
+              </a:srgbClr>
+            </a:outerShdw>
+          </a:effectLst>
+          <a:extLst>
+            <a:ext uri="{909E8E84-426E-40DD-AFC4-6F175D3DCCD1}">
+              <a14:hiddenFill xmlns:a14="http://schemas.microsoft.com/office/drawing/2010/main">
+                <a:solidFill>
+                  <a:schemeClr val="accent1"/>
+                </a:solidFill>
+              </a14:hiddenFill>
+            </a:ext>
+            <a:ext uri="{91240B29-F687-4F45-9708-019B960494DF}">
+              <a14:hiddenLine xmlns:a14="http://schemas.microsoft.com/office/drawing/2010/main" w="9525">
+                <a:solidFill>
+                  <a:schemeClr val="tx1"/>
+                </a:solidFill>
+                <a:miter lim="800000"/>
+                <a:headEnd/>
+                <a:tailEnd/>
+              </a14:hiddenLine>
+            </a:ext>
+            <a:ext uri="{AF507438-7753-43E0-B8FC-AC1667EBCBE1}">
+              <a14:hiddenEffects xmlns:a14="http://schemas.microsoft.com/office/drawing/2010/main">
+                <a:effectLst>
+                  <a:outerShdw dist="35921" dir="2700000" algn="ctr" rotWithShape="0">
+                    <a:schemeClr val="bg2"/>
+                  </a:outerShdw>
+                </a:effectLst>
+              </a14:hiddenEffects>
+            </a:ext>
+          </a:extLst>
+        </p:spPr>
+      </p:pic>
+    </p:spTree>
+    <p:extLst>
+      <p:ext uri="{BB962C8B-B14F-4D97-AF65-F5344CB8AC3E}">
+        <p14:creationId xmlns:p14="http://schemas.microsoft.com/office/powerpoint/2010/main" val="1668926440"/>
+      </p:ext>
+    </p:extLst>
+  </p:cSld>
+  <p:clrMapOvr>
+    <a:masterClrMapping/>
+  </p:clrMapOvr>
+</p:sld>
+</file>
+
+<file path=ppt/slides/slide16.xml><?xml version="1.0" encoding="utf-8"?>
+<p:sld xmlns:a="http://schemas.openxmlformats.org/drawingml/2006/main" xmlns:r="http://schemas.openxmlformats.org/officeDocument/2006/relationships" xmlns:p="http://schemas.openxmlformats.org/presentationml/2006/main">
+  <p:cSld>
+    <p:spTree>
+      <p:nvGrpSpPr>
+        <p:cNvPr id="1" name=""/>
+        <p:cNvGrpSpPr/>
+        <p:nvPr/>
+      </p:nvGrpSpPr>
+      <p:grpSpPr>
+        <a:xfrm>
+          <a:off x="0" y="0"/>
+          <a:ext cx="0" cy="0"/>
+          <a:chOff x="0" y="0"/>
+          <a:chExt cx="0" cy="0"/>
+        </a:xfrm>
+      </p:grpSpPr>
+      <p:sp>
+        <p:nvSpPr>
+          <p:cNvPr id="2" name="Titre 1"/>
+          <p:cNvSpPr>
+            <a:spLocks noGrp="1"/>
+          </p:cNvSpPr>
+          <p:nvPr>
+            <p:ph type="title"/>
+          </p:nvPr>
+        </p:nvSpPr>
+        <p:spPr/>
+        <p:txBody>
+          <a:bodyPr/>
+          <a:lstStyle/>
+          <a:p>
+            <a:r>
+              <a:rPr lang="fr-FR" dirty="0" smtClean="0"/>
+              <a:t>Modélisation d’un système électrique</a:t>
+            </a:r>
+            <a:endParaRPr lang="fr-FR" dirty="0"/>
+          </a:p>
+        </p:txBody>
+      </p:sp>
+      <p:sp>
+        <p:nvSpPr>
+          <p:cNvPr id="4" name="Espace réservé du numéro de diapositive 3"/>
+          <p:cNvSpPr>
+            <a:spLocks noGrp="1"/>
+          </p:cNvSpPr>
+          <p:nvPr>
+            <p:ph type="sldNum" sz="quarter" idx="15"/>
+          </p:nvPr>
+        </p:nvSpPr>
+        <p:spPr/>
+        <p:txBody>
+          <a:bodyPr/>
+          <a:lstStyle/>
+          <a:p>
+            <a:fld id="{136A7F36-7A21-4EA8-9DC2-F00219448035}" type="slidenum">
+              <a:rPr lang="fr-FR" smtClean="0"/>
+              <a:t>16</a:t>
+            </a:fld>
+            <a:endParaRPr lang="fr-FR"/>
+          </a:p>
+        </p:txBody>
+      </p:sp>
+      <p:pic>
+        <p:nvPicPr>
+          <p:cNvPr id="1028" name="Picture 4"/>
+          <p:cNvPicPr>
+            <a:picLocks noChangeAspect="1" noChangeArrowheads="1"/>
+          </p:cNvPicPr>
+          <p:nvPr/>
+        </p:nvPicPr>
+        <p:blipFill>
+          <a:blip r:embed="rId2">
+            <a:extLst>
+              <a:ext uri="{28A0092B-C50C-407E-A947-70E740481C1C}">
+                <a14:useLocalDpi xmlns:a14="http://schemas.microsoft.com/office/drawing/2010/main" val="0"/>
+              </a:ext>
+            </a:extLst>
+          </a:blip>
+          <a:srcRect/>
+          <a:stretch>
+            <a:fillRect/>
+          </a:stretch>
+        </p:blipFill>
+        <p:spPr bwMode="auto">
+          <a:xfrm>
+            <a:off x="1839500" y="3140968"/>
+            <a:ext cx="4456954" cy="2759465"/>
+          </a:xfrm>
+          <a:prstGeom prst="rect">
+            <a:avLst/>
+          </a:prstGeom>
+          <a:ln>
+            <a:noFill/>
+          </a:ln>
+          <a:effectLst>
+            <a:outerShdw blurRad="292100" dist="139700" dir="2700000" algn="tl" rotWithShape="0">
+              <a:srgbClr val="333333">
+                <a:alpha val="65000"/>
+              </a:srgbClr>
+            </a:outerShdw>
+          </a:effectLst>
+          <a:extLst>
+            <a:ext uri="{909E8E84-426E-40DD-AFC4-6F175D3DCCD1}">
+              <a14:hiddenFill xmlns:a14="http://schemas.microsoft.com/office/drawing/2010/main">
+                <a:solidFill>
+                  <a:schemeClr val="accent1"/>
+                </a:solidFill>
+              </a14:hiddenFill>
+            </a:ext>
+            <a:ext uri="{91240B29-F687-4F45-9708-019B960494DF}">
+              <a14:hiddenLine xmlns:a14="http://schemas.microsoft.com/office/drawing/2010/main" w="9525">
+                <a:solidFill>
+                  <a:schemeClr val="tx1"/>
+                </a:solidFill>
+                <a:miter lim="800000"/>
+                <a:headEnd/>
+                <a:tailEnd/>
+              </a14:hiddenLine>
+            </a:ext>
+            <a:ext uri="{AF507438-7753-43E0-B8FC-AC1667EBCBE1}">
+              <a14:hiddenEffects xmlns:a14="http://schemas.microsoft.com/office/drawing/2010/main">
+                <a:effectLst>
+                  <a:outerShdw dist="35921" dir="2700000" algn="ctr" rotWithShape="0">
+                    <a:schemeClr val="bg2"/>
+                  </a:outerShdw>
+                </a:effectLst>
+              </a14:hiddenEffects>
+            </a:ext>
+          </a:extLst>
+        </p:spPr>
+      </p:pic>
+      <p:cxnSp>
+        <p:nvCxnSpPr>
+          <p:cNvPr id="5" name="Connecteur droit avec flèche 4"/>
+          <p:cNvCxnSpPr>
+            <a:stCxn id="6" idx="1"/>
+          </p:cNvCxnSpPr>
+          <p:nvPr/>
+        </p:nvCxnSpPr>
+        <p:spPr>
+          <a:xfrm flipH="1">
+            <a:off x="5514109" y="2023393"/>
+            <a:ext cx="1218131" cy="1828171"/>
+          </a:xfrm>
+          <a:prstGeom prst="straightConnector1">
+            <a:avLst/>
+          </a:prstGeom>
+          <a:ln w="28575">
+            <a:solidFill>
+              <a:srgbClr val="002060"/>
+            </a:solidFill>
+            <a:tailEnd type="stealth" w="med" len="lg"/>
+          </a:ln>
+        </p:spPr>
+        <p:style>
+          <a:lnRef idx="1">
+            <a:schemeClr val="accent1"/>
+          </a:lnRef>
+          <a:fillRef idx="0">
+            <a:schemeClr val="accent1"/>
+          </a:fillRef>
+          <a:effectRef idx="0">
+            <a:schemeClr val="accent1"/>
+          </a:effectRef>
+          <a:fontRef idx="minor">
+            <a:schemeClr val="tx1"/>
+          </a:fontRef>
+        </p:style>
+      </p:cxnSp>
+      <p:sp>
+        <p:nvSpPr>
+          <p:cNvPr id="6" name="ZoneTexte 5"/>
+          <p:cNvSpPr txBox="1"/>
+          <p:nvPr/>
+        </p:nvSpPr>
+        <p:spPr>
+          <a:xfrm>
+            <a:off x="6732240" y="1484784"/>
+            <a:ext cx="2088232" cy="1077218"/>
+          </a:xfrm>
+          <a:prstGeom prst="rect">
+            <a:avLst/>
+          </a:prstGeom>
+          <a:noFill/>
+        </p:spPr>
+        <p:txBody>
+          <a:bodyPr wrap="square" rtlCol="0">
+            <a:spAutoFit/>
+          </a:bodyPr>
+          <a:lstStyle/>
+          <a:p>
+            <a:r>
+              <a:rPr lang="fr-FR" sz="1600" dirty="0" smtClean="0"/>
+              <a:t>Branchement du voltmètre à l’image d’un branchement réel</a:t>
+            </a:r>
+            <a:endParaRPr lang="fr-FR" sz="1600" dirty="0"/>
+          </a:p>
+        </p:txBody>
+      </p:sp>
+      <p:cxnSp>
+        <p:nvCxnSpPr>
+          <p:cNvPr id="14" name="Connecteur droit avec flèche 13"/>
+          <p:cNvCxnSpPr>
+            <a:stCxn id="15" idx="2"/>
+          </p:cNvCxnSpPr>
+          <p:nvPr/>
+        </p:nvCxnSpPr>
+        <p:spPr>
+          <a:xfrm>
+            <a:off x="2807820" y="2386335"/>
+            <a:ext cx="180004" cy="754633"/>
+          </a:xfrm>
+          <a:prstGeom prst="straightConnector1">
+            <a:avLst/>
+          </a:prstGeom>
+          <a:ln w="28575">
+            <a:solidFill>
+              <a:srgbClr val="002060"/>
+            </a:solidFill>
+            <a:tailEnd type="stealth" w="med" len="lg"/>
+          </a:ln>
+        </p:spPr>
+        <p:style>
+          <a:lnRef idx="1">
+            <a:schemeClr val="accent1"/>
+          </a:lnRef>
+          <a:fillRef idx="0">
+            <a:schemeClr val="accent1"/>
+          </a:fillRef>
+          <a:effectRef idx="0">
+            <a:schemeClr val="accent1"/>
+          </a:effectRef>
+          <a:fontRef idx="minor">
+            <a:schemeClr val="tx1"/>
+          </a:fontRef>
+        </p:style>
+      </p:cxnSp>
+      <p:sp>
+        <p:nvSpPr>
+          <p:cNvPr id="15" name="ZoneTexte 14"/>
+          <p:cNvSpPr txBox="1"/>
+          <p:nvPr/>
+        </p:nvSpPr>
+        <p:spPr>
+          <a:xfrm>
+            <a:off x="1547663" y="1309117"/>
+            <a:ext cx="2520313" cy="1077218"/>
+          </a:xfrm>
+          <a:prstGeom prst="rect">
+            <a:avLst/>
+          </a:prstGeom>
+          <a:noFill/>
+        </p:spPr>
+        <p:txBody>
+          <a:bodyPr wrap="square" rtlCol="0">
+            <a:spAutoFit/>
+          </a:bodyPr>
+          <a:lstStyle/>
+          <a:p>
+            <a:r>
+              <a:rPr lang="fr-FR" sz="1600" dirty="0" smtClean="0"/>
+              <a:t>Pour les composants passifs, on branche une borne bleue sur une blanche …</a:t>
+            </a:r>
+            <a:endParaRPr lang="fr-FR" sz="1600" dirty="0"/>
+          </a:p>
+        </p:txBody>
+      </p:sp>
+    </p:spTree>
+    <p:extLst>
+      <p:ext uri="{BB962C8B-B14F-4D97-AF65-F5344CB8AC3E}">
+        <p14:creationId xmlns:p14="http://schemas.microsoft.com/office/powerpoint/2010/main" val="431988541"/>
+      </p:ext>
+    </p:extLst>
+  </p:cSld>
+  <p:clrMapOvr>
+    <a:masterClrMapping/>
+  </p:clrMapOvr>
+</p:sld>
+</file>
+
+<file path=ppt/slides/slide17.xml><?xml version="1.0" encoding="utf-8"?>
+<p:sld xmlns:a="http://schemas.openxmlformats.org/drawingml/2006/main" xmlns:r="http://schemas.openxmlformats.org/officeDocument/2006/relationships" xmlns:p="http://schemas.openxmlformats.org/presentationml/2006/main">
+  <p:cSld>
+    <p:spTree>
+      <p:nvGrpSpPr>
+        <p:cNvPr id="1" name=""/>
+        <p:cNvGrpSpPr/>
+        <p:nvPr/>
+      </p:nvGrpSpPr>
+      <p:grpSpPr>
+        <a:xfrm>
+          <a:off x="0" y="0"/>
+          <a:ext cx="0" cy="0"/>
+          <a:chOff x="0" y="0"/>
+          <a:chExt cx="0" cy="0"/>
+        </a:xfrm>
+      </p:grpSpPr>
+      <p:sp>
+        <p:nvSpPr>
+          <p:cNvPr id="2" name="Titre 1"/>
+          <p:cNvSpPr>
+            <a:spLocks noGrp="1"/>
+          </p:cNvSpPr>
+          <p:nvPr>
+            <p:ph type="title"/>
+          </p:nvPr>
+        </p:nvSpPr>
+        <p:spPr/>
+        <p:txBody>
+          <a:bodyPr>
+            <a:normAutofit fontScale="90000"/>
+          </a:bodyPr>
+          <a:lstStyle/>
+          <a:p>
+            <a:r>
+              <a:rPr lang="fr-FR" dirty="0" smtClean="0"/>
+              <a:t>Modélisation d’un système </a:t>
+            </a:r>
+            <a:r>
+              <a:rPr lang="fr-FR" dirty="0" err="1" smtClean="0"/>
+              <a:t>multiphysique</a:t>
+            </a:r>
+            <a:endParaRPr lang="fr-FR" dirty="0"/>
+          </a:p>
+        </p:txBody>
+      </p:sp>
+      <p:sp>
+        <p:nvSpPr>
+          <p:cNvPr id="3" name="Espace réservé du contenu 2"/>
+          <p:cNvSpPr>
+            <a:spLocks noGrp="1"/>
+          </p:cNvSpPr>
+          <p:nvPr>
+            <p:ph sz="quarter" idx="1"/>
+          </p:nvPr>
+        </p:nvSpPr>
+        <p:spPr/>
+        <p:txBody>
+          <a:bodyPr/>
+          <a:lstStyle/>
+          <a:p>
+            <a:endParaRPr lang="fr-FR"/>
+          </a:p>
+        </p:txBody>
+      </p:sp>
+      <p:sp>
+        <p:nvSpPr>
+          <p:cNvPr id="4" name="Espace réservé du numéro de diapositive 3"/>
+          <p:cNvSpPr>
+            <a:spLocks noGrp="1"/>
+          </p:cNvSpPr>
+          <p:nvPr>
+            <p:ph type="sldNum" sz="quarter" idx="15"/>
+          </p:nvPr>
+        </p:nvSpPr>
+        <p:spPr/>
+        <p:txBody>
+          <a:bodyPr/>
+          <a:lstStyle/>
+          <a:p>
+            <a:fld id="{136A7F36-7A21-4EA8-9DC2-F00219448035}" type="slidenum">
+              <a:rPr lang="fr-FR" smtClean="0"/>
+              <a:t>17</a:t>
+            </a:fld>
+            <a:endParaRPr lang="fr-FR"/>
+          </a:p>
+        </p:txBody>
+      </p:sp>
+    </p:spTree>
+    <p:extLst>
+      <p:ext uri="{BB962C8B-B14F-4D97-AF65-F5344CB8AC3E}">
+        <p14:creationId xmlns:p14="http://schemas.microsoft.com/office/powerpoint/2010/main" val="1827117536"/>
+      </p:ext>
+    </p:extLst>
+  </p:cSld>
+  <p:clrMapOvr>
+    <a:masterClrMapping/>
+  </p:clrMapOvr>
+</p:sld>
+</file>
+
+<file path=ppt/slides/slide18.xml><?xml version="1.0" encoding="utf-8"?>
+<p:sld xmlns:a="http://schemas.openxmlformats.org/drawingml/2006/main" xmlns:r="http://schemas.openxmlformats.org/officeDocument/2006/relationships" xmlns:p="http://schemas.openxmlformats.org/presentationml/2006/main">
+  <p:cSld>
+    <p:spTree>
+      <p:nvGrpSpPr>
+        <p:cNvPr id="1" name=""/>
+        <p:cNvGrpSpPr/>
+        <p:nvPr/>
+      </p:nvGrpSpPr>
+      <p:grpSpPr>
+        <a:xfrm>
+          <a:off x="0" y="0"/>
+          <a:ext cx="0" cy="0"/>
+          <a:chOff x="0" y="0"/>
+          <a:chExt cx="0" cy="0"/>
+        </a:xfrm>
+      </p:grpSpPr>
+      <p:sp>
+        <p:nvSpPr>
+          <p:cNvPr id="2" name="Titre 1"/>
+          <p:cNvSpPr>
+            <a:spLocks noGrp="1"/>
+          </p:cNvSpPr>
+          <p:nvPr>
+            <p:ph type="title"/>
+          </p:nvPr>
+        </p:nvSpPr>
+        <p:spPr/>
+        <p:txBody>
+          <a:bodyPr>
+            <a:normAutofit fontScale="90000"/>
+          </a:bodyPr>
+          <a:lstStyle/>
+          <a:p>
+            <a:r>
+              <a:rPr lang="fr-FR" dirty="0" smtClean="0"/>
+              <a:t>Modélisation d’un système </a:t>
+            </a:r>
+            <a:r>
+              <a:rPr lang="fr-FR" dirty="0" err="1" smtClean="0"/>
+              <a:t>multiphysique</a:t>
+            </a:r>
+            <a:endParaRPr lang="fr-FR" dirty="0"/>
+          </a:p>
+        </p:txBody>
+      </p:sp>
+      <p:sp>
+        <p:nvSpPr>
+          <p:cNvPr id="3" name="Espace réservé du contenu 2"/>
+          <p:cNvSpPr>
+            <a:spLocks noGrp="1"/>
+          </p:cNvSpPr>
+          <p:nvPr>
+            <p:ph sz="quarter" idx="1"/>
+          </p:nvPr>
+        </p:nvSpPr>
+        <p:spPr/>
+        <p:txBody>
+          <a:bodyPr/>
+          <a:lstStyle/>
+          <a:p>
+            <a:endParaRPr lang="fr-FR"/>
+          </a:p>
+        </p:txBody>
+      </p:sp>
+      <p:sp>
+        <p:nvSpPr>
+          <p:cNvPr id="4" name="Espace réservé du numéro de diapositive 3"/>
+          <p:cNvSpPr>
+            <a:spLocks noGrp="1"/>
+          </p:cNvSpPr>
+          <p:nvPr>
+            <p:ph type="sldNum" sz="quarter" idx="15"/>
+          </p:nvPr>
+        </p:nvSpPr>
+        <p:spPr/>
+        <p:txBody>
+          <a:bodyPr/>
+          <a:lstStyle/>
+          <a:p>
+            <a:fld id="{136A7F36-7A21-4EA8-9DC2-F00219448035}" type="slidenum">
+              <a:rPr lang="fr-FR" smtClean="0"/>
+              <a:t>18</a:t>
+            </a:fld>
+            <a:endParaRPr lang="fr-FR"/>
+          </a:p>
+        </p:txBody>
+      </p:sp>
+    </p:spTree>
+    <p:extLst>
+      <p:ext uri="{BB962C8B-B14F-4D97-AF65-F5344CB8AC3E}">
+        <p14:creationId xmlns:p14="http://schemas.microsoft.com/office/powerpoint/2010/main" val="241906218"/>
+      </p:ext>
+    </p:extLst>
+  </p:cSld>
+  <p:clrMapOvr>
+    <a:masterClrMapping/>
+  </p:clrMapOvr>
+</p:sld>
+</file>
+
+<file path=ppt/slides/slide19.xml><?xml version="1.0" encoding="utf-8"?>
+<p:sld xmlns:a="http://schemas.openxmlformats.org/drawingml/2006/main" xmlns:r="http://schemas.openxmlformats.org/officeDocument/2006/relationships" xmlns:p="http://schemas.openxmlformats.org/presentationml/2006/main">
+  <p:cSld>
+    <p:spTree>
+      <p:nvGrpSpPr>
+        <p:cNvPr id="1" name=""/>
+        <p:cNvGrpSpPr/>
+        <p:nvPr/>
+      </p:nvGrpSpPr>
+      <p:grpSpPr>
+        <a:xfrm>
+          <a:off x="0" y="0"/>
+          <a:ext cx="0" cy="0"/>
+          <a:chOff x="0" y="0"/>
+          <a:chExt cx="0" cy="0"/>
+        </a:xfrm>
+      </p:grpSpPr>
+      <p:sp>
+        <p:nvSpPr>
+          <p:cNvPr id="2" name="Titre 1"/>
+          <p:cNvSpPr>
+            <a:spLocks noGrp="1"/>
+          </p:cNvSpPr>
+          <p:nvPr>
+            <p:ph type="title"/>
+          </p:nvPr>
+        </p:nvSpPr>
+        <p:spPr/>
+        <p:txBody>
+          <a:bodyPr/>
+          <a:lstStyle/>
+          <a:p>
+            <a:r>
+              <a:rPr lang="fr-FR" dirty="0" smtClean="0"/>
+              <a:t>Modélisation d’un système de laboratoire</a:t>
+            </a:r>
+            <a:endParaRPr lang="fr-FR" dirty="0"/>
+          </a:p>
+        </p:txBody>
+      </p:sp>
+      <p:sp>
+        <p:nvSpPr>
+          <p:cNvPr id="3" name="Espace réservé du texte 2"/>
+          <p:cNvSpPr>
+            <a:spLocks noGrp="1"/>
+          </p:cNvSpPr>
+          <p:nvPr>
+            <p:ph type="body" idx="1"/>
+          </p:nvPr>
+        </p:nvSpPr>
+        <p:spPr/>
+        <p:txBody>
+          <a:bodyPr/>
+          <a:lstStyle/>
+          <a:p>
+            <a:r>
+              <a:rPr lang="fr-FR" dirty="0" smtClean="0"/>
+              <a:t>Pilote automatique TP 30</a:t>
+            </a:r>
+            <a:endParaRPr lang="fr-FR" dirty="0"/>
+          </a:p>
+        </p:txBody>
+      </p:sp>
+      <p:sp>
+        <p:nvSpPr>
+          <p:cNvPr id="4" name="Espace réservé du numéro de diapositive 3"/>
+          <p:cNvSpPr>
+            <a:spLocks noGrp="1"/>
+          </p:cNvSpPr>
+          <p:nvPr>
+            <p:ph type="sldNum" sz="quarter" idx="12"/>
+          </p:nvPr>
+        </p:nvSpPr>
+        <p:spPr/>
+        <p:txBody>
+          <a:bodyPr/>
+          <a:lstStyle/>
+          <a:p>
+            <a:fld id="{136A7F36-7A21-4EA8-9DC2-F00219448035}" type="slidenum">
+              <a:rPr lang="fr-FR" smtClean="0"/>
+              <a:t>19</a:t>
+            </a:fld>
+            <a:endParaRPr lang="fr-FR"/>
+          </a:p>
+        </p:txBody>
+      </p:sp>
+    </p:spTree>
+    <p:extLst>
+      <p:ext uri="{BB962C8B-B14F-4D97-AF65-F5344CB8AC3E}">
+        <p14:creationId xmlns:p14="http://schemas.microsoft.com/office/powerpoint/2010/main" val="3672452185"/>
+      </p:ext>
+    </p:extLst>
+  </p:cSld>
+  <p:clrMapOvr>
+    <a:masterClrMapping/>
+  </p:clrMapOvr>
+</p:sld>
+</file>
+
+<file path=ppt/slides/slide2.xml><?xml version="1.0" encoding="utf-8"?>
+<p:sld xmlns:a="http://schemas.openxmlformats.org/drawingml/2006/main" xmlns:r="http://schemas.openxmlformats.org/officeDocument/2006/relationships" xmlns:p="http://schemas.openxmlformats.org/presentationml/2006/main">
+  <p:cSld>
+    <p:spTree>
+      <p:nvGrpSpPr>
+        <p:cNvPr id="1" name=""/>
+        <p:cNvGrpSpPr/>
+        <p:nvPr/>
+      </p:nvGrpSpPr>
+      <p:grpSpPr>
+        <a:xfrm>
+          <a:off x="0" y="0"/>
+          <a:ext cx="0" cy="0"/>
+          <a:chOff x="0" y="0"/>
+          <a:chExt cx="0" cy="0"/>
+        </a:xfrm>
+      </p:grpSpPr>
+      <p:sp>
+        <p:nvSpPr>
+          <p:cNvPr id="2" name="Titre 1"/>
+          <p:cNvSpPr>
+            <a:spLocks noGrp="1"/>
+          </p:cNvSpPr>
+          <p:nvPr>
+            <p:ph type="title"/>
+          </p:nvPr>
+        </p:nvSpPr>
+        <p:spPr/>
+        <p:txBody>
+          <a:bodyPr/>
+          <a:lstStyle/>
+          <a:p>
+            <a:r>
+              <a:rPr lang="fr-FR" smtClean="0"/>
+              <a:t>Plan</a:t>
+            </a:r>
+            <a:endParaRPr lang="fr-FR" dirty="0"/>
+          </a:p>
+        </p:txBody>
+      </p:sp>
+      <p:sp>
+        <p:nvSpPr>
+          <p:cNvPr id="3" name="Espace réservé du contenu 2"/>
+          <p:cNvSpPr>
+            <a:spLocks noGrp="1"/>
+          </p:cNvSpPr>
+          <p:nvPr>
+            <p:ph sz="quarter" idx="1"/>
+          </p:nvPr>
+        </p:nvSpPr>
+        <p:spPr/>
+        <p:txBody>
+          <a:bodyPr/>
+          <a:lstStyle/>
+          <a:p>
+            <a:r>
+              <a:rPr lang="fr-FR" dirty="0" smtClean="0"/>
+              <a:t>Modélisation </a:t>
+            </a:r>
+            <a:r>
+              <a:rPr lang="fr-FR" dirty="0" err="1" smtClean="0"/>
+              <a:t>multiphysique</a:t>
+            </a:r>
+            <a:endParaRPr lang="fr-FR" dirty="0" smtClean="0"/>
+          </a:p>
+          <a:p>
+            <a:pPr lvl="1"/>
+            <a:r>
+              <a:rPr lang="fr-FR" dirty="0" smtClean="0"/>
+              <a:t>Définition</a:t>
+            </a:r>
+          </a:p>
+          <a:p>
+            <a:pPr lvl="1"/>
+            <a:r>
+              <a:rPr lang="fr-FR" dirty="0" smtClean="0"/>
+              <a:t>Modélisation causale</a:t>
+            </a:r>
+          </a:p>
+          <a:p>
+            <a:pPr lvl="1"/>
+            <a:r>
+              <a:rPr lang="fr-FR" dirty="0" smtClean="0"/>
+              <a:t>Modélisation acausale</a:t>
+            </a:r>
+          </a:p>
+          <a:p>
+            <a:r>
+              <a:rPr lang="fr-FR" dirty="0" err="1" smtClean="0"/>
+              <a:t>Scilab</a:t>
+            </a:r>
+            <a:endParaRPr lang="fr-FR" dirty="0" smtClean="0"/>
+          </a:p>
+          <a:p>
+            <a:pPr lvl="1"/>
+            <a:r>
+              <a:rPr lang="fr-FR" dirty="0" smtClean="0"/>
+              <a:t>Qu’est ce que </a:t>
+            </a:r>
+            <a:r>
+              <a:rPr lang="fr-FR" dirty="0" err="1" smtClean="0"/>
+              <a:t>scilab</a:t>
+            </a:r>
+            <a:r>
+              <a:rPr lang="fr-FR" dirty="0" smtClean="0"/>
+              <a:t> ?</a:t>
+            </a:r>
+          </a:p>
+          <a:p>
+            <a:pPr lvl="1"/>
+            <a:r>
+              <a:rPr lang="fr-FR" dirty="0" smtClean="0"/>
+              <a:t>Le module </a:t>
+            </a:r>
+            <a:r>
+              <a:rPr lang="fr-FR" dirty="0" err="1" smtClean="0"/>
+              <a:t>Xcos</a:t>
+            </a:r>
+            <a:endParaRPr lang="fr-FR" dirty="0" smtClean="0"/>
+          </a:p>
+          <a:p>
+            <a:pPr lvl="1"/>
+            <a:r>
+              <a:rPr lang="fr-FR" dirty="0" smtClean="0"/>
+              <a:t>Le modulé </a:t>
+            </a:r>
+            <a:r>
+              <a:rPr lang="fr-FR" dirty="0" err="1" smtClean="0"/>
+              <a:t>Cosélica</a:t>
+            </a:r>
+            <a:endParaRPr lang="fr-FR" dirty="0" smtClean="0"/>
+          </a:p>
+          <a:p>
+            <a:r>
+              <a:rPr lang="fr-FR" dirty="0" smtClean="0"/>
+              <a:t>Application pédagogique </a:t>
+            </a:r>
+            <a:r>
+              <a:rPr lang="fr-FR" dirty="0" err="1" smtClean="0"/>
+              <a:t>Xcos</a:t>
+            </a:r>
+            <a:endParaRPr lang="fr-FR" dirty="0" smtClean="0"/>
+          </a:p>
+          <a:p>
+            <a:r>
+              <a:rPr lang="fr-FR" dirty="0" smtClean="0"/>
+              <a:t>Application pédagogique </a:t>
+            </a:r>
+            <a:r>
+              <a:rPr lang="fr-FR" dirty="0" err="1" smtClean="0"/>
+              <a:t>Coselica</a:t>
+            </a:r>
+            <a:endParaRPr lang="fr-FR" dirty="0" smtClean="0"/>
+          </a:p>
+          <a:p>
+            <a:endParaRPr lang="fr-FR" dirty="0" smtClean="0"/>
+          </a:p>
+          <a:p>
+            <a:pPr lvl="1"/>
+            <a:endParaRPr lang="fr-FR" dirty="0"/>
+          </a:p>
+        </p:txBody>
+      </p:sp>
+      <p:sp>
+        <p:nvSpPr>
+          <p:cNvPr id="4" name="Espace réservé du numéro de diapositive 3"/>
+          <p:cNvSpPr>
+            <a:spLocks noGrp="1"/>
+          </p:cNvSpPr>
+          <p:nvPr>
+            <p:ph type="sldNum" sz="quarter" idx="15"/>
+          </p:nvPr>
+        </p:nvSpPr>
+        <p:spPr/>
+        <p:txBody>
+          <a:bodyPr/>
+          <a:lstStyle/>
+          <a:p>
+            <a:fld id="{136A7F36-7A21-4EA8-9DC2-F00219448035}" type="slidenum">
+              <a:rPr lang="fr-FR" smtClean="0"/>
+              <a:t>2</a:t>
+            </a:fld>
+            <a:endParaRPr lang="fr-FR"/>
+          </a:p>
+        </p:txBody>
+      </p:sp>
+    </p:spTree>
+    <p:extLst>
+      <p:ext uri="{BB962C8B-B14F-4D97-AF65-F5344CB8AC3E}">
+        <p14:creationId xmlns:p14="http://schemas.microsoft.com/office/powerpoint/2010/main" val="1608164233"/>
+      </p:ext>
+    </p:extLst>
+  </p:cSld>
+  <p:clrMapOvr>
+    <a:masterClrMapping/>
+  </p:clrMapOvr>
+</p:sld>
+</file>
+
+<file path=ppt/slides/slide20.xml><?xml version="1.0" encoding="utf-8"?>
+<p:sld xmlns:a="http://schemas.openxmlformats.org/drawingml/2006/main" xmlns:r="http://schemas.openxmlformats.org/officeDocument/2006/relationships" xmlns:p="http://schemas.openxmlformats.org/presentationml/2006/main">
+  <p:cSld>
+    <p:spTree>
+      <p:nvGrpSpPr>
+        <p:cNvPr id="1" name=""/>
+        <p:cNvGrpSpPr/>
+        <p:nvPr/>
+      </p:nvGrpSpPr>
+      <p:grpSpPr>
+        <a:xfrm>
+          <a:off x="0" y="0"/>
+          <a:ext cx="0" cy="0"/>
+          <a:chOff x="0" y="0"/>
+          <a:chExt cx="0" cy="0"/>
+        </a:xfrm>
+      </p:grpSpPr>
+      <p:sp>
+        <p:nvSpPr>
+          <p:cNvPr id="5" name="Titre 4"/>
+          <p:cNvSpPr>
+            <a:spLocks noGrp="1"/>
+          </p:cNvSpPr>
+          <p:nvPr>
+            <p:ph type="title"/>
+          </p:nvPr>
+        </p:nvSpPr>
+        <p:spPr/>
+        <p:txBody>
+          <a:bodyPr>
+            <a:normAutofit fontScale="90000"/>
+          </a:bodyPr>
+          <a:lstStyle/>
+          <a:p>
+            <a:r>
+              <a:rPr lang="fr-FR" dirty="0" smtClean="0"/>
+              <a:t>Pilote Automatique</a:t>
+            </a:r>
+            <a:br>
+              <a:rPr lang="fr-FR" dirty="0" smtClean="0"/>
+            </a:br>
+            <a:r>
+              <a:rPr lang="fr-FR" dirty="0" smtClean="0"/>
+              <a:t>Analyse Interne</a:t>
+            </a:r>
+            <a:endParaRPr lang="fr-FR" dirty="0"/>
+          </a:p>
+        </p:txBody>
+      </p:sp>
+      <p:sp>
+        <p:nvSpPr>
+          <p:cNvPr id="6" name="Espace réservé du contenu 5"/>
+          <p:cNvSpPr>
+            <a:spLocks noGrp="1"/>
+          </p:cNvSpPr>
+          <p:nvPr>
+            <p:ph sz="quarter" idx="1"/>
+          </p:nvPr>
+        </p:nvSpPr>
+        <p:spPr/>
+        <p:txBody>
+          <a:bodyPr/>
+          <a:lstStyle/>
+          <a:p>
+            <a:endParaRPr lang="fr-FR"/>
+          </a:p>
+        </p:txBody>
+      </p:sp>
+      <p:sp>
+        <p:nvSpPr>
+          <p:cNvPr id="4" name="Espace réservé du numéro de diapositive 3"/>
+          <p:cNvSpPr>
+            <a:spLocks noGrp="1"/>
+          </p:cNvSpPr>
+          <p:nvPr>
+            <p:ph type="sldNum" sz="quarter" idx="15"/>
+          </p:nvPr>
+        </p:nvSpPr>
+        <p:spPr/>
+        <p:txBody>
+          <a:bodyPr/>
+          <a:lstStyle/>
+          <a:p>
+            <a:fld id="{136A7F36-7A21-4EA8-9DC2-F00219448035}" type="slidenum">
+              <a:rPr lang="fr-FR" smtClean="0"/>
+              <a:t>20</a:t>
+            </a:fld>
+            <a:endParaRPr lang="fr-FR"/>
+          </a:p>
+        </p:txBody>
+      </p:sp>
+    </p:spTree>
+    <p:extLst>
+      <p:ext uri="{BB962C8B-B14F-4D97-AF65-F5344CB8AC3E}">
+        <p14:creationId xmlns:p14="http://schemas.microsoft.com/office/powerpoint/2010/main" val="601726295"/>
+      </p:ext>
+    </p:extLst>
+  </p:cSld>
+  <p:clrMapOvr>
+    <a:masterClrMapping/>
+  </p:clrMapOvr>
+</p:sld>
+</file>
+
+<file path=ppt/slides/slide21.xml><?xml version="1.0" encoding="utf-8"?>
+<p:sld xmlns:a="http://schemas.openxmlformats.org/drawingml/2006/main" xmlns:r="http://schemas.openxmlformats.org/officeDocument/2006/relationships" xmlns:p="http://schemas.openxmlformats.org/presentationml/2006/main">
+  <p:cSld>
+    <p:spTree>
+      <p:nvGrpSpPr>
+        <p:cNvPr id="1" name=""/>
+        <p:cNvGrpSpPr/>
+        <p:nvPr/>
+      </p:nvGrpSpPr>
+      <p:grpSpPr>
+        <a:xfrm>
+          <a:off x="0" y="0"/>
+          <a:ext cx="0" cy="0"/>
+          <a:chOff x="0" y="0"/>
+          <a:chExt cx="0" cy="0"/>
+        </a:xfrm>
+      </p:grpSpPr>
+      <p:sp>
+        <p:nvSpPr>
+          <p:cNvPr id="2" name="Titre 1"/>
+          <p:cNvSpPr>
+            <a:spLocks noGrp="1"/>
+          </p:cNvSpPr>
+          <p:nvPr>
+            <p:ph type="title"/>
+          </p:nvPr>
+        </p:nvSpPr>
+        <p:spPr/>
+        <p:txBody>
+          <a:bodyPr>
+            <a:normAutofit fontScale="90000"/>
+          </a:bodyPr>
+          <a:lstStyle/>
+          <a:p>
+            <a:r>
+              <a:rPr lang="fr-FR" dirty="0" smtClean="0"/>
+              <a:t>Pilote Automatique</a:t>
+            </a:r>
+            <a:br>
+              <a:rPr lang="fr-FR" dirty="0" smtClean="0"/>
+            </a:br>
+            <a:r>
+              <a:rPr lang="fr-FR" dirty="0" smtClean="0"/>
+              <a:t>Modélisation</a:t>
+            </a:r>
+            <a:endParaRPr lang="fr-FR" dirty="0"/>
+          </a:p>
+        </p:txBody>
+      </p:sp>
+      <p:sp>
+        <p:nvSpPr>
+          <p:cNvPr id="3" name="Espace réservé du contenu 2"/>
+          <p:cNvSpPr>
+            <a:spLocks noGrp="1"/>
+          </p:cNvSpPr>
+          <p:nvPr>
+            <p:ph sz="quarter" idx="1"/>
+          </p:nvPr>
+        </p:nvSpPr>
+        <p:spPr/>
+        <p:txBody>
+          <a:bodyPr/>
+          <a:lstStyle/>
+          <a:p>
+            <a:endParaRPr lang="fr-FR"/>
+          </a:p>
+        </p:txBody>
+      </p:sp>
+      <p:sp>
+        <p:nvSpPr>
+          <p:cNvPr id="4" name="Espace réservé du numéro de diapositive 3"/>
+          <p:cNvSpPr>
+            <a:spLocks noGrp="1"/>
+          </p:cNvSpPr>
+          <p:nvPr>
+            <p:ph type="sldNum" sz="quarter" idx="15"/>
+          </p:nvPr>
+        </p:nvSpPr>
+        <p:spPr/>
+        <p:txBody>
+          <a:bodyPr/>
+          <a:lstStyle/>
+          <a:p>
+            <a:fld id="{136A7F36-7A21-4EA8-9DC2-F00219448035}" type="slidenum">
+              <a:rPr lang="fr-FR" smtClean="0"/>
+              <a:t>21</a:t>
+            </a:fld>
+            <a:endParaRPr lang="fr-FR"/>
+          </a:p>
+        </p:txBody>
+      </p:sp>
+    </p:spTree>
+    <p:extLst>
+      <p:ext uri="{BB962C8B-B14F-4D97-AF65-F5344CB8AC3E}">
+        <p14:creationId xmlns:p14="http://schemas.microsoft.com/office/powerpoint/2010/main" val="2388859630"/>
+      </p:ext>
+    </p:extLst>
+  </p:cSld>
+  <p:clrMapOvr>
+    <a:masterClrMapping/>
+  </p:clrMapOvr>
+</p:sld>
+</file>
+
+<file path=ppt/slides/slide22.xml><?xml version="1.0" encoding="utf-8"?>
+<p:sld xmlns:a="http://schemas.openxmlformats.org/drawingml/2006/main" xmlns:r="http://schemas.openxmlformats.org/officeDocument/2006/relationships" xmlns:p="http://schemas.openxmlformats.org/presentationml/2006/main">
+  <p:cSld>
+    <p:spTree>
+      <p:nvGrpSpPr>
+        <p:cNvPr id="1" name=""/>
+        <p:cNvGrpSpPr/>
+        <p:nvPr/>
+      </p:nvGrpSpPr>
+      <p:grpSpPr>
+        <a:xfrm>
+          <a:off x="0" y="0"/>
+          <a:ext cx="0" cy="0"/>
+          <a:chOff x="0" y="0"/>
+          <a:chExt cx="0" cy="0"/>
+        </a:xfrm>
+      </p:grpSpPr>
+      <p:sp>
+        <p:nvSpPr>
+          <p:cNvPr id="2" name="Titre 1"/>
+          <p:cNvSpPr>
+            <a:spLocks noGrp="1"/>
+          </p:cNvSpPr>
+          <p:nvPr>
+            <p:ph type="title"/>
+          </p:nvPr>
+        </p:nvSpPr>
+        <p:spPr/>
+        <p:txBody>
+          <a:bodyPr>
+            <a:normAutofit fontScale="90000"/>
+          </a:bodyPr>
+          <a:lstStyle/>
+          <a:p>
+            <a:r>
+              <a:rPr lang="fr-FR" dirty="0" smtClean="0"/>
+              <a:t>Pilote automatique</a:t>
+            </a:r>
+            <a:br>
+              <a:rPr lang="fr-FR" dirty="0" smtClean="0"/>
+            </a:br>
+            <a:r>
+              <a:rPr lang="fr-FR" dirty="0" smtClean="0"/>
+              <a:t>Application pédagogique</a:t>
+            </a:r>
+            <a:endParaRPr lang="fr-FR" dirty="0"/>
+          </a:p>
+        </p:txBody>
+      </p:sp>
+      <p:sp>
+        <p:nvSpPr>
+          <p:cNvPr id="3" name="Espace réservé du contenu 2"/>
+          <p:cNvSpPr>
+            <a:spLocks noGrp="1"/>
+          </p:cNvSpPr>
+          <p:nvPr>
+            <p:ph sz="quarter" idx="1"/>
+          </p:nvPr>
+        </p:nvSpPr>
+        <p:spPr/>
+        <p:txBody>
+          <a:bodyPr/>
+          <a:lstStyle/>
+          <a:p>
+            <a:endParaRPr lang="fr-FR"/>
+          </a:p>
+        </p:txBody>
+      </p:sp>
+      <p:sp>
+        <p:nvSpPr>
+          <p:cNvPr id="4" name="Espace réservé du numéro de diapositive 3"/>
+          <p:cNvSpPr>
+            <a:spLocks noGrp="1"/>
+          </p:cNvSpPr>
+          <p:nvPr>
+            <p:ph type="sldNum" sz="quarter" idx="15"/>
+          </p:nvPr>
+        </p:nvSpPr>
+        <p:spPr/>
+        <p:txBody>
+          <a:bodyPr/>
+          <a:lstStyle/>
+          <a:p>
+            <a:fld id="{136A7F36-7A21-4EA8-9DC2-F00219448035}" type="slidenum">
+              <a:rPr lang="fr-FR" smtClean="0"/>
+              <a:t>22</a:t>
+            </a:fld>
+            <a:endParaRPr lang="fr-FR"/>
+          </a:p>
+        </p:txBody>
+      </p:sp>
+    </p:spTree>
+    <p:extLst>
+      <p:ext uri="{BB962C8B-B14F-4D97-AF65-F5344CB8AC3E}">
+        <p14:creationId xmlns:p14="http://schemas.microsoft.com/office/powerpoint/2010/main" val="4068046631"/>
+      </p:ext>
+    </p:extLst>
+  </p:cSld>
+  <p:clrMapOvr>
+    <a:masterClrMapping/>
+  </p:clrMapOvr>
+</p:sld>
+</file>
+
+<file path=ppt/slides/slide23.xml><?xml version="1.0" encoding="utf-8"?>
+<p:sld xmlns:a="http://schemas.openxmlformats.org/drawingml/2006/main" xmlns:r="http://schemas.openxmlformats.org/officeDocument/2006/relationships" xmlns:p="http://schemas.openxmlformats.org/presentationml/2006/main">
+  <p:cSld>
+    <p:spTree>
+      <p:nvGrpSpPr>
+        <p:cNvPr id="1" name=""/>
+        <p:cNvGrpSpPr/>
+        <p:nvPr/>
+      </p:nvGrpSpPr>
+      <p:grpSpPr>
+        <a:xfrm>
+          <a:off x="0" y="0"/>
+          <a:ext cx="0" cy="0"/>
+          <a:chOff x="0" y="0"/>
+          <a:chExt cx="0" cy="0"/>
+        </a:xfrm>
+      </p:grpSpPr>
+      <p:sp>
+        <p:nvSpPr>
+          <p:cNvPr id="4" name="Titre 3"/>
+          <p:cNvSpPr>
+            <a:spLocks noGrp="1"/>
+          </p:cNvSpPr>
+          <p:nvPr>
+            <p:ph type="title"/>
+          </p:nvPr>
+        </p:nvSpPr>
+        <p:spPr/>
+        <p:txBody>
+          <a:bodyPr/>
+          <a:lstStyle/>
+          <a:p>
+            <a:r>
+              <a:rPr lang="fr-FR" dirty="0" err="1" smtClean="0"/>
+              <a:t>Xcos</a:t>
+            </a:r>
+            <a:r>
+              <a:rPr lang="fr-FR" dirty="0" smtClean="0"/>
+              <a:t> &amp; </a:t>
+            </a:r>
+            <a:r>
+              <a:rPr lang="fr-FR" dirty="0" err="1" smtClean="0"/>
+              <a:t>Arduino</a:t>
+            </a:r>
+            <a:endParaRPr lang="fr-FR" dirty="0"/>
+          </a:p>
+        </p:txBody>
+      </p:sp>
+      <p:sp>
+        <p:nvSpPr>
+          <p:cNvPr id="5" name="Espace réservé du texte 4"/>
+          <p:cNvSpPr>
+            <a:spLocks noGrp="1"/>
+          </p:cNvSpPr>
+          <p:nvPr>
+            <p:ph type="body" idx="1"/>
+          </p:nvPr>
+        </p:nvSpPr>
+        <p:spPr/>
+        <p:txBody>
+          <a:bodyPr/>
+          <a:lstStyle/>
+          <a:p>
+            <a:endParaRPr lang="fr-FR"/>
+          </a:p>
+        </p:txBody>
+      </p:sp>
+      <p:sp>
+        <p:nvSpPr>
+          <p:cNvPr id="2" name="Espace réservé du numéro de diapositive 1"/>
+          <p:cNvSpPr>
+            <a:spLocks noGrp="1"/>
+          </p:cNvSpPr>
+          <p:nvPr>
+            <p:ph type="sldNum" sz="quarter" idx="12"/>
+          </p:nvPr>
+        </p:nvSpPr>
+        <p:spPr/>
+        <p:txBody>
+          <a:bodyPr/>
+          <a:lstStyle/>
+          <a:p>
+            <a:fld id="{136A7F36-7A21-4EA8-9DC2-F00219448035}" type="slidenum">
+              <a:rPr lang="fr-FR" smtClean="0"/>
+              <a:t>23</a:t>
+            </a:fld>
+            <a:endParaRPr lang="fr-FR"/>
+          </a:p>
+        </p:txBody>
+      </p:sp>
+    </p:spTree>
+    <p:extLst>
+      <p:ext uri="{BB962C8B-B14F-4D97-AF65-F5344CB8AC3E}">
+        <p14:creationId xmlns:p14="http://schemas.microsoft.com/office/powerpoint/2010/main" val="1589319820"/>
+      </p:ext>
+    </p:extLst>
+  </p:cSld>
+  <p:clrMapOvr>
+    <a:masterClrMapping/>
+  </p:clrMapOvr>
+</p:sld>
+</file>
+
+<file path=ppt/slides/slide24.xml><?xml version="1.0" encoding="utf-8"?>
+<p:sld xmlns:a="http://schemas.openxmlformats.org/drawingml/2006/main" xmlns:r="http://schemas.openxmlformats.org/officeDocument/2006/relationships" xmlns:p="http://schemas.openxmlformats.org/presentationml/2006/main">
+  <p:cSld>
+    <p:spTree>
+      <p:nvGrpSpPr>
+        <p:cNvPr id="1" name=""/>
+        <p:cNvGrpSpPr/>
+        <p:nvPr/>
+      </p:nvGrpSpPr>
+      <p:grpSpPr>
+        <a:xfrm>
+          <a:off x="0" y="0"/>
+          <a:ext cx="0" cy="0"/>
+          <a:chOff x="0" y="0"/>
+          <a:chExt cx="0" cy="0"/>
+        </a:xfrm>
+      </p:grpSpPr>
+      <p:sp>
+        <p:nvSpPr>
+          <p:cNvPr id="4" name="Espace réservé du numéro de diapositive 3"/>
+          <p:cNvSpPr>
+            <a:spLocks noGrp="1"/>
+          </p:cNvSpPr>
+          <p:nvPr>
+            <p:ph type="sldNum" sz="quarter" idx="12"/>
+          </p:nvPr>
+        </p:nvSpPr>
+        <p:spPr/>
+        <p:txBody>
+          <a:bodyPr/>
+          <a:lstStyle/>
+          <a:p>
+            <a:fld id="{136A7F36-7A21-4EA8-9DC2-F00219448035}" type="slidenum">
+              <a:rPr lang="fr-FR" smtClean="0"/>
+              <a:t>24</a:t>
             </a:fld>
             <a:endParaRPr lang="fr-FR"/>
           </a:p>
@@ -7207,205 +9071,6 @@
 </p:sld>
 </file>
 
-<file path=ppt/slides/slide2.xml><?xml version="1.0" encoding="utf-8"?>
-<p:sld xmlns:a="http://schemas.openxmlformats.org/drawingml/2006/main" xmlns:r="http://schemas.openxmlformats.org/officeDocument/2006/relationships" xmlns:p="http://schemas.openxmlformats.org/presentationml/2006/main">
-  <p:cSld>
-    <p:spTree>
-      <p:nvGrpSpPr>
-        <p:cNvPr id="1" name=""/>
-        <p:cNvGrpSpPr/>
-        <p:nvPr/>
-      </p:nvGrpSpPr>
-      <p:grpSpPr>
-        <a:xfrm>
-          <a:off x="0" y="0"/>
-          <a:ext cx="0" cy="0"/>
-          <a:chOff x="0" y="0"/>
-          <a:chExt cx="0" cy="0"/>
-        </a:xfrm>
-      </p:grpSpPr>
-      <p:sp>
-        <p:nvSpPr>
-          <p:cNvPr id="2" name="Titre 1"/>
-          <p:cNvSpPr>
-            <a:spLocks noGrp="1"/>
-          </p:cNvSpPr>
-          <p:nvPr>
-            <p:ph type="title"/>
-          </p:nvPr>
-        </p:nvSpPr>
-        <p:spPr/>
-        <p:txBody>
-          <a:bodyPr/>
-          <a:lstStyle/>
-          <a:p>
-            <a:r>
-              <a:rPr lang="fr-FR" smtClean="0"/>
-              <a:t>Plan</a:t>
-            </a:r>
-            <a:endParaRPr lang="fr-FR" dirty="0"/>
-          </a:p>
-        </p:txBody>
-      </p:sp>
-      <p:sp>
-        <p:nvSpPr>
-          <p:cNvPr id="3" name="Espace réservé du contenu 2"/>
-          <p:cNvSpPr>
-            <a:spLocks noGrp="1"/>
-          </p:cNvSpPr>
-          <p:nvPr>
-            <p:ph sz="quarter" idx="1"/>
-          </p:nvPr>
-        </p:nvSpPr>
-        <p:spPr/>
-        <p:txBody>
-          <a:bodyPr/>
-          <a:lstStyle/>
-          <a:p>
-            <a:r>
-              <a:rPr lang="fr-FR" dirty="0" smtClean="0"/>
-              <a:t>Modélisation </a:t>
-            </a:r>
-            <a:r>
-              <a:rPr lang="fr-FR" dirty="0" err="1" smtClean="0"/>
-              <a:t>multiphysique</a:t>
-            </a:r>
-            <a:endParaRPr lang="fr-FR" dirty="0" smtClean="0"/>
-          </a:p>
-          <a:p>
-            <a:pPr lvl="1"/>
-            <a:r>
-              <a:rPr lang="fr-FR" dirty="0" smtClean="0"/>
-              <a:t>Définition</a:t>
-            </a:r>
-          </a:p>
-          <a:p>
-            <a:pPr lvl="1"/>
-            <a:r>
-              <a:rPr lang="fr-FR" dirty="0" smtClean="0"/>
-              <a:t>Modélisation causale</a:t>
-            </a:r>
-          </a:p>
-          <a:p>
-            <a:pPr lvl="1"/>
-            <a:r>
-              <a:rPr lang="fr-FR" dirty="0" smtClean="0"/>
-              <a:t>Modélisation acausale</a:t>
-            </a:r>
-          </a:p>
-          <a:p>
-            <a:r>
-              <a:rPr lang="fr-FR" dirty="0" err="1" smtClean="0"/>
-              <a:t>Scilab</a:t>
-            </a:r>
-            <a:endParaRPr lang="fr-FR" dirty="0" smtClean="0"/>
-          </a:p>
-          <a:p>
-            <a:pPr lvl="1"/>
-            <a:r>
-              <a:rPr lang="fr-FR" dirty="0" smtClean="0"/>
-              <a:t>Qu’est ce que </a:t>
-            </a:r>
-            <a:r>
-              <a:rPr lang="fr-FR" dirty="0" err="1" smtClean="0"/>
-              <a:t>scilab</a:t>
-            </a:r>
-            <a:r>
-              <a:rPr lang="fr-FR" dirty="0" smtClean="0"/>
-              <a:t> ?</a:t>
-            </a:r>
-          </a:p>
-          <a:p>
-            <a:pPr lvl="1"/>
-            <a:r>
-              <a:rPr lang="fr-FR" dirty="0" smtClean="0"/>
-              <a:t>Le module </a:t>
-            </a:r>
-            <a:r>
-              <a:rPr lang="fr-FR" dirty="0" err="1" smtClean="0"/>
-              <a:t>Xcos</a:t>
-            </a:r>
-            <a:endParaRPr lang="fr-FR" dirty="0" smtClean="0"/>
-          </a:p>
-          <a:p>
-            <a:pPr lvl="1"/>
-            <a:r>
-              <a:rPr lang="fr-FR" dirty="0" smtClean="0"/>
-              <a:t>Le modulé </a:t>
-            </a:r>
-            <a:r>
-              <a:rPr lang="fr-FR" dirty="0" err="1" smtClean="0"/>
-              <a:t>Cosélica</a:t>
-            </a:r>
-            <a:endParaRPr lang="fr-FR" dirty="0" smtClean="0"/>
-          </a:p>
-          <a:p>
-            <a:r>
-              <a:rPr lang="fr-FR" dirty="0" smtClean="0"/>
-              <a:t>Application pédagogique </a:t>
-            </a:r>
-            <a:r>
-              <a:rPr lang="fr-FR" dirty="0" err="1" smtClean="0"/>
-              <a:t>Xcos</a:t>
-            </a:r>
-            <a:endParaRPr lang="fr-FR" dirty="0" smtClean="0"/>
-          </a:p>
-          <a:p>
-            <a:r>
-              <a:rPr lang="fr-FR" dirty="0" smtClean="0"/>
-              <a:t>Application pédagogique </a:t>
-            </a:r>
-            <a:r>
-              <a:rPr lang="fr-FR" dirty="0" err="1" smtClean="0"/>
-              <a:t>Coselica</a:t>
-            </a:r>
-            <a:endParaRPr lang="fr-FR" dirty="0" smtClean="0"/>
-          </a:p>
-          <a:p>
-            <a:endParaRPr lang="fr-FR" dirty="0" smtClean="0"/>
-          </a:p>
-          <a:p>
-            <a:pPr lvl="1"/>
-            <a:endParaRPr lang="fr-FR" dirty="0"/>
-          </a:p>
-        </p:txBody>
-      </p:sp>
-      <p:sp>
-        <p:nvSpPr>
-          <p:cNvPr id="4" name="Espace réservé du numéro de diapositive 3"/>
-          <p:cNvSpPr>
-            <a:spLocks noGrp="1"/>
-          </p:cNvSpPr>
-          <p:nvPr>
-            <p:ph type="sldNum" sz="quarter" idx="15"/>
-          </p:nvPr>
-        </p:nvSpPr>
-        <p:spPr/>
-        <p:txBody>
-          <a:bodyPr/>
-          <a:lstStyle/>
-          <a:p>
-            <a:fld id="{136A7F36-7A21-4EA8-9DC2-F00219448035}" type="slidenum">
-              <a:rPr lang="fr-FR" smtClean="0"/>
-              <a:t>2</a:t>
-            </a:fld>
-            <a:endParaRPr lang="fr-FR"/>
-          </a:p>
-        </p:txBody>
-      </p:sp>
-    </p:spTree>
-    <p:extLst>
-      <p:ext uri="{BB962C8B-B14F-4D97-AF65-F5344CB8AC3E}">
-        <p14:creationId xmlns:p14="http://schemas.microsoft.com/office/powerpoint/2010/main" val="1608164233"/>
-      </p:ext>
-    </p:extLst>
-  </p:cSld>
-  <p:clrMapOvr>
-    <a:masterClrMapping/>
-  </p:clrMapOvr>
-</p:sld>
-</file>
-
 <file path=ppt/slides/slide3.xml><?xml version="1.0" encoding="utf-8"?>
 <p:sld xmlns:a="http://schemas.openxmlformats.org/drawingml/2006/main" xmlns:r="http://schemas.openxmlformats.org/officeDocument/2006/relationships" xmlns:p="http://schemas.openxmlformats.org/presentationml/2006/main">
   <p:cSld>
@@ -7425,7 +9090,7 @@
       </p:grpSpPr>
       <p:sp>
         <p:nvSpPr>
-          <p:cNvPr id="2" name="Titre 1"/>
+          <p:cNvPr id="4" name="Titre 3"/>
           <p:cNvSpPr>
             <a:spLocks noGrp="1"/>
           </p:cNvSpPr>
@@ -7438,37 +9103,45 @@
           <a:bodyPr/>
           <a:lstStyle/>
           <a:p>
+            <a:r>
+              <a:rPr lang="fr-FR" dirty="0" smtClean="0"/>
+              <a:t>Modélisation </a:t>
+            </a:r>
+            <a:r>
+              <a:rPr lang="fr-FR" dirty="0" err="1" smtClean="0"/>
+              <a:t>mutiphysique</a:t>
+            </a:r>
+            <a:endParaRPr lang="fr-FR" dirty="0"/>
+          </a:p>
+        </p:txBody>
+      </p:sp>
+      <p:sp>
+        <p:nvSpPr>
+          <p:cNvPr id="5" name="Espace réservé du texte 4"/>
+          <p:cNvSpPr>
+            <a:spLocks noGrp="1"/>
+          </p:cNvSpPr>
+          <p:nvPr>
+            <p:ph type="body" idx="1"/>
+          </p:nvPr>
+        </p:nvSpPr>
+        <p:spPr/>
+        <p:txBody>
+          <a:bodyPr/>
+          <a:lstStyle/>
+          <a:p>
             <a:endParaRPr lang="fr-FR"/>
           </a:p>
         </p:txBody>
       </p:sp>
       <p:sp>
         <p:nvSpPr>
-          <p:cNvPr id="3" name="Espace réservé du contenu 2"/>
-          <p:cNvSpPr>
-            <a:spLocks noGrp="1"/>
-          </p:cNvSpPr>
-          <p:nvPr>
-            <p:ph sz="quarter" idx="1"/>
-          </p:nvPr>
-        </p:nvSpPr>
-        <p:spPr/>
-        <p:txBody>
-          <a:bodyPr/>
-          <a:lstStyle/>
-          <a:p>
-            <a:endParaRPr lang="fr-FR"/>
-          </a:p>
-        </p:txBody>
-      </p:sp>
-      <p:sp>
-        <p:nvSpPr>
-          <p:cNvPr id="4" name="Espace réservé du numéro de diapositive 3"/>
-          <p:cNvSpPr>
-            <a:spLocks noGrp="1"/>
-          </p:cNvSpPr>
-          <p:nvPr>
-            <p:ph type="sldNum" sz="quarter" idx="15"/>
+          <p:cNvPr id="6" name="Espace réservé du numéro de diapositive 5"/>
+          <p:cNvSpPr>
+            <a:spLocks noGrp="1"/>
+          </p:cNvSpPr>
+          <p:nvPr>
+            <p:ph type="sldNum" sz="quarter" idx="12"/>
           </p:nvPr>
         </p:nvSpPr>
         <p:spPr/>
@@ -7487,7 +9160,7 @@
     </p:spTree>
     <p:extLst>
       <p:ext uri="{BB962C8B-B14F-4D97-AF65-F5344CB8AC3E}">
-        <p14:creationId xmlns:p14="http://schemas.microsoft.com/office/powerpoint/2010/main" val="2954816179"/>
+        <p14:creationId xmlns:p14="http://schemas.microsoft.com/office/powerpoint/2010/main" val="1140419535"/>
       </p:ext>
     </p:extLst>
   </p:cSld>
@@ -7516,7 +9189,7 @@
       </p:grpSpPr>
       <p:sp>
         <p:nvSpPr>
-          <p:cNvPr id="4" name="Titre 3"/>
+          <p:cNvPr id="5" name="Titre 4"/>
           <p:cNvSpPr>
             <a:spLocks noGrp="1"/>
           </p:cNvSpPr>
@@ -7526,16 +9199,29 @@
         </p:nvSpPr>
         <p:spPr/>
         <p:txBody>
-          <a:bodyPr/>
-          <a:lstStyle/>
-          <a:p>
-            <a:r>
-              <a:rPr lang="fr-FR" dirty="0" smtClean="0"/>
-              <a:t>Modélisation des systèmes avec le module </a:t>
+          <a:bodyPr>
+            <a:normAutofit fontScale="90000"/>
+          </a:bodyPr>
+          <a:lstStyle/>
+          <a:p>
+            <a:r>
+              <a:rPr lang="fr-FR" dirty="0" smtClean="0"/>
+              <a:t>Modélisation </a:t>
             </a:r>
             <a:r>
               <a:rPr lang="fr-FR" dirty="0" err="1" smtClean="0"/>
-              <a:t>Coselica</a:t>
+              <a:t>multiphysique</a:t>
+            </a:r>
+            <a:r>
+              <a:rPr lang="fr-FR" dirty="0" smtClean="0"/>
+              <a:t/>
+            </a:r>
+            <a:br>
+              <a:rPr lang="fr-FR" dirty="0" smtClean="0"/>
+            </a:br>
+            <a:r>
+              <a:rPr lang="fr-FR" dirty="0" smtClean="0"/>
+              <a:t>Tentatives de définitions</a:t>
             </a:r>
             <a:endParaRPr lang="fr-FR" dirty="0"/>
           </a:p>
@@ -7543,31 +9229,137 @@
       </p:sp>
       <p:sp>
         <p:nvSpPr>
-          <p:cNvPr id="5" name="Espace réservé du texte 4"/>
-          <p:cNvSpPr>
-            <a:spLocks noGrp="1"/>
-          </p:cNvSpPr>
-          <p:nvPr>
-            <p:ph type="body" idx="1"/>
+          <p:cNvPr id="6" name="Espace réservé du contenu 5"/>
+          <p:cNvSpPr>
+            <a:spLocks noGrp="1"/>
+          </p:cNvSpPr>
+          <p:nvPr>
+            <p:ph sz="quarter" idx="1"/>
           </p:nvPr>
         </p:nvSpPr>
         <p:spPr/>
         <p:txBody>
-          <a:bodyPr/>
-          <a:lstStyle/>
-          <a:p>
-            <a:endParaRPr lang="fr-FR"/>
-          </a:p>
-        </p:txBody>
-      </p:sp>
-      <p:sp>
-        <p:nvSpPr>
-          <p:cNvPr id="6" name="Espace réservé du numéro de diapositive 5"/>
-          <p:cNvSpPr>
-            <a:spLocks noGrp="1"/>
-          </p:cNvSpPr>
-          <p:nvPr>
-            <p:ph type="sldNum" sz="quarter" idx="12"/>
+          <a:bodyPr>
+            <a:normAutofit fontScale="92500"/>
+          </a:bodyPr>
+          <a:lstStyle/>
+          <a:p>
+            <a:r>
+              <a:rPr lang="fr-FR" dirty="0" smtClean="0"/>
+              <a:t>La modélisation </a:t>
+            </a:r>
+            <a:r>
+              <a:rPr lang="fr-FR" dirty="0" err="1" smtClean="0"/>
+              <a:t>multiphysique</a:t>
+            </a:r>
+            <a:r>
+              <a:rPr lang="fr-FR" dirty="0" smtClean="0"/>
+              <a:t> en SII</a:t>
+            </a:r>
+          </a:p>
+          <a:p>
+            <a:pPr lvl="1"/>
+            <a:r>
+              <a:rPr lang="fr-FR" dirty="0" smtClean="0"/>
+              <a:t>Modélisation d’un système </a:t>
+            </a:r>
+            <a:r>
+              <a:rPr lang="fr-FR" dirty="0" err="1" smtClean="0"/>
+              <a:t>pluritechnologique</a:t>
+            </a:r>
+            <a:r>
+              <a:rPr lang="fr-FR" dirty="0" smtClean="0"/>
+              <a:t> en intégrant tous les domaines de la physique nécessaires au fonctionnement de ce système</a:t>
+            </a:r>
+          </a:p>
+          <a:p>
+            <a:endParaRPr lang="fr-FR" dirty="0"/>
+          </a:p>
+          <a:p>
+            <a:r>
+              <a:rPr lang="fr-FR" dirty="0" smtClean="0"/>
+              <a:t>La modélisation </a:t>
+            </a:r>
+            <a:r>
+              <a:rPr lang="fr-FR" dirty="0" err="1" smtClean="0"/>
+              <a:t>multiphysique</a:t>
+            </a:r>
+            <a:r>
+              <a:rPr lang="fr-FR" dirty="0" smtClean="0"/>
+              <a:t> et </a:t>
+            </a:r>
+            <a:r>
+              <a:rPr lang="fr-FR" dirty="0" err="1" smtClean="0"/>
+              <a:t>multiéchelle</a:t>
+            </a:r>
+            <a:r>
+              <a:rPr lang="fr-FR" dirty="0" smtClean="0"/>
+              <a:t> dans la recherche</a:t>
+            </a:r>
+          </a:p>
+          <a:p>
+            <a:pPr lvl="1"/>
+            <a:r>
+              <a:rPr lang="fr-FR" dirty="0" smtClean="0"/>
+              <a:t>La modélisation </a:t>
+            </a:r>
+            <a:r>
+              <a:rPr lang="fr-FR" dirty="0" err="1" smtClean="0"/>
+              <a:t>multiphysique</a:t>
+            </a:r>
+            <a:r>
+              <a:rPr lang="fr-FR" dirty="0" smtClean="0"/>
+              <a:t> permet de de prendre en compte les couplages entre phénomènes physiques différents (couplage mécanique – chimique, couplage mécanique des structures – neutronique – </a:t>
+            </a:r>
+            <a:r>
+              <a:rPr lang="fr-FR" dirty="0" err="1" smtClean="0"/>
+              <a:t>thermohydraulique</a:t>
+            </a:r>
+            <a:r>
+              <a:rPr lang="fr-FR" dirty="0" smtClean="0"/>
+              <a:t> dans la physique des réacteurs …)</a:t>
+            </a:r>
+          </a:p>
+          <a:p>
+            <a:pPr lvl="1"/>
+            <a:r>
+              <a:rPr lang="fr-FR" dirty="0" smtClean="0"/>
+              <a:t>La modélisation </a:t>
+            </a:r>
+            <a:r>
+              <a:rPr lang="fr-FR" dirty="0" err="1" smtClean="0"/>
+              <a:t>multiéchelle</a:t>
+            </a:r>
+            <a:r>
+              <a:rPr lang="fr-FR" dirty="0" smtClean="0"/>
+              <a:t> permet, grâce au calcul numérique, de déduire des propriétés macroscopiques à partir de modèles microscopiques</a:t>
+            </a:r>
+          </a:p>
+          <a:p>
+            <a:pPr lvl="2"/>
+            <a:r>
+              <a:rPr lang="fr-FR" dirty="0" smtClean="0"/>
+              <a:t>Utilisation complémentaires de modèles probabilistes</a:t>
+            </a:r>
+          </a:p>
+          <a:p>
+            <a:pPr lvl="1"/>
+            <a:r>
+              <a:rPr lang="fr-FR" dirty="0" smtClean="0"/>
+              <a:t>Problèmes de compatibilité et de cohérences des codes de calcul</a:t>
+            </a:r>
+            <a:endParaRPr lang="fr-FR" dirty="0"/>
+          </a:p>
+        </p:txBody>
+      </p:sp>
+      <p:sp>
+        <p:nvSpPr>
+          <p:cNvPr id="4" name="Espace réservé du numéro de diapositive 3"/>
+          <p:cNvSpPr>
+            <a:spLocks noGrp="1"/>
+          </p:cNvSpPr>
+          <p:nvPr>
+            <p:ph type="sldNum" sz="quarter" idx="15"/>
           </p:nvPr>
         </p:nvSpPr>
         <p:spPr/>
@@ -7586,7 +9378,7 @@
     </p:spTree>
     <p:extLst>
       <p:ext uri="{BB962C8B-B14F-4D97-AF65-F5344CB8AC3E}">
-        <p14:creationId xmlns:p14="http://schemas.microsoft.com/office/powerpoint/2010/main" val="1140419535"/>
+        <p14:creationId xmlns:p14="http://schemas.microsoft.com/office/powerpoint/2010/main" val="2231398042"/>
       </p:ext>
     </p:extLst>
   </p:cSld>
@@ -7625,71 +9417,53 @@
         </p:nvSpPr>
         <p:spPr/>
         <p:txBody>
+          <a:bodyPr>
+            <a:normAutofit fontScale="90000"/>
+          </a:bodyPr>
+          <a:lstStyle/>
+          <a:p>
+            <a:r>
+              <a:rPr lang="fr-FR" dirty="0" smtClean="0"/>
+              <a:t>Modélisation </a:t>
+            </a:r>
+            <a:r>
+              <a:rPr lang="fr-FR" dirty="0" err="1" smtClean="0"/>
+              <a:t>multiphysique</a:t>
+            </a:r>
+            <a:r>
+              <a:rPr lang="fr-FR" dirty="0" smtClean="0"/>
+              <a:t/>
+            </a:r>
+            <a:br>
+              <a:rPr lang="fr-FR" dirty="0" smtClean="0"/>
+            </a:br>
+            <a:r>
+              <a:rPr lang="fr-FR" dirty="0" smtClean="0"/>
+              <a:t>Enjeux</a:t>
+            </a:r>
+            <a:endParaRPr lang="fr-FR" dirty="0"/>
+          </a:p>
+        </p:txBody>
+      </p:sp>
+      <p:sp>
+        <p:nvSpPr>
+          <p:cNvPr id="3" name="Espace réservé du contenu 2"/>
+          <p:cNvSpPr>
+            <a:spLocks noGrp="1"/>
+          </p:cNvSpPr>
+          <p:nvPr>
+            <p:ph sz="quarter" idx="1"/>
+          </p:nvPr>
+        </p:nvSpPr>
+        <p:spPr/>
+        <p:txBody>
           <a:bodyPr/>
           <a:lstStyle/>
           <a:p>
             <a:r>
               <a:rPr lang="fr-FR" dirty="0" smtClean="0"/>
-              <a:t>Connecteurs</a:t>
-            </a:r>
-            <a:endParaRPr lang="fr-FR" dirty="0"/>
-          </a:p>
-        </p:txBody>
-      </p:sp>
-      <p:sp>
-        <p:nvSpPr>
-          <p:cNvPr id="3" name="Espace réservé du contenu 2"/>
-          <p:cNvSpPr>
-            <a:spLocks noGrp="1"/>
-          </p:cNvSpPr>
-          <p:nvPr>
-            <p:ph sz="quarter" idx="1"/>
-          </p:nvPr>
-        </p:nvSpPr>
-        <p:spPr/>
-        <p:txBody>
-          <a:bodyPr/>
-          <a:lstStyle/>
-          <a:p>
-            <a:r>
-              <a:rPr lang="fr-FR" dirty="0" smtClean="0"/>
-              <a:t>Triangle bleu : signal de données (sans dimension)</a:t>
-            </a:r>
-          </a:p>
-          <a:p>
-            <a:r>
-              <a:rPr lang="fr-FR" dirty="0" smtClean="0"/>
-              <a:t>Carré bleu : signal électrique</a:t>
-            </a:r>
-          </a:p>
-          <a:p>
-            <a:r>
-              <a:rPr lang="fr-FR" dirty="0" smtClean="0"/>
-              <a:t>Carré rouge : donnée thermique</a:t>
-            </a:r>
-          </a:p>
-          <a:p>
-            <a:r>
-              <a:rPr lang="fr-FR" dirty="0" smtClean="0"/>
-              <a:t>Carré vert : mécanique 1D en translation</a:t>
-            </a:r>
-          </a:p>
-          <a:p>
-            <a:r>
-              <a:rPr lang="fr-FR" dirty="0" smtClean="0"/>
-              <a:t>Rond gris : mécanique 1D en rotation</a:t>
-            </a:r>
-          </a:p>
-          <a:p>
-            <a:r>
-              <a:rPr lang="fr-FR" dirty="0" smtClean="0"/>
-              <a:t>Carré gris : mécanique 2D plane</a:t>
-            </a:r>
-          </a:p>
-          <a:p>
-            <a:endParaRPr lang="fr-FR" dirty="0" smtClean="0"/>
-          </a:p>
-          <a:p>
+              <a:t>Pouvoir simuler le comportement d’un système dans sa globalité </a:t>
+            </a:r>
             <a:endParaRPr lang="fr-FR" dirty="0"/>
           </a:p>
         </p:txBody>
@@ -7720,7 +9494,7 @@
     </p:spTree>
     <p:extLst>
       <p:ext uri="{BB962C8B-B14F-4D97-AF65-F5344CB8AC3E}">
-        <p14:creationId xmlns:p14="http://schemas.microsoft.com/office/powerpoint/2010/main" val="398496562"/>
+        <p14:creationId xmlns:p14="http://schemas.microsoft.com/office/powerpoint/2010/main" val="180591065"/>
       </p:ext>
     </p:extLst>
   </p:cSld>
@@ -7759,33 +9533,110 @@
         </p:nvSpPr>
         <p:spPr/>
         <p:txBody>
+          <a:bodyPr>
+            <a:normAutofit fontScale="90000"/>
+          </a:bodyPr>
+          <a:lstStyle/>
+          <a:p>
+            <a:r>
+              <a:rPr lang="fr-FR" dirty="0" smtClean="0"/>
+              <a:t>Modélisation </a:t>
+            </a:r>
+            <a:r>
+              <a:rPr lang="fr-FR" dirty="0" err="1" smtClean="0"/>
+              <a:t>multiphysique</a:t>
+            </a:r>
+            <a:r>
+              <a:rPr lang="fr-FR" dirty="0" smtClean="0"/>
+              <a:t/>
+            </a:r>
+            <a:br>
+              <a:rPr lang="fr-FR" dirty="0" smtClean="0"/>
+            </a:br>
+            <a:r>
+              <a:rPr lang="fr-FR" dirty="0" smtClean="0"/>
+              <a:t>Problématiques</a:t>
+            </a:r>
+            <a:endParaRPr lang="fr-FR" dirty="0"/>
+          </a:p>
+        </p:txBody>
+      </p:sp>
+      <p:sp>
+        <p:nvSpPr>
+          <p:cNvPr id="3" name="Espace réservé du contenu 2"/>
+          <p:cNvSpPr>
+            <a:spLocks noGrp="1"/>
+          </p:cNvSpPr>
+          <p:nvPr>
+            <p:ph sz="quarter" idx="1"/>
+          </p:nvPr>
+        </p:nvSpPr>
+        <p:spPr/>
+        <p:txBody>
           <a:bodyPr/>
           <a:lstStyle/>
           <a:p>
             <a:r>
               <a:rPr lang="fr-FR" dirty="0" smtClean="0"/>
-              <a:t>Modélisation d’un système mécanique</a:t>
-            </a:r>
+              <a:t>Problèmes logiciels</a:t>
+            </a:r>
+          </a:p>
+          <a:p>
+            <a:pPr lvl="1"/>
+            <a:r>
+              <a:rPr lang="fr-FR" dirty="0" smtClean="0"/>
+              <a:t>Les logiciels utilisés de classiquement en SII sont orientés « </a:t>
+            </a:r>
+            <a:r>
+              <a:rPr lang="fr-FR" dirty="0" err="1" smtClean="0"/>
+              <a:t>monophysique</a:t>
+            </a:r>
+            <a:r>
+              <a:rPr lang="fr-FR" dirty="0" smtClean="0"/>
+              <a:t> ». Il faut donc utiliser des logiciels spécifiques.</a:t>
+            </a:r>
+          </a:p>
+          <a:p>
+            <a:pPr lvl="1"/>
             <a:endParaRPr lang="fr-FR" dirty="0"/>
           </a:p>
-        </p:txBody>
-      </p:sp>
-      <p:sp>
-        <p:nvSpPr>
-          <p:cNvPr id="3" name="Espace réservé du contenu 2"/>
-          <p:cNvSpPr>
-            <a:spLocks noGrp="1"/>
-          </p:cNvSpPr>
-          <p:nvPr>
-            <p:ph sz="quarter" idx="1"/>
-          </p:nvPr>
-        </p:nvSpPr>
-        <p:spPr/>
-        <p:txBody>
-          <a:bodyPr/>
-          <a:lstStyle/>
-          <a:p>
-            <a:endParaRPr lang="fr-FR"/>
+          <a:p>
+            <a:r>
+              <a:rPr lang="fr-FR" dirty="0" smtClean="0"/>
+              <a:t>Problèmes pour l’enseignant</a:t>
+            </a:r>
+          </a:p>
+          <a:p>
+            <a:pPr lvl="1"/>
+            <a:r>
+              <a:rPr lang="fr-FR" dirty="0" smtClean="0"/>
+              <a:t>Ne maitrisant pas les lois comportementales de tous les champs de la physique, comment modéliser de façon juste un système ?</a:t>
+            </a:r>
+          </a:p>
+          <a:p>
+            <a:pPr lvl="1"/>
+            <a:endParaRPr lang="fr-FR" dirty="0"/>
+          </a:p>
+          <a:p>
+            <a:r>
+              <a:rPr lang="fr-FR" dirty="0" smtClean="0"/>
+              <a:t>Problèmes de l’élève</a:t>
+            </a:r>
+          </a:p>
+          <a:p>
+            <a:pPr lvl="1"/>
+            <a:r>
+              <a:rPr lang="fr-FR" dirty="0" smtClean="0"/>
+              <a:t>Qu’est-ce que l’élève doit savoir ?</a:t>
+            </a:r>
+          </a:p>
+          <a:p>
+            <a:pPr lvl="1"/>
+            <a:r>
+              <a:rPr lang="fr-FR" dirty="0" smtClean="0"/>
+              <a:t>Qu’est-ce que l’élève doit savoir-faire ?</a:t>
+            </a:r>
+            <a:endParaRPr lang="fr-FR" dirty="0"/>
           </a:p>
         </p:txBody>
       </p:sp>
@@ -7815,7 +9666,7 @@
     </p:spTree>
     <p:extLst>
       <p:ext uri="{BB962C8B-B14F-4D97-AF65-F5344CB8AC3E}">
-        <p14:creationId xmlns:p14="http://schemas.microsoft.com/office/powerpoint/2010/main" val="2499627110"/>
+        <p14:creationId xmlns:p14="http://schemas.microsoft.com/office/powerpoint/2010/main" val="4081467805"/>
       </p:ext>
     </p:extLst>
   </p:cSld>
@@ -7854,32 +9705,71 @@
         </p:nvSpPr>
         <p:spPr/>
         <p:txBody>
+          <a:bodyPr>
+            <a:noAutofit/>
+          </a:bodyPr>
+          <a:lstStyle/>
+          <a:p>
+            <a:r>
+              <a:rPr lang="fr-FR" sz="2400" dirty="0"/>
+              <a:t>Modélisation </a:t>
+            </a:r>
+            <a:r>
+              <a:rPr lang="fr-FR" sz="2400" dirty="0" err="1"/>
+              <a:t>multiphysique</a:t>
+            </a:r>
+            <a:r>
+              <a:rPr lang="fr-FR" sz="2400" dirty="0"/>
+              <a:t/>
+            </a:r>
+            <a:br>
+              <a:rPr lang="fr-FR" sz="2400" dirty="0"/>
+            </a:br>
+            <a:r>
+              <a:rPr lang="fr-FR" sz="2400" dirty="0" smtClean="0"/>
+              <a:t>Modélisation Causale/ Modélisation Acausale</a:t>
+            </a:r>
+            <a:endParaRPr lang="fr-FR" sz="2400" dirty="0"/>
+          </a:p>
+        </p:txBody>
+      </p:sp>
+      <p:sp>
+        <p:nvSpPr>
+          <p:cNvPr id="3" name="Espace réservé du contenu 2"/>
+          <p:cNvSpPr>
+            <a:spLocks noGrp="1"/>
+          </p:cNvSpPr>
+          <p:nvPr>
+            <p:ph sz="quarter" idx="1"/>
+          </p:nvPr>
+        </p:nvSpPr>
+        <p:spPr/>
+        <p:txBody>
           <a:bodyPr/>
           <a:lstStyle/>
           <a:p>
             <a:r>
               <a:rPr lang="fr-FR" dirty="0" smtClean="0"/>
-              <a:t>Modélisation d’un système électrique</a:t>
-            </a:r>
+              <a:t>Dans le cadre de nos activités, on distingue la modélisation causale et acausale.</a:t>
+            </a:r>
+          </a:p>
+          <a:p>
             <a:endParaRPr lang="fr-FR" dirty="0"/>
           </a:p>
-        </p:txBody>
-      </p:sp>
-      <p:sp>
-        <p:nvSpPr>
-          <p:cNvPr id="3" name="Espace réservé du contenu 2"/>
-          <p:cNvSpPr>
-            <a:spLocks noGrp="1"/>
-          </p:cNvSpPr>
-          <p:nvPr>
-            <p:ph sz="quarter" idx="1"/>
-          </p:nvPr>
-        </p:nvSpPr>
-        <p:spPr/>
-        <p:txBody>
-          <a:bodyPr/>
-          <a:lstStyle/>
-          <a:p>
+          <a:p>
+            <a:r>
+              <a:rPr lang="fr-FR" dirty="0" smtClean="0"/>
+              <a:t>Les modèles causaux reposent sur une modélisation des systèmes par transformée de Laplace. Les simulations peuvent se faire par la « manipulation » de fonctions rationnelles.</a:t>
+            </a:r>
+          </a:p>
+          <a:p>
+            <a:endParaRPr lang="fr-FR" dirty="0"/>
+          </a:p>
+          <a:p>
+            <a:r>
+              <a:rPr lang="fr-FR" dirty="0" smtClean="0"/>
+              <a:t>Les modèles acausaux reposent sur une modélisation des systèmes par des équations différentielles (sans transformation dans le domaine de Laplace). Les simulations sont réalisée par une résolution numérique des équations différentielles.</a:t>
+            </a:r>
             <a:endParaRPr lang="fr-FR" dirty="0"/>
           </a:p>
         </p:txBody>
@@ -7907,74 +9797,10 @@
           </a:p>
         </p:txBody>
       </p:sp>
-      <p:pic>
-        <p:nvPicPr>
-          <p:cNvPr id="1026" name="Picture 2"/>
-          <p:cNvPicPr>
-            <a:picLocks noChangeAspect="1" noChangeArrowheads="1"/>
-          </p:cNvPicPr>
-          <p:nvPr/>
-        </p:nvPicPr>
-        <p:blipFill>
-          <a:blip r:embed="rId2">
-            <a:extLst>
-              <a:ext uri="{28A0092B-C50C-407E-A947-70E740481C1C}">
-                <a14:useLocalDpi xmlns:a14="http://schemas.microsoft.com/office/drawing/2010/main" val="0"/>
-              </a:ext>
-            </a:extLst>
-          </a:blip>
-          <a:srcRect/>
-          <a:stretch>
-            <a:fillRect/>
-          </a:stretch>
-        </p:blipFill>
-        <p:spPr bwMode="auto">
-          <a:xfrm>
-            <a:off x="4932040" y="1340768"/>
-            <a:ext cx="3248025" cy="2009775"/>
-          </a:xfrm>
-          <a:prstGeom prst="rect">
-            <a:avLst/>
-          </a:prstGeom>
-          <a:noFill/>
-          <a:ln>
-            <a:noFill/>
-          </a:ln>
-          <a:effectLst/>
-          <a:extLst>
-            <a:ext uri="{909E8E84-426E-40DD-AFC4-6F175D3DCCD1}">
-              <a14:hiddenFill xmlns:a14="http://schemas.microsoft.com/office/drawing/2010/main">
-                <a:solidFill>
-                  <a:schemeClr val="accent1"/>
-                </a:solidFill>
-              </a14:hiddenFill>
-            </a:ext>
-            <a:ext uri="{91240B29-F687-4F45-9708-019B960494DF}">
-              <a14:hiddenLine xmlns:a14="http://schemas.microsoft.com/office/drawing/2010/main" w="9525">
-                <a:solidFill>
-                  <a:schemeClr val="tx1"/>
-                </a:solidFill>
-                <a:miter lim="800000"/>
-                <a:headEnd/>
-                <a:tailEnd/>
-              </a14:hiddenLine>
-            </a:ext>
-            <a:ext uri="{AF507438-7753-43E0-B8FC-AC1667EBCBE1}">
-              <a14:hiddenEffects xmlns:a14="http://schemas.microsoft.com/office/drawing/2010/main">
-                <a:effectLst>
-                  <a:outerShdw dist="35921" dir="2700000" algn="ctr" rotWithShape="0">
-                    <a:schemeClr val="bg2"/>
-                  </a:outerShdw>
-                </a:effectLst>
-              </a14:hiddenEffects>
-            </a:ext>
-          </a:extLst>
-        </p:spPr>
-      </p:pic>
     </p:spTree>
     <p:extLst>
       <p:ext uri="{BB962C8B-B14F-4D97-AF65-F5344CB8AC3E}">
-        <p14:creationId xmlns:p14="http://schemas.microsoft.com/office/powerpoint/2010/main" val="1668926440"/>
+        <p14:creationId xmlns:p14="http://schemas.microsoft.com/office/powerpoint/2010/main" val="3594615262"/>
       </p:ext>
     </p:extLst>
   </p:cSld>
@@ -8014,38 +9840,52 @@
         <p:spPr/>
         <p:txBody>
           <a:bodyPr>
-            <a:normAutofit fontScale="90000"/>
+            <a:noAutofit/>
           </a:bodyPr>
           <a:lstStyle/>
           <a:p>
             <a:r>
-              <a:rPr lang="fr-FR" dirty="0" smtClean="0"/>
-              <a:t>Modélisation d’un système </a:t>
-            </a:r>
-            <a:r>
-              <a:rPr lang="fr-FR" dirty="0" err="1" smtClean="0"/>
+              <a:rPr lang="fr-FR" sz="2400" dirty="0"/>
+              <a:t>Modélisation </a:t>
+            </a:r>
+            <a:r>
+              <a:rPr lang="fr-FR" sz="2400" dirty="0" err="1"/>
               <a:t>multiphysique</a:t>
             </a:r>
+            <a:r>
+              <a:rPr lang="fr-FR" sz="2400" dirty="0"/>
+              <a:t/>
+            </a:r>
+            <a:br>
+              <a:rPr lang="fr-FR" sz="2400" dirty="0"/>
+            </a:br>
+            <a:r>
+              <a:rPr lang="fr-FR" sz="2400" dirty="0"/>
+              <a:t>Modélisation Causale/ Modélisation Acausale</a:t>
+            </a:r>
+          </a:p>
+        </p:txBody>
+      </p:sp>
+      <p:sp>
+        <p:nvSpPr>
+          <p:cNvPr id="3" name="Espace réservé du contenu 2"/>
+          <p:cNvSpPr>
+            <a:spLocks noGrp="1"/>
+          </p:cNvSpPr>
+          <p:nvPr>
+            <p:ph sz="quarter" idx="1"/>
+          </p:nvPr>
+        </p:nvSpPr>
+        <p:spPr/>
+        <p:txBody>
+          <a:bodyPr/>
+          <a:lstStyle/>
+          <a:p>
+            <a:r>
+              <a:rPr lang="fr-FR" dirty="0" smtClean="0"/>
+              <a:t>Représentation graphique de modèles causaux et acausaux</a:t>
+            </a:r>
             <a:endParaRPr lang="fr-FR" dirty="0"/>
-          </a:p>
-        </p:txBody>
-      </p:sp>
-      <p:sp>
-        <p:nvSpPr>
-          <p:cNvPr id="3" name="Espace réservé du contenu 2"/>
-          <p:cNvSpPr>
-            <a:spLocks noGrp="1"/>
-          </p:cNvSpPr>
-          <p:nvPr>
-            <p:ph sz="quarter" idx="1"/>
-          </p:nvPr>
-        </p:nvSpPr>
-        <p:spPr/>
-        <p:txBody>
-          <a:bodyPr/>
-          <a:lstStyle/>
-          <a:p>
-            <a:endParaRPr lang="fr-FR"/>
           </a:p>
         </p:txBody>
       </p:sp>
@@ -8075,7 +9915,7 @@
     </p:spTree>
     <p:extLst>
       <p:ext uri="{BB962C8B-B14F-4D97-AF65-F5344CB8AC3E}">
-        <p14:creationId xmlns:p14="http://schemas.microsoft.com/office/powerpoint/2010/main" val="1827117536"/>
+        <p14:creationId xmlns:p14="http://schemas.microsoft.com/office/powerpoint/2010/main" val="386149566"/>
       </p:ext>
     </p:extLst>
   </p:cSld>
@@ -8104,7 +9944,7 @@
       </p:grpSpPr>
       <p:sp>
         <p:nvSpPr>
-          <p:cNvPr id="2" name="Titre 1"/>
+          <p:cNvPr id="4" name="Titre 3"/>
           <p:cNvSpPr>
             <a:spLocks noGrp="1"/>
           </p:cNvSpPr>
@@ -8114,18 +9954,36 @@
         </p:nvSpPr>
         <p:spPr/>
         <p:txBody>
-          <a:bodyPr>
-            <a:normAutofit fontScale="90000"/>
-          </a:bodyPr>
-          <a:lstStyle/>
-          <a:p>
-            <a:r>
-              <a:rPr lang="fr-FR" dirty="0" smtClean="0"/>
-              <a:t>Modélisation d’un système </a:t>
-            </a:r>
+          <a:bodyPr/>
+          <a:lstStyle/>
+          <a:p>
             <a:r>
               <a:rPr lang="fr-FR" dirty="0" err="1" smtClean="0"/>
-              <a:t>multiphysique</a:t>
+              <a:t>Scilab</a:t>
+            </a:r>
+            <a:r>
+              <a:rPr lang="fr-FR" dirty="0" smtClean="0"/>
+              <a:t>, </a:t>
+            </a:r>
+            <a:r>
+              <a:rPr lang="fr-FR" dirty="0" err="1" smtClean="0"/>
+              <a:t>Matlab</a:t>
+            </a:r>
+            <a:r>
+              <a:rPr lang="fr-FR" dirty="0" smtClean="0"/>
+              <a:t>, Simulink, </a:t>
+            </a:r>
+            <a:r>
+              <a:rPr lang="fr-FR" dirty="0" err="1" smtClean="0"/>
+              <a:t>Xcos</a:t>
+            </a:r>
+            <a:r>
+              <a:rPr lang="fr-FR" dirty="0" smtClean="0"/>
+              <a:t>, </a:t>
+            </a:r>
+            <a:r>
+              <a:rPr lang="fr-FR" dirty="0" err="1" smtClean="0"/>
+              <a:t>Modelica</a:t>
             </a:r>
             <a:endParaRPr lang="fr-FR" dirty="0"/>
           </a:p>
@@ -8133,12 +9991,12 @@
       </p:sp>
       <p:sp>
         <p:nvSpPr>
-          <p:cNvPr id="3" name="Espace réservé du contenu 2"/>
-          <p:cNvSpPr>
-            <a:spLocks noGrp="1"/>
-          </p:cNvSpPr>
-          <p:nvPr>
-            <p:ph sz="quarter" idx="1"/>
+          <p:cNvPr id="5" name="Espace réservé du texte 4"/>
+          <p:cNvSpPr>
+            <a:spLocks noGrp="1"/>
+          </p:cNvSpPr>
+          <p:nvPr>
+            <p:ph type="body" idx="1"/>
           </p:nvPr>
         </p:nvSpPr>
         <p:spPr/>
@@ -8146,18 +10004,22 @@
           <a:bodyPr/>
           <a:lstStyle/>
           <a:p>
-            <a:endParaRPr lang="fr-FR"/>
-          </a:p>
-        </p:txBody>
-      </p:sp>
-      <p:sp>
-        <p:nvSpPr>
-          <p:cNvPr id="4" name="Espace réservé du numéro de diapositive 3"/>
-          <p:cNvSpPr>
-            <a:spLocks noGrp="1"/>
-          </p:cNvSpPr>
-          <p:nvPr>
-            <p:ph type="sldNum" sz="quarter" idx="15"/>
+            <a:r>
+              <a:rPr lang="fr-FR" dirty="0" smtClean="0"/>
+              <a:t>Qu’est ce que c’est tout ça ?</a:t>
+            </a:r>
+            <a:endParaRPr lang="fr-FR" dirty="0"/>
+          </a:p>
+        </p:txBody>
+      </p:sp>
+      <p:sp>
+        <p:nvSpPr>
+          <p:cNvPr id="6" name="Espace réservé du numéro de diapositive 5"/>
+          <p:cNvSpPr>
+            <a:spLocks noGrp="1"/>
+          </p:cNvSpPr>
+          <p:nvPr>
+            <p:ph type="sldNum" sz="quarter" idx="12"/>
           </p:nvPr>
         </p:nvSpPr>
         <p:spPr/>
@@ -8176,7 +10038,7 @@
     </p:spTree>
     <p:extLst>
       <p:ext uri="{BB962C8B-B14F-4D97-AF65-F5344CB8AC3E}">
-        <p14:creationId xmlns:p14="http://schemas.microsoft.com/office/powerpoint/2010/main" val="241906218"/>
+        <p14:creationId xmlns:p14="http://schemas.microsoft.com/office/powerpoint/2010/main" val="3489141374"/>
       </p:ext>
     </p:extLst>
   </p:cSld>

--- a/ModelisationMultiphysique/ModelisationMultiphysique.pptx
+++ b/ModelisationMultiphysique/ModelisationMultiphysique.pptx
@@ -5,33 +5,34 @@
     <p:sldMasterId id="2147483804" r:id="rId1"/>
   </p:sldMasterIdLst>
   <p:notesMasterIdLst>
-    <p:notesMasterId r:id="rId26"/>
+    <p:notesMasterId r:id="rId27"/>
   </p:notesMasterIdLst>
   <p:sldIdLst>
     <p:sldId id="256" r:id="rId2"/>
-    <p:sldId id="257" r:id="rId3"/>
-    <p:sldId id="263" r:id="rId4"/>
-    <p:sldId id="272" r:id="rId5"/>
-    <p:sldId id="273" r:id="rId6"/>
-    <p:sldId id="274" r:id="rId7"/>
-    <p:sldId id="276" r:id="rId8"/>
-    <p:sldId id="277" r:id="rId9"/>
-    <p:sldId id="271" r:id="rId10"/>
-    <p:sldId id="278" r:id="rId11"/>
-    <p:sldId id="279" r:id="rId12"/>
-    <p:sldId id="275" r:id="rId13"/>
-    <p:sldId id="259" r:id="rId14"/>
-    <p:sldId id="260" r:id="rId15"/>
-    <p:sldId id="261" r:id="rId16"/>
-    <p:sldId id="280" r:id="rId17"/>
-    <p:sldId id="262" r:id="rId18"/>
-    <p:sldId id="265" r:id="rId19"/>
-    <p:sldId id="267" r:id="rId20"/>
-    <p:sldId id="268" r:id="rId21"/>
-    <p:sldId id="269" r:id="rId22"/>
-    <p:sldId id="270" r:id="rId23"/>
-    <p:sldId id="264" r:id="rId24"/>
-    <p:sldId id="266" r:id="rId25"/>
+    <p:sldId id="282" r:id="rId3"/>
+    <p:sldId id="281" r:id="rId4"/>
+    <p:sldId id="263" r:id="rId5"/>
+    <p:sldId id="272" r:id="rId6"/>
+    <p:sldId id="273" r:id="rId7"/>
+    <p:sldId id="274" r:id="rId8"/>
+    <p:sldId id="276" r:id="rId9"/>
+    <p:sldId id="277" r:id="rId10"/>
+    <p:sldId id="271" r:id="rId11"/>
+    <p:sldId id="278" r:id="rId12"/>
+    <p:sldId id="279" r:id="rId13"/>
+    <p:sldId id="275" r:id="rId14"/>
+    <p:sldId id="259" r:id="rId15"/>
+    <p:sldId id="260" r:id="rId16"/>
+    <p:sldId id="261" r:id="rId17"/>
+    <p:sldId id="280" r:id="rId18"/>
+    <p:sldId id="262" r:id="rId19"/>
+    <p:sldId id="265" r:id="rId20"/>
+    <p:sldId id="267" r:id="rId21"/>
+    <p:sldId id="268" r:id="rId22"/>
+    <p:sldId id="269" r:id="rId23"/>
+    <p:sldId id="270" r:id="rId24"/>
+    <p:sldId id="264" r:id="rId25"/>
+    <p:sldId id="266" r:id="rId26"/>
   </p:sldIdLst>
   <p:sldSz cx="9144000" cy="6858000" type="screen4x3"/>
   <p:notesSz cx="6858000" cy="9144000"/>
@@ -215,7 +216,7 @@
           <a:p>
             <a:fld id="{39C4ABE7-6968-4EF3-8008-B142D354329E}" type="datetimeFigureOut">
               <a:rPr lang="fr-FR" smtClean="0"/>
-              <a:t>17/01/2014</a:t>
+              <a:t>29/01/2014</a:t>
             </a:fld>
             <a:endParaRPr lang="fr-FR"/>
           </a:p>
@@ -620,7 +621,7 @@
           <a:p>
             <a:fld id="{B4549172-3FEE-47D0-BB65-1A18684F7B98}" type="datetime1">
               <a:rPr lang="fr-FR" smtClean="0"/>
-              <a:t>17/01/2014</a:t>
+              <a:t>29/01/2014</a:t>
             </a:fld>
             <a:endParaRPr lang="fr-FR"/>
           </a:p>
@@ -1489,7 +1490,7 @@
           <a:p>
             <a:fld id="{0688EC1D-1471-4698-BCB8-4CF0BC090325}" type="datetime1">
               <a:rPr lang="fr-FR" smtClean="0"/>
-              <a:t>17/01/2014</a:t>
+              <a:t>29/01/2014</a:t>
             </a:fld>
             <a:endParaRPr lang="fr-FR"/>
           </a:p>
@@ -1664,7 +1665,7 @@
           <a:p>
             <a:fld id="{34F453BD-45AF-4B4E-99AC-6020FBB0AF33}" type="datetime1">
               <a:rPr lang="fr-FR" smtClean="0"/>
-              <a:t>17/01/2014</a:t>
+              <a:t>29/01/2014</a:t>
             </a:fld>
             <a:endParaRPr lang="fr-FR"/>
           </a:p>
@@ -1834,7 +1835,7 @@
           <a:p>
             <a:fld id="{FEB61240-9CB5-48EB-BBA6-3C19629F7658}" type="datetime1">
               <a:rPr lang="fr-FR" smtClean="0"/>
-              <a:t>17/01/2014</a:t>
+              <a:t>29/01/2014</a:t>
             </a:fld>
             <a:endParaRPr lang="fr-FR"/>
           </a:p>
@@ -2044,7 +2045,7 @@
           <a:p>
             <a:fld id="{2BAACD1D-30C3-476D-A850-5E16ED207568}" type="datetime1">
               <a:rPr lang="fr-FR" smtClean="0"/>
-              <a:t>17/01/2014</a:t>
+              <a:t>29/01/2014</a:t>
             </a:fld>
             <a:endParaRPr lang="fr-FR"/>
           </a:p>
@@ -2858,7 +2859,7 @@
           <a:p>
             <a:fld id="{B9694703-0C5B-4AFF-B4BE-E07D7CDC5B14}" type="datetime1">
               <a:rPr lang="fr-FR" smtClean="0"/>
-              <a:t>17/01/2014</a:t>
+              <a:t>29/01/2014</a:t>
             </a:fld>
             <a:endParaRPr lang="fr-FR"/>
           </a:p>
@@ -3094,7 +3095,7 @@
           <a:p>
             <a:fld id="{37245C4D-23E6-48C4-9F30-3F474E6D101F}" type="datetime1">
               <a:rPr lang="fr-FR" smtClean="0"/>
-              <a:t>17/01/2014</a:t>
+              <a:t>29/01/2014</a:t>
             </a:fld>
             <a:endParaRPr lang="fr-FR"/>
           </a:p>
@@ -3417,7 +3418,7 @@
           <a:p>
             <a:fld id="{A3E5E471-8E97-4CF8-A94F-AB51374CF764}" type="datetime1">
               <a:rPr lang="fr-FR" smtClean="0"/>
-              <a:t>17/01/2014</a:t>
+              <a:t>29/01/2014</a:t>
             </a:fld>
             <a:endParaRPr lang="fr-FR"/>
           </a:p>
@@ -3507,7 +3508,7 @@
           <a:p>
             <a:fld id="{6A8C3648-6B48-4061-B02D-C97909C99497}" type="datetime1">
               <a:rPr lang="fr-FR" smtClean="0"/>
-              <a:t>17/01/2014</a:t>
+              <a:t>29/01/2014</a:t>
             </a:fld>
             <a:endParaRPr lang="fr-FR"/>
           </a:p>
@@ -4024,7 +4025,7 @@
           <a:p>
             <a:fld id="{B2A6E1C4-077A-4686-B4A8-84EDB76D0538}" type="datetime1">
               <a:rPr lang="fr-FR" smtClean="0"/>
-              <a:t>17/01/2014</a:t>
+              <a:t>29/01/2014</a:t>
             </a:fld>
             <a:endParaRPr lang="fr-FR"/>
           </a:p>
@@ -4535,7 +4536,7 @@
           <a:p>
             <a:fld id="{B2A3A41F-5CC8-4B2F-A21F-2E1DB772744F}" type="datetime1">
               <a:rPr lang="fr-FR" smtClean="0"/>
-              <a:t>17/01/2014</a:t>
+              <a:t>29/01/2014</a:t>
             </a:fld>
             <a:endParaRPr lang="fr-FR"/>
           </a:p>
@@ -4780,7 +4781,7 @@
           <a:p>
             <a:fld id="{85C30354-83D0-4C08-BE63-E487BB73E13E}" type="datetime1">
               <a:rPr lang="fr-FR" smtClean="0"/>
-              <a:t>17/01/2014</a:t>
+              <a:t>29/01/2014</a:t>
             </a:fld>
             <a:endParaRPr lang="fr-FR"/>
           </a:p>
@@ -5516,7 +5517,7 @@
       </p:grpSpPr>
       <p:sp>
         <p:nvSpPr>
-          <p:cNvPr id="5" name="Titre 4"/>
+          <p:cNvPr id="4" name="Titre 3"/>
           <p:cNvSpPr>
             <a:spLocks noGrp="1"/>
           </p:cNvSpPr>
@@ -5530,31 +5531,12 @@
           <a:lstStyle/>
           <a:p>
             <a:r>
-              <a:rPr lang="fr-FR" dirty="0" smtClean="0"/>
-              <a:t>Les logiciels de calcul numérique</a:t>
-            </a:r>
-            <a:endParaRPr lang="fr-FR" dirty="0"/>
-          </a:p>
-        </p:txBody>
-      </p:sp>
-      <p:sp>
-        <p:nvSpPr>
-          <p:cNvPr id="6" name="Espace réservé du contenu 5"/>
-          <p:cNvSpPr>
-            <a:spLocks noGrp="1"/>
-          </p:cNvSpPr>
-          <p:nvPr>
-            <p:ph sz="quarter" idx="1"/>
-          </p:nvPr>
-        </p:nvSpPr>
-        <p:spPr/>
-        <p:txBody>
-          <a:bodyPr/>
-          <a:lstStyle/>
-          <a:p>
-            <a:r>
-              <a:rPr lang="fr-FR" dirty="0" smtClean="0"/>
-              <a:t>Parmi les logiciels de simulation numérique utilisés dans la recherche ou dans l’industrie on trouve </a:t>
+              <a:rPr lang="fr-FR" dirty="0" err="1" smtClean="0"/>
+              <a:t>Scilab</a:t>
+            </a:r>
+            <a:r>
+              <a:rPr lang="fr-FR" dirty="0" smtClean="0"/>
+              <a:t>, </a:t>
             </a:r>
             <a:r>
               <a:rPr lang="fr-FR" dirty="0" err="1" smtClean="0"/>
@@ -5562,44 +5544,7 @@
             </a:r>
             <a:r>
               <a:rPr lang="fr-FR" dirty="0" smtClean="0"/>
-              <a:t> et </a:t>
-            </a:r>
-            <a:r>
-              <a:rPr lang="fr-FR" dirty="0" err="1" smtClean="0"/>
-              <a:t>Scilab</a:t>
-            </a:r>
-            <a:r>
-              <a:rPr lang="fr-FR" dirty="0" smtClean="0"/>
-              <a:t>.</a:t>
-            </a:r>
-          </a:p>
-          <a:p>
-            <a:pPr lvl="1"/>
-            <a:r>
-              <a:rPr lang="fr-FR" dirty="0" err="1" smtClean="0"/>
-              <a:t>Matlab</a:t>
-            </a:r>
-            <a:r>
-              <a:rPr lang="fr-FR" dirty="0"/>
-              <a:t> </a:t>
-            </a:r>
-            <a:r>
-              <a:rPr lang="fr-FR" dirty="0" smtClean="0"/>
-              <a:t>et </a:t>
-            </a:r>
-            <a:r>
-              <a:rPr lang="fr-FR" dirty="0" err="1" smtClean="0"/>
-              <a:t>Scilab</a:t>
-            </a:r>
-            <a:r>
-              <a:rPr lang="fr-FR" dirty="0" smtClean="0"/>
-              <a:t> sont des logiciels de calcul numériques. Ils possèdent un langage de programmation (haut niveau) permettant (entre autre) de manipuler aisément des matrices et d’afficher des courbes de résultats.</a:t>
-            </a:r>
-          </a:p>
-          <a:p>
-            <a:r>
-              <a:rPr lang="fr-FR" dirty="0" smtClean="0"/>
-              <a:t>Simulink et </a:t>
+              <a:t>, Simulink, </a:t>
             </a:r>
             <a:r>
               <a:rPr lang="fr-FR" dirty="0" err="1" smtClean="0"/>
@@ -5607,40 +5552,47 @@
             </a:r>
             <a:r>
               <a:rPr lang="fr-FR" dirty="0" smtClean="0"/>
-              <a:t> sont des modules respectifs de </a:t>
+              <a:t>, </a:t>
             </a:r>
             <a:r>
               <a:rPr lang="fr-FR" dirty="0" err="1" smtClean="0"/>
-              <a:t>Matlab</a:t>
-            </a:r>
-            <a:r>
-              <a:rPr lang="fr-FR" dirty="0" smtClean="0"/>
-              <a:t> et </a:t>
-            </a:r>
-            <a:r>
-              <a:rPr lang="fr-FR" dirty="0" err="1" smtClean="0"/>
-              <a:t>Scilab</a:t>
-            </a:r>
-            <a:r>
-              <a:rPr lang="fr-FR" dirty="0" smtClean="0"/>
-              <a:t> permettant de réaliser des modélisations graphiques de systèmes </a:t>
-            </a:r>
-            <a:r>
-              <a:rPr lang="fr-FR" dirty="0" err="1" smtClean="0"/>
-              <a:t>multiphysiques</a:t>
-            </a:r>
-            <a:endParaRPr lang="fr-FR" dirty="0" smtClean="0"/>
-          </a:p>
-        </p:txBody>
-      </p:sp>
-      <p:sp>
-        <p:nvSpPr>
-          <p:cNvPr id="4" name="Espace réservé du numéro de diapositive 3"/>
-          <p:cNvSpPr>
-            <a:spLocks noGrp="1"/>
-          </p:cNvSpPr>
-          <p:nvPr>
-            <p:ph type="sldNum" sz="quarter" idx="15"/>
+              <a:t>Modelica</a:t>
+            </a:r>
+            <a:endParaRPr lang="fr-FR" dirty="0"/>
+          </a:p>
+        </p:txBody>
+      </p:sp>
+      <p:sp>
+        <p:nvSpPr>
+          <p:cNvPr id="5" name="Espace réservé du texte 4"/>
+          <p:cNvSpPr>
+            <a:spLocks noGrp="1"/>
+          </p:cNvSpPr>
+          <p:nvPr>
+            <p:ph type="body" idx="1"/>
+          </p:nvPr>
+        </p:nvSpPr>
+        <p:spPr/>
+        <p:txBody>
+          <a:bodyPr/>
+          <a:lstStyle/>
+          <a:p>
+            <a:r>
+              <a:rPr lang="fr-FR" dirty="0" smtClean="0"/>
+              <a:t>Qu’est ce que c’est tout ça ?</a:t>
+            </a:r>
+            <a:endParaRPr lang="fr-FR" dirty="0"/>
+          </a:p>
+        </p:txBody>
+      </p:sp>
+      <p:sp>
+        <p:nvSpPr>
+          <p:cNvPr id="6" name="Espace réservé du numéro de diapositive 5"/>
+          <p:cNvSpPr>
+            <a:spLocks noGrp="1"/>
+          </p:cNvSpPr>
+          <p:nvPr>
+            <p:ph type="sldNum" sz="quarter" idx="12"/>
           </p:nvPr>
         </p:nvSpPr>
         <p:spPr/>
@@ -5651,6 +5603,178 @@
             <a:fld id="{136A7F36-7A21-4EA8-9DC2-F00219448035}" type="slidenum">
               <a:rPr lang="fr-FR" smtClean="0"/>
               <a:t>10</a:t>
+            </a:fld>
+            <a:endParaRPr lang="fr-FR"/>
+          </a:p>
+        </p:txBody>
+      </p:sp>
+    </p:spTree>
+    <p:extLst>
+      <p:ext uri="{BB962C8B-B14F-4D97-AF65-F5344CB8AC3E}">
+        <p14:creationId xmlns:p14="http://schemas.microsoft.com/office/powerpoint/2010/main" val="3489141374"/>
+      </p:ext>
+    </p:extLst>
+  </p:cSld>
+  <p:clrMapOvr>
+    <a:masterClrMapping/>
+  </p:clrMapOvr>
+</p:sld>
+</file>
+
+<file path=ppt/slides/slide11.xml><?xml version="1.0" encoding="utf-8"?>
+<p:sld xmlns:a="http://schemas.openxmlformats.org/drawingml/2006/main" xmlns:r="http://schemas.openxmlformats.org/officeDocument/2006/relationships" xmlns:p="http://schemas.openxmlformats.org/presentationml/2006/main">
+  <p:cSld>
+    <p:spTree>
+      <p:nvGrpSpPr>
+        <p:cNvPr id="1" name=""/>
+        <p:cNvGrpSpPr/>
+        <p:nvPr/>
+      </p:nvGrpSpPr>
+      <p:grpSpPr>
+        <a:xfrm>
+          <a:off x="0" y="0"/>
+          <a:ext cx="0" cy="0"/>
+          <a:chOff x="0" y="0"/>
+          <a:chExt cx="0" cy="0"/>
+        </a:xfrm>
+      </p:grpSpPr>
+      <p:sp>
+        <p:nvSpPr>
+          <p:cNvPr id="5" name="Titre 4"/>
+          <p:cNvSpPr>
+            <a:spLocks noGrp="1"/>
+          </p:cNvSpPr>
+          <p:nvPr>
+            <p:ph type="title"/>
+          </p:nvPr>
+        </p:nvSpPr>
+        <p:spPr/>
+        <p:txBody>
+          <a:bodyPr/>
+          <a:lstStyle/>
+          <a:p>
+            <a:r>
+              <a:rPr lang="fr-FR" dirty="0" smtClean="0"/>
+              <a:t>Les logiciels de calcul numérique</a:t>
+            </a:r>
+            <a:endParaRPr lang="fr-FR" dirty="0"/>
+          </a:p>
+        </p:txBody>
+      </p:sp>
+      <p:sp>
+        <p:nvSpPr>
+          <p:cNvPr id="6" name="Espace réservé du contenu 5"/>
+          <p:cNvSpPr>
+            <a:spLocks noGrp="1"/>
+          </p:cNvSpPr>
+          <p:nvPr>
+            <p:ph sz="quarter" idx="1"/>
+          </p:nvPr>
+        </p:nvSpPr>
+        <p:spPr/>
+        <p:txBody>
+          <a:bodyPr/>
+          <a:lstStyle/>
+          <a:p>
+            <a:r>
+              <a:rPr lang="fr-FR" dirty="0" smtClean="0"/>
+              <a:t>Parmi les logiciels de simulation numérique utilisés dans la recherche ou dans l’industrie on trouve </a:t>
+            </a:r>
+            <a:r>
+              <a:rPr lang="fr-FR" dirty="0" err="1" smtClean="0"/>
+              <a:t>Matlab</a:t>
+            </a:r>
+            <a:r>
+              <a:rPr lang="fr-FR" dirty="0" smtClean="0"/>
+              <a:t> et </a:t>
+            </a:r>
+            <a:r>
+              <a:rPr lang="fr-FR" dirty="0" err="1" smtClean="0"/>
+              <a:t>Scilab</a:t>
+            </a:r>
+            <a:r>
+              <a:rPr lang="fr-FR" dirty="0" smtClean="0"/>
+              <a:t>.</a:t>
+            </a:r>
+          </a:p>
+          <a:p>
+            <a:pPr lvl="1"/>
+            <a:r>
+              <a:rPr lang="fr-FR" dirty="0" err="1" smtClean="0"/>
+              <a:t>Matlab</a:t>
+            </a:r>
+            <a:r>
+              <a:rPr lang="fr-FR" dirty="0"/>
+              <a:t> </a:t>
+            </a:r>
+            <a:r>
+              <a:rPr lang="fr-FR" dirty="0" smtClean="0"/>
+              <a:t>et </a:t>
+            </a:r>
+            <a:r>
+              <a:rPr lang="fr-FR" dirty="0" err="1" smtClean="0"/>
+              <a:t>Scilab</a:t>
+            </a:r>
+            <a:r>
+              <a:rPr lang="fr-FR" dirty="0" smtClean="0"/>
+              <a:t> sont des logiciels de calcul numériques. Ils possèdent un langage de programmation (haut niveau) permettant (entre autre) de manipuler aisément des matrices et d’afficher des courbes de résultats.</a:t>
+            </a:r>
+          </a:p>
+          <a:p>
+            <a:r>
+              <a:rPr lang="fr-FR" dirty="0" smtClean="0"/>
+              <a:t>Simulink et </a:t>
+            </a:r>
+            <a:r>
+              <a:rPr lang="fr-FR" dirty="0" err="1" smtClean="0"/>
+              <a:t>Xcos</a:t>
+            </a:r>
+            <a:r>
+              <a:rPr lang="fr-FR" dirty="0" smtClean="0"/>
+              <a:t> sont des modules respectifs de </a:t>
+            </a:r>
+            <a:r>
+              <a:rPr lang="fr-FR" dirty="0" err="1" smtClean="0"/>
+              <a:t>Matlab</a:t>
+            </a:r>
+            <a:r>
+              <a:rPr lang="fr-FR" dirty="0" smtClean="0"/>
+              <a:t> et </a:t>
+            </a:r>
+            <a:r>
+              <a:rPr lang="fr-FR" dirty="0" err="1" smtClean="0"/>
+              <a:t>Scilab</a:t>
+            </a:r>
+            <a:r>
+              <a:rPr lang="fr-FR" dirty="0" smtClean="0"/>
+              <a:t> permettant de réaliser des modélisations graphiques de systèmes </a:t>
+            </a:r>
+            <a:r>
+              <a:rPr lang="fr-FR" dirty="0" err="1" smtClean="0"/>
+              <a:t>multiphysiques</a:t>
+            </a:r>
+            <a:endParaRPr lang="fr-FR" dirty="0" smtClean="0"/>
+          </a:p>
+        </p:txBody>
+      </p:sp>
+      <p:sp>
+        <p:nvSpPr>
+          <p:cNvPr id="4" name="Espace réservé du numéro de diapositive 3"/>
+          <p:cNvSpPr>
+            <a:spLocks noGrp="1"/>
+          </p:cNvSpPr>
+          <p:nvPr>
+            <p:ph type="sldNum" sz="quarter" idx="15"/>
+          </p:nvPr>
+        </p:nvSpPr>
+        <p:spPr/>
+        <p:txBody>
+          <a:bodyPr/>
+          <a:lstStyle/>
+          <a:p>
+            <a:fld id="{136A7F36-7A21-4EA8-9DC2-F00219448035}" type="slidenum">
+              <a:rPr lang="fr-FR" smtClean="0"/>
+              <a:t>11</a:t>
             </a:fld>
             <a:endParaRPr lang="fr-FR"/>
           </a:p>
@@ -5739,7 +5863,7 @@
 </p:sld>
 </file>
 
-<file path=ppt/slides/slide11.xml><?xml version="1.0" encoding="utf-8"?>
+<file path=ppt/slides/slide12.xml><?xml version="1.0" encoding="utf-8"?>
 <p:sld xmlns:a="http://schemas.openxmlformats.org/drawingml/2006/main" xmlns:r="http://schemas.openxmlformats.org/officeDocument/2006/relationships" xmlns:p="http://schemas.openxmlformats.org/presentationml/2006/main">
   <p:cSld>
     <p:spTree>
@@ -5955,7 +6079,7 @@
           <a:p>
             <a:fld id="{136A7F36-7A21-4EA8-9DC2-F00219448035}" type="slidenum">
               <a:rPr lang="fr-FR" smtClean="0"/>
-              <a:t>11</a:t>
+              <a:t>12</a:t>
             </a:fld>
             <a:endParaRPr lang="fr-FR"/>
           </a:p>
@@ -5965,105 +6089,6 @@
     <p:extLst>
       <p:ext uri="{BB962C8B-B14F-4D97-AF65-F5344CB8AC3E}">
         <p14:creationId xmlns:p14="http://schemas.microsoft.com/office/powerpoint/2010/main" val="2674533744"/>
-      </p:ext>
-    </p:extLst>
-  </p:cSld>
-  <p:clrMapOvr>
-    <a:masterClrMapping/>
-  </p:clrMapOvr>
-</p:sld>
-</file>
-
-<file path=ppt/slides/slide12.xml><?xml version="1.0" encoding="utf-8"?>
-<p:sld xmlns:a="http://schemas.openxmlformats.org/drawingml/2006/main" xmlns:r="http://schemas.openxmlformats.org/officeDocument/2006/relationships" xmlns:p="http://schemas.openxmlformats.org/presentationml/2006/main">
-  <p:cSld>
-    <p:spTree>
-      <p:nvGrpSpPr>
-        <p:cNvPr id="1" name=""/>
-        <p:cNvGrpSpPr/>
-        <p:nvPr/>
-      </p:nvGrpSpPr>
-      <p:grpSpPr>
-        <a:xfrm>
-          <a:off x="0" y="0"/>
-          <a:ext cx="0" cy="0"/>
-          <a:chOff x="0" y="0"/>
-          <a:chExt cx="0" cy="0"/>
-        </a:xfrm>
-      </p:grpSpPr>
-      <p:sp>
-        <p:nvSpPr>
-          <p:cNvPr id="4" name="Titre 3"/>
-          <p:cNvSpPr>
-            <a:spLocks noGrp="1"/>
-          </p:cNvSpPr>
-          <p:nvPr>
-            <p:ph type="title"/>
-          </p:nvPr>
-        </p:nvSpPr>
-        <p:spPr/>
-        <p:txBody>
-          <a:bodyPr/>
-          <a:lstStyle/>
-          <a:p>
-            <a:r>
-              <a:rPr lang="fr-FR" dirty="0" smtClean="0"/>
-              <a:t>Modélisation des systèmes avec le module </a:t>
-            </a:r>
-            <a:r>
-              <a:rPr lang="fr-FR" dirty="0" err="1" smtClean="0"/>
-              <a:t>Coselica</a:t>
-            </a:r>
-            <a:endParaRPr lang="fr-FR" dirty="0"/>
-          </a:p>
-        </p:txBody>
-      </p:sp>
-      <p:sp>
-        <p:nvSpPr>
-          <p:cNvPr id="5" name="Espace réservé du texte 4"/>
-          <p:cNvSpPr>
-            <a:spLocks noGrp="1"/>
-          </p:cNvSpPr>
-          <p:nvPr>
-            <p:ph type="body" idx="1"/>
-          </p:nvPr>
-        </p:nvSpPr>
-        <p:spPr/>
-        <p:txBody>
-          <a:bodyPr/>
-          <a:lstStyle/>
-          <a:p>
-            <a:endParaRPr lang="fr-FR"/>
-          </a:p>
-        </p:txBody>
-      </p:sp>
-      <p:sp>
-        <p:nvSpPr>
-          <p:cNvPr id="6" name="Espace réservé du numéro de diapositive 5"/>
-          <p:cNvSpPr>
-            <a:spLocks noGrp="1"/>
-          </p:cNvSpPr>
-          <p:nvPr>
-            <p:ph type="sldNum" sz="quarter" idx="12"/>
-          </p:nvPr>
-        </p:nvSpPr>
-        <p:spPr/>
-        <p:txBody>
-          <a:bodyPr/>
-          <a:lstStyle/>
-          <a:p>
-            <a:fld id="{136A7F36-7A21-4EA8-9DC2-F00219448035}" type="slidenum">
-              <a:rPr lang="fr-FR" smtClean="0"/>
-              <a:t>12</a:t>
-            </a:fld>
-            <a:endParaRPr lang="fr-FR"/>
-          </a:p>
-        </p:txBody>
-      </p:sp>
-    </p:spTree>
-    <p:extLst>
-      <p:ext uri="{BB962C8B-B14F-4D97-AF65-F5344CB8AC3E}">
-        <p14:creationId xmlns:p14="http://schemas.microsoft.com/office/powerpoint/2010/main" val="3659242063"/>
       </p:ext>
     </p:extLst>
   </p:cSld>
@@ -6092,7 +6117,7 @@
       </p:grpSpPr>
       <p:sp>
         <p:nvSpPr>
-          <p:cNvPr id="2" name="Titre 1"/>
+          <p:cNvPr id="4" name="Titre 3"/>
           <p:cNvSpPr>
             <a:spLocks noGrp="1"/>
           </p:cNvSpPr>
@@ -6107,7 +6132,11 @@
           <a:p>
             <a:r>
               <a:rPr lang="fr-FR" dirty="0" smtClean="0"/>
-              <a:t>Connecteurs</a:t>
+              <a:t>Modélisation des systèmes avec le module </a:t>
+            </a:r>
+            <a:r>
+              <a:rPr lang="fr-FR" dirty="0" err="1" smtClean="0"/>
+              <a:t>Coselica</a:t>
             </a:r>
             <a:endParaRPr lang="fr-FR" dirty="0"/>
           </a:p>
@@ -6115,12 +6144,12 @@
       </p:sp>
       <p:sp>
         <p:nvSpPr>
-          <p:cNvPr id="3" name="Espace réservé du contenu 2"/>
-          <p:cNvSpPr>
-            <a:spLocks noGrp="1"/>
-          </p:cNvSpPr>
-          <p:nvPr>
-            <p:ph sz="quarter" idx="1"/>
+          <p:cNvPr id="5" name="Espace réservé du texte 4"/>
+          <p:cNvSpPr>
+            <a:spLocks noGrp="1"/>
+          </p:cNvSpPr>
+          <p:nvPr>
+            <p:ph type="body" idx="1"/>
           </p:nvPr>
         </p:nvSpPr>
         <p:spPr/>
@@ -6128,57 +6157,18 @@
           <a:bodyPr/>
           <a:lstStyle/>
           <a:p>
-            <a:r>
-              <a:rPr lang="fr-FR" dirty="0" smtClean="0"/>
-              <a:t>Triangle bleu : signal de données (sans dimension)</a:t>
-            </a:r>
-          </a:p>
-          <a:p>
-            <a:r>
-              <a:rPr lang="fr-FR" dirty="0" smtClean="0"/>
-              <a:t>Carré bleu : signal électrique</a:t>
-            </a:r>
-          </a:p>
-          <a:p>
-            <a:r>
-              <a:rPr lang="fr-FR" dirty="0" smtClean="0"/>
-              <a:t>Carré rouge : donnée thermique</a:t>
-            </a:r>
-          </a:p>
-          <a:p>
-            <a:r>
-              <a:rPr lang="fr-FR" dirty="0" smtClean="0"/>
-              <a:t>Carré vert : mécanique 1D en translation</a:t>
-            </a:r>
-          </a:p>
-          <a:p>
-            <a:r>
-              <a:rPr lang="fr-FR" dirty="0" smtClean="0"/>
-              <a:t>Rond gris : mécanique 1D en rotation</a:t>
-            </a:r>
-          </a:p>
-          <a:p>
-            <a:r>
-              <a:rPr lang="fr-FR" dirty="0" smtClean="0"/>
-              <a:t>Carré gris : mécanique 2D plane</a:t>
-            </a:r>
-          </a:p>
-          <a:p>
-            <a:endParaRPr lang="fr-FR" dirty="0" smtClean="0"/>
-          </a:p>
-          <a:p>
-            <a:endParaRPr lang="fr-FR" dirty="0"/>
-          </a:p>
-        </p:txBody>
-      </p:sp>
-      <p:sp>
-        <p:nvSpPr>
-          <p:cNvPr id="4" name="Espace réservé du numéro de diapositive 3"/>
-          <p:cNvSpPr>
-            <a:spLocks noGrp="1"/>
-          </p:cNvSpPr>
-          <p:nvPr>
-            <p:ph type="sldNum" sz="quarter" idx="15"/>
+            <a:endParaRPr lang="fr-FR"/>
+          </a:p>
+        </p:txBody>
+      </p:sp>
+      <p:sp>
+        <p:nvSpPr>
+          <p:cNvPr id="6" name="Espace réservé du numéro de diapositive 5"/>
+          <p:cNvSpPr>
+            <a:spLocks noGrp="1"/>
+          </p:cNvSpPr>
+          <p:nvPr>
+            <p:ph type="sldNum" sz="quarter" idx="12"/>
           </p:nvPr>
         </p:nvSpPr>
         <p:spPr/>
@@ -6197,7 +6187,7 @@
     </p:spTree>
     <p:extLst>
       <p:ext uri="{BB962C8B-B14F-4D97-AF65-F5344CB8AC3E}">
-        <p14:creationId xmlns:p14="http://schemas.microsoft.com/office/powerpoint/2010/main" val="398496562"/>
+        <p14:creationId xmlns:p14="http://schemas.microsoft.com/office/powerpoint/2010/main" val="3659242063"/>
       </p:ext>
     </p:extLst>
   </p:cSld>
@@ -6241,7 +6231,7 @@
           <a:p>
             <a:r>
               <a:rPr lang="fr-FR" dirty="0" smtClean="0"/>
-              <a:t>Modélisation d’un système mécanique</a:t>
+              <a:t>Connecteurs</a:t>
             </a:r>
             <a:endParaRPr lang="fr-FR" dirty="0"/>
           </a:p>
@@ -6262,7 +6252,46 @@
           <a:bodyPr/>
           <a:lstStyle/>
           <a:p>
-            <a:endParaRPr lang="fr-FR"/>
+            <a:r>
+              <a:rPr lang="fr-FR" dirty="0" smtClean="0"/>
+              <a:t>Triangle bleu : signal de données (sans dimension)</a:t>
+            </a:r>
+          </a:p>
+          <a:p>
+            <a:r>
+              <a:rPr lang="fr-FR" dirty="0" smtClean="0"/>
+              <a:t>Carré bleu : signal électrique</a:t>
+            </a:r>
+          </a:p>
+          <a:p>
+            <a:r>
+              <a:rPr lang="fr-FR" dirty="0" smtClean="0"/>
+              <a:t>Carré rouge : donnée thermique</a:t>
+            </a:r>
+          </a:p>
+          <a:p>
+            <a:r>
+              <a:rPr lang="fr-FR" dirty="0" smtClean="0"/>
+              <a:t>Carré vert : mécanique 1D en translation</a:t>
+            </a:r>
+          </a:p>
+          <a:p>
+            <a:r>
+              <a:rPr lang="fr-FR" dirty="0" smtClean="0"/>
+              <a:t>Rond gris : mécanique 1D en rotation</a:t>
+            </a:r>
+          </a:p>
+          <a:p>
+            <a:r>
+              <a:rPr lang="fr-FR" dirty="0" smtClean="0"/>
+              <a:t>Carré gris : mécanique 2D plane</a:t>
+            </a:r>
+          </a:p>
+          <a:p>
+            <a:endParaRPr lang="fr-FR" dirty="0" smtClean="0"/>
+          </a:p>
+          <a:p>
+            <a:endParaRPr lang="fr-FR" dirty="0"/>
           </a:p>
         </p:txBody>
       </p:sp>
@@ -6292,7 +6321,7 @@
     </p:spTree>
     <p:extLst>
       <p:ext uri="{BB962C8B-B14F-4D97-AF65-F5344CB8AC3E}">
-        <p14:creationId xmlns:p14="http://schemas.microsoft.com/office/powerpoint/2010/main" val="2499627110"/>
+        <p14:creationId xmlns:p14="http://schemas.microsoft.com/office/powerpoint/2010/main" val="398496562"/>
       </p:ext>
     </p:extLst>
   </p:cSld>
@@ -6321,6 +6350,101 @@
       </p:grpSpPr>
       <p:sp>
         <p:nvSpPr>
+          <p:cNvPr id="2" name="Titre 1"/>
+          <p:cNvSpPr>
+            <a:spLocks noGrp="1"/>
+          </p:cNvSpPr>
+          <p:nvPr>
+            <p:ph type="title"/>
+          </p:nvPr>
+        </p:nvSpPr>
+        <p:spPr/>
+        <p:txBody>
+          <a:bodyPr/>
+          <a:lstStyle/>
+          <a:p>
+            <a:r>
+              <a:rPr lang="fr-FR" dirty="0" smtClean="0"/>
+              <a:t>Modélisation d’un système mécanique</a:t>
+            </a:r>
+            <a:endParaRPr lang="fr-FR" dirty="0"/>
+          </a:p>
+        </p:txBody>
+      </p:sp>
+      <p:sp>
+        <p:nvSpPr>
+          <p:cNvPr id="3" name="Espace réservé du contenu 2"/>
+          <p:cNvSpPr>
+            <a:spLocks noGrp="1"/>
+          </p:cNvSpPr>
+          <p:nvPr>
+            <p:ph sz="quarter" idx="1"/>
+          </p:nvPr>
+        </p:nvSpPr>
+        <p:spPr/>
+        <p:txBody>
+          <a:bodyPr/>
+          <a:lstStyle/>
+          <a:p>
+            <a:endParaRPr lang="fr-FR"/>
+          </a:p>
+        </p:txBody>
+      </p:sp>
+      <p:sp>
+        <p:nvSpPr>
+          <p:cNvPr id="4" name="Espace réservé du numéro de diapositive 3"/>
+          <p:cNvSpPr>
+            <a:spLocks noGrp="1"/>
+          </p:cNvSpPr>
+          <p:nvPr>
+            <p:ph type="sldNum" sz="quarter" idx="15"/>
+          </p:nvPr>
+        </p:nvSpPr>
+        <p:spPr/>
+        <p:txBody>
+          <a:bodyPr/>
+          <a:lstStyle/>
+          <a:p>
+            <a:fld id="{136A7F36-7A21-4EA8-9DC2-F00219448035}" type="slidenum">
+              <a:rPr lang="fr-FR" smtClean="0"/>
+              <a:t>15</a:t>
+            </a:fld>
+            <a:endParaRPr lang="fr-FR"/>
+          </a:p>
+        </p:txBody>
+      </p:sp>
+    </p:spTree>
+    <p:extLst>
+      <p:ext uri="{BB962C8B-B14F-4D97-AF65-F5344CB8AC3E}">
+        <p14:creationId xmlns:p14="http://schemas.microsoft.com/office/powerpoint/2010/main" val="2499627110"/>
+      </p:ext>
+    </p:extLst>
+  </p:cSld>
+  <p:clrMapOvr>
+    <a:masterClrMapping/>
+  </p:clrMapOvr>
+</p:sld>
+</file>
+
+<file path=ppt/slides/slide16.xml><?xml version="1.0" encoding="utf-8"?>
+<p:sld xmlns:a="http://schemas.openxmlformats.org/drawingml/2006/main" xmlns:r="http://schemas.openxmlformats.org/officeDocument/2006/relationships" xmlns:p="http://schemas.openxmlformats.org/presentationml/2006/main">
+  <p:cSld>
+    <p:spTree>
+      <p:nvGrpSpPr>
+        <p:cNvPr id="1" name=""/>
+        <p:cNvGrpSpPr/>
+        <p:nvPr/>
+      </p:nvGrpSpPr>
+      <p:grpSpPr>
+        <a:xfrm>
+          <a:off x="0" y="0"/>
+          <a:ext cx="0" cy="0"/>
+          <a:chOff x="0" y="0"/>
+          <a:chExt cx="0" cy="0"/>
+        </a:xfrm>
+      </p:grpSpPr>
+      <p:sp>
+        <p:nvSpPr>
           <p:cNvPr id="7" name="Espace réservé du contenu 6"/>
           <p:cNvSpPr>
             <a:spLocks noGrp="1"/>
@@ -6582,7 +6706,7 @@
           <a:p>
             <a:fld id="{136A7F36-7A21-4EA8-9DC2-F00219448035}" type="slidenum">
               <a:rPr lang="fr-FR" smtClean="0"/>
-              <a:t>15</a:t>
+              <a:t>16</a:t>
             </a:fld>
             <a:endParaRPr lang="fr-FR"/>
           </a:p>
@@ -6645,15 +6769,6 @@
                 <a:tailEnd/>
               </a14:hiddenLine>
             </a:ext>
-            <a:ext uri="{AF507438-7753-43E0-B8FC-AC1667EBCBE1}">
-              <a14:hiddenEffects xmlns:a14="http://schemas.microsoft.com/office/drawing/2010/main">
-                <a:effectLst>
-                  <a:outerShdw dist="35921" dir="2700000" algn="ctr" rotWithShape="0">
-                    <a:schemeClr val="bg2"/>
-                  </a:outerShdw>
-                </a:effectLst>
-              </a14:hiddenEffects>
-            </a:ext>
           </a:extLst>
         </p:spPr>
       </p:pic>
@@ -6670,7 +6785,7 @@
 </p:sld>
 </file>
 
-<file path=ppt/slides/slide16.xml><?xml version="1.0" encoding="utf-8"?>
+<file path=ppt/slides/slide17.xml><?xml version="1.0" encoding="utf-8"?>
 <p:sld xmlns:a="http://schemas.openxmlformats.org/drawingml/2006/main" xmlns:r="http://schemas.openxmlformats.org/officeDocument/2006/relationships" xmlns:p="http://schemas.openxmlformats.org/presentationml/2006/main">
   <p:cSld>
     <p:spTree>
@@ -6727,7 +6842,7 @@
           <a:p>
             <a:fld id="{136A7F36-7A21-4EA8-9DC2-F00219448035}" type="slidenum">
               <a:rPr lang="fr-FR" smtClean="0"/>
-              <a:t>16</a:t>
+              <a:t>17</a:t>
             </a:fld>
             <a:endParaRPr lang="fr-FR"/>
           </a:p>
@@ -6790,15 +6905,6 @@
                 <a:tailEnd/>
               </a14:hiddenLine>
             </a:ext>
-            <a:ext uri="{AF507438-7753-43E0-B8FC-AC1667EBCBE1}">
-              <a14:hiddenEffects xmlns:a14="http://schemas.microsoft.com/office/drawing/2010/main">
-                <a:effectLst>
-                  <a:outerShdw dist="35921" dir="2700000" algn="ctr" rotWithShape="0">
-                    <a:schemeClr val="bg2"/>
-                  </a:outerShdw>
-                </a:effectLst>
-              </a14:hiddenEffects>
-            </a:ext>
           </a:extLst>
         </p:spPr>
       </p:pic>
@@ -6942,107 +7048,6 @@
     <p:extLst>
       <p:ext uri="{BB962C8B-B14F-4D97-AF65-F5344CB8AC3E}">
         <p14:creationId xmlns:p14="http://schemas.microsoft.com/office/powerpoint/2010/main" val="431988541"/>
-      </p:ext>
-    </p:extLst>
-  </p:cSld>
-  <p:clrMapOvr>
-    <a:masterClrMapping/>
-  </p:clrMapOvr>
-</p:sld>
-</file>
-
-<file path=ppt/slides/slide17.xml><?xml version="1.0" encoding="utf-8"?>
-<p:sld xmlns:a="http://schemas.openxmlformats.org/drawingml/2006/main" xmlns:r="http://schemas.openxmlformats.org/officeDocument/2006/relationships" xmlns:p="http://schemas.openxmlformats.org/presentationml/2006/main">
-  <p:cSld>
-    <p:spTree>
-      <p:nvGrpSpPr>
-        <p:cNvPr id="1" name=""/>
-        <p:cNvGrpSpPr/>
-        <p:nvPr/>
-      </p:nvGrpSpPr>
-      <p:grpSpPr>
-        <a:xfrm>
-          <a:off x="0" y="0"/>
-          <a:ext cx="0" cy="0"/>
-          <a:chOff x="0" y="0"/>
-          <a:chExt cx="0" cy="0"/>
-        </a:xfrm>
-      </p:grpSpPr>
-      <p:sp>
-        <p:nvSpPr>
-          <p:cNvPr id="2" name="Titre 1"/>
-          <p:cNvSpPr>
-            <a:spLocks noGrp="1"/>
-          </p:cNvSpPr>
-          <p:nvPr>
-            <p:ph type="title"/>
-          </p:nvPr>
-        </p:nvSpPr>
-        <p:spPr/>
-        <p:txBody>
-          <a:bodyPr>
-            <a:normAutofit fontScale="90000"/>
-          </a:bodyPr>
-          <a:lstStyle/>
-          <a:p>
-            <a:r>
-              <a:rPr lang="fr-FR" dirty="0" smtClean="0"/>
-              <a:t>Modélisation d’un système </a:t>
-            </a:r>
-            <a:r>
-              <a:rPr lang="fr-FR" dirty="0" err="1" smtClean="0"/>
-              <a:t>multiphysique</a:t>
-            </a:r>
-            <a:endParaRPr lang="fr-FR" dirty="0"/>
-          </a:p>
-        </p:txBody>
-      </p:sp>
-      <p:sp>
-        <p:nvSpPr>
-          <p:cNvPr id="3" name="Espace réservé du contenu 2"/>
-          <p:cNvSpPr>
-            <a:spLocks noGrp="1"/>
-          </p:cNvSpPr>
-          <p:nvPr>
-            <p:ph sz="quarter" idx="1"/>
-          </p:nvPr>
-        </p:nvSpPr>
-        <p:spPr/>
-        <p:txBody>
-          <a:bodyPr/>
-          <a:lstStyle/>
-          <a:p>
-            <a:endParaRPr lang="fr-FR"/>
-          </a:p>
-        </p:txBody>
-      </p:sp>
-      <p:sp>
-        <p:nvSpPr>
-          <p:cNvPr id="4" name="Espace réservé du numéro de diapositive 3"/>
-          <p:cNvSpPr>
-            <a:spLocks noGrp="1"/>
-          </p:cNvSpPr>
-          <p:nvPr>
-            <p:ph type="sldNum" sz="quarter" idx="15"/>
-          </p:nvPr>
-        </p:nvSpPr>
-        <p:spPr/>
-        <p:txBody>
-          <a:bodyPr/>
-          <a:lstStyle/>
-          <a:p>
-            <a:fld id="{136A7F36-7A21-4EA8-9DC2-F00219448035}" type="slidenum">
-              <a:rPr lang="fr-FR" smtClean="0"/>
-              <a:t>17</a:t>
-            </a:fld>
-            <a:endParaRPr lang="fr-FR"/>
-          </a:p>
-        </p:txBody>
-      </p:sp>
-    </p:spTree>
-    <p:extLst>
-      <p:ext uri="{BB962C8B-B14F-4D97-AF65-F5344CB8AC3E}">
-        <p14:creationId xmlns:p14="http://schemas.microsoft.com/office/powerpoint/2010/main" val="1827117536"/>
       </p:ext>
     </p:extLst>
   </p:cSld>
@@ -7088,11 +7093,7 @@
           <a:p>
             <a:r>
               <a:rPr lang="fr-FR" dirty="0" smtClean="0"/>
-              <a:t>Modélisation d’un système </a:t>
-            </a:r>
-            <a:r>
-              <a:rPr lang="fr-FR" dirty="0" err="1" smtClean="0"/>
-              <a:t>multiphysique</a:t>
+              <a:t>Modélisation d’un système multiphysique</a:t>
             </a:r>
             <a:endParaRPr lang="fr-FR" dirty="0"/>
           </a:p>
@@ -7143,7 +7144,7 @@
     </p:spTree>
     <p:extLst>
       <p:ext uri="{BB962C8B-B14F-4D97-AF65-F5344CB8AC3E}">
-        <p14:creationId xmlns:p14="http://schemas.microsoft.com/office/powerpoint/2010/main" val="241906218"/>
+        <p14:creationId xmlns:p14="http://schemas.microsoft.com/office/powerpoint/2010/main" val="1827117536"/>
       </p:ext>
     </p:extLst>
   </p:cSld>
@@ -7182,37 +7183,35 @@
         </p:nvSpPr>
         <p:spPr/>
         <p:txBody>
+          <a:bodyPr>
+            <a:normAutofit fontScale="90000"/>
+          </a:bodyPr>
+          <a:lstStyle/>
+          <a:p>
+            <a:r>
+              <a:rPr lang="fr-FR" dirty="0" smtClean="0"/>
+              <a:t>Modélisation d’un système multiphysique</a:t>
+            </a:r>
+            <a:endParaRPr lang="fr-FR" dirty="0"/>
+          </a:p>
+        </p:txBody>
+      </p:sp>
+      <p:sp>
+        <p:nvSpPr>
+          <p:cNvPr id="3" name="Espace réservé du contenu 2"/>
+          <p:cNvSpPr>
+            <a:spLocks noGrp="1"/>
+          </p:cNvSpPr>
+          <p:nvPr>
+            <p:ph sz="quarter" idx="1"/>
+          </p:nvPr>
+        </p:nvSpPr>
+        <p:spPr/>
+        <p:txBody>
           <a:bodyPr/>
           <a:lstStyle/>
           <a:p>
-            <a:r>
-              <a:rPr lang="fr-FR" dirty="0" smtClean="0"/>
-              <a:t>Modélisation d’un système de laboratoire</a:t>
-            </a:r>
-            <a:endParaRPr lang="fr-FR" dirty="0"/>
-          </a:p>
-        </p:txBody>
-      </p:sp>
-      <p:sp>
-        <p:nvSpPr>
-          <p:cNvPr id="3" name="Espace réservé du texte 2"/>
-          <p:cNvSpPr>
-            <a:spLocks noGrp="1"/>
-          </p:cNvSpPr>
-          <p:nvPr>
-            <p:ph type="body" idx="1"/>
-          </p:nvPr>
-        </p:nvSpPr>
-        <p:spPr/>
-        <p:txBody>
-          <a:bodyPr/>
-          <a:lstStyle/>
-          <a:p>
-            <a:r>
-              <a:rPr lang="fr-FR" dirty="0" smtClean="0"/>
-              <a:t>Pilote automatique TP 30</a:t>
-            </a:r>
-            <a:endParaRPr lang="fr-FR" dirty="0"/>
+            <a:endParaRPr lang="fr-FR"/>
           </a:p>
         </p:txBody>
       </p:sp>
@@ -7223,7 +7222,7 @@
             <a:spLocks noGrp="1"/>
           </p:cNvSpPr>
           <p:nvPr>
-            <p:ph type="sldNum" sz="quarter" idx="12"/>
+            <p:ph type="sldNum" sz="quarter" idx="15"/>
           </p:nvPr>
         </p:nvSpPr>
         <p:spPr/>
@@ -7242,7 +7241,7 @@
     </p:spTree>
     <p:extLst>
       <p:ext uri="{BB962C8B-B14F-4D97-AF65-F5344CB8AC3E}">
-        <p14:creationId xmlns:p14="http://schemas.microsoft.com/office/powerpoint/2010/main" val="3672452185"/>
+        <p14:creationId xmlns:p14="http://schemas.microsoft.com/office/powerpoint/2010/main" val="241906218"/>
       </p:ext>
     </p:extLst>
   </p:cSld>
@@ -7302,9 +7301,16 @@
             <p:ph sz="quarter" idx="1"/>
           </p:nvPr>
         </p:nvSpPr>
-        <p:spPr/>
-        <p:txBody>
-          <a:bodyPr/>
+        <p:spPr>
+          <a:xfrm>
+            <a:off x="251520" y="1268760"/>
+            <a:ext cx="7920880" cy="5472608"/>
+          </a:xfrm>
+        </p:spPr>
+        <p:txBody>
+          <a:bodyPr>
+            <a:normAutofit fontScale="77500" lnSpcReduction="20000"/>
+          </a:bodyPr>
           <a:lstStyle/>
           <a:p>
             <a:r>
@@ -7312,8 +7318,8 @@
               <a:t>Modélisation </a:t>
             </a:r>
             <a:r>
-              <a:rPr lang="fr-FR" dirty="0" err="1" smtClean="0"/>
-              <a:t>multiphysique</a:t>
+              <a:rPr lang="fr-FR" dirty="0" smtClean="0"/>
+              <a:t>multiphysique (30 min)</a:t>
             </a:r>
             <a:endParaRPr lang="fr-FR" dirty="0" smtClean="0"/>
           </a:p>
@@ -7321,27 +7327,28 @@
             <a:pPr lvl="1"/>
             <a:r>
               <a:rPr lang="fr-FR" dirty="0" smtClean="0"/>
-              <a:t>Définition</a:t>
+              <a:t>Contexte dans l’enseignement</a:t>
             </a:r>
           </a:p>
           <a:p>
             <a:pPr lvl="1"/>
             <a:r>
               <a:rPr lang="fr-FR" dirty="0" smtClean="0"/>
-              <a:t>Modélisation causale</a:t>
+              <a:t>Définitions</a:t>
             </a:r>
           </a:p>
           <a:p>
             <a:pPr lvl="1"/>
             <a:r>
               <a:rPr lang="fr-FR" dirty="0" smtClean="0"/>
-              <a:t>Modélisation acausale</a:t>
-            </a:r>
-          </a:p>
-          <a:p>
-            <a:r>
-              <a:rPr lang="fr-FR" dirty="0" err="1" smtClean="0"/>
-              <a:t>Scilab</a:t>
+              <a:t>Modèle de connaissance</a:t>
+            </a:r>
+          </a:p>
+          <a:p>
+            <a:pPr lvl="2"/>
+            <a:r>
+              <a:rPr lang="fr-FR" dirty="0" smtClean="0"/>
+              <a:t>Moteur à courant continu (linéaire/non linéaire ?)</a:t>
             </a:r>
             <a:endParaRPr lang="fr-FR" dirty="0" smtClean="0"/>
           </a:p>
@@ -7349,69 +7356,114 @@
             <a:pPr lvl="1"/>
             <a:r>
               <a:rPr lang="fr-FR" dirty="0" smtClean="0"/>
-              <a:t>Qu’est ce que </a:t>
-            </a:r>
-            <a:r>
-              <a:rPr lang="fr-FR" dirty="0" err="1" smtClean="0"/>
-              <a:t>scilab</a:t>
-            </a:r>
-            <a:r>
-              <a:rPr lang="fr-FR" dirty="0" smtClean="0"/>
-              <a:t> ?</a:t>
-            </a:r>
+              <a:t>Modélisation </a:t>
+            </a:r>
+            <a:r>
+              <a:rPr lang="fr-FR" dirty="0" smtClean="0"/>
+              <a:t>causale</a:t>
+            </a:r>
+          </a:p>
+          <a:p>
+            <a:pPr lvl="2"/>
+            <a:r>
+              <a:rPr lang="fr-FR" dirty="0" smtClean="0"/>
+              <a:t>Domaine symbolique (+FT) -&gt; Relation algébriques simples et loi E/S Simples</a:t>
+            </a:r>
+            <a:endParaRPr lang="fr-FR" dirty="0"/>
+          </a:p>
+          <a:p>
+            <a:pPr lvl="2"/>
+            <a:r>
+              <a:rPr lang="fr-FR" dirty="0" smtClean="0"/>
+              <a:t>CI nulles et modèles linéaires imposés (sauf hystérésis, saturation et seuils …)(sinon linéarisation+ pt de fonctionnement, pas de produit de fonctions  dans les équations du modèle).</a:t>
+            </a:r>
+          </a:p>
+          <a:p>
+            <a:pPr lvl="2"/>
+            <a:r>
+              <a:rPr lang="fr-FR" dirty="0" smtClean="0"/>
+              <a:t>Notion de sens S = F.E (Pas réversible)</a:t>
+            </a:r>
+          </a:p>
+          <a:p>
+            <a:pPr lvl="2"/>
+            <a:r>
+              <a:rPr lang="fr-FR" dirty="0" smtClean="0"/>
+              <a:t>Résolution numérique imposée par le modèle utilisé</a:t>
+            </a:r>
+          </a:p>
+          <a:p>
+            <a:pPr lvl="2"/>
+            <a:r>
+              <a:rPr lang="fr-FR" dirty="0" smtClean="0"/>
+              <a:t>La technologie des constituants n’apparaît pas</a:t>
+            </a:r>
+          </a:p>
+          <a:p>
+            <a:pPr lvl="2"/>
+            <a:r>
+              <a:rPr lang="fr-FR" dirty="0" smtClean="0"/>
+              <a:t>Notion d’irréversibilité du modèle</a:t>
+            </a:r>
+          </a:p>
+          <a:p>
+            <a:pPr lvl="2"/>
+            <a:r>
+              <a:rPr lang="fr-FR" dirty="0" smtClean="0"/>
+              <a:t>Cependant le calcul symbolique permet de faciliter les études harmoniques</a:t>
+            </a:r>
+            <a:endParaRPr lang="fr-FR" dirty="0" smtClean="0"/>
           </a:p>
           <a:p>
             <a:pPr lvl="1"/>
             <a:r>
               <a:rPr lang="fr-FR" dirty="0" smtClean="0"/>
-              <a:t>Le module </a:t>
-            </a:r>
-            <a:r>
-              <a:rPr lang="fr-FR" dirty="0" err="1" smtClean="0"/>
-              <a:t>Xcos</a:t>
+              <a:t>Modélisation </a:t>
+            </a:r>
+            <a:r>
+              <a:rPr lang="fr-FR" dirty="0" smtClean="0"/>
+              <a:t>acausale</a:t>
+            </a:r>
+          </a:p>
+          <a:p>
+            <a:pPr lvl="2"/>
+            <a:r>
+              <a:rPr lang="fr-FR" dirty="0" smtClean="0"/>
+              <a:t>Symbolisation des constituants dédiés à la technologie utilisée (respect des normes, respect des connecteurs E/S, grandeurs physiques + polarité…)</a:t>
+            </a:r>
+          </a:p>
+          <a:p>
+            <a:pPr lvl="2"/>
+            <a:r>
+              <a:rPr lang="fr-FR" dirty="0" smtClean="0"/>
+              <a:t>Le modèle de connaissance n’est pas exigible, mais il faut maîtriser les paramètres caractérisant le comportement du constituant</a:t>
+            </a:r>
+          </a:p>
+          <a:p>
+            <a:pPr lvl="2"/>
+            <a:r>
+              <a:rPr lang="fr-FR" dirty="0" smtClean="0"/>
+              <a:t>Liens non orientés entre les blocs (Comparaison des modélisation causale et acausale sur une résistance</a:t>
+            </a:r>
+            <a:r>
+              <a:rPr lang="fr-FR" dirty="0" smtClean="0"/>
+              <a:t>)  Différence « Affectation / Équation ». Liens avec le diagramme paramétrique.</a:t>
+            </a:r>
+          </a:p>
+          <a:p>
+            <a:pPr lvl="2"/>
+            <a:r>
+              <a:rPr lang="fr-FR" dirty="0" smtClean="0"/>
+              <a:t>Ouvertures sur la réversibilité (réversibilité des composants, réversibilité des systèmes)</a:t>
+            </a:r>
+          </a:p>
+          <a:p>
+            <a:pPr lvl="2"/>
+            <a:r>
+              <a:rPr lang="fr-FR" dirty="0" smtClean="0"/>
+              <a:t>Le modèle n’impose pas de démarche de résolution. Le solveur se charge d’optimiser les calculs.  </a:t>
             </a:r>
             <a:endParaRPr lang="fr-FR" dirty="0" smtClean="0"/>
-          </a:p>
-          <a:p>
-            <a:pPr lvl="1"/>
-            <a:r>
-              <a:rPr lang="fr-FR" dirty="0" smtClean="0"/>
-              <a:t>Le modulé </a:t>
-            </a:r>
-            <a:r>
-              <a:rPr lang="fr-FR" dirty="0" err="1" smtClean="0"/>
-              <a:t>Cosélica</a:t>
-            </a:r>
-            <a:endParaRPr lang="fr-FR" dirty="0" smtClean="0"/>
-          </a:p>
-          <a:p>
-            <a:r>
-              <a:rPr lang="fr-FR" dirty="0" smtClean="0"/>
-              <a:t>Application pédagogique </a:t>
-            </a:r>
-            <a:r>
-              <a:rPr lang="fr-FR" dirty="0" err="1" smtClean="0"/>
-              <a:t>Xcos</a:t>
-            </a:r>
-            <a:endParaRPr lang="fr-FR" dirty="0" smtClean="0"/>
-          </a:p>
-          <a:p>
-            <a:r>
-              <a:rPr lang="fr-FR" dirty="0" smtClean="0"/>
-              <a:t>Application pédagogique </a:t>
-            </a:r>
-            <a:r>
-              <a:rPr lang="fr-FR" dirty="0" err="1" smtClean="0"/>
-              <a:t>Coselica</a:t>
-            </a:r>
-            <a:endParaRPr lang="fr-FR" dirty="0" smtClean="0"/>
-          </a:p>
-          <a:p>
-            <a:endParaRPr lang="fr-FR" dirty="0" smtClean="0"/>
-          </a:p>
-          <a:p>
-            <a:pPr lvl="1"/>
-            <a:endParaRPr lang="fr-FR" dirty="0"/>
           </a:p>
         </p:txBody>
       </p:sp>
@@ -7441,7 +7493,7 @@
     </p:spTree>
     <p:extLst>
       <p:ext uri="{BB962C8B-B14F-4D97-AF65-F5344CB8AC3E}">
-        <p14:creationId xmlns:p14="http://schemas.microsoft.com/office/powerpoint/2010/main" val="1608164233"/>
+        <p14:creationId xmlns:p14="http://schemas.microsoft.com/office/powerpoint/2010/main" val="3520046662"/>
       </p:ext>
     </p:extLst>
   </p:cSld>
@@ -7470,7 +7522,7 @@
       </p:grpSpPr>
       <p:sp>
         <p:nvSpPr>
-          <p:cNvPr id="5" name="Titre 4"/>
+          <p:cNvPr id="2" name="Titre 1"/>
           <p:cNvSpPr>
             <a:spLocks noGrp="1"/>
           </p:cNvSpPr>
@@ -7480,21 +7532,12 @@
         </p:nvSpPr>
         <p:spPr/>
         <p:txBody>
-          <a:bodyPr>
-            <a:normAutofit fontScale="90000"/>
-          </a:bodyPr>
-          <a:lstStyle/>
-          <a:p>
-            <a:r>
-              <a:rPr lang="fr-FR" dirty="0" smtClean="0"/>
-              <a:t>Pilote Automatique</a:t>
-            </a:r>
-            <a:br>
-              <a:rPr lang="fr-FR" dirty="0" smtClean="0"/>
-            </a:br>
-            <a:r>
-              <a:rPr lang="fr-FR" dirty="0" smtClean="0"/>
-              <a:t>Analyse Interne</a:t>
+          <a:bodyPr/>
+          <a:lstStyle/>
+          <a:p>
+            <a:r>
+              <a:rPr lang="fr-FR" dirty="0" smtClean="0"/>
+              <a:t>Modélisation d’un système de laboratoire</a:t>
             </a:r>
             <a:endParaRPr lang="fr-FR" dirty="0"/>
           </a:p>
@@ -7502,12 +7545,12 @@
       </p:sp>
       <p:sp>
         <p:nvSpPr>
-          <p:cNvPr id="6" name="Espace réservé du contenu 5"/>
-          <p:cNvSpPr>
-            <a:spLocks noGrp="1"/>
-          </p:cNvSpPr>
-          <p:nvPr>
-            <p:ph sz="quarter" idx="1"/>
+          <p:cNvPr id="3" name="Espace réservé du texte 2"/>
+          <p:cNvSpPr>
+            <a:spLocks noGrp="1"/>
+          </p:cNvSpPr>
+          <p:nvPr>
+            <p:ph type="body" idx="1"/>
           </p:nvPr>
         </p:nvSpPr>
         <p:spPr/>
@@ -7515,7 +7558,11 @@
           <a:bodyPr/>
           <a:lstStyle/>
           <a:p>
-            <a:endParaRPr lang="fr-FR"/>
+            <a:r>
+              <a:rPr lang="fr-FR" dirty="0" smtClean="0"/>
+              <a:t>Pilote automatique TP 30</a:t>
+            </a:r>
+            <a:endParaRPr lang="fr-FR" dirty="0"/>
           </a:p>
         </p:txBody>
       </p:sp>
@@ -7526,7 +7573,7 @@
             <a:spLocks noGrp="1"/>
           </p:cNvSpPr>
           <p:nvPr>
-            <p:ph type="sldNum" sz="quarter" idx="15"/>
+            <p:ph type="sldNum" sz="quarter" idx="12"/>
           </p:nvPr>
         </p:nvSpPr>
         <p:spPr/>
@@ -7545,7 +7592,7 @@
     </p:spTree>
     <p:extLst>
       <p:ext uri="{BB962C8B-B14F-4D97-AF65-F5344CB8AC3E}">
-        <p14:creationId xmlns:p14="http://schemas.microsoft.com/office/powerpoint/2010/main" val="601726295"/>
+        <p14:creationId xmlns:p14="http://schemas.microsoft.com/office/powerpoint/2010/main" val="3672452185"/>
       </p:ext>
     </p:extLst>
   </p:cSld>
@@ -7574,7 +7621,7 @@
       </p:grpSpPr>
       <p:sp>
         <p:nvSpPr>
-          <p:cNvPr id="2" name="Titre 1"/>
+          <p:cNvPr id="5" name="Titre 4"/>
           <p:cNvSpPr>
             <a:spLocks noGrp="1"/>
           </p:cNvSpPr>
@@ -7598,7 +7645,7 @@
             </a:br>
             <a:r>
               <a:rPr lang="fr-FR" dirty="0" smtClean="0"/>
-              <a:t>Modélisation</a:t>
+              <a:t>Analyse Interne</a:t>
             </a:r>
             <a:endParaRPr lang="fr-FR" dirty="0"/>
           </a:p>
@@ -7606,7 +7653,7 @@
       </p:sp>
       <p:sp>
         <p:nvSpPr>
-          <p:cNvPr id="3" name="Espace réservé du contenu 2"/>
+          <p:cNvPr id="6" name="Espace réservé du contenu 5"/>
           <p:cNvSpPr>
             <a:spLocks noGrp="1"/>
           </p:cNvSpPr>
@@ -7649,7 +7696,7 @@
     </p:spTree>
     <p:extLst>
       <p:ext uri="{BB962C8B-B14F-4D97-AF65-F5344CB8AC3E}">
-        <p14:creationId xmlns:p14="http://schemas.microsoft.com/office/powerpoint/2010/main" val="2388859630"/>
+        <p14:creationId xmlns:p14="http://schemas.microsoft.com/office/powerpoint/2010/main" val="601726295"/>
       </p:ext>
     </p:extLst>
   </p:cSld>
@@ -7695,14 +7742,14 @@
           <a:p>
             <a:r>
               <a:rPr lang="fr-FR" dirty="0" smtClean="0"/>
-              <a:t>Pilote automatique</a:t>
+              <a:t>Pilote Automatique</a:t>
             </a:r>
             <a:br>
               <a:rPr lang="fr-FR" dirty="0" smtClean="0"/>
             </a:br>
             <a:r>
               <a:rPr lang="fr-FR" dirty="0" smtClean="0"/>
-              <a:t>Application pédagogique</a:t>
+              <a:t>Modélisation</a:t>
             </a:r>
             <a:endParaRPr lang="fr-FR" dirty="0"/>
           </a:p>
@@ -7753,7 +7800,7 @@
     </p:spTree>
     <p:extLst>
       <p:ext uri="{BB962C8B-B14F-4D97-AF65-F5344CB8AC3E}">
-        <p14:creationId xmlns:p14="http://schemas.microsoft.com/office/powerpoint/2010/main" val="4068046631"/>
+        <p14:creationId xmlns:p14="http://schemas.microsoft.com/office/powerpoint/2010/main" val="2388859630"/>
       </p:ext>
     </p:extLst>
   </p:cSld>
@@ -7782,7 +7829,7 @@
       </p:grpSpPr>
       <p:sp>
         <p:nvSpPr>
-          <p:cNvPr id="4" name="Titre 3"/>
+          <p:cNvPr id="2" name="Titre 1"/>
           <p:cNvSpPr>
             <a:spLocks noGrp="1"/>
           </p:cNvSpPr>
@@ -7792,52 +7839,53 @@
         </p:nvSpPr>
         <p:spPr/>
         <p:txBody>
+          <a:bodyPr>
+            <a:normAutofit fontScale="90000"/>
+          </a:bodyPr>
+          <a:lstStyle/>
+          <a:p>
+            <a:r>
+              <a:rPr lang="fr-FR" dirty="0" smtClean="0"/>
+              <a:t>Pilote automatique</a:t>
+            </a:r>
+            <a:br>
+              <a:rPr lang="fr-FR" dirty="0" smtClean="0"/>
+            </a:br>
+            <a:r>
+              <a:rPr lang="fr-FR" dirty="0" smtClean="0"/>
+              <a:t>Application pédagogique</a:t>
+            </a:r>
+            <a:endParaRPr lang="fr-FR" dirty="0"/>
+          </a:p>
+        </p:txBody>
+      </p:sp>
+      <p:sp>
+        <p:nvSpPr>
+          <p:cNvPr id="3" name="Espace réservé du contenu 2"/>
+          <p:cNvSpPr>
+            <a:spLocks noGrp="1"/>
+          </p:cNvSpPr>
+          <p:nvPr>
+            <p:ph sz="quarter" idx="1"/>
+          </p:nvPr>
+        </p:nvSpPr>
+        <p:spPr/>
+        <p:txBody>
           <a:bodyPr/>
           <a:lstStyle/>
           <a:p>
-            <a:r>
-              <a:rPr lang="fr-FR" dirty="0" err="1" smtClean="0"/>
-              <a:t>Xcos</a:t>
-            </a:r>
-            <a:r>
-              <a:rPr lang="fr-FR" dirty="0" smtClean="0"/>
-              <a:t> &amp; </a:t>
-            </a:r>
-            <a:r>
-              <a:rPr lang="fr-FR" dirty="0" err="1" smtClean="0"/>
-              <a:t>Arduino</a:t>
-            </a:r>
-            <a:endParaRPr lang="fr-FR" dirty="0"/>
-          </a:p>
-        </p:txBody>
-      </p:sp>
-      <p:sp>
-        <p:nvSpPr>
-          <p:cNvPr id="5" name="Espace réservé du texte 4"/>
-          <p:cNvSpPr>
-            <a:spLocks noGrp="1"/>
-          </p:cNvSpPr>
-          <p:nvPr>
-            <p:ph type="body" idx="1"/>
-          </p:nvPr>
-        </p:nvSpPr>
-        <p:spPr/>
-        <p:txBody>
-          <a:bodyPr/>
-          <a:lstStyle/>
-          <a:p>
             <a:endParaRPr lang="fr-FR"/>
           </a:p>
         </p:txBody>
       </p:sp>
       <p:sp>
         <p:nvSpPr>
-          <p:cNvPr id="2" name="Espace réservé du numéro de diapositive 1"/>
-          <p:cNvSpPr>
-            <a:spLocks noGrp="1"/>
-          </p:cNvSpPr>
-          <p:nvPr>
-            <p:ph type="sldNum" sz="quarter" idx="12"/>
+          <p:cNvPr id="4" name="Espace réservé du numéro de diapositive 3"/>
+          <p:cNvSpPr>
+            <a:spLocks noGrp="1"/>
+          </p:cNvSpPr>
+          <p:nvPr>
+            <p:ph type="sldNum" sz="quarter" idx="15"/>
           </p:nvPr>
         </p:nvSpPr>
         <p:spPr/>
@@ -7856,7 +7904,7 @@
     </p:spTree>
     <p:extLst>
       <p:ext uri="{BB962C8B-B14F-4D97-AF65-F5344CB8AC3E}">
-        <p14:creationId xmlns:p14="http://schemas.microsoft.com/office/powerpoint/2010/main" val="1589319820"/>
+        <p14:creationId xmlns:p14="http://schemas.microsoft.com/office/powerpoint/2010/main" val="4068046631"/>
       </p:ext>
     </p:extLst>
   </p:cSld>
@@ -7885,7 +7933,57 @@
       </p:grpSpPr>
       <p:sp>
         <p:nvSpPr>
-          <p:cNvPr id="4" name="Espace réservé du numéro de diapositive 3"/>
+          <p:cNvPr id="4" name="Titre 3"/>
+          <p:cNvSpPr>
+            <a:spLocks noGrp="1"/>
+          </p:cNvSpPr>
+          <p:nvPr>
+            <p:ph type="title"/>
+          </p:nvPr>
+        </p:nvSpPr>
+        <p:spPr/>
+        <p:txBody>
+          <a:bodyPr/>
+          <a:lstStyle/>
+          <a:p>
+            <a:r>
+              <a:rPr lang="fr-FR" dirty="0" err="1" smtClean="0"/>
+              <a:t>Xcos</a:t>
+            </a:r>
+            <a:r>
+              <a:rPr lang="fr-FR" dirty="0" smtClean="0"/>
+              <a:t> &amp; </a:t>
+            </a:r>
+            <a:r>
+              <a:rPr lang="fr-FR" dirty="0" err="1" smtClean="0"/>
+              <a:t>Arduino</a:t>
+            </a:r>
+            <a:endParaRPr lang="fr-FR" dirty="0"/>
+          </a:p>
+        </p:txBody>
+      </p:sp>
+      <p:sp>
+        <p:nvSpPr>
+          <p:cNvPr id="5" name="Espace réservé du texte 4"/>
+          <p:cNvSpPr>
+            <a:spLocks noGrp="1"/>
+          </p:cNvSpPr>
+          <p:nvPr>
+            <p:ph type="body" idx="1"/>
+          </p:nvPr>
+        </p:nvSpPr>
+        <p:spPr/>
+        <p:txBody>
+          <a:bodyPr/>
+          <a:lstStyle/>
+          <a:p>
+            <a:endParaRPr lang="fr-FR"/>
+          </a:p>
+        </p:txBody>
+      </p:sp>
+      <p:sp>
+        <p:nvSpPr>
+          <p:cNvPr id="2" name="Espace réservé du numéro de diapositive 1"/>
           <p:cNvSpPr>
             <a:spLocks noGrp="1"/>
           </p:cNvSpPr>
@@ -7901,6 +7999,59 @@
             <a:fld id="{136A7F36-7A21-4EA8-9DC2-F00219448035}" type="slidenum">
               <a:rPr lang="fr-FR" smtClean="0"/>
               <a:t>24</a:t>
+            </a:fld>
+            <a:endParaRPr lang="fr-FR"/>
+          </a:p>
+        </p:txBody>
+      </p:sp>
+    </p:spTree>
+    <p:extLst>
+      <p:ext uri="{BB962C8B-B14F-4D97-AF65-F5344CB8AC3E}">
+        <p14:creationId xmlns:p14="http://schemas.microsoft.com/office/powerpoint/2010/main" val="1589319820"/>
+      </p:ext>
+    </p:extLst>
+  </p:cSld>
+  <p:clrMapOvr>
+    <a:masterClrMapping/>
+  </p:clrMapOvr>
+</p:sld>
+</file>
+
+<file path=ppt/slides/slide25.xml><?xml version="1.0" encoding="utf-8"?>
+<p:sld xmlns:a="http://schemas.openxmlformats.org/drawingml/2006/main" xmlns:r="http://schemas.openxmlformats.org/officeDocument/2006/relationships" xmlns:p="http://schemas.openxmlformats.org/presentationml/2006/main">
+  <p:cSld>
+    <p:spTree>
+      <p:nvGrpSpPr>
+        <p:cNvPr id="1" name=""/>
+        <p:cNvGrpSpPr/>
+        <p:nvPr/>
+      </p:nvGrpSpPr>
+      <p:grpSpPr>
+        <a:xfrm>
+          <a:off x="0" y="0"/>
+          <a:ext cx="0" cy="0"/>
+          <a:chOff x="0" y="0"/>
+          <a:chExt cx="0" cy="0"/>
+        </a:xfrm>
+      </p:grpSpPr>
+      <p:sp>
+        <p:nvSpPr>
+          <p:cNvPr id="4" name="Espace réservé du numéro de diapositive 3"/>
+          <p:cNvSpPr>
+            <a:spLocks noGrp="1"/>
+          </p:cNvSpPr>
+          <p:nvPr>
+            <p:ph type="sldNum" sz="quarter" idx="12"/>
+          </p:nvPr>
+        </p:nvSpPr>
+        <p:spPr/>
+        <p:txBody>
+          <a:bodyPr/>
+          <a:lstStyle/>
+          <a:p>
+            <a:fld id="{136A7F36-7A21-4EA8-9DC2-F00219448035}" type="slidenum">
+              <a:rPr lang="fr-FR" smtClean="0"/>
+              <a:t>25</a:t>
             </a:fld>
             <a:endParaRPr lang="fr-FR"/>
           </a:p>
@@ -9090,7 +9241,7 @@
       </p:grpSpPr>
       <p:sp>
         <p:nvSpPr>
-          <p:cNvPr id="4" name="Titre 3"/>
+          <p:cNvPr id="2" name="Titre 1"/>
           <p:cNvSpPr>
             <a:spLocks noGrp="1"/>
           </p:cNvSpPr>
@@ -9104,44 +9255,211 @@
           <a:lstStyle/>
           <a:p>
             <a:r>
-              <a:rPr lang="fr-FR" dirty="0" smtClean="0"/>
-              <a:t>Modélisation </a:t>
-            </a:r>
+              <a:rPr lang="fr-FR" smtClean="0"/>
+              <a:t>Plan</a:t>
+            </a:r>
+            <a:endParaRPr lang="fr-FR" dirty="0"/>
+          </a:p>
+        </p:txBody>
+      </p:sp>
+      <p:sp>
+        <p:nvSpPr>
+          <p:cNvPr id="3" name="Espace réservé du contenu 2"/>
+          <p:cNvSpPr>
+            <a:spLocks noGrp="1"/>
+          </p:cNvSpPr>
+          <p:nvPr>
+            <p:ph sz="quarter" idx="1"/>
+          </p:nvPr>
+        </p:nvSpPr>
+        <p:spPr/>
+        <p:txBody>
+          <a:bodyPr>
+            <a:normAutofit fontScale="92500" lnSpcReduction="10000"/>
+          </a:bodyPr>
+          <a:lstStyle/>
+          <a:p>
             <a:r>
               <a:rPr lang="fr-FR" dirty="0" err="1" smtClean="0"/>
-              <a:t>mutiphysique</a:t>
-            </a:r>
+              <a:t>Scilab</a:t>
+            </a:r>
+            <a:endParaRPr lang="fr-FR" dirty="0" smtClean="0"/>
+          </a:p>
+          <a:p>
+            <a:pPr lvl="1"/>
+            <a:r>
+              <a:rPr lang="fr-FR" dirty="0" smtClean="0"/>
+              <a:t>Qu’est ce que </a:t>
+            </a:r>
+            <a:r>
+              <a:rPr lang="fr-FR" dirty="0" err="1" smtClean="0"/>
+              <a:t>scilab</a:t>
+            </a:r>
+            <a:r>
+              <a:rPr lang="fr-FR" dirty="0" smtClean="0"/>
+              <a:t> ?</a:t>
+            </a:r>
+          </a:p>
+          <a:p>
+            <a:pPr lvl="1"/>
+            <a:r>
+              <a:rPr lang="fr-FR" dirty="0" smtClean="0"/>
+              <a:t>Le module </a:t>
+            </a:r>
+            <a:r>
+              <a:rPr lang="fr-FR" dirty="0" err="1" smtClean="0"/>
+              <a:t>Xcos</a:t>
+            </a:r>
+            <a:endParaRPr lang="fr-FR" dirty="0" smtClean="0"/>
+          </a:p>
+          <a:p>
+            <a:pPr lvl="1"/>
+            <a:r>
+              <a:rPr lang="fr-FR" dirty="0" smtClean="0"/>
+              <a:t>Le </a:t>
+            </a:r>
+            <a:r>
+              <a:rPr lang="fr-FR" dirty="0" smtClean="0"/>
+              <a:t>module SIMM/</a:t>
+            </a:r>
+            <a:r>
+              <a:rPr lang="fr-FR" dirty="0" err="1" smtClean="0"/>
+              <a:t>Coselica</a:t>
+            </a:r>
+            <a:endParaRPr lang="fr-FR" dirty="0" smtClean="0"/>
+          </a:p>
+          <a:p>
+            <a:pPr lvl="1"/>
+            <a:r>
+              <a:rPr lang="fr-FR" dirty="0" smtClean="0"/>
+              <a:t>Construction du modèle acausal du moteur à courant continu</a:t>
+            </a:r>
+          </a:p>
+          <a:p>
+            <a:pPr lvl="2"/>
+            <a:r>
+              <a:rPr lang="fr-FR" dirty="0" smtClean="0"/>
+              <a:t>Contexte, variation de paramètres…</a:t>
+            </a:r>
+          </a:p>
+          <a:p>
+            <a:pPr lvl="2"/>
+            <a:r>
+              <a:rPr lang="fr-FR" dirty="0" smtClean="0"/>
+              <a:t>Modèle complet</a:t>
+            </a:r>
+          </a:p>
+          <a:p>
+            <a:pPr lvl="2"/>
+            <a:r>
+              <a:rPr lang="fr-FR" dirty="0" smtClean="0"/>
+              <a:t>Modèle condensé</a:t>
+            </a:r>
+          </a:p>
+          <a:p>
+            <a:pPr lvl="2"/>
+            <a:r>
+              <a:rPr lang="fr-FR" dirty="0" smtClean="0"/>
+              <a:t>Commande du moteur avec hacheur / PWM</a:t>
+            </a:r>
+          </a:p>
+          <a:p>
+            <a:pPr lvl="3"/>
+            <a:r>
+              <a:rPr lang="fr-FR" dirty="0" smtClean="0"/>
+              <a:t>Possibilité bibliothèque thermique</a:t>
+            </a:r>
+            <a:endParaRPr lang="fr-FR" dirty="0" smtClean="0"/>
+          </a:p>
+          <a:p>
+            <a:pPr lvl="2"/>
+            <a:r>
+              <a:rPr lang="fr-FR" dirty="0" smtClean="0"/>
+              <a:t>Frottement visqueux / inertie transfo de </a:t>
+            </a:r>
+            <a:r>
+              <a:rPr lang="fr-FR" dirty="0" err="1" smtClean="0"/>
+              <a:t>mvt</a:t>
+            </a:r>
+            <a:r>
+              <a:rPr lang="fr-FR" dirty="0" smtClean="0"/>
+              <a:t>  …</a:t>
+            </a:r>
+            <a:endParaRPr lang="fr-FR" dirty="0" smtClean="0"/>
+          </a:p>
+          <a:p>
+            <a:pPr lvl="2"/>
+            <a:r>
+              <a:rPr lang="fr-FR" dirty="0" smtClean="0"/>
+              <a:t>Bilan échantillonnage de la résolution</a:t>
+            </a:r>
+            <a:endParaRPr lang="fr-FR" dirty="0" smtClean="0"/>
+          </a:p>
+          <a:p>
+            <a:pPr lvl="2"/>
+            <a:r>
+              <a:rPr lang="fr-FR" dirty="0" smtClean="0"/>
+              <a:t>Bilan avec réversibilité Moteur</a:t>
+            </a:r>
+          </a:p>
+          <a:p>
+            <a:pPr lvl="2"/>
+            <a:r>
+              <a:rPr lang="fr-FR" dirty="0" smtClean="0"/>
+              <a:t>Exemple avec liaisons cinématiques et limites du SIMM (pas de lien avec SW)</a:t>
+            </a:r>
+          </a:p>
+          <a:p>
+            <a:r>
+              <a:rPr lang="fr-FR" dirty="0" smtClean="0"/>
+              <a:t>Applications pédagogiques </a:t>
+            </a:r>
+            <a:r>
+              <a:rPr lang="fr-FR" dirty="0" err="1" smtClean="0"/>
+              <a:t>Coselica</a:t>
+            </a:r>
+            <a:endParaRPr lang="fr-FR" dirty="0" smtClean="0"/>
+          </a:p>
+          <a:p>
+            <a:pPr lvl="1"/>
+            <a:r>
+              <a:rPr lang="fr-FR" dirty="0" smtClean="0"/>
+              <a:t>Pilote automatique de voilier</a:t>
+            </a:r>
+          </a:p>
+          <a:p>
+            <a:pPr lvl="1"/>
+            <a:r>
+              <a:rPr lang="fr-FR" dirty="0" err="1" smtClean="0"/>
+              <a:t>Arduino</a:t>
+            </a:r>
+            <a:r>
+              <a:rPr lang="fr-FR" dirty="0"/>
+              <a:t> </a:t>
+            </a:r>
+            <a:r>
+              <a:rPr lang="fr-FR" dirty="0" smtClean="0"/>
+              <a:t>?</a:t>
+            </a:r>
+            <a:endParaRPr lang="fr-FR" dirty="0" smtClean="0"/>
+          </a:p>
+          <a:p>
+            <a:endParaRPr lang="fr-FR" dirty="0" smtClean="0"/>
+          </a:p>
+          <a:p>
+            <a:pPr lvl="1"/>
             <a:endParaRPr lang="fr-FR" dirty="0"/>
           </a:p>
         </p:txBody>
       </p:sp>
       <p:sp>
         <p:nvSpPr>
-          <p:cNvPr id="5" name="Espace réservé du texte 4"/>
-          <p:cNvSpPr>
-            <a:spLocks noGrp="1"/>
-          </p:cNvSpPr>
-          <p:nvPr>
-            <p:ph type="body" idx="1"/>
-          </p:nvPr>
-        </p:nvSpPr>
-        <p:spPr/>
-        <p:txBody>
-          <a:bodyPr/>
-          <a:lstStyle/>
-          <a:p>
-            <a:endParaRPr lang="fr-FR"/>
-          </a:p>
-        </p:txBody>
-      </p:sp>
-      <p:sp>
-        <p:nvSpPr>
-          <p:cNvPr id="6" name="Espace réservé du numéro de diapositive 5"/>
-          <p:cNvSpPr>
-            <a:spLocks noGrp="1"/>
-          </p:cNvSpPr>
-          <p:nvPr>
-            <p:ph type="sldNum" sz="quarter" idx="12"/>
+          <p:cNvPr id="4" name="Espace réservé du numéro de diapositive 3"/>
+          <p:cNvSpPr>
+            <a:spLocks noGrp="1"/>
+          </p:cNvSpPr>
+          <p:nvPr>
+            <p:ph type="sldNum" sz="quarter" idx="15"/>
           </p:nvPr>
         </p:nvSpPr>
         <p:spPr/>
@@ -9160,7 +9478,7 @@
     </p:spTree>
     <p:extLst>
       <p:ext uri="{BB962C8B-B14F-4D97-AF65-F5344CB8AC3E}">
-        <p14:creationId xmlns:p14="http://schemas.microsoft.com/office/powerpoint/2010/main" val="1140419535"/>
+        <p14:creationId xmlns:p14="http://schemas.microsoft.com/office/powerpoint/2010/main" val="297069116"/>
       </p:ext>
     </p:extLst>
   </p:cSld>
@@ -9189,7 +9507,7 @@
       </p:grpSpPr>
       <p:sp>
         <p:nvSpPr>
-          <p:cNvPr id="5" name="Titre 4"/>
+          <p:cNvPr id="4" name="Titre 3"/>
           <p:cNvSpPr>
             <a:spLocks noGrp="1"/>
           </p:cNvSpPr>
@@ -9199,9 +9517,7 @@
         </p:nvSpPr>
         <p:spPr/>
         <p:txBody>
-          <a:bodyPr>
-            <a:normAutofit fontScale="90000"/>
-          </a:bodyPr>
+          <a:bodyPr/>
           <a:lstStyle/>
           <a:p>
             <a:r>
@@ -9210,18 +9526,7 @@
             </a:r>
             <a:r>
               <a:rPr lang="fr-FR" dirty="0" err="1" smtClean="0"/>
-              <a:t>multiphysique</a:t>
-            </a:r>
-            <a:r>
-              <a:rPr lang="fr-FR" dirty="0" smtClean="0"/>
-              <a:t/>
-            </a:r>
-            <a:br>
-              <a:rPr lang="fr-FR" dirty="0" smtClean="0"/>
-            </a:br>
-            <a:r>
-              <a:rPr lang="fr-FR" dirty="0" smtClean="0"/>
-              <a:t>Tentatives de définitions</a:t>
+              <a:t>mutiphysique</a:t>
             </a:r>
             <a:endParaRPr lang="fr-FR" dirty="0"/>
           </a:p>
@@ -9229,137 +9534,31 @@
       </p:sp>
       <p:sp>
         <p:nvSpPr>
-          <p:cNvPr id="6" name="Espace réservé du contenu 5"/>
-          <p:cNvSpPr>
-            <a:spLocks noGrp="1"/>
-          </p:cNvSpPr>
-          <p:nvPr>
-            <p:ph sz="quarter" idx="1"/>
+          <p:cNvPr id="5" name="Espace réservé du texte 4"/>
+          <p:cNvSpPr>
+            <a:spLocks noGrp="1"/>
+          </p:cNvSpPr>
+          <p:nvPr>
+            <p:ph type="body" idx="1"/>
           </p:nvPr>
         </p:nvSpPr>
         <p:spPr/>
         <p:txBody>
-          <a:bodyPr>
-            <a:normAutofit fontScale="92500"/>
-          </a:bodyPr>
-          <a:lstStyle/>
-          <a:p>
-            <a:r>
-              <a:rPr lang="fr-FR" dirty="0" smtClean="0"/>
-              <a:t>La modélisation </a:t>
-            </a:r>
-            <a:r>
-              <a:rPr lang="fr-FR" dirty="0" err="1" smtClean="0"/>
-              <a:t>multiphysique</a:t>
-            </a:r>
-            <a:r>
-              <a:rPr lang="fr-FR" dirty="0" smtClean="0"/>
-              <a:t> en SII</a:t>
-            </a:r>
-          </a:p>
-          <a:p>
-            <a:pPr lvl="1"/>
-            <a:r>
-              <a:rPr lang="fr-FR" dirty="0" smtClean="0"/>
-              <a:t>Modélisation d’un système </a:t>
-            </a:r>
-            <a:r>
-              <a:rPr lang="fr-FR" dirty="0" err="1" smtClean="0"/>
-              <a:t>pluritechnologique</a:t>
-            </a:r>
-            <a:r>
-              <a:rPr lang="fr-FR" dirty="0" smtClean="0"/>
-              <a:t> en intégrant tous les domaines de la physique nécessaires au fonctionnement de ce système</a:t>
-            </a:r>
-          </a:p>
-          <a:p>
-            <a:endParaRPr lang="fr-FR" dirty="0"/>
-          </a:p>
-          <a:p>
-            <a:r>
-              <a:rPr lang="fr-FR" dirty="0" smtClean="0"/>
-              <a:t>La modélisation </a:t>
-            </a:r>
-            <a:r>
-              <a:rPr lang="fr-FR" dirty="0" err="1" smtClean="0"/>
-              <a:t>multiphysique</a:t>
-            </a:r>
-            <a:r>
-              <a:rPr lang="fr-FR" dirty="0" smtClean="0"/>
-              <a:t> et </a:t>
-            </a:r>
-            <a:r>
-              <a:rPr lang="fr-FR" dirty="0" err="1" smtClean="0"/>
-              <a:t>multiéchelle</a:t>
-            </a:r>
-            <a:r>
-              <a:rPr lang="fr-FR" dirty="0" smtClean="0"/>
-              <a:t> dans la recherche</a:t>
-            </a:r>
-          </a:p>
-          <a:p>
-            <a:pPr lvl="1"/>
-            <a:r>
-              <a:rPr lang="fr-FR" dirty="0" smtClean="0"/>
-              <a:t>La modélisation </a:t>
-            </a:r>
-            <a:r>
-              <a:rPr lang="fr-FR" dirty="0" err="1" smtClean="0"/>
-              <a:t>multiphysique</a:t>
-            </a:r>
-            <a:r>
-              <a:rPr lang="fr-FR" dirty="0" smtClean="0"/>
-              <a:t> permet de de prendre en compte les couplages entre phénomènes physiques différents (couplage mécanique – chimique, couplage mécanique des structures – neutronique – </a:t>
-            </a:r>
-            <a:r>
-              <a:rPr lang="fr-FR" dirty="0" err="1" smtClean="0"/>
-              <a:t>thermohydraulique</a:t>
-            </a:r>
-            <a:r>
-              <a:rPr lang="fr-FR" dirty="0" smtClean="0"/>
-              <a:t> dans la physique des réacteurs …)</a:t>
-            </a:r>
-          </a:p>
-          <a:p>
-            <a:pPr lvl="1"/>
-            <a:r>
-              <a:rPr lang="fr-FR" dirty="0" smtClean="0"/>
-              <a:t>La modélisation </a:t>
-            </a:r>
-            <a:r>
-              <a:rPr lang="fr-FR" dirty="0" err="1" smtClean="0"/>
-              <a:t>multiéchelle</a:t>
-            </a:r>
-            <a:r>
-              <a:rPr lang="fr-FR" dirty="0" smtClean="0"/>
-              <a:t> permet, grâce au calcul numérique, de déduire des propriétés macroscopiques à partir de modèles microscopiques</a:t>
-            </a:r>
-          </a:p>
-          <a:p>
-            <a:pPr lvl="2"/>
-            <a:r>
-              <a:rPr lang="fr-FR" dirty="0" smtClean="0"/>
-              <a:t>Utilisation complémentaires de modèles probabilistes</a:t>
-            </a:r>
-          </a:p>
-          <a:p>
-            <a:pPr lvl="1"/>
-            <a:r>
-              <a:rPr lang="fr-FR" dirty="0" smtClean="0"/>
-              <a:t>Problèmes de compatibilité et de cohérences des codes de calcul</a:t>
-            </a:r>
-            <a:endParaRPr lang="fr-FR" dirty="0"/>
-          </a:p>
-        </p:txBody>
-      </p:sp>
-      <p:sp>
-        <p:nvSpPr>
-          <p:cNvPr id="4" name="Espace réservé du numéro de diapositive 3"/>
-          <p:cNvSpPr>
-            <a:spLocks noGrp="1"/>
-          </p:cNvSpPr>
-          <p:nvPr>
-            <p:ph type="sldNum" sz="quarter" idx="15"/>
+          <a:bodyPr/>
+          <a:lstStyle/>
+          <a:p>
+            <a:endParaRPr lang="fr-FR"/>
+          </a:p>
+        </p:txBody>
+      </p:sp>
+      <p:sp>
+        <p:nvSpPr>
+          <p:cNvPr id="6" name="Espace réservé du numéro de diapositive 5"/>
+          <p:cNvSpPr>
+            <a:spLocks noGrp="1"/>
+          </p:cNvSpPr>
+          <p:nvPr>
+            <p:ph type="sldNum" sz="quarter" idx="12"/>
           </p:nvPr>
         </p:nvSpPr>
         <p:spPr/>
@@ -9378,7 +9577,7 @@
     </p:spTree>
     <p:extLst>
       <p:ext uri="{BB962C8B-B14F-4D97-AF65-F5344CB8AC3E}">
-        <p14:creationId xmlns:p14="http://schemas.microsoft.com/office/powerpoint/2010/main" val="2231398042"/>
+        <p14:creationId xmlns:p14="http://schemas.microsoft.com/office/powerpoint/2010/main" val="1140419535"/>
       </p:ext>
     </p:extLst>
   </p:cSld>
@@ -9407,7 +9606,7 @@
       </p:grpSpPr>
       <p:sp>
         <p:nvSpPr>
-          <p:cNvPr id="2" name="Titre 1"/>
+          <p:cNvPr id="5" name="Titre 4"/>
           <p:cNvSpPr>
             <a:spLocks noGrp="1"/>
           </p:cNvSpPr>
@@ -9424,22 +9623,14 @@
           <a:p>
             <a:r>
               <a:rPr lang="fr-FR" dirty="0" smtClean="0"/>
-              <a:t>Modélisation </a:t>
-            </a:r>
-            <a:r>
-              <a:rPr lang="fr-FR" dirty="0" err="1" smtClean="0"/>
-              <a:t>multiphysique</a:t>
-            </a:r>
-            <a:r>
-              <a:rPr lang="fr-FR" dirty="0" smtClean="0"/>
-              <a:t/>
+              <a:t>Modélisation multiphysique</a:t>
             </a:r>
             <a:br>
               <a:rPr lang="fr-FR" dirty="0" smtClean="0"/>
             </a:br>
             <a:r>
               <a:rPr lang="fr-FR" dirty="0" smtClean="0"/>
-              <a:t>Enjeux</a:t>
+              <a:t>Tentatives de définitions</a:t>
             </a:r>
             <a:endParaRPr lang="fr-FR" dirty="0"/>
           </a:p>
@@ -9447,7 +9638,7 @@
       </p:sp>
       <p:sp>
         <p:nvSpPr>
-          <p:cNvPr id="3" name="Espace réservé du contenu 2"/>
+          <p:cNvPr id="6" name="Espace réservé du contenu 5"/>
           <p:cNvSpPr>
             <a:spLocks noGrp="1"/>
           </p:cNvSpPr>
@@ -9457,12 +9648,90 @@
         </p:nvSpPr>
         <p:spPr/>
         <p:txBody>
-          <a:bodyPr/>
-          <a:lstStyle/>
-          <a:p>
-            <a:r>
-              <a:rPr lang="fr-FR" dirty="0" smtClean="0"/>
-              <a:t>Pouvoir simuler le comportement d’un système dans sa globalité </a:t>
+          <a:bodyPr>
+            <a:normAutofit fontScale="92500"/>
+          </a:bodyPr>
+          <a:lstStyle/>
+          <a:p>
+            <a:r>
+              <a:rPr lang="fr-FR" dirty="0" smtClean="0"/>
+              <a:t>La modélisation multiphysique en SII</a:t>
+            </a:r>
+          </a:p>
+          <a:p>
+            <a:pPr lvl="1"/>
+            <a:r>
+              <a:rPr lang="fr-FR" dirty="0" smtClean="0"/>
+              <a:t>Modélisation d’un système </a:t>
+            </a:r>
+            <a:r>
+              <a:rPr lang="fr-FR" dirty="0" smtClean="0"/>
+              <a:t>pluri technologique </a:t>
+            </a:r>
+            <a:r>
+              <a:rPr lang="fr-FR" dirty="0" smtClean="0"/>
+              <a:t>en intégrant tous les domaines de la physique nécessaires au fonctionnement de ce système</a:t>
+            </a:r>
+          </a:p>
+          <a:p>
+            <a:endParaRPr lang="fr-FR" dirty="0"/>
+          </a:p>
+          <a:p>
+            <a:r>
+              <a:rPr lang="fr-FR" dirty="0" smtClean="0"/>
+              <a:t>La modélisation multiphysique et </a:t>
+            </a:r>
+            <a:r>
+              <a:rPr lang="fr-FR" dirty="0" smtClean="0"/>
+              <a:t>multi échelle </a:t>
+            </a:r>
+            <a:r>
+              <a:rPr lang="fr-FR" dirty="0" smtClean="0"/>
+              <a:t>dans la recherche</a:t>
+            </a:r>
+          </a:p>
+          <a:p>
+            <a:pPr lvl="1"/>
+            <a:r>
+              <a:rPr lang="fr-FR" dirty="0" smtClean="0"/>
+              <a:t>La modélisation multiphysique permet de de prendre en compte les couplages entre phénomènes physiques différents (couplage mécanique – chimique, couplage mécanique des structures – neutronique – </a:t>
+            </a:r>
+            <a:r>
+              <a:rPr lang="fr-FR" dirty="0" smtClean="0"/>
+              <a:t>thermo hydraulique </a:t>
+            </a:r>
+            <a:r>
+              <a:rPr lang="fr-FR" dirty="0" smtClean="0"/>
+              <a:t>dans la physique des réacteurs …)</a:t>
+            </a:r>
+          </a:p>
+          <a:p>
+            <a:pPr lvl="1"/>
+            <a:r>
+              <a:rPr lang="fr-FR" dirty="0" smtClean="0"/>
+              <a:t>La modélisation </a:t>
+            </a:r>
+            <a:r>
+              <a:rPr lang="fr-FR" dirty="0" smtClean="0"/>
+              <a:t>multi échelle </a:t>
+            </a:r>
+            <a:r>
+              <a:rPr lang="fr-FR" dirty="0" smtClean="0"/>
+              <a:t>permet, grâce au calcul numérique, de déduire des propriétés macroscopiques à partir de modèles microscopiques</a:t>
+            </a:r>
+          </a:p>
+          <a:p>
+            <a:pPr lvl="2"/>
+            <a:r>
+              <a:rPr lang="fr-FR" dirty="0" smtClean="0"/>
+              <a:t>Utilisation complémentaires de modèles probabilistes</a:t>
+            </a:r>
+          </a:p>
+          <a:p>
+            <a:pPr lvl="1"/>
+            <a:r>
+              <a:rPr lang="fr-FR" dirty="0" smtClean="0"/>
+              <a:t>Problèmes de compatibilité et de cohérences des codes de calcul</a:t>
             </a:r>
             <a:endParaRPr lang="fr-FR" dirty="0"/>
           </a:p>
@@ -9494,7 +9763,7 @@
     </p:spTree>
     <p:extLst>
       <p:ext uri="{BB962C8B-B14F-4D97-AF65-F5344CB8AC3E}">
-        <p14:creationId xmlns:p14="http://schemas.microsoft.com/office/powerpoint/2010/main" val="180591065"/>
+        <p14:creationId xmlns:p14="http://schemas.microsoft.com/office/powerpoint/2010/main" val="2231398042"/>
       </p:ext>
     </p:extLst>
   </p:cSld>
@@ -9540,22 +9809,14 @@
           <a:p>
             <a:r>
               <a:rPr lang="fr-FR" dirty="0" smtClean="0"/>
-              <a:t>Modélisation </a:t>
-            </a:r>
-            <a:r>
-              <a:rPr lang="fr-FR" dirty="0" err="1" smtClean="0"/>
-              <a:t>multiphysique</a:t>
-            </a:r>
-            <a:r>
-              <a:rPr lang="fr-FR" dirty="0" smtClean="0"/>
-              <a:t/>
+              <a:t>Modélisation multiphysique</a:t>
             </a:r>
             <a:br>
               <a:rPr lang="fr-FR" dirty="0" smtClean="0"/>
             </a:br>
             <a:r>
               <a:rPr lang="fr-FR" dirty="0" smtClean="0"/>
-              <a:t>Problématiques</a:t>
+              <a:t>Enjeux</a:t>
             </a:r>
             <a:endParaRPr lang="fr-FR" dirty="0"/>
           </a:p>
@@ -9578,63 +9839,7 @@
           <a:p>
             <a:r>
               <a:rPr lang="fr-FR" dirty="0" smtClean="0"/>
-              <a:t>Problèmes logiciels</a:t>
-            </a:r>
-          </a:p>
-          <a:p>
-            <a:pPr lvl="1"/>
-            <a:r>
-              <a:rPr lang="fr-FR" dirty="0" smtClean="0"/>
-              <a:t>Les logiciels utilisés de classiquement en SII sont orientés « </a:t>
-            </a:r>
-            <a:r>
-              <a:rPr lang="fr-FR" dirty="0" err="1" smtClean="0"/>
-              <a:t>monophysique</a:t>
-            </a:r>
-            <a:r>
-              <a:rPr lang="fr-FR" dirty="0" smtClean="0"/>
-              <a:t> ». Il faut donc utiliser des logiciels spécifiques.</a:t>
-            </a:r>
-          </a:p>
-          <a:p>
-            <a:pPr lvl="1"/>
-            <a:endParaRPr lang="fr-FR" dirty="0"/>
-          </a:p>
-          <a:p>
-            <a:r>
-              <a:rPr lang="fr-FR" dirty="0" smtClean="0"/>
-              <a:t>Problèmes pour l’enseignant</a:t>
-            </a:r>
-          </a:p>
-          <a:p>
-            <a:pPr lvl="1"/>
-            <a:r>
-              <a:rPr lang="fr-FR" dirty="0" smtClean="0"/>
-              <a:t>Ne maitrisant pas les lois comportementales de tous les champs de la physique, comment modéliser de façon juste un système ?</a:t>
-            </a:r>
-          </a:p>
-          <a:p>
-            <a:pPr lvl="1"/>
-            <a:endParaRPr lang="fr-FR" dirty="0"/>
-          </a:p>
-          <a:p>
-            <a:r>
-              <a:rPr lang="fr-FR" dirty="0" smtClean="0"/>
-              <a:t>Problèmes de l’élève</a:t>
-            </a:r>
-          </a:p>
-          <a:p>
-            <a:pPr lvl="1"/>
-            <a:r>
-              <a:rPr lang="fr-FR" dirty="0" smtClean="0"/>
-              <a:t>Qu’est-ce que l’élève doit savoir ?</a:t>
-            </a:r>
-          </a:p>
-          <a:p>
-            <a:pPr lvl="1"/>
-            <a:r>
-              <a:rPr lang="fr-FR" dirty="0" smtClean="0"/>
-              <a:t>Qu’est-ce que l’élève doit savoir-faire ?</a:t>
+              <a:t>Pouvoir simuler le comportement d’un système dans sa globalité </a:t>
             </a:r>
             <a:endParaRPr lang="fr-FR" dirty="0"/>
           </a:p>
@@ -9666,7 +9871,7 @@
     </p:spTree>
     <p:extLst>
       <p:ext uri="{BB962C8B-B14F-4D97-AF65-F5344CB8AC3E}">
-        <p14:creationId xmlns:p14="http://schemas.microsoft.com/office/powerpoint/2010/main" val="4081467805"/>
+        <p14:creationId xmlns:p14="http://schemas.microsoft.com/office/powerpoint/2010/main" val="180591065"/>
       </p:ext>
     </p:extLst>
   </p:cSld>
@@ -9706,30 +9911,22 @@
         <p:spPr/>
         <p:txBody>
           <a:bodyPr>
-            <a:noAutofit/>
+            <a:normAutofit fontScale="90000"/>
           </a:bodyPr>
           <a:lstStyle/>
           <a:p>
             <a:r>
-              <a:rPr lang="fr-FR" sz="2400" dirty="0"/>
-              <a:t>Modélisation </a:t>
-            </a:r>
-            <a:r>
-              <a:rPr lang="fr-FR" sz="2400" dirty="0" err="1"/>
-              <a:t>multiphysique</a:t>
-            </a:r>
-            <a:r>
-              <a:rPr lang="fr-FR" sz="2400" dirty="0"/>
-              <a:t/>
+              <a:rPr lang="fr-FR" dirty="0" smtClean="0"/>
+              <a:t>Modélisation multiphysique</a:t>
             </a:r>
             <a:br>
-              <a:rPr lang="fr-FR" sz="2400" dirty="0"/>
+              <a:rPr lang="fr-FR" dirty="0" smtClean="0"/>
             </a:br>
             <a:r>
-              <a:rPr lang="fr-FR" sz="2400" dirty="0" smtClean="0"/>
-              <a:t>Modélisation Causale/ Modélisation Acausale</a:t>
-            </a:r>
-            <a:endParaRPr lang="fr-FR" sz="2400" dirty="0"/>
+              <a:rPr lang="fr-FR" dirty="0" smtClean="0"/>
+              <a:t>Problématiques</a:t>
+            </a:r>
+            <a:endParaRPr lang="fr-FR" dirty="0"/>
           </a:p>
         </p:txBody>
       </p:sp>
@@ -9750,25 +9947,63 @@
           <a:p>
             <a:r>
               <a:rPr lang="fr-FR" dirty="0" smtClean="0"/>
-              <a:t>Dans le cadre de nos activités, on distingue la modélisation causale et acausale.</a:t>
-            </a:r>
-          </a:p>
-          <a:p>
+              <a:t>Problèmes logiciels</a:t>
+            </a:r>
+          </a:p>
+          <a:p>
+            <a:pPr lvl="1"/>
+            <a:r>
+              <a:rPr lang="fr-FR" dirty="0" smtClean="0"/>
+              <a:t>Les logiciels utilisés de classiquement en SII sont orientés « </a:t>
+            </a:r>
+            <a:r>
+              <a:rPr lang="fr-FR" dirty="0" err="1" smtClean="0"/>
+              <a:t>monophysique</a:t>
+            </a:r>
+            <a:r>
+              <a:rPr lang="fr-FR" dirty="0" smtClean="0"/>
+              <a:t> ». Il faut donc utiliser des logiciels spécifiques.</a:t>
+            </a:r>
+          </a:p>
+          <a:p>
+            <a:pPr lvl="1"/>
             <a:endParaRPr lang="fr-FR" dirty="0"/>
           </a:p>
           <a:p>
             <a:r>
               <a:rPr lang="fr-FR" dirty="0" smtClean="0"/>
-              <a:t>Les modèles causaux reposent sur une modélisation des systèmes par transformée de Laplace. Les simulations peuvent se faire par la « manipulation » de fonctions rationnelles.</a:t>
-            </a:r>
-          </a:p>
-          <a:p>
+              <a:t>Problèmes pour l’enseignant</a:t>
+            </a:r>
+          </a:p>
+          <a:p>
+            <a:pPr lvl="1"/>
+            <a:r>
+              <a:rPr lang="fr-FR" dirty="0" smtClean="0"/>
+              <a:t>Ne maitrisant pas les lois comportementales de tous les champs de la physique, comment modéliser de façon juste un système ?</a:t>
+            </a:r>
+          </a:p>
+          <a:p>
+            <a:pPr lvl="1"/>
             <a:endParaRPr lang="fr-FR" dirty="0"/>
           </a:p>
           <a:p>
             <a:r>
               <a:rPr lang="fr-FR" dirty="0" smtClean="0"/>
-              <a:t>Les modèles acausaux reposent sur une modélisation des systèmes par des équations différentielles (sans transformation dans le domaine de Laplace). Les simulations sont réalisée par une résolution numérique des équations différentielles.</a:t>
+              <a:t>Problèmes de l’élève</a:t>
+            </a:r>
+          </a:p>
+          <a:p>
+            <a:pPr lvl="1"/>
+            <a:r>
+              <a:rPr lang="fr-FR" dirty="0" smtClean="0"/>
+              <a:t>Qu’est-ce que l’élève doit savoir ?</a:t>
+            </a:r>
+          </a:p>
+          <a:p>
+            <a:pPr lvl="1"/>
+            <a:r>
+              <a:rPr lang="fr-FR" dirty="0" smtClean="0"/>
+              <a:t>Qu’est-ce que l’élève doit savoir-faire ?</a:t>
             </a:r>
             <a:endParaRPr lang="fr-FR" dirty="0"/>
           </a:p>
@@ -9800,7 +10035,7 @@
     </p:spTree>
     <p:extLst>
       <p:ext uri="{BB962C8B-B14F-4D97-AF65-F5344CB8AC3E}">
-        <p14:creationId xmlns:p14="http://schemas.microsoft.com/office/powerpoint/2010/main" val="3594615262"/>
+        <p14:creationId xmlns:p14="http://schemas.microsoft.com/office/powerpoint/2010/main" val="4081467805"/>
       </p:ext>
     </p:extLst>
   </p:cSld>
@@ -9846,23 +10081,16 @@
           <a:p>
             <a:r>
               <a:rPr lang="fr-FR" sz="2400" dirty="0"/>
-              <a:t>Modélisation </a:t>
-            </a:r>
-            <a:r>
-              <a:rPr lang="fr-FR" sz="2400" dirty="0" err="1"/>
-              <a:t>multiphysique</a:t>
-            </a:r>
-            <a:r>
-              <a:rPr lang="fr-FR" sz="2400" dirty="0"/>
-              <a:t/>
+              <a:t>Modélisation multiphysique</a:t>
             </a:r>
             <a:br>
               <a:rPr lang="fr-FR" sz="2400" dirty="0"/>
             </a:br>
             <a:r>
-              <a:rPr lang="fr-FR" sz="2400" dirty="0"/>
+              <a:rPr lang="fr-FR" sz="2400" dirty="0" smtClean="0"/>
               <a:t>Modélisation Causale/ Modélisation Acausale</a:t>
             </a:r>
+            <a:endParaRPr lang="fr-FR" sz="2400" dirty="0"/>
           </a:p>
         </p:txBody>
       </p:sp>
@@ -9883,7 +10111,25 @@
           <a:p>
             <a:r>
               <a:rPr lang="fr-FR" dirty="0" smtClean="0"/>
-              <a:t>Représentation graphique de modèles causaux et acausaux</a:t>
+              <a:t>Dans le cadre de nos activités, on distingue la modélisation causale et acausale.</a:t>
+            </a:r>
+          </a:p>
+          <a:p>
+            <a:endParaRPr lang="fr-FR" dirty="0"/>
+          </a:p>
+          <a:p>
+            <a:r>
+              <a:rPr lang="fr-FR" dirty="0" smtClean="0"/>
+              <a:t>Les modèles causaux reposent sur une modélisation des systèmes par transformée de Laplace. Les simulations peuvent se faire par la « manipulation » de fonctions rationnelles.</a:t>
+            </a:r>
+          </a:p>
+          <a:p>
+            <a:endParaRPr lang="fr-FR" dirty="0"/>
+          </a:p>
+          <a:p>
+            <a:r>
+              <a:rPr lang="fr-FR" dirty="0" smtClean="0"/>
+              <a:t>Les modèles acausaux reposent sur une modélisation des systèmes par des équations différentielles (sans transformation dans le domaine de Laplace). Les simulations sont réalisée par une résolution numérique des équations différentielles.</a:t>
             </a:r>
             <a:endParaRPr lang="fr-FR" dirty="0"/>
           </a:p>
@@ -9915,7 +10161,7 @@
     </p:spTree>
     <p:extLst>
       <p:ext uri="{BB962C8B-B14F-4D97-AF65-F5344CB8AC3E}">
-        <p14:creationId xmlns:p14="http://schemas.microsoft.com/office/powerpoint/2010/main" val="386149566"/>
+        <p14:creationId xmlns:p14="http://schemas.microsoft.com/office/powerpoint/2010/main" val="3594615262"/>
       </p:ext>
     </p:extLst>
   </p:cSld>
@@ -9944,7 +10190,7 @@
       </p:grpSpPr>
       <p:sp>
         <p:nvSpPr>
-          <p:cNvPr id="4" name="Titre 3"/>
+          <p:cNvPr id="2" name="Titre 1"/>
           <p:cNvSpPr>
             <a:spLocks noGrp="1"/>
           </p:cNvSpPr>
@@ -9954,36 +10200,43 @@
         </p:nvSpPr>
         <p:spPr/>
         <p:txBody>
+          <a:bodyPr>
+            <a:noAutofit/>
+          </a:bodyPr>
+          <a:lstStyle/>
+          <a:p>
+            <a:r>
+              <a:rPr lang="fr-FR" sz="2400" dirty="0"/>
+              <a:t>Modélisation multiphysique</a:t>
+            </a:r>
+            <a:br>
+              <a:rPr lang="fr-FR" sz="2400" dirty="0"/>
+            </a:br>
+            <a:r>
+              <a:rPr lang="fr-FR" sz="2400" dirty="0"/>
+              <a:t>Modélisation Causale/ Modélisation Acausale</a:t>
+            </a:r>
+          </a:p>
+        </p:txBody>
+      </p:sp>
+      <p:sp>
+        <p:nvSpPr>
+          <p:cNvPr id="3" name="Espace réservé du contenu 2"/>
+          <p:cNvSpPr>
+            <a:spLocks noGrp="1"/>
+          </p:cNvSpPr>
+          <p:nvPr>
+            <p:ph sz="quarter" idx="1"/>
+          </p:nvPr>
+        </p:nvSpPr>
+        <p:spPr/>
+        <p:txBody>
           <a:bodyPr/>
           <a:lstStyle/>
           <a:p>
             <a:r>
-              <a:rPr lang="fr-FR" dirty="0" err="1" smtClean="0"/>
-              <a:t>Scilab</a:t>
-            </a:r>
-            <a:r>
-              <a:rPr lang="fr-FR" dirty="0" smtClean="0"/>
-              <a:t>, </a:t>
-            </a:r>
-            <a:r>
-              <a:rPr lang="fr-FR" dirty="0" err="1" smtClean="0"/>
-              <a:t>Matlab</a:t>
-            </a:r>
-            <a:r>
-              <a:rPr lang="fr-FR" dirty="0" smtClean="0"/>
-              <a:t>, Simulink, </a:t>
-            </a:r>
-            <a:r>
-              <a:rPr lang="fr-FR" dirty="0" err="1" smtClean="0"/>
-              <a:t>Xcos</a:t>
-            </a:r>
-            <a:r>
-              <a:rPr lang="fr-FR" dirty="0" smtClean="0"/>
-              <a:t>, </a:t>
-            </a:r>
-            <a:r>
-              <a:rPr lang="fr-FR" dirty="0" err="1" smtClean="0"/>
-              <a:t>Modelica</a:t>
+              <a:rPr lang="fr-FR" dirty="0" smtClean="0"/>
+              <a:t>Représentation graphique de modèles causaux et acausaux</a:t>
             </a:r>
             <a:endParaRPr lang="fr-FR" dirty="0"/>
           </a:p>
@@ -9991,35 +10244,12 @@
       </p:sp>
       <p:sp>
         <p:nvSpPr>
-          <p:cNvPr id="5" name="Espace réservé du texte 4"/>
-          <p:cNvSpPr>
-            <a:spLocks noGrp="1"/>
-          </p:cNvSpPr>
-          <p:nvPr>
-            <p:ph type="body" idx="1"/>
-          </p:nvPr>
-        </p:nvSpPr>
-        <p:spPr/>
-        <p:txBody>
-          <a:bodyPr/>
-          <a:lstStyle/>
-          <a:p>
-            <a:r>
-              <a:rPr lang="fr-FR" dirty="0" smtClean="0"/>
-              <a:t>Qu’est ce que c’est tout ça ?</a:t>
-            </a:r>
-            <a:endParaRPr lang="fr-FR" dirty="0"/>
-          </a:p>
-        </p:txBody>
-      </p:sp>
-      <p:sp>
-        <p:nvSpPr>
-          <p:cNvPr id="6" name="Espace réservé du numéro de diapositive 5"/>
-          <p:cNvSpPr>
-            <a:spLocks noGrp="1"/>
-          </p:cNvSpPr>
-          <p:nvPr>
-            <p:ph type="sldNum" sz="quarter" idx="12"/>
+          <p:cNvPr id="4" name="Espace réservé du numéro de diapositive 3"/>
+          <p:cNvSpPr>
+            <a:spLocks noGrp="1"/>
+          </p:cNvSpPr>
+          <p:nvPr>
+            <p:ph type="sldNum" sz="quarter" idx="15"/>
           </p:nvPr>
         </p:nvSpPr>
         <p:spPr/>
@@ -10038,7 +10268,7 @@
     </p:spTree>
     <p:extLst>
       <p:ext uri="{BB962C8B-B14F-4D97-AF65-F5344CB8AC3E}">
-        <p14:creationId xmlns:p14="http://schemas.microsoft.com/office/powerpoint/2010/main" val="3489141374"/>
+        <p14:creationId xmlns:p14="http://schemas.microsoft.com/office/powerpoint/2010/main" val="386149566"/>
       </p:ext>
     </p:extLst>
   </p:cSld>

--- a/ModelisationMultiphysique/ModelisationMultiphysique.pptx
+++ b/ModelisationMultiphysique/ModelisationMultiphysique.pptx
@@ -5,34 +5,38 @@
     <p:sldMasterId id="2147483804" r:id="rId1"/>
   </p:sldMasterIdLst>
   <p:notesMasterIdLst>
-    <p:notesMasterId r:id="rId27"/>
+    <p:notesMasterId r:id="rId31"/>
   </p:notesMasterIdLst>
   <p:sldIdLst>
     <p:sldId id="256" r:id="rId2"/>
     <p:sldId id="282" r:id="rId3"/>
     <p:sldId id="281" r:id="rId4"/>
     <p:sldId id="263" r:id="rId5"/>
-    <p:sldId id="272" r:id="rId6"/>
-    <p:sldId id="273" r:id="rId7"/>
-    <p:sldId id="274" r:id="rId8"/>
-    <p:sldId id="276" r:id="rId9"/>
-    <p:sldId id="277" r:id="rId10"/>
-    <p:sldId id="271" r:id="rId11"/>
-    <p:sldId id="278" r:id="rId12"/>
-    <p:sldId id="279" r:id="rId13"/>
-    <p:sldId id="275" r:id="rId14"/>
-    <p:sldId id="259" r:id="rId15"/>
-    <p:sldId id="260" r:id="rId16"/>
-    <p:sldId id="261" r:id="rId17"/>
-    <p:sldId id="280" r:id="rId18"/>
-    <p:sldId id="262" r:id="rId19"/>
-    <p:sldId id="265" r:id="rId20"/>
-    <p:sldId id="267" r:id="rId21"/>
-    <p:sldId id="268" r:id="rId22"/>
-    <p:sldId id="269" r:id="rId23"/>
-    <p:sldId id="270" r:id="rId24"/>
-    <p:sldId id="264" r:id="rId25"/>
-    <p:sldId id="266" r:id="rId26"/>
+    <p:sldId id="273" r:id="rId6"/>
+    <p:sldId id="272" r:id="rId7"/>
+    <p:sldId id="283" r:id="rId8"/>
+    <p:sldId id="286" r:id="rId9"/>
+    <p:sldId id="284" r:id="rId10"/>
+    <p:sldId id="285" r:id="rId11"/>
+    <p:sldId id="274" r:id="rId12"/>
+    <p:sldId id="276" r:id="rId13"/>
+    <p:sldId id="277" r:id="rId14"/>
+    <p:sldId id="271" r:id="rId15"/>
+    <p:sldId id="278" r:id="rId16"/>
+    <p:sldId id="279" r:id="rId17"/>
+    <p:sldId id="275" r:id="rId18"/>
+    <p:sldId id="259" r:id="rId19"/>
+    <p:sldId id="260" r:id="rId20"/>
+    <p:sldId id="261" r:id="rId21"/>
+    <p:sldId id="280" r:id="rId22"/>
+    <p:sldId id="262" r:id="rId23"/>
+    <p:sldId id="265" r:id="rId24"/>
+    <p:sldId id="267" r:id="rId25"/>
+    <p:sldId id="268" r:id="rId26"/>
+    <p:sldId id="269" r:id="rId27"/>
+    <p:sldId id="270" r:id="rId28"/>
+    <p:sldId id="264" r:id="rId29"/>
+    <p:sldId id="266" r:id="rId30"/>
   </p:sldIdLst>
   <p:sldSz cx="9144000" cy="6858000" type="screen4x3"/>
   <p:notesSz cx="6858000" cy="9144000"/>
@@ -216,7 +220,7 @@
           <a:p>
             <a:fld id="{39C4ABE7-6968-4EF3-8008-B142D354329E}" type="datetimeFigureOut">
               <a:rPr lang="fr-FR" smtClean="0"/>
-              <a:t>29/01/2014</a:t>
+              <a:t>30/01/2014</a:t>
             </a:fld>
             <a:endParaRPr lang="fr-FR"/>
           </a:p>
@@ -621,7 +625,7 @@
           <a:p>
             <a:fld id="{B4549172-3FEE-47D0-BB65-1A18684F7B98}" type="datetime1">
               <a:rPr lang="fr-FR" smtClean="0"/>
-              <a:t>29/01/2014</a:t>
+              <a:t>30/01/2014</a:t>
             </a:fld>
             <a:endParaRPr lang="fr-FR"/>
           </a:p>
@@ -1490,7 +1494,7 @@
           <a:p>
             <a:fld id="{0688EC1D-1471-4698-BCB8-4CF0BC090325}" type="datetime1">
               <a:rPr lang="fr-FR" smtClean="0"/>
-              <a:t>29/01/2014</a:t>
+              <a:t>30/01/2014</a:t>
             </a:fld>
             <a:endParaRPr lang="fr-FR"/>
           </a:p>
@@ -1665,7 +1669,7 @@
           <a:p>
             <a:fld id="{34F453BD-45AF-4B4E-99AC-6020FBB0AF33}" type="datetime1">
               <a:rPr lang="fr-FR" smtClean="0"/>
-              <a:t>29/01/2014</a:t>
+              <a:t>30/01/2014</a:t>
             </a:fld>
             <a:endParaRPr lang="fr-FR"/>
           </a:p>
@@ -1835,7 +1839,7 @@
           <a:p>
             <a:fld id="{FEB61240-9CB5-48EB-BBA6-3C19629F7658}" type="datetime1">
               <a:rPr lang="fr-FR" smtClean="0"/>
-              <a:t>29/01/2014</a:t>
+              <a:t>30/01/2014</a:t>
             </a:fld>
             <a:endParaRPr lang="fr-FR"/>
           </a:p>
@@ -2045,7 +2049,7 @@
           <a:p>
             <a:fld id="{2BAACD1D-30C3-476D-A850-5E16ED207568}" type="datetime1">
               <a:rPr lang="fr-FR" smtClean="0"/>
-              <a:t>29/01/2014</a:t>
+              <a:t>30/01/2014</a:t>
             </a:fld>
             <a:endParaRPr lang="fr-FR"/>
           </a:p>
@@ -2859,7 +2863,7 @@
           <a:p>
             <a:fld id="{B9694703-0C5B-4AFF-B4BE-E07D7CDC5B14}" type="datetime1">
               <a:rPr lang="fr-FR" smtClean="0"/>
-              <a:t>29/01/2014</a:t>
+              <a:t>30/01/2014</a:t>
             </a:fld>
             <a:endParaRPr lang="fr-FR"/>
           </a:p>
@@ -3095,7 +3099,7 @@
           <a:p>
             <a:fld id="{37245C4D-23E6-48C4-9F30-3F474E6D101F}" type="datetime1">
               <a:rPr lang="fr-FR" smtClean="0"/>
-              <a:t>29/01/2014</a:t>
+              <a:t>30/01/2014</a:t>
             </a:fld>
             <a:endParaRPr lang="fr-FR"/>
           </a:p>
@@ -3418,7 +3422,7 @@
           <a:p>
             <a:fld id="{A3E5E471-8E97-4CF8-A94F-AB51374CF764}" type="datetime1">
               <a:rPr lang="fr-FR" smtClean="0"/>
-              <a:t>29/01/2014</a:t>
+              <a:t>30/01/2014</a:t>
             </a:fld>
             <a:endParaRPr lang="fr-FR"/>
           </a:p>
@@ -3508,7 +3512,7 @@
           <a:p>
             <a:fld id="{6A8C3648-6B48-4061-B02D-C97909C99497}" type="datetime1">
               <a:rPr lang="fr-FR" smtClean="0"/>
-              <a:t>29/01/2014</a:t>
+              <a:t>30/01/2014</a:t>
             </a:fld>
             <a:endParaRPr lang="fr-FR"/>
           </a:p>
@@ -4025,7 +4029,7 @@
           <a:p>
             <a:fld id="{B2A6E1C4-077A-4686-B4A8-84EDB76D0538}" type="datetime1">
               <a:rPr lang="fr-FR" smtClean="0"/>
-              <a:t>29/01/2014</a:t>
+              <a:t>30/01/2014</a:t>
             </a:fld>
             <a:endParaRPr lang="fr-FR"/>
           </a:p>
@@ -4536,7 +4540,7 @@
           <a:p>
             <a:fld id="{B2A3A41F-5CC8-4B2F-A21F-2E1DB772744F}" type="datetime1">
               <a:rPr lang="fr-FR" smtClean="0"/>
-              <a:t>29/01/2014</a:t>
+              <a:t>30/01/2014</a:t>
             </a:fld>
             <a:endParaRPr lang="fr-FR"/>
           </a:p>
@@ -4781,7 +4785,7 @@
           <a:p>
             <a:fld id="{85C30354-83D0-4C08-BE63-E487BB73E13E}" type="datetime1">
               <a:rPr lang="fr-FR" smtClean="0"/>
-              <a:t>29/01/2014</a:t>
+              <a:t>30/01/2014</a:t>
             </a:fld>
             <a:endParaRPr lang="fr-FR"/>
           </a:p>
@@ -5517,7 +5521,7 @@
       </p:grpSpPr>
       <p:sp>
         <p:nvSpPr>
-          <p:cNvPr id="4" name="Titre 3"/>
+          <p:cNvPr id="2" name="Titre 1"/>
           <p:cNvSpPr>
             <a:spLocks noGrp="1"/>
           </p:cNvSpPr>
@@ -5527,36 +5531,44 @@
         </p:nvSpPr>
         <p:spPr/>
         <p:txBody>
+          <a:bodyPr>
+            <a:normAutofit fontScale="90000"/>
+          </a:bodyPr>
+          <a:lstStyle/>
+          <a:p>
+            <a:r>
+              <a:rPr lang="fr-FR" dirty="0" smtClean="0"/>
+              <a:t>Modélisation multiphysique</a:t>
+            </a:r>
+            <a:br>
+              <a:rPr lang="fr-FR" dirty="0" smtClean="0"/>
+            </a:br>
+            <a:r>
+              <a:rPr lang="fr-FR" dirty="0" smtClean="0"/>
+              <a:t>Enjeux</a:t>
+            </a:r>
+            <a:endParaRPr lang="fr-FR" dirty="0"/>
+          </a:p>
+        </p:txBody>
+      </p:sp>
+      <p:sp>
+        <p:nvSpPr>
+          <p:cNvPr id="3" name="Espace réservé du contenu 2"/>
+          <p:cNvSpPr>
+            <a:spLocks noGrp="1"/>
+          </p:cNvSpPr>
+          <p:nvPr>
+            <p:ph sz="quarter" idx="1"/>
+          </p:nvPr>
+        </p:nvSpPr>
+        <p:spPr/>
+        <p:txBody>
           <a:bodyPr/>
           <a:lstStyle/>
           <a:p>
             <a:r>
-              <a:rPr lang="fr-FR" dirty="0" err="1" smtClean="0"/>
-              <a:t>Scilab</a:t>
-            </a:r>
-            <a:r>
-              <a:rPr lang="fr-FR" dirty="0" smtClean="0"/>
-              <a:t>, </a:t>
-            </a:r>
-            <a:r>
-              <a:rPr lang="fr-FR" dirty="0" err="1" smtClean="0"/>
-              <a:t>Matlab</a:t>
-            </a:r>
-            <a:r>
-              <a:rPr lang="fr-FR" dirty="0" smtClean="0"/>
-              <a:t>, Simulink, </a:t>
-            </a:r>
-            <a:r>
-              <a:rPr lang="fr-FR" dirty="0" err="1" smtClean="0"/>
-              <a:t>Xcos</a:t>
-            </a:r>
-            <a:r>
-              <a:rPr lang="fr-FR" dirty="0" smtClean="0"/>
-              <a:t>, </a:t>
-            </a:r>
-            <a:r>
-              <a:rPr lang="fr-FR" dirty="0" err="1" smtClean="0"/>
-              <a:t>Modelica</a:t>
+              <a:rPr lang="fr-FR" dirty="0" smtClean="0"/>
+              <a:t>Pouvoir simuler le comportement d’un système dans sa globalité </a:t>
             </a:r>
             <a:endParaRPr lang="fr-FR" dirty="0"/>
           </a:p>
@@ -5564,35 +5576,12 @@
       </p:sp>
       <p:sp>
         <p:nvSpPr>
-          <p:cNvPr id="5" name="Espace réservé du texte 4"/>
-          <p:cNvSpPr>
-            <a:spLocks noGrp="1"/>
-          </p:cNvSpPr>
-          <p:nvPr>
-            <p:ph type="body" idx="1"/>
-          </p:nvPr>
-        </p:nvSpPr>
-        <p:spPr/>
-        <p:txBody>
-          <a:bodyPr/>
-          <a:lstStyle/>
-          <a:p>
-            <a:r>
-              <a:rPr lang="fr-FR" dirty="0" smtClean="0"/>
-              <a:t>Qu’est ce que c’est tout ça ?</a:t>
-            </a:r>
-            <a:endParaRPr lang="fr-FR" dirty="0"/>
-          </a:p>
-        </p:txBody>
-      </p:sp>
-      <p:sp>
-        <p:nvSpPr>
-          <p:cNvPr id="6" name="Espace réservé du numéro de diapositive 5"/>
-          <p:cNvSpPr>
-            <a:spLocks noGrp="1"/>
-          </p:cNvSpPr>
-          <p:nvPr>
-            <p:ph type="sldNum" sz="quarter" idx="12"/>
+          <p:cNvPr id="4" name="Espace réservé du numéro de diapositive 3"/>
+          <p:cNvSpPr>
+            <a:spLocks noGrp="1"/>
+          </p:cNvSpPr>
+          <p:nvPr>
+            <p:ph type="sldNum" sz="quarter" idx="15"/>
           </p:nvPr>
         </p:nvSpPr>
         <p:spPr/>
@@ -5611,7 +5600,7 @@
     </p:spTree>
     <p:extLst>
       <p:ext uri="{BB962C8B-B14F-4D97-AF65-F5344CB8AC3E}">
-        <p14:creationId xmlns:p14="http://schemas.microsoft.com/office/powerpoint/2010/main" val="3489141374"/>
+        <p14:creationId xmlns:p14="http://schemas.microsoft.com/office/powerpoint/2010/main" val="3490192258"/>
       </p:ext>
     </p:extLst>
   </p:cSld>
@@ -5640,7 +5629,7 @@
       </p:grpSpPr>
       <p:sp>
         <p:nvSpPr>
-          <p:cNvPr id="5" name="Titre 4"/>
+          <p:cNvPr id="2" name="Titre 1"/>
           <p:cNvSpPr>
             <a:spLocks noGrp="1"/>
           </p:cNvSpPr>
@@ -5650,110 +5639,102 @@
         </p:nvSpPr>
         <p:spPr/>
         <p:txBody>
+          <a:bodyPr>
+            <a:normAutofit fontScale="90000"/>
+          </a:bodyPr>
+          <a:lstStyle/>
+          <a:p>
+            <a:r>
+              <a:rPr lang="fr-FR" dirty="0" smtClean="0"/>
+              <a:t>Modélisation multiphysique</a:t>
+            </a:r>
+            <a:br>
+              <a:rPr lang="fr-FR" dirty="0" smtClean="0"/>
+            </a:br>
+            <a:r>
+              <a:rPr lang="fr-FR" dirty="0" smtClean="0"/>
+              <a:t>Problématiques</a:t>
+            </a:r>
+            <a:endParaRPr lang="fr-FR" dirty="0"/>
+          </a:p>
+        </p:txBody>
+      </p:sp>
+      <p:sp>
+        <p:nvSpPr>
+          <p:cNvPr id="3" name="Espace réservé du contenu 2"/>
+          <p:cNvSpPr>
+            <a:spLocks noGrp="1"/>
+          </p:cNvSpPr>
+          <p:nvPr>
+            <p:ph sz="quarter" idx="1"/>
+          </p:nvPr>
+        </p:nvSpPr>
+        <p:spPr/>
+        <p:txBody>
           <a:bodyPr/>
           <a:lstStyle/>
           <a:p>
             <a:r>
               <a:rPr lang="fr-FR" dirty="0" smtClean="0"/>
-              <a:t>Les logiciels de calcul numérique</a:t>
-            </a:r>
+              <a:t>Problèmes logiciels</a:t>
+            </a:r>
+          </a:p>
+          <a:p>
+            <a:pPr lvl="1"/>
+            <a:r>
+              <a:rPr lang="fr-FR" dirty="0" smtClean="0"/>
+              <a:t>Les logiciels utilisés de classiquement en SII sont orientés « </a:t>
+            </a:r>
+            <a:r>
+              <a:rPr lang="fr-FR" dirty="0" err="1" smtClean="0"/>
+              <a:t>monophysique</a:t>
+            </a:r>
+            <a:r>
+              <a:rPr lang="fr-FR" dirty="0" smtClean="0"/>
+              <a:t> ». Il faut donc utiliser des logiciels spécifiques.</a:t>
+            </a:r>
+          </a:p>
+          <a:p>
+            <a:pPr lvl="1"/>
             <a:endParaRPr lang="fr-FR" dirty="0"/>
           </a:p>
-        </p:txBody>
-      </p:sp>
-      <p:sp>
-        <p:nvSpPr>
-          <p:cNvPr id="6" name="Espace réservé du contenu 5"/>
-          <p:cNvSpPr>
-            <a:spLocks noGrp="1"/>
-          </p:cNvSpPr>
-          <p:nvPr>
-            <p:ph sz="quarter" idx="1"/>
-          </p:nvPr>
-        </p:nvSpPr>
-        <p:spPr/>
-        <p:txBody>
-          <a:bodyPr/>
-          <a:lstStyle/>
-          <a:p>
-            <a:r>
-              <a:rPr lang="fr-FR" dirty="0" smtClean="0"/>
-              <a:t>Parmi les logiciels de simulation numérique utilisés dans la recherche ou dans l’industrie on trouve </a:t>
-            </a:r>
-            <a:r>
-              <a:rPr lang="fr-FR" dirty="0" err="1" smtClean="0"/>
-              <a:t>Matlab</a:t>
-            </a:r>
-            <a:r>
-              <a:rPr lang="fr-FR" dirty="0" smtClean="0"/>
-              <a:t> et </a:t>
-            </a:r>
-            <a:r>
-              <a:rPr lang="fr-FR" dirty="0" err="1" smtClean="0"/>
-              <a:t>Scilab</a:t>
-            </a:r>
-            <a:r>
-              <a:rPr lang="fr-FR" dirty="0" smtClean="0"/>
-              <a:t>.</a:t>
+          <a:p>
+            <a:r>
+              <a:rPr lang="fr-FR" dirty="0" smtClean="0"/>
+              <a:t>Problèmes pour l’enseignant</a:t>
             </a:r>
           </a:p>
           <a:p>
             <a:pPr lvl="1"/>
             <a:r>
-              <a:rPr lang="fr-FR" dirty="0" err="1" smtClean="0"/>
-              <a:t>Matlab</a:t>
-            </a:r>
-            <a:r>
-              <a:rPr lang="fr-FR" dirty="0"/>
-              <a:t> </a:t>
-            </a:r>
-            <a:r>
-              <a:rPr lang="fr-FR" dirty="0" smtClean="0"/>
-              <a:t>et </a:t>
-            </a:r>
-            <a:r>
-              <a:rPr lang="fr-FR" dirty="0" err="1" smtClean="0"/>
-              <a:t>Scilab</a:t>
-            </a:r>
-            <a:r>
-              <a:rPr lang="fr-FR" dirty="0" smtClean="0"/>
-              <a:t> sont des logiciels de calcul numériques. Ils possèdent un langage de programmation (haut niveau) permettant (entre autre) de manipuler aisément des matrices et d’afficher des courbes de résultats.</a:t>
-            </a:r>
-          </a:p>
-          <a:p>
-            <a:r>
-              <a:rPr lang="fr-FR" dirty="0" smtClean="0"/>
-              <a:t>Simulink et </a:t>
-            </a:r>
-            <a:r>
-              <a:rPr lang="fr-FR" dirty="0" err="1" smtClean="0"/>
-              <a:t>Xcos</a:t>
-            </a:r>
-            <a:r>
-              <a:rPr lang="fr-FR" dirty="0" smtClean="0"/>
-              <a:t> sont des modules respectifs de </a:t>
-            </a:r>
-            <a:r>
-              <a:rPr lang="fr-FR" dirty="0" err="1" smtClean="0"/>
-              <a:t>Matlab</a:t>
-            </a:r>
-            <a:r>
-              <a:rPr lang="fr-FR" dirty="0" smtClean="0"/>
-              <a:t> et </a:t>
-            </a:r>
-            <a:r>
-              <a:rPr lang="fr-FR" dirty="0" err="1" smtClean="0"/>
-              <a:t>Scilab</a:t>
-            </a:r>
-            <a:r>
-              <a:rPr lang="fr-FR" dirty="0" smtClean="0"/>
-              <a:t> permettant de réaliser des modélisations graphiques de systèmes </a:t>
-            </a:r>
-            <a:r>
-              <a:rPr lang="fr-FR" dirty="0" err="1" smtClean="0"/>
-              <a:t>multiphysiques</a:t>
-            </a:r>
-            <a:endParaRPr lang="fr-FR" dirty="0" smtClean="0"/>
+              <a:rPr lang="fr-FR" dirty="0" smtClean="0"/>
+              <a:t>Ne maitrisant pas les lois comportementales de tous les champs de la physique, comment modéliser de façon juste un système ?</a:t>
+            </a:r>
+          </a:p>
+          <a:p>
+            <a:pPr lvl="1"/>
+            <a:endParaRPr lang="fr-FR" dirty="0"/>
+          </a:p>
+          <a:p>
+            <a:r>
+              <a:rPr lang="fr-FR" dirty="0" smtClean="0"/>
+              <a:t>Problèmes de l’élève</a:t>
+            </a:r>
+          </a:p>
+          <a:p>
+            <a:pPr lvl="1"/>
+            <a:r>
+              <a:rPr lang="fr-FR" dirty="0" smtClean="0"/>
+              <a:t>Qu’est-ce que l’élève doit savoir ?</a:t>
+            </a:r>
+          </a:p>
+          <a:p>
+            <a:pPr lvl="1"/>
+            <a:r>
+              <a:rPr lang="fr-FR" dirty="0" smtClean="0"/>
+              <a:t>Qu’est-ce que l’élève doit savoir-faire ?</a:t>
+            </a:r>
+            <a:endParaRPr lang="fr-FR" dirty="0"/>
           </a:p>
         </p:txBody>
       </p:sp>
@@ -5775,6 +5756,534 @@
             <a:fld id="{136A7F36-7A21-4EA8-9DC2-F00219448035}" type="slidenum">
               <a:rPr lang="fr-FR" smtClean="0"/>
               <a:t>11</a:t>
+            </a:fld>
+            <a:endParaRPr lang="fr-FR"/>
+          </a:p>
+        </p:txBody>
+      </p:sp>
+    </p:spTree>
+    <p:extLst>
+      <p:ext uri="{BB962C8B-B14F-4D97-AF65-F5344CB8AC3E}">
+        <p14:creationId xmlns:p14="http://schemas.microsoft.com/office/powerpoint/2010/main" val="4081467805"/>
+      </p:ext>
+    </p:extLst>
+  </p:cSld>
+  <p:clrMapOvr>
+    <a:masterClrMapping/>
+  </p:clrMapOvr>
+</p:sld>
+</file>
+
+<file path=ppt/slides/slide12.xml><?xml version="1.0" encoding="utf-8"?>
+<p:sld xmlns:a="http://schemas.openxmlformats.org/drawingml/2006/main" xmlns:r="http://schemas.openxmlformats.org/officeDocument/2006/relationships" xmlns:p="http://schemas.openxmlformats.org/presentationml/2006/main">
+  <p:cSld>
+    <p:spTree>
+      <p:nvGrpSpPr>
+        <p:cNvPr id="1" name=""/>
+        <p:cNvGrpSpPr/>
+        <p:nvPr/>
+      </p:nvGrpSpPr>
+      <p:grpSpPr>
+        <a:xfrm>
+          <a:off x="0" y="0"/>
+          <a:ext cx="0" cy="0"/>
+          <a:chOff x="0" y="0"/>
+          <a:chExt cx="0" cy="0"/>
+        </a:xfrm>
+      </p:grpSpPr>
+      <p:sp>
+        <p:nvSpPr>
+          <p:cNvPr id="2" name="Titre 1"/>
+          <p:cNvSpPr>
+            <a:spLocks noGrp="1"/>
+          </p:cNvSpPr>
+          <p:nvPr>
+            <p:ph type="title"/>
+          </p:nvPr>
+        </p:nvSpPr>
+        <p:spPr/>
+        <p:txBody>
+          <a:bodyPr>
+            <a:noAutofit/>
+          </a:bodyPr>
+          <a:lstStyle/>
+          <a:p>
+            <a:r>
+              <a:rPr lang="fr-FR" sz="2400" dirty="0"/>
+              <a:t>Modélisation multiphysique</a:t>
+            </a:r>
+            <a:br>
+              <a:rPr lang="fr-FR" sz="2400" dirty="0"/>
+            </a:br>
+            <a:r>
+              <a:rPr lang="fr-FR" sz="2400" dirty="0" smtClean="0"/>
+              <a:t>Modélisation Causale/ Modélisation Acausale</a:t>
+            </a:r>
+            <a:endParaRPr lang="fr-FR" sz="2400" dirty="0"/>
+          </a:p>
+        </p:txBody>
+      </p:sp>
+      <p:sp>
+        <p:nvSpPr>
+          <p:cNvPr id="3" name="Espace réservé du contenu 2"/>
+          <p:cNvSpPr>
+            <a:spLocks noGrp="1"/>
+          </p:cNvSpPr>
+          <p:nvPr>
+            <p:ph sz="quarter" idx="1"/>
+          </p:nvPr>
+        </p:nvSpPr>
+        <p:spPr/>
+        <p:txBody>
+          <a:bodyPr/>
+          <a:lstStyle/>
+          <a:p>
+            <a:r>
+              <a:rPr lang="fr-FR" dirty="0" smtClean="0"/>
+              <a:t>Dans le cadre de nos activités, on distingue la modélisation causale et acausale.</a:t>
+            </a:r>
+          </a:p>
+          <a:p>
+            <a:endParaRPr lang="fr-FR" dirty="0"/>
+          </a:p>
+          <a:p>
+            <a:r>
+              <a:rPr lang="fr-FR" dirty="0" smtClean="0"/>
+              <a:t>Les modèles causaux reposent sur une modélisation des systèmes par transformée de Laplace. Les simulations peuvent se faire par la « manipulation » de fonctions rationnelles.</a:t>
+            </a:r>
+          </a:p>
+          <a:p>
+            <a:endParaRPr lang="fr-FR" dirty="0"/>
+          </a:p>
+          <a:p>
+            <a:r>
+              <a:rPr lang="fr-FR" dirty="0" smtClean="0"/>
+              <a:t>Les modèles acausaux reposent sur une modélisation des systèmes par des équations différentielles (sans transformation dans le domaine de Laplace). Les simulations sont réalisée par une résolution numérique des équations différentielles.</a:t>
+            </a:r>
+            <a:endParaRPr lang="fr-FR" dirty="0"/>
+          </a:p>
+        </p:txBody>
+      </p:sp>
+      <p:sp>
+        <p:nvSpPr>
+          <p:cNvPr id="4" name="Espace réservé du numéro de diapositive 3"/>
+          <p:cNvSpPr>
+            <a:spLocks noGrp="1"/>
+          </p:cNvSpPr>
+          <p:nvPr>
+            <p:ph type="sldNum" sz="quarter" idx="15"/>
+          </p:nvPr>
+        </p:nvSpPr>
+        <p:spPr/>
+        <p:txBody>
+          <a:bodyPr/>
+          <a:lstStyle/>
+          <a:p>
+            <a:fld id="{136A7F36-7A21-4EA8-9DC2-F00219448035}" type="slidenum">
+              <a:rPr lang="fr-FR" smtClean="0"/>
+              <a:t>12</a:t>
+            </a:fld>
+            <a:endParaRPr lang="fr-FR"/>
+          </a:p>
+        </p:txBody>
+      </p:sp>
+    </p:spTree>
+    <p:extLst>
+      <p:ext uri="{BB962C8B-B14F-4D97-AF65-F5344CB8AC3E}">
+        <p14:creationId xmlns:p14="http://schemas.microsoft.com/office/powerpoint/2010/main" val="3594615262"/>
+      </p:ext>
+    </p:extLst>
+  </p:cSld>
+  <p:clrMapOvr>
+    <a:masterClrMapping/>
+  </p:clrMapOvr>
+</p:sld>
+</file>
+
+<file path=ppt/slides/slide13.xml><?xml version="1.0" encoding="utf-8"?>
+<p:sld xmlns:a="http://schemas.openxmlformats.org/drawingml/2006/main" xmlns:r="http://schemas.openxmlformats.org/officeDocument/2006/relationships" xmlns:p="http://schemas.openxmlformats.org/presentationml/2006/main">
+  <p:cSld>
+    <p:spTree>
+      <p:nvGrpSpPr>
+        <p:cNvPr id="1" name=""/>
+        <p:cNvGrpSpPr/>
+        <p:nvPr/>
+      </p:nvGrpSpPr>
+      <p:grpSpPr>
+        <a:xfrm>
+          <a:off x="0" y="0"/>
+          <a:ext cx="0" cy="0"/>
+          <a:chOff x="0" y="0"/>
+          <a:chExt cx="0" cy="0"/>
+        </a:xfrm>
+      </p:grpSpPr>
+      <p:sp>
+        <p:nvSpPr>
+          <p:cNvPr id="2" name="Titre 1"/>
+          <p:cNvSpPr>
+            <a:spLocks noGrp="1"/>
+          </p:cNvSpPr>
+          <p:nvPr>
+            <p:ph type="title"/>
+          </p:nvPr>
+        </p:nvSpPr>
+        <p:spPr/>
+        <p:txBody>
+          <a:bodyPr>
+            <a:noAutofit/>
+          </a:bodyPr>
+          <a:lstStyle/>
+          <a:p>
+            <a:r>
+              <a:rPr lang="fr-FR" sz="2400" dirty="0"/>
+              <a:t>Modélisation multiphysique</a:t>
+            </a:r>
+            <a:br>
+              <a:rPr lang="fr-FR" sz="2400" dirty="0"/>
+            </a:br>
+            <a:r>
+              <a:rPr lang="fr-FR" sz="2400" dirty="0"/>
+              <a:t>Modélisation Causale/ Modélisation Acausale</a:t>
+            </a:r>
+          </a:p>
+        </p:txBody>
+      </p:sp>
+      <p:sp>
+        <p:nvSpPr>
+          <p:cNvPr id="3" name="Espace réservé du contenu 2"/>
+          <p:cNvSpPr>
+            <a:spLocks noGrp="1"/>
+          </p:cNvSpPr>
+          <p:nvPr>
+            <p:ph sz="quarter" idx="1"/>
+          </p:nvPr>
+        </p:nvSpPr>
+        <p:spPr/>
+        <p:txBody>
+          <a:bodyPr/>
+          <a:lstStyle/>
+          <a:p>
+            <a:r>
+              <a:rPr lang="fr-FR" dirty="0" smtClean="0"/>
+              <a:t>Représentation graphique de modèles causaux et acausaux</a:t>
+            </a:r>
+            <a:endParaRPr lang="fr-FR" dirty="0"/>
+          </a:p>
+        </p:txBody>
+      </p:sp>
+      <p:sp>
+        <p:nvSpPr>
+          <p:cNvPr id="4" name="Espace réservé du numéro de diapositive 3"/>
+          <p:cNvSpPr>
+            <a:spLocks noGrp="1"/>
+          </p:cNvSpPr>
+          <p:nvPr>
+            <p:ph type="sldNum" sz="quarter" idx="15"/>
+          </p:nvPr>
+        </p:nvSpPr>
+        <p:spPr/>
+        <p:txBody>
+          <a:bodyPr/>
+          <a:lstStyle/>
+          <a:p>
+            <a:fld id="{136A7F36-7A21-4EA8-9DC2-F00219448035}" type="slidenum">
+              <a:rPr lang="fr-FR" smtClean="0"/>
+              <a:t>13</a:t>
+            </a:fld>
+            <a:endParaRPr lang="fr-FR"/>
+          </a:p>
+        </p:txBody>
+      </p:sp>
+    </p:spTree>
+    <p:extLst>
+      <p:ext uri="{BB962C8B-B14F-4D97-AF65-F5344CB8AC3E}">
+        <p14:creationId xmlns:p14="http://schemas.microsoft.com/office/powerpoint/2010/main" val="386149566"/>
+      </p:ext>
+    </p:extLst>
+  </p:cSld>
+  <p:clrMapOvr>
+    <a:masterClrMapping/>
+  </p:clrMapOvr>
+</p:sld>
+</file>
+
+<file path=ppt/slides/slide14.xml><?xml version="1.0" encoding="utf-8"?>
+<p:sld xmlns:a="http://schemas.openxmlformats.org/drawingml/2006/main" xmlns:r="http://schemas.openxmlformats.org/officeDocument/2006/relationships" xmlns:p="http://schemas.openxmlformats.org/presentationml/2006/main">
+  <p:cSld>
+    <p:spTree>
+      <p:nvGrpSpPr>
+        <p:cNvPr id="1" name=""/>
+        <p:cNvGrpSpPr/>
+        <p:nvPr/>
+      </p:nvGrpSpPr>
+      <p:grpSpPr>
+        <a:xfrm>
+          <a:off x="0" y="0"/>
+          <a:ext cx="0" cy="0"/>
+          <a:chOff x="0" y="0"/>
+          <a:chExt cx="0" cy="0"/>
+        </a:xfrm>
+      </p:grpSpPr>
+      <p:sp>
+        <p:nvSpPr>
+          <p:cNvPr id="4" name="Titre 3"/>
+          <p:cNvSpPr>
+            <a:spLocks noGrp="1"/>
+          </p:cNvSpPr>
+          <p:nvPr>
+            <p:ph type="title"/>
+          </p:nvPr>
+        </p:nvSpPr>
+        <p:spPr/>
+        <p:txBody>
+          <a:bodyPr/>
+          <a:lstStyle/>
+          <a:p>
+            <a:r>
+              <a:rPr lang="fr-FR" dirty="0" err="1" smtClean="0"/>
+              <a:t>Scilab</a:t>
+            </a:r>
+            <a:r>
+              <a:rPr lang="fr-FR" dirty="0" smtClean="0"/>
+              <a:t>, </a:t>
+            </a:r>
+            <a:r>
+              <a:rPr lang="fr-FR" dirty="0" err="1" smtClean="0"/>
+              <a:t>Matlab</a:t>
+            </a:r>
+            <a:r>
+              <a:rPr lang="fr-FR" dirty="0" smtClean="0"/>
+              <a:t>, Simulink, </a:t>
+            </a:r>
+            <a:r>
+              <a:rPr lang="fr-FR" dirty="0" err="1" smtClean="0"/>
+              <a:t>Xcos</a:t>
+            </a:r>
+            <a:r>
+              <a:rPr lang="fr-FR" dirty="0" smtClean="0"/>
+              <a:t>, </a:t>
+            </a:r>
+            <a:r>
+              <a:rPr lang="fr-FR" dirty="0" err="1" smtClean="0"/>
+              <a:t>Modelica</a:t>
+            </a:r>
+            <a:endParaRPr lang="fr-FR" dirty="0"/>
+          </a:p>
+        </p:txBody>
+      </p:sp>
+      <p:sp>
+        <p:nvSpPr>
+          <p:cNvPr id="5" name="Espace réservé du texte 4"/>
+          <p:cNvSpPr>
+            <a:spLocks noGrp="1"/>
+          </p:cNvSpPr>
+          <p:nvPr>
+            <p:ph type="body" idx="1"/>
+          </p:nvPr>
+        </p:nvSpPr>
+        <p:spPr/>
+        <p:txBody>
+          <a:bodyPr/>
+          <a:lstStyle/>
+          <a:p>
+            <a:r>
+              <a:rPr lang="fr-FR" dirty="0" smtClean="0"/>
+              <a:t>Qu’est ce que c’est tout ça ?</a:t>
+            </a:r>
+            <a:endParaRPr lang="fr-FR" dirty="0"/>
+          </a:p>
+        </p:txBody>
+      </p:sp>
+      <p:sp>
+        <p:nvSpPr>
+          <p:cNvPr id="6" name="Espace réservé du numéro de diapositive 5"/>
+          <p:cNvSpPr>
+            <a:spLocks noGrp="1"/>
+          </p:cNvSpPr>
+          <p:nvPr>
+            <p:ph type="sldNum" sz="quarter" idx="12"/>
+          </p:nvPr>
+        </p:nvSpPr>
+        <p:spPr/>
+        <p:txBody>
+          <a:bodyPr/>
+          <a:lstStyle/>
+          <a:p>
+            <a:fld id="{136A7F36-7A21-4EA8-9DC2-F00219448035}" type="slidenum">
+              <a:rPr lang="fr-FR" smtClean="0"/>
+              <a:t>14</a:t>
+            </a:fld>
+            <a:endParaRPr lang="fr-FR"/>
+          </a:p>
+        </p:txBody>
+      </p:sp>
+    </p:spTree>
+    <p:extLst>
+      <p:ext uri="{BB962C8B-B14F-4D97-AF65-F5344CB8AC3E}">
+        <p14:creationId xmlns:p14="http://schemas.microsoft.com/office/powerpoint/2010/main" val="3489141374"/>
+      </p:ext>
+    </p:extLst>
+  </p:cSld>
+  <p:clrMapOvr>
+    <a:masterClrMapping/>
+  </p:clrMapOvr>
+</p:sld>
+</file>
+
+<file path=ppt/slides/slide15.xml><?xml version="1.0" encoding="utf-8"?>
+<p:sld xmlns:a="http://schemas.openxmlformats.org/drawingml/2006/main" xmlns:r="http://schemas.openxmlformats.org/officeDocument/2006/relationships" xmlns:p="http://schemas.openxmlformats.org/presentationml/2006/main">
+  <p:cSld>
+    <p:spTree>
+      <p:nvGrpSpPr>
+        <p:cNvPr id="1" name=""/>
+        <p:cNvGrpSpPr/>
+        <p:nvPr/>
+      </p:nvGrpSpPr>
+      <p:grpSpPr>
+        <a:xfrm>
+          <a:off x="0" y="0"/>
+          <a:ext cx="0" cy="0"/>
+          <a:chOff x="0" y="0"/>
+          <a:chExt cx="0" cy="0"/>
+        </a:xfrm>
+      </p:grpSpPr>
+      <p:sp>
+        <p:nvSpPr>
+          <p:cNvPr id="5" name="Titre 4"/>
+          <p:cNvSpPr>
+            <a:spLocks noGrp="1"/>
+          </p:cNvSpPr>
+          <p:nvPr>
+            <p:ph type="title"/>
+          </p:nvPr>
+        </p:nvSpPr>
+        <p:spPr/>
+        <p:txBody>
+          <a:bodyPr/>
+          <a:lstStyle/>
+          <a:p>
+            <a:r>
+              <a:rPr lang="fr-FR" dirty="0" smtClean="0"/>
+              <a:t>Les logiciels de calcul numérique</a:t>
+            </a:r>
+            <a:endParaRPr lang="fr-FR" dirty="0"/>
+          </a:p>
+        </p:txBody>
+      </p:sp>
+      <p:sp>
+        <p:nvSpPr>
+          <p:cNvPr id="6" name="Espace réservé du contenu 5"/>
+          <p:cNvSpPr>
+            <a:spLocks noGrp="1"/>
+          </p:cNvSpPr>
+          <p:nvPr>
+            <p:ph sz="quarter" idx="1"/>
+          </p:nvPr>
+        </p:nvSpPr>
+        <p:spPr/>
+        <p:txBody>
+          <a:bodyPr/>
+          <a:lstStyle/>
+          <a:p>
+            <a:r>
+              <a:rPr lang="fr-FR" dirty="0" smtClean="0"/>
+              <a:t>Parmi les logiciels de simulation numérique utilisés dans la recherche ou dans l’industrie on trouve </a:t>
+            </a:r>
+            <a:r>
+              <a:rPr lang="fr-FR" dirty="0" err="1" smtClean="0"/>
+              <a:t>Matlab</a:t>
+            </a:r>
+            <a:r>
+              <a:rPr lang="fr-FR" dirty="0" smtClean="0"/>
+              <a:t> et </a:t>
+            </a:r>
+            <a:r>
+              <a:rPr lang="fr-FR" dirty="0" err="1" smtClean="0"/>
+              <a:t>Scilab</a:t>
+            </a:r>
+            <a:r>
+              <a:rPr lang="fr-FR" dirty="0" smtClean="0"/>
+              <a:t>.</a:t>
+            </a:r>
+          </a:p>
+          <a:p>
+            <a:pPr lvl="1"/>
+            <a:r>
+              <a:rPr lang="fr-FR" dirty="0" err="1" smtClean="0"/>
+              <a:t>Matlab</a:t>
+            </a:r>
+            <a:r>
+              <a:rPr lang="fr-FR" dirty="0"/>
+              <a:t> </a:t>
+            </a:r>
+            <a:r>
+              <a:rPr lang="fr-FR" dirty="0" smtClean="0"/>
+              <a:t>et </a:t>
+            </a:r>
+            <a:r>
+              <a:rPr lang="fr-FR" dirty="0" err="1" smtClean="0"/>
+              <a:t>Scilab</a:t>
+            </a:r>
+            <a:r>
+              <a:rPr lang="fr-FR" dirty="0" smtClean="0"/>
+              <a:t> sont des logiciels de calcul numériques. Ils possèdent un langage de programmation (haut niveau) permettant (entre autre) de manipuler aisément des matrices et d’afficher des courbes de résultats.</a:t>
+            </a:r>
+          </a:p>
+          <a:p>
+            <a:r>
+              <a:rPr lang="fr-FR" dirty="0" smtClean="0"/>
+              <a:t>Simulink et </a:t>
+            </a:r>
+            <a:r>
+              <a:rPr lang="fr-FR" dirty="0" err="1" smtClean="0"/>
+              <a:t>Xcos</a:t>
+            </a:r>
+            <a:r>
+              <a:rPr lang="fr-FR" dirty="0" smtClean="0"/>
+              <a:t> sont des modules respectifs de </a:t>
+            </a:r>
+            <a:r>
+              <a:rPr lang="fr-FR" dirty="0" err="1" smtClean="0"/>
+              <a:t>Matlab</a:t>
+            </a:r>
+            <a:r>
+              <a:rPr lang="fr-FR" dirty="0" smtClean="0"/>
+              <a:t> et </a:t>
+            </a:r>
+            <a:r>
+              <a:rPr lang="fr-FR" dirty="0" err="1" smtClean="0"/>
+              <a:t>Scilab</a:t>
+            </a:r>
+            <a:r>
+              <a:rPr lang="fr-FR" dirty="0" smtClean="0"/>
+              <a:t> permettant de réaliser des modélisations graphiques de systèmes </a:t>
+            </a:r>
+            <a:r>
+              <a:rPr lang="fr-FR" dirty="0" err="1" smtClean="0"/>
+              <a:t>multiphysiques</a:t>
+            </a:r>
+            <a:endParaRPr lang="fr-FR" dirty="0" smtClean="0"/>
+          </a:p>
+        </p:txBody>
+      </p:sp>
+      <p:sp>
+        <p:nvSpPr>
+          <p:cNvPr id="4" name="Espace réservé du numéro de diapositive 3"/>
+          <p:cNvSpPr>
+            <a:spLocks noGrp="1"/>
+          </p:cNvSpPr>
+          <p:nvPr>
+            <p:ph type="sldNum" sz="quarter" idx="15"/>
+          </p:nvPr>
+        </p:nvSpPr>
+        <p:spPr/>
+        <p:txBody>
+          <a:bodyPr/>
+          <a:lstStyle/>
+          <a:p>
+            <a:fld id="{136A7F36-7A21-4EA8-9DC2-F00219448035}" type="slidenum">
+              <a:rPr lang="fr-FR" smtClean="0"/>
+              <a:t>15</a:t>
             </a:fld>
             <a:endParaRPr lang="fr-FR"/>
           </a:p>
@@ -5863,7 +6372,7 @@
 </p:sld>
 </file>
 
-<file path=ppt/slides/slide12.xml><?xml version="1.0" encoding="utf-8"?>
+<file path=ppt/slides/slide16.xml><?xml version="1.0" encoding="utf-8"?>
 <p:sld xmlns:a="http://schemas.openxmlformats.org/drawingml/2006/main" xmlns:r="http://schemas.openxmlformats.org/officeDocument/2006/relationships" xmlns:p="http://schemas.openxmlformats.org/presentationml/2006/main">
   <p:cSld>
     <p:spTree>
@@ -6079,7 +6588,7 @@
           <a:p>
             <a:fld id="{136A7F36-7A21-4EA8-9DC2-F00219448035}" type="slidenum">
               <a:rPr lang="fr-FR" smtClean="0"/>
-              <a:t>12</a:t>
+              <a:t>16</a:t>
             </a:fld>
             <a:endParaRPr lang="fr-FR"/>
           </a:p>
@@ -6098,7 +6607,7 @@
 </p:sld>
 </file>
 
-<file path=ppt/slides/slide13.xml><?xml version="1.0" encoding="utf-8"?>
+<file path=ppt/slides/slide17.xml><?xml version="1.0" encoding="utf-8"?>
 <p:sld xmlns:a="http://schemas.openxmlformats.org/drawingml/2006/main" xmlns:r="http://schemas.openxmlformats.org/officeDocument/2006/relationships" xmlns:p="http://schemas.openxmlformats.org/presentationml/2006/main">
   <p:cSld>
     <p:spTree>
@@ -6178,7 +6687,7 @@
           <a:p>
             <a:fld id="{136A7F36-7A21-4EA8-9DC2-F00219448035}" type="slidenum">
               <a:rPr lang="fr-FR" smtClean="0"/>
-              <a:t>13</a:t>
+              <a:t>17</a:t>
             </a:fld>
             <a:endParaRPr lang="fr-FR"/>
           </a:p>
@@ -6197,7 +6706,7 @@
 </p:sld>
 </file>
 
-<file path=ppt/slides/slide14.xml><?xml version="1.0" encoding="utf-8"?>
+<file path=ppt/slides/slide18.xml><?xml version="1.0" encoding="utf-8"?>
 <p:sld xmlns:a="http://schemas.openxmlformats.org/drawingml/2006/main" xmlns:r="http://schemas.openxmlformats.org/officeDocument/2006/relationships" xmlns:p="http://schemas.openxmlformats.org/presentationml/2006/main">
   <p:cSld>
     <p:spTree>
@@ -6312,7 +6821,7 @@
           <a:p>
             <a:fld id="{136A7F36-7A21-4EA8-9DC2-F00219448035}" type="slidenum">
               <a:rPr lang="fr-FR" smtClean="0"/>
-              <a:t>14</a:t>
+              <a:t>18</a:t>
             </a:fld>
             <a:endParaRPr lang="fr-FR"/>
           </a:p>
@@ -6331,7 +6840,7 @@
 </p:sld>
 </file>
 
-<file path=ppt/slides/slide15.xml><?xml version="1.0" encoding="utf-8"?>
+<file path=ppt/slides/slide19.xml><?xml version="1.0" encoding="utf-8"?>
 <p:sld xmlns:a="http://schemas.openxmlformats.org/drawingml/2006/main" xmlns:r="http://schemas.openxmlformats.org/officeDocument/2006/relationships" xmlns:p="http://schemas.openxmlformats.org/presentationml/2006/main">
   <p:cSld>
     <p:spTree>
@@ -6407,7 +6916,7 @@
           <a:p>
             <a:fld id="{136A7F36-7A21-4EA8-9DC2-F00219448035}" type="slidenum">
               <a:rPr lang="fr-FR" smtClean="0"/>
-              <a:t>15</a:t>
+              <a:t>19</a:t>
             </a:fld>
             <a:endParaRPr lang="fr-FR"/>
           </a:p>
@@ -6426,7 +6935,7 @@
 </p:sld>
 </file>
 
-<file path=ppt/slides/slide16.xml><?xml version="1.0" encoding="utf-8"?>
+<file path=ppt/slides/slide2.xml><?xml version="1.0" encoding="utf-8"?>
 <p:sld xmlns:a="http://schemas.openxmlformats.org/drawingml/2006/main" xmlns:r="http://schemas.openxmlformats.org/officeDocument/2006/relationships" xmlns:p="http://schemas.openxmlformats.org/presentationml/2006/main">
   <p:cSld>
     <p:spTree>
@@ -6445,6 +6954,243 @@
       </p:grpSpPr>
       <p:sp>
         <p:nvSpPr>
+          <p:cNvPr id="2" name="Titre 1"/>
+          <p:cNvSpPr>
+            <a:spLocks noGrp="1"/>
+          </p:cNvSpPr>
+          <p:nvPr>
+            <p:ph type="title"/>
+          </p:nvPr>
+        </p:nvSpPr>
+        <p:spPr/>
+        <p:txBody>
+          <a:bodyPr/>
+          <a:lstStyle/>
+          <a:p>
+            <a:r>
+              <a:rPr lang="fr-FR" smtClean="0"/>
+              <a:t>Plan</a:t>
+            </a:r>
+            <a:endParaRPr lang="fr-FR" dirty="0"/>
+          </a:p>
+        </p:txBody>
+      </p:sp>
+      <p:sp>
+        <p:nvSpPr>
+          <p:cNvPr id="3" name="Espace réservé du contenu 2"/>
+          <p:cNvSpPr>
+            <a:spLocks noGrp="1"/>
+          </p:cNvSpPr>
+          <p:nvPr>
+            <p:ph sz="quarter" idx="1"/>
+          </p:nvPr>
+        </p:nvSpPr>
+        <p:spPr>
+          <a:xfrm>
+            <a:off x="251520" y="1268760"/>
+            <a:ext cx="7920880" cy="5472608"/>
+          </a:xfrm>
+        </p:spPr>
+        <p:txBody>
+          <a:bodyPr>
+            <a:normAutofit fontScale="77500" lnSpcReduction="20000"/>
+          </a:bodyPr>
+          <a:lstStyle/>
+          <a:p>
+            <a:r>
+              <a:rPr lang="fr-FR" dirty="0" smtClean="0"/>
+              <a:t>Modélisation </a:t>
+            </a:r>
+            <a:r>
+              <a:rPr lang="fr-FR" dirty="0" smtClean="0"/>
+              <a:t>multiphysique</a:t>
+            </a:r>
+            <a:endParaRPr lang="fr-FR" dirty="0" smtClean="0"/>
+          </a:p>
+          <a:p>
+            <a:pPr lvl="1"/>
+            <a:r>
+              <a:rPr lang="fr-FR" dirty="0" smtClean="0"/>
+              <a:t>Contexte dans l’enseignement</a:t>
+            </a:r>
+          </a:p>
+          <a:p>
+            <a:pPr lvl="1"/>
+            <a:r>
+              <a:rPr lang="fr-FR" dirty="0" smtClean="0"/>
+              <a:t>Définitions</a:t>
+            </a:r>
+          </a:p>
+          <a:p>
+            <a:pPr lvl="1"/>
+            <a:r>
+              <a:rPr lang="fr-FR" dirty="0" smtClean="0"/>
+              <a:t>Modèle de connaissance</a:t>
+            </a:r>
+          </a:p>
+          <a:p>
+            <a:pPr lvl="2"/>
+            <a:r>
+              <a:rPr lang="fr-FR" dirty="0" smtClean="0"/>
+              <a:t>Moteur à courant continu (linéaire/non linéaire ?)</a:t>
+            </a:r>
+          </a:p>
+          <a:p>
+            <a:pPr lvl="1"/>
+            <a:r>
+              <a:rPr lang="fr-FR" dirty="0" smtClean="0"/>
+              <a:t>Modélisation causale</a:t>
+            </a:r>
+          </a:p>
+          <a:p>
+            <a:pPr lvl="2"/>
+            <a:r>
+              <a:rPr lang="fr-FR" dirty="0" smtClean="0"/>
+              <a:t>Domaine symbolique (+FT) -&gt; Relation algébriques simples et loi E/S Simples</a:t>
+            </a:r>
+            <a:endParaRPr lang="fr-FR" dirty="0"/>
+          </a:p>
+          <a:p>
+            <a:pPr lvl="2"/>
+            <a:r>
+              <a:rPr lang="fr-FR" dirty="0" smtClean="0"/>
+              <a:t>CI nulles et modèles linéaires imposés (sauf hystérésis, saturation et seuils …)(sinon linéarisation+ pt de fonctionnement, pas de produit de fonctions  dans les équations du modèle).</a:t>
+            </a:r>
+          </a:p>
+          <a:p>
+            <a:pPr lvl="2"/>
+            <a:r>
+              <a:rPr lang="fr-FR" dirty="0" smtClean="0"/>
+              <a:t>Notion de sens S = F.E (Pas réversible)</a:t>
+            </a:r>
+          </a:p>
+          <a:p>
+            <a:pPr lvl="2"/>
+            <a:r>
+              <a:rPr lang="fr-FR" dirty="0" smtClean="0"/>
+              <a:t>Résolution numérique imposée par le modèle utilisé</a:t>
+            </a:r>
+          </a:p>
+          <a:p>
+            <a:pPr lvl="2"/>
+            <a:r>
+              <a:rPr lang="fr-FR" dirty="0" smtClean="0"/>
+              <a:t>La technologie des constituants n’apparaît pas</a:t>
+            </a:r>
+          </a:p>
+          <a:p>
+            <a:pPr lvl="2"/>
+            <a:r>
+              <a:rPr lang="fr-FR" dirty="0" smtClean="0"/>
+              <a:t>Notion d’irréversibilité du modèle</a:t>
+            </a:r>
+          </a:p>
+          <a:p>
+            <a:pPr lvl="2"/>
+            <a:r>
+              <a:rPr lang="fr-FR" dirty="0" smtClean="0"/>
+              <a:t>Cependant le calcul symbolique permet de faciliter les études harmoniques</a:t>
+            </a:r>
+          </a:p>
+          <a:p>
+            <a:pPr lvl="1"/>
+            <a:r>
+              <a:rPr lang="fr-FR" dirty="0" smtClean="0"/>
+              <a:t>Modélisation acausale</a:t>
+            </a:r>
+          </a:p>
+          <a:p>
+            <a:pPr lvl="2"/>
+            <a:r>
+              <a:rPr lang="fr-FR" dirty="0" smtClean="0"/>
+              <a:t>Symbolisation des constituants dédiés à la technologie utilisée (respect des normes, respect des connecteurs E/S, grandeurs physiques + polarité…)</a:t>
+            </a:r>
+          </a:p>
+          <a:p>
+            <a:pPr lvl="2"/>
+            <a:r>
+              <a:rPr lang="fr-FR" dirty="0" smtClean="0"/>
+              <a:t>Le modèle de connaissance n’est pas exigible, mais il faut maîtriser les paramètres caractérisant le comportement du constituant</a:t>
+            </a:r>
+          </a:p>
+          <a:p>
+            <a:pPr lvl="2"/>
+            <a:r>
+              <a:rPr lang="fr-FR" dirty="0" smtClean="0"/>
+              <a:t>Liens non orientés entre les blocs (Comparaison des modélisation causale et acausale sur une résistance)  Différence « Affectation / Équation ». Liens avec le diagramme paramétrique.</a:t>
+            </a:r>
+          </a:p>
+          <a:p>
+            <a:pPr lvl="2"/>
+            <a:r>
+              <a:rPr lang="fr-FR" dirty="0" smtClean="0"/>
+              <a:t>Ouvertures sur la réversibilité (réversibilité des composants, réversibilité des systèmes)</a:t>
+            </a:r>
+          </a:p>
+          <a:p>
+            <a:pPr lvl="2"/>
+            <a:r>
+              <a:rPr lang="fr-FR" dirty="0" smtClean="0"/>
+              <a:t>Le modèle n’impose pas de démarche de résolution. Le solveur se charge d’optimiser les calculs.  </a:t>
+            </a:r>
+          </a:p>
+        </p:txBody>
+      </p:sp>
+      <p:sp>
+        <p:nvSpPr>
+          <p:cNvPr id="4" name="Espace réservé du numéro de diapositive 3"/>
+          <p:cNvSpPr>
+            <a:spLocks noGrp="1"/>
+          </p:cNvSpPr>
+          <p:nvPr>
+            <p:ph type="sldNum" sz="quarter" idx="15"/>
+          </p:nvPr>
+        </p:nvSpPr>
+        <p:spPr/>
+        <p:txBody>
+          <a:bodyPr/>
+          <a:lstStyle/>
+          <a:p>
+            <a:fld id="{136A7F36-7A21-4EA8-9DC2-F00219448035}" type="slidenum">
+              <a:rPr lang="fr-FR" smtClean="0"/>
+              <a:t>2</a:t>
+            </a:fld>
+            <a:endParaRPr lang="fr-FR"/>
+          </a:p>
+        </p:txBody>
+      </p:sp>
+    </p:spTree>
+    <p:extLst>
+      <p:ext uri="{BB962C8B-B14F-4D97-AF65-F5344CB8AC3E}">
+        <p14:creationId xmlns:p14="http://schemas.microsoft.com/office/powerpoint/2010/main" val="3520046662"/>
+      </p:ext>
+    </p:extLst>
+  </p:cSld>
+  <p:clrMapOvr>
+    <a:masterClrMapping/>
+  </p:clrMapOvr>
+</p:sld>
+</file>
+
+<file path=ppt/slides/slide20.xml><?xml version="1.0" encoding="utf-8"?>
+<p:sld xmlns:a="http://schemas.openxmlformats.org/drawingml/2006/main" xmlns:r="http://schemas.openxmlformats.org/officeDocument/2006/relationships" xmlns:p="http://schemas.openxmlformats.org/presentationml/2006/main">
+  <p:cSld>
+    <p:spTree>
+      <p:nvGrpSpPr>
+        <p:cNvPr id="1" name=""/>
+        <p:cNvGrpSpPr/>
+        <p:nvPr/>
+      </p:nvGrpSpPr>
+      <p:grpSpPr>
+        <a:xfrm>
+          <a:off x="0" y="0"/>
+          <a:ext cx="0" cy="0"/>
+          <a:chOff x="0" y="0"/>
+          <a:chExt cx="0" cy="0"/>
+        </a:xfrm>
+      </p:grpSpPr>
+      <p:sp>
+        <p:nvSpPr>
           <p:cNvPr id="7" name="Espace réservé du contenu 6"/>
           <p:cNvSpPr>
             <a:spLocks noGrp="1"/>
@@ -6706,7 +7452,7 @@
           <a:p>
             <a:fld id="{136A7F36-7A21-4EA8-9DC2-F00219448035}" type="slidenum">
               <a:rPr lang="fr-FR" smtClean="0"/>
-              <a:t>16</a:t>
+              <a:t>20</a:t>
             </a:fld>
             <a:endParaRPr lang="fr-FR"/>
           </a:p>
@@ -6785,7 +7531,7 @@
 </p:sld>
 </file>
 
-<file path=ppt/slides/slide17.xml><?xml version="1.0" encoding="utf-8"?>
+<file path=ppt/slides/slide21.xml><?xml version="1.0" encoding="utf-8"?>
 <p:sld xmlns:a="http://schemas.openxmlformats.org/drawingml/2006/main" xmlns:r="http://schemas.openxmlformats.org/officeDocument/2006/relationships" xmlns:p="http://schemas.openxmlformats.org/presentationml/2006/main">
   <p:cSld>
     <p:spTree>
@@ -6842,7 +7588,7 @@
           <a:p>
             <a:fld id="{136A7F36-7A21-4EA8-9DC2-F00219448035}" type="slidenum">
               <a:rPr lang="fr-FR" smtClean="0"/>
-              <a:t>17</a:t>
+              <a:t>21</a:t>
             </a:fld>
             <a:endParaRPr lang="fr-FR"/>
           </a:p>
@@ -7057,655 +7803,6 @@
 </p:sld>
 </file>
 
-<file path=ppt/slides/slide18.xml><?xml version="1.0" encoding="utf-8"?>
-<p:sld xmlns:a="http://schemas.openxmlformats.org/drawingml/2006/main" xmlns:r="http://schemas.openxmlformats.org/officeDocument/2006/relationships" xmlns:p="http://schemas.openxmlformats.org/presentationml/2006/main">
-  <p:cSld>
-    <p:spTree>
-      <p:nvGrpSpPr>
-        <p:cNvPr id="1" name=""/>
-        <p:cNvGrpSpPr/>
-        <p:nvPr/>
-      </p:nvGrpSpPr>
-      <p:grpSpPr>
-        <a:xfrm>
-          <a:off x="0" y="0"/>
-          <a:ext cx="0" cy="0"/>
-          <a:chOff x="0" y="0"/>
-          <a:chExt cx="0" cy="0"/>
-        </a:xfrm>
-      </p:grpSpPr>
-      <p:sp>
-        <p:nvSpPr>
-          <p:cNvPr id="2" name="Titre 1"/>
-          <p:cNvSpPr>
-            <a:spLocks noGrp="1"/>
-          </p:cNvSpPr>
-          <p:nvPr>
-            <p:ph type="title"/>
-          </p:nvPr>
-        </p:nvSpPr>
-        <p:spPr/>
-        <p:txBody>
-          <a:bodyPr>
-            <a:normAutofit fontScale="90000"/>
-          </a:bodyPr>
-          <a:lstStyle/>
-          <a:p>
-            <a:r>
-              <a:rPr lang="fr-FR" dirty="0" smtClean="0"/>
-              <a:t>Modélisation d’un système multiphysique</a:t>
-            </a:r>
-            <a:endParaRPr lang="fr-FR" dirty="0"/>
-          </a:p>
-        </p:txBody>
-      </p:sp>
-      <p:sp>
-        <p:nvSpPr>
-          <p:cNvPr id="3" name="Espace réservé du contenu 2"/>
-          <p:cNvSpPr>
-            <a:spLocks noGrp="1"/>
-          </p:cNvSpPr>
-          <p:nvPr>
-            <p:ph sz="quarter" idx="1"/>
-          </p:nvPr>
-        </p:nvSpPr>
-        <p:spPr/>
-        <p:txBody>
-          <a:bodyPr/>
-          <a:lstStyle/>
-          <a:p>
-            <a:endParaRPr lang="fr-FR"/>
-          </a:p>
-        </p:txBody>
-      </p:sp>
-      <p:sp>
-        <p:nvSpPr>
-          <p:cNvPr id="4" name="Espace réservé du numéro de diapositive 3"/>
-          <p:cNvSpPr>
-            <a:spLocks noGrp="1"/>
-          </p:cNvSpPr>
-          <p:nvPr>
-            <p:ph type="sldNum" sz="quarter" idx="15"/>
-          </p:nvPr>
-        </p:nvSpPr>
-        <p:spPr/>
-        <p:txBody>
-          <a:bodyPr/>
-          <a:lstStyle/>
-          <a:p>
-            <a:fld id="{136A7F36-7A21-4EA8-9DC2-F00219448035}" type="slidenum">
-              <a:rPr lang="fr-FR" smtClean="0"/>
-              <a:t>18</a:t>
-            </a:fld>
-            <a:endParaRPr lang="fr-FR"/>
-          </a:p>
-        </p:txBody>
-      </p:sp>
-    </p:spTree>
-    <p:extLst>
-      <p:ext uri="{BB962C8B-B14F-4D97-AF65-F5344CB8AC3E}">
-        <p14:creationId xmlns:p14="http://schemas.microsoft.com/office/powerpoint/2010/main" val="1827117536"/>
-      </p:ext>
-    </p:extLst>
-  </p:cSld>
-  <p:clrMapOvr>
-    <a:masterClrMapping/>
-  </p:clrMapOvr>
-</p:sld>
-</file>
-
-<file path=ppt/slides/slide19.xml><?xml version="1.0" encoding="utf-8"?>
-<p:sld xmlns:a="http://schemas.openxmlformats.org/drawingml/2006/main" xmlns:r="http://schemas.openxmlformats.org/officeDocument/2006/relationships" xmlns:p="http://schemas.openxmlformats.org/presentationml/2006/main">
-  <p:cSld>
-    <p:spTree>
-      <p:nvGrpSpPr>
-        <p:cNvPr id="1" name=""/>
-        <p:cNvGrpSpPr/>
-        <p:nvPr/>
-      </p:nvGrpSpPr>
-      <p:grpSpPr>
-        <a:xfrm>
-          <a:off x="0" y="0"/>
-          <a:ext cx="0" cy="0"/>
-          <a:chOff x="0" y="0"/>
-          <a:chExt cx="0" cy="0"/>
-        </a:xfrm>
-      </p:grpSpPr>
-      <p:sp>
-        <p:nvSpPr>
-          <p:cNvPr id="2" name="Titre 1"/>
-          <p:cNvSpPr>
-            <a:spLocks noGrp="1"/>
-          </p:cNvSpPr>
-          <p:nvPr>
-            <p:ph type="title"/>
-          </p:nvPr>
-        </p:nvSpPr>
-        <p:spPr/>
-        <p:txBody>
-          <a:bodyPr>
-            <a:normAutofit fontScale="90000"/>
-          </a:bodyPr>
-          <a:lstStyle/>
-          <a:p>
-            <a:r>
-              <a:rPr lang="fr-FR" dirty="0" smtClean="0"/>
-              <a:t>Modélisation d’un système multiphysique</a:t>
-            </a:r>
-            <a:endParaRPr lang="fr-FR" dirty="0"/>
-          </a:p>
-        </p:txBody>
-      </p:sp>
-      <p:sp>
-        <p:nvSpPr>
-          <p:cNvPr id="3" name="Espace réservé du contenu 2"/>
-          <p:cNvSpPr>
-            <a:spLocks noGrp="1"/>
-          </p:cNvSpPr>
-          <p:nvPr>
-            <p:ph sz="quarter" idx="1"/>
-          </p:nvPr>
-        </p:nvSpPr>
-        <p:spPr/>
-        <p:txBody>
-          <a:bodyPr/>
-          <a:lstStyle/>
-          <a:p>
-            <a:endParaRPr lang="fr-FR"/>
-          </a:p>
-        </p:txBody>
-      </p:sp>
-      <p:sp>
-        <p:nvSpPr>
-          <p:cNvPr id="4" name="Espace réservé du numéro de diapositive 3"/>
-          <p:cNvSpPr>
-            <a:spLocks noGrp="1"/>
-          </p:cNvSpPr>
-          <p:nvPr>
-            <p:ph type="sldNum" sz="quarter" idx="15"/>
-          </p:nvPr>
-        </p:nvSpPr>
-        <p:spPr/>
-        <p:txBody>
-          <a:bodyPr/>
-          <a:lstStyle/>
-          <a:p>
-            <a:fld id="{136A7F36-7A21-4EA8-9DC2-F00219448035}" type="slidenum">
-              <a:rPr lang="fr-FR" smtClean="0"/>
-              <a:t>19</a:t>
-            </a:fld>
-            <a:endParaRPr lang="fr-FR"/>
-          </a:p>
-        </p:txBody>
-      </p:sp>
-    </p:spTree>
-    <p:extLst>
-      <p:ext uri="{BB962C8B-B14F-4D97-AF65-F5344CB8AC3E}">
-        <p14:creationId xmlns:p14="http://schemas.microsoft.com/office/powerpoint/2010/main" val="241906218"/>
-      </p:ext>
-    </p:extLst>
-  </p:cSld>
-  <p:clrMapOvr>
-    <a:masterClrMapping/>
-  </p:clrMapOvr>
-</p:sld>
-</file>
-
-<file path=ppt/slides/slide2.xml><?xml version="1.0" encoding="utf-8"?>
-<p:sld xmlns:a="http://schemas.openxmlformats.org/drawingml/2006/main" xmlns:r="http://schemas.openxmlformats.org/officeDocument/2006/relationships" xmlns:p="http://schemas.openxmlformats.org/presentationml/2006/main">
-  <p:cSld>
-    <p:spTree>
-      <p:nvGrpSpPr>
-        <p:cNvPr id="1" name=""/>
-        <p:cNvGrpSpPr/>
-        <p:nvPr/>
-      </p:nvGrpSpPr>
-      <p:grpSpPr>
-        <a:xfrm>
-          <a:off x="0" y="0"/>
-          <a:ext cx="0" cy="0"/>
-          <a:chOff x="0" y="0"/>
-          <a:chExt cx="0" cy="0"/>
-        </a:xfrm>
-      </p:grpSpPr>
-      <p:sp>
-        <p:nvSpPr>
-          <p:cNvPr id="2" name="Titre 1"/>
-          <p:cNvSpPr>
-            <a:spLocks noGrp="1"/>
-          </p:cNvSpPr>
-          <p:nvPr>
-            <p:ph type="title"/>
-          </p:nvPr>
-        </p:nvSpPr>
-        <p:spPr/>
-        <p:txBody>
-          <a:bodyPr/>
-          <a:lstStyle/>
-          <a:p>
-            <a:r>
-              <a:rPr lang="fr-FR" smtClean="0"/>
-              <a:t>Plan</a:t>
-            </a:r>
-            <a:endParaRPr lang="fr-FR" dirty="0"/>
-          </a:p>
-        </p:txBody>
-      </p:sp>
-      <p:sp>
-        <p:nvSpPr>
-          <p:cNvPr id="3" name="Espace réservé du contenu 2"/>
-          <p:cNvSpPr>
-            <a:spLocks noGrp="1"/>
-          </p:cNvSpPr>
-          <p:nvPr>
-            <p:ph sz="quarter" idx="1"/>
-          </p:nvPr>
-        </p:nvSpPr>
-        <p:spPr>
-          <a:xfrm>
-            <a:off x="251520" y="1268760"/>
-            <a:ext cx="7920880" cy="5472608"/>
-          </a:xfrm>
-        </p:spPr>
-        <p:txBody>
-          <a:bodyPr>
-            <a:normAutofit fontScale="77500" lnSpcReduction="20000"/>
-          </a:bodyPr>
-          <a:lstStyle/>
-          <a:p>
-            <a:r>
-              <a:rPr lang="fr-FR" dirty="0" smtClean="0"/>
-              <a:t>Modélisation </a:t>
-            </a:r>
-            <a:r>
-              <a:rPr lang="fr-FR" dirty="0" smtClean="0"/>
-              <a:t>multiphysique (30 min)</a:t>
-            </a:r>
-            <a:endParaRPr lang="fr-FR" dirty="0" smtClean="0"/>
-          </a:p>
-          <a:p>
-            <a:pPr lvl="1"/>
-            <a:r>
-              <a:rPr lang="fr-FR" dirty="0" smtClean="0"/>
-              <a:t>Contexte dans l’enseignement</a:t>
-            </a:r>
-          </a:p>
-          <a:p>
-            <a:pPr lvl="1"/>
-            <a:r>
-              <a:rPr lang="fr-FR" dirty="0" smtClean="0"/>
-              <a:t>Définitions</a:t>
-            </a:r>
-          </a:p>
-          <a:p>
-            <a:pPr lvl="1"/>
-            <a:r>
-              <a:rPr lang="fr-FR" dirty="0" smtClean="0"/>
-              <a:t>Modèle de connaissance</a:t>
-            </a:r>
-          </a:p>
-          <a:p>
-            <a:pPr lvl="2"/>
-            <a:r>
-              <a:rPr lang="fr-FR" dirty="0" smtClean="0"/>
-              <a:t>Moteur à courant continu (linéaire/non linéaire ?)</a:t>
-            </a:r>
-            <a:endParaRPr lang="fr-FR" dirty="0" smtClean="0"/>
-          </a:p>
-          <a:p>
-            <a:pPr lvl="1"/>
-            <a:r>
-              <a:rPr lang="fr-FR" dirty="0" smtClean="0"/>
-              <a:t>Modélisation </a:t>
-            </a:r>
-            <a:r>
-              <a:rPr lang="fr-FR" dirty="0" smtClean="0"/>
-              <a:t>causale</a:t>
-            </a:r>
-          </a:p>
-          <a:p>
-            <a:pPr lvl="2"/>
-            <a:r>
-              <a:rPr lang="fr-FR" dirty="0" smtClean="0"/>
-              <a:t>Domaine symbolique (+FT) -&gt; Relation algébriques simples et loi E/S Simples</a:t>
-            </a:r>
-            <a:endParaRPr lang="fr-FR" dirty="0"/>
-          </a:p>
-          <a:p>
-            <a:pPr lvl="2"/>
-            <a:r>
-              <a:rPr lang="fr-FR" dirty="0" smtClean="0"/>
-              <a:t>CI nulles et modèles linéaires imposés (sauf hystérésis, saturation et seuils …)(sinon linéarisation+ pt de fonctionnement, pas de produit de fonctions  dans les équations du modèle).</a:t>
-            </a:r>
-          </a:p>
-          <a:p>
-            <a:pPr lvl="2"/>
-            <a:r>
-              <a:rPr lang="fr-FR" dirty="0" smtClean="0"/>
-              <a:t>Notion de sens S = F.E (Pas réversible)</a:t>
-            </a:r>
-          </a:p>
-          <a:p>
-            <a:pPr lvl="2"/>
-            <a:r>
-              <a:rPr lang="fr-FR" dirty="0" smtClean="0"/>
-              <a:t>Résolution numérique imposée par le modèle utilisé</a:t>
-            </a:r>
-          </a:p>
-          <a:p>
-            <a:pPr lvl="2"/>
-            <a:r>
-              <a:rPr lang="fr-FR" dirty="0" smtClean="0"/>
-              <a:t>La technologie des constituants n’apparaît pas</a:t>
-            </a:r>
-          </a:p>
-          <a:p>
-            <a:pPr lvl="2"/>
-            <a:r>
-              <a:rPr lang="fr-FR" dirty="0" smtClean="0"/>
-              <a:t>Notion d’irréversibilité du modèle</a:t>
-            </a:r>
-          </a:p>
-          <a:p>
-            <a:pPr lvl="2"/>
-            <a:r>
-              <a:rPr lang="fr-FR" dirty="0" smtClean="0"/>
-              <a:t>Cependant le calcul symbolique permet de faciliter les études harmoniques</a:t>
-            </a:r>
-            <a:endParaRPr lang="fr-FR" dirty="0" smtClean="0"/>
-          </a:p>
-          <a:p>
-            <a:pPr lvl="1"/>
-            <a:r>
-              <a:rPr lang="fr-FR" dirty="0" smtClean="0"/>
-              <a:t>Modélisation </a:t>
-            </a:r>
-            <a:r>
-              <a:rPr lang="fr-FR" dirty="0" smtClean="0"/>
-              <a:t>acausale</a:t>
-            </a:r>
-          </a:p>
-          <a:p>
-            <a:pPr lvl="2"/>
-            <a:r>
-              <a:rPr lang="fr-FR" dirty="0" smtClean="0"/>
-              <a:t>Symbolisation des constituants dédiés à la technologie utilisée (respect des normes, respect des connecteurs E/S, grandeurs physiques + polarité…)</a:t>
-            </a:r>
-          </a:p>
-          <a:p>
-            <a:pPr lvl="2"/>
-            <a:r>
-              <a:rPr lang="fr-FR" dirty="0" smtClean="0"/>
-              <a:t>Le modèle de connaissance n’est pas exigible, mais il faut maîtriser les paramètres caractérisant le comportement du constituant</a:t>
-            </a:r>
-          </a:p>
-          <a:p>
-            <a:pPr lvl="2"/>
-            <a:r>
-              <a:rPr lang="fr-FR" dirty="0" smtClean="0"/>
-              <a:t>Liens non orientés entre les blocs (Comparaison des modélisation causale et acausale sur une résistance</a:t>
-            </a:r>
-            <a:r>
-              <a:rPr lang="fr-FR" dirty="0" smtClean="0"/>
-              <a:t>)  Différence « Affectation / Équation ». Liens avec le diagramme paramétrique.</a:t>
-            </a:r>
-          </a:p>
-          <a:p>
-            <a:pPr lvl="2"/>
-            <a:r>
-              <a:rPr lang="fr-FR" dirty="0" smtClean="0"/>
-              <a:t>Ouvertures sur la réversibilité (réversibilité des composants, réversibilité des systèmes)</a:t>
-            </a:r>
-          </a:p>
-          <a:p>
-            <a:pPr lvl="2"/>
-            <a:r>
-              <a:rPr lang="fr-FR" dirty="0" smtClean="0"/>
-              <a:t>Le modèle n’impose pas de démarche de résolution. Le solveur se charge d’optimiser les calculs.  </a:t>
-            </a:r>
-            <a:endParaRPr lang="fr-FR" dirty="0" smtClean="0"/>
-          </a:p>
-        </p:txBody>
-      </p:sp>
-      <p:sp>
-        <p:nvSpPr>
-          <p:cNvPr id="4" name="Espace réservé du numéro de diapositive 3"/>
-          <p:cNvSpPr>
-            <a:spLocks noGrp="1"/>
-          </p:cNvSpPr>
-          <p:nvPr>
-            <p:ph type="sldNum" sz="quarter" idx="15"/>
-          </p:nvPr>
-        </p:nvSpPr>
-        <p:spPr/>
-        <p:txBody>
-          <a:bodyPr/>
-          <a:lstStyle/>
-          <a:p>
-            <a:fld id="{136A7F36-7A21-4EA8-9DC2-F00219448035}" type="slidenum">
-              <a:rPr lang="fr-FR" smtClean="0"/>
-              <a:t>2</a:t>
-            </a:fld>
-            <a:endParaRPr lang="fr-FR"/>
-          </a:p>
-        </p:txBody>
-      </p:sp>
-    </p:spTree>
-    <p:extLst>
-      <p:ext uri="{BB962C8B-B14F-4D97-AF65-F5344CB8AC3E}">
-        <p14:creationId xmlns:p14="http://schemas.microsoft.com/office/powerpoint/2010/main" val="3520046662"/>
-      </p:ext>
-    </p:extLst>
-  </p:cSld>
-  <p:clrMapOvr>
-    <a:masterClrMapping/>
-  </p:clrMapOvr>
-</p:sld>
-</file>
-
-<file path=ppt/slides/slide20.xml><?xml version="1.0" encoding="utf-8"?>
-<p:sld xmlns:a="http://schemas.openxmlformats.org/drawingml/2006/main" xmlns:r="http://schemas.openxmlformats.org/officeDocument/2006/relationships" xmlns:p="http://schemas.openxmlformats.org/presentationml/2006/main">
-  <p:cSld>
-    <p:spTree>
-      <p:nvGrpSpPr>
-        <p:cNvPr id="1" name=""/>
-        <p:cNvGrpSpPr/>
-        <p:nvPr/>
-      </p:nvGrpSpPr>
-      <p:grpSpPr>
-        <a:xfrm>
-          <a:off x="0" y="0"/>
-          <a:ext cx="0" cy="0"/>
-          <a:chOff x="0" y="0"/>
-          <a:chExt cx="0" cy="0"/>
-        </a:xfrm>
-      </p:grpSpPr>
-      <p:sp>
-        <p:nvSpPr>
-          <p:cNvPr id="2" name="Titre 1"/>
-          <p:cNvSpPr>
-            <a:spLocks noGrp="1"/>
-          </p:cNvSpPr>
-          <p:nvPr>
-            <p:ph type="title"/>
-          </p:nvPr>
-        </p:nvSpPr>
-        <p:spPr/>
-        <p:txBody>
-          <a:bodyPr/>
-          <a:lstStyle/>
-          <a:p>
-            <a:r>
-              <a:rPr lang="fr-FR" dirty="0" smtClean="0"/>
-              <a:t>Modélisation d’un système de laboratoire</a:t>
-            </a:r>
-            <a:endParaRPr lang="fr-FR" dirty="0"/>
-          </a:p>
-        </p:txBody>
-      </p:sp>
-      <p:sp>
-        <p:nvSpPr>
-          <p:cNvPr id="3" name="Espace réservé du texte 2"/>
-          <p:cNvSpPr>
-            <a:spLocks noGrp="1"/>
-          </p:cNvSpPr>
-          <p:nvPr>
-            <p:ph type="body" idx="1"/>
-          </p:nvPr>
-        </p:nvSpPr>
-        <p:spPr/>
-        <p:txBody>
-          <a:bodyPr/>
-          <a:lstStyle/>
-          <a:p>
-            <a:r>
-              <a:rPr lang="fr-FR" dirty="0" smtClean="0"/>
-              <a:t>Pilote automatique TP 30</a:t>
-            </a:r>
-            <a:endParaRPr lang="fr-FR" dirty="0"/>
-          </a:p>
-        </p:txBody>
-      </p:sp>
-      <p:sp>
-        <p:nvSpPr>
-          <p:cNvPr id="4" name="Espace réservé du numéro de diapositive 3"/>
-          <p:cNvSpPr>
-            <a:spLocks noGrp="1"/>
-          </p:cNvSpPr>
-          <p:nvPr>
-            <p:ph type="sldNum" sz="quarter" idx="12"/>
-          </p:nvPr>
-        </p:nvSpPr>
-        <p:spPr/>
-        <p:txBody>
-          <a:bodyPr/>
-          <a:lstStyle/>
-          <a:p>
-            <a:fld id="{136A7F36-7A21-4EA8-9DC2-F00219448035}" type="slidenum">
-              <a:rPr lang="fr-FR" smtClean="0"/>
-              <a:t>20</a:t>
-            </a:fld>
-            <a:endParaRPr lang="fr-FR"/>
-          </a:p>
-        </p:txBody>
-      </p:sp>
-    </p:spTree>
-    <p:extLst>
-      <p:ext uri="{BB962C8B-B14F-4D97-AF65-F5344CB8AC3E}">
-        <p14:creationId xmlns:p14="http://schemas.microsoft.com/office/powerpoint/2010/main" val="3672452185"/>
-      </p:ext>
-    </p:extLst>
-  </p:cSld>
-  <p:clrMapOvr>
-    <a:masterClrMapping/>
-  </p:clrMapOvr>
-</p:sld>
-</file>
-
-<file path=ppt/slides/slide21.xml><?xml version="1.0" encoding="utf-8"?>
-<p:sld xmlns:a="http://schemas.openxmlformats.org/drawingml/2006/main" xmlns:r="http://schemas.openxmlformats.org/officeDocument/2006/relationships" xmlns:p="http://schemas.openxmlformats.org/presentationml/2006/main">
-  <p:cSld>
-    <p:spTree>
-      <p:nvGrpSpPr>
-        <p:cNvPr id="1" name=""/>
-        <p:cNvGrpSpPr/>
-        <p:nvPr/>
-      </p:nvGrpSpPr>
-      <p:grpSpPr>
-        <a:xfrm>
-          <a:off x="0" y="0"/>
-          <a:ext cx="0" cy="0"/>
-          <a:chOff x="0" y="0"/>
-          <a:chExt cx="0" cy="0"/>
-        </a:xfrm>
-      </p:grpSpPr>
-      <p:sp>
-        <p:nvSpPr>
-          <p:cNvPr id="5" name="Titre 4"/>
-          <p:cNvSpPr>
-            <a:spLocks noGrp="1"/>
-          </p:cNvSpPr>
-          <p:nvPr>
-            <p:ph type="title"/>
-          </p:nvPr>
-        </p:nvSpPr>
-        <p:spPr/>
-        <p:txBody>
-          <a:bodyPr>
-            <a:normAutofit fontScale="90000"/>
-          </a:bodyPr>
-          <a:lstStyle/>
-          <a:p>
-            <a:r>
-              <a:rPr lang="fr-FR" dirty="0" smtClean="0"/>
-              <a:t>Pilote Automatique</a:t>
-            </a:r>
-            <a:br>
-              <a:rPr lang="fr-FR" dirty="0" smtClean="0"/>
-            </a:br>
-            <a:r>
-              <a:rPr lang="fr-FR" dirty="0" smtClean="0"/>
-              <a:t>Analyse Interne</a:t>
-            </a:r>
-            <a:endParaRPr lang="fr-FR" dirty="0"/>
-          </a:p>
-        </p:txBody>
-      </p:sp>
-      <p:sp>
-        <p:nvSpPr>
-          <p:cNvPr id="6" name="Espace réservé du contenu 5"/>
-          <p:cNvSpPr>
-            <a:spLocks noGrp="1"/>
-          </p:cNvSpPr>
-          <p:nvPr>
-            <p:ph sz="quarter" idx="1"/>
-          </p:nvPr>
-        </p:nvSpPr>
-        <p:spPr/>
-        <p:txBody>
-          <a:bodyPr/>
-          <a:lstStyle/>
-          <a:p>
-            <a:endParaRPr lang="fr-FR"/>
-          </a:p>
-        </p:txBody>
-      </p:sp>
-      <p:sp>
-        <p:nvSpPr>
-          <p:cNvPr id="4" name="Espace réservé du numéro de diapositive 3"/>
-          <p:cNvSpPr>
-            <a:spLocks noGrp="1"/>
-          </p:cNvSpPr>
-          <p:nvPr>
-            <p:ph type="sldNum" sz="quarter" idx="15"/>
-          </p:nvPr>
-        </p:nvSpPr>
-        <p:spPr/>
-        <p:txBody>
-          <a:bodyPr/>
-          <a:lstStyle/>
-          <a:p>
-            <a:fld id="{136A7F36-7A21-4EA8-9DC2-F00219448035}" type="slidenum">
-              <a:rPr lang="fr-FR" smtClean="0"/>
-              <a:t>21</a:t>
-            </a:fld>
-            <a:endParaRPr lang="fr-FR"/>
-          </a:p>
-        </p:txBody>
-      </p:sp>
-    </p:spTree>
-    <p:extLst>
-      <p:ext uri="{BB962C8B-B14F-4D97-AF65-F5344CB8AC3E}">
-        <p14:creationId xmlns:p14="http://schemas.microsoft.com/office/powerpoint/2010/main" val="601726295"/>
-      </p:ext>
-    </p:extLst>
-  </p:cSld>
-  <p:clrMapOvr>
-    <a:masterClrMapping/>
-  </p:clrMapOvr>
-</p:sld>
-</file>
-
 <file path=ppt/slides/slide22.xml><?xml version="1.0" encoding="utf-8"?>
 <p:sld xmlns:a="http://schemas.openxmlformats.org/drawingml/2006/main" xmlns:r="http://schemas.openxmlformats.org/officeDocument/2006/relationships" xmlns:p="http://schemas.openxmlformats.org/presentationml/2006/main">
   <p:cSld>
@@ -7742,14 +7839,7 @@
           <a:p>
             <a:r>
               <a:rPr lang="fr-FR" dirty="0" smtClean="0"/>
-              <a:t>Pilote Automatique</a:t>
-            </a:r>
-            <a:br>
-              <a:rPr lang="fr-FR" dirty="0" smtClean="0"/>
-            </a:br>
-            <a:r>
-              <a:rPr lang="fr-FR" dirty="0" smtClean="0"/>
-              <a:t>Modélisation</a:t>
+              <a:t>Modélisation d’un système multiphysique</a:t>
             </a:r>
             <a:endParaRPr lang="fr-FR" dirty="0"/>
           </a:p>
@@ -7800,7 +7890,7 @@
     </p:spTree>
     <p:extLst>
       <p:ext uri="{BB962C8B-B14F-4D97-AF65-F5344CB8AC3E}">
-        <p14:creationId xmlns:p14="http://schemas.microsoft.com/office/powerpoint/2010/main" val="2388859630"/>
+        <p14:creationId xmlns:p14="http://schemas.microsoft.com/office/powerpoint/2010/main" val="1827117536"/>
       </p:ext>
     </p:extLst>
   </p:cSld>
@@ -7846,14 +7936,7 @@
           <a:p>
             <a:r>
               <a:rPr lang="fr-FR" dirty="0" smtClean="0"/>
-              <a:t>Pilote automatique</a:t>
-            </a:r>
-            <a:br>
-              <a:rPr lang="fr-FR" dirty="0" smtClean="0"/>
-            </a:br>
-            <a:r>
-              <a:rPr lang="fr-FR" dirty="0" smtClean="0"/>
-              <a:t>Application pédagogique</a:t>
+              <a:t>Modélisation d’un système multiphysique</a:t>
             </a:r>
             <a:endParaRPr lang="fr-FR" dirty="0"/>
           </a:p>
@@ -7904,7 +7987,7 @@
     </p:spTree>
     <p:extLst>
       <p:ext uri="{BB962C8B-B14F-4D97-AF65-F5344CB8AC3E}">
-        <p14:creationId xmlns:p14="http://schemas.microsoft.com/office/powerpoint/2010/main" val="4068046631"/>
+        <p14:creationId xmlns:p14="http://schemas.microsoft.com/office/powerpoint/2010/main" val="241906218"/>
       </p:ext>
     </p:extLst>
   </p:cSld>
@@ -7933,7 +8016,7 @@
       </p:grpSpPr>
       <p:sp>
         <p:nvSpPr>
-          <p:cNvPr id="4" name="Titre 3"/>
+          <p:cNvPr id="2" name="Titre 1"/>
           <p:cNvSpPr>
             <a:spLocks noGrp="1"/>
           </p:cNvSpPr>
@@ -7947,16 +8030,8 @@
           <a:lstStyle/>
           <a:p>
             <a:r>
-              <a:rPr lang="fr-FR" dirty="0" err="1" smtClean="0"/>
-              <a:t>Xcos</a:t>
-            </a:r>
-            <a:r>
-              <a:rPr lang="fr-FR" dirty="0" smtClean="0"/>
-              <a:t> &amp; </a:t>
-            </a:r>
-            <a:r>
-              <a:rPr lang="fr-FR" dirty="0" err="1" smtClean="0"/>
-              <a:t>Arduino</a:t>
+              <a:rPr lang="fr-FR" dirty="0" smtClean="0"/>
+              <a:t>Modélisation d’un système de laboratoire</a:t>
             </a:r>
             <a:endParaRPr lang="fr-FR" dirty="0"/>
           </a:p>
@@ -7964,7 +8039,7 @@
       </p:sp>
       <p:sp>
         <p:nvSpPr>
-          <p:cNvPr id="5" name="Espace réservé du texte 4"/>
+          <p:cNvPr id="3" name="Espace réservé du texte 2"/>
           <p:cNvSpPr>
             <a:spLocks noGrp="1"/>
           </p:cNvSpPr>
@@ -7977,13 +8052,17 @@
           <a:bodyPr/>
           <a:lstStyle/>
           <a:p>
-            <a:endParaRPr lang="fr-FR"/>
-          </a:p>
-        </p:txBody>
-      </p:sp>
-      <p:sp>
-        <p:nvSpPr>
-          <p:cNvPr id="2" name="Espace réservé du numéro de diapositive 1"/>
+            <a:r>
+              <a:rPr lang="fr-FR" dirty="0" smtClean="0"/>
+              <a:t>Pilote automatique TP 30</a:t>
+            </a:r>
+            <a:endParaRPr lang="fr-FR" dirty="0"/>
+          </a:p>
+        </p:txBody>
+      </p:sp>
+      <p:sp>
+        <p:nvSpPr>
+          <p:cNvPr id="4" name="Espace réservé du numéro de diapositive 3"/>
           <p:cNvSpPr>
             <a:spLocks noGrp="1"/>
           </p:cNvSpPr>
@@ -8007,7 +8086,7 @@
     </p:spTree>
     <p:extLst>
       <p:ext uri="{BB962C8B-B14F-4D97-AF65-F5344CB8AC3E}">
-        <p14:creationId xmlns:p14="http://schemas.microsoft.com/office/powerpoint/2010/main" val="1589319820"/>
+        <p14:creationId xmlns:p14="http://schemas.microsoft.com/office/powerpoint/2010/main" val="3672452185"/>
       </p:ext>
     </p:extLst>
   </p:cSld>
@@ -8036,12 +8115,63 @@
       </p:grpSpPr>
       <p:sp>
         <p:nvSpPr>
+          <p:cNvPr id="5" name="Titre 4"/>
+          <p:cNvSpPr>
+            <a:spLocks noGrp="1"/>
+          </p:cNvSpPr>
+          <p:nvPr>
+            <p:ph type="title"/>
+          </p:nvPr>
+        </p:nvSpPr>
+        <p:spPr/>
+        <p:txBody>
+          <a:bodyPr>
+            <a:normAutofit fontScale="90000"/>
+          </a:bodyPr>
+          <a:lstStyle/>
+          <a:p>
+            <a:r>
+              <a:rPr lang="fr-FR" dirty="0" smtClean="0"/>
+              <a:t>Pilote Automatique</a:t>
+            </a:r>
+            <a:br>
+              <a:rPr lang="fr-FR" dirty="0" smtClean="0"/>
+            </a:br>
+            <a:r>
+              <a:rPr lang="fr-FR" dirty="0" smtClean="0"/>
+              <a:t>Analyse Interne</a:t>
+            </a:r>
+            <a:endParaRPr lang="fr-FR" dirty="0"/>
+          </a:p>
+        </p:txBody>
+      </p:sp>
+      <p:sp>
+        <p:nvSpPr>
+          <p:cNvPr id="6" name="Espace réservé du contenu 5"/>
+          <p:cNvSpPr>
+            <a:spLocks noGrp="1"/>
+          </p:cNvSpPr>
+          <p:nvPr>
+            <p:ph sz="quarter" idx="1"/>
+          </p:nvPr>
+        </p:nvSpPr>
+        <p:spPr/>
+        <p:txBody>
+          <a:bodyPr/>
+          <a:lstStyle/>
+          <a:p>
+            <a:endParaRPr lang="fr-FR"/>
+          </a:p>
+        </p:txBody>
+      </p:sp>
+      <p:sp>
+        <p:nvSpPr>
           <p:cNvPr id="4" name="Espace réservé du numéro de diapositive 3"/>
           <p:cNvSpPr>
             <a:spLocks noGrp="1"/>
           </p:cNvSpPr>
           <p:nvPr>
-            <p:ph type="sldNum" sz="quarter" idx="12"/>
+            <p:ph type="sldNum" sz="quarter" idx="15"/>
           </p:nvPr>
         </p:nvSpPr>
         <p:spPr/>
@@ -8052,6 +8182,370 @@
             <a:fld id="{136A7F36-7A21-4EA8-9DC2-F00219448035}" type="slidenum">
               <a:rPr lang="fr-FR" smtClean="0"/>
               <a:t>25</a:t>
+            </a:fld>
+            <a:endParaRPr lang="fr-FR"/>
+          </a:p>
+        </p:txBody>
+      </p:sp>
+    </p:spTree>
+    <p:extLst>
+      <p:ext uri="{BB962C8B-B14F-4D97-AF65-F5344CB8AC3E}">
+        <p14:creationId xmlns:p14="http://schemas.microsoft.com/office/powerpoint/2010/main" val="601726295"/>
+      </p:ext>
+    </p:extLst>
+  </p:cSld>
+  <p:clrMapOvr>
+    <a:masterClrMapping/>
+  </p:clrMapOvr>
+</p:sld>
+</file>
+
+<file path=ppt/slides/slide26.xml><?xml version="1.0" encoding="utf-8"?>
+<p:sld xmlns:a="http://schemas.openxmlformats.org/drawingml/2006/main" xmlns:r="http://schemas.openxmlformats.org/officeDocument/2006/relationships" xmlns:p="http://schemas.openxmlformats.org/presentationml/2006/main">
+  <p:cSld>
+    <p:spTree>
+      <p:nvGrpSpPr>
+        <p:cNvPr id="1" name=""/>
+        <p:cNvGrpSpPr/>
+        <p:nvPr/>
+      </p:nvGrpSpPr>
+      <p:grpSpPr>
+        <a:xfrm>
+          <a:off x="0" y="0"/>
+          <a:ext cx="0" cy="0"/>
+          <a:chOff x="0" y="0"/>
+          <a:chExt cx="0" cy="0"/>
+        </a:xfrm>
+      </p:grpSpPr>
+      <p:sp>
+        <p:nvSpPr>
+          <p:cNvPr id="2" name="Titre 1"/>
+          <p:cNvSpPr>
+            <a:spLocks noGrp="1"/>
+          </p:cNvSpPr>
+          <p:nvPr>
+            <p:ph type="title"/>
+          </p:nvPr>
+        </p:nvSpPr>
+        <p:spPr/>
+        <p:txBody>
+          <a:bodyPr>
+            <a:normAutofit fontScale="90000"/>
+          </a:bodyPr>
+          <a:lstStyle/>
+          <a:p>
+            <a:r>
+              <a:rPr lang="fr-FR" dirty="0" smtClean="0"/>
+              <a:t>Pilote Automatique</a:t>
+            </a:r>
+            <a:br>
+              <a:rPr lang="fr-FR" dirty="0" smtClean="0"/>
+            </a:br>
+            <a:r>
+              <a:rPr lang="fr-FR" dirty="0" smtClean="0"/>
+              <a:t>Modélisation</a:t>
+            </a:r>
+            <a:endParaRPr lang="fr-FR" dirty="0"/>
+          </a:p>
+        </p:txBody>
+      </p:sp>
+      <p:sp>
+        <p:nvSpPr>
+          <p:cNvPr id="3" name="Espace réservé du contenu 2"/>
+          <p:cNvSpPr>
+            <a:spLocks noGrp="1"/>
+          </p:cNvSpPr>
+          <p:nvPr>
+            <p:ph sz="quarter" idx="1"/>
+          </p:nvPr>
+        </p:nvSpPr>
+        <p:spPr/>
+        <p:txBody>
+          <a:bodyPr/>
+          <a:lstStyle/>
+          <a:p>
+            <a:endParaRPr lang="fr-FR"/>
+          </a:p>
+        </p:txBody>
+      </p:sp>
+      <p:sp>
+        <p:nvSpPr>
+          <p:cNvPr id="4" name="Espace réservé du numéro de diapositive 3"/>
+          <p:cNvSpPr>
+            <a:spLocks noGrp="1"/>
+          </p:cNvSpPr>
+          <p:nvPr>
+            <p:ph type="sldNum" sz="quarter" idx="15"/>
+          </p:nvPr>
+        </p:nvSpPr>
+        <p:spPr/>
+        <p:txBody>
+          <a:bodyPr/>
+          <a:lstStyle/>
+          <a:p>
+            <a:fld id="{136A7F36-7A21-4EA8-9DC2-F00219448035}" type="slidenum">
+              <a:rPr lang="fr-FR" smtClean="0"/>
+              <a:t>26</a:t>
+            </a:fld>
+            <a:endParaRPr lang="fr-FR"/>
+          </a:p>
+        </p:txBody>
+      </p:sp>
+    </p:spTree>
+    <p:extLst>
+      <p:ext uri="{BB962C8B-B14F-4D97-AF65-F5344CB8AC3E}">
+        <p14:creationId xmlns:p14="http://schemas.microsoft.com/office/powerpoint/2010/main" val="2388859630"/>
+      </p:ext>
+    </p:extLst>
+  </p:cSld>
+  <p:clrMapOvr>
+    <a:masterClrMapping/>
+  </p:clrMapOvr>
+</p:sld>
+</file>
+
+<file path=ppt/slides/slide27.xml><?xml version="1.0" encoding="utf-8"?>
+<p:sld xmlns:a="http://schemas.openxmlformats.org/drawingml/2006/main" xmlns:r="http://schemas.openxmlformats.org/officeDocument/2006/relationships" xmlns:p="http://schemas.openxmlformats.org/presentationml/2006/main">
+  <p:cSld>
+    <p:spTree>
+      <p:nvGrpSpPr>
+        <p:cNvPr id="1" name=""/>
+        <p:cNvGrpSpPr/>
+        <p:nvPr/>
+      </p:nvGrpSpPr>
+      <p:grpSpPr>
+        <a:xfrm>
+          <a:off x="0" y="0"/>
+          <a:ext cx="0" cy="0"/>
+          <a:chOff x="0" y="0"/>
+          <a:chExt cx="0" cy="0"/>
+        </a:xfrm>
+      </p:grpSpPr>
+      <p:sp>
+        <p:nvSpPr>
+          <p:cNvPr id="2" name="Titre 1"/>
+          <p:cNvSpPr>
+            <a:spLocks noGrp="1"/>
+          </p:cNvSpPr>
+          <p:nvPr>
+            <p:ph type="title"/>
+          </p:nvPr>
+        </p:nvSpPr>
+        <p:spPr/>
+        <p:txBody>
+          <a:bodyPr>
+            <a:normAutofit fontScale="90000"/>
+          </a:bodyPr>
+          <a:lstStyle/>
+          <a:p>
+            <a:r>
+              <a:rPr lang="fr-FR" dirty="0" smtClean="0"/>
+              <a:t>Pilote automatique</a:t>
+            </a:r>
+            <a:br>
+              <a:rPr lang="fr-FR" dirty="0" smtClean="0"/>
+            </a:br>
+            <a:r>
+              <a:rPr lang="fr-FR" dirty="0" smtClean="0"/>
+              <a:t>Application pédagogique</a:t>
+            </a:r>
+            <a:endParaRPr lang="fr-FR" dirty="0"/>
+          </a:p>
+        </p:txBody>
+      </p:sp>
+      <p:sp>
+        <p:nvSpPr>
+          <p:cNvPr id="3" name="Espace réservé du contenu 2"/>
+          <p:cNvSpPr>
+            <a:spLocks noGrp="1"/>
+          </p:cNvSpPr>
+          <p:nvPr>
+            <p:ph sz="quarter" idx="1"/>
+          </p:nvPr>
+        </p:nvSpPr>
+        <p:spPr/>
+        <p:txBody>
+          <a:bodyPr/>
+          <a:lstStyle/>
+          <a:p>
+            <a:endParaRPr lang="fr-FR"/>
+          </a:p>
+        </p:txBody>
+      </p:sp>
+      <p:sp>
+        <p:nvSpPr>
+          <p:cNvPr id="4" name="Espace réservé du numéro de diapositive 3"/>
+          <p:cNvSpPr>
+            <a:spLocks noGrp="1"/>
+          </p:cNvSpPr>
+          <p:nvPr>
+            <p:ph type="sldNum" sz="quarter" idx="15"/>
+          </p:nvPr>
+        </p:nvSpPr>
+        <p:spPr/>
+        <p:txBody>
+          <a:bodyPr/>
+          <a:lstStyle/>
+          <a:p>
+            <a:fld id="{136A7F36-7A21-4EA8-9DC2-F00219448035}" type="slidenum">
+              <a:rPr lang="fr-FR" smtClean="0"/>
+              <a:t>27</a:t>
+            </a:fld>
+            <a:endParaRPr lang="fr-FR"/>
+          </a:p>
+        </p:txBody>
+      </p:sp>
+    </p:spTree>
+    <p:extLst>
+      <p:ext uri="{BB962C8B-B14F-4D97-AF65-F5344CB8AC3E}">
+        <p14:creationId xmlns:p14="http://schemas.microsoft.com/office/powerpoint/2010/main" val="4068046631"/>
+      </p:ext>
+    </p:extLst>
+  </p:cSld>
+  <p:clrMapOvr>
+    <a:masterClrMapping/>
+  </p:clrMapOvr>
+</p:sld>
+</file>
+
+<file path=ppt/slides/slide28.xml><?xml version="1.0" encoding="utf-8"?>
+<p:sld xmlns:a="http://schemas.openxmlformats.org/drawingml/2006/main" xmlns:r="http://schemas.openxmlformats.org/officeDocument/2006/relationships" xmlns:p="http://schemas.openxmlformats.org/presentationml/2006/main">
+  <p:cSld>
+    <p:spTree>
+      <p:nvGrpSpPr>
+        <p:cNvPr id="1" name=""/>
+        <p:cNvGrpSpPr/>
+        <p:nvPr/>
+      </p:nvGrpSpPr>
+      <p:grpSpPr>
+        <a:xfrm>
+          <a:off x="0" y="0"/>
+          <a:ext cx="0" cy="0"/>
+          <a:chOff x="0" y="0"/>
+          <a:chExt cx="0" cy="0"/>
+        </a:xfrm>
+      </p:grpSpPr>
+      <p:sp>
+        <p:nvSpPr>
+          <p:cNvPr id="4" name="Titre 3"/>
+          <p:cNvSpPr>
+            <a:spLocks noGrp="1"/>
+          </p:cNvSpPr>
+          <p:nvPr>
+            <p:ph type="title"/>
+          </p:nvPr>
+        </p:nvSpPr>
+        <p:spPr/>
+        <p:txBody>
+          <a:bodyPr/>
+          <a:lstStyle/>
+          <a:p>
+            <a:r>
+              <a:rPr lang="fr-FR" dirty="0" err="1" smtClean="0"/>
+              <a:t>Xcos</a:t>
+            </a:r>
+            <a:r>
+              <a:rPr lang="fr-FR" dirty="0" smtClean="0"/>
+              <a:t> &amp; </a:t>
+            </a:r>
+            <a:r>
+              <a:rPr lang="fr-FR" dirty="0" err="1" smtClean="0"/>
+              <a:t>Arduino</a:t>
+            </a:r>
+            <a:endParaRPr lang="fr-FR" dirty="0"/>
+          </a:p>
+        </p:txBody>
+      </p:sp>
+      <p:sp>
+        <p:nvSpPr>
+          <p:cNvPr id="5" name="Espace réservé du texte 4"/>
+          <p:cNvSpPr>
+            <a:spLocks noGrp="1"/>
+          </p:cNvSpPr>
+          <p:nvPr>
+            <p:ph type="body" idx="1"/>
+          </p:nvPr>
+        </p:nvSpPr>
+        <p:spPr/>
+        <p:txBody>
+          <a:bodyPr/>
+          <a:lstStyle/>
+          <a:p>
+            <a:endParaRPr lang="fr-FR"/>
+          </a:p>
+        </p:txBody>
+      </p:sp>
+      <p:sp>
+        <p:nvSpPr>
+          <p:cNvPr id="2" name="Espace réservé du numéro de diapositive 1"/>
+          <p:cNvSpPr>
+            <a:spLocks noGrp="1"/>
+          </p:cNvSpPr>
+          <p:nvPr>
+            <p:ph type="sldNum" sz="quarter" idx="12"/>
+          </p:nvPr>
+        </p:nvSpPr>
+        <p:spPr/>
+        <p:txBody>
+          <a:bodyPr/>
+          <a:lstStyle/>
+          <a:p>
+            <a:fld id="{136A7F36-7A21-4EA8-9DC2-F00219448035}" type="slidenum">
+              <a:rPr lang="fr-FR" smtClean="0"/>
+              <a:t>28</a:t>
+            </a:fld>
+            <a:endParaRPr lang="fr-FR"/>
+          </a:p>
+        </p:txBody>
+      </p:sp>
+    </p:spTree>
+    <p:extLst>
+      <p:ext uri="{BB962C8B-B14F-4D97-AF65-F5344CB8AC3E}">
+        <p14:creationId xmlns:p14="http://schemas.microsoft.com/office/powerpoint/2010/main" val="1589319820"/>
+      </p:ext>
+    </p:extLst>
+  </p:cSld>
+  <p:clrMapOvr>
+    <a:masterClrMapping/>
+  </p:clrMapOvr>
+</p:sld>
+</file>
+
+<file path=ppt/slides/slide29.xml><?xml version="1.0" encoding="utf-8"?>
+<p:sld xmlns:a="http://schemas.openxmlformats.org/drawingml/2006/main" xmlns:r="http://schemas.openxmlformats.org/officeDocument/2006/relationships" xmlns:p="http://schemas.openxmlformats.org/presentationml/2006/main">
+  <p:cSld>
+    <p:spTree>
+      <p:nvGrpSpPr>
+        <p:cNvPr id="1" name=""/>
+        <p:cNvGrpSpPr/>
+        <p:nvPr/>
+      </p:nvGrpSpPr>
+      <p:grpSpPr>
+        <a:xfrm>
+          <a:off x="0" y="0"/>
+          <a:ext cx="0" cy="0"/>
+          <a:chOff x="0" y="0"/>
+          <a:chExt cx="0" cy="0"/>
+        </a:xfrm>
+      </p:grpSpPr>
+      <p:sp>
+        <p:nvSpPr>
+          <p:cNvPr id="4" name="Espace réservé du numéro de diapositive 3"/>
+          <p:cNvSpPr>
+            <a:spLocks noGrp="1"/>
+          </p:cNvSpPr>
+          <p:nvPr>
+            <p:ph type="sldNum" sz="quarter" idx="12"/>
+          </p:nvPr>
+        </p:nvSpPr>
+        <p:spPr/>
+        <p:txBody>
+          <a:bodyPr/>
+          <a:lstStyle/>
+          <a:p>
+            <a:fld id="{136A7F36-7A21-4EA8-9DC2-F00219448035}" type="slidenum">
+              <a:rPr lang="fr-FR" smtClean="0"/>
+              <a:t>29</a:t>
             </a:fld>
             <a:endParaRPr lang="fr-FR"/>
           </a:p>
@@ -9316,11 +9810,7 @@
             <a:pPr lvl="1"/>
             <a:r>
               <a:rPr lang="fr-FR" dirty="0" smtClean="0"/>
-              <a:t>Le </a:t>
-            </a:r>
-            <a:r>
-              <a:rPr lang="fr-FR" dirty="0" smtClean="0"/>
-              <a:t>module SIMM/</a:t>
+              <a:t>Le module SIMM/</a:t>
             </a:r>
             <a:r>
               <a:rPr lang="fr-FR" dirty="0" err="1" smtClean="0"/>
@@ -9369,7 +9859,6 @@
               <a:rPr lang="fr-FR" dirty="0" smtClean="0"/>
               <a:t>Possibilité bibliothèque thermique</a:t>
             </a:r>
-            <a:endParaRPr lang="fr-FR" dirty="0" smtClean="0"/>
           </a:p>
           <a:p>
             <a:pPr lvl="2"/>
@@ -9385,7 +9874,6 @@
               <a:rPr lang="fr-FR" dirty="0" smtClean="0"/>
               <a:t>  …</a:t>
             </a:r>
-            <a:endParaRPr lang="fr-FR" dirty="0" smtClean="0"/>
           </a:p>
           <a:p>
             <a:pPr lvl="2"/>
@@ -9393,7 +9881,6 @@
               <a:rPr lang="fr-FR" dirty="0" smtClean="0"/>
               <a:t>Bilan échantillonnage de la résolution</a:t>
             </a:r>
-            <a:endParaRPr lang="fr-FR" dirty="0" smtClean="0"/>
           </a:p>
           <a:p>
             <a:pPr lvl="2"/>
@@ -9441,7 +9928,6 @@
               <a:rPr lang="fr-FR" dirty="0" smtClean="0"/>
               <a:t>?</a:t>
             </a:r>
-            <a:endParaRPr lang="fr-FR" dirty="0" smtClean="0"/>
           </a:p>
           <a:p>
             <a:endParaRPr lang="fr-FR" dirty="0" smtClean="0"/>
@@ -9606,7 +10092,7 @@
       </p:grpSpPr>
       <p:sp>
         <p:nvSpPr>
-          <p:cNvPr id="5" name="Titre 4"/>
+          <p:cNvPr id="2" name="Titre 1"/>
           <p:cNvSpPr>
             <a:spLocks noGrp="1"/>
           </p:cNvSpPr>
@@ -9630,108 +10116,7 @@
             </a:br>
             <a:r>
               <a:rPr lang="fr-FR" dirty="0" smtClean="0"/>
-              <a:t>Tentatives de définitions</a:t>
-            </a:r>
-            <a:endParaRPr lang="fr-FR" dirty="0"/>
-          </a:p>
-        </p:txBody>
-      </p:sp>
-      <p:sp>
-        <p:nvSpPr>
-          <p:cNvPr id="6" name="Espace réservé du contenu 5"/>
-          <p:cNvSpPr>
-            <a:spLocks noGrp="1"/>
-          </p:cNvSpPr>
-          <p:nvPr>
-            <p:ph sz="quarter" idx="1"/>
-          </p:nvPr>
-        </p:nvSpPr>
-        <p:spPr/>
-        <p:txBody>
-          <a:bodyPr>
-            <a:normAutofit fontScale="92500"/>
-          </a:bodyPr>
-          <a:lstStyle/>
-          <a:p>
-            <a:r>
-              <a:rPr lang="fr-FR" dirty="0" smtClean="0"/>
-              <a:t>La modélisation multiphysique en SII</a:t>
-            </a:r>
-          </a:p>
-          <a:p>
-            <a:pPr lvl="1"/>
-            <a:r>
-              <a:rPr lang="fr-FR" dirty="0" smtClean="0"/>
-              <a:t>Modélisation d’un système </a:t>
-            </a:r>
-            <a:r>
-              <a:rPr lang="fr-FR" dirty="0" smtClean="0"/>
-              <a:t>pluri technologique </a:t>
-            </a:r>
-            <a:r>
-              <a:rPr lang="fr-FR" dirty="0" smtClean="0"/>
-              <a:t>en intégrant tous les domaines de la physique nécessaires au fonctionnement de ce système</a:t>
-            </a:r>
-          </a:p>
-          <a:p>
-            <a:endParaRPr lang="fr-FR" dirty="0"/>
-          </a:p>
-          <a:p>
-            <a:r>
-              <a:rPr lang="fr-FR" dirty="0" smtClean="0"/>
-              <a:t>La modélisation multiphysique et </a:t>
-            </a:r>
-            <a:r>
-              <a:rPr lang="fr-FR" dirty="0" smtClean="0"/>
-              <a:t>multi échelle </a:t>
-            </a:r>
-            <a:r>
-              <a:rPr lang="fr-FR" dirty="0" smtClean="0"/>
-              <a:t>dans la recherche</a:t>
-            </a:r>
-          </a:p>
-          <a:p>
-            <a:pPr lvl="1"/>
-            <a:r>
-              <a:rPr lang="fr-FR" dirty="0" smtClean="0"/>
-              <a:t>La modélisation multiphysique permet de de prendre en compte les couplages entre phénomènes physiques différents (couplage mécanique – chimique, couplage mécanique des structures – neutronique – </a:t>
-            </a:r>
-            <a:r>
-              <a:rPr lang="fr-FR" dirty="0" smtClean="0"/>
-              <a:t>thermo hydraulique </a:t>
-            </a:r>
-            <a:r>
-              <a:rPr lang="fr-FR" dirty="0" smtClean="0"/>
-              <a:t>dans la physique des réacteurs …)</a:t>
-            </a:r>
-          </a:p>
-          <a:p>
-            <a:pPr lvl="1"/>
-            <a:r>
-              <a:rPr lang="fr-FR" dirty="0" smtClean="0"/>
-              <a:t>La modélisation </a:t>
-            </a:r>
-            <a:r>
-              <a:rPr lang="fr-FR" dirty="0" smtClean="0"/>
-              <a:t>multi échelle </a:t>
-            </a:r>
-            <a:r>
-              <a:rPr lang="fr-FR" dirty="0" smtClean="0"/>
-              <a:t>permet, grâce au calcul numérique, de déduire des propriétés macroscopiques à partir de modèles microscopiques</a:t>
-            </a:r>
-          </a:p>
-          <a:p>
-            <a:pPr lvl="2"/>
-            <a:r>
-              <a:rPr lang="fr-FR" dirty="0" smtClean="0"/>
-              <a:t>Utilisation complémentaires de modèles probabilistes</a:t>
-            </a:r>
-          </a:p>
-          <a:p>
-            <a:pPr lvl="1"/>
-            <a:r>
-              <a:rPr lang="fr-FR" dirty="0" smtClean="0"/>
-              <a:t>Problèmes de compatibilité et de cohérences des codes de calcul</a:t>
+              <a:t>Positionnement dans l’enseignement des SII</a:t>
             </a:r>
             <a:endParaRPr lang="fr-FR" dirty="0"/>
           </a:p>
@@ -9760,10 +10145,74 @@
           </a:p>
         </p:txBody>
       </p:sp>
+      <p:pic>
+        <p:nvPicPr>
+          <p:cNvPr id="1026" name="Picture 2"/>
+          <p:cNvPicPr>
+            <a:picLocks noChangeAspect="1" noChangeArrowheads="1"/>
+          </p:cNvPicPr>
+          <p:nvPr/>
+        </p:nvPicPr>
+        <p:blipFill>
+          <a:blip r:embed="rId2" cstate="print">
+            <a:extLst>
+              <a:ext uri="{28A0092B-C50C-407E-A947-70E740481C1C}">
+                <a14:useLocalDpi xmlns:a14="http://schemas.microsoft.com/office/drawing/2010/main" val="0"/>
+              </a:ext>
+            </a:extLst>
+          </a:blip>
+          <a:srcRect/>
+          <a:stretch>
+            <a:fillRect/>
+          </a:stretch>
+        </p:blipFill>
+        <p:spPr bwMode="auto">
+          <a:xfrm>
+            <a:off x="250751" y="1268761"/>
+            <a:ext cx="8425705" cy="5483626"/>
+          </a:xfrm>
+          <a:prstGeom prst="rect">
+            <a:avLst/>
+          </a:prstGeom>
+          <a:noFill/>
+          <a:ln>
+            <a:noFill/>
+          </a:ln>
+          <a:effectLst/>
+          <a:extLst>
+            <a:ext uri="{909E8E84-426E-40DD-AFC4-6F175D3DCCD1}">
+              <a14:hiddenFill xmlns:a14="http://schemas.microsoft.com/office/drawing/2010/main">
+                <a:solidFill>
+                  <a:schemeClr val="accent1"/>
+                </a:solidFill>
+              </a14:hiddenFill>
+            </a:ext>
+            <a:ext uri="{91240B29-F687-4F45-9708-019B960494DF}">
+              <a14:hiddenLine xmlns:a14="http://schemas.microsoft.com/office/drawing/2010/main" w="9525">
+                <a:solidFill>
+                  <a:schemeClr val="tx1"/>
+                </a:solidFill>
+                <a:miter lim="800000"/>
+                <a:headEnd/>
+                <a:tailEnd/>
+              </a14:hiddenLine>
+            </a:ext>
+            <a:ext uri="{AF507438-7753-43E0-B8FC-AC1667EBCBE1}">
+              <a14:hiddenEffects xmlns:a14="http://schemas.microsoft.com/office/drawing/2010/main">
+                <a:effectLst>
+                  <a:outerShdw dist="35921" dir="2700000" algn="ctr" rotWithShape="0">
+                    <a:schemeClr val="bg2"/>
+                  </a:outerShdw>
+                </a:effectLst>
+              </a14:hiddenEffects>
+            </a:ext>
+          </a:extLst>
+        </p:spPr>
+      </p:pic>
     </p:spTree>
     <p:extLst>
       <p:ext uri="{BB962C8B-B14F-4D97-AF65-F5344CB8AC3E}">
-        <p14:creationId xmlns:p14="http://schemas.microsoft.com/office/powerpoint/2010/main" val="2231398042"/>
+        <p14:creationId xmlns:p14="http://schemas.microsoft.com/office/powerpoint/2010/main" val="180591065"/>
       </p:ext>
     </p:extLst>
   </p:cSld>
@@ -9792,7 +10241,7 @@
       </p:grpSpPr>
       <p:sp>
         <p:nvSpPr>
-          <p:cNvPr id="2" name="Titre 1"/>
+          <p:cNvPr id="5" name="Titre 4"/>
           <p:cNvSpPr>
             <a:spLocks noGrp="1"/>
           </p:cNvSpPr>
@@ -9816,7 +10265,7 @@
             </a:br>
             <a:r>
               <a:rPr lang="fr-FR" dirty="0" smtClean="0"/>
-              <a:t>Enjeux</a:t>
+              <a:t>Tentatives de définitions</a:t>
             </a:r>
             <a:endParaRPr lang="fr-FR" dirty="0"/>
           </a:p>
@@ -9824,7 +10273,7 @@
       </p:sp>
       <p:sp>
         <p:nvSpPr>
-          <p:cNvPr id="3" name="Espace réservé du contenu 2"/>
+          <p:cNvPr id="6" name="Espace réservé du contenu 5"/>
           <p:cNvSpPr>
             <a:spLocks noGrp="1"/>
           </p:cNvSpPr>
@@ -9834,12 +10283,61 @@
         </p:nvSpPr>
         <p:spPr/>
         <p:txBody>
-          <a:bodyPr/>
-          <a:lstStyle/>
-          <a:p>
-            <a:r>
-              <a:rPr lang="fr-FR" dirty="0" smtClean="0"/>
-              <a:t>Pouvoir simuler le comportement d’un système dans sa globalité </a:t>
+          <a:bodyPr>
+            <a:normAutofit fontScale="92500"/>
+          </a:bodyPr>
+          <a:lstStyle/>
+          <a:p>
+            <a:pPr algn="just"/>
+            <a:r>
+              <a:rPr lang="fr-FR" dirty="0" smtClean="0"/>
+              <a:t>La modélisation multiphysique en SII</a:t>
+            </a:r>
+          </a:p>
+          <a:p>
+            <a:pPr lvl="1" algn="just"/>
+            <a:r>
+              <a:rPr lang="fr-FR" dirty="0" smtClean="0"/>
+              <a:t>Modélisation d’un système pluri technologique en intégrant tous les domaines de la physique nécessaires au fonctionnement de ce système</a:t>
+            </a:r>
+          </a:p>
+          <a:p>
+            <a:pPr algn="just"/>
+            <a:endParaRPr lang="fr-FR" dirty="0"/>
+          </a:p>
+          <a:p>
+            <a:pPr algn="just"/>
+            <a:r>
+              <a:rPr lang="fr-FR" dirty="0" smtClean="0"/>
+              <a:t>La modélisation multiphysique et multi échelle dans la recherche</a:t>
+            </a:r>
+          </a:p>
+          <a:p>
+            <a:pPr lvl="1" algn="just"/>
+            <a:r>
+              <a:rPr lang="fr-FR" dirty="0" smtClean="0"/>
+              <a:t>La modélisation multiphysique permet de de prendre en compte les couplages entre phénomènes physiques différents (couplage mécanique – chimique, couplage mécanique des structures – neutronique – thermo hydraulique dans la physique des réacteurs …)</a:t>
+            </a:r>
+          </a:p>
+          <a:p>
+            <a:pPr lvl="1" algn="just"/>
+            <a:r>
+              <a:rPr lang="fr-FR" dirty="0" smtClean="0"/>
+              <a:t>La modélisation multi échelle permet, grâce au calcul numérique, de déduire des propriétés macroscopiques à partir de modèles microscopiques</a:t>
+            </a:r>
+          </a:p>
+          <a:p>
+            <a:pPr lvl="2" algn="just"/>
+            <a:r>
+              <a:rPr lang="fr-FR" dirty="0" smtClean="0"/>
+              <a:t>Utilisation complémentaires de modèles probabilistes</a:t>
+            </a:r>
+          </a:p>
+          <a:p>
+            <a:pPr lvl="1" algn="just"/>
+            <a:r>
+              <a:rPr lang="fr-FR" dirty="0" smtClean="0"/>
+              <a:t>Problèmes de compatibilité et de cohérences des codes de calcul</a:t>
             </a:r>
             <a:endParaRPr lang="fr-FR" dirty="0"/>
           </a:p>
@@ -9871,7 +10369,7 @@
     </p:spTree>
     <p:extLst>
       <p:ext uri="{BB962C8B-B14F-4D97-AF65-F5344CB8AC3E}">
-        <p14:creationId xmlns:p14="http://schemas.microsoft.com/office/powerpoint/2010/main" val="180591065"/>
+        <p14:creationId xmlns:p14="http://schemas.microsoft.com/office/powerpoint/2010/main" val="2231398042"/>
       </p:ext>
     </p:extLst>
   </p:cSld>
@@ -9924,7 +10422,7 @@
             </a:br>
             <a:r>
               <a:rPr lang="fr-FR" dirty="0" smtClean="0"/>
-              <a:t>Problématiques</a:t>
+              <a:t>Le modèle de connaissance</a:t>
             </a:r>
             <a:endParaRPr lang="fr-FR" dirty="0"/>
           </a:p>
@@ -9942,70 +10440,67 @@
         </p:nvSpPr>
         <p:spPr/>
         <p:txBody>
-          <a:bodyPr/>
-          <a:lstStyle/>
-          <a:p>
-            <a:r>
-              <a:rPr lang="fr-FR" dirty="0" smtClean="0"/>
-              <a:t>Problèmes logiciels</a:t>
+          <a:bodyPr>
+            <a:normAutofit/>
+          </a:bodyPr>
+          <a:lstStyle/>
+          <a:p>
+            <a:r>
+              <a:rPr lang="fr-FR" dirty="0" smtClean="0"/>
+              <a:t>Définition </a:t>
             </a:r>
           </a:p>
           <a:p>
             <a:pPr lvl="1"/>
             <a:r>
               <a:rPr lang="fr-FR" dirty="0" smtClean="0"/>
-              <a:t>Les logiciels utilisés de classiquement en SII sont orientés « </a:t>
-            </a:r>
-            <a:r>
-              <a:rPr lang="fr-FR" dirty="0" err="1" smtClean="0"/>
-              <a:t>monophysique</a:t>
-            </a:r>
-            <a:r>
-              <a:rPr lang="fr-FR" dirty="0" smtClean="0"/>
-              <a:t> ». Il faut donc utiliser des logiciels spécifiques.</a:t>
+              <a:t>Le modèle </a:t>
+            </a:r>
+            <a:r>
+              <a:rPr lang="fr-FR" dirty="0" smtClean="0"/>
+              <a:t>établi </a:t>
+            </a:r>
+            <a:r>
+              <a:rPr lang="fr-FR" dirty="0" smtClean="0"/>
+              <a:t>à partir des lois de la physique ou de la chimie.</a:t>
+            </a:r>
+          </a:p>
+          <a:p>
+            <a:r>
+              <a:rPr lang="fr-FR" dirty="0" smtClean="0"/>
+              <a:t>Objectif</a:t>
             </a:r>
           </a:p>
           <a:p>
             <a:pPr lvl="1"/>
-            <a:endParaRPr lang="fr-FR" dirty="0"/>
-          </a:p>
-          <a:p>
-            <a:r>
-              <a:rPr lang="fr-FR" dirty="0" smtClean="0"/>
-              <a:t>Problèmes pour l’enseignant</a:t>
+            <a:r>
+              <a:rPr lang="fr-FR" dirty="0"/>
+              <a:t>E</a:t>
+            </a:r>
+            <a:r>
+              <a:rPr lang="fr-FR" dirty="0" smtClean="0"/>
+              <a:t>xpliciter le fonctionnement d’un bloc d’un système par une relation mathématique.</a:t>
+            </a:r>
+          </a:p>
+          <a:p>
+            <a:r>
+              <a:rPr lang="fr-FR" dirty="0" smtClean="0"/>
+              <a:t>Problèmes </a:t>
             </a:r>
           </a:p>
           <a:p>
             <a:pPr lvl="1"/>
             <a:r>
               <a:rPr lang="fr-FR" dirty="0" smtClean="0"/>
-              <a:t>Ne maitrisant pas les lois comportementales de tous les champs de la physique, comment modéliser de façon juste un système ?</a:t>
+              <a:t>Complexité de certains modèles</a:t>
             </a:r>
           </a:p>
           <a:p>
             <a:pPr lvl="1"/>
-            <a:endParaRPr lang="fr-FR" dirty="0"/>
-          </a:p>
-          <a:p>
-            <a:r>
-              <a:rPr lang="fr-FR" dirty="0" smtClean="0"/>
-              <a:t>Problèmes de l’élève</a:t>
-            </a:r>
-          </a:p>
-          <a:p>
-            <a:pPr lvl="1"/>
-            <a:r>
-              <a:rPr lang="fr-FR" dirty="0" smtClean="0"/>
-              <a:t>Qu’est-ce que l’élève doit savoir ?</a:t>
-            </a:r>
-          </a:p>
-          <a:p>
-            <a:pPr lvl="1"/>
-            <a:r>
-              <a:rPr lang="fr-FR" dirty="0" smtClean="0"/>
-              <a:t>Qu’est-ce que l’élève doit savoir-faire ?</a:t>
-            </a:r>
-            <a:endParaRPr lang="fr-FR" dirty="0"/>
+            <a:r>
+              <a:rPr lang="fr-FR" dirty="0" smtClean="0"/>
+              <a:t>Identification nécessaires de paramètres</a:t>
+            </a:r>
           </a:p>
         </p:txBody>
       </p:sp>
@@ -10035,7 +10530,7 @@
     </p:spTree>
     <p:extLst>
       <p:ext uri="{BB962C8B-B14F-4D97-AF65-F5344CB8AC3E}">
-        <p14:creationId xmlns:p14="http://schemas.microsoft.com/office/powerpoint/2010/main" val="4081467805"/>
+        <p14:creationId xmlns:p14="http://schemas.microsoft.com/office/powerpoint/2010/main" val="2504809373"/>
       </p:ext>
     </p:extLst>
   </p:cSld>
@@ -10075,66 +10570,887 @@
         <p:spPr/>
         <p:txBody>
           <a:bodyPr>
-            <a:noAutofit/>
+            <a:normAutofit fontScale="90000"/>
           </a:bodyPr>
           <a:lstStyle/>
           <a:p>
             <a:r>
-              <a:rPr lang="fr-FR" sz="2400" dirty="0"/>
+              <a:rPr lang="fr-FR" dirty="0" smtClean="0"/>
               <a:t>Modélisation multiphysique</a:t>
             </a:r>
             <a:br>
-              <a:rPr lang="fr-FR" sz="2400" dirty="0"/>
+              <a:rPr lang="fr-FR" dirty="0" smtClean="0"/>
             </a:br>
             <a:r>
-              <a:rPr lang="fr-FR" sz="2400" dirty="0" smtClean="0"/>
-              <a:t>Modélisation Causale/ Modélisation Acausale</a:t>
-            </a:r>
-            <a:endParaRPr lang="fr-FR" sz="2400" dirty="0"/>
-          </a:p>
-        </p:txBody>
-      </p:sp>
-      <p:sp>
-        <p:nvSpPr>
-          <p:cNvPr id="3" name="Espace réservé du contenu 2"/>
-          <p:cNvSpPr>
-            <a:spLocks noGrp="1"/>
-          </p:cNvSpPr>
-          <p:nvPr>
-            <p:ph sz="quarter" idx="1"/>
-          </p:nvPr>
-        </p:nvSpPr>
-        <p:spPr/>
-        <p:txBody>
-          <a:bodyPr/>
-          <a:lstStyle/>
-          <a:p>
-            <a:r>
-              <a:rPr lang="fr-FR" dirty="0" smtClean="0"/>
-              <a:t>Dans le cadre de nos activités, on distingue la modélisation causale et acausale.</a:t>
-            </a:r>
-          </a:p>
-          <a:p>
+              <a:rPr lang="fr-FR" dirty="0" smtClean="0"/>
+              <a:t>Le modèle de connaissance</a:t>
+            </a:r>
             <a:endParaRPr lang="fr-FR" dirty="0"/>
           </a:p>
-          <a:p>
-            <a:r>
-              <a:rPr lang="fr-FR" dirty="0" smtClean="0"/>
-              <a:t>Les modèles causaux reposent sur une modélisation des systèmes par transformée de Laplace. Les simulations peuvent se faire par la « manipulation » de fonctions rationnelles.</a:t>
-            </a:r>
-          </a:p>
-          <a:p>
-            <a:endParaRPr lang="fr-FR" dirty="0"/>
-          </a:p>
-          <a:p>
-            <a:r>
-              <a:rPr lang="fr-FR" dirty="0" smtClean="0"/>
-              <a:t>Les modèles acausaux reposent sur une modélisation des systèmes par des équations différentielles (sans transformation dans le domaine de Laplace). Les simulations sont réalisée par une résolution numérique des équations différentielles.</a:t>
-            </a:r>
-            <a:endParaRPr lang="fr-FR" dirty="0"/>
-          </a:p>
-        </p:txBody>
-      </p:sp>
+        </p:txBody>
+      </p:sp>
+      <mc:AlternateContent xmlns:mc="http://schemas.openxmlformats.org/markup-compatibility/2006">
+        <mc:Choice xmlns:a14="http://schemas.microsoft.com/office/drawing/2010/main" Requires="a14">
+          <p:sp>
+            <p:nvSpPr>
+              <p:cNvPr id="5" name="Espace réservé du contenu 4"/>
+              <p:cNvSpPr>
+                <a:spLocks noGrp="1"/>
+              </p:cNvSpPr>
+              <p:nvPr>
+                <p:ph sz="quarter" idx="1"/>
+              </p:nvPr>
+            </p:nvSpPr>
+            <p:spPr/>
+            <p:txBody>
+              <a:bodyPr>
+                <a:normAutofit/>
+              </a:bodyPr>
+              <a:lstStyle/>
+              <a:p>
+                <a:r>
+                  <a:rPr lang="fr-FR" dirty="0" smtClean="0"/>
+                  <a:t>Équations électriques</a:t>
+                </a:r>
+              </a:p>
+              <a:p>
+                <a:pPr lvl="1"/>
+                <a:r>
+                  <a:rPr lang="fr-FR" dirty="0" smtClean="0"/>
+                  <a:t>Loi des mailles</a:t>
+                </a:r>
+              </a:p>
+              <a:p>
+                <a:pPr lvl="2"/>
+                <a14:m>
+                  <m:oMath xmlns:m="http://schemas.openxmlformats.org/officeDocument/2006/math">
+                    <m:r>
+                      <a:rPr lang="fr-FR" b="0" i="1" smtClean="0">
+                        <a:latin typeface="Cambria Math"/>
+                      </a:rPr>
+                      <m:t>𝑢</m:t>
+                    </m:r>
+                    <m:d>
+                      <m:dPr>
+                        <m:ctrlPr>
+                          <a:rPr lang="fr-FR" b="0" i="1" smtClean="0">
+                            <a:latin typeface="Cambria Math"/>
+                          </a:rPr>
+                        </m:ctrlPr>
+                      </m:dPr>
+                      <m:e>
+                        <m:r>
+                          <a:rPr lang="fr-FR" b="0" i="1" smtClean="0">
+                            <a:latin typeface="Cambria Math"/>
+                          </a:rPr>
+                          <m:t>𝑡</m:t>
+                        </m:r>
+                      </m:e>
+                    </m:d>
+                    <m:r>
+                      <a:rPr lang="fr-FR" b="0" i="1" smtClean="0">
+                        <a:latin typeface="Cambria Math"/>
+                      </a:rPr>
+                      <m:t>=</m:t>
+                    </m:r>
+                    <m:r>
+                      <a:rPr lang="fr-FR" b="0" i="1" smtClean="0">
+                        <a:latin typeface="Cambria Math"/>
+                      </a:rPr>
+                      <m:t>𝑒</m:t>
+                    </m:r>
+                    <m:d>
+                      <m:dPr>
+                        <m:ctrlPr>
+                          <a:rPr lang="fr-FR" b="0" i="1" smtClean="0">
+                            <a:latin typeface="Cambria Math"/>
+                          </a:rPr>
+                        </m:ctrlPr>
+                      </m:dPr>
+                      <m:e>
+                        <m:r>
+                          <a:rPr lang="fr-FR" b="0" i="1" smtClean="0">
+                            <a:latin typeface="Cambria Math"/>
+                          </a:rPr>
+                          <m:t>𝑡</m:t>
+                        </m:r>
+                      </m:e>
+                    </m:d>
+                    <m:r>
+                      <a:rPr lang="fr-FR" b="0" i="1" smtClean="0">
+                        <a:latin typeface="Cambria Math"/>
+                      </a:rPr>
+                      <m:t>+</m:t>
+                    </m:r>
+                    <m:r>
+                      <a:rPr lang="fr-FR" b="0" i="1" smtClean="0">
+                        <a:latin typeface="Cambria Math"/>
+                      </a:rPr>
+                      <m:t>𝐿</m:t>
+                    </m:r>
+                    <m:f>
+                      <m:fPr>
+                        <m:ctrlPr>
+                          <a:rPr lang="fr-FR" b="0" i="1" smtClean="0">
+                            <a:latin typeface="Cambria Math"/>
+                          </a:rPr>
+                        </m:ctrlPr>
+                      </m:fPr>
+                      <m:num>
+                        <m:r>
+                          <a:rPr lang="fr-FR" b="0" i="1" smtClean="0">
+                            <a:latin typeface="Cambria Math"/>
+                          </a:rPr>
+                          <m:t>𝑑𝑖</m:t>
+                        </m:r>
+                        <m:r>
+                          <a:rPr lang="fr-FR" b="0" i="1" smtClean="0">
+                            <a:latin typeface="Cambria Math"/>
+                          </a:rPr>
+                          <m:t>(</m:t>
+                        </m:r>
+                        <m:r>
+                          <a:rPr lang="fr-FR" b="0" i="1" smtClean="0">
+                            <a:latin typeface="Cambria Math"/>
+                          </a:rPr>
+                          <m:t>𝑡</m:t>
+                        </m:r>
+                        <m:r>
+                          <a:rPr lang="fr-FR" b="0" i="1" smtClean="0">
+                            <a:latin typeface="Cambria Math"/>
+                          </a:rPr>
+                          <m:t>)</m:t>
+                        </m:r>
+                      </m:num>
+                      <m:den>
+                        <m:r>
+                          <a:rPr lang="fr-FR" b="0" i="1" smtClean="0">
+                            <a:latin typeface="Cambria Math"/>
+                          </a:rPr>
+                          <m:t>𝑑𝑡</m:t>
+                        </m:r>
+                      </m:den>
+                    </m:f>
+                    <m:r>
+                      <a:rPr lang="fr-FR" b="0" i="1" smtClean="0">
+                        <a:latin typeface="Cambria Math"/>
+                      </a:rPr>
+                      <m:t>+</m:t>
+                    </m:r>
+                    <m:r>
+                      <a:rPr lang="fr-FR" b="0" i="1" smtClean="0">
+                        <a:latin typeface="Cambria Math"/>
+                      </a:rPr>
+                      <m:t>𝑅𝑖</m:t>
+                    </m:r>
+                    <m:r>
+                      <a:rPr lang="fr-FR" b="0" i="1" smtClean="0">
+                        <a:latin typeface="Cambria Math"/>
+                      </a:rPr>
+                      <m:t>(</m:t>
+                    </m:r>
+                    <m:r>
+                      <a:rPr lang="fr-FR" b="0" i="1" smtClean="0">
+                        <a:latin typeface="Cambria Math"/>
+                      </a:rPr>
+                      <m:t>𝑡</m:t>
+                    </m:r>
+                    <m:r>
+                      <a:rPr lang="fr-FR" b="0" i="1" smtClean="0">
+                        <a:latin typeface="Cambria Math"/>
+                      </a:rPr>
+                      <m:t>)</m:t>
+                    </m:r>
+                  </m:oMath>
+                </a14:m>
+                <a:endParaRPr lang="fr-FR" dirty="0" smtClean="0"/>
+              </a:p>
+              <a:p>
+                <a:r>
+                  <a:rPr lang="fr-FR" dirty="0" smtClean="0"/>
+                  <a:t>Équations mécaniques</a:t>
+                </a:r>
+              </a:p>
+              <a:p>
+                <a:pPr lvl="1"/>
+                <a:r>
+                  <a:rPr lang="fr-FR" dirty="0" smtClean="0"/>
+                  <a:t>Théorème du moment dynamique</a:t>
+                </a:r>
+              </a:p>
+              <a:p>
+                <a:pPr lvl="2"/>
+                <a14:m>
+                  <m:oMath xmlns:m="http://schemas.openxmlformats.org/officeDocument/2006/math">
+                    <m:r>
+                      <a:rPr lang="fr-FR" b="0" i="1" smtClean="0">
+                        <a:latin typeface="Cambria Math"/>
+                      </a:rPr>
+                      <m:t>𝐽</m:t>
+                    </m:r>
+                    <m:f>
+                      <m:fPr>
+                        <m:ctrlPr>
+                          <a:rPr lang="fr-FR" b="0" i="1" smtClean="0">
+                            <a:latin typeface="Cambria Math"/>
+                          </a:rPr>
+                        </m:ctrlPr>
+                      </m:fPr>
+                      <m:num>
+                        <m:r>
+                          <a:rPr lang="fr-FR" b="0" i="1" smtClean="0">
+                            <a:latin typeface="Cambria Math"/>
+                          </a:rPr>
+                          <m:t>𝑑</m:t>
+                        </m:r>
+                        <m:sSub>
+                          <m:sSubPr>
+                            <m:ctrlPr>
+                              <a:rPr lang="fr-FR" b="0" i="1" smtClean="0">
+                                <a:latin typeface="Cambria Math"/>
+                              </a:rPr>
+                            </m:ctrlPr>
+                          </m:sSubPr>
+                          <m:e>
+                            <m:r>
+                              <a:rPr lang="fr-FR" b="0" i="1" smtClean="0">
+                                <a:latin typeface="Cambria Math"/>
+                              </a:rPr>
+                              <m:t>𝜔</m:t>
+                            </m:r>
+                          </m:e>
+                          <m:sub>
+                            <m:r>
+                              <a:rPr lang="fr-FR" b="0" i="1" smtClean="0">
+                                <a:latin typeface="Cambria Math"/>
+                              </a:rPr>
+                              <m:t>𝑚</m:t>
+                            </m:r>
+                          </m:sub>
+                        </m:sSub>
+                        <m:r>
+                          <a:rPr lang="fr-FR" b="0" i="1" smtClean="0">
+                            <a:latin typeface="Cambria Math"/>
+                          </a:rPr>
+                          <m:t>(</m:t>
+                        </m:r>
+                        <m:r>
+                          <a:rPr lang="fr-FR" b="0" i="1" smtClean="0">
+                            <a:latin typeface="Cambria Math"/>
+                          </a:rPr>
+                          <m:t>𝑡</m:t>
+                        </m:r>
+                        <m:r>
+                          <a:rPr lang="fr-FR" b="0" i="1" smtClean="0">
+                            <a:latin typeface="Cambria Math"/>
+                          </a:rPr>
+                          <m:t>)</m:t>
+                        </m:r>
+                      </m:num>
+                      <m:den>
+                        <m:r>
+                          <a:rPr lang="fr-FR" b="0" i="1" smtClean="0">
+                            <a:latin typeface="Cambria Math"/>
+                          </a:rPr>
+                          <m:t>𝑑𝑡</m:t>
+                        </m:r>
+                      </m:den>
+                    </m:f>
+                    <m:r>
+                      <a:rPr lang="fr-FR" b="0" i="1" smtClean="0">
+                        <a:latin typeface="Cambria Math"/>
+                      </a:rPr>
+                      <m:t>=</m:t>
+                    </m:r>
+                    <m:sSub>
+                      <m:sSubPr>
+                        <m:ctrlPr>
+                          <a:rPr lang="fr-FR" b="0" i="1" smtClean="0">
+                            <a:latin typeface="Cambria Math"/>
+                          </a:rPr>
+                        </m:ctrlPr>
+                      </m:sSubPr>
+                      <m:e>
+                        <m:r>
+                          <a:rPr lang="fr-FR" b="0" i="1" smtClean="0">
+                            <a:latin typeface="Cambria Math"/>
+                          </a:rPr>
+                          <m:t>𝑐</m:t>
+                        </m:r>
+                      </m:e>
+                      <m:sub>
+                        <m:r>
+                          <a:rPr lang="fr-FR" b="0" i="1" smtClean="0">
+                            <a:latin typeface="Cambria Math"/>
+                          </a:rPr>
+                          <m:t>𝑚</m:t>
+                        </m:r>
+                      </m:sub>
+                    </m:sSub>
+                    <m:d>
+                      <m:dPr>
+                        <m:ctrlPr>
+                          <a:rPr lang="fr-FR" b="0" i="1" smtClean="0">
+                            <a:latin typeface="Cambria Math"/>
+                          </a:rPr>
+                        </m:ctrlPr>
+                      </m:dPr>
+                      <m:e>
+                        <m:r>
+                          <a:rPr lang="fr-FR" b="0" i="1" smtClean="0">
+                            <a:latin typeface="Cambria Math"/>
+                          </a:rPr>
+                          <m:t>𝑡</m:t>
+                        </m:r>
+                      </m:e>
+                    </m:d>
+                    <m:r>
+                      <a:rPr lang="fr-FR" b="0" i="1" smtClean="0">
+                        <a:latin typeface="Cambria Math"/>
+                      </a:rPr>
+                      <m:t>−</m:t>
+                    </m:r>
+                    <m:sSub>
+                      <m:sSubPr>
+                        <m:ctrlPr>
+                          <a:rPr lang="fr-FR" b="0" i="1" smtClean="0">
+                            <a:latin typeface="Cambria Math"/>
+                          </a:rPr>
+                        </m:ctrlPr>
+                      </m:sSubPr>
+                      <m:e>
+                        <m:r>
+                          <a:rPr lang="fr-FR" b="0" i="1" smtClean="0">
+                            <a:latin typeface="Cambria Math"/>
+                          </a:rPr>
+                          <m:t>𝑐</m:t>
+                        </m:r>
+                      </m:e>
+                      <m:sub>
+                        <m:r>
+                          <a:rPr lang="fr-FR" b="0" i="1" smtClean="0">
+                            <a:latin typeface="Cambria Math"/>
+                          </a:rPr>
+                          <m:t>𝑟</m:t>
+                        </m:r>
+                      </m:sub>
+                    </m:sSub>
+                    <m:r>
+                      <a:rPr lang="fr-FR" b="0" i="1" smtClean="0">
+                        <a:latin typeface="Cambria Math"/>
+                      </a:rPr>
+                      <m:t>(</m:t>
+                    </m:r>
+                    <m:r>
+                      <a:rPr lang="fr-FR" b="0" i="1" smtClean="0">
+                        <a:latin typeface="Cambria Math"/>
+                      </a:rPr>
+                      <m:t>𝑡</m:t>
+                    </m:r>
+                    <m:r>
+                      <a:rPr lang="fr-FR" b="0" i="1" smtClean="0">
+                        <a:latin typeface="Cambria Math"/>
+                      </a:rPr>
+                      <m:t>)</m:t>
+                    </m:r>
+                  </m:oMath>
+                </a14:m>
+                <a:endParaRPr lang="fr-FR" dirty="0" smtClean="0"/>
+              </a:p>
+              <a:p>
+                <a:pPr lvl="1"/>
+                <a:r>
+                  <a:rPr lang="fr-FR" dirty="0" smtClean="0"/>
+                  <a:t>Couple résistant</a:t>
+                </a:r>
+              </a:p>
+              <a:p>
+                <a:pPr lvl="2"/>
+                <a14:m>
+                  <m:oMath xmlns:m="http://schemas.openxmlformats.org/officeDocument/2006/math">
+                    <m:sSub>
+                      <m:sSubPr>
+                        <m:ctrlPr>
+                          <a:rPr lang="fr-FR" b="0" i="1" smtClean="0">
+                            <a:latin typeface="Cambria Math"/>
+                          </a:rPr>
+                        </m:ctrlPr>
+                      </m:sSubPr>
+                      <m:e>
+                        <m:r>
+                          <a:rPr lang="fr-FR" b="0" i="1" smtClean="0">
+                            <a:latin typeface="Cambria Math"/>
+                          </a:rPr>
+                          <m:t>𝑐</m:t>
+                        </m:r>
+                      </m:e>
+                      <m:sub>
+                        <m:r>
+                          <a:rPr lang="fr-FR" b="0" i="1" smtClean="0">
+                            <a:latin typeface="Cambria Math"/>
+                          </a:rPr>
+                          <m:t>𝑟</m:t>
+                        </m:r>
+                      </m:sub>
+                    </m:sSub>
+                    <m:d>
+                      <m:dPr>
+                        <m:ctrlPr>
+                          <a:rPr lang="fr-FR" b="0" i="1" smtClean="0">
+                            <a:latin typeface="Cambria Math"/>
+                          </a:rPr>
+                        </m:ctrlPr>
+                      </m:dPr>
+                      <m:e>
+                        <m:r>
+                          <a:rPr lang="fr-FR" b="0" i="1" smtClean="0">
+                            <a:latin typeface="Cambria Math"/>
+                          </a:rPr>
+                          <m:t>𝑡</m:t>
+                        </m:r>
+                      </m:e>
+                    </m:d>
+                    <m:r>
+                      <a:rPr lang="fr-FR" b="0" i="1" smtClean="0">
+                        <a:latin typeface="Cambria Math"/>
+                      </a:rPr>
+                      <m:t>=</m:t>
+                    </m:r>
+                    <m:sSub>
+                      <m:sSubPr>
+                        <m:ctrlPr>
+                          <a:rPr lang="fr-FR" b="0" i="1" smtClean="0">
+                            <a:latin typeface="Cambria Math"/>
+                          </a:rPr>
+                        </m:ctrlPr>
+                      </m:sSubPr>
+                      <m:e>
+                        <m:r>
+                          <a:rPr lang="fr-FR" b="0" i="1" smtClean="0">
+                            <a:latin typeface="Cambria Math"/>
+                          </a:rPr>
+                          <m:t>𝑓</m:t>
+                        </m:r>
+                      </m:e>
+                      <m:sub>
+                        <m:r>
+                          <a:rPr lang="fr-FR" b="0" i="1" smtClean="0">
+                            <a:latin typeface="Cambria Math"/>
+                          </a:rPr>
+                          <m:t>𝑣</m:t>
+                        </m:r>
+                      </m:sub>
+                    </m:sSub>
+                    <m:sSub>
+                      <m:sSubPr>
+                        <m:ctrlPr>
+                          <a:rPr lang="fr-FR" b="0" i="1" smtClean="0">
+                            <a:latin typeface="Cambria Math"/>
+                          </a:rPr>
+                        </m:ctrlPr>
+                      </m:sSubPr>
+                      <m:e>
+                        <m:r>
+                          <a:rPr lang="fr-FR" b="0" i="1" smtClean="0">
+                            <a:latin typeface="Cambria Math"/>
+                          </a:rPr>
+                          <m:t>𝜔</m:t>
+                        </m:r>
+                      </m:e>
+                      <m:sub>
+                        <m:r>
+                          <a:rPr lang="fr-FR" b="0" i="1" smtClean="0">
+                            <a:latin typeface="Cambria Math"/>
+                          </a:rPr>
+                          <m:t>𝑚</m:t>
+                        </m:r>
+                      </m:sub>
+                    </m:sSub>
+                    <m:r>
+                      <a:rPr lang="fr-FR" b="0" i="1" smtClean="0">
+                        <a:latin typeface="Cambria Math"/>
+                      </a:rPr>
+                      <m:t>(</m:t>
+                    </m:r>
+                    <m:r>
+                      <a:rPr lang="fr-FR" b="0" i="1" smtClean="0">
+                        <a:latin typeface="Cambria Math"/>
+                      </a:rPr>
+                      <m:t>𝑡</m:t>
+                    </m:r>
+                    <m:r>
+                      <a:rPr lang="fr-FR" b="0" i="1" smtClean="0">
+                        <a:latin typeface="Cambria Math"/>
+                      </a:rPr>
+                      <m:t>)</m:t>
+                    </m:r>
+                  </m:oMath>
+                </a14:m>
+                <a:endParaRPr lang="fr-FR" dirty="0" smtClean="0"/>
+              </a:p>
+              <a:p>
+                <a:r>
+                  <a:rPr lang="fr-FR" dirty="0" smtClean="0"/>
+                  <a:t>Équation électro mécanique</a:t>
+                </a:r>
+              </a:p>
+              <a:p>
+                <a:pPr lvl="2"/>
+                <a14:m>
+                  <m:oMath xmlns:m="http://schemas.openxmlformats.org/officeDocument/2006/math">
+                    <m:r>
+                      <a:rPr lang="fr-FR" b="0" i="1" smtClean="0">
+                        <a:latin typeface="Cambria Math"/>
+                      </a:rPr>
+                      <m:t>𝑒</m:t>
+                    </m:r>
+                    <m:d>
+                      <m:dPr>
+                        <m:ctrlPr>
+                          <a:rPr lang="fr-FR" b="0" i="1" smtClean="0">
+                            <a:latin typeface="Cambria Math"/>
+                          </a:rPr>
+                        </m:ctrlPr>
+                      </m:dPr>
+                      <m:e>
+                        <m:r>
+                          <a:rPr lang="fr-FR" b="0" i="1" smtClean="0">
+                            <a:latin typeface="Cambria Math"/>
+                          </a:rPr>
+                          <m:t>𝑡</m:t>
+                        </m:r>
+                      </m:e>
+                    </m:d>
+                    <m:r>
+                      <a:rPr lang="fr-FR" b="0" i="1" smtClean="0">
+                        <a:latin typeface="Cambria Math"/>
+                      </a:rPr>
+                      <m:t>=</m:t>
+                    </m:r>
+                    <m:sSub>
+                      <m:sSubPr>
+                        <m:ctrlPr>
+                          <a:rPr lang="fr-FR" b="0" i="1" smtClean="0">
+                            <a:latin typeface="Cambria Math"/>
+                          </a:rPr>
+                        </m:ctrlPr>
+                      </m:sSubPr>
+                      <m:e>
+                        <m:r>
+                          <a:rPr lang="fr-FR" b="0" i="1" smtClean="0">
+                            <a:latin typeface="Cambria Math"/>
+                          </a:rPr>
+                          <m:t>𝐾</m:t>
+                        </m:r>
+                      </m:e>
+                      <m:sub>
+                        <m:r>
+                          <a:rPr lang="fr-FR" b="0" i="1" smtClean="0">
+                            <a:latin typeface="Cambria Math"/>
+                          </a:rPr>
+                          <m:t>𝐸</m:t>
+                        </m:r>
+                      </m:sub>
+                    </m:sSub>
+                    <m:sSub>
+                      <m:sSubPr>
+                        <m:ctrlPr>
+                          <a:rPr lang="fr-FR" b="0" i="1" smtClean="0">
+                            <a:latin typeface="Cambria Math"/>
+                          </a:rPr>
+                        </m:ctrlPr>
+                      </m:sSubPr>
+                      <m:e>
+                        <m:r>
+                          <a:rPr lang="fr-FR" b="0" i="1" smtClean="0">
+                            <a:latin typeface="Cambria Math"/>
+                          </a:rPr>
+                          <m:t>𝜔</m:t>
+                        </m:r>
+                      </m:e>
+                      <m:sub>
+                        <m:r>
+                          <a:rPr lang="fr-FR" b="0" i="1" smtClean="0">
+                            <a:latin typeface="Cambria Math"/>
+                          </a:rPr>
+                          <m:t>𝑚</m:t>
+                        </m:r>
+                      </m:sub>
+                    </m:sSub>
+                    <m:d>
+                      <m:dPr>
+                        <m:ctrlPr>
+                          <a:rPr lang="fr-FR" b="0" i="1" smtClean="0">
+                            <a:latin typeface="Cambria Math"/>
+                          </a:rPr>
+                        </m:ctrlPr>
+                      </m:dPr>
+                      <m:e>
+                        <m:r>
+                          <a:rPr lang="fr-FR" b="0" i="1" smtClean="0">
+                            <a:latin typeface="Cambria Math"/>
+                          </a:rPr>
+                          <m:t>𝑡</m:t>
+                        </m:r>
+                      </m:e>
+                    </m:d>
+                  </m:oMath>
+                </a14:m>
+                <a:endParaRPr lang="fr-FR" b="0" dirty="0" smtClean="0"/>
+              </a:p>
+              <a:p>
+                <a:pPr lvl="2"/>
+                <a14:m>
+                  <m:oMath xmlns:m="http://schemas.openxmlformats.org/officeDocument/2006/math">
+                    <m:sSub>
+                      <m:sSubPr>
+                        <m:ctrlPr>
+                          <a:rPr lang="fr-FR" b="0" i="1" smtClean="0">
+                            <a:latin typeface="Cambria Math"/>
+                          </a:rPr>
+                        </m:ctrlPr>
+                      </m:sSubPr>
+                      <m:e>
+                        <m:r>
+                          <a:rPr lang="fr-FR" b="0" i="1" smtClean="0">
+                            <a:latin typeface="Cambria Math"/>
+                          </a:rPr>
+                          <m:t>𝑐</m:t>
+                        </m:r>
+                      </m:e>
+                      <m:sub>
+                        <m:r>
+                          <a:rPr lang="fr-FR" b="0" i="1" smtClean="0">
+                            <a:latin typeface="Cambria Math"/>
+                          </a:rPr>
+                          <m:t>𝑚</m:t>
+                        </m:r>
+                      </m:sub>
+                    </m:sSub>
+                    <m:d>
+                      <m:dPr>
+                        <m:ctrlPr>
+                          <a:rPr lang="fr-FR" b="0" i="1" smtClean="0">
+                            <a:latin typeface="Cambria Math"/>
+                          </a:rPr>
+                        </m:ctrlPr>
+                      </m:dPr>
+                      <m:e>
+                        <m:r>
+                          <a:rPr lang="fr-FR" b="0" i="1" smtClean="0">
+                            <a:latin typeface="Cambria Math"/>
+                          </a:rPr>
+                          <m:t>𝑡</m:t>
+                        </m:r>
+                      </m:e>
+                    </m:d>
+                    <m:r>
+                      <a:rPr lang="fr-FR" b="0" i="1" smtClean="0">
+                        <a:latin typeface="Cambria Math"/>
+                      </a:rPr>
+                      <m:t>=</m:t>
+                    </m:r>
+                    <m:sSub>
+                      <m:sSubPr>
+                        <m:ctrlPr>
+                          <a:rPr lang="fr-FR" b="0" i="1" smtClean="0">
+                            <a:latin typeface="Cambria Math"/>
+                          </a:rPr>
+                        </m:ctrlPr>
+                      </m:sSubPr>
+                      <m:e>
+                        <m:r>
+                          <a:rPr lang="fr-FR" b="0" i="1" smtClean="0">
+                            <a:latin typeface="Cambria Math"/>
+                          </a:rPr>
+                          <m:t>𝐾</m:t>
+                        </m:r>
+                      </m:e>
+                      <m:sub>
+                        <m:r>
+                          <a:rPr lang="fr-FR" b="0" i="1" smtClean="0">
+                            <a:latin typeface="Cambria Math"/>
+                          </a:rPr>
+                          <m:t>𝐶</m:t>
+                        </m:r>
+                      </m:sub>
+                    </m:sSub>
+                    <m:r>
+                      <a:rPr lang="fr-FR" b="0" i="1" smtClean="0">
+                        <a:latin typeface="Cambria Math"/>
+                      </a:rPr>
+                      <m:t>𝑖</m:t>
+                    </m:r>
+                    <m:d>
+                      <m:dPr>
+                        <m:ctrlPr>
+                          <a:rPr lang="fr-FR" b="0" i="1" smtClean="0">
+                            <a:latin typeface="Cambria Math"/>
+                          </a:rPr>
+                        </m:ctrlPr>
+                      </m:dPr>
+                      <m:e>
+                        <m:r>
+                          <a:rPr lang="fr-FR" b="0" i="1" smtClean="0">
+                            <a:latin typeface="Cambria Math"/>
+                          </a:rPr>
+                          <m:t>𝑡</m:t>
+                        </m:r>
+                      </m:e>
+                    </m:d>
+                  </m:oMath>
+                </a14:m>
+                <a:endParaRPr lang="fr-FR" dirty="0" smtClean="0"/>
+              </a:p>
+              <a:p>
+                <a:r>
+                  <a:rPr lang="fr-FR" dirty="0" smtClean="0"/>
+                  <a:t>Phénomène non linéaires</a:t>
+                </a:r>
+              </a:p>
+              <a:p>
+                <a:pPr lvl="1"/>
+                <a:r>
+                  <a:rPr lang="fr-FR" dirty="0" smtClean="0"/>
+                  <a:t>Saturation du courant</a:t>
+                </a:r>
+              </a:p>
+              <a:p>
+                <a:pPr lvl="2"/>
+                <a14:m>
+                  <m:oMath xmlns:m="http://schemas.openxmlformats.org/officeDocument/2006/math">
+                    <m:r>
+                      <a:rPr lang="fr-FR" b="0" i="1" smtClean="0">
+                        <a:latin typeface="Cambria Math"/>
+                      </a:rPr>
+                      <m:t>−</m:t>
+                    </m:r>
+                    <m:sSub>
+                      <m:sSubPr>
+                        <m:ctrlPr>
+                          <a:rPr lang="fr-FR" b="0" i="1" smtClean="0">
+                            <a:latin typeface="Cambria Math"/>
+                          </a:rPr>
+                        </m:ctrlPr>
+                      </m:sSubPr>
+                      <m:e>
+                        <m:r>
+                          <a:rPr lang="fr-FR" b="0" i="1" smtClean="0">
+                            <a:latin typeface="Cambria Math"/>
+                          </a:rPr>
+                          <m:t>𝑖</m:t>
+                        </m:r>
+                      </m:e>
+                      <m:sub>
+                        <m:r>
+                          <a:rPr lang="fr-FR" b="0" i="1" smtClean="0">
+                            <a:latin typeface="Cambria Math"/>
+                          </a:rPr>
+                          <m:t>𝑆</m:t>
+                        </m:r>
+                      </m:sub>
+                    </m:sSub>
+                    <m:r>
+                      <a:rPr lang="fr-FR" b="0" i="1" smtClean="0">
+                        <a:latin typeface="Cambria Math"/>
+                      </a:rPr>
+                      <m:t>≤</m:t>
+                    </m:r>
+                    <m:r>
+                      <a:rPr lang="fr-FR" b="0" i="1" smtClean="0">
+                        <a:latin typeface="Cambria Math"/>
+                      </a:rPr>
+                      <m:t>𝑖</m:t>
+                    </m:r>
+                    <m:d>
+                      <m:dPr>
+                        <m:ctrlPr>
+                          <a:rPr lang="fr-FR" b="0" i="1" smtClean="0">
+                            <a:latin typeface="Cambria Math"/>
+                          </a:rPr>
+                        </m:ctrlPr>
+                      </m:dPr>
+                      <m:e>
+                        <m:r>
+                          <a:rPr lang="fr-FR" b="0" i="1" smtClean="0">
+                            <a:latin typeface="Cambria Math"/>
+                          </a:rPr>
+                          <m:t>𝑡</m:t>
+                        </m:r>
+                      </m:e>
+                    </m:d>
+                    <m:r>
+                      <a:rPr lang="fr-FR" b="0" i="1" smtClean="0">
+                        <a:latin typeface="Cambria Math"/>
+                      </a:rPr>
+                      <m:t>≤</m:t>
+                    </m:r>
+                    <m:sSub>
+                      <m:sSubPr>
+                        <m:ctrlPr>
+                          <a:rPr lang="fr-FR" b="0" i="1" smtClean="0">
+                            <a:latin typeface="Cambria Math"/>
+                          </a:rPr>
+                        </m:ctrlPr>
+                      </m:sSubPr>
+                      <m:e>
+                        <m:r>
+                          <a:rPr lang="fr-FR" b="0" i="1" smtClean="0">
+                            <a:latin typeface="Cambria Math"/>
+                          </a:rPr>
+                          <m:t>𝑖</m:t>
+                        </m:r>
+                      </m:e>
+                      <m:sub>
+                        <m:r>
+                          <a:rPr lang="fr-FR" b="0" i="1" smtClean="0">
+                            <a:latin typeface="Cambria Math"/>
+                          </a:rPr>
+                          <m:t>𝑆</m:t>
+                        </m:r>
+                      </m:sub>
+                    </m:sSub>
+                  </m:oMath>
+                </a14:m>
+                <a:endParaRPr lang="fr-FR" dirty="0" smtClean="0"/>
+              </a:p>
+            </p:txBody>
+          </p:sp>
+        </mc:Choice>
+        <mc:Fallback>
+          <p:sp>
+            <p:nvSpPr>
+              <p:cNvPr id="5" name="Espace réservé du contenu 4"/>
+              <p:cNvSpPr>
+                <a:spLocks noGrp="1" noRot="1" noChangeAspect="1" noMove="1" noResize="1" noEditPoints="1" noAdjustHandles="1" noChangeArrowheads="1" noChangeShapeType="1" noTextEdit="1"/>
+              </p:cNvSpPr>
+              <p:nvPr>
+                <p:ph sz="quarter" idx="1"/>
+              </p:nvPr>
+            </p:nvSpPr>
+            <p:spPr>
+              <a:blipFill rotWithShape="1">
+                <a:blip r:embed="rId2"/>
+                <a:stretch>
+                  <a:fillRect l="-77" t="-585"/>
+                </a:stretch>
+              </a:blipFill>
+            </p:spPr>
+            <p:txBody>
+              <a:bodyPr/>
+              <a:lstStyle/>
+              <a:p>
+                <a:r>
+                  <a:rPr lang="fr-FR">
+                    <a:noFill/>
+                  </a:rPr>
+                  <a:t> </a:t>
+                </a:r>
+              </a:p>
+            </p:txBody>
+          </p:sp>
+        </mc:Fallback>
+      </mc:AlternateContent>
       <p:sp>
         <p:nvSpPr>
           <p:cNvPr id="4" name="Espace réservé du numéro de diapositive 3"/>
@@ -10158,10 +11474,255 @@
           </a:p>
         </p:txBody>
       </p:sp>
+      <p:pic>
+        <p:nvPicPr>
+          <p:cNvPr id="2051" name="Picture 3"/>
+          <p:cNvPicPr>
+            <a:picLocks noChangeAspect="1" noChangeArrowheads="1"/>
+          </p:cNvPicPr>
+          <p:nvPr/>
+        </p:nvPicPr>
+        <p:blipFill>
+          <a:blip r:embed="rId3" cstate="print">
+            <a:extLst>
+              <a:ext uri="{28A0092B-C50C-407E-A947-70E740481C1C}">
+                <a14:useLocalDpi xmlns:a14="http://schemas.microsoft.com/office/drawing/2010/main" val="0"/>
+              </a:ext>
+            </a:extLst>
+          </a:blip>
+          <a:srcRect/>
+          <a:stretch>
+            <a:fillRect/>
+          </a:stretch>
+        </p:blipFill>
+        <p:spPr bwMode="auto">
+          <a:xfrm>
+            <a:off x="7968744" y="-3123"/>
+            <a:ext cx="1175256" cy="1343891"/>
+          </a:xfrm>
+          <a:prstGeom prst="rect">
+            <a:avLst/>
+          </a:prstGeom>
+          <a:ln>
+            <a:noFill/>
+          </a:ln>
+          <a:effectLst>
+            <a:outerShdw blurRad="292100" dist="139700" dir="2700000" algn="tl" rotWithShape="0">
+              <a:srgbClr val="333333">
+                <a:alpha val="65000"/>
+              </a:srgbClr>
+            </a:outerShdw>
+          </a:effectLst>
+          <a:extLst>
+            <a:ext uri="{909E8E84-426E-40DD-AFC4-6F175D3DCCD1}">
+              <a14:hiddenFill xmlns:a14="http://schemas.microsoft.com/office/drawing/2010/main">
+                <a:solidFill>
+                  <a:schemeClr val="accent1"/>
+                </a:solidFill>
+              </a14:hiddenFill>
+            </a:ext>
+            <a:ext uri="{91240B29-F687-4F45-9708-019B960494DF}">
+              <a14:hiddenLine xmlns:a14="http://schemas.microsoft.com/office/drawing/2010/main" w="9525">
+                <a:solidFill>
+                  <a:schemeClr val="tx1"/>
+                </a:solidFill>
+                <a:miter lim="800000"/>
+                <a:headEnd/>
+                <a:tailEnd/>
+              </a14:hiddenLine>
+            </a:ext>
+            <a:ext uri="{AF507438-7753-43E0-B8FC-AC1667EBCBE1}">
+              <a14:hiddenEffects xmlns:a14="http://schemas.microsoft.com/office/drawing/2010/main">
+                <a:effectLst>
+                  <a:outerShdw dist="35921" dir="2700000" algn="ctr" rotWithShape="0">
+                    <a:schemeClr val="bg2"/>
+                  </a:outerShdw>
+                </a:effectLst>
+              </a14:hiddenEffects>
+            </a:ext>
+          </a:extLst>
+        </p:spPr>
+      </p:pic>
+      <p:pic>
+        <p:nvPicPr>
+          <p:cNvPr id="2052" name="Picture 4"/>
+          <p:cNvPicPr>
+            <a:picLocks noChangeAspect="1" noChangeArrowheads="1"/>
+          </p:cNvPicPr>
+          <p:nvPr/>
+        </p:nvPicPr>
+        <p:blipFill>
+          <a:blip r:embed="rId4">
+            <a:extLst>
+              <a:ext uri="{28A0092B-C50C-407E-A947-70E740481C1C}">
+                <a14:useLocalDpi xmlns:a14="http://schemas.microsoft.com/office/drawing/2010/main" val="0"/>
+              </a:ext>
+            </a:extLst>
+          </a:blip>
+          <a:srcRect/>
+          <a:stretch>
+            <a:fillRect/>
+          </a:stretch>
+        </p:blipFill>
+        <p:spPr bwMode="auto">
+          <a:xfrm>
+            <a:off x="4556364" y="1124744"/>
+            <a:ext cx="3922328" cy="1555545"/>
+          </a:xfrm>
+          <a:prstGeom prst="rect">
+            <a:avLst/>
+          </a:prstGeom>
+          <a:ln>
+            <a:noFill/>
+          </a:ln>
+          <a:effectLst>
+            <a:outerShdw blurRad="292100" dist="139700" dir="2700000" algn="tl" rotWithShape="0">
+              <a:srgbClr val="333333">
+                <a:alpha val="65000"/>
+              </a:srgbClr>
+            </a:outerShdw>
+          </a:effectLst>
+          <a:extLst>
+            <a:ext uri="{909E8E84-426E-40DD-AFC4-6F175D3DCCD1}">
+              <a14:hiddenFill xmlns:a14="http://schemas.microsoft.com/office/drawing/2010/main">
+                <a:solidFill>
+                  <a:schemeClr val="accent1"/>
+                </a:solidFill>
+              </a14:hiddenFill>
+            </a:ext>
+            <a:ext uri="{91240B29-F687-4F45-9708-019B960494DF}">
+              <a14:hiddenLine xmlns:a14="http://schemas.microsoft.com/office/drawing/2010/main" w="9525">
+                <a:solidFill>
+                  <a:schemeClr val="tx1"/>
+                </a:solidFill>
+                <a:miter lim="800000"/>
+                <a:headEnd/>
+                <a:tailEnd/>
+              </a14:hiddenLine>
+            </a:ext>
+            <a:ext uri="{AF507438-7753-43E0-B8FC-AC1667EBCBE1}">
+              <a14:hiddenEffects xmlns:a14="http://schemas.microsoft.com/office/drawing/2010/main">
+                <a:effectLst>
+                  <a:outerShdw dist="35921" dir="2700000" algn="ctr" rotWithShape="0">
+                    <a:schemeClr val="bg2"/>
+                  </a:outerShdw>
+                </a:effectLst>
+              </a14:hiddenEffects>
+            </a:ext>
+          </a:extLst>
+        </p:spPr>
+      </p:pic>
+      <p:pic>
+        <p:nvPicPr>
+          <p:cNvPr id="3074" name="Picture 2"/>
+          <p:cNvPicPr>
+            <a:picLocks noChangeAspect="1" noChangeArrowheads="1"/>
+          </p:cNvPicPr>
+          <p:nvPr/>
+        </p:nvPicPr>
+        <p:blipFill>
+          <a:blip r:embed="rId5">
+            <a:extLst>
+              <a:ext uri="{28A0092B-C50C-407E-A947-70E740481C1C}">
+                <a14:useLocalDpi xmlns:a14="http://schemas.microsoft.com/office/drawing/2010/main" val="0"/>
+              </a:ext>
+            </a:extLst>
+          </a:blip>
+          <a:srcRect/>
+          <a:stretch>
+            <a:fillRect/>
+          </a:stretch>
+        </p:blipFill>
+        <p:spPr bwMode="auto">
+          <a:xfrm>
+            <a:off x="4215615" y="4221088"/>
+            <a:ext cx="4603825" cy="1825818"/>
+          </a:xfrm>
+          <a:prstGeom prst="rect">
+            <a:avLst/>
+          </a:prstGeom>
+          <a:ln>
+            <a:noFill/>
+          </a:ln>
+          <a:effectLst>
+            <a:outerShdw blurRad="292100" dist="139700" dir="2700000" algn="tl" rotWithShape="0">
+              <a:srgbClr val="333333">
+                <a:alpha val="65000"/>
+              </a:srgbClr>
+            </a:outerShdw>
+          </a:effectLst>
+          <a:extLst>
+            <a:ext uri="{909E8E84-426E-40DD-AFC4-6F175D3DCCD1}">
+              <a14:hiddenFill xmlns:a14="http://schemas.microsoft.com/office/drawing/2010/main">
+                <a:solidFill>
+                  <a:schemeClr val="accent1"/>
+                </a:solidFill>
+              </a14:hiddenFill>
+            </a:ext>
+            <a:ext uri="{91240B29-F687-4F45-9708-019B960494DF}">
+              <a14:hiddenLine xmlns:a14="http://schemas.microsoft.com/office/drawing/2010/main" w="9525">
+                <a:solidFill>
+                  <a:schemeClr val="tx1"/>
+                </a:solidFill>
+                <a:miter lim="800000"/>
+                <a:headEnd/>
+                <a:tailEnd/>
+              </a14:hiddenLine>
+            </a:ext>
+            <a:ext uri="{AF507438-7753-43E0-B8FC-AC1667EBCBE1}">
+              <a14:hiddenEffects xmlns:a14="http://schemas.microsoft.com/office/drawing/2010/main">
+                <a:effectLst>
+                  <a:outerShdw dist="35921" dir="2700000" algn="ctr" rotWithShape="0">
+                    <a:schemeClr val="bg2"/>
+                  </a:outerShdw>
+                </a:effectLst>
+              </a14:hiddenEffects>
+            </a:ext>
+          </a:extLst>
+        </p:spPr>
+      </p:pic>
+      <p:sp>
+        <p:nvSpPr>
+          <p:cNvPr id="7" name="Flèche vers le bas 6"/>
+          <p:cNvSpPr/>
+          <p:nvPr/>
+        </p:nvSpPr>
+        <p:spPr>
+          <a:xfrm>
+            <a:off x="6517528" y="2996952"/>
+            <a:ext cx="430736" cy="720080"/>
+          </a:xfrm>
+          <a:prstGeom prst="downArrow">
+            <a:avLst/>
+          </a:prstGeom>
+        </p:spPr>
+        <p:style>
+          <a:lnRef idx="1">
+            <a:schemeClr val="accent1"/>
+          </a:lnRef>
+          <a:fillRef idx="2">
+            <a:schemeClr val="accent1"/>
+          </a:fillRef>
+          <a:effectRef idx="1">
+            <a:schemeClr val="accent1"/>
+          </a:effectRef>
+          <a:fontRef idx="minor">
+            <a:schemeClr val="dk1"/>
+          </a:fontRef>
+        </p:style>
+        <p:txBody>
+          <a:bodyPr rtlCol="0" anchor="ctr"/>
+          <a:lstStyle/>
+          <a:p>
+            <a:pPr algn="ctr"/>
+            <a:endParaRPr lang="fr-FR"/>
+          </a:p>
+        </p:txBody>
+      </p:sp>
     </p:spTree>
     <p:extLst>
       <p:ext uri="{BB962C8B-B14F-4D97-AF65-F5344CB8AC3E}">
-        <p14:creationId xmlns:p14="http://schemas.microsoft.com/office/powerpoint/2010/main" val="3594615262"/>
+        <p14:creationId xmlns:p14="http://schemas.microsoft.com/office/powerpoint/2010/main" val="1891766453"/>
       </p:ext>
     </p:extLst>
   </p:cSld>
@@ -10201,21 +11762,22 @@
         <p:spPr/>
         <p:txBody>
           <a:bodyPr>
-            <a:noAutofit/>
+            <a:normAutofit fontScale="90000"/>
           </a:bodyPr>
           <a:lstStyle/>
           <a:p>
             <a:r>
-              <a:rPr lang="fr-FR" sz="2400" dirty="0"/>
+              <a:rPr lang="fr-FR" dirty="0" smtClean="0"/>
               <a:t>Modélisation multiphysique</a:t>
             </a:r>
             <a:br>
-              <a:rPr lang="fr-FR" sz="2400" dirty="0"/>
+              <a:rPr lang="fr-FR" dirty="0" smtClean="0"/>
             </a:br>
             <a:r>
-              <a:rPr lang="fr-FR" sz="2400" dirty="0"/>
-              <a:t>Modélisation Causale/ Modélisation Acausale</a:t>
-            </a:r>
+              <a:rPr lang="fr-FR" dirty="0" smtClean="0"/>
+              <a:t>Enjeux</a:t>
+            </a:r>
+            <a:endParaRPr lang="fr-FR" dirty="0"/>
           </a:p>
         </p:txBody>
       </p:sp>
@@ -10236,7 +11798,7 @@
           <a:p>
             <a:r>
               <a:rPr lang="fr-FR" dirty="0" smtClean="0"/>
-              <a:t>Représentation graphique de modèles causaux et acausaux</a:t>
+              <a:t>Pouvoir simuler le comportement d’un système dans sa globalité </a:t>
             </a:r>
             <a:endParaRPr lang="fr-FR" dirty="0"/>
           </a:p>
@@ -10268,7 +11830,7 @@
     </p:spTree>
     <p:extLst>
       <p:ext uri="{BB962C8B-B14F-4D97-AF65-F5344CB8AC3E}">
-        <p14:creationId xmlns:p14="http://schemas.microsoft.com/office/powerpoint/2010/main" val="386149566"/>
+        <p14:creationId xmlns:p14="http://schemas.microsoft.com/office/powerpoint/2010/main" val="1601485309"/>
       </p:ext>
     </p:extLst>
   </p:cSld>

--- a/ModelisationMultiphysique/ModelisationMultiphysique.pptx
+++ b/ModelisationMultiphysique/ModelisationMultiphysique.pptx
@@ -5,8 +5,11 @@
     <p:sldMasterId id="2147483804" r:id="rId1"/>
   </p:sldMasterIdLst>
   <p:notesMasterIdLst>
-    <p:notesMasterId r:id="rId31"/>
+    <p:notesMasterId r:id="rId37"/>
   </p:notesMasterIdLst>
+  <p:handoutMasterIdLst>
+    <p:handoutMasterId r:id="rId38"/>
+  </p:handoutMasterIdLst>
   <p:sldIdLst>
     <p:sldId id="256" r:id="rId2"/>
     <p:sldId id="282" r:id="rId3"/>
@@ -16,27 +19,33 @@
     <p:sldId id="272" r:id="rId7"/>
     <p:sldId id="283" r:id="rId8"/>
     <p:sldId id="286" r:id="rId9"/>
-    <p:sldId id="284" r:id="rId10"/>
-    <p:sldId id="285" r:id="rId11"/>
-    <p:sldId id="274" r:id="rId12"/>
-    <p:sldId id="276" r:id="rId13"/>
-    <p:sldId id="277" r:id="rId14"/>
-    <p:sldId id="271" r:id="rId15"/>
-    <p:sldId id="278" r:id="rId16"/>
-    <p:sldId id="279" r:id="rId17"/>
-    <p:sldId id="275" r:id="rId18"/>
-    <p:sldId id="259" r:id="rId19"/>
-    <p:sldId id="260" r:id="rId20"/>
-    <p:sldId id="261" r:id="rId21"/>
-    <p:sldId id="280" r:id="rId22"/>
-    <p:sldId id="262" r:id="rId23"/>
-    <p:sldId id="265" r:id="rId24"/>
-    <p:sldId id="267" r:id="rId25"/>
-    <p:sldId id="268" r:id="rId26"/>
-    <p:sldId id="269" r:id="rId27"/>
-    <p:sldId id="270" r:id="rId28"/>
-    <p:sldId id="264" r:id="rId29"/>
-    <p:sldId id="266" r:id="rId30"/>
+    <p:sldId id="287" r:id="rId10"/>
+    <p:sldId id="288" r:id="rId11"/>
+    <p:sldId id="289" r:id="rId12"/>
+    <p:sldId id="284" r:id="rId13"/>
+    <p:sldId id="290" r:id="rId14"/>
+    <p:sldId id="291" r:id="rId15"/>
+    <p:sldId id="285" r:id="rId16"/>
+    <p:sldId id="275" r:id="rId17"/>
+    <p:sldId id="278" r:id="rId18"/>
+    <p:sldId id="292" r:id="rId19"/>
+    <p:sldId id="259" r:id="rId20"/>
+    <p:sldId id="260" r:id="rId21"/>
+    <p:sldId id="293" r:id="rId22"/>
+    <p:sldId id="294" r:id="rId23"/>
+    <p:sldId id="295" r:id="rId24"/>
+    <p:sldId id="296" r:id="rId25"/>
+    <p:sldId id="297" r:id="rId26"/>
+    <p:sldId id="261" r:id="rId27"/>
+    <p:sldId id="280" r:id="rId28"/>
+    <p:sldId id="262" r:id="rId29"/>
+    <p:sldId id="265" r:id="rId30"/>
+    <p:sldId id="267" r:id="rId31"/>
+    <p:sldId id="268" r:id="rId32"/>
+    <p:sldId id="269" r:id="rId33"/>
+    <p:sldId id="270" r:id="rId34"/>
+    <p:sldId id="264" r:id="rId35"/>
+    <p:sldId id="266" r:id="rId36"/>
   </p:sldIdLst>
   <p:sldSz cx="9144000" cy="6858000" type="screen4x3"/>
   <p:notesSz cx="6858000" cy="9144000"/>
@@ -136,6 +145,171 @@
     </a:lvl9pPr>
   </p:defaultTextStyle>
 </p:presentation>
+</file>
+
+<file path=ppt/handoutMasters/handoutMaster1.xml><?xml version="1.0" encoding="utf-8"?>
+<p:handoutMaster xmlns:a="http://schemas.openxmlformats.org/drawingml/2006/main" xmlns:r="http://schemas.openxmlformats.org/officeDocument/2006/relationships" xmlns:p="http://schemas.openxmlformats.org/presentationml/2006/main">
+  <p:cSld>
+    <p:bg>
+      <p:bgRef idx="1001">
+        <a:schemeClr val="bg1"/>
+      </p:bgRef>
+    </p:bg>
+    <p:spTree>
+      <p:nvGrpSpPr>
+        <p:cNvPr id="1" name=""/>
+        <p:cNvGrpSpPr/>
+        <p:nvPr/>
+      </p:nvGrpSpPr>
+      <p:grpSpPr>
+        <a:xfrm>
+          <a:off x="0" y="0"/>
+          <a:ext cx="0" cy="0"/>
+          <a:chOff x="0" y="0"/>
+          <a:chExt cx="0" cy="0"/>
+        </a:xfrm>
+      </p:grpSpPr>
+      <p:sp>
+        <p:nvSpPr>
+          <p:cNvPr id="2" name="Espace réservé de l'en-tête 1"/>
+          <p:cNvSpPr>
+            <a:spLocks noGrp="1"/>
+          </p:cNvSpPr>
+          <p:nvPr>
+            <p:ph type="hdr" sz="quarter"/>
+          </p:nvPr>
+        </p:nvSpPr>
+        <p:spPr>
+          <a:xfrm>
+            <a:off x="0" y="0"/>
+            <a:ext cx="2971800" cy="457200"/>
+          </a:xfrm>
+          <a:prstGeom prst="rect">
+            <a:avLst/>
+          </a:prstGeom>
+        </p:spPr>
+        <p:txBody>
+          <a:bodyPr vert="horz" lIns="91440" tIns="45720" rIns="91440" bIns="45720" rtlCol="0"/>
+          <a:lstStyle>
+            <a:lvl1pPr algn="l">
+              <a:defRPr sz="1200"/>
+            </a:lvl1pPr>
+          </a:lstStyle>
+          <a:p>
+            <a:endParaRPr lang="fr-FR"/>
+          </a:p>
+        </p:txBody>
+      </p:sp>
+      <p:sp>
+        <p:nvSpPr>
+          <p:cNvPr id="3" name="Espace réservé de la date 2"/>
+          <p:cNvSpPr>
+            <a:spLocks noGrp="1"/>
+          </p:cNvSpPr>
+          <p:nvPr>
+            <p:ph type="dt" sz="quarter" idx="1"/>
+          </p:nvPr>
+        </p:nvSpPr>
+        <p:spPr>
+          <a:xfrm>
+            <a:off x="3884613" y="0"/>
+            <a:ext cx="2971800" cy="457200"/>
+          </a:xfrm>
+          <a:prstGeom prst="rect">
+            <a:avLst/>
+          </a:prstGeom>
+        </p:spPr>
+        <p:txBody>
+          <a:bodyPr vert="horz" lIns="91440" tIns="45720" rIns="91440" bIns="45720" rtlCol="0"/>
+          <a:lstStyle>
+            <a:lvl1pPr algn="r">
+              <a:defRPr sz="1200"/>
+            </a:lvl1pPr>
+          </a:lstStyle>
+          <a:p>
+            <a:fld id="{A885B43C-549A-4639-87D3-A3E3E5DAC635}" type="datetimeFigureOut">
+              <a:rPr lang="fr-FR" smtClean="0"/>
+              <a:t>30/01/2014</a:t>
+            </a:fld>
+            <a:endParaRPr lang="fr-FR"/>
+          </a:p>
+        </p:txBody>
+      </p:sp>
+      <p:sp>
+        <p:nvSpPr>
+          <p:cNvPr id="4" name="Espace réservé du pied de page 3"/>
+          <p:cNvSpPr>
+            <a:spLocks noGrp="1"/>
+          </p:cNvSpPr>
+          <p:nvPr>
+            <p:ph type="ftr" sz="quarter" idx="2"/>
+          </p:nvPr>
+        </p:nvSpPr>
+        <p:spPr>
+          <a:xfrm>
+            <a:off x="0" y="8685213"/>
+            <a:ext cx="2971800" cy="457200"/>
+          </a:xfrm>
+          <a:prstGeom prst="rect">
+            <a:avLst/>
+          </a:prstGeom>
+        </p:spPr>
+        <p:txBody>
+          <a:bodyPr vert="horz" lIns="91440" tIns="45720" rIns="91440" bIns="45720" rtlCol="0" anchor="b"/>
+          <a:lstStyle>
+            <a:lvl1pPr algn="l">
+              <a:defRPr sz="1200"/>
+            </a:lvl1pPr>
+          </a:lstStyle>
+          <a:p>
+            <a:endParaRPr lang="fr-FR"/>
+          </a:p>
+        </p:txBody>
+      </p:sp>
+      <p:sp>
+        <p:nvSpPr>
+          <p:cNvPr id="5" name="Espace réservé du numéro de diapositive 4"/>
+          <p:cNvSpPr>
+            <a:spLocks noGrp="1"/>
+          </p:cNvSpPr>
+          <p:nvPr>
+            <p:ph type="sldNum" sz="quarter" idx="3"/>
+          </p:nvPr>
+        </p:nvSpPr>
+        <p:spPr>
+          <a:xfrm>
+            <a:off x="3884613" y="8685213"/>
+            <a:ext cx="2971800" cy="457200"/>
+          </a:xfrm>
+          <a:prstGeom prst="rect">
+            <a:avLst/>
+          </a:prstGeom>
+        </p:spPr>
+        <p:txBody>
+          <a:bodyPr vert="horz" lIns="91440" tIns="45720" rIns="91440" bIns="45720" rtlCol="0" anchor="b"/>
+          <a:lstStyle>
+            <a:lvl1pPr algn="r">
+              <a:defRPr sz="1200"/>
+            </a:lvl1pPr>
+          </a:lstStyle>
+          <a:p>
+            <a:fld id="{631A907E-8027-4F00-B4D7-527E72A6FFEB}" type="slidenum">
+              <a:rPr lang="fr-FR" smtClean="0"/>
+              <a:t>‹N°›</a:t>
+            </a:fld>
+            <a:endParaRPr lang="fr-FR"/>
+          </a:p>
+        </p:txBody>
+      </p:sp>
+    </p:spTree>
+    <p:extLst>
+      <p:ext uri="{BB962C8B-B14F-4D97-AF65-F5344CB8AC3E}">
+        <p14:creationId xmlns:p14="http://schemas.microsoft.com/office/powerpoint/2010/main" val="2153256481"/>
+      </p:ext>
+    </p:extLst>
+  </p:cSld>
+  <p:clrMap bg1="lt1" tx1="dk1" bg2="lt2" tx2="dk2" accent1="accent1" accent2="accent2" accent3="accent3" accent4="accent4" accent5="accent5" accent6="accent6" hlink="hlink" folHlink="folHlink"/>
+</p:handoutMaster>
 </file>
 
 <file path=ppt/notesMasters/notesMaster1.xml><?xml version="1.0" encoding="utf-8"?>
@@ -535,10 +709,10 @@
           </a:lstStyle>
           <a:p>
             <a:r>
-              <a:rPr kumimoji="0" lang="fr-FR" smtClean="0"/>
+              <a:rPr kumimoji="0" lang="fr-FR" dirty="0" smtClean="0"/>
               <a:t>Modifiez le style du titre</a:t>
             </a:r>
-            <a:endParaRPr kumimoji="0" lang="en-US"/>
+            <a:endParaRPr kumimoji="0" lang="en-US" dirty="0"/>
           </a:p>
         </p:txBody>
       </p:sp>
@@ -623,7 +797,7 @@
           <a:bodyPr/>
           <a:lstStyle/>
           <a:p>
-            <a:fld id="{B4549172-3FEE-47D0-BB65-1A18684F7B98}" type="datetime1">
+            <a:fld id="{4570C44E-2547-490C-B96B-C5716BE8A211}" type="datetime1">
               <a:rPr lang="fr-FR" smtClean="0"/>
               <a:t>30/01/2014</a:t>
             </a:fld>
@@ -1492,7 +1666,7 @@
           <a:bodyPr/>
           <a:lstStyle/>
           <a:p>
-            <a:fld id="{0688EC1D-1471-4698-BCB8-4CF0BC090325}" type="datetime1">
+            <a:fld id="{747E099B-BEB6-4FA8-A989-B5CEC6EE96A6}" type="datetime1">
               <a:rPr lang="fr-FR" smtClean="0"/>
               <a:t>30/01/2014</a:t>
             </a:fld>
@@ -1667,7 +1841,7 @@
           <a:bodyPr/>
           <a:lstStyle/>
           <a:p>
-            <a:fld id="{34F453BD-45AF-4B4E-99AC-6020FBB0AF33}" type="datetime1">
+            <a:fld id="{40DE265D-AE92-4B24-A80E-B18047B1C1D8}" type="datetime1">
               <a:rPr lang="fr-FR" smtClean="0"/>
               <a:t>30/01/2014</a:t>
             </a:fld>
@@ -1744,29 +1918,6 @@
       </p:grpSpPr>
       <p:sp>
         <p:nvSpPr>
-          <p:cNvPr id="2" name="Titre 1"/>
-          <p:cNvSpPr>
-            <a:spLocks noGrp="1"/>
-          </p:cNvSpPr>
-          <p:nvPr>
-            <p:ph type="title"/>
-          </p:nvPr>
-        </p:nvSpPr>
-        <p:spPr/>
-        <p:txBody>
-          <a:bodyPr/>
-          <a:lstStyle/>
-          <a:p>
-            <a:r>
-              <a:rPr kumimoji="0" lang="fr-FR" smtClean="0"/>
-              <a:t>Modifiez le style du titre</a:t>
-            </a:r>
-            <a:endParaRPr kumimoji="0" lang="en-US"/>
-          </a:p>
-        </p:txBody>
-      </p:sp>
-      <p:sp>
-        <p:nvSpPr>
           <p:cNvPr id="8" name="Espace réservé du contenu 7"/>
           <p:cNvSpPr>
             <a:spLocks noGrp="1"/>
@@ -1824,6 +1975,29 @@
       </p:sp>
       <p:sp>
         <p:nvSpPr>
+          <p:cNvPr id="2" name="Titre 1"/>
+          <p:cNvSpPr>
+            <a:spLocks noGrp="1"/>
+          </p:cNvSpPr>
+          <p:nvPr>
+            <p:ph type="title"/>
+          </p:nvPr>
+        </p:nvSpPr>
+        <p:spPr/>
+        <p:txBody>
+          <a:bodyPr/>
+          <a:lstStyle/>
+          <a:p>
+            <a:r>
+              <a:rPr kumimoji="0" lang="fr-FR" smtClean="0"/>
+              <a:t>Modifiez le style du titre</a:t>
+            </a:r>
+            <a:endParaRPr kumimoji="0" lang="en-US"/>
+          </a:p>
+        </p:txBody>
+      </p:sp>
+      <p:sp>
+        <p:nvSpPr>
           <p:cNvPr id="7" name="Espace réservé de la date 6"/>
           <p:cNvSpPr>
             <a:spLocks noGrp="1"/>
@@ -1837,7 +2011,7 @@
           <a:bodyPr rtlCol="0"/>
           <a:lstStyle/>
           <a:p>
-            <a:fld id="{FEB61240-9CB5-48EB-BBA6-3C19629F7658}" type="datetime1">
+            <a:fld id="{B833870E-E628-4B55-8FAC-7DEBA033199C}" type="datetime1">
               <a:rPr lang="fr-FR" smtClean="0"/>
               <a:t>30/01/2014</a:t>
             </a:fld>
@@ -1878,12 +2052,21 @@
             <p:ph type="ftr" sz="quarter" idx="16"/>
           </p:nvPr>
         </p:nvSpPr>
-        <p:spPr/>
+        <p:spPr>
+          <a:xfrm>
+            <a:off x="-2" y="6597352"/>
+            <a:ext cx="8153401" cy="260648"/>
+          </a:xfrm>
+        </p:spPr>
         <p:txBody>
           <a:bodyPr rtlCol="0"/>
-          <a:lstStyle/>
-          <a:p>
-            <a:endParaRPr lang="fr-FR"/>
+          <a:lstStyle>
+            <a:lvl1pPr>
+              <a:defRPr sz="1000"/>
+            </a:lvl1pPr>
+          </a:lstStyle>
+          <a:p>
+            <a:endParaRPr lang="fr-FR" dirty="0"/>
           </a:p>
         </p:txBody>
       </p:sp>
@@ -2047,7 +2230,7 @@
           <a:bodyPr/>
           <a:lstStyle/>
           <a:p>
-            <a:fld id="{2BAACD1D-30C3-476D-A850-5E16ED207568}" type="datetime1">
+            <a:fld id="{A67C8C45-4A33-4265-B602-D5E2C8444F9A}" type="datetime1">
               <a:rPr lang="fr-FR" smtClean="0"/>
               <a:t>30/01/2014</a:t>
             </a:fld>
@@ -2861,7 +3044,7 @@
           <a:bodyPr/>
           <a:lstStyle/>
           <a:p>
-            <a:fld id="{B9694703-0C5B-4AFF-B4BE-E07D7CDC5B14}" type="datetime1">
+            <a:fld id="{25CB6C03-371A-4D23-837F-61C5BAFAE300}" type="datetime1">
               <a:rPr lang="fr-FR" smtClean="0"/>
               <a:t>30/01/2014</a:t>
             </a:fld>
@@ -3097,7 +3280,7 @@
           <a:bodyPr/>
           <a:lstStyle/>
           <a:p>
-            <a:fld id="{37245C4D-23E6-48C4-9F30-3F474E6D101F}" type="datetime1">
+            <a:fld id="{86EFE65D-E49E-4ACC-802E-2FE5FA140AA8}" type="datetime1">
               <a:rPr lang="fr-FR" smtClean="0"/>
               <a:t>30/01/2014</a:t>
             </a:fld>
@@ -3420,7 +3603,7 @@
           <a:bodyPr rtlCol="0"/>
           <a:lstStyle/>
           <a:p>
-            <a:fld id="{A3E5E471-8E97-4CF8-A94F-AB51374CF764}" type="datetime1">
+            <a:fld id="{BD2FCB01-C649-48F3-B16D-AB4366149D3F}" type="datetime1">
               <a:rPr lang="fr-FR" smtClean="0"/>
               <a:t>30/01/2014</a:t>
             </a:fld>
@@ -3510,7 +3693,7 @@
           <a:bodyPr/>
           <a:lstStyle/>
           <a:p>
-            <a:fld id="{6A8C3648-6B48-4061-B02D-C97909C99497}" type="datetime1">
+            <a:fld id="{8E4AC928-9A8D-4820-8569-8A1256CEB675}" type="datetime1">
               <a:rPr lang="fr-FR" smtClean="0"/>
               <a:t>30/01/2014</a:t>
             </a:fld>
@@ -4027,7 +4210,7 @@
           <a:bodyPr rtlCol="0"/>
           <a:lstStyle/>
           <a:p>
-            <a:fld id="{B2A6E1C4-077A-4686-B4A8-84EDB76D0538}" type="datetime1">
+            <a:fld id="{A3A61092-D682-48D6-9115-A8828AD70E20}" type="datetime1">
               <a:rPr lang="fr-FR" smtClean="0"/>
               <a:t>30/01/2014</a:t>
             </a:fld>
@@ -4538,7 +4721,7 @@
           <a:bodyPr rtlCol="0"/>
           <a:lstStyle/>
           <a:p>
-            <a:fld id="{B2A3A41F-5CC8-4B2F-A21F-2E1DB772744F}" type="datetime1">
+            <a:fld id="{67835B05-DF05-4BBA-868F-A88A58FB33D1}" type="datetime1">
               <a:rPr lang="fr-FR" smtClean="0"/>
               <a:t>30/01/2014</a:t>
             </a:fld>
@@ -4670,7 +4853,7 @@
         <p:spPr>
           <a:xfrm>
             <a:off x="251520" y="116632"/>
-            <a:ext cx="7904928" cy="792088"/>
+            <a:ext cx="8136904" cy="792088"/>
           </a:xfrm>
           <a:prstGeom prst="rect">
             <a:avLst/>
@@ -4683,10 +4866,10 @@
           <a:lstStyle/>
           <a:p>
             <a:r>
-              <a:rPr kumimoji="0" lang="fr-FR" smtClean="0"/>
+              <a:rPr kumimoji="0" lang="fr-FR" dirty="0" smtClean="0"/>
               <a:t>Modifiez le style du titre</a:t>
             </a:r>
-            <a:endParaRPr kumimoji="0" lang="en-US"/>
+            <a:endParaRPr kumimoji="0" lang="en-US" dirty="0"/>
           </a:p>
         </p:txBody>
       </p:sp>
@@ -4779,11 +4962,12 @@
                 <a:solidFill>
                   <a:schemeClr val="tx2"/>
                 </a:solidFill>
+                <a:latin typeface="Calibri" panose="020F0502020204030204" pitchFamily="34" charset="0"/>
               </a:defRPr>
             </a:lvl1pPr>
           </a:lstStyle>
           <a:p>
-            <a:fld id="{85C30354-83D0-4C08-BE63-E487BB73E13E}" type="datetime1">
+            <a:fld id="{8F35236E-3142-47C6-A5D5-7DD086936AB6}" type="datetime1">
               <a:rPr lang="fr-FR" smtClean="0"/>
               <a:t>30/01/2014</a:t>
             </a:fld>
@@ -4802,9 +4986,9 @@
           </p:nvPr>
         </p:nvSpPr>
         <p:spPr>
-          <a:xfrm rot="5400000">
-            <a:off x="6667694" y="4059732"/>
-            <a:ext cx="3845384" cy="365760"/>
+          <a:xfrm>
+            <a:off x="-2" y="6492240"/>
+            <a:ext cx="8153401" cy="365760"/>
           </a:xfrm>
           <a:prstGeom prst="rect">
             <a:avLst/>
@@ -4814,15 +4998,16 @@
           <a:bodyPr vert="horz" anchor="ctr" anchorCtr="0"/>
           <a:lstStyle>
             <a:lvl1pPr algn="l" eaLnBrk="1" latinLnBrk="0" hangingPunct="1">
-              <a:defRPr kumimoji="0" sz="1200">
+              <a:defRPr kumimoji="0" sz="1000">
                 <a:solidFill>
                   <a:schemeClr val="tx2"/>
                 </a:solidFill>
+                <a:latin typeface="Calibri" panose="020F0502020204030204" pitchFamily="34" charset="0"/>
               </a:defRPr>
             </a:lvl1pPr>
           </a:lstStyle>
           <a:p>
-            <a:endParaRPr lang="fr-FR"/>
+            <a:endParaRPr lang="fr-FR" dirty="0" smtClean="0"/>
           </a:p>
         </p:txBody>
       </p:sp>
@@ -5017,15 +5202,17 @@
                 <a:solidFill>
                   <a:srgbClr val="FFFFFF"/>
                 </a:solidFill>
+                <a:latin typeface="Calibri" panose="020F0502020204030204" pitchFamily="34" charset="0"/>
               </a:defRPr>
             </a:lvl1pPr>
           </a:lstStyle>
           <a:p>
             <a:fld id="{136A7F36-7A21-4EA8-9DC2-F00219448035}" type="slidenum">
               <a:rPr lang="fr-FR" smtClean="0"/>
+              <a:pPr/>
               <a:t>‹N°›</a:t>
             </a:fld>
-            <a:endParaRPr lang="fr-FR"/>
+            <a:endParaRPr lang="fr-FR" dirty="0"/>
           </a:p>
         </p:txBody>
       </p:sp>
@@ -5064,6 +5251,81 @@
           <a:lstStyle/>
           <a:p>
             <a:endParaRPr kumimoji="0" lang="en-US"/>
+          </a:p>
+        </p:txBody>
+      </p:sp>
+      <p:sp>
+        <p:nvSpPr>
+          <p:cNvPr id="17" name="Connecteur droit 16"/>
+          <p:cNvSpPr>
+            <a:spLocks noChangeShapeType="1"/>
+          </p:cNvSpPr>
+          <p:nvPr userDrawn="1"/>
+        </p:nvSpPr>
+        <p:spPr bwMode="auto">
+          <a:xfrm rot="16200000">
+            <a:off x="4102247" y="2432095"/>
+            <a:ext cx="1" cy="8199832"/>
+          </a:xfrm>
+          <a:prstGeom prst="line">
+            <a:avLst/>
+          </a:prstGeom>
+          <a:noFill/>
+          <a:ln w="57150" cap="flat" cmpd="thickThin" algn="ctr">
+            <a:solidFill>
+              <a:schemeClr val="tx2">
+                <a:lumMod val="20000"/>
+                <a:lumOff val="80000"/>
+              </a:schemeClr>
+            </a:solidFill>
+            <a:prstDash val="solid"/>
+            <a:round/>
+            <a:headEnd type="none" w="med" len="med"/>
+            <a:tailEnd type="none" w="med" len="med"/>
+          </a:ln>
+          <a:effectLst/>
+        </p:spPr>
+        <p:txBody>
+          <a:bodyPr vert="horz" wrap="square" lIns="91440" tIns="45720" rIns="91440" bIns="45720" anchor="t" compatLnSpc="1"/>
+          <a:lstStyle/>
+          <a:p>
+            <a:endParaRPr kumimoji="0" lang="en-US"/>
+          </a:p>
+        </p:txBody>
+      </p:sp>
+      <p:sp>
+        <p:nvSpPr>
+          <p:cNvPr id="2" name="Rectangle 1"/>
+          <p:cNvSpPr/>
+          <p:nvPr userDrawn="1"/>
+        </p:nvSpPr>
+        <p:spPr>
+          <a:xfrm>
+            <a:off x="-2" y="6551756"/>
+            <a:ext cx="8199833" cy="246221"/>
+          </a:xfrm>
+          <a:prstGeom prst="rect">
+            <a:avLst/>
+          </a:prstGeom>
+        </p:spPr>
+        <p:txBody>
+          <a:bodyPr wrap="square">
+            <a:spAutoFit/>
+          </a:bodyPr>
+          <a:lstStyle/>
+          <a:p>
+            <a:r>
+              <a:rPr lang="fr-FR" sz="1000" dirty="0" smtClean="0">
+                <a:solidFill>
+                  <a:schemeClr val="tx2">
+                    <a:lumMod val="40000"/>
+                    <a:lumOff val="60000"/>
+                  </a:schemeClr>
+                </a:solidFill>
+                <a:latin typeface="Calibri" panose="020F0502020204030204" pitchFamily="34" charset="0"/>
+              </a:rPr>
+              <a:t>Introduction à la modélisation acausale en Terminale STI2D et S - SI - Applications avec Scilab / SIMM Patrick Beynet - Xavier Pessoles - Académie de Nice</a:t>
+            </a:r>
           </a:p>
         </p:txBody>
       </p:sp>
@@ -5095,7 +5357,7 @@
           <a:solidFill>
             <a:schemeClr val="tx2"/>
           </a:solidFill>
-          <a:latin typeface="+mj-lt"/>
+          <a:latin typeface="Calibri" panose="020F0502020204030204" pitchFamily="34" charset="0"/>
           <a:ea typeface="+mj-ea"/>
           <a:cs typeface="+mj-cs"/>
         </a:defRPr>
@@ -5116,7 +5378,7 @@
           <a:solidFill>
             <a:schemeClr val="tx1"/>
           </a:solidFill>
-          <a:latin typeface="+mn-lt"/>
+          <a:latin typeface="Calibri" panose="020F0502020204030204" pitchFamily="34" charset="0"/>
           <a:ea typeface="+mn-ea"/>
           <a:cs typeface="+mn-cs"/>
         </a:defRPr>
@@ -5135,7 +5397,7 @@
           <a:solidFill>
             <a:schemeClr val="tx1"/>
           </a:solidFill>
-          <a:latin typeface="+mn-lt"/>
+          <a:latin typeface="Calibri" panose="020F0502020204030204" pitchFamily="34" charset="0"/>
           <a:ea typeface="+mn-ea"/>
           <a:cs typeface="+mn-cs"/>
         </a:defRPr>
@@ -5156,7 +5418,7 @@
           <a:solidFill>
             <a:schemeClr val="tx1"/>
           </a:solidFill>
-          <a:latin typeface="+mn-lt"/>
+          <a:latin typeface="Calibri" panose="020F0502020204030204" pitchFamily="34" charset="0"/>
           <a:ea typeface="+mn-ea"/>
           <a:cs typeface="+mn-cs"/>
         </a:defRPr>
@@ -5177,7 +5439,7 @@
           <a:solidFill>
             <a:schemeClr val="tx1"/>
           </a:solidFill>
-          <a:latin typeface="+mn-lt"/>
+          <a:latin typeface="Calibri" panose="020F0502020204030204" pitchFamily="34" charset="0"/>
           <a:ea typeface="+mn-ea"/>
           <a:cs typeface="+mn-cs"/>
         </a:defRPr>
@@ -5198,7 +5460,7 @@
           <a:solidFill>
             <a:schemeClr val="tx1"/>
           </a:solidFill>
-          <a:latin typeface="+mn-lt"/>
+          <a:latin typeface="Calibri" panose="020F0502020204030204" pitchFamily="34" charset="0"/>
           <a:ea typeface="+mn-ea"/>
           <a:cs typeface="+mn-cs"/>
         </a:defRPr>
@@ -5414,20 +5676,20 @@
           <a:lstStyle/>
           <a:p>
             <a:r>
+              <a:rPr lang="fr-FR" sz="2400" dirty="0" smtClean="0"/>
+              <a:t>Découverte du </a:t>
+            </a:r>
+            <a:r>
               <a:rPr lang="fr-FR" sz="2400" dirty="0"/>
-              <a:t>Découverte du logiciel SCILAB </a:t>
+              <a:t>logiciel SCILAB </a:t>
             </a:r>
             <a:r>
               <a:rPr lang="fr-FR" sz="2400" dirty="0" smtClean="0"/>
               <a:t>Modélisations </a:t>
             </a:r>
             <a:r>
-              <a:rPr lang="fr-FR" sz="2400" dirty="0" err="1"/>
-              <a:t>multi-physiques</a:t>
-            </a:r>
-            <a:r>
               <a:rPr lang="fr-FR" sz="2400" dirty="0"/>
-              <a:t> causales et acausales, avec simulation du </a:t>
+              <a:t>multi-physiques causales et acausales, avec simulation du </a:t>
             </a:r>
             <a:r>
               <a:rPr lang="fr-FR" sz="2400" dirty="0" smtClean="0"/>
@@ -5454,15 +5716,7 @@
           <a:p>
             <a:r>
               <a:rPr lang="fr-FR" dirty="0"/>
-              <a:t>Utilisation du logiciel libre de droits </a:t>
-            </a:r>
-            <a:r>
-              <a:rPr lang="fr-FR" dirty="0" err="1"/>
-              <a:t>Scilab</a:t>
-            </a:r>
-            <a:r>
-              <a:rPr lang="fr-FR" dirty="0"/>
-              <a:t> et de ses modules </a:t>
+              <a:t>Utilisation du logiciel libre de droits Scilab et de ses modules </a:t>
             </a:r>
             <a:r>
               <a:rPr lang="fr-FR" dirty="0" err="1"/>
@@ -5545,7 +5799,7 @@
             </a:br>
             <a:r>
               <a:rPr lang="fr-FR" dirty="0" smtClean="0"/>
-              <a:t>Enjeux</a:t>
+              <a:t>Modélisation causale – Résolution des problèmes</a:t>
             </a:r>
             <a:endParaRPr lang="fr-FR" dirty="0"/>
           </a:p>
@@ -5563,14 +5817,50 @@
         </p:nvSpPr>
         <p:spPr/>
         <p:txBody>
-          <a:bodyPr/>
-          <a:lstStyle/>
-          <a:p>
-            <a:r>
-              <a:rPr lang="fr-FR" dirty="0" smtClean="0"/>
-              <a:t>Pouvoir simuler le comportement d’un système dans sa globalité </a:t>
-            </a:r>
-            <a:endParaRPr lang="fr-FR" dirty="0"/>
+          <a:bodyPr>
+            <a:normAutofit/>
+          </a:bodyPr>
+          <a:lstStyle/>
+          <a:p>
+            <a:r>
+              <a:rPr lang="fr-FR" dirty="0" smtClean="0"/>
+              <a:t>En causal</a:t>
+            </a:r>
+          </a:p>
+          <a:p>
+            <a:pPr lvl="1"/>
+            <a:r>
+              <a:rPr lang="fr-FR" dirty="0" smtClean="0"/>
+              <a:t>La modélisation se base sur </a:t>
+            </a:r>
+          </a:p>
+          <a:p>
+            <a:pPr lvl="2"/>
+            <a:r>
+              <a:rPr lang="fr-FR" dirty="0" smtClean="0"/>
+              <a:t>la transformée (de Laplace)</a:t>
+            </a:r>
+          </a:p>
+          <a:p>
+            <a:pPr lvl="2"/>
+            <a:r>
+              <a:rPr lang="fr-FR" dirty="0" smtClean="0"/>
+              <a:t>L’algèbre de schémas blocs</a:t>
+            </a:r>
+          </a:p>
+          <a:p>
+            <a:pPr lvl="1"/>
+            <a:r>
+              <a:rPr lang="fr-FR" dirty="0" smtClean="0"/>
+              <a:t>La résolution se base sur une transformation des équations dans un domaine symbolique puis une transformation inverse pour revenir dans le domaine temporel</a:t>
+            </a:r>
+          </a:p>
+          <a:p>
+            <a:pPr lvl="1"/>
+            <a:r>
+              <a:rPr lang="fr-FR" dirty="0" smtClean="0"/>
+              <a:t>Des conditions nulles sont imposées</a:t>
+            </a:r>
           </a:p>
         </p:txBody>
       </p:sp>
@@ -5597,10 +5887,70 @@
           </a:p>
         </p:txBody>
       </p:sp>
+      <p:pic>
+        <p:nvPicPr>
+          <p:cNvPr id="9" name="Picture 3"/>
+          <p:cNvPicPr>
+            <a:picLocks noChangeAspect="1" noChangeArrowheads="1"/>
+          </p:cNvPicPr>
+          <p:nvPr/>
+        </p:nvPicPr>
+        <p:blipFill>
+          <a:blip r:embed="rId2">
+            <a:extLst>
+              <a:ext uri="{28A0092B-C50C-407E-A947-70E740481C1C}">
+                <a14:useLocalDpi xmlns:a14="http://schemas.microsoft.com/office/drawing/2010/main" val="0"/>
+              </a:ext>
+            </a:extLst>
+          </a:blip>
+          <a:srcRect/>
+          <a:stretch>
+            <a:fillRect/>
+          </a:stretch>
+        </p:blipFill>
+        <p:spPr bwMode="auto">
+          <a:xfrm>
+            <a:off x="1403648" y="4546503"/>
+            <a:ext cx="6276654" cy="2317533"/>
+          </a:xfrm>
+          <a:prstGeom prst="rect">
+            <a:avLst/>
+          </a:prstGeom>
+          <a:ln>
+            <a:noFill/>
+          </a:ln>
+          <a:effectLst>
+            <a:outerShdw blurRad="292100" dist="139700" dir="2700000" algn="tl" rotWithShape="0">
+              <a:srgbClr val="333333">
+                <a:alpha val="65000"/>
+              </a:srgbClr>
+            </a:outerShdw>
+          </a:effectLst>
+          <a:extLst>
+            <a:ext uri="{909E8E84-426E-40DD-AFC4-6F175D3DCCD1}">
+              <a14:hiddenFill xmlns:a14="http://schemas.microsoft.com/office/drawing/2010/main">
+                <a:solidFill>
+                  <a:schemeClr val="accent1"/>
+                </a:solidFill>
+              </a14:hiddenFill>
+            </a:ext>
+            <a:ext uri="{91240B29-F687-4F45-9708-019B960494DF}">
+              <a14:hiddenLine xmlns:a14="http://schemas.microsoft.com/office/drawing/2010/main" w="9525">
+                <a:solidFill>
+                  <a:schemeClr val="tx1"/>
+                </a:solidFill>
+                <a:miter lim="800000"/>
+                <a:headEnd/>
+                <a:tailEnd/>
+              </a14:hiddenLine>
+            </a:ext>
+          </a:extLst>
+        </p:spPr>
+      </p:pic>
     </p:spTree>
     <p:extLst>
       <p:ext uri="{BB962C8B-B14F-4D97-AF65-F5344CB8AC3E}">
-        <p14:creationId xmlns:p14="http://schemas.microsoft.com/office/powerpoint/2010/main" val="3490192258"/>
+        <p14:creationId xmlns:p14="http://schemas.microsoft.com/office/powerpoint/2010/main" val="3088544584"/>
       </p:ext>
     </p:extLst>
   </p:cSld>
@@ -5637,7 +5987,12 @@
             <p:ph type="title"/>
           </p:nvPr>
         </p:nvSpPr>
-        <p:spPr/>
+        <p:spPr>
+          <a:xfrm>
+            <a:off x="251520" y="116632"/>
+            <a:ext cx="8496944" cy="792088"/>
+          </a:xfrm>
+        </p:spPr>
         <p:txBody>
           <a:bodyPr>
             <a:normAutofit fontScale="90000"/>
@@ -5653,7 +6008,7 @@
             </a:br>
             <a:r>
               <a:rPr lang="fr-FR" dirty="0" smtClean="0"/>
-              <a:t>Problématiques</a:t>
+              <a:t>Modélisation causale – Quelques avantages et inconvénients</a:t>
             </a:r>
             <a:endParaRPr lang="fr-FR" dirty="0"/>
           </a:p>
@@ -5661,91 +6016,12 @@
       </p:sp>
       <p:sp>
         <p:nvSpPr>
-          <p:cNvPr id="3" name="Espace réservé du contenu 2"/>
-          <p:cNvSpPr>
-            <a:spLocks noGrp="1"/>
-          </p:cNvSpPr>
-          <p:nvPr>
-            <p:ph sz="quarter" idx="1"/>
-          </p:nvPr>
-        </p:nvSpPr>
-        <p:spPr/>
-        <p:txBody>
-          <a:bodyPr/>
-          <a:lstStyle/>
-          <a:p>
-            <a:r>
-              <a:rPr lang="fr-FR" dirty="0" smtClean="0"/>
-              <a:t>Problèmes logiciels</a:t>
-            </a:r>
-          </a:p>
-          <a:p>
-            <a:pPr lvl="1"/>
-            <a:r>
-              <a:rPr lang="fr-FR" dirty="0" smtClean="0"/>
-              <a:t>Les logiciels utilisés de classiquement en SII sont orientés « </a:t>
-            </a:r>
-            <a:r>
-              <a:rPr lang="fr-FR" dirty="0" err="1" smtClean="0"/>
-              <a:t>monophysique</a:t>
-            </a:r>
-            <a:r>
-              <a:rPr lang="fr-FR" dirty="0" smtClean="0"/>
-              <a:t> ». Il faut donc utiliser des logiciels spécifiques.</a:t>
-            </a:r>
-          </a:p>
-          <a:p>
-            <a:pPr lvl="1"/>
-            <a:endParaRPr lang="fr-FR" dirty="0"/>
-          </a:p>
-          <a:p>
-            <a:r>
-              <a:rPr lang="fr-FR" dirty="0" smtClean="0"/>
-              <a:t>Problèmes pour l’enseignant</a:t>
-            </a:r>
-          </a:p>
-          <a:p>
-            <a:pPr lvl="1"/>
-            <a:r>
-              <a:rPr lang="fr-FR" dirty="0" smtClean="0"/>
-              <a:t>Ne maitrisant pas les lois comportementales de tous les champs de la physique, comment modéliser de façon juste un système ?</a:t>
-            </a:r>
-          </a:p>
-          <a:p>
-            <a:pPr lvl="1"/>
-            <a:endParaRPr lang="fr-FR" dirty="0"/>
-          </a:p>
-          <a:p>
-            <a:r>
-              <a:rPr lang="fr-FR" dirty="0" smtClean="0"/>
-              <a:t>Problèmes de l’élève</a:t>
-            </a:r>
-          </a:p>
-          <a:p>
-            <a:pPr lvl="1"/>
-            <a:r>
-              <a:rPr lang="fr-FR" dirty="0" smtClean="0"/>
-              <a:t>Qu’est-ce que l’élève doit savoir ?</a:t>
-            </a:r>
-          </a:p>
-          <a:p>
-            <a:pPr lvl="1"/>
-            <a:r>
-              <a:rPr lang="fr-FR" dirty="0" smtClean="0"/>
-              <a:t>Qu’est-ce que l’élève doit savoir-faire ?</a:t>
-            </a:r>
-            <a:endParaRPr lang="fr-FR" dirty="0"/>
-          </a:p>
-        </p:txBody>
-      </p:sp>
-      <p:sp>
-        <p:nvSpPr>
           <p:cNvPr id="4" name="Espace réservé du numéro de diapositive 3"/>
           <p:cNvSpPr>
             <a:spLocks noGrp="1"/>
           </p:cNvSpPr>
           <p:nvPr>
-            <p:ph type="sldNum" sz="quarter" idx="15"/>
+            <p:ph type="sldNum" sz="quarter" idx="12"/>
           </p:nvPr>
         </p:nvSpPr>
         <p:spPr/>
@@ -5761,10 +6037,250 @@
           </a:p>
         </p:txBody>
       </p:sp>
+      <mc:AlternateContent xmlns:mc="http://schemas.openxmlformats.org/markup-compatibility/2006" xmlns:a14="http://schemas.microsoft.com/office/drawing/2010/main">
+        <mc:Choice Requires="a14">
+          <p:sp>
+            <p:nvSpPr>
+              <p:cNvPr id="3" name="Espace réservé du contenu 2"/>
+              <p:cNvSpPr>
+                <a:spLocks noGrp="1"/>
+              </p:cNvSpPr>
+              <p:nvPr>
+                <p:ph sz="quarter" idx="1"/>
+              </p:nvPr>
+            </p:nvSpPr>
+            <p:spPr>
+              <a:xfrm>
+                <a:off x="251519" y="1268760"/>
+                <a:ext cx="4087165" cy="3600400"/>
+              </a:xfrm>
+            </p:spPr>
+            <p:txBody>
+              <a:bodyPr>
+                <a:normAutofit lnSpcReduction="10000"/>
+              </a:bodyPr>
+              <a:lstStyle/>
+              <a:p>
+                <a:r>
+                  <a:rPr lang="fr-FR" dirty="0" smtClean="0"/>
+                  <a:t>Inconvénients </a:t>
+                </a:r>
+              </a:p>
+              <a:p>
+                <a:pPr lvl="1"/>
+                <a:r>
+                  <a:rPr lang="fr-FR" dirty="0" smtClean="0"/>
+                  <a:t>Pas de réversibilité du modèle</a:t>
+                </a:r>
+              </a:p>
+              <a:p>
+                <a:pPr lvl="2"/>
+                <a14:m>
+                  <m:oMath xmlns:m="http://schemas.openxmlformats.org/officeDocument/2006/math">
+                    <m:r>
+                      <a:rPr lang="fr-FR" b="0" i="1" smtClean="0">
+                        <a:latin typeface="Cambria Math"/>
+                      </a:rPr>
+                      <m:t>𝑆</m:t>
+                    </m:r>
+                    <m:r>
+                      <a:rPr lang="fr-FR" b="0" i="1" smtClean="0">
+                        <a:latin typeface="Cambria Math"/>
+                      </a:rPr>
+                      <m:t>←</m:t>
+                    </m:r>
+                    <m:r>
+                      <a:rPr lang="fr-FR" b="0" i="1" smtClean="0">
+                        <a:latin typeface="Cambria Math"/>
+                      </a:rPr>
+                      <m:t>𝐹</m:t>
+                    </m:r>
+                    <m:r>
+                      <a:rPr lang="fr-FR" b="0" i="1" smtClean="0">
+                        <a:latin typeface="Cambria Math"/>
+                      </a:rPr>
+                      <m:t>⋅</m:t>
+                    </m:r>
+                    <m:r>
+                      <a:rPr lang="fr-FR" b="0" i="1" smtClean="0">
+                        <a:latin typeface="Cambria Math"/>
+                      </a:rPr>
+                      <m:t>𝐸</m:t>
+                    </m:r>
+                  </m:oMath>
+                </a14:m>
+                <a:endParaRPr lang="fr-FR" b="0" dirty="0" smtClean="0"/>
+              </a:p>
+              <a:p>
+                <a:pPr lvl="2"/>
+                <a:r>
+                  <a:rPr lang="fr-FR" b="0" dirty="0" smtClean="0"/>
+                  <a:t>On ne peut pas imposer une vitesse en sortie et observer l’intensité</a:t>
+                </a:r>
+              </a:p>
+              <a:p>
+                <a:pPr lvl="1"/>
+                <a:r>
+                  <a:rPr lang="fr-FR" dirty="0" smtClean="0"/>
+                  <a:t>Perte de la technologie des composants et éventuellement de le réalité physique du système</a:t>
+                </a:r>
+              </a:p>
+              <a:p>
+                <a:pPr lvl="2"/>
+                <a:r>
+                  <a:rPr lang="fr-FR" dirty="0" smtClean="0"/>
+                  <a:t>En respectant les règles de l’algèbre de blocs, des permutations de blocs sont possibles</a:t>
+                </a:r>
+              </a:p>
+            </p:txBody>
+          </p:sp>
+        </mc:Choice>
+        <mc:Fallback xmlns="">
+          <p:sp>
+            <p:nvSpPr>
+              <p:cNvPr id="3" name="Espace réservé du contenu 2"/>
+              <p:cNvSpPr>
+                <a:spLocks noGrp="1" noRot="1" noChangeAspect="1" noMove="1" noResize="1" noEditPoints="1" noAdjustHandles="1" noChangeArrowheads="1" noChangeShapeType="1" noTextEdit="1"/>
+              </p:cNvSpPr>
+              <p:nvPr>
+                <p:ph sz="quarter" idx="1"/>
+              </p:nvPr>
+            </p:nvSpPr>
+            <p:spPr>
+              <a:xfrm>
+                <a:off x="251519" y="1268760"/>
+                <a:ext cx="4087165" cy="3600400"/>
+              </a:xfrm>
+              <a:blipFill rotWithShape="1">
+                <a:blip r:embed="rId2"/>
+                <a:stretch>
+                  <a:fillRect l="-149" t="-1692" r="-1490"/>
+                </a:stretch>
+              </a:blipFill>
+            </p:spPr>
+            <p:txBody>
+              <a:bodyPr/>
+              <a:lstStyle/>
+              <a:p>
+                <a:r>
+                  <a:rPr lang="fr-FR">
+                    <a:noFill/>
+                  </a:rPr>
+                  <a:t> </a:t>
+                </a:r>
+              </a:p>
+            </p:txBody>
+          </p:sp>
+        </mc:Fallback>
+      </mc:AlternateContent>
+      <p:sp>
+        <p:nvSpPr>
+          <p:cNvPr id="6" name="Espace réservé du contenu 5"/>
+          <p:cNvSpPr>
+            <a:spLocks noGrp="1"/>
+          </p:cNvSpPr>
+          <p:nvPr>
+            <p:ph sz="quarter" idx="2"/>
+          </p:nvPr>
+        </p:nvSpPr>
+        <p:spPr>
+          <a:xfrm>
+            <a:off x="4338684" y="1268760"/>
+            <a:ext cx="4121747" cy="3600400"/>
+          </a:xfrm>
+        </p:spPr>
+        <p:txBody>
+          <a:bodyPr>
+            <a:normAutofit lnSpcReduction="10000"/>
+          </a:bodyPr>
+          <a:lstStyle/>
+          <a:p>
+            <a:r>
+              <a:rPr lang="fr-FR" dirty="0" smtClean="0"/>
+              <a:t>Avantages</a:t>
+            </a:r>
+          </a:p>
+          <a:p>
+            <a:pPr lvl="1"/>
+            <a:r>
+              <a:rPr lang="fr-FR" dirty="0" smtClean="0"/>
+              <a:t>Existence de solutions analytiques</a:t>
+            </a:r>
+          </a:p>
+          <a:p>
+            <a:pPr lvl="1"/>
+            <a:r>
+              <a:rPr lang="fr-FR" dirty="0" smtClean="0"/>
+              <a:t>Possibilité d’analyses fréquentielles</a:t>
+            </a:r>
+            <a:endParaRPr lang="fr-FR" dirty="0"/>
+          </a:p>
+        </p:txBody>
+      </p:sp>
+      <p:pic>
+        <p:nvPicPr>
+          <p:cNvPr id="9" name="Picture 3"/>
+          <p:cNvPicPr>
+            <a:picLocks noChangeAspect="1" noChangeArrowheads="1"/>
+          </p:cNvPicPr>
+          <p:nvPr/>
+        </p:nvPicPr>
+        <p:blipFill>
+          <a:blip r:embed="rId3">
+            <a:extLst>
+              <a:ext uri="{28A0092B-C50C-407E-A947-70E740481C1C}">
+                <a14:useLocalDpi xmlns:a14="http://schemas.microsoft.com/office/drawing/2010/main" val="0"/>
+              </a:ext>
+            </a:extLst>
+          </a:blip>
+          <a:srcRect/>
+          <a:stretch>
+            <a:fillRect/>
+          </a:stretch>
+        </p:blipFill>
+        <p:spPr bwMode="auto">
+          <a:xfrm>
+            <a:off x="1691680" y="4781651"/>
+            <a:ext cx="5700590" cy="2104833"/>
+          </a:xfrm>
+          <a:prstGeom prst="rect">
+            <a:avLst/>
+          </a:prstGeom>
+          <a:ln>
+            <a:noFill/>
+          </a:ln>
+          <a:effectLst>
+            <a:outerShdw blurRad="292100" dist="139700" dir="2700000" algn="tl" rotWithShape="0">
+              <a:srgbClr val="333333">
+                <a:alpha val="65000"/>
+              </a:srgbClr>
+            </a:outerShdw>
+          </a:effectLst>
+          <a:extLst>
+            <a:ext uri="{909E8E84-426E-40DD-AFC4-6F175D3DCCD1}">
+              <a14:hiddenFill xmlns:a14="http://schemas.microsoft.com/office/drawing/2010/main">
+                <a:solidFill>
+                  <a:schemeClr val="accent1"/>
+                </a:solidFill>
+              </a14:hiddenFill>
+            </a:ext>
+            <a:ext uri="{91240B29-F687-4F45-9708-019B960494DF}">
+              <a14:hiddenLine xmlns:a14="http://schemas.microsoft.com/office/drawing/2010/main" w="9525">
+                <a:solidFill>
+                  <a:schemeClr val="tx1"/>
+                </a:solidFill>
+                <a:miter lim="800000"/>
+                <a:headEnd/>
+                <a:tailEnd/>
+              </a14:hiddenLine>
+            </a:ext>
+          </a:extLst>
+        </p:spPr>
+      </p:pic>
     </p:spTree>
     <p:extLst>
       <p:ext uri="{BB962C8B-B14F-4D97-AF65-F5344CB8AC3E}">
-        <p14:creationId xmlns:p14="http://schemas.microsoft.com/office/powerpoint/2010/main" val="4081467805"/>
+        <p14:creationId xmlns:p14="http://schemas.microsoft.com/office/powerpoint/2010/main" val="2731630999"/>
       </p:ext>
     </p:extLst>
   </p:cSld>
@@ -5804,22 +6320,22 @@
         <p:spPr/>
         <p:txBody>
           <a:bodyPr>
-            <a:noAutofit/>
+            <a:normAutofit fontScale="90000"/>
           </a:bodyPr>
           <a:lstStyle/>
           <a:p>
             <a:r>
-              <a:rPr lang="fr-FR" sz="2400" dirty="0"/>
+              <a:rPr lang="fr-FR" dirty="0" smtClean="0"/>
               <a:t>Modélisation multiphysique</a:t>
             </a:r>
             <a:br>
-              <a:rPr lang="fr-FR" sz="2400" dirty="0"/>
+              <a:rPr lang="fr-FR" dirty="0" smtClean="0"/>
             </a:br>
             <a:r>
-              <a:rPr lang="fr-FR" sz="2400" dirty="0" smtClean="0"/>
-              <a:t>Modélisation Causale/ Modélisation Acausale</a:t>
-            </a:r>
-            <a:endParaRPr lang="fr-FR" sz="2400" dirty="0"/>
+              <a:rPr lang="fr-FR" dirty="0" smtClean="0"/>
+              <a:t>Modélisation acausale – Mise en situation</a:t>
+            </a:r>
+            <a:endParaRPr lang="fr-FR" dirty="0"/>
           </a:p>
         </p:txBody>
       </p:sp>
@@ -5840,7 +6356,13 @@
           <a:p>
             <a:r>
               <a:rPr lang="fr-FR" dirty="0" smtClean="0"/>
-              <a:t>Dans le cadre de nos activités, on distingue la modélisation causale et acausale.</a:t>
+              <a:t>Le modèle de connaissance d’un composant n’est pas indispensable à la modélisation d’un système.</a:t>
+            </a:r>
+          </a:p>
+          <a:p>
+            <a:r>
+              <a:rPr lang="fr-FR" dirty="0" smtClean="0"/>
+              <a:t>Néanmoins il faut maîtriser les paramètres influant sur le comportement d’un constituant.</a:t>
             </a:r>
           </a:p>
           <a:p>
@@ -5849,18 +6371,15 @@
           <a:p>
             <a:r>
               <a:rPr lang="fr-FR" dirty="0" smtClean="0"/>
-              <a:t>Les modèles causaux reposent sur une modélisation des systèmes par transformée de Laplace. Les simulations peuvent se faire par la « manipulation » de fonctions rationnelles.</a:t>
-            </a:r>
-          </a:p>
-          <a:p>
-            <a:endParaRPr lang="fr-FR" dirty="0"/>
-          </a:p>
-          <a:p>
-            <a:r>
-              <a:rPr lang="fr-FR" dirty="0" smtClean="0"/>
-              <a:t>Les modèles acausaux reposent sur une modélisation des systèmes par des équations différentielles (sans transformation dans le domaine de Laplace). Les simulations sont réalisée par une résolution numérique des équations différentielles.</a:t>
-            </a:r>
-            <a:endParaRPr lang="fr-FR" dirty="0"/>
+              <a:t>La résolution des équations de comportement d’un système est obtenue  à l’aide de solveurs qui optimisent les calculs.</a:t>
+            </a:r>
+          </a:p>
+          <a:p>
+            <a:pPr lvl="1"/>
+            <a:r>
+              <a:rPr lang="fr-FR" dirty="0" smtClean="0"/>
+              <a:t>Attention : le solveur peut être perçu comme une boîte noire qui peut conduire à une non – résolution du système.</a:t>
+            </a:r>
           </a:p>
         </p:txBody>
       </p:sp>
@@ -5890,7 +6409,7 @@
     </p:spTree>
     <p:extLst>
       <p:ext uri="{BB962C8B-B14F-4D97-AF65-F5344CB8AC3E}">
-        <p14:creationId xmlns:p14="http://schemas.microsoft.com/office/powerpoint/2010/main" val="3594615262"/>
+        <p14:creationId xmlns:p14="http://schemas.microsoft.com/office/powerpoint/2010/main" val="1601485309"/>
       </p:ext>
     </p:extLst>
   </p:cSld>
@@ -5930,21 +6449,22 @@
         <p:spPr/>
         <p:txBody>
           <a:bodyPr>
-            <a:noAutofit/>
+            <a:normAutofit fontScale="90000"/>
           </a:bodyPr>
           <a:lstStyle/>
           <a:p>
             <a:r>
-              <a:rPr lang="fr-FR" sz="2400" dirty="0"/>
+              <a:rPr lang="fr-FR" dirty="0" smtClean="0"/>
               <a:t>Modélisation multiphysique</a:t>
             </a:r>
             <a:br>
-              <a:rPr lang="fr-FR" sz="2400" dirty="0"/>
+              <a:rPr lang="fr-FR" dirty="0" smtClean="0"/>
             </a:br>
             <a:r>
-              <a:rPr lang="fr-FR" sz="2400" dirty="0"/>
-              <a:t>Modélisation Causale/ Modélisation Acausale</a:t>
-            </a:r>
+              <a:rPr lang="fr-FR" dirty="0" smtClean="0"/>
+              <a:t>Modélisation acausale – Mise en situation</a:t>
+            </a:r>
+            <a:endParaRPr lang="fr-FR" dirty="0"/>
           </a:p>
         </p:txBody>
       </p:sp>
@@ -5965,9 +6485,27 @@
           <a:p>
             <a:r>
               <a:rPr lang="fr-FR" dirty="0" smtClean="0"/>
-              <a:t>Représentation graphique de modèles causaux et acausaux</a:t>
-            </a:r>
-            <a:endParaRPr lang="fr-FR" dirty="0"/>
+              <a:t>Le modèle acausal respecte la symbolisation des composants qui constituent le système</a:t>
+            </a:r>
+          </a:p>
+          <a:p>
+            <a:r>
+              <a:rPr lang="fr-FR" dirty="0" smtClean="0"/>
+              <a:t>Les connecteurs utilisés sont adaptés à des grandeurs physiques, la polarité est respectée</a:t>
+            </a:r>
+          </a:p>
+          <a:p>
+            <a:r>
+              <a:rPr lang="fr-FR" dirty="0" smtClean="0"/>
+              <a:t>Les liens entre les blocs ne sont pas orientés</a:t>
+            </a:r>
+          </a:p>
+          <a:p>
+            <a:pPr lvl="1"/>
+            <a:r>
+              <a:rPr lang="fr-FR" dirty="0" smtClean="0"/>
+              <a:t>Le modèle acausal est réversible.</a:t>
+            </a:r>
           </a:p>
         </p:txBody>
       </p:sp>
@@ -5997,7 +6535,7 @@
     </p:spTree>
     <p:extLst>
       <p:ext uri="{BB962C8B-B14F-4D97-AF65-F5344CB8AC3E}">
-        <p14:creationId xmlns:p14="http://schemas.microsoft.com/office/powerpoint/2010/main" val="386149566"/>
+        <p14:creationId xmlns:p14="http://schemas.microsoft.com/office/powerpoint/2010/main" val="995656837"/>
       </p:ext>
     </p:extLst>
   </p:cSld>
@@ -6026,7 +6564,7 @@
       </p:grpSpPr>
       <p:sp>
         <p:nvSpPr>
-          <p:cNvPr id="4" name="Titre 3"/>
+          <p:cNvPr id="3" name="Titre 2"/>
           <p:cNvSpPr>
             <a:spLocks noGrp="1"/>
           </p:cNvSpPr>
@@ -6036,36 +6574,21 @@
         </p:nvSpPr>
         <p:spPr/>
         <p:txBody>
-          <a:bodyPr/>
-          <a:lstStyle/>
-          <a:p>
-            <a:r>
-              <a:rPr lang="fr-FR" dirty="0" err="1" smtClean="0"/>
-              <a:t>Scilab</a:t>
-            </a:r>
-            <a:r>
-              <a:rPr lang="fr-FR" dirty="0" smtClean="0"/>
-              <a:t>, </a:t>
-            </a:r>
-            <a:r>
-              <a:rPr lang="fr-FR" dirty="0" err="1" smtClean="0"/>
-              <a:t>Matlab</a:t>
-            </a:r>
-            <a:r>
-              <a:rPr lang="fr-FR" dirty="0" smtClean="0"/>
-              <a:t>, Simulink, </a:t>
-            </a:r>
-            <a:r>
-              <a:rPr lang="fr-FR" dirty="0" err="1" smtClean="0"/>
-              <a:t>Xcos</a:t>
-            </a:r>
-            <a:r>
-              <a:rPr lang="fr-FR" dirty="0" smtClean="0"/>
-              <a:t>, </a:t>
-            </a:r>
-            <a:r>
-              <a:rPr lang="fr-FR" dirty="0" err="1" smtClean="0"/>
-              <a:t>Modelica</a:t>
+          <a:bodyPr>
+            <a:normAutofit fontScale="90000"/>
+          </a:bodyPr>
+          <a:lstStyle/>
+          <a:p>
+            <a:r>
+              <a:rPr lang="fr-FR" dirty="0" smtClean="0"/>
+              <a:t>Modélisation multiphysique</a:t>
+            </a:r>
+            <a:br>
+              <a:rPr lang="fr-FR" dirty="0" smtClean="0"/>
+            </a:br>
+            <a:r>
+              <a:rPr lang="fr-FR" dirty="0" smtClean="0"/>
+              <a:t>Comparaison des modèles</a:t>
             </a:r>
             <a:endParaRPr lang="fr-FR" dirty="0"/>
           </a:p>
@@ -6073,35 +6596,12 @@
       </p:sp>
       <p:sp>
         <p:nvSpPr>
-          <p:cNvPr id="5" name="Espace réservé du texte 4"/>
-          <p:cNvSpPr>
-            <a:spLocks noGrp="1"/>
-          </p:cNvSpPr>
-          <p:nvPr>
-            <p:ph type="body" idx="1"/>
-          </p:nvPr>
-        </p:nvSpPr>
-        <p:spPr/>
-        <p:txBody>
-          <a:bodyPr/>
-          <a:lstStyle/>
-          <a:p>
-            <a:r>
-              <a:rPr lang="fr-FR" dirty="0" smtClean="0"/>
-              <a:t>Qu’est ce que c’est tout ça ?</a:t>
-            </a:r>
-            <a:endParaRPr lang="fr-FR" dirty="0"/>
-          </a:p>
-        </p:txBody>
-      </p:sp>
-      <p:sp>
-        <p:nvSpPr>
-          <p:cNvPr id="6" name="Espace réservé du numéro de diapositive 5"/>
-          <p:cNvSpPr>
-            <a:spLocks noGrp="1"/>
-          </p:cNvSpPr>
-          <p:nvPr>
-            <p:ph type="sldNum" sz="quarter" idx="12"/>
+          <p:cNvPr id="4" name="Espace réservé du numéro de diapositive 3"/>
+          <p:cNvSpPr>
+            <a:spLocks noGrp="1"/>
+          </p:cNvSpPr>
+          <p:nvPr>
+            <p:ph type="sldNum" sz="quarter" idx="15"/>
           </p:nvPr>
         </p:nvSpPr>
         <p:spPr/>
@@ -6117,10 +6617,398 @@
           </a:p>
         </p:txBody>
       </p:sp>
+      <p:pic>
+        <p:nvPicPr>
+          <p:cNvPr id="8" name="Picture 4"/>
+          <p:cNvPicPr>
+            <a:picLocks noChangeAspect="1" noChangeArrowheads="1"/>
+          </p:cNvPicPr>
+          <p:nvPr/>
+        </p:nvPicPr>
+        <p:blipFill>
+          <a:blip r:embed="rId2">
+            <a:extLst>
+              <a:ext uri="{28A0092B-C50C-407E-A947-70E740481C1C}">
+                <a14:useLocalDpi xmlns:a14="http://schemas.microsoft.com/office/drawing/2010/main" val="0"/>
+              </a:ext>
+            </a:extLst>
+          </a:blip>
+          <a:srcRect/>
+          <a:stretch>
+            <a:fillRect/>
+          </a:stretch>
+        </p:blipFill>
+        <p:spPr bwMode="auto">
+          <a:xfrm>
+            <a:off x="4179347" y="1189420"/>
+            <a:ext cx="3922328" cy="1555545"/>
+          </a:xfrm>
+          <a:prstGeom prst="rect">
+            <a:avLst/>
+          </a:prstGeom>
+          <a:ln>
+            <a:noFill/>
+          </a:ln>
+          <a:effectLst>
+            <a:outerShdw blurRad="292100" dist="139700" dir="2700000" algn="tl" rotWithShape="0">
+              <a:srgbClr val="333333">
+                <a:alpha val="65000"/>
+              </a:srgbClr>
+            </a:outerShdw>
+          </a:effectLst>
+          <a:extLst>
+            <a:ext uri="{909E8E84-426E-40DD-AFC4-6F175D3DCCD1}">
+              <a14:hiddenFill xmlns:a14="http://schemas.microsoft.com/office/drawing/2010/main">
+                <a:solidFill>
+                  <a:schemeClr val="accent1"/>
+                </a:solidFill>
+              </a14:hiddenFill>
+            </a:ext>
+            <a:ext uri="{91240B29-F687-4F45-9708-019B960494DF}">
+              <a14:hiddenLine xmlns:a14="http://schemas.microsoft.com/office/drawing/2010/main" w="9525">
+                <a:solidFill>
+                  <a:schemeClr val="tx1"/>
+                </a:solidFill>
+                <a:miter lim="800000"/>
+                <a:headEnd/>
+                <a:tailEnd/>
+              </a14:hiddenLine>
+            </a:ext>
+          </a:extLst>
+        </p:spPr>
+      </p:pic>
+      <p:pic>
+        <p:nvPicPr>
+          <p:cNvPr id="9" name="Picture 3"/>
+          <p:cNvPicPr>
+            <a:picLocks noChangeAspect="1" noChangeArrowheads="1"/>
+          </p:cNvPicPr>
+          <p:nvPr/>
+        </p:nvPicPr>
+        <p:blipFill>
+          <a:blip r:embed="rId3" cstate="print">
+            <a:extLst>
+              <a:ext uri="{28A0092B-C50C-407E-A947-70E740481C1C}">
+                <a14:useLocalDpi xmlns:a14="http://schemas.microsoft.com/office/drawing/2010/main" val="0"/>
+              </a:ext>
+            </a:extLst>
+          </a:blip>
+          <a:srcRect/>
+          <a:stretch>
+            <a:fillRect/>
+          </a:stretch>
+        </p:blipFill>
+        <p:spPr bwMode="auto">
+          <a:xfrm>
+            <a:off x="136486" y="4437112"/>
+            <a:ext cx="3540744" cy="1307351"/>
+          </a:xfrm>
+          <a:prstGeom prst="rect">
+            <a:avLst/>
+          </a:prstGeom>
+          <a:ln>
+            <a:noFill/>
+          </a:ln>
+          <a:effectLst>
+            <a:outerShdw blurRad="292100" dist="139700" dir="2700000" algn="tl" rotWithShape="0">
+              <a:srgbClr val="333333">
+                <a:alpha val="65000"/>
+              </a:srgbClr>
+            </a:outerShdw>
+          </a:effectLst>
+          <a:extLst>
+            <a:ext uri="{909E8E84-426E-40DD-AFC4-6F175D3DCCD1}">
+              <a14:hiddenFill xmlns:a14="http://schemas.microsoft.com/office/drawing/2010/main">
+                <a:solidFill>
+                  <a:schemeClr val="accent1"/>
+                </a:solidFill>
+              </a14:hiddenFill>
+            </a:ext>
+            <a:ext uri="{91240B29-F687-4F45-9708-019B960494DF}">
+              <a14:hiddenLine xmlns:a14="http://schemas.microsoft.com/office/drawing/2010/main" w="9525">
+                <a:solidFill>
+                  <a:schemeClr val="tx1"/>
+                </a:solidFill>
+                <a:miter lim="800000"/>
+                <a:headEnd/>
+                <a:tailEnd/>
+              </a14:hiddenLine>
+            </a:ext>
+          </a:extLst>
+        </p:spPr>
+      </p:pic>
+      <p:pic>
+        <p:nvPicPr>
+          <p:cNvPr id="11" name="Picture 2"/>
+          <p:cNvPicPr>
+            <a:picLocks noChangeAspect="1" noChangeArrowheads="1"/>
+          </p:cNvPicPr>
+          <p:nvPr/>
+        </p:nvPicPr>
+        <p:blipFill>
+          <a:blip r:embed="rId4" cstate="print">
+            <a:extLst>
+              <a:ext uri="{28A0092B-C50C-407E-A947-70E740481C1C}">
+                <a14:useLocalDpi xmlns:a14="http://schemas.microsoft.com/office/drawing/2010/main" val="0"/>
+              </a:ext>
+            </a:extLst>
+          </a:blip>
+          <a:srcRect/>
+          <a:stretch>
+            <a:fillRect/>
+          </a:stretch>
+        </p:blipFill>
+        <p:spPr bwMode="auto">
+          <a:xfrm>
+            <a:off x="1043608" y="1286086"/>
+            <a:ext cx="1962451" cy="1659250"/>
+          </a:xfrm>
+          <a:prstGeom prst="rect">
+            <a:avLst/>
+          </a:prstGeom>
+          <a:noFill/>
+          <a:ln>
+            <a:noFill/>
+          </a:ln>
+          <a:effectLst/>
+          <a:extLst>
+            <a:ext uri="{909E8E84-426E-40DD-AFC4-6F175D3DCCD1}">
+              <a14:hiddenFill xmlns:a14="http://schemas.microsoft.com/office/drawing/2010/main">
+                <a:solidFill>
+                  <a:schemeClr val="accent1"/>
+                </a:solidFill>
+              </a14:hiddenFill>
+            </a:ext>
+            <a:ext uri="{91240B29-F687-4F45-9708-019B960494DF}">
+              <a14:hiddenLine xmlns:a14="http://schemas.microsoft.com/office/drawing/2010/main" w="9525">
+                <a:solidFill>
+                  <a:schemeClr val="tx1"/>
+                </a:solidFill>
+                <a:miter lim="800000"/>
+                <a:headEnd/>
+                <a:tailEnd/>
+              </a14:hiddenLine>
+            </a:ext>
+            <a:ext uri="{AF507438-7753-43E0-B8FC-AC1667EBCBE1}">
+              <a14:hiddenEffects xmlns:a14="http://schemas.microsoft.com/office/drawing/2010/main">
+                <a:effectLst>
+                  <a:outerShdw dist="35921" dir="2700000" algn="ctr" rotWithShape="0">
+                    <a:schemeClr val="bg2"/>
+                  </a:outerShdw>
+                </a:effectLst>
+              </a14:hiddenEffects>
+            </a:ext>
+          </a:extLst>
+        </p:spPr>
+      </p:pic>
+      <p:sp>
+        <p:nvSpPr>
+          <p:cNvPr id="10" name="ZoneTexte 9"/>
+          <p:cNvSpPr txBox="1"/>
+          <p:nvPr/>
+        </p:nvSpPr>
+        <p:spPr>
+          <a:xfrm>
+            <a:off x="539552" y="2945336"/>
+            <a:ext cx="2736304" cy="369332"/>
+          </a:xfrm>
+          <a:prstGeom prst="rect">
+            <a:avLst/>
+          </a:prstGeom>
+          <a:noFill/>
+        </p:spPr>
+        <p:txBody>
+          <a:bodyPr wrap="square" rtlCol="0">
+            <a:spAutoFit/>
+          </a:bodyPr>
+          <a:lstStyle/>
+          <a:p>
+            <a:pPr algn="ctr"/>
+            <a:r>
+              <a:rPr lang="fr-FR" i="1" dirty="0" smtClean="0">
+                <a:latin typeface="Calibri" panose="020F0502020204030204" pitchFamily="34" charset="0"/>
+              </a:rPr>
+              <a:t>Système réel</a:t>
+            </a:r>
+            <a:endParaRPr lang="fr-FR" i="1" dirty="0">
+              <a:latin typeface="Calibri" panose="020F0502020204030204" pitchFamily="34" charset="0"/>
+            </a:endParaRPr>
+          </a:p>
+        </p:txBody>
+      </p:sp>
+      <p:sp>
+        <p:nvSpPr>
+          <p:cNvPr id="13" name="ZoneTexte 12"/>
+          <p:cNvSpPr txBox="1"/>
+          <p:nvPr/>
+        </p:nvSpPr>
+        <p:spPr>
+          <a:xfrm>
+            <a:off x="4571999" y="2945336"/>
+            <a:ext cx="3529675" cy="369332"/>
+          </a:xfrm>
+          <a:prstGeom prst="rect">
+            <a:avLst/>
+          </a:prstGeom>
+          <a:noFill/>
+        </p:spPr>
+        <p:txBody>
+          <a:bodyPr wrap="square" rtlCol="0">
+            <a:spAutoFit/>
+          </a:bodyPr>
+          <a:lstStyle/>
+          <a:p>
+            <a:pPr algn="ctr"/>
+            <a:r>
+              <a:rPr lang="fr-FR" i="1" dirty="0" smtClean="0">
+                <a:latin typeface="Calibri" panose="020F0502020204030204" pitchFamily="34" charset="0"/>
+              </a:rPr>
+              <a:t>Modèle de connaissance</a:t>
+            </a:r>
+            <a:endParaRPr lang="fr-FR" i="1" dirty="0">
+              <a:latin typeface="Calibri" panose="020F0502020204030204" pitchFamily="34" charset="0"/>
+            </a:endParaRPr>
+          </a:p>
+        </p:txBody>
+      </p:sp>
+      <p:sp>
+        <p:nvSpPr>
+          <p:cNvPr id="14" name="ZoneTexte 13"/>
+          <p:cNvSpPr txBox="1"/>
+          <p:nvPr/>
+        </p:nvSpPr>
+        <p:spPr>
+          <a:xfrm>
+            <a:off x="269755" y="5949280"/>
+            <a:ext cx="2736304" cy="369332"/>
+          </a:xfrm>
+          <a:prstGeom prst="rect">
+            <a:avLst/>
+          </a:prstGeom>
+          <a:noFill/>
+        </p:spPr>
+        <p:txBody>
+          <a:bodyPr wrap="square" rtlCol="0">
+            <a:spAutoFit/>
+          </a:bodyPr>
+          <a:lstStyle/>
+          <a:p>
+            <a:pPr algn="ctr"/>
+            <a:r>
+              <a:rPr lang="fr-FR" i="1" dirty="0" smtClean="0">
+                <a:latin typeface="Calibri" panose="020F0502020204030204" pitchFamily="34" charset="0"/>
+              </a:rPr>
+              <a:t>Modèle causal</a:t>
+            </a:r>
+            <a:endParaRPr lang="fr-FR" i="1" dirty="0">
+              <a:latin typeface="Calibri" panose="020F0502020204030204" pitchFamily="34" charset="0"/>
+            </a:endParaRPr>
+          </a:p>
+        </p:txBody>
+      </p:sp>
+      <p:pic>
+        <p:nvPicPr>
+          <p:cNvPr id="3075" name="Picture 3"/>
+          <p:cNvPicPr>
+            <a:picLocks noChangeAspect="1" noChangeArrowheads="1"/>
+          </p:cNvPicPr>
+          <p:nvPr/>
+        </p:nvPicPr>
+        <p:blipFill>
+          <a:blip r:embed="rId5">
+            <a:extLst>
+              <a:ext uri="{28A0092B-C50C-407E-A947-70E740481C1C}">
+                <a14:useLocalDpi xmlns:a14="http://schemas.microsoft.com/office/drawing/2010/main" val="0"/>
+              </a:ext>
+            </a:extLst>
+          </a:blip>
+          <a:srcRect/>
+          <a:stretch>
+            <a:fillRect/>
+          </a:stretch>
+        </p:blipFill>
+        <p:spPr bwMode="auto">
+          <a:xfrm>
+            <a:off x="3753006" y="4149080"/>
+            <a:ext cx="5167660" cy="1883414"/>
+          </a:xfrm>
+          <a:prstGeom prst="rect">
+            <a:avLst/>
+          </a:prstGeom>
+          <a:noFill/>
+          <a:ln>
+            <a:noFill/>
+          </a:ln>
+          <a:effectLst/>
+          <a:extLst>
+            <a:ext uri="{909E8E84-426E-40DD-AFC4-6F175D3DCCD1}">
+              <a14:hiddenFill xmlns:a14="http://schemas.microsoft.com/office/drawing/2010/main">
+                <a:solidFill>
+                  <a:schemeClr val="accent1"/>
+                </a:solidFill>
+              </a14:hiddenFill>
+            </a:ext>
+            <a:ext uri="{91240B29-F687-4F45-9708-019B960494DF}">
+              <a14:hiddenLine xmlns:a14="http://schemas.microsoft.com/office/drawing/2010/main" w="9525">
+                <a:solidFill>
+                  <a:schemeClr val="tx1"/>
+                </a:solidFill>
+                <a:miter lim="800000"/>
+                <a:headEnd/>
+                <a:tailEnd/>
+              </a14:hiddenLine>
+            </a:ext>
+            <a:ext uri="{AF507438-7753-43E0-B8FC-AC1667EBCBE1}">
+              <a14:hiddenEffects xmlns:a14="http://schemas.microsoft.com/office/drawing/2010/main">
+                <a:effectLst>
+                  <a:outerShdw dist="35921" dir="2700000" algn="ctr" rotWithShape="0">
+                    <a:schemeClr val="bg2"/>
+                  </a:outerShdw>
+                </a:effectLst>
+              </a14:hiddenEffects>
+            </a:ext>
+          </a:extLst>
+        </p:spPr>
+      </p:pic>
+      <p:sp>
+        <p:nvSpPr>
+          <p:cNvPr id="16" name="ZoneTexte 15"/>
+          <p:cNvSpPr txBox="1"/>
+          <p:nvPr/>
+        </p:nvSpPr>
+        <p:spPr>
+          <a:xfrm>
+            <a:off x="4968684" y="5949280"/>
+            <a:ext cx="2736304" cy="369332"/>
+          </a:xfrm>
+          <a:prstGeom prst="rect">
+            <a:avLst/>
+          </a:prstGeom>
+          <a:noFill/>
+        </p:spPr>
+        <p:txBody>
+          <a:bodyPr wrap="square" rtlCol="0">
+            <a:spAutoFit/>
+          </a:bodyPr>
+          <a:lstStyle/>
+          <a:p>
+            <a:pPr algn="ctr"/>
+            <a:r>
+              <a:rPr lang="fr-FR" i="1" dirty="0" smtClean="0">
+                <a:latin typeface="Calibri" panose="020F0502020204030204" pitchFamily="34" charset="0"/>
+              </a:rPr>
+              <a:t>Modèle acausal</a:t>
+            </a:r>
+            <a:endParaRPr lang="fr-FR" i="1" dirty="0">
+              <a:latin typeface="Calibri" panose="020F0502020204030204" pitchFamily="34" charset="0"/>
+            </a:endParaRPr>
+          </a:p>
+        </p:txBody>
+      </p:sp>
     </p:spTree>
     <p:extLst>
       <p:ext uri="{BB962C8B-B14F-4D97-AF65-F5344CB8AC3E}">
-        <p14:creationId xmlns:p14="http://schemas.microsoft.com/office/powerpoint/2010/main" val="3489141374"/>
+        <p14:creationId xmlns:p14="http://schemas.microsoft.com/office/powerpoint/2010/main" val="1293669012"/>
       </p:ext>
     </p:extLst>
   </p:cSld>
@@ -6149,7 +7037,7 @@
       </p:grpSpPr>
       <p:sp>
         <p:nvSpPr>
-          <p:cNvPr id="5" name="Titre 4"/>
+          <p:cNvPr id="2" name="Titre 1"/>
           <p:cNvSpPr>
             <a:spLocks noGrp="1"/>
           </p:cNvSpPr>
@@ -6159,110 +7047,52 @@
         </p:nvSpPr>
         <p:spPr/>
         <p:txBody>
+          <a:bodyPr>
+            <a:normAutofit fontScale="90000"/>
+          </a:bodyPr>
+          <a:lstStyle/>
+          <a:p>
+            <a:r>
+              <a:rPr lang="fr-FR" dirty="0" smtClean="0"/>
+              <a:t>Modélisation multiphysique</a:t>
+            </a:r>
+            <a:br>
+              <a:rPr lang="fr-FR" dirty="0" smtClean="0"/>
+            </a:br>
+            <a:r>
+              <a:rPr lang="fr-FR" dirty="0" err="1" smtClean="0"/>
+              <a:t>SysML</a:t>
+            </a:r>
+            <a:r>
+              <a:rPr lang="fr-FR" dirty="0" smtClean="0"/>
+              <a:t> </a:t>
+            </a:r>
+            <a:r>
+              <a:rPr lang="fr-FR" dirty="0" smtClean="0">
+                <a:latin typeface="Calibri"/>
+              </a:rPr>
+              <a:t>↔ Modélisation multiphysique</a:t>
+            </a:r>
+            <a:endParaRPr lang="fr-FR" dirty="0"/>
+          </a:p>
+        </p:txBody>
+      </p:sp>
+      <p:sp>
+        <p:nvSpPr>
+          <p:cNvPr id="3" name="Espace réservé du contenu 2"/>
+          <p:cNvSpPr>
+            <a:spLocks noGrp="1"/>
+          </p:cNvSpPr>
+          <p:nvPr>
+            <p:ph sz="quarter" idx="1"/>
+          </p:nvPr>
+        </p:nvSpPr>
+        <p:spPr/>
+        <p:txBody>
           <a:bodyPr/>
           <a:lstStyle/>
           <a:p>
-            <a:r>
-              <a:rPr lang="fr-FR" dirty="0" smtClean="0"/>
-              <a:t>Les logiciels de calcul numérique</a:t>
-            </a:r>
             <a:endParaRPr lang="fr-FR" dirty="0"/>
-          </a:p>
-        </p:txBody>
-      </p:sp>
-      <p:sp>
-        <p:nvSpPr>
-          <p:cNvPr id="6" name="Espace réservé du contenu 5"/>
-          <p:cNvSpPr>
-            <a:spLocks noGrp="1"/>
-          </p:cNvSpPr>
-          <p:nvPr>
-            <p:ph sz="quarter" idx="1"/>
-          </p:nvPr>
-        </p:nvSpPr>
-        <p:spPr/>
-        <p:txBody>
-          <a:bodyPr/>
-          <a:lstStyle/>
-          <a:p>
-            <a:r>
-              <a:rPr lang="fr-FR" dirty="0" smtClean="0"/>
-              <a:t>Parmi les logiciels de simulation numérique utilisés dans la recherche ou dans l’industrie on trouve </a:t>
-            </a:r>
-            <a:r>
-              <a:rPr lang="fr-FR" dirty="0" err="1" smtClean="0"/>
-              <a:t>Matlab</a:t>
-            </a:r>
-            <a:r>
-              <a:rPr lang="fr-FR" dirty="0" smtClean="0"/>
-              <a:t> et </a:t>
-            </a:r>
-            <a:r>
-              <a:rPr lang="fr-FR" dirty="0" err="1" smtClean="0"/>
-              <a:t>Scilab</a:t>
-            </a:r>
-            <a:r>
-              <a:rPr lang="fr-FR" dirty="0" smtClean="0"/>
-              <a:t>.</a:t>
-            </a:r>
-          </a:p>
-          <a:p>
-            <a:pPr lvl="1"/>
-            <a:r>
-              <a:rPr lang="fr-FR" dirty="0" err="1" smtClean="0"/>
-              <a:t>Matlab</a:t>
-            </a:r>
-            <a:r>
-              <a:rPr lang="fr-FR" dirty="0"/>
-              <a:t> </a:t>
-            </a:r>
-            <a:r>
-              <a:rPr lang="fr-FR" dirty="0" smtClean="0"/>
-              <a:t>et </a:t>
-            </a:r>
-            <a:r>
-              <a:rPr lang="fr-FR" dirty="0" err="1" smtClean="0"/>
-              <a:t>Scilab</a:t>
-            </a:r>
-            <a:r>
-              <a:rPr lang="fr-FR" dirty="0" smtClean="0"/>
-              <a:t> sont des logiciels de calcul numériques. Ils possèdent un langage de programmation (haut niveau) permettant (entre autre) de manipuler aisément des matrices et d’afficher des courbes de résultats.</a:t>
-            </a:r>
-          </a:p>
-          <a:p>
-            <a:r>
-              <a:rPr lang="fr-FR" dirty="0" smtClean="0"/>
-              <a:t>Simulink et </a:t>
-            </a:r>
-            <a:r>
-              <a:rPr lang="fr-FR" dirty="0" err="1" smtClean="0"/>
-              <a:t>Xcos</a:t>
-            </a:r>
-            <a:r>
-              <a:rPr lang="fr-FR" dirty="0" smtClean="0"/>
-              <a:t> sont des modules respectifs de </a:t>
-            </a:r>
-            <a:r>
-              <a:rPr lang="fr-FR" dirty="0" err="1" smtClean="0"/>
-              <a:t>Matlab</a:t>
-            </a:r>
-            <a:r>
-              <a:rPr lang="fr-FR" dirty="0" smtClean="0"/>
-              <a:t> et </a:t>
-            </a:r>
-            <a:r>
-              <a:rPr lang="fr-FR" dirty="0" err="1" smtClean="0"/>
-              <a:t>Scilab</a:t>
-            </a:r>
-            <a:r>
-              <a:rPr lang="fr-FR" dirty="0" smtClean="0"/>
-              <a:t> permettant de réaliser des modélisations graphiques de systèmes </a:t>
-            </a:r>
-            <a:r>
-              <a:rPr lang="fr-FR" dirty="0" err="1" smtClean="0"/>
-              <a:t>multiphysiques</a:t>
-            </a:r>
-            <a:endParaRPr lang="fr-FR" dirty="0" smtClean="0"/>
           </a:p>
         </p:txBody>
       </p:sp>
@@ -6289,80 +7119,10 @@
           </a:p>
         </p:txBody>
       </p:sp>
-      <p:sp>
-        <p:nvSpPr>
-          <p:cNvPr id="7" name="ZoneTexte 6"/>
-          <p:cNvSpPr txBox="1"/>
-          <p:nvPr/>
-        </p:nvSpPr>
-        <p:spPr>
-          <a:xfrm>
-            <a:off x="251520" y="6453336"/>
-            <a:ext cx="7848872" cy="369332"/>
-          </a:xfrm>
-          <a:prstGeom prst="rect">
-            <a:avLst/>
-          </a:prstGeom>
-          <a:noFill/>
-        </p:spPr>
-        <p:txBody>
-          <a:bodyPr wrap="square" rtlCol="0">
-            <a:spAutoFit/>
-          </a:bodyPr>
-          <a:lstStyle/>
-          <a:p>
-            <a:r>
-              <a:rPr lang="fr-FR" b="1" dirty="0" smtClean="0"/>
-              <a:t>Mat</a:t>
-            </a:r>
-            <a:r>
-              <a:rPr lang="fr-FR" dirty="0" smtClean="0"/>
-              <a:t>rix </a:t>
-            </a:r>
-            <a:r>
-              <a:rPr lang="fr-FR" b="1" dirty="0" err="1" smtClean="0"/>
-              <a:t>Lab</a:t>
-            </a:r>
-            <a:r>
-              <a:rPr lang="fr-FR" dirty="0" err="1" smtClean="0"/>
-              <a:t>oratory</a:t>
-            </a:r>
-            <a:r>
-              <a:rPr lang="fr-FR" dirty="0" smtClean="0"/>
-              <a:t>, </a:t>
-            </a:r>
-            <a:r>
-              <a:rPr lang="fr-FR" b="1" dirty="0" err="1" smtClean="0"/>
-              <a:t>Sci</a:t>
-            </a:r>
-            <a:r>
-              <a:rPr lang="fr-FR" dirty="0" err="1" smtClean="0"/>
-              <a:t>entific</a:t>
-            </a:r>
-            <a:r>
-              <a:rPr lang="fr-FR" dirty="0" smtClean="0"/>
-              <a:t> </a:t>
-            </a:r>
-            <a:r>
-              <a:rPr lang="fr-FR" b="1" dirty="0" err="1" smtClean="0"/>
-              <a:t>Lab</a:t>
-            </a:r>
-            <a:r>
-              <a:rPr lang="fr-FR" dirty="0" err="1" smtClean="0"/>
-              <a:t>oratory</a:t>
-            </a:r>
-            <a:r>
-              <a:rPr lang="fr-FR" dirty="0" smtClean="0"/>
-              <a:t> </a:t>
-            </a:r>
-            <a:endParaRPr lang="fr-FR" dirty="0"/>
-          </a:p>
-        </p:txBody>
-      </p:sp>
     </p:spTree>
     <p:extLst>
       <p:ext uri="{BB962C8B-B14F-4D97-AF65-F5344CB8AC3E}">
-        <p14:creationId xmlns:p14="http://schemas.microsoft.com/office/powerpoint/2010/main" val="4274161845"/>
+        <p14:creationId xmlns:p14="http://schemas.microsoft.com/office/powerpoint/2010/main" val="3490192258"/>
       </p:ext>
     </p:extLst>
   </p:cSld>
@@ -6391,7 +7151,7 @@
       </p:grpSpPr>
       <p:sp>
         <p:nvSpPr>
-          <p:cNvPr id="2" name="Titre 1"/>
+          <p:cNvPr id="4" name="Titre 3"/>
           <p:cNvSpPr>
             <a:spLocks noGrp="1"/>
           </p:cNvSpPr>
@@ -6401,184 +7161,48 @@
         </p:nvSpPr>
         <p:spPr/>
         <p:txBody>
-          <a:bodyPr>
-            <a:normAutofit fontScale="90000"/>
-          </a:bodyPr>
-          <a:lstStyle/>
-          <a:p>
-            <a:r>
-              <a:rPr lang="fr-FR" dirty="0"/>
-              <a:t>Les logiciels de calcul </a:t>
-            </a:r>
-            <a:r>
-              <a:rPr lang="fr-FR" dirty="0" smtClean="0"/>
-              <a:t>numérique</a:t>
-            </a:r>
-            <a:br>
-              <a:rPr lang="fr-FR" dirty="0" smtClean="0"/>
-            </a:br>
-            <a:r>
-              <a:rPr lang="fr-FR" dirty="0" smtClean="0"/>
-              <a:t>Quelques avantages et inconvénients</a:t>
+          <a:bodyPr/>
+          <a:lstStyle/>
+          <a:p>
+            <a:r>
+              <a:rPr lang="fr-FR" dirty="0" smtClean="0"/>
+              <a:t>Modélisation des systèmes avec Scilab / </a:t>
+            </a:r>
+            <a:r>
+              <a:rPr lang="fr-FR" dirty="0" err="1" smtClean="0"/>
+              <a:t>Xcos</a:t>
             </a:r>
             <a:endParaRPr lang="fr-FR" dirty="0"/>
           </a:p>
         </p:txBody>
       </p:sp>
-      <p:graphicFrame>
-        <p:nvGraphicFramePr>
-          <p:cNvPr id="5" name="Espace réservé du contenu 4"/>
-          <p:cNvGraphicFramePr>
-            <a:graphicFrameLocks noGrp="1"/>
-          </p:cNvGraphicFramePr>
-          <p:nvPr>
-            <p:ph sz="quarter" idx="1"/>
-            <p:extLst>
-              <p:ext uri="{D42A27DB-BD31-4B8C-83A1-F6EECF244321}">
-                <p14:modId xmlns:p14="http://schemas.microsoft.com/office/powerpoint/2010/main" val="1650909468"/>
-              </p:ext>
-            </p:extLst>
-          </p:nvPr>
-        </p:nvGraphicFramePr>
-        <p:xfrm>
-          <a:off x="250825" y="1268413"/>
-          <a:ext cx="7921626" cy="1112520"/>
-        </p:xfrm>
-        <a:graphic>
-          <a:graphicData uri="http://schemas.openxmlformats.org/drawingml/2006/table">
-            <a:tbl>
-              <a:tblPr firstRow="1" bandRow="1">
-                <a:tableStyleId>{21E4AEA4-8DFA-4A89-87EB-49C32662AFE0}</a:tableStyleId>
-              </a:tblPr>
-              <a:tblGrid>
-                <a:gridCol w="2640542"/>
-                <a:gridCol w="2640542"/>
-                <a:gridCol w="2640542"/>
-              </a:tblGrid>
-              <a:tr h="370840">
-                <a:tc>
-                  <a:txBody>
-                    <a:bodyPr/>
-                    <a:lstStyle/>
-                    <a:p>
-                      <a:endParaRPr lang="fr-FR" dirty="0"/>
-                    </a:p>
-                  </a:txBody>
-                  <a:tcPr/>
-                </a:tc>
-                <a:tc>
-                  <a:txBody>
-                    <a:bodyPr/>
-                    <a:lstStyle/>
-                    <a:p>
-                      <a:r>
-                        <a:rPr lang="fr-FR" dirty="0" err="1" smtClean="0"/>
-                        <a:t>Matlab</a:t>
-                      </a:r>
-                      <a:endParaRPr lang="fr-FR" dirty="0"/>
-                    </a:p>
-                  </a:txBody>
-                  <a:tcPr/>
-                </a:tc>
-                <a:tc>
-                  <a:txBody>
-                    <a:bodyPr/>
-                    <a:lstStyle/>
-                    <a:p>
-                      <a:r>
-                        <a:rPr lang="fr-FR" dirty="0" err="1" smtClean="0"/>
-                        <a:t>Scilab</a:t>
-                      </a:r>
-                      <a:endParaRPr lang="fr-FR" dirty="0"/>
-                    </a:p>
-                  </a:txBody>
-                  <a:tcPr/>
-                </a:tc>
-              </a:tr>
-              <a:tr h="370840">
-                <a:tc>
-                  <a:txBody>
-                    <a:bodyPr/>
-                    <a:lstStyle/>
-                    <a:p>
-                      <a:r>
-                        <a:rPr lang="fr-FR" dirty="0" smtClean="0"/>
-                        <a:t>Avantages</a:t>
-                      </a:r>
-                      <a:endParaRPr lang="fr-FR" dirty="0"/>
-                    </a:p>
-                  </a:txBody>
-                  <a:tcPr/>
-                </a:tc>
-                <a:tc>
-                  <a:txBody>
-                    <a:bodyPr/>
-                    <a:lstStyle/>
-                    <a:p>
-                      <a:endParaRPr lang="fr-FR" dirty="0"/>
-                    </a:p>
-                  </a:txBody>
-                  <a:tcPr/>
-                </a:tc>
-                <a:tc>
-                  <a:txBody>
-                    <a:bodyPr/>
-                    <a:lstStyle/>
-                    <a:p>
-                      <a:endParaRPr lang="fr-FR" dirty="0"/>
-                    </a:p>
-                  </a:txBody>
-                  <a:tcPr/>
-                </a:tc>
-              </a:tr>
-              <a:tr h="370840">
-                <a:tc>
-                  <a:txBody>
-                    <a:bodyPr/>
-                    <a:lstStyle/>
-                    <a:p>
-                      <a:r>
-                        <a:rPr lang="fr-FR" dirty="0" smtClean="0"/>
-                        <a:t>Inconvénients</a:t>
-                      </a:r>
-                      <a:endParaRPr lang="fr-FR" dirty="0"/>
-                    </a:p>
-                  </a:txBody>
-                  <a:tcPr/>
-                </a:tc>
-                <a:tc>
-                  <a:txBody>
-                    <a:bodyPr/>
-                    <a:lstStyle/>
-                    <a:p>
-                      <a:endParaRPr lang="fr-FR"/>
-                    </a:p>
-                  </a:txBody>
-                  <a:tcPr/>
-                </a:tc>
-                <a:tc>
-                  <a:txBody>
-                    <a:bodyPr/>
-                    <a:lstStyle/>
-                    <a:p>
-                      <a:endParaRPr lang="fr-FR"/>
-                    </a:p>
-                  </a:txBody>
-                  <a:tcPr/>
-                </a:tc>
-              </a:tr>
-            </a:tbl>
-          </a:graphicData>
-        </a:graphic>
-      </p:graphicFrame>
-      <p:sp>
-        <p:nvSpPr>
-          <p:cNvPr id="4" name="Espace réservé du numéro de diapositive 3"/>
-          <p:cNvSpPr>
-            <a:spLocks noGrp="1"/>
-          </p:cNvSpPr>
-          <p:nvPr>
-            <p:ph type="sldNum" sz="quarter" idx="15"/>
+      <p:sp>
+        <p:nvSpPr>
+          <p:cNvPr id="5" name="Espace réservé du texte 4"/>
+          <p:cNvSpPr>
+            <a:spLocks noGrp="1"/>
+          </p:cNvSpPr>
+          <p:nvPr>
+            <p:ph type="body" idx="1"/>
+          </p:nvPr>
+        </p:nvSpPr>
+        <p:spPr/>
+        <p:txBody>
+          <a:bodyPr/>
+          <a:lstStyle/>
+          <a:p>
+            <a:endParaRPr lang="fr-FR"/>
+          </a:p>
+        </p:txBody>
+      </p:sp>
+      <p:sp>
+        <p:nvSpPr>
+          <p:cNvPr id="6" name="Espace réservé du numéro de diapositive 5"/>
+          <p:cNvSpPr>
+            <a:spLocks noGrp="1"/>
+          </p:cNvSpPr>
+          <p:nvPr>
+            <p:ph type="sldNum" sz="quarter" idx="12"/>
           </p:nvPr>
         </p:nvSpPr>
         <p:spPr/>
@@ -6597,7 +7221,7 @@
     </p:spTree>
     <p:extLst>
       <p:ext uri="{BB962C8B-B14F-4D97-AF65-F5344CB8AC3E}">
-        <p14:creationId xmlns:p14="http://schemas.microsoft.com/office/powerpoint/2010/main" val="2674533744"/>
+        <p14:creationId xmlns:p14="http://schemas.microsoft.com/office/powerpoint/2010/main" val="3659242063"/>
       </p:ext>
     </p:extLst>
   </p:cSld>
@@ -6626,7 +7250,7 @@
       </p:grpSpPr>
       <p:sp>
         <p:nvSpPr>
-          <p:cNvPr id="4" name="Titre 3"/>
+          <p:cNvPr id="5" name="Titre 4"/>
           <p:cNvSpPr>
             <a:spLocks noGrp="1"/>
           </p:cNvSpPr>
@@ -6636,48 +7260,99 @@
         </p:nvSpPr>
         <p:spPr/>
         <p:txBody>
+          <a:bodyPr>
+            <a:normAutofit fontScale="90000"/>
+          </a:bodyPr>
+          <a:lstStyle/>
+          <a:p>
+            <a:r>
+              <a:rPr lang="fr-FR" dirty="0"/>
+              <a:t>Modélisation des systèmes avec Scilab / </a:t>
+            </a:r>
+            <a:r>
+              <a:rPr lang="fr-FR" dirty="0" err="1" smtClean="0"/>
+              <a:t>Xcos</a:t>
+            </a:r>
+            <a:r>
+              <a:rPr lang="fr-FR" dirty="0" smtClean="0"/>
+              <a:t/>
+            </a:r>
+            <a:br>
+              <a:rPr lang="fr-FR" dirty="0" smtClean="0"/>
+            </a:br>
+            <a:r>
+              <a:rPr lang="fr-FR" dirty="0" smtClean="0"/>
+              <a:t>Les logiciels de simulation numérique</a:t>
+            </a:r>
+            <a:endParaRPr lang="fr-FR" dirty="0"/>
+          </a:p>
+        </p:txBody>
+      </p:sp>
+      <p:sp>
+        <p:nvSpPr>
+          <p:cNvPr id="6" name="Espace réservé du contenu 5"/>
+          <p:cNvSpPr>
+            <a:spLocks noGrp="1"/>
+          </p:cNvSpPr>
+          <p:nvPr>
+            <p:ph sz="quarter" idx="1"/>
+          </p:nvPr>
+        </p:nvSpPr>
+        <p:spPr/>
+        <p:txBody>
           <a:bodyPr/>
           <a:lstStyle/>
           <a:p>
             <a:r>
               <a:rPr lang="fr-FR" dirty="0" smtClean="0"/>
-              <a:t>Modélisation des systèmes avec le module </a:t>
+              <a:t>Parmi les logiciels de simulation numérique utilisés dans la recherche ou dans l’industrie on trouve Matlab et Scilab.</a:t>
+            </a:r>
+          </a:p>
+          <a:p>
+            <a:pPr lvl="1"/>
+            <a:r>
+              <a:rPr lang="fr-FR" dirty="0" smtClean="0"/>
+              <a:t>Matlab</a:t>
+            </a:r>
+            <a:r>
+              <a:rPr lang="fr-FR" dirty="0"/>
+              <a:t> </a:t>
+            </a:r>
+            <a:r>
+              <a:rPr lang="fr-FR" dirty="0" smtClean="0"/>
+              <a:t>et Scilab sont des logiciels de calcul numériques. Ils possèdent un langage de programmation (haut niveau) permettant (entre autre) de manipuler aisément des matrices et d’afficher des courbes de résultats.</a:t>
+            </a:r>
+          </a:p>
+          <a:p>
+            <a:pPr lvl="1"/>
+            <a:r>
+              <a:rPr lang="fr-FR" dirty="0" smtClean="0"/>
+              <a:t>Simulink et </a:t>
             </a:r>
             <a:r>
               <a:rPr lang="fr-FR" dirty="0" err="1" smtClean="0"/>
-              <a:t>Coselica</a:t>
-            </a:r>
-            <a:endParaRPr lang="fr-FR" dirty="0"/>
-          </a:p>
-        </p:txBody>
-      </p:sp>
-      <p:sp>
-        <p:nvSpPr>
-          <p:cNvPr id="5" name="Espace réservé du texte 4"/>
-          <p:cNvSpPr>
-            <a:spLocks noGrp="1"/>
-          </p:cNvSpPr>
-          <p:nvPr>
-            <p:ph type="body" idx="1"/>
-          </p:nvPr>
-        </p:nvSpPr>
-        <p:spPr/>
-        <p:txBody>
-          <a:bodyPr/>
-          <a:lstStyle/>
-          <a:p>
-            <a:endParaRPr lang="fr-FR"/>
-          </a:p>
-        </p:txBody>
-      </p:sp>
-      <p:sp>
-        <p:nvSpPr>
-          <p:cNvPr id="6" name="Espace réservé du numéro de diapositive 5"/>
-          <p:cNvSpPr>
-            <a:spLocks noGrp="1"/>
-          </p:cNvSpPr>
-          <p:nvPr>
-            <p:ph type="sldNum" sz="quarter" idx="12"/>
+              <a:t>Xcos</a:t>
+            </a:r>
+            <a:r>
+              <a:rPr lang="fr-FR" dirty="0" smtClean="0"/>
+              <a:t> sont des modules respectifs de Matlab et Scilab permettant de réaliser des modélisations graphiques de systèmes </a:t>
+            </a:r>
+            <a:r>
+              <a:rPr lang="fr-FR" dirty="0" err="1" smtClean="0"/>
+              <a:t>multiphysiques</a:t>
+            </a:r>
+            <a:endParaRPr lang="fr-FR" dirty="0" smtClean="0"/>
+          </a:p>
+        </p:txBody>
+      </p:sp>
+      <p:sp>
+        <p:nvSpPr>
+          <p:cNvPr id="4" name="Espace réservé du numéro de diapositive 3"/>
+          <p:cNvSpPr>
+            <a:spLocks noGrp="1"/>
+          </p:cNvSpPr>
+          <p:nvPr>
+            <p:ph type="sldNum" sz="quarter" idx="15"/>
           </p:nvPr>
         </p:nvSpPr>
         <p:spPr/>
@@ -6693,10 +7368,104 @@
           </a:p>
         </p:txBody>
       </p:sp>
+      <p:sp>
+        <p:nvSpPr>
+          <p:cNvPr id="7" name="ZoneTexte 6"/>
+          <p:cNvSpPr txBox="1"/>
+          <p:nvPr/>
+        </p:nvSpPr>
+        <p:spPr>
+          <a:xfrm>
+            <a:off x="-30088" y="6145654"/>
+            <a:ext cx="7848872" cy="307777"/>
+          </a:xfrm>
+          <a:prstGeom prst="rect">
+            <a:avLst/>
+          </a:prstGeom>
+          <a:noFill/>
+        </p:spPr>
+        <p:txBody>
+          <a:bodyPr wrap="square" rtlCol="0">
+            <a:spAutoFit/>
+          </a:bodyPr>
+          <a:lstStyle/>
+          <a:p>
+            <a:r>
+              <a:rPr lang="fr-FR" sz="1400" b="1" dirty="0" smtClean="0">
+                <a:latin typeface="Calibri" panose="020F0502020204030204" pitchFamily="34" charset="0"/>
+              </a:rPr>
+              <a:t>Mat</a:t>
+            </a:r>
+            <a:r>
+              <a:rPr lang="fr-FR" sz="1400" dirty="0" smtClean="0">
+                <a:latin typeface="Calibri" panose="020F0502020204030204" pitchFamily="34" charset="0"/>
+              </a:rPr>
+              <a:t>rix </a:t>
+            </a:r>
+            <a:r>
+              <a:rPr lang="fr-FR" sz="1400" b="1" dirty="0" err="1" smtClean="0">
+                <a:latin typeface="Calibri" panose="020F0502020204030204" pitchFamily="34" charset="0"/>
+              </a:rPr>
+              <a:t>Lab</a:t>
+            </a:r>
+            <a:r>
+              <a:rPr lang="fr-FR" sz="1400" dirty="0" err="1" smtClean="0">
+                <a:latin typeface="Calibri" panose="020F0502020204030204" pitchFamily="34" charset="0"/>
+              </a:rPr>
+              <a:t>oratory</a:t>
+            </a:r>
+            <a:r>
+              <a:rPr lang="fr-FR" sz="1400" dirty="0" smtClean="0">
+                <a:latin typeface="Calibri" panose="020F0502020204030204" pitchFamily="34" charset="0"/>
+              </a:rPr>
+              <a:t>, </a:t>
+            </a:r>
+            <a:r>
+              <a:rPr lang="fr-FR" sz="1400" b="1" dirty="0" err="1" smtClean="0">
+                <a:latin typeface="Calibri" panose="020F0502020204030204" pitchFamily="34" charset="0"/>
+              </a:rPr>
+              <a:t>Sci</a:t>
+            </a:r>
+            <a:r>
+              <a:rPr lang="fr-FR" sz="1400" dirty="0" err="1" smtClean="0">
+                <a:latin typeface="Calibri" panose="020F0502020204030204" pitchFamily="34" charset="0"/>
+              </a:rPr>
+              <a:t>entific</a:t>
+            </a:r>
+            <a:r>
+              <a:rPr lang="fr-FR" sz="1400" dirty="0" smtClean="0">
+                <a:latin typeface="Calibri" panose="020F0502020204030204" pitchFamily="34" charset="0"/>
+              </a:rPr>
+              <a:t> </a:t>
+            </a:r>
+            <a:r>
+              <a:rPr lang="fr-FR" sz="1400" b="1" dirty="0" err="1" smtClean="0">
+                <a:latin typeface="Calibri" panose="020F0502020204030204" pitchFamily="34" charset="0"/>
+              </a:rPr>
+              <a:t>Lab</a:t>
+            </a:r>
+            <a:r>
+              <a:rPr lang="fr-FR" sz="1400" dirty="0" err="1" smtClean="0">
+                <a:latin typeface="Calibri" panose="020F0502020204030204" pitchFamily="34" charset="0"/>
+              </a:rPr>
+              <a:t>oratory</a:t>
+            </a:r>
+            <a:r>
+              <a:rPr lang="fr-FR" sz="1400" dirty="0" smtClean="0">
+                <a:latin typeface="Calibri" panose="020F0502020204030204" pitchFamily="34" charset="0"/>
+              </a:rPr>
+              <a:t> </a:t>
+            </a:r>
+            <a:endParaRPr lang="fr-FR" sz="1400" dirty="0">
+              <a:latin typeface="Calibri" panose="020F0502020204030204" pitchFamily="34" charset="0"/>
+            </a:endParaRPr>
+          </a:p>
+        </p:txBody>
+      </p:sp>
     </p:spTree>
     <p:extLst>
       <p:ext uri="{BB962C8B-B14F-4D97-AF65-F5344CB8AC3E}">
-        <p14:creationId xmlns:p14="http://schemas.microsoft.com/office/powerpoint/2010/main" val="3659242063"/>
+        <p14:creationId xmlns:p14="http://schemas.microsoft.com/office/powerpoint/2010/main" val="4274161845"/>
       </p:ext>
     </p:extLst>
   </p:cSld>
@@ -6725,7 +7494,26 @@
       </p:grpSpPr>
       <p:sp>
         <p:nvSpPr>
-          <p:cNvPr id="2" name="Titre 1"/>
+          <p:cNvPr id="2" name="Espace réservé du contenu 1"/>
+          <p:cNvSpPr>
+            <a:spLocks noGrp="1"/>
+          </p:cNvSpPr>
+          <p:nvPr>
+            <p:ph sz="quarter" idx="1"/>
+          </p:nvPr>
+        </p:nvSpPr>
+        <p:spPr/>
+        <p:txBody>
+          <a:bodyPr/>
+          <a:lstStyle/>
+          <a:p>
+            <a:endParaRPr lang="fr-FR"/>
+          </a:p>
+        </p:txBody>
+      </p:sp>
+      <p:sp>
+        <p:nvSpPr>
+          <p:cNvPr id="3" name="Titre 2"/>
           <p:cNvSpPr>
             <a:spLocks noGrp="1"/>
           </p:cNvSpPr>
@@ -6735,71 +7523,30 @@
         </p:nvSpPr>
         <p:spPr/>
         <p:txBody>
-          <a:bodyPr/>
-          <a:lstStyle/>
-          <a:p>
-            <a:r>
-              <a:rPr lang="fr-FR" dirty="0" smtClean="0"/>
-              <a:t>Connecteurs</a:t>
-            </a:r>
-            <a:endParaRPr lang="fr-FR" dirty="0"/>
-          </a:p>
-        </p:txBody>
-      </p:sp>
-      <p:sp>
-        <p:nvSpPr>
-          <p:cNvPr id="3" name="Espace réservé du contenu 2"/>
-          <p:cNvSpPr>
-            <a:spLocks noGrp="1"/>
-          </p:cNvSpPr>
-          <p:nvPr>
-            <p:ph sz="quarter" idx="1"/>
-          </p:nvPr>
-        </p:nvSpPr>
-        <p:spPr/>
-        <p:txBody>
-          <a:bodyPr/>
-          <a:lstStyle/>
-          <a:p>
-            <a:r>
-              <a:rPr lang="fr-FR" dirty="0" smtClean="0"/>
-              <a:t>Triangle bleu : signal de données (sans dimension)</a:t>
-            </a:r>
-          </a:p>
-          <a:p>
-            <a:r>
-              <a:rPr lang="fr-FR" dirty="0" smtClean="0"/>
-              <a:t>Carré bleu : signal électrique</a:t>
-            </a:r>
-          </a:p>
-          <a:p>
-            <a:r>
-              <a:rPr lang="fr-FR" dirty="0" smtClean="0"/>
-              <a:t>Carré rouge : donnée thermique</a:t>
-            </a:r>
-          </a:p>
-          <a:p>
-            <a:r>
-              <a:rPr lang="fr-FR" dirty="0" smtClean="0"/>
-              <a:t>Carré vert : mécanique 1D en translation</a:t>
-            </a:r>
-          </a:p>
-          <a:p>
-            <a:r>
-              <a:rPr lang="fr-FR" dirty="0" smtClean="0"/>
-              <a:t>Rond gris : mécanique 1D en rotation</a:t>
-            </a:r>
-          </a:p>
-          <a:p>
-            <a:r>
-              <a:rPr lang="fr-FR" dirty="0" smtClean="0"/>
-              <a:t>Carré gris : mécanique 2D plane</a:t>
-            </a:r>
-          </a:p>
-          <a:p>
-            <a:endParaRPr lang="fr-FR" dirty="0" smtClean="0"/>
-          </a:p>
-          <a:p>
+          <a:bodyPr>
+            <a:normAutofit fontScale="90000"/>
+          </a:bodyPr>
+          <a:lstStyle/>
+          <a:p>
+            <a:r>
+              <a:rPr lang="fr-FR" dirty="0"/>
+              <a:t>Modélisation des systèmes avec Scilab / </a:t>
+            </a:r>
+            <a:r>
+              <a:rPr lang="fr-FR" dirty="0" err="1"/>
+              <a:t>Xcos</a:t>
+            </a:r>
+            <a:r>
+              <a:rPr lang="fr-FR" dirty="0"/>
+              <a:t/>
+            </a:r>
+            <a:br>
+              <a:rPr lang="fr-FR" dirty="0"/>
+            </a:br>
+            <a:r>
+              <a:rPr lang="fr-FR" dirty="0" smtClean="0"/>
+              <a:t>Module CPGE – Module SIMM</a:t>
+            </a:r>
             <a:endParaRPr lang="fr-FR" dirty="0"/>
           </a:p>
         </p:txBody>
@@ -6830,7 +7577,7 @@
     </p:spTree>
     <p:extLst>
       <p:ext uri="{BB962C8B-B14F-4D97-AF65-F5344CB8AC3E}">
-        <p14:creationId xmlns:p14="http://schemas.microsoft.com/office/powerpoint/2010/main" val="398496562"/>
+        <p14:creationId xmlns:p14="http://schemas.microsoft.com/office/powerpoint/2010/main" val="3644207400"/>
       </p:ext>
     </p:extLst>
   </p:cSld>
@@ -6869,33 +7616,89 @@
         </p:nvSpPr>
         <p:spPr/>
         <p:txBody>
+          <a:bodyPr>
+            <a:normAutofit fontScale="90000"/>
+          </a:bodyPr>
+          <a:lstStyle/>
+          <a:p>
+            <a:r>
+              <a:rPr lang="fr-FR" dirty="0"/>
+              <a:t>Modélisation des systèmes avec Scilab </a:t>
+            </a:r>
+            <a:r>
+              <a:rPr lang="fr-FR" dirty="0" smtClean="0"/>
+              <a:t>/ </a:t>
+            </a:r>
+            <a:r>
+              <a:rPr lang="fr-FR" dirty="0" err="1" smtClean="0"/>
+              <a:t>Xcos</a:t>
+            </a:r>
+            <a:r>
+              <a:rPr lang="fr-FR" dirty="0" smtClean="0"/>
+              <a:t/>
+            </a:r>
+            <a:br>
+              <a:rPr lang="fr-FR" dirty="0" smtClean="0"/>
+            </a:br>
+            <a:endParaRPr lang="fr-FR" dirty="0"/>
+          </a:p>
+        </p:txBody>
+      </p:sp>
+      <p:sp>
+        <p:nvSpPr>
+          <p:cNvPr id="3" name="Espace réservé du contenu 2"/>
+          <p:cNvSpPr>
+            <a:spLocks noGrp="1"/>
+          </p:cNvSpPr>
+          <p:nvPr>
+            <p:ph sz="quarter" idx="1"/>
+          </p:nvPr>
+        </p:nvSpPr>
+        <p:spPr/>
+        <p:txBody>
           <a:bodyPr/>
           <a:lstStyle/>
           <a:p>
             <a:r>
               <a:rPr lang="fr-FR" dirty="0" smtClean="0"/>
-              <a:t>Modélisation d’un système mécanique</a:t>
-            </a:r>
+              <a:t>Triangle bleu : signal de données (sans dimension)</a:t>
+            </a:r>
+          </a:p>
+          <a:p>
+            <a:r>
+              <a:rPr lang="fr-FR" dirty="0" smtClean="0"/>
+              <a:t>Carré bleu : signal électrique</a:t>
+            </a:r>
+          </a:p>
+          <a:p>
+            <a:r>
+              <a:rPr lang="fr-FR" dirty="0" smtClean="0"/>
+              <a:t>Carré rouge : donnée thermique</a:t>
+            </a:r>
+          </a:p>
+          <a:p>
+            <a:r>
+              <a:rPr lang="fr-FR" dirty="0" smtClean="0"/>
+              <a:t>Carré vert : mécanique 1D en translation</a:t>
+            </a:r>
+          </a:p>
+          <a:p>
+            <a:r>
+              <a:rPr lang="fr-FR" dirty="0" smtClean="0"/>
+              <a:t>Rond gris : mécanique 1D en rotation</a:t>
+            </a:r>
+          </a:p>
+          <a:p>
+            <a:r>
+              <a:rPr lang="fr-FR" dirty="0" smtClean="0"/>
+              <a:t>Carré gris : mécanique 2D plane</a:t>
+            </a:r>
+          </a:p>
+          <a:p>
+            <a:endParaRPr lang="fr-FR" dirty="0" smtClean="0"/>
+          </a:p>
+          <a:p>
             <a:endParaRPr lang="fr-FR" dirty="0"/>
-          </a:p>
-        </p:txBody>
-      </p:sp>
-      <p:sp>
-        <p:nvSpPr>
-          <p:cNvPr id="3" name="Espace réservé du contenu 2"/>
-          <p:cNvSpPr>
-            <a:spLocks noGrp="1"/>
-          </p:cNvSpPr>
-          <p:nvPr>
-            <p:ph sz="quarter" idx="1"/>
-          </p:nvPr>
-        </p:nvSpPr>
-        <p:spPr/>
-        <p:txBody>
-          <a:bodyPr/>
-          <a:lstStyle/>
-          <a:p>
-            <a:endParaRPr lang="fr-FR"/>
           </a:p>
         </p:txBody>
       </p:sp>
@@ -6925,7 +7728,7 @@
     </p:spTree>
     <p:extLst>
       <p:ext uri="{BB962C8B-B14F-4D97-AF65-F5344CB8AC3E}">
-        <p14:creationId xmlns:p14="http://schemas.microsoft.com/office/powerpoint/2010/main" val="2499627110"/>
+        <p14:creationId xmlns:p14="http://schemas.microsoft.com/office/powerpoint/2010/main" val="398496562"/>
       </p:ext>
     </p:extLst>
   </p:cSld>
@@ -6993,19 +7796,14 @@
         </p:spPr>
         <p:txBody>
           <a:bodyPr>
-            <a:normAutofit fontScale="77500" lnSpcReduction="20000"/>
+            <a:normAutofit fontScale="85000" lnSpcReduction="20000"/>
           </a:bodyPr>
           <a:lstStyle/>
           <a:p>
             <a:r>
               <a:rPr lang="fr-FR" dirty="0" smtClean="0"/>
-              <a:t>Modélisation </a:t>
-            </a:r>
-            <a:r>
-              <a:rPr lang="fr-FR" dirty="0" smtClean="0"/>
-              <a:t>multiphysique</a:t>
-            </a:r>
-            <a:endParaRPr lang="fr-FR" dirty="0" smtClean="0"/>
+              <a:t>Modélisation multiphysique</a:t>
+            </a:r>
           </a:p>
           <a:p>
             <a:pPr lvl="1"/>
@@ -7191,6 +7989,688 @@
       </p:grpSpPr>
       <p:sp>
         <p:nvSpPr>
+          <p:cNvPr id="2" name="Titre 1"/>
+          <p:cNvSpPr>
+            <a:spLocks noGrp="1"/>
+          </p:cNvSpPr>
+          <p:nvPr>
+            <p:ph type="title"/>
+          </p:nvPr>
+        </p:nvSpPr>
+        <p:spPr/>
+        <p:txBody>
+          <a:bodyPr>
+            <a:normAutofit fontScale="90000"/>
+          </a:bodyPr>
+          <a:lstStyle/>
+          <a:p>
+            <a:r>
+              <a:rPr lang="fr-FR" dirty="0"/>
+              <a:t>Modélisation des systèmes avec Scilab / </a:t>
+            </a:r>
+            <a:r>
+              <a:rPr lang="fr-FR" dirty="0" err="1"/>
+              <a:t>Xcos</a:t>
+            </a:r>
+            <a:r>
+              <a:rPr lang="fr-FR" dirty="0"/>
+              <a:t/>
+            </a:r>
+            <a:br>
+              <a:rPr lang="fr-FR" dirty="0"/>
+            </a:br>
+            <a:r>
+              <a:rPr lang="fr-FR" dirty="0" smtClean="0"/>
+              <a:t>Construction du moteur à courant continu</a:t>
+            </a:r>
+            <a:endParaRPr lang="fr-FR" dirty="0"/>
+          </a:p>
+        </p:txBody>
+      </p:sp>
+      <p:sp>
+        <p:nvSpPr>
+          <p:cNvPr id="3" name="Espace réservé du contenu 2"/>
+          <p:cNvSpPr>
+            <a:spLocks noGrp="1"/>
+          </p:cNvSpPr>
+          <p:nvPr>
+            <p:ph sz="quarter" idx="1"/>
+          </p:nvPr>
+        </p:nvSpPr>
+        <p:spPr/>
+        <p:txBody>
+          <a:bodyPr/>
+          <a:lstStyle/>
+          <a:p>
+            <a:endParaRPr lang="fr-FR"/>
+          </a:p>
+        </p:txBody>
+      </p:sp>
+      <p:sp>
+        <p:nvSpPr>
+          <p:cNvPr id="4" name="Espace réservé du numéro de diapositive 3"/>
+          <p:cNvSpPr>
+            <a:spLocks noGrp="1"/>
+          </p:cNvSpPr>
+          <p:nvPr>
+            <p:ph type="sldNum" sz="quarter" idx="15"/>
+          </p:nvPr>
+        </p:nvSpPr>
+        <p:spPr/>
+        <p:txBody>
+          <a:bodyPr/>
+          <a:lstStyle/>
+          <a:p>
+            <a:fld id="{136A7F36-7A21-4EA8-9DC2-F00219448035}" type="slidenum">
+              <a:rPr lang="fr-FR" smtClean="0"/>
+              <a:t>20</a:t>
+            </a:fld>
+            <a:endParaRPr lang="fr-FR"/>
+          </a:p>
+        </p:txBody>
+      </p:sp>
+    </p:spTree>
+    <p:extLst>
+      <p:ext uri="{BB962C8B-B14F-4D97-AF65-F5344CB8AC3E}">
+        <p14:creationId xmlns:p14="http://schemas.microsoft.com/office/powerpoint/2010/main" val="2499627110"/>
+      </p:ext>
+    </p:extLst>
+  </p:cSld>
+  <p:clrMapOvr>
+    <a:masterClrMapping/>
+  </p:clrMapOvr>
+</p:sld>
+</file>
+
+<file path=ppt/slides/slide21.xml><?xml version="1.0" encoding="utf-8"?>
+<p:sld xmlns:a="http://schemas.openxmlformats.org/drawingml/2006/main" xmlns:r="http://schemas.openxmlformats.org/officeDocument/2006/relationships" xmlns:p="http://schemas.openxmlformats.org/presentationml/2006/main">
+  <p:cSld>
+    <p:spTree>
+      <p:nvGrpSpPr>
+        <p:cNvPr id="1" name=""/>
+        <p:cNvGrpSpPr/>
+        <p:nvPr/>
+      </p:nvGrpSpPr>
+      <p:grpSpPr>
+        <a:xfrm>
+          <a:off x="0" y="0"/>
+          <a:ext cx="0" cy="0"/>
+          <a:chOff x="0" y="0"/>
+          <a:chExt cx="0" cy="0"/>
+        </a:xfrm>
+      </p:grpSpPr>
+      <p:sp>
+        <p:nvSpPr>
+          <p:cNvPr id="2" name="Titre 1"/>
+          <p:cNvSpPr>
+            <a:spLocks noGrp="1"/>
+          </p:cNvSpPr>
+          <p:nvPr>
+            <p:ph type="title"/>
+          </p:nvPr>
+        </p:nvSpPr>
+        <p:spPr/>
+        <p:txBody>
+          <a:bodyPr>
+            <a:normAutofit fontScale="90000"/>
+          </a:bodyPr>
+          <a:lstStyle/>
+          <a:p>
+            <a:r>
+              <a:rPr lang="fr-FR" dirty="0"/>
+              <a:t>Modélisation des systèmes avec Scilab / </a:t>
+            </a:r>
+            <a:r>
+              <a:rPr lang="fr-FR" dirty="0" err="1"/>
+              <a:t>Xcos</a:t>
+            </a:r>
+            <a:r>
+              <a:rPr lang="fr-FR" dirty="0"/>
+              <a:t/>
+            </a:r>
+            <a:br>
+              <a:rPr lang="fr-FR" dirty="0"/>
+            </a:br>
+            <a:r>
+              <a:rPr lang="fr-FR" dirty="0" smtClean="0"/>
+              <a:t>Commande d’un moteur avec hacheur et PWM</a:t>
+            </a:r>
+            <a:endParaRPr lang="fr-FR" dirty="0"/>
+          </a:p>
+        </p:txBody>
+      </p:sp>
+      <p:sp>
+        <p:nvSpPr>
+          <p:cNvPr id="3" name="Espace réservé du contenu 2"/>
+          <p:cNvSpPr>
+            <a:spLocks noGrp="1"/>
+          </p:cNvSpPr>
+          <p:nvPr>
+            <p:ph sz="quarter" idx="1"/>
+          </p:nvPr>
+        </p:nvSpPr>
+        <p:spPr/>
+        <p:txBody>
+          <a:bodyPr/>
+          <a:lstStyle/>
+          <a:p>
+            <a:endParaRPr lang="fr-FR"/>
+          </a:p>
+        </p:txBody>
+      </p:sp>
+      <p:sp>
+        <p:nvSpPr>
+          <p:cNvPr id="4" name="Espace réservé du numéro de diapositive 3"/>
+          <p:cNvSpPr>
+            <a:spLocks noGrp="1"/>
+          </p:cNvSpPr>
+          <p:nvPr>
+            <p:ph type="sldNum" sz="quarter" idx="15"/>
+          </p:nvPr>
+        </p:nvSpPr>
+        <p:spPr/>
+        <p:txBody>
+          <a:bodyPr/>
+          <a:lstStyle/>
+          <a:p>
+            <a:fld id="{136A7F36-7A21-4EA8-9DC2-F00219448035}" type="slidenum">
+              <a:rPr lang="fr-FR" smtClean="0"/>
+              <a:t>21</a:t>
+            </a:fld>
+            <a:endParaRPr lang="fr-FR"/>
+          </a:p>
+        </p:txBody>
+      </p:sp>
+    </p:spTree>
+    <p:extLst>
+      <p:ext uri="{BB962C8B-B14F-4D97-AF65-F5344CB8AC3E}">
+        <p14:creationId xmlns:p14="http://schemas.microsoft.com/office/powerpoint/2010/main" val="1803898429"/>
+      </p:ext>
+    </p:extLst>
+  </p:cSld>
+  <p:clrMapOvr>
+    <a:masterClrMapping/>
+  </p:clrMapOvr>
+</p:sld>
+</file>
+
+<file path=ppt/slides/slide22.xml><?xml version="1.0" encoding="utf-8"?>
+<p:sld xmlns:a="http://schemas.openxmlformats.org/drawingml/2006/main" xmlns:r="http://schemas.openxmlformats.org/officeDocument/2006/relationships" xmlns:p="http://schemas.openxmlformats.org/presentationml/2006/main">
+  <p:cSld>
+    <p:spTree>
+      <p:nvGrpSpPr>
+        <p:cNvPr id="1" name=""/>
+        <p:cNvGrpSpPr/>
+        <p:nvPr/>
+      </p:nvGrpSpPr>
+      <p:grpSpPr>
+        <a:xfrm>
+          <a:off x="0" y="0"/>
+          <a:ext cx="0" cy="0"/>
+          <a:chOff x="0" y="0"/>
+          <a:chExt cx="0" cy="0"/>
+        </a:xfrm>
+      </p:grpSpPr>
+      <p:sp>
+        <p:nvSpPr>
+          <p:cNvPr id="2" name="Titre 1"/>
+          <p:cNvSpPr>
+            <a:spLocks noGrp="1"/>
+          </p:cNvSpPr>
+          <p:nvPr>
+            <p:ph type="title"/>
+          </p:nvPr>
+        </p:nvSpPr>
+        <p:spPr/>
+        <p:txBody>
+          <a:bodyPr>
+            <a:normAutofit fontScale="90000"/>
+          </a:bodyPr>
+          <a:lstStyle/>
+          <a:p>
+            <a:r>
+              <a:rPr lang="fr-FR" dirty="0"/>
+              <a:t>Modélisation des systèmes avec Scilab / </a:t>
+            </a:r>
+            <a:r>
+              <a:rPr lang="fr-FR" dirty="0" err="1"/>
+              <a:t>Xcos</a:t>
+            </a:r>
+            <a:r>
+              <a:rPr lang="fr-FR" dirty="0"/>
+              <a:t/>
+            </a:r>
+            <a:br>
+              <a:rPr lang="fr-FR" dirty="0"/>
+            </a:br>
+            <a:r>
+              <a:rPr lang="fr-FR" dirty="0" smtClean="0"/>
+              <a:t>Possibilités supplémentaires</a:t>
+            </a:r>
+            <a:endParaRPr lang="fr-FR" dirty="0"/>
+          </a:p>
+        </p:txBody>
+      </p:sp>
+      <p:sp>
+        <p:nvSpPr>
+          <p:cNvPr id="3" name="Espace réservé du contenu 2"/>
+          <p:cNvSpPr>
+            <a:spLocks noGrp="1"/>
+          </p:cNvSpPr>
+          <p:nvPr>
+            <p:ph sz="quarter" idx="1"/>
+          </p:nvPr>
+        </p:nvSpPr>
+        <p:spPr/>
+        <p:txBody>
+          <a:bodyPr/>
+          <a:lstStyle/>
+          <a:p>
+            <a:r>
+              <a:rPr lang="fr-FR" dirty="0" smtClean="0"/>
+              <a:t>Modélisation thermique</a:t>
+            </a:r>
+          </a:p>
+          <a:p>
+            <a:r>
+              <a:rPr lang="fr-FR" dirty="0" smtClean="0"/>
+              <a:t>Transformation de mouvement …</a:t>
+            </a:r>
+            <a:endParaRPr lang="fr-FR" dirty="0"/>
+          </a:p>
+        </p:txBody>
+      </p:sp>
+      <p:sp>
+        <p:nvSpPr>
+          <p:cNvPr id="4" name="Espace réservé du numéro de diapositive 3"/>
+          <p:cNvSpPr>
+            <a:spLocks noGrp="1"/>
+          </p:cNvSpPr>
+          <p:nvPr>
+            <p:ph type="sldNum" sz="quarter" idx="15"/>
+          </p:nvPr>
+        </p:nvSpPr>
+        <p:spPr/>
+        <p:txBody>
+          <a:bodyPr/>
+          <a:lstStyle/>
+          <a:p>
+            <a:fld id="{136A7F36-7A21-4EA8-9DC2-F00219448035}" type="slidenum">
+              <a:rPr lang="fr-FR" smtClean="0"/>
+              <a:t>22</a:t>
+            </a:fld>
+            <a:endParaRPr lang="fr-FR"/>
+          </a:p>
+        </p:txBody>
+      </p:sp>
+    </p:spTree>
+    <p:extLst>
+      <p:ext uri="{BB962C8B-B14F-4D97-AF65-F5344CB8AC3E}">
+        <p14:creationId xmlns:p14="http://schemas.microsoft.com/office/powerpoint/2010/main" val="1633135047"/>
+      </p:ext>
+    </p:extLst>
+  </p:cSld>
+  <p:clrMapOvr>
+    <a:masterClrMapping/>
+  </p:clrMapOvr>
+</p:sld>
+</file>
+
+<file path=ppt/slides/slide23.xml><?xml version="1.0" encoding="utf-8"?>
+<p:sld xmlns:a="http://schemas.openxmlformats.org/drawingml/2006/main" xmlns:r="http://schemas.openxmlformats.org/officeDocument/2006/relationships" xmlns:p="http://schemas.openxmlformats.org/presentationml/2006/main">
+  <p:cSld>
+    <p:spTree>
+      <p:nvGrpSpPr>
+        <p:cNvPr id="1" name=""/>
+        <p:cNvGrpSpPr/>
+        <p:nvPr/>
+      </p:nvGrpSpPr>
+      <p:grpSpPr>
+        <a:xfrm>
+          <a:off x="0" y="0"/>
+          <a:ext cx="0" cy="0"/>
+          <a:chOff x="0" y="0"/>
+          <a:chExt cx="0" cy="0"/>
+        </a:xfrm>
+      </p:grpSpPr>
+      <p:sp>
+        <p:nvSpPr>
+          <p:cNvPr id="2" name="Titre 1"/>
+          <p:cNvSpPr>
+            <a:spLocks noGrp="1"/>
+          </p:cNvSpPr>
+          <p:nvPr>
+            <p:ph type="title"/>
+          </p:nvPr>
+        </p:nvSpPr>
+        <p:spPr/>
+        <p:txBody>
+          <a:bodyPr>
+            <a:normAutofit fontScale="90000"/>
+          </a:bodyPr>
+          <a:lstStyle/>
+          <a:p>
+            <a:r>
+              <a:rPr lang="fr-FR" dirty="0"/>
+              <a:t>Modélisation des systèmes avec Scilab / </a:t>
+            </a:r>
+            <a:r>
+              <a:rPr lang="fr-FR" dirty="0" err="1"/>
+              <a:t>Xcos</a:t>
+            </a:r>
+            <a:r>
+              <a:rPr lang="fr-FR" dirty="0"/>
+              <a:t/>
+            </a:r>
+            <a:br>
+              <a:rPr lang="fr-FR" dirty="0"/>
+            </a:br>
+            <a:r>
+              <a:rPr lang="fr-FR" dirty="0" smtClean="0"/>
+              <a:t>Échantillonnage de la résolution</a:t>
+            </a:r>
+            <a:endParaRPr lang="fr-FR" dirty="0"/>
+          </a:p>
+        </p:txBody>
+      </p:sp>
+      <p:sp>
+        <p:nvSpPr>
+          <p:cNvPr id="3" name="Espace réservé du contenu 2"/>
+          <p:cNvSpPr>
+            <a:spLocks noGrp="1"/>
+          </p:cNvSpPr>
+          <p:nvPr>
+            <p:ph sz="quarter" idx="1"/>
+          </p:nvPr>
+        </p:nvSpPr>
+        <p:spPr/>
+        <p:txBody>
+          <a:bodyPr/>
+          <a:lstStyle/>
+          <a:p>
+            <a:endParaRPr lang="fr-FR" dirty="0"/>
+          </a:p>
+        </p:txBody>
+      </p:sp>
+      <p:sp>
+        <p:nvSpPr>
+          <p:cNvPr id="4" name="Espace réservé du numéro de diapositive 3"/>
+          <p:cNvSpPr>
+            <a:spLocks noGrp="1"/>
+          </p:cNvSpPr>
+          <p:nvPr>
+            <p:ph type="sldNum" sz="quarter" idx="15"/>
+          </p:nvPr>
+        </p:nvSpPr>
+        <p:spPr/>
+        <p:txBody>
+          <a:bodyPr/>
+          <a:lstStyle/>
+          <a:p>
+            <a:fld id="{136A7F36-7A21-4EA8-9DC2-F00219448035}" type="slidenum">
+              <a:rPr lang="fr-FR" smtClean="0"/>
+              <a:t>23</a:t>
+            </a:fld>
+            <a:endParaRPr lang="fr-FR"/>
+          </a:p>
+        </p:txBody>
+      </p:sp>
+    </p:spTree>
+    <p:extLst>
+      <p:ext uri="{BB962C8B-B14F-4D97-AF65-F5344CB8AC3E}">
+        <p14:creationId xmlns:p14="http://schemas.microsoft.com/office/powerpoint/2010/main" val="3193964930"/>
+      </p:ext>
+    </p:extLst>
+  </p:cSld>
+  <p:clrMapOvr>
+    <a:masterClrMapping/>
+  </p:clrMapOvr>
+</p:sld>
+</file>
+
+<file path=ppt/slides/slide24.xml><?xml version="1.0" encoding="utf-8"?>
+<p:sld xmlns:a="http://schemas.openxmlformats.org/drawingml/2006/main" xmlns:r="http://schemas.openxmlformats.org/officeDocument/2006/relationships" xmlns:p="http://schemas.openxmlformats.org/presentationml/2006/main">
+  <p:cSld>
+    <p:spTree>
+      <p:nvGrpSpPr>
+        <p:cNvPr id="1" name=""/>
+        <p:cNvGrpSpPr/>
+        <p:nvPr/>
+      </p:nvGrpSpPr>
+      <p:grpSpPr>
+        <a:xfrm>
+          <a:off x="0" y="0"/>
+          <a:ext cx="0" cy="0"/>
+          <a:chOff x="0" y="0"/>
+          <a:chExt cx="0" cy="0"/>
+        </a:xfrm>
+      </p:grpSpPr>
+      <p:sp>
+        <p:nvSpPr>
+          <p:cNvPr id="2" name="Titre 1"/>
+          <p:cNvSpPr>
+            <a:spLocks noGrp="1"/>
+          </p:cNvSpPr>
+          <p:nvPr>
+            <p:ph type="title"/>
+          </p:nvPr>
+        </p:nvSpPr>
+        <p:spPr/>
+        <p:txBody>
+          <a:bodyPr>
+            <a:normAutofit fontScale="90000"/>
+          </a:bodyPr>
+          <a:lstStyle/>
+          <a:p>
+            <a:r>
+              <a:rPr lang="fr-FR" dirty="0"/>
+              <a:t>Modélisation des systèmes avec Scilab / </a:t>
+            </a:r>
+            <a:r>
+              <a:rPr lang="fr-FR" dirty="0" err="1"/>
+              <a:t>Xcos</a:t>
+            </a:r>
+            <a:r>
+              <a:rPr lang="fr-FR" dirty="0"/>
+              <a:t/>
+            </a:r>
+            <a:br>
+              <a:rPr lang="fr-FR" dirty="0"/>
+            </a:br>
+            <a:r>
+              <a:rPr lang="fr-FR" dirty="0" smtClean="0"/>
+              <a:t>Modélisation de systèmes réversibles</a:t>
+            </a:r>
+            <a:endParaRPr lang="fr-FR" dirty="0"/>
+          </a:p>
+        </p:txBody>
+      </p:sp>
+      <p:sp>
+        <p:nvSpPr>
+          <p:cNvPr id="3" name="Espace réservé du contenu 2"/>
+          <p:cNvSpPr>
+            <a:spLocks noGrp="1"/>
+          </p:cNvSpPr>
+          <p:nvPr>
+            <p:ph sz="quarter" idx="1"/>
+          </p:nvPr>
+        </p:nvSpPr>
+        <p:spPr/>
+        <p:txBody>
+          <a:bodyPr/>
+          <a:lstStyle/>
+          <a:p>
+            <a:endParaRPr lang="fr-FR" dirty="0"/>
+          </a:p>
+        </p:txBody>
+      </p:sp>
+      <p:sp>
+        <p:nvSpPr>
+          <p:cNvPr id="4" name="Espace réservé du numéro de diapositive 3"/>
+          <p:cNvSpPr>
+            <a:spLocks noGrp="1"/>
+          </p:cNvSpPr>
+          <p:nvPr>
+            <p:ph type="sldNum" sz="quarter" idx="15"/>
+          </p:nvPr>
+        </p:nvSpPr>
+        <p:spPr/>
+        <p:txBody>
+          <a:bodyPr/>
+          <a:lstStyle/>
+          <a:p>
+            <a:fld id="{136A7F36-7A21-4EA8-9DC2-F00219448035}" type="slidenum">
+              <a:rPr lang="fr-FR" smtClean="0"/>
+              <a:t>24</a:t>
+            </a:fld>
+            <a:endParaRPr lang="fr-FR"/>
+          </a:p>
+        </p:txBody>
+      </p:sp>
+    </p:spTree>
+    <p:extLst>
+      <p:ext uri="{BB962C8B-B14F-4D97-AF65-F5344CB8AC3E}">
+        <p14:creationId xmlns:p14="http://schemas.microsoft.com/office/powerpoint/2010/main" val="470814664"/>
+      </p:ext>
+    </p:extLst>
+  </p:cSld>
+  <p:clrMapOvr>
+    <a:masterClrMapping/>
+  </p:clrMapOvr>
+</p:sld>
+</file>
+
+<file path=ppt/slides/slide25.xml><?xml version="1.0" encoding="utf-8"?>
+<p:sld xmlns:a="http://schemas.openxmlformats.org/drawingml/2006/main" xmlns:r="http://schemas.openxmlformats.org/officeDocument/2006/relationships" xmlns:p="http://schemas.openxmlformats.org/presentationml/2006/main">
+  <p:cSld>
+    <p:spTree>
+      <p:nvGrpSpPr>
+        <p:cNvPr id="1" name=""/>
+        <p:cNvGrpSpPr/>
+        <p:nvPr/>
+      </p:nvGrpSpPr>
+      <p:grpSpPr>
+        <a:xfrm>
+          <a:off x="0" y="0"/>
+          <a:ext cx="0" cy="0"/>
+          <a:chOff x="0" y="0"/>
+          <a:chExt cx="0" cy="0"/>
+        </a:xfrm>
+      </p:grpSpPr>
+      <p:sp>
+        <p:nvSpPr>
+          <p:cNvPr id="2" name="Titre 1"/>
+          <p:cNvSpPr>
+            <a:spLocks noGrp="1"/>
+          </p:cNvSpPr>
+          <p:nvPr>
+            <p:ph type="title"/>
+          </p:nvPr>
+        </p:nvSpPr>
+        <p:spPr/>
+        <p:txBody>
+          <a:bodyPr>
+            <a:normAutofit fontScale="90000"/>
+          </a:bodyPr>
+          <a:lstStyle/>
+          <a:p>
+            <a:r>
+              <a:rPr lang="fr-FR" dirty="0"/>
+              <a:t>Modélisation des systèmes avec Scilab / </a:t>
+            </a:r>
+            <a:r>
+              <a:rPr lang="fr-FR" dirty="0" err="1"/>
+              <a:t>Xcos</a:t>
+            </a:r>
+            <a:r>
+              <a:rPr lang="fr-FR" dirty="0"/>
+              <a:t/>
+            </a:r>
+            <a:br>
+              <a:rPr lang="fr-FR" dirty="0"/>
+            </a:br>
+            <a:r>
+              <a:rPr lang="fr-FR" dirty="0" smtClean="0"/>
+              <a:t>Un peu plus de cinématique</a:t>
+            </a:r>
+            <a:endParaRPr lang="fr-FR" dirty="0"/>
+          </a:p>
+        </p:txBody>
+      </p:sp>
+      <p:sp>
+        <p:nvSpPr>
+          <p:cNvPr id="3" name="Espace réservé du contenu 2"/>
+          <p:cNvSpPr>
+            <a:spLocks noGrp="1"/>
+          </p:cNvSpPr>
+          <p:nvPr>
+            <p:ph sz="quarter" idx="1"/>
+          </p:nvPr>
+        </p:nvSpPr>
+        <p:spPr/>
+        <p:txBody>
+          <a:bodyPr/>
+          <a:lstStyle/>
+          <a:p>
+            <a:endParaRPr lang="fr-FR" dirty="0"/>
+          </a:p>
+        </p:txBody>
+      </p:sp>
+      <p:sp>
+        <p:nvSpPr>
+          <p:cNvPr id="4" name="Espace réservé du numéro de diapositive 3"/>
+          <p:cNvSpPr>
+            <a:spLocks noGrp="1"/>
+          </p:cNvSpPr>
+          <p:nvPr>
+            <p:ph type="sldNum" sz="quarter" idx="15"/>
+          </p:nvPr>
+        </p:nvSpPr>
+        <p:spPr/>
+        <p:txBody>
+          <a:bodyPr/>
+          <a:lstStyle/>
+          <a:p>
+            <a:fld id="{136A7F36-7A21-4EA8-9DC2-F00219448035}" type="slidenum">
+              <a:rPr lang="fr-FR" smtClean="0"/>
+              <a:t>25</a:t>
+            </a:fld>
+            <a:endParaRPr lang="fr-FR"/>
+          </a:p>
+        </p:txBody>
+      </p:sp>
+    </p:spTree>
+    <p:extLst>
+      <p:ext uri="{BB962C8B-B14F-4D97-AF65-F5344CB8AC3E}">
+        <p14:creationId xmlns:p14="http://schemas.microsoft.com/office/powerpoint/2010/main" val="3154538276"/>
+      </p:ext>
+    </p:extLst>
+  </p:cSld>
+  <p:clrMapOvr>
+    <a:masterClrMapping/>
+  </p:clrMapOvr>
+</p:sld>
+</file>
+
+<file path=ppt/slides/slide26.xml><?xml version="1.0" encoding="utf-8"?>
+<p:sld xmlns:a="http://schemas.openxmlformats.org/drawingml/2006/main" xmlns:r="http://schemas.openxmlformats.org/officeDocument/2006/relationships" xmlns:p="http://schemas.openxmlformats.org/presentationml/2006/main">
+  <p:cSld>
+    <p:spTree>
+      <p:nvGrpSpPr>
+        <p:cNvPr id="1" name=""/>
+        <p:cNvGrpSpPr/>
+        <p:nvPr/>
+      </p:nvGrpSpPr>
+      <p:grpSpPr>
+        <a:xfrm>
+          <a:off x="0" y="0"/>
+          <a:ext cx="0" cy="0"/>
+          <a:chOff x="0" y="0"/>
+          <a:chExt cx="0" cy="0"/>
+        </a:xfrm>
+      </p:grpSpPr>
+      <p:sp>
+        <p:nvSpPr>
           <p:cNvPr id="7" name="Espace réservé du contenu 6"/>
           <p:cNvSpPr>
             <a:spLocks noGrp="1"/>
@@ -7452,7 +8932,7 @@
           <a:p>
             <a:fld id="{136A7F36-7A21-4EA8-9DC2-F00219448035}" type="slidenum">
               <a:rPr lang="fr-FR" smtClean="0"/>
-              <a:t>20</a:t>
+              <a:t>26</a:t>
             </a:fld>
             <a:endParaRPr lang="fr-FR"/>
           </a:p>
@@ -7531,7 +9011,7 @@
 </p:sld>
 </file>
 
-<file path=ppt/slides/slide21.xml><?xml version="1.0" encoding="utf-8"?>
+<file path=ppt/slides/slide27.xml><?xml version="1.0" encoding="utf-8"?>
 <p:sld xmlns:a="http://schemas.openxmlformats.org/drawingml/2006/main" xmlns:r="http://schemas.openxmlformats.org/officeDocument/2006/relationships" xmlns:p="http://schemas.openxmlformats.org/presentationml/2006/main">
   <p:cSld>
     <p:spTree>
@@ -7588,7 +9068,7 @@
           <a:p>
             <a:fld id="{136A7F36-7A21-4EA8-9DC2-F00219448035}" type="slidenum">
               <a:rPr lang="fr-FR" smtClean="0"/>
-              <a:t>21</a:t>
+              <a:t>27</a:t>
             </a:fld>
             <a:endParaRPr lang="fr-FR"/>
           </a:p>
@@ -7803,611 +9283,6 @@
 </p:sld>
 </file>
 
-<file path=ppt/slides/slide22.xml><?xml version="1.0" encoding="utf-8"?>
-<p:sld xmlns:a="http://schemas.openxmlformats.org/drawingml/2006/main" xmlns:r="http://schemas.openxmlformats.org/officeDocument/2006/relationships" xmlns:p="http://schemas.openxmlformats.org/presentationml/2006/main">
-  <p:cSld>
-    <p:spTree>
-      <p:nvGrpSpPr>
-        <p:cNvPr id="1" name=""/>
-        <p:cNvGrpSpPr/>
-        <p:nvPr/>
-      </p:nvGrpSpPr>
-      <p:grpSpPr>
-        <a:xfrm>
-          <a:off x="0" y="0"/>
-          <a:ext cx="0" cy="0"/>
-          <a:chOff x="0" y="0"/>
-          <a:chExt cx="0" cy="0"/>
-        </a:xfrm>
-      </p:grpSpPr>
-      <p:sp>
-        <p:nvSpPr>
-          <p:cNvPr id="2" name="Titre 1"/>
-          <p:cNvSpPr>
-            <a:spLocks noGrp="1"/>
-          </p:cNvSpPr>
-          <p:nvPr>
-            <p:ph type="title"/>
-          </p:nvPr>
-        </p:nvSpPr>
-        <p:spPr/>
-        <p:txBody>
-          <a:bodyPr>
-            <a:normAutofit fontScale="90000"/>
-          </a:bodyPr>
-          <a:lstStyle/>
-          <a:p>
-            <a:r>
-              <a:rPr lang="fr-FR" dirty="0" smtClean="0"/>
-              <a:t>Modélisation d’un système multiphysique</a:t>
-            </a:r>
-            <a:endParaRPr lang="fr-FR" dirty="0"/>
-          </a:p>
-        </p:txBody>
-      </p:sp>
-      <p:sp>
-        <p:nvSpPr>
-          <p:cNvPr id="3" name="Espace réservé du contenu 2"/>
-          <p:cNvSpPr>
-            <a:spLocks noGrp="1"/>
-          </p:cNvSpPr>
-          <p:nvPr>
-            <p:ph sz="quarter" idx="1"/>
-          </p:nvPr>
-        </p:nvSpPr>
-        <p:spPr/>
-        <p:txBody>
-          <a:bodyPr/>
-          <a:lstStyle/>
-          <a:p>
-            <a:endParaRPr lang="fr-FR"/>
-          </a:p>
-        </p:txBody>
-      </p:sp>
-      <p:sp>
-        <p:nvSpPr>
-          <p:cNvPr id="4" name="Espace réservé du numéro de diapositive 3"/>
-          <p:cNvSpPr>
-            <a:spLocks noGrp="1"/>
-          </p:cNvSpPr>
-          <p:nvPr>
-            <p:ph type="sldNum" sz="quarter" idx="15"/>
-          </p:nvPr>
-        </p:nvSpPr>
-        <p:spPr/>
-        <p:txBody>
-          <a:bodyPr/>
-          <a:lstStyle/>
-          <a:p>
-            <a:fld id="{136A7F36-7A21-4EA8-9DC2-F00219448035}" type="slidenum">
-              <a:rPr lang="fr-FR" smtClean="0"/>
-              <a:t>22</a:t>
-            </a:fld>
-            <a:endParaRPr lang="fr-FR"/>
-          </a:p>
-        </p:txBody>
-      </p:sp>
-    </p:spTree>
-    <p:extLst>
-      <p:ext uri="{BB962C8B-B14F-4D97-AF65-F5344CB8AC3E}">
-        <p14:creationId xmlns:p14="http://schemas.microsoft.com/office/powerpoint/2010/main" val="1827117536"/>
-      </p:ext>
-    </p:extLst>
-  </p:cSld>
-  <p:clrMapOvr>
-    <a:masterClrMapping/>
-  </p:clrMapOvr>
-</p:sld>
-</file>
-
-<file path=ppt/slides/slide23.xml><?xml version="1.0" encoding="utf-8"?>
-<p:sld xmlns:a="http://schemas.openxmlformats.org/drawingml/2006/main" xmlns:r="http://schemas.openxmlformats.org/officeDocument/2006/relationships" xmlns:p="http://schemas.openxmlformats.org/presentationml/2006/main">
-  <p:cSld>
-    <p:spTree>
-      <p:nvGrpSpPr>
-        <p:cNvPr id="1" name=""/>
-        <p:cNvGrpSpPr/>
-        <p:nvPr/>
-      </p:nvGrpSpPr>
-      <p:grpSpPr>
-        <a:xfrm>
-          <a:off x="0" y="0"/>
-          <a:ext cx="0" cy="0"/>
-          <a:chOff x="0" y="0"/>
-          <a:chExt cx="0" cy="0"/>
-        </a:xfrm>
-      </p:grpSpPr>
-      <p:sp>
-        <p:nvSpPr>
-          <p:cNvPr id="2" name="Titre 1"/>
-          <p:cNvSpPr>
-            <a:spLocks noGrp="1"/>
-          </p:cNvSpPr>
-          <p:nvPr>
-            <p:ph type="title"/>
-          </p:nvPr>
-        </p:nvSpPr>
-        <p:spPr/>
-        <p:txBody>
-          <a:bodyPr>
-            <a:normAutofit fontScale="90000"/>
-          </a:bodyPr>
-          <a:lstStyle/>
-          <a:p>
-            <a:r>
-              <a:rPr lang="fr-FR" dirty="0" smtClean="0"/>
-              <a:t>Modélisation d’un système multiphysique</a:t>
-            </a:r>
-            <a:endParaRPr lang="fr-FR" dirty="0"/>
-          </a:p>
-        </p:txBody>
-      </p:sp>
-      <p:sp>
-        <p:nvSpPr>
-          <p:cNvPr id="3" name="Espace réservé du contenu 2"/>
-          <p:cNvSpPr>
-            <a:spLocks noGrp="1"/>
-          </p:cNvSpPr>
-          <p:nvPr>
-            <p:ph sz="quarter" idx="1"/>
-          </p:nvPr>
-        </p:nvSpPr>
-        <p:spPr/>
-        <p:txBody>
-          <a:bodyPr/>
-          <a:lstStyle/>
-          <a:p>
-            <a:endParaRPr lang="fr-FR"/>
-          </a:p>
-        </p:txBody>
-      </p:sp>
-      <p:sp>
-        <p:nvSpPr>
-          <p:cNvPr id="4" name="Espace réservé du numéro de diapositive 3"/>
-          <p:cNvSpPr>
-            <a:spLocks noGrp="1"/>
-          </p:cNvSpPr>
-          <p:nvPr>
-            <p:ph type="sldNum" sz="quarter" idx="15"/>
-          </p:nvPr>
-        </p:nvSpPr>
-        <p:spPr/>
-        <p:txBody>
-          <a:bodyPr/>
-          <a:lstStyle/>
-          <a:p>
-            <a:fld id="{136A7F36-7A21-4EA8-9DC2-F00219448035}" type="slidenum">
-              <a:rPr lang="fr-FR" smtClean="0"/>
-              <a:t>23</a:t>
-            </a:fld>
-            <a:endParaRPr lang="fr-FR"/>
-          </a:p>
-        </p:txBody>
-      </p:sp>
-    </p:spTree>
-    <p:extLst>
-      <p:ext uri="{BB962C8B-B14F-4D97-AF65-F5344CB8AC3E}">
-        <p14:creationId xmlns:p14="http://schemas.microsoft.com/office/powerpoint/2010/main" val="241906218"/>
-      </p:ext>
-    </p:extLst>
-  </p:cSld>
-  <p:clrMapOvr>
-    <a:masterClrMapping/>
-  </p:clrMapOvr>
-</p:sld>
-</file>
-
-<file path=ppt/slides/slide24.xml><?xml version="1.0" encoding="utf-8"?>
-<p:sld xmlns:a="http://schemas.openxmlformats.org/drawingml/2006/main" xmlns:r="http://schemas.openxmlformats.org/officeDocument/2006/relationships" xmlns:p="http://schemas.openxmlformats.org/presentationml/2006/main">
-  <p:cSld>
-    <p:spTree>
-      <p:nvGrpSpPr>
-        <p:cNvPr id="1" name=""/>
-        <p:cNvGrpSpPr/>
-        <p:nvPr/>
-      </p:nvGrpSpPr>
-      <p:grpSpPr>
-        <a:xfrm>
-          <a:off x="0" y="0"/>
-          <a:ext cx="0" cy="0"/>
-          <a:chOff x="0" y="0"/>
-          <a:chExt cx="0" cy="0"/>
-        </a:xfrm>
-      </p:grpSpPr>
-      <p:sp>
-        <p:nvSpPr>
-          <p:cNvPr id="2" name="Titre 1"/>
-          <p:cNvSpPr>
-            <a:spLocks noGrp="1"/>
-          </p:cNvSpPr>
-          <p:nvPr>
-            <p:ph type="title"/>
-          </p:nvPr>
-        </p:nvSpPr>
-        <p:spPr/>
-        <p:txBody>
-          <a:bodyPr/>
-          <a:lstStyle/>
-          <a:p>
-            <a:r>
-              <a:rPr lang="fr-FR" dirty="0" smtClean="0"/>
-              <a:t>Modélisation d’un système de laboratoire</a:t>
-            </a:r>
-            <a:endParaRPr lang="fr-FR" dirty="0"/>
-          </a:p>
-        </p:txBody>
-      </p:sp>
-      <p:sp>
-        <p:nvSpPr>
-          <p:cNvPr id="3" name="Espace réservé du texte 2"/>
-          <p:cNvSpPr>
-            <a:spLocks noGrp="1"/>
-          </p:cNvSpPr>
-          <p:nvPr>
-            <p:ph type="body" idx="1"/>
-          </p:nvPr>
-        </p:nvSpPr>
-        <p:spPr/>
-        <p:txBody>
-          <a:bodyPr/>
-          <a:lstStyle/>
-          <a:p>
-            <a:r>
-              <a:rPr lang="fr-FR" dirty="0" smtClean="0"/>
-              <a:t>Pilote automatique TP 30</a:t>
-            </a:r>
-            <a:endParaRPr lang="fr-FR" dirty="0"/>
-          </a:p>
-        </p:txBody>
-      </p:sp>
-      <p:sp>
-        <p:nvSpPr>
-          <p:cNvPr id="4" name="Espace réservé du numéro de diapositive 3"/>
-          <p:cNvSpPr>
-            <a:spLocks noGrp="1"/>
-          </p:cNvSpPr>
-          <p:nvPr>
-            <p:ph type="sldNum" sz="quarter" idx="12"/>
-          </p:nvPr>
-        </p:nvSpPr>
-        <p:spPr/>
-        <p:txBody>
-          <a:bodyPr/>
-          <a:lstStyle/>
-          <a:p>
-            <a:fld id="{136A7F36-7A21-4EA8-9DC2-F00219448035}" type="slidenum">
-              <a:rPr lang="fr-FR" smtClean="0"/>
-              <a:t>24</a:t>
-            </a:fld>
-            <a:endParaRPr lang="fr-FR"/>
-          </a:p>
-        </p:txBody>
-      </p:sp>
-    </p:spTree>
-    <p:extLst>
-      <p:ext uri="{BB962C8B-B14F-4D97-AF65-F5344CB8AC3E}">
-        <p14:creationId xmlns:p14="http://schemas.microsoft.com/office/powerpoint/2010/main" val="3672452185"/>
-      </p:ext>
-    </p:extLst>
-  </p:cSld>
-  <p:clrMapOvr>
-    <a:masterClrMapping/>
-  </p:clrMapOvr>
-</p:sld>
-</file>
-
-<file path=ppt/slides/slide25.xml><?xml version="1.0" encoding="utf-8"?>
-<p:sld xmlns:a="http://schemas.openxmlformats.org/drawingml/2006/main" xmlns:r="http://schemas.openxmlformats.org/officeDocument/2006/relationships" xmlns:p="http://schemas.openxmlformats.org/presentationml/2006/main">
-  <p:cSld>
-    <p:spTree>
-      <p:nvGrpSpPr>
-        <p:cNvPr id="1" name=""/>
-        <p:cNvGrpSpPr/>
-        <p:nvPr/>
-      </p:nvGrpSpPr>
-      <p:grpSpPr>
-        <a:xfrm>
-          <a:off x="0" y="0"/>
-          <a:ext cx="0" cy="0"/>
-          <a:chOff x="0" y="0"/>
-          <a:chExt cx="0" cy="0"/>
-        </a:xfrm>
-      </p:grpSpPr>
-      <p:sp>
-        <p:nvSpPr>
-          <p:cNvPr id="5" name="Titre 4"/>
-          <p:cNvSpPr>
-            <a:spLocks noGrp="1"/>
-          </p:cNvSpPr>
-          <p:nvPr>
-            <p:ph type="title"/>
-          </p:nvPr>
-        </p:nvSpPr>
-        <p:spPr/>
-        <p:txBody>
-          <a:bodyPr>
-            <a:normAutofit fontScale="90000"/>
-          </a:bodyPr>
-          <a:lstStyle/>
-          <a:p>
-            <a:r>
-              <a:rPr lang="fr-FR" dirty="0" smtClean="0"/>
-              <a:t>Pilote Automatique</a:t>
-            </a:r>
-            <a:br>
-              <a:rPr lang="fr-FR" dirty="0" smtClean="0"/>
-            </a:br>
-            <a:r>
-              <a:rPr lang="fr-FR" dirty="0" smtClean="0"/>
-              <a:t>Analyse Interne</a:t>
-            </a:r>
-            <a:endParaRPr lang="fr-FR" dirty="0"/>
-          </a:p>
-        </p:txBody>
-      </p:sp>
-      <p:sp>
-        <p:nvSpPr>
-          <p:cNvPr id="6" name="Espace réservé du contenu 5"/>
-          <p:cNvSpPr>
-            <a:spLocks noGrp="1"/>
-          </p:cNvSpPr>
-          <p:nvPr>
-            <p:ph sz="quarter" idx="1"/>
-          </p:nvPr>
-        </p:nvSpPr>
-        <p:spPr/>
-        <p:txBody>
-          <a:bodyPr/>
-          <a:lstStyle/>
-          <a:p>
-            <a:endParaRPr lang="fr-FR"/>
-          </a:p>
-        </p:txBody>
-      </p:sp>
-      <p:sp>
-        <p:nvSpPr>
-          <p:cNvPr id="4" name="Espace réservé du numéro de diapositive 3"/>
-          <p:cNvSpPr>
-            <a:spLocks noGrp="1"/>
-          </p:cNvSpPr>
-          <p:nvPr>
-            <p:ph type="sldNum" sz="quarter" idx="15"/>
-          </p:nvPr>
-        </p:nvSpPr>
-        <p:spPr/>
-        <p:txBody>
-          <a:bodyPr/>
-          <a:lstStyle/>
-          <a:p>
-            <a:fld id="{136A7F36-7A21-4EA8-9DC2-F00219448035}" type="slidenum">
-              <a:rPr lang="fr-FR" smtClean="0"/>
-              <a:t>25</a:t>
-            </a:fld>
-            <a:endParaRPr lang="fr-FR"/>
-          </a:p>
-        </p:txBody>
-      </p:sp>
-    </p:spTree>
-    <p:extLst>
-      <p:ext uri="{BB962C8B-B14F-4D97-AF65-F5344CB8AC3E}">
-        <p14:creationId xmlns:p14="http://schemas.microsoft.com/office/powerpoint/2010/main" val="601726295"/>
-      </p:ext>
-    </p:extLst>
-  </p:cSld>
-  <p:clrMapOvr>
-    <a:masterClrMapping/>
-  </p:clrMapOvr>
-</p:sld>
-</file>
-
-<file path=ppt/slides/slide26.xml><?xml version="1.0" encoding="utf-8"?>
-<p:sld xmlns:a="http://schemas.openxmlformats.org/drawingml/2006/main" xmlns:r="http://schemas.openxmlformats.org/officeDocument/2006/relationships" xmlns:p="http://schemas.openxmlformats.org/presentationml/2006/main">
-  <p:cSld>
-    <p:spTree>
-      <p:nvGrpSpPr>
-        <p:cNvPr id="1" name=""/>
-        <p:cNvGrpSpPr/>
-        <p:nvPr/>
-      </p:nvGrpSpPr>
-      <p:grpSpPr>
-        <a:xfrm>
-          <a:off x="0" y="0"/>
-          <a:ext cx="0" cy="0"/>
-          <a:chOff x="0" y="0"/>
-          <a:chExt cx="0" cy="0"/>
-        </a:xfrm>
-      </p:grpSpPr>
-      <p:sp>
-        <p:nvSpPr>
-          <p:cNvPr id="2" name="Titre 1"/>
-          <p:cNvSpPr>
-            <a:spLocks noGrp="1"/>
-          </p:cNvSpPr>
-          <p:nvPr>
-            <p:ph type="title"/>
-          </p:nvPr>
-        </p:nvSpPr>
-        <p:spPr/>
-        <p:txBody>
-          <a:bodyPr>
-            <a:normAutofit fontScale="90000"/>
-          </a:bodyPr>
-          <a:lstStyle/>
-          <a:p>
-            <a:r>
-              <a:rPr lang="fr-FR" dirty="0" smtClean="0"/>
-              <a:t>Pilote Automatique</a:t>
-            </a:r>
-            <a:br>
-              <a:rPr lang="fr-FR" dirty="0" smtClean="0"/>
-            </a:br>
-            <a:r>
-              <a:rPr lang="fr-FR" dirty="0" smtClean="0"/>
-              <a:t>Modélisation</a:t>
-            </a:r>
-            <a:endParaRPr lang="fr-FR" dirty="0"/>
-          </a:p>
-        </p:txBody>
-      </p:sp>
-      <p:sp>
-        <p:nvSpPr>
-          <p:cNvPr id="3" name="Espace réservé du contenu 2"/>
-          <p:cNvSpPr>
-            <a:spLocks noGrp="1"/>
-          </p:cNvSpPr>
-          <p:nvPr>
-            <p:ph sz="quarter" idx="1"/>
-          </p:nvPr>
-        </p:nvSpPr>
-        <p:spPr/>
-        <p:txBody>
-          <a:bodyPr/>
-          <a:lstStyle/>
-          <a:p>
-            <a:endParaRPr lang="fr-FR"/>
-          </a:p>
-        </p:txBody>
-      </p:sp>
-      <p:sp>
-        <p:nvSpPr>
-          <p:cNvPr id="4" name="Espace réservé du numéro de diapositive 3"/>
-          <p:cNvSpPr>
-            <a:spLocks noGrp="1"/>
-          </p:cNvSpPr>
-          <p:nvPr>
-            <p:ph type="sldNum" sz="quarter" idx="15"/>
-          </p:nvPr>
-        </p:nvSpPr>
-        <p:spPr/>
-        <p:txBody>
-          <a:bodyPr/>
-          <a:lstStyle/>
-          <a:p>
-            <a:fld id="{136A7F36-7A21-4EA8-9DC2-F00219448035}" type="slidenum">
-              <a:rPr lang="fr-FR" smtClean="0"/>
-              <a:t>26</a:t>
-            </a:fld>
-            <a:endParaRPr lang="fr-FR"/>
-          </a:p>
-        </p:txBody>
-      </p:sp>
-    </p:spTree>
-    <p:extLst>
-      <p:ext uri="{BB962C8B-B14F-4D97-AF65-F5344CB8AC3E}">
-        <p14:creationId xmlns:p14="http://schemas.microsoft.com/office/powerpoint/2010/main" val="2388859630"/>
-      </p:ext>
-    </p:extLst>
-  </p:cSld>
-  <p:clrMapOvr>
-    <a:masterClrMapping/>
-  </p:clrMapOvr>
-</p:sld>
-</file>
-
-<file path=ppt/slides/slide27.xml><?xml version="1.0" encoding="utf-8"?>
-<p:sld xmlns:a="http://schemas.openxmlformats.org/drawingml/2006/main" xmlns:r="http://schemas.openxmlformats.org/officeDocument/2006/relationships" xmlns:p="http://schemas.openxmlformats.org/presentationml/2006/main">
-  <p:cSld>
-    <p:spTree>
-      <p:nvGrpSpPr>
-        <p:cNvPr id="1" name=""/>
-        <p:cNvGrpSpPr/>
-        <p:nvPr/>
-      </p:nvGrpSpPr>
-      <p:grpSpPr>
-        <a:xfrm>
-          <a:off x="0" y="0"/>
-          <a:ext cx="0" cy="0"/>
-          <a:chOff x="0" y="0"/>
-          <a:chExt cx="0" cy="0"/>
-        </a:xfrm>
-      </p:grpSpPr>
-      <p:sp>
-        <p:nvSpPr>
-          <p:cNvPr id="2" name="Titre 1"/>
-          <p:cNvSpPr>
-            <a:spLocks noGrp="1"/>
-          </p:cNvSpPr>
-          <p:nvPr>
-            <p:ph type="title"/>
-          </p:nvPr>
-        </p:nvSpPr>
-        <p:spPr/>
-        <p:txBody>
-          <a:bodyPr>
-            <a:normAutofit fontScale="90000"/>
-          </a:bodyPr>
-          <a:lstStyle/>
-          <a:p>
-            <a:r>
-              <a:rPr lang="fr-FR" dirty="0" smtClean="0"/>
-              <a:t>Pilote automatique</a:t>
-            </a:r>
-            <a:br>
-              <a:rPr lang="fr-FR" dirty="0" smtClean="0"/>
-            </a:br>
-            <a:r>
-              <a:rPr lang="fr-FR" dirty="0" smtClean="0"/>
-              <a:t>Application pédagogique</a:t>
-            </a:r>
-            <a:endParaRPr lang="fr-FR" dirty="0"/>
-          </a:p>
-        </p:txBody>
-      </p:sp>
-      <p:sp>
-        <p:nvSpPr>
-          <p:cNvPr id="3" name="Espace réservé du contenu 2"/>
-          <p:cNvSpPr>
-            <a:spLocks noGrp="1"/>
-          </p:cNvSpPr>
-          <p:nvPr>
-            <p:ph sz="quarter" idx="1"/>
-          </p:nvPr>
-        </p:nvSpPr>
-        <p:spPr/>
-        <p:txBody>
-          <a:bodyPr/>
-          <a:lstStyle/>
-          <a:p>
-            <a:endParaRPr lang="fr-FR"/>
-          </a:p>
-        </p:txBody>
-      </p:sp>
-      <p:sp>
-        <p:nvSpPr>
-          <p:cNvPr id="4" name="Espace réservé du numéro de diapositive 3"/>
-          <p:cNvSpPr>
-            <a:spLocks noGrp="1"/>
-          </p:cNvSpPr>
-          <p:nvPr>
-            <p:ph type="sldNum" sz="quarter" idx="15"/>
-          </p:nvPr>
-        </p:nvSpPr>
-        <p:spPr/>
-        <p:txBody>
-          <a:bodyPr/>
-          <a:lstStyle/>
-          <a:p>
-            <a:fld id="{136A7F36-7A21-4EA8-9DC2-F00219448035}" type="slidenum">
-              <a:rPr lang="fr-FR" smtClean="0"/>
-              <a:t>27</a:t>
-            </a:fld>
-            <a:endParaRPr lang="fr-FR"/>
-          </a:p>
-        </p:txBody>
-      </p:sp>
-    </p:spTree>
-    <p:extLst>
-      <p:ext uri="{BB962C8B-B14F-4D97-AF65-F5344CB8AC3E}">
-        <p14:creationId xmlns:p14="http://schemas.microsoft.com/office/powerpoint/2010/main" val="4068046631"/>
-      </p:ext>
-    </p:extLst>
-  </p:cSld>
-  <p:clrMapOvr>
-    <a:masterClrMapping/>
-  </p:clrMapOvr>
-</p:sld>
-</file>
-
 <file path=ppt/slides/slide28.xml><?xml version="1.0" encoding="utf-8"?>
 <p:sld xmlns:a="http://schemas.openxmlformats.org/drawingml/2006/main" xmlns:r="http://schemas.openxmlformats.org/officeDocument/2006/relationships" xmlns:p="http://schemas.openxmlformats.org/presentationml/2006/main">
   <p:cSld>
@@ -8427,7 +9302,7 @@
       </p:grpSpPr>
       <p:sp>
         <p:nvSpPr>
-          <p:cNvPr id="4" name="Titre 3"/>
+          <p:cNvPr id="2" name="Titre 1"/>
           <p:cNvSpPr>
             <a:spLocks noGrp="1"/>
           </p:cNvSpPr>
@@ -8437,52 +9312,46 @@
         </p:nvSpPr>
         <p:spPr/>
         <p:txBody>
+          <a:bodyPr>
+            <a:normAutofit/>
+          </a:bodyPr>
+          <a:lstStyle/>
+          <a:p>
+            <a:r>
+              <a:rPr lang="fr-FR" dirty="0" smtClean="0"/>
+              <a:t>Modélisation d’un système multiphysique</a:t>
+            </a:r>
+            <a:endParaRPr lang="fr-FR" dirty="0"/>
+          </a:p>
+        </p:txBody>
+      </p:sp>
+      <p:sp>
+        <p:nvSpPr>
+          <p:cNvPr id="3" name="Espace réservé du contenu 2"/>
+          <p:cNvSpPr>
+            <a:spLocks noGrp="1"/>
+          </p:cNvSpPr>
+          <p:nvPr>
+            <p:ph sz="quarter" idx="1"/>
+          </p:nvPr>
+        </p:nvSpPr>
+        <p:spPr/>
+        <p:txBody>
           <a:bodyPr/>
           <a:lstStyle/>
           <a:p>
-            <a:r>
-              <a:rPr lang="fr-FR" dirty="0" err="1" smtClean="0"/>
-              <a:t>Xcos</a:t>
-            </a:r>
-            <a:r>
-              <a:rPr lang="fr-FR" dirty="0" smtClean="0"/>
-              <a:t> &amp; </a:t>
-            </a:r>
-            <a:r>
-              <a:rPr lang="fr-FR" dirty="0" err="1" smtClean="0"/>
-              <a:t>Arduino</a:t>
-            </a:r>
-            <a:endParaRPr lang="fr-FR" dirty="0"/>
-          </a:p>
-        </p:txBody>
-      </p:sp>
-      <p:sp>
-        <p:nvSpPr>
-          <p:cNvPr id="5" name="Espace réservé du texte 4"/>
-          <p:cNvSpPr>
-            <a:spLocks noGrp="1"/>
-          </p:cNvSpPr>
-          <p:nvPr>
-            <p:ph type="body" idx="1"/>
-          </p:nvPr>
-        </p:nvSpPr>
-        <p:spPr/>
-        <p:txBody>
-          <a:bodyPr/>
-          <a:lstStyle/>
-          <a:p>
             <a:endParaRPr lang="fr-FR"/>
           </a:p>
         </p:txBody>
       </p:sp>
       <p:sp>
         <p:nvSpPr>
-          <p:cNvPr id="2" name="Espace réservé du numéro de diapositive 1"/>
-          <p:cNvSpPr>
-            <a:spLocks noGrp="1"/>
-          </p:cNvSpPr>
-          <p:nvPr>
-            <p:ph type="sldNum" sz="quarter" idx="12"/>
+          <p:cNvPr id="4" name="Espace réservé du numéro de diapositive 3"/>
+          <p:cNvSpPr>
+            <a:spLocks noGrp="1"/>
+          </p:cNvSpPr>
+          <p:nvPr>
+            <p:ph type="sldNum" sz="quarter" idx="15"/>
           </p:nvPr>
         </p:nvSpPr>
         <p:spPr/>
@@ -8501,7 +9370,7 @@
     </p:spTree>
     <p:extLst>
       <p:ext uri="{BB962C8B-B14F-4D97-AF65-F5344CB8AC3E}">
-        <p14:creationId xmlns:p14="http://schemas.microsoft.com/office/powerpoint/2010/main" val="1589319820"/>
+        <p14:creationId xmlns:p14="http://schemas.microsoft.com/office/powerpoint/2010/main" val="1827117536"/>
       </p:ext>
     </p:extLst>
   </p:cSld>
@@ -8530,12 +9399,56 @@
       </p:grpSpPr>
       <p:sp>
         <p:nvSpPr>
+          <p:cNvPr id="2" name="Titre 1"/>
+          <p:cNvSpPr>
+            <a:spLocks noGrp="1"/>
+          </p:cNvSpPr>
+          <p:nvPr>
+            <p:ph type="title"/>
+          </p:nvPr>
+        </p:nvSpPr>
+        <p:spPr/>
+        <p:txBody>
+          <a:bodyPr>
+            <a:normAutofit/>
+          </a:bodyPr>
+          <a:lstStyle/>
+          <a:p>
+            <a:r>
+              <a:rPr lang="fr-FR" dirty="0" smtClean="0"/>
+              <a:t>Modélisation d’un système multiphysique</a:t>
+            </a:r>
+            <a:endParaRPr lang="fr-FR" dirty="0"/>
+          </a:p>
+        </p:txBody>
+      </p:sp>
+      <p:sp>
+        <p:nvSpPr>
+          <p:cNvPr id="3" name="Espace réservé du contenu 2"/>
+          <p:cNvSpPr>
+            <a:spLocks noGrp="1"/>
+          </p:cNvSpPr>
+          <p:nvPr>
+            <p:ph sz="quarter" idx="1"/>
+          </p:nvPr>
+        </p:nvSpPr>
+        <p:spPr/>
+        <p:txBody>
+          <a:bodyPr/>
+          <a:lstStyle/>
+          <a:p>
+            <a:endParaRPr lang="fr-FR"/>
+          </a:p>
+        </p:txBody>
+      </p:sp>
+      <p:sp>
+        <p:nvSpPr>
           <p:cNvPr id="4" name="Espace réservé du numéro de diapositive 3"/>
           <p:cNvSpPr>
             <a:spLocks noGrp="1"/>
           </p:cNvSpPr>
           <p:nvPr>
-            <p:ph type="sldNum" sz="quarter" idx="12"/>
+            <p:ph type="sldNum" sz="quarter" idx="15"/>
           </p:nvPr>
         </p:nvSpPr>
         <p:spPr/>
@@ -8546,6 +9459,830 @@
             <a:fld id="{136A7F36-7A21-4EA8-9DC2-F00219448035}" type="slidenum">
               <a:rPr lang="fr-FR" smtClean="0"/>
               <a:t>29</a:t>
+            </a:fld>
+            <a:endParaRPr lang="fr-FR"/>
+          </a:p>
+        </p:txBody>
+      </p:sp>
+    </p:spTree>
+    <p:extLst>
+      <p:ext uri="{BB962C8B-B14F-4D97-AF65-F5344CB8AC3E}">
+        <p14:creationId xmlns:p14="http://schemas.microsoft.com/office/powerpoint/2010/main" val="241906218"/>
+      </p:ext>
+    </p:extLst>
+  </p:cSld>
+  <p:clrMapOvr>
+    <a:masterClrMapping/>
+  </p:clrMapOvr>
+</p:sld>
+</file>
+
+<file path=ppt/slides/slide3.xml><?xml version="1.0" encoding="utf-8"?>
+<p:sld xmlns:a="http://schemas.openxmlformats.org/drawingml/2006/main" xmlns:r="http://schemas.openxmlformats.org/officeDocument/2006/relationships" xmlns:p="http://schemas.openxmlformats.org/presentationml/2006/main">
+  <p:cSld>
+    <p:spTree>
+      <p:nvGrpSpPr>
+        <p:cNvPr id="1" name=""/>
+        <p:cNvGrpSpPr/>
+        <p:nvPr/>
+      </p:nvGrpSpPr>
+      <p:grpSpPr>
+        <a:xfrm>
+          <a:off x="0" y="0"/>
+          <a:ext cx="0" cy="0"/>
+          <a:chOff x="0" y="0"/>
+          <a:chExt cx="0" cy="0"/>
+        </a:xfrm>
+      </p:grpSpPr>
+      <p:sp>
+        <p:nvSpPr>
+          <p:cNvPr id="2" name="Titre 1"/>
+          <p:cNvSpPr>
+            <a:spLocks noGrp="1"/>
+          </p:cNvSpPr>
+          <p:nvPr>
+            <p:ph type="title"/>
+          </p:nvPr>
+        </p:nvSpPr>
+        <p:spPr/>
+        <p:txBody>
+          <a:bodyPr/>
+          <a:lstStyle/>
+          <a:p>
+            <a:r>
+              <a:rPr lang="fr-FR" smtClean="0"/>
+              <a:t>Plan</a:t>
+            </a:r>
+            <a:endParaRPr lang="fr-FR" dirty="0"/>
+          </a:p>
+        </p:txBody>
+      </p:sp>
+      <p:sp>
+        <p:nvSpPr>
+          <p:cNvPr id="3" name="Espace réservé du contenu 2"/>
+          <p:cNvSpPr>
+            <a:spLocks noGrp="1"/>
+          </p:cNvSpPr>
+          <p:nvPr>
+            <p:ph sz="quarter" idx="1"/>
+          </p:nvPr>
+        </p:nvSpPr>
+        <p:spPr/>
+        <p:txBody>
+          <a:bodyPr>
+            <a:normAutofit fontScale="92500" lnSpcReduction="10000"/>
+          </a:bodyPr>
+          <a:lstStyle/>
+          <a:p>
+            <a:r>
+              <a:rPr lang="fr-FR" dirty="0" smtClean="0"/>
+              <a:t>Scilab</a:t>
+            </a:r>
+          </a:p>
+          <a:p>
+            <a:pPr lvl="1"/>
+            <a:r>
+              <a:rPr lang="fr-FR" dirty="0" smtClean="0"/>
+              <a:t>Qu’est ce que </a:t>
+            </a:r>
+            <a:r>
+              <a:rPr lang="fr-FR" dirty="0" err="1" smtClean="0"/>
+              <a:t>scilab</a:t>
+            </a:r>
+            <a:r>
+              <a:rPr lang="fr-FR" dirty="0" smtClean="0"/>
+              <a:t> ?</a:t>
+            </a:r>
+          </a:p>
+          <a:p>
+            <a:pPr lvl="1"/>
+            <a:r>
+              <a:rPr lang="fr-FR" dirty="0" smtClean="0"/>
+              <a:t>Le module </a:t>
+            </a:r>
+            <a:r>
+              <a:rPr lang="fr-FR" dirty="0" err="1" smtClean="0"/>
+              <a:t>Xcos</a:t>
+            </a:r>
+            <a:endParaRPr lang="fr-FR" dirty="0" smtClean="0"/>
+          </a:p>
+          <a:p>
+            <a:pPr lvl="1"/>
+            <a:r>
+              <a:rPr lang="fr-FR" dirty="0" smtClean="0"/>
+              <a:t>Le module SIMM/</a:t>
+            </a:r>
+            <a:r>
+              <a:rPr lang="fr-FR" dirty="0" err="1" smtClean="0"/>
+              <a:t>Coselica</a:t>
+            </a:r>
+            <a:endParaRPr lang="fr-FR" dirty="0" smtClean="0"/>
+          </a:p>
+          <a:p>
+            <a:pPr lvl="1"/>
+            <a:r>
+              <a:rPr lang="fr-FR" dirty="0" smtClean="0"/>
+              <a:t>Construction du modèle acausal du moteur à courant continu</a:t>
+            </a:r>
+          </a:p>
+          <a:p>
+            <a:pPr lvl="2"/>
+            <a:r>
+              <a:rPr lang="fr-FR" dirty="0" smtClean="0"/>
+              <a:t>Contexte, variation de paramètres…</a:t>
+            </a:r>
+          </a:p>
+          <a:p>
+            <a:pPr lvl="2"/>
+            <a:r>
+              <a:rPr lang="fr-FR" dirty="0" smtClean="0"/>
+              <a:t>Modèle complet</a:t>
+            </a:r>
+          </a:p>
+          <a:p>
+            <a:pPr lvl="2"/>
+            <a:r>
+              <a:rPr lang="fr-FR" dirty="0" smtClean="0"/>
+              <a:t>Modèle condensé</a:t>
+            </a:r>
+          </a:p>
+          <a:p>
+            <a:pPr lvl="2"/>
+            <a:r>
+              <a:rPr lang="fr-FR" dirty="0" smtClean="0"/>
+              <a:t>Commande du moteur avec hacheur / PWM</a:t>
+            </a:r>
+          </a:p>
+          <a:p>
+            <a:pPr lvl="3"/>
+            <a:r>
+              <a:rPr lang="fr-FR" dirty="0" smtClean="0"/>
+              <a:t>Possibilité bibliothèque thermique</a:t>
+            </a:r>
+          </a:p>
+          <a:p>
+            <a:pPr lvl="2"/>
+            <a:r>
+              <a:rPr lang="fr-FR" dirty="0" smtClean="0"/>
+              <a:t>Frottement visqueux / inertie transfo de </a:t>
+            </a:r>
+            <a:r>
+              <a:rPr lang="fr-FR" dirty="0" err="1" smtClean="0"/>
+              <a:t>mvt</a:t>
+            </a:r>
+            <a:r>
+              <a:rPr lang="fr-FR" dirty="0" smtClean="0"/>
+              <a:t>  …</a:t>
+            </a:r>
+          </a:p>
+          <a:p>
+            <a:pPr lvl="2"/>
+            <a:r>
+              <a:rPr lang="fr-FR" dirty="0" smtClean="0"/>
+              <a:t>Bilan échantillonnage de la résolution</a:t>
+            </a:r>
+          </a:p>
+          <a:p>
+            <a:pPr lvl="2"/>
+            <a:r>
+              <a:rPr lang="fr-FR" dirty="0" smtClean="0"/>
+              <a:t>Bilan avec réversibilité Moteur</a:t>
+            </a:r>
+          </a:p>
+          <a:p>
+            <a:pPr lvl="2"/>
+            <a:r>
+              <a:rPr lang="fr-FR" dirty="0" smtClean="0"/>
+              <a:t>Exemple avec liaisons cinématiques et limites du SIMM (pas de lien avec SW)</a:t>
+            </a:r>
+          </a:p>
+          <a:p>
+            <a:r>
+              <a:rPr lang="fr-FR" dirty="0" smtClean="0"/>
+              <a:t>Applications pédagogiques </a:t>
+            </a:r>
+            <a:r>
+              <a:rPr lang="fr-FR" dirty="0" err="1" smtClean="0"/>
+              <a:t>Coselica</a:t>
+            </a:r>
+            <a:endParaRPr lang="fr-FR" dirty="0" smtClean="0"/>
+          </a:p>
+          <a:p>
+            <a:pPr lvl="1"/>
+            <a:r>
+              <a:rPr lang="fr-FR" dirty="0" smtClean="0"/>
+              <a:t>Pilote automatique de voilier</a:t>
+            </a:r>
+          </a:p>
+          <a:p>
+            <a:pPr lvl="1"/>
+            <a:r>
+              <a:rPr lang="fr-FR" dirty="0" err="1" smtClean="0"/>
+              <a:t>Arduino</a:t>
+            </a:r>
+            <a:r>
+              <a:rPr lang="fr-FR" dirty="0"/>
+              <a:t> </a:t>
+            </a:r>
+            <a:r>
+              <a:rPr lang="fr-FR" dirty="0" smtClean="0"/>
+              <a:t>?</a:t>
+            </a:r>
+          </a:p>
+          <a:p>
+            <a:endParaRPr lang="fr-FR" dirty="0" smtClean="0"/>
+          </a:p>
+          <a:p>
+            <a:pPr lvl="1"/>
+            <a:endParaRPr lang="fr-FR" dirty="0"/>
+          </a:p>
+        </p:txBody>
+      </p:sp>
+      <p:sp>
+        <p:nvSpPr>
+          <p:cNvPr id="4" name="Espace réservé du numéro de diapositive 3"/>
+          <p:cNvSpPr>
+            <a:spLocks noGrp="1"/>
+          </p:cNvSpPr>
+          <p:nvPr>
+            <p:ph type="sldNum" sz="quarter" idx="15"/>
+          </p:nvPr>
+        </p:nvSpPr>
+        <p:spPr/>
+        <p:txBody>
+          <a:bodyPr/>
+          <a:lstStyle/>
+          <a:p>
+            <a:fld id="{136A7F36-7A21-4EA8-9DC2-F00219448035}" type="slidenum">
+              <a:rPr lang="fr-FR" smtClean="0"/>
+              <a:t>3</a:t>
+            </a:fld>
+            <a:endParaRPr lang="fr-FR"/>
+          </a:p>
+        </p:txBody>
+      </p:sp>
+    </p:spTree>
+    <p:extLst>
+      <p:ext uri="{BB962C8B-B14F-4D97-AF65-F5344CB8AC3E}">
+        <p14:creationId xmlns:p14="http://schemas.microsoft.com/office/powerpoint/2010/main" val="297069116"/>
+      </p:ext>
+    </p:extLst>
+  </p:cSld>
+  <p:clrMapOvr>
+    <a:masterClrMapping/>
+  </p:clrMapOvr>
+</p:sld>
+</file>
+
+<file path=ppt/slides/slide30.xml><?xml version="1.0" encoding="utf-8"?>
+<p:sld xmlns:a="http://schemas.openxmlformats.org/drawingml/2006/main" xmlns:r="http://schemas.openxmlformats.org/officeDocument/2006/relationships" xmlns:p="http://schemas.openxmlformats.org/presentationml/2006/main">
+  <p:cSld>
+    <p:spTree>
+      <p:nvGrpSpPr>
+        <p:cNvPr id="1" name=""/>
+        <p:cNvGrpSpPr/>
+        <p:nvPr/>
+      </p:nvGrpSpPr>
+      <p:grpSpPr>
+        <a:xfrm>
+          <a:off x="0" y="0"/>
+          <a:ext cx="0" cy="0"/>
+          <a:chOff x="0" y="0"/>
+          <a:chExt cx="0" cy="0"/>
+        </a:xfrm>
+      </p:grpSpPr>
+      <p:sp>
+        <p:nvSpPr>
+          <p:cNvPr id="2" name="Titre 1"/>
+          <p:cNvSpPr>
+            <a:spLocks noGrp="1"/>
+          </p:cNvSpPr>
+          <p:nvPr>
+            <p:ph type="title"/>
+          </p:nvPr>
+        </p:nvSpPr>
+        <p:spPr/>
+        <p:txBody>
+          <a:bodyPr/>
+          <a:lstStyle/>
+          <a:p>
+            <a:r>
+              <a:rPr lang="fr-FR" dirty="0" smtClean="0"/>
+              <a:t>Modélisation d’un système de laboratoire</a:t>
+            </a:r>
+            <a:endParaRPr lang="fr-FR" dirty="0"/>
+          </a:p>
+        </p:txBody>
+      </p:sp>
+      <p:sp>
+        <p:nvSpPr>
+          <p:cNvPr id="3" name="Espace réservé du texte 2"/>
+          <p:cNvSpPr>
+            <a:spLocks noGrp="1"/>
+          </p:cNvSpPr>
+          <p:nvPr>
+            <p:ph type="body" idx="1"/>
+          </p:nvPr>
+        </p:nvSpPr>
+        <p:spPr/>
+        <p:txBody>
+          <a:bodyPr/>
+          <a:lstStyle/>
+          <a:p>
+            <a:r>
+              <a:rPr lang="fr-FR" dirty="0" smtClean="0"/>
+              <a:t>Pilote automatique TP 30</a:t>
+            </a:r>
+            <a:endParaRPr lang="fr-FR" dirty="0"/>
+          </a:p>
+        </p:txBody>
+      </p:sp>
+      <p:sp>
+        <p:nvSpPr>
+          <p:cNvPr id="4" name="Espace réservé du numéro de diapositive 3"/>
+          <p:cNvSpPr>
+            <a:spLocks noGrp="1"/>
+          </p:cNvSpPr>
+          <p:nvPr>
+            <p:ph type="sldNum" sz="quarter" idx="12"/>
+          </p:nvPr>
+        </p:nvSpPr>
+        <p:spPr/>
+        <p:txBody>
+          <a:bodyPr/>
+          <a:lstStyle/>
+          <a:p>
+            <a:fld id="{136A7F36-7A21-4EA8-9DC2-F00219448035}" type="slidenum">
+              <a:rPr lang="fr-FR" smtClean="0"/>
+              <a:t>30</a:t>
+            </a:fld>
+            <a:endParaRPr lang="fr-FR"/>
+          </a:p>
+        </p:txBody>
+      </p:sp>
+    </p:spTree>
+    <p:extLst>
+      <p:ext uri="{BB962C8B-B14F-4D97-AF65-F5344CB8AC3E}">
+        <p14:creationId xmlns:p14="http://schemas.microsoft.com/office/powerpoint/2010/main" val="3672452185"/>
+      </p:ext>
+    </p:extLst>
+  </p:cSld>
+  <p:clrMapOvr>
+    <a:masterClrMapping/>
+  </p:clrMapOvr>
+</p:sld>
+</file>
+
+<file path=ppt/slides/slide31.xml><?xml version="1.0" encoding="utf-8"?>
+<p:sld xmlns:a="http://schemas.openxmlformats.org/drawingml/2006/main" xmlns:r="http://schemas.openxmlformats.org/officeDocument/2006/relationships" xmlns:p="http://schemas.openxmlformats.org/presentationml/2006/main">
+  <p:cSld>
+    <p:spTree>
+      <p:nvGrpSpPr>
+        <p:cNvPr id="1" name=""/>
+        <p:cNvGrpSpPr/>
+        <p:nvPr/>
+      </p:nvGrpSpPr>
+      <p:grpSpPr>
+        <a:xfrm>
+          <a:off x="0" y="0"/>
+          <a:ext cx="0" cy="0"/>
+          <a:chOff x="0" y="0"/>
+          <a:chExt cx="0" cy="0"/>
+        </a:xfrm>
+      </p:grpSpPr>
+      <p:sp>
+        <p:nvSpPr>
+          <p:cNvPr id="5" name="Titre 4"/>
+          <p:cNvSpPr>
+            <a:spLocks noGrp="1"/>
+          </p:cNvSpPr>
+          <p:nvPr>
+            <p:ph type="title"/>
+          </p:nvPr>
+        </p:nvSpPr>
+        <p:spPr/>
+        <p:txBody>
+          <a:bodyPr>
+            <a:normAutofit fontScale="90000"/>
+          </a:bodyPr>
+          <a:lstStyle/>
+          <a:p>
+            <a:r>
+              <a:rPr lang="fr-FR" dirty="0" smtClean="0"/>
+              <a:t>Pilote Automatique</a:t>
+            </a:r>
+            <a:br>
+              <a:rPr lang="fr-FR" dirty="0" smtClean="0"/>
+            </a:br>
+            <a:r>
+              <a:rPr lang="fr-FR" dirty="0" smtClean="0"/>
+              <a:t>Analyse Interne</a:t>
+            </a:r>
+            <a:endParaRPr lang="fr-FR" dirty="0"/>
+          </a:p>
+        </p:txBody>
+      </p:sp>
+      <p:sp>
+        <p:nvSpPr>
+          <p:cNvPr id="6" name="Espace réservé du contenu 5"/>
+          <p:cNvSpPr>
+            <a:spLocks noGrp="1"/>
+          </p:cNvSpPr>
+          <p:nvPr>
+            <p:ph sz="quarter" idx="1"/>
+          </p:nvPr>
+        </p:nvSpPr>
+        <p:spPr/>
+        <p:txBody>
+          <a:bodyPr/>
+          <a:lstStyle/>
+          <a:p>
+            <a:endParaRPr lang="fr-FR"/>
+          </a:p>
+        </p:txBody>
+      </p:sp>
+      <p:sp>
+        <p:nvSpPr>
+          <p:cNvPr id="4" name="Espace réservé du numéro de diapositive 3"/>
+          <p:cNvSpPr>
+            <a:spLocks noGrp="1"/>
+          </p:cNvSpPr>
+          <p:nvPr>
+            <p:ph type="sldNum" sz="quarter" idx="15"/>
+          </p:nvPr>
+        </p:nvSpPr>
+        <p:spPr/>
+        <p:txBody>
+          <a:bodyPr/>
+          <a:lstStyle/>
+          <a:p>
+            <a:fld id="{136A7F36-7A21-4EA8-9DC2-F00219448035}" type="slidenum">
+              <a:rPr lang="fr-FR" smtClean="0"/>
+              <a:t>31</a:t>
+            </a:fld>
+            <a:endParaRPr lang="fr-FR"/>
+          </a:p>
+        </p:txBody>
+      </p:sp>
+    </p:spTree>
+    <p:extLst>
+      <p:ext uri="{BB962C8B-B14F-4D97-AF65-F5344CB8AC3E}">
+        <p14:creationId xmlns:p14="http://schemas.microsoft.com/office/powerpoint/2010/main" val="601726295"/>
+      </p:ext>
+    </p:extLst>
+  </p:cSld>
+  <p:clrMapOvr>
+    <a:masterClrMapping/>
+  </p:clrMapOvr>
+</p:sld>
+</file>
+
+<file path=ppt/slides/slide32.xml><?xml version="1.0" encoding="utf-8"?>
+<p:sld xmlns:a="http://schemas.openxmlformats.org/drawingml/2006/main" xmlns:r="http://schemas.openxmlformats.org/officeDocument/2006/relationships" xmlns:p="http://schemas.openxmlformats.org/presentationml/2006/main">
+  <p:cSld>
+    <p:spTree>
+      <p:nvGrpSpPr>
+        <p:cNvPr id="1" name=""/>
+        <p:cNvGrpSpPr/>
+        <p:nvPr/>
+      </p:nvGrpSpPr>
+      <p:grpSpPr>
+        <a:xfrm>
+          <a:off x="0" y="0"/>
+          <a:ext cx="0" cy="0"/>
+          <a:chOff x="0" y="0"/>
+          <a:chExt cx="0" cy="0"/>
+        </a:xfrm>
+      </p:grpSpPr>
+      <p:sp>
+        <p:nvSpPr>
+          <p:cNvPr id="2" name="Titre 1"/>
+          <p:cNvSpPr>
+            <a:spLocks noGrp="1"/>
+          </p:cNvSpPr>
+          <p:nvPr>
+            <p:ph type="title"/>
+          </p:nvPr>
+        </p:nvSpPr>
+        <p:spPr/>
+        <p:txBody>
+          <a:bodyPr>
+            <a:normAutofit fontScale="90000"/>
+          </a:bodyPr>
+          <a:lstStyle/>
+          <a:p>
+            <a:r>
+              <a:rPr lang="fr-FR" dirty="0" smtClean="0"/>
+              <a:t>Pilote Automatique</a:t>
+            </a:r>
+            <a:br>
+              <a:rPr lang="fr-FR" dirty="0" smtClean="0"/>
+            </a:br>
+            <a:r>
+              <a:rPr lang="fr-FR" dirty="0" smtClean="0"/>
+              <a:t>Modélisation</a:t>
+            </a:r>
+            <a:endParaRPr lang="fr-FR" dirty="0"/>
+          </a:p>
+        </p:txBody>
+      </p:sp>
+      <p:sp>
+        <p:nvSpPr>
+          <p:cNvPr id="3" name="Espace réservé du contenu 2"/>
+          <p:cNvSpPr>
+            <a:spLocks noGrp="1"/>
+          </p:cNvSpPr>
+          <p:nvPr>
+            <p:ph sz="quarter" idx="1"/>
+          </p:nvPr>
+        </p:nvSpPr>
+        <p:spPr/>
+        <p:txBody>
+          <a:bodyPr/>
+          <a:lstStyle/>
+          <a:p>
+            <a:endParaRPr lang="fr-FR"/>
+          </a:p>
+        </p:txBody>
+      </p:sp>
+      <p:sp>
+        <p:nvSpPr>
+          <p:cNvPr id="4" name="Espace réservé du numéro de diapositive 3"/>
+          <p:cNvSpPr>
+            <a:spLocks noGrp="1"/>
+          </p:cNvSpPr>
+          <p:nvPr>
+            <p:ph type="sldNum" sz="quarter" idx="15"/>
+          </p:nvPr>
+        </p:nvSpPr>
+        <p:spPr/>
+        <p:txBody>
+          <a:bodyPr/>
+          <a:lstStyle/>
+          <a:p>
+            <a:fld id="{136A7F36-7A21-4EA8-9DC2-F00219448035}" type="slidenum">
+              <a:rPr lang="fr-FR" smtClean="0"/>
+              <a:t>32</a:t>
+            </a:fld>
+            <a:endParaRPr lang="fr-FR"/>
+          </a:p>
+        </p:txBody>
+      </p:sp>
+    </p:spTree>
+    <p:extLst>
+      <p:ext uri="{BB962C8B-B14F-4D97-AF65-F5344CB8AC3E}">
+        <p14:creationId xmlns:p14="http://schemas.microsoft.com/office/powerpoint/2010/main" val="2388859630"/>
+      </p:ext>
+    </p:extLst>
+  </p:cSld>
+  <p:clrMapOvr>
+    <a:masterClrMapping/>
+  </p:clrMapOvr>
+</p:sld>
+</file>
+
+<file path=ppt/slides/slide33.xml><?xml version="1.0" encoding="utf-8"?>
+<p:sld xmlns:a="http://schemas.openxmlformats.org/drawingml/2006/main" xmlns:r="http://schemas.openxmlformats.org/officeDocument/2006/relationships" xmlns:p="http://schemas.openxmlformats.org/presentationml/2006/main">
+  <p:cSld>
+    <p:spTree>
+      <p:nvGrpSpPr>
+        <p:cNvPr id="1" name=""/>
+        <p:cNvGrpSpPr/>
+        <p:nvPr/>
+      </p:nvGrpSpPr>
+      <p:grpSpPr>
+        <a:xfrm>
+          <a:off x="0" y="0"/>
+          <a:ext cx="0" cy="0"/>
+          <a:chOff x="0" y="0"/>
+          <a:chExt cx="0" cy="0"/>
+        </a:xfrm>
+      </p:grpSpPr>
+      <p:sp>
+        <p:nvSpPr>
+          <p:cNvPr id="2" name="Titre 1"/>
+          <p:cNvSpPr>
+            <a:spLocks noGrp="1"/>
+          </p:cNvSpPr>
+          <p:nvPr>
+            <p:ph type="title"/>
+          </p:nvPr>
+        </p:nvSpPr>
+        <p:spPr/>
+        <p:txBody>
+          <a:bodyPr>
+            <a:normAutofit fontScale="90000"/>
+          </a:bodyPr>
+          <a:lstStyle/>
+          <a:p>
+            <a:r>
+              <a:rPr lang="fr-FR" dirty="0" smtClean="0"/>
+              <a:t>Pilote automatique</a:t>
+            </a:r>
+            <a:br>
+              <a:rPr lang="fr-FR" dirty="0" smtClean="0"/>
+            </a:br>
+            <a:r>
+              <a:rPr lang="fr-FR" dirty="0" smtClean="0"/>
+              <a:t>Application pédagogique</a:t>
+            </a:r>
+            <a:endParaRPr lang="fr-FR" dirty="0"/>
+          </a:p>
+        </p:txBody>
+      </p:sp>
+      <p:sp>
+        <p:nvSpPr>
+          <p:cNvPr id="3" name="Espace réservé du contenu 2"/>
+          <p:cNvSpPr>
+            <a:spLocks noGrp="1"/>
+          </p:cNvSpPr>
+          <p:nvPr>
+            <p:ph sz="quarter" idx="1"/>
+          </p:nvPr>
+        </p:nvSpPr>
+        <p:spPr/>
+        <p:txBody>
+          <a:bodyPr/>
+          <a:lstStyle/>
+          <a:p>
+            <a:endParaRPr lang="fr-FR"/>
+          </a:p>
+        </p:txBody>
+      </p:sp>
+      <p:sp>
+        <p:nvSpPr>
+          <p:cNvPr id="4" name="Espace réservé du numéro de diapositive 3"/>
+          <p:cNvSpPr>
+            <a:spLocks noGrp="1"/>
+          </p:cNvSpPr>
+          <p:nvPr>
+            <p:ph type="sldNum" sz="quarter" idx="15"/>
+          </p:nvPr>
+        </p:nvSpPr>
+        <p:spPr/>
+        <p:txBody>
+          <a:bodyPr/>
+          <a:lstStyle/>
+          <a:p>
+            <a:fld id="{136A7F36-7A21-4EA8-9DC2-F00219448035}" type="slidenum">
+              <a:rPr lang="fr-FR" smtClean="0"/>
+              <a:t>33</a:t>
+            </a:fld>
+            <a:endParaRPr lang="fr-FR"/>
+          </a:p>
+        </p:txBody>
+      </p:sp>
+    </p:spTree>
+    <p:extLst>
+      <p:ext uri="{BB962C8B-B14F-4D97-AF65-F5344CB8AC3E}">
+        <p14:creationId xmlns:p14="http://schemas.microsoft.com/office/powerpoint/2010/main" val="4068046631"/>
+      </p:ext>
+    </p:extLst>
+  </p:cSld>
+  <p:clrMapOvr>
+    <a:masterClrMapping/>
+  </p:clrMapOvr>
+</p:sld>
+</file>
+
+<file path=ppt/slides/slide34.xml><?xml version="1.0" encoding="utf-8"?>
+<p:sld xmlns:a="http://schemas.openxmlformats.org/drawingml/2006/main" xmlns:r="http://schemas.openxmlformats.org/officeDocument/2006/relationships" xmlns:p="http://schemas.openxmlformats.org/presentationml/2006/main">
+  <p:cSld>
+    <p:spTree>
+      <p:nvGrpSpPr>
+        <p:cNvPr id="1" name=""/>
+        <p:cNvGrpSpPr/>
+        <p:nvPr/>
+      </p:nvGrpSpPr>
+      <p:grpSpPr>
+        <a:xfrm>
+          <a:off x="0" y="0"/>
+          <a:ext cx="0" cy="0"/>
+          <a:chOff x="0" y="0"/>
+          <a:chExt cx="0" cy="0"/>
+        </a:xfrm>
+      </p:grpSpPr>
+      <p:sp>
+        <p:nvSpPr>
+          <p:cNvPr id="4" name="Titre 3"/>
+          <p:cNvSpPr>
+            <a:spLocks noGrp="1"/>
+          </p:cNvSpPr>
+          <p:nvPr>
+            <p:ph type="title"/>
+          </p:nvPr>
+        </p:nvSpPr>
+        <p:spPr/>
+        <p:txBody>
+          <a:bodyPr/>
+          <a:lstStyle/>
+          <a:p>
+            <a:r>
+              <a:rPr lang="fr-FR" dirty="0" err="1" smtClean="0"/>
+              <a:t>Xcos</a:t>
+            </a:r>
+            <a:r>
+              <a:rPr lang="fr-FR" dirty="0" smtClean="0"/>
+              <a:t> &amp; </a:t>
+            </a:r>
+            <a:r>
+              <a:rPr lang="fr-FR" dirty="0" err="1" smtClean="0"/>
+              <a:t>Arduino</a:t>
+            </a:r>
+            <a:endParaRPr lang="fr-FR" dirty="0"/>
+          </a:p>
+        </p:txBody>
+      </p:sp>
+      <p:sp>
+        <p:nvSpPr>
+          <p:cNvPr id="5" name="Espace réservé du texte 4"/>
+          <p:cNvSpPr>
+            <a:spLocks noGrp="1"/>
+          </p:cNvSpPr>
+          <p:nvPr>
+            <p:ph type="body" idx="1"/>
+          </p:nvPr>
+        </p:nvSpPr>
+        <p:spPr/>
+        <p:txBody>
+          <a:bodyPr/>
+          <a:lstStyle/>
+          <a:p>
+            <a:endParaRPr lang="fr-FR"/>
+          </a:p>
+        </p:txBody>
+      </p:sp>
+      <p:sp>
+        <p:nvSpPr>
+          <p:cNvPr id="2" name="Espace réservé du numéro de diapositive 1"/>
+          <p:cNvSpPr>
+            <a:spLocks noGrp="1"/>
+          </p:cNvSpPr>
+          <p:nvPr>
+            <p:ph type="sldNum" sz="quarter" idx="12"/>
+          </p:nvPr>
+        </p:nvSpPr>
+        <p:spPr/>
+        <p:txBody>
+          <a:bodyPr/>
+          <a:lstStyle/>
+          <a:p>
+            <a:fld id="{136A7F36-7A21-4EA8-9DC2-F00219448035}" type="slidenum">
+              <a:rPr lang="fr-FR" smtClean="0"/>
+              <a:t>34</a:t>
+            </a:fld>
+            <a:endParaRPr lang="fr-FR"/>
+          </a:p>
+        </p:txBody>
+      </p:sp>
+    </p:spTree>
+    <p:extLst>
+      <p:ext uri="{BB962C8B-B14F-4D97-AF65-F5344CB8AC3E}">
+        <p14:creationId xmlns:p14="http://schemas.microsoft.com/office/powerpoint/2010/main" val="1589319820"/>
+      </p:ext>
+    </p:extLst>
+  </p:cSld>
+  <p:clrMapOvr>
+    <a:masterClrMapping/>
+  </p:clrMapOvr>
+</p:sld>
+</file>
+
+<file path=ppt/slides/slide35.xml><?xml version="1.0" encoding="utf-8"?>
+<p:sld xmlns:a="http://schemas.openxmlformats.org/drawingml/2006/main" xmlns:r="http://schemas.openxmlformats.org/officeDocument/2006/relationships" xmlns:p="http://schemas.openxmlformats.org/presentationml/2006/main">
+  <p:cSld>
+    <p:spTree>
+      <p:nvGrpSpPr>
+        <p:cNvPr id="1" name=""/>
+        <p:cNvGrpSpPr/>
+        <p:nvPr/>
+      </p:nvGrpSpPr>
+      <p:grpSpPr>
+        <a:xfrm>
+          <a:off x="0" y="0"/>
+          <a:ext cx="0" cy="0"/>
+          <a:chOff x="0" y="0"/>
+          <a:chExt cx="0" cy="0"/>
+        </a:xfrm>
+      </p:grpSpPr>
+      <p:sp>
+        <p:nvSpPr>
+          <p:cNvPr id="4" name="Espace réservé du numéro de diapositive 3"/>
+          <p:cNvSpPr>
+            <a:spLocks noGrp="1"/>
+          </p:cNvSpPr>
+          <p:nvPr>
+            <p:ph type="sldNum" sz="quarter" idx="12"/>
+          </p:nvPr>
+        </p:nvSpPr>
+        <p:spPr/>
+        <p:txBody>
+          <a:bodyPr/>
+          <a:lstStyle/>
+          <a:p>
+            <a:fld id="{136A7F36-7A21-4EA8-9DC2-F00219448035}" type="slidenum">
+              <a:rPr lang="fr-FR" smtClean="0"/>
+              <a:t>35</a:t>
             </a:fld>
             <a:endParaRPr lang="fr-FR"/>
           </a:p>
@@ -9278,7 +11015,7 @@
         </p:blipFill>
         <p:spPr bwMode="auto">
           <a:xfrm>
-            <a:off x="4022377" y="3690937"/>
+            <a:off x="5383177" y="4113500"/>
             <a:ext cx="466725" cy="590550"/>
           </a:xfrm>
           <a:prstGeom prst="rect">
@@ -9342,7 +11079,7 @@
         </p:blipFill>
         <p:spPr bwMode="auto">
           <a:xfrm>
-            <a:off x="449782" y="3633787"/>
+            <a:off x="4560768" y="4681827"/>
             <a:ext cx="847725" cy="647700"/>
           </a:xfrm>
           <a:prstGeom prst="rect">
@@ -9470,7 +11207,7 @@
         </p:blipFill>
         <p:spPr bwMode="auto">
           <a:xfrm>
-            <a:off x="259283" y="2002848"/>
+            <a:off x="3542332" y="5467126"/>
             <a:ext cx="666750" cy="676275"/>
           </a:xfrm>
           <a:prstGeom prst="rect">
@@ -9716,264 +11453,6 @@
 </p:sld>
 </file>
 
-<file path=ppt/slides/slide3.xml><?xml version="1.0" encoding="utf-8"?>
-<p:sld xmlns:a="http://schemas.openxmlformats.org/drawingml/2006/main" xmlns:r="http://schemas.openxmlformats.org/officeDocument/2006/relationships" xmlns:p="http://schemas.openxmlformats.org/presentationml/2006/main">
-  <p:cSld>
-    <p:spTree>
-      <p:nvGrpSpPr>
-        <p:cNvPr id="1" name=""/>
-        <p:cNvGrpSpPr/>
-        <p:nvPr/>
-      </p:nvGrpSpPr>
-      <p:grpSpPr>
-        <a:xfrm>
-          <a:off x="0" y="0"/>
-          <a:ext cx="0" cy="0"/>
-          <a:chOff x="0" y="0"/>
-          <a:chExt cx="0" cy="0"/>
-        </a:xfrm>
-      </p:grpSpPr>
-      <p:sp>
-        <p:nvSpPr>
-          <p:cNvPr id="2" name="Titre 1"/>
-          <p:cNvSpPr>
-            <a:spLocks noGrp="1"/>
-          </p:cNvSpPr>
-          <p:nvPr>
-            <p:ph type="title"/>
-          </p:nvPr>
-        </p:nvSpPr>
-        <p:spPr/>
-        <p:txBody>
-          <a:bodyPr/>
-          <a:lstStyle/>
-          <a:p>
-            <a:r>
-              <a:rPr lang="fr-FR" smtClean="0"/>
-              <a:t>Plan</a:t>
-            </a:r>
-            <a:endParaRPr lang="fr-FR" dirty="0"/>
-          </a:p>
-        </p:txBody>
-      </p:sp>
-      <p:sp>
-        <p:nvSpPr>
-          <p:cNvPr id="3" name="Espace réservé du contenu 2"/>
-          <p:cNvSpPr>
-            <a:spLocks noGrp="1"/>
-          </p:cNvSpPr>
-          <p:nvPr>
-            <p:ph sz="quarter" idx="1"/>
-          </p:nvPr>
-        </p:nvSpPr>
-        <p:spPr/>
-        <p:txBody>
-          <a:bodyPr>
-            <a:normAutofit fontScale="92500" lnSpcReduction="10000"/>
-          </a:bodyPr>
-          <a:lstStyle/>
-          <a:p>
-            <a:r>
-              <a:rPr lang="fr-FR" dirty="0" err="1" smtClean="0"/>
-              <a:t>Scilab</a:t>
-            </a:r>
-            <a:endParaRPr lang="fr-FR" dirty="0" smtClean="0"/>
-          </a:p>
-          <a:p>
-            <a:pPr lvl="1"/>
-            <a:r>
-              <a:rPr lang="fr-FR" dirty="0" smtClean="0"/>
-              <a:t>Qu’est ce que </a:t>
-            </a:r>
-            <a:r>
-              <a:rPr lang="fr-FR" dirty="0" err="1" smtClean="0"/>
-              <a:t>scilab</a:t>
-            </a:r>
-            <a:r>
-              <a:rPr lang="fr-FR" dirty="0" smtClean="0"/>
-              <a:t> ?</a:t>
-            </a:r>
-          </a:p>
-          <a:p>
-            <a:pPr lvl="1"/>
-            <a:r>
-              <a:rPr lang="fr-FR" dirty="0" smtClean="0"/>
-              <a:t>Le module </a:t>
-            </a:r>
-            <a:r>
-              <a:rPr lang="fr-FR" dirty="0" err="1" smtClean="0"/>
-              <a:t>Xcos</a:t>
-            </a:r>
-            <a:endParaRPr lang="fr-FR" dirty="0" smtClean="0"/>
-          </a:p>
-          <a:p>
-            <a:pPr lvl="1"/>
-            <a:r>
-              <a:rPr lang="fr-FR" dirty="0" smtClean="0"/>
-              <a:t>Le module SIMM/</a:t>
-            </a:r>
-            <a:r>
-              <a:rPr lang="fr-FR" dirty="0" err="1" smtClean="0"/>
-              <a:t>Coselica</a:t>
-            </a:r>
-            <a:endParaRPr lang="fr-FR" dirty="0" smtClean="0"/>
-          </a:p>
-          <a:p>
-            <a:pPr lvl="1"/>
-            <a:r>
-              <a:rPr lang="fr-FR" dirty="0" smtClean="0"/>
-              <a:t>Construction du modèle acausal du moteur à courant continu</a:t>
-            </a:r>
-          </a:p>
-          <a:p>
-            <a:pPr lvl="2"/>
-            <a:r>
-              <a:rPr lang="fr-FR" dirty="0" smtClean="0"/>
-              <a:t>Contexte, variation de paramètres…</a:t>
-            </a:r>
-          </a:p>
-          <a:p>
-            <a:pPr lvl="2"/>
-            <a:r>
-              <a:rPr lang="fr-FR" dirty="0" smtClean="0"/>
-              <a:t>Modèle complet</a:t>
-            </a:r>
-          </a:p>
-          <a:p>
-            <a:pPr lvl="2"/>
-            <a:r>
-              <a:rPr lang="fr-FR" dirty="0" smtClean="0"/>
-              <a:t>Modèle condensé</a:t>
-            </a:r>
-          </a:p>
-          <a:p>
-            <a:pPr lvl="2"/>
-            <a:r>
-              <a:rPr lang="fr-FR" dirty="0" smtClean="0"/>
-              <a:t>Commande du moteur avec hacheur / PWM</a:t>
-            </a:r>
-          </a:p>
-          <a:p>
-            <a:pPr lvl="3"/>
-            <a:r>
-              <a:rPr lang="fr-FR" dirty="0" smtClean="0"/>
-              <a:t>Possibilité bibliothèque thermique</a:t>
-            </a:r>
-          </a:p>
-          <a:p>
-            <a:pPr lvl="2"/>
-            <a:r>
-              <a:rPr lang="fr-FR" dirty="0" smtClean="0"/>
-              <a:t>Frottement visqueux / inertie transfo de </a:t>
-            </a:r>
-            <a:r>
-              <a:rPr lang="fr-FR" dirty="0" err="1" smtClean="0"/>
-              <a:t>mvt</a:t>
-            </a:r>
-            <a:r>
-              <a:rPr lang="fr-FR" dirty="0" smtClean="0"/>
-              <a:t>  …</a:t>
-            </a:r>
-          </a:p>
-          <a:p>
-            <a:pPr lvl="2"/>
-            <a:r>
-              <a:rPr lang="fr-FR" dirty="0" smtClean="0"/>
-              <a:t>Bilan échantillonnage de la résolution</a:t>
-            </a:r>
-          </a:p>
-          <a:p>
-            <a:pPr lvl="2"/>
-            <a:r>
-              <a:rPr lang="fr-FR" dirty="0" smtClean="0"/>
-              <a:t>Bilan avec réversibilité Moteur</a:t>
-            </a:r>
-          </a:p>
-          <a:p>
-            <a:pPr lvl="2"/>
-            <a:r>
-              <a:rPr lang="fr-FR" dirty="0" smtClean="0"/>
-              <a:t>Exemple avec liaisons cinématiques et limites du SIMM (pas de lien avec SW)</a:t>
-            </a:r>
-          </a:p>
-          <a:p>
-            <a:r>
-              <a:rPr lang="fr-FR" dirty="0" smtClean="0"/>
-              <a:t>Applications pédagogiques </a:t>
-            </a:r>
-            <a:r>
-              <a:rPr lang="fr-FR" dirty="0" err="1" smtClean="0"/>
-              <a:t>Coselica</a:t>
-            </a:r>
-            <a:endParaRPr lang="fr-FR" dirty="0" smtClean="0"/>
-          </a:p>
-          <a:p>
-            <a:pPr lvl="1"/>
-            <a:r>
-              <a:rPr lang="fr-FR" dirty="0" smtClean="0"/>
-              <a:t>Pilote automatique de voilier</a:t>
-            </a:r>
-          </a:p>
-          <a:p>
-            <a:pPr lvl="1"/>
-            <a:r>
-              <a:rPr lang="fr-FR" dirty="0" err="1" smtClean="0"/>
-              <a:t>Arduino</a:t>
-            </a:r>
-            <a:r>
-              <a:rPr lang="fr-FR" dirty="0"/>
-              <a:t> </a:t>
-            </a:r>
-            <a:r>
-              <a:rPr lang="fr-FR" dirty="0" smtClean="0"/>
-              <a:t>?</a:t>
-            </a:r>
-          </a:p>
-          <a:p>
-            <a:endParaRPr lang="fr-FR" dirty="0" smtClean="0"/>
-          </a:p>
-          <a:p>
-            <a:pPr lvl="1"/>
-            <a:endParaRPr lang="fr-FR" dirty="0"/>
-          </a:p>
-        </p:txBody>
-      </p:sp>
-      <p:sp>
-        <p:nvSpPr>
-          <p:cNvPr id="4" name="Espace réservé du numéro de diapositive 3"/>
-          <p:cNvSpPr>
-            <a:spLocks noGrp="1"/>
-          </p:cNvSpPr>
-          <p:nvPr>
-            <p:ph type="sldNum" sz="quarter" idx="15"/>
-          </p:nvPr>
-        </p:nvSpPr>
-        <p:spPr/>
-        <p:txBody>
-          <a:bodyPr/>
-          <a:lstStyle/>
-          <a:p>
-            <a:fld id="{136A7F36-7A21-4EA8-9DC2-F00219448035}" type="slidenum">
-              <a:rPr lang="fr-FR" smtClean="0"/>
-              <a:t>3</a:t>
-            </a:fld>
-            <a:endParaRPr lang="fr-FR"/>
-          </a:p>
-        </p:txBody>
-      </p:sp>
-    </p:spTree>
-    <p:extLst>
-      <p:ext uri="{BB962C8B-B14F-4D97-AF65-F5344CB8AC3E}">
-        <p14:creationId xmlns:p14="http://schemas.microsoft.com/office/powerpoint/2010/main" val="297069116"/>
-      </p:ext>
-    </p:extLst>
-  </p:cSld>
-  <p:clrMapOvr>
-    <a:masterClrMapping/>
-  </p:clrMapOvr>
-</p:sld>
-</file>
-
 <file path=ppt/slides/slide4.xml><?xml version="1.0" encoding="utf-8"?>
 <p:sld xmlns:a="http://schemas.openxmlformats.org/drawingml/2006/main" xmlns:r="http://schemas.openxmlformats.org/officeDocument/2006/relationships" xmlns:p="http://schemas.openxmlformats.org/presentationml/2006/main">
   <p:cSld>
@@ -10284,7 +11763,7 @@
         <p:spPr/>
         <p:txBody>
           <a:bodyPr>
-            <a:normAutofit fontScale="92500"/>
+            <a:normAutofit lnSpcReduction="10000"/>
           </a:bodyPr>
           <a:lstStyle/>
           <a:p>
@@ -10454,15 +11933,7 @@
             <a:pPr lvl="1"/>
             <a:r>
               <a:rPr lang="fr-FR" dirty="0" smtClean="0"/>
-              <a:t>Le modèle </a:t>
-            </a:r>
-            <a:r>
-              <a:rPr lang="fr-FR" dirty="0" smtClean="0"/>
-              <a:t>établi </a:t>
-            </a:r>
-            <a:r>
-              <a:rPr lang="fr-FR" dirty="0" smtClean="0"/>
-              <a:t>à partir des lois de la physique ou de la chimie.</a:t>
+              <a:t>Le modèle établi à partir des lois de la physique ou de la chimie</a:t>
             </a:r>
           </a:p>
           <a:p>
@@ -10479,7 +11950,7 @@
             </a:r>
             <a:r>
               <a:rPr lang="fr-FR" dirty="0" smtClean="0"/>
-              <a:t>xpliciter le fonctionnement d’un bloc d’un système par une relation mathématique.</a:t>
+              <a:t>xpliciter le fonctionnement d’un bloc d’un système par une relation mathématique</a:t>
             </a:r>
           </a:p>
           <a:p>
@@ -10583,14 +12054,14 @@
             </a:br>
             <a:r>
               <a:rPr lang="fr-FR" dirty="0" smtClean="0"/>
-              <a:t>Le modèle de connaissance</a:t>
+              <a:t>Le modèle de connaissance - Exemple</a:t>
             </a:r>
             <a:endParaRPr lang="fr-FR" dirty="0"/>
           </a:p>
         </p:txBody>
       </p:sp>
-      <mc:AlternateContent xmlns:mc="http://schemas.openxmlformats.org/markup-compatibility/2006">
-        <mc:Choice xmlns:a14="http://schemas.microsoft.com/office/drawing/2010/main" Requires="a14">
+      <mc:AlternateContent xmlns:mc="http://schemas.openxmlformats.org/markup-compatibility/2006" xmlns:a14="http://schemas.microsoft.com/office/drawing/2010/main">
+        <mc:Choice Requires="a14">
           <p:sp>
             <p:nvSpPr>
               <p:cNvPr id="5" name="Espace réservé du contenu 4"/>
@@ -11091,7 +12562,7 @@
               <a:p>
                 <a:r>
                   <a:rPr lang="fr-FR" dirty="0" smtClean="0"/>
-                  <a:t>Équation électro mécanique</a:t>
+                  <a:t>Équations électro mécanique</a:t>
                 </a:r>
               </a:p>
               <a:p>
@@ -11417,7 +12888,7 @@
             </p:txBody>
           </p:sp>
         </mc:Choice>
-        <mc:Fallback>
+        <mc:Fallback xmlns="">
           <p:sp>
             <p:nvSpPr>
               <p:cNvPr id="5" name="Espace réservé du contenu 4"/>
@@ -11530,15 +13001,6 @@
                 <a:headEnd/>
                 <a:tailEnd/>
               </a14:hiddenLine>
-            </a:ext>
-            <a:ext uri="{AF507438-7753-43E0-B8FC-AC1667EBCBE1}">
-              <a14:hiddenEffects xmlns:a14="http://schemas.microsoft.com/office/drawing/2010/main">
-                <a:effectLst>
-                  <a:outerShdw dist="35921" dir="2700000" algn="ctr" rotWithShape="0">
-                    <a:schemeClr val="bg2"/>
-                  </a:outerShdw>
-                </a:effectLst>
-              </a14:hiddenEffects>
             </a:ext>
           </a:extLst>
         </p:spPr>
@@ -11600,15 +13062,6 @@
                 <a:tailEnd/>
               </a14:hiddenLine>
             </a:ext>
-            <a:ext uri="{AF507438-7753-43E0-B8FC-AC1667EBCBE1}">
-              <a14:hiddenEffects xmlns:a14="http://schemas.microsoft.com/office/drawing/2010/main">
-                <a:effectLst>
-                  <a:outerShdw dist="35921" dir="2700000" algn="ctr" rotWithShape="0">
-                    <a:schemeClr val="bg2"/>
-                  </a:outerShdw>
-                </a:effectLst>
-              </a14:hiddenEffects>
-            </a:ext>
           </a:extLst>
         </p:spPr>
       </p:pic>
@@ -11669,15 +13122,6 @@
                 <a:tailEnd/>
               </a14:hiddenLine>
             </a:ext>
-            <a:ext uri="{AF507438-7753-43E0-B8FC-AC1667EBCBE1}">
-              <a14:hiddenEffects xmlns:a14="http://schemas.microsoft.com/office/drawing/2010/main">
-                <a:effectLst>
-                  <a:outerShdw dist="35921" dir="2700000" algn="ctr" rotWithShape="0">
-                    <a:schemeClr val="bg2"/>
-                  </a:outerShdw>
-                </a:effectLst>
-              </a14:hiddenEffects>
-            </a:ext>
           </a:extLst>
         </p:spPr>
       </p:pic>
@@ -11689,7 +13133,7 @@
         </p:nvSpPr>
         <p:spPr>
           <a:xfrm>
-            <a:off x="6517528" y="2996952"/>
+            <a:off x="5868144" y="2996952"/>
             <a:ext cx="430736" cy="720080"/>
           </a:xfrm>
           <a:prstGeom prst="downArrow">
@@ -11716,6 +13160,40 @@
           <a:p>
             <a:pPr algn="ctr"/>
             <a:endParaRPr lang="fr-FR"/>
+          </a:p>
+        </p:txBody>
+      </p:sp>
+      <p:sp>
+        <p:nvSpPr>
+          <p:cNvPr id="3" name="ZoneTexte 2"/>
+          <p:cNvSpPr txBox="1"/>
+          <p:nvPr/>
+        </p:nvSpPr>
+        <p:spPr>
+          <a:xfrm>
+            <a:off x="6407696" y="3033826"/>
+            <a:ext cx="2736304" cy="646331"/>
+          </a:xfrm>
+          <a:prstGeom prst="rect">
+            <a:avLst/>
+          </a:prstGeom>
+          <a:noFill/>
+        </p:spPr>
+        <p:txBody>
+          <a:bodyPr wrap="square" rtlCol="0">
+            <a:spAutoFit/>
+          </a:bodyPr>
+          <a:lstStyle/>
+          <a:p>
+            <a:r>
+              <a:rPr lang="fr-FR" dirty="0" smtClean="0">
+                <a:latin typeface="Calibri" panose="020F0502020204030204" pitchFamily="34" charset="0"/>
+              </a:rPr>
+              <a:t>Intégration des non linéarités</a:t>
+            </a:r>
+            <a:endParaRPr lang="fr-FR" dirty="0">
+              <a:latin typeface="Calibri" panose="020F0502020204030204" pitchFamily="34" charset="0"/>
+            </a:endParaRPr>
           </a:p>
         </p:txBody>
       </p:sp>
@@ -11775,35 +13253,447 @@
             </a:br>
             <a:r>
               <a:rPr lang="fr-FR" dirty="0" smtClean="0"/>
-              <a:t>Enjeux</a:t>
+              <a:t>Modélisation causale – Mise en situation</a:t>
             </a:r>
             <a:endParaRPr lang="fr-FR" dirty="0"/>
           </a:p>
         </p:txBody>
       </p:sp>
-      <p:sp>
-        <p:nvSpPr>
-          <p:cNvPr id="3" name="Espace réservé du contenu 2"/>
-          <p:cNvSpPr>
-            <a:spLocks noGrp="1"/>
-          </p:cNvSpPr>
-          <p:nvPr>
-            <p:ph sz="quarter" idx="1"/>
-          </p:nvPr>
-        </p:nvSpPr>
-        <p:spPr/>
-        <p:txBody>
-          <a:bodyPr/>
-          <a:lstStyle/>
-          <a:p>
-            <a:r>
-              <a:rPr lang="fr-FR" dirty="0" smtClean="0"/>
-              <a:t>Pouvoir simuler le comportement d’un système dans sa globalité </a:t>
-            </a:r>
-            <a:endParaRPr lang="fr-FR" dirty="0"/>
-          </a:p>
-        </p:txBody>
-      </p:sp>
+      <mc:AlternateContent xmlns:mc="http://schemas.openxmlformats.org/markup-compatibility/2006" xmlns:a14="http://schemas.microsoft.com/office/drawing/2010/main">
+        <mc:Choice Requires="a14">
+          <p:sp>
+            <p:nvSpPr>
+              <p:cNvPr id="3" name="Espace réservé du contenu 2"/>
+              <p:cNvSpPr>
+                <a:spLocks noGrp="1"/>
+              </p:cNvSpPr>
+              <p:nvPr>
+                <p:ph sz="quarter" idx="1"/>
+              </p:nvPr>
+            </p:nvSpPr>
+            <p:spPr/>
+            <p:txBody>
+              <a:bodyPr>
+                <a:normAutofit lnSpcReduction="10000"/>
+              </a:bodyPr>
+              <a:lstStyle/>
+              <a:p>
+                <a:r>
+                  <a:rPr lang="fr-FR" dirty="0" smtClean="0"/>
+                  <a:t>La modélisation causale permet de modéliser des phénomènes linéaires</a:t>
+                </a:r>
+              </a:p>
+              <a:p>
+                <a:pPr lvl="1"/>
+                <a:r>
+                  <a:rPr lang="fr-FR" dirty="0" smtClean="0"/>
+                  <a:t>Loi de comportement régit par une application linéaire </a:t>
+                </a:r>
+                <a:endParaRPr lang="fr-FR" b="0" i="1" dirty="0" smtClean="0">
+                  <a:latin typeface="Cambria Math"/>
+                </a:endParaRPr>
+              </a:p>
+              <a:p>
+                <a:pPr lvl="2"/>
+                <a14:m>
+                  <m:oMath xmlns:m="http://schemas.openxmlformats.org/officeDocument/2006/math">
+                    <m:r>
+                      <a:rPr lang="fr-FR" b="0" i="1" smtClean="0">
+                        <a:latin typeface="Cambria Math"/>
+                      </a:rPr>
+                      <m:t>𝑠</m:t>
+                    </m:r>
+                    <m:d>
+                      <m:dPr>
+                        <m:ctrlPr>
+                          <a:rPr lang="fr-FR" b="0" i="1" smtClean="0">
+                            <a:latin typeface="Cambria Math"/>
+                          </a:rPr>
+                        </m:ctrlPr>
+                      </m:dPr>
+                      <m:e>
+                        <m:r>
+                          <a:rPr lang="fr-FR" b="0" i="1" smtClean="0">
+                            <a:latin typeface="Cambria Math"/>
+                          </a:rPr>
+                          <m:t>𝑡</m:t>
+                        </m:r>
+                      </m:e>
+                    </m:d>
+                    <m:r>
+                      <a:rPr lang="fr-FR" b="0" i="1" smtClean="0">
+                        <a:latin typeface="Cambria Math"/>
+                      </a:rPr>
+                      <m:t>=</m:t>
+                    </m:r>
+                    <m:r>
+                      <a:rPr lang="fr-FR" b="0" i="1" smtClean="0">
+                        <a:latin typeface="Cambria Math"/>
+                      </a:rPr>
+                      <m:t>𝑘</m:t>
+                    </m:r>
+                    <m:r>
+                      <a:rPr lang="fr-FR" b="0" i="1" smtClean="0">
+                        <a:latin typeface="Cambria Math"/>
+                      </a:rPr>
+                      <m:t>⋅</m:t>
+                    </m:r>
+                    <m:r>
+                      <a:rPr lang="fr-FR" b="0" i="1" smtClean="0">
+                        <a:latin typeface="Cambria Math"/>
+                      </a:rPr>
+                      <m:t>𝑒</m:t>
+                    </m:r>
+                    <m:d>
+                      <m:dPr>
+                        <m:ctrlPr>
+                          <a:rPr lang="fr-FR" b="0" i="1" smtClean="0">
+                            <a:latin typeface="Cambria Math"/>
+                          </a:rPr>
+                        </m:ctrlPr>
+                      </m:dPr>
+                      <m:e>
+                        <m:r>
+                          <a:rPr lang="fr-FR" b="0" i="1" smtClean="0">
+                            <a:latin typeface="Cambria Math"/>
+                          </a:rPr>
+                          <m:t>𝑡</m:t>
+                        </m:r>
+                      </m:e>
+                    </m:d>
+                  </m:oMath>
+                </a14:m>
+                <a:endParaRPr lang="fr-FR" dirty="0" smtClean="0"/>
+              </a:p>
+              <a:p>
+                <a:pPr lvl="2"/>
+                <a:r>
+                  <a:rPr lang="fr-FR" dirty="0" smtClean="0"/>
+                  <a:t>Exemples </a:t>
+                </a:r>
+              </a:p>
+              <a:p>
+                <a:pPr lvl="3"/>
+                <a:r>
+                  <a:rPr lang="fr-FR" dirty="0" smtClean="0"/>
+                  <a:t>Évolution de l’effort dans un ressort</a:t>
+                </a:r>
+              </a:p>
+              <a:p>
+                <a:pPr lvl="3"/>
+                <a:r>
+                  <a:rPr lang="fr-FR" dirty="0" smtClean="0"/>
+                  <a:t>Évolution de la tension aux bornes d’une résistance</a:t>
+                </a:r>
+              </a:p>
+              <a:p>
+                <a:pPr lvl="1"/>
+                <a:r>
+                  <a:rPr lang="fr-FR" dirty="0" smtClean="0"/>
+                  <a:t>Loi de comportement régit par une équation différentielle à coefficients constants</a:t>
+                </a:r>
+              </a:p>
+              <a:p>
+                <a:pPr lvl="2"/>
+                <a14:m>
+                  <m:oMath xmlns:m="http://schemas.openxmlformats.org/officeDocument/2006/math">
+                    <m:nary>
+                      <m:naryPr>
+                        <m:chr m:val="∑"/>
+                        <m:ctrlPr>
+                          <a:rPr lang="fr-FR" i="1" smtClean="0">
+                            <a:latin typeface="Cambria Math"/>
+                          </a:rPr>
+                        </m:ctrlPr>
+                      </m:naryPr>
+                      <m:sub>
+                        <m:r>
+                          <m:rPr>
+                            <m:brk m:alnAt="23"/>
+                          </m:rPr>
+                          <a:rPr lang="fr-FR" b="0" i="1" smtClean="0">
+                            <a:latin typeface="Cambria Math"/>
+                          </a:rPr>
+                          <m:t>𝑖</m:t>
+                        </m:r>
+                        <m:r>
+                          <a:rPr lang="fr-FR" b="0" i="1" smtClean="0">
+                            <a:latin typeface="Cambria Math"/>
+                          </a:rPr>
+                          <m:t>=0</m:t>
+                        </m:r>
+                      </m:sub>
+                      <m:sup>
+                        <m:r>
+                          <a:rPr lang="fr-FR" b="0" i="1" smtClean="0">
+                            <a:latin typeface="Cambria Math"/>
+                          </a:rPr>
+                          <m:t>𝑛</m:t>
+                        </m:r>
+                      </m:sup>
+                      <m:e>
+                        <m:sSub>
+                          <m:sSubPr>
+                            <m:ctrlPr>
+                              <a:rPr lang="fr-FR" i="1">
+                                <a:latin typeface="Cambria Math"/>
+                              </a:rPr>
+                            </m:ctrlPr>
+                          </m:sSubPr>
+                          <m:e>
+                            <m:r>
+                              <a:rPr lang="fr-FR" i="1">
+                                <a:latin typeface="Cambria Math"/>
+                              </a:rPr>
+                              <m:t>𝑎</m:t>
+                            </m:r>
+                          </m:e>
+                          <m:sub>
+                            <m:r>
+                              <a:rPr lang="fr-FR" i="1">
+                                <a:latin typeface="Cambria Math"/>
+                              </a:rPr>
+                              <m:t>𝑛</m:t>
+                            </m:r>
+                          </m:sub>
+                        </m:sSub>
+                        <m:f>
+                          <m:fPr>
+                            <m:ctrlPr>
+                              <a:rPr lang="fr-FR" b="0" i="1" smtClean="0">
+                                <a:latin typeface="Cambria Math"/>
+                              </a:rPr>
+                            </m:ctrlPr>
+                          </m:fPr>
+                          <m:num>
+                            <m:sSup>
+                              <m:sSupPr>
+                                <m:ctrlPr>
+                                  <a:rPr lang="fr-FR" b="0" i="1" smtClean="0">
+                                    <a:latin typeface="Cambria Math"/>
+                                  </a:rPr>
+                                </m:ctrlPr>
+                              </m:sSupPr>
+                              <m:e>
+                                <m:r>
+                                  <a:rPr lang="fr-FR" b="0" i="1" smtClean="0">
+                                    <a:latin typeface="Cambria Math"/>
+                                  </a:rPr>
+                                  <m:t>𝑑</m:t>
+                                </m:r>
+                              </m:e>
+                              <m:sup>
+                                <m:r>
+                                  <a:rPr lang="fr-FR" b="0" i="1" smtClean="0">
+                                    <a:latin typeface="Cambria Math"/>
+                                  </a:rPr>
+                                  <m:t>(</m:t>
+                                </m:r>
+                                <m:r>
+                                  <a:rPr lang="fr-FR" b="0" i="1" smtClean="0">
+                                    <a:latin typeface="Cambria Math"/>
+                                  </a:rPr>
+                                  <m:t>𝑛</m:t>
+                                </m:r>
+                                <m:r>
+                                  <a:rPr lang="fr-FR" b="0" i="1" smtClean="0">
+                                    <a:latin typeface="Cambria Math"/>
+                                  </a:rPr>
+                                  <m:t>)</m:t>
+                                </m:r>
+                              </m:sup>
+                            </m:sSup>
+                            <m:r>
+                              <a:rPr lang="fr-FR" b="0" i="1" smtClean="0">
+                                <a:latin typeface="Cambria Math"/>
+                              </a:rPr>
+                              <m:t>𝑠</m:t>
+                            </m:r>
+                            <m:d>
+                              <m:dPr>
+                                <m:ctrlPr>
+                                  <a:rPr lang="fr-FR" b="0" i="1" smtClean="0">
+                                    <a:latin typeface="Cambria Math"/>
+                                  </a:rPr>
+                                </m:ctrlPr>
+                              </m:dPr>
+                              <m:e>
+                                <m:r>
+                                  <a:rPr lang="fr-FR" b="0" i="1" smtClean="0">
+                                    <a:latin typeface="Cambria Math"/>
+                                  </a:rPr>
+                                  <m:t>𝑡</m:t>
+                                </m:r>
+                              </m:e>
+                            </m:d>
+                          </m:num>
+                          <m:den>
+                            <m:r>
+                              <a:rPr lang="fr-FR" b="0" i="1" smtClean="0">
+                                <a:latin typeface="Cambria Math"/>
+                              </a:rPr>
+                              <m:t>𝑑</m:t>
+                            </m:r>
+                            <m:sSup>
+                              <m:sSupPr>
+                                <m:ctrlPr>
+                                  <a:rPr lang="fr-FR" b="0" i="1" smtClean="0">
+                                    <a:latin typeface="Cambria Math"/>
+                                  </a:rPr>
+                                </m:ctrlPr>
+                              </m:sSupPr>
+                              <m:e>
+                                <m:r>
+                                  <a:rPr lang="fr-FR" b="0" i="1" smtClean="0">
+                                    <a:latin typeface="Cambria Math"/>
+                                  </a:rPr>
+                                  <m:t>𝑡</m:t>
+                                </m:r>
+                              </m:e>
+                              <m:sup>
+                                <m:r>
+                                  <a:rPr lang="fr-FR" b="0" i="1" smtClean="0">
+                                    <a:latin typeface="Cambria Math"/>
+                                  </a:rPr>
+                                  <m:t>(</m:t>
+                                </m:r>
+                                <m:r>
+                                  <a:rPr lang="fr-FR" b="0" i="1" smtClean="0">
+                                    <a:latin typeface="Cambria Math"/>
+                                  </a:rPr>
+                                  <m:t>𝑛</m:t>
+                                </m:r>
+                                <m:r>
+                                  <a:rPr lang="fr-FR" b="0" i="1" smtClean="0">
+                                    <a:latin typeface="Cambria Math"/>
+                                  </a:rPr>
+                                  <m:t>)</m:t>
+                                </m:r>
+                              </m:sup>
+                            </m:sSup>
+                          </m:den>
+                        </m:f>
+                      </m:e>
+                    </m:nary>
+                    <m:r>
+                      <a:rPr lang="fr-FR" b="0" i="1" smtClean="0">
+                        <a:latin typeface="Cambria Math"/>
+                      </a:rPr>
+                      <m:t>=</m:t>
+                    </m:r>
+                    <m:r>
+                      <a:rPr lang="fr-FR" b="0" i="1" smtClean="0">
+                        <a:latin typeface="Cambria Math"/>
+                      </a:rPr>
+                      <m:t>𝑒</m:t>
+                    </m:r>
+                    <m:r>
+                      <a:rPr lang="fr-FR" b="0" i="1" smtClean="0">
+                        <a:latin typeface="Cambria Math"/>
+                      </a:rPr>
+                      <m:t>(</m:t>
+                    </m:r>
+                    <m:r>
+                      <a:rPr lang="fr-FR" b="0" i="1" smtClean="0">
+                        <a:latin typeface="Cambria Math"/>
+                      </a:rPr>
+                      <m:t>𝑡</m:t>
+                    </m:r>
+                    <m:r>
+                      <a:rPr lang="fr-FR" b="0" i="1" smtClean="0">
+                        <a:latin typeface="Cambria Math"/>
+                      </a:rPr>
+                      <m:t>)</m:t>
+                    </m:r>
+                  </m:oMath>
+                </a14:m>
+                <a:endParaRPr lang="fr-FR" dirty="0" smtClean="0"/>
+              </a:p>
+              <a:p>
+                <a:pPr lvl="2"/>
+                <a:r>
+                  <a:rPr lang="fr-FR" dirty="0" smtClean="0"/>
+                  <a:t>Exemples </a:t>
+                </a:r>
+              </a:p>
+              <a:p>
+                <a:pPr lvl="3"/>
+                <a:r>
+                  <a:rPr lang="fr-FR" dirty="0" smtClean="0"/>
+                  <a:t>Évolution de la tension aux bornes d’un condensateur</a:t>
+                </a:r>
+              </a:p>
+              <a:p>
+                <a:pPr lvl="3"/>
+                <a:r>
+                  <a:rPr lang="fr-FR" dirty="0" smtClean="0"/>
+                  <a:t>Évolution de l’effort dans un système en mouvement </a:t>
+                </a:r>
+              </a:p>
+              <a:p>
+                <a:r>
+                  <a:rPr lang="fr-FR" dirty="0" smtClean="0"/>
+                  <a:t>Exemples de phénomènes non linéaires</a:t>
+                </a:r>
+              </a:p>
+              <a:p>
+                <a:pPr lvl="1"/>
+                <a:r>
+                  <a:rPr lang="fr-FR" dirty="0" smtClean="0"/>
+                  <a:t>Fonctionnement d’une diode</a:t>
+                </a:r>
+              </a:p>
+              <a:p>
+                <a:pPr lvl="1"/>
+                <a:r>
+                  <a:rPr lang="fr-FR" dirty="0" smtClean="0"/>
+                  <a:t>Loi entrée / sortie de type « Croix de Malte »</a:t>
+                </a:r>
+              </a:p>
+              <a:p>
+                <a:pPr lvl="2"/>
+                <a:r>
+                  <a:rPr lang="fr-FR" dirty="0" smtClean="0"/>
+                  <a:t>Qu’il faudra linéariser autour d’un point de fonctionnement</a:t>
+                </a:r>
+              </a:p>
+            </p:txBody>
+          </p:sp>
+        </mc:Choice>
+        <mc:Fallback xmlns="">
+          <p:sp>
+            <p:nvSpPr>
+              <p:cNvPr id="3" name="Espace réservé du contenu 2"/>
+              <p:cNvSpPr>
+                <a:spLocks noGrp="1" noRot="1" noChangeAspect="1" noMove="1" noResize="1" noEditPoints="1" noAdjustHandles="1" noChangeArrowheads="1" noChangeShapeType="1" noTextEdit="1"/>
+              </p:cNvSpPr>
+              <p:nvPr>
+                <p:ph sz="quarter" idx="1"/>
+              </p:nvPr>
+            </p:nvSpPr>
+            <p:spPr>
+              <a:blipFill rotWithShape="1">
+                <a:blip r:embed="rId2"/>
+                <a:stretch>
+                  <a:fillRect l="-77" t="-1171" r="-538"/>
+                </a:stretch>
+              </a:blipFill>
+            </p:spPr>
+            <p:txBody>
+              <a:bodyPr/>
+              <a:lstStyle/>
+              <a:p>
+                <a:r>
+                  <a:rPr lang="fr-FR">
+                    <a:noFill/>
+                  </a:rPr>
+                  <a:t> </a:t>
+                </a:r>
+              </a:p>
+            </p:txBody>
+          </p:sp>
+        </mc:Fallback>
+      </mc:AlternateContent>
       <p:sp>
         <p:nvSpPr>
           <p:cNvPr id="4" name="Espace réservé du numéro de diapositive 3"/>
@@ -11830,7 +13720,7 @@
     </p:spTree>
     <p:extLst>
       <p:ext uri="{BB962C8B-B14F-4D97-AF65-F5344CB8AC3E}">
-        <p14:creationId xmlns:p14="http://schemas.microsoft.com/office/powerpoint/2010/main" val="1601485309"/>
+        <p14:creationId xmlns:p14="http://schemas.microsoft.com/office/powerpoint/2010/main" val="1793480319"/>
       </p:ext>
     </p:extLst>
   </p:cSld>
@@ -12418,4 +14308,289 @@
   <a:objectDefaults/>
   <a:extraClrSchemeLst/>
 </a:theme>
+</file>
+
+<file path=ppt/theme/theme3.xml><?xml version="1.0" encoding="utf-8"?>
+<a:theme xmlns:a="http://schemas.openxmlformats.org/drawingml/2006/main" name="Thème Office">
+  <a:themeElements>
+    <a:clrScheme name="Office">
+      <a:dk1>
+        <a:sysClr val="windowText" lastClr="000000"/>
+      </a:dk1>
+      <a:lt1>
+        <a:sysClr val="window" lastClr="FFFFFF"/>
+      </a:lt1>
+      <a:dk2>
+        <a:srgbClr val="1F497D"/>
+      </a:dk2>
+      <a:lt2>
+        <a:srgbClr val="EEECE1"/>
+      </a:lt2>
+      <a:accent1>
+        <a:srgbClr val="4F81BD"/>
+      </a:accent1>
+      <a:accent2>
+        <a:srgbClr val="C0504D"/>
+      </a:accent2>
+      <a:accent3>
+        <a:srgbClr val="9BBB59"/>
+      </a:accent3>
+      <a:accent4>
+        <a:srgbClr val="8064A2"/>
+      </a:accent4>
+      <a:accent5>
+        <a:srgbClr val="4BACC6"/>
+      </a:accent5>
+      <a:accent6>
+        <a:srgbClr val="F79646"/>
+      </a:accent6>
+      <a:hlink>
+        <a:srgbClr val="0000FF"/>
+      </a:hlink>
+      <a:folHlink>
+        <a:srgbClr val="800080"/>
+      </a:folHlink>
+    </a:clrScheme>
+    <a:fontScheme name="Office">
+      <a:majorFont>
+        <a:latin typeface="Calibri"/>
+        <a:ea typeface=""/>
+        <a:cs typeface=""/>
+        <a:font script="Jpan" typeface="ＭＳ Ｐゴシック"/>
+        <a:font script="Hang" typeface="맑은 고딕"/>
+        <a:font script="Hans" typeface="宋体"/>
+        <a:font script="Hant" typeface="新細明體"/>
+        <a:font script="Arab" typeface="Times New Roman"/>
+        <a:font script="Hebr" typeface="Times New Roman"/>
+        <a:font script="Thai" typeface="Angsana New"/>
+        <a:font script="Ethi" typeface="Nyala"/>
+        <a:font script="Beng" typeface="Vrinda"/>
+        <a:font script="Gujr" typeface="Shruti"/>
+        <a:font script="Khmr" typeface="MoolBoran"/>
+        <a:font script="Knda" typeface="Tunga"/>
+        <a:font script="Guru" typeface="Raavi"/>
+        <a:font script="Cans" typeface="Euphemia"/>
+        <a:font script="Cher" typeface="Plantagenet Cherokee"/>
+        <a:font script="Yiii" typeface="Microsoft Yi Baiti"/>
+        <a:font script="Tibt" typeface="Microsoft Himalaya"/>
+        <a:font script="Thaa" typeface="MV Boli"/>
+        <a:font script="Deva" typeface="Mangal"/>
+        <a:font script="Telu" typeface="Gautami"/>
+        <a:font script="Taml" typeface="Latha"/>
+        <a:font script="Syrc" typeface="Estrangelo Edessa"/>
+        <a:font script="Orya" typeface="Kalinga"/>
+        <a:font script="Mlym" typeface="Kartika"/>
+        <a:font script="Laoo" typeface="DokChampa"/>
+        <a:font script="Sinh" typeface="Iskoola Pota"/>
+        <a:font script="Mong" typeface="Mongolian Baiti"/>
+        <a:font script="Viet" typeface="Times New Roman"/>
+        <a:font script="Uigh" typeface="Microsoft Uighur"/>
+        <a:font script="Geor" typeface="Sylfaen"/>
+      </a:majorFont>
+      <a:minorFont>
+        <a:latin typeface="Calibri"/>
+        <a:ea typeface=""/>
+        <a:cs typeface=""/>
+        <a:font script="Jpan" typeface="ＭＳ Ｐゴシック"/>
+        <a:font script="Hang" typeface="맑은 고딕"/>
+        <a:font script="Hans" typeface="宋体"/>
+        <a:font script="Hant" typeface="新細明體"/>
+        <a:font script="Arab" typeface="Arial"/>
+        <a:font script="Hebr" typeface="Arial"/>
+        <a:font script="Thai" typeface="Cordia New"/>
+        <a:font script="Ethi" typeface="Nyala"/>
+        <a:font script="Beng" typeface="Vrinda"/>
+        <a:font script="Gujr" typeface="Shruti"/>
+        <a:font script="Khmr" typeface="DaunPenh"/>
+        <a:font script="Knda" typeface="Tunga"/>
+        <a:font script="Guru" typeface="Raavi"/>
+        <a:font script="Cans" typeface="Euphemia"/>
+        <a:font script="Cher" typeface="Plantagenet Cherokee"/>
+        <a:font script="Yiii" typeface="Microsoft Yi Baiti"/>
+        <a:font script="Tibt" typeface="Microsoft Himalaya"/>
+        <a:font script="Thaa" typeface="MV Boli"/>
+        <a:font script="Deva" typeface="Mangal"/>
+        <a:font script="Telu" typeface="Gautami"/>
+        <a:font script="Taml" typeface="Latha"/>
+        <a:font script="Syrc" typeface="Estrangelo Edessa"/>
+        <a:font script="Orya" typeface="Kalinga"/>
+        <a:font script="Mlym" typeface="Kartika"/>
+        <a:font script="Laoo" typeface="DokChampa"/>
+        <a:font script="Sinh" typeface="Iskoola Pota"/>
+        <a:font script="Mong" typeface="Mongolian Baiti"/>
+        <a:font script="Viet" typeface="Arial"/>
+        <a:font script="Uigh" typeface="Microsoft Uighur"/>
+        <a:font script="Geor" typeface="Sylfaen"/>
+      </a:minorFont>
+    </a:fontScheme>
+    <a:fmtScheme name="Office">
+      <a:fillStyleLst>
+        <a:solidFill>
+          <a:schemeClr val="phClr"/>
+        </a:solidFill>
+        <a:gradFill rotWithShape="1">
+          <a:gsLst>
+            <a:gs pos="0">
+              <a:schemeClr val="phClr">
+                <a:tint val="50000"/>
+                <a:satMod val="300000"/>
+              </a:schemeClr>
+            </a:gs>
+            <a:gs pos="35000">
+              <a:schemeClr val="phClr">
+                <a:tint val="37000"/>
+                <a:satMod val="300000"/>
+              </a:schemeClr>
+            </a:gs>
+            <a:gs pos="100000">
+              <a:schemeClr val="phClr">
+                <a:tint val="15000"/>
+                <a:satMod val="350000"/>
+              </a:schemeClr>
+            </a:gs>
+          </a:gsLst>
+          <a:lin ang="16200000" scaled="1"/>
+        </a:gradFill>
+        <a:gradFill rotWithShape="1">
+          <a:gsLst>
+            <a:gs pos="0">
+              <a:schemeClr val="phClr">
+                <a:shade val="51000"/>
+                <a:satMod val="130000"/>
+              </a:schemeClr>
+            </a:gs>
+            <a:gs pos="80000">
+              <a:schemeClr val="phClr">
+                <a:shade val="93000"/>
+                <a:satMod val="130000"/>
+              </a:schemeClr>
+            </a:gs>
+            <a:gs pos="100000">
+              <a:schemeClr val="phClr">
+                <a:shade val="94000"/>
+                <a:satMod val="135000"/>
+              </a:schemeClr>
+            </a:gs>
+          </a:gsLst>
+          <a:lin ang="16200000" scaled="0"/>
+        </a:gradFill>
+      </a:fillStyleLst>
+      <a:lnStyleLst>
+        <a:ln w="9525" cap="flat" cmpd="sng" algn="ctr">
+          <a:solidFill>
+            <a:schemeClr val="phClr">
+              <a:shade val="95000"/>
+              <a:satMod val="105000"/>
+            </a:schemeClr>
+          </a:solidFill>
+          <a:prstDash val="solid"/>
+        </a:ln>
+        <a:ln w="25400" cap="flat" cmpd="sng" algn="ctr">
+          <a:solidFill>
+            <a:schemeClr val="phClr"/>
+          </a:solidFill>
+          <a:prstDash val="solid"/>
+        </a:ln>
+        <a:ln w="38100" cap="flat" cmpd="sng" algn="ctr">
+          <a:solidFill>
+            <a:schemeClr val="phClr"/>
+          </a:solidFill>
+          <a:prstDash val="solid"/>
+        </a:ln>
+      </a:lnStyleLst>
+      <a:effectStyleLst>
+        <a:effectStyle>
+          <a:effectLst>
+            <a:outerShdw blurRad="40000" dist="20000" dir="5400000" rotWithShape="0">
+              <a:srgbClr val="000000">
+                <a:alpha val="38000"/>
+              </a:srgbClr>
+            </a:outerShdw>
+          </a:effectLst>
+        </a:effectStyle>
+        <a:effectStyle>
+          <a:effectLst>
+            <a:outerShdw blurRad="40000" dist="23000" dir="5400000" rotWithShape="0">
+              <a:srgbClr val="000000">
+                <a:alpha val="35000"/>
+              </a:srgbClr>
+            </a:outerShdw>
+          </a:effectLst>
+        </a:effectStyle>
+        <a:effectStyle>
+          <a:effectLst>
+            <a:outerShdw blurRad="40000" dist="23000" dir="5400000" rotWithShape="0">
+              <a:srgbClr val="000000">
+                <a:alpha val="35000"/>
+              </a:srgbClr>
+            </a:outerShdw>
+          </a:effectLst>
+          <a:scene3d>
+            <a:camera prst="orthographicFront">
+              <a:rot lat="0" lon="0" rev="0"/>
+            </a:camera>
+            <a:lightRig rig="threePt" dir="t">
+              <a:rot lat="0" lon="0" rev="1200000"/>
+            </a:lightRig>
+          </a:scene3d>
+          <a:sp3d>
+            <a:bevelT w="63500" h="25400"/>
+          </a:sp3d>
+        </a:effectStyle>
+      </a:effectStyleLst>
+      <a:bgFillStyleLst>
+        <a:solidFill>
+          <a:schemeClr val="phClr"/>
+        </a:solidFill>
+        <a:gradFill rotWithShape="1">
+          <a:gsLst>
+            <a:gs pos="0">
+              <a:schemeClr val="phClr">
+                <a:tint val="40000"/>
+                <a:satMod val="350000"/>
+              </a:schemeClr>
+            </a:gs>
+            <a:gs pos="40000">
+              <a:schemeClr val="phClr">
+                <a:tint val="45000"/>
+                <a:shade val="99000"/>
+                <a:satMod val="350000"/>
+              </a:schemeClr>
+            </a:gs>
+            <a:gs pos="100000">
+              <a:schemeClr val="phClr">
+                <a:shade val="20000"/>
+                <a:satMod val="255000"/>
+              </a:schemeClr>
+            </a:gs>
+          </a:gsLst>
+          <a:path path="circle">
+            <a:fillToRect l="50000" t="-80000" r="50000" b="180000"/>
+          </a:path>
+        </a:gradFill>
+        <a:gradFill rotWithShape="1">
+          <a:gsLst>
+            <a:gs pos="0">
+              <a:schemeClr val="phClr">
+                <a:tint val="80000"/>
+                <a:satMod val="300000"/>
+              </a:schemeClr>
+            </a:gs>
+            <a:gs pos="100000">
+              <a:schemeClr val="phClr">
+                <a:shade val="30000"/>
+                <a:satMod val="200000"/>
+              </a:schemeClr>
+            </a:gs>
+          </a:gsLst>
+          <a:path path="circle">
+            <a:fillToRect l="50000" t="50000" r="50000" b="50000"/>
+          </a:path>
+        </a:gradFill>
+      </a:bgFillStyleLst>
+    </a:fmtScheme>
+  </a:themeElements>
+  <a:objectDefaults/>
+  <a:extraClrSchemeLst/>
+</a:theme>
 </file>
--- a/ModelisationMultiphysique/ModelisationMultiphysique.pptx
+++ b/ModelisationMultiphysique/ModelisationMultiphysique.pptx
@@ -5,10 +5,10 @@
     <p:sldMasterId id="2147483804" r:id="rId1"/>
   </p:sldMasterIdLst>
   <p:notesMasterIdLst>
-    <p:notesMasterId r:id="rId37"/>
+    <p:notesMasterId r:id="rId39"/>
   </p:notesMasterIdLst>
   <p:handoutMasterIdLst>
-    <p:handoutMasterId r:id="rId38"/>
+    <p:handoutMasterId r:id="rId40"/>
   </p:handoutMasterIdLst>
   <p:sldIdLst>
     <p:sldId id="256" r:id="rId2"/>
@@ -45,7 +45,9 @@
     <p:sldId id="269" r:id="rId33"/>
     <p:sldId id="270" r:id="rId34"/>
     <p:sldId id="264" r:id="rId35"/>
-    <p:sldId id="266" r:id="rId36"/>
+    <p:sldId id="298" r:id="rId36"/>
+    <p:sldId id="299" r:id="rId37"/>
+    <p:sldId id="266" r:id="rId38"/>
   </p:sldIdLst>
   <p:sldSz cx="9144000" cy="6858000" type="screen4x3"/>
   <p:notesSz cx="6858000" cy="9144000"/>
@@ -229,7 +231,7 @@
           <a:p>
             <a:fld id="{A885B43C-549A-4639-87D3-A3E3E5DAC635}" type="datetimeFigureOut">
               <a:rPr lang="fr-FR" smtClean="0"/>
-              <a:t>30/01/2014</a:t>
+              <a:t>04/02/2014</a:t>
             </a:fld>
             <a:endParaRPr lang="fr-FR"/>
           </a:p>
@@ -394,7 +396,7 @@
           <a:p>
             <a:fld id="{39C4ABE7-6968-4EF3-8008-B142D354329E}" type="datetimeFigureOut">
               <a:rPr lang="fr-FR" smtClean="0"/>
-              <a:t>30/01/2014</a:t>
+              <a:t>04/02/2014</a:t>
             </a:fld>
             <a:endParaRPr lang="fr-FR"/>
           </a:p>
@@ -799,7 +801,7 @@
           <a:p>
             <a:fld id="{4570C44E-2547-490C-B96B-C5716BE8A211}" type="datetime1">
               <a:rPr lang="fr-FR" smtClean="0"/>
-              <a:t>30/01/2014</a:t>
+              <a:t>04/02/2014</a:t>
             </a:fld>
             <a:endParaRPr lang="fr-FR"/>
           </a:p>
@@ -1668,7 +1670,7 @@
           <a:p>
             <a:fld id="{747E099B-BEB6-4FA8-A989-B5CEC6EE96A6}" type="datetime1">
               <a:rPr lang="fr-FR" smtClean="0"/>
-              <a:t>30/01/2014</a:t>
+              <a:t>04/02/2014</a:t>
             </a:fld>
             <a:endParaRPr lang="fr-FR"/>
           </a:p>
@@ -1843,7 +1845,7 @@
           <a:p>
             <a:fld id="{40DE265D-AE92-4B24-A80E-B18047B1C1D8}" type="datetime1">
               <a:rPr lang="fr-FR" smtClean="0"/>
-              <a:t>30/01/2014</a:t>
+              <a:t>04/02/2014</a:t>
             </a:fld>
             <a:endParaRPr lang="fr-FR"/>
           </a:p>
@@ -2013,7 +2015,7 @@
           <a:p>
             <a:fld id="{B833870E-E628-4B55-8FAC-7DEBA033199C}" type="datetime1">
               <a:rPr lang="fr-FR" smtClean="0"/>
-              <a:t>30/01/2014</a:t>
+              <a:t>04/02/2014</a:t>
             </a:fld>
             <a:endParaRPr lang="fr-FR"/>
           </a:p>
@@ -2232,7 +2234,7 @@
           <a:p>
             <a:fld id="{A67C8C45-4A33-4265-B602-D5E2C8444F9A}" type="datetime1">
               <a:rPr lang="fr-FR" smtClean="0"/>
-              <a:t>30/01/2014</a:t>
+              <a:t>04/02/2014</a:t>
             </a:fld>
             <a:endParaRPr lang="fr-FR"/>
           </a:p>
@@ -3046,7 +3048,7 @@
           <a:p>
             <a:fld id="{25CB6C03-371A-4D23-837F-61C5BAFAE300}" type="datetime1">
               <a:rPr lang="fr-FR" smtClean="0"/>
-              <a:t>30/01/2014</a:t>
+              <a:t>04/02/2014</a:t>
             </a:fld>
             <a:endParaRPr lang="fr-FR"/>
           </a:p>
@@ -3282,7 +3284,7 @@
           <a:p>
             <a:fld id="{86EFE65D-E49E-4ACC-802E-2FE5FA140AA8}" type="datetime1">
               <a:rPr lang="fr-FR" smtClean="0"/>
-              <a:t>30/01/2014</a:t>
+              <a:t>04/02/2014</a:t>
             </a:fld>
             <a:endParaRPr lang="fr-FR"/>
           </a:p>
@@ -3605,7 +3607,7 @@
           <a:p>
             <a:fld id="{BD2FCB01-C649-48F3-B16D-AB4366149D3F}" type="datetime1">
               <a:rPr lang="fr-FR" smtClean="0"/>
-              <a:t>30/01/2014</a:t>
+              <a:t>04/02/2014</a:t>
             </a:fld>
             <a:endParaRPr lang="fr-FR"/>
           </a:p>
@@ -3695,7 +3697,7 @@
           <a:p>
             <a:fld id="{8E4AC928-9A8D-4820-8569-8A1256CEB675}" type="datetime1">
               <a:rPr lang="fr-FR" smtClean="0"/>
-              <a:t>30/01/2014</a:t>
+              <a:t>04/02/2014</a:t>
             </a:fld>
             <a:endParaRPr lang="fr-FR"/>
           </a:p>
@@ -4212,7 +4214,7 @@
           <a:p>
             <a:fld id="{A3A61092-D682-48D6-9115-A8828AD70E20}" type="datetime1">
               <a:rPr lang="fr-FR" smtClean="0"/>
-              <a:t>30/01/2014</a:t>
+              <a:t>04/02/2014</a:t>
             </a:fld>
             <a:endParaRPr lang="fr-FR"/>
           </a:p>
@@ -4723,7 +4725,7 @@
           <a:p>
             <a:fld id="{67835B05-DF05-4BBA-868F-A88A58FB33D1}" type="datetime1">
               <a:rPr lang="fr-FR" smtClean="0"/>
-              <a:t>30/01/2014</a:t>
+              <a:t>04/02/2014</a:t>
             </a:fld>
             <a:endParaRPr lang="fr-FR"/>
           </a:p>
@@ -4969,7 +4971,7 @@
           <a:p>
             <a:fld id="{8F35236E-3142-47C6-A5D5-7DD086936AB6}" type="datetime1">
               <a:rPr lang="fr-FR" smtClean="0"/>
-              <a:t>30/01/2014</a:t>
+              <a:t>04/02/2014</a:t>
             </a:fld>
             <a:endParaRPr lang="fr-FR"/>
           </a:p>
@@ -10267,12 +10269,165 @@
       </p:grpSpPr>
       <p:sp>
         <p:nvSpPr>
+          <p:cNvPr id="2" name="Titre 1"/>
+          <p:cNvSpPr>
+            <a:spLocks noGrp="1"/>
+          </p:cNvSpPr>
+          <p:nvPr>
+            <p:ph type="title"/>
+          </p:nvPr>
+        </p:nvSpPr>
+        <p:spPr/>
+        <p:txBody>
+          <a:bodyPr>
+            <a:normAutofit/>
+          </a:bodyPr>
+          <a:lstStyle/>
+          <a:p>
+            <a:r>
+              <a:rPr lang="fr-FR" dirty="0" err="1" smtClean="0"/>
+              <a:t>Xcos</a:t>
+            </a:r>
+            <a:r>
+              <a:rPr lang="fr-FR" dirty="0" smtClean="0"/>
+              <a:t> </a:t>
+            </a:r>
+            <a:r>
+              <a:rPr lang="fr-FR" dirty="0" err="1" smtClean="0"/>
+              <a:t>Arduino</a:t>
+            </a:r>
+            <a:endParaRPr lang="fr-FR" dirty="0"/>
+          </a:p>
+        </p:txBody>
+      </p:sp>
+      <p:sp>
+        <p:nvSpPr>
+          <p:cNvPr id="3" name="Espace réservé du contenu 2"/>
+          <p:cNvSpPr>
+            <a:spLocks noGrp="1"/>
+          </p:cNvSpPr>
+          <p:nvPr>
+            <p:ph sz="quarter" idx="1"/>
+          </p:nvPr>
+        </p:nvSpPr>
+        <p:spPr/>
+        <p:txBody>
+          <a:bodyPr/>
+          <a:lstStyle/>
+          <a:p>
+            <a:r>
+              <a:rPr lang="fr-FR" dirty="0" smtClean="0"/>
+              <a:t>Actions préliminaires</a:t>
+            </a:r>
+          </a:p>
+          <a:p>
+            <a:pPr lvl="1"/>
+            <a:r>
+              <a:rPr lang="fr-FR" dirty="0" smtClean="0"/>
+              <a:t>Dans le gestionnaire de module </a:t>
+            </a:r>
+            <a:r>
+              <a:rPr lang="fr-FR" dirty="0" err="1" smtClean="0"/>
+              <a:t>Atom</a:t>
+            </a:r>
+            <a:r>
+              <a:rPr lang="fr-FR" dirty="0" smtClean="0"/>
+              <a:t> de Scilab</a:t>
+            </a:r>
+          </a:p>
+          <a:p>
+            <a:pPr lvl="2"/>
+            <a:r>
+              <a:rPr lang="fr-FR" dirty="0" smtClean="0"/>
+              <a:t>Installer le module </a:t>
+            </a:r>
+            <a:r>
+              <a:rPr lang="fr-FR" dirty="0" err="1" smtClean="0"/>
+              <a:t>Arduino</a:t>
+            </a:r>
+            <a:endParaRPr lang="fr-FR" dirty="0" smtClean="0"/>
+          </a:p>
+          <a:p>
+            <a:pPr lvl="2"/>
+            <a:endParaRPr lang="fr-FR" dirty="0"/>
+          </a:p>
+          <a:p>
+            <a:pPr lvl="1"/>
+            <a:r>
+              <a:rPr lang="fr-FR" dirty="0" smtClean="0"/>
+              <a:t>Dans le logiciel </a:t>
+            </a:r>
+            <a:r>
+              <a:rPr lang="fr-FR" dirty="0" err="1" smtClean="0"/>
+              <a:t>Arduino</a:t>
+            </a:r>
+            <a:endParaRPr lang="fr-FR" dirty="0" smtClean="0"/>
+          </a:p>
+          <a:p>
+            <a:pPr lvl="2"/>
+            <a:r>
+              <a:rPr lang="fr-FR" dirty="0"/>
+              <a:t>Télécharger toolbox_arduino_v3.ino (</a:t>
+            </a:r>
+            <a:r>
+              <a:rPr lang="fr-FR" dirty="0">
+                <a:hlinkClick r:id="rId2"/>
+              </a:rPr>
+              <a:t>http://</a:t>
+            </a:r>
+            <a:r>
+              <a:rPr lang="fr-FR" dirty="0" smtClean="0">
+                <a:hlinkClick r:id="rId2"/>
+              </a:rPr>
+              <a:t>www.demosciences.fr/projets/scilab-arduino/toolbox_arduino_v3.ino?attredirects=0&amp;d=1</a:t>
+            </a:r>
+            <a:r>
+              <a:rPr lang="fr-FR" dirty="0" smtClean="0"/>
+              <a:t>) </a:t>
+            </a:r>
+          </a:p>
+          <a:p>
+            <a:pPr lvl="2"/>
+            <a:r>
+              <a:rPr lang="fr-FR" dirty="0" err="1" smtClean="0"/>
+              <a:t>Téléverser</a:t>
+            </a:r>
+            <a:r>
+              <a:rPr lang="fr-FR" dirty="0" smtClean="0"/>
+              <a:t> la </a:t>
+            </a:r>
+            <a:r>
+              <a:rPr lang="fr-FR" dirty="0" err="1" smtClean="0"/>
+              <a:t>toolbox</a:t>
+            </a:r>
+            <a:r>
+              <a:rPr lang="fr-FR" dirty="0" smtClean="0"/>
+              <a:t> dans une carte </a:t>
+            </a:r>
+            <a:r>
+              <a:rPr lang="fr-FR" dirty="0" err="1" smtClean="0"/>
+              <a:t>arduino</a:t>
+            </a:r>
+            <a:r>
+              <a:rPr lang="fr-FR" dirty="0" smtClean="0"/>
+              <a:t> </a:t>
+            </a:r>
+            <a:r>
+              <a:rPr lang="fr-FR" dirty="0" err="1" smtClean="0"/>
+              <a:t>Uno</a:t>
+            </a:r>
+            <a:endParaRPr lang="fr-FR" dirty="0"/>
+          </a:p>
+        </p:txBody>
+      </p:sp>
+      <p:sp>
+        <p:nvSpPr>
           <p:cNvPr id="4" name="Espace réservé du numéro de diapositive 3"/>
           <p:cNvSpPr>
             <a:spLocks noGrp="1"/>
           </p:cNvSpPr>
           <p:nvPr>
-            <p:ph type="sldNum" sz="quarter" idx="12"/>
+            <p:ph type="sldNum" sz="quarter" idx="15"/>
           </p:nvPr>
         </p:nvSpPr>
         <p:spPr/>
@@ -10283,6 +10438,175 @@
             <a:fld id="{136A7F36-7A21-4EA8-9DC2-F00219448035}" type="slidenum">
               <a:rPr lang="fr-FR" smtClean="0"/>
               <a:t>35</a:t>
+            </a:fld>
+            <a:endParaRPr lang="fr-FR"/>
+          </a:p>
+        </p:txBody>
+      </p:sp>
+    </p:spTree>
+    <p:extLst>
+      <p:ext uri="{BB962C8B-B14F-4D97-AF65-F5344CB8AC3E}">
+        <p14:creationId xmlns:p14="http://schemas.microsoft.com/office/powerpoint/2010/main" val="2728033274"/>
+      </p:ext>
+    </p:extLst>
+  </p:cSld>
+  <p:clrMapOvr>
+    <a:masterClrMapping/>
+  </p:clrMapOvr>
+</p:sld>
+</file>
+
+<file path=ppt/slides/slide36.xml><?xml version="1.0" encoding="utf-8"?>
+<p:sld xmlns:a="http://schemas.openxmlformats.org/drawingml/2006/main" xmlns:r="http://schemas.openxmlformats.org/officeDocument/2006/relationships" xmlns:p="http://schemas.openxmlformats.org/presentationml/2006/main">
+  <p:cSld>
+    <p:spTree>
+      <p:nvGrpSpPr>
+        <p:cNvPr id="1" name=""/>
+        <p:cNvGrpSpPr/>
+        <p:nvPr/>
+      </p:nvGrpSpPr>
+      <p:grpSpPr>
+        <a:xfrm>
+          <a:off x="0" y="0"/>
+          <a:ext cx="0" cy="0"/>
+          <a:chOff x="0" y="0"/>
+          <a:chExt cx="0" cy="0"/>
+        </a:xfrm>
+      </p:grpSpPr>
+      <p:sp>
+        <p:nvSpPr>
+          <p:cNvPr id="2" name="Espace réservé du contenu 1"/>
+          <p:cNvSpPr>
+            <a:spLocks noGrp="1"/>
+          </p:cNvSpPr>
+          <p:nvPr>
+            <p:ph sz="quarter" idx="1"/>
+          </p:nvPr>
+        </p:nvSpPr>
+        <p:spPr/>
+        <p:txBody>
+          <a:bodyPr/>
+          <a:lstStyle/>
+          <a:p>
+            <a:endParaRPr lang="fr-FR"/>
+          </a:p>
+        </p:txBody>
+      </p:sp>
+      <p:sp>
+        <p:nvSpPr>
+          <p:cNvPr id="3" name="Titre 2"/>
+          <p:cNvSpPr>
+            <a:spLocks noGrp="1"/>
+          </p:cNvSpPr>
+          <p:nvPr>
+            <p:ph type="title"/>
+          </p:nvPr>
+        </p:nvSpPr>
+        <p:spPr/>
+        <p:txBody>
+          <a:bodyPr>
+            <a:normAutofit fontScale="90000"/>
+          </a:bodyPr>
+          <a:lstStyle/>
+          <a:p>
+            <a:r>
+              <a:rPr lang="fr-FR" dirty="0" err="1" smtClean="0"/>
+              <a:t>Xcos</a:t>
+            </a:r>
+            <a:r>
+              <a:rPr lang="fr-FR" dirty="0" smtClean="0"/>
+              <a:t> </a:t>
+            </a:r>
+            <a:r>
+              <a:rPr lang="fr-FR" dirty="0" err="1" smtClean="0"/>
+              <a:t>Arduino</a:t>
+            </a:r>
+            <a:r>
+              <a:rPr lang="fr-FR" dirty="0" smtClean="0"/>
+              <a:t/>
+            </a:r>
+            <a:br>
+              <a:rPr lang="fr-FR" dirty="0" smtClean="0"/>
+            </a:br>
+            <a:r>
+              <a:rPr lang="fr-FR" smtClean="0"/>
+              <a:t>Première prise en main</a:t>
+            </a:r>
+            <a:endParaRPr lang="fr-FR"/>
+          </a:p>
+        </p:txBody>
+      </p:sp>
+      <p:sp>
+        <p:nvSpPr>
+          <p:cNvPr id="4" name="Espace réservé du numéro de diapositive 3"/>
+          <p:cNvSpPr>
+            <a:spLocks noGrp="1"/>
+          </p:cNvSpPr>
+          <p:nvPr>
+            <p:ph type="sldNum" sz="quarter" idx="15"/>
+          </p:nvPr>
+        </p:nvSpPr>
+        <p:spPr/>
+        <p:txBody>
+          <a:bodyPr/>
+          <a:lstStyle/>
+          <a:p>
+            <a:fld id="{136A7F36-7A21-4EA8-9DC2-F00219448035}" type="slidenum">
+              <a:rPr lang="fr-FR" smtClean="0"/>
+              <a:t>36</a:t>
+            </a:fld>
+            <a:endParaRPr lang="fr-FR"/>
+          </a:p>
+        </p:txBody>
+      </p:sp>
+    </p:spTree>
+    <p:extLst>
+      <p:ext uri="{BB962C8B-B14F-4D97-AF65-F5344CB8AC3E}">
+        <p14:creationId xmlns:p14="http://schemas.microsoft.com/office/powerpoint/2010/main" val="3659039995"/>
+      </p:ext>
+    </p:extLst>
+  </p:cSld>
+  <p:clrMapOvr>
+    <a:masterClrMapping/>
+  </p:clrMapOvr>
+</p:sld>
+</file>
+
+<file path=ppt/slides/slide37.xml><?xml version="1.0" encoding="utf-8"?>
+<p:sld xmlns:a="http://schemas.openxmlformats.org/drawingml/2006/main" xmlns:r="http://schemas.openxmlformats.org/officeDocument/2006/relationships" xmlns:p="http://schemas.openxmlformats.org/presentationml/2006/main">
+  <p:cSld>
+    <p:spTree>
+      <p:nvGrpSpPr>
+        <p:cNvPr id="1" name=""/>
+        <p:cNvGrpSpPr/>
+        <p:nvPr/>
+      </p:nvGrpSpPr>
+      <p:grpSpPr>
+        <a:xfrm>
+          <a:off x="0" y="0"/>
+          <a:ext cx="0" cy="0"/>
+          <a:chOff x="0" y="0"/>
+          <a:chExt cx="0" cy="0"/>
+        </a:xfrm>
+      </p:grpSpPr>
+      <p:sp>
+        <p:nvSpPr>
+          <p:cNvPr id="4" name="Espace réservé du numéro de diapositive 3"/>
+          <p:cNvSpPr>
+            <a:spLocks noGrp="1"/>
+          </p:cNvSpPr>
+          <p:nvPr>
+            <p:ph type="sldNum" sz="quarter" idx="12"/>
+          </p:nvPr>
+        </p:nvSpPr>
+        <p:spPr/>
+        <p:txBody>
+          <a:bodyPr/>
+          <a:lstStyle/>
+          <a:p>
+            <a:fld id="{136A7F36-7A21-4EA8-9DC2-F00219448035}" type="slidenum">
+              <a:rPr lang="fr-FR" smtClean="0"/>
+              <a:t>37</a:t>
             </a:fld>
             <a:endParaRPr lang="fr-FR"/>
           </a:p>

--- a/ModelisationMultiphysique/ModelisationMultiphysique.pptx
+++ b/ModelisationMultiphysique/ModelisationMultiphysique.pptx
@@ -5,10 +5,10 @@
     <p:sldMasterId id="2147483804" r:id="rId1"/>
   </p:sldMasterIdLst>
   <p:notesMasterIdLst>
-    <p:notesMasterId r:id="rId39"/>
+    <p:notesMasterId r:id="rId40"/>
   </p:notesMasterIdLst>
   <p:handoutMasterIdLst>
-    <p:handoutMasterId r:id="rId40"/>
+    <p:handoutMasterId r:id="rId41"/>
   </p:handoutMasterIdLst>
   <p:sldIdLst>
     <p:sldId id="256" r:id="rId2"/>
@@ -24,30 +24,31 @@
     <p:sldId id="289" r:id="rId12"/>
     <p:sldId id="284" r:id="rId13"/>
     <p:sldId id="290" r:id="rId14"/>
-    <p:sldId id="291" r:id="rId15"/>
-    <p:sldId id="285" r:id="rId16"/>
-    <p:sldId id="275" r:id="rId17"/>
-    <p:sldId id="278" r:id="rId18"/>
-    <p:sldId id="292" r:id="rId19"/>
-    <p:sldId id="259" r:id="rId20"/>
-    <p:sldId id="260" r:id="rId21"/>
-    <p:sldId id="293" r:id="rId22"/>
-    <p:sldId id="294" r:id="rId23"/>
-    <p:sldId id="295" r:id="rId24"/>
-    <p:sldId id="296" r:id="rId25"/>
-    <p:sldId id="297" r:id="rId26"/>
-    <p:sldId id="261" r:id="rId27"/>
-    <p:sldId id="280" r:id="rId28"/>
-    <p:sldId id="262" r:id="rId29"/>
-    <p:sldId id="265" r:id="rId30"/>
-    <p:sldId id="267" r:id="rId31"/>
-    <p:sldId id="268" r:id="rId32"/>
-    <p:sldId id="269" r:id="rId33"/>
-    <p:sldId id="270" r:id="rId34"/>
-    <p:sldId id="264" r:id="rId35"/>
-    <p:sldId id="298" r:id="rId36"/>
-    <p:sldId id="299" r:id="rId37"/>
-    <p:sldId id="266" r:id="rId38"/>
+    <p:sldId id="300" r:id="rId15"/>
+    <p:sldId id="291" r:id="rId16"/>
+    <p:sldId id="285" r:id="rId17"/>
+    <p:sldId id="275" r:id="rId18"/>
+    <p:sldId id="278" r:id="rId19"/>
+    <p:sldId id="292" r:id="rId20"/>
+    <p:sldId id="259" r:id="rId21"/>
+    <p:sldId id="260" r:id="rId22"/>
+    <p:sldId id="293" r:id="rId23"/>
+    <p:sldId id="294" r:id="rId24"/>
+    <p:sldId id="295" r:id="rId25"/>
+    <p:sldId id="296" r:id="rId26"/>
+    <p:sldId id="297" r:id="rId27"/>
+    <p:sldId id="261" r:id="rId28"/>
+    <p:sldId id="280" r:id="rId29"/>
+    <p:sldId id="262" r:id="rId30"/>
+    <p:sldId id="265" r:id="rId31"/>
+    <p:sldId id="267" r:id="rId32"/>
+    <p:sldId id="268" r:id="rId33"/>
+    <p:sldId id="269" r:id="rId34"/>
+    <p:sldId id="270" r:id="rId35"/>
+    <p:sldId id="264" r:id="rId36"/>
+    <p:sldId id="298" r:id="rId37"/>
+    <p:sldId id="299" r:id="rId38"/>
+    <p:sldId id="266" r:id="rId39"/>
   </p:sldIdLst>
   <p:sldSz cx="9144000" cy="6858000" type="screen4x3"/>
   <p:notesSz cx="6858000" cy="9144000"/>
@@ -231,7 +232,7 @@
           <a:p>
             <a:fld id="{A885B43C-549A-4639-87D3-A3E3E5DAC635}" type="datetimeFigureOut">
               <a:rPr lang="fr-FR" smtClean="0"/>
-              <a:t>04/02/2014</a:t>
+              <a:t>05/02/2014</a:t>
             </a:fld>
             <a:endParaRPr lang="fr-FR"/>
           </a:p>
@@ -396,7 +397,7 @@
           <a:p>
             <a:fld id="{39C4ABE7-6968-4EF3-8008-B142D354329E}" type="datetimeFigureOut">
               <a:rPr lang="fr-FR" smtClean="0"/>
-              <a:t>04/02/2014</a:t>
+              <a:t>05/02/2014</a:t>
             </a:fld>
             <a:endParaRPr lang="fr-FR"/>
           </a:p>
@@ -801,7 +802,7 @@
           <a:p>
             <a:fld id="{4570C44E-2547-490C-B96B-C5716BE8A211}" type="datetime1">
               <a:rPr lang="fr-FR" smtClean="0"/>
-              <a:t>04/02/2014</a:t>
+              <a:t>05/02/2014</a:t>
             </a:fld>
             <a:endParaRPr lang="fr-FR"/>
           </a:p>
@@ -1670,7 +1671,7 @@
           <a:p>
             <a:fld id="{747E099B-BEB6-4FA8-A989-B5CEC6EE96A6}" type="datetime1">
               <a:rPr lang="fr-FR" smtClean="0"/>
-              <a:t>04/02/2014</a:t>
+              <a:t>05/02/2014</a:t>
             </a:fld>
             <a:endParaRPr lang="fr-FR"/>
           </a:p>
@@ -1845,7 +1846,7 @@
           <a:p>
             <a:fld id="{40DE265D-AE92-4B24-A80E-B18047B1C1D8}" type="datetime1">
               <a:rPr lang="fr-FR" smtClean="0"/>
-              <a:t>04/02/2014</a:t>
+              <a:t>05/02/2014</a:t>
             </a:fld>
             <a:endParaRPr lang="fr-FR"/>
           </a:p>
@@ -2015,7 +2016,7 @@
           <a:p>
             <a:fld id="{B833870E-E628-4B55-8FAC-7DEBA033199C}" type="datetime1">
               <a:rPr lang="fr-FR" smtClean="0"/>
-              <a:t>04/02/2014</a:t>
+              <a:t>05/02/2014</a:t>
             </a:fld>
             <a:endParaRPr lang="fr-FR"/>
           </a:p>
@@ -2234,7 +2235,7 @@
           <a:p>
             <a:fld id="{A67C8C45-4A33-4265-B602-D5E2C8444F9A}" type="datetime1">
               <a:rPr lang="fr-FR" smtClean="0"/>
-              <a:t>04/02/2014</a:t>
+              <a:t>05/02/2014</a:t>
             </a:fld>
             <a:endParaRPr lang="fr-FR"/>
           </a:p>
@@ -3048,7 +3049,7 @@
           <a:p>
             <a:fld id="{25CB6C03-371A-4D23-837F-61C5BAFAE300}" type="datetime1">
               <a:rPr lang="fr-FR" smtClean="0"/>
-              <a:t>04/02/2014</a:t>
+              <a:t>05/02/2014</a:t>
             </a:fld>
             <a:endParaRPr lang="fr-FR"/>
           </a:p>
@@ -3284,7 +3285,7 @@
           <a:p>
             <a:fld id="{86EFE65D-E49E-4ACC-802E-2FE5FA140AA8}" type="datetime1">
               <a:rPr lang="fr-FR" smtClean="0"/>
-              <a:t>04/02/2014</a:t>
+              <a:t>05/02/2014</a:t>
             </a:fld>
             <a:endParaRPr lang="fr-FR"/>
           </a:p>
@@ -3607,7 +3608,7 @@
           <a:p>
             <a:fld id="{BD2FCB01-C649-48F3-B16D-AB4366149D3F}" type="datetime1">
               <a:rPr lang="fr-FR" smtClean="0"/>
-              <a:t>04/02/2014</a:t>
+              <a:t>05/02/2014</a:t>
             </a:fld>
             <a:endParaRPr lang="fr-FR"/>
           </a:p>
@@ -3697,7 +3698,7 @@
           <a:p>
             <a:fld id="{8E4AC928-9A8D-4820-8569-8A1256CEB675}" type="datetime1">
               <a:rPr lang="fr-FR" smtClean="0"/>
-              <a:t>04/02/2014</a:t>
+              <a:t>05/02/2014</a:t>
             </a:fld>
             <a:endParaRPr lang="fr-FR"/>
           </a:p>
@@ -4214,7 +4215,7 @@
           <a:p>
             <a:fld id="{A3A61092-D682-48D6-9115-A8828AD70E20}" type="datetime1">
               <a:rPr lang="fr-FR" smtClean="0"/>
-              <a:t>04/02/2014</a:t>
+              <a:t>05/02/2014</a:t>
             </a:fld>
             <a:endParaRPr lang="fr-FR"/>
           </a:p>
@@ -4725,7 +4726,7 @@
           <a:p>
             <a:fld id="{67835B05-DF05-4BBA-868F-A88A58FB33D1}" type="datetime1">
               <a:rPr lang="fr-FR" smtClean="0"/>
-              <a:t>04/02/2014</a:t>
+              <a:t>05/02/2014</a:t>
             </a:fld>
             <a:endParaRPr lang="fr-FR"/>
           </a:p>
@@ -4971,7 +4972,7 @@
           <a:p>
             <a:fld id="{8F35236E-3142-47C6-A5D5-7DD086936AB6}" type="datetime1">
               <a:rPr lang="fr-FR" smtClean="0"/>
-              <a:t>04/02/2014</a:t>
+              <a:t>05/02/2014</a:t>
             </a:fld>
             <a:endParaRPr lang="fr-FR"/>
           </a:p>
@@ -5755,6 +5756,13 @@
   <p:clrMapOvr>
     <a:masterClrMapping/>
   </p:clrMapOvr>
+  <p:timing>
+    <p:tnLst>
+      <p:par>
+        <p:cTn id="1" dur="indefinite" restart="never" nodeType="tmRoot"/>
+      </p:par>
+    </p:tnLst>
+  </p:timing>
 </p:sld>
 </file>
 
@@ -5833,7 +5841,7 @@
             <a:pPr lvl="1"/>
             <a:r>
               <a:rPr lang="fr-FR" dirty="0" smtClean="0"/>
-              <a:t>La modélisation se base sur </a:t>
+              <a:t>La modélisation repose sur le calcul symbolique :</a:t>
             </a:r>
           </a:p>
           <a:p>
@@ -5854,7 +5862,7 @@
             <a:pPr lvl="1"/>
             <a:r>
               <a:rPr lang="fr-FR" dirty="0" smtClean="0"/>
-              <a:t>La résolution se base sur une transformation des équations dans un domaine symbolique puis une transformation inverse pour revenir dans le domaine temporel</a:t>
+              <a:t>La résolution se base sur une transformation des équations dans un domaine symbolique puis une transformation inverse permet de revenir dans le domaine temporel</a:t>
             </a:r>
           </a:p>
           <a:p>
@@ -6053,13 +6061,13 @@
             </p:nvSpPr>
             <p:spPr>
               <a:xfrm>
-                <a:off x="251519" y="1268760"/>
-                <a:ext cx="4087165" cy="3600400"/>
+                <a:off x="251519" y="1124744"/>
+                <a:ext cx="4087165" cy="3816424"/>
               </a:xfrm>
             </p:spPr>
             <p:txBody>
               <a:bodyPr>
-                <a:normAutofit lnSpcReduction="10000"/>
+                <a:normAutofit/>
               </a:bodyPr>
               <a:lstStyle/>
               <a:p>
@@ -6117,21 +6125,21 @@
                 <a:pPr lvl="2"/>
                 <a:r>
                   <a:rPr lang="fr-FR" b="0" dirty="0" smtClean="0"/>
-                  <a:t>On ne peut pas imposer une vitesse en sortie et observer l’intensité</a:t>
+                  <a:t>Sens imposé par les flèches</a:t>
                 </a:r>
               </a:p>
               <a:p>
                 <a:pPr lvl="1"/>
                 <a:r>
                   <a:rPr lang="fr-FR" dirty="0" smtClean="0"/>
-                  <a:t>Perte de la technologie des composants et éventuellement de le réalité physique du système</a:t>
+                  <a:t>L’architecture du système n’est pas forcément respectée</a:t>
                 </a:r>
               </a:p>
               <a:p>
-                <a:pPr lvl="2"/>
+                <a:pPr lvl="1"/>
                 <a:r>
                   <a:rPr lang="fr-FR" dirty="0" smtClean="0"/>
-                  <a:t>En respectant les règles de l’algèbre de blocs, des permutations de blocs sont possibles</a:t>
+                  <a:t>Le schéma impose une démarche de résolution au solveur. </a:t>
                 </a:r>
               </a:p>
             </p:txBody>
@@ -6150,13 +6158,13 @@
             </p:nvSpPr>
             <p:spPr>
               <a:xfrm>
-                <a:off x="251519" y="1268760"/>
-                <a:ext cx="4087165" cy="3600400"/>
+                <a:off x="251519" y="1124744"/>
+                <a:ext cx="4087165" cy="3816424"/>
               </a:xfrm>
               <a:blipFill rotWithShape="1">
                 <a:blip r:embed="rId2"/>
                 <a:stretch>
-                  <a:fillRect l="-149" t="-1692" r="-1490"/>
+                  <a:fillRect l="-149" t="-799" r="-447"/>
                 </a:stretch>
               </a:blipFill>
             </p:spPr>
@@ -6193,7 +6201,7 @@
         </p:spPr>
         <p:txBody>
           <a:bodyPr>
-            <a:normAutofit lnSpcReduction="10000"/>
+            <a:normAutofit/>
           </a:bodyPr>
           <a:lstStyle/>
           <a:p>
@@ -6206,14 +6214,41 @@
             <a:pPr lvl="1"/>
             <a:r>
               <a:rPr lang="fr-FR" dirty="0" smtClean="0"/>
-              <a:t>Existence de solutions analytiques</a:t>
+              <a:t>La connaissance des symboles technologiques n’est pas exigée</a:t>
             </a:r>
           </a:p>
           <a:p>
             <a:pPr lvl="1"/>
             <a:r>
               <a:rPr lang="fr-FR" dirty="0" smtClean="0"/>
-              <a:t>Possibilité d’analyses fréquentielles</a:t>
+              <a:t>Recherche de solutions analytiques simplifiée</a:t>
+            </a:r>
+          </a:p>
+          <a:p>
+            <a:pPr lvl="1"/>
+            <a:r>
+              <a:rPr lang="fr-FR" dirty="0"/>
+              <a:t>A</a:t>
+            </a:r>
+            <a:r>
+              <a:rPr lang="fr-FR" dirty="0" smtClean="0"/>
+              <a:t>nalyses fréquentielles simplifiées dans le domaine symbolique (Diagrammes de </a:t>
+            </a:r>
+            <a:r>
+              <a:rPr lang="fr-FR" dirty="0" err="1" smtClean="0"/>
+              <a:t>Bode</a:t>
+            </a:r>
+            <a:r>
+              <a:rPr lang="fr-FR" dirty="0" smtClean="0"/>
+              <a:t>, Black, </a:t>
+            </a:r>
+            <a:r>
+              <a:rPr lang="fr-FR" dirty="0" err="1" smtClean="0"/>
+              <a:t>Nyquist</a:t>
+            </a:r>
+            <a:r>
+              <a:rPr lang="fr-FR" dirty="0" smtClean="0"/>
+              <a:t>)</a:t>
             </a:r>
             <a:endParaRPr lang="fr-FR" dirty="0"/>
           </a:p>
@@ -6279,6 +6314,102 @@
           </a:extLst>
         </p:spPr>
       </p:pic>
+      <p:sp>
+        <p:nvSpPr>
+          <p:cNvPr id="5" name="Ellipse 4"/>
+          <p:cNvSpPr/>
+          <p:nvPr/>
+        </p:nvSpPr>
+        <p:spPr>
+          <a:xfrm>
+            <a:off x="3264734" y="5633538"/>
+            <a:ext cx="216024" cy="216024"/>
+          </a:xfrm>
+          <a:prstGeom prst="ellipse">
+            <a:avLst/>
+          </a:prstGeom>
+          <a:noFill/>
+          <a:ln>
+            <a:solidFill>
+              <a:schemeClr val="accent3">
+                <a:lumMod val="75000"/>
+              </a:schemeClr>
+            </a:solidFill>
+          </a:ln>
+        </p:spPr>
+        <p:style>
+          <a:lnRef idx="2">
+            <a:schemeClr val="accent1">
+              <a:shade val="50000"/>
+            </a:schemeClr>
+          </a:lnRef>
+          <a:fillRef idx="1">
+            <a:schemeClr val="accent1"/>
+          </a:fillRef>
+          <a:effectRef idx="0">
+            <a:schemeClr val="accent1"/>
+          </a:effectRef>
+          <a:fontRef idx="minor">
+            <a:schemeClr val="lt1"/>
+          </a:fontRef>
+        </p:style>
+        <p:txBody>
+          <a:bodyPr rtlCol="0" anchor="ctr"/>
+          <a:lstStyle/>
+          <a:p>
+            <a:pPr algn="ctr"/>
+            <a:endParaRPr lang="fr-FR"/>
+          </a:p>
+        </p:txBody>
+      </p:sp>
+      <p:sp>
+        <p:nvSpPr>
+          <p:cNvPr id="8" name="Ellipse 7"/>
+          <p:cNvSpPr/>
+          <p:nvPr/>
+        </p:nvSpPr>
+        <p:spPr>
+          <a:xfrm>
+            <a:off x="4034958" y="5644660"/>
+            <a:ext cx="216024" cy="216024"/>
+          </a:xfrm>
+          <a:prstGeom prst="ellipse">
+            <a:avLst/>
+          </a:prstGeom>
+          <a:noFill/>
+          <a:ln>
+            <a:solidFill>
+              <a:schemeClr val="accent3">
+                <a:lumMod val="75000"/>
+              </a:schemeClr>
+            </a:solidFill>
+          </a:ln>
+        </p:spPr>
+        <p:style>
+          <a:lnRef idx="2">
+            <a:schemeClr val="accent1">
+              <a:shade val="50000"/>
+            </a:schemeClr>
+          </a:lnRef>
+          <a:fillRef idx="1">
+            <a:schemeClr val="accent1"/>
+          </a:fillRef>
+          <a:effectRef idx="0">
+            <a:schemeClr val="accent1"/>
+          </a:effectRef>
+          <a:fontRef idx="minor">
+            <a:schemeClr val="lt1"/>
+          </a:fontRef>
+        </p:style>
+        <p:txBody>
+          <a:bodyPr rtlCol="0" anchor="ctr"/>
+          <a:lstStyle/>
+          <a:p>
+            <a:pPr algn="ctr"/>
+            <a:endParaRPr lang="fr-FR"/>
+          </a:p>
+        </p:txBody>
+      </p:sp>
     </p:spTree>
     <p:extLst>
       <p:ext uri="{BB962C8B-B14F-4D97-AF65-F5344CB8AC3E}">
@@ -6358,13 +6489,21 @@
           <a:p>
             <a:r>
               <a:rPr lang="fr-FR" dirty="0" smtClean="0"/>
-              <a:t>Le modèle de connaissance d’un composant n’est pas indispensable à la modélisation d’un système.</a:t>
-            </a:r>
-          </a:p>
-          <a:p>
-            <a:r>
-              <a:rPr lang="fr-FR" dirty="0" smtClean="0"/>
-              <a:t>Néanmoins il faut maîtriser les paramètres influant sur le comportement d’un constituant.</a:t>
+              <a:t>D’un point de vu utilisateur : </a:t>
+            </a:r>
+          </a:p>
+          <a:p>
+            <a:pPr lvl="1"/>
+            <a:r>
+              <a:rPr lang="fr-FR" dirty="0" smtClean="0"/>
+              <a:t>le modèle de connaissance d’un composant n’est pas indispensable à la modélisation d’un système</a:t>
+            </a:r>
+          </a:p>
+          <a:p>
+            <a:pPr lvl="1"/>
+            <a:r>
+              <a:rPr lang="fr-FR" dirty="0" smtClean="0"/>
+              <a:t>il faut maîtriser les paramètres influant sur le comportement d’un constituant.</a:t>
             </a:r>
           </a:p>
           <a:p>
@@ -6509,6 +6648,23 @@
               <a:t>Le modèle acausal est réversible.</a:t>
             </a:r>
           </a:p>
+          <a:p>
+            <a:pPr lvl="1"/>
+            <a:endParaRPr lang="fr-FR" dirty="0"/>
+          </a:p>
+          <a:p>
+            <a:r>
+              <a:rPr lang="fr-FR" dirty="0" smtClean="0"/>
+              <a:t>L’analyse fréquentielle demande beaucoup plus de calculs que dans le cas d’une fonction de transfert globale (dans le domaine symbolique) :</a:t>
+            </a:r>
+          </a:p>
+          <a:p>
+            <a:pPr lvl="1"/>
+            <a:r>
+              <a:rPr lang="fr-FR" dirty="0" smtClean="0"/>
+              <a:t>Elle est réalisée à partir de plusieurs analyses temporelles</a:t>
+            </a:r>
+          </a:p>
         </p:txBody>
       </p:sp>
       <p:sp>
@@ -6564,6 +6720,358 @@
           <a:chExt cx="0" cy="0"/>
         </a:xfrm>
       </p:grpSpPr>
+      <p:graphicFrame>
+        <p:nvGraphicFramePr>
+          <p:cNvPr id="5" name="Espace réservé du contenu 4"/>
+          <p:cNvGraphicFramePr>
+            <a:graphicFrameLocks noGrp="1"/>
+          </p:cNvGraphicFramePr>
+          <p:nvPr>
+            <p:ph sz="quarter" idx="1"/>
+            <p:extLst>
+              <p:ext uri="{D42A27DB-BD31-4B8C-83A1-F6EECF244321}">
+                <p14:modId xmlns:p14="http://schemas.microsoft.com/office/powerpoint/2010/main" val="3958011766"/>
+              </p:ext>
+            </p:extLst>
+          </p:nvPr>
+        </p:nvGraphicFramePr>
+        <p:xfrm>
+          <a:off x="467544" y="1412776"/>
+          <a:ext cx="7921626" cy="3461299"/>
+        </p:xfrm>
+        <a:graphic>
+          <a:graphicData uri="http://schemas.openxmlformats.org/drawingml/2006/table">
+            <a:tbl>
+              <a:tblPr firstRow="1" bandRow="1">
+                <a:tableStyleId>{21E4AEA4-8DFA-4A89-87EB-49C32662AFE0}</a:tableStyleId>
+              </a:tblPr>
+              <a:tblGrid>
+                <a:gridCol w="2640542"/>
+                <a:gridCol w="2640542"/>
+                <a:gridCol w="2640542"/>
+              </a:tblGrid>
+              <a:tr h="360040">
+                <a:tc>
+                  <a:txBody>
+                    <a:bodyPr/>
+                    <a:lstStyle/>
+                    <a:p>
+                      <a:endParaRPr lang="fr-FR" sz="1400" dirty="0">
+                        <a:latin typeface="Calibri" panose="020F0502020204030204" pitchFamily="34" charset="0"/>
+                      </a:endParaRPr>
+                    </a:p>
+                  </a:txBody>
+                  <a:tcPr/>
+                </a:tc>
+                <a:tc>
+                  <a:txBody>
+                    <a:bodyPr/>
+                    <a:lstStyle/>
+                    <a:p>
+                      <a:r>
+                        <a:rPr lang="fr-FR" sz="1400" dirty="0" smtClean="0">
+                          <a:latin typeface="Calibri" panose="020F0502020204030204" pitchFamily="34" charset="0"/>
+                        </a:rPr>
+                        <a:t>Causal</a:t>
+                      </a:r>
+                      <a:endParaRPr lang="fr-FR" sz="1400" dirty="0">
+                        <a:latin typeface="Calibri" panose="020F0502020204030204" pitchFamily="34" charset="0"/>
+                      </a:endParaRPr>
+                    </a:p>
+                  </a:txBody>
+                  <a:tcPr/>
+                </a:tc>
+                <a:tc>
+                  <a:txBody>
+                    <a:bodyPr/>
+                    <a:lstStyle/>
+                    <a:p>
+                      <a:r>
+                        <a:rPr lang="fr-FR" sz="1400" dirty="0" smtClean="0">
+                          <a:latin typeface="Calibri" panose="020F0502020204030204" pitchFamily="34" charset="0"/>
+                        </a:rPr>
+                        <a:t>Acausal</a:t>
+                      </a:r>
+                      <a:endParaRPr lang="fr-FR" sz="1400" dirty="0">
+                        <a:latin typeface="Calibri" panose="020F0502020204030204" pitchFamily="34" charset="0"/>
+                      </a:endParaRPr>
+                    </a:p>
+                  </a:txBody>
+                  <a:tcPr/>
+                </a:tc>
+              </a:tr>
+              <a:tr h="643159">
+                <a:tc>
+                  <a:txBody>
+                    <a:bodyPr/>
+                    <a:lstStyle/>
+                    <a:p>
+                      <a:r>
+                        <a:rPr lang="fr-FR" sz="1400" dirty="0" smtClean="0">
+                          <a:latin typeface="Calibri" panose="020F0502020204030204" pitchFamily="34" charset="0"/>
+                        </a:rPr>
+                        <a:t>Architecture</a:t>
+                      </a:r>
+                      <a:endParaRPr lang="fr-FR" sz="1400" dirty="0">
+                        <a:latin typeface="Calibri" panose="020F0502020204030204" pitchFamily="34" charset="0"/>
+                      </a:endParaRPr>
+                    </a:p>
+                  </a:txBody>
+                  <a:tcPr/>
+                </a:tc>
+                <a:tc>
+                  <a:txBody>
+                    <a:bodyPr/>
+                    <a:lstStyle/>
+                    <a:p>
+                      <a:endParaRPr lang="fr-FR" sz="1400" dirty="0">
+                        <a:latin typeface="Calibri" panose="020F0502020204030204" pitchFamily="34" charset="0"/>
+                      </a:endParaRPr>
+                    </a:p>
+                  </a:txBody>
+                  <a:tcPr/>
+                </a:tc>
+                <a:tc>
+                  <a:txBody>
+                    <a:bodyPr/>
+                    <a:lstStyle/>
+                    <a:p>
+                      <a:r>
+                        <a:rPr lang="fr-FR" sz="1400" dirty="0" smtClean="0">
+                          <a:latin typeface="Calibri" panose="020F0502020204030204" pitchFamily="34" charset="0"/>
+                        </a:rPr>
+                        <a:t>Proche</a:t>
+                      </a:r>
+                      <a:r>
+                        <a:rPr lang="fr-FR" sz="1400" baseline="0" dirty="0" smtClean="0">
+                          <a:latin typeface="Calibri" panose="020F0502020204030204" pitchFamily="34" charset="0"/>
+                        </a:rPr>
+                        <a:t> de l’architecture réelle</a:t>
+                      </a:r>
+                      <a:endParaRPr lang="fr-FR" sz="1400" dirty="0">
+                        <a:latin typeface="Calibri" panose="020F0502020204030204" pitchFamily="34" charset="0"/>
+                      </a:endParaRPr>
+                    </a:p>
+                  </a:txBody>
+                  <a:tcPr/>
+                </a:tc>
+              </a:tr>
+              <a:tr h="643159">
+                <a:tc>
+                  <a:txBody>
+                    <a:bodyPr/>
+                    <a:lstStyle/>
+                    <a:p>
+                      <a:r>
+                        <a:rPr lang="fr-FR" sz="1400" dirty="0" smtClean="0">
+                          <a:latin typeface="Calibri" panose="020F0502020204030204" pitchFamily="34" charset="0"/>
+                        </a:rPr>
+                        <a:t>Symbolisation</a:t>
+                      </a:r>
+                      <a:endParaRPr lang="fr-FR" sz="1400" dirty="0">
+                        <a:latin typeface="Calibri" panose="020F0502020204030204" pitchFamily="34" charset="0"/>
+                      </a:endParaRPr>
+                    </a:p>
+                  </a:txBody>
+                  <a:tcPr/>
+                </a:tc>
+                <a:tc>
+                  <a:txBody>
+                    <a:bodyPr/>
+                    <a:lstStyle/>
+                    <a:p>
+                      <a:r>
+                        <a:rPr lang="fr-FR" sz="1400" dirty="0" smtClean="0">
+                          <a:latin typeface="Calibri" panose="020F0502020204030204" pitchFamily="34" charset="0"/>
+                        </a:rPr>
+                        <a:t>Non</a:t>
+                      </a:r>
+                      <a:r>
+                        <a:rPr lang="fr-FR" sz="1400" baseline="0" dirty="0" smtClean="0">
+                          <a:latin typeface="Calibri" panose="020F0502020204030204" pitchFamily="34" charset="0"/>
+                        </a:rPr>
+                        <a:t> exigible</a:t>
+                      </a:r>
+                      <a:endParaRPr lang="fr-FR" sz="1400" dirty="0">
+                        <a:latin typeface="Calibri" panose="020F0502020204030204" pitchFamily="34" charset="0"/>
+                      </a:endParaRPr>
+                    </a:p>
+                  </a:txBody>
+                  <a:tcPr/>
+                </a:tc>
+                <a:tc>
+                  <a:txBody>
+                    <a:bodyPr/>
+                    <a:lstStyle/>
+                    <a:p>
+                      <a:r>
+                        <a:rPr lang="fr-FR" sz="1400" dirty="0" smtClean="0">
+                          <a:latin typeface="Calibri" panose="020F0502020204030204" pitchFamily="34" charset="0"/>
+                        </a:rPr>
+                        <a:t>Technologie</a:t>
+                      </a:r>
+                      <a:r>
+                        <a:rPr lang="fr-FR" sz="1400" baseline="0" dirty="0" smtClean="0">
+                          <a:latin typeface="Calibri" panose="020F0502020204030204" pitchFamily="34" charset="0"/>
+                        </a:rPr>
+                        <a:t> des composants respectée</a:t>
+                      </a:r>
+                      <a:endParaRPr lang="fr-FR" sz="1400" dirty="0">
+                        <a:latin typeface="Calibri" panose="020F0502020204030204" pitchFamily="34" charset="0"/>
+                      </a:endParaRPr>
+                    </a:p>
+                  </a:txBody>
+                  <a:tcPr/>
+                </a:tc>
+              </a:tr>
+              <a:tr h="643159">
+                <a:tc>
+                  <a:txBody>
+                    <a:bodyPr/>
+                    <a:lstStyle/>
+                    <a:p>
+                      <a:r>
+                        <a:rPr lang="fr-FR" sz="1400" dirty="0" smtClean="0">
+                          <a:latin typeface="Calibri" panose="020F0502020204030204" pitchFamily="34" charset="0"/>
+                        </a:rPr>
+                        <a:t>Orientation</a:t>
+                      </a:r>
+                      <a:r>
+                        <a:rPr lang="fr-FR" sz="1400" baseline="0" dirty="0" smtClean="0">
+                          <a:latin typeface="Calibri" panose="020F0502020204030204" pitchFamily="34" charset="0"/>
+                        </a:rPr>
+                        <a:t> des liens</a:t>
+                      </a:r>
+                      <a:endParaRPr lang="fr-FR" sz="1400" dirty="0">
+                        <a:latin typeface="Calibri" panose="020F0502020204030204" pitchFamily="34" charset="0"/>
+                      </a:endParaRPr>
+                    </a:p>
+                  </a:txBody>
+                  <a:tcPr/>
+                </a:tc>
+                <a:tc>
+                  <a:txBody>
+                    <a:bodyPr/>
+                    <a:lstStyle/>
+                    <a:p>
+                      <a:endParaRPr lang="fr-FR" sz="1400">
+                        <a:latin typeface="Calibri" panose="020F0502020204030204" pitchFamily="34" charset="0"/>
+                      </a:endParaRPr>
+                    </a:p>
+                  </a:txBody>
+                  <a:tcPr/>
+                </a:tc>
+                <a:tc>
+                  <a:txBody>
+                    <a:bodyPr/>
+                    <a:lstStyle/>
+                    <a:p>
+                      <a:endParaRPr lang="fr-FR" sz="1400">
+                        <a:latin typeface="Calibri" panose="020F0502020204030204" pitchFamily="34" charset="0"/>
+                      </a:endParaRPr>
+                    </a:p>
+                  </a:txBody>
+                  <a:tcPr/>
+                </a:tc>
+              </a:tr>
+              <a:tr h="528623">
+                <a:tc>
+                  <a:txBody>
+                    <a:bodyPr/>
+                    <a:lstStyle/>
+                    <a:p>
+                      <a:r>
+                        <a:rPr lang="fr-FR" sz="1400" dirty="0" smtClean="0">
+                          <a:latin typeface="Calibri" panose="020F0502020204030204" pitchFamily="34" charset="0"/>
+                        </a:rPr>
+                        <a:t>Démarche</a:t>
+                      </a:r>
+                      <a:r>
+                        <a:rPr lang="fr-FR" sz="1400" baseline="0" dirty="0" smtClean="0">
+                          <a:latin typeface="Calibri" panose="020F0502020204030204" pitchFamily="34" charset="0"/>
+                        </a:rPr>
+                        <a:t> de résolution</a:t>
+                      </a:r>
+                      <a:endParaRPr lang="fr-FR" sz="1400" dirty="0">
+                        <a:latin typeface="Calibri" panose="020F0502020204030204" pitchFamily="34" charset="0"/>
+                      </a:endParaRPr>
+                    </a:p>
+                  </a:txBody>
+                  <a:tcPr/>
+                </a:tc>
+                <a:tc>
+                  <a:txBody>
+                    <a:bodyPr/>
+                    <a:lstStyle/>
+                    <a:p>
+                      <a:endParaRPr lang="fr-FR" sz="1400" dirty="0">
+                        <a:latin typeface="Calibri" panose="020F0502020204030204" pitchFamily="34" charset="0"/>
+                      </a:endParaRPr>
+                    </a:p>
+                  </a:txBody>
+                  <a:tcPr/>
+                </a:tc>
+                <a:tc>
+                  <a:txBody>
+                    <a:bodyPr/>
+                    <a:lstStyle/>
+                    <a:p>
+                      <a:endParaRPr lang="fr-FR" sz="1400" dirty="0">
+                        <a:latin typeface="Calibri" panose="020F0502020204030204" pitchFamily="34" charset="0"/>
+                      </a:endParaRPr>
+                    </a:p>
+                  </a:txBody>
+                  <a:tcPr/>
+                </a:tc>
+              </a:tr>
+              <a:tr h="643159">
+                <a:tc>
+                  <a:txBody>
+                    <a:bodyPr/>
+                    <a:lstStyle/>
+                    <a:p>
+                      <a:r>
+                        <a:rPr lang="fr-FR" sz="1400" dirty="0" smtClean="0">
+                          <a:latin typeface="Calibri" panose="020F0502020204030204" pitchFamily="34" charset="0"/>
+                        </a:rPr>
+                        <a:t>Analyse fréquentielle</a:t>
+                      </a:r>
+                      <a:endParaRPr lang="fr-FR" sz="1400" dirty="0">
+                        <a:latin typeface="Calibri" panose="020F0502020204030204" pitchFamily="34" charset="0"/>
+                      </a:endParaRPr>
+                    </a:p>
+                  </a:txBody>
+                  <a:tcPr/>
+                </a:tc>
+                <a:tc>
+                  <a:txBody>
+                    <a:bodyPr/>
+                    <a:lstStyle/>
+                    <a:p>
+                      <a:endParaRPr lang="fr-FR" sz="1400" dirty="0">
+                        <a:latin typeface="Calibri" panose="020F0502020204030204" pitchFamily="34" charset="0"/>
+                      </a:endParaRPr>
+                    </a:p>
+                  </a:txBody>
+                  <a:tcPr/>
+                </a:tc>
+                <a:tc>
+                  <a:txBody>
+                    <a:bodyPr/>
+                    <a:lstStyle/>
+                    <a:p>
+                      <a:endParaRPr lang="fr-FR" sz="1400" dirty="0">
+                        <a:latin typeface="Calibri" panose="020F0502020204030204" pitchFamily="34" charset="0"/>
+                      </a:endParaRPr>
+                    </a:p>
+                  </a:txBody>
+                  <a:tcPr/>
+                </a:tc>
+              </a:tr>
+            </a:tbl>
+          </a:graphicData>
+        </a:graphic>
+      </p:graphicFrame>
       <p:sp>
         <p:nvSpPr>
           <p:cNvPr id="3" name="Titre 2"/>
@@ -6576,23 +7084,10 @@
         </p:nvSpPr>
         <p:spPr/>
         <p:txBody>
-          <a:bodyPr>
-            <a:normAutofit fontScale="90000"/>
-          </a:bodyPr>
-          <a:lstStyle/>
-          <a:p>
-            <a:r>
-              <a:rPr lang="fr-FR" dirty="0" smtClean="0"/>
-              <a:t>Modélisation multiphysique</a:t>
-            </a:r>
-            <a:br>
-              <a:rPr lang="fr-FR" dirty="0" smtClean="0"/>
-            </a:br>
-            <a:r>
-              <a:rPr lang="fr-FR" dirty="0" smtClean="0"/>
-              <a:t>Comparaison des modèles</a:t>
-            </a:r>
-            <a:endParaRPr lang="fr-FR" dirty="0"/>
+          <a:bodyPr/>
+          <a:lstStyle/>
+          <a:p>
+            <a:endParaRPr lang="fr-FR"/>
           </a:p>
         </p:txBody>
       </p:sp>
@@ -6619,66 +7114,121 @@
           </a:p>
         </p:txBody>
       </p:sp>
-      <p:pic>
-        <p:nvPicPr>
-          <p:cNvPr id="8" name="Picture 4"/>
-          <p:cNvPicPr>
-            <a:picLocks noChangeAspect="1" noChangeArrowheads="1"/>
-          </p:cNvPicPr>
+      <p:cxnSp>
+        <p:nvCxnSpPr>
+          <p:cNvPr id="8" name="Connecteur droit 7"/>
+          <p:cNvCxnSpPr/>
           <p:nvPr/>
-        </p:nvPicPr>
-        <p:blipFill>
-          <a:blip r:embed="rId2">
-            <a:extLst>
-              <a:ext uri="{28A0092B-C50C-407E-A947-70E740481C1C}">
-                <a14:useLocalDpi xmlns:a14="http://schemas.microsoft.com/office/drawing/2010/main" val="0"/>
-              </a:ext>
-            </a:extLst>
-          </a:blip>
-          <a:srcRect/>
-          <a:stretch>
-            <a:fillRect/>
-          </a:stretch>
-        </p:blipFill>
-        <p:spPr bwMode="auto">
-          <a:xfrm>
-            <a:off x="4179347" y="1189420"/>
-            <a:ext cx="3922328" cy="1555545"/>
+        </p:nvCxnSpPr>
+        <p:spPr>
+          <a:xfrm flipV="1">
+            <a:off x="-108520" y="692696"/>
+            <a:ext cx="7704856" cy="4896544"/>
           </a:xfrm>
-          <a:prstGeom prst="rect">
+          <a:prstGeom prst="line">
             <a:avLst/>
           </a:prstGeom>
-          <a:ln>
-            <a:noFill/>
-          </a:ln>
-          <a:effectLst>
-            <a:outerShdw blurRad="292100" dist="139700" dir="2700000" algn="tl" rotWithShape="0">
-              <a:srgbClr val="333333">
-                <a:alpha val="65000"/>
-              </a:srgbClr>
-            </a:outerShdw>
-          </a:effectLst>
-          <a:extLst>
-            <a:ext uri="{909E8E84-426E-40DD-AFC4-6F175D3DCCD1}">
-              <a14:hiddenFill xmlns:a14="http://schemas.microsoft.com/office/drawing/2010/main">
-                <a:solidFill>
-                  <a:schemeClr val="accent1"/>
-                </a:solidFill>
-              </a14:hiddenFill>
-            </a:ext>
-            <a:ext uri="{91240B29-F687-4F45-9708-019B960494DF}">
-              <a14:hiddenLine xmlns:a14="http://schemas.microsoft.com/office/drawing/2010/main" w="9525">
-                <a:solidFill>
-                  <a:schemeClr val="tx1"/>
-                </a:solidFill>
-                <a:miter lim="800000"/>
-                <a:headEnd/>
-                <a:tailEnd/>
-              </a14:hiddenLine>
-            </a:ext>
-          </a:extLst>
         </p:spPr>
-      </p:pic>
+        <p:style>
+          <a:lnRef idx="1">
+            <a:schemeClr val="accent1"/>
+          </a:lnRef>
+          <a:fillRef idx="0">
+            <a:schemeClr val="accent1"/>
+          </a:fillRef>
+          <a:effectRef idx="0">
+            <a:schemeClr val="accent1"/>
+          </a:effectRef>
+          <a:fontRef idx="minor">
+            <a:schemeClr val="tx1"/>
+          </a:fontRef>
+        </p:style>
+      </p:cxnSp>
+    </p:spTree>
+    <p:extLst>
+      <p:ext uri="{BB962C8B-B14F-4D97-AF65-F5344CB8AC3E}">
+        <p14:creationId xmlns:p14="http://schemas.microsoft.com/office/powerpoint/2010/main" val="2623938370"/>
+      </p:ext>
+    </p:extLst>
+  </p:cSld>
+  <p:clrMapOvr>
+    <a:masterClrMapping/>
+  </p:clrMapOvr>
+</p:sld>
+</file>
+
+<file path=ppt/slides/slide15.xml><?xml version="1.0" encoding="utf-8"?>
+<p:sld xmlns:a="http://schemas.openxmlformats.org/drawingml/2006/main" xmlns:r="http://schemas.openxmlformats.org/officeDocument/2006/relationships" xmlns:p="http://schemas.openxmlformats.org/presentationml/2006/main">
+  <p:cSld>
+    <p:spTree>
+      <p:nvGrpSpPr>
+        <p:cNvPr id="1" name=""/>
+        <p:cNvGrpSpPr/>
+        <p:nvPr/>
+      </p:nvGrpSpPr>
+      <p:grpSpPr>
+        <a:xfrm>
+          <a:off x="0" y="0"/>
+          <a:ext cx="0" cy="0"/>
+          <a:chOff x="0" y="0"/>
+          <a:chExt cx="0" cy="0"/>
+        </a:xfrm>
+      </p:grpSpPr>
+      <p:sp>
+        <p:nvSpPr>
+          <p:cNvPr id="3" name="Titre 2"/>
+          <p:cNvSpPr>
+            <a:spLocks noGrp="1"/>
+          </p:cNvSpPr>
+          <p:nvPr>
+            <p:ph type="title"/>
+          </p:nvPr>
+        </p:nvSpPr>
+        <p:spPr/>
+        <p:txBody>
+          <a:bodyPr>
+            <a:normAutofit fontScale="90000"/>
+          </a:bodyPr>
+          <a:lstStyle/>
+          <a:p>
+            <a:r>
+              <a:rPr lang="fr-FR" dirty="0" smtClean="0"/>
+              <a:t>Modélisation multiphysique</a:t>
+            </a:r>
+            <a:br>
+              <a:rPr lang="fr-FR" dirty="0" smtClean="0"/>
+            </a:br>
+            <a:r>
+              <a:rPr lang="fr-FR" dirty="0" smtClean="0"/>
+              <a:t>Comparaison des modèles</a:t>
+            </a:r>
+            <a:endParaRPr lang="fr-FR" dirty="0"/>
+          </a:p>
+        </p:txBody>
+      </p:sp>
+      <p:sp>
+        <p:nvSpPr>
+          <p:cNvPr id="4" name="Espace réservé du numéro de diapositive 3"/>
+          <p:cNvSpPr>
+            <a:spLocks noGrp="1"/>
+          </p:cNvSpPr>
+          <p:nvPr>
+            <p:ph type="sldNum" sz="quarter" idx="15"/>
+          </p:nvPr>
+        </p:nvSpPr>
+        <p:spPr/>
+        <p:txBody>
+          <a:bodyPr/>
+          <a:lstStyle/>
+          <a:p>
+            <a:fld id="{136A7F36-7A21-4EA8-9DC2-F00219448035}" type="slidenum">
+              <a:rPr lang="fr-FR" smtClean="0"/>
+              <a:t>15</a:t>
+            </a:fld>
+            <a:endParaRPr lang="fr-FR"/>
+          </a:p>
+        </p:txBody>
+      </p:sp>
       <p:pic>
         <p:nvPicPr>
           <p:cNvPr id="9" name="Picture 3"/>
@@ -6688,7 +7238,7 @@
           <p:nvPr/>
         </p:nvPicPr>
         <p:blipFill>
-          <a:blip r:embed="rId3" cstate="print">
+          <a:blip r:embed="rId2" cstate="print">
             <a:extLst>
               <a:ext uri="{28A0092B-C50C-407E-A947-70E740481C1C}">
                 <a14:useLocalDpi xmlns:a14="http://schemas.microsoft.com/office/drawing/2010/main" val="0"/>
@@ -6748,7 +7298,7 @@
           <p:nvPr/>
         </p:nvPicPr>
         <p:blipFill>
-          <a:blip r:embed="rId4" cstate="print">
+          <a:blip r:embed="rId3" cstate="print">
             <a:extLst>
               <a:ext uri="{28A0092B-C50C-407E-A947-70E740481C1C}">
                 <a14:useLocalDpi xmlns:a14="http://schemas.microsoft.com/office/drawing/2010/main" val="0"/>
@@ -6762,8 +7312,8 @@
         </p:blipFill>
         <p:spPr bwMode="auto">
           <a:xfrm>
-            <a:off x="1043608" y="1286086"/>
-            <a:ext cx="1962451" cy="1659250"/>
+            <a:off x="395536" y="1412776"/>
+            <a:ext cx="1512168" cy="1278536"/>
           </a:xfrm>
           <a:prstGeom prst="rect">
             <a:avLst/>
@@ -6811,7 +7361,7 @@
         </p:nvSpPr>
         <p:spPr>
           <a:xfrm>
-            <a:off x="539552" y="2945336"/>
+            <a:off x="-216532" y="2760670"/>
             <a:ext cx="2736304" cy="369332"/>
           </a:xfrm>
           <a:prstGeom prst="rect">
@@ -6917,7 +7467,7 @@
           <p:nvPr/>
         </p:nvPicPr>
         <p:blipFill>
-          <a:blip r:embed="rId5">
+          <a:blip r:embed="rId4">
             <a:extLst>
               <a:ext uri="{28A0092B-C50C-407E-A947-70E740481C1C}">
                 <a14:useLocalDpi xmlns:a14="http://schemas.microsoft.com/office/drawing/2010/main" val="0"/>
@@ -6931,8 +7481,8 @@
         </p:blipFill>
         <p:spPr bwMode="auto">
           <a:xfrm>
-            <a:off x="3753006" y="4149080"/>
-            <a:ext cx="5167660" cy="1883414"/>
+            <a:off x="3357859" y="3861048"/>
+            <a:ext cx="5957954" cy="2171446"/>
           </a:xfrm>
           <a:prstGeom prst="rect">
             <a:avLst/>
@@ -7007,124 +7557,755 @@
           </a:p>
         </p:txBody>
       </p:sp>
+      <mc:AlternateContent xmlns:mc="http://schemas.openxmlformats.org/markup-compatibility/2006">
+        <mc:Choice xmlns:a14="http://schemas.microsoft.com/office/drawing/2010/main" Requires="a14">
+          <p:sp>
+            <p:nvSpPr>
+              <p:cNvPr id="2" name="Rectangle 1"/>
+              <p:cNvSpPr/>
+              <p:nvPr/>
+            </p:nvSpPr>
+            <p:spPr>
+              <a:xfrm>
+                <a:off x="4050836" y="921447"/>
+                <a:ext cx="4572000" cy="1978490"/>
+              </a:xfrm>
+              <a:prstGeom prst="rect">
+                <a:avLst/>
+              </a:prstGeom>
+            </p:spPr>
+            <p:txBody>
+              <a:bodyPr>
+                <a:spAutoFit/>
+              </a:bodyPr>
+              <a:lstStyle/>
+              <a:p>
+                <a:pPr lvl="2" algn="ctr"/>
+                <a14:m>
+                  <m:oMathPara xmlns:m="http://schemas.openxmlformats.org/officeDocument/2006/math">
+                    <m:oMathParaPr>
+                      <m:jc m:val="centerGroup"/>
+                    </m:oMathParaPr>
+                    <m:oMath xmlns:m="http://schemas.openxmlformats.org/officeDocument/2006/math">
+                      <m:r>
+                        <a:rPr lang="fr-FR" i="1">
+                          <a:latin typeface="Cambria Math"/>
+                        </a:rPr>
+                        <m:t>𝑢</m:t>
+                      </m:r>
+                      <m:d>
+                        <m:dPr>
+                          <m:ctrlPr>
+                            <a:rPr lang="fr-FR" i="1">
+                              <a:latin typeface="Cambria Math"/>
+                            </a:rPr>
+                          </m:ctrlPr>
+                        </m:dPr>
+                        <m:e>
+                          <m:r>
+                            <a:rPr lang="fr-FR" i="1">
+                              <a:latin typeface="Cambria Math"/>
+                            </a:rPr>
+                            <m:t>𝑡</m:t>
+                          </m:r>
+                        </m:e>
+                      </m:d>
+                      <m:r>
+                        <a:rPr lang="fr-FR" i="1">
+                          <a:latin typeface="Cambria Math"/>
+                        </a:rPr>
+                        <m:t>=</m:t>
+                      </m:r>
+                      <m:r>
+                        <a:rPr lang="fr-FR" i="1">
+                          <a:latin typeface="Cambria Math"/>
+                        </a:rPr>
+                        <m:t>𝑒</m:t>
+                      </m:r>
+                      <m:d>
+                        <m:dPr>
+                          <m:ctrlPr>
+                            <a:rPr lang="fr-FR" i="1">
+                              <a:latin typeface="Cambria Math"/>
+                            </a:rPr>
+                          </m:ctrlPr>
+                        </m:dPr>
+                        <m:e>
+                          <m:r>
+                            <a:rPr lang="fr-FR" i="1">
+                              <a:latin typeface="Cambria Math"/>
+                            </a:rPr>
+                            <m:t>𝑡</m:t>
+                          </m:r>
+                        </m:e>
+                      </m:d>
+                      <m:r>
+                        <a:rPr lang="fr-FR" i="1">
+                          <a:latin typeface="Cambria Math"/>
+                        </a:rPr>
+                        <m:t>+</m:t>
+                      </m:r>
+                      <m:r>
+                        <a:rPr lang="fr-FR" i="1">
+                          <a:latin typeface="Cambria Math"/>
+                        </a:rPr>
+                        <m:t>𝐿</m:t>
+                      </m:r>
+                      <m:f>
+                        <m:fPr>
+                          <m:ctrlPr>
+                            <a:rPr lang="fr-FR" i="1">
+                              <a:latin typeface="Cambria Math"/>
+                            </a:rPr>
+                          </m:ctrlPr>
+                        </m:fPr>
+                        <m:num>
+                          <m:r>
+                            <a:rPr lang="fr-FR" i="1">
+                              <a:latin typeface="Cambria Math"/>
+                            </a:rPr>
+                            <m:t>𝑑𝑖</m:t>
+                          </m:r>
+                          <m:r>
+                            <a:rPr lang="fr-FR" i="1">
+                              <a:latin typeface="Cambria Math"/>
+                            </a:rPr>
+                            <m:t>(</m:t>
+                          </m:r>
+                          <m:r>
+                            <a:rPr lang="fr-FR" i="1">
+                              <a:latin typeface="Cambria Math"/>
+                            </a:rPr>
+                            <m:t>𝑡</m:t>
+                          </m:r>
+                          <m:r>
+                            <a:rPr lang="fr-FR" i="1">
+                              <a:latin typeface="Cambria Math"/>
+                            </a:rPr>
+                            <m:t>)</m:t>
+                          </m:r>
+                        </m:num>
+                        <m:den>
+                          <m:r>
+                            <a:rPr lang="fr-FR" i="1">
+                              <a:latin typeface="Cambria Math"/>
+                            </a:rPr>
+                            <m:t>𝑑𝑡</m:t>
+                          </m:r>
+                        </m:den>
+                      </m:f>
+                      <m:r>
+                        <a:rPr lang="fr-FR" i="1">
+                          <a:latin typeface="Cambria Math"/>
+                        </a:rPr>
+                        <m:t>+</m:t>
+                      </m:r>
+                      <m:r>
+                        <a:rPr lang="fr-FR" i="1">
+                          <a:latin typeface="Cambria Math"/>
+                        </a:rPr>
+                        <m:t>𝑅𝑖</m:t>
+                      </m:r>
+                      <m:r>
+                        <a:rPr lang="fr-FR" i="1">
+                          <a:latin typeface="Cambria Math"/>
+                        </a:rPr>
+                        <m:t>(</m:t>
+                      </m:r>
+                      <m:r>
+                        <a:rPr lang="fr-FR" i="1">
+                          <a:latin typeface="Cambria Math"/>
+                        </a:rPr>
+                        <m:t>𝑡</m:t>
+                      </m:r>
+                      <m:r>
+                        <a:rPr lang="fr-FR" i="1">
+                          <a:latin typeface="Cambria Math"/>
+                        </a:rPr>
+                        <m:t>)</m:t>
+                      </m:r>
+                    </m:oMath>
+                  </m:oMathPara>
+                </a14:m>
+                <a:endParaRPr lang="fr-FR" dirty="0"/>
+              </a:p>
+              <a:p>
+                <a:pPr lvl="2" algn="ctr"/>
+                <a14:m>
+                  <m:oMathPara xmlns:m="http://schemas.openxmlformats.org/officeDocument/2006/math">
+                    <m:oMathParaPr>
+                      <m:jc m:val="centerGroup"/>
+                    </m:oMathParaPr>
+                    <m:oMath xmlns:m="http://schemas.openxmlformats.org/officeDocument/2006/math">
+                      <m:r>
+                        <a:rPr lang="fr-FR" i="1">
+                          <a:latin typeface="Cambria Math"/>
+                        </a:rPr>
+                        <m:t>𝐽</m:t>
+                      </m:r>
+                      <m:f>
+                        <m:fPr>
+                          <m:ctrlPr>
+                            <a:rPr lang="fr-FR" i="1">
+                              <a:latin typeface="Cambria Math"/>
+                            </a:rPr>
+                          </m:ctrlPr>
+                        </m:fPr>
+                        <m:num>
+                          <m:r>
+                            <a:rPr lang="fr-FR" i="1">
+                              <a:latin typeface="Cambria Math"/>
+                            </a:rPr>
+                            <m:t>𝑑</m:t>
+                          </m:r>
+                          <m:sSub>
+                            <m:sSubPr>
+                              <m:ctrlPr>
+                                <a:rPr lang="fr-FR" i="1">
+                                  <a:latin typeface="Cambria Math"/>
+                                </a:rPr>
+                              </m:ctrlPr>
+                            </m:sSubPr>
+                            <m:e>
+                              <m:r>
+                                <a:rPr lang="fr-FR" i="1">
+                                  <a:latin typeface="Cambria Math"/>
+                                </a:rPr>
+                                <m:t>𝜔</m:t>
+                              </m:r>
+                            </m:e>
+                            <m:sub>
+                              <m:r>
+                                <a:rPr lang="fr-FR" i="1">
+                                  <a:latin typeface="Cambria Math"/>
+                                </a:rPr>
+                                <m:t>𝑚</m:t>
+                              </m:r>
+                            </m:sub>
+                          </m:sSub>
+                          <m:r>
+                            <a:rPr lang="fr-FR" i="1">
+                              <a:latin typeface="Cambria Math"/>
+                            </a:rPr>
+                            <m:t>(</m:t>
+                          </m:r>
+                          <m:r>
+                            <a:rPr lang="fr-FR" i="1">
+                              <a:latin typeface="Cambria Math"/>
+                            </a:rPr>
+                            <m:t>𝑡</m:t>
+                          </m:r>
+                          <m:r>
+                            <a:rPr lang="fr-FR" i="1">
+                              <a:latin typeface="Cambria Math"/>
+                            </a:rPr>
+                            <m:t>)</m:t>
+                          </m:r>
+                        </m:num>
+                        <m:den>
+                          <m:r>
+                            <a:rPr lang="fr-FR" i="1">
+                              <a:latin typeface="Cambria Math"/>
+                            </a:rPr>
+                            <m:t>𝑑𝑡</m:t>
+                          </m:r>
+                        </m:den>
+                      </m:f>
+                      <m:r>
+                        <a:rPr lang="fr-FR" i="1">
+                          <a:latin typeface="Cambria Math"/>
+                        </a:rPr>
+                        <m:t>=</m:t>
+                      </m:r>
+                      <m:sSub>
+                        <m:sSubPr>
+                          <m:ctrlPr>
+                            <a:rPr lang="fr-FR" i="1">
+                              <a:latin typeface="Cambria Math"/>
+                            </a:rPr>
+                          </m:ctrlPr>
+                        </m:sSubPr>
+                        <m:e>
+                          <m:r>
+                            <a:rPr lang="fr-FR" i="1">
+                              <a:latin typeface="Cambria Math"/>
+                            </a:rPr>
+                            <m:t>𝑐</m:t>
+                          </m:r>
+                        </m:e>
+                        <m:sub>
+                          <m:r>
+                            <a:rPr lang="fr-FR" i="1">
+                              <a:latin typeface="Cambria Math"/>
+                            </a:rPr>
+                            <m:t>𝑚</m:t>
+                          </m:r>
+                        </m:sub>
+                      </m:sSub>
+                      <m:d>
+                        <m:dPr>
+                          <m:ctrlPr>
+                            <a:rPr lang="fr-FR" i="1">
+                              <a:latin typeface="Cambria Math"/>
+                            </a:rPr>
+                          </m:ctrlPr>
+                        </m:dPr>
+                        <m:e>
+                          <m:r>
+                            <a:rPr lang="fr-FR" i="1">
+                              <a:latin typeface="Cambria Math"/>
+                            </a:rPr>
+                            <m:t>𝑡</m:t>
+                          </m:r>
+                        </m:e>
+                      </m:d>
+                      <m:r>
+                        <a:rPr lang="fr-FR" i="1">
+                          <a:latin typeface="Cambria Math"/>
+                        </a:rPr>
+                        <m:t>−</m:t>
+                      </m:r>
+                      <m:sSub>
+                        <m:sSubPr>
+                          <m:ctrlPr>
+                            <a:rPr lang="fr-FR" i="1">
+                              <a:latin typeface="Cambria Math"/>
+                            </a:rPr>
+                          </m:ctrlPr>
+                        </m:sSubPr>
+                        <m:e>
+                          <m:r>
+                            <a:rPr lang="fr-FR" i="1">
+                              <a:latin typeface="Cambria Math"/>
+                            </a:rPr>
+                            <m:t>𝑐</m:t>
+                          </m:r>
+                        </m:e>
+                        <m:sub>
+                          <m:r>
+                            <a:rPr lang="fr-FR" i="1">
+                              <a:latin typeface="Cambria Math"/>
+                            </a:rPr>
+                            <m:t>𝑟</m:t>
+                          </m:r>
+                        </m:sub>
+                      </m:sSub>
+                      <m:r>
+                        <a:rPr lang="fr-FR" i="1">
+                          <a:latin typeface="Cambria Math"/>
+                        </a:rPr>
+                        <m:t>(</m:t>
+                      </m:r>
+                      <m:r>
+                        <a:rPr lang="fr-FR" i="1">
+                          <a:latin typeface="Cambria Math"/>
+                        </a:rPr>
+                        <m:t>𝑡</m:t>
+                      </m:r>
+                      <m:r>
+                        <a:rPr lang="fr-FR" i="1">
+                          <a:latin typeface="Cambria Math"/>
+                        </a:rPr>
+                        <m:t>)</m:t>
+                      </m:r>
+                    </m:oMath>
+                  </m:oMathPara>
+                </a14:m>
+                <a:endParaRPr lang="fr-FR" dirty="0"/>
+              </a:p>
+              <a:p>
+                <a:pPr lvl="2" algn="ctr"/>
+                <a14:m>
+                  <m:oMathPara xmlns:m="http://schemas.openxmlformats.org/officeDocument/2006/math">
+                    <m:oMathParaPr>
+                      <m:jc m:val="centerGroup"/>
+                    </m:oMathParaPr>
+                    <m:oMath xmlns:m="http://schemas.openxmlformats.org/officeDocument/2006/math">
+                      <m:sSub>
+                        <m:sSubPr>
+                          <m:ctrlPr>
+                            <a:rPr lang="fr-FR" i="1">
+                              <a:latin typeface="Cambria Math"/>
+                            </a:rPr>
+                          </m:ctrlPr>
+                        </m:sSubPr>
+                        <m:e>
+                          <m:r>
+                            <a:rPr lang="fr-FR" i="1">
+                              <a:latin typeface="Cambria Math"/>
+                            </a:rPr>
+                            <m:t>𝑐</m:t>
+                          </m:r>
+                        </m:e>
+                        <m:sub>
+                          <m:r>
+                            <a:rPr lang="fr-FR" i="1">
+                              <a:latin typeface="Cambria Math"/>
+                            </a:rPr>
+                            <m:t>𝑟</m:t>
+                          </m:r>
+                        </m:sub>
+                      </m:sSub>
+                      <m:d>
+                        <m:dPr>
+                          <m:ctrlPr>
+                            <a:rPr lang="fr-FR" i="1">
+                              <a:latin typeface="Cambria Math"/>
+                            </a:rPr>
+                          </m:ctrlPr>
+                        </m:dPr>
+                        <m:e>
+                          <m:r>
+                            <a:rPr lang="fr-FR" i="1">
+                              <a:latin typeface="Cambria Math"/>
+                            </a:rPr>
+                            <m:t>𝑡</m:t>
+                          </m:r>
+                        </m:e>
+                      </m:d>
+                      <m:r>
+                        <a:rPr lang="fr-FR" i="1">
+                          <a:latin typeface="Cambria Math"/>
+                        </a:rPr>
+                        <m:t>=</m:t>
+                      </m:r>
+                      <m:sSub>
+                        <m:sSubPr>
+                          <m:ctrlPr>
+                            <a:rPr lang="fr-FR" i="1">
+                              <a:latin typeface="Cambria Math"/>
+                            </a:rPr>
+                          </m:ctrlPr>
+                        </m:sSubPr>
+                        <m:e>
+                          <m:r>
+                            <a:rPr lang="fr-FR" i="1">
+                              <a:latin typeface="Cambria Math"/>
+                            </a:rPr>
+                            <m:t>𝑓</m:t>
+                          </m:r>
+                        </m:e>
+                        <m:sub>
+                          <m:r>
+                            <a:rPr lang="fr-FR" i="1">
+                              <a:latin typeface="Cambria Math"/>
+                            </a:rPr>
+                            <m:t>𝑣</m:t>
+                          </m:r>
+                        </m:sub>
+                      </m:sSub>
+                      <m:sSub>
+                        <m:sSubPr>
+                          <m:ctrlPr>
+                            <a:rPr lang="fr-FR" i="1">
+                              <a:latin typeface="Cambria Math"/>
+                            </a:rPr>
+                          </m:ctrlPr>
+                        </m:sSubPr>
+                        <m:e>
+                          <m:r>
+                            <a:rPr lang="fr-FR" i="1">
+                              <a:latin typeface="Cambria Math"/>
+                            </a:rPr>
+                            <m:t>𝜔</m:t>
+                          </m:r>
+                        </m:e>
+                        <m:sub>
+                          <m:r>
+                            <a:rPr lang="fr-FR" i="1">
+                              <a:latin typeface="Cambria Math"/>
+                            </a:rPr>
+                            <m:t>𝑚</m:t>
+                          </m:r>
+                        </m:sub>
+                      </m:sSub>
+                      <m:r>
+                        <a:rPr lang="fr-FR" i="1">
+                          <a:latin typeface="Cambria Math"/>
+                        </a:rPr>
+                        <m:t>(</m:t>
+                      </m:r>
+                      <m:r>
+                        <a:rPr lang="fr-FR" i="1">
+                          <a:latin typeface="Cambria Math"/>
+                        </a:rPr>
+                        <m:t>𝑡</m:t>
+                      </m:r>
+                      <m:r>
+                        <a:rPr lang="fr-FR" i="1">
+                          <a:latin typeface="Cambria Math"/>
+                        </a:rPr>
+                        <m:t>)</m:t>
+                      </m:r>
+                    </m:oMath>
+                  </m:oMathPara>
+                </a14:m>
+                <a:endParaRPr lang="fr-FR" dirty="0"/>
+              </a:p>
+              <a:p>
+                <a:pPr lvl="2" algn="ctr"/>
+                <a14:m>
+                  <m:oMathPara xmlns:m="http://schemas.openxmlformats.org/officeDocument/2006/math">
+                    <m:oMathParaPr>
+                      <m:jc m:val="centerGroup"/>
+                    </m:oMathParaPr>
+                    <m:oMath xmlns:m="http://schemas.openxmlformats.org/officeDocument/2006/math">
+                      <m:r>
+                        <a:rPr lang="fr-FR" i="1">
+                          <a:latin typeface="Cambria Math"/>
+                        </a:rPr>
+                        <m:t>𝑒</m:t>
+                      </m:r>
+                      <m:d>
+                        <m:dPr>
+                          <m:ctrlPr>
+                            <a:rPr lang="fr-FR" i="1">
+                              <a:latin typeface="Cambria Math"/>
+                            </a:rPr>
+                          </m:ctrlPr>
+                        </m:dPr>
+                        <m:e>
+                          <m:r>
+                            <a:rPr lang="fr-FR" i="1">
+                              <a:latin typeface="Cambria Math"/>
+                            </a:rPr>
+                            <m:t>𝑡</m:t>
+                          </m:r>
+                        </m:e>
+                      </m:d>
+                      <m:r>
+                        <a:rPr lang="fr-FR" i="1">
+                          <a:latin typeface="Cambria Math"/>
+                        </a:rPr>
+                        <m:t>=</m:t>
+                      </m:r>
+                      <m:sSub>
+                        <m:sSubPr>
+                          <m:ctrlPr>
+                            <a:rPr lang="fr-FR" i="1">
+                              <a:latin typeface="Cambria Math"/>
+                            </a:rPr>
+                          </m:ctrlPr>
+                        </m:sSubPr>
+                        <m:e>
+                          <m:r>
+                            <a:rPr lang="fr-FR" i="1">
+                              <a:latin typeface="Cambria Math"/>
+                            </a:rPr>
+                            <m:t>𝐾</m:t>
+                          </m:r>
+                        </m:e>
+                        <m:sub>
+                          <m:r>
+                            <a:rPr lang="fr-FR" i="1">
+                              <a:latin typeface="Cambria Math"/>
+                            </a:rPr>
+                            <m:t>𝐸</m:t>
+                          </m:r>
+                        </m:sub>
+                      </m:sSub>
+                      <m:sSub>
+                        <m:sSubPr>
+                          <m:ctrlPr>
+                            <a:rPr lang="fr-FR" i="1">
+                              <a:latin typeface="Cambria Math"/>
+                            </a:rPr>
+                          </m:ctrlPr>
+                        </m:sSubPr>
+                        <m:e>
+                          <m:r>
+                            <a:rPr lang="fr-FR" i="1">
+                              <a:latin typeface="Cambria Math"/>
+                            </a:rPr>
+                            <m:t>𝜔</m:t>
+                          </m:r>
+                        </m:e>
+                        <m:sub>
+                          <m:r>
+                            <a:rPr lang="fr-FR" i="1">
+                              <a:latin typeface="Cambria Math"/>
+                            </a:rPr>
+                            <m:t>𝑚</m:t>
+                          </m:r>
+                        </m:sub>
+                      </m:sSub>
+                      <m:d>
+                        <m:dPr>
+                          <m:ctrlPr>
+                            <a:rPr lang="fr-FR" i="1">
+                              <a:latin typeface="Cambria Math"/>
+                            </a:rPr>
+                          </m:ctrlPr>
+                        </m:dPr>
+                        <m:e>
+                          <m:r>
+                            <a:rPr lang="fr-FR" i="1">
+                              <a:latin typeface="Cambria Math"/>
+                            </a:rPr>
+                            <m:t>𝑡</m:t>
+                          </m:r>
+                        </m:e>
+                      </m:d>
+                    </m:oMath>
+                  </m:oMathPara>
+                </a14:m>
+                <a:endParaRPr lang="fr-FR" dirty="0"/>
+              </a:p>
+              <a:p>
+                <a:pPr lvl="2" algn="ctr"/>
+                <a14:m>
+                  <m:oMathPara xmlns:m="http://schemas.openxmlformats.org/officeDocument/2006/math">
+                    <m:oMathParaPr>
+                      <m:jc m:val="centerGroup"/>
+                    </m:oMathParaPr>
+                    <m:oMath xmlns:m="http://schemas.openxmlformats.org/officeDocument/2006/math">
+                      <m:sSub>
+                        <m:sSubPr>
+                          <m:ctrlPr>
+                            <a:rPr lang="fr-FR" i="1">
+                              <a:latin typeface="Cambria Math"/>
+                            </a:rPr>
+                          </m:ctrlPr>
+                        </m:sSubPr>
+                        <m:e>
+                          <m:r>
+                            <a:rPr lang="fr-FR" i="1">
+                              <a:latin typeface="Cambria Math"/>
+                            </a:rPr>
+                            <m:t>𝑐</m:t>
+                          </m:r>
+                        </m:e>
+                        <m:sub>
+                          <m:r>
+                            <a:rPr lang="fr-FR" i="1">
+                              <a:latin typeface="Cambria Math"/>
+                            </a:rPr>
+                            <m:t>𝑚</m:t>
+                          </m:r>
+                        </m:sub>
+                      </m:sSub>
+                      <m:d>
+                        <m:dPr>
+                          <m:ctrlPr>
+                            <a:rPr lang="fr-FR" i="1">
+                              <a:latin typeface="Cambria Math"/>
+                            </a:rPr>
+                          </m:ctrlPr>
+                        </m:dPr>
+                        <m:e>
+                          <m:r>
+                            <a:rPr lang="fr-FR" i="1">
+                              <a:latin typeface="Cambria Math"/>
+                            </a:rPr>
+                            <m:t>𝑡</m:t>
+                          </m:r>
+                        </m:e>
+                      </m:d>
+                      <m:r>
+                        <a:rPr lang="fr-FR" i="1">
+                          <a:latin typeface="Cambria Math"/>
+                        </a:rPr>
+                        <m:t>=</m:t>
+                      </m:r>
+                      <m:sSub>
+                        <m:sSubPr>
+                          <m:ctrlPr>
+                            <a:rPr lang="fr-FR" i="1">
+                              <a:latin typeface="Cambria Math"/>
+                            </a:rPr>
+                          </m:ctrlPr>
+                        </m:sSubPr>
+                        <m:e>
+                          <m:r>
+                            <a:rPr lang="fr-FR" i="1">
+                              <a:latin typeface="Cambria Math"/>
+                            </a:rPr>
+                            <m:t>𝐾</m:t>
+                          </m:r>
+                        </m:e>
+                        <m:sub>
+                          <m:r>
+                            <a:rPr lang="fr-FR" i="1">
+                              <a:latin typeface="Cambria Math"/>
+                            </a:rPr>
+                            <m:t>𝐶</m:t>
+                          </m:r>
+                        </m:sub>
+                      </m:sSub>
+                      <m:r>
+                        <a:rPr lang="fr-FR" i="1">
+                          <a:latin typeface="Cambria Math"/>
+                        </a:rPr>
+                        <m:t>𝑖</m:t>
+                      </m:r>
+                      <m:d>
+                        <m:dPr>
+                          <m:ctrlPr>
+                            <a:rPr lang="fr-FR" i="1">
+                              <a:latin typeface="Cambria Math"/>
+                            </a:rPr>
+                          </m:ctrlPr>
+                        </m:dPr>
+                        <m:e>
+                          <m:r>
+                            <a:rPr lang="fr-FR" i="1">
+                              <a:latin typeface="Cambria Math"/>
+                            </a:rPr>
+                            <m:t>𝑡</m:t>
+                          </m:r>
+                        </m:e>
+                      </m:d>
+                    </m:oMath>
+                  </m:oMathPara>
+                </a14:m>
+                <a:endParaRPr lang="fr-FR" dirty="0"/>
+              </a:p>
+            </p:txBody>
+          </p:sp>
+        </mc:Choice>
+        <mc:Fallback>
+          <p:sp>
+            <p:nvSpPr>
+              <p:cNvPr id="2" name="Rectangle 1"/>
+              <p:cNvSpPr>
+                <a:spLocks noRot="1" noChangeAspect="1" noMove="1" noResize="1" noEditPoints="1" noAdjustHandles="1" noChangeArrowheads="1" noChangeShapeType="1" noTextEdit="1"/>
+              </p:cNvSpPr>
+              <p:nvPr/>
+            </p:nvSpPr>
+            <p:spPr>
+              <a:xfrm>
+                <a:off x="4050836" y="921447"/>
+                <a:ext cx="4572000" cy="1978490"/>
+              </a:xfrm>
+              <a:prstGeom prst="rect">
+                <a:avLst/>
+              </a:prstGeom>
+              <a:blipFill rotWithShape="1">
+                <a:blip r:embed="rId5"/>
+                <a:stretch>
+                  <a:fillRect/>
+                </a:stretch>
+              </a:blipFill>
+            </p:spPr>
+            <p:txBody>
+              <a:bodyPr/>
+              <a:lstStyle/>
+              <a:p>
+                <a:r>
+                  <a:rPr lang="fr-FR">
+                    <a:noFill/>
+                  </a:rPr>
+                  <a:t> </a:t>
+                </a:r>
+              </a:p>
+            </p:txBody>
+          </p:sp>
+        </mc:Fallback>
+      </mc:AlternateContent>
     </p:spTree>
     <p:extLst>
       <p:ext uri="{BB962C8B-B14F-4D97-AF65-F5344CB8AC3E}">
         <p14:creationId xmlns:p14="http://schemas.microsoft.com/office/powerpoint/2010/main" val="1293669012"/>
-      </p:ext>
-    </p:extLst>
-  </p:cSld>
-  <p:clrMapOvr>
-    <a:masterClrMapping/>
-  </p:clrMapOvr>
-</p:sld>
-</file>
-
-<file path=ppt/slides/slide15.xml><?xml version="1.0" encoding="utf-8"?>
-<p:sld xmlns:a="http://schemas.openxmlformats.org/drawingml/2006/main" xmlns:r="http://schemas.openxmlformats.org/officeDocument/2006/relationships" xmlns:p="http://schemas.openxmlformats.org/presentationml/2006/main">
-  <p:cSld>
-    <p:spTree>
-      <p:nvGrpSpPr>
-        <p:cNvPr id="1" name=""/>
-        <p:cNvGrpSpPr/>
-        <p:nvPr/>
-      </p:nvGrpSpPr>
-      <p:grpSpPr>
-        <a:xfrm>
-          <a:off x="0" y="0"/>
-          <a:ext cx="0" cy="0"/>
-          <a:chOff x="0" y="0"/>
-          <a:chExt cx="0" cy="0"/>
-        </a:xfrm>
-      </p:grpSpPr>
-      <p:sp>
-        <p:nvSpPr>
-          <p:cNvPr id="2" name="Titre 1"/>
-          <p:cNvSpPr>
-            <a:spLocks noGrp="1"/>
-          </p:cNvSpPr>
-          <p:nvPr>
-            <p:ph type="title"/>
-          </p:nvPr>
-        </p:nvSpPr>
-        <p:spPr/>
-        <p:txBody>
-          <a:bodyPr>
-            <a:normAutofit fontScale="90000"/>
-          </a:bodyPr>
-          <a:lstStyle/>
-          <a:p>
-            <a:r>
-              <a:rPr lang="fr-FR" dirty="0" smtClean="0"/>
-              <a:t>Modélisation multiphysique</a:t>
-            </a:r>
-            <a:br>
-              <a:rPr lang="fr-FR" dirty="0" smtClean="0"/>
-            </a:br>
-            <a:r>
-              <a:rPr lang="fr-FR" dirty="0" err="1" smtClean="0"/>
-              <a:t>SysML</a:t>
-            </a:r>
-            <a:r>
-              <a:rPr lang="fr-FR" dirty="0" smtClean="0"/>
-              <a:t> </a:t>
-            </a:r>
-            <a:r>
-              <a:rPr lang="fr-FR" dirty="0" smtClean="0">
-                <a:latin typeface="Calibri"/>
-              </a:rPr>
-              <a:t>↔ Modélisation multiphysique</a:t>
-            </a:r>
-            <a:endParaRPr lang="fr-FR" dirty="0"/>
-          </a:p>
-        </p:txBody>
-      </p:sp>
-      <p:sp>
-        <p:nvSpPr>
-          <p:cNvPr id="3" name="Espace réservé du contenu 2"/>
-          <p:cNvSpPr>
-            <a:spLocks noGrp="1"/>
-          </p:cNvSpPr>
-          <p:nvPr>
-            <p:ph sz="quarter" idx="1"/>
-          </p:nvPr>
-        </p:nvSpPr>
-        <p:spPr/>
-        <p:txBody>
-          <a:bodyPr/>
-          <a:lstStyle/>
-          <a:p>
-            <a:endParaRPr lang="fr-FR" dirty="0"/>
-          </a:p>
-        </p:txBody>
-      </p:sp>
-      <p:sp>
-        <p:nvSpPr>
-          <p:cNvPr id="4" name="Espace réservé du numéro de diapositive 3"/>
-          <p:cNvSpPr>
-            <a:spLocks noGrp="1"/>
-          </p:cNvSpPr>
-          <p:nvPr>
-            <p:ph type="sldNum" sz="quarter" idx="15"/>
-          </p:nvPr>
-        </p:nvSpPr>
-        <p:spPr/>
-        <p:txBody>
-          <a:bodyPr/>
-          <a:lstStyle/>
-          <a:p>
-            <a:fld id="{136A7F36-7A21-4EA8-9DC2-F00219448035}" type="slidenum">
-              <a:rPr lang="fr-FR" smtClean="0"/>
-              <a:t>15</a:t>
-            </a:fld>
-            <a:endParaRPr lang="fr-FR"/>
-          </a:p>
-        </p:txBody>
-      </p:sp>
-    </p:spTree>
-    <p:extLst>
-      <p:ext uri="{BB962C8B-B14F-4D97-AF65-F5344CB8AC3E}">
-        <p14:creationId xmlns:p14="http://schemas.microsoft.com/office/powerpoint/2010/main" val="3490192258"/>
       </p:ext>
     </p:extLst>
   </p:cSld>
@@ -7153,7 +8334,7 @@
       </p:grpSpPr>
       <p:sp>
         <p:nvSpPr>
-          <p:cNvPr id="4" name="Titre 3"/>
+          <p:cNvPr id="2" name="Titre 1"/>
           <p:cNvSpPr>
             <a:spLocks noGrp="1"/>
           </p:cNvSpPr>
@@ -7163,48 +8344,63 @@
         </p:nvSpPr>
         <p:spPr/>
         <p:txBody>
+          <a:bodyPr>
+            <a:normAutofit fontScale="90000"/>
+          </a:bodyPr>
+          <a:lstStyle/>
+          <a:p>
+            <a:r>
+              <a:rPr lang="fr-FR" dirty="0" smtClean="0"/>
+              <a:t>Modélisation multiphysique</a:t>
+            </a:r>
+            <a:br>
+              <a:rPr lang="fr-FR" dirty="0" smtClean="0"/>
+            </a:br>
+            <a:r>
+              <a:rPr lang="fr-FR" dirty="0" err="1" smtClean="0"/>
+              <a:t>SysML</a:t>
+            </a:r>
+            <a:r>
+              <a:rPr lang="fr-FR" dirty="0" smtClean="0"/>
+              <a:t> </a:t>
+            </a:r>
+            <a:r>
+              <a:rPr lang="fr-FR" dirty="0" smtClean="0">
+                <a:latin typeface="Calibri"/>
+              </a:rPr>
+              <a:t>↔ Modélisation multiphysique</a:t>
+            </a:r>
+            <a:endParaRPr lang="fr-FR" dirty="0"/>
+          </a:p>
+        </p:txBody>
+      </p:sp>
+      <p:sp>
+        <p:nvSpPr>
+          <p:cNvPr id="3" name="Espace réservé du contenu 2"/>
+          <p:cNvSpPr>
+            <a:spLocks noGrp="1"/>
+          </p:cNvSpPr>
+          <p:nvPr>
+            <p:ph sz="quarter" idx="1"/>
+          </p:nvPr>
+        </p:nvSpPr>
+        <p:spPr/>
+        <p:txBody>
           <a:bodyPr/>
           <a:lstStyle/>
           <a:p>
-            <a:r>
-              <a:rPr lang="fr-FR" dirty="0" smtClean="0"/>
-              <a:t>Modélisation des systèmes avec Scilab / </a:t>
-            </a:r>
-            <a:r>
-              <a:rPr lang="fr-FR" dirty="0" err="1" smtClean="0"/>
-              <a:t>Xcos</a:t>
-            </a:r>
             <a:endParaRPr lang="fr-FR" dirty="0"/>
           </a:p>
         </p:txBody>
       </p:sp>
       <p:sp>
         <p:nvSpPr>
-          <p:cNvPr id="5" name="Espace réservé du texte 4"/>
-          <p:cNvSpPr>
-            <a:spLocks noGrp="1"/>
-          </p:cNvSpPr>
-          <p:nvPr>
-            <p:ph type="body" idx="1"/>
-          </p:nvPr>
-        </p:nvSpPr>
-        <p:spPr/>
-        <p:txBody>
-          <a:bodyPr/>
-          <a:lstStyle/>
-          <a:p>
-            <a:endParaRPr lang="fr-FR"/>
-          </a:p>
-        </p:txBody>
-      </p:sp>
-      <p:sp>
-        <p:nvSpPr>
-          <p:cNvPr id="6" name="Espace réservé du numéro de diapositive 5"/>
-          <p:cNvSpPr>
-            <a:spLocks noGrp="1"/>
-          </p:cNvSpPr>
-          <p:nvPr>
-            <p:ph type="sldNum" sz="quarter" idx="12"/>
+          <p:cNvPr id="4" name="Espace réservé du numéro de diapositive 3"/>
+          <p:cNvSpPr>
+            <a:spLocks noGrp="1"/>
+          </p:cNvSpPr>
+          <p:nvPr>
+            <p:ph type="sldNum" sz="quarter" idx="15"/>
           </p:nvPr>
         </p:nvSpPr>
         <p:spPr/>
@@ -7223,7 +8419,7 @@
     </p:spTree>
     <p:extLst>
       <p:ext uri="{BB962C8B-B14F-4D97-AF65-F5344CB8AC3E}">
-        <p14:creationId xmlns:p14="http://schemas.microsoft.com/office/powerpoint/2010/main" val="3659242063"/>
+        <p14:creationId xmlns:p14="http://schemas.microsoft.com/office/powerpoint/2010/main" val="3490192258"/>
       </p:ext>
     </p:extLst>
   </p:cSld>
@@ -7252,7 +8448,7 @@
       </p:grpSpPr>
       <p:sp>
         <p:nvSpPr>
-          <p:cNvPr id="5" name="Titre 4"/>
+          <p:cNvPr id="4" name="Titre 3"/>
           <p:cNvSpPr>
             <a:spLocks noGrp="1"/>
           </p:cNvSpPr>
@@ -7262,42 +8458,29 @@
         </p:nvSpPr>
         <p:spPr/>
         <p:txBody>
-          <a:bodyPr>
-            <a:normAutofit fontScale="90000"/>
-          </a:bodyPr>
-          <a:lstStyle/>
-          <a:p>
-            <a:r>
-              <a:rPr lang="fr-FR" dirty="0"/>
+          <a:bodyPr/>
+          <a:lstStyle/>
+          <a:p>
+            <a:r>
+              <a:rPr lang="fr-FR" dirty="0" smtClean="0"/>
               <a:t>Modélisation des systèmes avec Scilab / </a:t>
             </a:r>
             <a:r>
               <a:rPr lang="fr-FR" dirty="0" err="1" smtClean="0"/>
               <a:t>Xcos</a:t>
             </a:r>
-            <a:r>
-              <a:rPr lang="fr-FR" dirty="0" smtClean="0"/>
-              <a:t/>
-            </a:r>
-            <a:br>
-              <a:rPr lang="fr-FR" dirty="0" smtClean="0"/>
-            </a:br>
-            <a:r>
-              <a:rPr lang="fr-FR" dirty="0" smtClean="0"/>
-              <a:t>Les logiciels de simulation numérique</a:t>
-            </a:r>
             <a:endParaRPr lang="fr-FR" dirty="0"/>
           </a:p>
         </p:txBody>
       </p:sp>
       <p:sp>
         <p:nvSpPr>
-          <p:cNvPr id="6" name="Espace réservé du contenu 5"/>
-          <p:cNvSpPr>
-            <a:spLocks noGrp="1"/>
-          </p:cNvSpPr>
-          <p:nvPr>
-            <p:ph sz="quarter" idx="1"/>
+          <p:cNvPr id="5" name="Espace réservé du texte 4"/>
+          <p:cNvSpPr>
+            <a:spLocks noGrp="1"/>
+          </p:cNvSpPr>
+          <p:nvPr>
+            <p:ph type="body" idx="1"/>
           </p:nvPr>
         </p:nvSpPr>
         <p:spPr/>
@@ -7305,56 +8488,18 @@
           <a:bodyPr/>
           <a:lstStyle/>
           <a:p>
-            <a:r>
-              <a:rPr lang="fr-FR" dirty="0" smtClean="0"/>
-              <a:t>Parmi les logiciels de simulation numérique utilisés dans la recherche ou dans l’industrie on trouve Matlab et Scilab.</a:t>
-            </a:r>
-          </a:p>
-          <a:p>
-            <a:pPr lvl="1"/>
-            <a:r>
-              <a:rPr lang="fr-FR" dirty="0" smtClean="0"/>
-              <a:t>Matlab</a:t>
-            </a:r>
-            <a:r>
-              <a:rPr lang="fr-FR" dirty="0"/>
-              <a:t> </a:t>
-            </a:r>
-            <a:r>
-              <a:rPr lang="fr-FR" dirty="0" smtClean="0"/>
-              <a:t>et Scilab sont des logiciels de calcul numériques. Ils possèdent un langage de programmation (haut niveau) permettant (entre autre) de manipuler aisément des matrices et d’afficher des courbes de résultats.</a:t>
-            </a:r>
-          </a:p>
-          <a:p>
-            <a:pPr lvl="1"/>
-            <a:r>
-              <a:rPr lang="fr-FR" dirty="0" smtClean="0"/>
-              <a:t>Simulink et </a:t>
-            </a:r>
-            <a:r>
-              <a:rPr lang="fr-FR" dirty="0" err="1" smtClean="0"/>
-              <a:t>Xcos</a:t>
-            </a:r>
-            <a:r>
-              <a:rPr lang="fr-FR" dirty="0" smtClean="0"/>
-              <a:t> sont des modules respectifs de Matlab et Scilab permettant de réaliser des modélisations graphiques de systèmes </a:t>
-            </a:r>
-            <a:r>
-              <a:rPr lang="fr-FR" dirty="0" err="1" smtClean="0"/>
-              <a:t>multiphysiques</a:t>
-            </a:r>
-            <a:endParaRPr lang="fr-FR" dirty="0" smtClean="0"/>
-          </a:p>
-        </p:txBody>
-      </p:sp>
-      <p:sp>
-        <p:nvSpPr>
-          <p:cNvPr id="4" name="Espace réservé du numéro de diapositive 3"/>
-          <p:cNvSpPr>
-            <a:spLocks noGrp="1"/>
-          </p:cNvSpPr>
-          <p:nvPr>
-            <p:ph type="sldNum" sz="quarter" idx="15"/>
+            <a:endParaRPr lang="fr-FR"/>
+          </a:p>
+        </p:txBody>
+      </p:sp>
+      <p:sp>
+        <p:nvSpPr>
+          <p:cNvPr id="6" name="Espace réservé du numéro de diapositive 5"/>
+          <p:cNvSpPr>
+            <a:spLocks noGrp="1"/>
+          </p:cNvSpPr>
+          <p:nvPr>
+            <p:ph type="sldNum" sz="quarter" idx="12"/>
           </p:nvPr>
         </p:nvSpPr>
         <p:spPr/>
@@ -7370,104 +8515,10 @@
           </a:p>
         </p:txBody>
       </p:sp>
-      <p:sp>
-        <p:nvSpPr>
-          <p:cNvPr id="7" name="ZoneTexte 6"/>
-          <p:cNvSpPr txBox="1"/>
-          <p:nvPr/>
-        </p:nvSpPr>
-        <p:spPr>
-          <a:xfrm>
-            <a:off x="-30088" y="6145654"/>
-            <a:ext cx="7848872" cy="307777"/>
-          </a:xfrm>
-          <a:prstGeom prst="rect">
-            <a:avLst/>
-          </a:prstGeom>
-          <a:noFill/>
-        </p:spPr>
-        <p:txBody>
-          <a:bodyPr wrap="square" rtlCol="0">
-            <a:spAutoFit/>
-          </a:bodyPr>
-          <a:lstStyle/>
-          <a:p>
-            <a:r>
-              <a:rPr lang="fr-FR" sz="1400" b="1" dirty="0" smtClean="0">
-                <a:latin typeface="Calibri" panose="020F0502020204030204" pitchFamily="34" charset="0"/>
-              </a:rPr>
-              <a:t>Mat</a:t>
-            </a:r>
-            <a:r>
-              <a:rPr lang="fr-FR" sz="1400" dirty="0" smtClean="0">
-                <a:latin typeface="Calibri" panose="020F0502020204030204" pitchFamily="34" charset="0"/>
-              </a:rPr>
-              <a:t>rix </a:t>
-            </a:r>
-            <a:r>
-              <a:rPr lang="fr-FR" sz="1400" b="1" dirty="0" err="1" smtClean="0">
-                <a:latin typeface="Calibri" panose="020F0502020204030204" pitchFamily="34" charset="0"/>
-              </a:rPr>
-              <a:t>Lab</a:t>
-            </a:r>
-            <a:r>
-              <a:rPr lang="fr-FR" sz="1400" dirty="0" err="1" smtClean="0">
-                <a:latin typeface="Calibri" panose="020F0502020204030204" pitchFamily="34" charset="0"/>
-              </a:rPr>
-              <a:t>oratory</a:t>
-            </a:r>
-            <a:r>
-              <a:rPr lang="fr-FR" sz="1400" dirty="0" smtClean="0">
-                <a:latin typeface="Calibri" panose="020F0502020204030204" pitchFamily="34" charset="0"/>
-              </a:rPr>
-              <a:t>, </a:t>
-            </a:r>
-            <a:r>
-              <a:rPr lang="fr-FR" sz="1400" b="1" dirty="0" err="1" smtClean="0">
-                <a:latin typeface="Calibri" panose="020F0502020204030204" pitchFamily="34" charset="0"/>
-              </a:rPr>
-              <a:t>Sci</a:t>
-            </a:r>
-            <a:r>
-              <a:rPr lang="fr-FR" sz="1400" dirty="0" err="1" smtClean="0">
-                <a:latin typeface="Calibri" panose="020F0502020204030204" pitchFamily="34" charset="0"/>
-              </a:rPr>
-              <a:t>entific</a:t>
-            </a:r>
-            <a:r>
-              <a:rPr lang="fr-FR" sz="1400" dirty="0" smtClean="0">
-                <a:latin typeface="Calibri" panose="020F0502020204030204" pitchFamily="34" charset="0"/>
-              </a:rPr>
-              <a:t> </a:t>
-            </a:r>
-            <a:r>
-              <a:rPr lang="fr-FR" sz="1400" b="1" dirty="0" err="1" smtClean="0">
-                <a:latin typeface="Calibri" panose="020F0502020204030204" pitchFamily="34" charset="0"/>
-              </a:rPr>
-              <a:t>Lab</a:t>
-            </a:r>
-            <a:r>
-              <a:rPr lang="fr-FR" sz="1400" dirty="0" err="1" smtClean="0">
-                <a:latin typeface="Calibri" panose="020F0502020204030204" pitchFamily="34" charset="0"/>
-              </a:rPr>
-              <a:t>oratory</a:t>
-            </a:r>
-            <a:r>
-              <a:rPr lang="fr-FR" sz="1400" dirty="0" smtClean="0">
-                <a:latin typeface="Calibri" panose="020F0502020204030204" pitchFamily="34" charset="0"/>
-              </a:rPr>
-              <a:t> </a:t>
-            </a:r>
-            <a:endParaRPr lang="fr-FR" sz="1400" dirty="0">
-              <a:latin typeface="Calibri" panose="020F0502020204030204" pitchFamily="34" charset="0"/>
-            </a:endParaRPr>
-          </a:p>
-        </p:txBody>
-      </p:sp>
     </p:spTree>
     <p:extLst>
       <p:ext uri="{BB962C8B-B14F-4D97-AF65-F5344CB8AC3E}">
-        <p14:creationId xmlns:p14="http://schemas.microsoft.com/office/powerpoint/2010/main" val="4274161845"/>
+        <p14:creationId xmlns:p14="http://schemas.microsoft.com/office/powerpoint/2010/main" val="3659242063"/>
       </p:ext>
     </p:extLst>
   </p:cSld>
@@ -7496,26 +8547,7 @@
       </p:grpSpPr>
       <p:sp>
         <p:nvSpPr>
-          <p:cNvPr id="2" name="Espace réservé du contenu 1"/>
-          <p:cNvSpPr>
-            <a:spLocks noGrp="1"/>
-          </p:cNvSpPr>
-          <p:nvPr>
-            <p:ph sz="quarter" idx="1"/>
-          </p:nvPr>
-        </p:nvSpPr>
-        <p:spPr/>
-        <p:txBody>
-          <a:bodyPr/>
-          <a:lstStyle/>
-          <a:p>
-            <a:endParaRPr lang="fr-FR"/>
-          </a:p>
-        </p:txBody>
-      </p:sp>
-      <p:sp>
-        <p:nvSpPr>
-          <p:cNvPr id="3" name="Titre 2"/>
+          <p:cNvPr id="5" name="Titre 4"/>
           <p:cNvSpPr>
             <a:spLocks noGrp="1"/>
           </p:cNvSpPr>
@@ -7535,21 +8567,78 @@
               <a:t>Modélisation des systèmes avec Scilab / </a:t>
             </a:r>
             <a:r>
-              <a:rPr lang="fr-FR" dirty="0" err="1"/>
+              <a:rPr lang="fr-FR" dirty="0" err="1" smtClean="0"/>
               <a:t>Xcos</a:t>
             </a:r>
             <a:r>
+              <a:rPr lang="fr-FR" dirty="0" smtClean="0"/>
+              <a:t/>
+            </a:r>
+            <a:br>
+              <a:rPr lang="fr-FR" dirty="0" smtClean="0"/>
+            </a:br>
+            <a:r>
+              <a:rPr lang="fr-FR" dirty="0" smtClean="0"/>
+              <a:t>Les logiciels de simulation numérique</a:t>
+            </a:r>
+            <a:endParaRPr lang="fr-FR" dirty="0"/>
+          </a:p>
+        </p:txBody>
+      </p:sp>
+      <p:sp>
+        <p:nvSpPr>
+          <p:cNvPr id="6" name="Espace réservé du contenu 5"/>
+          <p:cNvSpPr>
+            <a:spLocks noGrp="1"/>
+          </p:cNvSpPr>
+          <p:nvPr>
+            <p:ph sz="quarter" idx="1"/>
+          </p:nvPr>
+        </p:nvSpPr>
+        <p:spPr/>
+        <p:txBody>
+          <a:bodyPr/>
+          <a:lstStyle/>
+          <a:p>
+            <a:r>
+              <a:rPr lang="fr-FR" dirty="0" smtClean="0"/>
+              <a:t>Parmi les logiciels de simulation numérique utilisés dans la recherche ou dans l’industrie on trouve Matlab et Scilab.</a:t>
+            </a:r>
+          </a:p>
+          <a:p>
+            <a:pPr lvl="1"/>
+            <a:r>
+              <a:rPr lang="fr-FR" dirty="0" smtClean="0"/>
+              <a:t>Matlab</a:t>
+            </a:r>
+            <a:r>
               <a:rPr lang="fr-FR" dirty="0"/>
-              <a:t/>
-            </a:r>
-            <a:br>
-              <a:rPr lang="fr-FR" dirty="0"/>
-            </a:br>
-            <a:r>
-              <a:rPr lang="fr-FR" dirty="0" smtClean="0"/>
-              <a:t>Module CPGE – Module SIMM</a:t>
-            </a:r>
-            <a:endParaRPr lang="fr-FR" dirty="0"/>
+              <a:t> </a:t>
+            </a:r>
+            <a:r>
+              <a:rPr lang="fr-FR" dirty="0" smtClean="0"/>
+              <a:t>et Scilab sont des logiciels de calcul numériques. Ils possèdent un langage de programmation (haut niveau) permettant (entre autre) de manipuler aisément des matrices et d’afficher des courbes de résultats.</a:t>
+            </a:r>
+          </a:p>
+          <a:p>
+            <a:pPr lvl="1"/>
+            <a:r>
+              <a:rPr lang="fr-FR" dirty="0" smtClean="0"/>
+              <a:t>Simulink et </a:t>
+            </a:r>
+            <a:r>
+              <a:rPr lang="fr-FR" dirty="0" err="1" smtClean="0"/>
+              <a:t>Xcos</a:t>
+            </a:r>
+            <a:r>
+              <a:rPr lang="fr-FR" dirty="0" smtClean="0"/>
+              <a:t> sont des modules respectifs de Matlab et Scilab permettant de réaliser des modélisations graphiques de systèmes </a:t>
+            </a:r>
+            <a:r>
+              <a:rPr lang="fr-FR" dirty="0" err="1" smtClean="0"/>
+              <a:t>multiphysiques</a:t>
+            </a:r>
+            <a:endParaRPr lang="fr-FR" dirty="0" smtClean="0"/>
           </a:p>
         </p:txBody>
       </p:sp>
@@ -7576,10 +8665,104 @@
           </a:p>
         </p:txBody>
       </p:sp>
+      <p:sp>
+        <p:nvSpPr>
+          <p:cNvPr id="7" name="ZoneTexte 6"/>
+          <p:cNvSpPr txBox="1"/>
+          <p:nvPr/>
+        </p:nvSpPr>
+        <p:spPr>
+          <a:xfrm>
+            <a:off x="-30088" y="6145654"/>
+            <a:ext cx="7848872" cy="307777"/>
+          </a:xfrm>
+          <a:prstGeom prst="rect">
+            <a:avLst/>
+          </a:prstGeom>
+          <a:noFill/>
+        </p:spPr>
+        <p:txBody>
+          <a:bodyPr wrap="square" rtlCol="0">
+            <a:spAutoFit/>
+          </a:bodyPr>
+          <a:lstStyle/>
+          <a:p>
+            <a:r>
+              <a:rPr lang="fr-FR" sz="1400" b="1" dirty="0" smtClean="0">
+                <a:latin typeface="Calibri" panose="020F0502020204030204" pitchFamily="34" charset="0"/>
+              </a:rPr>
+              <a:t>Mat</a:t>
+            </a:r>
+            <a:r>
+              <a:rPr lang="fr-FR" sz="1400" dirty="0" smtClean="0">
+                <a:latin typeface="Calibri" panose="020F0502020204030204" pitchFamily="34" charset="0"/>
+              </a:rPr>
+              <a:t>rix </a:t>
+            </a:r>
+            <a:r>
+              <a:rPr lang="fr-FR" sz="1400" b="1" dirty="0" err="1" smtClean="0">
+                <a:latin typeface="Calibri" panose="020F0502020204030204" pitchFamily="34" charset="0"/>
+              </a:rPr>
+              <a:t>Lab</a:t>
+            </a:r>
+            <a:r>
+              <a:rPr lang="fr-FR" sz="1400" dirty="0" err="1" smtClean="0">
+                <a:latin typeface="Calibri" panose="020F0502020204030204" pitchFamily="34" charset="0"/>
+              </a:rPr>
+              <a:t>oratory</a:t>
+            </a:r>
+            <a:r>
+              <a:rPr lang="fr-FR" sz="1400" dirty="0" smtClean="0">
+                <a:latin typeface="Calibri" panose="020F0502020204030204" pitchFamily="34" charset="0"/>
+              </a:rPr>
+              <a:t>, </a:t>
+            </a:r>
+            <a:r>
+              <a:rPr lang="fr-FR" sz="1400" b="1" dirty="0" err="1" smtClean="0">
+                <a:latin typeface="Calibri" panose="020F0502020204030204" pitchFamily="34" charset="0"/>
+              </a:rPr>
+              <a:t>Sci</a:t>
+            </a:r>
+            <a:r>
+              <a:rPr lang="fr-FR" sz="1400" dirty="0" err="1" smtClean="0">
+                <a:latin typeface="Calibri" panose="020F0502020204030204" pitchFamily="34" charset="0"/>
+              </a:rPr>
+              <a:t>entific</a:t>
+            </a:r>
+            <a:r>
+              <a:rPr lang="fr-FR" sz="1400" dirty="0" smtClean="0">
+                <a:latin typeface="Calibri" panose="020F0502020204030204" pitchFamily="34" charset="0"/>
+              </a:rPr>
+              <a:t> </a:t>
+            </a:r>
+            <a:r>
+              <a:rPr lang="fr-FR" sz="1400" b="1" dirty="0" err="1" smtClean="0">
+                <a:latin typeface="Calibri" panose="020F0502020204030204" pitchFamily="34" charset="0"/>
+              </a:rPr>
+              <a:t>Lab</a:t>
+            </a:r>
+            <a:r>
+              <a:rPr lang="fr-FR" sz="1400" dirty="0" err="1" smtClean="0">
+                <a:latin typeface="Calibri" panose="020F0502020204030204" pitchFamily="34" charset="0"/>
+              </a:rPr>
+              <a:t>oratory</a:t>
+            </a:r>
+            <a:r>
+              <a:rPr lang="fr-FR" sz="1400" dirty="0" smtClean="0">
+                <a:latin typeface="Calibri" panose="020F0502020204030204" pitchFamily="34" charset="0"/>
+              </a:rPr>
+              <a:t> </a:t>
+            </a:r>
+            <a:endParaRPr lang="fr-FR" sz="1400" dirty="0">
+              <a:latin typeface="Calibri" panose="020F0502020204030204" pitchFamily="34" charset="0"/>
+            </a:endParaRPr>
+          </a:p>
+        </p:txBody>
+      </p:sp>
     </p:spTree>
     <p:extLst>
       <p:ext uri="{BB962C8B-B14F-4D97-AF65-F5344CB8AC3E}">
-        <p14:creationId xmlns:p14="http://schemas.microsoft.com/office/powerpoint/2010/main" val="3644207400"/>
+        <p14:creationId xmlns:p14="http://schemas.microsoft.com/office/powerpoint/2010/main" val="4274161845"/>
       </p:ext>
     </p:extLst>
   </p:cSld>
@@ -7608,7 +8791,26 @@
       </p:grpSpPr>
       <p:sp>
         <p:nvSpPr>
-          <p:cNvPr id="2" name="Titre 1"/>
+          <p:cNvPr id="2" name="Espace réservé du contenu 1"/>
+          <p:cNvSpPr>
+            <a:spLocks noGrp="1"/>
+          </p:cNvSpPr>
+          <p:nvPr>
+            <p:ph sz="quarter" idx="1"/>
+          </p:nvPr>
+        </p:nvSpPr>
+        <p:spPr/>
+        <p:txBody>
+          <a:bodyPr/>
+          <a:lstStyle/>
+          <a:p>
+            <a:endParaRPr lang="fr-FR"/>
+          </a:p>
+        </p:txBody>
+      </p:sp>
+      <p:sp>
+        <p:nvSpPr>
+          <p:cNvPr id="3" name="Titre 2"/>
           <p:cNvSpPr>
             <a:spLocks noGrp="1"/>
           </p:cNvSpPr>
@@ -7625,81 +8827,23 @@
           <a:p>
             <a:r>
               <a:rPr lang="fr-FR" dirty="0"/>
-              <a:t>Modélisation des systèmes avec Scilab </a:t>
-            </a:r>
-            <a:r>
-              <a:rPr lang="fr-FR" dirty="0" smtClean="0"/>
-              <a:t>/ </a:t>
-            </a:r>
-            <a:r>
-              <a:rPr lang="fr-FR" dirty="0" err="1" smtClean="0"/>
+              <a:t>Modélisation des systèmes avec Scilab / </a:t>
+            </a:r>
+            <a:r>
+              <a:rPr lang="fr-FR" dirty="0" err="1"/>
               <a:t>Xcos</a:t>
             </a:r>
             <a:r>
-              <a:rPr lang="fr-FR" dirty="0" smtClean="0"/>
+              <a:rPr lang="fr-FR" dirty="0"/>
               <a:t/>
             </a:r>
             <a:br>
-              <a:rPr lang="fr-FR" dirty="0" smtClean="0"/>
+              <a:rPr lang="fr-FR" dirty="0"/>
             </a:br>
-            <a:endParaRPr lang="fr-FR" dirty="0"/>
-          </a:p>
-        </p:txBody>
-      </p:sp>
-      <p:sp>
-        <p:nvSpPr>
-          <p:cNvPr id="3" name="Espace réservé du contenu 2"/>
-          <p:cNvSpPr>
-            <a:spLocks noGrp="1"/>
-          </p:cNvSpPr>
-          <p:nvPr>
-            <p:ph sz="quarter" idx="1"/>
-          </p:nvPr>
-        </p:nvSpPr>
-        <p:spPr/>
-        <p:txBody>
-          <a:bodyPr/>
-          <a:lstStyle/>
-          <a:p>
-            <a:r>
-              <a:rPr lang="fr-FR" dirty="0" smtClean="0"/>
-              <a:t>Triangle bleu : signal de données (sans dimension)</a:t>
-            </a:r>
-          </a:p>
-          <a:p>
-            <a:r>
-              <a:rPr lang="fr-FR" dirty="0" smtClean="0"/>
-              <a:t>Carré bleu : signal électrique</a:t>
-            </a:r>
-          </a:p>
-          <a:p>
-            <a:r>
-              <a:rPr lang="fr-FR" dirty="0" smtClean="0"/>
-              <a:t>Carré rouge : donnée thermique</a:t>
-            </a:r>
-          </a:p>
-          <a:p>
-            <a:r>
-              <a:rPr lang="fr-FR" dirty="0" smtClean="0"/>
-              <a:t>Carré vert : mécanique 1D en translation</a:t>
-            </a:r>
-          </a:p>
-          <a:p>
-            <a:r>
-              <a:rPr lang="fr-FR" dirty="0" smtClean="0"/>
-              <a:t>Rond gris : mécanique 1D en rotation</a:t>
-            </a:r>
-          </a:p>
-          <a:p>
-            <a:r>
-              <a:rPr lang="fr-FR" dirty="0" smtClean="0"/>
-              <a:t>Carré gris : mécanique 2D plane</a:t>
-            </a:r>
-          </a:p>
-          <a:p>
-            <a:endParaRPr lang="fr-FR" dirty="0" smtClean="0"/>
-          </a:p>
-          <a:p>
+            <a:r>
+              <a:rPr lang="fr-FR" dirty="0" smtClean="0"/>
+              <a:t>Module CPGE – Module SIMM</a:t>
+            </a:r>
             <a:endParaRPr lang="fr-FR" dirty="0"/>
           </a:p>
         </p:txBody>
@@ -7730,7 +8874,7 @@
     </p:spTree>
     <p:extLst>
       <p:ext uri="{BB962C8B-B14F-4D97-AF65-F5344CB8AC3E}">
-        <p14:creationId xmlns:p14="http://schemas.microsoft.com/office/powerpoint/2010/main" val="398496562"/>
+        <p14:creationId xmlns:p14="http://schemas.microsoft.com/office/powerpoint/2010/main" val="3644207400"/>
       </p:ext>
     </p:extLst>
   </p:cSld>
@@ -7969,6 +9113,13 @@
   <p:clrMapOvr>
     <a:masterClrMapping/>
   </p:clrMapOvr>
+  <p:timing>
+    <p:tnLst>
+      <p:par>
+        <p:cTn id="1" dur="indefinite" restart="never" nodeType="tmRoot"/>
+      </p:par>
+    </p:tnLst>
+  </p:timing>
 </p:sld>
 </file>
 
@@ -8008,23 +9159,23 @@
           <a:p>
             <a:r>
               <a:rPr lang="fr-FR" dirty="0"/>
-              <a:t>Modélisation des systèmes avec Scilab / </a:t>
-            </a:r>
-            <a:r>
-              <a:rPr lang="fr-FR" dirty="0" err="1"/>
+              <a:t>Modélisation des systèmes avec Scilab </a:t>
+            </a:r>
+            <a:r>
+              <a:rPr lang="fr-FR" dirty="0" smtClean="0"/>
+              <a:t>/ </a:t>
+            </a:r>
+            <a:r>
+              <a:rPr lang="fr-FR" dirty="0" err="1" smtClean="0"/>
               <a:t>Xcos</a:t>
             </a:r>
             <a:r>
-              <a:rPr lang="fr-FR" dirty="0"/>
+              <a:rPr lang="fr-FR" dirty="0" smtClean="0"/>
               <a:t/>
             </a:r>
             <a:br>
-              <a:rPr lang="fr-FR" dirty="0"/>
+              <a:rPr lang="fr-FR" dirty="0" smtClean="0"/>
             </a:br>
-            <a:r>
-              <a:rPr lang="fr-FR" dirty="0" smtClean="0"/>
-              <a:t>Construction du moteur à courant continu</a:t>
-            </a:r>
             <a:endParaRPr lang="fr-FR" dirty="0"/>
           </a:p>
         </p:txBody>
@@ -8044,7 +9195,46 @@
           <a:bodyPr/>
           <a:lstStyle/>
           <a:p>
-            <a:endParaRPr lang="fr-FR"/>
+            <a:r>
+              <a:rPr lang="fr-FR" dirty="0" smtClean="0"/>
+              <a:t>Triangle bleu : signal de données (sans dimension)</a:t>
+            </a:r>
+          </a:p>
+          <a:p>
+            <a:r>
+              <a:rPr lang="fr-FR" dirty="0" smtClean="0"/>
+              <a:t>Carré bleu : signal électrique</a:t>
+            </a:r>
+          </a:p>
+          <a:p>
+            <a:r>
+              <a:rPr lang="fr-FR" dirty="0" smtClean="0"/>
+              <a:t>Carré rouge : donnée thermique</a:t>
+            </a:r>
+          </a:p>
+          <a:p>
+            <a:r>
+              <a:rPr lang="fr-FR" dirty="0" smtClean="0"/>
+              <a:t>Carré vert : mécanique 1D en translation</a:t>
+            </a:r>
+          </a:p>
+          <a:p>
+            <a:r>
+              <a:rPr lang="fr-FR" dirty="0" smtClean="0"/>
+              <a:t>Rond gris : mécanique 1D en rotation</a:t>
+            </a:r>
+          </a:p>
+          <a:p>
+            <a:r>
+              <a:rPr lang="fr-FR" dirty="0" smtClean="0"/>
+              <a:t>Carré gris : mécanique 2D plane</a:t>
+            </a:r>
+          </a:p>
+          <a:p>
+            <a:endParaRPr lang="fr-FR" dirty="0" smtClean="0"/>
+          </a:p>
+          <a:p>
+            <a:endParaRPr lang="fr-FR" dirty="0"/>
           </a:p>
         </p:txBody>
       </p:sp>
@@ -8074,7 +9264,7 @@
     </p:spTree>
     <p:extLst>
       <p:ext uri="{BB962C8B-B14F-4D97-AF65-F5344CB8AC3E}">
-        <p14:creationId xmlns:p14="http://schemas.microsoft.com/office/powerpoint/2010/main" val="2499627110"/>
+        <p14:creationId xmlns:p14="http://schemas.microsoft.com/office/powerpoint/2010/main" val="398496562"/>
       </p:ext>
     </p:extLst>
   </p:cSld>
@@ -8135,7 +9325,7 @@
             </a:br>
             <a:r>
               <a:rPr lang="fr-FR" dirty="0" smtClean="0"/>
-              <a:t>Commande d’un moteur avec hacheur et PWM</a:t>
+              <a:t>Construction du moteur à courant continu</a:t>
             </a:r>
             <a:endParaRPr lang="fr-FR" dirty="0"/>
           </a:p>
@@ -8186,7 +9376,7 @@
     </p:spTree>
     <p:extLst>
       <p:ext uri="{BB962C8B-B14F-4D97-AF65-F5344CB8AC3E}">
-        <p14:creationId xmlns:p14="http://schemas.microsoft.com/office/powerpoint/2010/main" val="1803898429"/>
+        <p14:creationId xmlns:p14="http://schemas.microsoft.com/office/powerpoint/2010/main" val="2499627110"/>
       </p:ext>
     </p:extLst>
   </p:cSld>
@@ -8247,7 +9437,7 @@
             </a:br>
             <a:r>
               <a:rPr lang="fr-FR" dirty="0" smtClean="0"/>
-              <a:t>Possibilités supplémentaires</a:t>
+              <a:t>Commande d’un moteur avec hacheur et PWM</a:t>
             </a:r>
             <a:endParaRPr lang="fr-FR" dirty="0"/>
           </a:p>
@@ -8268,17 +9458,7 @@
           <a:bodyPr/>
           <a:lstStyle/>
           <a:p>
-            <a:r>
-              <a:rPr lang="fr-FR" dirty="0" smtClean="0"/>
-              <a:t>Modélisation thermique</a:t>
-            </a:r>
-          </a:p>
-          <a:p>
-            <a:r>
-              <a:rPr lang="fr-FR" dirty="0" smtClean="0"/>
-              <a:t>Transformation de mouvement …</a:t>
-            </a:r>
-            <a:endParaRPr lang="fr-FR" dirty="0"/>
+            <a:endParaRPr lang="fr-FR"/>
           </a:p>
         </p:txBody>
       </p:sp>
@@ -8308,7 +9488,7 @@
     </p:spTree>
     <p:extLst>
       <p:ext uri="{BB962C8B-B14F-4D97-AF65-F5344CB8AC3E}">
-        <p14:creationId xmlns:p14="http://schemas.microsoft.com/office/powerpoint/2010/main" val="1633135047"/>
+        <p14:creationId xmlns:p14="http://schemas.microsoft.com/office/powerpoint/2010/main" val="1803898429"/>
       </p:ext>
     </p:extLst>
   </p:cSld>
@@ -8369,7 +9549,7 @@
             </a:br>
             <a:r>
               <a:rPr lang="fr-FR" dirty="0" smtClean="0"/>
-              <a:t>Échantillonnage de la résolution</a:t>
+              <a:t>Possibilités supplémentaires</a:t>
             </a:r>
             <a:endParaRPr lang="fr-FR" dirty="0"/>
           </a:p>
@@ -8390,6 +9570,16 @@
           <a:bodyPr/>
           <a:lstStyle/>
           <a:p>
+            <a:r>
+              <a:rPr lang="fr-FR" dirty="0" smtClean="0"/>
+              <a:t>Modélisation thermique</a:t>
+            </a:r>
+          </a:p>
+          <a:p>
+            <a:r>
+              <a:rPr lang="fr-FR" dirty="0" smtClean="0"/>
+              <a:t>Transformation de mouvement …</a:t>
+            </a:r>
             <a:endParaRPr lang="fr-FR" dirty="0"/>
           </a:p>
         </p:txBody>
@@ -8420,7 +9610,7 @@
     </p:spTree>
     <p:extLst>
       <p:ext uri="{BB962C8B-B14F-4D97-AF65-F5344CB8AC3E}">
-        <p14:creationId xmlns:p14="http://schemas.microsoft.com/office/powerpoint/2010/main" val="3193964930"/>
+        <p14:creationId xmlns:p14="http://schemas.microsoft.com/office/powerpoint/2010/main" val="1633135047"/>
       </p:ext>
     </p:extLst>
   </p:cSld>
@@ -8481,7 +9671,7 @@
             </a:br>
             <a:r>
               <a:rPr lang="fr-FR" dirty="0" smtClean="0"/>
-              <a:t>Modélisation de systèmes réversibles</a:t>
+              <a:t>Échantillonnage de la résolution</a:t>
             </a:r>
             <a:endParaRPr lang="fr-FR" dirty="0"/>
           </a:p>
@@ -8532,7 +9722,7 @@
     </p:spTree>
     <p:extLst>
       <p:ext uri="{BB962C8B-B14F-4D97-AF65-F5344CB8AC3E}">
-        <p14:creationId xmlns:p14="http://schemas.microsoft.com/office/powerpoint/2010/main" val="470814664"/>
+        <p14:creationId xmlns:p14="http://schemas.microsoft.com/office/powerpoint/2010/main" val="3193964930"/>
       </p:ext>
     </p:extLst>
   </p:cSld>
@@ -8593,7 +9783,7 @@
             </a:br>
             <a:r>
               <a:rPr lang="fr-FR" dirty="0" smtClean="0"/>
-              <a:t>Un peu plus de cinématique</a:t>
+              <a:t>Modélisation de systèmes réversibles</a:t>
             </a:r>
             <a:endParaRPr lang="fr-FR" dirty="0"/>
           </a:p>
@@ -8644,7 +9834,7 @@
     </p:spTree>
     <p:extLst>
       <p:ext uri="{BB962C8B-B14F-4D97-AF65-F5344CB8AC3E}">
-        <p14:creationId xmlns:p14="http://schemas.microsoft.com/office/powerpoint/2010/main" val="3154538276"/>
+        <p14:creationId xmlns:p14="http://schemas.microsoft.com/office/powerpoint/2010/main" val="470814664"/>
       </p:ext>
     </p:extLst>
   </p:cSld>
@@ -8673,6 +9863,118 @@
       </p:grpSpPr>
       <p:sp>
         <p:nvSpPr>
+          <p:cNvPr id="2" name="Titre 1"/>
+          <p:cNvSpPr>
+            <a:spLocks noGrp="1"/>
+          </p:cNvSpPr>
+          <p:nvPr>
+            <p:ph type="title"/>
+          </p:nvPr>
+        </p:nvSpPr>
+        <p:spPr/>
+        <p:txBody>
+          <a:bodyPr>
+            <a:normAutofit fontScale="90000"/>
+          </a:bodyPr>
+          <a:lstStyle/>
+          <a:p>
+            <a:r>
+              <a:rPr lang="fr-FR" dirty="0"/>
+              <a:t>Modélisation des systèmes avec Scilab / </a:t>
+            </a:r>
+            <a:r>
+              <a:rPr lang="fr-FR" dirty="0" err="1"/>
+              <a:t>Xcos</a:t>
+            </a:r>
+            <a:r>
+              <a:rPr lang="fr-FR" dirty="0"/>
+              <a:t/>
+            </a:r>
+            <a:br>
+              <a:rPr lang="fr-FR" dirty="0"/>
+            </a:br>
+            <a:r>
+              <a:rPr lang="fr-FR" dirty="0" smtClean="0"/>
+              <a:t>Un peu plus de cinématique</a:t>
+            </a:r>
+            <a:endParaRPr lang="fr-FR" dirty="0"/>
+          </a:p>
+        </p:txBody>
+      </p:sp>
+      <p:sp>
+        <p:nvSpPr>
+          <p:cNvPr id="3" name="Espace réservé du contenu 2"/>
+          <p:cNvSpPr>
+            <a:spLocks noGrp="1"/>
+          </p:cNvSpPr>
+          <p:nvPr>
+            <p:ph sz="quarter" idx="1"/>
+          </p:nvPr>
+        </p:nvSpPr>
+        <p:spPr/>
+        <p:txBody>
+          <a:bodyPr/>
+          <a:lstStyle/>
+          <a:p>
+            <a:endParaRPr lang="fr-FR" dirty="0"/>
+          </a:p>
+        </p:txBody>
+      </p:sp>
+      <p:sp>
+        <p:nvSpPr>
+          <p:cNvPr id="4" name="Espace réservé du numéro de diapositive 3"/>
+          <p:cNvSpPr>
+            <a:spLocks noGrp="1"/>
+          </p:cNvSpPr>
+          <p:nvPr>
+            <p:ph type="sldNum" sz="quarter" idx="15"/>
+          </p:nvPr>
+        </p:nvSpPr>
+        <p:spPr/>
+        <p:txBody>
+          <a:bodyPr/>
+          <a:lstStyle/>
+          <a:p>
+            <a:fld id="{136A7F36-7A21-4EA8-9DC2-F00219448035}" type="slidenum">
+              <a:rPr lang="fr-FR" smtClean="0"/>
+              <a:t>26</a:t>
+            </a:fld>
+            <a:endParaRPr lang="fr-FR"/>
+          </a:p>
+        </p:txBody>
+      </p:sp>
+    </p:spTree>
+    <p:extLst>
+      <p:ext uri="{BB962C8B-B14F-4D97-AF65-F5344CB8AC3E}">
+        <p14:creationId xmlns:p14="http://schemas.microsoft.com/office/powerpoint/2010/main" val="3154538276"/>
+      </p:ext>
+    </p:extLst>
+  </p:cSld>
+  <p:clrMapOvr>
+    <a:masterClrMapping/>
+  </p:clrMapOvr>
+</p:sld>
+</file>
+
+<file path=ppt/slides/slide27.xml><?xml version="1.0" encoding="utf-8"?>
+<p:sld xmlns:a="http://schemas.openxmlformats.org/drawingml/2006/main" xmlns:r="http://schemas.openxmlformats.org/officeDocument/2006/relationships" xmlns:p="http://schemas.openxmlformats.org/presentationml/2006/main">
+  <p:cSld>
+    <p:spTree>
+      <p:nvGrpSpPr>
+        <p:cNvPr id="1" name=""/>
+        <p:cNvGrpSpPr/>
+        <p:nvPr/>
+      </p:nvGrpSpPr>
+      <p:grpSpPr>
+        <a:xfrm>
+          <a:off x="0" y="0"/>
+          <a:ext cx="0" cy="0"/>
+          <a:chOff x="0" y="0"/>
+          <a:chExt cx="0" cy="0"/>
+        </a:xfrm>
+      </p:grpSpPr>
+      <p:sp>
+        <p:nvSpPr>
           <p:cNvPr id="7" name="Espace réservé du contenu 6"/>
           <p:cNvSpPr>
             <a:spLocks noGrp="1"/>
@@ -8934,7 +10236,7 @@
           <a:p>
             <a:fld id="{136A7F36-7A21-4EA8-9DC2-F00219448035}" type="slidenum">
               <a:rPr lang="fr-FR" smtClean="0"/>
-              <a:t>26</a:t>
+              <a:t>27</a:t>
             </a:fld>
             <a:endParaRPr lang="fr-FR"/>
           </a:p>
@@ -9013,7 +10315,7 @@
 </p:sld>
 </file>
 
-<file path=ppt/slides/slide27.xml><?xml version="1.0" encoding="utf-8"?>
+<file path=ppt/slides/slide28.xml><?xml version="1.0" encoding="utf-8"?>
 <p:sld xmlns:a="http://schemas.openxmlformats.org/drawingml/2006/main" xmlns:r="http://schemas.openxmlformats.org/officeDocument/2006/relationships" xmlns:p="http://schemas.openxmlformats.org/presentationml/2006/main">
   <p:cSld>
     <p:spTree>
@@ -9070,7 +10372,7 @@
           <a:p>
             <a:fld id="{136A7F36-7A21-4EA8-9DC2-F00219448035}" type="slidenum">
               <a:rPr lang="fr-FR" smtClean="0"/>
-              <a:t>27</a:t>
+              <a:t>28</a:t>
             </a:fld>
             <a:endParaRPr lang="fr-FR"/>
           </a:p>
@@ -9285,103 +10587,6 @@
 </p:sld>
 </file>
 
-<file path=ppt/slides/slide28.xml><?xml version="1.0" encoding="utf-8"?>
-<p:sld xmlns:a="http://schemas.openxmlformats.org/drawingml/2006/main" xmlns:r="http://schemas.openxmlformats.org/officeDocument/2006/relationships" xmlns:p="http://schemas.openxmlformats.org/presentationml/2006/main">
-  <p:cSld>
-    <p:spTree>
-      <p:nvGrpSpPr>
-        <p:cNvPr id="1" name=""/>
-        <p:cNvGrpSpPr/>
-        <p:nvPr/>
-      </p:nvGrpSpPr>
-      <p:grpSpPr>
-        <a:xfrm>
-          <a:off x="0" y="0"/>
-          <a:ext cx="0" cy="0"/>
-          <a:chOff x="0" y="0"/>
-          <a:chExt cx="0" cy="0"/>
-        </a:xfrm>
-      </p:grpSpPr>
-      <p:sp>
-        <p:nvSpPr>
-          <p:cNvPr id="2" name="Titre 1"/>
-          <p:cNvSpPr>
-            <a:spLocks noGrp="1"/>
-          </p:cNvSpPr>
-          <p:nvPr>
-            <p:ph type="title"/>
-          </p:nvPr>
-        </p:nvSpPr>
-        <p:spPr/>
-        <p:txBody>
-          <a:bodyPr>
-            <a:normAutofit/>
-          </a:bodyPr>
-          <a:lstStyle/>
-          <a:p>
-            <a:r>
-              <a:rPr lang="fr-FR" dirty="0" smtClean="0"/>
-              <a:t>Modélisation d’un système multiphysique</a:t>
-            </a:r>
-            <a:endParaRPr lang="fr-FR" dirty="0"/>
-          </a:p>
-        </p:txBody>
-      </p:sp>
-      <p:sp>
-        <p:nvSpPr>
-          <p:cNvPr id="3" name="Espace réservé du contenu 2"/>
-          <p:cNvSpPr>
-            <a:spLocks noGrp="1"/>
-          </p:cNvSpPr>
-          <p:nvPr>
-            <p:ph sz="quarter" idx="1"/>
-          </p:nvPr>
-        </p:nvSpPr>
-        <p:spPr/>
-        <p:txBody>
-          <a:bodyPr/>
-          <a:lstStyle/>
-          <a:p>
-            <a:endParaRPr lang="fr-FR"/>
-          </a:p>
-        </p:txBody>
-      </p:sp>
-      <p:sp>
-        <p:nvSpPr>
-          <p:cNvPr id="4" name="Espace réservé du numéro de diapositive 3"/>
-          <p:cNvSpPr>
-            <a:spLocks noGrp="1"/>
-          </p:cNvSpPr>
-          <p:nvPr>
-            <p:ph type="sldNum" sz="quarter" idx="15"/>
-          </p:nvPr>
-        </p:nvSpPr>
-        <p:spPr/>
-        <p:txBody>
-          <a:bodyPr/>
-          <a:lstStyle/>
-          <a:p>
-            <a:fld id="{136A7F36-7A21-4EA8-9DC2-F00219448035}" type="slidenum">
-              <a:rPr lang="fr-FR" smtClean="0"/>
-              <a:t>28</a:t>
-            </a:fld>
-            <a:endParaRPr lang="fr-FR"/>
-          </a:p>
-        </p:txBody>
-      </p:sp>
-    </p:spTree>
-    <p:extLst>
-      <p:ext uri="{BB962C8B-B14F-4D97-AF65-F5344CB8AC3E}">
-        <p14:creationId xmlns:p14="http://schemas.microsoft.com/office/powerpoint/2010/main" val="1827117536"/>
-      </p:ext>
-    </p:extLst>
-  </p:cSld>
-  <p:clrMapOvr>
-    <a:masterClrMapping/>
-  </p:clrMapOvr>
-</p:sld>
-</file>
-
 <file path=ppt/slides/slide29.xml><?xml version="1.0" encoding="utf-8"?>
 <p:sld xmlns:a="http://schemas.openxmlformats.org/drawingml/2006/main" xmlns:r="http://schemas.openxmlformats.org/officeDocument/2006/relationships" xmlns:p="http://schemas.openxmlformats.org/presentationml/2006/main">
   <p:cSld>
@@ -9469,7 +10674,7 @@
     </p:spTree>
     <p:extLst>
       <p:ext uri="{BB962C8B-B14F-4D97-AF65-F5344CB8AC3E}">
-        <p14:creationId xmlns:p14="http://schemas.microsoft.com/office/powerpoint/2010/main" val="241906218"/>
+        <p14:creationId xmlns:p14="http://schemas.microsoft.com/office/powerpoint/2010/main" val="1827117536"/>
       </p:ext>
     </p:extLst>
   </p:cSld>
@@ -9733,6 +10938,13 @@
   <p:clrMapOvr>
     <a:masterClrMapping/>
   </p:clrMapOvr>
+  <p:timing>
+    <p:tnLst>
+      <p:par>
+        <p:cTn id="1" dur="indefinite" restart="never" nodeType="tmRoot"/>
+      </p:par>
+    </p:tnLst>
+  </p:timing>
 </p:sld>
 </file>
 
@@ -9765,37 +10977,35 @@
         </p:nvSpPr>
         <p:spPr/>
         <p:txBody>
+          <a:bodyPr>
+            <a:normAutofit/>
+          </a:bodyPr>
+          <a:lstStyle/>
+          <a:p>
+            <a:r>
+              <a:rPr lang="fr-FR" dirty="0" smtClean="0"/>
+              <a:t>Modélisation d’un système multiphysique</a:t>
+            </a:r>
+            <a:endParaRPr lang="fr-FR" dirty="0"/>
+          </a:p>
+        </p:txBody>
+      </p:sp>
+      <p:sp>
+        <p:nvSpPr>
+          <p:cNvPr id="3" name="Espace réservé du contenu 2"/>
+          <p:cNvSpPr>
+            <a:spLocks noGrp="1"/>
+          </p:cNvSpPr>
+          <p:nvPr>
+            <p:ph sz="quarter" idx="1"/>
+          </p:nvPr>
+        </p:nvSpPr>
+        <p:spPr/>
+        <p:txBody>
           <a:bodyPr/>
           <a:lstStyle/>
           <a:p>
-            <a:r>
-              <a:rPr lang="fr-FR" dirty="0" smtClean="0"/>
-              <a:t>Modélisation d’un système de laboratoire</a:t>
-            </a:r>
-            <a:endParaRPr lang="fr-FR" dirty="0"/>
-          </a:p>
-        </p:txBody>
-      </p:sp>
-      <p:sp>
-        <p:nvSpPr>
-          <p:cNvPr id="3" name="Espace réservé du texte 2"/>
-          <p:cNvSpPr>
-            <a:spLocks noGrp="1"/>
-          </p:cNvSpPr>
-          <p:nvPr>
-            <p:ph type="body" idx="1"/>
-          </p:nvPr>
-        </p:nvSpPr>
-        <p:spPr/>
-        <p:txBody>
-          <a:bodyPr/>
-          <a:lstStyle/>
-          <a:p>
-            <a:r>
-              <a:rPr lang="fr-FR" dirty="0" smtClean="0"/>
-              <a:t>Pilote automatique TP 30</a:t>
-            </a:r>
-            <a:endParaRPr lang="fr-FR" dirty="0"/>
+            <a:endParaRPr lang="fr-FR"/>
           </a:p>
         </p:txBody>
       </p:sp>
@@ -9806,7 +11016,7 @@
             <a:spLocks noGrp="1"/>
           </p:cNvSpPr>
           <p:nvPr>
-            <p:ph type="sldNum" sz="quarter" idx="12"/>
+            <p:ph type="sldNum" sz="quarter" idx="15"/>
           </p:nvPr>
         </p:nvSpPr>
         <p:spPr/>
@@ -9825,7 +11035,7 @@
     </p:spTree>
     <p:extLst>
       <p:ext uri="{BB962C8B-B14F-4D97-AF65-F5344CB8AC3E}">
-        <p14:creationId xmlns:p14="http://schemas.microsoft.com/office/powerpoint/2010/main" val="3672452185"/>
+        <p14:creationId xmlns:p14="http://schemas.microsoft.com/office/powerpoint/2010/main" val="241906218"/>
       </p:ext>
     </p:extLst>
   </p:cSld>
@@ -9854,7 +11064,7 @@
       </p:grpSpPr>
       <p:sp>
         <p:nvSpPr>
-          <p:cNvPr id="5" name="Titre 4"/>
+          <p:cNvPr id="2" name="Titre 1"/>
           <p:cNvSpPr>
             <a:spLocks noGrp="1"/>
           </p:cNvSpPr>
@@ -9864,21 +11074,12 @@
         </p:nvSpPr>
         <p:spPr/>
         <p:txBody>
-          <a:bodyPr>
-            <a:normAutofit fontScale="90000"/>
-          </a:bodyPr>
-          <a:lstStyle/>
-          <a:p>
-            <a:r>
-              <a:rPr lang="fr-FR" dirty="0" smtClean="0"/>
-              <a:t>Pilote Automatique</a:t>
-            </a:r>
-            <a:br>
-              <a:rPr lang="fr-FR" dirty="0" smtClean="0"/>
-            </a:br>
-            <a:r>
-              <a:rPr lang="fr-FR" dirty="0" smtClean="0"/>
-              <a:t>Analyse Interne</a:t>
+          <a:bodyPr/>
+          <a:lstStyle/>
+          <a:p>
+            <a:r>
+              <a:rPr lang="fr-FR" dirty="0" smtClean="0"/>
+              <a:t>Modélisation d’un système de laboratoire</a:t>
             </a:r>
             <a:endParaRPr lang="fr-FR" dirty="0"/>
           </a:p>
@@ -9886,12 +11087,12 @@
       </p:sp>
       <p:sp>
         <p:nvSpPr>
-          <p:cNvPr id="6" name="Espace réservé du contenu 5"/>
-          <p:cNvSpPr>
-            <a:spLocks noGrp="1"/>
-          </p:cNvSpPr>
-          <p:nvPr>
-            <p:ph sz="quarter" idx="1"/>
+          <p:cNvPr id="3" name="Espace réservé du texte 2"/>
+          <p:cNvSpPr>
+            <a:spLocks noGrp="1"/>
+          </p:cNvSpPr>
+          <p:nvPr>
+            <p:ph type="body" idx="1"/>
           </p:nvPr>
         </p:nvSpPr>
         <p:spPr/>
@@ -9899,7 +11100,11 @@
           <a:bodyPr/>
           <a:lstStyle/>
           <a:p>
-            <a:endParaRPr lang="fr-FR"/>
+            <a:r>
+              <a:rPr lang="fr-FR" dirty="0" smtClean="0"/>
+              <a:t>Pilote automatique TP 30</a:t>
+            </a:r>
+            <a:endParaRPr lang="fr-FR" dirty="0"/>
           </a:p>
         </p:txBody>
       </p:sp>
@@ -9910,7 +11115,7 @@
             <a:spLocks noGrp="1"/>
           </p:cNvSpPr>
           <p:nvPr>
-            <p:ph type="sldNum" sz="quarter" idx="15"/>
+            <p:ph type="sldNum" sz="quarter" idx="12"/>
           </p:nvPr>
         </p:nvSpPr>
         <p:spPr/>
@@ -9929,7 +11134,7 @@
     </p:spTree>
     <p:extLst>
       <p:ext uri="{BB962C8B-B14F-4D97-AF65-F5344CB8AC3E}">
-        <p14:creationId xmlns:p14="http://schemas.microsoft.com/office/powerpoint/2010/main" val="601726295"/>
+        <p14:creationId xmlns:p14="http://schemas.microsoft.com/office/powerpoint/2010/main" val="3672452185"/>
       </p:ext>
     </p:extLst>
   </p:cSld>
@@ -9958,7 +11163,7 @@
       </p:grpSpPr>
       <p:sp>
         <p:nvSpPr>
-          <p:cNvPr id="2" name="Titre 1"/>
+          <p:cNvPr id="5" name="Titre 4"/>
           <p:cNvSpPr>
             <a:spLocks noGrp="1"/>
           </p:cNvSpPr>
@@ -9982,7 +11187,7 @@
             </a:br>
             <a:r>
               <a:rPr lang="fr-FR" dirty="0" smtClean="0"/>
-              <a:t>Modélisation</a:t>
+              <a:t>Analyse Interne</a:t>
             </a:r>
             <a:endParaRPr lang="fr-FR" dirty="0"/>
           </a:p>
@@ -9990,7 +11195,7 @@
       </p:sp>
       <p:sp>
         <p:nvSpPr>
-          <p:cNvPr id="3" name="Espace réservé du contenu 2"/>
+          <p:cNvPr id="6" name="Espace réservé du contenu 5"/>
           <p:cNvSpPr>
             <a:spLocks noGrp="1"/>
           </p:cNvSpPr>
@@ -10033,7 +11238,7 @@
     </p:spTree>
     <p:extLst>
       <p:ext uri="{BB962C8B-B14F-4D97-AF65-F5344CB8AC3E}">
-        <p14:creationId xmlns:p14="http://schemas.microsoft.com/office/powerpoint/2010/main" val="2388859630"/>
+        <p14:creationId xmlns:p14="http://schemas.microsoft.com/office/powerpoint/2010/main" val="601726295"/>
       </p:ext>
     </p:extLst>
   </p:cSld>
@@ -10079,14 +11284,14 @@
           <a:p>
             <a:r>
               <a:rPr lang="fr-FR" dirty="0" smtClean="0"/>
-              <a:t>Pilote automatique</a:t>
+              <a:t>Pilote Automatique</a:t>
             </a:r>
             <a:br>
               <a:rPr lang="fr-FR" dirty="0" smtClean="0"/>
             </a:br>
             <a:r>
               <a:rPr lang="fr-FR" dirty="0" smtClean="0"/>
-              <a:t>Application pédagogique</a:t>
+              <a:t>Modélisation</a:t>
             </a:r>
             <a:endParaRPr lang="fr-FR" dirty="0"/>
           </a:p>
@@ -10137,7 +11342,7 @@
     </p:spTree>
     <p:extLst>
       <p:ext uri="{BB962C8B-B14F-4D97-AF65-F5344CB8AC3E}">
-        <p14:creationId xmlns:p14="http://schemas.microsoft.com/office/powerpoint/2010/main" val="4068046631"/>
+        <p14:creationId xmlns:p14="http://schemas.microsoft.com/office/powerpoint/2010/main" val="2388859630"/>
       </p:ext>
     </p:extLst>
   </p:cSld>
@@ -10166,7 +11371,7 @@
       </p:grpSpPr>
       <p:sp>
         <p:nvSpPr>
-          <p:cNvPr id="4" name="Titre 3"/>
+          <p:cNvPr id="2" name="Titre 1"/>
           <p:cNvSpPr>
             <a:spLocks noGrp="1"/>
           </p:cNvSpPr>
@@ -10176,52 +11381,53 @@
         </p:nvSpPr>
         <p:spPr/>
         <p:txBody>
+          <a:bodyPr>
+            <a:normAutofit fontScale="90000"/>
+          </a:bodyPr>
+          <a:lstStyle/>
+          <a:p>
+            <a:r>
+              <a:rPr lang="fr-FR" dirty="0" smtClean="0"/>
+              <a:t>Pilote automatique</a:t>
+            </a:r>
+            <a:br>
+              <a:rPr lang="fr-FR" dirty="0" smtClean="0"/>
+            </a:br>
+            <a:r>
+              <a:rPr lang="fr-FR" dirty="0" smtClean="0"/>
+              <a:t>Application pédagogique</a:t>
+            </a:r>
+            <a:endParaRPr lang="fr-FR" dirty="0"/>
+          </a:p>
+        </p:txBody>
+      </p:sp>
+      <p:sp>
+        <p:nvSpPr>
+          <p:cNvPr id="3" name="Espace réservé du contenu 2"/>
+          <p:cNvSpPr>
+            <a:spLocks noGrp="1"/>
+          </p:cNvSpPr>
+          <p:nvPr>
+            <p:ph sz="quarter" idx="1"/>
+          </p:nvPr>
+        </p:nvSpPr>
+        <p:spPr/>
+        <p:txBody>
           <a:bodyPr/>
           <a:lstStyle/>
           <a:p>
-            <a:r>
-              <a:rPr lang="fr-FR" dirty="0" err="1" smtClean="0"/>
-              <a:t>Xcos</a:t>
-            </a:r>
-            <a:r>
-              <a:rPr lang="fr-FR" dirty="0" smtClean="0"/>
-              <a:t> &amp; </a:t>
-            </a:r>
-            <a:r>
-              <a:rPr lang="fr-FR" dirty="0" err="1" smtClean="0"/>
-              <a:t>Arduino</a:t>
-            </a:r>
-            <a:endParaRPr lang="fr-FR" dirty="0"/>
-          </a:p>
-        </p:txBody>
-      </p:sp>
-      <p:sp>
-        <p:nvSpPr>
-          <p:cNvPr id="5" name="Espace réservé du texte 4"/>
-          <p:cNvSpPr>
-            <a:spLocks noGrp="1"/>
-          </p:cNvSpPr>
-          <p:nvPr>
-            <p:ph type="body" idx="1"/>
-          </p:nvPr>
-        </p:nvSpPr>
-        <p:spPr/>
-        <p:txBody>
-          <a:bodyPr/>
-          <a:lstStyle/>
-          <a:p>
             <a:endParaRPr lang="fr-FR"/>
           </a:p>
         </p:txBody>
       </p:sp>
       <p:sp>
         <p:nvSpPr>
-          <p:cNvPr id="2" name="Espace réservé du numéro de diapositive 1"/>
-          <p:cNvSpPr>
-            <a:spLocks noGrp="1"/>
-          </p:cNvSpPr>
-          <p:nvPr>
-            <p:ph type="sldNum" sz="quarter" idx="12"/>
+          <p:cNvPr id="4" name="Espace réservé du numéro de diapositive 3"/>
+          <p:cNvSpPr>
+            <a:spLocks noGrp="1"/>
+          </p:cNvSpPr>
+          <p:nvPr>
+            <p:ph type="sldNum" sz="quarter" idx="15"/>
           </p:nvPr>
         </p:nvSpPr>
         <p:spPr/>
@@ -10240,7 +11446,7 @@
     </p:spTree>
     <p:extLst>
       <p:ext uri="{BB962C8B-B14F-4D97-AF65-F5344CB8AC3E}">
-        <p14:creationId xmlns:p14="http://schemas.microsoft.com/office/powerpoint/2010/main" val="1589319820"/>
+        <p14:creationId xmlns:p14="http://schemas.microsoft.com/office/powerpoint/2010/main" val="4068046631"/>
       </p:ext>
     </p:extLst>
   </p:cSld>
@@ -10269,7 +11475,7 @@
       </p:grpSpPr>
       <p:sp>
         <p:nvSpPr>
-          <p:cNvPr id="2" name="Titre 1"/>
+          <p:cNvPr id="4" name="Titre 3"/>
           <p:cNvSpPr>
             <a:spLocks noGrp="1"/>
           </p:cNvSpPr>
@@ -10279,9 +11485,7 @@
         </p:nvSpPr>
         <p:spPr/>
         <p:txBody>
-          <a:bodyPr>
-            <a:normAutofit/>
-          </a:bodyPr>
+          <a:bodyPr/>
           <a:lstStyle/>
           <a:p>
             <a:r>
@@ -10290,7 +11494,7 @@
             </a:r>
             <a:r>
               <a:rPr lang="fr-FR" dirty="0" smtClean="0"/>
-              <a:t> </a:t>
+              <a:t> &amp; </a:t>
             </a:r>
             <a:r>
               <a:rPr lang="fr-FR" dirty="0" err="1" smtClean="0"/>
@@ -10302,12 +11506,12 @@
       </p:sp>
       <p:sp>
         <p:nvSpPr>
-          <p:cNvPr id="3" name="Espace réservé du contenu 2"/>
-          <p:cNvSpPr>
-            <a:spLocks noGrp="1"/>
-          </p:cNvSpPr>
-          <p:nvPr>
-            <p:ph sz="quarter" idx="1"/>
+          <p:cNvPr id="5" name="Espace réservé du texte 4"/>
+          <p:cNvSpPr>
+            <a:spLocks noGrp="1"/>
+          </p:cNvSpPr>
+          <p:nvPr>
+            <p:ph type="body" idx="1"/>
           </p:nvPr>
         </p:nvSpPr>
         <p:spPr/>
@@ -10315,119 +11519,18 @@
           <a:bodyPr/>
           <a:lstStyle/>
           <a:p>
-            <a:r>
-              <a:rPr lang="fr-FR" dirty="0" smtClean="0"/>
-              <a:t>Actions préliminaires</a:t>
-            </a:r>
-          </a:p>
-          <a:p>
-            <a:pPr lvl="1"/>
-            <a:r>
-              <a:rPr lang="fr-FR" dirty="0" smtClean="0"/>
-              <a:t>Dans le gestionnaire de module </a:t>
-            </a:r>
-            <a:r>
-              <a:rPr lang="fr-FR" dirty="0" err="1" smtClean="0"/>
-              <a:t>Atom</a:t>
-            </a:r>
-            <a:r>
-              <a:rPr lang="fr-FR" dirty="0" smtClean="0"/>
-              <a:t> de Scilab</a:t>
-            </a:r>
-          </a:p>
-          <a:p>
-            <a:pPr lvl="2"/>
-            <a:r>
-              <a:rPr lang="fr-FR" dirty="0" smtClean="0"/>
-              <a:t>Installer le module </a:t>
-            </a:r>
-            <a:r>
-              <a:rPr lang="fr-FR" dirty="0" err="1" smtClean="0"/>
-              <a:t>Arduino</a:t>
-            </a:r>
-            <a:endParaRPr lang="fr-FR" dirty="0" smtClean="0"/>
-          </a:p>
-          <a:p>
-            <a:pPr lvl="2"/>
-            <a:endParaRPr lang="fr-FR" dirty="0"/>
-          </a:p>
-          <a:p>
-            <a:pPr lvl="1"/>
-            <a:r>
-              <a:rPr lang="fr-FR" dirty="0" smtClean="0"/>
-              <a:t>Dans le logiciel </a:t>
-            </a:r>
-            <a:r>
-              <a:rPr lang="fr-FR" dirty="0" err="1" smtClean="0"/>
-              <a:t>Arduino</a:t>
-            </a:r>
-            <a:endParaRPr lang="fr-FR" dirty="0" smtClean="0"/>
-          </a:p>
-          <a:p>
-            <a:pPr lvl="2"/>
-            <a:r>
-              <a:rPr lang="fr-FR" dirty="0"/>
-              <a:t>Télécharger toolbox_arduino_v3.ino (</a:t>
-            </a:r>
-            <a:r>
-              <a:rPr lang="fr-FR" dirty="0">
-                <a:hlinkClick r:id="rId2"/>
-              </a:rPr>
-              <a:t>http://</a:t>
-            </a:r>
-            <a:r>
-              <a:rPr lang="fr-FR" dirty="0" smtClean="0">
-                <a:hlinkClick r:id="rId2"/>
-              </a:rPr>
-              <a:t>www.demosciences.fr/projets/scilab-arduino/toolbox_arduino_v3.ino?attredirects=0&amp;d=1</a:t>
-            </a:r>
-            <a:r>
-              <a:rPr lang="fr-FR" dirty="0" smtClean="0"/>
-              <a:t>) </a:t>
-            </a:r>
-          </a:p>
-          <a:p>
-            <a:pPr lvl="2"/>
-            <a:r>
-              <a:rPr lang="fr-FR" dirty="0" err="1" smtClean="0"/>
-              <a:t>Téléverser</a:t>
-            </a:r>
-            <a:r>
-              <a:rPr lang="fr-FR" dirty="0" smtClean="0"/>
-              <a:t> la </a:t>
-            </a:r>
-            <a:r>
-              <a:rPr lang="fr-FR" dirty="0" err="1" smtClean="0"/>
-              <a:t>toolbox</a:t>
-            </a:r>
-            <a:r>
-              <a:rPr lang="fr-FR" dirty="0" smtClean="0"/>
-              <a:t> dans une carte </a:t>
-            </a:r>
-            <a:r>
-              <a:rPr lang="fr-FR" dirty="0" err="1" smtClean="0"/>
-              <a:t>arduino</a:t>
-            </a:r>
-            <a:r>
-              <a:rPr lang="fr-FR" dirty="0" smtClean="0"/>
-              <a:t> </a:t>
-            </a:r>
-            <a:r>
-              <a:rPr lang="fr-FR" dirty="0" err="1" smtClean="0"/>
-              <a:t>Uno</a:t>
-            </a:r>
-            <a:endParaRPr lang="fr-FR" dirty="0"/>
-          </a:p>
-        </p:txBody>
-      </p:sp>
-      <p:sp>
-        <p:nvSpPr>
-          <p:cNvPr id="4" name="Espace réservé du numéro de diapositive 3"/>
-          <p:cNvSpPr>
-            <a:spLocks noGrp="1"/>
-          </p:cNvSpPr>
-          <p:nvPr>
-            <p:ph type="sldNum" sz="quarter" idx="15"/>
+            <a:endParaRPr lang="fr-FR"/>
+          </a:p>
+        </p:txBody>
+      </p:sp>
+      <p:sp>
+        <p:nvSpPr>
+          <p:cNvPr id="2" name="Espace réservé du numéro de diapositive 1"/>
+          <p:cNvSpPr>
+            <a:spLocks noGrp="1"/>
+          </p:cNvSpPr>
+          <p:nvPr>
+            <p:ph type="sldNum" sz="quarter" idx="12"/>
           </p:nvPr>
         </p:nvSpPr>
         <p:spPr/>
@@ -10446,7 +11549,7 @@
     </p:spTree>
     <p:extLst>
       <p:ext uri="{BB962C8B-B14F-4D97-AF65-F5344CB8AC3E}">
-        <p14:creationId xmlns:p14="http://schemas.microsoft.com/office/powerpoint/2010/main" val="2728033274"/>
+        <p14:creationId xmlns:p14="http://schemas.microsoft.com/office/powerpoint/2010/main" val="1589319820"/>
       </p:ext>
     </p:extLst>
   </p:cSld>
@@ -10475,37 +11578,18 @@
       </p:grpSpPr>
       <p:sp>
         <p:nvSpPr>
-          <p:cNvPr id="2" name="Espace réservé du contenu 1"/>
-          <p:cNvSpPr>
-            <a:spLocks noGrp="1"/>
-          </p:cNvSpPr>
-          <p:nvPr>
-            <p:ph sz="quarter" idx="1"/>
+          <p:cNvPr id="2" name="Titre 1"/>
+          <p:cNvSpPr>
+            <a:spLocks noGrp="1"/>
+          </p:cNvSpPr>
+          <p:nvPr>
+            <p:ph type="title"/>
           </p:nvPr>
         </p:nvSpPr>
         <p:spPr/>
         <p:txBody>
-          <a:bodyPr/>
-          <a:lstStyle/>
-          <a:p>
-            <a:endParaRPr lang="fr-FR"/>
-          </a:p>
-        </p:txBody>
-      </p:sp>
-      <p:sp>
-        <p:nvSpPr>
-          <p:cNvPr id="3" name="Titre 2"/>
-          <p:cNvSpPr>
-            <a:spLocks noGrp="1"/>
-          </p:cNvSpPr>
-          <p:nvPr>
-            <p:ph type="title"/>
-          </p:nvPr>
-        </p:nvSpPr>
-        <p:spPr/>
-        <p:txBody>
           <a:bodyPr>
-            <a:normAutofit fontScale="90000"/>
+            <a:normAutofit/>
           </a:bodyPr>
           <a:lstStyle/>
           <a:p>
@@ -10521,18 +11605,127 @@
               <a:rPr lang="fr-FR" dirty="0" err="1" smtClean="0"/>
               <a:t>Arduino</a:t>
             </a:r>
-            <a:r>
-              <a:rPr lang="fr-FR" dirty="0" smtClean="0"/>
-              <a:t/>
-            </a:r>
-            <a:br>
-              <a:rPr lang="fr-FR" dirty="0" smtClean="0"/>
-            </a:br>
-            <a:r>
-              <a:rPr lang="fr-FR" smtClean="0"/>
-              <a:t>Première prise en main</a:t>
-            </a:r>
-            <a:endParaRPr lang="fr-FR"/>
+            <a:endParaRPr lang="fr-FR" dirty="0"/>
+          </a:p>
+        </p:txBody>
+      </p:sp>
+      <p:sp>
+        <p:nvSpPr>
+          <p:cNvPr id="3" name="Espace réservé du contenu 2"/>
+          <p:cNvSpPr>
+            <a:spLocks noGrp="1"/>
+          </p:cNvSpPr>
+          <p:nvPr>
+            <p:ph sz="quarter" idx="1"/>
+          </p:nvPr>
+        </p:nvSpPr>
+        <p:spPr/>
+        <p:txBody>
+          <a:bodyPr/>
+          <a:lstStyle/>
+          <a:p>
+            <a:r>
+              <a:rPr lang="fr-FR" dirty="0" smtClean="0"/>
+              <a:t>Actions préliminaires</a:t>
+            </a:r>
+          </a:p>
+          <a:p>
+            <a:pPr lvl="1"/>
+            <a:r>
+              <a:rPr lang="fr-FR" dirty="0" smtClean="0"/>
+              <a:t>Dans le gestionnaire de module </a:t>
+            </a:r>
+            <a:r>
+              <a:rPr lang="fr-FR" dirty="0" err="1" smtClean="0"/>
+              <a:t>Atom</a:t>
+            </a:r>
+            <a:r>
+              <a:rPr lang="fr-FR" dirty="0" smtClean="0"/>
+              <a:t> de Scilab</a:t>
+            </a:r>
+          </a:p>
+          <a:p>
+            <a:pPr lvl="2"/>
+            <a:r>
+              <a:rPr lang="fr-FR" dirty="0" smtClean="0"/>
+              <a:t>Installer le module </a:t>
+            </a:r>
+            <a:r>
+              <a:rPr lang="fr-FR" dirty="0" err="1" smtClean="0"/>
+              <a:t>Arduino</a:t>
+            </a:r>
+            <a:endParaRPr lang="fr-FR" dirty="0" smtClean="0"/>
+          </a:p>
+          <a:p>
+            <a:pPr lvl="2"/>
+            <a:endParaRPr lang="fr-FR" dirty="0"/>
+          </a:p>
+          <a:p>
+            <a:pPr lvl="1"/>
+            <a:r>
+              <a:rPr lang="fr-FR" dirty="0" smtClean="0"/>
+              <a:t>Dans le logiciel </a:t>
+            </a:r>
+            <a:r>
+              <a:rPr lang="fr-FR" dirty="0" err="1" smtClean="0"/>
+              <a:t>Arduino</a:t>
+            </a:r>
+            <a:endParaRPr lang="fr-FR" dirty="0" smtClean="0"/>
+          </a:p>
+          <a:p>
+            <a:pPr lvl="2"/>
+            <a:r>
+              <a:rPr lang="fr-FR" dirty="0"/>
+              <a:t>Télécharger toolbox_arduino_v3.ino (</a:t>
+            </a:r>
+            <a:r>
+              <a:rPr lang="fr-FR" dirty="0">
+                <a:hlinkClick r:id="rId2"/>
+              </a:rPr>
+              <a:t>http://</a:t>
+            </a:r>
+            <a:r>
+              <a:rPr lang="fr-FR" dirty="0" smtClean="0">
+                <a:hlinkClick r:id="rId2"/>
+              </a:rPr>
+              <a:t>www.demosciences.fr/projets/scilab-arduino/toolbox_arduino_v3.ino?attredirects=0&amp;d=1</a:t>
+            </a:r>
+            <a:r>
+              <a:rPr lang="fr-FR" dirty="0" smtClean="0"/>
+              <a:t>) </a:t>
+            </a:r>
+          </a:p>
+          <a:p>
+            <a:pPr lvl="2"/>
+            <a:r>
+              <a:rPr lang="fr-FR" dirty="0" err="1" smtClean="0"/>
+              <a:t>Téléverser</a:t>
+            </a:r>
+            <a:r>
+              <a:rPr lang="fr-FR" dirty="0" smtClean="0"/>
+              <a:t> la </a:t>
+            </a:r>
+            <a:r>
+              <a:rPr lang="fr-FR" dirty="0" err="1" smtClean="0"/>
+              <a:t>toolbox</a:t>
+            </a:r>
+            <a:r>
+              <a:rPr lang="fr-FR" dirty="0" smtClean="0"/>
+              <a:t> dans une carte </a:t>
+            </a:r>
+            <a:r>
+              <a:rPr lang="fr-FR" dirty="0" err="1" smtClean="0"/>
+              <a:t>arduino</a:t>
+            </a:r>
+            <a:r>
+              <a:rPr lang="fr-FR" dirty="0" smtClean="0"/>
+              <a:t> </a:t>
+            </a:r>
+            <a:r>
+              <a:rPr lang="fr-FR" dirty="0" err="1" smtClean="0"/>
+              <a:t>Uno</a:t>
+            </a:r>
+            <a:endParaRPr lang="fr-FR" dirty="0"/>
           </a:p>
         </p:txBody>
       </p:sp>
@@ -10562,7 +11755,7 @@
     </p:spTree>
     <p:extLst>
       <p:ext uri="{BB962C8B-B14F-4D97-AF65-F5344CB8AC3E}">
-        <p14:creationId xmlns:p14="http://schemas.microsoft.com/office/powerpoint/2010/main" val="3659039995"/>
+        <p14:creationId xmlns:p14="http://schemas.microsoft.com/office/powerpoint/2010/main" val="2728033274"/>
       </p:ext>
     </p:extLst>
   </p:cSld>
@@ -10591,12 +11784,75 @@
       </p:grpSpPr>
       <p:sp>
         <p:nvSpPr>
+          <p:cNvPr id="2" name="Espace réservé du contenu 1"/>
+          <p:cNvSpPr>
+            <a:spLocks noGrp="1"/>
+          </p:cNvSpPr>
+          <p:nvPr>
+            <p:ph sz="quarter" idx="1"/>
+          </p:nvPr>
+        </p:nvSpPr>
+        <p:spPr/>
+        <p:txBody>
+          <a:bodyPr/>
+          <a:lstStyle/>
+          <a:p>
+            <a:endParaRPr lang="fr-FR"/>
+          </a:p>
+        </p:txBody>
+      </p:sp>
+      <p:sp>
+        <p:nvSpPr>
+          <p:cNvPr id="3" name="Titre 2"/>
+          <p:cNvSpPr>
+            <a:spLocks noGrp="1"/>
+          </p:cNvSpPr>
+          <p:nvPr>
+            <p:ph type="title"/>
+          </p:nvPr>
+        </p:nvSpPr>
+        <p:spPr/>
+        <p:txBody>
+          <a:bodyPr>
+            <a:normAutofit fontScale="90000"/>
+          </a:bodyPr>
+          <a:lstStyle/>
+          <a:p>
+            <a:r>
+              <a:rPr lang="fr-FR" dirty="0" err="1" smtClean="0"/>
+              <a:t>Xcos</a:t>
+            </a:r>
+            <a:r>
+              <a:rPr lang="fr-FR" dirty="0" smtClean="0"/>
+              <a:t> </a:t>
+            </a:r>
+            <a:r>
+              <a:rPr lang="fr-FR" dirty="0" err="1" smtClean="0"/>
+              <a:t>Arduino</a:t>
+            </a:r>
+            <a:r>
+              <a:rPr lang="fr-FR" dirty="0" smtClean="0"/>
+              <a:t/>
+            </a:r>
+            <a:br>
+              <a:rPr lang="fr-FR" dirty="0" smtClean="0"/>
+            </a:br>
+            <a:r>
+              <a:rPr lang="fr-FR" smtClean="0"/>
+              <a:t>Première prise en main</a:t>
+            </a:r>
+            <a:endParaRPr lang="fr-FR"/>
+          </a:p>
+        </p:txBody>
+      </p:sp>
+      <p:sp>
+        <p:nvSpPr>
           <p:cNvPr id="4" name="Espace réservé du numéro de diapositive 3"/>
           <p:cNvSpPr>
             <a:spLocks noGrp="1"/>
           </p:cNvSpPr>
           <p:nvPr>
-            <p:ph type="sldNum" sz="quarter" idx="12"/>
+            <p:ph type="sldNum" sz="quarter" idx="15"/>
           </p:nvPr>
         </p:nvSpPr>
         <p:spPr/>
@@ -10607,6 +11863,59 @@
             <a:fld id="{136A7F36-7A21-4EA8-9DC2-F00219448035}" type="slidenum">
               <a:rPr lang="fr-FR" smtClean="0"/>
               <a:t>37</a:t>
+            </a:fld>
+            <a:endParaRPr lang="fr-FR"/>
+          </a:p>
+        </p:txBody>
+      </p:sp>
+    </p:spTree>
+    <p:extLst>
+      <p:ext uri="{BB962C8B-B14F-4D97-AF65-F5344CB8AC3E}">
+        <p14:creationId xmlns:p14="http://schemas.microsoft.com/office/powerpoint/2010/main" val="3659039995"/>
+      </p:ext>
+    </p:extLst>
+  </p:cSld>
+  <p:clrMapOvr>
+    <a:masterClrMapping/>
+  </p:clrMapOvr>
+</p:sld>
+</file>
+
+<file path=ppt/slides/slide38.xml><?xml version="1.0" encoding="utf-8"?>
+<p:sld xmlns:a="http://schemas.openxmlformats.org/drawingml/2006/main" xmlns:r="http://schemas.openxmlformats.org/officeDocument/2006/relationships" xmlns:p="http://schemas.openxmlformats.org/presentationml/2006/main">
+  <p:cSld>
+    <p:spTree>
+      <p:nvGrpSpPr>
+        <p:cNvPr id="1" name=""/>
+        <p:cNvGrpSpPr/>
+        <p:nvPr/>
+      </p:nvGrpSpPr>
+      <p:grpSpPr>
+        <a:xfrm>
+          <a:off x="0" y="0"/>
+          <a:ext cx="0" cy="0"/>
+          <a:chOff x="0" y="0"/>
+          <a:chExt cx="0" cy="0"/>
+        </a:xfrm>
+      </p:grpSpPr>
+      <p:sp>
+        <p:nvSpPr>
+          <p:cNvPr id="4" name="Espace réservé du numéro de diapositive 3"/>
+          <p:cNvSpPr>
+            <a:spLocks noGrp="1"/>
+          </p:cNvSpPr>
+          <p:nvPr>
+            <p:ph type="sldNum" sz="quarter" idx="12"/>
+          </p:nvPr>
+        </p:nvSpPr>
+        <p:spPr/>
+        <p:txBody>
+          <a:bodyPr/>
+          <a:lstStyle/>
+          <a:p>
+            <a:fld id="{136A7F36-7A21-4EA8-9DC2-F00219448035}" type="slidenum">
+              <a:rPr lang="fr-FR" smtClean="0"/>
+              <a:t>38</a:t>
             </a:fld>
             <a:endParaRPr lang="fr-FR"/>
           </a:p>
@@ -13598,7 +14907,7 @@
             <p:spPr/>
             <p:txBody>
               <a:bodyPr>
-                <a:normAutofit lnSpcReduction="10000"/>
+                <a:normAutofit fontScale="92500" lnSpcReduction="10000"/>
               </a:bodyPr>
               <a:lstStyle/>
               <a:p>
@@ -13714,7 +15023,33 @@
                 <a:pPr lvl="1"/>
                 <a:r>
                   <a:rPr lang="fr-FR" dirty="0" smtClean="0"/>
-                  <a:t>Loi de comportement régit par une équation différentielle à coefficients constants</a:t>
+                  <a:t>Loi de comportement régit par une équation différentielle à coefficients constants (</a:t>
+                </a:r>
+                <a14:m>
+                  <m:oMath xmlns:m="http://schemas.openxmlformats.org/officeDocument/2006/math">
+                    <m:r>
+                      <a:rPr lang="fr-FR" b="0" i="1" smtClean="0">
+                        <a:latin typeface="Cambria Math"/>
+                      </a:rPr>
+                      <m:t>𝑛</m:t>
+                    </m:r>
+                    <m:r>
+                      <a:rPr lang="fr-FR" b="0" i="1" smtClean="0">
+                        <a:latin typeface="Cambria Math"/>
+                      </a:rPr>
+                      <m:t>≥</m:t>
+                    </m:r>
+                    <m:r>
+                      <a:rPr lang="fr-FR" b="0" i="1" smtClean="0">
+                        <a:latin typeface="Cambria Math"/>
+                      </a:rPr>
+                      <m:t>𝑚</m:t>
+                    </m:r>
+                  </m:oMath>
+                </a14:m>
+                <a:r>
+                  <a:rPr lang="fr-FR" dirty="0" smtClean="0"/>
+                  <a:t>)</a:t>
                 </a:r>
               </a:p>
               <a:p>
@@ -13774,10 +15109,10 @@
                           </m:e>
                           <m:sub>
                             <m:r>
-                              <a:rPr lang="fr-FR" i="1">
+                              <a:rPr lang="fr-FR" b="0" i="1" smtClean="0">
                                 <a:latin typeface="Cambria Math"/>
                               </a:rPr>
-                              <m:t>𝑛</m:t>
+                              <m:t>𝑖</m:t>
                             </m:r>
                           </m:sub>
                         </m:sSub>
@@ -13817,7 +15152,7 @@
                                   <a:rPr lang="fr-FR" b="0" i="1" smtClean="0">
                                     <a:latin typeface="Cambria Math"/>
                                   </a:rPr>
-                                  <m:t>𝑛</m:t>
+                                  <m:t>𝑖</m:t>
                                 </m:r>
                                 <m:r>
                                   <a:rPr lang="fr-FR" b="0" i="1" smtClean="0">
@@ -13885,7 +15220,7 @@
                                   <a:rPr lang="fr-FR" b="0" i="1" smtClean="0">
                                     <a:latin typeface="Cambria Math"/>
                                   </a:rPr>
-                                  <m:t>𝑛</m:t>
+                                  <m:t>𝑖</m:t>
                                 </m:r>
                                 <m:r>
                                   <a:rPr lang="fr-FR" b="0" i="1" smtClean="0">
@@ -13905,32 +15240,187 @@
                       </a:rPr>
                       <m:t>=</m:t>
                     </m:r>
-                    <m:r>
-                      <a:rPr lang="fr-FR" b="0" i="1" smtClean="0">
-                        <a:latin typeface="Cambria Math"/>
-                      </a:rPr>
-                      <m:t>𝑒</m:t>
-                    </m:r>
-                    <m:r>
-                      <a:rPr lang="fr-FR" b="0" i="1" smtClean="0">
-                        <a:latin typeface="Cambria Math"/>
-                      </a:rPr>
-                      <m:t>(</m:t>
-                    </m:r>
-                    <m:r>
-                      <a:rPr lang="fr-FR" b="0" i="1" smtClean="0">
-                        <a:latin typeface="Cambria Math"/>
-                      </a:rPr>
-                      <m:t>𝑡</m:t>
-                    </m:r>
-                    <m:r>
-                      <a:rPr lang="fr-FR" b="0" i="1" smtClean="0">
-                        <a:latin typeface="Cambria Math"/>
-                      </a:rPr>
-                      <m:t>)</m:t>
-                    </m:r>
+                    <m:nary>
+                      <m:naryPr>
+                        <m:chr m:val="∑"/>
+                        <m:ctrlPr>
+                          <a:rPr lang="fr-FR" i="1">
+                            <a:latin typeface="Cambria Math"/>
+                          </a:rPr>
+                        </m:ctrlPr>
+                      </m:naryPr>
+                      <m:sub>
+                        <m:r>
+                          <a:rPr lang="fr-FR" b="0" i="1" smtClean="0">
+                            <a:latin typeface="Cambria Math"/>
+                          </a:rPr>
+                          <m:t>𝑗</m:t>
+                        </m:r>
+                        <m:r>
+                          <a:rPr lang="fr-FR" i="1">
+                            <a:latin typeface="Cambria Math"/>
+                          </a:rPr>
+                          <m:t>=0</m:t>
+                        </m:r>
+                      </m:sub>
+                      <m:sup>
+                        <m:r>
+                          <a:rPr lang="fr-FR" b="0" i="1" smtClean="0">
+                            <a:latin typeface="Cambria Math"/>
+                          </a:rPr>
+                          <m:t>𝑚</m:t>
+                        </m:r>
+                      </m:sup>
+                      <m:e>
+                        <m:sSub>
+                          <m:sSubPr>
+                            <m:ctrlPr>
+                              <a:rPr lang="fr-FR" i="1">
+                                <a:latin typeface="Cambria Math"/>
+                              </a:rPr>
+                            </m:ctrlPr>
+                          </m:sSubPr>
+                          <m:e>
+                            <m:r>
+                              <a:rPr lang="fr-FR" b="0" i="1" smtClean="0">
+                                <a:latin typeface="Cambria Math"/>
+                              </a:rPr>
+                              <m:t>𝑏</m:t>
+                            </m:r>
+                          </m:e>
+                          <m:sub>
+                            <m:r>
+                              <a:rPr lang="fr-FR" b="0" i="1" smtClean="0">
+                                <a:latin typeface="Cambria Math"/>
+                              </a:rPr>
+                              <m:t>𝑗</m:t>
+                            </m:r>
+                          </m:sub>
+                        </m:sSub>
+                        <m:f>
+                          <m:fPr>
+                            <m:ctrlPr>
+                              <a:rPr lang="fr-FR" i="1">
+                                <a:latin typeface="Cambria Math"/>
+                              </a:rPr>
+                            </m:ctrlPr>
+                          </m:fPr>
+                          <m:num>
+                            <m:sSup>
+                              <m:sSupPr>
+                                <m:ctrlPr>
+                                  <a:rPr lang="fr-FR" i="1">
+                                    <a:latin typeface="Cambria Math"/>
+                                  </a:rPr>
+                                </m:ctrlPr>
+                              </m:sSupPr>
+                              <m:e>
+                                <m:r>
+                                  <a:rPr lang="fr-FR" i="1">
+                                    <a:latin typeface="Cambria Math"/>
+                                  </a:rPr>
+                                  <m:t>𝑑</m:t>
+                                </m:r>
+                              </m:e>
+                              <m:sup>
+                                <m:r>
+                                  <a:rPr lang="fr-FR" i="1">
+                                    <a:latin typeface="Cambria Math"/>
+                                  </a:rPr>
+                                  <m:t>(</m:t>
+                                </m:r>
+                                <m:r>
+                                  <a:rPr lang="fr-FR" b="0" i="1" smtClean="0">
+                                    <a:latin typeface="Cambria Math"/>
+                                  </a:rPr>
+                                  <m:t>𝑗</m:t>
+                                </m:r>
+                                <m:r>
+                                  <a:rPr lang="fr-FR" i="1">
+                                    <a:latin typeface="Cambria Math"/>
+                                  </a:rPr>
+                                  <m:t>)</m:t>
+                                </m:r>
+                              </m:sup>
+                            </m:sSup>
+                            <m:r>
+                              <a:rPr lang="fr-FR" b="0" i="1" smtClean="0">
+                                <a:latin typeface="Cambria Math"/>
+                              </a:rPr>
+                              <m:t>𝑒</m:t>
+                            </m:r>
+                            <m:d>
+                              <m:dPr>
+                                <m:ctrlPr>
+                                  <a:rPr lang="fr-FR" i="1">
+                                    <a:latin typeface="Cambria Math"/>
+                                  </a:rPr>
+                                </m:ctrlPr>
+                              </m:dPr>
+                              <m:e>
+                                <m:r>
+                                  <a:rPr lang="fr-FR" i="1">
+                                    <a:latin typeface="Cambria Math"/>
+                                  </a:rPr>
+                                  <m:t>𝑡</m:t>
+                                </m:r>
+                              </m:e>
+                            </m:d>
+                          </m:num>
+                          <m:den>
+                            <m:r>
+                              <a:rPr lang="fr-FR" i="1">
+                                <a:latin typeface="Cambria Math"/>
+                              </a:rPr>
+                              <m:t>𝑑</m:t>
+                            </m:r>
+                            <m:sSup>
+                              <m:sSupPr>
+                                <m:ctrlPr>
+                                  <a:rPr lang="fr-FR" i="1">
+                                    <a:latin typeface="Cambria Math"/>
+                                  </a:rPr>
+                                </m:ctrlPr>
+                              </m:sSupPr>
+                              <m:e>
+                                <m:r>
+                                  <a:rPr lang="fr-FR" i="1">
+                                    <a:latin typeface="Cambria Math"/>
+                                  </a:rPr>
+                                  <m:t>𝑡</m:t>
+                                </m:r>
+                              </m:e>
+                              <m:sup>
+                                <m:r>
+                                  <a:rPr lang="fr-FR" i="1">
+                                    <a:latin typeface="Cambria Math"/>
+                                  </a:rPr>
+                                  <m:t>(</m:t>
+                                </m:r>
+                                <m:r>
+                                  <a:rPr lang="fr-FR" b="0" i="1" smtClean="0">
+                                    <a:latin typeface="Cambria Math"/>
+                                  </a:rPr>
+                                  <m:t>𝑗</m:t>
+                                </m:r>
+                                <m:r>
+                                  <a:rPr lang="fr-FR" i="1">
+                                    <a:latin typeface="Cambria Math"/>
+                                  </a:rPr>
+                                  <m:t>)</m:t>
+                                </m:r>
+                              </m:sup>
+                            </m:sSup>
+                          </m:den>
+                        </m:f>
+                      </m:e>
+                    </m:nary>
                   </m:oMath>
                 </a14:m>
+                <a:endParaRPr lang="fr-FR" dirty="0" smtClean="0"/>
+              </a:p>
+              <a:p>
+                <a:pPr lvl="2"/>
                 <a:endParaRPr lang="fr-FR" dirty="0" smtClean="0"/>
               </a:p>
               <a:p>
@@ -13999,7 +15489,7 @@
               <a:blipFill rotWithShape="1">
                 <a:blip r:embed="rId2"/>
                 <a:stretch>
-                  <a:fillRect l="-77" t="-1171" r="-538"/>
+                  <a:fillRect t="-1171" r="-385"/>
                 </a:stretch>
               </a:blipFill>
             </p:spPr>

--- a/ModelisationMultiphysique/ModelisationMultiphysique.pptx
+++ b/ModelisationMultiphysique/ModelisationMultiphysique.pptx
@@ -5,10 +5,10 @@
     <p:sldMasterId id="2147483804" r:id="rId1"/>
   </p:sldMasterIdLst>
   <p:notesMasterIdLst>
-    <p:notesMasterId r:id="rId40"/>
+    <p:notesMasterId r:id="rId35"/>
   </p:notesMasterIdLst>
   <p:handoutMasterIdLst>
-    <p:handoutMasterId r:id="rId41"/>
+    <p:handoutMasterId r:id="rId36"/>
   </p:handoutMasterIdLst>
   <p:sldIdLst>
     <p:sldId id="256" r:id="rId2"/>
@@ -24,31 +24,26 @@
     <p:sldId id="289" r:id="rId12"/>
     <p:sldId id="284" r:id="rId13"/>
     <p:sldId id="290" r:id="rId14"/>
-    <p:sldId id="300" r:id="rId15"/>
-    <p:sldId id="291" r:id="rId16"/>
-    <p:sldId id="285" r:id="rId17"/>
-    <p:sldId id="275" r:id="rId18"/>
-    <p:sldId id="278" r:id="rId19"/>
-    <p:sldId id="292" r:id="rId20"/>
-    <p:sldId id="259" r:id="rId21"/>
-    <p:sldId id="260" r:id="rId22"/>
-    <p:sldId id="293" r:id="rId23"/>
-    <p:sldId id="294" r:id="rId24"/>
-    <p:sldId id="295" r:id="rId25"/>
-    <p:sldId id="296" r:id="rId26"/>
-    <p:sldId id="297" r:id="rId27"/>
-    <p:sldId id="261" r:id="rId28"/>
-    <p:sldId id="280" r:id="rId29"/>
-    <p:sldId id="262" r:id="rId30"/>
-    <p:sldId id="265" r:id="rId31"/>
-    <p:sldId id="267" r:id="rId32"/>
-    <p:sldId id="268" r:id="rId33"/>
-    <p:sldId id="269" r:id="rId34"/>
-    <p:sldId id="270" r:id="rId35"/>
-    <p:sldId id="264" r:id="rId36"/>
-    <p:sldId id="298" r:id="rId37"/>
-    <p:sldId id="299" r:id="rId38"/>
-    <p:sldId id="266" r:id="rId39"/>
+    <p:sldId id="291" r:id="rId15"/>
+    <p:sldId id="285" r:id="rId16"/>
+    <p:sldId id="275" r:id="rId17"/>
+    <p:sldId id="278" r:id="rId18"/>
+    <p:sldId id="292" r:id="rId19"/>
+    <p:sldId id="259" r:id="rId20"/>
+    <p:sldId id="260" r:id="rId21"/>
+    <p:sldId id="293" r:id="rId22"/>
+    <p:sldId id="294" r:id="rId23"/>
+    <p:sldId id="295" r:id="rId24"/>
+    <p:sldId id="296" r:id="rId25"/>
+    <p:sldId id="297" r:id="rId26"/>
+    <p:sldId id="262" r:id="rId27"/>
+    <p:sldId id="267" r:id="rId28"/>
+    <p:sldId id="268" r:id="rId29"/>
+    <p:sldId id="264" r:id="rId30"/>
+    <p:sldId id="298" r:id="rId31"/>
+    <p:sldId id="299" r:id="rId32"/>
+    <p:sldId id="266" r:id="rId33"/>
+    <p:sldId id="300" r:id="rId34"/>
   </p:sldIdLst>
   <p:sldSz cx="9144000" cy="6858000" type="screen4x3"/>
   <p:notesSz cx="6858000" cy="9144000"/>
@@ -232,7 +227,7 @@
           <a:p>
             <a:fld id="{A885B43C-549A-4639-87D3-A3E3E5DAC635}" type="datetimeFigureOut">
               <a:rPr lang="fr-FR" smtClean="0"/>
-              <a:t>05/02/2014</a:t>
+              <a:t>06/02/2014</a:t>
             </a:fld>
             <a:endParaRPr lang="fr-FR"/>
           </a:p>
@@ -397,7 +392,7 @@
           <a:p>
             <a:fld id="{39C4ABE7-6968-4EF3-8008-B142D354329E}" type="datetimeFigureOut">
               <a:rPr lang="fr-FR" smtClean="0"/>
-              <a:t>05/02/2014</a:t>
+              <a:t>06/02/2014</a:t>
             </a:fld>
             <a:endParaRPr lang="fr-FR"/>
           </a:p>
@@ -802,7 +797,7 @@
           <a:p>
             <a:fld id="{4570C44E-2547-490C-B96B-C5716BE8A211}" type="datetime1">
               <a:rPr lang="fr-FR" smtClean="0"/>
-              <a:t>05/02/2014</a:t>
+              <a:t>06/02/2014</a:t>
             </a:fld>
             <a:endParaRPr lang="fr-FR"/>
           </a:p>
@@ -1671,7 +1666,7 @@
           <a:p>
             <a:fld id="{747E099B-BEB6-4FA8-A989-B5CEC6EE96A6}" type="datetime1">
               <a:rPr lang="fr-FR" smtClean="0"/>
-              <a:t>05/02/2014</a:t>
+              <a:t>06/02/2014</a:t>
             </a:fld>
             <a:endParaRPr lang="fr-FR"/>
           </a:p>
@@ -1846,7 +1841,7 @@
           <a:p>
             <a:fld id="{40DE265D-AE92-4B24-A80E-B18047B1C1D8}" type="datetime1">
               <a:rPr lang="fr-FR" smtClean="0"/>
-              <a:t>05/02/2014</a:t>
+              <a:t>06/02/2014</a:t>
             </a:fld>
             <a:endParaRPr lang="fr-FR"/>
           </a:p>
@@ -2016,7 +2011,7 @@
           <a:p>
             <a:fld id="{B833870E-E628-4B55-8FAC-7DEBA033199C}" type="datetime1">
               <a:rPr lang="fr-FR" smtClean="0"/>
-              <a:t>05/02/2014</a:t>
+              <a:t>06/02/2014</a:t>
             </a:fld>
             <a:endParaRPr lang="fr-FR"/>
           </a:p>
@@ -2235,7 +2230,7 @@
           <a:p>
             <a:fld id="{A67C8C45-4A33-4265-B602-D5E2C8444F9A}" type="datetime1">
               <a:rPr lang="fr-FR" smtClean="0"/>
-              <a:t>05/02/2014</a:t>
+              <a:t>06/02/2014</a:t>
             </a:fld>
             <a:endParaRPr lang="fr-FR"/>
           </a:p>
@@ -3049,7 +3044,7 @@
           <a:p>
             <a:fld id="{25CB6C03-371A-4D23-837F-61C5BAFAE300}" type="datetime1">
               <a:rPr lang="fr-FR" smtClean="0"/>
-              <a:t>05/02/2014</a:t>
+              <a:t>06/02/2014</a:t>
             </a:fld>
             <a:endParaRPr lang="fr-FR"/>
           </a:p>
@@ -3285,7 +3280,7 @@
           <a:p>
             <a:fld id="{86EFE65D-E49E-4ACC-802E-2FE5FA140AA8}" type="datetime1">
               <a:rPr lang="fr-FR" smtClean="0"/>
-              <a:t>05/02/2014</a:t>
+              <a:t>06/02/2014</a:t>
             </a:fld>
             <a:endParaRPr lang="fr-FR"/>
           </a:p>
@@ -3608,7 +3603,7 @@
           <a:p>
             <a:fld id="{BD2FCB01-C649-48F3-B16D-AB4366149D3F}" type="datetime1">
               <a:rPr lang="fr-FR" smtClean="0"/>
-              <a:t>05/02/2014</a:t>
+              <a:t>06/02/2014</a:t>
             </a:fld>
             <a:endParaRPr lang="fr-FR"/>
           </a:p>
@@ -3698,7 +3693,7 @@
           <a:p>
             <a:fld id="{8E4AC928-9A8D-4820-8569-8A1256CEB675}" type="datetime1">
               <a:rPr lang="fr-FR" smtClean="0"/>
-              <a:t>05/02/2014</a:t>
+              <a:t>06/02/2014</a:t>
             </a:fld>
             <a:endParaRPr lang="fr-FR"/>
           </a:p>
@@ -4215,7 +4210,7 @@
           <a:p>
             <a:fld id="{A3A61092-D682-48D6-9115-A8828AD70E20}" type="datetime1">
               <a:rPr lang="fr-FR" smtClean="0"/>
-              <a:t>05/02/2014</a:t>
+              <a:t>06/02/2014</a:t>
             </a:fld>
             <a:endParaRPr lang="fr-FR"/>
           </a:p>
@@ -4726,7 +4721,7 @@
           <a:p>
             <a:fld id="{67835B05-DF05-4BBA-868F-A88A58FB33D1}" type="datetime1">
               <a:rPr lang="fr-FR" smtClean="0"/>
-              <a:t>05/02/2014</a:t>
+              <a:t>06/02/2014</a:t>
             </a:fld>
             <a:endParaRPr lang="fr-FR"/>
           </a:p>
@@ -4972,7 +4967,7 @@
           <a:p>
             <a:fld id="{8F35236E-3142-47C6-A5D5-7DD086936AB6}" type="datetime1">
               <a:rPr lang="fr-FR" smtClean="0"/>
-              <a:t>05/02/2014</a:t>
+              <a:t>06/02/2014</a:t>
             </a:fld>
             <a:endParaRPr lang="fr-FR"/>
           </a:p>
@@ -5862,7 +5857,15 @@
             <a:pPr lvl="1"/>
             <a:r>
               <a:rPr lang="fr-FR" dirty="0" smtClean="0"/>
-              <a:t>La résolution se base sur une transformation des équations dans un domaine symbolique puis une transformation inverse permet de revenir dans le domaine temporel</a:t>
+              <a:t>La résolution se base sur une transformation des équations dans un domaine </a:t>
+            </a:r>
+            <a:r>
+              <a:rPr lang="fr-FR" dirty="0" smtClean="0"/>
+              <a:t>symbolique </a:t>
+            </a:r>
+            <a:r>
+              <a:rPr lang="fr-FR" dirty="0" smtClean="0"/>
+              <a:t>puis une transformation inverse permet de revenir dans le domaine temporel</a:t>
             </a:r>
           </a:p>
           <a:p>
@@ -5929,13 +5932,7 @@
           <a:ln>
             <a:noFill/>
           </a:ln>
-          <a:effectLst>
-            <a:outerShdw blurRad="292100" dist="139700" dir="2700000" algn="tl" rotWithShape="0">
-              <a:srgbClr val="333333">
-                <a:alpha val="65000"/>
-              </a:srgbClr>
-            </a:outerShdw>
-          </a:effectLst>
+          <a:effectLst/>
           <a:extLst>
             <a:ext uri="{909E8E84-426E-40DD-AFC4-6F175D3DCCD1}">
               <a14:hiddenFill xmlns:a14="http://schemas.microsoft.com/office/drawing/2010/main">
@@ -6690,6 +6687,70 @@
           </a:p>
         </p:txBody>
       </p:sp>
+      <p:pic>
+        <p:nvPicPr>
+          <p:cNvPr id="5" name="Picture 3"/>
+          <p:cNvPicPr>
+            <a:picLocks noChangeAspect="1" noChangeArrowheads="1"/>
+          </p:cNvPicPr>
+          <p:nvPr/>
+        </p:nvPicPr>
+        <p:blipFill>
+          <a:blip r:embed="rId2">
+            <a:extLst>
+              <a:ext uri="{28A0092B-C50C-407E-A947-70E740481C1C}">
+                <a14:useLocalDpi xmlns:a14="http://schemas.microsoft.com/office/drawing/2010/main" val="0"/>
+              </a:ext>
+            </a:extLst>
+          </a:blip>
+          <a:srcRect/>
+          <a:stretch>
+            <a:fillRect/>
+          </a:stretch>
+        </p:blipFill>
+        <p:spPr bwMode="auto">
+          <a:xfrm>
+            <a:off x="1259632" y="4686554"/>
+            <a:ext cx="5957954" cy="2171446"/>
+          </a:xfrm>
+          <a:prstGeom prst="rect">
+            <a:avLst/>
+          </a:prstGeom>
+          <a:noFill/>
+          <a:ln>
+            <a:noFill/>
+          </a:ln>
+          <a:effectLst/>
+          <a:extLst>
+            <a:ext uri="{909E8E84-426E-40DD-AFC4-6F175D3DCCD1}">
+              <a14:hiddenFill xmlns:a14="http://schemas.microsoft.com/office/drawing/2010/main">
+                <a:solidFill>
+                  <a:schemeClr val="accent1"/>
+                </a:solidFill>
+              </a14:hiddenFill>
+            </a:ext>
+            <a:ext uri="{91240B29-F687-4F45-9708-019B960494DF}">
+              <a14:hiddenLine xmlns:a14="http://schemas.microsoft.com/office/drawing/2010/main" w="9525">
+                <a:solidFill>
+                  <a:schemeClr val="tx1"/>
+                </a:solidFill>
+                <a:miter lim="800000"/>
+                <a:headEnd/>
+                <a:tailEnd/>
+              </a14:hiddenLine>
+            </a:ext>
+            <a:ext uri="{AF507438-7753-43E0-B8FC-AC1667EBCBE1}">
+              <a14:hiddenEffects xmlns:a14="http://schemas.microsoft.com/office/drawing/2010/main">
+                <a:effectLst>
+                  <a:outerShdw dist="35921" dir="2700000" algn="ctr" rotWithShape="0">
+                    <a:schemeClr val="bg2"/>
+                  </a:outerShdw>
+                </a:effectLst>
+              </a14:hiddenEffects>
+            </a:ext>
+          </a:extLst>
+        </p:spPr>
+      </p:pic>
     </p:spTree>
     <p:extLst>
       <p:ext uri="{BB962C8B-B14F-4D97-AF65-F5344CB8AC3E}">
@@ -6720,358 +6781,6 @@
           <a:chExt cx="0" cy="0"/>
         </a:xfrm>
       </p:grpSpPr>
-      <p:graphicFrame>
-        <p:nvGraphicFramePr>
-          <p:cNvPr id="5" name="Espace réservé du contenu 4"/>
-          <p:cNvGraphicFramePr>
-            <a:graphicFrameLocks noGrp="1"/>
-          </p:cNvGraphicFramePr>
-          <p:nvPr>
-            <p:ph sz="quarter" idx="1"/>
-            <p:extLst>
-              <p:ext uri="{D42A27DB-BD31-4B8C-83A1-F6EECF244321}">
-                <p14:modId xmlns:p14="http://schemas.microsoft.com/office/powerpoint/2010/main" val="3958011766"/>
-              </p:ext>
-            </p:extLst>
-          </p:nvPr>
-        </p:nvGraphicFramePr>
-        <p:xfrm>
-          <a:off x="467544" y="1412776"/>
-          <a:ext cx="7921626" cy="3461299"/>
-        </p:xfrm>
-        <a:graphic>
-          <a:graphicData uri="http://schemas.openxmlformats.org/drawingml/2006/table">
-            <a:tbl>
-              <a:tblPr firstRow="1" bandRow="1">
-                <a:tableStyleId>{21E4AEA4-8DFA-4A89-87EB-49C32662AFE0}</a:tableStyleId>
-              </a:tblPr>
-              <a:tblGrid>
-                <a:gridCol w="2640542"/>
-                <a:gridCol w="2640542"/>
-                <a:gridCol w="2640542"/>
-              </a:tblGrid>
-              <a:tr h="360040">
-                <a:tc>
-                  <a:txBody>
-                    <a:bodyPr/>
-                    <a:lstStyle/>
-                    <a:p>
-                      <a:endParaRPr lang="fr-FR" sz="1400" dirty="0">
-                        <a:latin typeface="Calibri" panose="020F0502020204030204" pitchFamily="34" charset="0"/>
-                      </a:endParaRPr>
-                    </a:p>
-                  </a:txBody>
-                  <a:tcPr/>
-                </a:tc>
-                <a:tc>
-                  <a:txBody>
-                    <a:bodyPr/>
-                    <a:lstStyle/>
-                    <a:p>
-                      <a:r>
-                        <a:rPr lang="fr-FR" sz="1400" dirty="0" smtClean="0">
-                          <a:latin typeface="Calibri" panose="020F0502020204030204" pitchFamily="34" charset="0"/>
-                        </a:rPr>
-                        <a:t>Causal</a:t>
-                      </a:r>
-                      <a:endParaRPr lang="fr-FR" sz="1400" dirty="0">
-                        <a:latin typeface="Calibri" panose="020F0502020204030204" pitchFamily="34" charset="0"/>
-                      </a:endParaRPr>
-                    </a:p>
-                  </a:txBody>
-                  <a:tcPr/>
-                </a:tc>
-                <a:tc>
-                  <a:txBody>
-                    <a:bodyPr/>
-                    <a:lstStyle/>
-                    <a:p>
-                      <a:r>
-                        <a:rPr lang="fr-FR" sz="1400" dirty="0" smtClean="0">
-                          <a:latin typeface="Calibri" panose="020F0502020204030204" pitchFamily="34" charset="0"/>
-                        </a:rPr>
-                        <a:t>Acausal</a:t>
-                      </a:r>
-                      <a:endParaRPr lang="fr-FR" sz="1400" dirty="0">
-                        <a:latin typeface="Calibri" panose="020F0502020204030204" pitchFamily="34" charset="0"/>
-                      </a:endParaRPr>
-                    </a:p>
-                  </a:txBody>
-                  <a:tcPr/>
-                </a:tc>
-              </a:tr>
-              <a:tr h="643159">
-                <a:tc>
-                  <a:txBody>
-                    <a:bodyPr/>
-                    <a:lstStyle/>
-                    <a:p>
-                      <a:r>
-                        <a:rPr lang="fr-FR" sz="1400" dirty="0" smtClean="0">
-                          <a:latin typeface="Calibri" panose="020F0502020204030204" pitchFamily="34" charset="0"/>
-                        </a:rPr>
-                        <a:t>Architecture</a:t>
-                      </a:r>
-                      <a:endParaRPr lang="fr-FR" sz="1400" dirty="0">
-                        <a:latin typeface="Calibri" panose="020F0502020204030204" pitchFamily="34" charset="0"/>
-                      </a:endParaRPr>
-                    </a:p>
-                  </a:txBody>
-                  <a:tcPr/>
-                </a:tc>
-                <a:tc>
-                  <a:txBody>
-                    <a:bodyPr/>
-                    <a:lstStyle/>
-                    <a:p>
-                      <a:endParaRPr lang="fr-FR" sz="1400" dirty="0">
-                        <a:latin typeface="Calibri" panose="020F0502020204030204" pitchFamily="34" charset="0"/>
-                      </a:endParaRPr>
-                    </a:p>
-                  </a:txBody>
-                  <a:tcPr/>
-                </a:tc>
-                <a:tc>
-                  <a:txBody>
-                    <a:bodyPr/>
-                    <a:lstStyle/>
-                    <a:p>
-                      <a:r>
-                        <a:rPr lang="fr-FR" sz="1400" dirty="0" smtClean="0">
-                          <a:latin typeface="Calibri" panose="020F0502020204030204" pitchFamily="34" charset="0"/>
-                        </a:rPr>
-                        <a:t>Proche</a:t>
-                      </a:r>
-                      <a:r>
-                        <a:rPr lang="fr-FR" sz="1400" baseline="0" dirty="0" smtClean="0">
-                          <a:latin typeface="Calibri" panose="020F0502020204030204" pitchFamily="34" charset="0"/>
-                        </a:rPr>
-                        <a:t> de l’architecture réelle</a:t>
-                      </a:r>
-                      <a:endParaRPr lang="fr-FR" sz="1400" dirty="0">
-                        <a:latin typeface="Calibri" panose="020F0502020204030204" pitchFamily="34" charset="0"/>
-                      </a:endParaRPr>
-                    </a:p>
-                  </a:txBody>
-                  <a:tcPr/>
-                </a:tc>
-              </a:tr>
-              <a:tr h="643159">
-                <a:tc>
-                  <a:txBody>
-                    <a:bodyPr/>
-                    <a:lstStyle/>
-                    <a:p>
-                      <a:r>
-                        <a:rPr lang="fr-FR" sz="1400" dirty="0" smtClean="0">
-                          <a:latin typeface="Calibri" panose="020F0502020204030204" pitchFamily="34" charset="0"/>
-                        </a:rPr>
-                        <a:t>Symbolisation</a:t>
-                      </a:r>
-                      <a:endParaRPr lang="fr-FR" sz="1400" dirty="0">
-                        <a:latin typeface="Calibri" panose="020F0502020204030204" pitchFamily="34" charset="0"/>
-                      </a:endParaRPr>
-                    </a:p>
-                  </a:txBody>
-                  <a:tcPr/>
-                </a:tc>
-                <a:tc>
-                  <a:txBody>
-                    <a:bodyPr/>
-                    <a:lstStyle/>
-                    <a:p>
-                      <a:r>
-                        <a:rPr lang="fr-FR" sz="1400" dirty="0" smtClean="0">
-                          <a:latin typeface="Calibri" panose="020F0502020204030204" pitchFamily="34" charset="0"/>
-                        </a:rPr>
-                        <a:t>Non</a:t>
-                      </a:r>
-                      <a:r>
-                        <a:rPr lang="fr-FR" sz="1400" baseline="0" dirty="0" smtClean="0">
-                          <a:latin typeface="Calibri" panose="020F0502020204030204" pitchFamily="34" charset="0"/>
-                        </a:rPr>
-                        <a:t> exigible</a:t>
-                      </a:r>
-                      <a:endParaRPr lang="fr-FR" sz="1400" dirty="0">
-                        <a:latin typeface="Calibri" panose="020F0502020204030204" pitchFamily="34" charset="0"/>
-                      </a:endParaRPr>
-                    </a:p>
-                  </a:txBody>
-                  <a:tcPr/>
-                </a:tc>
-                <a:tc>
-                  <a:txBody>
-                    <a:bodyPr/>
-                    <a:lstStyle/>
-                    <a:p>
-                      <a:r>
-                        <a:rPr lang="fr-FR" sz="1400" dirty="0" smtClean="0">
-                          <a:latin typeface="Calibri" panose="020F0502020204030204" pitchFamily="34" charset="0"/>
-                        </a:rPr>
-                        <a:t>Technologie</a:t>
-                      </a:r>
-                      <a:r>
-                        <a:rPr lang="fr-FR" sz="1400" baseline="0" dirty="0" smtClean="0">
-                          <a:latin typeface="Calibri" panose="020F0502020204030204" pitchFamily="34" charset="0"/>
-                        </a:rPr>
-                        <a:t> des composants respectée</a:t>
-                      </a:r>
-                      <a:endParaRPr lang="fr-FR" sz="1400" dirty="0">
-                        <a:latin typeface="Calibri" panose="020F0502020204030204" pitchFamily="34" charset="0"/>
-                      </a:endParaRPr>
-                    </a:p>
-                  </a:txBody>
-                  <a:tcPr/>
-                </a:tc>
-              </a:tr>
-              <a:tr h="643159">
-                <a:tc>
-                  <a:txBody>
-                    <a:bodyPr/>
-                    <a:lstStyle/>
-                    <a:p>
-                      <a:r>
-                        <a:rPr lang="fr-FR" sz="1400" dirty="0" smtClean="0">
-                          <a:latin typeface="Calibri" panose="020F0502020204030204" pitchFamily="34" charset="0"/>
-                        </a:rPr>
-                        <a:t>Orientation</a:t>
-                      </a:r>
-                      <a:r>
-                        <a:rPr lang="fr-FR" sz="1400" baseline="0" dirty="0" smtClean="0">
-                          <a:latin typeface="Calibri" panose="020F0502020204030204" pitchFamily="34" charset="0"/>
-                        </a:rPr>
-                        <a:t> des liens</a:t>
-                      </a:r>
-                      <a:endParaRPr lang="fr-FR" sz="1400" dirty="0">
-                        <a:latin typeface="Calibri" panose="020F0502020204030204" pitchFamily="34" charset="0"/>
-                      </a:endParaRPr>
-                    </a:p>
-                  </a:txBody>
-                  <a:tcPr/>
-                </a:tc>
-                <a:tc>
-                  <a:txBody>
-                    <a:bodyPr/>
-                    <a:lstStyle/>
-                    <a:p>
-                      <a:endParaRPr lang="fr-FR" sz="1400">
-                        <a:latin typeface="Calibri" panose="020F0502020204030204" pitchFamily="34" charset="0"/>
-                      </a:endParaRPr>
-                    </a:p>
-                  </a:txBody>
-                  <a:tcPr/>
-                </a:tc>
-                <a:tc>
-                  <a:txBody>
-                    <a:bodyPr/>
-                    <a:lstStyle/>
-                    <a:p>
-                      <a:endParaRPr lang="fr-FR" sz="1400">
-                        <a:latin typeface="Calibri" panose="020F0502020204030204" pitchFamily="34" charset="0"/>
-                      </a:endParaRPr>
-                    </a:p>
-                  </a:txBody>
-                  <a:tcPr/>
-                </a:tc>
-              </a:tr>
-              <a:tr h="528623">
-                <a:tc>
-                  <a:txBody>
-                    <a:bodyPr/>
-                    <a:lstStyle/>
-                    <a:p>
-                      <a:r>
-                        <a:rPr lang="fr-FR" sz="1400" dirty="0" smtClean="0">
-                          <a:latin typeface="Calibri" panose="020F0502020204030204" pitchFamily="34" charset="0"/>
-                        </a:rPr>
-                        <a:t>Démarche</a:t>
-                      </a:r>
-                      <a:r>
-                        <a:rPr lang="fr-FR" sz="1400" baseline="0" dirty="0" smtClean="0">
-                          <a:latin typeface="Calibri" panose="020F0502020204030204" pitchFamily="34" charset="0"/>
-                        </a:rPr>
-                        <a:t> de résolution</a:t>
-                      </a:r>
-                      <a:endParaRPr lang="fr-FR" sz="1400" dirty="0">
-                        <a:latin typeface="Calibri" panose="020F0502020204030204" pitchFamily="34" charset="0"/>
-                      </a:endParaRPr>
-                    </a:p>
-                  </a:txBody>
-                  <a:tcPr/>
-                </a:tc>
-                <a:tc>
-                  <a:txBody>
-                    <a:bodyPr/>
-                    <a:lstStyle/>
-                    <a:p>
-                      <a:endParaRPr lang="fr-FR" sz="1400" dirty="0">
-                        <a:latin typeface="Calibri" panose="020F0502020204030204" pitchFamily="34" charset="0"/>
-                      </a:endParaRPr>
-                    </a:p>
-                  </a:txBody>
-                  <a:tcPr/>
-                </a:tc>
-                <a:tc>
-                  <a:txBody>
-                    <a:bodyPr/>
-                    <a:lstStyle/>
-                    <a:p>
-                      <a:endParaRPr lang="fr-FR" sz="1400" dirty="0">
-                        <a:latin typeface="Calibri" panose="020F0502020204030204" pitchFamily="34" charset="0"/>
-                      </a:endParaRPr>
-                    </a:p>
-                  </a:txBody>
-                  <a:tcPr/>
-                </a:tc>
-              </a:tr>
-              <a:tr h="643159">
-                <a:tc>
-                  <a:txBody>
-                    <a:bodyPr/>
-                    <a:lstStyle/>
-                    <a:p>
-                      <a:r>
-                        <a:rPr lang="fr-FR" sz="1400" dirty="0" smtClean="0">
-                          <a:latin typeface="Calibri" panose="020F0502020204030204" pitchFamily="34" charset="0"/>
-                        </a:rPr>
-                        <a:t>Analyse fréquentielle</a:t>
-                      </a:r>
-                      <a:endParaRPr lang="fr-FR" sz="1400" dirty="0">
-                        <a:latin typeface="Calibri" panose="020F0502020204030204" pitchFamily="34" charset="0"/>
-                      </a:endParaRPr>
-                    </a:p>
-                  </a:txBody>
-                  <a:tcPr/>
-                </a:tc>
-                <a:tc>
-                  <a:txBody>
-                    <a:bodyPr/>
-                    <a:lstStyle/>
-                    <a:p>
-                      <a:endParaRPr lang="fr-FR" sz="1400" dirty="0">
-                        <a:latin typeface="Calibri" panose="020F0502020204030204" pitchFamily="34" charset="0"/>
-                      </a:endParaRPr>
-                    </a:p>
-                  </a:txBody>
-                  <a:tcPr/>
-                </a:tc>
-                <a:tc>
-                  <a:txBody>
-                    <a:bodyPr/>
-                    <a:lstStyle/>
-                    <a:p>
-                      <a:endParaRPr lang="fr-FR" sz="1400" dirty="0">
-                        <a:latin typeface="Calibri" panose="020F0502020204030204" pitchFamily="34" charset="0"/>
-                      </a:endParaRPr>
-                    </a:p>
-                  </a:txBody>
-                  <a:tcPr/>
-                </a:tc>
-              </a:tr>
-            </a:tbl>
-          </a:graphicData>
-        </a:graphic>
-      </p:graphicFrame>
       <p:sp>
         <p:nvSpPr>
           <p:cNvPr id="3" name="Titre 2"/>
@@ -7084,10 +6793,23 @@
         </p:nvSpPr>
         <p:spPr/>
         <p:txBody>
-          <a:bodyPr/>
-          <a:lstStyle/>
-          <a:p>
-            <a:endParaRPr lang="fr-FR"/>
+          <a:bodyPr>
+            <a:normAutofit fontScale="90000"/>
+          </a:bodyPr>
+          <a:lstStyle/>
+          <a:p>
+            <a:r>
+              <a:rPr lang="fr-FR" dirty="0" smtClean="0"/>
+              <a:t>Modélisation multiphysique</a:t>
+            </a:r>
+            <a:br>
+              <a:rPr lang="fr-FR" dirty="0" smtClean="0"/>
+            </a:br>
+            <a:r>
+              <a:rPr lang="fr-FR" dirty="0" smtClean="0"/>
+              <a:t>Comparaison des modèles</a:t>
+            </a:r>
+            <a:endParaRPr lang="fr-FR" dirty="0"/>
           </a:p>
         </p:txBody>
       </p:sp>
@@ -7109,121 +6831,6 @@
             <a:fld id="{136A7F36-7A21-4EA8-9DC2-F00219448035}" type="slidenum">
               <a:rPr lang="fr-FR" smtClean="0"/>
               <a:t>14</a:t>
-            </a:fld>
-            <a:endParaRPr lang="fr-FR"/>
-          </a:p>
-        </p:txBody>
-      </p:sp>
-      <p:cxnSp>
-        <p:nvCxnSpPr>
-          <p:cNvPr id="8" name="Connecteur droit 7"/>
-          <p:cNvCxnSpPr/>
-          <p:nvPr/>
-        </p:nvCxnSpPr>
-        <p:spPr>
-          <a:xfrm flipV="1">
-            <a:off x="-108520" y="692696"/>
-            <a:ext cx="7704856" cy="4896544"/>
-          </a:xfrm>
-          <a:prstGeom prst="line">
-            <a:avLst/>
-          </a:prstGeom>
-        </p:spPr>
-        <p:style>
-          <a:lnRef idx="1">
-            <a:schemeClr val="accent1"/>
-          </a:lnRef>
-          <a:fillRef idx="0">
-            <a:schemeClr val="accent1"/>
-          </a:fillRef>
-          <a:effectRef idx="0">
-            <a:schemeClr val="accent1"/>
-          </a:effectRef>
-          <a:fontRef idx="minor">
-            <a:schemeClr val="tx1"/>
-          </a:fontRef>
-        </p:style>
-      </p:cxnSp>
-    </p:spTree>
-    <p:extLst>
-      <p:ext uri="{BB962C8B-B14F-4D97-AF65-F5344CB8AC3E}">
-        <p14:creationId xmlns:p14="http://schemas.microsoft.com/office/powerpoint/2010/main" val="2623938370"/>
-      </p:ext>
-    </p:extLst>
-  </p:cSld>
-  <p:clrMapOvr>
-    <a:masterClrMapping/>
-  </p:clrMapOvr>
-</p:sld>
-</file>
-
-<file path=ppt/slides/slide15.xml><?xml version="1.0" encoding="utf-8"?>
-<p:sld xmlns:a="http://schemas.openxmlformats.org/drawingml/2006/main" xmlns:r="http://schemas.openxmlformats.org/officeDocument/2006/relationships" xmlns:p="http://schemas.openxmlformats.org/presentationml/2006/main">
-  <p:cSld>
-    <p:spTree>
-      <p:nvGrpSpPr>
-        <p:cNvPr id="1" name=""/>
-        <p:cNvGrpSpPr/>
-        <p:nvPr/>
-      </p:nvGrpSpPr>
-      <p:grpSpPr>
-        <a:xfrm>
-          <a:off x="0" y="0"/>
-          <a:ext cx="0" cy="0"/>
-          <a:chOff x="0" y="0"/>
-          <a:chExt cx="0" cy="0"/>
-        </a:xfrm>
-      </p:grpSpPr>
-      <p:sp>
-        <p:nvSpPr>
-          <p:cNvPr id="3" name="Titre 2"/>
-          <p:cNvSpPr>
-            <a:spLocks noGrp="1"/>
-          </p:cNvSpPr>
-          <p:nvPr>
-            <p:ph type="title"/>
-          </p:nvPr>
-        </p:nvSpPr>
-        <p:spPr/>
-        <p:txBody>
-          <a:bodyPr>
-            <a:normAutofit fontScale="90000"/>
-          </a:bodyPr>
-          <a:lstStyle/>
-          <a:p>
-            <a:r>
-              <a:rPr lang="fr-FR" dirty="0" smtClean="0"/>
-              <a:t>Modélisation multiphysique</a:t>
-            </a:r>
-            <a:br>
-              <a:rPr lang="fr-FR" dirty="0" smtClean="0"/>
-            </a:br>
-            <a:r>
-              <a:rPr lang="fr-FR" dirty="0" smtClean="0"/>
-              <a:t>Comparaison des modèles</a:t>
-            </a:r>
-            <a:endParaRPr lang="fr-FR" dirty="0"/>
-          </a:p>
-        </p:txBody>
-      </p:sp>
-      <p:sp>
-        <p:nvSpPr>
-          <p:cNvPr id="4" name="Espace réservé du numéro de diapositive 3"/>
-          <p:cNvSpPr>
-            <a:spLocks noGrp="1"/>
-          </p:cNvSpPr>
-          <p:nvPr>
-            <p:ph type="sldNum" sz="quarter" idx="15"/>
-          </p:nvPr>
-        </p:nvSpPr>
-        <p:spPr/>
-        <p:txBody>
-          <a:bodyPr/>
-          <a:lstStyle/>
-          <a:p>
-            <a:fld id="{136A7F36-7A21-4EA8-9DC2-F00219448035}" type="slidenum">
-              <a:rPr lang="fr-FR" smtClean="0"/>
-              <a:t>15</a:t>
             </a:fld>
             <a:endParaRPr lang="fr-FR"/>
           </a:p>
@@ -7557,8 +7164,8 @@
           </a:p>
         </p:txBody>
       </p:sp>
-      <mc:AlternateContent xmlns:mc="http://schemas.openxmlformats.org/markup-compatibility/2006">
-        <mc:Choice xmlns:a14="http://schemas.microsoft.com/office/drawing/2010/main" Requires="a14">
+      <mc:AlternateContent xmlns:mc="http://schemas.openxmlformats.org/markup-compatibility/2006" xmlns:a14="http://schemas.microsoft.com/office/drawing/2010/main">
+        <mc:Choice Requires="a14">
           <p:sp>
             <p:nvSpPr>
               <p:cNvPr id="2" name="Rectangle 1"/>
@@ -8263,7 +7870,7 @@
             </p:txBody>
           </p:sp>
         </mc:Choice>
-        <mc:Fallback>
+        <mc:Fallback xmlns="">
           <p:sp>
             <p:nvSpPr>
               <p:cNvPr id="2" name="Rectangle 1"/>
@@ -8315,6 +7922,293 @@
 </p:sld>
 </file>
 
+<file path=ppt/slides/slide15.xml><?xml version="1.0" encoding="utf-8"?>
+<p:sld xmlns:a="http://schemas.openxmlformats.org/drawingml/2006/main" xmlns:r="http://schemas.openxmlformats.org/officeDocument/2006/relationships" xmlns:p="http://schemas.openxmlformats.org/presentationml/2006/main">
+  <p:cSld>
+    <p:spTree>
+      <p:nvGrpSpPr>
+        <p:cNvPr id="1" name=""/>
+        <p:cNvGrpSpPr/>
+        <p:nvPr/>
+      </p:nvGrpSpPr>
+      <p:grpSpPr>
+        <a:xfrm>
+          <a:off x="0" y="0"/>
+          <a:ext cx="0" cy="0"/>
+          <a:chOff x="0" y="0"/>
+          <a:chExt cx="0" cy="0"/>
+        </a:xfrm>
+      </p:grpSpPr>
+      <p:sp>
+        <p:nvSpPr>
+          <p:cNvPr id="2" name="Titre 1"/>
+          <p:cNvSpPr>
+            <a:spLocks noGrp="1"/>
+          </p:cNvSpPr>
+          <p:nvPr>
+            <p:ph type="title"/>
+          </p:nvPr>
+        </p:nvSpPr>
+        <p:spPr/>
+        <p:txBody>
+          <a:bodyPr>
+            <a:normAutofit fontScale="90000"/>
+          </a:bodyPr>
+          <a:lstStyle/>
+          <a:p>
+            <a:r>
+              <a:rPr lang="fr-FR" dirty="0" smtClean="0"/>
+              <a:t>Modélisation multiphysique</a:t>
+            </a:r>
+            <a:br>
+              <a:rPr lang="fr-FR" dirty="0" smtClean="0"/>
+            </a:br>
+            <a:r>
+              <a:rPr lang="fr-FR" dirty="0" err="1" smtClean="0"/>
+              <a:t>SysML</a:t>
+            </a:r>
+            <a:r>
+              <a:rPr lang="fr-FR" dirty="0" smtClean="0"/>
+              <a:t> </a:t>
+            </a:r>
+            <a:r>
+              <a:rPr lang="fr-FR" dirty="0" smtClean="0">
+                <a:latin typeface="Calibri"/>
+              </a:rPr>
+              <a:t>↔ Modélisation multiphysique</a:t>
+            </a:r>
+            <a:endParaRPr lang="fr-FR" dirty="0"/>
+          </a:p>
+        </p:txBody>
+      </p:sp>
+      <p:sp>
+        <p:nvSpPr>
+          <p:cNvPr id="4" name="Espace réservé du numéro de diapositive 3"/>
+          <p:cNvSpPr>
+            <a:spLocks noGrp="1"/>
+          </p:cNvSpPr>
+          <p:nvPr>
+            <p:ph type="sldNum" sz="quarter" idx="15"/>
+          </p:nvPr>
+        </p:nvSpPr>
+        <p:spPr/>
+        <p:txBody>
+          <a:bodyPr/>
+          <a:lstStyle/>
+          <a:p>
+            <a:fld id="{136A7F36-7A21-4EA8-9DC2-F00219448035}" type="slidenum">
+              <a:rPr lang="fr-FR" smtClean="0"/>
+              <a:t>15</a:t>
+            </a:fld>
+            <a:endParaRPr lang="fr-FR"/>
+          </a:p>
+        </p:txBody>
+      </p:sp>
+      <p:pic>
+        <p:nvPicPr>
+          <p:cNvPr id="1027" name="Picture 3"/>
+          <p:cNvPicPr>
+            <a:picLocks noChangeAspect="1" noChangeArrowheads="1"/>
+          </p:cNvPicPr>
+          <p:nvPr/>
+        </p:nvPicPr>
+        <p:blipFill>
+          <a:blip r:embed="rId2" cstate="print">
+            <a:extLst>
+              <a:ext uri="{28A0092B-C50C-407E-A947-70E740481C1C}">
+                <a14:useLocalDpi xmlns:a14="http://schemas.microsoft.com/office/drawing/2010/main" val="0"/>
+              </a:ext>
+            </a:extLst>
+          </a:blip>
+          <a:srcRect/>
+          <a:stretch>
+            <a:fillRect/>
+          </a:stretch>
+        </p:blipFill>
+        <p:spPr bwMode="auto">
+          <a:xfrm>
+            <a:off x="0" y="1023747"/>
+            <a:ext cx="4320480" cy="3690334"/>
+          </a:xfrm>
+          <a:prstGeom prst="rect">
+            <a:avLst/>
+          </a:prstGeom>
+          <a:noFill/>
+          <a:ln>
+            <a:noFill/>
+          </a:ln>
+          <a:effectLst/>
+          <a:extLst>
+            <a:ext uri="{909E8E84-426E-40DD-AFC4-6F175D3DCCD1}">
+              <a14:hiddenFill xmlns:a14="http://schemas.microsoft.com/office/drawing/2010/main">
+                <a:solidFill>
+                  <a:schemeClr val="accent1"/>
+                </a:solidFill>
+              </a14:hiddenFill>
+            </a:ext>
+            <a:ext uri="{91240B29-F687-4F45-9708-019B960494DF}">
+              <a14:hiddenLine xmlns:a14="http://schemas.microsoft.com/office/drawing/2010/main" w="9525">
+                <a:solidFill>
+                  <a:schemeClr val="tx1"/>
+                </a:solidFill>
+                <a:miter lim="800000"/>
+                <a:headEnd/>
+                <a:tailEnd/>
+              </a14:hiddenLine>
+            </a:ext>
+            <a:ext uri="{AF507438-7753-43E0-B8FC-AC1667EBCBE1}">
+              <a14:hiddenEffects xmlns:a14="http://schemas.microsoft.com/office/drawing/2010/main">
+                <a:effectLst>
+                  <a:outerShdw dist="35921" dir="2700000" algn="ctr" rotWithShape="0">
+                    <a:schemeClr val="bg2"/>
+                  </a:outerShdw>
+                </a:effectLst>
+              </a14:hiddenEffects>
+            </a:ext>
+          </a:extLst>
+        </p:spPr>
+      </p:pic>
+      <p:pic>
+        <p:nvPicPr>
+          <p:cNvPr id="7" name="Picture 3"/>
+          <p:cNvPicPr>
+            <a:picLocks noChangeAspect="1" noChangeArrowheads="1"/>
+          </p:cNvPicPr>
+          <p:nvPr/>
+        </p:nvPicPr>
+        <p:blipFill>
+          <a:blip r:embed="rId3">
+            <a:extLst>
+              <a:ext uri="{28A0092B-C50C-407E-A947-70E740481C1C}">
+                <a14:useLocalDpi xmlns:a14="http://schemas.microsoft.com/office/drawing/2010/main" val="0"/>
+              </a:ext>
+            </a:extLst>
+          </a:blip>
+          <a:srcRect/>
+          <a:stretch>
+            <a:fillRect/>
+          </a:stretch>
+        </p:blipFill>
+        <p:spPr bwMode="auto">
+          <a:xfrm>
+            <a:off x="1935414" y="4553418"/>
+            <a:ext cx="6717502" cy="2448272"/>
+          </a:xfrm>
+          <a:prstGeom prst="rect">
+            <a:avLst/>
+          </a:prstGeom>
+          <a:noFill/>
+          <a:ln>
+            <a:noFill/>
+          </a:ln>
+          <a:effectLst/>
+          <a:extLst>
+            <a:ext uri="{909E8E84-426E-40DD-AFC4-6F175D3DCCD1}">
+              <a14:hiddenFill xmlns:a14="http://schemas.microsoft.com/office/drawing/2010/main">
+                <a:solidFill>
+                  <a:schemeClr val="accent1"/>
+                </a:solidFill>
+              </a14:hiddenFill>
+            </a:ext>
+            <a:ext uri="{91240B29-F687-4F45-9708-019B960494DF}">
+              <a14:hiddenLine xmlns:a14="http://schemas.microsoft.com/office/drawing/2010/main" w="9525">
+                <a:solidFill>
+                  <a:schemeClr val="tx1"/>
+                </a:solidFill>
+                <a:miter lim="800000"/>
+                <a:headEnd/>
+                <a:tailEnd/>
+              </a14:hiddenLine>
+            </a:ext>
+            <a:ext uri="{AF507438-7753-43E0-B8FC-AC1667EBCBE1}">
+              <a14:hiddenEffects xmlns:a14="http://schemas.microsoft.com/office/drawing/2010/main">
+                <a:effectLst>
+                  <a:outerShdw dist="35921" dir="2700000" algn="ctr" rotWithShape="0">
+                    <a:schemeClr val="bg2"/>
+                  </a:outerShdw>
+                </a:effectLst>
+              </a14:hiddenEffects>
+            </a:ext>
+          </a:extLst>
+        </p:spPr>
+      </p:pic>
+      <p:pic>
+        <p:nvPicPr>
+          <p:cNvPr id="8" name="Picture 2"/>
+          <p:cNvPicPr>
+            <a:picLocks noChangeAspect="1" noChangeArrowheads="1"/>
+          </p:cNvPicPr>
+          <p:nvPr/>
+        </p:nvPicPr>
+        <p:blipFill>
+          <a:blip r:embed="rId4" cstate="print">
+            <a:extLst>
+              <a:ext uri="{28A0092B-C50C-407E-A947-70E740481C1C}">
+                <a14:useLocalDpi xmlns:a14="http://schemas.microsoft.com/office/drawing/2010/main" val="0"/>
+              </a:ext>
+            </a:extLst>
+          </a:blip>
+          <a:srcRect/>
+          <a:stretch>
+            <a:fillRect/>
+          </a:stretch>
+        </p:blipFill>
+        <p:spPr bwMode="auto">
+          <a:xfrm>
+            <a:off x="5004048" y="1124744"/>
+            <a:ext cx="3733164" cy="2376264"/>
+          </a:xfrm>
+          <a:prstGeom prst="rect">
+            <a:avLst/>
+          </a:prstGeom>
+          <a:noFill/>
+          <a:ln>
+            <a:noFill/>
+          </a:ln>
+          <a:effectLst/>
+          <a:extLst>
+            <a:ext uri="{909E8E84-426E-40DD-AFC4-6F175D3DCCD1}">
+              <a14:hiddenFill xmlns:a14="http://schemas.microsoft.com/office/drawing/2010/main">
+                <a:solidFill>
+                  <a:schemeClr val="accent1"/>
+                </a:solidFill>
+              </a14:hiddenFill>
+            </a:ext>
+            <a:ext uri="{91240B29-F687-4F45-9708-019B960494DF}">
+              <a14:hiddenLine xmlns:a14="http://schemas.microsoft.com/office/drawing/2010/main" w="9525">
+                <a:solidFill>
+                  <a:schemeClr val="tx1"/>
+                </a:solidFill>
+                <a:miter lim="800000"/>
+                <a:headEnd/>
+                <a:tailEnd/>
+              </a14:hiddenLine>
+            </a:ext>
+            <a:ext uri="{AF507438-7753-43E0-B8FC-AC1667EBCBE1}">
+              <a14:hiddenEffects xmlns:a14="http://schemas.microsoft.com/office/drawing/2010/main">
+                <a:effectLst>
+                  <a:outerShdw dist="35921" dir="2700000" algn="ctr" rotWithShape="0">
+                    <a:schemeClr val="bg2"/>
+                  </a:outerShdw>
+                </a:effectLst>
+              </a14:hiddenEffects>
+            </a:ext>
+          </a:extLst>
+        </p:spPr>
+      </p:pic>
+    </p:spTree>
+    <p:extLst>
+      <p:ext uri="{BB962C8B-B14F-4D97-AF65-F5344CB8AC3E}">
+        <p14:creationId xmlns:p14="http://schemas.microsoft.com/office/powerpoint/2010/main" val="3490192258"/>
+      </p:ext>
+    </p:extLst>
+  </p:cSld>
+  <p:clrMapOvr>
+    <a:masterClrMapping/>
+  </p:clrMapOvr>
+</p:sld>
+</file>
+
 <file path=ppt/slides/slide16.xml><?xml version="1.0" encoding="utf-8"?>
 <p:sld xmlns:a="http://schemas.openxmlformats.org/drawingml/2006/main" xmlns:r="http://schemas.openxmlformats.org/officeDocument/2006/relationships" xmlns:p="http://schemas.openxmlformats.org/presentationml/2006/main">
   <p:cSld>
@@ -8334,7 +8228,7 @@
       </p:grpSpPr>
       <p:sp>
         <p:nvSpPr>
-          <p:cNvPr id="2" name="Titre 1"/>
+          <p:cNvPr id="4" name="Titre 3"/>
           <p:cNvSpPr>
             <a:spLocks noGrp="1"/>
           </p:cNvSpPr>
@@ -8344,31 +8238,16 @@
         </p:nvSpPr>
         <p:spPr/>
         <p:txBody>
-          <a:bodyPr>
-            <a:normAutofit fontScale="90000"/>
-          </a:bodyPr>
+          <a:bodyPr/>
           <a:lstStyle/>
           <a:p>
             <a:r>
               <a:rPr lang="fr-FR" dirty="0" smtClean="0"/>
-              <a:t>Modélisation multiphysique</a:t>
-            </a:r>
-            <a:br>
-              <a:rPr lang="fr-FR" dirty="0" smtClean="0"/>
-            </a:br>
+              <a:t>Modélisation des systèmes avec Scilab / </a:t>
+            </a:r>
             <a:r>
               <a:rPr lang="fr-FR" dirty="0" err="1" smtClean="0"/>
-              <a:t>SysML</a:t>
-            </a:r>
-            <a:r>
-              <a:rPr lang="fr-FR" dirty="0" smtClean="0"/>
-              <a:t> </a:t>
-            </a:r>
-            <a:r>
-              <a:rPr lang="fr-FR" dirty="0" smtClean="0">
-                <a:latin typeface="Calibri"/>
-              </a:rPr>
-              <a:t>↔ Modélisation multiphysique</a:t>
+              <a:t>Xcos</a:t>
             </a:r>
             <a:endParaRPr lang="fr-FR" dirty="0"/>
           </a:p>
@@ -8376,12 +8255,12 @@
       </p:sp>
       <p:sp>
         <p:nvSpPr>
-          <p:cNvPr id="3" name="Espace réservé du contenu 2"/>
+          <p:cNvPr id="5" name="Espace réservé du texte 4"/>
           <p:cNvSpPr>
             <a:spLocks noGrp="1"/>
           </p:cNvSpPr>
           <p:nvPr>
-            <p:ph sz="quarter" idx="1"/>
+            <p:ph type="body" idx="1"/>
           </p:nvPr>
         </p:nvSpPr>
         <p:spPr/>
@@ -8389,18 +8268,18 @@
           <a:bodyPr/>
           <a:lstStyle/>
           <a:p>
-            <a:endParaRPr lang="fr-FR" dirty="0"/>
-          </a:p>
-        </p:txBody>
-      </p:sp>
-      <p:sp>
-        <p:nvSpPr>
-          <p:cNvPr id="4" name="Espace réservé du numéro de diapositive 3"/>
+            <a:endParaRPr lang="fr-FR"/>
+          </a:p>
+        </p:txBody>
+      </p:sp>
+      <p:sp>
+        <p:nvSpPr>
+          <p:cNvPr id="6" name="Espace réservé du numéro de diapositive 5"/>
           <p:cNvSpPr>
             <a:spLocks noGrp="1"/>
           </p:cNvSpPr>
           <p:nvPr>
-            <p:ph type="sldNum" sz="quarter" idx="15"/>
+            <p:ph type="sldNum" sz="quarter" idx="12"/>
           </p:nvPr>
         </p:nvSpPr>
         <p:spPr/>
@@ -8419,7 +8298,7 @@
     </p:spTree>
     <p:extLst>
       <p:ext uri="{BB962C8B-B14F-4D97-AF65-F5344CB8AC3E}">
-        <p14:creationId xmlns:p14="http://schemas.microsoft.com/office/powerpoint/2010/main" val="3490192258"/>
+        <p14:creationId xmlns:p14="http://schemas.microsoft.com/office/powerpoint/2010/main" val="3659242063"/>
       </p:ext>
     </p:extLst>
   </p:cSld>
@@ -8448,7 +8327,7 @@
       </p:grpSpPr>
       <p:sp>
         <p:nvSpPr>
-          <p:cNvPr id="4" name="Titre 3"/>
+          <p:cNvPr id="5" name="Titre 4"/>
           <p:cNvSpPr>
             <a:spLocks noGrp="1"/>
           </p:cNvSpPr>
@@ -8458,29 +8337,42 @@
         </p:nvSpPr>
         <p:spPr/>
         <p:txBody>
-          <a:bodyPr/>
-          <a:lstStyle/>
-          <a:p>
-            <a:r>
-              <a:rPr lang="fr-FR" dirty="0" smtClean="0"/>
+          <a:bodyPr>
+            <a:normAutofit fontScale="90000"/>
+          </a:bodyPr>
+          <a:lstStyle/>
+          <a:p>
+            <a:r>
+              <a:rPr lang="fr-FR" dirty="0"/>
               <a:t>Modélisation des systèmes avec Scilab / </a:t>
             </a:r>
             <a:r>
               <a:rPr lang="fr-FR" dirty="0" err="1" smtClean="0"/>
               <a:t>Xcos</a:t>
             </a:r>
+            <a:r>
+              <a:rPr lang="fr-FR" dirty="0" smtClean="0"/>
+              <a:t/>
+            </a:r>
+            <a:br>
+              <a:rPr lang="fr-FR" dirty="0" smtClean="0"/>
+            </a:br>
+            <a:r>
+              <a:rPr lang="fr-FR" dirty="0" smtClean="0"/>
+              <a:t>Les logiciels de simulation numérique</a:t>
+            </a:r>
             <a:endParaRPr lang="fr-FR" dirty="0"/>
           </a:p>
         </p:txBody>
       </p:sp>
       <p:sp>
         <p:nvSpPr>
-          <p:cNvPr id="5" name="Espace réservé du texte 4"/>
+          <p:cNvPr id="6" name="Espace réservé du contenu 5"/>
           <p:cNvSpPr>
             <a:spLocks noGrp="1"/>
           </p:cNvSpPr>
           <p:nvPr>
-            <p:ph type="body" idx="1"/>
+            <p:ph sz="quarter" idx="1"/>
           </p:nvPr>
         </p:nvSpPr>
         <p:spPr/>
@@ -8488,18 +8380,56 @@
           <a:bodyPr/>
           <a:lstStyle/>
           <a:p>
-            <a:endParaRPr lang="fr-FR"/>
-          </a:p>
-        </p:txBody>
-      </p:sp>
-      <p:sp>
-        <p:nvSpPr>
-          <p:cNvPr id="6" name="Espace réservé du numéro de diapositive 5"/>
+            <a:r>
+              <a:rPr lang="fr-FR" dirty="0" smtClean="0"/>
+              <a:t>Parmi les logiciels de simulation numérique utilisés dans la recherche ou dans l’industrie on trouve Matlab et Scilab.</a:t>
+            </a:r>
+          </a:p>
+          <a:p>
+            <a:pPr lvl="1"/>
+            <a:r>
+              <a:rPr lang="fr-FR" dirty="0" smtClean="0"/>
+              <a:t>Matlab</a:t>
+            </a:r>
+            <a:r>
+              <a:rPr lang="fr-FR" dirty="0"/>
+              <a:t> </a:t>
+            </a:r>
+            <a:r>
+              <a:rPr lang="fr-FR" dirty="0" smtClean="0"/>
+              <a:t>et Scilab sont des logiciels de calcul numériques. Ils possèdent un langage de programmation (haut niveau) permettant (entre autre) de manipuler aisément des matrices et d’afficher des courbes de résultats.</a:t>
+            </a:r>
+          </a:p>
+          <a:p>
+            <a:pPr lvl="1"/>
+            <a:r>
+              <a:rPr lang="fr-FR" dirty="0" smtClean="0"/>
+              <a:t>Simulink et </a:t>
+            </a:r>
+            <a:r>
+              <a:rPr lang="fr-FR" dirty="0" err="1" smtClean="0"/>
+              <a:t>Xcos</a:t>
+            </a:r>
+            <a:r>
+              <a:rPr lang="fr-FR" dirty="0" smtClean="0"/>
+              <a:t> sont des modules respectifs de Matlab et Scilab permettant de réaliser des modélisations graphiques de systèmes </a:t>
+            </a:r>
+            <a:r>
+              <a:rPr lang="fr-FR" dirty="0" err="1" smtClean="0"/>
+              <a:t>multiphysiques</a:t>
+            </a:r>
+            <a:endParaRPr lang="fr-FR" dirty="0" smtClean="0"/>
+          </a:p>
+        </p:txBody>
+      </p:sp>
+      <p:sp>
+        <p:nvSpPr>
+          <p:cNvPr id="4" name="Espace réservé du numéro de diapositive 3"/>
           <p:cNvSpPr>
             <a:spLocks noGrp="1"/>
           </p:cNvSpPr>
           <p:nvPr>
-            <p:ph type="sldNum" sz="quarter" idx="12"/>
+            <p:ph type="sldNum" sz="quarter" idx="15"/>
           </p:nvPr>
         </p:nvSpPr>
         <p:spPr/>
@@ -8515,10 +8445,104 @@
           </a:p>
         </p:txBody>
       </p:sp>
+      <p:sp>
+        <p:nvSpPr>
+          <p:cNvPr id="7" name="ZoneTexte 6"/>
+          <p:cNvSpPr txBox="1"/>
+          <p:nvPr/>
+        </p:nvSpPr>
+        <p:spPr>
+          <a:xfrm>
+            <a:off x="-30088" y="6145654"/>
+            <a:ext cx="7848872" cy="307777"/>
+          </a:xfrm>
+          <a:prstGeom prst="rect">
+            <a:avLst/>
+          </a:prstGeom>
+          <a:noFill/>
+        </p:spPr>
+        <p:txBody>
+          <a:bodyPr wrap="square" rtlCol="0">
+            <a:spAutoFit/>
+          </a:bodyPr>
+          <a:lstStyle/>
+          <a:p>
+            <a:r>
+              <a:rPr lang="fr-FR" sz="1400" b="1" dirty="0" smtClean="0">
+                <a:latin typeface="Calibri" panose="020F0502020204030204" pitchFamily="34" charset="0"/>
+              </a:rPr>
+              <a:t>Mat</a:t>
+            </a:r>
+            <a:r>
+              <a:rPr lang="fr-FR" sz="1400" dirty="0" smtClean="0">
+                <a:latin typeface="Calibri" panose="020F0502020204030204" pitchFamily="34" charset="0"/>
+              </a:rPr>
+              <a:t>rix </a:t>
+            </a:r>
+            <a:r>
+              <a:rPr lang="fr-FR" sz="1400" b="1" dirty="0" err="1" smtClean="0">
+                <a:latin typeface="Calibri" panose="020F0502020204030204" pitchFamily="34" charset="0"/>
+              </a:rPr>
+              <a:t>Lab</a:t>
+            </a:r>
+            <a:r>
+              <a:rPr lang="fr-FR" sz="1400" dirty="0" err="1" smtClean="0">
+                <a:latin typeface="Calibri" panose="020F0502020204030204" pitchFamily="34" charset="0"/>
+              </a:rPr>
+              <a:t>oratory</a:t>
+            </a:r>
+            <a:r>
+              <a:rPr lang="fr-FR" sz="1400" dirty="0" smtClean="0">
+                <a:latin typeface="Calibri" panose="020F0502020204030204" pitchFamily="34" charset="0"/>
+              </a:rPr>
+              <a:t>, </a:t>
+            </a:r>
+            <a:r>
+              <a:rPr lang="fr-FR" sz="1400" b="1" dirty="0" err="1" smtClean="0">
+                <a:latin typeface="Calibri" panose="020F0502020204030204" pitchFamily="34" charset="0"/>
+              </a:rPr>
+              <a:t>Sci</a:t>
+            </a:r>
+            <a:r>
+              <a:rPr lang="fr-FR" sz="1400" dirty="0" err="1" smtClean="0">
+                <a:latin typeface="Calibri" panose="020F0502020204030204" pitchFamily="34" charset="0"/>
+              </a:rPr>
+              <a:t>entific</a:t>
+            </a:r>
+            <a:r>
+              <a:rPr lang="fr-FR" sz="1400" dirty="0" smtClean="0">
+                <a:latin typeface="Calibri" panose="020F0502020204030204" pitchFamily="34" charset="0"/>
+              </a:rPr>
+              <a:t> </a:t>
+            </a:r>
+            <a:r>
+              <a:rPr lang="fr-FR" sz="1400" b="1" dirty="0" err="1" smtClean="0">
+                <a:latin typeface="Calibri" panose="020F0502020204030204" pitchFamily="34" charset="0"/>
+              </a:rPr>
+              <a:t>Lab</a:t>
+            </a:r>
+            <a:r>
+              <a:rPr lang="fr-FR" sz="1400" dirty="0" err="1" smtClean="0">
+                <a:latin typeface="Calibri" panose="020F0502020204030204" pitchFamily="34" charset="0"/>
+              </a:rPr>
+              <a:t>oratory</a:t>
+            </a:r>
+            <a:r>
+              <a:rPr lang="fr-FR" sz="1400" dirty="0" smtClean="0">
+                <a:latin typeface="Calibri" panose="020F0502020204030204" pitchFamily="34" charset="0"/>
+              </a:rPr>
+              <a:t> </a:t>
+            </a:r>
+            <a:endParaRPr lang="fr-FR" sz="1400" dirty="0">
+              <a:latin typeface="Calibri" panose="020F0502020204030204" pitchFamily="34" charset="0"/>
+            </a:endParaRPr>
+          </a:p>
+        </p:txBody>
+      </p:sp>
     </p:spTree>
     <p:extLst>
       <p:ext uri="{BB962C8B-B14F-4D97-AF65-F5344CB8AC3E}">
-        <p14:creationId xmlns:p14="http://schemas.microsoft.com/office/powerpoint/2010/main" val="3659242063"/>
+        <p14:creationId xmlns:p14="http://schemas.microsoft.com/office/powerpoint/2010/main" val="4274161845"/>
       </p:ext>
     </p:extLst>
   </p:cSld>
@@ -8547,7 +8571,26 @@
       </p:grpSpPr>
       <p:sp>
         <p:nvSpPr>
-          <p:cNvPr id="5" name="Titre 4"/>
+          <p:cNvPr id="2" name="Espace réservé du contenu 1"/>
+          <p:cNvSpPr>
+            <a:spLocks noGrp="1"/>
+          </p:cNvSpPr>
+          <p:nvPr>
+            <p:ph sz="quarter" idx="1"/>
+          </p:nvPr>
+        </p:nvSpPr>
+        <p:spPr/>
+        <p:txBody>
+          <a:bodyPr/>
+          <a:lstStyle/>
+          <a:p>
+            <a:endParaRPr lang="fr-FR"/>
+          </a:p>
+        </p:txBody>
+      </p:sp>
+      <p:sp>
+        <p:nvSpPr>
+          <p:cNvPr id="3" name="Titre 2"/>
           <p:cNvSpPr>
             <a:spLocks noGrp="1"/>
           </p:cNvSpPr>
@@ -8567,78 +8610,21 @@
               <a:t>Modélisation des systèmes avec Scilab / </a:t>
             </a:r>
             <a:r>
-              <a:rPr lang="fr-FR" dirty="0" err="1" smtClean="0"/>
+              <a:rPr lang="fr-FR" dirty="0" err="1"/>
               <a:t>Xcos</a:t>
             </a:r>
             <a:r>
+              <a:rPr lang="fr-FR" dirty="0"/>
+              <a:t/>
+            </a:r>
+            <a:br>
+              <a:rPr lang="fr-FR" dirty="0"/>
+            </a:br>
+            <a:r>
               <a:rPr lang="fr-FR" dirty="0" smtClean="0"/>
-              <a:t/>
-            </a:r>
-            <a:br>
-              <a:rPr lang="fr-FR" dirty="0" smtClean="0"/>
-            </a:br>
-            <a:r>
-              <a:rPr lang="fr-FR" dirty="0" smtClean="0"/>
-              <a:t>Les logiciels de simulation numérique</a:t>
+              <a:t>Module CPGE – Module SIMM</a:t>
             </a:r>
             <a:endParaRPr lang="fr-FR" dirty="0"/>
-          </a:p>
-        </p:txBody>
-      </p:sp>
-      <p:sp>
-        <p:nvSpPr>
-          <p:cNvPr id="6" name="Espace réservé du contenu 5"/>
-          <p:cNvSpPr>
-            <a:spLocks noGrp="1"/>
-          </p:cNvSpPr>
-          <p:nvPr>
-            <p:ph sz="quarter" idx="1"/>
-          </p:nvPr>
-        </p:nvSpPr>
-        <p:spPr/>
-        <p:txBody>
-          <a:bodyPr/>
-          <a:lstStyle/>
-          <a:p>
-            <a:r>
-              <a:rPr lang="fr-FR" dirty="0" smtClean="0"/>
-              <a:t>Parmi les logiciels de simulation numérique utilisés dans la recherche ou dans l’industrie on trouve Matlab et Scilab.</a:t>
-            </a:r>
-          </a:p>
-          <a:p>
-            <a:pPr lvl="1"/>
-            <a:r>
-              <a:rPr lang="fr-FR" dirty="0" smtClean="0"/>
-              <a:t>Matlab</a:t>
-            </a:r>
-            <a:r>
-              <a:rPr lang="fr-FR" dirty="0"/>
-              <a:t> </a:t>
-            </a:r>
-            <a:r>
-              <a:rPr lang="fr-FR" dirty="0" smtClean="0"/>
-              <a:t>et Scilab sont des logiciels de calcul numériques. Ils possèdent un langage de programmation (haut niveau) permettant (entre autre) de manipuler aisément des matrices et d’afficher des courbes de résultats.</a:t>
-            </a:r>
-          </a:p>
-          <a:p>
-            <a:pPr lvl="1"/>
-            <a:r>
-              <a:rPr lang="fr-FR" dirty="0" smtClean="0"/>
-              <a:t>Simulink et </a:t>
-            </a:r>
-            <a:r>
-              <a:rPr lang="fr-FR" dirty="0" err="1" smtClean="0"/>
-              <a:t>Xcos</a:t>
-            </a:r>
-            <a:r>
-              <a:rPr lang="fr-FR" dirty="0" smtClean="0"/>
-              <a:t> sont des modules respectifs de Matlab et Scilab permettant de réaliser des modélisations graphiques de systèmes </a:t>
-            </a:r>
-            <a:r>
-              <a:rPr lang="fr-FR" dirty="0" err="1" smtClean="0"/>
-              <a:t>multiphysiques</a:t>
-            </a:r>
-            <a:endParaRPr lang="fr-FR" dirty="0" smtClean="0"/>
           </a:p>
         </p:txBody>
       </p:sp>
@@ -8665,104 +8651,10 @@
           </a:p>
         </p:txBody>
       </p:sp>
-      <p:sp>
-        <p:nvSpPr>
-          <p:cNvPr id="7" name="ZoneTexte 6"/>
-          <p:cNvSpPr txBox="1"/>
-          <p:nvPr/>
-        </p:nvSpPr>
-        <p:spPr>
-          <a:xfrm>
-            <a:off x="-30088" y="6145654"/>
-            <a:ext cx="7848872" cy="307777"/>
-          </a:xfrm>
-          <a:prstGeom prst="rect">
-            <a:avLst/>
-          </a:prstGeom>
-          <a:noFill/>
-        </p:spPr>
-        <p:txBody>
-          <a:bodyPr wrap="square" rtlCol="0">
-            <a:spAutoFit/>
-          </a:bodyPr>
-          <a:lstStyle/>
-          <a:p>
-            <a:r>
-              <a:rPr lang="fr-FR" sz="1400" b="1" dirty="0" smtClean="0">
-                <a:latin typeface="Calibri" panose="020F0502020204030204" pitchFamily="34" charset="0"/>
-              </a:rPr>
-              <a:t>Mat</a:t>
-            </a:r>
-            <a:r>
-              <a:rPr lang="fr-FR" sz="1400" dirty="0" smtClean="0">
-                <a:latin typeface="Calibri" panose="020F0502020204030204" pitchFamily="34" charset="0"/>
-              </a:rPr>
-              <a:t>rix </a:t>
-            </a:r>
-            <a:r>
-              <a:rPr lang="fr-FR" sz="1400" b="1" dirty="0" err="1" smtClean="0">
-                <a:latin typeface="Calibri" panose="020F0502020204030204" pitchFamily="34" charset="0"/>
-              </a:rPr>
-              <a:t>Lab</a:t>
-            </a:r>
-            <a:r>
-              <a:rPr lang="fr-FR" sz="1400" dirty="0" err="1" smtClean="0">
-                <a:latin typeface="Calibri" panose="020F0502020204030204" pitchFamily="34" charset="0"/>
-              </a:rPr>
-              <a:t>oratory</a:t>
-            </a:r>
-            <a:r>
-              <a:rPr lang="fr-FR" sz="1400" dirty="0" smtClean="0">
-                <a:latin typeface="Calibri" panose="020F0502020204030204" pitchFamily="34" charset="0"/>
-              </a:rPr>
-              <a:t>, </a:t>
-            </a:r>
-            <a:r>
-              <a:rPr lang="fr-FR" sz="1400" b="1" dirty="0" err="1" smtClean="0">
-                <a:latin typeface="Calibri" panose="020F0502020204030204" pitchFamily="34" charset="0"/>
-              </a:rPr>
-              <a:t>Sci</a:t>
-            </a:r>
-            <a:r>
-              <a:rPr lang="fr-FR" sz="1400" dirty="0" err="1" smtClean="0">
-                <a:latin typeface="Calibri" panose="020F0502020204030204" pitchFamily="34" charset="0"/>
-              </a:rPr>
-              <a:t>entific</a:t>
-            </a:r>
-            <a:r>
-              <a:rPr lang="fr-FR" sz="1400" dirty="0" smtClean="0">
-                <a:latin typeface="Calibri" panose="020F0502020204030204" pitchFamily="34" charset="0"/>
-              </a:rPr>
-              <a:t> </a:t>
-            </a:r>
-            <a:r>
-              <a:rPr lang="fr-FR" sz="1400" b="1" dirty="0" err="1" smtClean="0">
-                <a:latin typeface="Calibri" panose="020F0502020204030204" pitchFamily="34" charset="0"/>
-              </a:rPr>
-              <a:t>Lab</a:t>
-            </a:r>
-            <a:r>
-              <a:rPr lang="fr-FR" sz="1400" dirty="0" err="1" smtClean="0">
-                <a:latin typeface="Calibri" panose="020F0502020204030204" pitchFamily="34" charset="0"/>
-              </a:rPr>
-              <a:t>oratory</a:t>
-            </a:r>
-            <a:r>
-              <a:rPr lang="fr-FR" sz="1400" dirty="0" smtClean="0">
-                <a:latin typeface="Calibri" panose="020F0502020204030204" pitchFamily="34" charset="0"/>
-              </a:rPr>
-              <a:t> </a:t>
-            </a:r>
-            <a:endParaRPr lang="fr-FR" sz="1400" dirty="0">
-              <a:latin typeface="Calibri" panose="020F0502020204030204" pitchFamily="34" charset="0"/>
-            </a:endParaRPr>
-          </a:p>
-        </p:txBody>
-      </p:sp>
     </p:spTree>
     <p:extLst>
       <p:ext uri="{BB962C8B-B14F-4D97-AF65-F5344CB8AC3E}">
-        <p14:creationId xmlns:p14="http://schemas.microsoft.com/office/powerpoint/2010/main" val="4274161845"/>
+        <p14:creationId xmlns:p14="http://schemas.microsoft.com/office/powerpoint/2010/main" val="3644207400"/>
       </p:ext>
     </p:extLst>
   </p:cSld>
@@ -8791,7 +8683,47 @@
       </p:grpSpPr>
       <p:sp>
         <p:nvSpPr>
-          <p:cNvPr id="2" name="Espace réservé du contenu 1"/>
+          <p:cNvPr id="2" name="Titre 1"/>
+          <p:cNvSpPr>
+            <a:spLocks noGrp="1"/>
+          </p:cNvSpPr>
+          <p:nvPr>
+            <p:ph type="title"/>
+          </p:nvPr>
+        </p:nvSpPr>
+        <p:spPr/>
+        <p:txBody>
+          <a:bodyPr>
+            <a:normAutofit fontScale="90000"/>
+          </a:bodyPr>
+          <a:lstStyle/>
+          <a:p>
+            <a:r>
+              <a:rPr lang="fr-FR" dirty="0"/>
+              <a:t>Modélisation des systèmes avec Scilab </a:t>
+            </a:r>
+            <a:r>
+              <a:rPr lang="fr-FR" dirty="0" smtClean="0"/>
+              <a:t>/ </a:t>
+            </a:r>
+            <a:r>
+              <a:rPr lang="fr-FR" dirty="0" err="1" smtClean="0"/>
+              <a:t>Xcos</a:t>
+            </a:r>
+            <a:r>
+              <a:rPr lang="fr-FR" dirty="0" smtClean="0"/>
+              <a:t/>
+            </a:r>
+            <a:br>
+              <a:rPr lang="fr-FR" dirty="0" smtClean="0"/>
+            </a:br>
+            <a:endParaRPr lang="fr-FR" dirty="0"/>
+          </a:p>
+        </p:txBody>
+      </p:sp>
+      <p:sp>
+        <p:nvSpPr>
+          <p:cNvPr id="3" name="Espace réservé du contenu 2"/>
           <p:cNvSpPr>
             <a:spLocks noGrp="1"/>
           </p:cNvSpPr>
@@ -8804,46 +8736,45 @@
           <a:bodyPr/>
           <a:lstStyle/>
           <a:p>
-            <a:endParaRPr lang="fr-FR"/>
-          </a:p>
-        </p:txBody>
-      </p:sp>
-      <p:sp>
-        <p:nvSpPr>
-          <p:cNvPr id="3" name="Titre 2"/>
-          <p:cNvSpPr>
-            <a:spLocks noGrp="1"/>
-          </p:cNvSpPr>
-          <p:nvPr>
-            <p:ph type="title"/>
-          </p:nvPr>
-        </p:nvSpPr>
-        <p:spPr/>
-        <p:txBody>
-          <a:bodyPr>
-            <a:normAutofit fontScale="90000"/>
-          </a:bodyPr>
-          <a:lstStyle/>
-          <a:p>
-            <a:r>
-              <a:rPr lang="fr-FR" dirty="0"/>
-              <a:t>Modélisation des systèmes avec Scilab / </a:t>
-            </a:r>
-            <a:r>
-              <a:rPr lang="fr-FR" dirty="0" err="1"/>
-              <a:t>Xcos</a:t>
-            </a:r>
-            <a:r>
-              <a:rPr lang="fr-FR" dirty="0"/>
-              <a:t/>
-            </a:r>
-            <a:br>
-              <a:rPr lang="fr-FR" dirty="0"/>
-            </a:br>
             <a:r>
               <a:rPr lang="fr-FR" dirty="0" smtClean="0"/>
-              <a:t>Module CPGE – Module SIMM</a:t>
-            </a:r>
+              <a:t>Triangle bleu : signal de données (sans dimension)</a:t>
+            </a:r>
+          </a:p>
+          <a:p>
+            <a:r>
+              <a:rPr lang="fr-FR" dirty="0" smtClean="0"/>
+              <a:t>Carré bleu : signal électrique</a:t>
+            </a:r>
+          </a:p>
+          <a:p>
+            <a:r>
+              <a:rPr lang="fr-FR" dirty="0" smtClean="0"/>
+              <a:t>Carré rouge : donnée thermique</a:t>
+            </a:r>
+          </a:p>
+          <a:p>
+            <a:r>
+              <a:rPr lang="fr-FR" dirty="0" smtClean="0"/>
+              <a:t>Carré vert : mécanique 1D en translation</a:t>
+            </a:r>
+          </a:p>
+          <a:p>
+            <a:r>
+              <a:rPr lang="fr-FR" dirty="0" smtClean="0"/>
+              <a:t>Rond gris : mécanique 1D en rotation</a:t>
+            </a:r>
+          </a:p>
+          <a:p>
+            <a:r>
+              <a:rPr lang="fr-FR" dirty="0" smtClean="0"/>
+              <a:t>Carré gris : mécanique 2D plane</a:t>
+            </a:r>
+          </a:p>
+          <a:p>
+            <a:endParaRPr lang="fr-FR" dirty="0" smtClean="0"/>
+          </a:p>
+          <a:p>
             <a:endParaRPr lang="fr-FR" dirty="0"/>
           </a:p>
         </p:txBody>
@@ -8874,7 +8805,7 @@
     </p:spTree>
     <p:extLst>
       <p:ext uri="{BB962C8B-B14F-4D97-AF65-F5344CB8AC3E}">
-        <p14:creationId xmlns:p14="http://schemas.microsoft.com/office/powerpoint/2010/main" val="3644207400"/>
+        <p14:creationId xmlns:p14="http://schemas.microsoft.com/office/powerpoint/2010/main" val="398496562"/>
       </p:ext>
     </p:extLst>
   </p:cSld>
@@ -9159,23 +9090,23 @@
           <a:p>
             <a:r>
               <a:rPr lang="fr-FR" dirty="0"/>
-              <a:t>Modélisation des systèmes avec Scilab </a:t>
-            </a:r>
+              <a:t>Modélisation des systèmes avec Scilab / </a:t>
+            </a:r>
+            <a:r>
+              <a:rPr lang="fr-FR" dirty="0" err="1"/>
+              <a:t>Xcos</a:t>
+            </a:r>
+            <a:r>
+              <a:rPr lang="fr-FR" dirty="0"/>
+              <a:t/>
+            </a:r>
+            <a:br>
+              <a:rPr lang="fr-FR" dirty="0"/>
+            </a:br>
             <a:r>
               <a:rPr lang="fr-FR" dirty="0" smtClean="0"/>
-              <a:t>/ </a:t>
-            </a:r>
-            <a:r>
-              <a:rPr lang="fr-FR" dirty="0" err="1" smtClean="0"/>
-              <a:t>Xcos</a:t>
-            </a:r>
-            <a:r>
-              <a:rPr lang="fr-FR" dirty="0" smtClean="0"/>
-              <a:t/>
-            </a:r>
-            <a:br>
-              <a:rPr lang="fr-FR" dirty="0" smtClean="0"/>
-            </a:br>
+              <a:t>Construction du moteur à courant continu</a:t>
+            </a:r>
             <a:endParaRPr lang="fr-FR" dirty="0"/>
           </a:p>
         </p:txBody>
@@ -9195,46 +9126,7 @@
           <a:bodyPr/>
           <a:lstStyle/>
           <a:p>
-            <a:r>
-              <a:rPr lang="fr-FR" dirty="0" smtClean="0"/>
-              <a:t>Triangle bleu : signal de données (sans dimension)</a:t>
-            </a:r>
-          </a:p>
-          <a:p>
-            <a:r>
-              <a:rPr lang="fr-FR" dirty="0" smtClean="0"/>
-              <a:t>Carré bleu : signal électrique</a:t>
-            </a:r>
-          </a:p>
-          <a:p>
-            <a:r>
-              <a:rPr lang="fr-FR" dirty="0" smtClean="0"/>
-              <a:t>Carré rouge : donnée thermique</a:t>
-            </a:r>
-          </a:p>
-          <a:p>
-            <a:r>
-              <a:rPr lang="fr-FR" dirty="0" smtClean="0"/>
-              <a:t>Carré vert : mécanique 1D en translation</a:t>
-            </a:r>
-          </a:p>
-          <a:p>
-            <a:r>
-              <a:rPr lang="fr-FR" dirty="0" smtClean="0"/>
-              <a:t>Rond gris : mécanique 1D en rotation</a:t>
-            </a:r>
-          </a:p>
-          <a:p>
-            <a:r>
-              <a:rPr lang="fr-FR" dirty="0" smtClean="0"/>
-              <a:t>Carré gris : mécanique 2D plane</a:t>
-            </a:r>
-          </a:p>
-          <a:p>
-            <a:endParaRPr lang="fr-FR" dirty="0" smtClean="0"/>
-          </a:p>
-          <a:p>
-            <a:endParaRPr lang="fr-FR" dirty="0"/>
+            <a:endParaRPr lang="fr-FR"/>
           </a:p>
         </p:txBody>
       </p:sp>
@@ -9264,7 +9156,7 @@
     </p:spTree>
     <p:extLst>
       <p:ext uri="{BB962C8B-B14F-4D97-AF65-F5344CB8AC3E}">
-        <p14:creationId xmlns:p14="http://schemas.microsoft.com/office/powerpoint/2010/main" val="398496562"/>
+        <p14:creationId xmlns:p14="http://schemas.microsoft.com/office/powerpoint/2010/main" val="2499627110"/>
       </p:ext>
     </p:extLst>
   </p:cSld>
@@ -9325,7 +9217,7 @@
             </a:br>
             <a:r>
               <a:rPr lang="fr-FR" dirty="0" smtClean="0"/>
-              <a:t>Construction du moteur à courant continu</a:t>
+              <a:t>Commande d’un moteur avec hacheur et PWM</a:t>
             </a:r>
             <a:endParaRPr lang="fr-FR" dirty="0"/>
           </a:p>
@@ -9376,7 +9268,7 @@
     </p:spTree>
     <p:extLst>
       <p:ext uri="{BB962C8B-B14F-4D97-AF65-F5344CB8AC3E}">
-        <p14:creationId xmlns:p14="http://schemas.microsoft.com/office/powerpoint/2010/main" val="2499627110"/>
+        <p14:creationId xmlns:p14="http://schemas.microsoft.com/office/powerpoint/2010/main" val="1803898429"/>
       </p:ext>
     </p:extLst>
   </p:cSld>
@@ -9437,7 +9329,7 @@
             </a:br>
             <a:r>
               <a:rPr lang="fr-FR" dirty="0" smtClean="0"/>
-              <a:t>Commande d’un moteur avec hacheur et PWM</a:t>
+              <a:t>Possibilités supplémentaires</a:t>
             </a:r>
             <a:endParaRPr lang="fr-FR" dirty="0"/>
           </a:p>
@@ -9458,7 +9350,17 @@
           <a:bodyPr/>
           <a:lstStyle/>
           <a:p>
-            <a:endParaRPr lang="fr-FR"/>
+            <a:r>
+              <a:rPr lang="fr-FR" dirty="0" smtClean="0"/>
+              <a:t>Modélisation thermique</a:t>
+            </a:r>
+          </a:p>
+          <a:p>
+            <a:r>
+              <a:rPr lang="fr-FR" dirty="0" smtClean="0"/>
+              <a:t>Transformation de mouvement …</a:t>
+            </a:r>
+            <a:endParaRPr lang="fr-FR" dirty="0"/>
           </a:p>
         </p:txBody>
       </p:sp>
@@ -9488,7 +9390,7 @@
     </p:spTree>
     <p:extLst>
       <p:ext uri="{BB962C8B-B14F-4D97-AF65-F5344CB8AC3E}">
-        <p14:creationId xmlns:p14="http://schemas.microsoft.com/office/powerpoint/2010/main" val="1803898429"/>
+        <p14:creationId xmlns:p14="http://schemas.microsoft.com/office/powerpoint/2010/main" val="1633135047"/>
       </p:ext>
     </p:extLst>
   </p:cSld>
@@ -9549,7 +9451,7 @@
             </a:br>
             <a:r>
               <a:rPr lang="fr-FR" dirty="0" smtClean="0"/>
-              <a:t>Possibilités supplémentaires</a:t>
+              <a:t>Échantillonnage de la résolution</a:t>
             </a:r>
             <a:endParaRPr lang="fr-FR" dirty="0"/>
           </a:p>
@@ -9570,16 +9472,6 @@
           <a:bodyPr/>
           <a:lstStyle/>
           <a:p>
-            <a:r>
-              <a:rPr lang="fr-FR" dirty="0" smtClean="0"/>
-              <a:t>Modélisation thermique</a:t>
-            </a:r>
-          </a:p>
-          <a:p>
-            <a:r>
-              <a:rPr lang="fr-FR" dirty="0" smtClean="0"/>
-              <a:t>Transformation de mouvement …</a:t>
-            </a:r>
             <a:endParaRPr lang="fr-FR" dirty="0"/>
           </a:p>
         </p:txBody>
@@ -9610,7 +9502,7 @@
     </p:spTree>
     <p:extLst>
       <p:ext uri="{BB962C8B-B14F-4D97-AF65-F5344CB8AC3E}">
-        <p14:creationId xmlns:p14="http://schemas.microsoft.com/office/powerpoint/2010/main" val="1633135047"/>
+        <p14:creationId xmlns:p14="http://schemas.microsoft.com/office/powerpoint/2010/main" val="3193964930"/>
       </p:ext>
     </p:extLst>
   </p:cSld>
@@ -9671,7 +9563,7 @@
             </a:br>
             <a:r>
               <a:rPr lang="fr-FR" dirty="0" smtClean="0"/>
-              <a:t>Échantillonnage de la résolution</a:t>
+              <a:t>Modélisation de systèmes réversibles</a:t>
             </a:r>
             <a:endParaRPr lang="fr-FR" dirty="0"/>
           </a:p>
@@ -9722,7 +9614,7 @@
     </p:spTree>
     <p:extLst>
       <p:ext uri="{BB962C8B-B14F-4D97-AF65-F5344CB8AC3E}">
-        <p14:creationId xmlns:p14="http://schemas.microsoft.com/office/powerpoint/2010/main" val="3193964930"/>
+        <p14:creationId xmlns:p14="http://schemas.microsoft.com/office/powerpoint/2010/main" val="470814664"/>
       </p:ext>
     </p:extLst>
   </p:cSld>
@@ -9783,7 +9675,7 @@
             </a:br>
             <a:r>
               <a:rPr lang="fr-FR" dirty="0" smtClean="0"/>
-              <a:t>Modélisation de systèmes réversibles</a:t>
+              <a:t>Un peu plus de cinématique</a:t>
             </a:r>
             <a:endParaRPr lang="fr-FR" dirty="0"/>
           </a:p>
@@ -9834,7 +9726,7 @@
     </p:spTree>
     <p:extLst>
       <p:ext uri="{BB962C8B-B14F-4D97-AF65-F5344CB8AC3E}">
-        <p14:creationId xmlns:p14="http://schemas.microsoft.com/office/powerpoint/2010/main" val="470814664"/>
+        <p14:creationId xmlns:p14="http://schemas.microsoft.com/office/powerpoint/2010/main" val="3154538276"/>
       </p:ext>
     </p:extLst>
   </p:cSld>
@@ -9874,28 +9766,13 @@
         <p:spPr/>
         <p:txBody>
           <a:bodyPr>
-            <a:normAutofit fontScale="90000"/>
+            <a:normAutofit/>
           </a:bodyPr>
           <a:lstStyle/>
           <a:p>
             <a:r>
-              <a:rPr lang="fr-FR" dirty="0"/>
-              <a:t>Modélisation des systèmes avec Scilab / </a:t>
-            </a:r>
-            <a:r>
-              <a:rPr lang="fr-FR" dirty="0" err="1"/>
-              <a:t>Xcos</a:t>
-            </a:r>
-            <a:r>
-              <a:rPr lang="fr-FR" dirty="0"/>
-              <a:t/>
-            </a:r>
-            <a:br>
-              <a:rPr lang="fr-FR" dirty="0"/>
-            </a:br>
-            <a:r>
               <a:rPr lang="fr-FR" dirty="0" smtClean="0"/>
-              <a:t>Un peu plus de cinématique</a:t>
+              <a:t>Modélisation d’un système multiphysique</a:t>
             </a:r>
             <a:endParaRPr lang="fr-FR" dirty="0"/>
           </a:p>
@@ -9916,7 +9793,7 @@
           <a:bodyPr/>
           <a:lstStyle/>
           <a:p>
-            <a:endParaRPr lang="fr-FR" dirty="0"/>
+            <a:endParaRPr lang="fr-FR"/>
           </a:p>
         </p:txBody>
       </p:sp>
@@ -9946,7 +9823,7 @@
     </p:spTree>
     <p:extLst>
       <p:ext uri="{BB962C8B-B14F-4D97-AF65-F5344CB8AC3E}">
-        <p14:creationId xmlns:p14="http://schemas.microsoft.com/office/powerpoint/2010/main" val="3154538276"/>
+        <p14:creationId xmlns:p14="http://schemas.microsoft.com/office/powerpoint/2010/main" val="1827117536"/>
       </p:ext>
     </p:extLst>
   </p:cSld>
@@ -9975,229 +9852,6 @@
       </p:grpSpPr>
       <p:sp>
         <p:nvSpPr>
-          <p:cNvPr id="7" name="Espace réservé du contenu 6"/>
-          <p:cNvSpPr>
-            <a:spLocks noGrp="1"/>
-          </p:cNvSpPr>
-          <p:nvPr>
-            <p:ph sz="quarter" idx="1"/>
-          </p:nvPr>
-        </p:nvSpPr>
-        <p:spPr>
-          <a:xfrm>
-            <a:off x="0" y="980728"/>
-            <a:ext cx="5652120" cy="5760640"/>
-          </a:xfrm>
-        </p:spPr>
-        <p:txBody>
-          <a:bodyPr>
-            <a:normAutofit fontScale="85000" lnSpcReduction="20000"/>
-          </a:bodyPr>
-          <a:lstStyle/>
-          <a:p>
-            <a:r>
-              <a:rPr lang="fr-FR" dirty="0" smtClean="0"/>
-              <a:t>Source électrique</a:t>
-            </a:r>
-          </a:p>
-          <a:p>
-            <a:pPr lvl="1"/>
-            <a:r>
-              <a:rPr lang="fr-FR" dirty="0" smtClean="0"/>
-              <a:t>Source de tension</a:t>
-            </a:r>
-          </a:p>
-          <a:p>
-            <a:pPr lvl="1"/>
-            <a:r>
-              <a:rPr lang="fr-FR" dirty="0" smtClean="0"/>
-              <a:t>SIMM/</a:t>
-            </a:r>
-            <a:r>
-              <a:rPr lang="fr-FR" dirty="0" err="1" smtClean="0"/>
-              <a:t>Electrique</a:t>
-            </a:r>
-            <a:r>
-              <a:rPr lang="fr-FR" dirty="0" smtClean="0"/>
-              <a:t>/Sources/</a:t>
-            </a:r>
-            <a:r>
-              <a:rPr lang="fr-FR" dirty="0" err="1" smtClean="0"/>
-              <a:t>CEAS_PredefVoltage</a:t>
-            </a:r>
-            <a:endParaRPr lang="fr-FR" dirty="0" smtClean="0"/>
-          </a:p>
-          <a:p>
-            <a:pPr lvl="1"/>
-            <a:r>
-              <a:rPr lang="fr-FR" dirty="0" smtClean="0"/>
-              <a:t>Générateur de signaux constant, échelon, rampe, sinusoïdal, carré, dents de scie, trapézoïdal</a:t>
-            </a:r>
-          </a:p>
-          <a:p>
-            <a:r>
-              <a:rPr lang="fr-FR" dirty="0" smtClean="0"/>
-              <a:t>La masse</a:t>
-            </a:r>
-          </a:p>
-          <a:p>
-            <a:pPr lvl="1"/>
-            <a:r>
-              <a:rPr lang="fr-FR" dirty="0" smtClean="0"/>
-              <a:t>SIMM/</a:t>
-            </a:r>
-            <a:r>
-              <a:rPr lang="fr-FR" dirty="0" err="1" smtClean="0"/>
-              <a:t>Electrique</a:t>
-            </a:r>
-            <a:r>
-              <a:rPr lang="fr-FR" dirty="0" smtClean="0"/>
-              <a:t>/Sources/</a:t>
-            </a:r>
-            <a:r>
-              <a:rPr lang="fr-FR" dirty="0" err="1" smtClean="0"/>
-              <a:t>MEAB_Ground</a:t>
-            </a:r>
-            <a:endParaRPr lang="fr-FR" dirty="0" smtClean="0"/>
-          </a:p>
-          <a:p>
-            <a:r>
-              <a:rPr lang="fr-FR" dirty="0" smtClean="0"/>
-              <a:t>Composants électriques</a:t>
-            </a:r>
-          </a:p>
-          <a:p>
-            <a:pPr lvl="1"/>
-            <a:r>
-              <a:rPr lang="fr-FR" dirty="0" smtClean="0"/>
-              <a:t>Résistor, Condensateur</a:t>
-            </a:r>
-          </a:p>
-          <a:p>
-            <a:pPr lvl="1"/>
-            <a:r>
-              <a:rPr lang="fr-FR" dirty="0" smtClean="0"/>
-              <a:t>SIMM/</a:t>
-            </a:r>
-            <a:r>
-              <a:rPr lang="fr-FR" dirty="0" err="1" smtClean="0"/>
-              <a:t>Electrique</a:t>
-            </a:r>
-            <a:r>
-              <a:rPr lang="fr-FR" dirty="0" smtClean="0"/>
-              <a:t>/Passif/</a:t>
-            </a:r>
-            <a:r>
-              <a:rPr lang="fr-FR" dirty="0" err="1" smtClean="0"/>
-              <a:t>MEAB_Resistor</a:t>
-            </a:r>
-            <a:endParaRPr lang="fr-FR" dirty="0" smtClean="0"/>
-          </a:p>
-          <a:p>
-            <a:pPr lvl="1"/>
-            <a:r>
-              <a:rPr lang="fr-FR" dirty="0" smtClean="0"/>
-              <a:t>SIMM/</a:t>
-            </a:r>
-            <a:r>
-              <a:rPr lang="fr-FR" dirty="0" err="1" smtClean="0"/>
-              <a:t>Electrique</a:t>
-            </a:r>
-            <a:r>
-              <a:rPr lang="fr-FR" dirty="0" smtClean="0"/>
-              <a:t>/Passif/</a:t>
-            </a:r>
-            <a:r>
-              <a:rPr lang="fr-FR" dirty="0" err="1" smtClean="0"/>
-              <a:t>MEAB_Capacitor</a:t>
-            </a:r>
-            <a:endParaRPr lang="fr-FR" dirty="0" smtClean="0"/>
-          </a:p>
-          <a:p>
-            <a:r>
-              <a:rPr lang="fr-FR" dirty="0" smtClean="0"/>
-              <a:t>Un capteur</a:t>
-            </a:r>
-          </a:p>
-          <a:p>
-            <a:pPr lvl="1"/>
-            <a:r>
-              <a:rPr lang="fr-FR" dirty="0" smtClean="0"/>
-              <a:t>Un voltmètre</a:t>
-            </a:r>
-          </a:p>
-          <a:p>
-            <a:pPr lvl="1"/>
-            <a:r>
-              <a:rPr lang="fr-FR" dirty="0" smtClean="0"/>
-              <a:t>SIMM/</a:t>
-            </a:r>
-            <a:r>
-              <a:rPr lang="fr-FR" dirty="0" err="1" smtClean="0"/>
-              <a:t>Electrique</a:t>
-            </a:r>
-            <a:r>
-              <a:rPr lang="fr-FR" dirty="0" smtClean="0"/>
-              <a:t>/Mesure/</a:t>
-            </a:r>
-            <a:r>
-              <a:rPr lang="fr-FR" dirty="0" err="1" smtClean="0"/>
-              <a:t>MEAS_VoltageSensor</a:t>
-            </a:r>
-            <a:endParaRPr lang="fr-FR" dirty="0" smtClean="0"/>
-          </a:p>
-          <a:p>
-            <a:r>
-              <a:rPr lang="fr-FR" dirty="0" smtClean="0"/>
-              <a:t>Un afficheur</a:t>
-            </a:r>
-          </a:p>
-          <a:p>
-            <a:pPr lvl="1"/>
-            <a:r>
-              <a:rPr lang="fr-FR" dirty="0" smtClean="0"/>
-              <a:t>Scope</a:t>
-            </a:r>
-          </a:p>
-          <a:p>
-            <a:pPr lvl="1"/>
-            <a:r>
-              <a:rPr lang="fr-FR" dirty="0" smtClean="0"/>
-              <a:t>SIMM/Utilitaires/Visualisation/ISCOPE</a:t>
-            </a:r>
-            <a:endParaRPr lang="fr-FR" dirty="0"/>
-          </a:p>
-          <a:p>
-            <a:pPr lvl="1"/>
-            <a:r>
-              <a:rPr lang="fr-FR" dirty="0" smtClean="0"/>
-              <a:t>Une ou plusieurs entrées</a:t>
-            </a:r>
-          </a:p>
-          <a:p>
-            <a:r>
-              <a:rPr lang="fr-FR" dirty="0" smtClean="0"/>
-              <a:t>Paramétrage de la simulation</a:t>
-            </a:r>
-          </a:p>
-          <a:p>
-            <a:pPr lvl="1"/>
-            <a:r>
-              <a:rPr lang="fr-FR" dirty="0" smtClean="0"/>
-              <a:t>SIMM/Utilitaires/Analyses/IREP_TEMP</a:t>
-            </a:r>
-          </a:p>
-          <a:p>
-            <a:pPr lvl="1"/>
-            <a:r>
-              <a:rPr lang="fr-FR" dirty="0" smtClean="0"/>
-              <a:t>Temps de simulation, nombre de points</a:t>
-            </a:r>
-          </a:p>
-        </p:txBody>
-      </p:sp>
-      <p:sp>
-        <p:nvSpPr>
           <p:cNvPr id="2" name="Titre 1"/>
           <p:cNvSpPr>
             <a:spLocks noGrp="1"/>
@@ -10213,7 +9867,7 @@
           <a:p>
             <a:r>
               <a:rPr lang="fr-FR" dirty="0" smtClean="0"/>
-              <a:t>Modélisation d’un système électrique</a:t>
+              <a:t>Modélisation d’un système de laboratoire</a:t>
             </a:r>
             <a:endParaRPr lang="fr-FR" dirty="0"/>
           </a:p>
@@ -10221,12 +9875,35 @@
       </p:sp>
       <p:sp>
         <p:nvSpPr>
+          <p:cNvPr id="3" name="Espace réservé du texte 2"/>
+          <p:cNvSpPr>
+            <a:spLocks noGrp="1"/>
+          </p:cNvSpPr>
+          <p:nvPr>
+            <p:ph type="body" idx="1"/>
+          </p:nvPr>
+        </p:nvSpPr>
+        <p:spPr/>
+        <p:txBody>
+          <a:bodyPr/>
+          <a:lstStyle/>
+          <a:p>
+            <a:r>
+              <a:rPr lang="fr-FR" dirty="0" smtClean="0"/>
+              <a:t>Pilote automatique TP 30</a:t>
+            </a:r>
+            <a:endParaRPr lang="fr-FR" dirty="0"/>
+          </a:p>
+        </p:txBody>
+      </p:sp>
+      <p:sp>
+        <p:nvSpPr>
           <p:cNvPr id="4" name="Espace réservé du numéro de diapositive 3"/>
           <p:cNvSpPr>
             <a:spLocks noGrp="1"/>
           </p:cNvSpPr>
           <p:nvPr>
-            <p:ph type="sldNum" sz="quarter" idx="15"/>
+            <p:ph type="sldNum" sz="quarter" idx="12"/>
           </p:nvPr>
         </p:nvSpPr>
         <p:spPr/>
@@ -10242,70 +9919,10 @@
           </a:p>
         </p:txBody>
       </p:sp>
-      <p:pic>
-        <p:nvPicPr>
-          <p:cNvPr id="1028" name="Picture 4"/>
-          <p:cNvPicPr>
-            <a:picLocks noChangeAspect="1" noChangeArrowheads="1"/>
-          </p:cNvPicPr>
-          <p:nvPr/>
-        </p:nvPicPr>
-        <p:blipFill>
-          <a:blip r:embed="rId2">
-            <a:extLst>
-              <a:ext uri="{28A0092B-C50C-407E-A947-70E740481C1C}">
-                <a14:useLocalDpi xmlns:a14="http://schemas.microsoft.com/office/drawing/2010/main" val="0"/>
-              </a:ext>
-            </a:extLst>
-          </a:blip>
-          <a:srcRect/>
-          <a:stretch>
-            <a:fillRect/>
-          </a:stretch>
-        </p:blipFill>
-        <p:spPr bwMode="auto">
-          <a:xfrm>
-            <a:off x="5292080" y="2276872"/>
-            <a:ext cx="3642827" cy="2255409"/>
-          </a:xfrm>
-          <a:prstGeom prst="rect">
-            <a:avLst/>
-          </a:prstGeom>
-          <a:ln>
-            <a:noFill/>
-          </a:ln>
-          <a:effectLst>
-            <a:outerShdw blurRad="292100" dist="139700" dir="2700000" algn="tl" rotWithShape="0">
-              <a:srgbClr val="333333">
-                <a:alpha val="65000"/>
-              </a:srgbClr>
-            </a:outerShdw>
-          </a:effectLst>
-          <a:extLst>
-            <a:ext uri="{909E8E84-426E-40DD-AFC4-6F175D3DCCD1}">
-              <a14:hiddenFill xmlns:a14="http://schemas.microsoft.com/office/drawing/2010/main">
-                <a:solidFill>
-                  <a:schemeClr val="accent1"/>
-                </a:solidFill>
-              </a14:hiddenFill>
-            </a:ext>
-            <a:ext uri="{91240B29-F687-4F45-9708-019B960494DF}">
-              <a14:hiddenLine xmlns:a14="http://schemas.microsoft.com/office/drawing/2010/main" w="9525">
-                <a:solidFill>
-                  <a:schemeClr val="tx1"/>
-                </a:solidFill>
-                <a:miter lim="800000"/>
-                <a:headEnd/>
-                <a:tailEnd/>
-              </a14:hiddenLine>
-            </a:ext>
-          </a:extLst>
-        </p:spPr>
-      </p:pic>
     </p:spTree>
     <p:extLst>
       <p:ext uri="{BB962C8B-B14F-4D97-AF65-F5344CB8AC3E}">
-        <p14:creationId xmlns:p14="http://schemas.microsoft.com/office/powerpoint/2010/main" val="1668926440"/>
+        <p14:creationId xmlns:p14="http://schemas.microsoft.com/office/powerpoint/2010/main" val="3672452185"/>
       </p:ext>
     </p:extLst>
   </p:cSld>
@@ -10334,7 +9951,7 @@
       </p:grpSpPr>
       <p:sp>
         <p:nvSpPr>
-          <p:cNvPr id="2" name="Titre 1"/>
+          <p:cNvPr id="5" name="Titre 4"/>
           <p:cNvSpPr>
             <a:spLocks noGrp="1"/>
           </p:cNvSpPr>
@@ -10344,14 +9961,42 @@
         </p:nvSpPr>
         <p:spPr/>
         <p:txBody>
+          <a:bodyPr>
+            <a:normAutofit fontScale="90000"/>
+          </a:bodyPr>
+          <a:lstStyle/>
+          <a:p>
+            <a:r>
+              <a:rPr lang="fr-FR" dirty="0" smtClean="0"/>
+              <a:t>Pilote Automatique</a:t>
+            </a:r>
+            <a:br>
+              <a:rPr lang="fr-FR" dirty="0" smtClean="0"/>
+            </a:br>
+            <a:r>
+              <a:rPr lang="fr-FR" dirty="0" smtClean="0"/>
+              <a:t>Analyse Interne</a:t>
+            </a:r>
+            <a:endParaRPr lang="fr-FR" dirty="0"/>
+          </a:p>
+        </p:txBody>
+      </p:sp>
+      <p:sp>
+        <p:nvSpPr>
+          <p:cNvPr id="6" name="Espace réservé du contenu 5"/>
+          <p:cNvSpPr>
+            <a:spLocks noGrp="1"/>
+          </p:cNvSpPr>
+          <p:nvPr>
+            <p:ph sz="quarter" idx="1"/>
+          </p:nvPr>
+        </p:nvSpPr>
+        <p:spPr/>
+        <p:txBody>
           <a:bodyPr/>
           <a:lstStyle/>
           <a:p>
-            <a:r>
-              <a:rPr lang="fr-FR" dirty="0" smtClean="0"/>
-              <a:t>Modélisation d’un système électrique</a:t>
-            </a:r>
-            <a:endParaRPr lang="fr-FR" dirty="0"/>
+            <a:endParaRPr lang="fr-FR"/>
           </a:p>
         </p:txBody>
       </p:sp>
@@ -10378,206 +10023,10 @@
           </a:p>
         </p:txBody>
       </p:sp>
-      <p:pic>
-        <p:nvPicPr>
-          <p:cNvPr id="1028" name="Picture 4"/>
-          <p:cNvPicPr>
-            <a:picLocks noChangeAspect="1" noChangeArrowheads="1"/>
-          </p:cNvPicPr>
-          <p:nvPr/>
-        </p:nvPicPr>
-        <p:blipFill>
-          <a:blip r:embed="rId2">
-            <a:extLst>
-              <a:ext uri="{28A0092B-C50C-407E-A947-70E740481C1C}">
-                <a14:useLocalDpi xmlns:a14="http://schemas.microsoft.com/office/drawing/2010/main" val="0"/>
-              </a:ext>
-            </a:extLst>
-          </a:blip>
-          <a:srcRect/>
-          <a:stretch>
-            <a:fillRect/>
-          </a:stretch>
-        </p:blipFill>
-        <p:spPr bwMode="auto">
-          <a:xfrm>
-            <a:off x="1839500" y="3140968"/>
-            <a:ext cx="4456954" cy="2759465"/>
-          </a:xfrm>
-          <a:prstGeom prst="rect">
-            <a:avLst/>
-          </a:prstGeom>
-          <a:ln>
-            <a:noFill/>
-          </a:ln>
-          <a:effectLst>
-            <a:outerShdw blurRad="292100" dist="139700" dir="2700000" algn="tl" rotWithShape="0">
-              <a:srgbClr val="333333">
-                <a:alpha val="65000"/>
-              </a:srgbClr>
-            </a:outerShdw>
-          </a:effectLst>
-          <a:extLst>
-            <a:ext uri="{909E8E84-426E-40DD-AFC4-6F175D3DCCD1}">
-              <a14:hiddenFill xmlns:a14="http://schemas.microsoft.com/office/drawing/2010/main">
-                <a:solidFill>
-                  <a:schemeClr val="accent1"/>
-                </a:solidFill>
-              </a14:hiddenFill>
-            </a:ext>
-            <a:ext uri="{91240B29-F687-4F45-9708-019B960494DF}">
-              <a14:hiddenLine xmlns:a14="http://schemas.microsoft.com/office/drawing/2010/main" w="9525">
-                <a:solidFill>
-                  <a:schemeClr val="tx1"/>
-                </a:solidFill>
-                <a:miter lim="800000"/>
-                <a:headEnd/>
-                <a:tailEnd/>
-              </a14:hiddenLine>
-            </a:ext>
-          </a:extLst>
-        </p:spPr>
-      </p:pic>
-      <p:cxnSp>
-        <p:nvCxnSpPr>
-          <p:cNvPr id="5" name="Connecteur droit avec flèche 4"/>
-          <p:cNvCxnSpPr>
-            <a:stCxn id="6" idx="1"/>
-          </p:cNvCxnSpPr>
-          <p:nvPr/>
-        </p:nvCxnSpPr>
-        <p:spPr>
-          <a:xfrm flipH="1">
-            <a:off x="5514109" y="2023393"/>
-            <a:ext cx="1218131" cy="1828171"/>
-          </a:xfrm>
-          <a:prstGeom prst="straightConnector1">
-            <a:avLst/>
-          </a:prstGeom>
-          <a:ln w="28575">
-            <a:solidFill>
-              <a:srgbClr val="002060"/>
-            </a:solidFill>
-            <a:tailEnd type="stealth" w="med" len="lg"/>
-          </a:ln>
-        </p:spPr>
-        <p:style>
-          <a:lnRef idx="1">
-            <a:schemeClr val="accent1"/>
-          </a:lnRef>
-          <a:fillRef idx="0">
-            <a:schemeClr val="accent1"/>
-          </a:fillRef>
-          <a:effectRef idx="0">
-            <a:schemeClr val="accent1"/>
-          </a:effectRef>
-          <a:fontRef idx="minor">
-            <a:schemeClr val="tx1"/>
-          </a:fontRef>
-        </p:style>
-      </p:cxnSp>
-      <p:sp>
-        <p:nvSpPr>
-          <p:cNvPr id="6" name="ZoneTexte 5"/>
-          <p:cNvSpPr txBox="1"/>
-          <p:nvPr/>
-        </p:nvSpPr>
-        <p:spPr>
-          <a:xfrm>
-            <a:off x="6732240" y="1484784"/>
-            <a:ext cx="2088232" cy="1077218"/>
-          </a:xfrm>
-          <a:prstGeom prst="rect">
-            <a:avLst/>
-          </a:prstGeom>
-          <a:noFill/>
-        </p:spPr>
-        <p:txBody>
-          <a:bodyPr wrap="square" rtlCol="0">
-            <a:spAutoFit/>
-          </a:bodyPr>
-          <a:lstStyle/>
-          <a:p>
-            <a:r>
-              <a:rPr lang="fr-FR" sz="1600" dirty="0" smtClean="0"/>
-              <a:t>Branchement du voltmètre à l’image d’un branchement réel</a:t>
-            </a:r>
-            <a:endParaRPr lang="fr-FR" sz="1600" dirty="0"/>
-          </a:p>
-        </p:txBody>
-      </p:sp>
-      <p:cxnSp>
-        <p:nvCxnSpPr>
-          <p:cNvPr id="14" name="Connecteur droit avec flèche 13"/>
-          <p:cNvCxnSpPr>
-            <a:stCxn id="15" idx="2"/>
-          </p:cNvCxnSpPr>
-          <p:nvPr/>
-        </p:nvCxnSpPr>
-        <p:spPr>
-          <a:xfrm>
-            <a:off x="2807820" y="2386335"/>
-            <a:ext cx="180004" cy="754633"/>
-          </a:xfrm>
-          <a:prstGeom prst="straightConnector1">
-            <a:avLst/>
-          </a:prstGeom>
-          <a:ln w="28575">
-            <a:solidFill>
-              <a:srgbClr val="002060"/>
-            </a:solidFill>
-            <a:tailEnd type="stealth" w="med" len="lg"/>
-          </a:ln>
-        </p:spPr>
-        <p:style>
-          <a:lnRef idx="1">
-            <a:schemeClr val="accent1"/>
-          </a:lnRef>
-          <a:fillRef idx="0">
-            <a:schemeClr val="accent1"/>
-          </a:fillRef>
-          <a:effectRef idx="0">
-            <a:schemeClr val="accent1"/>
-          </a:effectRef>
-          <a:fontRef idx="minor">
-            <a:schemeClr val="tx1"/>
-          </a:fontRef>
-        </p:style>
-      </p:cxnSp>
-      <p:sp>
-        <p:nvSpPr>
-          <p:cNvPr id="15" name="ZoneTexte 14"/>
-          <p:cNvSpPr txBox="1"/>
-          <p:nvPr/>
-        </p:nvSpPr>
-        <p:spPr>
-          <a:xfrm>
-            <a:off x="1547663" y="1309117"/>
-            <a:ext cx="2520313" cy="1077218"/>
-          </a:xfrm>
-          <a:prstGeom prst="rect">
-            <a:avLst/>
-          </a:prstGeom>
-          <a:noFill/>
-        </p:spPr>
-        <p:txBody>
-          <a:bodyPr wrap="square" rtlCol="0">
-            <a:spAutoFit/>
-          </a:bodyPr>
-          <a:lstStyle/>
-          <a:p>
-            <a:r>
-              <a:rPr lang="fr-FR" sz="1600" dirty="0" smtClean="0"/>
-              <a:t>Pour les composants passifs, on branche une borne bleue sur une blanche …</a:t>
-            </a:r>
-            <a:endParaRPr lang="fr-FR" sz="1600" dirty="0"/>
-          </a:p>
-        </p:txBody>
-      </p:sp>
     </p:spTree>
     <p:extLst>
       <p:ext uri="{BB962C8B-B14F-4D97-AF65-F5344CB8AC3E}">
-        <p14:creationId xmlns:p14="http://schemas.microsoft.com/office/powerpoint/2010/main" val="431988541"/>
+        <p14:creationId xmlns:p14="http://schemas.microsoft.com/office/powerpoint/2010/main" val="601726295"/>
       </p:ext>
     </p:extLst>
   </p:cSld>
@@ -10606,7 +10055,7 @@
       </p:grpSpPr>
       <p:sp>
         <p:nvSpPr>
-          <p:cNvPr id="2" name="Titre 1"/>
+          <p:cNvPr id="4" name="Titre 3"/>
           <p:cNvSpPr>
             <a:spLocks noGrp="1"/>
           </p:cNvSpPr>
@@ -10616,14 +10065,20 @@
         </p:nvSpPr>
         <p:spPr/>
         <p:txBody>
-          <a:bodyPr>
-            <a:normAutofit/>
-          </a:bodyPr>
-          <a:lstStyle/>
-          <a:p>
+          <a:bodyPr/>
+          <a:lstStyle/>
+          <a:p>
+            <a:r>
+              <a:rPr lang="fr-FR" dirty="0" err="1" smtClean="0"/>
+              <a:t>Xcos</a:t>
+            </a:r>
             <a:r>
               <a:rPr lang="fr-FR" dirty="0" smtClean="0"/>
-              <a:t>Modélisation d’un système multiphysique</a:t>
+              <a:t> &amp; </a:t>
+            </a:r>
+            <a:r>
+              <a:rPr lang="fr-FR" dirty="0" err="1" smtClean="0"/>
+              <a:t>Arduino</a:t>
             </a:r>
             <a:endParaRPr lang="fr-FR" dirty="0"/>
           </a:p>
@@ -10631,12 +10086,12 @@
       </p:sp>
       <p:sp>
         <p:nvSpPr>
-          <p:cNvPr id="3" name="Espace réservé du contenu 2"/>
+          <p:cNvPr id="5" name="Espace réservé du texte 4"/>
           <p:cNvSpPr>
             <a:spLocks noGrp="1"/>
           </p:cNvSpPr>
           <p:nvPr>
-            <p:ph sz="quarter" idx="1"/>
+            <p:ph type="body" idx="1"/>
           </p:nvPr>
         </p:nvSpPr>
         <p:spPr/>
@@ -10650,12 +10105,12 @@
       </p:sp>
       <p:sp>
         <p:nvSpPr>
-          <p:cNvPr id="4" name="Espace réservé du numéro de diapositive 3"/>
+          <p:cNvPr id="2" name="Espace réservé du numéro de diapositive 1"/>
           <p:cNvSpPr>
             <a:spLocks noGrp="1"/>
           </p:cNvSpPr>
           <p:nvPr>
-            <p:ph type="sldNum" sz="quarter" idx="15"/>
+            <p:ph type="sldNum" sz="quarter" idx="12"/>
           </p:nvPr>
         </p:nvSpPr>
         <p:spPr/>
@@ -10674,7 +10129,7 @@
     </p:spTree>
     <p:extLst>
       <p:ext uri="{BB962C8B-B14F-4D97-AF65-F5344CB8AC3E}">
-        <p14:creationId xmlns:p14="http://schemas.microsoft.com/office/powerpoint/2010/main" val="1827117536"/>
+        <p14:creationId xmlns:p14="http://schemas.microsoft.com/office/powerpoint/2010/main" val="1589319820"/>
       </p:ext>
     </p:extLst>
   </p:cSld>
@@ -10983,8 +10438,16 @@
           <a:lstStyle/>
           <a:p>
             <a:r>
+              <a:rPr lang="fr-FR" dirty="0" err="1" smtClean="0"/>
+              <a:t>Xcos</a:t>
+            </a:r>
+            <a:r>
               <a:rPr lang="fr-FR" dirty="0" smtClean="0"/>
-              <a:t>Modélisation d’un système multiphysique</a:t>
+              <a:t> </a:t>
+            </a:r>
+            <a:r>
+              <a:rPr lang="fr-FR" dirty="0" err="1" smtClean="0"/>
+              <a:t>Arduino</a:t>
             </a:r>
             <a:endParaRPr lang="fr-FR" dirty="0"/>
           </a:p>
@@ -11005,7 +10468,108 @@
           <a:bodyPr/>
           <a:lstStyle/>
           <a:p>
-            <a:endParaRPr lang="fr-FR"/>
+            <a:r>
+              <a:rPr lang="fr-FR" dirty="0" smtClean="0"/>
+              <a:t>Actions préliminaires</a:t>
+            </a:r>
+          </a:p>
+          <a:p>
+            <a:pPr lvl="1"/>
+            <a:r>
+              <a:rPr lang="fr-FR" dirty="0" smtClean="0"/>
+              <a:t>Dans le gestionnaire de module </a:t>
+            </a:r>
+            <a:r>
+              <a:rPr lang="fr-FR" dirty="0" err="1" smtClean="0"/>
+              <a:t>Atom</a:t>
+            </a:r>
+            <a:r>
+              <a:rPr lang="fr-FR" dirty="0" smtClean="0"/>
+              <a:t> de Scilab</a:t>
+            </a:r>
+          </a:p>
+          <a:p>
+            <a:pPr lvl="2"/>
+            <a:r>
+              <a:rPr lang="fr-FR" dirty="0" smtClean="0"/>
+              <a:t>Installer le module </a:t>
+            </a:r>
+            <a:r>
+              <a:rPr lang="fr-FR" dirty="0" err="1" smtClean="0"/>
+              <a:t>Arduino</a:t>
+            </a:r>
+            <a:endParaRPr lang="fr-FR" dirty="0" smtClean="0"/>
+          </a:p>
+          <a:p>
+            <a:pPr lvl="2"/>
+            <a:endParaRPr lang="fr-FR" dirty="0"/>
+          </a:p>
+          <a:p>
+            <a:pPr lvl="1"/>
+            <a:r>
+              <a:rPr lang="fr-FR" dirty="0" smtClean="0"/>
+              <a:t>Dans le logiciel </a:t>
+            </a:r>
+            <a:r>
+              <a:rPr lang="fr-FR" dirty="0" err="1" smtClean="0"/>
+              <a:t>Arduino</a:t>
+            </a:r>
+            <a:endParaRPr lang="fr-FR" dirty="0" smtClean="0"/>
+          </a:p>
+          <a:p>
+            <a:pPr lvl="2"/>
+            <a:r>
+              <a:rPr lang="fr-FR" dirty="0"/>
+              <a:t>Télécharger toolbox_arduino_v3.ino (</a:t>
+            </a:r>
+            <a:r>
+              <a:rPr lang="fr-FR" dirty="0">
+                <a:hlinkClick r:id="rId2"/>
+              </a:rPr>
+              <a:t>http://</a:t>
+            </a:r>
+            <a:r>
+              <a:rPr lang="fr-FR" dirty="0" smtClean="0">
+                <a:hlinkClick r:id="rId2"/>
+              </a:rPr>
+              <a:t>www.demosciences.fr/projets/scilab-arduino/toolbox_arduino_v3.ino?attredirects=0&amp;d=1</a:t>
+            </a:r>
+            <a:r>
+              <a:rPr lang="fr-FR" dirty="0" smtClean="0"/>
+              <a:t>) </a:t>
+            </a:r>
+          </a:p>
+          <a:p>
+            <a:pPr lvl="2"/>
+            <a:r>
+              <a:rPr lang="fr-FR" dirty="0" err="1" smtClean="0"/>
+              <a:t>Téléverser</a:t>
+            </a:r>
+            <a:r>
+              <a:rPr lang="fr-FR" dirty="0" smtClean="0"/>
+              <a:t> la </a:t>
+            </a:r>
+            <a:r>
+              <a:rPr lang="fr-FR" dirty="0" err="1" smtClean="0"/>
+              <a:t>toolbox</a:t>
+            </a:r>
+            <a:r>
+              <a:rPr lang="fr-FR" dirty="0" smtClean="0"/>
+              <a:t> dans une carte </a:t>
+            </a:r>
+            <a:r>
+              <a:rPr lang="fr-FR" dirty="0" err="1" smtClean="0"/>
+              <a:t>arduino</a:t>
+            </a:r>
+            <a:r>
+              <a:rPr lang="fr-FR" dirty="0" smtClean="0"/>
+              <a:t> </a:t>
+            </a:r>
+            <a:r>
+              <a:rPr lang="fr-FR" dirty="0" err="1" smtClean="0"/>
+              <a:t>Uno</a:t>
+            </a:r>
+            <a:endParaRPr lang="fr-FR" dirty="0"/>
           </a:p>
         </p:txBody>
       </p:sp>
@@ -11035,7 +10599,7 @@
     </p:spTree>
     <p:extLst>
       <p:ext uri="{BB962C8B-B14F-4D97-AF65-F5344CB8AC3E}">
-        <p14:creationId xmlns:p14="http://schemas.microsoft.com/office/powerpoint/2010/main" val="241906218"/>
+        <p14:creationId xmlns:p14="http://schemas.microsoft.com/office/powerpoint/2010/main" val="2728033274"/>
       </p:ext>
     </p:extLst>
   </p:cSld>
@@ -11064,7 +10628,26 @@
       </p:grpSpPr>
       <p:sp>
         <p:nvSpPr>
-          <p:cNvPr id="2" name="Titre 1"/>
+          <p:cNvPr id="2" name="Espace réservé du contenu 1"/>
+          <p:cNvSpPr>
+            <a:spLocks noGrp="1"/>
+          </p:cNvSpPr>
+          <p:nvPr>
+            <p:ph sz="quarter" idx="1"/>
+          </p:nvPr>
+        </p:nvSpPr>
+        <p:spPr/>
+        <p:txBody>
+          <a:bodyPr/>
+          <a:lstStyle/>
+          <a:p>
+            <a:endParaRPr lang="fr-FR"/>
+          </a:p>
+        </p:txBody>
+      </p:sp>
+      <p:sp>
+        <p:nvSpPr>
+          <p:cNvPr id="3" name="Titre 2"/>
           <p:cNvSpPr>
             <a:spLocks noGrp="1"/>
           </p:cNvSpPr>
@@ -11074,48 +10657,46 @@
         </p:nvSpPr>
         <p:spPr/>
         <p:txBody>
-          <a:bodyPr/>
-          <a:lstStyle/>
-          <a:p>
+          <a:bodyPr>
+            <a:normAutofit fontScale="90000"/>
+          </a:bodyPr>
+          <a:lstStyle/>
+          <a:p>
+            <a:r>
+              <a:rPr lang="fr-FR" dirty="0" err="1" smtClean="0"/>
+              <a:t>Xcos</a:t>
+            </a:r>
             <a:r>
               <a:rPr lang="fr-FR" dirty="0" smtClean="0"/>
-              <a:t>Modélisation d’un système de laboratoire</a:t>
-            </a:r>
-            <a:endParaRPr lang="fr-FR" dirty="0"/>
-          </a:p>
-        </p:txBody>
-      </p:sp>
-      <p:sp>
-        <p:nvSpPr>
-          <p:cNvPr id="3" name="Espace réservé du texte 2"/>
+              <a:t> </a:t>
+            </a:r>
+            <a:r>
+              <a:rPr lang="fr-FR" dirty="0" err="1" smtClean="0"/>
+              <a:t>Arduino</a:t>
+            </a:r>
+            <a:r>
+              <a:rPr lang="fr-FR" dirty="0" smtClean="0"/>
+              <a:t/>
+            </a:r>
+            <a:br>
+              <a:rPr lang="fr-FR" dirty="0" smtClean="0"/>
+            </a:br>
+            <a:r>
+              <a:rPr lang="fr-FR" smtClean="0"/>
+              <a:t>Première prise en main</a:t>
+            </a:r>
+            <a:endParaRPr lang="fr-FR"/>
+          </a:p>
+        </p:txBody>
+      </p:sp>
+      <p:sp>
+        <p:nvSpPr>
+          <p:cNvPr id="4" name="Espace réservé du numéro de diapositive 3"/>
           <p:cNvSpPr>
             <a:spLocks noGrp="1"/>
           </p:cNvSpPr>
           <p:nvPr>
-            <p:ph type="body" idx="1"/>
-          </p:nvPr>
-        </p:nvSpPr>
-        <p:spPr/>
-        <p:txBody>
-          <a:bodyPr/>
-          <a:lstStyle/>
-          <a:p>
-            <a:r>
-              <a:rPr lang="fr-FR" dirty="0" smtClean="0"/>
-              <a:t>Pilote automatique TP 30</a:t>
-            </a:r>
-            <a:endParaRPr lang="fr-FR" dirty="0"/>
-          </a:p>
-        </p:txBody>
-      </p:sp>
-      <p:sp>
-        <p:nvSpPr>
-          <p:cNvPr id="4" name="Espace réservé du numéro de diapositive 3"/>
-          <p:cNvSpPr>
-            <a:spLocks noGrp="1"/>
-          </p:cNvSpPr>
-          <p:nvPr>
-            <p:ph type="sldNum" sz="quarter" idx="12"/>
+            <p:ph type="sldNum" sz="quarter" idx="15"/>
           </p:nvPr>
         </p:nvSpPr>
         <p:spPr/>
@@ -11134,7 +10715,7 @@
     </p:spTree>
     <p:extLst>
       <p:ext uri="{BB962C8B-B14F-4D97-AF65-F5344CB8AC3E}">
-        <p14:creationId xmlns:p14="http://schemas.microsoft.com/office/powerpoint/2010/main" val="3672452185"/>
+        <p14:creationId xmlns:p14="http://schemas.microsoft.com/office/powerpoint/2010/main" val="3659039995"/>
       </p:ext>
     </p:extLst>
   </p:cSld>
@@ -11163,63 +10744,12 @@
       </p:grpSpPr>
       <p:sp>
         <p:nvSpPr>
-          <p:cNvPr id="5" name="Titre 4"/>
+          <p:cNvPr id="4" name="Espace réservé du numéro de diapositive 3"/>
           <p:cNvSpPr>
             <a:spLocks noGrp="1"/>
           </p:cNvSpPr>
           <p:nvPr>
-            <p:ph type="title"/>
-          </p:nvPr>
-        </p:nvSpPr>
-        <p:spPr/>
-        <p:txBody>
-          <a:bodyPr>
-            <a:normAutofit fontScale="90000"/>
-          </a:bodyPr>
-          <a:lstStyle/>
-          <a:p>
-            <a:r>
-              <a:rPr lang="fr-FR" dirty="0" smtClean="0"/>
-              <a:t>Pilote Automatique</a:t>
-            </a:r>
-            <a:br>
-              <a:rPr lang="fr-FR" dirty="0" smtClean="0"/>
-            </a:br>
-            <a:r>
-              <a:rPr lang="fr-FR" dirty="0" smtClean="0"/>
-              <a:t>Analyse Interne</a:t>
-            </a:r>
-            <a:endParaRPr lang="fr-FR" dirty="0"/>
-          </a:p>
-        </p:txBody>
-      </p:sp>
-      <p:sp>
-        <p:nvSpPr>
-          <p:cNvPr id="6" name="Espace réservé du contenu 5"/>
-          <p:cNvSpPr>
-            <a:spLocks noGrp="1"/>
-          </p:cNvSpPr>
-          <p:nvPr>
-            <p:ph sz="quarter" idx="1"/>
-          </p:nvPr>
-        </p:nvSpPr>
-        <p:spPr/>
-        <p:txBody>
-          <a:bodyPr/>
-          <a:lstStyle/>
-          <a:p>
-            <a:endParaRPr lang="fr-FR"/>
-          </a:p>
-        </p:txBody>
-      </p:sp>
-      <p:sp>
-        <p:nvSpPr>
-          <p:cNvPr id="4" name="Espace réservé du numéro de diapositive 3"/>
-          <p:cNvSpPr>
-            <a:spLocks noGrp="1"/>
-          </p:cNvSpPr>
-          <p:nvPr>
-            <p:ph type="sldNum" sz="quarter" idx="15"/>
+            <p:ph type="sldNum" sz="quarter" idx="12"/>
           </p:nvPr>
         </p:nvSpPr>
         <p:spPr/>
@@ -11230,692 +10760,6 @@
             <a:fld id="{136A7F36-7A21-4EA8-9DC2-F00219448035}" type="slidenum">
               <a:rPr lang="fr-FR" smtClean="0"/>
               <a:t>32</a:t>
-            </a:fld>
-            <a:endParaRPr lang="fr-FR"/>
-          </a:p>
-        </p:txBody>
-      </p:sp>
-    </p:spTree>
-    <p:extLst>
-      <p:ext uri="{BB962C8B-B14F-4D97-AF65-F5344CB8AC3E}">
-        <p14:creationId xmlns:p14="http://schemas.microsoft.com/office/powerpoint/2010/main" val="601726295"/>
-      </p:ext>
-    </p:extLst>
-  </p:cSld>
-  <p:clrMapOvr>
-    <a:masterClrMapping/>
-  </p:clrMapOvr>
-</p:sld>
-</file>
-
-<file path=ppt/slides/slide33.xml><?xml version="1.0" encoding="utf-8"?>
-<p:sld xmlns:a="http://schemas.openxmlformats.org/drawingml/2006/main" xmlns:r="http://schemas.openxmlformats.org/officeDocument/2006/relationships" xmlns:p="http://schemas.openxmlformats.org/presentationml/2006/main">
-  <p:cSld>
-    <p:spTree>
-      <p:nvGrpSpPr>
-        <p:cNvPr id="1" name=""/>
-        <p:cNvGrpSpPr/>
-        <p:nvPr/>
-      </p:nvGrpSpPr>
-      <p:grpSpPr>
-        <a:xfrm>
-          <a:off x="0" y="0"/>
-          <a:ext cx="0" cy="0"/>
-          <a:chOff x="0" y="0"/>
-          <a:chExt cx="0" cy="0"/>
-        </a:xfrm>
-      </p:grpSpPr>
-      <p:sp>
-        <p:nvSpPr>
-          <p:cNvPr id="2" name="Titre 1"/>
-          <p:cNvSpPr>
-            <a:spLocks noGrp="1"/>
-          </p:cNvSpPr>
-          <p:nvPr>
-            <p:ph type="title"/>
-          </p:nvPr>
-        </p:nvSpPr>
-        <p:spPr/>
-        <p:txBody>
-          <a:bodyPr>
-            <a:normAutofit fontScale="90000"/>
-          </a:bodyPr>
-          <a:lstStyle/>
-          <a:p>
-            <a:r>
-              <a:rPr lang="fr-FR" dirty="0" smtClean="0"/>
-              <a:t>Pilote Automatique</a:t>
-            </a:r>
-            <a:br>
-              <a:rPr lang="fr-FR" dirty="0" smtClean="0"/>
-            </a:br>
-            <a:r>
-              <a:rPr lang="fr-FR" dirty="0" smtClean="0"/>
-              <a:t>Modélisation</a:t>
-            </a:r>
-            <a:endParaRPr lang="fr-FR" dirty="0"/>
-          </a:p>
-        </p:txBody>
-      </p:sp>
-      <p:sp>
-        <p:nvSpPr>
-          <p:cNvPr id="3" name="Espace réservé du contenu 2"/>
-          <p:cNvSpPr>
-            <a:spLocks noGrp="1"/>
-          </p:cNvSpPr>
-          <p:nvPr>
-            <p:ph sz="quarter" idx="1"/>
-          </p:nvPr>
-        </p:nvSpPr>
-        <p:spPr/>
-        <p:txBody>
-          <a:bodyPr/>
-          <a:lstStyle/>
-          <a:p>
-            <a:endParaRPr lang="fr-FR"/>
-          </a:p>
-        </p:txBody>
-      </p:sp>
-      <p:sp>
-        <p:nvSpPr>
-          <p:cNvPr id="4" name="Espace réservé du numéro de diapositive 3"/>
-          <p:cNvSpPr>
-            <a:spLocks noGrp="1"/>
-          </p:cNvSpPr>
-          <p:nvPr>
-            <p:ph type="sldNum" sz="quarter" idx="15"/>
-          </p:nvPr>
-        </p:nvSpPr>
-        <p:spPr/>
-        <p:txBody>
-          <a:bodyPr/>
-          <a:lstStyle/>
-          <a:p>
-            <a:fld id="{136A7F36-7A21-4EA8-9DC2-F00219448035}" type="slidenum">
-              <a:rPr lang="fr-FR" smtClean="0"/>
-              <a:t>33</a:t>
-            </a:fld>
-            <a:endParaRPr lang="fr-FR"/>
-          </a:p>
-        </p:txBody>
-      </p:sp>
-    </p:spTree>
-    <p:extLst>
-      <p:ext uri="{BB962C8B-B14F-4D97-AF65-F5344CB8AC3E}">
-        <p14:creationId xmlns:p14="http://schemas.microsoft.com/office/powerpoint/2010/main" val="2388859630"/>
-      </p:ext>
-    </p:extLst>
-  </p:cSld>
-  <p:clrMapOvr>
-    <a:masterClrMapping/>
-  </p:clrMapOvr>
-</p:sld>
-</file>
-
-<file path=ppt/slides/slide34.xml><?xml version="1.0" encoding="utf-8"?>
-<p:sld xmlns:a="http://schemas.openxmlformats.org/drawingml/2006/main" xmlns:r="http://schemas.openxmlformats.org/officeDocument/2006/relationships" xmlns:p="http://schemas.openxmlformats.org/presentationml/2006/main">
-  <p:cSld>
-    <p:spTree>
-      <p:nvGrpSpPr>
-        <p:cNvPr id="1" name=""/>
-        <p:cNvGrpSpPr/>
-        <p:nvPr/>
-      </p:nvGrpSpPr>
-      <p:grpSpPr>
-        <a:xfrm>
-          <a:off x="0" y="0"/>
-          <a:ext cx="0" cy="0"/>
-          <a:chOff x="0" y="0"/>
-          <a:chExt cx="0" cy="0"/>
-        </a:xfrm>
-      </p:grpSpPr>
-      <p:sp>
-        <p:nvSpPr>
-          <p:cNvPr id="2" name="Titre 1"/>
-          <p:cNvSpPr>
-            <a:spLocks noGrp="1"/>
-          </p:cNvSpPr>
-          <p:nvPr>
-            <p:ph type="title"/>
-          </p:nvPr>
-        </p:nvSpPr>
-        <p:spPr/>
-        <p:txBody>
-          <a:bodyPr>
-            <a:normAutofit fontScale="90000"/>
-          </a:bodyPr>
-          <a:lstStyle/>
-          <a:p>
-            <a:r>
-              <a:rPr lang="fr-FR" dirty="0" smtClean="0"/>
-              <a:t>Pilote automatique</a:t>
-            </a:r>
-            <a:br>
-              <a:rPr lang="fr-FR" dirty="0" smtClean="0"/>
-            </a:br>
-            <a:r>
-              <a:rPr lang="fr-FR" dirty="0" smtClean="0"/>
-              <a:t>Application pédagogique</a:t>
-            </a:r>
-            <a:endParaRPr lang="fr-FR" dirty="0"/>
-          </a:p>
-        </p:txBody>
-      </p:sp>
-      <p:sp>
-        <p:nvSpPr>
-          <p:cNvPr id="3" name="Espace réservé du contenu 2"/>
-          <p:cNvSpPr>
-            <a:spLocks noGrp="1"/>
-          </p:cNvSpPr>
-          <p:nvPr>
-            <p:ph sz="quarter" idx="1"/>
-          </p:nvPr>
-        </p:nvSpPr>
-        <p:spPr/>
-        <p:txBody>
-          <a:bodyPr/>
-          <a:lstStyle/>
-          <a:p>
-            <a:endParaRPr lang="fr-FR"/>
-          </a:p>
-        </p:txBody>
-      </p:sp>
-      <p:sp>
-        <p:nvSpPr>
-          <p:cNvPr id="4" name="Espace réservé du numéro de diapositive 3"/>
-          <p:cNvSpPr>
-            <a:spLocks noGrp="1"/>
-          </p:cNvSpPr>
-          <p:nvPr>
-            <p:ph type="sldNum" sz="quarter" idx="15"/>
-          </p:nvPr>
-        </p:nvSpPr>
-        <p:spPr/>
-        <p:txBody>
-          <a:bodyPr/>
-          <a:lstStyle/>
-          <a:p>
-            <a:fld id="{136A7F36-7A21-4EA8-9DC2-F00219448035}" type="slidenum">
-              <a:rPr lang="fr-FR" smtClean="0"/>
-              <a:t>34</a:t>
-            </a:fld>
-            <a:endParaRPr lang="fr-FR"/>
-          </a:p>
-        </p:txBody>
-      </p:sp>
-    </p:spTree>
-    <p:extLst>
-      <p:ext uri="{BB962C8B-B14F-4D97-AF65-F5344CB8AC3E}">
-        <p14:creationId xmlns:p14="http://schemas.microsoft.com/office/powerpoint/2010/main" val="4068046631"/>
-      </p:ext>
-    </p:extLst>
-  </p:cSld>
-  <p:clrMapOvr>
-    <a:masterClrMapping/>
-  </p:clrMapOvr>
-</p:sld>
-</file>
-
-<file path=ppt/slides/slide35.xml><?xml version="1.0" encoding="utf-8"?>
-<p:sld xmlns:a="http://schemas.openxmlformats.org/drawingml/2006/main" xmlns:r="http://schemas.openxmlformats.org/officeDocument/2006/relationships" xmlns:p="http://schemas.openxmlformats.org/presentationml/2006/main">
-  <p:cSld>
-    <p:spTree>
-      <p:nvGrpSpPr>
-        <p:cNvPr id="1" name=""/>
-        <p:cNvGrpSpPr/>
-        <p:nvPr/>
-      </p:nvGrpSpPr>
-      <p:grpSpPr>
-        <a:xfrm>
-          <a:off x="0" y="0"/>
-          <a:ext cx="0" cy="0"/>
-          <a:chOff x="0" y="0"/>
-          <a:chExt cx="0" cy="0"/>
-        </a:xfrm>
-      </p:grpSpPr>
-      <p:sp>
-        <p:nvSpPr>
-          <p:cNvPr id="4" name="Titre 3"/>
-          <p:cNvSpPr>
-            <a:spLocks noGrp="1"/>
-          </p:cNvSpPr>
-          <p:nvPr>
-            <p:ph type="title"/>
-          </p:nvPr>
-        </p:nvSpPr>
-        <p:spPr/>
-        <p:txBody>
-          <a:bodyPr/>
-          <a:lstStyle/>
-          <a:p>
-            <a:r>
-              <a:rPr lang="fr-FR" dirty="0" err="1" smtClean="0"/>
-              <a:t>Xcos</a:t>
-            </a:r>
-            <a:r>
-              <a:rPr lang="fr-FR" dirty="0" smtClean="0"/>
-              <a:t> &amp; </a:t>
-            </a:r>
-            <a:r>
-              <a:rPr lang="fr-FR" dirty="0" err="1" smtClean="0"/>
-              <a:t>Arduino</a:t>
-            </a:r>
-            <a:endParaRPr lang="fr-FR" dirty="0"/>
-          </a:p>
-        </p:txBody>
-      </p:sp>
-      <p:sp>
-        <p:nvSpPr>
-          <p:cNvPr id="5" name="Espace réservé du texte 4"/>
-          <p:cNvSpPr>
-            <a:spLocks noGrp="1"/>
-          </p:cNvSpPr>
-          <p:nvPr>
-            <p:ph type="body" idx="1"/>
-          </p:nvPr>
-        </p:nvSpPr>
-        <p:spPr/>
-        <p:txBody>
-          <a:bodyPr/>
-          <a:lstStyle/>
-          <a:p>
-            <a:endParaRPr lang="fr-FR"/>
-          </a:p>
-        </p:txBody>
-      </p:sp>
-      <p:sp>
-        <p:nvSpPr>
-          <p:cNvPr id="2" name="Espace réservé du numéro de diapositive 1"/>
-          <p:cNvSpPr>
-            <a:spLocks noGrp="1"/>
-          </p:cNvSpPr>
-          <p:nvPr>
-            <p:ph type="sldNum" sz="quarter" idx="12"/>
-          </p:nvPr>
-        </p:nvSpPr>
-        <p:spPr/>
-        <p:txBody>
-          <a:bodyPr/>
-          <a:lstStyle/>
-          <a:p>
-            <a:fld id="{136A7F36-7A21-4EA8-9DC2-F00219448035}" type="slidenum">
-              <a:rPr lang="fr-FR" smtClean="0"/>
-              <a:t>35</a:t>
-            </a:fld>
-            <a:endParaRPr lang="fr-FR"/>
-          </a:p>
-        </p:txBody>
-      </p:sp>
-    </p:spTree>
-    <p:extLst>
-      <p:ext uri="{BB962C8B-B14F-4D97-AF65-F5344CB8AC3E}">
-        <p14:creationId xmlns:p14="http://schemas.microsoft.com/office/powerpoint/2010/main" val="1589319820"/>
-      </p:ext>
-    </p:extLst>
-  </p:cSld>
-  <p:clrMapOvr>
-    <a:masterClrMapping/>
-  </p:clrMapOvr>
-</p:sld>
-</file>
-
-<file path=ppt/slides/slide36.xml><?xml version="1.0" encoding="utf-8"?>
-<p:sld xmlns:a="http://schemas.openxmlformats.org/drawingml/2006/main" xmlns:r="http://schemas.openxmlformats.org/officeDocument/2006/relationships" xmlns:p="http://schemas.openxmlformats.org/presentationml/2006/main">
-  <p:cSld>
-    <p:spTree>
-      <p:nvGrpSpPr>
-        <p:cNvPr id="1" name=""/>
-        <p:cNvGrpSpPr/>
-        <p:nvPr/>
-      </p:nvGrpSpPr>
-      <p:grpSpPr>
-        <a:xfrm>
-          <a:off x="0" y="0"/>
-          <a:ext cx="0" cy="0"/>
-          <a:chOff x="0" y="0"/>
-          <a:chExt cx="0" cy="0"/>
-        </a:xfrm>
-      </p:grpSpPr>
-      <p:sp>
-        <p:nvSpPr>
-          <p:cNvPr id="2" name="Titre 1"/>
-          <p:cNvSpPr>
-            <a:spLocks noGrp="1"/>
-          </p:cNvSpPr>
-          <p:nvPr>
-            <p:ph type="title"/>
-          </p:nvPr>
-        </p:nvSpPr>
-        <p:spPr/>
-        <p:txBody>
-          <a:bodyPr>
-            <a:normAutofit/>
-          </a:bodyPr>
-          <a:lstStyle/>
-          <a:p>
-            <a:r>
-              <a:rPr lang="fr-FR" dirty="0" err="1" smtClean="0"/>
-              <a:t>Xcos</a:t>
-            </a:r>
-            <a:r>
-              <a:rPr lang="fr-FR" dirty="0" smtClean="0"/>
-              <a:t> </a:t>
-            </a:r>
-            <a:r>
-              <a:rPr lang="fr-FR" dirty="0" err="1" smtClean="0"/>
-              <a:t>Arduino</a:t>
-            </a:r>
-            <a:endParaRPr lang="fr-FR" dirty="0"/>
-          </a:p>
-        </p:txBody>
-      </p:sp>
-      <p:sp>
-        <p:nvSpPr>
-          <p:cNvPr id="3" name="Espace réservé du contenu 2"/>
-          <p:cNvSpPr>
-            <a:spLocks noGrp="1"/>
-          </p:cNvSpPr>
-          <p:nvPr>
-            <p:ph sz="quarter" idx="1"/>
-          </p:nvPr>
-        </p:nvSpPr>
-        <p:spPr/>
-        <p:txBody>
-          <a:bodyPr/>
-          <a:lstStyle/>
-          <a:p>
-            <a:r>
-              <a:rPr lang="fr-FR" dirty="0" smtClean="0"/>
-              <a:t>Actions préliminaires</a:t>
-            </a:r>
-          </a:p>
-          <a:p>
-            <a:pPr lvl="1"/>
-            <a:r>
-              <a:rPr lang="fr-FR" dirty="0" smtClean="0"/>
-              <a:t>Dans le gestionnaire de module </a:t>
-            </a:r>
-            <a:r>
-              <a:rPr lang="fr-FR" dirty="0" err="1" smtClean="0"/>
-              <a:t>Atom</a:t>
-            </a:r>
-            <a:r>
-              <a:rPr lang="fr-FR" dirty="0" smtClean="0"/>
-              <a:t> de Scilab</a:t>
-            </a:r>
-          </a:p>
-          <a:p>
-            <a:pPr lvl="2"/>
-            <a:r>
-              <a:rPr lang="fr-FR" dirty="0" smtClean="0"/>
-              <a:t>Installer le module </a:t>
-            </a:r>
-            <a:r>
-              <a:rPr lang="fr-FR" dirty="0" err="1" smtClean="0"/>
-              <a:t>Arduino</a:t>
-            </a:r>
-            <a:endParaRPr lang="fr-FR" dirty="0" smtClean="0"/>
-          </a:p>
-          <a:p>
-            <a:pPr lvl="2"/>
-            <a:endParaRPr lang="fr-FR" dirty="0"/>
-          </a:p>
-          <a:p>
-            <a:pPr lvl="1"/>
-            <a:r>
-              <a:rPr lang="fr-FR" dirty="0" smtClean="0"/>
-              <a:t>Dans le logiciel </a:t>
-            </a:r>
-            <a:r>
-              <a:rPr lang="fr-FR" dirty="0" err="1" smtClean="0"/>
-              <a:t>Arduino</a:t>
-            </a:r>
-            <a:endParaRPr lang="fr-FR" dirty="0" smtClean="0"/>
-          </a:p>
-          <a:p>
-            <a:pPr lvl="2"/>
-            <a:r>
-              <a:rPr lang="fr-FR" dirty="0"/>
-              <a:t>Télécharger toolbox_arduino_v3.ino (</a:t>
-            </a:r>
-            <a:r>
-              <a:rPr lang="fr-FR" dirty="0">
-                <a:hlinkClick r:id="rId2"/>
-              </a:rPr>
-              <a:t>http://</a:t>
-            </a:r>
-            <a:r>
-              <a:rPr lang="fr-FR" dirty="0" smtClean="0">
-                <a:hlinkClick r:id="rId2"/>
-              </a:rPr>
-              <a:t>www.demosciences.fr/projets/scilab-arduino/toolbox_arduino_v3.ino?attredirects=0&amp;d=1</a:t>
-            </a:r>
-            <a:r>
-              <a:rPr lang="fr-FR" dirty="0" smtClean="0"/>
-              <a:t>) </a:t>
-            </a:r>
-          </a:p>
-          <a:p>
-            <a:pPr lvl="2"/>
-            <a:r>
-              <a:rPr lang="fr-FR" dirty="0" err="1" smtClean="0"/>
-              <a:t>Téléverser</a:t>
-            </a:r>
-            <a:r>
-              <a:rPr lang="fr-FR" dirty="0" smtClean="0"/>
-              <a:t> la </a:t>
-            </a:r>
-            <a:r>
-              <a:rPr lang="fr-FR" dirty="0" err="1" smtClean="0"/>
-              <a:t>toolbox</a:t>
-            </a:r>
-            <a:r>
-              <a:rPr lang="fr-FR" dirty="0" smtClean="0"/>
-              <a:t> dans une carte </a:t>
-            </a:r>
-            <a:r>
-              <a:rPr lang="fr-FR" dirty="0" err="1" smtClean="0"/>
-              <a:t>arduino</a:t>
-            </a:r>
-            <a:r>
-              <a:rPr lang="fr-FR" dirty="0" smtClean="0"/>
-              <a:t> </a:t>
-            </a:r>
-            <a:r>
-              <a:rPr lang="fr-FR" dirty="0" err="1" smtClean="0"/>
-              <a:t>Uno</a:t>
-            </a:r>
-            <a:endParaRPr lang="fr-FR" dirty="0"/>
-          </a:p>
-        </p:txBody>
-      </p:sp>
-      <p:sp>
-        <p:nvSpPr>
-          <p:cNvPr id="4" name="Espace réservé du numéro de diapositive 3"/>
-          <p:cNvSpPr>
-            <a:spLocks noGrp="1"/>
-          </p:cNvSpPr>
-          <p:nvPr>
-            <p:ph type="sldNum" sz="quarter" idx="15"/>
-          </p:nvPr>
-        </p:nvSpPr>
-        <p:spPr/>
-        <p:txBody>
-          <a:bodyPr/>
-          <a:lstStyle/>
-          <a:p>
-            <a:fld id="{136A7F36-7A21-4EA8-9DC2-F00219448035}" type="slidenum">
-              <a:rPr lang="fr-FR" smtClean="0"/>
-              <a:t>36</a:t>
-            </a:fld>
-            <a:endParaRPr lang="fr-FR"/>
-          </a:p>
-        </p:txBody>
-      </p:sp>
-    </p:spTree>
-    <p:extLst>
-      <p:ext uri="{BB962C8B-B14F-4D97-AF65-F5344CB8AC3E}">
-        <p14:creationId xmlns:p14="http://schemas.microsoft.com/office/powerpoint/2010/main" val="2728033274"/>
-      </p:ext>
-    </p:extLst>
-  </p:cSld>
-  <p:clrMapOvr>
-    <a:masterClrMapping/>
-  </p:clrMapOvr>
-</p:sld>
-</file>
-
-<file path=ppt/slides/slide37.xml><?xml version="1.0" encoding="utf-8"?>
-<p:sld xmlns:a="http://schemas.openxmlformats.org/drawingml/2006/main" xmlns:r="http://schemas.openxmlformats.org/officeDocument/2006/relationships" xmlns:p="http://schemas.openxmlformats.org/presentationml/2006/main">
-  <p:cSld>
-    <p:spTree>
-      <p:nvGrpSpPr>
-        <p:cNvPr id="1" name=""/>
-        <p:cNvGrpSpPr/>
-        <p:nvPr/>
-      </p:nvGrpSpPr>
-      <p:grpSpPr>
-        <a:xfrm>
-          <a:off x="0" y="0"/>
-          <a:ext cx="0" cy="0"/>
-          <a:chOff x="0" y="0"/>
-          <a:chExt cx="0" cy="0"/>
-        </a:xfrm>
-      </p:grpSpPr>
-      <p:sp>
-        <p:nvSpPr>
-          <p:cNvPr id="2" name="Espace réservé du contenu 1"/>
-          <p:cNvSpPr>
-            <a:spLocks noGrp="1"/>
-          </p:cNvSpPr>
-          <p:nvPr>
-            <p:ph sz="quarter" idx="1"/>
-          </p:nvPr>
-        </p:nvSpPr>
-        <p:spPr/>
-        <p:txBody>
-          <a:bodyPr/>
-          <a:lstStyle/>
-          <a:p>
-            <a:endParaRPr lang="fr-FR"/>
-          </a:p>
-        </p:txBody>
-      </p:sp>
-      <p:sp>
-        <p:nvSpPr>
-          <p:cNvPr id="3" name="Titre 2"/>
-          <p:cNvSpPr>
-            <a:spLocks noGrp="1"/>
-          </p:cNvSpPr>
-          <p:nvPr>
-            <p:ph type="title"/>
-          </p:nvPr>
-        </p:nvSpPr>
-        <p:spPr/>
-        <p:txBody>
-          <a:bodyPr>
-            <a:normAutofit fontScale="90000"/>
-          </a:bodyPr>
-          <a:lstStyle/>
-          <a:p>
-            <a:r>
-              <a:rPr lang="fr-FR" dirty="0" err="1" smtClean="0"/>
-              <a:t>Xcos</a:t>
-            </a:r>
-            <a:r>
-              <a:rPr lang="fr-FR" dirty="0" smtClean="0"/>
-              <a:t> </a:t>
-            </a:r>
-            <a:r>
-              <a:rPr lang="fr-FR" dirty="0" err="1" smtClean="0"/>
-              <a:t>Arduino</a:t>
-            </a:r>
-            <a:r>
-              <a:rPr lang="fr-FR" dirty="0" smtClean="0"/>
-              <a:t/>
-            </a:r>
-            <a:br>
-              <a:rPr lang="fr-FR" dirty="0" smtClean="0"/>
-            </a:br>
-            <a:r>
-              <a:rPr lang="fr-FR" smtClean="0"/>
-              <a:t>Première prise en main</a:t>
-            </a:r>
-            <a:endParaRPr lang="fr-FR"/>
-          </a:p>
-        </p:txBody>
-      </p:sp>
-      <p:sp>
-        <p:nvSpPr>
-          <p:cNvPr id="4" name="Espace réservé du numéro de diapositive 3"/>
-          <p:cNvSpPr>
-            <a:spLocks noGrp="1"/>
-          </p:cNvSpPr>
-          <p:nvPr>
-            <p:ph type="sldNum" sz="quarter" idx="15"/>
-          </p:nvPr>
-        </p:nvSpPr>
-        <p:spPr/>
-        <p:txBody>
-          <a:bodyPr/>
-          <a:lstStyle/>
-          <a:p>
-            <a:fld id="{136A7F36-7A21-4EA8-9DC2-F00219448035}" type="slidenum">
-              <a:rPr lang="fr-FR" smtClean="0"/>
-              <a:t>37</a:t>
-            </a:fld>
-            <a:endParaRPr lang="fr-FR"/>
-          </a:p>
-        </p:txBody>
-      </p:sp>
-    </p:spTree>
-    <p:extLst>
-      <p:ext uri="{BB962C8B-B14F-4D97-AF65-F5344CB8AC3E}">
-        <p14:creationId xmlns:p14="http://schemas.microsoft.com/office/powerpoint/2010/main" val="3659039995"/>
-      </p:ext>
-    </p:extLst>
-  </p:cSld>
-  <p:clrMapOvr>
-    <a:masterClrMapping/>
-  </p:clrMapOvr>
-</p:sld>
-</file>
-
-<file path=ppt/slides/slide38.xml><?xml version="1.0" encoding="utf-8"?>
-<p:sld xmlns:a="http://schemas.openxmlformats.org/drawingml/2006/main" xmlns:r="http://schemas.openxmlformats.org/officeDocument/2006/relationships" xmlns:p="http://schemas.openxmlformats.org/presentationml/2006/main">
-  <p:cSld>
-    <p:spTree>
-      <p:nvGrpSpPr>
-        <p:cNvPr id="1" name=""/>
-        <p:cNvGrpSpPr/>
-        <p:nvPr/>
-      </p:nvGrpSpPr>
-      <p:grpSpPr>
-        <a:xfrm>
-          <a:off x="0" y="0"/>
-          <a:ext cx="0" cy="0"/>
-          <a:chOff x="0" y="0"/>
-          <a:chExt cx="0" cy="0"/>
-        </a:xfrm>
-      </p:grpSpPr>
-      <p:sp>
-        <p:nvSpPr>
-          <p:cNvPr id="4" name="Espace réservé du numéro de diapositive 3"/>
-          <p:cNvSpPr>
-            <a:spLocks noGrp="1"/>
-          </p:cNvSpPr>
-          <p:nvPr>
-            <p:ph type="sldNum" sz="quarter" idx="12"/>
-          </p:nvPr>
-        </p:nvSpPr>
-        <p:spPr/>
-        <p:txBody>
-          <a:bodyPr/>
-          <a:lstStyle/>
-          <a:p>
-            <a:fld id="{136A7F36-7A21-4EA8-9DC2-F00219448035}" type="slidenum">
-              <a:rPr lang="fr-FR" smtClean="0"/>
-              <a:t>38</a:t>
             </a:fld>
             <a:endParaRPr lang="fr-FR"/>
           </a:p>
@@ -13086,6 +11930,4065 @@
 </p:sld>
 </file>
 
+<file path=ppt/slides/slide33.xml><?xml version="1.0" encoding="utf-8"?>
+<p:sld xmlns:a="http://schemas.openxmlformats.org/drawingml/2006/main" xmlns:r="http://schemas.openxmlformats.org/officeDocument/2006/relationships" xmlns:p="http://schemas.openxmlformats.org/presentationml/2006/main">
+  <p:cSld>
+    <p:spTree>
+      <p:nvGrpSpPr>
+        <p:cNvPr id="1" name=""/>
+        <p:cNvGrpSpPr/>
+        <p:nvPr/>
+      </p:nvGrpSpPr>
+      <p:grpSpPr>
+        <a:xfrm>
+          <a:off x="0" y="0"/>
+          <a:ext cx="0" cy="0"/>
+          <a:chOff x="0" y="0"/>
+          <a:chExt cx="0" cy="0"/>
+        </a:xfrm>
+      </p:grpSpPr>
+      <p:sp>
+        <p:nvSpPr>
+          <p:cNvPr id="2" name="Espace réservé du numéro de diapositive 1"/>
+          <p:cNvSpPr>
+            <a:spLocks noGrp="1"/>
+          </p:cNvSpPr>
+          <p:nvPr>
+            <p:ph type="sldNum" sz="quarter" idx="12"/>
+          </p:nvPr>
+        </p:nvSpPr>
+        <p:spPr/>
+        <p:txBody>
+          <a:bodyPr/>
+          <a:lstStyle/>
+          <a:p>
+            <a:fld id="{136A7F36-7A21-4EA8-9DC2-F00219448035}" type="slidenum">
+              <a:rPr lang="fr-FR" smtClean="0"/>
+              <a:t>33</a:t>
+            </a:fld>
+            <a:endParaRPr lang="fr-FR"/>
+          </a:p>
+        </p:txBody>
+      </p:sp>
+      <p:sp>
+        <p:nvSpPr>
+          <p:cNvPr id="4" name="AutoShape 27"/>
+          <p:cNvSpPr>
+            <a:spLocks noChangeArrowheads="1"/>
+          </p:cNvSpPr>
+          <p:nvPr/>
+        </p:nvSpPr>
+        <p:spPr bwMode="auto">
+          <a:xfrm>
+            <a:off x="-114300" y="1085850"/>
+            <a:ext cx="9705975" cy="2801938"/>
+          </a:xfrm>
+          <a:prstGeom prst="roundRect">
+            <a:avLst>
+              <a:gd name="adj" fmla="val 16667"/>
+            </a:avLst>
+          </a:prstGeom>
+          <a:solidFill>
+            <a:srgbClr val="DDD8C2"/>
+          </a:solidFill>
+          <a:ln w="9525">
+            <a:solidFill>
+              <a:srgbClr val="000000"/>
+            </a:solidFill>
+            <a:round/>
+            <a:headEnd/>
+            <a:tailEnd/>
+          </a:ln>
+        </p:spPr>
+        <p:txBody>
+          <a:bodyPr vert="horz" wrap="square" lIns="91440" tIns="45720" rIns="91440" bIns="45720" numCol="1" anchor="t" anchorCtr="0" compatLnSpc="1">
+            <a:prstTxWarp prst="textNoShape">
+              <a:avLst/>
+            </a:prstTxWarp>
+          </a:bodyPr>
+          <a:lstStyle/>
+          <a:p>
+            <a:endParaRPr lang="fr-FR"/>
+          </a:p>
+        </p:txBody>
+      </p:sp>
+      <p:sp>
+        <p:nvSpPr>
+          <p:cNvPr id="5" name="AutoShape 26"/>
+          <p:cNvSpPr>
+            <a:spLocks noChangeArrowheads="1"/>
+          </p:cNvSpPr>
+          <p:nvPr/>
+        </p:nvSpPr>
+        <p:spPr bwMode="auto">
+          <a:xfrm>
+            <a:off x="-42863" y="1471613"/>
+            <a:ext cx="2082801" cy="2144712"/>
+          </a:xfrm>
+          <a:prstGeom prst="roundRect">
+            <a:avLst>
+              <a:gd name="adj" fmla="val 16667"/>
+            </a:avLst>
+          </a:prstGeom>
+          <a:solidFill>
+            <a:srgbClr val="DAEEF3"/>
+          </a:solidFill>
+          <a:ln w="9525">
+            <a:solidFill>
+              <a:srgbClr val="000000"/>
+            </a:solidFill>
+            <a:round/>
+            <a:headEnd/>
+            <a:tailEnd/>
+          </a:ln>
+        </p:spPr>
+        <p:txBody>
+          <a:bodyPr vert="horz" wrap="square" lIns="91440" tIns="45720" rIns="91440" bIns="45720" numCol="1" anchor="t" anchorCtr="0" compatLnSpc="1">
+            <a:prstTxWarp prst="textNoShape">
+              <a:avLst/>
+            </a:prstTxWarp>
+          </a:bodyPr>
+          <a:lstStyle/>
+          <a:p>
+            <a:endParaRPr lang="fr-FR"/>
+          </a:p>
+        </p:txBody>
+      </p:sp>
+      <p:sp>
+        <p:nvSpPr>
+          <p:cNvPr id="6" name="AutoShape 25"/>
+          <p:cNvSpPr>
+            <a:spLocks noChangeArrowheads="1"/>
+          </p:cNvSpPr>
+          <p:nvPr/>
+        </p:nvSpPr>
+        <p:spPr bwMode="auto">
+          <a:xfrm>
+            <a:off x="2171700" y="1471613"/>
+            <a:ext cx="2651125" cy="2144712"/>
+          </a:xfrm>
+          <a:prstGeom prst="roundRect">
+            <a:avLst>
+              <a:gd name="adj" fmla="val 16667"/>
+            </a:avLst>
+          </a:prstGeom>
+          <a:solidFill>
+            <a:srgbClr val="E5DFEC"/>
+          </a:solidFill>
+          <a:ln w="9525">
+            <a:solidFill>
+              <a:srgbClr val="000000"/>
+            </a:solidFill>
+            <a:round/>
+            <a:headEnd/>
+            <a:tailEnd/>
+          </a:ln>
+        </p:spPr>
+        <p:txBody>
+          <a:bodyPr vert="horz" wrap="square" lIns="91440" tIns="45720" rIns="91440" bIns="45720" numCol="1" anchor="t" anchorCtr="0" compatLnSpc="1">
+            <a:prstTxWarp prst="textNoShape">
+              <a:avLst/>
+            </a:prstTxWarp>
+          </a:bodyPr>
+          <a:lstStyle/>
+          <a:p>
+            <a:endParaRPr lang="fr-FR"/>
+          </a:p>
+        </p:txBody>
+      </p:sp>
+      <p:sp>
+        <p:nvSpPr>
+          <p:cNvPr id="7" name="AutoShape 24"/>
+          <p:cNvSpPr>
+            <a:spLocks noChangeArrowheads="1"/>
+          </p:cNvSpPr>
+          <p:nvPr/>
+        </p:nvSpPr>
+        <p:spPr bwMode="auto">
+          <a:xfrm>
+            <a:off x="4940300" y="1471613"/>
+            <a:ext cx="2365375" cy="2144712"/>
+          </a:xfrm>
+          <a:prstGeom prst="roundRect">
+            <a:avLst>
+              <a:gd name="adj" fmla="val 16667"/>
+            </a:avLst>
+          </a:prstGeom>
+          <a:solidFill>
+            <a:srgbClr val="EAF1DD"/>
+          </a:solidFill>
+          <a:ln w="9525">
+            <a:solidFill>
+              <a:srgbClr val="000000"/>
+            </a:solidFill>
+            <a:round/>
+            <a:headEnd/>
+            <a:tailEnd/>
+          </a:ln>
+        </p:spPr>
+        <p:txBody>
+          <a:bodyPr vert="horz" wrap="square" lIns="91440" tIns="45720" rIns="91440" bIns="45720" numCol="1" anchor="t" anchorCtr="0" compatLnSpc="1">
+            <a:prstTxWarp prst="textNoShape">
+              <a:avLst/>
+            </a:prstTxWarp>
+          </a:bodyPr>
+          <a:lstStyle/>
+          <a:p>
+            <a:endParaRPr lang="fr-FR"/>
+          </a:p>
+        </p:txBody>
+      </p:sp>
+      <p:sp>
+        <p:nvSpPr>
+          <p:cNvPr id="8" name="AutoShape 23"/>
+          <p:cNvSpPr>
+            <a:spLocks noChangeArrowheads="1"/>
+          </p:cNvSpPr>
+          <p:nvPr/>
+        </p:nvSpPr>
+        <p:spPr bwMode="auto">
+          <a:xfrm>
+            <a:off x="7424738" y="1471613"/>
+            <a:ext cx="2082800" cy="2144712"/>
+          </a:xfrm>
+          <a:prstGeom prst="roundRect">
+            <a:avLst>
+              <a:gd name="adj" fmla="val 16667"/>
+            </a:avLst>
+          </a:prstGeom>
+          <a:solidFill>
+            <a:srgbClr val="F2DBDB"/>
+          </a:solidFill>
+          <a:ln w="9525">
+            <a:solidFill>
+              <a:srgbClr val="000000"/>
+            </a:solidFill>
+            <a:round/>
+            <a:headEnd/>
+            <a:tailEnd/>
+          </a:ln>
+        </p:spPr>
+        <p:txBody>
+          <a:bodyPr vert="horz" wrap="square" lIns="91440" tIns="45720" rIns="91440" bIns="45720" numCol="1" anchor="t" anchorCtr="0" compatLnSpc="1">
+            <a:prstTxWarp prst="textNoShape">
+              <a:avLst/>
+            </a:prstTxWarp>
+          </a:bodyPr>
+          <a:lstStyle/>
+          <a:p>
+            <a:endParaRPr lang="fr-FR"/>
+          </a:p>
+        </p:txBody>
+      </p:sp>
+      <p:sp>
+        <p:nvSpPr>
+          <p:cNvPr id="12" name="Text Box 19"/>
+          <p:cNvSpPr txBox="1">
+            <a:spLocks noChangeArrowheads="1"/>
+          </p:cNvSpPr>
+          <p:nvPr/>
+        </p:nvSpPr>
+        <p:spPr bwMode="auto">
+          <a:xfrm>
+            <a:off x="25400" y="1592263"/>
+            <a:ext cx="2100263" cy="1082675"/>
+          </a:xfrm>
+          <a:prstGeom prst="rect">
+            <a:avLst/>
+          </a:prstGeom>
+          <a:noFill/>
+          <a:ln>
+            <a:noFill/>
+          </a:ln>
+          <a:extLst>
+            <a:ext uri="{909E8E84-426E-40DD-AFC4-6F175D3DCCD1}">
+              <a14:hiddenFill xmlns:a14="http://schemas.microsoft.com/office/drawing/2010/main">
+                <a:solidFill>
+                  <a:srgbClr val="FFFFFF"/>
+                </a:solidFill>
+              </a14:hiddenFill>
+            </a:ext>
+            <a:ext uri="{91240B29-F687-4F45-9708-019B960494DF}">
+              <a14:hiddenLine xmlns:a14="http://schemas.microsoft.com/office/drawing/2010/main" w="9525">
+                <a:solidFill>
+                  <a:srgbClr val="000000"/>
+                </a:solidFill>
+                <a:miter lim="800000"/>
+                <a:headEnd/>
+                <a:tailEnd/>
+              </a14:hiddenLine>
+            </a:ext>
+          </a:extLst>
+        </p:spPr>
+        <p:txBody>
+          <a:bodyPr vert="horz" wrap="square" lIns="91440" tIns="45720" rIns="91440" bIns="45720" numCol="1" anchor="t" anchorCtr="0" compatLnSpc="1">
+            <a:prstTxWarp prst="textNoShape">
+              <a:avLst/>
+            </a:prstTxWarp>
+          </a:bodyPr>
+          <a:lstStyle/>
+          <a:p>
+            <a:pPr marL="0" marR="0" lvl="0" indent="0" algn="ctr" defTabSz="914400" rtl="0" eaLnBrk="1" fontAlgn="base" latinLnBrk="0" hangingPunct="1">
+              <a:lnSpc>
+                <a:spcPct val="100000"/>
+              </a:lnSpc>
+              <a:spcBef>
+                <a:spcPct val="0"/>
+              </a:spcBef>
+              <a:spcAft>
+                <a:spcPct val="0"/>
+              </a:spcAft>
+              <a:buClrTx/>
+              <a:buSzTx/>
+              <a:buFontTx/>
+              <a:buNone/>
+              <a:tabLst/>
+            </a:pPr>
+            <a:r>
+              <a:rPr kumimoji="0" lang="fr-FR" altLang="fr-FR" sz="1100" b="1" i="0" u="none" strike="noStrike" cap="none" normalizeH="0" baseline="0" smtClean="0">
+                <a:ln>
+                  <a:noFill/>
+                </a:ln>
+                <a:solidFill>
+                  <a:schemeClr val="tx1"/>
+                </a:solidFill>
+                <a:effectLst/>
+                <a:latin typeface="Calibri" pitchFamily="34" charset="0"/>
+                <a:ea typeface="Calibri" pitchFamily="34" charset="0"/>
+                <a:cs typeface="Times New Roman" pitchFamily="18" charset="0"/>
+              </a:rPr>
+              <a:t>Description fonctionnelle</a:t>
+            </a:r>
+            <a:endParaRPr kumimoji="0" lang="fr-FR" altLang="fr-FR" sz="800" b="0" i="0" u="none" strike="noStrike" cap="none" normalizeH="0" baseline="0" smtClean="0">
+              <a:ln>
+                <a:noFill/>
+              </a:ln>
+              <a:solidFill>
+                <a:schemeClr val="tx1"/>
+              </a:solidFill>
+              <a:effectLst/>
+              <a:latin typeface="Arial" pitchFamily="34" charset="0"/>
+              <a:cs typeface="Arial" pitchFamily="34" charset="0"/>
+            </a:endParaRPr>
+          </a:p>
+          <a:p>
+            <a:pPr marL="0" marR="0" lvl="0" indent="0" algn="ctr" defTabSz="914400" rtl="0" eaLnBrk="0" fontAlgn="base" latinLnBrk="0" hangingPunct="0">
+              <a:lnSpc>
+                <a:spcPct val="100000"/>
+              </a:lnSpc>
+              <a:spcBef>
+                <a:spcPct val="0"/>
+              </a:spcBef>
+              <a:spcAft>
+                <a:spcPct val="0"/>
+              </a:spcAft>
+              <a:buClrTx/>
+              <a:buSzTx/>
+              <a:buFontTx/>
+              <a:buNone/>
+              <a:tabLst/>
+            </a:pPr>
+            <a:r>
+              <a:rPr kumimoji="0" lang="fr-FR" altLang="fr-FR" sz="1100" b="0" i="0" u="none" strike="noStrike" cap="none" normalizeH="0" baseline="0" smtClean="0">
+                <a:ln>
+                  <a:noFill/>
+                </a:ln>
+                <a:solidFill>
+                  <a:schemeClr val="tx1"/>
+                </a:solidFill>
+                <a:effectLst/>
+                <a:latin typeface="Calibri" pitchFamily="34" charset="0"/>
+                <a:ea typeface="Calibri" pitchFamily="34" charset="0"/>
+                <a:cs typeface="Times New Roman" pitchFamily="18" charset="0"/>
+              </a:rPr>
+              <a:t>Bête à corne, APTE, SADT, FAST</a:t>
+            </a:r>
+            <a:endParaRPr kumimoji="0" lang="fr-FR" altLang="fr-FR" sz="800" b="0" i="0" u="none" strike="noStrike" cap="none" normalizeH="0" baseline="0" smtClean="0">
+              <a:ln>
+                <a:noFill/>
+              </a:ln>
+              <a:solidFill>
+                <a:schemeClr val="tx1"/>
+              </a:solidFill>
+              <a:effectLst/>
+              <a:latin typeface="Arial" pitchFamily="34" charset="0"/>
+              <a:cs typeface="Arial" pitchFamily="34" charset="0"/>
+            </a:endParaRPr>
+          </a:p>
+          <a:p>
+            <a:pPr marL="0" marR="0" lvl="0" indent="0" algn="l" defTabSz="914400" rtl="0" eaLnBrk="0" fontAlgn="base" latinLnBrk="0" hangingPunct="0">
+              <a:lnSpc>
+                <a:spcPct val="100000"/>
+              </a:lnSpc>
+              <a:spcBef>
+                <a:spcPct val="0"/>
+              </a:spcBef>
+              <a:spcAft>
+                <a:spcPct val="0"/>
+              </a:spcAft>
+              <a:buClrTx/>
+              <a:buSzTx/>
+              <a:buFontTx/>
+              <a:buNone/>
+              <a:tabLst/>
+            </a:pPr>
+            <a:endParaRPr kumimoji="0" lang="fr-FR" altLang="fr-FR" sz="1800" b="0" i="0" u="none" strike="noStrike" cap="none" normalizeH="0" baseline="0" smtClean="0">
+              <a:ln>
+                <a:noFill/>
+              </a:ln>
+              <a:solidFill>
+                <a:schemeClr val="tx1"/>
+              </a:solidFill>
+              <a:effectLst/>
+              <a:latin typeface="Arial" pitchFamily="34" charset="0"/>
+              <a:cs typeface="Arial" pitchFamily="34" charset="0"/>
+            </a:endParaRPr>
+          </a:p>
+        </p:txBody>
+      </p:sp>
+      <p:sp>
+        <p:nvSpPr>
+          <p:cNvPr id="13" name="Text Box 18"/>
+          <p:cNvSpPr txBox="1">
+            <a:spLocks noChangeArrowheads="1"/>
+          </p:cNvSpPr>
+          <p:nvPr/>
+        </p:nvSpPr>
+        <p:spPr bwMode="auto">
+          <a:xfrm>
+            <a:off x="2138363" y="1581150"/>
+            <a:ext cx="2724150" cy="1544638"/>
+          </a:xfrm>
+          <a:prstGeom prst="rect">
+            <a:avLst/>
+          </a:prstGeom>
+          <a:noFill/>
+          <a:ln>
+            <a:noFill/>
+          </a:ln>
+          <a:extLst>
+            <a:ext uri="{909E8E84-426E-40DD-AFC4-6F175D3DCCD1}">
+              <a14:hiddenFill xmlns:a14="http://schemas.microsoft.com/office/drawing/2010/main">
+                <a:solidFill>
+                  <a:srgbClr val="FFFFFF"/>
+                </a:solidFill>
+              </a14:hiddenFill>
+            </a:ext>
+            <a:ext uri="{91240B29-F687-4F45-9708-019B960494DF}">
+              <a14:hiddenLine xmlns:a14="http://schemas.microsoft.com/office/drawing/2010/main" w="9525">
+                <a:solidFill>
+                  <a:srgbClr val="000000"/>
+                </a:solidFill>
+                <a:miter lim="800000"/>
+                <a:headEnd/>
+                <a:tailEnd/>
+              </a14:hiddenLine>
+            </a:ext>
+          </a:extLst>
+        </p:spPr>
+        <p:txBody>
+          <a:bodyPr vert="horz" wrap="square" lIns="91440" tIns="45720" rIns="91440" bIns="45720" numCol="1" anchor="t" anchorCtr="0" compatLnSpc="1">
+            <a:prstTxWarp prst="textNoShape">
+              <a:avLst/>
+            </a:prstTxWarp>
+          </a:bodyPr>
+          <a:lstStyle/>
+          <a:p>
+            <a:pPr marL="0" marR="0" lvl="0" indent="0" algn="ctr" defTabSz="914400" rtl="0" eaLnBrk="1" fontAlgn="base" latinLnBrk="0" hangingPunct="1">
+              <a:lnSpc>
+                <a:spcPct val="100000"/>
+              </a:lnSpc>
+              <a:spcBef>
+                <a:spcPct val="0"/>
+              </a:spcBef>
+              <a:spcAft>
+                <a:spcPct val="0"/>
+              </a:spcAft>
+              <a:buClrTx/>
+              <a:buSzTx/>
+              <a:buFontTx/>
+              <a:buNone/>
+              <a:tabLst/>
+            </a:pPr>
+            <a:r>
+              <a:rPr kumimoji="0" lang="fr-FR" altLang="fr-FR" sz="1100" b="1" i="0" u="none" strike="noStrike" cap="none" normalizeH="0" baseline="0" smtClean="0">
+                <a:ln>
+                  <a:noFill/>
+                </a:ln>
+                <a:solidFill>
+                  <a:schemeClr val="tx1"/>
+                </a:solidFill>
+                <a:effectLst/>
+                <a:latin typeface="Calibri" pitchFamily="34" charset="0"/>
+                <a:ea typeface="Calibri" pitchFamily="34" charset="0"/>
+                <a:cs typeface="Times New Roman" pitchFamily="18" charset="0"/>
+              </a:rPr>
+              <a:t>Description structurelle</a:t>
+            </a:r>
+            <a:endParaRPr kumimoji="0" lang="fr-FR" altLang="fr-FR" sz="800" b="0" i="0" u="none" strike="noStrike" cap="none" normalizeH="0" baseline="0" smtClean="0">
+              <a:ln>
+                <a:noFill/>
+              </a:ln>
+              <a:solidFill>
+                <a:schemeClr val="tx1"/>
+              </a:solidFill>
+              <a:effectLst/>
+              <a:latin typeface="Arial" pitchFamily="34" charset="0"/>
+              <a:cs typeface="Arial" pitchFamily="34" charset="0"/>
+            </a:endParaRPr>
+          </a:p>
+          <a:p>
+            <a:pPr marL="0" marR="0" lvl="0" indent="0" algn="ctr" defTabSz="914400" rtl="0" eaLnBrk="0" fontAlgn="base" latinLnBrk="0" hangingPunct="0">
+              <a:lnSpc>
+                <a:spcPct val="100000"/>
+              </a:lnSpc>
+              <a:spcBef>
+                <a:spcPct val="0"/>
+              </a:spcBef>
+              <a:spcAft>
+                <a:spcPct val="0"/>
+              </a:spcAft>
+              <a:buClrTx/>
+              <a:buSzTx/>
+              <a:buFontTx/>
+              <a:buNone/>
+              <a:tabLst/>
+            </a:pPr>
+            <a:r>
+              <a:rPr kumimoji="0" lang="fr-FR" altLang="fr-FR" sz="1100" b="0" i="0" u="none" strike="noStrike" cap="none" normalizeH="0" baseline="0" smtClean="0">
+                <a:ln>
+                  <a:noFill/>
+                </a:ln>
+                <a:solidFill>
+                  <a:schemeClr val="tx1"/>
+                </a:solidFill>
+                <a:effectLst/>
+                <a:latin typeface="Calibri" pitchFamily="34" charset="0"/>
+                <a:ea typeface="Calibri" pitchFamily="34" charset="0"/>
+                <a:cs typeface="Times New Roman" pitchFamily="18" charset="0"/>
+              </a:rPr>
+              <a:t>Schémas cinématique, électrique, etc.</a:t>
+            </a:r>
+            <a:endParaRPr kumimoji="0" lang="fr-FR" altLang="fr-FR" sz="800" b="0" i="0" u="none" strike="noStrike" cap="none" normalizeH="0" baseline="0" smtClean="0">
+              <a:ln>
+                <a:noFill/>
+              </a:ln>
+              <a:solidFill>
+                <a:schemeClr val="tx1"/>
+              </a:solidFill>
+              <a:effectLst/>
+              <a:latin typeface="Arial" pitchFamily="34" charset="0"/>
+              <a:cs typeface="Arial" pitchFamily="34" charset="0"/>
+            </a:endParaRPr>
+          </a:p>
+          <a:p>
+            <a:pPr marL="0" marR="0" lvl="0" indent="0" algn="ctr" defTabSz="914400" rtl="0" eaLnBrk="0" fontAlgn="base" latinLnBrk="0" hangingPunct="0">
+              <a:lnSpc>
+                <a:spcPct val="100000"/>
+              </a:lnSpc>
+              <a:spcBef>
+                <a:spcPct val="0"/>
+              </a:spcBef>
+              <a:spcAft>
+                <a:spcPct val="0"/>
+              </a:spcAft>
+              <a:buClrTx/>
+              <a:buSzTx/>
+              <a:buFontTx/>
+              <a:buNone/>
+              <a:tabLst/>
+            </a:pPr>
+            <a:r>
+              <a:rPr kumimoji="0" lang="fr-FR" altLang="fr-FR" sz="1100" b="0" i="0" u="none" strike="noStrike" cap="none" normalizeH="0" baseline="0" smtClean="0">
+                <a:ln>
+                  <a:noFill/>
+                </a:ln>
+                <a:solidFill>
+                  <a:schemeClr val="tx1"/>
+                </a:solidFill>
+                <a:effectLst/>
+                <a:latin typeface="Calibri" pitchFamily="34" charset="0"/>
+                <a:ea typeface="Calibri" pitchFamily="34" charset="0"/>
+                <a:cs typeface="Times New Roman" pitchFamily="18" charset="0"/>
+              </a:rPr>
+              <a:t>Dessins techniques</a:t>
+            </a:r>
+            <a:endParaRPr kumimoji="0" lang="fr-FR" altLang="fr-FR" sz="800" b="0" i="0" u="none" strike="noStrike" cap="none" normalizeH="0" baseline="0" smtClean="0">
+              <a:ln>
+                <a:noFill/>
+              </a:ln>
+              <a:solidFill>
+                <a:schemeClr val="tx1"/>
+              </a:solidFill>
+              <a:effectLst/>
+              <a:latin typeface="Arial" pitchFamily="34" charset="0"/>
+              <a:cs typeface="Arial" pitchFamily="34" charset="0"/>
+            </a:endParaRPr>
+          </a:p>
+          <a:p>
+            <a:pPr marL="0" marR="0" lvl="0" indent="0" algn="ctr" defTabSz="914400" rtl="0" eaLnBrk="0" fontAlgn="base" latinLnBrk="0" hangingPunct="0">
+              <a:lnSpc>
+                <a:spcPct val="100000"/>
+              </a:lnSpc>
+              <a:spcBef>
+                <a:spcPct val="0"/>
+              </a:spcBef>
+              <a:spcAft>
+                <a:spcPct val="0"/>
+              </a:spcAft>
+              <a:buClrTx/>
+              <a:buSzTx/>
+              <a:buFontTx/>
+              <a:buNone/>
+              <a:tabLst/>
+            </a:pPr>
+            <a:r>
+              <a:rPr kumimoji="0" lang="fr-FR" altLang="fr-FR" sz="1100" b="0" i="0" u="none" strike="noStrike" cap="none" normalizeH="0" baseline="0" smtClean="0">
+                <a:ln>
+                  <a:noFill/>
+                </a:ln>
+                <a:solidFill>
+                  <a:schemeClr val="tx1"/>
+                </a:solidFill>
+                <a:effectLst/>
+                <a:latin typeface="Calibri" pitchFamily="34" charset="0"/>
+                <a:ea typeface="Calibri" pitchFamily="34" charset="0"/>
+                <a:cs typeface="Times New Roman" pitchFamily="18" charset="0"/>
+              </a:rPr>
+              <a:t>Perspectives et éclatés</a:t>
+            </a:r>
+            <a:endParaRPr kumimoji="0" lang="fr-FR" altLang="fr-FR" sz="800" b="0" i="0" u="none" strike="noStrike" cap="none" normalizeH="0" baseline="0" smtClean="0">
+              <a:ln>
+                <a:noFill/>
+              </a:ln>
+              <a:solidFill>
+                <a:schemeClr val="tx1"/>
+              </a:solidFill>
+              <a:effectLst/>
+              <a:latin typeface="Arial" pitchFamily="34" charset="0"/>
+              <a:cs typeface="Arial" pitchFamily="34" charset="0"/>
+            </a:endParaRPr>
+          </a:p>
+          <a:p>
+            <a:pPr marL="0" marR="0" lvl="0" indent="0" algn="ctr" defTabSz="914400" rtl="0" eaLnBrk="0" fontAlgn="base" latinLnBrk="0" hangingPunct="0">
+              <a:lnSpc>
+                <a:spcPct val="100000"/>
+              </a:lnSpc>
+              <a:spcBef>
+                <a:spcPct val="0"/>
+              </a:spcBef>
+              <a:spcAft>
+                <a:spcPct val="0"/>
+              </a:spcAft>
+              <a:buClrTx/>
+              <a:buSzTx/>
+              <a:buFontTx/>
+              <a:buNone/>
+              <a:tabLst/>
+            </a:pPr>
+            <a:r>
+              <a:rPr kumimoji="0" lang="fr-FR" altLang="fr-FR" sz="1100" b="0" i="0" u="none" strike="noStrike" cap="none" normalizeH="0" baseline="0" smtClean="0">
+                <a:ln>
+                  <a:noFill/>
+                </a:ln>
+                <a:solidFill>
+                  <a:schemeClr val="tx1"/>
+                </a:solidFill>
+                <a:effectLst/>
+                <a:latin typeface="Calibri" pitchFamily="34" charset="0"/>
+                <a:ea typeface="Calibri" pitchFamily="34" charset="0"/>
+                <a:cs typeface="Times New Roman" pitchFamily="18" charset="0"/>
+              </a:rPr>
+              <a:t>Schéma topo-fonctionnel (chaîne d’énergie  / chaîne d’information)</a:t>
+            </a:r>
+            <a:endParaRPr kumimoji="0" lang="fr-FR" altLang="fr-FR" sz="800" b="0" i="0" u="none" strike="noStrike" cap="none" normalizeH="0" baseline="0" smtClean="0">
+              <a:ln>
+                <a:noFill/>
+              </a:ln>
+              <a:solidFill>
+                <a:schemeClr val="tx1"/>
+              </a:solidFill>
+              <a:effectLst/>
+              <a:latin typeface="Arial" pitchFamily="34" charset="0"/>
+              <a:cs typeface="Arial" pitchFamily="34" charset="0"/>
+            </a:endParaRPr>
+          </a:p>
+          <a:p>
+            <a:pPr marL="0" marR="0" lvl="0" indent="0" algn="l" defTabSz="914400" rtl="0" eaLnBrk="0" fontAlgn="base" latinLnBrk="0" hangingPunct="0">
+              <a:lnSpc>
+                <a:spcPct val="100000"/>
+              </a:lnSpc>
+              <a:spcBef>
+                <a:spcPct val="0"/>
+              </a:spcBef>
+              <a:spcAft>
+                <a:spcPct val="0"/>
+              </a:spcAft>
+              <a:buClrTx/>
+              <a:buSzTx/>
+              <a:buFontTx/>
+              <a:buNone/>
+              <a:tabLst/>
+            </a:pPr>
+            <a:endParaRPr kumimoji="0" lang="fr-FR" altLang="fr-FR" sz="1800" b="0" i="0" u="none" strike="noStrike" cap="none" normalizeH="0" baseline="0" smtClean="0">
+              <a:ln>
+                <a:noFill/>
+              </a:ln>
+              <a:solidFill>
+                <a:schemeClr val="tx1"/>
+              </a:solidFill>
+              <a:effectLst/>
+              <a:latin typeface="Arial" pitchFamily="34" charset="0"/>
+              <a:cs typeface="Arial" pitchFamily="34" charset="0"/>
+            </a:endParaRPr>
+          </a:p>
+        </p:txBody>
+      </p:sp>
+      <p:sp>
+        <p:nvSpPr>
+          <p:cNvPr id="14" name="Text Box 17"/>
+          <p:cNvSpPr txBox="1">
+            <a:spLocks noChangeArrowheads="1"/>
+          </p:cNvSpPr>
+          <p:nvPr/>
+        </p:nvSpPr>
+        <p:spPr bwMode="auto">
+          <a:xfrm>
+            <a:off x="5041900" y="1573213"/>
+            <a:ext cx="2314575" cy="1373187"/>
+          </a:xfrm>
+          <a:prstGeom prst="rect">
+            <a:avLst/>
+          </a:prstGeom>
+          <a:noFill/>
+          <a:ln>
+            <a:noFill/>
+          </a:ln>
+          <a:extLst>
+            <a:ext uri="{909E8E84-426E-40DD-AFC4-6F175D3DCCD1}">
+              <a14:hiddenFill xmlns:a14="http://schemas.microsoft.com/office/drawing/2010/main">
+                <a:solidFill>
+                  <a:srgbClr val="FFFFFF"/>
+                </a:solidFill>
+              </a14:hiddenFill>
+            </a:ext>
+            <a:ext uri="{91240B29-F687-4F45-9708-019B960494DF}">
+              <a14:hiddenLine xmlns:a14="http://schemas.microsoft.com/office/drawing/2010/main" w="9525">
+                <a:solidFill>
+                  <a:srgbClr val="000000"/>
+                </a:solidFill>
+                <a:miter lim="800000"/>
+                <a:headEnd/>
+                <a:tailEnd/>
+              </a14:hiddenLine>
+            </a:ext>
+          </a:extLst>
+        </p:spPr>
+        <p:txBody>
+          <a:bodyPr vert="horz" wrap="square" lIns="91440" tIns="45720" rIns="91440" bIns="45720" numCol="1" anchor="t" anchorCtr="0" compatLnSpc="1">
+            <a:prstTxWarp prst="textNoShape">
+              <a:avLst/>
+            </a:prstTxWarp>
+          </a:bodyPr>
+          <a:lstStyle/>
+          <a:p>
+            <a:pPr marL="0" marR="0" lvl="0" indent="0" algn="ctr" defTabSz="914400" rtl="0" eaLnBrk="1" fontAlgn="base" latinLnBrk="0" hangingPunct="1">
+              <a:lnSpc>
+                <a:spcPct val="100000"/>
+              </a:lnSpc>
+              <a:spcBef>
+                <a:spcPct val="0"/>
+              </a:spcBef>
+              <a:spcAft>
+                <a:spcPct val="0"/>
+              </a:spcAft>
+              <a:buClrTx/>
+              <a:buSzTx/>
+              <a:buFontTx/>
+              <a:buNone/>
+              <a:tabLst/>
+            </a:pPr>
+            <a:r>
+              <a:rPr kumimoji="0" lang="fr-FR" altLang="fr-FR" sz="1100" b="1" i="0" u="none" strike="noStrike" cap="none" normalizeH="0" baseline="0" smtClean="0">
+                <a:ln>
+                  <a:noFill/>
+                </a:ln>
+                <a:solidFill>
+                  <a:schemeClr val="tx1"/>
+                </a:solidFill>
+                <a:effectLst/>
+                <a:latin typeface="Calibri" pitchFamily="34" charset="0"/>
+                <a:ea typeface="Calibri" pitchFamily="34" charset="0"/>
+                <a:cs typeface="Times New Roman" pitchFamily="18" charset="0"/>
+              </a:rPr>
+              <a:t>Description comportementale</a:t>
+            </a:r>
+            <a:endParaRPr kumimoji="0" lang="fr-FR" altLang="fr-FR" sz="800" b="0" i="0" u="none" strike="noStrike" cap="none" normalizeH="0" baseline="0" smtClean="0">
+              <a:ln>
+                <a:noFill/>
+              </a:ln>
+              <a:solidFill>
+                <a:schemeClr val="tx1"/>
+              </a:solidFill>
+              <a:effectLst/>
+              <a:latin typeface="Arial" pitchFamily="34" charset="0"/>
+              <a:cs typeface="Arial" pitchFamily="34" charset="0"/>
+            </a:endParaRPr>
+          </a:p>
+          <a:p>
+            <a:pPr marL="0" marR="0" lvl="0" indent="0" algn="ctr" defTabSz="914400" rtl="0" eaLnBrk="0" fontAlgn="base" latinLnBrk="0" hangingPunct="0">
+              <a:lnSpc>
+                <a:spcPct val="100000"/>
+              </a:lnSpc>
+              <a:spcBef>
+                <a:spcPct val="0"/>
+              </a:spcBef>
+              <a:spcAft>
+                <a:spcPct val="0"/>
+              </a:spcAft>
+              <a:buClrTx/>
+              <a:buSzTx/>
+              <a:buFontTx/>
+              <a:buNone/>
+              <a:tabLst/>
+            </a:pPr>
+            <a:r>
+              <a:rPr kumimoji="0" lang="fr-FR" altLang="fr-FR" sz="1100" b="0" i="0" u="none" strike="noStrike" cap="none" normalizeH="0" baseline="0" smtClean="0">
+                <a:ln>
+                  <a:noFill/>
+                </a:ln>
+                <a:solidFill>
+                  <a:schemeClr val="tx1"/>
+                </a:solidFill>
+                <a:effectLst/>
+                <a:latin typeface="Calibri" pitchFamily="34" charset="0"/>
+                <a:ea typeface="Calibri" pitchFamily="34" charset="0"/>
+                <a:cs typeface="Times New Roman" pitchFamily="18" charset="0"/>
+              </a:rPr>
+              <a:t>Algorigrammes, graphe d’états, GRAFCET, etc.</a:t>
+            </a:r>
+            <a:endParaRPr kumimoji="0" lang="fr-FR" altLang="fr-FR" sz="800" b="0" i="0" u="none" strike="noStrike" cap="none" normalizeH="0" baseline="0" smtClean="0">
+              <a:ln>
+                <a:noFill/>
+              </a:ln>
+              <a:solidFill>
+                <a:schemeClr val="tx1"/>
+              </a:solidFill>
+              <a:effectLst/>
+              <a:latin typeface="Arial" pitchFamily="34" charset="0"/>
+              <a:cs typeface="Arial" pitchFamily="34" charset="0"/>
+            </a:endParaRPr>
+          </a:p>
+          <a:p>
+            <a:pPr marL="0" marR="0" lvl="0" indent="0" algn="ctr" defTabSz="914400" rtl="0" eaLnBrk="0" fontAlgn="base" latinLnBrk="0" hangingPunct="0">
+              <a:lnSpc>
+                <a:spcPct val="100000"/>
+              </a:lnSpc>
+              <a:spcBef>
+                <a:spcPct val="0"/>
+              </a:spcBef>
+              <a:spcAft>
+                <a:spcPct val="0"/>
+              </a:spcAft>
+              <a:buClrTx/>
+              <a:buSzTx/>
+              <a:buFontTx/>
+              <a:buNone/>
+              <a:tabLst/>
+            </a:pPr>
+            <a:r>
+              <a:rPr kumimoji="0" lang="fr-FR" altLang="fr-FR" sz="1100" b="0" i="0" u="none" strike="noStrike" cap="none" normalizeH="0" baseline="0" smtClean="0">
+                <a:ln>
+                  <a:noFill/>
+                </a:ln>
+                <a:solidFill>
+                  <a:schemeClr val="tx1"/>
+                </a:solidFill>
+                <a:effectLst/>
+                <a:latin typeface="Calibri" pitchFamily="34" charset="0"/>
+                <a:ea typeface="Calibri" pitchFamily="34" charset="0"/>
+                <a:cs typeface="Times New Roman" pitchFamily="18" charset="0"/>
+              </a:rPr>
+              <a:t>Réponses temporelle, fréquentielle</a:t>
+            </a:r>
+            <a:endParaRPr kumimoji="0" lang="fr-FR" altLang="fr-FR" sz="800" b="0" i="0" u="none" strike="noStrike" cap="none" normalizeH="0" baseline="0" smtClean="0">
+              <a:ln>
+                <a:noFill/>
+              </a:ln>
+              <a:solidFill>
+                <a:schemeClr val="tx1"/>
+              </a:solidFill>
+              <a:effectLst/>
+              <a:latin typeface="Arial" pitchFamily="34" charset="0"/>
+              <a:cs typeface="Arial" pitchFamily="34" charset="0"/>
+            </a:endParaRPr>
+          </a:p>
+          <a:p>
+            <a:pPr marL="0" marR="0" lvl="0" indent="0" algn="l" defTabSz="914400" rtl="0" eaLnBrk="0" fontAlgn="base" latinLnBrk="0" hangingPunct="0">
+              <a:lnSpc>
+                <a:spcPct val="100000"/>
+              </a:lnSpc>
+              <a:spcBef>
+                <a:spcPct val="0"/>
+              </a:spcBef>
+              <a:spcAft>
+                <a:spcPct val="0"/>
+              </a:spcAft>
+              <a:buClrTx/>
+              <a:buSzTx/>
+              <a:buFontTx/>
+              <a:buNone/>
+              <a:tabLst/>
+            </a:pPr>
+            <a:endParaRPr kumimoji="0" lang="fr-FR" altLang="fr-FR" sz="1800" b="0" i="0" u="none" strike="noStrike" cap="none" normalizeH="0" baseline="0" smtClean="0">
+              <a:ln>
+                <a:noFill/>
+              </a:ln>
+              <a:solidFill>
+                <a:schemeClr val="tx1"/>
+              </a:solidFill>
+              <a:effectLst/>
+              <a:latin typeface="Arial" pitchFamily="34" charset="0"/>
+              <a:cs typeface="Arial" pitchFamily="34" charset="0"/>
+            </a:endParaRPr>
+          </a:p>
+        </p:txBody>
+      </p:sp>
+      <p:sp>
+        <p:nvSpPr>
+          <p:cNvPr id="15" name="Text Box 16"/>
+          <p:cNvSpPr txBox="1">
+            <a:spLocks noChangeArrowheads="1"/>
+          </p:cNvSpPr>
+          <p:nvPr/>
+        </p:nvSpPr>
+        <p:spPr bwMode="auto">
+          <a:xfrm>
+            <a:off x="7416800" y="1573213"/>
+            <a:ext cx="2100263" cy="427037"/>
+          </a:xfrm>
+          <a:prstGeom prst="rect">
+            <a:avLst/>
+          </a:prstGeom>
+          <a:noFill/>
+          <a:ln>
+            <a:noFill/>
+          </a:ln>
+          <a:extLst>
+            <a:ext uri="{909E8E84-426E-40DD-AFC4-6F175D3DCCD1}">
+              <a14:hiddenFill xmlns:a14="http://schemas.microsoft.com/office/drawing/2010/main">
+                <a:solidFill>
+                  <a:srgbClr val="FFFFFF"/>
+                </a:solidFill>
+              </a14:hiddenFill>
+            </a:ext>
+            <a:ext uri="{91240B29-F687-4F45-9708-019B960494DF}">
+              <a14:hiddenLine xmlns:a14="http://schemas.microsoft.com/office/drawing/2010/main" w="9525">
+                <a:solidFill>
+                  <a:srgbClr val="000000"/>
+                </a:solidFill>
+                <a:miter lim="800000"/>
+                <a:headEnd/>
+                <a:tailEnd/>
+              </a14:hiddenLine>
+            </a:ext>
+          </a:extLst>
+        </p:spPr>
+        <p:txBody>
+          <a:bodyPr vert="horz" wrap="square" lIns="91440" tIns="45720" rIns="91440" bIns="45720" numCol="1" anchor="t" anchorCtr="0" compatLnSpc="1">
+            <a:prstTxWarp prst="textNoShape">
+              <a:avLst/>
+            </a:prstTxWarp>
+          </a:bodyPr>
+          <a:lstStyle/>
+          <a:p>
+            <a:pPr marL="0" marR="0" lvl="0" indent="0" algn="ctr" defTabSz="914400" rtl="0" eaLnBrk="1" fontAlgn="base" latinLnBrk="0" hangingPunct="1">
+              <a:lnSpc>
+                <a:spcPct val="100000"/>
+              </a:lnSpc>
+              <a:spcBef>
+                <a:spcPct val="0"/>
+              </a:spcBef>
+              <a:spcAft>
+                <a:spcPct val="0"/>
+              </a:spcAft>
+              <a:buClrTx/>
+              <a:buSzTx/>
+              <a:buFontTx/>
+              <a:buNone/>
+              <a:tabLst/>
+            </a:pPr>
+            <a:r>
+              <a:rPr kumimoji="0" lang="fr-FR" altLang="fr-FR" sz="1100" b="1" i="0" u="none" strike="noStrike" cap="none" normalizeH="0" baseline="0" smtClean="0">
+                <a:ln>
+                  <a:noFill/>
+                </a:ln>
+                <a:solidFill>
+                  <a:schemeClr val="tx1"/>
+                </a:solidFill>
+                <a:effectLst/>
+                <a:latin typeface="Calibri" pitchFamily="34" charset="0"/>
+                <a:ea typeface="Calibri" pitchFamily="34" charset="0"/>
+                <a:cs typeface="Times New Roman" pitchFamily="18" charset="0"/>
+              </a:rPr>
+              <a:t>Description paramétrique</a:t>
+            </a:r>
+            <a:endParaRPr kumimoji="0" lang="fr-FR" altLang="fr-FR" sz="1800" b="0" i="0" u="none" strike="noStrike" cap="none" normalizeH="0" baseline="0" smtClean="0">
+              <a:ln>
+                <a:noFill/>
+              </a:ln>
+              <a:solidFill>
+                <a:schemeClr val="tx1"/>
+              </a:solidFill>
+              <a:effectLst/>
+              <a:latin typeface="Arial" pitchFamily="34" charset="0"/>
+              <a:cs typeface="Arial" pitchFamily="34" charset="0"/>
+            </a:endParaRPr>
+          </a:p>
+        </p:txBody>
+      </p:sp>
+      <p:sp>
+        <p:nvSpPr>
+          <p:cNvPr id="16" name="AutoShape 15"/>
+          <p:cNvSpPr>
+            <a:spLocks noChangeArrowheads="1"/>
+          </p:cNvSpPr>
+          <p:nvPr/>
+        </p:nvSpPr>
+        <p:spPr bwMode="auto">
+          <a:xfrm>
+            <a:off x="-114300" y="3941763"/>
+            <a:ext cx="9705975" cy="3024187"/>
+          </a:xfrm>
+          <a:prstGeom prst="roundRect">
+            <a:avLst>
+              <a:gd name="adj" fmla="val 16667"/>
+            </a:avLst>
+          </a:prstGeom>
+          <a:solidFill>
+            <a:srgbClr val="DDD8C2"/>
+          </a:solidFill>
+          <a:ln w="9525">
+            <a:solidFill>
+              <a:srgbClr val="000000"/>
+            </a:solidFill>
+            <a:round/>
+            <a:headEnd/>
+            <a:tailEnd/>
+          </a:ln>
+        </p:spPr>
+        <p:txBody>
+          <a:bodyPr vert="horz" wrap="square" lIns="91440" tIns="45720" rIns="91440" bIns="45720" numCol="1" anchor="t" anchorCtr="0" compatLnSpc="1">
+            <a:prstTxWarp prst="textNoShape">
+              <a:avLst/>
+            </a:prstTxWarp>
+          </a:bodyPr>
+          <a:lstStyle/>
+          <a:p>
+            <a:endParaRPr lang="fr-FR"/>
+          </a:p>
+        </p:txBody>
+      </p:sp>
+      <p:sp>
+        <p:nvSpPr>
+          <p:cNvPr id="17" name="AutoShape 14"/>
+          <p:cNvSpPr>
+            <a:spLocks noChangeArrowheads="1"/>
+          </p:cNvSpPr>
+          <p:nvPr/>
+        </p:nvSpPr>
+        <p:spPr bwMode="auto">
+          <a:xfrm>
+            <a:off x="-42863" y="4349750"/>
+            <a:ext cx="2082801" cy="2144713"/>
+          </a:xfrm>
+          <a:prstGeom prst="roundRect">
+            <a:avLst>
+              <a:gd name="adj" fmla="val 16667"/>
+            </a:avLst>
+          </a:prstGeom>
+          <a:solidFill>
+            <a:srgbClr val="DAEEF3"/>
+          </a:solidFill>
+          <a:ln w="9525">
+            <a:solidFill>
+              <a:srgbClr val="000000"/>
+            </a:solidFill>
+            <a:round/>
+            <a:headEnd/>
+            <a:tailEnd/>
+          </a:ln>
+        </p:spPr>
+        <p:txBody>
+          <a:bodyPr vert="horz" wrap="square" lIns="91440" tIns="45720" rIns="91440" bIns="45720" numCol="1" anchor="t" anchorCtr="0" compatLnSpc="1">
+            <a:prstTxWarp prst="textNoShape">
+              <a:avLst/>
+            </a:prstTxWarp>
+          </a:bodyPr>
+          <a:lstStyle/>
+          <a:p>
+            <a:endParaRPr lang="fr-FR"/>
+          </a:p>
+        </p:txBody>
+      </p:sp>
+      <p:sp>
+        <p:nvSpPr>
+          <p:cNvPr id="18" name="AutoShape 13"/>
+          <p:cNvSpPr>
+            <a:spLocks noChangeArrowheads="1"/>
+          </p:cNvSpPr>
+          <p:nvPr/>
+        </p:nvSpPr>
+        <p:spPr bwMode="auto">
+          <a:xfrm>
+            <a:off x="2171700" y="4349750"/>
+            <a:ext cx="2651125" cy="2144713"/>
+          </a:xfrm>
+          <a:prstGeom prst="roundRect">
+            <a:avLst>
+              <a:gd name="adj" fmla="val 16667"/>
+            </a:avLst>
+          </a:prstGeom>
+          <a:solidFill>
+            <a:srgbClr val="E5DFEC"/>
+          </a:solidFill>
+          <a:ln w="9525">
+            <a:solidFill>
+              <a:srgbClr val="000000"/>
+            </a:solidFill>
+            <a:round/>
+            <a:headEnd/>
+            <a:tailEnd/>
+          </a:ln>
+        </p:spPr>
+        <p:txBody>
+          <a:bodyPr vert="horz" wrap="square" lIns="91440" tIns="45720" rIns="91440" bIns="45720" numCol="1" anchor="t" anchorCtr="0" compatLnSpc="1">
+            <a:prstTxWarp prst="textNoShape">
+              <a:avLst/>
+            </a:prstTxWarp>
+          </a:bodyPr>
+          <a:lstStyle/>
+          <a:p>
+            <a:endParaRPr lang="fr-FR"/>
+          </a:p>
+        </p:txBody>
+      </p:sp>
+      <p:sp>
+        <p:nvSpPr>
+          <p:cNvPr id="19" name="AutoShape 12"/>
+          <p:cNvSpPr>
+            <a:spLocks noChangeArrowheads="1"/>
+          </p:cNvSpPr>
+          <p:nvPr/>
+        </p:nvSpPr>
+        <p:spPr bwMode="auto">
+          <a:xfrm>
+            <a:off x="4940300" y="4349750"/>
+            <a:ext cx="2365375" cy="2144713"/>
+          </a:xfrm>
+          <a:prstGeom prst="roundRect">
+            <a:avLst>
+              <a:gd name="adj" fmla="val 16667"/>
+            </a:avLst>
+          </a:prstGeom>
+          <a:solidFill>
+            <a:srgbClr val="EAF1DD"/>
+          </a:solidFill>
+          <a:ln w="9525">
+            <a:solidFill>
+              <a:srgbClr val="000000"/>
+            </a:solidFill>
+            <a:round/>
+            <a:headEnd/>
+            <a:tailEnd/>
+          </a:ln>
+        </p:spPr>
+        <p:txBody>
+          <a:bodyPr vert="horz" wrap="square" lIns="91440" tIns="45720" rIns="91440" bIns="45720" numCol="1" anchor="t" anchorCtr="0" compatLnSpc="1">
+            <a:prstTxWarp prst="textNoShape">
+              <a:avLst/>
+            </a:prstTxWarp>
+          </a:bodyPr>
+          <a:lstStyle/>
+          <a:p>
+            <a:endParaRPr lang="fr-FR"/>
+          </a:p>
+        </p:txBody>
+      </p:sp>
+      <p:sp>
+        <p:nvSpPr>
+          <p:cNvPr id="20" name="AutoShape 11"/>
+          <p:cNvSpPr>
+            <a:spLocks noChangeArrowheads="1"/>
+          </p:cNvSpPr>
+          <p:nvPr/>
+        </p:nvSpPr>
+        <p:spPr bwMode="auto">
+          <a:xfrm>
+            <a:off x="7424738" y="4349750"/>
+            <a:ext cx="2082800" cy="2144713"/>
+          </a:xfrm>
+          <a:prstGeom prst="roundRect">
+            <a:avLst>
+              <a:gd name="adj" fmla="val 16667"/>
+            </a:avLst>
+          </a:prstGeom>
+          <a:solidFill>
+            <a:srgbClr val="F2DBDB"/>
+          </a:solidFill>
+          <a:ln w="9525">
+            <a:solidFill>
+              <a:srgbClr val="000000"/>
+            </a:solidFill>
+            <a:round/>
+            <a:headEnd/>
+            <a:tailEnd/>
+          </a:ln>
+        </p:spPr>
+        <p:txBody>
+          <a:bodyPr vert="horz" wrap="square" lIns="91440" tIns="45720" rIns="91440" bIns="45720" numCol="1" anchor="t" anchorCtr="0" compatLnSpc="1">
+            <a:prstTxWarp prst="textNoShape">
+              <a:avLst/>
+            </a:prstTxWarp>
+          </a:bodyPr>
+          <a:lstStyle/>
+          <a:p>
+            <a:endParaRPr lang="fr-FR"/>
+          </a:p>
+        </p:txBody>
+      </p:sp>
+      <p:sp>
+        <p:nvSpPr>
+          <p:cNvPr id="24" name="Text Box 7"/>
+          <p:cNvSpPr txBox="1">
+            <a:spLocks noChangeArrowheads="1"/>
+          </p:cNvSpPr>
+          <p:nvPr/>
+        </p:nvSpPr>
+        <p:spPr bwMode="auto">
+          <a:xfrm>
+            <a:off x="25400" y="4470400"/>
+            <a:ext cx="2100263" cy="1831975"/>
+          </a:xfrm>
+          <a:prstGeom prst="rect">
+            <a:avLst/>
+          </a:prstGeom>
+          <a:noFill/>
+          <a:ln>
+            <a:noFill/>
+          </a:ln>
+          <a:extLst>
+            <a:ext uri="{909E8E84-426E-40DD-AFC4-6F175D3DCCD1}">
+              <a14:hiddenFill xmlns:a14="http://schemas.microsoft.com/office/drawing/2010/main">
+                <a:solidFill>
+                  <a:srgbClr val="FFFFFF"/>
+                </a:solidFill>
+              </a14:hiddenFill>
+            </a:ext>
+            <a:ext uri="{91240B29-F687-4F45-9708-019B960494DF}">
+              <a14:hiddenLine xmlns:a14="http://schemas.microsoft.com/office/drawing/2010/main" w="9525">
+                <a:solidFill>
+                  <a:srgbClr val="000000"/>
+                </a:solidFill>
+                <a:miter lim="800000"/>
+                <a:headEnd/>
+                <a:tailEnd/>
+              </a14:hiddenLine>
+            </a:ext>
+          </a:extLst>
+        </p:spPr>
+        <p:txBody>
+          <a:bodyPr vert="horz" wrap="square" lIns="91440" tIns="45720" rIns="91440" bIns="45720" numCol="1" anchor="t" anchorCtr="0" compatLnSpc="1">
+            <a:prstTxWarp prst="textNoShape">
+              <a:avLst/>
+            </a:prstTxWarp>
+          </a:bodyPr>
+          <a:lstStyle/>
+          <a:p>
+            <a:pPr marL="0" marR="0" lvl="0" indent="0" algn="ctr" defTabSz="914400" rtl="0" eaLnBrk="1" fontAlgn="base" latinLnBrk="0" hangingPunct="1">
+              <a:lnSpc>
+                <a:spcPct val="100000"/>
+              </a:lnSpc>
+              <a:spcBef>
+                <a:spcPct val="0"/>
+              </a:spcBef>
+              <a:spcAft>
+                <a:spcPct val="0"/>
+              </a:spcAft>
+              <a:buClrTx/>
+              <a:buSzTx/>
+              <a:buFontTx/>
+              <a:buNone/>
+              <a:tabLst/>
+            </a:pPr>
+            <a:r>
+              <a:rPr kumimoji="0" lang="fr-FR" altLang="fr-FR" sz="1100" b="1" i="0" u="none" strike="noStrike" cap="none" normalizeH="0" baseline="0" smtClean="0">
+                <a:ln>
+                  <a:noFill/>
+                </a:ln>
+                <a:solidFill>
+                  <a:schemeClr val="tx1"/>
+                </a:solidFill>
+                <a:effectLst/>
+                <a:latin typeface="Calibri" pitchFamily="34" charset="0"/>
+                <a:ea typeface="Calibri" pitchFamily="34" charset="0"/>
+                <a:cs typeface="Times New Roman" pitchFamily="18" charset="0"/>
+              </a:rPr>
+              <a:t>Domaine de la mécanique</a:t>
+            </a:r>
+            <a:endParaRPr kumimoji="0" lang="fr-FR" altLang="fr-FR" sz="800" b="0" i="0" u="none" strike="noStrike" cap="none" normalizeH="0" baseline="0" smtClean="0">
+              <a:ln>
+                <a:noFill/>
+              </a:ln>
+              <a:solidFill>
+                <a:schemeClr val="tx1"/>
+              </a:solidFill>
+              <a:effectLst/>
+              <a:latin typeface="Arial" pitchFamily="34" charset="0"/>
+              <a:cs typeface="Arial" pitchFamily="34" charset="0"/>
+            </a:endParaRPr>
+          </a:p>
+          <a:p>
+            <a:pPr marL="0" marR="0" lvl="0" indent="0" algn="ctr" defTabSz="914400" rtl="0" eaLnBrk="0" fontAlgn="base" latinLnBrk="0" hangingPunct="0">
+              <a:lnSpc>
+                <a:spcPct val="100000"/>
+              </a:lnSpc>
+              <a:spcBef>
+                <a:spcPct val="0"/>
+              </a:spcBef>
+              <a:spcAft>
+                <a:spcPct val="0"/>
+              </a:spcAft>
+              <a:buClrTx/>
+              <a:buSzTx/>
+              <a:buFontTx/>
+              <a:buNone/>
+              <a:tabLst/>
+            </a:pPr>
+            <a:r>
+              <a:rPr kumimoji="0" lang="fr-FR" altLang="fr-FR" sz="1100" b="0" i="0" u="none" strike="noStrike" cap="none" normalizeH="0" baseline="0" smtClean="0">
+                <a:ln>
+                  <a:noFill/>
+                </a:ln>
+                <a:solidFill>
+                  <a:schemeClr val="tx1"/>
+                </a:solidFill>
+                <a:effectLst/>
+                <a:latin typeface="Calibri" pitchFamily="34" charset="0"/>
+                <a:ea typeface="Calibri" pitchFamily="34" charset="0"/>
+                <a:cs typeface="Times New Roman" pitchFamily="18" charset="0"/>
+              </a:rPr>
+              <a:t>Modeleurs volumiques et compléments</a:t>
+            </a:r>
+            <a:endParaRPr kumimoji="0" lang="fr-FR" altLang="fr-FR" sz="800" b="0" i="0" u="none" strike="noStrike" cap="none" normalizeH="0" baseline="0" smtClean="0">
+              <a:ln>
+                <a:noFill/>
+              </a:ln>
+              <a:solidFill>
+                <a:schemeClr val="tx1"/>
+              </a:solidFill>
+              <a:effectLst/>
+              <a:latin typeface="Arial" pitchFamily="34" charset="0"/>
+              <a:cs typeface="Arial" pitchFamily="34" charset="0"/>
+            </a:endParaRPr>
+          </a:p>
+          <a:p>
+            <a:pPr marL="0" marR="0" lvl="0" indent="0" algn="ctr" defTabSz="914400" rtl="0" eaLnBrk="0" fontAlgn="base" latinLnBrk="0" hangingPunct="0">
+              <a:lnSpc>
+                <a:spcPct val="100000"/>
+              </a:lnSpc>
+              <a:spcBef>
+                <a:spcPct val="0"/>
+              </a:spcBef>
+              <a:spcAft>
+                <a:spcPct val="0"/>
+              </a:spcAft>
+              <a:buClrTx/>
+              <a:buSzTx/>
+              <a:buFontTx/>
+              <a:buNone/>
+              <a:tabLst/>
+            </a:pPr>
+            <a:r>
+              <a:rPr kumimoji="0" lang="fr-FR" altLang="fr-FR" sz="1100" b="0" i="0" u="none" strike="noStrike" cap="none" normalizeH="0" baseline="0" smtClean="0">
+                <a:ln>
+                  <a:noFill/>
+                </a:ln>
+                <a:solidFill>
+                  <a:schemeClr val="tx1"/>
+                </a:solidFill>
+                <a:effectLst/>
+                <a:latin typeface="Calibri" pitchFamily="34" charset="0"/>
+                <a:ea typeface="Calibri" pitchFamily="34" charset="0"/>
+                <a:cs typeface="Times New Roman" pitchFamily="18" charset="0"/>
+              </a:rPr>
+              <a:t>Solidworks, CATIA, etc.</a:t>
+            </a:r>
+            <a:endParaRPr kumimoji="0" lang="fr-FR" altLang="fr-FR" sz="800" b="0" i="0" u="none" strike="noStrike" cap="none" normalizeH="0" baseline="0" smtClean="0">
+              <a:ln>
+                <a:noFill/>
+              </a:ln>
+              <a:solidFill>
+                <a:schemeClr val="tx1"/>
+              </a:solidFill>
+              <a:effectLst/>
+              <a:latin typeface="Arial" pitchFamily="34" charset="0"/>
+              <a:cs typeface="Arial" pitchFamily="34" charset="0"/>
+            </a:endParaRPr>
+          </a:p>
+          <a:p>
+            <a:pPr marL="0" marR="0" lvl="0" indent="0" algn="ctr" defTabSz="914400" rtl="0" eaLnBrk="0" fontAlgn="base" latinLnBrk="0" hangingPunct="0">
+              <a:lnSpc>
+                <a:spcPct val="100000"/>
+              </a:lnSpc>
+              <a:spcBef>
+                <a:spcPct val="0"/>
+              </a:spcBef>
+              <a:spcAft>
+                <a:spcPct val="0"/>
+              </a:spcAft>
+              <a:buClrTx/>
+              <a:buSzTx/>
+              <a:buFontTx/>
+              <a:buNone/>
+              <a:tabLst/>
+            </a:pPr>
+            <a:r>
+              <a:rPr kumimoji="0" lang="fr-FR" altLang="fr-FR" sz="1100" b="0" i="0" u="none" strike="noStrike" cap="none" normalizeH="0" baseline="0" smtClean="0">
+                <a:ln>
+                  <a:noFill/>
+                </a:ln>
+                <a:solidFill>
+                  <a:schemeClr val="tx1"/>
+                </a:solidFill>
+                <a:effectLst/>
+                <a:latin typeface="Calibri" pitchFamily="34" charset="0"/>
+                <a:ea typeface="Calibri" pitchFamily="34" charset="0"/>
+                <a:cs typeface="Times New Roman" pitchFamily="18" charset="0"/>
+              </a:rPr>
+              <a:t>Logiciels spécialisés (mécanique des fluides, et autres)</a:t>
+            </a:r>
+            <a:endParaRPr kumimoji="0" lang="fr-FR" altLang="fr-FR" sz="800" b="0" i="0" u="none" strike="noStrike" cap="none" normalizeH="0" baseline="0" smtClean="0">
+              <a:ln>
+                <a:noFill/>
+              </a:ln>
+              <a:solidFill>
+                <a:schemeClr val="tx1"/>
+              </a:solidFill>
+              <a:effectLst/>
+              <a:latin typeface="Arial" pitchFamily="34" charset="0"/>
+              <a:cs typeface="Arial" pitchFamily="34" charset="0"/>
+            </a:endParaRPr>
+          </a:p>
+          <a:p>
+            <a:pPr marL="0" marR="0" lvl="0" indent="0" algn="l" defTabSz="914400" rtl="0" eaLnBrk="0" fontAlgn="base" latinLnBrk="0" hangingPunct="0">
+              <a:lnSpc>
+                <a:spcPct val="100000"/>
+              </a:lnSpc>
+              <a:spcBef>
+                <a:spcPct val="0"/>
+              </a:spcBef>
+              <a:spcAft>
+                <a:spcPct val="0"/>
+              </a:spcAft>
+              <a:buClrTx/>
+              <a:buSzTx/>
+              <a:buFontTx/>
+              <a:buNone/>
+              <a:tabLst/>
+            </a:pPr>
+            <a:endParaRPr kumimoji="0" lang="fr-FR" altLang="fr-FR" sz="1800" b="0" i="0" u="none" strike="noStrike" cap="none" normalizeH="0" baseline="0" smtClean="0">
+              <a:ln>
+                <a:noFill/>
+              </a:ln>
+              <a:solidFill>
+                <a:schemeClr val="tx1"/>
+              </a:solidFill>
+              <a:effectLst/>
+              <a:latin typeface="Arial" pitchFamily="34" charset="0"/>
+              <a:cs typeface="Arial" pitchFamily="34" charset="0"/>
+            </a:endParaRPr>
+          </a:p>
+        </p:txBody>
+      </p:sp>
+      <p:sp>
+        <p:nvSpPr>
+          <p:cNvPr id="25" name="Text Box 6"/>
+          <p:cNvSpPr txBox="1">
+            <a:spLocks noChangeArrowheads="1"/>
+          </p:cNvSpPr>
+          <p:nvPr/>
+        </p:nvSpPr>
+        <p:spPr bwMode="auto">
+          <a:xfrm>
+            <a:off x="2138363" y="4457700"/>
+            <a:ext cx="2724150" cy="1544638"/>
+          </a:xfrm>
+          <a:prstGeom prst="rect">
+            <a:avLst/>
+          </a:prstGeom>
+          <a:noFill/>
+          <a:ln>
+            <a:noFill/>
+          </a:ln>
+          <a:extLst>
+            <a:ext uri="{909E8E84-426E-40DD-AFC4-6F175D3DCCD1}">
+              <a14:hiddenFill xmlns:a14="http://schemas.microsoft.com/office/drawing/2010/main">
+                <a:solidFill>
+                  <a:srgbClr val="FFFFFF"/>
+                </a:solidFill>
+              </a14:hiddenFill>
+            </a:ext>
+            <a:ext uri="{91240B29-F687-4F45-9708-019B960494DF}">
+              <a14:hiddenLine xmlns:a14="http://schemas.microsoft.com/office/drawing/2010/main" w="9525">
+                <a:solidFill>
+                  <a:srgbClr val="000000"/>
+                </a:solidFill>
+                <a:miter lim="800000"/>
+                <a:headEnd/>
+                <a:tailEnd/>
+              </a14:hiddenLine>
+            </a:ext>
+          </a:extLst>
+        </p:spPr>
+        <p:txBody>
+          <a:bodyPr vert="horz" wrap="square" lIns="91440" tIns="45720" rIns="91440" bIns="45720" numCol="1" anchor="t" anchorCtr="0" compatLnSpc="1">
+            <a:prstTxWarp prst="textNoShape">
+              <a:avLst/>
+            </a:prstTxWarp>
+          </a:bodyPr>
+          <a:lstStyle/>
+          <a:p>
+            <a:pPr marL="0" marR="0" lvl="0" indent="0" algn="ctr" defTabSz="914400" rtl="0" eaLnBrk="1" fontAlgn="base" latinLnBrk="0" hangingPunct="1">
+              <a:lnSpc>
+                <a:spcPct val="100000"/>
+              </a:lnSpc>
+              <a:spcBef>
+                <a:spcPct val="0"/>
+              </a:spcBef>
+              <a:spcAft>
+                <a:spcPct val="0"/>
+              </a:spcAft>
+              <a:buClrTx/>
+              <a:buSzTx/>
+              <a:buFontTx/>
+              <a:buNone/>
+              <a:tabLst/>
+            </a:pPr>
+            <a:r>
+              <a:rPr kumimoji="0" lang="fr-FR" altLang="fr-FR" sz="1100" b="1" i="0" u="none" strike="noStrike" cap="none" normalizeH="0" baseline="0" smtClean="0">
+                <a:ln>
+                  <a:noFill/>
+                </a:ln>
+                <a:solidFill>
+                  <a:schemeClr val="tx1"/>
+                </a:solidFill>
+                <a:effectLst/>
+                <a:latin typeface="Calibri" pitchFamily="34" charset="0"/>
+                <a:ea typeface="Calibri" pitchFamily="34" charset="0"/>
+                <a:cs typeface="Times New Roman" pitchFamily="18" charset="0"/>
+              </a:rPr>
+              <a:t>Domaine de l’électronique</a:t>
+            </a:r>
+            <a:endParaRPr kumimoji="0" lang="fr-FR" altLang="fr-FR" sz="800" b="0" i="0" u="none" strike="noStrike" cap="none" normalizeH="0" baseline="0" smtClean="0">
+              <a:ln>
+                <a:noFill/>
+              </a:ln>
+              <a:solidFill>
+                <a:schemeClr val="tx1"/>
+              </a:solidFill>
+              <a:effectLst/>
+              <a:latin typeface="Arial" pitchFamily="34" charset="0"/>
+              <a:cs typeface="Arial" pitchFamily="34" charset="0"/>
+            </a:endParaRPr>
+          </a:p>
+          <a:p>
+            <a:pPr marL="0" marR="0" lvl="0" indent="0" algn="ctr" defTabSz="914400" rtl="0" eaLnBrk="0" fontAlgn="base" latinLnBrk="0" hangingPunct="0">
+              <a:lnSpc>
+                <a:spcPct val="100000"/>
+              </a:lnSpc>
+              <a:spcBef>
+                <a:spcPct val="0"/>
+              </a:spcBef>
+              <a:spcAft>
+                <a:spcPct val="0"/>
+              </a:spcAft>
+              <a:buClrTx/>
+              <a:buSzTx/>
+              <a:buFontTx/>
+              <a:buNone/>
+              <a:tabLst/>
+            </a:pPr>
+            <a:r>
+              <a:rPr kumimoji="0" lang="fr-FR" altLang="fr-FR" sz="1100" b="0" i="0" u="none" strike="noStrike" cap="none" normalizeH="0" baseline="0" smtClean="0">
+                <a:ln>
+                  <a:noFill/>
+                </a:ln>
+                <a:solidFill>
+                  <a:schemeClr val="tx1"/>
+                </a:solidFill>
+                <a:effectLst/>
+                <a:latin typeface="Calibri" pitchFamily="34" charset="0"/>
+                <a:ea typeface="Calibri" pitchFamily="34" charset="0"/>
+                <a:cs typeface="Times New Roman" pitchFamily="18" charset="0"/>
+              </a:rPr>
+              <a:t>Conception et simulation</a:t>
+            </a:r>
+            <a:endParaRPr kumimoji="0" lang="fr-FR" altLang="fr-FR" sz="800" b="0" i="0" u="none" strike="noStrike" cap="none" normalizeH="0" baseline="0" smtClean="0">
+              <a:ln>
+                <a:noFill/>
+              </a:ln>
+              <a:solidFill>
+                <a:schemeClr val="tx1"/>
+              </a:solidFill>
+              <a:effectLst/>
+              <a:latin typeface="Arial" pitchFamily="34" charset="0"/>
+              <a:cs typeface="Arial" pitchFamily="34" charset="0"/>
+            </a:endParaRPr>
+          </a:p>
+          <a:p>
+            <a:pPr marL="0" marR="0" lvl="0" indent="0" algn="ctr" defTabSz="914400" rtl="0" eaLnBrk="0" fontAlgn="base" latinLnBrk="0" hangingPunct="0">
+              <a:lnSpc>
+                <a:spcPct val="100000"/>
+              </a:lnSpc>
+              <a:spcBef>
+                <a:spcPct val="0"/>
+              </a:spcBef>
+              <a:spcAft>
+                <a:spcPct val="0"/>
+              </a:spcAft>
+              <a:buClrTx/>
+              <a:buSzTx/>
+              <a:buFontTx/>
+              <a:buNone/>
+              <a:tabLst/>
+            </a:pPr>
+            <a:r>
+              <a:rPr kumimoji="0" lang="fr-FR" altLang="fr-FR" sz="1100" b="0" i="0" u="none" strike="noStrike" cap="none" normalizeH="0" baseline="0" smtClean="0">
+                <a:ln>
+                  <a:noFill/>
+                </a:ln>
+                <a:solidFill>
+                  <a:schemeClr val="tx1"/>
+                </a:solidFill>
+                <a:effectLst/>
+                <a:latin typeface="Calibri" pitchFamily="34" charset="0"/>
+                <a:ea typeface="Calibri" pitchFamily="34" charset="0"/>
+                <a:cs typeface="Times New Roman" pitchFamily="18" charset="0"/>
+              </a:rPr>
+              <a:t>Proteus, Orcad, etc.</a:t>
+            </a:r>
+            <a:endParaRPr kumimoji="0" lang="fr-FR" altLang="fr-FR" sz="800" b="0" i="0" u="none" strike="noStrike" cap="none" normalizeH="0" baseline="0" smtClean="0">
+              <a:ln>
+                <a:noFill/>
+              </a:ln>
+              <a:solidFill>
+                <a:schemeClr val="tx1"/>
+              </a:solidFill>
+              <a:effectLst/>
+              <a:latin typeface="Arial" pitchFamily="34" charset="0"/>
+              <a:cs typeface="Arial" pitchFamily="34" charset="0"/>
+            </a:endParaRPr>
+          </a:p>
+          <a:p>
+            <a:pPr marL="0" marR="0" lvl="0" indent="0" algn="ctr" defTabSz="914400" rtl="0" eaLnBrk="0" fontAlgn="base" latinLnBrk="0" hangingPunct="0">
+              <a:lnSpc>
+                <a:spcPct val="100000"/>
+              </a:lnSpc>
+              <a:spcBef>
+                <a:spcPct val="0"/>
+              </a:spcBef>
+              <a:spcAft>
+                <a:spcPct val="0"/>
+              </a:spcAft>
+              <a:buClrTx/>
+              <a:buSzTx/>
+              <a:buFontTx/>
+              <a:buNone/>
+              <a:tabLst/>
+            </a:pPr>
+            <a:r>
+              <a:rPr kumimoji="0" lang="fr-FR" altLang="fr-FR" sz="1100" b="0" i="0" u="none" strike="noStrike" cap="none" normalizeH="0" baseline="0" smtClean="0">
+                <a:ln>
+                  <a:noFill/>
+                </a:ln>
+                <a:solidFill>
+                  <a:schemeClr val="tx1"/>
+                </a:solidFill>
+                <a:effectLst/>
+                <a:latin typeface="Calibri" pitchFamily="34" charset="0"/>
+                <a:ea typeface="Calibri" pitchFamily="34" charset="0"/>
+                <a:cs typeface="Times New Roman" pitchFamily="18" charset="0"/>
+              </a:rPr>
+              <a:t>Environnements de programmation</a:t>
+            </a:r>
+            <a:endParaRPr kumimoji="0" lang="fr-FR" altLang="fr-FR" sz="800" b="0" i="0" u="none" strike="noStrike" cap="none" normalizeH="0" baseline="0" smtClean="0">
+              <a:ln>
+                <a:noFill/>
+              </a:ln>
+              <a:solidFill>
+                <a:schemeClr val="tx1"/>
+              </a:solidFill>
+              <a:effectLst/>
+              <a:latin typeface="Arial" pitchFamily="34" charset="0"/>
+              <a:cs typeface="Arial" pitchFamily="34" charset="0"/>
+            </a:endParaRPr>
+          </a:p>
+          <a:p>
+            <a:pPr marL="0" marR="0" lvl="0" indent="0" algn="ctr" defTabSz="914400" rtl="0" eaLnBrk="0" fontAlgn="base" latinLnBrk="0" hangingPunct="0">
+              <a:lnSpc>
+                <a:spcPct val="100000"/>
+              </a:lnSpc>
+              <a:spcBef>
+                <a:spcPct val="0"/>
+              </a:spcBef>
+              <a:spcAft>
+                <a:spcPct val="0"/>
+              </a:spcAft>
+              <a:buClrTx/>
+              <a:buSzTx/>
+              <a:buFontTx/>
+              <a:buNone/>
+              <a:tabLst/>
+            </a:pPr>
+            <a:r>
+              <a:rPr kumimoji="0" lang="fr-FR" altLang="fr-FR" sz="1100" b="0" i="0" u="none" strike="noStrike" cap="none" normalizeH="0" baseline="0" smtClean="0">
+                <a:ln>
+                  <a:noFill/>
+                </a:ln>
+                <a:solidFill>
+                  <a:schemeClr val="tx1"/>
+                </a:solidFill>
+                <a:effectLst/>
+                <a:latin typeface="Calibri" pitchFamily="34" charset="0"/>
+                <a:ea typeface="Calibri" pitchFamily="34" charset="0"/>
+                <a:cs typeface="Times New Roman" pitchFamily="18" charset="0"/>
+              </a:rPr>
+              <a:t>Mplab, Arduino, Automgen, Flowcode, etc.</a:t>
+            </a:r>
+            <a:endParaRPr kumimoji="0" lang="fr-FR" altLang="fr-FR" sz="1800" b="0" i="0" u="none" strike="noStrike" cap="none" normalizeH="0" baseline="0" smtClean="0">
+              <a:ln>
+                <a:noFill/>
+              </a:ln>
+              <a:solidFill>
+                <a:schemeClr val="tx1"/>
+              </a:solidFill>
+              <a:effectLst/>
+              <a:latin typeface="Arial" pitchFamily="34" charset="0"/>
+              <a:cs typeface="Arial" pitchFamily="34" charset="0"/>
+            </a:endParaRPr>
+          </a:p>
+        </p:txBody>
+      </p:sp>
+      <p:sp>
+        <p:nvSpPr>
+          <p:cNvPr id="26" name="Text Box 5"/>
+          <p:cNvSpPr txBox="1">
+            <a:spLocks noChangeArrowheads="1"/>
+          </p:cNvSpPr>
+          <p:nvPr/>
+        </p:nvSpPr>
+        <p:spPr bwMode="auto">
+          <a:xfrm>
+            <a:off x="5041900" y="4451350"/>
+            <a:ext cx="2314575" cy="1373188"/>
+          </a:xfrm>
+          <a:prstGeom prst="rect">
+            <a:avLst/>
+          </a:prstGeom>
+          <a:noFill/>
+          <a:ln>
+            <a:noFill/>
+          </a:ln>
+          <a:extLst>
+            <a:ext uri="{909E8E84-426E-40DD-AFC4-6F175D3DCCD1}">
+              <a14:hiddenFill xmlns:a14="http://schemas.microsoft.com/office/drawing/2010/main">
+                <a:solidFill>
+                  <a:srgbClr val="FFFFFF"/>
+                </a:solidFill>
+              </a14:hiddenFill>
+            </a:ext>
+            <a:ext uri="{91240B29-F687-4F45-9708-019B960494DF}">
+              <a14:hiddenLine xmlns:a14="http://schemas.microsoft.com/office/drawing/2010/main" w="9525">
+                <a:solidFill>
+                  <a:srgbClr val="000000"/>
+                </a:solidFill>
+                <a:miter lim="800000"/>
+                <a:headEnd/>
+                <a:tailEnd/>
+              </a14:hiddenLine>
+            </a:ext>
+          </a:extLst>
+        </p:spPr>
+        <p:txBody>
+          <a:bodyPr vert="horz" wrap="square" lIns="91440" tIns="45720" rIns="91440" bIns="45720" numCol="1" anchor="t" anchorCtr="0" compatLnSpc="1">
+            <a:prstTxWarp prst="textNoShape">
+              <a:avLst/>
+            </a:prstTxWarp>
+          </a:bodyPr>
+          <a:lstStyle/>
+          <a:p>
+            <a:pPr marL="0" marR="0" lvl="0" indent="0" algn="ctr" defTabSz="914400" rtl="0" eaLnBrk="1" fontAlgn="base" latinLnBrk="0" hangingPunct="1">
+              <a:lnSpc>
+                <a:spcPct val="100000"/>
+              </a:lnSpc>
+              <a:spcBef>
+                <a:spcPct val="0"/>
+              </a:spcBef>
+              <a:spcAft>
+                <a:spcPct val="0"/>
+              </a:spcAft>
+              <a:buClrTx/>
+              <a:buSzTx/>
+              <a:buFontTx/>
+              <a:buNone/>
+              <a:tabLst/>
+            </a:pPr>
+            <a:r>
+              <a:rPr kumimoji="0" lang="fr-FR" altLang="fr-FR" sz="1100" b="1" i="0" u="none" strike="noStrike" cap="none" normalizeH="0" baseline="0" smtClean="0">
+                <a:ln>
+                  <a:noFill/>
+                </a:ln>
+                <a:solidFill>
+                  <a:schemeClr val="tx1"/>
+                </a:solidFill>
+                <a:effectLst/>
+                <a:latin typeface="Calibri" pitchFamily="34" charset="0"/>
+                <a:ea typeface="Calibri" pitchFamily="34" charset="0"/>
+                <a:cs typeface="Times New Roman" pitchFamily="18" charset="0"/>
+              </a:rPr>
+              <a:t>Domaine des mathématiques</a:t>
+            </a:r>
+            <a:endParaRPr kumimoji="0" lang="fr-FR" altLang="fr-FR" sz="800" b="0" i="0" u="none" strike="noStrike" cap="none" normalizeH="0" baseline="0" smtClean="0">
+              <a:ln>
+                <a:noFill/>
+              </a:ln>
+              <a:solidFill>
+                <a:schemeClr val="tx1"/>
+              </a:solidFill>
+              <a:effectLst/>
+              <a:latin typeface="Arial" pitchFamily="34" charset="0"/>
+              <a:cs typeface="Arial" pitchFamily="34" charset="0"/>
+            </a:endParaRPr>
+          </a:p>
+          <a:p>
+            <a:pPr marL="0" marR="0" lvl="0" indent="0" algn="ctr" defTabSz="914400" rtl="0" eaLnBrk="0" fontAlgn="base" latinLnBrk="0" hangingPunct="0">
+              <a:lnSpc>
+                <a:spcPct val="100000"/>
+              </a:lnSpc>
+              <a:spcBef>
+                <a:spcPct val="0"/>
+              </a:spcBef>
+              <a:spcAft>
+                <a:spcPct val="0"/>
+              </a:spcAft>
+              <a:buClrTx/>
+              <a:buSzTx/>
+              <a:buFontTx/>
+              <a:buNone/>
+              <a:tabLst/>
+            </a:pPr>
+            <a:r>
+              <a:rPr kumimoji="0" lang="fr-FR" altLang="fr-FR" sz="1100" b="0" i="0" u="none" strike="noStrike" cap="none" normalizeH="0" baseline="0" smtClean="0">
+                <a:ln>
+                  <a:noFill/>
+                </a:ln>
+                <a:solidFill>
+                  <a:schemeClr val="tx1"/>
+                </a:solidFill>
+                <a:effectLst/>
+                <a:latin typeface="Calibri" pitchFamily="34" charset="0"/>
+                <a:ea typeface="Calibri" pitchFamily="34" charset="0"/>
+                <a:cs typeface="Times New Roman" pitchFamily="18" charset="0"/>
+              </a:rPr>
+              <a:t>Calcul formel</a:t>
+            </a:r>
+            <a:endParaRPr kumimoji="0" lang="fr-FR" altLang="fr-FR" sz="800" b="0" i="0" u="none" strike="noStrike" cap="none" normalizeH="0" baseline="0" smtClean="0">
+              <a:ln>
+                <a:noFill/>
+              </a:ln>
+              <a:solidFill>
+                <a:schemeClr val="tx1"/>
+              </a:solidFill>
+              <a:effectLst/>
+              <a:latin typeface="Arial" pitchFamily="34" charset="0"/>
+              <a:cs typeface="Arial" pitchFamily="34" charset="0"/>
+            </a:endParaRPr>
+          </a:p>
+          <a:p>
+            <a:pPr marL="0" marR="0" lvl="0" indent="0" algn="ctr" defTabSz="914400" rtl="0" eaLnBrk="0" fontAlgn="base" latinLnBrk="0" hangingPunct="0">
+              <a:lnSpc>
+                <a:spcPct val="100000"/>
+              </a:lnSpc>
+              <a:spcBef>
+                <a:spcPct val="0"/>
+              </a:spcBef>
+              <a:spcAft>
+                <a:spcPct val="0"/>
+              </a:spcAft>
+              <a:buClrTx/>
+              <a:buSzTx/>
+              <a:buFontTx/>
+              <a:buNone/>
+              <a:tabLst/>
+            </a:pPr>
+            <a:r>
+              <a:rPr kumimoji="0" lang="fr-FR" altLang="fr-FR" sz="1100" b="0" i="0" u="none" strike="noStrike" cap="none" normalizeH="0" baseline="0" smtClean="0">
+                <a:ln>
+                  <a:noFill/>
+                </a:ln>
+                <a:solidFill>
+                  <a:schemeClr val="tx1"/>
+                </a:solidFill>
+                <a:effectLst/>
+                <a:latin typeface="Calibri" pitchFamily="34" charset="0"/>
+                <a:ea typeface="Calibri" pitchFamily="34" charset="0"/>
+                <a:cs typeface="Times New Roman" pitchFamily="18" charset="0"/>
+              </a:rPr>
+              <a:t>Maple, Mathcad, etc</a:t>
+            </a:r>
+            <a:endParaRPr kumimoji="0" lang="fr-FR" altLang="fr-FR" sz="800" b="0" i="0" u="none" strike="noStrike" cap="none" normalizeH="0" baseline="0" smtClean="0">
+              <a:ln>
+                <a:noFill/>
+              </a:ln>
+              <a:solidFill>
+                <a:schemeClr val="tx1"/>
+              </a:solidFill>
+              <a:effectLst/>
+              <a:latin typeface="Arial" pitchFamily="34" charset="0"/>
+              <a:cs typeface="Arial" pitchFamily="34" charset="0"/>
+            </a:endParaRPr>
+          </a:p>
+          <a:p>
+            <a:pPr marL="0" marR="0" lvl="0" indent="0" algn="ctr" defTabSz="914400" rtl="0" eaLnBrk="0" fontAlgn="base" latinLnBrk="0" hangingPunct="0">
+              <a:lnSpc>
+                <a:spcPct val="100000"/>
+              </a:lnSpc>
+              <a:spcBef>
+                <a:spcPct val="0"/>
+              </a:spcBef>
+              <a:spcAft>
+                <a:spcPct val="0"/>
+              </a:spcAft>
+              <a:buClrTx/>
+              <a:buSzTx/>
+              <a:buFontTx/>
+              <a:buNone/>
+              <a:tabLst/>
+            </a:pPr>
+            <a:r>
+              <a:rPr kumimoji="0" lang="pt-PT" altLang="fr-FR" sz="1100" b="0" i="0" u="none" strike="noStrike" cap="none" normalizeH="0" baseline="0" smtClean="0">
+                <a:ln>
+                  <a:noFill/>
+                </a:ln>
+                <a:solidFill>
+                  <a:schemeClr val="tx1"/>
+                </a:solidFill>
+                <a:effectLst/>
+                <a:latin typeface="Calibri" pitchFamily="34" charset="0"/>
+                <a:ea typeface="Calibri" pitchFamily="34" charset="0"/>
+                <a:cs typeface="Times New Roman" pitchFamily="18" charset="0"/>
+              </a:rPr>
+              <a:t>Calcul numérique</a:t>
+            </a:r>
+            <a:endParaRPr kumimoji="0" lang="pt-PT" altLang="fr-FR" sz="800" b="0" i="0" u="none" strike="noStrike" cap="none" normalizeH="0" baseline="0" smtClean="0">
+              <a:ln>
+                <a:noFill/>
+              </a:ln>
+              <a:solidFill>
+                <a:schemeClr val="tx1"/>
+              </a:solidFill>
+              <a:effectLst/>
+              <a:latin typeface="Arial" pitchFamily="34" charset="0"/>
+              <a:cs typeface="Arial" pitchFamily="34" charset="0"/>
+            </a:endParaRPr>
+          </a:p>
+          <a:p>
+            <a:pPr marL="0" marR="0" lvl="0" indent="0" algn="ctr" defTabSz="914400" rtl="0" eaLnBrk="0" fontAlgn="base" latinLnBrk="0" hangingPunct="0">
+              <a:lnSpc>
+                <a:spcPct val="100000"/>
+              </a:lnSpc>
+              <a:spcBef>
+                <a:spcPct val="0"/>
+              </a:spcBef>
+              <a:spcAft>
+                <a:spcPct val="0"/>
+              </a:spcAft>
+              <a:buClrTx/>
+              <a:buSzTx/>
+              <a:buFontTx/>
+              <a:buNone/>
+              <a:tabLst/>
+            </a:pPr>
+            <a:r>
+              <a:rPr kumimoji="0" lang="pt-PT" altLang="fr-FR" sz="1100" b="0" i="0" u="none" strike="noStrike" cap="none" normalizeH="0" baseline="0" smtClean="0">
+                <a:ln>
+                  <a:noFill/>
+                </a:ln>
+                <a:solidFill>
+                  <a:schemeClr val="tx1"/>
+                </a:solidFill>
+                <a:effectLst/>
+                <a:latin typeface="Calibri" pitchFamily="34" charset="0"/>
+                <a:ea typeface="Calibri" pitchFamily="34" charset="0"/>
+                <a:cs typeface="Times New Roman" pitchFamily="18" charset="0"/>
+              </a:rPr>
+              <a:t>Matlab, Scilab, etc.</a:t>
+            </a:r>
+            <a:endParaRPr kumimoji="0" lang="pt-PT" altLang="fr-FR" sz="1800" b="0" i="0" u="none" strike="noStrike" cap="none" normalizeH="0" baseline="0" smtClean="0">
+              <a:ln>
+                <a:noFill/>
+              </a:ln>
+              <a:solidFill>
+                <a:schemeClr val="tx1"/>
+              </a:solidFill>
+              <a:effectLst/>
+              <a:latin typeface="Arial" pitchFamily="34" charset="0"/>
+              <a:cs typeface="Arial" pitchFamily="34" charset="0"/>
+            </a:endParaRPr>
+          </a:p>
+        </p:txBody>
+      </p:sp>
+      <p:sp>
+        <p:nvSpPr>
+          <p:cNvPr id="27" name="Text Box 4"/>
+          <p:cNvSpPr txBox="1">
+            <a:spLocks noChangeArrowheads="1"/>
+          </p:cNvSpPr>
+          <p:nvPr/>
+        </p:nvSpPr>
+        <p:spPr bwMode="auto">
+          <a:xfrm>
+            <a:off x="7416800" y="4451350"/>
+            <a:ext cx="2100263" cy="1660525"/>
+          </a:xfrm>
+          <a:prstGeom prst="rect">
+            <a:avLst/>
+          </a:prstGeom>
+          <a:noFill/>
+          <a:ln>
+            <a:noFill/>
+          </a:ln>
+          <a:extLst>
+            <a:ext uri="{909E8E84-426E-40DD-AFC4-6F175D3DCCD1}">
+              <a14:hiddenFill xmlns:a14="http://schemas.microsoft.com/office/drawing/2010/main">
+                <a:solidFill>
+                  <a:srgbClr val="FFFFFF"/>
+                </a:solidFill>
+              </a14:hiddenFill>
+            </a:ext>
+            <a:ext uri="{91240B29-F687-4F45-9708-019B960494DF}">
+              <a14:hiddenLine xmlns:a14="http://schemas.microsoft.com/office/drawing/2010/main" w="9525">
+                <a:solidFill>
+                  <a:srgbClr val="000000"/>
+                </a:solidFill>
+                <a:miter lim="800000"/>
+                <a:headEnd/>
+                <a:tailEnd/>
+              </a14:hiddenLine>
+            </a:ext>
+          </a:extLst>
+        </p:spPr>
+        <p:txBody>
+          <a:bodyPr vert="horz" wrap="square" lIns="91440" tIns="45720" rIns="91440" bIns="45720" numCol="1" anchor="t" anchorCtr="0" compatLnSpc="1">
+            <a:prstTxWarp prst="textNoShape">
+              <a:avLst/>
+            </a:prstTxWarp>
+          </a:bodyPr>
+          <a:lstStyle/>
+          <a:p>
+            <a:pPr marL="0" marR="0" lvl="0" indent="0" algn="ctr" defTabSz="914400" rtl="0" eaLnBrk="1" fontAlgn="base" latinLnBrk="0" hangingPunct="1">
+              <a:lnSpc>
+                <a:spcPct val="100000"/>
+              </a:lnSpc>
+              <a:spcBef>
+                <a:spcPct val="0"/>
+              </a:spcBef>
+              <a:spcAft>
+                <a:spcPct val="0"/>
+              </a:spcAft>
+              <a:buClrTx/>
+              <a:buSzTx/>
+              <a:buFontTx/>
+              <a:buNone/>
+              <a:tabLst/>
+            </a:pPr>
+            <a:r>
+              <a:rPr kumimoji="0" lang="fr-FR" altLang="fr-FR" sz="1100" b="1" i="0" u="none" strike="noStrike" cap="none" normalizeH="0" baseline="0" smtClean="0">
+                <a:ln>
+                  <a:noFill/>
+                </a:ln>
+                <a:solidFill>
+                  <a:schemeClr val="tx1"/>
+                </a:solidFill>
+                <a:effectLst/>
+                <a:latin typeface="Calibri" pitchFamily="34" charset="0"/>
+                <a:ea typeface="Calibri" pitchFamily="34" charset="0"/>
+                <a:cs typeface="Times New Roman" pitchFamily="18" charset="0"/>
+              </a:rPr>
+              <a:t>Domaine de l’informatique</a:t>
+            </a:r>
+            <a:endParaRPr kumimoji="0" lang="fr-FR" altLang="fr-FR" sz="800" b="0" i="0" u="none" strike="noStrike" cap="none" normalizeH="0" baseline="0" smtClean="0">
+              <a:ln>
+                <a:noFill/>
+              </a:ln>
+              <a:solidFill>
+                <a:schemeClr val="tx1"/>
+              </a:solidFill>
+              <a:effectLst/>
+              <a:latin typeface="Arial" pitchFamily="34" charset="0"/>
+              <a:cs typeface="Arial" pitchFamily="34" charset="0"/>
+            </a:endParaRPr>
+          </a:p>
+          <a:p>
+            <a:pPr marL="0" marR="0" lvl="0" indent="0" algn="ctr" defTabSz="914400" rtl="0" eaLnBrk="0" fontAlgn="base" latinLnBrk="0" hangingPunct="0">
+              <a:lnSpc>
+                <a:spcPct val="100000"/>
+              </a:lnSpc>
+              <a:spcBef>
+                <a:spcPct val="0"/>
+              </a:spcBef>
+              <a:spcAft>
+                <a:spcPct val="0"/>
+              </a:spcAft>
+              <a:buClrTx/>
+              <a:buSzTx/>
+              <a:buFontTx/>
+              <a:buNone/>
+              <a:tabLst/>
+            </a:pPr>
+            <a:r>
+              <a:rPr kumimoji="0" lang="fr-FR" altLang="fr-FR" sz="1100" b="0" i="0" u="none" strike="noStrike" cap="none" normalizeH="0" baseline="0" smtClean="0">
+                <a:ln>
+                  <a:noFill/>
+                </a:ln>
+                <a:solidFill>
+                  <a:schemeClr val="tx1"/>
+                </a:solidFill>
+                <a:effectLst/>
+                <a:latin typeface="Calibri" pitchFamily="34" charset="0"/>
+                <a:ea typeface="Calibri" pitchFamily="34" charset="0"/>
+                <a:cs typeface="Times New Roman" pitchFamily="18" charset="0"/>
+              </a:rPr>
+              <a:t>Programmation impérative</a:t>
+            </a:r>
+            <a:endParaRPr kumimoji="0" lang="fr-FR" altLang="fr-FR" sz="800" b="0" i="0" u="none" strike="noStrike" cap="none" normalizeH="0" baseline="0" smtClean="0">
+              <a:ln>
+                <a:noFill/>
+              </a:ln>
+              <a:solidFill>
+                <a:schemeClr val="tx1"/>
+              </a:solidFill>
+              <a:effectLst/>
+              <a:latin typeface="Arial" pitchFamily="34" charset="0"/>
+              <a:cs typeface="Arial" pitchFamily="34" charset="0"/>
+            </a:endParaRPr>
+          </a:p>
+          <a:p>
+            <a:pPr marL="0" marR="0" lvl="0" indent="0" algn="ctr" defTabSz="914400" rtl="0" eaLnBrk="0" fontAlgn="base" latinLnBrk="0" hangingPunct="0">
+              <a:lnSpc>
+                <a:spcPct val="100000"/>
+              </a:lnSpc>
+              <a:spcBef>
+                <a:spcPct val="0"/>
+              </a:spcBef>
+              <a:spcAft>
+                <a:spcPct val="0"/>
+              </a:spcAft>
+              <a:buClrTx/>
+              <a:buSzTx/>
+              <a:buFontTx/>
+              <a:buNone/>
+              <a:tabLst/>
+            </a:pPr>
+            <a:r>
+              <a:rPr kumimoji="0" lang="fr-FR" altLang="fr-FR" sz="1100" b="0" i="0" u="none" strike="noStrike" cap="none" normalizeH="0" baseline="0" smtClean="0">
+                <a:ln>
+                  <a:noFill/>
+                </a:ln>
+                <a:solidFill>
+                  <a:schemeClr val="tx1"/>
+                </a:solidFill>
+                <a:effectLst/>
+                <a:latin typeface="Calibri" pitchFamily="34" charset="0"/>
+                <a:ea typeface="Calibri" pitchFamily="34" charset="0"/>
+                <a:cs typeface="Times New Roman" pitchFamily="18" charset="0"/>
+              </a:rPr>
+              <a:t>C, Python, Java, etc.</a:t>
+            </a:r>
+            <a:endParaRPr kumimoji="0" lang="fr-FR" altLang="fr-FR" sz="800" b="0" i="0" u="none" strike="noStrike" cap="none" normalizeH="0" baseline="0" smtClean="0">
+              <a:ln>
+                <a:noFill/>
+              </a:ln>
+              <a:solidFill>
+                <a:schemeClr val="tx1"/>
+              </a:solidFill>
+              <a:effectLst/>
+              <a:latin typeface="Arial" pitchFamily="34" charset="0"/>
+              <a:cs typeface="Arial" pitchFamily="34" charset="0"/>
+            </a:endParaRPr>
+          </a:p>
+          <a:p>
+            <a:pPr marL="0" marR="0" lvl="0" indent="0" algn="ctr" defTabSz="914400" rtl="0" eaLnBrk="0" fontAlgn="base" latinLnBrk="0" hangingPunct="0">
+              <a:lnSpc>
+                <a:spcPct val="100000"/>
+              </a:lnSpc>
+              <a:spcBef>
+                <a:spcPct val="0"/>
+              </a:spcBef>
+              <a:spcAft>
+                <a:spcPct val="0"/>
+              </a:spcAft>
+              <a:buClrTx/>
+              <a:buSzTx/>
+              <a:buFontTx/>
+              <a:buNone/>
+              <a:tabLst/>
+            </a:pPr>
+            <a:r>
+              <a:rPr kumimoji="0" lang="fr-FR" altLang="fr-FR" sz="1100" b="0" i="0" u="none" strike="noStrike" cap="none" normalizeH="0" baseline="0" smtClean="0">
+                <a:ln>
+                  <a:noFill/>
+                </a:ln>
+                <a:solidFill>
+                  <a:schemeClr val="tx1"/>
+                </a:solidFill>
+                <a:effectLst/>
+                <a:latin typeface="Calibri" pitchFamily="34" charset="0"/>
+                <a:ea typeface="Calibri" pitchFamily="34" charset="0"/>
+                <a:cs typeface="Times New Roman" pitchFamily="18" charset="0"/>
+              </a:rPr>
+              <a:t>Environnements de développement</a:t>
+            </a:r>
+            <a:endParaRPr kumimoji="0" lang="fr-FR" altLang="fr-FR" sz="800" b="0" i="0" u="none" strike="noStrike" cap="none" normalizeH="0" baseline="0" smtClean="0">
+              <a:ln>
+                <a:noFill/>
+              </a:ln>
+              <a:solidFill>
+                <a:schemeClr val="tx1"/>
+              </a:solidFill>
+              <a:effectLst/>
+              <a:latin typeface="Arial" pitchFamily="34" charset="0"/>
+              <a:cs typeface="Arial" pitchFamily="34" charset="0"/>
+            </a:endParaRPr>
+          </a:p>
+          <a:p>
+            <a:pPr marL="0" marR="0" lvl="0" indent="0" algn="ctr" defTabSz="914400" rtl="0" eaLnBrk="0" fontAlgn="base" latinLnBrk="0" hangingPunct="0">
+              <a:lnSpc>
+                <a:spcPct val="100000"/>
+              </a:lnSpc>
+              <a:spcBef>
+                <a:spcPct val="0"/>
+              </a:spcBef>
+              <a:spcAft>
+                <a:spcPct val="0"/>
+              </a:spcAft>
+              <a:buClrTx/>
+              <a:buSzTx/>
+              <a:buFontTx/>
+              <a:buNone/>
+              <a:tabLst/>
+            </a:pPr>
+            <a:r>
+              <a:rPr kumimoji="0" lang="fr-FR" altLang="fr-FR" sz="1100" b="0" i="0" u="none" strike="noStrike" cap="none" normalizeH="0" baseline="0" smtClean="0">
+                <a:ln>
+                  <a:noFill/>
+                </a:ln>
+                <a:solidFill>
+                  <a:schemeClr val="tx1"/>
+                </a:solidFill>
+                <a:effectLst/>
+                <a:latin typeface="Calibri" pitchFamily="34" charset="0"/>
+                <a:ea typeface="Calibri" pitchFamily="34" charset="0"/>
+                <a:cs typeface="Times New Roman" pitchFamily="18" charset="0"/>
+              </a:rPr>
+              <a:t>Visual Studio, Eclipse, etc.</a:t>
+            </a:r>
+            <a:endParaRPr kumimoji="0" lang="fr-FR" altLang="fr-FR" sz="800" b="0" i="0" u="none" strike="noStrike" cap="none" normalizeH="0" baseline="0" smtClean="0">
+              <a:ln>
+                <a:noFill/>
+              </a:ln>
+              <a:solidFill>
+                <a:schemeClr val="tx1"/>
+              </a:solidFill>
+              <a:effectLst/>
+              <a:latin typeface="Arial" pitchFamily="34" charset="0"/>
+              <a:cs typeface="Arial" pitchFamily="34" charset="0"/>
+            </a:endParaRPr>
+          </a:p>
+          <a:p>
+            <a:pPr marL="0" marR="0" lvl="0" indent="0" algn="ctr" defTabSz="914400" rtl="0" eaLnBrk="0" fontAlgn="base" latinLnBrk="0" hangingPunct="0">
+              <a:lnSpc>
+                <a:spcPct val="100000"/>
+              </a:lnSpc>
+              <a:spcBef>
+                <a:spcPct val="0"/>
+              </a:spcBef>
+              <a:spcAft>
+                <a:spcPct val="0"/>
+              </a:spcAft>
+              <a:buClrTx/>
+              <a:buSzTx/>
+              <a:buFontTx/>
+              <a:buNone/>
+              <a:tabLst/>
+            </a:pPr>
+            <a:r>
+              <a:rPr kumimoji="0" lang="fr-FR" altLang="fr-FR" sz="1100" b="0" i="0" u="none" strike="noStrike" cap="none" normalizeH="0" baseline="0" smtClean="0">
+                <a:ln>
+                  <a:noFill/>
+                </a:ln>
+                <a:solidFill>
+                  <a:schemeClr val="tx1"/>
+                </a:solidFill>
+                <a:effectLst/>
+                <a:latin typeface="Calibri" pitchFamily="34" charset="0"/>
+                <a:ea typeface="Calibri" pitchFamily="34" charset="0"/>
+                <a:cs typeface="Times New Roman" pitchFamily="18" charset="0"/>
+              </a:rPr>
+              <a:t> </a:t>
+            </a:r>
+            <a:endParaRPr kumimoji="0" lang="fr-FR" altLang="fr-FR" sz="800" b="0" i="0" u="none" strike="noStrike" cap="none" normalizeH="0" baseline="0" smtClean="0">
+              <a:ln>
+                <a:noFill/>
+              </a:ln>
+              <a:solidFill>
+                <a:schemeClr val="tx1"/>
+              </a:solidFill>
+              <a:effectLst/>
+              <a:latin typeface="Arial" pitchFamily="34" charset="0"/>
+              <a:cs typeface="Arial" pitchFamily="34" charset="0"/>
+            </a:endParaRPr>
+          </a:p>
+          <a:p>
+            <a:pPr marL="0" marR="0" lvl="0" indent="0" algn="l" defTabSz="914400" rtl="0" eaLnBrk="0" fontAlgn="base" latinLnBrk="0" hangingPunct="0">
+              <a:lnSpc>
+                <a:spcPct val="100000"/>
+              </a:lnSpc>
+              <a:spcBef>
+                <a:spcPct val="0"/>
+              </a:spcBef>
+              <a:spcAft>
+                <a:spcPct val="0"/>
+              </a:spcAft>
+              <a:buClrTx/>
+              <a:buSzTx/>
+              <a:buFontTx/>
+              <a:buNone/>
+              <a:tabLst/>
+            </a:pPr>
+            <a:endParaRPr kumimoji="0" lang="fr-FR" altLang="fr-FR" sz="1800" b="0" i="0" u="none" strike="noStrike" cap="none" normalizeH="0" baseline="0" smtClean="0">
+              <a:ln>
+                <a:noFill/>
+              </a:ln>
+              <a:solidFill>
+                <a:schemeClr val="tx1"/>
+              </a:solidFill>
+              <a:effectLst/>
+              <a:latin typeface="Arial" pitchFamily="34" charset="0"/>
+              <a:cs typeface="Arial" pitchFamily="34" charset="0"/>
+            </a:endParaRPr>
+          </a:p>
+        </p:txBody>
+      </p:sp>
+      <p:sp>
+        <p:nvSpPr>
+          <p:cNvPr id="31" name="Rectangle 29"/>
+          <p:cNvSpPr>
+            <a:spLocks noChangeArrowheads="1"/>
+          </p:cNvSpPr>
+          <p:nvPr/>
+        </p:nvSpPr>
+        <p:spPr bwMode="auto">
+          <a:xfrm>
+            <a:off x="0" y="0"/>
+            <a:ext cx="9144000" cy="457200"/>
+          </a:xfrm>
+          <a:prstGeom prst="rect">
+            <a:avLst/>
+          </a:prstGeom>
+          <a:noFill/>
+          <a:ln>
+            <a:noFill/>
+          </a:ln>
+          <a:effectLst/>
+          <a:extLst>
+            <a:ext uri="{909E8E84-426E-40DD-AFC4-6F175D3DCCD1}">
+              <a14:hiddenFill xmlns:a14="http://schemas.microsoft.com/office/drawing/2010/main">
+                <a:solidFill>
+                  <a:schemeClr val="accent1"/>
+                </a:solidFill>
+              </a14:hiddenFill>
+            </a:ext>
+            <a:ext uri="{91240B29-F687-4F45-9708-019B960494DF}">
+              <a14:hiddenLine xmlns:a14="http://schemas.microsoft.com/office/drawing/2010/main" w="9525">
+                <a:solidFill>
+                  <a:schemeClr val="tx1"/>
+                </a:solidFill>
+                <a:miter lim="800000"/>
+                <a:headEnd/>
+                <a:tailEnd/>
+              </a14:hiddenLine>
+            </a:ext>
+            <a:ext uri="{AF507438-7753-43E0-B8FC-AC1667EBCBE1}">
+              <a14:hiddenEffects xmlns:a14="http://schemas.microsoft.com/office/drawing/2010/main">
+                <a:effectLst>
+                  <a:outerShdw dist="35921" dir="2700000" algn="ctr" rotWithShape="0">
+                    <a:schemeClr val="bg2"/>
+                  </a:outerShdw>
+                </a:effectLst>
+              </a14:hiddenEffects>
+            </a:ext>
+          </a:extLst>
+        </p:spPr>
+        <p:txBody>
+          <a:bodyPr vert="horz" wrap="none" lIns="91440" tIns="45720" rIns="91440" bIns="45720" numCol="1" anchor="ctr" anchorCtr="0" compatLnSpc="1">
+            <a:prstTxWarp prst="textNoShape">
+              <a:avLst/>
+            </a:prstTxWarp>
+            <a:spAutoFit/>
+          </a:bodyPr>
+          <a:lstStyle/>
+          <a:p>
+            <a:endParaRPr lang="fr-FR"/>
+          </a:p>
+        </p:txBody>
+      </p:sp>
+      <p:sp>
+        <p:nvSpPr>
+          <p:cNvPr id="32" name="Rectangle 44"/>
+          <p:cNvSpPr>
+            <a:spLocks noChangeArrowheads="1"/>
+          </p:cNvSpPr>
+          <p:nvPr/>
+        </p:nvSpPr>
+        <p:spPr bwMode="auto">
+          <a:xfrm>
+            <a:off x="0" y="457200"/>
+            <a:ext cx="9144000" cy="457200"/>
+          </a:xfrm>
+          <a:prstGeom prst="rect">
+            <a:avLst/>
+          </a:prstGeom>
+          <a:noFill/>
+          <a:ln>
+            <a:noFill/>
+          </a:ln>
+          <a:effectLst/>
+          <a:extLst>
+            <a:ext uri="{909E8E84-426E-40DD-AFC4-6F175D3DCCD1}">
+              <a14:hiddenFill xmlns:a14="http://schemas.microsoft.com/office/drawing/2010/main">
+                <a:solidFill>
+                  <a:schemeClr val="accent1"/>
+                </a:solidFill>
+              </a14:hiddenFill>
+            </a:ext>
+            <a:ext uri="{91240B29-F687-4F45-9708-019B960494DF}">
+              <a14:hiddenLine xmlns:a14="http://schemas.microsoft.com/office/drawing/2010/main" w="9525">
+                <a:solidFill>
+                  <a:schemeClr val="tx1"/>
+                </a:solidFill>
+                <a:miter lim="800000"/>
+                <a:headEnd/>
+                <a:tailEnd/>
+              </a14:hiddenLine>
+            </a:ext>
+            <a:ext uri="{AF507438-7753-43E0-B8FC-AC1667EBCBE1}">
+              <a14:hiddenEffects xmlns:a14="http://schemas.microsoft.com/office/drawing/2010/main">
+                <a:effectLst>
+                  <a:outerShdw dist="35921" dir="2700000" algn="ctr" rotWithShape="0">
+                    <a:schemeClr val="bg2"/>
+                  </a:outerShdw>
+                </a:effectLst>
+              </a14:hiddenEffects>
+            </a:ext>
+          </a:extLst>
+        </p:spPr>
+        <p:txBody>
+          <a:bodyPr vert="horz" wrap="none" lIns="91440" tIns="45720" rIns="91440" bIns="45720" numCol="1" anchor="ctr" anchorCtr="0" compatLnSpc="1">
+            <a:prstTxWarp prst="textNoShape">
+              <a:avLst/>
+            </a:prstTxWarp>
+            <a:spAutoFit/>
+          </a:bodyPr>
+          <a:lstStyle/>
+          <a:p>
+            <a:pPr marL="0" marR="0" lvl="0" indent="0" algn="l" defTabSz="914400" rtl="0" eaLnBrk="1" fontAlgn="base" latinLnBrk="0" hangingPunct="1">
+              <a:lnSpc>
+                <a:spcPct val="100000"/>
+              </a:lnSpc>
+              <a:spcBef>
+                <a:spcPct val="0"/>
+              </a:spcBef>
+              <a:spcAft>
+                <a:spcPct val="0"/>
+              </a:spcAft>
+              <a:buClrTx/>
+              <a:buSzTx/>
+              <a:buFontTx/>
+              <a:buNone/>
+              <a:tabLst/>
+            </a:pPr>
+            <a:endParaRPr kumimoji="0" lang="fr-FR" altLang="fr-FR" sz="1800" b="0" i="0" u="none" strike="noStrike" cap="none" normalizeH="0" baseline="0" smtClean="0">
+              <a:ln>
+                <a:noFill/>
+              </a:ln>
+              <a:solidFill>
+                <a:schemeClr val="tx1"/>
+              </a:solidFill>
+              <a:effectLst/>
+              <a:latin typeface="Arial" pitchFamily="34" charset="0"/>
+              <a:cs typeface="Arial" pitchFamily="34" charset="0"/>
+            </a:endParaRPr>
+          </a:p>
+        </p:txBody>
+      </p:sp>
+      <p:sp>
+        <p:nvSpPr>
+          <p:cNvPr id="33" name="Rectangle 32"/>
+          <p:cNvSpPr/>
+          <p:nvPr/>
+        </p:nvSpPr>
+        <p:spPr>
+          <a:xfrm>
+            <a:off x="-468560" y="332656"/>
+            <a:ext cx="10513168" cy="6693619"/>
+          </a:xfrm>
+          <a:prstGeom prst="rect">
+            <a:avLst/>
+          </a:prstGeom>
+          <a:solidFill>
+            <a:schemeClr val="bg1">
+              <a:alpha val="85000"/>
+            </a:schemeClr>
+          </a:solidFill>
+          <a:ln>
+            <a:noFill/>
+          </a:ln>
+        </p:spPr>
+        <p:style>
+          <a:lnRef idx="2">
+            <a:schemeClr val="accent1">
+              <a:shade val="50000"/>
+            </a:schemeClr>
+          </a:lnRef>
+          <a:fillRef idx="1">
+            <a:schemeClr val="accent1"/>
+          </a:fillRef>
+          <a:effectRef idx="0">
+            <a:schemeClr val="accent1"/>
+          </a:effectRef>
+          <a:fontRef idx="minor">
+            <a:schemeClr val="lt1"/>
+          </a:fontRef>
+        </p:style>
+        <p:txBody>
+          <a:bodyPr rtlCol="0" anchor="ctr"/>
+          <a:lstStyle/>
+          <a:p>
+            <a:pPr algn="ctr"/>
+            <a:endParaRPr lang="fr-FR"/>
+          </a:p>
+        </p:txBody>
+      </p:sp>
+      <p:sp>
+        <p:nvSpPr>
+          <p:cNvPr id="29" name="AutoShape 2"/>
+          <p:cNvSpPr>
+            <a:spLocks noChangeArrowheads="1"/>
+          </p:cNvSpPr>
+          <p:nvPr/>
+        </p:nvSpPr>
+        <p:spPr bwMode="auto">
+          <a:xfrm rot="5400000">
+            <a:off x="8130157" y="4252119"/>
+            <a:ext cx="2854325" cy="731837"/>
+          </a:xfrm>
+          <a:custGeom>
+            <a:avLst/>
+            <a:gdLst>
+              <a:gd name="G0" fmla="+- 16200 0 0"/>
+              <a:gd name="G1" fmla="+- 5400 0 0"/>
+              <a:gd name="G2" fmla="+- 21600 0 5400"/>
+              <a:gd name="G3" fmla="+- 10800 0 5400"/>
+              <a:gd name="G4" fmla="+- 21600 0 16200"/>
+              <a:gd name="G5" fmla="*/ G4 G3 10800"/>
+              <a:gd name="G6" fmla="+- 21600 0 G5"/>
+              <a:gd name="T0" fmla="*/ 16200 w 21600"/>
+              <a:gd name="T1" fmla="*/ 0 h 21600"/>
+              <a:gd name="T2" fmla="*/ 0 w 21600"/>
+              <a:gd name="T3" fmla="*/ 10800 h 21600"/>
+              <a:gd name="T4" fmla="*/ 16200 w 21600"/>
+              <a:gd name="T5" fmla="*/ 21600 h 21600"/>
+              <a:gd name="T6" fmla="*/ 21600 w 21600"/>
+              <a:gd name="T7" fmla="*/ 10800 h 21600"/>
+              <a:gd name="T8" fmla="*/ 17694720 60000 65536"/>
+              <a:gd name="T9" fmla="*/ 11796480 60000 65536"/>
+              <a:gd name="T10" fmla="*/ 5898240 60000 65536"/>
+              <a:gd name="T11" fmla="*/ 0 60000 65536"/>
+              <a:gd name="T12" fmla="*/ 3375 w 21600"/>
+              <a:gd name="T13" fmla="*/ G1 h 21600"/>
+              <a:gd name="T14" fmla="*/ G6 w 21600"/>
+              <a:gd name="T15" fmla="*/ G2 h 21600"/>
+            </a:gdLst>
+            <a:ahLst/>
+            <a:cxnLst>
+              <a:cxn ang="T8">
+                <a:pos x="T0" y="T1"/>
+              </a:cxn>
+              <a:cxn ang="T9">
+                <a:pos x="T2" y="T3"/>
+              </a:cxn>
+              <a:cxn ang="T10">
+                <a:pos x="T4" y="T5"/>
+              </a:cxn>
+              <a:cxn ang="T11">
+                <a:pos x="T6" y="T7"/>
+              </a:cxn>
+            </a:cxnLst>
+            <a:rect l="T12" t="T13" r="T14" b="T15"/>
+            <a:pathLst>
+              <a:path w="21600" h="21600">
+                <a:moveTo>
+                  <a:pt x="16200" y="0"/>
+                </a:moveTo>
+                <a:lnTo>
+                  <a:pt x="16200" y="5400"/>
+                </a:lnTo>
+                <a:lnTo>
+                  <a:pt x="3375" y="5400"/>
+                </a:lnTo>
+                <a:lnTo>
+                  <a:pt x="3375" y="16200"/>
+                </a:lnTo>
+                <a:lnTo>
+                  <a:pt x="16200" y="16200"/>
+                </a:lnTo>
+                <a:lnTo>
+                  <a:pt x="16200" y="21600"/>
+                </a:lnTo>
+                <a:lnTo>
+                  <a:pt x="21600" y="10800"/>
+                </a:lnTo>
+                <a:close/>
+              </a:path>
+              <a:path w="21600" h="21600">
+                <a:moveTo>
+                  <a:pt x="1350" y="5400"/>
+                </a:moveTo>
+                <a:lnTo>
+                  <a:pt x="1350" y="16200"/>
+                </a:lnTo>
+                <a:lnTo>
+                  <a:pt x="2700" y="16200"/>
+                </a:lnTo>
+                <a:lnTo>
+                  <a:pt x="2700" y="5400"/>
+                </a:lnTo>
+                <a:close/>
+              </a:path>
+              <a:path w="21600" h="21600">
+                <a:moveTo>
+                  <a:pt x="0" y="5400"/>
+                </a:moveTo>
+                <a:lnTo>
+                  <a:pt x="0" y="16200"/>
+                </a:lnTo>
+                <a:lnTo>
+                  <a:pt x="675" y="16200"/>
+                </a:lnTo>
+                <a:lnTo>
+                  <a:pt x="675" y="5400"/>
+                </a:lnTo>
+                <a:close/>
+              </a:path>
+            </a:pathLst>
+          </a:custGeom>
+          <a:solidFill>
+            <a:srgbClr val="FFFFFF"/>
+          </a:solidFill>
+          <a:ln w="9525">
+            <a:solidFill>
+              <a:srgbClr val="000000"/>
+            </a:solidFill>
+            <a:miter lim="800000"/>
+            <a:headEnd/>
+            <a:tailEnd/>
+          </a:ln>
+        </p:spPr>
+        <p:txBody>
+          <a:bodyPr vert="horz" wrap="square" lIns="91440" tIns="45720" rIns="91440" bIns="45720" numCol="1" anchor="t" anchorCtr="0" compatLnSpc="1">
+            <a:prstTxWarp prst="textNoShape">
+              <a:avLst/>
+            </a:prstTxWarp>
+          </a:bodyPr>
+          <a:lstStyle/>
+          <a:p>
+            <a:endParaRPr lang="fr-FR"/>
+          </a:p>
+        </p:txBody>
+      </p:sp>
+      <p:sp>
+        <p:nvSpPr>
+          <p:cNvPr id="30" name="Text Box 1"/>
+          <p:cNvSpPr txBox="1">
+            <a:spLocks noChangeArrowheads="1"/>
+          </p:cNvSpPr>
+          <p:nvPr/>
+        </p:nvSpPr>
+        <p:spPr bwMode="auto">
+          <a:xfrm>
+            <a:off x="9296176" y="3563938"/>
+            <a:ext cx="573087" cy="2349500"/>
+          </a:xfrm>
+          <a:prstGeom prst="rect">
+            <a:avLst/>
+          </a:prstGeom>
+          <a:noFill/>
+          <a:ln>
+            <a:noFill/>
+          </a:ln>
+          <a:extLst>
+            <a:ext uri="{909E8E84-426E-40DD-AFC4-6F175D3DCCD1}">
+              <a14:hiddenFill xmlns:a14="http://schemas.microsoft.com/office/drawing/2010/main">
+                <a:solidFill>
+                  <a:srgbClr val="FFFFFF"/>
+                </a:solidFill>
+              </a14:hiddenFill>
+            </a:ext>
+            <a:ext uri="{91240B29-F687-4F45-9708-019B960494DF}">
+              <a14:hiddenLine xmlns:a14="http://schemas.microsoft.com/office/drawing/2010/main" w="9525">
+                <a:solidFill>
+                  <a:srgbClr val="000000"/>
+                </a:solidFill>
+                <a:miter lim="800000"/>
+                <a:headEnd/>
+                <a:tailEnd/>
+              </a14:hiddenLine>
+            </a:ext>
+          </a:extLst>
+        </p:spPr>
+        <p:txBody>
+          <a:bodyPr vert="vert270" wrap="square" lIns="91440" tIns="45720" rIns="91440" bIns="45720" numCol="1" anchor="t" anchorCtr="0" compatLnSpc="1">
+            <a:prstTxWarp prst="textNoShape">
+              <a:avLst/>
+            </a:prstTxWarp>
+          </a:bodyPr>
+          <a:lstStyle/>
+          <a:p>
+            <a:pPr marL="0" marR="0" lvl="0" indent="0" algn="ctr" defTabSz="914400" rtl="0" eaLnBrk="1" fontAlgn="base" latinLnBrk="0" hangingPunct="1">
+              <a:lnSpc>
+                <a:spcPct val="100000"/>
+              </a:lnSpc>
+              <a:spcBef>
+                <a:spcPct val="0"/>
+              </a:spcBef>
+              <a:spcAft>
+                <a:spcPct val="0"/>
+              </a:spcAft>
+              <a:buClrTx/>
+              <a:buSzTx/>
+              <a:buFontTx/>
+              <a:buNone/>
+              <a:tabLst/>
+            </a:pPr>
+            <a:r>
+              <a:rPr kumimoji="0" lang="fr-FR" altLang="fr-FR" sz="1100" b="1" i="0" u="none" strike="noStrike" cap="none" normalizeH="0" baseline="0" dirty="0" smtClean="0">
+                <a:ln>
+                  <a:noFill/>
+                </a:ln>
+                <a:solidFill>
+                  <a:schemeClr val="tx1"/>
+                </a:solidFill>
+                <a:effectLst/>
+                <a:latin typeface="Calibri" pitchFamily="34" charset="0"/>
+                <a:ea typeface="Calibri" pitchFamily="34" charset="0"/>
+                <a:cs typeface="Times New Roman" pitchFamily="18" charset="0"/>
+              </a:rPr>
+              <a:t>Le diagramme paramétrique devrait permettre de faire la passerelle</a:t>
+            </a:r>
+            <a:endParaRPr kumimoji="0" lang="fr-FR" altLang="fr-FR" sz="800" b="0" i="0" u="none" strike="noStrike" cap="none" normalizeH="0" baseline="0" dirty="0" smtClean="0">
+              <a:ln>
+                <a:noFill/>
+              </a:ln>
+              <a:solidFill>
+                <a:schemeClr val="tx1"/>
+              </a:solidFill>
+              <a:effectLst/>
+              <a:latin typeface="Arial" pitchFamily="34" charset="0"/>
+              <a:cs typeface="Arial" pitchFamily="34" charset="0"/>
+            </a:endParaRPr>
+          </a:p>
+          <a:p>
+            <a:pPr marL="0" marR="0" lvl="0" indent="0" algn="l" defTabSz="914400" rtl="0" eaLnBrk="0" fontAlgn="base" latinLnBrk="0" hangingPunct="0">
+              <a:lnSpc>
+                <a:spcPct val="100000"/>
+              </a:lnSpc>
+              <a:spcBef>
+                <a:spcPct val="0"/>
+              </a:spcBef>
+              <a:spcAft>
+                <a:spcPct val="0"/>
+              </a:spcAft>
+              <a:buClrTx/>
+              <a:buSzTx/>
+              <a:buFontTx/>
+              <a:buNone/>
+              <a:tabLst/>
+            </a:pPr>
+            <a:endParaRPr kumimoji="0" lang="fr-FR" altLang="fr-FR" sz="1800" b="0" i="0" u="none" strike="noStrike" cap="none" normalizeH="0" baseline="0" dirty="0" smtClean="0">
+              <a:ln>
+                <a:noFill/>
+              </a:ln>
+              <a:solidFill>
+                <a:schemeClr val="tx1"/>
+              </a:solidFill>
+              <a:effectLst/>
+              <a:latin typeface="Arial" pitchFamily="34" charset="0"/>
+              <a:cs typeface="Arial" pitchFamily="34" charset="0"/>
+            </a:endParaRPr>
+          </a:p>
+        </p:txBody>
+      </p:sp>
+      <p:sp>
+        <p:nvSpPr>
+          <p:cNvPr id="11" name="Text Box 20"/>
+          <p:cNvSpPr txBox="1">
+            <a:spLocks noChangeArrowheads="1"/>
+          </p:cNvSpPr>
+          <p:nvPr/>
+        </p:nvSpPr>
+        <p:spPr bwMode="auto">
+          <a:xfrm>
+            <a:off x="3063875" y="1104900"/>
+            <a:ext cx="3543300" cy="427038"/>
+          </a:xfrm>
+          <a:prstGeom prst="rect">
+            <a:avLst/>
+          </a:prstGeom>
+          <a:noFill/>
+          <a:ln>
+            <a:noFill/>
+          </a:ln>
+          <a:extLst>
+            <a:ext uri="{909E8E84-426E-40DD-AFC4-6F175D3DCCD1}">
+              <a14:hiddenFill xmlns:a14="http://schemas.microsoft.com/office/drawing/2010/main">
+                <a:solidFill>
+                  <a:srgbClr val="FFFFFF"/>
+                </a:solidFill>
+              </a14:hiddenFill>
+            </a:ext>
+            <a:ext uri="{91240B29-F687-4F45-9708-019B960494DF}">
+              <a14:hiddenLine xmlns:a14="http://schemas.microsoft.com/office/drawing/2010/main" w="9525">
+                <a:solidFill>
+                  <a:srgbClr val="000000"/>
+                </a:solidFill>
+                <a:miter lim="800000"/>
+                <a:headEnd/>
+                <a:tailEnd/>
+              </a14:hiddenLine>
+            </a:ext>
+          </a:extLst>
+        </p:spPr>
+        <p:txBody>
+          <a:bodyPr vert="horz" wrap="square" lIns="91440" tIns="45720" rIns="91440" bIns="45720" numCol="1" anchor="t" anchorCtr="0" compatLnSpc="1">
+            <a:prstTxWarp prst="textNoShape">
+              <a:avLst/>
+            </a:prstTxWarp>
+          </a:bodyPr>
+          <a:lstStyle/>
+          <a:p>
+            <a:pPr marL="0" marR="0" lvl="0" indent="0" algn="ctr" defTabSz="914400" rtl="0" eaLnBrk="1" fontAlgn="base" latinLnBrk="0" hangingPunct="1">
+              <a:lnSpc>
+                <a:spcPct val="100000"/>
+              </a:lnSpc>
+              <a:spcBef>
+                <a:spcPct val="0"/>
+              </a:spcBef>
+              <a:spcAft>
+                <a:spcPct val="0"/>
+              </a:spcAft>
+              <a:buClrTx/>
+              <a:buSzTx/>
+              <a:buFontTx/>
+              <a:buNone/>
+              <a:tabLst/>
+            </a:pPr>
+            <a:r>
+              <a:rPr kumimoji="0" lang="fr-FR" altLang="fr-FR" sz="1800" b="1" i="0" u="none" strike="noStrike" cap="none" normalizeH="0" baseline="0" dirty="0" smtClean="0">
+                <a:ln>
+                  <a:noFill/>
+                </a:ln>
+                <a:solidFill>
+                  <a:schemeClr val="tx1"/>
+                </a:solidFill>
+                <a:effectLst/>
+                <a:latin typeface="Calibri" pitchFamily="34" charset="0"/>
+                <a:ea typeface="Calibri" pitchFamily="34" charset="0"/>
+                <a:cs typeface="Times New Roman" pitchFamily="18" charset="0"/>
+              </a:rPr>
+              <a:t>Les outils de communication</a:t>
+            </a:r>
+            <a:endParaRPr kumimoji="0" lang="fr-FR" altLang="fr-FR" sz="1800" b="0" i="0" u="none" strike="noStrike" cap="none" normalizeH="0" baseline="0" dirty="0" smtClean="0">
+              <a:ln>
+                <a:noFill/>
+              </a:ln>
+              <a:solidFill>
+                <a:schemeClr val="tx1"/>
+              </a:solidFill>
+              <a:effectLst/>
+              <a:latin typeface="Arial" pitchFamily="34" charset="0"/>
+              <a:cs typeface="Arial" pitchFamily="34" charset="0"/>
+            </a:endParaRPr>
+          </a:p>
+        </p:txBody>
+      </p:sp>
+      <p:sp>
+        <p:nvSpPr>
+          <p:cNvPr id="23" name="Text Box 8"/>
+          <p:cNvSpPr txBox="1">
+            <a:spLocks noChangeArrowheads="1"/>
+          </p:cNvSpPr>
+          <p:nvPr/>
+        </p:nvSpPr>
+        <p:spPr bwMode="auto">
+          <a:xfrm>
+            <a:off x="2065338" y="3963988"/>
+            <a:ext cx="5541962" cy="427037"/>
+          </a:xfrm>
+          <a:prstGeom prst="rect">
+            <a:avLst/>
+          </a:prstGeom>
+          <a:noFill/>
+          <a:ln>
+            <a:noFill/>
+          </a:ln>
+          <a:extLst>
+            <a:ext uri="{909E8E84-426E-40DD-AFC4-6F175D3DCCD1}">
+              <a14:hiddenFill xmlns:a14="http://schemas.microsoft.com/office/drawing/2010/main">
+                <a:solidFill>
+                  <a:srgbClr val="FFFFFF"/>
+                </a:solidFill>
+              </a14:hiddenFill>
+            </a:ext>
+            <a:ext uri="{91240B29-F687-4F45-9708-019B960494DF}">
+              <a14:hiddenLine xmlns:a14="http://schemas.microsoft.com/office/drawing/2010/main" w="9525">
+                <a:solidFill>
+                  <a:srgbClr val="000000"/>
+                </a:solidFill>
+                <a:miter lim="800000"/>
+                <a:headEnd/>
+                <a:tailEnd/>
+              </a14:hiddenLine>
+            </a:ext>
+          </a:extLst>
+        </p:spPr>
+        <p:txBody>
+          <a:bodyPr vert="horz" wrap="square" lIns="91440" tIns="45720" rIns="91440" bIns="45720" numCol="1" anchor="t" anchorCtr="0" compatLnSpc="1">
+            <a:prstTxWarp prst="textNoShape">
+              <a:avLst/>
+            </a:prstTxWarp>
+          </a:bodyPr>
+          <a:lstStyle/>
+          <a:p>
+            <a:pPr marL="0" marR="0" lvl="0" indent="0" algn="ctr" defTabSz="914400" rtl="0" eaLnBrk="1" fontAlgn="base" latinLnBrk="0" hangingPunct="1">
+              <a:lnSpc>
+                <a:spcPct val="100000"/>
+              </a:lnSpc>
+              <a:spcBef>
+                <a:spcPct val="0"/>
+              </a:spcBef>
+              <a:spcAft>
+                <a:spcPct val="0"/>
+              </a:spcAft>
+              <a:buClrTx/>
+              <a:buSzTx/>
+              <a:buFontTx/>
+              <a:buNone/>
+              <a:tabLst/>
+            </a:pPr>
+            <a:r>
+              <a:rPr kumimoji="0" lang="fr-FR" altLang="fr-FR" sz="1800" b="1" i="0" u="none" strike="noStrike" cap="none" normalizeH="0" baseline="0" smtClean="0">
+                <a:ln>
+                  <a:noFill/>
+                </a:ln>
+                <a:solidFill>
+                  <a:schemeClr val="tx1"/>
+                </a:solidFill>
+                <a:effectLst/>
+                <a:latin typeface="Calibri" pitchFamily="34" charset="0"/>
+                <a:ea typeface="Calibri" pitchFamily="34" charset="0"/>
+                <a:cs typeface="Times New Roman" pitchFamily="18" charset="0"/>
+              </a:rPr>
+              <a:t>La conception et la commande des systèmes</a:t>
+            </a:r>
+            <a:endParaRPr kumimoji="0" lang="fr-FR" altLang="fr-FR" sz="1800" b="0" i="0" u="none" strike="noStrike" cap="none" normalizeH="0" baseline="0" smtClean="0">
+              <a:ln>
+                <a:noFill/>
+              </a:ln>
+              <a:solidFill>
+                <a:schemeClr val="tx1"/>
+              </a:solidFill>
+              <a:effectLst/>
+              <a:latin typeface="Arial" pitchFamily="34" charset="0"/>
+              <a:cs typeface="Arial" pitchFamily="34" charset="0"/>
+            </a:endParaRPr>
+          </a:p>
+        </p:txBody>
+      </p:sp>
+      <p:sp>
+        <p:nvSpPr>
+          <p:cNvPr id="9" name="AutoShape 22"/>
+          <p:cNvSpPr>
+            <a:spLocks noChangeArrowheads="1"/>
+          </p:cNvSpPr>
+          <p:nvPr/>
+        </p:nvSpPr>
+        <p:spPr bwMode="auto">
+          <a:xfrm>
+            <a:off x="17463" y="2847975"/>
+            <a:ext cx="9434512" cy="898525"/>
+          </a:xfrm>
+          <a:prstGeom prst="roundRect">
+            <a:avLst>
+              <a:gd name="adj" fmla="val 16667"/>
+            </a:avLst>
+          </a:prstGeom>
+          <a:solidFill>
+            <a:srgbClr val="FDE9D9"/>
+          </a:solidFill>
+          <a:ln w="9525">
+            <a:solidFill>
+              <a:srgbClr val="000000"/>
+            </a:solidFill>
+            <a:round/>
+            <a:headEnd/>
+            <a:tailEnd/>
+          </a:ln>
+        </p:spPr>
+        <p:txBody>
+          <a:bodyPr vert="horz" wrap="square" lIns="91440" tIns="45720" rIns="91440" bIns="45720" numCol="1" anchor="t" anchorCtr="0" compatLnSpc="1">
+            <a:prstTxWarp prst="textNoShape">
+              <a:avLst/>
+            </a:prstTxWarp>
+          </a:bodyPr>
+          <a:lstStyle/>
+          <a:p>
+            <a:endParaRPr lang="fr-FR"/>
+          </a:p>
+        </p:txBody>
+      </p:sp>
+      <p:sp>
+        <p:nvSpPr>
+          <p:cNvPr id="10" name="Text Box 21"/>
+          <p:cNvSpPr txBox="1">
+            <a:spLocks noChangeArrowheads="1"/>
+          </p:cNvSpPr>
+          <p:nvPr/>
+        </p:nvSpPr>
+        <p:spPr bwMode="auto">
+          <a:xfrm>
+            <a:off x="438150" y="2835275"/>
+            <a:ext cx="8918575" cy="1052513"/>
+          </a:xfrm>
+          <a:prstGeom prst="rect">
+            <a:avLst/>
+          </a:prstGeom>
+          <a:noFill/>
+          <a:ln>
+            <a:noFill/>
+          </a:ln>
+          <a:extLst>
+            <a:ext uri="{909E8E84-426E-40DD-AFC4-6F175D3DCCD1}">
+              <a14:hiddenFill xmlns:a14="http://schemas.microsoft.com/office/drawing/2010/main">
+                <a:solidFill>
+                  <a:srgbClr val="FFFFFF"/>
+                </a:solidFill>
+              </a14:hiddenFill>
+            </a:ext>
+            <a:ext uri="{91240B29-F687-4F45-9708-019B960494DF}">
+              <a14:hiddenLine xmlns:a14="http://schemas.microsoft.com/office/drawing/2010/main" w="9525">
+                <a:solidFill>
+                  <a:srgbClr val="000000"/>
+                </a:solidFill>
+                <a:miter lim="800000"/>
+                <a:headEnd/>
+                <a:tailEnd/>
+              </a14:hiddenLine>
+            </a:ext>
+          </a:extLst>
+        </p:spPr>
+        <p:txBody>
+          <a:bodyPr vert="horz" wrap="square" lIns="91440" tIns="45720" rIns="91440" bIns="45720" numCol="1" anchor="t" anchorCtr="0" compatLnSpc="1">
+            <a:prstTxWarp prst="textNoShape">
+              <a:avLst/>
+            </a:prstTxWarp>
+          </a:bodyPr>
+          <a:lstStyle/>
+          <a:p>
+            <a:pPr marL="0" marR="0" lvl="0" indent="0" algn="ctr" defTabSz="914400" rtl="0" eaLnBrk="1" fontAlgn="base" latinLnBrk="0" hangingPunct="1">
+              <a:lnSpc>
+                <a:spcPct val="100000"/>
+              </a:lnSpc>
+              <a:spcBef>
+                <a:spcPct val="0"/>
+              </a:spcBef>
+              <a:spcAft>
+                <a:spcPct val="0"/>
+              </a:spcAft>
+              <a:buClrTx/>
+              <a:buSzTx/>
+              <a:buFontTx/>
+              <a:buNone/>
+              <a:tabLst/>
+            </a:pPr>
+            <a:r>
+              <a:rPr kumimoji="0" lang="fr-FR" altLang="fr-FR" sz="1400" b="1" i="0" u="none" strike="noStrike" cap="none" normalizeH="0" baseline="0" smtClean="0">
+                <a:ln>
+                  <a:noFill/>
+                </a:ln>
+                <a:solidFill>
+                  <a:schemeClr val="tx1"/>
+                </a:solidFill>
+                <a:effectLst/>
+                <a:latin typeface="Calibri" pitchFamily="34" charset="0"/>
+                <a:ea typeface="Calibri" pitchFamily="34" charset="0"/>
+                <a:cs typeface="Times New Roman" pitchFamily="18" charset="0"/>
+              </a:rPr>
+              <a:t>SysML</a:t>
+            </a:r>
+            <a:endParaRPr kumimoji="0" lang="fr-FR" altLang="fr-FR" sz="800" b="0" i="0" u="none" strike="noStrike" cap="none" normalizeH="0" baseline="0" smtClean="0">
+              <a:ln>
+                <a:noFill/>
+              </a:ln>
+              <a:solidFill>
+                <a:schemeClr val="tx1"/>
+              </a:solidFill>
+              <a:effectLst/>
+              <a:latin typeface="Arial" pitchFamily="34" charset="0"/>
+              <a:cs typeface="Arial" pitchFamily="34" charset="0"/>
+            </a:endParaRPr>
+          </a:p>
+          <a:p>
+            <a:pPr marL="0" marR="0" lvl="0" indent="0" algn="ctr" defTabSz="914400" rtl="0" eaLnBrk="0" fontAlgn="base" latinLnBrk="0" hangingPunct="0">
+              <a:lnSpc>
+                <a:spcPct val="100000"/>
+              </a:lnSpc>
+              <a:spcBef>
+                <a:spcPct val="0"/>
+              </a:spcBef>
+              <a:spcAft>
+                <a:spcPct val="0"/>
+              </a:spcAft>
+              <a:buClrTx/>
+              <a:buSzTx/>
+              <a:buFontTx/>
+              <a:buNone/>
+              <a:tabLst/>
+            </a:pPr>
+            <a:r>
+              <a:rPr kumimoji="0" lang="fr-FR" altLang="fr-FR" sz="1200" b="1" i="0" u="none" strike="noStrike" cap="none" normalizeH="0" baseline="0" smtClean="0">
+                <a:ln>
+                  <a:noFill/>
+                </a:ln>
+                <a:solidFill>
+                  <a:schemeClr val="tx1"/>
+                </a:solidFill>
+                <a:effectLst/>
+                <a:latin typeface="Calibri" pitchFamily="34" charset="0"/>
+                <a:ea typeface="Calibri" pitchFamily="34" charset="0"/>
+                <a:cs typeface="Times New Roman" pitchFamily="18" charset="0"/>
+              </a:rPr>
+              <a:t>9 diagrammes permettant de décrire chaque point de vue, avec des interconnections</a:t>
+            </a:r>
+            <a:endParaRPr kumimoji="0" lang="fr-FR" altLang="fr-FR" sz="800" b="0" i="0" u="none" strike="noStrike" cap="none" normalizeH="0" baseline="0" smtClean="0">
+              <a:ln>
+                <a:noFill/>
+              </a:ln>
+              <a:solidFill>
+                <a:schemeClr val="tx1"/>
+              </a:solidFill>
+              <a:effectLst/>
+              <a:latin typeface="Arial" pitchFamily="34" charset="0"/>
+              <a:cs typeface="Arial" pitchFamily="34" charset="0"/>
+            </a:endParaRPr>
+          </a:p>
+          <a:p>
+            <a:pPr marL="0" marR="0" lvl="0" indent="0" algn="ctr" defTabSz="914400" rtl="0" eaLnBrk="0" fontAlgn="base" latinLnBrk="0" hangingPunct="0">
+              <a:lnSpc>
+                <a:spcPct val="100000"/>
+              </a:lnSpc>
+              <a:spcBef>
+                <a:spcPct val="0"/>
+              </a:spcBef>
+              <a:spcAft>
+                <a:spcPct val="0"/>
+              </a:spcAft>
+              <a:buClrTx/>
+              <a:buSzTx/>
+              <a:buFontTx/>
+              <a:buNone/>
+              <a:tabLst/>
+            </a:pPr>
+            <a:r>
+              <a:rPr kumimoji="0" lang="fr-FR" altLang="fr-FR" sz="1100" b="0" i="0" u="none" strike="noStrike" cap="none" normalizeH="0" baseline="0" smtClean="0">
+                <a:ln>
+                  <a:noFill/>
+                </a:ln>
+                <a:solidFill>
+                  <a:schemeClr val="tx1"/>
+                </a:solidFill>
+                <a:effectLst/>
+                <a:latin typeface="Calibri" pitchFamily="34" charset="0"/>
+                <a:ea typeface="Calibri" pitchFamily="34" charset="0"/>
+                <a:cs typeface="Times New Roman" pitchFamily="18" charset="0"/>
+              </a:rPr>
+              <a:t>Diagramme des cas d’utilisation, diagramme de séquence, diagramme d’activité, diagramme d’états, diagramme des exigences,</a:t>
+            </a:r>
+            <a:endParaRPr kumimoji="0" lang="fr-FR" altLang="fr-FR" sz="800" b="0" i="0" u="none" strike="noStrike" cap="none" normalizeH="0" baseline="0" smtClean="0">
+              <a:ln>
+                <a:noFill/>
+              </a:ln>
+              <a:solidFill>
+                <a:schemeClr val="tx1"/>
+              </a:solidFill>
+              <a:effectLst/>
+              <a:latin typeface="Arial" pitchFamily="34" charset="0"/>
+              <a:cs typeface="Arial" pitchFamily="34" charset="0"/>
+            </a:endParaRPr>
+          </a:p>
+          <a:p>
+            <a:pPr marL="0" marR="0" lvl="0" indent="0" algn="ctr" defTabSz="914400" rtl="0" eaLnBrk="0" fontAlgn="base" latinLnBrk="0" hangingPunct="0">
+              <a:lnSpc>
+                <a:spcPct val="100000"/>
+              </a:lnSpc>
+              <a:spcBef>
+                <a:spcPct val="0"/>
+              </a:spcBef>
+              <a:spcAft>
+                <a:spcPct val="0"/>
+              </a:spcAft>
+              <a:buClrTx/>
+              <a:buSzTx/>
+              <a:buFontTx/>
+              <a:buNone/>
+              <a:tabLst/>
+            </a:pPr>
+            <a:r>
+              <a:rPr kumimoji="0" lang="fr-FR" altLang="fr-FR" sz="1100" b="0" i="0" u="none" strike="noStrike" cap="none" normalizeH="0" baseline="0" smtClean="0">
+                <a:ln>
+                  <a:noFill/>
+                </a:ln>
+                <a:solidFill>
+                  <a:schemeClr val="tx1"/>
+                </a:solidFill>
+                <a:effectLst/>
+                <a:latin typeface="Calibri" pitchFamily="34" charset="0"/>
+                <a:ea typeface="Calibri" pitchFamily="34" charset="0"/>
+                <a:cs typeface="Times New Roman" pitchFamily="18" charset="0"/>
+              </a:rPr>
+              <a:t>diagramme de définition de blocs, diagramme de bloc interne, diagramme de package, diagramme paramétrique</a:t>
+            </a:r>
+            <a:endParaRPr kumimoji="0" lang="fr-FR" altLang="fr-FR" sz="1800" b="0" i="0" u="none" strike="noStrike" cap="none" normalizeH="0" baseline="0" smtClean="0">
+              <a:ln>
+                <a:noFill/>
+              </a:ln>
+              <a:solidFill>
+                <a:schemeClr val="tx1"/>
+              </a:solidFill>
+              <a:effectLst/>
+              <a:latin typeface="Arial" pitchFamily="34" charset="0"/>
+              <a:cs typeface="Arial" pitchFamily="34" charset="0"/>
+            </a:endParaRPr>
+          </a:p>
+        </p:txBody>
+      </p:sp>
+      <p:sp>
+        <p:nvSpPr>
+          <p:cNvPr id="21" name="AutoShape 10"/>
+          <p:cNvSpPr>
+            <a:spLocks noChangeArrowheads="1"/>
+          </p:cNvSpPr>
+          <p:nvPr/>
+        </p:nvSpPr>
+        <p:spPr bwMode="auto">
+          <a:xfrm>
+            <a:off x="17463" y="5724525"/>
+            <a:ext cx="9434512" cy="1133475"/>
+          </a:xfrm>
+          <a:prstGeom prst="roundRect">
+            <a:avLst>
+              <a:gd name="adj" fmla="val 16667"/>
+            </a:avLst>
+          </a:prstGeom>
+          <a:solidFill>
+            <a:srgbClr val="FDE9D9"/>
+          </a:solidFill>
+          <a:ln w="9525">
+            <a:solidFill>
+              <a:srgbClr val="000000"/>
+            </a:solidFill>
+            <a:round/>
+            <a:headEnd/>
+            <a:tailEnd/>
+          </a:ln>
+        </p:spPr>
+        <p:txBody>
+          <a:bodyPr vert="horz" wrap="square" lIns="91440" tIns="45720" rIns="91440" bIns="45720" numCol="1" anchor="t" anchorCtr="0" compatLnSpc="1">
+            <a:prstTxWarp prst="textNoShape">
+              <a:avLst/>
+            </a:prstTxWarp>
+          </a:bodyPr>
+          <a:lstStyle/>
+          <a:p>
+            <a:endParaRPr lang="fr-FR"/>
+          </a:p>
+        </p:txBody>
+      </p:sp>
+      <p:sp>
+        <p:nvSpPr>
+          <p:cNvPr id="22" name="Text Box 9"/>
+          <p:cNvSpPr txBox="1">
+            <a:spLocks noChangeArrowheads="1"/>
+          </p:cNvSpPr>
+          <p:nvPr/>
+        </p:nvSpPr>
+        <p:spPr bwMode="auto">
+          <a:xfrm>
+            <a:off x="457200" y="5711825"/>
+            <a:ext cx="8918575" cy="1314450"/>
+          </a:xfrm>
+          <a:prstGeom prst="rect">
+            <a:avLst/>
+          </a:prstGeom>
+          <a:noFill/>
+          <a:ln>
+            <a:noFill/>
+          </a:ln>
+          <a:extLst>
+            <a:ext uri="{909E8E84-426E-40DD-AFC4-6F175D3DCCD1}">
+              <a14:hiddenFill xmlns:a14="http://schemas.microsoft.com/office/drawing/2010/main">
+                <a:solidFill>
+                  <a:srgbClr val="FFFFFF"/>
+                </a:solidFill>
+              </a14:hiddenFill>
+            </a:ext>
+            <a:ext uri="{91240B29-F687-4F45-9708-019B960494DF}">
+              <a14:hiddenLine xmlns:a14="http://schemas.microsoft.com/office/drawing/2010/main" w="9525">
+                <a:solidFill>
+                  <a:srgbClr val="000000"/>
+                </a:solidFill>
+                <a:miter lim="800000"/>
+                <a:headEnd/>
+                <a:tailEnd/>
+              </a14:hiddenLine>
+            </a:ext>
+          </a:extLst>
+        </p:spPr>
+        <p:txBody>
+          <a:bodyPr vert="horz" wrap="square" lIns="91440" tIns="45720" rIns="91440" bIns="45720" numCol="1" anchor="t" anchorCtr="0" compatLnSpc="1">
+            <a:prstTxWarp prst="textNoShape">
+              <a:avLst/>
+            </a:prstTxWarp>
+          </a:bodyPr>
+          <a:lstStyle/>
+          <a:p>
+            <a:pPr marL="0" marR="0" lvl="0" indent="0" algn="ctr" defTabSz="914400" rtl="0" eaLnBrk="1" fontAlgn="base" latinLnBrk="0" hangingPunct="1">
+              <a:lnSpc>
+                <a:spcPct val="100000"/>
+              </a:lnSpc>
+              <a:spcBef>
+                <a:spcPct val="0"/>
+              </a:spcBef>
+              <a:spcAft>
+                <a:spcPct val="0"/>
+              </a:spcAft>
+              <a:buClrTx/>
+              <a:buSzTx/>
+              <a:buFontTx/>
+              <a:buNone/>
+              <a:tabLst/>
+            </a:pPr>
+            <a:r>
+              <a:rPr kumimoji="0" lang="fr-FR" altLang="fr-FR" sz="1400" b="1" i="0" u="none" strike="noStrike" cap="none" normalizeH="0" baseline="0" dirty="0" smtClean="0">
+                <a:ln>
+                  <a:noFill/>
+                </a:ln>
+                <a:solidFill>
+                  <a:schemeClr val="tx1"/>
+                </a:solidFill>
+                <a:effectLst/>
+                <a:latin typeface="Calibri" pitchFamily="34" charset="0"/>
+                <a:ea typeface="Calibri" pitchFamily="34" charset="0"/>
+                <a:cs typeface="Times New Roman" pitchFamily="18" charset="0"/>
+              </a:rPr>
+              <a:t>Les systèmes multi-physiques</a:t>
+            </a:r>
+            <a:endParaRPr kumimoji="0" lang="fr-FR" altLang="fr-FR" sz="800" b="0" i="0" u="none" strike="noStrike" cap="none" normalizeH="0" baseline="0" dirty="0" smtClean="0">
+              <a:ln>
+                <a:noFill/>
+              </a:ln>
+              <a:solidFill>
+                <a:schemeClr val="tx1"/>
+              </a:solidFill>
+              <a:effectLst/>
+              <a:latin typeface="Arial" pitchFamily="34" charset="0"/>
+              <a:cs typeface="Arial" pitchFamily="34" charset="0"/>
+            </a:endParaRPr>
+          </a:p>
+          <a:p>
+            <a:pPr marL="0" marR="0" lvl="0" indent="0" algn="ctr" defTabSz="914400" rtl="0" eaLnBrk="0" fontAlgn="base" latinLnBrk="0" hangingPunct="0">
+              <a:lnSpc>
+                <a:spcPct val="100000"/>
+              </a:lnSpc>
+              <a:spcBef>
+                <a:spcPct val="0"/>
+              </a:spcBef>
+              <a:spcAft>
+                <a:spcPct val="0"/>
+              </a:spcAft>
+              <a:buClrTx/>
+              <a:buSzTx/>
+              <a:buFontTx/>
+              <a:buNone/>
+              <a:tabLst/>
+            </a:pPr>
+            <a:r>
+              <a:rPr kumimoji="0" lang="fr-FR" altLang="fr-FR" sz="1200" b="1" i="0" u="none" strike="noStrike" cap="none" normalizeH="0" baseline="0" dirty="0" smtClean="0">
+                <a:ln>
+                  <a:noFill/>
+                </a:ln>
+                <a:solidFill>
+                  <a:schemeClr val="tx1"/>
+                </a:solidFill>
+                <a:effectLst/>
+                <a:latin typeface="Calibri" pitchFamily="34" charset="0"/>
+                <a:ea typeface="Calibri" pitchFamily="34" charset="0"/>
+                <a:cs typeface="Times New Roman" pitchFamily="18" charset="0"/>
+              </a:rPr>
+              <a:t>Des logiciels spécialisés …</a:t>
+            </a:r>
+            <a:endParaRPr kumimoji="0" lang="fr-FR" altLang="fr-FR" sz="800" b="0" i="0" u="none" strike="noStrike" cap="none" normalizeH="0" baseline="0" dirty="0" smtClean="0">
+              <a:ln>
+                <a:noFill/>
+              </a:ln>
+              <a:solidFill>
+                <a:schemeClr val="tx1"/>
+              </a:solidFill>
+              <a:effectLst/>
+              <a:latin typeface="Arial" pitchFamily="34" charset="0"/>
+              <a:cs typeface="Arial" pitchFamily="34" charset="0"/>
+            </a:endParaRPr>
+          </a:p>
+          <a:p>
+            <a:pPr marL="0" marR="0" lvl="0" indent="0" algn="ctr" defTabSz="914400" rtl="0" eaLnBrk="0" fontAlgn="base" latinLnBrk="0" hangingPunct="0">
+              <a:lnSpc>
+                <a:spcPct val="100000"/>
+              </a:lnSpc>
+              <a:spcBef>
+                <a:spcPct val="0"/>
+              </a:spcBef>
+              <a:spcAft>
+                <a:spcPct val="0"/>
+              </a:spcAft>
+              <a:buClrTx/>
+              <a:buSzTx/>
+              <a:buFontTx/>
+              <a:buNone/>
+              <a:tabLst/>
+            </a:pPr>
+            <a:r>
+              <a:rPr kumimoji="0" lang="fr-FR" altLang="fr-FR" sz="1100" b="1" i="0" u="none" strike="noStrike" cap="none" normalizeH="0" baseline="0" dirty="0" smtClean="0">
+                <a:ln>
+                  <a:noFill/>
+                </a:ln>
+                <a:solidFill>
+                  <a:schemeClr val="tx1"/>
+                </a:solidFill>
+                <a:effectLst/>
+                <a:latin typeface="Calibri" pitchFamily="34" charset="0"/>
+                <a:ea typeface="Calibri" pitchFamily="34" charset="0"/>
+                <a:cs typeface="Times New Roman" pitchFamily="18" charset="0"/>
+              </a:rPr>
+              <a:t>Acquisition et contrôle</a:t>
+            </a:r>
+            <a:r>
+              <a:rPr kumimoji="0" lang="fr-FR" altLang="fr-FR" sz="1100" b="0" i="0" u="none" strike="noStrike" cap="none" normalizeH="0" baseline="0" dirty="0" smtClean="0">
+                <a:ln>
+                  <a:noFill/>
+                </a:ln>
+                <a:solidFill>
+                  <a:schemeClr val="tx1"/>
+                </a:solidFill>
+                <a:effectLst/>
+                <a:latin typeface="Calibri" pitchFamily="34" charset="0"/>
+                <a:ea typeface="Calibri" pitchFamily="34" charset="0"/>
+                <a:cs typeface="Times New Roman" pitchFamily="18" charset="0"/>
+              </a:rPr>
+              <a:t> : </a:t>
+            </a:r>
+            <a:r>
+              <a:rPr kumimoji="0" lang="fr-FR" altLang="fr-FR" sz="1100" b="0" i="0" u="none" strike="noStrike" cap="none" normalizeH="0" baseline="0" dirty="0" err="1" smtClean="0">
+                <a:ln>
+                  <a:noFill/>
+                </a:ln>
+                <a:solidFill>
+                  <a:schemeClr val="tx1"/>
+                </a:solidFill>
+                <a:effectLst/>
+                <a:latin typeface="Calibri" pitchFamily="34" charset="0"/>
+                <a:ea typeface="Calibri" pitchFamily="34" charset="0"/>
+                <a:cs typeface="Times New Roman" pitchFamily="18" charset="0"/>
+              </a:rPr>
+              <a:t>LabView</a:t>
+            </a:r>
+            <a:r>
+              <a:rPr kumimoji="0" lang="fr-FR" altLang="fr-FR" sz="1100" b="0" i="0" u="none" strike="noStrike" cap="none" normalizeH="0" baseline="0" dirty="0" smtClean="0">
+                <a:ln>
+                  <a:noFill/>
+                </a:ln>
+                <a:solidFill>
+                  <a:schemeClr val="tx1"/>
+                </a:solidFill>
+                <a:effectLst/>
+                <a:latin typeface="Calibri" pitchFamily="34" charset="0"/>
+                <a:ea typeface="Calibri" pitchFamily="34" charset="0"/>
+                <a:cs typeface="Times New Roman" pitchFamily="18" charset="0"/>
+              </a:rPr>
+              <a:t>, </a:t>
+            </a:r>
+            <a:r>
+              <a:rPr kumimoji="0" lang="fr-FR" altLang="fr-FR" sz="1100" b="0" i="0" u="none" strike="noStrike" cap="none" normalizeH="0" baseline="0" dirty="0" err="1" smtClean="0">
+                <a:ln>
+                  <a:noFill/>
+                </a:ln>
+                <a:solidFill>
+                  <a:schemeClr val="tx1"/>
+                </a:solidFill>
+                <a:effectLst/>
+                <a:latin typeface="Calibri" pitchFamily="34" charset="0"/>
+                <a:ea typeface="Calibri" pitchFamily="34" charset="0"/>
+                <a:cs typeface="Times New Roman" pitchFamily="18" charset="0"/>
+              </a:rPr>
+              <a:t>Arduino</a:t>
+            </a:r>
+            <a:r>
+              <a:rPr kumimoji="0" lang="fr-FR" altLang="fr-FR" sz="1100" b="0" i="0" u="none" strike="noStrike" cap="none" normalizeH="0" baseline="0" dirty="0" smtClean="0">
+                <a:ln>
+                  <a:noFill/>
+                </a:ln>
+                <a:solidFill>
+                  <a:schemeClr val="tx1"/>
+                </a:solidFill>
+                <a:effectLst/>
+                <a:latin typeface="Calibri" pitchFamily="34" charset="0"/>
+                <a:ea typeface="Calibri" pitchFamily="34" charset="0"/>
+                <a:cs typeface="Times New Roman" pitchFamily="18" charset="0"/>
+              </a:rPr>
+              <a:t> </a:t>
+            </a:r>
+            <a:endParaRPr kumimoji="0" lang="fr-FR" altLang="fr-FR" sz="800" b="0" i="0" u="none" strike="noStrike" cap="none" normalizeH="0" baseline="0" dirty="0" smtClean="0">
+              <a:ln>
+                <a:noFill/>
+              </a:ln>
+              <a:solidFill>
+                <a:schemeClr val="tx1"/>
+              </a:solidFill>
+              <a:effectLst/>
+              <a:latin typeface="Arial" pitchFamily="34" charset="0"/>
+              <a:cs typeface="Arial" pitchFamily="34" charset="0"/>
+            </a:endParaRPr>
+          </a:p>
+          <a:p>
+            <a:pPr marL="0" marR="0" lvl="0" indent="0" algn="ctr" defTabSz="914400" rtl="0" eaLnBrk="0" fontAlgn="base" latinLnBrk="0" hangingPunct="0">
+              <a:lnSpc>
+                <a:spcPct val="100000"/>
+              </a:lnSpc>
+              <a:spcBef>
+                <a:spcPct val="0"/>
+              </a:spcBef>
+              <a:spcAft>
+                <a:spcPct val="0"/>
+              </a:spcAft>
+              <a:buClrTx/>
+              <a:buSzTx/>
+              <a:buFontTx/>
+              <a:buNone/>
+              <a:tabLst/>
+            </a:pPr>
+            <a:r>
+              <a:rPr kumimoji="0" lang="fr-FR" altLang="fr-FR" sz="1100" b="1" i="0" u="none" strike="noStrike" cap="none" normalizeH="0" baseline="0" dirty="0" smtClean="0">
+                <a:ln>
+                  <a:noFill/>
+                </a:ln>
+                <a:solidFill>
+                  <a:schemeClr val="tx1"/>
+                </a:solidFill>
+                <a:effectLst/>
+                <a:latin typeface="Calibri" pitchFamily="34" charset="0"/>
+                <a:ea typeface="Calibri" pitchFamily="34" charset="0"/>
+                <a:cs typeface="Times New Roman" pitchFamily="18" charset="0"/>
+              </a:rPr>
+              <a:t>Modélisation causale</a:t>
+            </a:r>
+            <a:r>
+              <a:rPr kumimoji="0" lang="fr-FR" altLang="fr-FR" sz="1100" b="0" i="0" u="none" strike="noStrike" cap="none" normalizeH="0" baseline="0" dirty="0" smtClean="0">
+                <a:ln>
+                  <a:noFill/>
+                </a:ln>
+                <a:solidFill>
+                  <a:schemeClr val="tx1"/>
+                </a:solidFill>
+                <a:effectLst/>
+                <a:latin typeface="Calibri" pitchFamily="34" charset="0"/>
+                <a:ea typeface="Calibri" pitchFamily="34" charset="0"/>
+                <a:cs typeface="Times New Roman" pitchFamily="18" charset="0"/>
+              </a:rPr>
+              <a:t> et simulation : Matlab / Simulink, Scilab / </a:t>
+            </a:r>
+            <a:r>
+              <a:rPr kumimoji="0" lang="fr-FR" altLang="fr-FR" sz="1100" b="0" i="0" u="none" strike="noStrike" cap="none" normalizeH="0" baseline="0" dirty="0" err="1" smtClean="0">
+                <a:ln>
+                  <a:noFill/>
+                </a:ln>
+                <a:solidFill>
+                  <a:schemeClr val="tx1"/>
+                </a:solidFill>
+                <a:effectLst/>
+                <a:latin typeface="Calibri" pitchFamily="34" charset="0"/>
+                <a:ea typeface="Calibri" pitchFamily="34" charset="0"/>
+                <a:cs typeface="Times New Roman" pitchFamily="18" charset="0"/>
+              </a:rPr>
+              <a:t>Xcos</a:t>
+            </a:r>
+            <a:endParaRPr kumimoji="0" lang="fr-FR" altLang="fr-FR" sz="800" b="0" i="0" u="none" strike="noStrike" cap="none" normalizeH="0" baseline="0" dirty="0" smtClean="0">
+              <a:ln>
+                <a:noFill/>
+              </a:ln>
+              <a:solidFill>
+                <a:schemeClr val="tx1"/>
+              </a:solidFill>
+              <a:effectLst/>
+              <a:latin typeface="Arial" pitchFamily="34" charset="0"/>
+              <a:cs typeface="Arial" pitchFamily="34" charset="0"/>
+            </a:endParaRPr>
+          </a:p>
+          <a:p>
+            <a:pPr marL="0" marR="0" lvl="0" indent="0" algn="ctr" defTabSz="914400" rtl="0" eaLnBrk="0" fontAlgn="base" latinLnBrk="0" hangingPunct="0">
+              <a:lnSpc>
+                <a:spcPct val="100000"/>
+              </a:lnSpc>
+              <a:spcBef>
+                <a:spcPct val="0"/>
+              </a:spcBef>
+              <a:spcAft>
+                <a:spcPct val="0"/>
+              </a:spcAft>
+              <a:buClrTx/>
+              <a:buSzTx/>
+              <a:buFontTx/>
+              <a:buNone/>
+              <a:tabLst/>
+            </a:pPr>
+            <a:r>
+              <a:rPr kumimoji="0" lang="fr-FR" altLang="fr-FR" sz="1100" b="1" i="0" u="none" strike="noStrike" cap="none" normalizeH="0" baseline="0" dirty="0" smtClean="0">
+                <a:ln>
+                  <a:noFill/>
+                </a:ln>
+                <a:solidFill>
+                  <a:schemeClr val="tx1"/>
+                </a:solidFill>
+                <a:effectLst/>
+                <a:latin typeface="Calibri" pitchFamily="34" charset="0"/>
+                <a:ea typeface="Calibri" pitchFamily="34" charset="0"/>
+                <a:cs typeface="Times New Roman" pitchFamily="18" charset="0"/>
+              </a:rPr>
+              <a:t>Modélisation acausale</a:t>
+            </a:r>
+            <a:r>
+              <a:rPr kumimoji="0" lang="fr-FR" altLang="fr-FR" sz="1100" b="0" i="0" u="none" strike="noStrike" cap="none" normalizeH="0" baseline="0" dirty="0" smtClean="0">
+                <a:ln>
+                  <a:noFill/>
+                </a:ln>
+                <a:solidFill>
+                  <a:schemeClr val="tx1"/>
+                </a:solidFill>
+                <a:effectLst/>
+                <a:latin typeface="Calibri" pitchFamily="34" charset="0"/>
+                <a:ea typeface="Calibri" pitchFamily="34" charset="0"/>
+                <a:cs typeface="Times New Roman" pitchFamily="18" charset="0"/>
+              </a:rPr>
+              <a:t> et simulation : Matlab / </a:t>
+            </a:r>
+            <a:r>
+              <a:rPr kumimoji="0" lang="fr-FR" altLang="fr-FR" sz="1100" b="0" i="0" u="none" strike="noStrike" cap="none" normalizeH="0" baseline="0" dirty="0" err="1" smtClean="0">
+                <a:ln>
+                  <a:noFill/>
+                </a:ln>
+                <a:solidFill>
+                  <a:schemeClr val="tx1"/>
+                </a:solidFill>
+                <a:effectLst/>
+                <a:latin typeface="Calibri" pitchFamily="34" charset="0"/>
+                <a:ea typeface="Calibri" pitchFamily="34" charset="0"/>
+                <a:cs typeface="Times New Roman" pitchFamily="18" charset="0"/>
+              </a:rPr>
+              <a:t>Simscape</a:t>
+            </a:r>
+            <a:r>
+              <a:rPr kumimoji="0" lang="fr-FR" altLang="fr-FR" sz="1100" b="0" i="0" u="none" strike="noStrike" cap="none" normalizeH="0" baseline="0" dirty="0" smtClean="0">
+                <a:ln>
+                  <a:noFill/>
+                </a:ln>
+                <a:solidFill>
+                  <a:schemeClr val="tx1"/>
+                </a:solidFill>
+                <a:effectLst/>
+                <a:latin typeface="Calibri" pitchFamily="34" charset="0"/>
+                <a:ea typeface="Calibri" pitchFamily="34" charset="0"/>
+                <a:cs typeface="Times New Roman" pitchFamily="18" charset="0"/>
+              </a:rPr>
+              <a:t>, Scilab / </a:t>
+            </a:r>
+            <a:r>
+              <a:rPr kumimoji="0" lang="fr-FR" altLang="fr-FR" sz="1100" b="0" i="0" u="none" strike="noStrike" cap="none" normalizeH="0" baseline="0" dirty="0" err="1" smtClean="0">
+                <a:ln>
+                  <a:noFill/>
+                </a:ln>
+                <a:solidFill>
+                  <a:schemeClr val="tx1"/>
+                </a:solidFill>
+                <a:effectLst/>
+                <a:latin typeface="Calibri" pitchFamily="34" charset="0"/>
+                <a:ea typeface="Calibri" pitchFamily="34" charset="0"/>
+                <a:cs typeface="Times New Roman" pitchFamily="18" charset="0"/>
+              </a:rPr>
+              <a:t>Simm</a:t>
+            </a:r>
+            <a:r>
+              <a:rPr kumimoji="0" lang="fr-FR" altLang="fr-FR" sz="1100" b="0" i="0" u="none" strike="noStrike" cap="none" normalizeH="0" baseline="0" dirty="0" smtClean="0">
+                <a:ln>
+                  <a:noFill/>
+                </a:ln>
+                <a:solidFill>
+                  <a:schemeClr val="tx1"/>
+                </a:solidFill>
+                <a:effectLst/>
+                <a:latin typeface="Calibri" pitchFamily="34" charset="0"/>
+                <a:ea typeface="Calibri" pitchFamily="34" charset="0"/>
+                <a:cs typeface="Times New Roman" pitchFamily="18" charset="0"/>
+              </a:rPr>
+              <a:t> / </a:t>
+            </a:r>
+            <a:r>
+              <a:rPr kumimoji="0" lang="fr-FR" altLang="fr-FR" sz="1100" b="0" i="0" u="none" strike="noStrike" cap="none" normalizeH="0" baseline="0" dirty="0" err="1" smtClean="0">
+                <a:ln>
+                  <a:noFill/>
+                </a:ln>
+                <a:solidFill>
+                  <a:schemeClr val="tx1"/>
+                </a:solidFill>
+                <a:effectLst/>
+                <a:latin typeface="Calibri" pitchFamily="34" charset="0"/>
+                <a:ea typeface="Calibri" pitchFamily="34" charset="0"/>
+                <a:cs typeface="Times New Roman" pitchFamily="18" charset="0"/>
+              </a:rPr>
+              <a:t>Coselica</a:t>
+            </a:r>
+            <a:r>
+              <a:rPr kumimoji="0" lang="fr-FR" altLang="fr-FR" sz="1100" b="0" i="0" u="none" strike="noStrike" cap="none" normalizeH="0" baseline="0" dirty="0" smtClean="0">
+                <a:ln>
+                  <a:noFill/>
+                </a:ln>
+                <a:solidFill>
+                  <a:schemeClr val="tx1"/>
+                </a:solidFill>
+                <a:effectLst/>
+                <a:latin typeface="Calibri" pitchFamily="34" charset="0"/>
+                <a:ea typeface="Calibri" pitchFamily="34" charset="0"/>
+                <a:cs typeface="Times New Roman" pitchFamily="18" charset="0"/>
+              </a:rPr>
+              <a:t> </a:t>
+            </a:r>
+            <a:endParaRPr kumimoji="0" lang="fr-FR" altLang="fr-FR" sz="800" b="0" i="0" u="none" strike="noStrike" cap="none" normalizeH="0" baseline="0" dirty="0" smtClean="0">
+              <a:ln>
+                <a:noFill/>
+              </a:ln>
+              <a:solidFill>
+                <a:schemeClr val="tx1"/>
+              </a:solidFill>
+              <a:effectLst/>
+              <a:latin typeface="Arial" pitchFamily="34" charset="0"/>
+              <a:cs typeface="Arial" pitchFamily="34" charset="0"/>
+            </a:endParaRPr>
+          </a:p>
+          <a:p>
+            <a:pPr marL="0" marR="0" lvl="0" indent="0" algn="ctr" defTabSz="914400" rtl="0" eaLnBrk="0" fontAlgn="base" latinLnBrk="0" hangingPunct="0">
+              <a:lnSpc>
+                <a:spcPct val="100000"/>
+              </a:lnSpc>
+              <a:spcBef>
+                <a:spcPct val="0"/>
+              </a:spcBef>
+              <a:spcAft>
+                <a:spcPct val="0"/>
+              </a:spcAft>
+              <a:buClrTx/>
+              <a:buSzTx/>
+              <a:buFontTx/>
+              <a:buNone/>
+              <a:tabLst/>
+            </a:pPr>
+            <a:r>
+              <a:rPr kumimoji="0" lang="fr-FR" altLang="fr-FR" sz="1200" b="1" i="0" u="none" strike="noStrike" cap="none" normalizeH="0" baseline="0" dirty="0" smtClean="0">
+                <a:ln>
+                  <a:noFill/>
+                </a:ln>
+                <a:solidFill>
+                  <a:schemeClr val="tx1"/>
+                </a:solidFill>
+                <a:effectLst/>
+                <a:latin typeface="Calibri" pitchFamily="34" charset="0"/>
+                <a:ea typeface="Calibri" pitchFamily="34" charset="0"/>
+                <a:cs typeface="Times New Roman" pitchFamily="18" charset="0"/>
+              </a:rPr>
+              <a:t>… mais pas que : fonctionnalités communes, interconnections et passerelles</a:t>
+            </a:r>
+            <a:endParaRPr kumimoji="0" lang="fr-FR" altLang="fr-FR" sz="1800" b="0" i="0" u="none" strike="noStrike" cap="none" normalizeH="0" baseline="0" dirty="0" smtClean="0">
+              <a:ln>
+                <a:noFill/>
+              </a:ln>
+              <a:solidFill>
+                <a:schemeClr val="tx1"/>
+              </a:solidFill>
+              <a:effectLst/>
+              <a:latin typeface="Arial" pitchFamily="34" charset="0"/>
+              <a:cs typeface="Arial" pitchFamily="34" charset="0"/>
+            </a:endParaRPr>
+          </a:p>
+        </p:txBody>
+      </p:sp>
+      <p:sp>
+        <p:nvSpPr>
+          <p:cNvPr id="3" name="AutoShape 28"/>
+          <p:cNvSpPr>
+            <a:spLocks noChangeArrowheads="1"/>
+          </p:cNvSpPr>
+          <p:nvPr/>
+        </p:nvSpPr>
+        <p:spPr bwMode="auto">
+          <a:xfrm>
+            <a:off x="-114300" y="457200"/>
+            <a:ext cx="9705975" cy="612775"/>
+          </a:xfrm>
+          <a:prstGeom prst="roundRect">
+            <a:avLst>
+              <a:gd name="adj" fmla="val 16667"/>
+            </a:avLst>
+          </a:prstGeom>
+          <a:solidFill>
+            <a:srgbClr val="DDD8C2"/>
+          </a:solidFill>
+          <a:ln w="9525">
+            <a:solidFill>
+              <a:srgbClr val="000000"/>
+            </a:solidFill>
+            <a:round/>
+            <a:headEnd/>
+            <a:tailEnd/>
+          </a:ln>
+        </p:spPr>
+        <p:txBody>
+          <a:bodyPr vert="horz" wrap="square" lIns="91440" tIns="45720" rIns="91440" bIns="45720" numCol="1" anchor="t" anchorCtr="0" compatLnSpc="1">
+            <a:prstTxWarp prst="textNoShape">
+              <a:avLst/>
+            </a:prstTxWarp>
+          </a:bodyPr>
+          <a:lstStyle/>
+          <a:p>
+            <a:endParaRPr lang="fr-FR"/>
+          </a:p>
+        </p:txBody>
+      </p:sp>
+      <p:sp>
+        <p:nvSpPr>
+          <p:cNvPr id="28" name="Text Box 3"/>
+          <p:cNvSpPr txBox="1">
+            <a:spLocks noChangeArrowheads="1"/>
+          </p:cNvSpPr>
+          <p:nvPr/>
+        </p:nvSpPr>
+        <p:spPr bwMode="auto">
+          <a:xfrm>
+            <a:off x="1057275" y="457200"/>
+            <a:ext cx="7616825" cy="833438"/>
+          </a:xfrm>
+          <a:prstGeom prst="rect">
+            <a:avLst/>
+          </a:prstGeom>
+          <a:noFill/>
+          <a:ln>
+            <a:noFill/>
+          </a:ln>
+          <a:extLst>
+            <a:ext uri="{909E8E84-426E-40DD-AFC4-6F175D3DCCD1}">
+              <a14:hiddenFill xmlns:a14="http://schemas.microsoft.com/office/drawing/2010/main">
+                <a:solidFill>
+                  <a:srgbClr val="FFFFFF"/>
+                </a:solidFill>
+              </a14:hiddenFill>
+            </a:ext>
+            <a:ext uri="{91240B29-F687-4F45-9708-019B960494DF}">
+              <a14:hiddenLine xmlns:a14="http://schemas.microsoft.com/office/drawing/2010/main" w="9525">
+                <a:solidFill>
+                  <a:srgbClr val="000000"/>
+                </a:solidFill>
+                <a:miter lim="800000"/>
+                <a:headEnd/>
+                <a:tailEnd/>
+              </a14:hiddenLine>
+            </a:ext>
+          </a:extLst>
+        </p:spPr>
+        <p:txBody>
+          <a:bodyPr vert="horz" wrap="square" lIns="91440" tIns="45720" rIns="91440" bIns="45720" numCol="1" anchor="t" anchorCtr="0" compatLnSpc="1">
+            <a:prstTxWarp prst="textNoShape">
+              <a:avLst/>
+            </a:prstTxWarp>
+          </a:bodyPr>
+          <a:lstStyle/>
+          <a:p>
+            <a:pPr marL="0" marR="0" lvl="0" indent="0" algn="ctr" defTabSz="914400" rtl="0" eaLnBrk="1" fontAlgn="base" latinLnBrk="0" hangingPunct="1">
+              <a:lnSpc>
+                <a:spcPct val="100000"/>
+              </a:lnSpc>
+              <a:spcBef>
+                <a:spcPct val="0"/>
+              </a:spcBef>
+              <a:spcAft>
+                <a:spcPct val="0"/>
+              </a:spcAft>
+              <a:buClrTx/>
+              <a:buSzTx/>
+              <a:buFontTx/>
+              <a:buNone/>
+              <a:tabLst/>
+            </a:pPr>
+            <a:r>
+              <a:rPr kumimoji="0" lang="fr-FR" altLang="fr-FR" sz="1800" b="1" i="0" u="none" strike="noStrike" cap="none" normalizeH="0" baseline="0" dirty="0" smtClean="0">
+                <a:ln>
+                  <a:noFill/>
+                </a:ln>
+                <a:solidFill>
+                  <a:schemeClr val="tx1"/>
+                </a:solidFill>
+                <a:effectLst/>
+                <a:latin typeface="Calibri" pitchFamily="34" charset="0"/>
+                <a:ea typeface="Calibri" pitchFamily="34" charset="0"/>
+                <a:cs typeface="Times New Roman" pitchFamily="18" charset="0"/>
+              </a:rPr>
+              <a:t>Les outils de l’ingénierie système dans l’enseignement</a:t>
+            </a:r>
+            <a:endParaRPr kumimoji="0" lang="fr-FR" altLang="fr-FR" sz="800" b="0" i="0" u="none" strike="noStrike" cap="none" normalizeH="0" baseline="0" dirty="0" smtClean="0">
+              <a:ln>
+                <a:noFill/>
+              </a:ln>
+              <a:solidFill>
+                <a:schemeClr val="tx1"/>
+              </a:solidFill>
+              <a:effectLst/>
+              <a:latin typeface="Arial" pitchFamily="34" charset="0"/>
+              <a:cs typeface="Arial" pitchFamily="34" charset="0"/>
+            </a:endParaRPr>
+          </a:p>
+          <a:p>
+            <a:pPr marL="0" marR="0" lvl="0" indent="0" algn="ctr" defTabSz="914400" rtl="0" eaLnBrk="0" fontAlgn="base" latinLnBrk="0" hangingPunct="0">
+              <a:lnSpc>
+                <a:spcPct val="100000"/>
+              </a:lnSpc>
+              <a:spcBef>
+                <a:spcPct val="0"/>
+              </a:spcBef>
+              <a:spcAft>
+                <a:spcPct val="0"/>
+              </a:spcAft>
+              <a:buClrTx/>
+              <a:buSzTx/>
+              <a:buFontTx/>
+              <a:buNone/>
+              <a:tabLst/>
+            </a:pPr>
+            <a:r>
+              <a:rPr kumimoji="0" lang="fr-FR" altLang="fr-FR" sz="1800" b="1" i="1" u="none" strike="noStrike" cap="none" normalizeH="0" baseline="0" dirty="0" smtClean="0">
+                <a:ln>
+                  <a:noFill/>
+                </a:ln>
+                <a:solidFill>
+                  <a:schemeClr val="tx1"/>
+                </a:solidFill>
+                <a:effectLst/>
+                <a:latin typeface="Calibri" pitchFamily="34" charset="0"/>
+                <a:ea typeface="Calibri" pitchFamily="34" charset="0"/>
+                <a:cs typeface="Times New Roman" pitchFamily="18" charset="0"/>
+              </a:rPr>
+              <a:t>Vers une approche globalisée</a:t>
+            </a:r>
+            <a:endParaRPr kumimoji="0" lang="fr-FR" altLang="fr-FR" sz="800" b="0" i="0" u="none" strike="noStrike" cap="none" normalizeH="0" baseline="0" dirty="0" smtClean="0">
+              <a:ln>
+                <a:noFill/>
+              </a:ln>
+              <a:solidFill>
+                <a:schemeClr val="tx1"/>
+              </a:solidFill>
+              <a:effectLst/>
+              <a:latin typeface="Arial" pitchFamily="34" charset="0"/>
+              <a:cs typeface="Arial" pitchFamily="34" charset="0"/>
+            </a:endParaRPr>
+          </a:p>
+          <a:p>
+            <a:pPr marL="0" marR="0" lvl="0" indent="0" algn="l" defTabSz="914400" rtl="0" eaLnBrk="0" fontAlgn="base" latinLnBrk="0" hangingPunct="0">
+              <a:lnSpc>
+                <a:spcPct val="100000"/>
+              </a:lnSpc>
+              <a:spcBef>
+                <a:spcPct val="0"/>
+              </a:spcBef>
+              <a:spcAft>
+                <a:spcPct val="0"/>
+              </a:spcAft>
+              <a:buClrTx/>
+              <a:buSzTx/>
+              <a:buFontTx/>
+              <a:buNone/>
+              <a:tabLst/>
+            </a:pPr>
+            <a:endParaRPr kumimoji="0" lang="fr-FR" altLang="fr-FR" sz="1800" b="0" i="0" u="none" strike="noStrike" cap="none" normalizeH="0" baseline="0" dirty="0" smtClean="0">
+              <a:ln>
+                <a:noFill/>
+              </a:ln>
+              <a:solidFill>
+                <a:schemeClr val="tx1"/>
+              </a:solidFill>
+              <a:effectLst/>
+              <a:latin typeface="Arial" pitchFamily="34" charset="0"/>
+              <a:cs typeface="Arial" pitchFamily="34" charset="0"/>
+            </a:endParaRPr>
+          </a:p>
+        </p:txBody>
+      </p:sp>
+    </p:spTree>
+    <p:extLst>
+      <p:ext uri="{BB962C8B-B14F-4D97-AF65-F5344CB8AC3E}">
+        <p14:creationId xmlns:p14="http://schemas.microsoft.com/office/powerpoint/2010/main" val="3396356777"/>
+      </p:ext>
+    </p:extLst>
+  </p:cSld>
+  <p:clrMapOvr>
+    <a:masterClrMapping/>
+  </p:clrMapOvr>
+</p:sld>
+</file>
+
 <file path=ppt/slides/slide4.xml><?xml version="1.0" encoding="utf-8"?>
 <p:sld xmlns:a="http://schemas.openxmlformats.org/drawingml/2006/main" xmlns:r="http://schemas.openxmlformats.org/officeDocument/2006/relationships" xmlns:p="http://schemas.openxmlformats.org/presentationml/2006/main">
   <p:cSld>

--- a/ModelisationMultiphysique/ModelisationMultiphysique.pptx
+++ b/ModelisationMultiphysique/ModelisationMultiphysique.pptx
@@ -5,45 +5,42 @@
     <p:sldMasterId id="2147483804" r:id="rId1"/>
   </p:sldMasterIdLst>
   <p:notesMasterIdLst>
-    <p:notesMasterId r:id="rId35"/>
+    <p:notesMasterId r:id="rId32"/>
   </p:notesMasterIdLst>
   <p:handoutMasterIdLst>
-    <p:handoutMasterId r:id="rId36"/>
+    <p:handoutMasterId r:id="rId33"/>
   </p:handoutMasterIdLst>
   <p:sldIdLst>
     <p:sldId id="256" r:id="rId2"/>
-    <p:sldId id="282" r:id="rId3"/>
-    <p:sldId id="281" r:id="rId4"/>
-    <p:sldId id="263" r:id="rId5"/>
-    <p:sldId id="273" r:id="rId6"/>
-    <p:sldId id="272" r:id="rId7"/>
-    <p:sldId id="283" r:id="rId8"/>
-    <p:sldId id="286" r:id="rId9"/>
-    <p:sldId id="287" r:id="rId10"/>
-    <p:sldId id="288" r:id="rId11"/>
-    <p:sldId id="289" r:id="rId12"/>
-    <p:sldId id="284" r:id="rId13"/>
-    <p:sldId id="290" r:id="rId14"/>
-    <p:sldId id="291" r:id="rId15"/>
-    <p:sldId id="285" r:id="rId16"/>
-    <p:sldId id="275" r:id="rId17"/>
-    <p:sldId id="278" r:id="rId18"/>
-    <p:sldId id="292" r:id="rId19"/>
-    <p:sldId id="259" r:id="rId20"/>
-    <p:sldId id="260" r:id="rId21"/>
-    <p:sldId id="293" r:id="rId22"/>
-    <p:sldId id="294" r:id="rId23"/>
-    <p:sldId id="295" r:id="rId24"/>
-    <p:sldId id="296" r:id="rId25"/>
-    <p:sldId id="297" r:id="rId26"/>
-    <p:sldId id="262" r:id="rId27"/>
-    <p:sldId id="267" r:id="rId28"/>
-    <p:sldId id="268" r:id="rId29"/>
-    <p:sldId id="264" r:id="rId30"/>
-    <p:sldId id="298" r:id="rId31"/>
-    <p:sldId id="299" r:id="rId32"/>
-    <p:sldId id="266" r:id="rId33"/>
-    <p:sldId id="300" r:id="rId34"/>
+    <p:sldId id="303" r:id="rId3"/>
+    <p:sldId id="282" r:id="rId4"/>
+    <p:sldId id="281" r:id="rId5"/>
+    <p:sldId id="263" r:id="rId6"/>
+    <p:sldId id="273" r:id="rId7"/>
+    <p:sldId id="272" r:id="rId8"/>
+    <p:sldId id="283" r:id="rId9"/>
+    <p:sldId id="286" r:id="rId10"/>
+    <p:sldId id="287" r:id="rId11"/>
+    <p:sldId id="288" r:id="rId12"/>
+    <p:sldId id="289" r:id="rId13"/>
+    <p:sldId id="284" r:id="rId14"/>
+    <p:sldId id="290" r:id="rId15"/>
+    <p:sldId id="291" r:id="rId16"/>
+    <p:sldId id="285" r:id="rId17"/>
+    <p:sldId id="275" r:id="rId18"/>
+    <p:sldId id="278" r:id="rId19"/>
+    <p:sldId id="292" r:id="rId20"/>
+    <p:sldId id="295" r:id="rId21"/>
+    <p:sldId id="301" r:id="rId22"/>
+    <p:sldId id="296" r:id="rId23"/>
+    <p:sldId id="297" r:id="rId24"/>
+    <p:sldId id="267" r:id="rId25"/>
+    <p:sldId id="302" r:id="rId26"/>
+    <p:sldId id="264" r:id="rId27"/>
+    <p:sldId id="298" r:id="rId28"/>
+    <p:sldId id="299" r:id="rId29"/>
+    <p:sldId id="266" r:id="rId30"/>
+    <p:sldId id="300" r:id="rId31"/>
   </p:sldIdLst>
   <p:sldSz cx="9144000" cy="6858000" type="screen4x3"/>
   <p:notesSz cx="6858000" cy="9144000"/>
@@ -227,7 +224,7 @@
           <a:p>
             <a:fld id="{A885B43C-549A-4639-87D3-A3E3E5DAC635}" type="datetimeFigureOut">
               <a:rPr lang="fr-FR" smtClean="0"/>
-              <a:t>06/02/2014</a:t>
+              <a:t>19/02/2014</a:t>
             </a:fld>
             <a:endParaRPr lang="fr-FR"/>
           </a:p>
@@ -392,7 +389,7 @@
           <a:p>
             <a:fld id="{39C4ABE7-6968-4EF3-8008-B142D354329E}" type="datetimeFigureOut">
               <a:rPr lang="fr-FR" smtClean="0"/>
-              <a:t>06/02/2014</a:t>
+              <a:t>19/02/2014</a:t>
             </a:fld>
             <a:endParaRPr lang="fr-FR"/>
           </a:p>
@@ -660,6 +657,98 @@
 </p:notesMaster>
 </file>
 
+<file path=ppt/notesSlides/notesSlide1.xml><?xml version="1.0" encoding="utf-8"?>
+<p:notes xmlns:a="http://schemas.openxmlformats.org/drawingml/2006/main" xmlns:r="http://schemas.openxmlformats.org/officeDocument/2006/relationships" xmlns:p="http://schemas.openxmlformats.org/presentationml/2006/main">
+  <p:cSld>
+    <p:spTree>
+      <p:nvGrpSpPr>
+        <p:cNvPr id="1" name=""/>
+        <p:cNvGrpSpPr/>
+        <p:nvPr/>
+      </p:nvGrpSpPr>
+      <p:grpSpPr>
+        <a:xfrm>
+          <a:off x="0" y="0"/>
+          <a:ext cx="0" cy="0"/>
+          <a:chOff x="0" y="0"/>
+          <a:chExt cx="0" cy="0"/>
+        </a:xfrm>
+      </p:grpSpPr>
+      <p:sp>
+        <p:nvSpPr>
+          <p:cNvPr id="2" name="Espace réservé de l'image des diapositives 1"/>
+          <p:cNvSpPr>
+            <a:spLocks noGrp="1" noRot="1" noChangeAspect="1"/>
+          </p:cNvSpPr>
+          <p:nvPr>
+            <p:ph type="sldImg"/>
+          </p:nvPr>
+        </p:nvSpPr>
+        <p:spPr/>
+      </p:sp>
+      <p:sp>
+        <p:nvSpPr>
+          <p:cNvPr id="3" name="Espace réservé des commentaires 2"/>
+          <p:cNvSpPr>
+            <a:spLocks noGrp="1"/>
+          </p:cNvSpPr>
+          <p:nvPr>
+            <p:ph type="body" idx="1"/>
+          </p:nvPr>
+        </p:nvSpPr>
+        <p:spPr/>
+        <p:txBody>
+          <a:bodyPr/>
+          <a:lstStyle/>
+          <a:p>
+            <a:r>
+              <a:rPr lang="fr-FR" dirty="0" smtClean="0"/>
+              <a:t>Remarque</a:t>
+            </a:r>
+            <a:r>
+              <a:rPr lang="fr-FR" baseline="0" dirty="0" smtClean="0"/>
+              <a:t> : En causal, on ne peut pas aller à l’encontre du « sens des flèches »</a:t>
+            </a:r>
+            <a:endParaRPr lang="fr-FR" dirty="0"/>
+          </a:p>
+        </p:txBody>
+      </p:sp>
+      <p:sp>
+        <p:nvSpPr>
+          <p:cNvPr id="4" name="Espace réservé du numéro de diapositive 3"/>
+          <p:cNvSpPr>
+            <a:spLocks noGrp="1"/>
+          </p:cNvSpPr>
+          <p:nvPr>
+            <p:ph type="sldNum" sz="quarter" idx="10"/>
+          </p:nvPr>
+        </p:nvSpPr>
+        <p:spPr/>
+        <p:txBody>
+          <a:bodyPr/>
+          <a:lstStyle/>
+          <a:p>
+            <a:fld id="{5F0D6C09-BCA6-44EF-99A6-4587823B287A}" type="slidenum">
+              <a:rPr lang="fr-FR" smtClean="0"/>
+              <a:t>21</a:t>
+            </a:fld>
+            <a:endParaRPr lang="fr-FR"/>
+          </a:p>
+        </p:txBody>
+      </p:sp>
+    </p:spTree>
+    <p:extLst>
+      <p:ext uri="{BB962C8B-B14F-4D97-AF65-F5344CB8AC3E}">
+        <p14:creationId xmlns:p14="http://schemas.microsoft.com/office/powerpoint/2010/main" val="3285992825"/>
+      </p:ext>
+    </p:extLst>
+  </p:cSld>
+  <p:clrMapOvr>
+    <a:masterClrMapping/>
+  </p:clrMapOvr>
+</p:notes>
+</file>
+
 <file path=ppt/slideLayouts/slideLayout1.xml><?xml version="1.0" encoding="utf-8"?>
 <p:sldLayout xmlns:a="http://schemas.openxmlformats.org/drawingml/2006/main" xmlns:r="http://schemas.openxmlformats.org/officeDocument/2006/relationships" xmlns:p="http://schemas.openxmlformats.org/presentationml/2006/main" showMasterSp="0" type="title" preserve="1">
   <p:cSld name="Diapositive de titre">
@@ -797,7 +886,7 @@
           <a:p>
             <a:fld id="{4570C44E-2547-490C-B96B-C5716BE8A211}" type="datetime1">
               <a:rPr lang="fr-FR" smtClean="0"/>
-              <a:t>06/02/2014</a:t>
+              <a:t>19/02/2014</a:t>
             </a:fld>
             <a:endParaRPr lang="fr-FR"/>
           </a:p>
@@ -1666,7 +1755,7 @@
           <a:p>
             <a:fld id="{747E099B-BEB6-4FA8-A989-B5CEC6EE96A6}" type="datetime1">
               <a:rPr lang="fr-FR" smtClean="0"/>
-              <a:t>06/02/2014</a:t>
+              <a:t>19/02/2014</a:t>
             </a:fld>
             <a:endParaRPr lang="fr-FR"/>
           </a:p>
@@ -1841,7 +1930,7 @@
           <a:p>
             <a:fld id="{40DE265D-AE92-4B24-A80E-B18047B1C1D8}" type="datetime1">
               <a:rPr lang="fr-FR" smtClean="0"/>
-              <a:t>06/02/2014</a:t>
+              <a:t>19/02/2014</a:t>
             </a:fld>
             <a:endParaRPr lang="fr-FR"/>
           </a:p>
@@ -2011,7 +2100,7 @@
           <a:p>
             <a:fld id="{B833870E-E628-4B55-8FAC-7DEBA033199C}" type="datetime1">
               <a:rPr lang="fr-FR" smtClean="0"/>
-              <a:t>06/02/2014</a:t>
+              <a:t>19/02/2014</a:t>
             </a:fld>
             <a:endParaRPr lang="fr-FR"/>
           </a:p>
@@ -2230,7 +2319,7 @@
           <a:p>
             <a:fld id="{A67C8C45-4A33-4265-B602-D5E2C8444F9A}" type="datetime1">
               <a:rPr lang="fr-FR" smtClean="0"/>
-              <a:t>06/02/2014</a:t>
+              <a:t>19/02/2014</a:t>
             </a:fld>
             <a:endParaRPr lang="fr-FR"/>
           </a:p>
@@ -3044,7 +3133,7 @@
           <a:p>
             <a:fld id="{25CB6C03-371A-4D23-837F-61C5BAFAE300}" type="datetime1">
               <a:rPr lang="fr-FR" smtClean="0"/>
-              <a:t>06/02/2014</a:t>
+              <a:t>19/02/2014</a:t>
             </a:fld>
             <a:endParaRPr lang="fr-FR"/>
           </a:p>
@@ -3280,7 +3369,7 @@
           <a:p>
             <a:fld id="{86EFE65D-E49E-4ACC-802E-2FE5FA140AA8}" type="datetime1">
               <a:rPr lang="fr-FR" smtClean="0"/>
-              <a:t>06/02/2014</a:t>
+              <a:t>19/02/2014</a:t>
             </a:fld>
             <a:endParaRPr lang="fr-FR"/>
           </a:p>
@@ -3603,7 +3692,7 @@
           <a:p>
             <a:fld id="{BD2FCB01-C649-48F3-B16D-AB4366149D3F}" type="datetime1">
               <a:rPr lang="fr-FR" smtClean="0"/>
-              <a:t>06/02/2014</a:t>
+              <a:t>19/02/2014</a:t>
             </a:fld>
             <a:endParaRPr lang="fr-FR"/>
           </a:p>
@@ -3693,7 +3782,7 @@
           <a:p>
             <a:fld id="{8E4AC928-9A8D-4820-8569-8A1256CEB675}" type="datetime1">
               <a:rPr lang="fr-FR" smtClean="0"/>
-              <a:t>06/02/2014</a:t>
+              <a:t>19/02/2014</a:t>
             </a:fld>
             <a:endParaRPr lang="fr-FR"/>
           </a:p>
@@ -4210,7 +4299,7 @@
           <a:p>
             <a:fld id="{A3A61092-D682-48D6-9115-A8828AD70E20}" type="datetime1">
               <a:rPr lang="fr-FR" smtClean="0"/>
-              <a:t>06/02/2014</a:t>
+              <a:t>19/02/2014</a:t>
             </a:fld>
             <a:endParaRPr lang="fr-FR"/>
           </a:p>
@@ -4721,7 +4810,7 @@
           <a:p>
             <a:fld id="{67835B05-DF05-4BBA-868F-A88A58FB33D1}" type="datetime1">
               <a:rPr lang="fr-FR" smtClean="0"/>
-              <a:t>06/02/2014</a:t>
+              <a:t>19/02/2014</a:t>
             </a:fld>
             <a:endParaRPr lang="fr-FR"/>
           </a:p>
@@ -4967,7 +5056,7 @@
           <a:p>
             <a:fld id="{8F35236E-3142-47C6-A5D5-7DD086936AB6}" type="datetime1">
               <a:rPr lang="fr-FR" smtClean="0"/>
-              <a:t>06/02/2014</a:t>
+              <a:t>19/02/2014</a:t>
             </a:fld>
             <a:endParaRPr lang="fr-FR"/>
           </a:p>
@@ -5804,6 +5893,707 @@
             </a:br>
             <a:r>
               <a:rPr lang="fr-FR" dirty="0" smtClean="0"/>
+              <a:t>Modélisation causale – Mise en situation</a:t>
+            </a:r>
+            <a:endParaRPr lang="fr-FR" dirty="0"/>
+          </a:p>
+        </p:txBody>
+      </p:sp>
+      <mc:AlternateContent xmlns:mc="http://schemas.openxmlformats.org/markup-compatibility/2006" xmlns:a14="http://schemas.microsoft.com/office/drawing/2010/main">
+        <mc:Choice Requires="a14">
+          <p:sp>
+            <p:nvSpPr>
+              <p:cNvPr id="3" name="Espace réservé du contenu 2"/>
+              <p:cNvSpPr>
+                <a:spLocks noGrp="1"/>
+              </p:cNvSpPr>
+              <p:nvPr>
+                <p:ph sz="quarter" idx="1"/>
+              </p:nvPr>
+            </p:nvSpPr>
+            <p:spPr/>
+            <p:txBody>
+              <a:bodyPr>
+                <a:normAutofit fontScale="92500" lnSpcReduction="10000"/>
+              </a:bodyPr>
+              <a:lstStyle/>
+              <a:p>
+                <a:r>
+                  <a:rPr lang="fr-FR" dirty="0" smtClean="0"/>
+                  <a:t>La modélisation causale permet de modéliser des phénomènes linéaires</a:t>
+                </a:r>
+              </a:p>
+              <a:p>
+                <a:pPr lvl="1"/>
+                <a:r>
+                  <a:rPr lang="fr-FR" dirty="0" smtClean="0"/>
+                  <a:t>Loi de comportement régit par une application linéaire </a:t>
+                </a:r>
+                <a:endParaRPr lang="fr-FR" b="0" i="1" dirty="0" smtClean="0">
+                  <a:latin typeface="Cambria Math"/>
+                </a:endParaRPr>
+              </a:p>
+              <a:p>
+                <a:pPr lvl="2"/>
+                <a14:m>
+                  <m:oMath xmlns:m="http://schemas.openxmlformats.org/officeDocument/2006/math">
+                    <m:r>
+                      <a:rPr lang="fr-FR" b="0" i="1" smtClean="0">
+                        <a:latin typeface="Cambria Math"/>
+                      </a:rPr>
+                      <m:t>𝑠</m:t>
+                    </m:r>
+                    <m:d>
+                      <m:dPr>
+                        <m:ctrlPr>
+                          <a:rPr lang="fr-FR" b="0" i="1" smtClean="0">
+                            <a:latin typeface="Cambria Math"/>
+                          </a:rPr>
+                        </m:ctrlPr>
+                      </m:dPr>
+                      <m:e>
+                        <m:r>
+                          <a:rPr lang="fr-FR" b="0" i="1" smtClean="0">
+                            <a:latin typeface="Cambria Math"/>
+                          </a:rPr>
+                          <m:t>𝑡</m:t>
+                        </m:r>
+                      </m:e>
+                    </m:d>
+                    <m:r>
+                      <a:rPr lang="fr-FR" b="0" i="1" smtClean="0">
+                        <a:latin typeface="Cambria Math"/>
+                      </a:rPr>
+                      <m:t>=</m:t>
+                    </m:r>
+                    <m:r>
+                      <a:rPr lang="fr-FR" b="0" i="1" smtClean="0">
+                        <a:latin typeface="Cambria Math"/>
+                      </a:rPr>
+                      <m:t>𝑘</m:t>
+                    </m:r>
+                    <m:r>
+                      <a:rPr lang="fr-FR" b="0" i="1" smtClean="0">
+                        <a:latin typeface="Cambria Math"/>
+                      </a:rPr>
+                      <m:t>⋅</m:t>
+                    </m:r>
+                    <m:r>
+                      <a:rPr lang="fr-FR" b="0" i="1" smtClean="0">
+                        <a:latin typeface="Cambria Math"/>
+                      </a:rPr>
+                      <m:t>𝑒</m:t>
+                    </m:r>
+                    <m:d>
+                      <m:dPr>
+                        <m:ctrlPr>
+                          <a:rPr lang="fr-FR" b="0" i="1" smtClean="0">
+                            <a:latin typeface="Cambria Math"/>
+                          </a:rPr>
+                        </m:ctrlPr>
+                      </m:dPr>
+                      <m:e>
+                        <m:r>
+                          <a:rPr lang="fr-FR" b="0" i="1" smtClean="0">
+                            <a:latin typeface="Cambria Math"/>
+                          </a:rPr>
+                          <m:t>𝑡</m:t>
+                        </m:r>
+                      </m:e>
+                    </m:d>
+                  </m:oMath>
+                </a14:m>
+                <a:endParaRPr lang="fr-FR" dirty="0" smtClean="0"/>
+              </a:p>
+              <a:p>
+                <a:pPr lvl="2"/>
+                <a:r>
+                  <a:rPr lang="fr-FR" dirty="0" smtClean="0"/>
+                  <a:t>Exemples </a:t>
+                </a:r>
+              </a:p>
+              <a:p>
+                <a:pPr lvl="3"/>
+                <a:r>
+                  <a:rPr lang="fr-FR" dirty="0" smtClean="0"/>
+                  <a:t>Évolution de l’effort dans un ressort</a:t>
+                </a:r>
+              </a:p>
+              <a:p>
+                <a:pPr lvl="3"/>
+                <a:r>
+                  <a:rPr lang="fr-FR" dirty="0" smtClean="0"/>
+                  <a:t>Évolution de la tension aux bornes d’une résistance</a:t>
+                </a:r>
+              </a:p>
+              <a:p>
+                <a:pPr lvl="1"/>
+                <a:r>
+                  <a:rPr lang="fr-FR" dirty="0" smtClean="0"/>
+                  <a:t>Loi de comportement régit par une équation différentielle à coefficients constants (</a:t>
+                </a:r>
+                <a14:m>
+                  <m:oMath xmlns:m="http://schemas.openxmlformats.org/officeDocument/2006/math">
+                    <m:r>
+                      <a:rPr lang="fr-FR" b="0" i="1" smtClean="0">
+                        <a:latin typeface="Cambria Math"/>
+                      </a:rPr>
+                      <m:t>𝑛</m:t>
+                    </m:r>
+                    <m:r>
+                      <a:rPr lang="fr-FR" b="0" i="1" smtClean="0">
+                        <a:latin typeface="Cambria Math"/>
+                      </a:rPr>
+                      <m:t>≥</m:t>
+                    </m:r>
+                    <m:r>
+                      <a:rPr lang="fr-FR" b="0" i="1" smtClean="0">
+                        <a:latin typeface="Cambria Math"/>
+                      </a:rPr>
+                      <m:t>𝑚</m:t>
+                    </m:r>
+                  </m:oMath>
+                </a14:m>
+                <a:r>
+                  <a:rPr lang="fr-FR" dirty="0" smtClean="0"/>
+                  <a:t>)</a:t>
+                </a:r>
+              </a:p>
+              <a:p>
+                <a:pPr lvl="2"/>
+                <a14:m>
+                  <m:oMath xmlns:m="http://schemas.openxmlformats.org/officeDocument/2006/math">
+                    <m:nary>
+                      <m:naryPr>
+                        <m:chr m:val="∑"/>
+                        <m:ctrlPr>
+                          <a:rPr lang="fr-FR" i="1" smtClean="0">
+                            <a:latin typeface="Cambria Math"/>
+                          </a:rPr>
+                        </m:ctrlPr>
+                      </m:naryPr>
+                      <m:sub>
+                        <m:r>
+                          <m:rPr>
+                            <m:brk m:alnAt="23"/>
+                          </m:rPr>
+                          <a:rPr lang="fr-FR" b="0" i="1" smtClean="0">
+                            <a:latin typeface="Cambria Math"/>
+                          </a:rPr>
+                          <m:t>𝑖</m:t>
+                        </m:r>
+                        <m:r>
+                          <a:rPr lang="fr-FR" b="0" i="1" smtClean="0">
+                            <a:latin typeface="Cambria Math"/>
+                          </a:rPr>
+                          <m:t>=0</m:t>
+                        </m:r>
+                      </m:sub>
+                      <m:sup>
+                        <m:r>
+                          <a:rPr lang="fr-FR" b="0" i="1" smtClean="0">
+                            <a:latin typeface="Cambria Math"/>
+                          </a:rPr>
+                          <m:t>𝑛</m:t>
+                        </m:r>
+                      </m:sup>
+                      <m:e>
+                        <m:sSub>
+                          <m:sSubPr>
+                            <m:ctrlPr>
+                              <a:rPr lang="fr-FR" i="1">
+                                <a:latin typeface="Cambria Math"/>
+                              </a:rPr>
+                            </m:ctrlPr>
+                          </m:sSubPr>
+                          <m:e>
+                            <m:r>
+                              <a:rPr lang="fr-FR" i="1">
+                                <a:latin typeface="Cambria Math"/>
+                              </a:rPr>
+                              <m:t>𝑎</m:t>
+                            </m:r>
+                          </m:e>
+                          <m:sub>
+                            <m:r>
+                              <a:rPr lang="fr-FR" b="0" i="1" smtClean="0">
+                                <a:latin typeface="Cambria Math"/>
+                              </a:rPr>
+                              <m:t>𝑖</m:t>
+                            </m:r>
+                          </m:sub>
+                        </m:sSub>
+                        <m:f>
+                          <m:fPr>
+                            <m:ctrlPr>
+                              <a:rPr lang="fr-FR" b="0" i="1" smtClean="0">
+                                <a:latin typeface="Cambria Math"/>
+                              </a:rPr>
+                            </m:ctrlPr>
+                          </m:fPr>
+                          <m:num>
+                            <m:sSup>
+                              <m:sSupPr>
+                                <m:ctrlPr>
+                                  <a:rPr lang="fr-FR" b="0" i="1" smtClean="0">
+                                    <a:latin typeface="Cambria Math"/>
+                                  </a:rPr>
+                                </m:ctrlPr>
+                              </m:sSupPr>
+                              <m:e>
+                                <m:r>
+                                  <a:rPr lang="fr-FR" b="0" i="1" smtClean="0">
+                                    <a:latin typeface="Cambria Math"/>
+                                  </a:rPr>
+                                  <m:t>𝑑</m:t>
+                                </m:r>
+                              </m:e>
+                              <m:sup>
+                                <m:r>
+                                  <a:rPr lang="fr-FR" b="0" i="1" smtClean="0">
+                                    <a:latin typeface="Cambria Math"/>
+                                  </a:rPr>
+                                  <m:t>(</m:t>
+                                </m:r>
+                                <m:r>
+                                  <a:rPr lang="fr-FR" b="0" i="1" smtClean="0">
+                                    <a:latin typeface="Cambria Math"/>
+                                  </a:rPr>
+                                  <m:t>𝑖</m:t>
+                                </m:r>
+                                <m:r>
+                                  <a:rPr lang="fr-FR" b="0" i="1" smtClean="0">
+                                    <a:latin typeface="Cambria Math"/>
+                                  </a:rPr>
+                                  <m:t>)</m:t>
+                                </m:r>
+                              </m:sup>
+                            </m:sSup>
+                            <m:r>
+                              <a:rPr lang="fr-FR" b="0" i="1" smtClean="0">
+                                <a:latin typeface="Cambria Math"/>
+                              </a:rPr>
+                              <m:t>𝑠</m:t>
+                            </m:r>
+                            <m:d>
+                              <m:dPr>
+                                <m:ctrlPr>
+                                  <a:rPr lang="fr-FR" b="0" i="1" smtClean="0">
+                                    <a:latin typeface="Cambria Math"/>
+                                  </a:rPr>
+                                </m:ctrlPr>
+                              </m:dPr>
+                              <m:e>
+                                <m:r>
+                                  <a:rPr lang="fr-FR" b="0" i="1" smtClean="0">
+                                    <a:latin typeface="Cambria Math"/>
+                                  </a:rPr>
+                                  <m:t>𝑡</m:t>
+                                </m:r>
+                              </m:e>
+                            </m:d>
+                          </m:num>
+                          <m:den>
+                            <m:r>
+                              <a:rPr lang="fr-FR" b="0" i="1" smtClean="0">
+                                <a:latin typeface="Cambria Math"/>
+                              </a:rPr>
+                              <m:t>𝑑</m:t>
+                            </m:r>
+                            <m:sSup>
+                              <m:sSupPr>
+                                <m:ctrlPr>
+                                  <a:rPr lang="fr-FR" b="0" i="1" smtClean="0">
+                                    <a:latin typeface="Cambria Math"/>
+                                  </a:rPr>
+                                </m:ctrlPr>
+                              </m:sSupPr>
+                              <m:e>
+                                <m:r>
+                                  <a:rPr lang="fr-FR" b="0" i="1" smtClean="0">
+                                    <a:latin typeface="Cambria Math"/>
+                                  </a:rPr>
+                                  <m:t>𝑡</m:t>
+                                </m:r>
+                              </m:e>
+                              <m:sup>
+                                <m:r>
+                                  <a:rPr lang="fr-FR" b="0" i="1" smtClean="0">
+                                    <a:latin typeface="Cambria Math"/>
+                                  </a:rPr>
+                                  <m:t>(</m:t>
+                                </m:r>
+                                <m:r>
+                                  <a:rPr lang="fr-FR" b="0" i="1" smtClean="0">
+                                    <a:latin typeface="Cambria Math"/>
+                                  </a:rPr>
+                                  <m:t>𝑖</m:t>
+                                </m:r>
+                                <m:r>
+                                  <a:rPr lang="fr-FR" b="0" i="1" smtClean="0">
+                                    <a:latin typeface="Cambria Math"/>
+                                  </a:rPr>
+                                  <m:t>)</m:t>
+                                </m:r>
+                              </m:sup>
+                            </m:sSup>
+                          </m:den>
+                        </m:f>
+                      </m:e>
+                    </m:nary>
+                    <m:r>
+                      <a:rPr lang="fr-FR" b="0" i="1" smtClean="0">
+                        <a:latin typeface="Cambria Math"/>
+                      </a:rPr>
+                      <m:t>=</m:t>
+                    </m:r>
+                    <m:nary>
+                      <m:naryPr>
+                        <m:chr m:val="∑"/>
+                        <m:ctrlPr>
+                          <a:rPr lang="fr-FR" i="1">
+                            <a:latin typeface="Cambria Math"/>
+                          </a:rPr>
+                        </m:ctrlPr>
+                      </m:naryPr>
+                      <m:sub>
+                        <m:r>
+                          <a:rPr lang="fr-FR" b="0" i="1" smtClean="0">
+                            <a:latin typeface="Cambria Math"/>
+                          </a:rPr>
+                          <m:t>𝑗</m:t>
+                        </m:r>
+                        <m:r>
+                          <a:rPr lang="fr-FR" i="1">
+                            <a:latin typeface="Cambria Math"/>
+                          </a:rPr>
+                          <m:t>=0</m:t>
+                        </m:r>
+                      </m:sub>
+                      <m:sup>
+                        <m:r>
+                          <a:rPr lang="fr-FR" b="0" i="1" smtClean="0">
+                            <a:latin typeface="Cambria Math"/>
+                          </a:rPr>
+                          <m:t>𝑚</m:t>
+                        </m:r>
+                      </m:sup>
+                      <m:e>
+                        <m:sSub>
+                          <m:sSubPr>
+                            <m:ctrlPr>
+                              <a:rPr lang="fr-FR" i="1">
+                                <a:latin typeface="Cambria Math"/>
+                              </a:rPr>
+                            </m:ctrlPr>
+                          </m:sSubPr>
+                          <m:e>
+                            <m:r>
+                              <a:rPr lang="fr-FR" b="0" i="1" smtClean="0">
+                                <a:latin typeface="Cambria Math"/>
+                              </a:rPr>
+                              <m:t>𝑏</m:t>
+                            </m:r>
+                          </m:e>
+                          <m:sub>
+                            <m:r>
+                              <a:rPr lang="fr-FR" b="0" i="1" smtClean="0">
+                                <a:latin typeface="Cambria Math"/>
+                              </a:rPr>
+                              <m:t>𝑗</m:t>
+                            </m:r>
+                          </m:sub>
+                        </m:sSub>
+                        <m:f>
+                          <m:fPr>
+                            <m:ctrlPr>
+                              <a:rPr lang="fr-FR" i="1">
+                                <a:latin typeface="Cambria Math"/>
+                              </a:rPr>
+                            </m:ctrlPr>
+                          </m:fPr>
+                          <m:num>
+                            <m:sSup>
+                              <m:sSupPr>
+                                <m:ctrlPr>
+                                  <a:rPr lang="fr-FR" i="1">
+                                    <a:latin typeface="Cambria Math"/>
+                                  </a:rPr>
+                                </m:ctrlPr>
+                              </m:sSupPr>
+                              <m:e>
+                                <m:r>
+                                  <a:rPr lang="fr-FR" i="1">
+                                    <a:latin typeface="Cambria Math"/>
+                                  </a:rPr>
+                                  <m:t>𝑑</m:t>
+                                </m:r>
+                              </m:e>
+                              <m:sup>
+                                <m:r>
+                                  <a:rPr lang="fr-FR" i="1">
+                                    <a:latin typeface="Cambria Math"/>
+                                  </a:rPr>
+                                  <m:t>(</m:t>
+                                </m:r>
+                                <m:r>
+                                  <a:rPr lang="fr-FR" b="0" i="1" smtClean="0">
+                                    <a:latin typeface="Cambria Math"/>
+                                  </a:rPr>
+                                  <m:t>𝑗</m:t>
+                                </m:r>
+                                <m:r>
+                                  <a:rPr lang="fr-FR" i="1">
+                                    <a:latin typeface="Cambria Math"/>
+                                  </a:rPr>
+                                  <m:t>)</m:t>
+                                </m:r>
+                              </m:sup>
+                            </m:sSup>
+                            <m:r>
+                              <a:rPr lang="fr-FR" b="0" i="1" smtClean="0">
+                                <a:latin typeface="Cambria Math"/>
+                              </a:rPr>
+                              <m:t>𝑒</m:t>
+                            </m:r>
+                            <m:d>
+                              <m:dPr>
+                                <m:ctrlPr>
+                                  <a:rPr lang="fr-FR" i="1">
+                                    <a:latin typeface="Cambria Math"/>
+                                  </a:rPr>
+                                </m:ctrlPr>
+                              </m:dPr>
+                              <m:e>
+                                <m:r>
+                                  <a:rPr lang="fr-FR" i="1">
+                                    <a:latin typeface="Cambria Math"/>
+                                  </a:rPr>
+                                  <m:t>𝑡</m:t>
+                                </m:r>
+                              </m:e>
+                            </m:d>
+                          </m:num>
+                          <m:den>
+                            <m:r>
+                              <a:rPr lang="fr-FR" i="1">
+                                <a:latin typeface="Cambria Math"/>
+                              </a:rPr>
+                              <m:t>𝑑</m:t>
+                            </m:r>
+                            <m:sSup>
+                              <m:sSupPr>
+                                <m:ctrlPr>
+                                  <a:rPr lang="fr-FR" i="1">
+                                    <a:latin typeface="Cambria Math"/>
+                                  </a:rPr>
+                                </m:ctrlPr>
+                              </m:sSupPr>
+                              <m:e>
+                                <m:r>
+                                  <a:rPr lang="fr-FR" i="1">
+                                    <a:latin typeface="Cambria Math"/>
+                                  </a:rPr>
+                                  <m:t>𝑡</m:t>
+                                </m:r>
+                              </m:e>
+                              <m:sup>
+                                <m:r>
+                                  <a:rPr lang="fr-FR" i="1">
+                                    <a:latin typeface="Cambria Math"/>
+                                  </a:rPr>
+                                  <m:t>(</m:t>
+                                </m:r>
+                                <m:r>
+                                  <a:rPr lang="fr-FR" b="0" i="1" smtClean="0">
+                                    <a:latin typeface="Cambria Math"/>
+                                  </a:rPr>
+                                  <m:t>𝑗</m:t>
+                                </m:r>
+                                <m:r>
+                                  <a:rPr lang="fr-FR" i="1">
+                                    <a:latin typeface="Cambria Math"/>
+                                  </a:rPr>
+                                  <m:t>)</m:t>
+                                </m:r>
+                              </m:sup>
+                            </m:sSup>
+                          </m:den>
+                        </m:f>
+                      </m:e>
+                    </m:nary>
+                  </m:oMath>
+                </a14:m>
+                <a:endParaRPr lang="fr-FR" dirty="0" smtClean="0"/>
+              </a:p>
+              <a:p>
+                <a:pPr lvl="2"/>
+                <a:endParaRPr lang="fr-FR" dirty="0" smtClean="0"/>
+              </a:p>
+              <a:p>
+                <a:pPr lvl="2"/>
+                <a:r>
+                  <a:rPr lang="fr-FR" dirty="0" smtClean="0"/>
+                  <a:t>Exemples </a:t>
+                </a:r>
+              </a:p>
+              <a:p>
+                <a:pPr lvl="3"/>
+                <a:r>
+                  <a:rPr lang="fr-FR" dirty="0" smtClean="0"/>
+                  <a:t>Évolution de la tension aux bornes d’un condensateur</a:t>
+                </a:r>
+              </a:p>
+              <a:p>
+                <a:pPr lvl="3"/>
+                <a:r>
+                  <a:rPr lang="fr-FR" dirty="0" smtClean="0"/>
+                  <a:t>Évolution de l’effort dans un système en mouvement </a:t>
+                </a:r>
+              </a:p>
+              <a:p>
+                <a:r>
+                  <a:rPr lang="fr-FR" dirty="0" smtClean="0"/>
+                  <a:t>Exemples de phénomènes non linéaires</a:t>
+                </a:r>
+              </a:p>
+              <a:p>
+                <a:pPr lvl="1"/>
+                <a:r>
+                  <a:rPr lang="fr-FR" dirty="0" smtClean="0"/>
+                  <a:t>Fonctionnement d’une diode</a:t>
+                </a:r>
+              </a:p>
+              <a:p>
+                <a:pPr lvl="1"/>
+                <a:r>
+                  <a:rPr lang="fr-FR" dirty="0" smtClean="0"/>
+                  <a:t>Loi entrée / sortie de type « Croix de Malte »</a:t>
+                </a:r>
+              </a:p>
+              <a:p>
+                <a:pPr lvl="2"/>
+                <a:r>
+                  <a:rPr lang="fr-FR" dirty="0" smtClean="0"/>
+                  <a:t>Qu’il faudra linéariser autour d’un point de fonctionnement</a:t>
+                </a:r>
+              </a:p>
+            </p:txBody>
+          </p:sp>
+        </mc:Choice>
+        <mc:Fallback xmlns="">
+          <p:sp>
+            <p:nvSpPr>
+              <p:cNvPr id="3" name="Espace réservé du contenu 2"/>
+              <p:cNvSpPr>
+                <a:spLocks noGrp="1" noRot="1" noChangeAspect="1" noMove="1" noResize="1" noEditPoints="1" noAdjustHandles="1" noChangeArrowheads="1" noChangeShapeType="1" noTextEdit="1"/>
+              </p:cNvSpPr>
+              <p:nvPr>
+                <p:ph sz="quarter" idx="1"/>
+              </p:nvPr>
+            </p:nvSpPr>
+            <p:spPr>
+              <a:blipFill rotWithShape="1">
+                <a:blip r:embed="rId2"/>
+                <a:stretch>
+                  <a:fillRect t="-1171" r="-385"/>
+                </a:stretch>
+              </a:blipFill>
+            </p:spPr>
+            <p:txBody>
+              <a:bodyPr/>
+              <a:lstStyle/>
+              <a:p>
+                <a:r>
+                  <a:rPr lang="fr-FR">
+                    <a:noFill/>
+                  </a:rPr>
+                  <a:t> </a:t>
+                </a:r>
+              </a:p>
+            </p:txBody>
+          </p:sp>
+        </mc:Fallback>
+      </mc:AlternateContent>
+      <p:sp>
+        <p:nvSpPr>
+          <p:cNvPr id="4" name="Espace réservé du numéro de diapositive 3"/>
+          <p:cNvSpPr>
+            <a:spLocks noGrp="1"/>
+          </p:cNvSpPr>
+          <p:nvPr>
+            <p:ph type="sldNum" sz="quarter" idx="15"/>
+          </p:nvPr>
+        </p:nvSpPr>
+        <p:spPr/>
+        <p:txBody>
+          <a:bodyPr/>
+          <a:lstStyle/>
+          <a:p>
+            <a:fld id="{136A7F36-7A21-4EA8-9DC2-F00219448035}" type="slidenum">
+              <a:rPr lang="fr-FR" smtClean="0"/>
+              <a:t>10</a:t>
+            </a:fld>
+            <a:endParaRPr lang="fr-FR"/>
+          </a:p>
+        </p:txBody>
+      </p:sp>
+    </p:spTree>
+    <p:extLst>
+      <p:ext uri="{BB962C8B-B14F-4D97-AF65-F5344CB8AC3E}">
+        <p14:creationId xmlns:p14="http://schemas.microsoft.com/office/powerpoint/2010/main" val="1793480319"/>
+      </p:ext>
+    </p:extLst>
+  </p:cSld>
+  <p:clrMapOvr>
+    <a:masterClrMapping/>
+  </p:clrMapOvr>
+</p:sld>
+</file>
+
+<file path=ppt/slides/slide11.xml><?xml version="1.0" encoding="utf-8"?>
+<p:sld xmlns:a="http://schemas.openxmlformats.org/drawingml/2006/main" xmlns:r="http://schemas.openxmlformats.org/officeDocument/2006/relationships" xmlns:p="http://schemas.openxmlformats.org/presentationml/2006/main">
+  <p:cSld>
+    <p:spTree>
+      <p:nvGrpSpPr>
+        <p:cNvPr id="1" name=""/>
+        <p:cNvGrpSpPr/>
+        <p:nvPr/>
+      </p:nvGrpSpPr>
+      <p:grpSpPr>
+        <a:xfrm>
+          <a:off x="0" y="0"/>
+          <a:ext cx="0" cy="0"/>
+          <a:chOff x="0" y="0"/>
+          <a:chExt cx="0" cy="0"/>
+        </a:xfrm>
+      </p:grpSpPr>
+      <p:sp>
+        <p:nvSpPr>
+          <p:cNvPr id="2" name="Titre 1"/>
+          <p:cNvSpPr>
+            <a:spLocks noGrp="1"/>
+          </p:cNvSpPr>
+          <p:nvPr>
+            <p:ph type="title"/>
+          </p:nvPr>
+        </p:nvSpPr>
+        <p:spPr/>
+        <p:txBody>
+          <a:bodyPr>
+            <a:normAutofit fontScale="90000"/>
+          </a:bodyPr>
+          <a:lstStyle/>
+          <a:p>
+            <a:r>
+              <a:rPr lang="fr-FR" dirty="0" smtClean="0"/>
+              <a:t>Modélisation multiphysique</a:t>
+            </a:r>
+            <a:br>
+              <a:rPr lang="fr-FR" dirty="0" smtClean="0"/>
+            </a:br>
+            <a:r>
+              <a:rPr lang="fr-FR" dirty="0" smtClean="0"/>
               <a:t>Modélisation causale – Résolution des problèmes</a:t>
             </a:r>
             <a:endParaRPr lang="fr-FR" dirty="0"/>
@@ -5857,15 +6647,7 @@
             <a:pPr lvl="1"/>
             <a:r>
               <a:rPr lang="fr-FR" dirty="0" smtClean="0"/>
-              <a:t>La résolution se base sur une transformation des équations dans un domaine </a:t>
-            </a:r>
-            <a:r>
-              <a:rPr lang="fr-FR" dirty="0" smtClean="0"/>
-              <a:t>symbolique </a:t>
-            </a:r>
-            <a:r>
-              <a:rPr lang="fr-FR" dirty="0" smtClean="0"/>
-              <a:t>puis une transformation inverse permet de revenir dans le domaine temporel</a:t>
+              <a:t>La résolution se base sur une transformation des équations dans un domaine symbolique puis une transformation inverse permet de revenir dans le domaine temporel</a:t>
             </a:r>
           </a:p>
           <a:p>
@@ -5894,7 +6676,7 @@
           <a:p>
             <a:fld id="{136A7F36-7A21-4EA8-9DC2-F00219448035}" type="slidenum">
               <a:rPr lang="fr-FR" smtClean="0"/>
-              <a:t>10</a:t>
+              <a:t>11</a:t>
             </a:fld>
             <a:endParaRPr lang="fr-FR"/>
           </a:p>
@@ -5967,7 +6749,7 @@
 </p:sld>
 </file>
 
-<file path=ppt/slides/slide11.xml><?xml version="1.0" encoding="utf-8"?>
+<file path=ppt/slides/slide12.xml><?xml version="1.0" encoding="utf-8"?>
 <p:sld xmlns:a="http://schemas.openxmlformats.org/drawingml/2006/main" xmlns:r="http://schemas.openxmlformats.org/officeDocument/2006/relationships" xmlns:p="http://schemas.openxmlformats.org/presentationml/2006/main">
   <p:cSld>
     <p:spTree>
@@ -6038,7 +6820,7 @@
           <a:p>
             <a:fld id="{136A7F36-7A21-4EA8-9DC2-F00219448035}" type="slidenum">
               <a:rPr lang="fr-FR" smtClean="0"/>
-              <a:t>11</a:t>
+              <a:t>12</a:t>
             </a:fld>
             <a:endParaRPr lang="fr-FR"/>
           </a:p>
@@ -6420,143 +7202,6 @@
 </p:sld>
 </file>
 
-<file path=ppt/slides/slide12.xml><?xml version="1.0" encoding="utf-8"?>
-<p:sld xmlns:a="http://schemas.openxmlformats.org/drawingml/2006/main" xmlns:r="http://schemas.openxmlformats.org/officeDocument/2006/relationships" xmlns:p="http://schemas.openxmlformats.org/presentationml/2006/main">
-  <p:cSld>
-    <p:spTree>
-      <p:nvGrpSpPr>
-        <p:cNvPr id="1" name=""/>
-        <p:cNvGrpSpPr/>
-        <p:nvPr/>
-      </p:nvGrpSpPr>
-      <p:grpSpPr>
-        <a:xfrm>
-          <a:off x="0" y="0"/>
-          <a:ext cx="0" cy="0"/>
-          <a:chOff x="0" y="0"/>
-          <a:chExt cx="0" cy="0"/>
-        </a:xfrm>
-      </p:grpSpPr>
-      <p:sp>
-        <p:nvSpPr>
-          <p:cNvPr id="2" name="Titre 1"/>
-          <p:cNvSpPr>
-            <a:spLocks noGrp="1"/>
-          </p:cNvSpPr>
-          <p:nvPr>
-            <p:ph type="title"/>
-          </p:nvPr>
-        </p:nvSpPr>
-        <p:spPr/>
-        <p:txBody>
-          <a:bodyPr>
-            <a:normAutofit fontScale="90000"/>
-          </a:bodyPr>
-          <a:lstStyle/>
-          <a:p>
-            <a:r>
-              <a:rPr lang="fr-FR" dirty="0" smtClean="0"/>
-              <a:t>Modélisation multiphysique</a:t>
-            </a:r>
-            <a:br>
-              <a:rPr lang="fr-FR" dirty="0" smtClean="0"/>
-            </a:br>
-            <a:r>
-              <a:rPr lang="fr-FR" dirty="0" smtClean="0"/>
-              <a:t>Modélisation acausale – Mise en situation</a:t>
-            </a:r>
-            <a:endParaRPr lang="fr-FR" dirty="0"/>
-          </a:p>
-        </p:txBody>
-      </p:sp>
-      <p:sp>
-        <p:nvSpPr>
-          <p:cNvPr id="3" name="Espace réservé du contenu 2"/>
-          <p:cNvSpPr>
-            <a:spLocks noGrp="1"/>
-          </p:cNvSpPr>
-          <p:nvPr>
-            <p:ph sz="quarter" idx="1"/>
-          </p:nvPr>
-        </p:nvSpPr>
-        <p:spPr/>
-        <p:txBody>
-          <a:bodyPr/>
-          <a:lstStyle/>
-          <a:p>
-            <a:r>
-              <a:rPr lang="fr-FR" dirty="0" smtClean="0"/>
-              <a:t>D’un point de vu utilisateur : </a:t>
-            </a:r>
-          </a:p>
-          <a:p>
-            <a:pPr lvl="1"/>
-            <a:r>
-              <a:rPr lang="fr-FR" dirty="0" smtClean="0"/>
-              <a:t>le modèle de connaissance d’un composant n’est pas indispensable à la modélisation d’un système</a:t>
-            </a:r>
-          </a:p>
-          <a:p>
-            <a:pPr lvl="1"/>
-            <a:r>
-              <a:rPr lang="fr-FR" dirty="0" smtClean="0"/>
-              <a:t>il faut maîtriser les paramètres influant sur le comportement d’un constituant.</a:t>
-            </a:r>
-          </a:p>
-          <a:p>
-            <a:endParaRPr lang="fr-FR" dirty="0"/>
-          </a:p>
-          <a:p>
-            <a:r>
-              <a:rPr lang="fr-FR" dirty="0" smtClean="0"/>
-              <a:t>La résolution des équations de comportement d’un système est obtenue  à l’aide de solveurs qui optimisent les calculs.</a:t>
-            </a:r>
-          </a:p>
-          <a:p>
-            <a:pPr lvl="1"/>
-            <a:r>
-              <a:rPr lang="fr-FR" dirty="0" smtClean="0"/>
-              <a:t>Attention : le solveur peut être perçu comme une boîte noire qui peut conduire à une non – résolution du système.</a:t>
-            </a:r>
-          </a:p>
-        </p:txBody>
-      </p:sp>
-      <p:sp>
-        <p:nvSpPr>
-          <p:cNvPr id="4" name="Espace réservé du numéro de diapositive 3"/>
-          <p:cNvSpPr>
-            <a:spLocks noGrp="1"/>
-          </p:cNvSpPr>
-          <p:nvPr>
-            <p:ph type="sldNum" sz="quarter" idx="15"/>
-          </p:nvPr>
-        </p:nvSpPr>
-        <p:spPr/>
-        <p:txBody>
-          <a:bodyPr/>
-          <a:lstStyle/>
-          <a:p>
-            <a:fld id="{136A7F36-7A21-4EA8-9DC2-F00219448035}" type="slidenum">
-              <a:rPr lang="fr-FR" smtClean="0"/>
-              <a:t>12</a:t>
-            </a:fld>
-            <a:endParaRPr lang="fr-FR"/>
-          </a:p>
-        </p:txBody>
-      </p:sp>
-    </p:spTree>
-    <p:extLst>
-      <p:ext uri="{BB962C8B-B14F-4D97-AF65-F5344CB8AC3E}">
-        <p14:creationId xmlns:p14="http://schemas.microsoft.com/office/powerpoint/2010/main" val="1601485309"/>
-      </p:ext>
-    </p:extLst>
-  </p:cSld>
-  <p:clrMapOvr>
-    <a:masterClrMapping/>
-  </p:clrMapOvr>
-</p:sld>
-</file>
-
 <file path=ppt/slides/slide13.xml><?xml version="1.0" encoding="utf-8"?>
 <p:sld xmlns:a="http://schemas.openxmlformats.org/drawingml/2006/main" xmlns:r="http://schemas.openxmlformats.org/officeDocument/2006/relationships" xmlns:p="http://schemas.openxmlformats.org/presentationml/2006/main">
   <p:cSld>
@@ -6623,43 +7268,37 @@
           <a:p>
             <a:r>
               <a:rPr lang="fr-FR" dirty="0" smtClean="0"/>
-              <a:t>Le modèle acausal respecte la symbolisation des composants qui constituent le système</a:t>
-            </a:r>
-          </a:p>
-          <a:p>
+              <a:t>D’un point de vu utilisateur : </a:t>
+            </a:r>
+          </a:p>
+          <a:p>
+            <a:pPr lvl="1"/>
             <a:r>
               <a:rPr lang="fr-FR" dirty="0" smtClean="0"/>
-              <a:t>Les connecteurs utilisés sont adaptés à des grandeurs physiques, la polarité est respectée</a:t>
-            </a:r>
-          </a:p>
-          <a:p>
+              <a:t>le modèle de connaissance d’un composant n’est pas indispensable à la modélisation d’un système</a:t>
+            </a:r>
+          </a:p>
+          <a:p>
+            <a:pPr lvl="1"/>
             <a:r>
               <a:rPr lang="fr-FR" dirty="0" smtClean="0"/>
-              <a:t>Les liens entre les blocs ne sont pas orientés</a:t>
+              <a:t>il faut maîtriser les paramètres influant sur le comportement d’un constituant.</a:t>
+            </a:r>
+          </a:p>
+          <a:p>
+            <a:endParaRPr lang="fr-FR" dirty="0"/>
+          </a:p>
+          <a:p>
+            <a:r>
+              <a:rPr lang="fr-FR" dirty="0" smtClean="0"/>
+              <a:t>La résolution des équations de comportement d’un système est obtenue  à l’aide de solveurs qui optimisent les calculs.</a:t>
             </a:r>
           </a:p>
           <a:p>
             <a:pPr lvl="1"/>
             <a:r>
               <a:rPr lang="fr-FR" dirty="0" smtClean="0"/>
-              <a:t>Le modèle acausal est réversible.</a:t>
-            </a:r>
-          </a:p>
-          <a:p>
-            <a:pPr lvl="1"/>
-            <a:endParaRPr lang="fr-FR" dirty="0"/>
-          </a:p>
-          <a:p>
-            <a:r>
-              <a:rPr lang="fr-FR" dirty="0" smtClean="0"/>
-              <a:t>L’analyse fréquentielle demande beaucoup plus de calculs que dans le cas d’une fonction de transfert globale (dans le domaine symbolique) :</a:t>
-            </a:r>
-          </a:p>
-          <a:p>
-            <a:pPr lvl="1"/>
-            <a:r>
-              <a:rPr lang="fr-FR" dirty="0" smtClean="0"/>
-              <a:t>Elle est réalisée à partir de plusieurs analyses temporelles</a:t>
+              <a:t>Attention : le solveur peut être perçu comme une boîte noire qui peut conduire à une non – résolution du système.</a:t>
             </a:r>
           </a:p>
         </p:txBody>
@@ -6682,6 +7321,149 @@
             <a:fld id="{136A7F36-7A21-4EA8-9DC2-F00219448035}" type="slidenum">
               <a:rPr lang="fr-FR" smtClean="0"/>
               <a:t>13</a:t>
+            </a:fld>
+            <a:endParaRPr lang="fr-FR"/>
+          </a:p>
+        </p:txBody>
+      </p:sp>
+    </p:spTree>
+    <p:extLst>
+      <p:ext uri="{BB962C8B-B14F-4D97-AF65-F5344CB8AC3E}">
+        <p14:creationId xmlns:p14="http://schemas.microsoft.com/office/powerpoint/2010/main" val="1601485309"/>
+      </p:ext>
+    </p:extLst>
+  </p:cSld>
+  <p:clrMapOvr>
+    <a:masterClrMapping/>
+  </p:clrMapOvr>
+</p:sld>
+</file>
+
+<file path=ppt/slides/slide14.xml><?xml version="1.0" encoding="utf-8"?>
+<p:sld xmlns:a="http://schemas.openxmlformats.org/drawingml/2006/main" xmlns:r="http://schemas.openxmlformats.org/officeDocument/2006/relationships" xmlns:p="http://schemas.openxmlformats.org/presentationml/2006/main">
+  <p:cSld>
+    <p:spTree>
+      <p:nvGrpSpPr>
+        <p:cNvPr id="1" name=""/>
+        <p:cNvGrpSpPr/>
+        <p:nvPr/>
+      </p:nvGrpSpPr>
+      <p:grpSpPr>
+        <a:xfrm>
+          <a:off x="0" y="0"/>
+          <a:ext cx="0" cy="0"/>
+          <a:chOff x="0" y="0"/>
+          <a:chExt cx="0" cy="0"/>
+        </a:xfrm>
+      </p:grpSpPr>
+      <p:sp>
+        <p:nvSpPr>
+          <p:cNvPr id="2" name="Titre 1"/>
+          <p:cNvSpPr>
+            <a:spLocks noGrp="1"/>
+          </p:cNvSpPr>
+          <p:nvPr>
+            <p:ph type="title"/>
+          </p:nvPr>
+        </p:nvSpPr>
+        <p:spPr/>
+        <p:txBody>
+          <a:bodyPr>
+            <a:normAutofit fontScale="90000"/>
+          </a:bodyPr>
+          <a:lstStyle/>
+          <a:p>
+            <a:r>
+              <a:rPr lang="fr-FR" dirty="0" smtClean="0"/>
+              <a:t>Modélisation multiphysique</a:t>
+            </a:r>
+            <a:br>
+              <a:rPr lang="fr-FR" dirty="0" smtClean="0"/>
+            </a:br>
+            <a:r>
+              <a:rPr lang="fr-FR" dirty="0" smtClean="0"/>
+              <a:t>Modélisation acausale – Mise en situation</a:t>
+            </a:r>
+            <a:endParaRPr lang="fr-FR" dirty="0"/>
+          </a:p>
+        </p:txBody>
+      </p:sp>
+      <p:sp>
+        <p:nvSpPr>
+          <p:cNvPr id="3" name="Espace réservé du contenu 2"/>
+          <p:cNvSpPr>
+            <a:spLocks noGrp="1"/>
+          </p:cNvSpPr>
+          <p:nvPr>
+            <p:ph sz="quarter" idx="1"/>
+          </p:nvPr>
+        </p:nvSpPr>
+        <p:spPr/>
+        <p:txBody>
+          <a:bodyPr/>
+          <a:lstStyle/>
+          <a:p>
+            <a:r>
+              <a:rPr lang="fr-FR" dirty="0" smtClean="0"/>
+              <a:t>Le modèle acausal respecte la symbolisation des composants qui constituent le système</a:t>
+            </a:r>
+          </a:p>
+          <a:p>
+            <a:r>
+              <a:rPr lang="fr-FR" dirty="0" smtClean="0"/>
+              <a:t>Les connecteurs utilisés sont adaptés à des grandeurs physiques, la polarité est respectée</a:t>
+            </a:r>
+          </a:p>
+          <a:p>
+            <a:r>
+              <a:rPr lang="fr-FR" dirty="0" smtClean="0"/>
+              <a:t>Les liens entre les blocs ne sont pas orientés</a:t>
+            </a:r>
+          </a:p>
+          <a:p>
+            <a:pPr lvl="1"/>
+            <a:r>
+              <a:rPr lang="fr-FR" dirty="0" smtClean="0"/>
+              <a:t>Le modèle acausal est réversible.</a:t>
+            </a:r>
+          </a:p>
+          <a:p>
+            <a:pPr lvl="1"/>
+            <a:endParaRPr lang="fr-FR" dirty="0"/>
+          </a:p>
+          <a:p>
+            <a:r>
+              <a:rPr lang="fr-FR" dirty="0" smtClean="0"/>
+              <a:t>L’analyse fréquentielle demande beaucoup plus de calculs que dans le cas d’une fonction de transfert globale (dans le domaine symbolique) :</a:t>
+            </a:r>
+          </a:p>
+          <a:p>
+            <a:pPr lvl="1"/>
+            <a:r>
+              <a:rPr lang="fr-FR" dirty="0" smtClean="0"/>
+              <a:t>Elle est réalisée à partir de plusieurs analyses temporelles</a:t>
+            </a:r>
+          </a:p>
+        </p:txBody>
+      </p:sp>
+      <p:sp>
+        <p:nvSpPr>
+          <p:cNvPr id="4" name="Espace réservé du numéro de diapositive 3"/>
+          <p:cNvSpPr>
+            <a:spLocks noGrp="1"/>
+          </p:cNvSpPr>
+          <p:nvPr>
+            <p:ph type="sldNum" sz="quarter" idx="15"/>
+          </p:nvPr>
+        </p:nvSpPr>
+        <p:spPr/>
+        <p:txBody>
+          <a:bodyPr/>
+          <a:lstStyle/>
+          <a:p>
+            <a:fld id="{136A7F36-7A21-4EA8-9DC2-F00219448035}" type="slidenum">
+              <a:rPr lang="fr-FR" smtClean="0"/>
+              <a:t>14</a:t>
             </a:fld>
             <a:endParaRPr lang="fr-FR"/>
           </a:p>
@@ -6764,7 +7546,7 @@
 </p:sld>
 </file>
 
-<file path=ppt/slides/slide14.xml><?xml version="1.0" encoding="utf-8"?>
+<file path=ppt/slides/slide15.xml><?xml version="1.0" encoding="utf-8"?>
 <p:sld xmlns:a="http://schemas.openxmlformats.org/drawingml/2006/main" xmlns:r="http://schemas.openxmlformats.org/officeDocument/2006/relationships" xmlns:p="http://schemas.openxmlformats.org/presentationml/2006/main">
   <p:cSld>
     <p:spTree>
@@ -6830,7 +7612,7 @@
           <a:p>
             <a:fld id="{136A7F36-7A21-4EA8-9DC2-F00219448035}" type="slidenum">
               <a:rPr lang="fr-FR" smtClean="0"/>
-              <a:t>14</a:t>
+              <a:t>15</a:t>
             </a:fld>
             <a:endParaRPr lang="fr-FR"/>
           </a:p>
@@ -7922,7 +8704,7 @@
 </p:sld>
 </file>
 
-<file path=ppt/slides/slide15.xml><?xml version="1.0" encoding="utf-8"?>
+<file path=ppt/slides/slide16.xml><?xml version="1.0" encoding="utf-8"?>
 <p:sld xmlns:a="http://schemas.openxmlformats.org/drawingml/2006/main" xmlns:r="http://schemas.openxmlformats.org/officeDocument/2006/relationships" xmlns:p="http://schemas.openxmlformats.org/presentationml/2006/main">
   <p:cSld>
     <p:spTree>
@@ -7998,7 +8780,7 @@
           <a:p>
             <a:fld id="{136A7F36-7A21-4EA8-9DC2-F00219448035}" type="slidenum">
               <a:rPr lang="fr-FR" smtClean="0"/>
-              <a:t>15</a:t>
+              <a:t>16</a:t>
             </a:fld>
             <a:endParaRPr lang="fr-FR"/>
           </a:p>
@@ -8209,105 +8991,6 @@
 </p:sld>
 </file>
 
-<file path=ppt/slides/slide16.xml><?xml version="1.0" encoding="utf-8"?>
-<p:sld xmlns:a="http://schemas.openxmlformats.org/drawingml/2006/main" xmlns:r="http://schemas.openxmlformats.org/officeDocument/2006/relationships" xmlns:p="http://schemas.openxmlformats.org/presentationml/2006/main">
-  <p:cSld>
-    <p:spTree>
-      <p:nvGrpSpPr>
-        <p:cNvPr id="1" name=""/>
-        <p:cNvGrpSpPr/>
-        <p:nvPr/>
-      </p:nvGrpSpPr>
-      <p:grpSpPr>
-        <a:xfrm>
-          <a:off x="0" y="0"/>
-          <a:ext cx="0" cy="0"/>
-          <a:chOff x="0" y="0"/>
-          <a:chExt cx="0" cy="0"/>
-        </a:xfrm>
-      </p:grpSpPr>
-      <p:sp>
-        <p:nvSpPr>
-          <p:cNvPr id="4" name="Titre 3"/>
-          <p:cNvSpPr>
-            <a:spLocks noGrp="1"/>
-          </p:cNvSpPr>
-          <p:nvPr>
-            <p:ph type="title"/>
-          </p:nvPr>
-        </p:nvSpPr>
-        <p:spPr/>
-        <p:txBody>
-          <a:bodyPr/>
-          <a:lstStyle/>
-          <a:p>
-            <a:r>
-              <a:rPr lang="fr-FR" dirty="0" smtClean="0"/>
-              <a:t>Modélisation des systèmes avec Scilab / </a:t>
-            </a:r>
-            <a:r>
-              <a:rPr lang="fr-FR" dirty="0" err="1" smtClean="0"/>
-              <a:t>Xcos</a:t>
-            </a:r>
-            <a:endParaRPr lang="fr-FR" dirty="0"/>
-          </a:p>
-        </p:txBody>
-      </p:sp>
-      <p:sp>
-        <p:nvSpPr>
-          <p:cNvPr id="5" name="Espace réservé du texte 4"/>
-          <p:cNvSpPr>
-            <a:spLocks noGrp="1"/>
-          </p:cNvSpPr>
-          <p:nvPr>
-            <p:ph type="body" idx="1"/>
-          </p:nvPr>
-        </p:nvSpPr>
-        <p:spPr/>
-        <p:txBody>
-          <a:bodyPr/>
-          <a:lstStyle/>
-          <a:p>
-            <a:endParaRPr lang="fr-FR"/>
-          </a:p>
-        </p:txBody>
-      </p:sp>
-      <p:sp>
-        <p:nvSpPr>
-          <p:cNvPr id="6" name="Espace réservé du numéro de diapositive 5"/>
-          <p:cNvSpPr>
-            <a:spLocks noGrp="1"/>
-          </p:cNvSpPr>
-          <p:nvPr>
-            <p:ph type="sldNum" sz="quarter" idx="12"/>
-          </p:nvPr>
-        </p:nvSpPr>
-        <p:spPr/>
-        <p:txBody>
-          <a:bodyPr/>
-          <a:lstStyle/>
-          <a:p>
-            <a:fld id="{136A7F36-7A21-4EA8-9DC2-F00219448035}" type="slidenum">
-              <a:rPr lang="fr-FR" smtClean="0"/>
-              <a:t>16</a:t>
-            </a:fld>
-            <a:endParaRPr lang="fr-FR"/>
-          </a:p>
-        </p:txBody>
-      </p:sp>
-    </p:spTree>
-    <p:extLst>
-      <p:ext uri="{BB962C8B-B14F-4D97-AF65-F5344CB8AC3E}">
-        <p14:creationId xmlns:p14="http://schemas.microsoft.com/office/powerpoint/2010/main" val="3659242063"/>
-      </p:ext>
-    </p:extLst>
-  </p:cSld>
-  <p:clrMapOvr>
-    <a:masterClrMapping/>
-  </p:clrMapOvr>
-</p:sld>
-</file>
-
 <file path=ppt/slides/slide17.xml><?xml version="1.0" encoding="utf-8"?>
 <p:sld xmlns:a="http://schemas.openxmlformats.org/drawingml/2006/main" xmlns:r="http://schemas.openxmlformats.org/officeDocument/2006/relationships" xmlns:p="http://schemas.openxmlformats.org/presentationml/2006/main">
   <p:cSld>
@@ -8327,7 +9010,7 @@
       </p:grpSpPr>
       <p:sp>
         <p:nvSpPr>
-          <p:cNvPr id="5" name="Titre 4"/>
+          <p:cNvPr id="4" name="Titre 3"/>
           <p:cNvSpPr>
             <a:spLocks noGrp="1"/>
           </p:cNvSpPr>
@@ -8337,42 +9020,29 @@
         </p:nvSpPr>
         <p:spPr/>
         <p:txBody>
-          <a:bodyPr>
-            <a:normAutofit fontScale="90000"/>
-          </a:bodyPr>
-          <a:lstStyle/>
-          <a:p>
-            <a:r>
-              <a:rPr lang="fr-FR" dirty="0"/>
+          <a:bodyPr/>
+          <a:lstStyle/>
+          <a:p>
+            <a:r>
+              <a:rPr lang="fr-FR" dirty="0" smtClean="0"/>
               <a:t>Modélisation des systèmes avec Scilab / </a:t>
             </a:r>
             <a:r>
               <a:rPr lang="fr-FR" dirty="0" err="1" smtClean="0"/>
               <a:t>Xcos</a:t>
             </a:r>
-            <a:r>
-              <a:rPr lang="fr-FR" dirty="0" smtClean="0"/>
-              <a:t/>
-            </a:r>
-            <a:br>
-              <a:rPr lang="fr-FR" dirty="0" smtClean="0"/>
-            </a:br>
-            <a:r>
-              <a:rPr lang="fr-FR" dirty="0" smtClean="0"/>
-              <a:t>Les logiciels de simulation numérique</a:t>
-            </a:r>
             <a:endParaRPr lang="fr-FR" dirty="0"/>
           </a:p>
         </p:txBody>
       </p:sp>
       <p:sp>
         <p:nvSpPr>
-          <p:cNvPr id="6" name="Espace réservé du contenu 5"/>
+          <p:cNvPr id="5" name="Espace réservé du texte 4"/>
           <p:cNvSpPr>
             <a:spLocks noGrp="1"/>
           </p:cNvSpPr>
           <p:nvPr>
-            <p:ph sz="quarter" idx="1"/>
+            <p:ph type="body" idx="1"/>
           </p:nvPr>
         </p:nvSpPr>
         <p:spPr/>
@@ -8380,56 +9050,18 @@
           <a:bodyPr/>
           <a:lstStyle/>
           <a:p>
-            <a:r>
-              <a:rPr lang="fr-FR" dirty="0" smtClean="0"/>
-              <a:t>Parmi les logiciels de simulation numérique utilisés dans la recherche ou dans l’industrie on trouve Matlab et Scilab.</a:t>
-            </a:r>
-          </a:p>
-          <a:p>
-            <a:pPr lvl="1"/>
-            <a:r>
-              <a:rPr lang="fr-FR" dirty="0" smtClean="0"/>
-              <a:t>Matlab</a:t>
-            </a:r>
-            <a:r>
-              <a:rPr lang="fr-FR" dirty="0"/>
-              <a:t> </a:t>
-            </a:r>
-            <a:r>
-              <a:rPr lang="fr-FR" dirty="0" smtClean="0"/>
-              <a:t>et Scilab sont des logiciels de calcul numériques. Ils possèdent un langage de programmation (haut niveau) permettant (entre autre) de manipuler aisément des matrices et d’afficher des courbes de résultats.</a:t>
-            </a:r>
-          </a:p>
-          <a:p>
-            <a:pPr lvl="1"/>
-            <a:r>
-              <a:rPr lang="fr-FR" dirty="0" smtClean="0"/>
-              <a:t>Simulink et </a:t>
-            </a:r>
-            <a:r>
-              <a:rPr lang="fr-FR" dirty="0" err="1" smtClean="0"/>
-              <a:t>Xcos</a:t>
-            </a:r>
-            <a:r>
-              <a:rPr lang="fr-FR" dirty="0" smtClean="0"/>
-              <a:t> sont des modules respectifs de Matlab et Scilab permettant de réaliser des modélisations graphiques de systèmes </a:t>
-            </a:r>
-            <a:r>
-              <a:rPr lang="fr-FR" dirty="0" err="1" smtClean="0"/>
-              <a:t>multiphysiques</a:t>
-            </a:r>
-            <a:endParaRPr lang="fr-FR" dirty="0" smtClean="0"/>
-          </a:p>
-        </p:txBody>
-      </p:sp>
-      <p:sp>
-        <p:nvSpPr>
-          <p:cNvPr id="4" name="Espace réservé du numéro de diapositive 3"/>
+            <a:endParaRPr lang="fr-FR"/>
+          </a:p>
+        </p:txBody>
+      </p:sp>
+      <p:sp>
+        <p:nvSpPr>
+          <p:cNvPr id="6" name="Espace réservé du numéro de diapositive 5"/>
           <p:cNvSpPr>
             <a:spLocks noGrp="1"/>
           </p:cNvSpPr>
           <p:nvPr>
-            <p:ph type="sldNum" sz="quarter" idx="15"/>
+            <p:ph type="sldNum" sz="quarter" idx="12"/>
           </p:nvPr>
         </p:nvSpPr>
         <p:spPr/>
@@ -8445,104 +9077,10 @@
           </a:p>
         </p:txBody>
       </p:sp>
-      <p:sp>
-        <p:nvSpPr>
-          <p:cNvPr id="7" name="ZoneTexte 6"/>
-          <p:cNvSpPr txBox="1"/>
-          <p:nvPr/>
-        </p:nvSpPr>
-        <p:spPr>
-          <a:xfrm>
-            <a:off x="-30088" y="6145654"/>
-            <a:ext cx="7848872" cy="307777"/>
-          </a:xfrm>
-          <a:prstGeom prst="rect">
-            <a:avLst/>
-          </a:prstGeom>
-          <a:noFill/>
-        </p:spPr>
-        <p:txBody>
-          <a:bodyPr wrap="square" rtlCol="0">
-            <a:spAutoFit/>
-          </a:bodyPr>
-          <a:lstStyle/>
-          <a:p>
-            <a:r>
-              <a:rPr lang="fr-FR" sz="1400" b="1" dirty="0" smtClean="0">
-                <a:latin typeface="Calibri" panose="020F0502020204030204" pitchFamily="34" charset="0"/>
-              </a:rPr>
-              <a:t>Mat</a:t>
-            </a:r>
-            <a:r>
-              <a:rPr lang="fr-FR" sz="1400" dirty="0" smtClean="0">
-                <a:latin typeface="Calibri" panose="020F0502020204030204" pitchFamily="34" charset="0"/>
-              </a:rPr>
-              <a:t>rix </a:t>
-            </a:r>
-            <a:r>
-              <a:rPr lang="fr-FR" sz="1400" b="1" dirty="0" err="1" smtClean="0">
-                <a:latin typeface="Calibri" panose="020F0502020204030204" pitchFamily="34" charset="0"/>
-              </a:rPr>
-              <a:t>Lab</a:t>
-            </a:r>
-            <a:r>
-              <a:rPr lang="fr-FR" sz="1400" dirty="0" err="1" smtClean="0">
-                <a:latin typeface="Calibri" panose="020F0502020204030204" pitchFamily="34" charset="0"/>
-              </a:rPr>
-              <a:t>oratory</a:t>
-            </a:r>
-            <a:r>
-              <a:rPr lang="fr-FR" sz="1400" dirty="0" smtClean="0">
-                <a:latin typeface="Calibri" panose="020F0502020204030204" pitchFamily="34" charset="0"/>
-              </a:rPr>
-              <a:t>, </a:t>
-            </a:r>
-            <a:r>
-              <a:rPr lang="fr-FR" sz="1400" b="1" dirty="0" err="1" smtClean="0">
-                <a:latin typeface="Calibri" panose="020F0502020204030204" pitchFamily="34" charset="0"/>
-              </a:rPr>
-              <a:t>Sci</a:t>
-            </a:r>
-            <a:r>
-              <a:rPr lang="fr-FR" sz="1400" dirty="0" err="1" smtClean="0">
-                <a:latin typeface="Calibri" panose="020F0502020204030204" pitchFamily="34" charset="0"/>
-              </a:rPr>
-              <a:t>entific</a:t>
-            </a:r>
-            <a:r>
-              <a:rPr lang="fr-FR" sz="1400" dirty="0" smtClean="0">
-                <a:latin typeface="Calibri" panose="020F0502020204030204" pitchFamily="34" charset="0"/>
-              </a:rPr>
-              <a:t> </a:t>
-            </a:r>
-            <a:r>
-              <a:rPr lang="fr-FR" sz="1400" b="1" dirty="0" err="1" smtClean="0">
-                <a:latin typeface="Calibri" panose="020F0502020204030204" pitchFamily="34" charset="0"/>
-              </a:rPr>
-              <a:t>Lab</a:t>
-            </a:r>
-            <a:r>
-              <a:rPr lang="fr-FR" sz="1400" dirty="0" err="1" smtClean="0">
-                <a:latin typeface="Calibri" panose="020F0502020204030204" pitchFamily="34" charset="0"/>
-              </a:rPr>
-              <a:t>oratory</a:t>
-            </a:r>
-            <a:r>
-              <a:rPr lang="fr-FR" sz="1400" dirty="0" smtClean="0">
-                <a:latin typeface="Calibri" panose="020F0502020204030204" pitchFamily="34" charset="0"/>
-              </a:rPr>
-              <a:t> </a:t>
-            </a:r>
-            <a:endParaRPr lang="fr-FR" sz="1400" dirty="0">
-              <a:latin typeface="Calibri" panose="020F0502020204030204" pitchFamily="34" charset="0"/>
-            </a:endParaRPr>
-          </a:p>
-        </p:txBody>
-      </p:sp>
     </p:spTree>
     <p:extLst>
       <p:ext uri="{BB962C8B-B14F-4D97-AF65-F5344CB8AC3E}">
-        <p14:creationId xmlns:p14="http://schemas.microsoft.com/office/powerpoint/2010/main" val="4274161845"/>
+        <p14:creationId xmlns:p14="http://schemas.microsoft.com/office/powerpoint/2010/main" val="3659242063"/>
       </p:ext>
     </p:extLst>
   </p:cSld>
@@ -8571,7 +9109,47 @@
       </p:grpSpPr>
       <p:sp>
         <p:nvSpPr>
-          <p:cNvPr id="2" name="Espace réservé du contenu 1"/>
+          <p:cNvPr id="5" name="Titre 4"/>
+          <p:cNvSpPr>
+            <a:spLocks noGrp="1"/>
+          </p:cNvSpPr>
+          <p:nvPr>
+            <p:ph type="title"/>
+          </p:nvPr>
+        </p:nvSpPr>
+        <p:spPr/>
+        <p:txBody>
+          <a:bodyPr>
+            <a:normAutofit fontScale="90000"/>
+          </a:bodyPr>
+          <a:lstStyle/>
+          <a:p>
+            <a:r>
+              <a:rPr lang="fr-FR" dirty="0"/>
+              <a:t>Modélisation des systèmes avec Scilab / </a:t>
+            </a:r>
+            <a:r>
+              <a:rPr lang="fr-FR" dirty="0" err="1" smtClean="0"/>
+              <a:t>Xcos</a:t>
+            </a:r>
+            <a:r>
+              <a:rPr lang="fr-FR" dirty="0" smtClean="0"/>
+              <a:t/>
+            </a:r>
+            <a:br>
+              <a:rPr lang="fr-FR" dirty="0" smtClean="0"/>
+            </a:br>
+            <a:r>
+              <a:rPr lang="fr-FR" dirty="0" smtClean="0"/>
+              <a:t>Les logiciels de simulation numérique</a:t>
+            </a:r>
+            <a:endParaRPr lang="fr-FR" dirty="0"/>
+          </a:p>
+        </p:txBody>
+      </p:sp>
+      <p:sp>
+        <p:nvSpPr>
+          <p:cNvPr id="6" name="Espace réservé du contenu 5"/>
           <p:cNvSpPr>
             <a:spLocks noGrp="1"/>
           </p:cNvSpPr>
@@ -8584,47 +9162,45 @@
           <a:bodyPr/>
           <a:lstStyle/>
           <a:p>
-            <a:endParaRPr lang="fr-FR"/>
-          </a:p>
-        </p:txBody>
-      </p:sp>
-      <p:sp>
-        <p:nvSpPr>
-          <p:cNvPr id="3" name="Titre 2"/>
-          <p:cNvSpPr>
-            <a:spLocks noGrp="1"/>
-          </p:cNvSpPr>
-          <p:nvPr>
-            <p:ph type="title"/>
-          </p:nvPr>
-        </p:nvSpPr>
-        <p:spPr/>
-        <p:txBody>
-          <a:bodyPr>
-            <a:normAutofit fontScale="90000"/>
-          </a:bodyPr>
-          <a:lstStyle/>
-          <a:p>
+            <a:r>
+              <a:rPr lang="fr-FR" dirty="0" smtClean="0"/>
+              <a:t>Parmi les logiciels de simulation numérique utilisés dans la recherche ou dans l’industrie on trouve Matlab et Scilab.</a:t>
+            </a:r>
+          </a:p>
+          <a:p>
+            <a:pPr lvl="1"/>
+            <a:r>
+              <a:rPr lang="fr-FR" dirty="0" smtClean="0"/>
+              <a:t>Matlab</a:t>
+            </a:r>
             <a:r>
               <a:rPr lang="fr-FR" dirty="0"/>
-              <a:t>Modélisation des systèmes avec Scilab / </a:t>
-            </a:r>
-            <a:r>
-              <a:rPr lang="fr-FR" dirty="0" err="1"/>
+              <a:t> </a:t>
+            </a:r>
+            <a:r>
+              <a:rPr lang="fr-FR" dirty="0" smtClean="0"/>
+              <a:t>et Scilab sont des logiciels de calcul numériques. Ils possèdent un langage de programmation (haut niveau) permettant (entre autre) de manipuler aisément des matrices et d’afficher des courbes de résultats.</a:t>
+            </a:r>
+          </a:p>
+          <a:p>
+            <a:pPr lvl="1"/>
+            <a:r>
+              <a:rPr lang="fr-FR" dirty="0" smtClean="0"/>
+              <a:t>Simulink et </a:t>
+            </a:r>
+            <a:r>
+              <a:rPr lang="fr-FR" dirty="0" err="1" smtClean="0"/>
               <a:t>Xcos</a:t>
             </a:r>
             <a:r>
-              <a:rPr lang="fr-FR" dirty="0"/>
-              <a:t/>
-            </a:r>
-            <a:br>
-              <a:rPr lang="fr-FR" dirty="0"/>
-            </a:br>
-            <a:r>
               <a:rPr lang="fr-FR" dirty="0" smtClean="0"/>
-              <a:t>Module CPGE – Module SIMM</a:t>
-            </a:r>
-            <a:endParaRPr lang="fr-FR" dirty="0"/>
+              <a:t> sont des modules respectifs de Matlab et Scilab permettant de réaliser des modélisations graphiques de systèmes </a:t>
+            </a:r>
+            <a:r>
+              <a:rPr lang="fr-FR" dirty="0" err="1" smtClean="0"/>
+              <a:t>multiphysiques</a:t>
+            </a:r>
+            <a:endParaRPr lang="fr-FR" dirty="0" smtClean="0"/>
           </a:p>
         </p:txBody>
       </p:sp>
@@ -8651,10 +9227,104 @@
           </a:p>
         </p:txBody>
       </p:sp>
+      <p:sp>
+        <p:nvSpPr>
+          <p:cNvPr id="7" name="ZoneTexte 6"/>
+          <p:cNvSpPr txBox="1"/>
+          <p:nvPr/>
+        </p:nvSpPr>
+        <p:spPr>
+          <a:xfrm>
+            <a:off x="-30088" y="6145654"/>
+            <a:ext cx="7848872" cy="307777"/>
+          </a:xfrm>
+          <a:prstGeom prst="rect">
+            <a:avLst/>
+          </a:prstGeom>
+          <a:noFill/>
+        </p:spPr>
+        <p:txBody>
+          <a:bodyPr wrap="square" rtlCol="0">
+            <a:spAutoFit/>
+          </a:bodyPr>
+          <a:lstStyle/>
+          <a:p>
+            <a:r>
+              <a:rPr lang="fr-FR" sz="1400" b="1" dirty="0" smtClean="0">
+                <a:latin typeface="Calibri" panose="020F0502020204030204" pitchFamily="34" charset="0"/>
+              </a:rPr>
+              <a:t>Mat</a:t>
+            </a:r>
+            <a:r>
+              <a:rPr lang="fr-FR" sz="1400" dirty="0" smtClean="0">
+                <a:latin typeface="Calibri" panose="020F0502020204030204" pitchFamily="34" charset="0"/>
+              </a:rPr>
+              <a:t>rix </a:t>
+            </a:r>
+            <a:r>
+              <a:rPr lang="fr-FR" sz="1400" b="1" dirty="0" err="1" smtClean="0">
+                <a:latin typeface="Calibri" panose="020F0502020204030204" pitchFamily="34" charset="0"/>
+              </a:rPr>
+              <a:t>Lab</a:t>
+            </a:r>
+            <a:r>
+              <a:rPr lang="fr-FR" sz="1400" dirty="0" err="1" smtClean="0">
+                <a:latin typeface="Calibri" panose="020F0502020204030204" pitchFamily="34" charset="0"/>
+              </a:rPr>
+              <a:t>oratory</a:t>
+            </a:r>
+            <a:r>
+              <a:rPr lang="fr-FR" sz="1400" dirty="0" smtClean="0">
+                <a:latin typeface="Calibri" panose="020F0502020204030204" pitchFamily="34" charset="0"/>
+              </a:rPr>
+              <a:t>, </a:t>
+            </a:r>
+            <a:r>
+              <a:rPr lang="fr-FR" sz="1400" b="1" dirty="0" err="1" smtClean="0">
+                <a:latin typeface="Calibri" panose="020F0502020204030204" pitchFamily="34" charset="0"/>
+              </a:rPr>
+              <a:t>Sci</a:t>
+            </a:r>
+            <a:r>
+              <a:rPr lang="fr-FR" sz="1400" dirty="0" err="1" smtClean="0">
+                <a:latin typeface="Calibri" panose="020F0502020204030204" pitchFamily="34" charset="0"/>
+              </a:rPr>
+              <a:t>entific</a:t>
+            </a:r>
+            <a:r>
+              <a:rPr lang="fr-FR" sz="1400" dirty="0" smtClean="0">
+                <a:latin typeface="Calibri" panose="020F0502020204030204" pitchFamily="34" charset="0"/>
+              </a:rPr>
+              <a:t> </a:t>
+            </a:r>
+            <a:r>
+              <a:rPr lang="fr-FR" sz="1400" b="1" dirty="0" err="1" smtClean="0">
+                <a:latin typeface="Calibri" panose="020F0502020204030204" pitchFamily="34" charset="0"/>
+              </a:rPr>
+              <a:t>Lab</a:t>
+            </a:r>
+            <a:r>
+              <a:rPr lang="fr-FR" sz="1400" dirty="0" err="1" smtClean="0">
+                <a:latin typeface="Calibri" panose="020F0502020204030204" pitchFamily="34" charset="0"/>
+              </a:rPr>
+              <a:t>oratory</a:t>
+            </a:r>
+            <a:r>
+              <a:rPr lang="fr-FR" sz="1400" dirty="0" smtClean="0">
+                <a:latin typeface="Calibri" panose="020F0502020204030204" pitchFamily="34" charset="0"/>
+              </a:rPr>
+              <a:t> </a:t>
+            </a:r>
+            <a:endParaRPr lang="fr-FR" sz="1400" dirty="0">
+              <a:latin typeface="Calibri" panose="020F0502020204030204" pitchFamily="34" charset="0"/>
+            </a:endParaRPr>
+          </a:p>
+        </p:txBody>
+      </p:sp>
     </p:spTree>
     <p:extLst>
       <p:ext uri="{BB962C8B-B14F-4D97-AF65-F5344CB8AC3E}">
-        <p14:creationId xmlns:p14="http://schemas.microsoft.com/office/powerpoint/2010/main" val="3644207400"/>
+        <p14:creationId xmlns:p14="http://schemas.microsoft.com/office/powerpoint/2010/main" val="4274161845"/>
       </p:ext>
     </p:extLst>
   </p:cSld>
@@ -8681,9 +9351,73 @@
           <a:chExt cx="0" cy="0"/>
         </a:xfrm>
       </p:grpSpPr>
-      <p:sp>
-        <p:nvSpPr>
-          <p:cNvPr id="2" name="Titre 1"/>
+      <p:pic>
+        <p:nvPicPr>
+          <p:cNvPr id="1027" name="Picture 3"/>
+          <p:cNvPicPr>
+            <a:picLocks noChangeAspect="1" noChangeArrowheads="1"/>
+          </p:cNvPicPr>
+          <p:nvPr/>
+        </p:nvPicPr>
+        <p:blipFill>
+          <a:blip r:embed="rId2">
+            <a:extLst>
+              <a:ext uri="{28A0092B-C50C-407E-A947-70E740481C1C}">
+                <a14:useLocalDpi xmlns:a14="http://schemas.microsoft.com/office/drawing/2010/main" val="0"/>
+              </a:ext>
+            </a:extLst>
+          </a:blip>
+          <a:srcRect/>
+          <a:stretch>
+            <a:fillRect/>
+          </a:stretch>
+        </p:blipFill>
+        <p:spPr bwMode="auto">
+          <a:xfrm>
+            <a:off x="-10228" y="1196753"/>
+            <a:ext cx="8614676" cy="3421890"/>
+          </a:xfrm>
+          <a:prstGeom prst="rect">
+            <a:avLst/>
+          </a:prstGeom>
+          <a:noFill/>
+          <a:ln>
+            <a:noFill/>
+          </a:ln>
+          <a:effectLst/>
+          <a:extLst>
+            <a:ext uri="{909E8E84-426E-40DD-AFC4-6F175D3DCCD1}">
+              <a14:hiddenFill xmlns:a14="http://schemas.microsoft.com/office/drawing/2010/main">
+                <a:solidFill>
+                  <a:schemeClr val="accent1"/>
+                </a:solidFill>
+              </a14:hiddenFill>
+            </a:ext>
+            <a:ext uri="{91240B29-F687-4F45-9708-019B960494DF}">
+              <a14:hiddenLine xmlns:a14="http://schemas.microsoft.com/office/drawing/2010/main" w="9525">
+                <a:solidFill>
+                  <a:schemeClr val="tx1"/>
+                </a:solidFill>
+                <a:miter lim="800000"/>
+                <a:headEnd/>
+                <a:tailEnd/>
+              </a14:hiddenLine>
+            </a:ext>
+            <a:ext uri="{AF507438-7753-43E0-B8FC-AC1667EBCBE1}">
+              <a14:hiddenEffects xmlns:a14="http://schemas.microsoft.com/office/drawing/2010/main">
+                <a:effectLst>
+                  <a:outerShdw dist="35921" dir="2700000" algn="ctr" rotWithShape="0">
+                    <a:schemeClr val="bg2"/>
+                  </a:outerShdw>
+                </a:effectLst>
+              </a14:hiddenEffects>
+            </a:ext>
+          </a:extLst>
+        </p:spPr>
+      </p:pic>
+      <p:sp>
+        <p:nvSpPr>
+          <p:cNvPr id="3" name="Titre 2"/>
           <p:cNvSpPr>
             <a:spLocks noGrp="1"/>
           </p:cNvSpPr>
@@ -8700,81 +9434,27 @@
           <a:p>
             <a:r>
               <a:rPr lang="fr-FR" dirty="0"/>
-              <a:t>Modélisation des systèmes avec Scilab </a:t>
-            </a:r>
+              <a:t>Modélisation des systèmes avec Scilab / </a:t>
+            </a:r>
+            <a:r>
+              <a:rPr lang="fr-FR" dirty="0" err="1"/>
+              <a:t>Xcos</a:t>
+            </a:r>
+            <a:r>
+              <a:rPr lang="fr-FR" dirty="0"/>
+              <a:t/>
+            </a:r>
+            <a:br>
+              <a:rPr lang="fr-FR" dirty="0"/>
+            </a:br>
             <a:r>
               <a:rPr lang="fr-FR" dirty="0" smtClean="0"/>
-              <a:t>/ </a:t>
-            </a:r>
-            <a:r>
-              <a:rPr lang="fr-FR" dirty="0" err="1" smtClean="0"/>
-              <a:t>Xcos</a:t>
+              <a:t>Module </a:t>
             </a:r>
             <a:r>
               <a:rPr lang="fr-FR" dirty="0" smtClean="0"/>
-              <a:t/>
-            </a:r>
-            <a:br>
-              <a:rPr lang="fr-FR" dirty="0" smtClean="0"/>
-            </a:br>
-            <a:endParaRPr lang="fr-FR" dirty="0"/>
-          </a:p>
-        </p:txBody>
-      </p:sp>
-      <p:sp>
-        <p:nvSpPr>
-          <p:cNvPr id="3" name="Espace réservé du contenu 2"/>
-          <p:cNvSpPr>
-            <a:spLocks noGrp="1"/>
-          </p:cNvSpPr>
-          <p:nvPr>
-            <p:ph sz="quarter" idx="1"/>
-          </p:nvPr>
-        </p:nvSpPr>
-        <p:spPr/>
-        <p:txBody>
-          <a:bodyPr/>
-          <a:lstStyle/>
-          <a:p>
-            <a:r>
-              <a:rPr lang="fr-FR" dirty="0" smtClean="0"/>
-              <a:t>Triangle bleu : signal de données (sans dimension)</a:t>
-            </a:r>
-          </a:p>
-          <a:p>
-            <a:r>
-              <a:rPr lang="fr-FR" dirty="0" smtClean="0"/>
-              <a:t>Carré bleu : signal électrique</a:t>
-            </a:r>
-          </a:p>
-          <a:p>
-            <a:r>
-              <a:rPr lang="fr-FR" dirty="0" smtClean="0"/>
-              <a:t>Carré rouge : donnée thermique</a:t>
-            </a:r>
-          </a:p>
-          <a:p>
-            <a:r>
-              <a:rPr lang="fr-FR" dirty="0" smtClean="0"/>
-              <a:t>Carré vert : mécanique 1D en translation</a:t>
-            </a:r>
-          </a:p>
-          <a:p>
-            <a:r>
-              <a:rPr lang="fr-FR" dirty="0" smtClean="0"/>
-              <a:t>Rond gris : mécanique 1D en rotation</a:t>
-            </a:r>
-          </a:p>
-          <a:p>
-            <a:r>
-              <a:rPr lang="fr-FR" dirty="0" smtClean="0"/>
-              <a:t>Carré gris : mécanique 2D plane</a:t>
-            </a:r>
-          </a:p>
-          <a:p>
-            <a:endParaRPr lang="fr-FR" dirty="0" smtClean="0"/>
-          </a:p>
-          <a:p>
+              <a:t>SIMM</a:t>
+            </a:r>
             <a:endParaRPr lang="fr-FR" dirty="0"/>
           </a:p>
         </p:txBody>
@@ -8802,10 +9482,264 @@
           </a:p>
         </p:txBody>
       </p:sp>
+      <p:sp>
+        <p:nvSpPr>
+          <p:cNvPr id="6" name="Espace réservé du contenu 2"/>
+          <p:cNvSpPr txBox="1">
+            <a:spLocks/>
+          </p:cNvSpPr>
+          <p:nvPr/>
+        </p:nvSpPr>
+        <p:spPr>
+          <a:xfrm>
+            <a:off x="107504" y="3984448"/>
+            <a:ext cx="7920880" cy="2612904"/>
+          </a:xfrm>
+          <a:prstGeom prst="rect">
+            <a:avLst/>
+          </a:prstGeom>
+        </p:spPr>
+        <p:txBody>
+          <a:bodyPr vert="horz">
+            <a:normAutofit fontScale="92500" lnSpcReduction="20000"/>
+          </a:bodyPr>
+          <a:lstStyle>
+            <a:lvl1pPr marL="274320" indent="-274320" algn="l" rtl="0" eaLnBrk="1" latinLnBrk="0" hangingPunct="1">
+              <a:spcBef>
+                <a:spcPts val="600"/>
+              </a:spcBef>
+              <a:buClr>
+                <a:schemeClr val="accent1"/>
+              </a:buClr>
+              <a:buSzPct val="70000"/>
+              <a:buFont typeface="Wingdings"/>
+              <a:buChar char=""/>
+              <a:defRPr kumimoji="0" sz="2000" kern="1200">
+                <a:solidFill>
+                  <a:schemeClr val="tx1"/>
+                </a:solidFill>
+                <a:latin typeface="Calibri" panose="020F0502020204030204" pitchFamily="34" charset="0"/>
+                <a:ea typeface="+mn-ea"/>
+                <a:cs typeface="+mn-cs"/>
+              </a:defRPr>
+            </a:lvl1pPr>
+            <a:lvl2pPr marL="640080" indent="-274320" algn="l" rtl="0" eaLnBrk="1" latinLnBrk="0" hangingPunct="1">
+              <a:spcBef>
+                <a:spcPct val="20000"/>
+              </a:spcBef>
+              <a:buClr>
+                <a:schemeClr val="accent1"/>
+              </a:buClr>
+              <a:buSzPct val="80000"/>
+              <a:buFont typeface="Wingdings 2"/>
+              <a:buChar char=""/>
+              <a:defRPr kumimoji="0" sz="2000" kern="1200">
+                <a:solidFill>
+                  <a:schemeClr val="tx1"/>
+                </a:solidFill>
+                <a:latin typeface="Calibri" panose="020F0502020204030204" pitchFamily="34" charset="0"/>
+                <a:ea typeface="+mn-ea"/>
+                <a:cs typeface="+mn-cs"/>
+              </a:defRPr>
+            </a:lvl2pPr>
+            <a:lvl3pPr marL="914400" indent="-182880" algn="l" rtl="0" eaLnBrk="1" latinLnBrk="0" hangingPunct="1">
+              <a:spcBef>
+                <a:spcPct val="20000"/>
+              </a:spcBef>
+              <a:buClr>
+                <a:schemeClr val="accent1">
+                  <a:shade val="75000"/>
+                </a:schemeClr>
+              </a:buClr>
+              <a:buSzPct val="60000"/>
+              <a:buFont typeface="Wingdings"/>
+              <a:buChar char=""/>
+              <a:defRPr kumimoji="0" sz="1600" kern="1200">
+                <a:solidFill>
+                  <a:schemeClr val="tx1"/>
+                </a:solidFill>
+                <a:latin typeface="Calibri" panose="020F0502020204030204" pitchFamily="34" charset="0"/>
+                <a:ea typeface="+mn-ea"/>
+                <a:cs typeface="+mn-cs"/>
+              </a:defRPr>
+            </a:lvl3pPr>
+            <a:lvl4pPr marL="1188720" indent="-182880" algn="l" rtl="0" eaLnBrk="1" latinLnBrk="0" hangingPunct="1">
+              <a:spcBef>
+                <a:spcPct val="20000"/>
+              </a:spcBef>
+              <a:buClr>
+                <a:schemeClr val="accent1">
+                  <a:tint val="60000"/>
+                </a:schemeClr>
+              </a:buClr>
+              <a:buSzPct val="60000"/>
+              <a:buFont typeface="Wingdings"/>
+              <a:buChar char=""/>
+              <a:defRPr kumimoji="0" sz="1600" kern="1200">
+                <a:solidFill>
+                  <a:schemeClr val="tx1"/>
+                </a:solidFill>
+                <a:latin typeface="Calibri" panose="020F0502020204030204" pitchFamily="34" charset="0"/>
+                <a:ea typeface="+mn-ea"/>
+                <a:cs typeface="+mn-cs"/>
+              </a:defRPr>
+            </a:lvl4pPr>
+            <a:lvl5pPr marL="1463040" indent="-182880" algn="l" rtl="0" eaLnBrk="1" latinLnBrk="0" hangingPunct="1">
+              <a:spcBef>
+                <a:spcPct val="20000"/>
+              </a:spcBef>
+              <a:buClr>
+                <a:schemeClr val="accent2">
+                  <a:tint val="60000"/>
+                </a:schemeClr>
+              </a:buClr>
+              <a:buSzPct val="68000"/>
+              <a:buFont typeface="Wingdings 2"/>
+              <a:buChar char=""/>
+              <a:defRPr kumimoji="0" sz="1400" kern="1200">
+                <a:solidFill>
+                  <a:schemeClr val="tx1"/>
+                </a:solidFill>
+                <a:latin typeface="Calibri" panose="020F0502020204030204" pitchFamily="34" charset="0"/>
+                <a:ea typeface="+mn-ea"/>
+                <a:cs typeface="+mn-cs"/>
+              </a:defRPr>
+            </a:lvl5pPr>
+            <a:lvl6pPr marL="1737360" indent="-182880" algn="l" rtl="0" eaLnBrk="1" latinLnBrk="0" hangingPunct="1">
+              <a:spcBef>
+                <a:spcPct val="20000"/>
+              </a:spcBef>
+              <a:buClr>
+                <a:schemeClr val="accent1"/>
+              </a:buClr>
+              <a:buChar char="•"/>
+              <a:defRPr kumimoji="0" sz="1600" kern="1200">
+                <a:solidFill>
+                  <a:schemeClr val="tx2"/>
+                </a:solidFill>
+                <a:latin typeface="+mn-lt"/>
+                <a:ea typeface="+mn-ea"/>
+                <a:cs typeface="+mn-cs"/>
+              </a:defRPr>
+            </a:lvl6pPr>
+            <a:lvl7pPr marL="2011680" indent="-182880" algn="l" rtl="0" eaLnBrk="1" latinLnBrk="0" hangingPunct="1">
+              <a:spcBef>
+                <a:spcPct val="20000"/>
+              </a:spcBef>
+              <a:buClr>
+                <a:schemeClr val="accent1">
+                  <a:tint val="60000"/>
+                </a:schemeClr>
+              </a:buClr>
+              <a:buSzPct val="60000"/>
+              <a:buFont typeface="Wingdings"/>
+              <a:buChar char=""/>
+              <a:defRPr kumimoji="0" sz="1400" kern="1200" baseline="0">
+                <a:solidFill>
+                  <a:schemeClr val="tx2"/>
+                </a:solidFill>
+                <a:latin typeface="+mn-lt"/>
+                <a:ea typeface="+mn-ea"/>
+                <a:cs typeface="+mn-cs"/>
+              </a:defRPr>
+            </a:lvl7pPr>
+            <a:lvl8pPr marL="2286000" indent="-182880" algn="l" rtl="0" eaLnBrk="1" latinLnBrk="0" hangingPunct="1">
+              <a:spcBef>
+                <a:spcPct val="20000"/>
+              </a:spcBef>
+              <a:buClr>
+                <a:schemeClr val="accent2"/>
+              </a:buClr>
+              <a:buChar char="•"/>
+              <a:defRPr kumimoji="0" sz="1400" kern="1200" cap="small" baseline="0">
+                <a:solidFill>
+                  <a:schemeClr val="tx2"/>
+                </a:solidFill>
+                <a:latin typeface="+mn-lt"/>
+                <a:ea typeface="+mn-ea"/>
+                <a:cs typeface="+mn-cs"/>
+              </a:defRPr>
+            </a:lvl8pPr>
+            <a:lvl9pPr marL="2560320" indent="-182880" algn="l" rtl="0" eaLnBrk="1" latinLnBrk="0" hangingPunct="1">
+              <a:spcBef>
+                <a:spcPct val="20000"/>
+              </a:spcBef>
+              <a:buClr>
+                <a:schemeClr val="accent1">
+                  <a:shade val="75000"/>
+                </a:schemeClr>
+              </a:buClr>
+              <a:buChar char="•"/>
+              <a:defRPr kumimoji="0" sz="1400" kern="1200" baseline="0">
+                <a:solidFill>
+                  <a:schemeClr val="tx2"/>
+                </a:solidFill>
+                <a:latin typeface="+mn-lt"/>
+                <a:ea typeface="+mn-ea"/>
+                <a:cs typeface="+mn-cs"/>
+              </a:defRPr>
+            </a:lvl9pPr>
+          </a:lstStyle>
+          <a:p>
+            <a:r>
+              <a:rPr lang="fr-FR" dirty="0" smtClean="0"/>
+              <a:t>Triangle bleu : signal de données (sans dimension)</a:t>
+            </a:r>
+          </a:p>
+          <a:p>
+            <a:r>
+              <a:rPr lang="fr-FR" dirty="0" smtClean="0"/>
+              <a:t>Triangle rouge : événements (ex : horloge)</a:t>
+            </a:r>
+          </a:p>
+          <a:p>
+            <a:r>
+              <a:rPr lang="fr-FR" dirty="0" smtClean="0"/>
+              <a:t>Carré bleu : signal électrique</a:t>
+            </a:r>
+          </a:p>
+          <a:p>
+            <a:r>
+              <a:rPr lang="fr-FR" dirty="0" smtClean="0"/>
+              <a:t>Carré rouge : donnée thermique</a:t>
+            </a:r>
+          </a:p>
+          <a:p>
+            <a:r>
+              <a:rPr lang="fr-FR" dirty="0" smtClean="0"/>
+              <a:t>Carré vert : mécanique 1D en translation</a:t>
+            </a:r>
+          </a:p>
+          <a:p>
+            <a:r>
+              <a:rPr lang="fr-FR" dirty="0" smtClean="0"/>
+              <a:t>Rond gris : mécanique 1D en rotation</a:t>
+            </a:r>
+          </a:p>
+          <a:p>
+            <a:r>
+              <a:rPr lang="fr-FR" dirty="0" smtClean="0"/>
+              <a:t>Carré gris : mécanique 2D plane</a:t>
+            </a:r>
+          </a:p>
+          <a:p>
+            <a:r>
+              <a:rPr lang="fr-FR" dirty="0" smtClean="0"/>
+              <a:t>…</a:t>
+            </a:r>
+          </a:p>
+          <a:p>
+            <a:endParaRPr lang="fr-FR" dirty="0" smtClean="0"/>
+          </a:p>
+          <a:p>
+            <a:endParaRPr lang="fr-FR" dirty="0"/>
+          </a:p>
+        </p:txBody>
+      </p:sp>
     </p:spTree>
     <p:extLst>
       <p:ext uri="{BB962C8B-B14F-4D97-AF65-F5344CB8AC3E}">
-        <p14:creationId xmlns:p14="http://schemas.microsoft.com/office/powerpoint/2010/main" val="398496562"/>
+        <p14:creationId xmlns:p14="http://schemas.microsoft.com/office/powerpoint/2010/main" val="3644207400"/>
       </p:ext>
     </p:extLst>
   </p:cSld>
@@ -8834,7 +9768,53 @@
       </p:grpSpPr>
       <p:sp>
         <p:nvSpPr>
-          <p:cNvPr id="2" name="Titre 1"/>
+          <p:cNvPr id="2" name="Espace réservé du contenu 1"/>
+          <p:cNvSpPr>
+            <a:spLocks noGrp="1"/>
+          </p:cNvSpPr>
+          <p:nvPr>
+            <p:ph sz="quarter" idx="1"/>
+          </p:nvPr>
+        </p:nvSpPr>
+        <p:spPr/>
+        <p:txBody>
+          <a:bodyPr/>
+          <a:lstStyle/>
+          <a:p>
+            <a:r>
+              <a:rPr lang="fr-FR" dirty="0" smtClean="0"/>
+              <a:t>Programme de la journée</a:t>
+            </a:r>
+          </a:p>
+          <a:p>
+            <a:r>
+              <a:rPr lang="fr-FR" dirty="0" smtClean="0"/>
+              <a:t>Piste d’utilisation pédagogique de chacun des exemples</a:t>
+            </a:r>
+          </a:p>
+          <a:p>
+            <a:r>
+              <a:rPr lang="fr-FR" dirty="0" smtClean="0"/>
+              <a:t>Démo </a:t>
+            </a:r>
+            <a:r>
+              <a:rPr lang="fr-FR" dirty="0" err="1" smtClean="0"/>
+              <a:t>arduino</a:t>
+            </a:r>
+            <a:endParaRPr lang="fr-FR" dirty="0" smtClean="0"/>
+          </a:p>
+          <a:p>
+            <a:r>
+              <a:rPr lang="fr-FR" dirty="0" smtClean="0"/>
+              <a:t>Mesure Portail</a:t>
+            </a:r>
+            <a:endParaRPr lang="fr-FR" dirty="0"/>
+          </a:p>
+        </p:txBody>
+      </p:sp>
+      <p:sp>
+        <p:nvSpPr>
+          <p:cNvPr id="3" name="Titre 2"/>
           <p:cNvSpPr>
             <a:spLocks noGrp="1"/>
           </p:cNvSpPr>
@@ -8848,166 +9828,10 @@
           <a:lstStyle/>
           <a:p>
             <a:r>
-              <a:rPr lang="fr-FR" smtClean="0"/>
-              <a:t>Plan</a:t>
+              <a:rPr lang="fr-FR" dirty="0" smtClean="0"/>
+              <a:t>TO DO</a:t>
             </a:r>
             <a:endParaRPr lang="fr-FR" dirty="0"/>
-          </a:p>
-        </p:txBody>
-      </p:sp>
-      <p:sp>
-        <p:nvSpPr>
-          <p:cNvPr id="3" name="Espace réservé du contenu 2"/>
-          <p:cNvSpPr>
-            <a:spLocks noGrp="1"/>
-          </p:cNvSpPr>
-          <p:nvPr>
-            <p:ph sz="quarter" idx="1"/>
-          </p:nvPr>
-        </p:nvSpPr>
-        <p:spPr>
-          <a:xfrm>
-            <a:off x="251520" y="1268760"/>
-            <a:ext cx="7920880" cy="5472608"/>
-          </a:xfrm>
-        </p:spPr>
-        <p:txBody>
-          <a:bodyPr>
-            <a:normAutofit fontScale="85000" lnSpcReduction="20000"/>
-          </a:bodyPr>
-          <a:lstStyle/>
-          <a:p>
-            <a:r>
-              <a:rPr lang="fr-FR" dirty="0" smtClean="0"/>
-              <a:t>Modélisation multiphysique</a:t>
-            </a:r>
-          </a:p>
-          <a:p>
-            <a:pPr lvl="1"/>
-            <a:r>
-              <a:rPr lang="fr-FR" dirty="0" smtClean="0"/>
-              <a:t>Contexte dans l’enseignement</a:t>
-            </a:r>
-          </a:p>
-          <a:p>
-            <a:pPr lvl="1"/>
-            <a:r>
-              <a:rPr lang="fr-FR" dirty="0" smtClean="0"/>
-              <a:t>Définitions</a:t>
-            </a:r>
-          </a:p>
-          <a:p>
-            <a:pPr lvl="1"/>
-            <a:r>
-              <a:rPr lang="fr-FR" dirty="0" smtClean="0"/>
-              <a:t>Modèle de connaissance</a:t>
-            </a:r>
-          </a:p>
-          <a:p>
-            <a:pPr lvl="2"/>
-            <a:r>
-              <a:rPr lang="fr-FR" dirty="0" smtClean="0"/>
-              <a:t>Moteur à courant continu (linéaire/non linéaire ?)</a:t>
-            </a:r>
-          </a:p>
-          <a:p>
-            <a:pPr lvl="1"/>
-            <a:r>
-              <a:rPr lang="fr-FR" dirty="0" smtClean="0"/>
-              <a:t>Modélisation causale</a:t>
-            </a:r>
-          </a:p>
-          <a:p>
-            <a:pPr lvl="2"/>
-            <a:r>
-              <a:rPr lang="fr-FR" dirty="0" smtClean="0"/>
-              <a:t>Domaine symbolique (+FT) -&gt; Relation algébriques simples et loi E/S Simples</a:t>
-            </a:r>
-            <a:endParaRPr lang="fr-FR" dirty="0"/>
-          </a:p>
-          <a:p>
-            <a:pPr lvl="2"/>
-            <a:r>
-              <a:rPr lang="fr-FR" dirty="0" smtClean="0"/>
-              <a:t>CI nulles et modèles linéaires imposés (sauf hystérésis, saturation et seuils …)(sinon linéarisation+ pt de fonctionnement, pas de produit de fonctions  dans les équations du modèle).</a:t>
-            </a:r>
-          </a:p>
-          <a:p>
-            <a:pPr lvl="2"/>
-            <a:r>
-              <a:rPr lang="fr-FR" dirty="0" smtClean="0"/>
-              <a:t>Notion de sens S = F.E (Pas réversible)</a:t>
-            </a:r>
-          </a:p>
-          <a:p>
-            <a:pPr lvl="2"/>
-            <a:r>
-              <a:rPr lang="fr-FR" dirty="0" smtClean="0"/>
-              <a:t>Résolution numérique imposée par le modèle utilisé</a:t>
-            </a:r>
-          </a:p>
-          <a:p>
-            <a:pPr lvl="2"/>
-            <a:r>
-              <a:rPr lang="fr-FR" dirty="0" smtClean="0"/>
-              <a:t>La technologie des constituants n’apparaît pas</a:t>
-            </a:r>
-          </a:p>
-          <a:p>
-            <a:pPr lvl="2"/>
-            <a:r>
-              <a:rPr lang="fr-FR" dirty="0" smtClean="0"/>
-              <a:t>Notion d’irréversibilité du modèle</a:t>
-            </a:r>
-          </a:p>
-          <a:p>
-            <a:pPr lvl="2"/>
-            <a:r>
-              <a:rPr lang="fr-FR" dirty="0" smtClean="0"/>
-              <a:t>Cependant le calcul symbolique permet de faciliter les études harmoniques</a:t>
-            </a:r>
-          </a:p>
-          <a:p>
-            <a:pPr lvl="1"/>
-            <a:r>
-              <a:rPr lang="fr-FR" dirty="0" smtClean="0"/>
-              <a:t>Modélisation acausale</a:t>
-            </a:r>
-          </a:p>
-          <a:p>
-            <a:pPr lvl="2"/>
-            <a:r>
-              <a:rPr lang="fr-FR" dirty="0" smtClean="0"/>
-              <a:t>Symbolisation des constituants dédiés à la technologie utilisée (respect des normes, respect des connecteurs E/S, grandeurs physiques + polarité…)</a:t>
-            </a:r>
-          </a:p>
-          <a:p>
-            <a:pPr lvl="2"/>
-            <a:r>
-              <a:rPr lang="fr-FR" dirty="0" smtClean="0"/>
-              <a:t>Le modèle de connaissance n’est pas exigible, mais il faut maîtriser les paramètres caractérisant le comportement du constituant</a:t>
-            </a:r>
-          </a:p>
-          <a:p>
-            <a:pPr lvl="2"/>
-            <a:r>
-              <a:rPr lang="fr-FR" dirty="0" smtClean="0"/>
-              <a:t>Liens non orientés entre les blocs (Comparaison des modélisation causale et acausale sur une résistance)  Différence « Affectation / Équation ». Liens avec le diagramme paramétrique.</a:t>
-            </a:r>
-          </a:p>
-          <a:p>
-            <a:pPr lvl="2"/>
-            <a:r>
-              <a:rPr lang="fr-FR" dirty="0" smtClean="0"/>
-              <a:t>Ouvertures sur la réversibilité (réversibilité des composants, réversibilité des systèmes)</a:t>
-            </a:r>
-          </a:p>
-          <a:p>
-            <a:pPr lvl="2"/>
-            <a:r>
-              <a:rPr lang="fr-FR" dirty="0" smtClean="0"/>
-              <a:t>Le modèle n’impose pas de démarche de résolution. Le solveur se charge d’optimiser les calculs.  </a:t>
-            </a:r>
           </a:p>
         </p:txBody>
       </p:sp>
@@ -9037,20 +9861,13 @@
     </p:spTree>
     <p:extLst>
       <p:ext uri="{BB962C8B-B14F-4D97-AF65-F5344CB8AC3E}">
-        <p14:creationId xmlns:p14="http://schemas.microsoft.com/office/powerpoint/2010/main" val="3520046662"/>
+        <p14:creationId xmlns:p14="http://schemas.microsoft.com/office/powerpoint/2010/main" val="3794773532"/>
       </p:ext>
     </p:extLst>
   </p:cSld>
   <p:clrMapOvr>
     <a:masterClrMapping/>
   </p:clrMapOvr>
-  <p:timing>
-    <p:tnLst>
-      <p:par>
-        <p:cTn id="1" dur="indefinite" restart="never" nodeType="tmRoot"/>
-      </p:par>
-    </p:tnLst>
-  </p:timing>
 </p:sld>
 </file>
 
@@ -9105,7 +9922,7 @@
             </a:br>
             <a:r>
               <a:rPr lang="fr-FR" dirty="0" smtClean="0"/>
-              <a:t>Construction du moteur à courant continu</a:t>
+              <a:t>Activité 1 – Moteur à courant continu</a:t>
             </a:r>
             <a:endParaRPr lang="fr-FR" dirty="0"/>
           </a:p>
@@ -9126,7 +9943,38 @@
           <a:bodyPr/>
           <a:lstStyle/>
           <a:p>
-            <a:endParaRPr lang="fr-FR"/>
+            <a:r>
+              <a:rPr lang="fr-FR" dirty="0" smtClean="0"/>
+              <a:t>Réaliser les schémas des moteurs à courant continu</a:t>
+            </a:r>
+          </a:p>
+          <a:p>
+            <a:r>
+              <a:rPr lang="fr-FR" dirty="0" smtClean="0"/>
+              <a:t>Sur le schéma simplifié :</a:t>
+            </a:r>
+          </a:p>
+          <a:p>
+            <a:pPr lvl="1"/>
+            <a:r>
+              <a:rPr lang="fr-FR" dirty="0" smtClean="0"/>
+              <a:t>Ajouter du frottement visqueux</a:t>
+            </a:r>
+          </a:p>
+          <a:p>
+            <a:pPr lvl="1"/>
+            <a:r>
+              <a:rPr lang="fr-FR" dirty="0" smtClean="0"/>
+              <a:t>Calculer puis afficher les puissances électrique et mécanique</a:t>
+            </a:r>
+          </a:p>
+          <a:p>
+            <a:pPr lvl="1"/>
+            <a:r>
+              <a:rPr lang="fr-FR" dirty="0" smtClean="0"/>
+              <a:t>Calculer le rendement en régime permanent</a:t>
+            </a:r>
+            <a:endParaRPr lang="fr-FR" dirty="0"/>
           </a:p>
         </p:txBody>
       </p:sp>
@@ -9156,7 +10004,7 @@
     </p:spTree>
     <p:extLst>
       <p:ext uri="{BB962C8B-B14F-4D97-AF65-F5344CB8AC3E}">
-        <p14:creationId xmlns:p14="http://schemas.microsoft.com/office/powerpoint/2010/main" val="2499627110"/>
+        <p14:creationId xmlns:p14="http://schemas.microsoft.com/office/powerpoint/2010/main" val="3193964930"/>
       </p:ext>
     </p:extLst>
   </p:cSld>
@@ -9217,7 +10065,7 @@
             </a:br>
             <a:r>
               <a:rPr lang="fr-FR" dirty="0" smtClean="0"/>
-              <a:t>Commande d’un moteur avec hacheur et PWM</a:t>
+              <a:t>Activité 2 – Machine à courant continu (réversibilité)</a:t>
             </a:r>
             <a:endParaRPr lang="fr-FR" dirty="0"/>
           </a:p>
@@ -9238,7 +10086,90 @@
           <a:bodyPr/>
           <a:lstStyle/>
           <a:p>
-            <a:endParaRPr lang="fr-FR"/>
+            <a:r>
+              <a:rPr lang="fr-FR" dirty="0" smtClean="0"/>
+              <a:t>Exemple de réversibilité de la machine à courant continu (Fonctionnement en générateur et en moteur)</a:t>
+            </a:r>
+          </a:p>
+          <a:p>
+            <a:pPr lvl="1"/>
+            <a:r>
+              <a:rPr lang="fr-FR" dirty="0" smtClean="0"/>
+              <a:t>Ouvrir le fichier causal </a:t>
+            </a:r>
+            <a:r>
+              <a:rPr lang="fr-FR" i="1" dirty="0" smtClean="0"/>
+              <a:t>5_MCC_avec_reversibilite_2_causal :</a:t>
+            </a:r>
+          </a:p>
+          <a:p>
+            <a:pPr lvl="2"/>
+            <a:r>
+              <a:rPr lang="fr-FR" dirty="0" smtClean="0"/>
+              <a:t>Analyser le signal de commande en tension du moteur.</a:t>
+            </a:r>
+          </a:p>
+          <a:p>
+            <a:pPr lvl="2"/>
+            <a:r>
+              <a:rPr lang="fr-FR" dirty="0" smtClean="0"/>
+              <a:t>Analyser l’impact de la commande en couple.</a:t>
+            </a:r>
+          </a:p>
+          <a:p>
+            <a:pPr lvl="2"/>
+            <a:r>
+              <a:rPr lang="fr-FR" dirty="0" smtClean="0"/>
+              <a:t>Interpréter les courbes de tension, intensité et de taux de rotation du moteur. </a:t>
+            </a:r>
+            <a:endParaRPr lang="fr-FR" dirty="0"/>
+          </a:p>
+          <a:p>
+            <a:pPr lvl="1"/>
+            <a:endParaRPr lang="fr-FR" dirty="0" smtClean="0"/>
+          </a:p>
+          <a:p>
+            <a:pPr lvl="1"/>
+            <a:r>
+              <a:rPr lang="fr-FR" dirty="0"/>
+              <a:t>Ouvrir le fichier </a:t>
+            </a:r>
+            <a:r>
+              <a:rPr lang="fr-FR" i="1" dirty="0" smtClean="0"/>
+              <a:t>5_MCC_avec_reversibilite_2_acausal_sans_PWM</a:t>
+            </a:r>
+          </a:p>
+          <a:p>
+            <a:pPr lvl="2"/>
+            <a:r>
+              <a:rPr lang="fr-FR" dirty="0" smtClean="0"/>
+              <a:t>Analyser </a:t>
+            </a:r>
+            <a:r>
+              <a:rPr lang="fr-FR" dirty="0"/>
+              <a:t>le signal de commande en tension du moteur.</a:t>
+            </a:r>
+          </a:p>
+          <a:p>
+            <a:pPr lvl="2"/>
+            <a:r>
+              <a:rPr lang="fr-FR" dirty="0"/>
+              <a:t>Analyser l’impact de la commande en couple.</a:t>
+            </a:r>
+          </a:p>
+          <a:p>
+            <a:pPr lvl="2"/>
+            <a:r>
+              <a:rPr lang="fr-FR" dirty="0"/>
+              <a:t>Interpréter les courbes de tension, intensité et de taux de rotation du moteur. </a:t>
+            </a:r>
+          </a:p>
+          <a:p>
+            <a:pPr lvl="1"/>
+            <a:endParaRPr lang="fr-FR" dirty="0" smtClean="0"/>
+          </a:p>
+          <a:p>
+            <a:endParaRPr lang="fr-FR" dirty="0"/>
           </a:p>
         </p:txBody>
       </p:sp>
@@ -9268,7 +10199,7 @@
     </p:spTree>
     <p:extLst>
       <p:ext uri="{BB962C8B-B14F-4D97-AF65-F5344CB8AC3E}">
-        <p14:creationId xmlns:p14="http://schemas.microsoft.com/office/powerpoint/2010/main" val="1803898429"/>
+        <p14:creationId xmlns:p14="http://schemas.microsoft.com/office/powerpoint/2010/main" val="3668966354"/>
       </p:ext>
     </p:extLst>
   </p:cSld>
@@ -9329,7 +10260,7 @@
             </a:br>
             <a:r>
               <a:rPr lang="fr-FR" dirty="0" smtClean="0"/>
-              <a:t>Possibilités supplémentaires</a:t>
+              <a:t>Activité 3 – Interfaces de commande d’un moteur</a:t>
             </a:r>
             <a:endParaRPr lang="fr-FR" dirty="0"/>
           </a:p>
@@ -9352,14 +10283,64 @@
           <a:p>
             <a:r>
               <a:rPr lang="fr-FR" dirty="0" smtClean="0"/>
-              <a:t>Modélisation thermique</a:t>
+              <a:t>Ouvrir le fichier </a:t>
+            </a:r>
+            <a:r>
+              <a:rPr lang="fr-FR" i="1" dirty="0"/>
+              <a:t>6_commande </a:t>
+            </a:r>
+            <a:r>
+              <a:rPr lang="fr-FR" i="1" dirty="0" err="1" smtClean="0"/>
+              <a:t>MCC_TOR_acausal</a:t>
+            </a:r>
+            <a:r>
+              <a:rPr lang="fr-FR" i="1" dirty="0" smtClean="0"/>
+              <a:t>.</a:t>
             </a:r>
           </a:p>
           <a:p>
             <a:r>
               <a:rPr lang="fr-FR" dirty="0" smtClean="0"/>
-              <a:t>Transformation de mouvement …</a:t>
-            </a:r>
+              <a:t>Lancer la simulation</a:t>
+            </a:r>
+          </a:p>
+          <a:p>
+            <a:r>
+              <a:rPr lang="fr-FR" dirty="0" smtClean="0"/>
+              <a:t>Remplacer la commande du moteur par un </a:t>
+            </a:r>
+            <a:r>
+              <a:rPr lang="fr-FR" dirty="0"/>
+              <a:t>transistor NMOS </a:t>
+            </a:r>
+            <a:r>
+              <a:rPr lang="fr-FR" dirty="0" smtClean="0"/>
+              <a:t> et son circuit de commande. Pour commander le générateur de tension on utiliser successivement :</a:t>
+            </a:r>
+          </a:p>
+          <a:p>
+            <a:pPr lvl="1"/>
+            <a:r>
+              <a:rPr lang="fr-FR" dirty="0" smtClean="0"/>
+              <a:t>Une commande tout ou rien</a:t>
+            </a:r>
+          </a:p>
+          <a:p>
+            <a:pPr lvl="1"/>
+            <a:r>
+              <a:rPr lang="fr-FR" dirty="0" smtClean="0"/>
+              <a:t>Une commande cyclique</a:t>
+            </a:r>
+          </a:p>
+          <a:p>
+            <a:pPr lvl="1"/>
+            <a:r>
+              <a:rPr lang="fr-FR" dirty="0" smtClean="0"/>
+              <a:t>Un PWM</a:t>
+            </a:r>
+            <a:endParaRPr lang="fr-FR" dirty="0"/>
+          </a:p>
+          <a:p>
             <a:endParaRPr lang="fr-FR" dirty="0"/>
           </a:p>
         </p:txBody>
@@ -9390,7 +10371,7 @@
     </p:spTree>
     <p:extLst>
       <p:ext uri="{BB962C8B-B14F-4D97-AF65-F5344CB8AC3E}">
-        <p14:creationId xmlns:p14="http://schemas.microsoft.com/office/powerpoint/2010/main" val="1633135047"/>
+        <p14:creationId xmlns:p14="http://schemas.microsoft.com/office/powerpoint/2010/main" val="470814664"/>
       </p:ext>
     </p:extLst>
   </p:cSld>
@@ -9451,7 +10432,7 @@
             </a:br>
             <a:r>
               <a:rPr lang="fr-FR" dirty="0" smtClean="0"/>
-              <a:t>Échantillonnage de la résolution</a:t>
+              <a:t>Bilan</a:t>
             </a:r>
             <a:endParaRPr lang="fr-FR" dirty="0"/>
           </a:p>
@@ -9472,6 +10453,25 @@
           <a:bodyPr/>
           <a:lstStyle/>
           <a:p>
+            <a:r>
+              <a:rPr lang="fr-FR" dirty="0" smtClean="0"/>
+              <a:t>Dilemme « Fidélité du modèle » </a:t>
+            </a:r>
+            <a:r>
+              <a:rPr lang="fr-FR" dirty="0" smtClean="0">
+                <a:latin typeface="Calibri"/>
+              </a:rPr>
+              <a:t>↔ Pas de calcul</a:t>
+            </a:r>
+          </a:p>
+          <a:p>
+            <a:pPr lvl="1"/>
+            <a:r>
+              <a:rPr lang="fr-FR" dirty="0" smtClean="0">
+                <a:latin typeface="Calibri"/>
+              </a:rPr>
+              <a:t>Exemple d’une commande par PWM</a:t>
+            </a:r>
             <a:endParaRPr lang="fr-FR" dirty="0"/>
           </a:p>
         </p:txBody>
@@ -9502,7 +10502,7 @@
     </p:spTree>
     <p:extLst>
       <p:ext uri="{BB962C8B-B14F-4D97-AF65-F5344CB8AC3E}">
-        <p14:creationId xmlns:p14="http://schemas.microsoft.com/office/powerpoint/2010/main" val="3193964930"/>
+        <p14:creationId xmlns:p14="http://schemas.microsoft.com/office/powerpoint/2010/main" val="3154538276"/>
       </p:ext>
     </p:extLst>
   </p:cSld>
@@ -9541,29 +10541,12 @@
         </p:nvSpPr>
         <p:spPr/>
         <p:txBody>
-          <a:bodyPr>
-            <a:normAutofit fontScale="90000"/>
-          </a:bodyPr>
-          <a:lstStyle/>
-          <a:p>
-            <a:r>
-              <a:rPr lang="fr-FR" dirty="0"/>
-              <a:t>Modélisation des systèmes avec Scilab / </a:t>
-            </a:r>
-            <a:r>
-              <a:rPr lang="fr-FR" dirty="0" err="1"/>
-              <a:t>Xcos</a:t>
-            </a:r>
-            <a:r>
-              <a:rPr lang="fr-FR" dirty="0"/>
-              <a:t/>
-            </a:r>
-            <a:br>
-              <a:rPr lang="fr-FR" dirty="0"/>
-            </a:br>
+          <a:bodyPr/>
+          <a:lstStyle/>
+          <a:p>
             <a:r>
               <a:rPr lang="fr-FR" dirty="0" smtClean="0"/>
-              <a:t>Modélisation de systèmes réversibles</a:t>
+              <a:t>Modélisation d’un système de laboratoire</a:t>
             </a:r>
             <a:endParaRPr lang="fr-FR" dirty="0"/>
           </a:p>
@@ -9571,12 +10554,12 @@
       </p:sp>
       <p:sp>
         <p:nvSpPr>
-          <p:cNvPr id="3" name="Espace réservé du contenu 2"/>
+          <p:cNvPr id="3" name="Espace réservé du texte 2"/>
           <p:cNvSpPr>
             <a:spLocks noGrp="1"/>
           </p:cNvSpPr>
           <p:nvPr>
-            <p:ph sz="quarter" idx="1"/>
+            <p:ph type="body" idx="1"/>
           </p:nvPr>
         </p:nvSpPr>
         <p:spPr/>
@@ -9584,6 +10567,10 @@
           <a:bodyPr/>
           <a:lstStyle/>
           <a:p>
+            <a:r>
+              <a:rPr lang="fr-FR" dirty="0" smtClean="0"/>
+              <a:t>Pilote automatique TP 30</a:t>
+            </a:r>
             <a:endParaRPr lang="fr-FR" dirty="0"/>
           </a:p>
         </p:txBody>
@@ -9595,7 +10582,7 @@
             <a:spLocks noGrp="1"/>
           </p:cNvSpPr>
           <p:nvPr>
-            <p:ph type="sldNum" sz="quarter" idx="15"/>
+            <p:ph type="sldNum" sz="quarter" idx="12"/>
           </p:nvPr>
         </p:nvSpPr>
         <p:spPr/>
@@ -9614,7 +10601,7 @@
     </p:spTree>
     <p:extLst>
       <p:ext uri="{BB962C8B-B14F-4D97-AF65-F5344CB8AC3E}">
-        <p14:creationId xmlns:p14="http://schemas.microsoft.com/office/powerpoint/2010/main" val="470814664"/>
+        <p14:creationId xmlns:p14="http://schemas.microsoft.com/office/powerpoint/2010/main" val="3672452185"/>
       </p:ext>
     </p:extLst>
   </p:cSld>
@@ -9653,29 +10640,12 @@
         </p:nvSpPr>
         <p:spPr/>
         <p:txBody>
-          <a:bodyPr>
-            <a:normAutofit fontScale="90000"/>
-          </a:bodyPr>
-          <a:lstStyle/>
-          <a:p>
-            <a:r>
-              <a:rPr lang="fr-FR" dirty="0"/>
-              <a:t>Modélisation des systèmes avec Scilab / </a:t>
-            </a:r>
-            <a:r>
-              <a:rPr lang="fr-FR" dirty="0" err="1"/>
-              <a:t>Xcos</a:t>
-            </a:r>
-            <a:r>
-              <a:rPr lang="fr-FR" dirty="0"/>
-              <a:t/>
-            </a:r>
-            <a:br>
-              <a:rPr lang="fr-FR" dirty="0"/>
-            </a:br>
+          <a:bodyPr/>
+          <a:lstStyle/>
+          <a:p>
             <a:r>
               <a:rPr lang="fr-FR" dirty="0" smtClean="0"/>
-              <a:t>Un peu plus de cinématique</a:t>
+              <a:t>Modélisation d’un système de laboratoire</a:t>
             </a:r>
             <a:endParaRPr lang="fr-FR" dirty="0"/>
           </a:p>
@@ -9683,12 +10653,12 @@
       </p:sp>
       <p:sp>
         <p:nvSpPr>
-          <p:cNvPr id="3" name="Espace réservé du contenu 2"/>
+          <p:cNvPr id="3" name="Espace réservé du texte 2"/>
           <p:cNvSpPr>
             <a:spLocks noGrp="1"/>
           </p:cNvSpPr>
           <p:nvPr>
-            <p:ph sz="quarter" idx="1"/>
+            <p:ph type="body" idx="1"/>
           </p:nvPr>
         </p:nvSpPr>
         <p:spPr/>
@@ -9696,6 +10666,10 @@
           <a:bodyPr/>
           <a:lstStyle/>
           <a:p>
+            <a:r>
+              <a:rPr lang="fr-FR" dirty="0" smtClean="0"/>
+              <a:t>Portail solaire</a:t>
+            </a:r>
             <a:endParaRPr lang="fr-FR" dirty="0"/>
           </a:p>
         </p:txBody>
@@ -9707,7 +10681,7 @@
             <a:spLocks noGrp="1"/>
           </p:cNvSpPr>
           <p:nvPr>
-            <p:ph type="sldNum" sz="quarter" idx="15"/>
+            <p:ph type="sldNum" sz="quarter" idx="12"/>
           </p:nvPr>
         </p:nvSpPr>
         <p:spPr/>
@@ -9726,7 +10700,7 @@
     </p:spTree>
     <p:extLst>
       <p:ext uri="{BB962C8B-B14F-4D97-AF65-F5344CB8AC3E}">
-        <p14:creationId xmlns:p14="http://schemas.microsoft.com/office/powerpoint/2010/main" val="3154538276"/>
+        <p14:creationId xmlns:p14="http://schemas.microsoft.com/office/powerpoint/2010/main" val="1932848669"/>
       </p:ext>
     </p:extLst>
   </p:cSld>
@@ -9755,7 +10729,7 @@
       </p:grpSpPr>
       <p:sp>
         <p:nvSpPr>
-          <p:cNvPr id="2" name="Titre 1"/>
+          <p:cNvPr id="4" name="Titre 3"/>
           <p:cNvSpPr>
             <a:spLocks noGrp="1"/>
           </p:cNvSpPr>
@@ -9765,14 +10739,20 @@
         </p:nvSpPr>
         <p:spPr/>
         <p:txBody>
-          <a:bodyPr>
-            <a:normAutofit/>
-          </a:bodyPr>
-          <a:lstStyle/>
-          <a:p>
+          <a:bodyPr/>
+          <a:lstStyle/>
+          <a:p>
+            <a:r>
+              <a:rPr lang="fr-FR" dirty="0" err="1" smtClean="0"/>
+              <a:t>Xcos</a:t>
+            </a:r>
             <a:r>
               <a:rPr lang="fr-FR" dirty="0" smtClean="0"/>
-              <a:t>Modélisation d’un système multiphysique</a:t>
+              <a:t> &amp; </a:t>
+            </a:r>
+            <a:r>
+              <a:rPr lang="fr-FR" dirty="0" err="1" smtClean="0"/>
+              <a:t>Arduino</a:t>
             </a:r>
             <a:endParaRPr lang="fr-FR" dirty="0"/>
           </a:p>
@@ -9780,12 +10760,12 @@
       </p:sp>
       <p:sp>
         <p:nvSpPr>
-          <p:cNvPr id="3" name="Espace réservé du contenu 2"/>
+          <p:cNvPr id="5" name="Espace réservé du texte 4"/>
           <p:cNvSpPr>
             <a:spLocks noGrp="1"/>
           </p:cNvSpPr>
           <p:nvPr>
-            <p:ph sz="quarter" idx="1"/>
+            <p:ph type="body" idx="1"/>
           </p:nvPr>
         </p:nvSpPr>
         <p:spPr/>
@@ -9799,12 +10779,12 @@
       </p:sp>
       <p:sp>
         <p:nvSpPr>
-          <p:cNvPr id="4" name="Espace réservé du numéro de diapositive 3"/>
+          <p:cNvPr id="2" name="Espace réservé du numéro de diapositive 1"/>
           <p:cNvSpPr>
             <a:spLocks noGrp="1"/>
           </p:cNvSpPr>
           <p:nvPr>
-            <p:ph type="sldNum" sz="quarter" idx="15"/>
+            <p:ph type="sldNum" sz="quarter" idx="12"/>
           </p:nvPr>
         </p:nvSpPr>
         <p:spPr/>
@@ -9823,7 +10803,7 @@
     </p:spTree>
     <p:extLst>
       <p:ext uri="{BB962C8B-B14F-4D97-AF65-F5344CB8AC3E}">
-        <p14:creationId xmlns:p14="http://schemas.microsoft.com/office/powerpoint/2010/main" val="1827117536"/>
+        <p14:creationId xmlns:p14="http://schemas.microsoft.com/office/powerpoint/2010/main" val="1589319820"/>
       </p:ext>
     </p:extLst>
   </p:cSld>
@@ -9862,48 +10842,155 @@
         </p:nvSpPr>
         <p:spPr/>
         <p:txBody>
+          <a:bodyPr>
+            <a:normAutofit/>
+          </a:bodyPr>
+          <a:lstStyle/>
+          <a:p>
+            <a:r>
+              <a:rPr lang="fr-FR" dirty="0" err="1" smtClean="0"/>
+              <a:t>Xcos</a:t>
+            </a:r>
+            <a:r>
+              <a:rPr lang="fr-FR" dirty="0" smtClean="0"/>
+              <a:t> </a:t>
+            </a:r>
+            <a:r>
+              <a:rPr lang="fr-FR" dirty="0" err="1" smtClean="0"/>
+              <a:t>Arduino</a:t>
+            </a:r>
+            <a:endParaRPr lang="fr-FR" dirty="0"/>
+          </a:p>
+        </p:txBody>
+      </p:sp>
+      <p:sp>
+        <p:nvSpPr>
+          <p:cNvPr id="3" name="Espace réservé du contenu 2"/>
+          <p:cNvSpPr>
+            <a:spLocks noGrp="1"/>
+          </p:cNvSpPr>
+          <p:nvPr>
+            <p:ph sz="quarter" idx="1"/>
+          </p:nvPr>
+        </p:nvSpPr>
+        <p:spPr/>
+        <p:txBody>
           <a:bodyPr/>
           <a:lstStyle/>
           <a:p>
             <a:r>
               <a:rPr lang="fr-FR" dirty="0" smtClean="0"/>
-              <a:t>Modélisation d’un système de laboratoire</a:t>
-            </a:r>
+              <a:t>Actions préliminaires</a:t>
+            </a:r>
+          </a:p>
+          <a:p>
+            <a:pPr lvl="1"/>
+            <a:r>
+              <a:rPr lang="fr-FR" dirty="0" smtClean="0"/>
+              <a:t>Dans le gestionnaire de module </a:t>
+            </a:r>
+            <a:r>
+              <a:rPr lang="fr-FR" dirty="0" err="1" smtClean="0"/>
+              <a:t>Atom</a:t>
+            </a:r>
+            <a:r>
+              <a:rPr lang="fr-FR" dirty="0" smtClean="0"/>
+              <a:t> de Scilab</a:t>
+            </a:r>
+          </a:p>
+          <a:p>
+            <a:pPr lvl="2"/>
+            <a:r>
+              <a:rPr lang="fr-FR" dirty="0" smtClean="0"/>
+              <a:t>Installer le module </a:t>
+            </a:r>
+            <a:r>
+              <a:rPr lang="fr-FR" dirty="0" err="1" smtClean="0"/>
+              <a:t>Arduino</a:t>
+            </a:r>
+            <a:endParaRPr lang="fr-FR" dirty="0" smtClean="0"/>
+          </a:p>
+          <a:p>
+            <a:pPr lvl="2"/>
             <a:endParaRPr lang="fr-FR" dirty="0"/>
           </a:p>
-        </p:txBody>
-      </p:sp>
-      <p:sp>
-        <p:nvSpPr>
-          <p:cNvPr id="3" name="Espace réservé du texte 2"/>
+          <a:p>
+            <a:pPr lvl="1"/>
+            <a:r>
+              <a:rPr lang="fr-FR" dirty="0" smtClean="0"/>
+              <a:t>Dans le logiciel </a:t>
+            </a:r>
+            <a:r>
+              <a:rPr lang="fr-FR" dirty="0" err="1" smtClean="0"/>
+              <a:t>Arduino</a:t>
+            </a:r>
+            <a:endParaRPr lang="fr-FR" dirty="0" smtClean="0"/>
+          </a:p>
+          <a:p>
+            <a:pPr lvl="2"/>
+            <a:r>
+              <a:rPr lang="fr-FR" dirty="0"/>
+              <a:t>Télécharger toolbox_arduino_v3.ino (</a:t>
+            </a:r>
+            <a:r>
+              <a:rPr lang="fr-FR" dirty="0">
+                <a:hlinkClick r:id="rId2"/>
+              </a:rPr>
+              <a:t>http://</a:t>
+            </a:r>
+            <a:r>
+              <a:rPr lang="fr-FR" dirty="0" smtClean="0">
+                <a:hlinkClick r:id="rId2"/>
+              </a:rPr>
+              <a:t>www.demosciences.fr/projets/scilab-arduino/toolbox_arduino_v3.ino?attredirects=0&amp;d=1</a:t>
+            </a:r>
+            <a:r>
+              <a:rPr lang="fr-FR" dirty="0" smtClean="0"/>
+              <a:t>) </a:t>
+            </a:r>
+          </a:p>
+          <a:p>
+            <a:pPr lvl="2"/>
+            <a:r>
+              <a:rPr lang="fr-FR" dirty="0" err="1" smtClean="0"/>
+              <a:t>Téléverser</a:t>
+            </a:r>
+            <a:r>
+              <a:rPr lang="fr-FR" dirty="0" smtClean="0"/>
+              <a:t> la </a:t>
+            </a:r>
+            <a:r>
+              <a:rPr lang="fr-FR" dirty="0" err="1" smtClean="0"/>
+              <a:t>toolbox</a:t>
+            </a:r>
+            <a:r>
+              <a:rPr lang="fr-FR" dirty="0" smtClean="0"/>
+              <a:t> dans une carte </a:t>
+            </a:r>
+            <a:r>
+              <a:rPr lang="fr-FR" dirty="0" err="1" smtClean="0"/>
+              <a:t>arduino</a:t>
+            </a:r>
+            <a:r>
+              <a:rPr lang="fr-FR" dirty="0" smtClean="0"/>
+              <a:t> </a:t>
+            </a:r>
+            <a:r>
+              <a:rPr lang="fr-FR" dirty="0" err="1" smtClean="0"/>
+              <a:t>Uno</a:t>
+            </a:r>
+            <a:endParaRPr lang="fr-FR" dirty="0"/>
+          </a:p>
+        </p:txBody>
+      </p:sp>
+      <p:sp>
+        <p:nvSpPr>
+          <p:cNvPr id="4" name="Espace réservé du numéro de diapositive 3"/>
           <p:cNvSpPr>
             <a:spLocks noGrp="1"/>
           </p:cNvSpPr>
           <p:nvPr>
-            <p:ph type="body" idx="1"/>
-          </p:nvPr>
-        </p:nvSpPr>
-        <p:spPr/>
-        <p:txBody>
-          <a:bodyPr/>
-          <a:lstStyle/>
-          <a:p>
-            <a:r>
-              <a:rPr lang="fr-FR" dirty="0" smtClean="0"/>
-              <a:t>Pilote automatique TP 30</a:t>
-            </a:r>
-            <a:endParaRPr lang="fr-FR" dirty="0"/>
-          </a:p>
-        </p:txBody>
-      </p:sp>
-      <p:sp>
-        <p:nvSpPr>
-          <p:cNvPr id="4" name="Espace réservé du numéro de diapositive 3"/>
-          <p:cNvSpPr>
-            <a:spLocks noGrp="1"/>
-          </p:cNvSpPr>
-          <p:nvPr>
-            <p:ph type="sldNum" sz="quarter" idx="12"/>
+            <p:ph type="sldNum" sz="quarter" idx="15"/>
           </p:nvPr>
         </p:nvSpPr>
         <p:spPr/>
@@ -9922,7 +11009,7 @@
     </p:spTree>
     <p:extLst>
       <p:ext uri="{BB962C8B-B14F-4D97-AF65-F5344CB8AC3E}">
-        <p14:creationId xmlns:p14="http://schemas.microsoft.com/office/powerpoint/2010/main" val="3672452185"/>
+        <p14:creationId xmlns:p14="http://schemas.microsoft.com/office/powerpoint/2010/main" val="2728033274"/>
       </p:ext>
     </p:extLst>
   </p:cSld>
@@ -9951,7 +11038,26 @@
       </p:grpSpPr>
       <p:sp>
         <p:nvSpPr>
-          <p:cNvPr id="5" name="Titre 4"/>
+          <p:cNvPr id="2" name="Espace réservé du contenu 1"/>
+          <p:cNvSpPr>
+            <a:spLocks noGrp="1"/>
+          </p:cNvSpPr>
+          <p:nvPr>
+            <p:ph sz="quarter" idx="1"/>
+          </p:nvPr>
+        </p:nvSpPr>
+        <p:spPr/>
+        <p:txBody>
+          <a:bodyPr/>
+          <a:lstStyle/>
+          <a:p>
+            <a:endParaRPr lang="fr-FR"/>
+          </a:p>
+        </p:txBody>
+      </p:sp>
+      <p:sp>
+        <p:nvSpPr>
+          <p:cNvPr id="3" name="Titre 2"/>
           <p:cNvSpPr>
             <a:spLocks noGrp="1"/>
           </p:cNvSpPr>
@@ -9967,35 +11073,28 @@
           <a:lstStyle/>
           <a:p>
             <a:r>
+              <a:rPr lang="fr-FR" dirty="0" err="1" smtClean="0"/>
+              <a:t>Xcos</a:t>
+            </a:r>
+            <a:r>
               <a:rPr lang="fr-FR" dirty="0" smtClean="0"/>
-              <a:t>Pilote Automatique</a:t>
+              <a:t> </a:t>
+            </a:r>
+            <a:r>
+              <a:rPr lang="fr-FR" dirty="0" err="1" smtClean="0"/>
+              <a:t>Arduino</a:t>
+            </a:r>
+            <a:r>
+              <a:rPr lang="fr-FR" dirty="0" smtClean="0"/>
+              <a:t/>
             </a:r>
             <a:br>
               <a:rPr lang="fr-FR" dirty="0" smtClean="0"/>
             </a:br>
             <a:r>
-              <a:rPr lang="fr-FR" dirty="0" smtClean="0"/>
-              <a:t>Analyse Interne</a:t>
-            </a:r>
-            <a:endParaRPr lang="fr-FR" dirty="0"/>
-          </a:p>
-        </p:txBody>
-      </p:sp>
-      <p:sp>
-        <p:nvSpPr>
-          <p:cNvPr id="6" name="Espace réservé du contenu 5"/>
-          <p:cNvSpPr>
-            <a:spLocks noGrp="1"/>
-          </p:cNvSpPr>
-          <p:nvPr>
-            <p:ph sz="quarter" idx="1"/>
-          </p:nvPr>
-        </p:nvSpPr>
-        <p:spPr/>
-        <p:txBody>
-          <a:bodyPr/>
-          <a:lstStyle/>
-          <a:p>
+              <a:rPr lang="fr-FR" smtClean="0"/>
+              <a:t>Première prise en main</a:t>
+            </a:r>
             <a:endParaRPr lang="fr-FR"/>
           </a:p>
         </p:txBody>
@@ -10026,7 +11125,7 @@
     </p:spTree>
     <p:extLst>
       <p:ext uri="{BB962C8B-B14F-4D97-AF65-F5344CB8AC3E}">
-        <p14:creationId xmlns:p14="http://schemas.microsoft.com/office/powerpoint/2010/main" val="601726295"/>
+        <p14:creationId xmlns:p14="http://schemas.microsoft.com/office/powerpoint/2010/main" val="3659039995"/>
       </p:ext>
     </p:extLst>
   </p:cSld>
@@ -10055,57 +11154,7 @@
       </p:grpSpPr>
       <p:sp>
         <p:nvSpPr>
-          <p:cNvPr id="4" name="Titre 3"/>
-          <p:cNvSpPr>
-            <a:spLocks noGrp="1"/>
-          </p:cNvSpPr>
-          <p:nvPr>
-            <p:ph type="title"/>
-          </p:nvPr>
-        </p:nvSpPr>
-        <p:spPr/>
-        <p:txBody>
-          <a:bodyPr/>
-          <a:lstStyle/>
-          <a:p>
-            <a:r>
-              <a:rPr lang="fr-FR" dirty="0" err="1" smtClean="0"/>
-              <a:t>Xcos</a:t>
-            </a:r>
-            <a:r>
-              <a:rPr lang="fr-FR" dirty="0" smtClean="0"/>
-              <a:t> &amp; </a:t>
-            </a:r>
-            <a:r>
-              <a:rPr lang="fr-FR" dirty="0" err="1" smtClean="0"/>
-              <a:t>Arduino</a:t>
-            </a:r>
-            <a:endParaRPr lang="fr-FR" dirty="0"/>
-          </a:p>
-        </p:txBody>
-      </p:sp>
-      <p:sp>
-        <p:nvSpPr>
-          <p:cNvPr id="5" name="Espace réservé du texte 4"/>
-          <p:cNvSpPr>
-            <a:spLocks noGrp="1"/>
-          </p:cNvSpPr>
-          <p:nvPr>
-            <p:ph type="body" idx="1"/>
-          </p:nvPr>
-        </p:nvSpPr>
-        <p:spPr/>
-        <p:txBody>
-          <a:bodyPr/>
-          <a:lstStyle/>
-          <a:p>
-            <a:endParaRPr lang="fr-FR"/>
-          </a:p>
-        </p:txBody>
-      </p:sp>
-      <p:sp>
-        <p:nvSpPr>
-          <p:cNvPr id="2" name="Espace réservé du numéro de diapositive 1"/>
+          <p:cNvPr id="4" name="Espace réservé du numéro de diapositive 3"/>
           <p:cNvSpPr>
             <a:spLocks noGrp="1"/>
           </p:cNvSpPr>
@@ -10121,645 +11170,6 @@
             <a:fld id="{136A7F36-7A21-4EA8-9DC2-F00219448035}" type="slidenum">
               <a:rPr lang="fr-FR" smtClean="0"/>
               <a:t>29</a:t>
-            </a:fld>
-            <a:endParaRPr lang="fr-FR"/>
-          </a:p>
-        </p:txBody>
-      </p:sp>
-    </p:spTree>
-    <p:extLst>
-      <p:ext uri="{BB962C8B-B14F-4D97-AF65-F5344CB8AC3E}">
-        <p14:creationId xmlns:p14="http://schemas.microsoft.com/office/powerpoint/2010/main" val="1589319820"/>
-      </p:ext>
-    </p:extLst>
-  </p:cSld>
-  <p:clrMapOvr>
-    <a:masterClrMapping/>
-  </p:clrMapOvr>
-</p:sld>
-</file>
-
-<file path=ppt/slides/slide3.xml><?xml version="1.0" encoding="utf-8"?>
-<p:sld xmlns:a="http://schemas.openxmlformats.org/drawingml/2006/main" xmlns:r="http://schemas.openxmlformats.org/officeDocument/2006/relationships" xmlns:p="http://schemas.openxmlformats.org/presentationml/2006/main">
-  <p:cSld>
-    <p:spTree>
-      <p:nvGrpSpPr>
-        <p:cNvPr id="1" name=""/>
-        <p:cNvGrpSpPr/>
-        <p:nvPr/>
-      </p:nvGrpSpPr>
-      <p:grpSpPr>
-        <a:xfrm>
-          <a:off x="0" y="0"/>
-          <a:ext cx="0" cy="0"/>
-          <a:chOff x="0" y="0"/>
-          <a:chExt cx="0" cy="0"/>
-        </a:xfrm>
-      </p:grpSpPr>
-      <p:sp>
-        <p:nvSpPr>
-          <p:cNvPr id="2" name="Titre 1"/>
-          <p:cNvSpPr>
-            <a:spLocks noGrp="1"/>
-          </p:cNvSpPr>
-          <p:nvPr>
-            <p:ph type="title"/>
-          </p:nvPr>
-        </p:nvSpPr>
-        <p:spPr/>
-        <p:txBody>
-          <a:bodyPr/>
-          <a:lstStyle/>
-          <a:p>
-            <a:r>
-              <a:rPr lang="fr-FR" smtClean="0"/>
-              <a:t>Plan</a:t>
-            </a:r>
-            <a:endParaRPr lang="fr-FR" dirty="0"/>
-          </a:p>
-        </p:txBody>
-      </p:sp>
-      <p:sp>
-        <p:nvSpPr>
-          <p:cNvPr id="3" name="Espace réservé du contenu 2"/>
-          <p:cNvSpPr>
-            <a:spLocks noGrp="1"/>
-          </p:cNvSpPr>
-          <p:nvPr>
-            <p:ph sz="quarter" idx="1"/>
-          </p:nvPr>
-        </p:nvSpPr>
-        <p:spPr/>
-        <p:txBody>
-          <a:bodyPr>
-            <a:normAutofit fontScale="92500" lnSpcReduction="10000"/>
-          </a:bodyPr>
-          <a:lstStyle/>
-          <a:p>
-            <a:r>
-              <a:rPr lang="fr-FR" dirty="0" smtClean="0"/>
-              <a:t>Scilab</a:t>
-            </a:r>
-          </a:p>
-          <a:p>
-            <a:pPr lvl="1"/>
-            <a:r>
-              <a:rPr lang="fr-FR" dirty="0" smtClean="0"/>
-              <a:t>Qu’est ce que </a:t>
-            </a:r>
-            <a:r>
-              <a:rPr lang="fr-FR" dirty="0" err="1" smtClean="0"/>
-              <a:t>scilab</a:t>
-            </a:r>
-            <a:r>
-              <a:rPr lang="fr-FR" dirty="0" smtClean="0"/>
-              <a:t> ?</a:t>
-            </a:r>
-          </a:p>
-          <a:p>
-            <a:pPr lvl="1"/>
-            <a:r>
-              <a:rPr lang="fr-FR" dirty="0" smtClean="0"/>
-              <a:t>Le module </a:t>
-            </a:r>
-            <a:r>
-              <a:rPr lang="fr-FR" dirty="0" err="1" smtClean="0"/>
-              <a:t>Xcos</a:t>
-            </a:r>
-            <a:endParaRPr lang="fr-FR" dirty="0" smtClean="0"/>
-          </a:p>
-          <a:p>
-            <a:pPr lvl="1"/>
-            <a:r>
-              <a:rPr lang="fr-FR" dirty="0" smtClean="0"/>
-              <a:t>Le module SIMM/</a:t>
-            </a:r>
-            <a:r>
-              <a:rPr lang="fr-FR" dirty="0" err="1" smtClean="0"/>
-              <a:t>Coselica</a:t>
-            </a:r>
-            <a:endParaRPr lang="fr-FR" dirty="0" smtClean="0"/>
-          </a:p>
-          <a:p>
-            <a:pPr lvl="1"/>
-            <a:r>
-              <a:rPr lang="fr-FR" dirty="0" smtClean="0"/>
-              <a:t>Construction du modèle acausal du moteur à courant continu</a:t>
-            </a:r>
-          </a:p>
-          <a:p>
-            <a:pPr lvl="2"/>
-            <a:r>
-              <a:rPr lang="fr-FR" dirty="0" smtClean="0"/>
-              <a:t>Contexte, variation de paramètres…</a:t>
-            </a:r>
-          </a:p>
-          <a:p>
-            <a:pPr lvl="2"/>
-            <a:r>
-              <a:rPr lang="fr-FR" dirty="0" smtClean="0"/>
-              <a:t>Modèle complet</a:t>
-            </a:r>
-          </a:p>
-          <a:p>
-            <a:pPr lvl="2"/>
-            <a:r>
-              <a:rPr lang="fr-FR" dirty="0" smtClean="0"/>
-              <a:t>Modèle condensé</a:t>
-            </a:r>
-          </a:p>
-          <a:p>
-            <a:pPr lvl="2"/>
-            <a:r>
-              <a:rPr lang="fr-FR" dirty="0" smtClean="0"/>
-              <a:t>Commande du moteur avec hacheur / PWM</a:t>
-            </a:r>
-          </a:p>
-          <a:p>
-            <a:pPr lvl="3"/>
-            <a:r>
-              <a:rPr lang="fr-FR" dirty="0" smtClean="0"/>
-              <a:t>Possibilité bibliothèque thermique</a:t>
-            </a:r>
-          </a:p>
-          <a:p>
-            <a:pPr lvl="2"/>
-            <a:r>
-              <a:rPr lang="fr-FR" dirty="0" smtClean="0"/>
-              <a:t>Frottement visqueux / inertie transfo de </a:t>
-            </a:r>
-            <a:r>
-              <a:rPr lang="fr-FR" dirty="0" err="1" smtClean="0"/>
-              <a:t>mvt</a:t>
-            </a:r>
-            <a:r>
-              <a:rPr lang="fr-FR" dirty="0" smtClean="0"/>
-              <a:t>  …</a:t>
-            </a:r>
-          </a:p>
-          <a:p>
-            <a:pPr lvl="2"/>
-            <a:r>
-              <a:rPr lang="fr-FR" dirty="0" smtClean="0"/>
-              <a:t>Bilan échantillonnage de la résolution</a:t>
-            </a:r>
-          </a:p>
-          <a:p>
-            <a:pPr lvl="2"/>
-            <a:r>
-              <a:rPr lang="fr-FR" dirty="0" smtClean="0"/>
-              <a:t>Bilan avec réversibilité Moteur</a:t>
-            </a:r>
-          </a:p>
-          <a:p>
-            <a:pPr lvl="2"/>
-            <a:r>
-              <a:rPr lang="fr-FR" dirty="0" smtClean="0"/>
-              <a:t>Exemple avec liaisons cinématiques et limites du SIMM (pas de lien avec SW)</a:t>
-            </a:r>
-          </a:p>
-          <a:p>
-            <a:r>
-              <a:rPr lang="fr-FR" dirty="0" smtClean="0"/>
-              <a:t>Applications pédagogiques </a:t>
-            </a:r>
-            <a:r>
-              <a:rPr lang="fr-FR" dirty="0" err="1" smtClean="0"/>
-              <a:t>Coselica</a:t>
-            </a:r>
-            <a:endParaRPr lang="fr-FR" dirty="0" smtClean="0"/>
-          </a:p>
-          <a:p>
-            <a:pPr lvl="1"/>
-            <a:r>
-              <a:rPr lang="fr-FR" dirty="0" smtClean="0"/>
-              <a:t>Pilote automatique de voilier</a:t>
-            </a:r>
-          </a:p>
-          <a:p>
-            <a:pPr lvl="1"/>
-            <a:r>
-              <a:rPr lang="fr-FR" dirty="0" err="1" smtClean="0"/>
-              <a:t>Arduino</a:t>
-            </a:r>
-            <a:r>
-              <a:rPr lang="fr-FR" dirty="0"/>
-              <a:t> </a:t>
-            </a:r>
-            <a:r>
-              <a:rPr lang="fr-FR" dirty="0" smtClean="0"/>
-              <a:t>?</a:t>
-            </a:r>
-          </a:p>
-          <a:p>
-            <a:endParaRPr lang="fr-FR" dirty="0" smtClean="0"/>
-          </a:p>
-          <a:p>
-            <a:pPr lvl="1"/>
-            <a:endParaRPr lang="fr-FR" dirty="0"/>
-          </a:p>
-        </p:txBody>
-      </p:sp>
-      <p:sp>
-        <p:nvSpPr>
-          <p:cNvPr id="4" name="Espace réservé du numéro de diapositive 3"/>
-          <p:cNvSpPr>
-            <a:spLocks noGrp="1"/>
-          </p:cNvSpPr>
-          <p:nvPr>
-            <p:ph type="sldNum" sz="quarter" idx="15"/>
-          </p:nvPr>
-        </p:nvSpPr>
-        <p:spPr/>
-        <p:txBody>
-          <a:bodyPr/>
-          <a:lstStyle/>
-          <a:p>
-            <a:fld id="{136A7F36-7A21-4EA8-9DC2-F00219448035}" type="slidenum">
-              <a:rPr lang="fr-FR" smtClean="0"/>
-              <a:t>3</a:t>
-            </a:fld>
-            <a:endParaRPr lang="fr-FR"/>
-          </a:p>
-        </p:txBody>
-      </p:sp>
-    </p:spTree>
-    <p:extLst>
-      <p:ext uri="{BB962C8B-B14F-4D97-AF65-F5344CB8AC3E}">
-        <p14:creationId xmlns:p14="http://schemas.microsoft.com/office/powerpoint/2010/main" val="297069116"/>
-      </p:ext>
-    </p:extLst>
-  </p:cSld>
-  <p:clrMapOvr>
-    <a:masterClrMapping/>
-  </p:clrMapOvr>
-  <p:timing>
-    <p:tnLst>
-      <p:par>
-        <p:cTn id="1" dur="indefinite" restart="never" nodeType="tmRoot"/>
-      </p:par>
-    </p:tnLst>
-  </p:timing>
-</p:sld>
-</file>
-
-<file path=ppt/slides/slide30.xml><?xml version="1.0" encoding="utf-8"?>
-<p:sld xmlns:a="http://schemas.openxmlformats.org/drawingml/2006/main" xmlns:r="http://schemas.openxmlformats.org/officeDocument/2006/relationships" xmlns:p="http://schemas.openxmlformats.org/presentationml/2006/main">
-  <p:cSld>
-    <p:spTree>
-      <p:nvGrpSpPr>
-        <p:cNvPr id="1" name=""/>
-        <p:cNvGrpSpPr/>
-        <p:nvPr/>
-      </p:nvGrpSpPr>
-      <p:grpSpPr>
-        <a:xfrm>
-          <a:off x="0" y="0"/>
-          <a:ext cx="0" cy="0"/>
-          <a:chOff x="0" y="0"/>
-          <a:chExt cx="0" cy="0"/>
-        </a:xfrm>
-      </p:grpSpPr>
-      <p:sp>
-        <p:nvSpPr>
-          <p:cNvPr id="2" name="Titre 1"/>
-          <p:cNvSpPr>
-            <a:spLocks noGrp="1"/>
-          </p:cNvSpPr>
-          <p:nvPr>
-            <p:ph type="title"/>
-          </p:nvPr>
-        </p:nvSpPr>
-        <p:spPr/>
-        <p:txBody>
-          <a:bodyPr>
-            <a:normAutofit/>
-          </a:bodyPr>
-          <a:lstStyle/>
-          <a:p>
-            <a:r>
-              <a:rPr lang="fr-FR" dirty="0" err="1" smtClean="0"/>
-              <a:t>Xcos</a:t>
-            </a:r>
-            <a:r>
-              <a:rPr lang="fr-FR" dirty="0" smtClean="0"/>
-              <a:t> </a:t>
-            </a:r>
-            <a:r>
-              <a:rPr lang="fr-FR" dirty="0" err="1" smtClean="0"/>
-              <a:t>Arduino</a:t>
-            </a:r>
-            <a:endParaRPr lang="fr-FR" dirty="0"/>
-          </a:p>
-        </p:txBody>
-      </p:sp>
-      <p:sp>
-        <p:nvSpPr>
-          <p:cNvPr id="3" name="Espace réservé du contenu 2"/>
-          <p:cNvSpPr>
-            <a:spLocks noGrp="1"/>
-          </p:cNvSpPr>
-          <p:nvPr>
-            <p:ph sz="quarter" idx="1"/>
-          </p:nvPr>
-        </p:nvSpPr>
-        <p:spPr/>
-        <p:txBody>
-          <a:bodyPr/>
-          <a:lstStyle/>
-          <a:p>
-            <a:r>
-              <a:rPr lang="fr-FR" dirty="0" smtClean="0"/>
-              <a:t>Actions préliminaires</a:t>
-            </a:r>
-          </a:p>
-          <a:p>
-            <a:pPr lvl="1"/>
-            <a:r>
-              <a:rPr lang="fr-FR" dirty="0" smtClean="0"/>
-              <a:t>Dans le gestionnaire de module </a:t>
-            </a:r>
-            <a:r>
-              <a:rPr lang="fr-FR" dirty="0" err="1" smtClean="0"/>
-              <a:t>Atom</a:t>
-            </a:r>
-            <a:r>
-              <a:rPr lang="fr-FR" dirty="0" smtClean="0"/>
-              <a:t> de Scilab</a:t>
-            </a:r>
-          </a:p>
-          <a:p>
-            <a:pPr lvl="2"/>
-            <a:r>
-              <a:rPr lang="fr-FR" dirty="0" smtClean="0"/>
-              <a:t>Installer le module </a:t>
-            </a:r>
-            <a:r>
-              <a:rPr lang="fr-FR" dirty="0" err="1" smtClean="0"/>
-              <a:t>Arduino</a:t>
-            </a:r>
-            <a:endParaRPr lang="fr-FR" dirty="0" smtClean="0"/>
-          </a:p>
-          <a:p>
-            <a:pPr lvl="2"/>
-            <a:endParaRPr lang="fr-FR" dirty="0"/>
-          </a:p>
-          <a:p>
-            <a:pPr lvl="1"/>
-            <a:r>
-              <a:rPr lang="fr-FR" dirty="0" smtClean="0"/>
-              <a:t>Dans le logiciel </a:t>
-            </a:r>
-            <a:r>
-              <a:rPr lang="fr-FR" dirty="0" err="1" smtClean="0"/>
-              <a:t>Arduino</a:t>
-            </a:r>
-            <a:endParaRPr lang="fr-FR" dirty="0" smtClean="0"/>
-          </a:p>
-          <a:p>
-            <a:pPr lvl="2"/>
-            <a:r>
-              <a:rPr lang="fr-FR" dirty="0"/>
-              <a:t>Télécharger toolbox_arduino_v3.ino (</a:t>
-            </a:r>
-            <a:r>
-              <a:rPr lang="fr-FR" dirty="0">
-                <a:hlinkClick r:id="rId2"/>
-              </a:rPr>
-              <a:t>http://</a:t>
-            </a:r>
-            <a:r>
-              <a:rPr lang="fr-FR" dirty="0" smtClean="0">
-                <a:hlinkClick r:id="rId2"/>
-              </a:rPr>
-              <a:t>www.demosciences.fr/projets/scilab-arduino/toolbox_arduino_v3.ino?attredirects=0&amp;d=1</a:t>
-            </a:r>
-            <a:r>
-              <a:rPr lang="fr-FR" dirty="0" smtClean="0"/>
-              <a:t>) </a:t>
-            </a:r>
-          </a:p>
-          <a:p>
-            <a:pPr lvl="2"/>
-            <a:r>
-              <a:rPr lang="fr-FR" dirty="0" err="1" smtClean="0"/>
-              <a:t>Téléverser</a:t>
-            </a:r>
-            <a:r>
-              <a:rPr lang="fr-FR" dirty="0" smtClean="0"/>
-              <a:t> la </a:t>
-            </a:r>
-            <a:r>
-              <a:rPr lang="fr-FR" dirty="0" err="1" smtClean="0"/>
-              <a:t>toolbox</a:t>
-            </a:r>
-            <a:r>
-              <a:rPr lang="fr-FR" dirty="0" smtClean="0"/>
-              <a:t> dans une carte </a:t>
-            </a:r>
-            <a:r>
-              <a:rPr lang="fr-FR" dirty="0" err="1" smtClean="0"/>
-              <a:t>arduino</a:t>
-            </a:r>
-            <a:r>
-              <a:rPr lang="fr-FR" dirty="0" smtClean="0"/>
-              <a:t> </a:t>
-            </a:r>
-            <a:r>
-              <a:rPr lang="fr-FR" dirty="0" err="1" smtClean="0"/>
-              <a:t>Uno</a:t>
-            </a:r>
-            <a:endParaRPr lang="fr-FR" dirty="0"/>
-          </a:p>
-        </p:txBody>
-      </p:sp>
-      <p:sp>
-        <p:nvSpPr>
-          <p:cNvPr id="4" name="Espace réservé du numéro de diapositive 3"/>
-          <p:cNvSpPr>
-            <a:spLocks noGrp="1"/>
-          </p:cNvSpPr>
-          <p:nvPr>
-            <p:ph type="sldNum" sz="quarter" idx="15"/>
-          </p:nvPr>
-        </p:nvSpPr>
-        <p:spPr/>
-        <p:txBody>
-          <a:bodyPr/>
-          <a:lstStyle/>
-          <a:p>
-            <a:fld id="{136A7F36-7A21-4EA8-9DC2-F00219448035}" type="slidenum">
-              <a:rPr lang="fr-FR" smtClean="0"/>
-              <a:t>30</a:t>
-            </a:fld>
-            <a:endParaRPr lang="fr-FR"/>
-          </a:p>
-        </p:txBody>
-      </p:sp>
-    </p:spTree>
-    <p:extLst>
-      <p:ext uri="{BB962C8B-B14F-4D97-AF65-F5344CB8AC3E}">
-        <p14:creationId xmlns:p14="http://schemas.microsoft.com/office/powerpoint/2010/main" val="2728033274"/>
-      </p:ext>
-    </p:extLst>
-  </p:cSld>
-  <p:clrMapOvr>
-    <a:masterClrMapping/>
-  </p:clrMapOvr>
-</p:sld>
-</file>
-
-<file path=ppt/slides/slide31.xml><?xml version="1.0" encoding="utf-8"?>
-<p:sld xmlns:a="http://schemas.openxmlformats.org/drawingml/2006/main" xmlns:r="http://schemas.openxmlformats.org/officeDocument/2006/relationships" xmlns:p="http://schemas.openxmlformats.org/presentationml/2006/main">
-  <p:cSld>
-    <p:spTree>
-      <p:nvGrpSpPr>
-        <p:cNvPr id="1" name=""/>
-        <p:cNvGrpSpPr/>
-        <p:nvPr/>
-      </p:nvGrpSpPr>
-      <p:grpSpPr>
-        <a:xfrm>
-          <a:off x="0" y="0"/>
-          <a:ext cx="0" cy="0"/>
-          <a:chOff x="0" y="0"/>
-          <a:chExt cx="0" cy="0"/>
-        </a:xfrm>
-      </p:grpSpPr>
-      <p:sp>
-        <p:nvSpPr>
-          <p:cNvPr id="2" name="Espace réservé du contenu 1"/>
-          <p:cNvSpPr>
-            <a:spLocks noGrp="1"/>
-          </p:cNvSpPr>
-          <p:nvPr>
-            <p:ph sz="quarter" idx="1"/>
-          </p:nvPr>
-        </p:nvSpPr>
-        <p:spPr/>
-        <p:txBody>
-          <a:bodyPr/>
-          <a:lstStyle/>
-          <a:p>
-            <a:endParaRPr lang="fr-FR"/>
-          </a:p>
-        </p:txBody>
-      </p:sp>
-      <p:sp>
-        <p:nvSpPr>
-          <p:cNvPr id="3" name="Titre 2"/>
-          <p:cNvSpPr>
-            <a:spLocks noGrp="1"/>
-          </p:cNvSpPr>
-          <p:nvPr>
-            <p:ph type="title"/>
-          </p:nvPr>
-        </p:nvSpPr>
-        <p:spPr/>
-        <p:txBody>
-          <a:bodyPr>
-            <a:normAutofit fontScale="90000"/>
-          </a:bodyPr>
-          <a:lstStyle/>
-          <a:p>
-            <a:r>
-              <a:rPr lang="fr-FR" dirty="0" err="1" smtClean="0"/>
-              <a:t>Xcos</a:t>
-            </a:r>
-            <a:r>
-              <a:rPr lang="fr-FR" dirty="0" smtClean="0"/>
-              <a:t> </a:t>
-            </a:r>
-            <a:r>
-              <a:rPr lang="fr-FR" dirty="0" err="1" smtClean="0"/>
-              <a:t>Arduino</a:t>
-            </a:r>
-            <a:r>
-              <a:rPr lang="fr-FR" dirty="0" smtClean="0"/>
-              <a:t/>
-            </a:r>
-            <a:br>
-              <a:rPr lang="fr-FR" dirty="0" smtClean="0"/>
-            </a:br>
-            <a:r>
-              <a:rPr lang="fr-FR" smtClean="0"/>
-              <a:t>Première prise en main</a:t>
-            </a:r>
-            <a:endParaRPr lang="fr-FR"/>
-          </a:p>
-        </p:txBody>
-      </p:sp>
-      <p:sp>
-        <p:nvSpPr>
-          <p:cNvPr id="4" name="Espace réservé du numéro de diapositive 3"/>
-          <p:cNvSpPr>
-            <a:spLocks noGrp="1"/>
-          </p:cNvSpPr>
-          <p:nvPr>
-            <p:ph type="sldNum" sz="quarter" idx="15"/>
-          </p:nvPr>
-        </p:nvSpPr>
-        <p:spPr/>
-        <p:txBody>
-          <a:bodyPr/>
-          <a:lstStyle/>
-          <a:p>
-            <a:fld id="{136A7F36-7A21-4EA8-9DC2-F00219448035}" type="slidenum">
-              <a:rPr lang="fr-FR" smtClean="0"/>
-              <a:t>31</a:t>
-            </a:fld>
-            <a:endParaRPr lang="fr-FR"/>
-          </a:p>
-        </p:txBody>
-      </p:sp>
-    </p:spTree>
-    <p:extLst>
-      <p:ext uri="{BB962C8B-B14F-4D97-AF65-F5344CB8AC3E}">
-        <p14:creationId xmlns:p14="http://schemas.microsoft.com/office/powerpoint/2010/main" val="3659039995"/>
-      </p:ext>
-    </p:extLst>
-  </p:cSld>
-  <p:clrMapOvr>
-    <a:masterClrMapping/>
-  </p:clrMapOvr>
-</p:sld>
-</file>
-
-<file path=ppt/slides/slide32.xml><?xml version="1.0" encoding="utf-8"?>
-<p:sld xmlns:a="http://schemas.openxmlformats.org/drawingml/2006/main" xmlns:r="http://schemas.openxmlformats.org/officeDocument/2006/relationships" xmlns:p="http://schemas.openxmlformats.org/presentationml/2006/main">
-  <p:cSld>
-    <p:spTree>
-      <p:nvGrpSpPr>
-        <p:cNvPr id="1" name=""/>
-        <p:cNvGrpSpPr/>
-        <p:nvPr/>
-      </p:nvGrpSpPr>
-      <p:grpSpPr>
-        <a:xfrm>
-          <a:off x="0" y="0"/>
-          <a:ext cx="0" cy="0"/>
-          <a:chOff x="0" y="0"/>
-          <a:chExt cx="0" cy="0"/>
-        </a:xfrm>
-      </p:grpSpPr>
-      <p:sp>
-        <p:nvSpPr>
-          <p:cNvPr id="4" name="Espace réservé du numéro de diapositive 3"/>
-          <p:cNvSpPr>
-            <a:spLocks noGrp="1"/>
-          </p:cNvSpPr>
-          <p:nvPr>
-            <p:ph type="sldNum" sz="quarter" idx="12"/>
-          </p:nvPr>
-        </p:nvSpPr>
-        <p:spPr/>
-        <p:txBody>
-          <a:bodyPr/>
-          <a:lstStyle/>
-          <a:p>
-            <a:fld id="{136A7F36-7A21-4EA8-9DC2-F00219448035}" type="slidenum">
-              <a:rPr lang="fr-FR" smtClean="0"/>
-              <a:t>32</a:t>
             </a:fld>
             <a:endParaRPr lang="fr-FR"/>
           </a:p>
@@ -11930,7 +12340,7 @@
 </p:sld>
 </file>
 
-<file path=ppt/slides/slide33.xml><?xml version="1.0" encoding="utf-8"?>
+<file path=ppt/slides/slide3.xml><?xml version="1.0" encoding="utf-8"?>
 <p:sld xmlns:a="http://schemas.openxmlformats.org/drawingml/2006/main" xmlns:r="http://schemas.openxmlformats.org/officeDocument/2006/relationships" xmlns:p="http://schemas.openxmlformats.org/presentationml/2006/main">
   <p:cSld>
     <p:spTree>
@@ -11949,6 +12359,245 @@
       </p:grpSpPr>
       <p:sp>
         <p:nvSpPr>
+          <p:cNvPr id="2" name="Titre 1"/>
+          <p:cNvSpPr>
+            <a:spLocks noGrp="1"/>
+          </p:cNvSpPr>
+          <p:nvPr>
+            <p:ph type="title"/>
+          </p:nvPr>
+        </p:nvSpPr>
+        <p:spPr/>
+        <p:txBody>
+          <a:bodyPr/>
+          <a:lstStyle/>
+          <a:p>
+            <a:r>
+              <a:rPr lang="fr-FR" smtClean="0"/>
+              <a:t>Plan</a:t>
+            </a:r>
+            <a:endParaRPr lang="fr-FR" dirty="0"/>
+          </a:p>
+        </p:txBody>
+      </p:sp>
+      <p:sp>
+        <p:nvSpPr>
+          <p:cNvPr id="3" name="Espace réservé du contenu 2"/>
+          <p:cNvSpPr>
+            <a:spLocks noGrp="1"/>
+          </p:cNvSpPr>
+          <p:nvPr>
+            <p:ph sz="quarter" idx="1"/>
+          </p:nvPr>
+        </p:nvSpPr>
+        <p:spPr>
+          <a:xfrm>
+            <a:off x="251520" y="1268760"/>
+            <a:ext cx="7920880" cy="5472608"/>
+          </a:xfrm>
+        </p:spPr>
+        <p:txBody>
+          <a:bodyPr>
+            <a:normAutofit fontScale="85000" lnSpcReduction="20000"/>
+          </a:bodyPr>
+          <a:lstStyle/>
+          <a:p>
+            <a:r>
+              <a:rPr lang="fr-FR" dirty="0" smtClean="0"/>
+              <a:t>Modélisation multiphysique</a:t>
+            </a:r>
+          </a:p>
+          <a:p>
+            <a:pPr lvl="1"/>
+            <a:r>
+              <a:rPr lang="fr-FR" dirty="0" smtClean="0"/>
+              <a:t>Contexte dans l’enseignement</a:t>
+            </a:r>
+          </a:p>
+          <a:p>
+            <a:pPr lvl="1"/>
+            <a:r>
+              <a:rPr lang="fr-FR" dirty="0" smtClean="0"/>
+              <a:t>Définitions</a:t>
+            </a:r>
+          </a:p>
+          <a:p>
+            <a:pPr lvl="1"/>
+            <a:r>
+              <a:rPr lang="fr-FR" dirty="0" smtClean="0"/>
+              <a:t>Modèle de connaissance</a:t>
+            </a:r>
+          </a:p>
+          <a:p>
+            <a:pPr lvl="2"/>
+            <a:r>
+              <a:rPr lang="fr-FR" dirty="0" smtClean="0"/>
+              <a:t>Moteur à courant continu (linéaire/non linéaire ?)</a:t>
+            </a:r>
+          </a:p>
+          <a:p>
+            <a:pPr lvl="1"/>
+            <a:r>
+              <a:rPr lang="fr-FR" dirty="0" smtClean="0"/>
+              <a:t>Modélisation causale</a:t>
+            </a:r>
+          </a:p>
+          <a:p>
+            <a:pPr lvl="2"/>
+            <a:r>
+              <a:rPr lang="fr-FR" dirty="0" smtClean="0"/>
+              <a:t>Domaine symbolique (+FT) -&gt; Relation algébriques simples et loi E/S Simples</a:t>
+            </a:r>
+            <a:endParaRPr lang="fr-FR" dirty="0"/>
+          </a:p>
+          <a:p>
+            <a:pPr lvl="2"/>
+            <a:r>
+              <a:rPr lang="fr-FR" dirty="0" smtClean="0"/>
+              <a:t>CI nulles et modèles linéaires imposés (sauf hystérésis, saturation et seuils …)(sinon linéarisation+ pt de fonctionnement, pas de produit de fonctions  dans les équations du modèle).</a:t>
+            </a:r>
+          </a:p>
+          <a:p>
+            <a:pPr lvl="2"/>
+            <a:r>
+              <a:rPr lang="fr-FR" dirty="0" smtClean="0"/>
+              <a:t>Notion de sens S = F.E (Pas réversible)</a:t>
+            </a:r>
+          </a:p>
+          <a:p>
+            <a:pPr lvl="2"/>
+            <a:r>
+              <a:rPr lang="fr-FR" dirty="0" smtClean="0"/>
+              <a:t>Résolution numérique imposée par le modèle utilisé</a:t>
+            </a:r>
+          </a:p>
+          <a:p>
+            <a:pPr lvl="2"/>
+            <a:r>
+              <a:rPr lang="fr-FR" dirty="0" smtClean="0"/>
+              <a:t>La technologie des constituants n’apparaît pas</a:t>
+            </a:r>
+          </a:p>
+          <a:p>
+            <a:pPr lvl="2"/>
+            <a:r>
+              <a:rPr lang="fr-FR" dirty="0" smtClean="0"/>
+              <a:t>Notion d’irréversibilité du modèle</a:t>
+            </a:r>
+          </a:p>
+          <a:p>
+            <a:pPr lvl="2"/>
+            <a:r>
+              <a:rPr lang="fr-FR" dirty="0" smtClean="0"/>
+              <a:t>Cependant le calcul symbolique permet de faciliter les études harmoniques</a:t>
+            </a:r>
+          </a:p>
+          <a:p>
+            <a:pPr lvl="1"/>
+            <a:r>
+              <a:rPr lang="fr-FR" dirty="0" smtClean="0"/>
+              <a:t>Modélisation acausale</a:t>
+            </a:r>
+          </a:p>
+          <a:p>
+            <a:pPr lvl="2"/>
+            <a:r>
+              <a:rPr lang="fr-FR" dirty="0" smtClean="0"/>
+              <a:t>Symbolisation des constituants dédiés à la technologie utilisée (respect des normes, respect des connecteurs E/S, grandeurs physiques + polarité…)</a:t>
+            </a:r>
+          </a:p>
+          <a:p>
+            <a:pPr lvl="2"/>
+            <a:r>
+              <a:rPr lang="fr-FR" dirty="0" smtClean="0"/>
+              <a:t>Le modèle de connaissance n’est pas exigible, mais il faut maîtriser les paramètres caractérisant le comportement du constituant</a:t>
+            </a:r>
+          </a:p>
+          <a:p>
+            <a:pPr lvl="2"/>
+            <a:r>
+              <a:rPr lang="fr-FR" dirty="0" smtClean="0"/>
+              <a:t>Liens non orientés entre les blocs (Comparaison des modélisation causale et acausale sur une résistance)  Différence « Affectation / Équation ». Liens avec le diagramme paramétrique.</a:t>
+            </a:r>
+          </a:p>
+          <a:p>
+            <a:pPr lvl="2"/>
+            <a:r>
+              <a:rPr lang="fr-FR" dirty="0" smtClean="0"/>
+              <a:t>Ouvertures sur la réversibilité (réversibilité des composants, réversibilité des systèmes)</a:t>
+            </a:r>
+          </a:p>
+          <a:p>
+            <a:pPr lvl="2"/>
+            <a:r>
+              <a:rPr lang="fr-FR" dirty="0" smtClean="0"/>
+              <a:t>Le modèle n’impose pas de démarche de résolution. Le solveur se charge d’optimiser les calculs.  </a:t>
+            </a:r>
+          </a:p>
+        </p:txBody>
+      </p:sp>
+      <p:sp>
+        <p:nvSpPr>
+          <p:cNvPr id="4" name="Espace réservé du numéro de diapositive 3"/>
+          <p:cNvSpPr>
+            <a:spLocks noGrp="1"/>
+          </p:cNvSpPr>
+          <p:nvPr>
+            <p:ph type="sldNum" sz="quarter" idx="15"/>
+          </p:nvPr>
+        </p:nvSpPr>
+        <p:spPr/>
+        <p:txBody>
+          <a:bodyPr/>
+          <a:lstStyle/>
+          <a:p>
+            <a:fld id="{136A7F36-7A21-4EA8-9DC2-F00219448035}" type="slidenum">
+              <a:rPr lang="fr-FR" smtClean="0"/>
+              <a:t>3</a:t>
+            </a:fld>
+            <a:endParaRPr lang="fr-FR"/>
+          </a:p>
+        </p:txBody>
+      </p:sp>
+    </p:spTree>
+    <p:extLst>
+      <p:ext uri="{BB962C8B-B14F-4D97-AF65-F5344CB8AC3E}">
+        <p14:creationId xmlns:p14="http://schemas.microsoft.com/office/powerpoint/2010/main" val="3520046662"/>
+      </p:ext>
+    </p:extLst>
+  </p:cSld>
+  <p:clrMapOvr>
+    <a:masterClrMapping/>
+  </p:clrMapOvr>
+  <p:timing>
+    <p:tnLst>
+      <p:par>
+        <p:cTn id="1" dur="indefinite" restart="never" nodeType="tmRoot"/>
+      </p:par>
+    </p:tnLst>
+  </p:timing>
+</p:sld>
+</file>
+
+<file path=ppt/slides/slide30.xml><?xml version="1.0" encoding="utf-8"?>
+<p:sld xmlns:a="http://schemas.openxmlformats.org/drawingml/2006/main" xmlns:r="http://schemas.openxmlformats.org/officeDocument/2006/relationships" xmlns:p="http://schemas.openxmlformats.org/presentationml/2006/main">
+  <p:cSld>
+    <p:spTree>
+      <p:nvGrpSpPr>
+        <p:cNvPr id="1" name=""/>
+        <p:cNvGrpSpPr/>
+        <p:nvPr/>
+      </p:nvGrpSpPr>
+      <p:grpSpPr>
+        <a:xfrm>
+          <a:off x="0" y="0"/>
+          <a:ext cx="0" cy="0"/>
+          <a:chOff x="0" y="0"/>
+          <a:chExt cx="0" cy="0"/>
+        </a:xfrm>
+      </p:grpSpPr>
+      <p:sp>
+        <p:nvSpPr>
           <p:cNvPr id="2" name="Espace réservé du numéro de diapositive 1"/>
           <p:cNvSpPr>
             <a:spLocks noGrp="1"/>
@@ -11964,7 +12613,7 @@
           <a:p>
             <a:fld id="{136A7F36-7A21-4EA8-9DC2-F00219448035}" type="slidenum">
               <a:rPr lang="fr-FR" smtClean="0"/>
-              <a:t>33</a:t>
+              <a:t>30</a:t>
             </a:fld>
             <a:endParaRPr lang="fr-FR"/>
           </a:p>
@@ -16008,7 +16657,7 @@
       </p:grpSpPr>
       <p:sp>
         <p:nvSpPr>
-          <p:cNvPr id="4" name="Titre 3"/>
+          <p:cNvPr id="2" name="Titre 1"/>
           <p:cNvSpPr>
             <a:spLocks noGrp="1"/>
           </p:cNvSpPr>
@@ -16022,44 +16671,202 @@
           <a:lstStyle/>
           <a:p>
             <a:r>
+              <a:rPr lang="fr-FR" smtClean="0"/>
+              <a:t>Plan</a:t>
+            </a:r>
+            <a:endParaRPr lang="fr-FR" dirty="0"/>
+          </a:p>
+        </p:txBody>
+      </p:sp>
+      <p:sp>
+        <p:nvSpPr>
+          <p:cNvPr id="3" name="Espace réservé du contenu 2"/>
+          <p:cNvSpPr>
+            <a:spLocks noGrp="1"/>
+          </p:cNvSpPr>
+          <p:nvPr>
+            <p:ph sz="quarter" idx="1"/>
+          </p:nvPr>
+        </p:nvSpPr>
+        <p:spPr/>
+        <p:txBody>
+          <a:bodyPr>
+            <a:normAutofit fontScale="92500" lnSpcReduction="10000"/>
+          </a:bodyPr>
+          <a:lstStyle/>
+          <a:p>
+            <a:r>
               <a:rPr lang="fr-FR" dirty="0" smtClean="0"/>
-              <a:t>Modélisation </a:t>
+              <a:t>Scilab</a:t>
+            </a:r>
+          </a:p>
+          <a:p>
+            <a:pPr lvl="1"/>
+            <a:r>
+              <a:rPr lang="fr-FR" dirty="0" smtClean="0"/>
+              <a:t>Qu’est ce que </a:t>
             </a:r>
             <a:r>
               <a:rPr lang="fr-FR" dirty="0" err="1" smtClean="0"/>
-              <a:t>mutiphysique</a:t>
-            </a:r>
+              <a:t>scilab</a:t>
+            </a:r>
+            <a:r>
+              <a:rPr lang="fr-FR" dirty="0" smtClean="0"/>
+              <a:t> ?</a:t>
+            </a:r>
+          </a:p>
+          <a:p>
+            <a:pPr lvl="1"/>
+            <a:r>
+              <a:rPr lang="fr-FR" dirty="0" smtClean="0"/>
+              <a:t>Le module </a:t>
+            </a:r>
+            <a:r>
+              <a:rPr lang="fr-FR" dirty="0" err="1" smtClean="0"/>
+              <a:t>Xcos</a:t>
+            </a:r>
+            <a:endParaRPr lang="fr-FR" dirty="0" smtClean="0"/>
+          </a:p>
+          <a:p>
+            <a:pPr lvl="1"/>
+            <a:r>
+              <a:rPr lang="fr-FR" dirty="0" smtClean="0"/>
+              <a:t>Le module SIMM/</a:t>
+            </a:r>
+            <a:r>
+              <a:rPr lang="fr-FR" dirty="0" err="1" smtClean="0"/>
+              <a:t>Coselica</a:t>
+            </a:r>
+            <a:endParaRPr lang="fr-FR" dirty="0" smtClean="0"/>
+          </a:p>
+          <a:p>
+            <a:pPr lvl="1"/>
+            <a:r>
+              <a:rPr lang="fr-FR" dirty="0" smtClean="0"/>
+              <a:t>Construction du modèle acausal du moteur à courant continu</a:t>
+            </a:r>
+          </a:p>
+          <a:p>
+            <a:pPr lvl="2"/>
+            <a:r>
+              <a:rPr lang="fr-FR" dirty="0" smtClean="0"/>
+              <a:t>Contexte, variation de paramètres…</a:t>
+            </a:r>
+          </a:p>
+          <a:p>
+            <a:pPr lvl="2"/>
+            <a:r>
+              <a:rPr lang="fr-FR" dirty="0" smtClean="0"/>
+              <a:t>Modèle complet</a:t>
+            </a:r>
+          </a:p>
+          <a:p>
+            <a:pPr lvl="2"/>
+            <a:r>
+              <a:rPr lang="fr-FR" dirty="0" smtClean="0"/>
+              <a:t>Modèle condensé</a:t>
+            </a:r>
+          </a:p>
+          <a:p>
+            <a:pPr lvl="2"/>
+            <a:r>
+              <a:rPr lang="fr-FR" dirty="0" smtClean="0"/>
+              <a:t>Commande du moteur avec hacheur / PWM</a:t>
+            </a:r>
+          </a:p>
+          <a:p>
+            <a:pPr lvl="3"/>
+            <a:r>
+              <a:rPr lang="fr-FR" dirty="0" smtClean="0"/>
+              <a:t>Possibilité bibliothèque thermique</a:t>
+            </a:r>
+          </a:p>
+          <a:p>
+            <a:pPr lvl="2"/>
+            <a:r>
+              <a:rPr lang="fr-FR" dirty="0" smtClean="0"/>
+              <a:t>Frottement visqueux / inertie transfo de </a:t>
+            </a:r>
+            <a:r>
+              <a:rPr lang="fr-FR" dirty="0" err="1" smtClean="0"/>
+              <a:t>mvt</a:t>
+            </a:r>
+            <a:r>
+              <a:rPr lang="fr-FR" dirty="0" smtClean="0"/>
+              <a:t>  …</a:t>
+            </a:r>
+          </a:p>
+          <a:p>
+            <a:pPr lvl="2"/>
+            <a:r>
+              <a:rPr lang="fr-FR" dirty="0" smtClean="0"/>
+              <a:t>Bilan échantillonnage de la résolution</a:t>
+            </a:r>
+          </a:p>
+          <a:p>
+            <a:pPr lvl="2"/>
+            <a:r>
+              <a:rPr lang="fr-FR" dirty="0" smtClean="0"/>
+              <a:t>Bilan avec réversibilité Moteur</a:t>
+            </a:r>
+          </a:p>
+          <a:p>
+            <a:pPr lvl="2"/>
+            <a:r>
+              <a:rPr lang="fr-FR" dirty="0" smtClean="0"/>
+              <a:t>Exemple avec liaisons cinématiques et limites du SIMM (pas de lien avec SW)</a:t>
+            </a:r>
+          </a:p>
+          <a:p>
+            <a:r>
+              <a:rPr lang="fr-FR" dirty="0" smtClean="0"/>
+              <a:t>Applications pédagogiques </a:t>
+            </a:r>
+            <a:r>
+              <a:rPr lang="fr-FR" dirty="0" err="1" smtClean="0"/>
+              <a:t>Coselica</a:t>
+            </a:r>
+            <a:endParaRPr lang="fr-FR" dirty="0" smtClean="0"/>
+          </a:p>
+          <a:p>
+            <a:pPr lvl="1"/>
+            <a:r>
+              <a:rPr lang="fr-FR" dirty="0" smtClean="0"/>
+              <a:t>Pilote automatique de voilier</a:t>
+            </a:r>
+          </a:p>
+          <a:p>
+            <a:pPr lvl="1"/>
+            <a:r>
+              <a:rPr lang="fr-FR" dirty="0" err="1" smtClean="0"/>
+              <a:t>Arduino</a:t>
+            </a:r>
+            <a:r>
+              <a:rPr lang="fr-FR" dirty="0"/>
+              <a:t> </a:t>
+            </a:r>
+            <a:r>
+              <a:rPr lang="fr-FR" dirty="0" smtClean="0"/>
+              <a:t>?</a:t>
+            </a:r>
+          </a:p>
+          <a:p>
+            <a:endParaRPr lang="fr-FR" dirty="0" smtClean="0"/>
+          </a:p>
+          <a:p>
+            <a:pPr lvl="1"/>
             <a:endParaRPr lang="fr-FR" dirty="0"/>
           </a:p>
         </p:txBody>
       </p:sp>
       <p:sp>
         <p:nvSpPr>
-          <p:cNvPr id="5" name="Espace réservé du texte 4"/>
+          <p:cNvPr id="4" name="Espace réservé du numéro de diapositive 3"/>
           <p:cNvSpPr>
             <a:spLocks noGrp="1"/>
           </p:cNvSpPr>
           <p:nvPr>
-            <p:ph type="body" idx="1"/>
-          </p:nvPr>
-        </p:nvSpPr>
-        <p:spPr/>
-        <p:txBody>
-          <a:bodyPr/>
-          <a:lstStyle/>
-          <a:p>
-            <a:endParaRPr lang="fr-FR"/>
-          </a:p>
-        </p:txBody>
-      </p:sp>
-      <p:sp>
-        <p:nvSpPr>
-          <p:cNvPr id="6" name="Espace réservé du numéro de diapositive 5"/>
-          <p:cNvSpPr>
-            <a:spLocks noGrp="1"/>
-          </p:cNvSpPr>
-          <p:nvPr>
-            <p:ph type="sldNum" sz="quarter" idx="12"/>
+            <p:ph type="sldNum" sz="quarter" idx="15"/>
           </p:nvPr>
         </p:nvSpPr>
         <p:spPr/>
@@ -16078,13 +16885,20 @@
     </p:spTree>
     <p:extLst>
       <p:ext uri="{BB962C8B-B14F-4D97-AF65-F5344CB8AC3E}">
-        <p14:creationId xmlns:p14="http://schemas.microsoft.com/office/powerpoint/2010/main" val="1140419535"/>
+        <p14:creationId xmlns:p14="http://schemas.microsoft.com/office/powerpoint/2010/main" val="297069116"/>
       </p:ext>
     </p:extLst>
   </p:cSld>
   <p:clrMapOvr>
     <a:masterClrMapping/>
   </p:clrMapOvr>
+  <p:timing>
+    <p:tnLst>
+      <p:par>
+        <p:cTn id="1" dur="indefinite" restart="never" nodeType="tmRoot"/>
+      </p:par>
+    </p:tnLst>
+  </p:timing>
 </p:sld>
 </file>
 
@@ -16107,7 +16921,7 @@
       </p:grpSpPr>
       <p:sp>
         <p:nvSpPr>
-          <p:cNvPr id="2" name="Titre 1"/>
+          <p:cNvPr id="4" name="Titre 3"/>
           <p:cNvSpPr>
             <a:spLocks noGrp="1"/>
           </p:cNvSpPr>
@@ -16117,6 +16931,105 @@
         </p:nvSpPr>
         <p:spPr/>
         <p:txBody>
+          <a:bodyPr/>
+          <a:lstStyle/>
+          <a:p>
+            <a:r>
+              <a:rPr lang="fr-FR" dirty="0" smtClean="0"/>
+              <a:t>Modélisation </a:t>
+            </a:r>
+            <a:r>
+              <a:rPr lang="fr-FR" dirty="0" err="1" smtClean="0"/>
+              <a:t>mutiphysique</a:t>
+            </a:r>
+            <a:endParaRPr lang="fr-FR" dirty="0"/>
+          </a:p>
+        </p:txBody>
+      </p:sp>
+      <p:sp>
+        <p:nvSpPr>
+          <p:cNvPr id="5" name="Espace réservé du texte 4"/>
+          <p:cNvSpPr>
+            <a:spLocks noGrp="1"/>
+          </p:cNvSpPr>
+          <p:nvPr>
+            <p:ph type="body" idx="1"/>
+          </p:nvPr>
+        </p:nvSpPr>
+        <p:spPr/>
+        <p:txBody>
+          <a:bodyPr/>
+          <a:lstStyle/>
+          <a:p>
+            <a:endParaRPr lang="fr-FR"/>
+          </a:p>
+        </p:txBody>
+      </p:sp>
+      <p:sp>
+        <p:nvSpPr>
+          <p:cNvPr id="6" name="Espace réservé du numéro de diapositive 5"/>
+          <p:cNvSpPr>
+            <a:spLocks noGrp="1"/>
+          </p:cNvSpPr>
+          <p:nvPr>
+            <p:ph type="sldNum" sz="quarter" idx="12"/>
+          </p:nvPr>
+        </p:nvSpPr>
+        <p:spPr/>
+        <p:txBody>
+          <a:bodyPr/>
+          <a:lstStyle/>
+          <a:p>
+            <a:fld id="{136A7F36-7A21-4EA8-9DC2-F00219448035}" type="slidenum">
+              <a:rPr lang="fr-FR" smtClean="0"/>
+              <a:t>5</a:t>
+            </a:fld>
+            <a:endParaRPr lang="fr-FR"/>
+          </a:p>
+        </p:txBody>
+      </p:sp>
+    </p:spTree>
+    <p:extLst>
+      <p:ext uri="{BB962C8B-B14F-4D97-AF65-F5344CB8AC3E}">
+        <p14:creationId xmlns:p14="http://schemas.microsoft.com/office/powerpoint/2010/main" val="1140419535"/>
+      </p:ext>
+    </p:extLst>
+  </p:cSld>
+  <p:clrMapOvr>
+    <a:masterClrMapping/>
+  </p:clrMapOvr>
+</p:sld>
+</file>
+
+<file path=ppt/slides/slide6.xml><?xml version="1.0" encoding="utf-8"?>
+<p:sld xmlns:a="http://schemas.openxmlformats.org/drawingml/2006/main" xmlns:r="http://schemas.openxmlformats.org/officeDocument/2006/relationships" xmlns:p="http://schemas.openxmlformats.org/presentationml/2006/main">
+  <p:cSld>
+    <p:spTree>
+      <p:nvGrpSpPr>
+        <p:cNvPr id="1" name=""/>
+        <p:cNvGrpSpPr/>
+        <p:nvPr/>
+      </p:nvGrpSpPr>
+      <p:grpSpPr>
+        <a:xfrm>
+          <a:off x="0" y="0"/>
+          <a:ext cx="0" cy="0"/>
+          <a:chOff x="0" y="0"/>
+          <a:chExt cx="0" cy="0"/>
+        </a:xfrm>
+      </p:grpSpPr>
+      <p:sp>
+        <p:nvSpPr>
+          <p:cNvPr id="2" name="Titre 1"/>
+          <p:cNvSpPr>
+            <a:spLocks noGrp="1"/>
+          </p:cNvSpPr>
+          <p:nvPr>
+            <p:ph type="title"/>
+          </p:nvPr>
+        </p:nvSpPr>
+        <p:spPr/>
+        <p:txBody>
           <a:bodyPr>
             <a:normAutofit fontScale="90000"/>
           </a:bodyPr>
@@ -16154,7 +17067,7 @@
           <a:p>
             <a:fld id="{136A7F36-7A21-4EA8-9DC2-F00219448035}" type="slidenum">
               <a:rPr lang="fr-FR" smtClean="0"/>
-              <a:t>5</a:t>
+              <a:t>6</a:t>
             </a:fld>
             <a:endParaRPr lang="fr-FR"/>
           </a:p>
@@ -16237,163 +17150,6 @@
 </p:sld>
 </file>
 
-<file path=ppt/slides/slide6.xml><?xml version="1.0" encoding="utf-8"?>
-<p:sld xmlns:a="http://schemas.openxmlformats.org/drawingml/2006/main" xmlns:r="http://schemas.openxmlformats.org/officeDocument/2006/relationships" xmlns:p="http://schemas.openxmlformats.org/presentationml/2006/main">
-  <p:cSld>
-    <p:spTree>
-      <p:nvGrpSpPr>
-        <p:cNvPr id="1" name=""/>
-        <p:cNvGrpSpPr/>
-        <p:nvPr/>
-      </p:nvGrpSpPr>
-      <p:grpSpPr>
-        <a:xfrm>
-          <a:off x="0" y="0"/>
-          <a:ext cx="0" cy="0"/>
-          <a:chOff x="0" y="0"/>
-          <a:chExt cx="0" cy="0"/>
-        </a:xfrm>
-      </p:grpSpPr>
-      <p:sp>
-        <p:nvSpPr>
-          <p:cNvPr id="5" name="Titre 4"/>
-          <p:cNvSpPr>
-            <a:spLocks noGrp="1"/>
-          </p:cNvSpPr>
-          <p:nvPr>
-            <p:ph type="title"/>
-          </p:nvPr>
-        </p:nvSpPr>
-        <p:spPr/>
-        <p:txBody>
-          <a:bodyPr>
-            <a:normAutofit fontScale="90000"/>
-          </a:bodyPr>
-          <a:lstStyle/>
-          <a:p>
-            <a:r>
-              <a:rPr lang="fr-FR" dirty="0" smtClean="0"/>
-              <a:t>Modélisation multiphysique</a:t>
-            </a:r>
-            <a:br>
-              <a:rPr lang="fr-FR" dirty="0" smtClean="0"/>
-            </a:br>
-            <a:r>
-              <a:rPr lang="fr-FR" dirty="0" smtClean="0"/>
-              <a:t>Tentatives de définitions</a:t>
-            </a:r>
-            <a:endParaRPr lang="fr-FR" dirty="0"/>
-          </a:p>
-        </p:txBody>
-      </p:sp>
-      <p:sp>
-        <p:nvSpPr>
-          <p:cNvPr id="6" name="Espace réservé du contenu 5"/>
-          <p:cNvSpPr>
-            <a:spLocks noGrp="1"/>
-          </p:cNvSpPr>
-          <p:nvPr>
-            <p:ph sz="quarter" idx="1"/>
-          </p:nvPr>
-        </p:nvSpPr>
-        <p:spPr/>
-        <p:txBody>
-          <a:bodyPr>
-            <a:normAutofit lnSpcReduction="10000"/>
-          </a:bodyPr>
-          <a:lstStyle/>
-          <a:p>
-            <a:pPr algn="just"/>
-            <a:r>
-              <a:rPr lang="fr-FR" dirty="0" smtClean="0"/>
-              <a:t>La modélisation multiphysique en SII</a:t>
-            </a:r>
-          </a:p>
-          <a:p>
-            <a:pPr lvl="1" algn="just"/>
-            <a:r>
-              <a:rPr lang="fr-FR" dirty="0" smtClean="0"/>
-              <a:t>Modélisation d’un système pluri technologique en intégrant tous les domaines de la physique nécessaires au fonctionnement de ce système</a:t>
-            </a:r>
-          </a:p>
-          <a:p>
-            <a:pPr algn="just"/>
-            <a:endParaRPr lang="fr-FR" dirty="0"/>
-          </a:p>
-          <a:p>
-            <a:pPr algn="just"/>
-            <a:r>
-              <a:rPr lang="fr-FR" dirty="0" smtClean="0"/>
-              <a:t>La modélisation multiphysique et multi échelle dans la recherche</a:t>
-            </a:r>
-          </a:p>
-          <a:p>
-            <a:pPr lvl="1" algn="just"/>
-            <a:r>
-              <a:rPr lang="fr-FR" dirty="0" smtClean="0"/>
-              <a:t>La modélisation multiphysique permet de de prendre en compte les couplages entre phénomènes physiques différents (couplage mécanique – chimique, couplage mécanique des structures – neutronique – thermo hydraulique dans la physique des réacteurs …)</a:t>
-            </a:r>
-          </a:p>
-          <a:p>
-            <a:pPr lvl="1" algn="just"/>
-            <a:r>
-              <a:rPr lang="fr-FR" dirty="0" smtClean="0"/>
-              <a:t>La modélisation multi échelle permet, grâce au calcul numérique, de déduire des propriétés macroscopiques à partir de modèles microscopiques</a:t>
-            </a:r>
-          </a:p>
-          <a:p>
-            <a:pPr lvl="2" algn="just"/>
-            <a:r>
-              <a:rPr lang="fr-FR" dirty="0" smtClean="0"/>
-              <a:t>Utilisation complémentaires de modèles probabilistes</a:t>
-            </a:r>
-          </a:p>
-          <a:p>
-            <a:pPr lvl="1" algn="just"/>
-            <a:r>
-              <a:rPr lang="fr-FR" dirty="0" smtClean="0"/>
-              <a:t>Problèmes de compatibilité et de cohérences des codes de calcul</a:t>
-            </a:r>
-            <a:endParaRPr lang="fr-FR" dirty="0"/>
-          </a:p>
-        </p:txBody>
-      </p:sp>
-      <p:sp>
-        <p:nvSpPr>
-          <p:cNvPr id="4" name="Espace réservé du numéro de diapositive 3"/>
-          <p:cNvSpPr>
-            <a:spLocks noGrp="1"/>
-          </p:cNvSpPr>
-          <p:nvPr>
-            <p:ph type="sldNum" sz="quarter" idx="15"/>
-          </p:nvPr>
-        </p:nvSpPr>
-        <p:spPr/>
-        <p:txBody>
-          <a:bodyPr/>
-          <a:lstStyle/>
-          <a:p>
-            <a:fld id="{136A7F36-7A21-4EA8-9DC2-F00219448035}" type="slidenum">
-              <a:rPr lang="fr-FR" smtClean="0"/>
-              <a:t>6</a:t>
-            </a:fld>
-            <a:endParaRPr lang="fr-FR"/>
-          </a:p>
-        </p:txBody>
-      </p:sp>
-    </p:spTree>
-    <p:extLst>
-      <p:ext uri="{BB962C8B-B14F-4D97-AF65-F5344CB8AC3E}">
-        <p14:creationId xmlns:p14="http://schemas.microsoft.com/office/powerpoint/2010/main" val="2231398042"/>
-      </p:ext>
-    </p:extLst>
-  </p:cSld>
-  <p:clrMapOvr>
-    <a:masterClrMapping/>
-  </p:clrMapOvr>
-</p:sld>
-</file>
-
 <file path=ppt/slides/slide7.xml><?xml version="1.0" encoding="utf-8"?>
 <p:sld xmlns:a="http://schemas.openxmlformats.org/drawingml/2006/main" xmlns:r="http://schemas.openxmlformats.org/officeDocument/2006/relationships" xmlns:p="http://schemas.openxmlformats.org/presentationml/2006/main">
   <p:cSld>
@@ -16413,7 +17169,7 @@
       </p:grpSpPr>
       <p:sp>
         <p:nvSpPr>
-          <p:cNvPr id="2" name="Titre 1"/>
+          <p:cNvPr id="5" name="Titre 4"/>
           <p:cNvSpPr>
             <a:spLocks noGrp="1"/>
           </p:cNvSpPr>
@@ -16437,7 +17193,7 @@
             </a:br>
             <a:r>
               <a:rPr lang="fr-FR" dirty="0" smtClean="0"/>
-              <a:t>Le modèle de connaissance</a:t>
+              <a:t>Tentatives de définitions</a:t>
             </a:r>
             <a:endParaRPr lang="fr-FR" dirty="0"/>
           </a:p>
@@ -16445,7 +17201,7 @@
       </p:sp>
       <p:sp>
         <p:nvSpPr>
-          <p:cNvPr id="3" name="Espace réservé du contenu 2"/>
+          <p:cNvPr id="6" name="Espace réservé du contenu 5"/>
           <p:cNvSpPr>
             <a:spLocks noGrp="1"/>
           </p:cNvSpPr>
@@ -16456,58 +17212,62 @@
         <p:spPr/>
         <p:txBody>
           <a:bodyPr>
-            <a:normAutofit/>
+            <a:normAutofit lnSpcReduction="10000"/>
           </a:bodyPr>
           <a:lstStyle/>
           <a:p>
+            <a:pPr algn="just"/>
             <a:r>
               <a:rPr lang="fr-FR" dirty="0" smtClean="0"/>
-              <a:t>Définition </a:t>
-            </a:r>
-          </a:p>
-          <a:p>
-            <a:pPr lvl="1"/>
+              <a:t>La modélisation multiphysique en SII</a:t>
+            </a:r>
+          </a:p>
+          <a:p>
+            <a:pPr lvl="1" algn="just"/>
             <a:r>
               <a:rPr lang="fr-FR" dirty="0" smtClean="0"/>
-              <a:t>Le modèle établi à partir des lois de la physique ou de la chimie</a:t>
-            </a:r>
-          </a:p>
-          <a:p>
+              <a:t>Modélisation d’un système pluri technologique en intégrant tous les domaines de la physique nécessaires au fonctionnement de ce système</a:t>
+            </a:r>
+          </a:p>
+          <a:p>
+            <a:pPr algn="just"/>
+            <a:endParaRPr lang="fr-FR" dirty="0"/>
+          </a:p>
+          <a:p>
+            <a:pPr algn="just"/>
             <a:r>
               <a:rPr lang="fr-FR" dirty="0" smtClean="0"/>
-              <a:t>Objectif</a:t>
-            </a:r>
-          </a:p>
-          <a:p>
-            <a:pPr lvl="1"/>
-            <a:r>
-              <a:rPr lang="fr-FR" dirty="0"/>
-              <a:t>E</a:t>
-            </a:r>
+              <a:t>La modélisation multiphysique et multi échelle dans la recherche</a:t>
+            </a:r>
+          </a:p>
+          <a:p>
+            <a:pPr lvl="1" algn="just"/>
             <a:r>
               <a:rPr lang="fr-FR" dirty="0" smtClean="0"/>
-              <a:t>xpliciter le fonctionnement d’un bloc d’un système par une relation mathématique</a:t>
-            </a:r>
-          </a:p>
-          <a:p>
+              <a:t>La modélisation multiphysique permet de de prendre en compte les couplages entre phénomènes physiques différents (couplage mécanique – chimique, couplage mécanique des structures – neutronique – thermo hydraulique dans la physique des réacteurs …)</a:t>
+            </a:r>
+          </a:p>
+          <a:p>
+            <a:pPr lvl="1" algn="just"/>
             <a:r>
               <a:rPr lang="fr-FR" dirty="0" smtClean="0"/>
-              <a:t>Problèmes </a:t>
-            </a:r>
-          </a:p>
-          <a:p>
-            <a:pPr lvl="1"/>
+              <a:t>La modélisation multi échelle permet, grâce au calcul numérique, de déduire des propriétés macroscopiques à partir de modèles microscopiques</a:t>
+            </a:r>
+          </a:p>
+          <a:p>
+            <a:pPr lvl="2" algn="just"/>
             <a:r>
               <a:rPr lang="fr-FR" dirty="0" smtClean="0"/>
-              <a:t>Complexité de certains modèles</a:t>
-            </a:r>
-          </a:p>
-          <a:p>
-            <a:pPr lvl="1"/>
+              <a:t>Utilisation complémentaires de modèles probabilistes</a:t>
+            </a:r>
+          </a:p>
+          <a:p>
+            <a:pPr lvl="1" algn="just"/>
             <a:r>
               <a:rPr lang="fr-FR" dirty="0" smtClean="0"/>
-              <a:t>Identification nécessaires de paramètres</a:t>
-            </a:r>
+              <a:t>Problèmes de compatibilité et de cohérences des codes de calcul</a:t>
+            </a:r>
+            <a:endParaRPr lang="fr-FR" dirty="0"/>
           </a:p>
         </p:txBody>
       </p:sp>
@@ -16529,6 +17289,159 @@
             <a:fld id="{136A7F36-7A21-4EA8-9DC2-F00219448035}" type="slidenum">
               <a:rPr lang="fr-FR" smtClean="0"/>
               <a:t>7</a:t>
+            </a:fld>
+            <a:endParaRPr lang="fr-FR"/>
+          </a:p>
+        </p:txBody>
+      </p:sp>
+    </p:spTree>
+    <p:extLst>
+      <p:ext uri="{BB962C8B-B14F-4D97-AF65-F5344CB8AC3E}">
+        <p14:creationId xmlns:p14="http://schemas.microsoft.com/office/powerpoint/2010/main" val="2231398042"/>
+      </p:ext>
+    </p:extLst>
+  </p:cSld>
+  <p:clrMapOvr>
+    <a:masterClrMapping/>
+  </p:clrMapOvr>
+</p:sld>
+</file>
+
+<file path=ppt/slides/slide8.xml><?xml version="1.0" encoding="utf-8"?>
+<p:sld xmlns:a="http://schemas.openxmlformats.org/drawingml/2006/main" xmlns:r="http://schemas.openxmlformats.org/officeDocument/2006/relationships" xmlns:p="http://schemas.openxmlformats.org/presentationml/2006/main">
+  <p:cSld>
+    <p:spTree>
+      <p:nvGrpSpPr>
+        <p:cNvPr id="1" name=""/>
+        <p:cNvGrpSpPr/>
+        <p:nvPr/>
+      </p:nvGrpSpPr>
+      <p:grpSpPr>
+        <a:xfrm>
+          <a:off x="0" y="0"/>
+          <a:ext cx="0" cy="0"/>
+          <a:chOff x="0" y="0"/>
+          <a:chExt cx="0" cy="0"/>
+        </a:xfrm>
+      </p:grpSpPr>
+      <p:sp>
+        <p:nvSpPr>
+          <p:cNvPr id="2" name="Titre 1"/>
+          <p:cNvSpPr>
+            <a:spLocks noGrp="1"/>
+          </p:cNvSpPr>
+          <p:nvPr>
+            <p:ph type="title"/>
+          </p:nvPr>
+        </p:nvSpPr>
+        <p:spPr/>
+        <p:txBody>
+          <a:bodyPr>
+            <a:normAutofit fontScale="90000"/>
+          </a:bodyPr>
+          <a:lstStyle/>
+          <a:p>
+            <a:r>
+              <a:rPr lang="fr-FR" dirty="0" smtClean="0"/>
+              <a:t>Modélisation multiphysique</a:t>
+            </a:r>
+            <a:br>
+              <a:rPr lang="fr-FR" dirty="0" smtClean="0"/>
+            </a:br>
+            <a:r>
+              <a:rPr lang="fr-FR" dirty="0" smtClean="0"/>
+              <a:t>Le modèle de connaissance</a:t>
+            </a:r>
+            <a:endParaRPr lang="fr-FR" dirty="0"/>
+          </a:p>
+        </p:txBody>
+      </p:sp>
+      <p:sp>
+        <p:nvSpPr>
+          <p:cNvPr id="3" name="Espace réservé du contenu 2"/>
+          <p:cNvSpPr>
+            <a:spLocks noGrp="1"/>
+          </p:cNvSpPr>
+          <p:nvPr>
+            <p:ph sz="quarter" idx="1"/>
+          </p:nvPr>
+        </p:nvSpPr>
+        <p:spPr/>
+        <p:txBody>
+          <a:bodyPr>
+            <a:normAutofit/>
+          </a:bodyPr>
+          <a:lstStyle/>
+          <a:p>
+            <a:r>
+              <a:rPr lang="fr-FR" dirty="0" smtClean="0"/>
+              <a:t>Définition </a:t>
+            </a:r>
+          </a:p>
+          <a:p>
+            <a:pPr lvl="1"/>
+            <a:r>
+              <a:rPr lang="fr-FR" dirty="0" smtClean="0"/>
+              <a:t>Le modèle établi à partir des lois de la physique ou de la chimie</a:t>
+            </a:r>
+          </a:p>
+          <a:p>
+            <a:r>
+              <a:rPr lang="fr-FR" dirty="0" smtClean="0"/>
+              <a:t>Objectif</a:t>
+            </a:r>
+          </a:p>
+          <a:p>
+            <a:pPr lvl="1"/>
+            <a:r>
+              <a:rPr lang="fr-FR" dirty="0"/>
+              <a:t>E</a:t>
+            </a:r>
+            <a:r>
+              <a:rPr lang="fr-FR" dirty="0" smtClean="0"/>
+              <a:t>xpliciter le fonctionnement d’un bloc d’un système par une relation mathématique</a:t>
+            </a:r>
+          </a:p>
+          <a:p>
+            <a:r>
+              <a:rPr lang="fr-FR" dirty="0" smtClean="0"/>
+              <a:t>Problèmes </a:t>
+            </a:r>
+          </a:p>
+          <a:p>
+            <a:pPr lvl="1"/>
+            <a:r>
+              <a:rPr lang="fr-FR" dirty="0" smtClean="0"/>
+              <a:t>Complexité de certains modèles</a:t>
+            </a:r>
+          </a:p>
+          <a:p>
+            <a:pPr lvl="1"/>
+            <a:r>
+              <a:rPr lang="fr-FR" dirty="0" smtClean="0"/>
+              <a:t>Identification nécessaires de paramètres</a:t>
+            </a:r>
+          </a:p>
+        </p:txBody>
+      </p:sp>
+      <p:sp>
+        <p:nvSpPr>
+          <p:cNvPr id="4" name="Espace réservé du numéro de diapositive 3"/>
+          <p:cNvSpPr>
+            <a:spLocks noGrp="1"/>
+          </p:cNvSpPr>
+          <p:nvPr>
+            <p:ph type="sldNum" sz="quarter" idx="15"/>
+          </p:nvPr>
+        </p:nvSpPr>
+        <p:spPr/>
+        <p:txBody>
+          <a:bodyPr/>
+          <a:lstStyle/>
+          <a:p>
+            <a:fld id="{136A7F36-7A21-4EA8-9DC2-F00219448035}" type="slidenum">
+              <a:rPr lang="fr-FR" smtClean="0"/>
+              <a:t>8</a:t>
             </a:fld>
             <a:endParaRPr lang="fr-FR"/>
           </a:p>
@@ -16547,7 +17460,7 @@
 </p:sld>
 </file>
 
-<file path=ppt/slides/slide8.xml><?xml version="1.0" encoding="utf-8"?>
+<file path=ppt/slides/slide9.xml><?xml version="1.0" encoding="utf-8"?>
 <p:sld xmlns:a="http://schemas.openxmlformats.org/drawingml/2006/main" xmlns:r="http://schemas.openxmlformats.org/officeDocument/2006/relationships" xmlns:p="http://schemas.openxmlformats.org/presentationml/2006/main">
   <p:cSld>
     <p:spTree>
@@ -17475,7 +18388,7 @@
           <a:p>
             <a:fld id="{136A7F36-7A21-4EA8-9DC2-F00219448035}" type="slidenum">
               <a:rPr lang="fr-FR" smtClean="0"/>
-              <a:t>8</a:t>
+              <a:t>9</a:t>
             </a:fld>
             <a:endParaRPr lang="fr-FR"/>
           </a:p>
@@ -17737,707 +18650,6 @@
     <p:extLst>
       <p:ext uri="{BB962C8B-B14F-4D97-AF65-F5344CB8AC3E}">
         <p14:creationId xmlns:p14="http://schemas.microsoft.com/office/powerpoint/2010/main" val="1891766453"/>
-      </p:ext>
-    </p:extLst>
-  </p:cSld>
-  <p:clrMapOvr>
-    <a:masterClrMapping/>
-  </p:clrMapOvr>
-</p:sld>
-</file>
-
-<file path=ppt/slides/slide9.xml><?xml version="1.0" encoding="utf-8"?>
-<p:sld xmlns:a="http://schemas.openxmlformats.org/drawingml/2006/main" xmlns:r="http://schemas.openxmlformats.org/officeDocument/2006/relationships" xmlns:p="http://schemas.openxmlformats.org/presentationml/2006/main">
-  <p:cSld>
-    <p:spTree>
-      <p:nvGrpSpPr>
-        <p:cNvPr id="1" name=""/>
-        <p:cNvGrpSpPr/>
-        <p:nvPr/>
-      </p:nvGrpSpPr>
-      <p:grpSpPr>
-        <a:xfrm>
-          <a:off x="0" y="0"/>
-          <a:ext cx="0" cy="0"/>
-          <a:chOff x="0" y="0"/>
-          <a:chExt cx="0" cy="0"/>
-        </a:xfrm>
-      </p:grpSpPr>
-      <p:sp>
-        <p:nvSpPr>
-          <p:cNvPr id="2" name="Titre 1"/>
-          <p:cNvSpPr>
-            <a:spLocks noGrp="1"/>
-          </p:cNvSpPr>
-          <p:nvPr>
-            <p:ph type="title"/>
-          </p:nvPr>
-        </p:nvSpPr>
-        <p:spPr/>
-        <p:txBody>
-          <a:bodyPr>
-            <a:normAutofit fontScale="90000"/>
-          </a:bodyPr>
-          <a:lstStyle/>
-          <a:p>
-            <a:r>
-              <a:rPr lang="fr-FR" dirty="0" smtClean="0"/>
-              <a:t>Modélisation multiphysique</a:t>
-            </a:r>
-            <a:br>
-              <a:rPr lang="fr-FR" dirty="0" smtClean="0"/>
-            </a:br>
-            <a:r>
-              <a:rPr lang="fr-FR" dirty="0" smtClean="0"/>
-              <a:t>Modélisation causale – Mise en situation</a:t>
-            </a:r>
-            <a:endParaRPr lang="fr-FR" dirty="0"/>
-          </a:p>
-        </p:txBody>
-      </p:sp>
-      <mc:AlternateContent xmlns:mc="http://schemas.openxmlformats.org/markup-compatibility/2006" xmlns:a14="http://schemas.microsoft.com/office/drawing/2010/main">
-        <mc:Choice Requires="a14">
-          <p:sp>
-            <p:nvSpPr>
-              <p:cNvPr id="3" name="Espace réservé du contenu 2"/>
-              <p:cNvSpPr>
-                <a:spLocks noGrp="1"/>
-              </p:cNvSpPr>
-              <p:nvPr>
-                <p:ph sz="quarter" idx="1"/>
-              </p:nvPr>
-            </p:nvSpPr>
-            <p:spPr/>
-            <p:txBody>
-              <a:bodyPr>
-                <a:normAutofit fontScale="92500" lnSpcReduction="10000"/>
-              </a:bodyPr>
-              <a:lstStyle/>
-              <a:p>
-                <a:r>
-                  <a:rPr lang="fr-FR" dirty="0" smtClean="0"/>
-                  <a:t>La modélisation causale permet de modéliser des phénomènes linéaires</a:t>
-                </a:r>
-              </a:p>
-              <a:p>
-                <a:pPr lvl="1"/>
-                <a:r>
-                  <a:rPr lang="fr-FR" dirty="0" smtClean="0"/>
-                  <a:t>Loi de comportement régit par une application linéaire </a:t>
-                </a:r>
-                <a:endParaRPr lang="fr-FR" b="0" i="1" dirty="0" smtClean="0">
-                  <a:latin typeface="Cambria Math"/>
-                </a:endParaRPr>
-              </a:p>
-              <a:p>
-                <a:pPr lvl="2"/>
-                <a14:m>
-                  <m:oMath xmlns:m="http://schemas.openxmlformats.org/officeDocument/2006/math">
-                    <m:r>
-                      <a:rPr lang="fr-FR" b="0" i="1" smtClean="0">
-                        <a:latin typeface="Cambria Math"/>
-                      </a:rPr>
-                      <m:t>𝑠</m:t>
-                    </m:r>
-                    <m:d>
-                      <m:dPr>
-                        <m:ctrlPr>
-                          <a:rPr lang="fr-FR" b="0" i="1" smtClean="0">
-                            <a:latin typeface="Cambria Math"/>
-                          </a:rPr>
-                        </m:ctrlPr>
-                      </m:dPr>
-                      <m:e>
-                        <m:r>
-                          <a:rPr lang="fr-FR" b="0" i="1" smtClean="0">
-                            <a:latin typeface="Cambria Math"/>
-                          </a:rPr>
-                          <m:t>𝑡</m:t>
-                        </m:r>
-                      </m:e>
-                    </m:d>
-                    <m:r>
-                      <a:rPr lang="fr-FR" b="0" i="1" smtClean="0">
-                        <a:latin typeface="Cambria Math"/>
-                      </a:rPr>
-                      <m:t>=</m:t>
-                    </m:r>
-                    <m:r>
-                      <a:rPr lang="fr-FR" b="0" i="1" smtClean="0">
-                        <a:latin typeface="Cambria Math"/>
-                      </a:rPr>
-                      <m:t>𝑘</m:t>
-                    </m:r>
-                    <m:r>
-                      <a:rPr lang="fr-FR" b="0" i="1" smtClean="0">
-                        <a:latin typeface="Cambria Math"/>
-                      </a:rPr>
-                      <m:t>⋅</m:t>
-                    </m:r>
-                    <m:r>
-                      <a:rPr lang="fr-FR" b="0" i="1" smtClean="0">
-                        <a:latin typeface="Cambria Math"/>
-                      </a:rPr>
-                      <m:t>𝑒</m:t>
-                    </m:r>
-                    <m:d>
-                      <m:dPr>
-                        <m:ctrlPr>
-                          <a:rPr lang="fr-FR" b="0" i="1" smtClean="0">
-                            <a:latin typeface="Cambria Math"/>
-                          </a:rPr>
-                        </m:ctrlPr>
-                      </m:dPr>
-                      <m:e>
-                        <m:r>
-                          <a:rPr lang="fr-FR" b="0" i="1" smtClean="0">
-                            <a:latin typeface="Cambria Math"/>
-                          </a:rPr>
-                          <m:t>𝑡</m:t>
-                        </m:r>
-                      </m:e>
-                    </m:d>
-                  </m:oMath>
-                </a14:m>
-                <a:endParaRPr lang="fr-FR" dirty="0" smtClean="0"/>
-              </a:p>
-              <a:p>
-                <a:pPr lvl="2"/>
-                <a:r>
-                  <a:rPr lang="fr-FR" dirty="0" smtClean="0"/>
-                  <a:t>Exemples </a:t>
-                </a:r>
-              </a:p>
-              <a:p>
-                <a:pPr lvl="3"/>
-                <a:r>
-                  <a:rPr lang="fr-FR" dirty="0" smtClean="0"/>
-                  <a:t>Évolution de l’effort dans un ressort</a:t>
-                </a:r>
-              </a:p>
-              <a:p>
-                <a:pPr lvl="3"/>
-                <a:r>
-                  <a:rPr lang="fr-FR" dirty="0" smtClean="0"/>
-                  <a:t>Évolution de la tension aux bornes d’une résistance</a:t>
-                </a:r>
-              </a:p>
-              <a:p>
-                <a:pPr lvl="1"/>
-                <a:r>
-                  <a:rPr lang="fr-FR" dirty="0" smtClean="0"/>
-                  <a:t>Loi de comportement régit par une équation différentielle à coefficients constants (</a:t>
-                </a:r>
-                <a14:m>
-                  <m:oMath xmlns:m="http://schemas.openxmlformats.org/officeDocument/2006/math">
-                    <m:r>
-                      <a:rPr lang="fr-FR" b="0" i="1" smtClean="0">
-                        <a:latin typeface="Cambria Math"/>
-                      </a:rPr>
-                      <m:t>𝑛</m:t>
-                    </m:r>
-                    <m:r>
-                      <a:rPr lang="fr-FR" b="0" i="1" smtClean="0">
-                        <a:latin typeface="Cambria Math"/>
-                      </a:rPr>
-                      <m:t>≥</m:t>
-                    </m:r>
-                    <m:r>
-                      <a:rPr lang="fr-FR" b="0" i="1" smtClean="0">
-                        <a:latin typeface="Cambria Math"/>
-                      </a:rPr>
-                      <m:t>𝑚</m:t>
-                    </m:r>
-                  </m:oMath>
-                </a14:m>
-                <a:r>
-                  <a:rPr lang="fr-FR" dirty="0" smtClean="0"/>
-                  <a:t>)</a:t>
-                </a:r>
-              </a:p>
-              <a:p>
-                <a:pPr lvl="2"/>
-                <a14:m>
-                  <m:oMath xmlns:m="http://schemas.openxmlformats.org/officeDocument/2006/math">
-                    <m:nary>
-                      <m:naryPr>
-                        <m:chr m:val="∑"/>
-                        <m:ctrlPr>
-                          <a:rPr lang="fr-FR" i="1" smtClean="0">
-                            <a:latin typeface="Cambria Math"/>
-                          </a:rPr>
-                        </m:ctrlPr>
-                      </m:naryPr>
-                      <m:sub>
-                        <m:r>
-                          <m:rPr>
-                            <m:brk m:alnAt="23"/>
-                          </m:rPr>
-                          <a:rPr lang="fr-FR" b="0" i="1" smtClean="0">
-                            <a:latin typeface="Cambria Math"/>
-                          </a:rPr>
-                          <m:t>𝑖</m:t>
-                        </m:r>
-                        <m:r>
-                          <a:rPr lang="fr-FR" b="0" i="1" smtClean="0">
-                            <a:latin typeface="Cambria Math"/>
-                          </a:rPr>
-                          <m:t>=0</m:t>
-                        </m:r>
-                      </m:sub>
-                      <m:sup>
-                        <m:r>
-                          <a:rPr lang="fr-FR" b="0" i="1" smtClean="0">
-                            <a:latin typeface="Cambria Math"/>
-                          </a:rPr>
-                          <m:t>𝑛</m:t>
-                        </m:r>
-                      </m:sup>
-                      <m:e>
-                        <m:sSub>
-                          <m:sSubPr>
-                            <m:ctrlPr>
-                              <a:rPr lang="fr-FR" i="1">
-                                <a:latin typeface="Cambria Math"/>
-                              </a:rPr>
-                            </m:ctrlPr>
-                          </m:sSubPr>
-                          <m:e>
-                            <m:r>
-                              <a:rPr lang="fr-FR" i="1">
-                                <a:latin typeface="Cambria Math"/>
-                              </a:rPr>
-                              <m:t>𝑎</m:t>
-                            </m:r>
-                          </m:e>
-                          <m:sub>
-                            <m:r>
-                              <a:rPr lang="fr-FR" b="0" i="1" smtClean="0">
-                                <a:latin typeface="Cambria Math"/>
-                              </a:rPr>
-                              <m:t>𝑖</m:t>
-                            </m:r>
-                          </m:sub>
-                        </m:sSub>
-                        <m:f>
-                          <m:fPr>
-                            <m:ctrlPr>
-                              <a:rPr lang="fr-FR" b="0" i="1" smtClean="0">
-                                <a:latin typeface="Cambria Math"/>
-                              </a:rPr>
-                            </m:ctrlPr>
-                          </m:fPr>
-                          <m:num>
-                            <m:sSup>
-                              <m:sSupPr>
-                                <m:ctrlPr>
-                                  <a:rPr lang="fr-FR" b="0" i="1" smtClean="0">
-                                    <a:latin typeface="Cambria Math"/>
-                                  </a:rPr>
-                                </m:ctrlPr>
-                              </m:sSupPr>
-                              <m:e>
-                                <m:r>
-                                  <a:rPr lang="fr-FR" b="0" i="1" smtClean="0">
-                                    <a:latin typeface="Cambria Math"/>
-                                  </a:rPr>
-                                  <m:t>𝑑</m:t>
-                                </m:r>
-                              </m:e>
-                              <m:sup>
-                                <m:r>
-                                  <a:rPr lang="fr-FR" b="0" i="1" smtClean="0">
-                                    <a:latin typeface="Cambria Math"/>
-                                  </a:rPr>
-                                  <m:t>(</m:t>
-                                </m:r>
-                                <m:r>
-                                  <a:rPr lang="fr-FR" b="0" i="1" smtClean="0">
-                                    <a:latin typeface="Cambria Math"/>
-                                  </a:rPr>
-                                  <m:t>𝑖</m:t>
-                                </m:r>
-                                <m:r>
-                                  <a:rPr lang="fr-FR" b="0" i="1" smtClean="0">
-                                    <a:latin typeface="Cambria Math"/>
-                                  </a:rPr>
-                                  <m:t>)</m:t>
-                                </m:r>
-                              </m:sup>
-                            </m:sSup>
-                            <m:r>
-                              <a:rPr lang="fr-FR" b="0" i="1" smtClean="0">
-                                <a:latin typeface="Cambria Math"/>
-                              </a:rPr>
-                              <m:t>𝑠</m:t>
-                            </m:r>
-                            <m:d>
-                              <m:dPr>
-                                <m:ctrlPr>
-                                  <a:rPr lang="fr-FR" b="0" i="1" smtClean="0">
-                                    <a:latin typeface="Cambria Math"/>
-                                  </a:rPr>
-                                </m:ctrlPr>
-                              </m:dPr>
-                              <m:e>
-                                <m:r>
-                                  <a:rPr lang="fr-FR" b="0" i="1" smtClean="0">
-                                    <a:latin typeface="Cambria Math"/>
-                                  </a:rPr>
-                                  <m:t>𝑡</m:t>
-                                </m:r>
-                              </m:e>
-                            </m:d>
-                          </m:num>
-                          <m:den>
-                            <m:r>
-                              <a:rPr lang="fr-FR" b="0" i="1" smtClean="0">
-                                <a:latin typeface="Cambria Math"/>
-                              </a:rPr>
-                              <m:t>𝑑</m:t>
-                            </m:r>
-                            <m:sSup>
-                              <m:sSupPr>
-                                <m:ctrlPr>
-                                  <a:rPr lang="fr-FR" b="0" i="1" smtClean="0">
-                                    <a:latin typeface="Cambria Math"/>
-                                  </a:rPr>
-                                </m:ctrlPr>
-                              </m:sSupPr>
-                              <m:e>
-                                <m:r>
-                                  <a:rPr lang="fr-FR" b="0" i="1" smtClean="0">
-                                    <a:latin typeface="Cambria Math"/>
-                                  </a:rPr>
-                                  <m:t>𝑡</m:t>
-                                </m:r>
-                              </m:e>
-                              <m:sup>
-                                <m:r>
-                                  <a:rPr lang="fr-FR" b="0" i="1" smtClean="0">
-                                    <a:latin typeface="Cambria Math"/>
-                                  </a:rPr>
-                                  <m:t>(</m:t>
-                                </m:r>
-                                <m:r>
-                                  <a:rPr lang="fr-FR" b="0" i="1" smtClean="0">
-                                    <a:latin typeface="Cambria Math"/>
-                                  </a:rPr>
-                                  <m:t>𝑖</m:t>
-                                </m:r>
-                                <m:r>
-                                  <a:rPr lang="fr-FR" b="0" i="1" smtClean="0">
-                                    <a:latin typeface="Cambria Math"/>
-                                  </a:rPr>
-                                  <m:t>)</m:t>
-                                </m:r>
-                              </m:sup>
-                            </m:sSup>
-                          </m:den>
-                        </m:f>
-                      </m:e>
-                    </m:nary>
-                    <m:r>
-                      <a:rPr lang="fr-FR" b="0" i="1" smtClean="0">
-                        <a:latin typeface="Cambria Math"/>
-                      </a:rPr>
-                      <m:t>=</m:t>
-                    </m:r>
-                    <m:nary>
-                      <m:naryPr>
-                        <m:chr m:val="∑"/>
-                        <m:ctrlPr>
-                          <a:rPr lang="fr-FR" i="1">
-                            <a:latin typeface="Cambria Math"/>
-                          </a:rPr>
-                        </m:ctrlPr>
-                      </m:naryPr>
-                      <m:sub>
-                        <m:r>
-                          <a:rPr lang="fr-FR" b="0" i="1" smtClean="0">
-                            <a:latin typeface="Cambria Math"/>
-                          </a:rPr>
-                          <m:t>𝑗</m:t>
-                        </m:r>
-                        <m:r>
-                          <a:rPr lang="fr-FR" i="1">
-                            <a:latin typeface="Cambria Math"/>
-                          </a:rPr>
-                          <m:t>=0</m:t>
-                        </m:r>
-                      </m:sub>
-                      <m:sup>
-                        <m:r>
-                          <a:rPr lang="fr-FR" b="0" i="1" smtClean="0">
-                            <a:latin typeface="Cambria Math"/>
-                          </a:rPr>
-                          <m:t>𝑚</m:t>
-                        </m:r>
-                      </m:sup>
-                      <m:e>
-                        <m:sSub>
-                          <m:sSubPr>
-                            <m:ctrlPr>
-                              <a:rPr lang="fr-FR" i="1">
-                                <a:latin typeface="Cambria Math"/>
-                              </a:rPr>
-                            </m:ctrlPr>
-                          </m:sSubPr>
-                          <m:e>
-                            <m:r>
-                              <a:rPr lang="fr-FR" b="0" i="1" smtClean="0">
-                                <a:latin typeface="Cambria Math"/>
-                              </a:rPr>
-                              <m:t>𝑏</m:t>
-                            </m:r>
-                          </m:e>
-                          <m:sub>
-                            <m:r>
-                              <a:rPr lang="fr-FR" b="0" i="1" smtClean="0">
-                                <a:latin typeface="Cambria Math"/>
-                              </a:rPr>
-                              <m:t>𝑗</m:t>
-                            </m:r>
-                          </m:sub>
-                        </m:sSub>
-                        <m:f>
-                          <m:fPr>
-                            <m:ctrlPr>
-                              <a:rPr lang="fr-FR" i="1">
-                                <a:latin typeface="Cambria Math"/>
-                              </a:rPr>
-                            </m:ctrlPr>
-                          </m:fPr>
-                          <m:num>
-                            <m:sSup>
-                              <m:sSupPr>
-                                <m:ctrlPr>
-                                  <a:rPr lang="fr-FR" i="1">
-                                    <a:latin typeface="Cambria Math"/>
-                                  </a:rPr>
-                                </m:ctrlPr>
-                              </m:sSupPr>
-                              <m:e>
-                                <m:r>
-                                  <a:rPr lang="fr-FR" i="1">
-                                    <a:latin typeface="Cambria Math"/>
-                                  </a:rPr>
-                                  <m:t>𝑑</m:t>
-                                </m:r>
-                              </m:e>
-                              <m:sup>
-                                <m:r>
-                                  <a:rPr lang="fr-FR" i="1">
-                                    <a:latin typeface="Cambria Math"/>
-                                  </a:rPr>
-                                  <m:t>(</m:t>
-                                </m:r>
-                                <m:r>
-                                  <a:rPr lang="fr-FR" b="0" i="1" smtClean="0">
-                                    <a:latin typeface="Cambria Math"/>
-                                  </a:rPr>
-                                  <m:t>𝑗</m:t>
-                                </m:r>
-                                <m:r>
-                                  <a:rPr lang="fr-FR" i="1">
-                                    <a:latin typeface="Cambria Math"/>
-                                  </a:rPr>
-                                  <m:t>)</m:t>
-                                </m:r>
-                              </m:sup>
-                            </m:sSup>
-                            <m:r>
-                              <a:rPr lang="fr-FR" b="0" i="1" smtClean="0">
-                                <a:latin typeface="Cambria Math"/>
-                              </a:rPr>
-                              <m:t>𝑒</m:t>
-                            </m:r>
-                            <m:d>
-                              <m:dPr>
-                                <m:ctrlPr>
-                                  <a:rPr lang="fr-FR" i="1">
-                                    <a:latin typeface="Cambria Math"/>
-                                  </a:rPr>
-                                </m:ctrlPr>
-                              </m:dPr>
-                              <m:e>
-                                <m:r>
-                                  <a:rPr lang="fr-FR" i="1">
-                                    <a:latin typeface="Cambria Math"/>
-                                  </a:rPr>
-                                  <m:t>𝑡</m:t>
-                                </m:r>
-                              </m:e>
-                            </m:d>
-                          </m:num>
-                          <m:den>
-                            <m:r>
-                              <a:rPr lang="fr-FR" i="1">
-                                <a:latin typeface="Cambria Math"/>
-                              </a:rPr>
-                              <m:t>𝑑</m:t>
-                            </m:r>
-                            <m:sSup>
-                              <m:sSupPr>
-                                <m:ctrlPr>
-                                  <a:rPr lang="fr-FR" i="1">
-                                    <a:latin typeface="Cambria Math"/>
-                                  </a:rPr>
-                                </m:ctrlPr>
-                              </m:sSupPr>
-                              <m:e>
-                                <m:r>
-                                  <a:rPr lang="fr-FR" i="1">
-                                    <a:latin typeface="Cambria Math"/>
-                                  </a:rPr>
-                                  <m:t>𝑡</m:t>
-                                </m:r>
-                              </m:e>
-                              <m:sup>
-                                <m:r>
-                                  <a:rPr lang="fr-FR" i="1">
-                                    <a:latin typeface="Cambria Math"/>
-                                  </a:rPr>
-                                  <m:t>(</m:t>
-                                </m:r>
-                                <m:r>
-                                  <a:rPr lang="fr-FR" b="0" i="1" smtClean="0">
-                                    <a:latin typeface="Cambria Math"/>
-                                  </a:rPr>
-                                  <m:t>𝑗</m:t>
-                                </m:r>
-                                <m:r>
-                                  <a:rPr lang="fr-FR" i="1">
-                                    <a:latin typeface="Cambria Math"/>
-                                  </a:rPr>
-                                  <m:t>)</m:t>
-                                </m:r>
-                              </m:sup>
-                            </m:sSup>
-                          </m:den>
-                        </m:f>
-                      </m:e>
-                    </m:nary>
-                  </m:oMath>
-                </a14:m>
-                <a:endParaRPr lang="fr-FR" dirty="0" smtClean="0"/>
-              </a:p>
-              <a:p>
-                <a:pPr lvl="2"/>
-                <a:endParaRPr lang="fr-FR" dirty="0" smtClean="0"/>
-              </a:p>
-              <a:p>
-                <a:pPr lvl="2"/>
-                <a:r>
-                  <a:rPr lang="fr-FR" dirty="0" smtClean="0"/>
-                  <a:t>Exemples </a:t>
-                </a:r>
-              </a:p>
-              <a:p>
-                <a:pPr lvl="3"/>
-                <a:r>
-                  <a:rPr lang="fr-FR" dirty="0" smtClean="0"/>
-                  <a:t>Évolution de la tension aux bornes d’un condensateur</a:t>
-                </a:r>
-              </a:p>
-              <a:p>
-                <a:pPr lvl="3"/>
-                <a:r>
-                  <a:rPr lang="fr-FR" dirty="0" smtClean="0"/>
-                  <a:t>Évolution de l’effort dans un système en mouvement </a:t>
-                </a:r>
-              </a:p>
-              <a:p>
-                <a:r>
-                  <a:rPr lang="fr-FR" dirty="0" smtClean="0"/>
-                  <a:t>Exemples de phénomènes non linéaires</a:t>
-                </a:r>
-              </a:p>
-              <a:p>
-                <a:pPr lvl="1"/>
-                <a:r>
-                  <a:rPr lang="fr-FR" dirty="0" smtClean="0"/>
-                  <a:t>Fonctionnement d’une diode</a:t>
-                </a:r>
-              </a:p>
-              <a:p>
-                <a:pPr lvl="1"/>
-                <a:r>
-                  <a:rPr lang="fr-FR" dirty="0" smtClean="0"/>
-                  <a:t>Loi entrée / sortie de type « Croix de Malte »</a:t>
-                </a:r>
-              </a:p>
-              <a:p>
-                <a:pPr lvl="2"/>
-                <a:r>
-                  <a:rPr lang="fr-FR" dirty="0" smtClean="0"/>
-                  <a:t>Qu’il faudra linéariser autour d’un point de fonctionnement</a:t>
-                </a:r>
-              </a:p>
-            </p:txBody>
-          </p:sp>
-        </mc:Choice>
-        <mc:Fallback xmlns="">
-          <p:sp>
-            <p:nvSpPr>
-              <p:cNvPr id="3" name="Espace réservé du contenu 2"/>
-              <p:cNvSpPr>
-                <a:spLocks noGrp="1" noRot="1" noChangeAspect="1" noMove="1" noResize="1" noEditPoints="1" noAdjustHandles="1" noChangeArrowheads="1" noChangeShapeType="1" noTextEdit="1"/>
-              </p:cNvSpPr>
-              <p:nvPr>
-                <p:ph sz="quarter" idx="1"/>
-              </p:nvPr>
-            </p:nvSpPr>
-            <p:spPr>
-              <a:blipFill rotWithShape="1">
-                <a:blip r:embed="rId2"/>
-                <a:stretch>
-                  <a:fillRect t="-1171" r="-385"/>
-                </a:stretch>
-              </a:blipFill>
-            </p:spPr>
-            <p:txBody>
-              <a:bodyPr/>
-              <a:lstStyle/>
-              <a:p>
-                <a:r>
-                  <a:rPr lang="fr-FR">
-                    <a:noFill/>
-                  </a:rPr>
-                  <a:t> </a:t>
-                </a:r>
-              </a:p>
-            </p:txBody>
-          </p:sp>
-        </mc:Fallback>
-      </mc:AlternateContent>
-      <p:sp>
-        <p:nvSpPr>
-          <p:cNvPr id="4" name="Espace réservé du numéro de diapositive 3"/>
-          <p:cNvSpPr>
-            <a:spLocks noGrp="1"/>
-          </p:cNvSpPr>
-          <p:nvPr>
-            <p:ph type="sldNum" sz="quarter" idx="15"/>
-          </p:nvPr>
-        </p:nvSpPr>
-        <p:spPr/>
-        <p:txBody>
-          <a:bodyPr/>
-          <a:lstStyle/>
-          <a:p>
-            <a:fld id="{136A7F36-7A21-4EA8-9DC2-F00219448035}" type="slidenum">
-              <a:rPr lang="fr-FR" smtClean="0"/>
-              <a:t>9</a:t>
-            </a:fld>
-            <a:endParaRPr lang="fr-FR"/>
-          </a:p>
-        </p:txBody>
-      </p:sp>
-    </p:spTree>
-    <p:extLst>
-      <p:ext uri="{BB962C8B-B14F-4D97-AF65-F5344CB8AC3E}">
-        <p14:creationId xmlns:p14="http://schemas.microsoft.com/office/powerpoint/2010/main" val="1793480319"/>
       </p:ext>
     </p:extLst>
   </p:cSld>

--- a/ModelisationMultiphysique/ModelisationMultiphysique.pptx
+++ b/ModelisationMultiphysique/ModelisationMultiphysique.pptx
@@ -5,42 +5,38 @@
     <p:sldMasterId id="2147483804" r:id="rId1"/>
   </p:sldMasterIdLst>
   <p:notesMasterIdLst>
-    <p:notesMasterId r:id="rId32"/>
+    <p:notesMasterId r:id="rId28"/>
   </p:notesMasterIdLst>
   <p:handoutMasterIdLst>
-    <p:handoutMasterId r:id="rId33"/>
+    <p:handoutMasterId r:id="rId29"/>
   </p:handoutMasterIdLst>
   <p:sldIdLst>
     <p:sldId id="256" r:id="rId2"/>
     <p:sldId id="303" r:id="rId3"/>
-    <p:sldId id="282" r:id="rId4"/>
-    <p:sldId id="281" r:id="rId5"/>
-    <p:sldId id="263" r:id="rId6"/>
-    <p:sldId id="273" r:id="rId7"/>
-    <p:sldId id="272" r:id="rId8"/>
-    <p:sldId id="283" r:id="rId9"/>
-    <p:sldId id="286" r:id="rId10"/>
-    <p:sldId id="287" r:id="rId11"/>
-    <p:sldId id="288" r:id="rId12"/>
-    <p:sldId id="289" r:id="rId13"/>
-    <p:sldId id="284" r:id="rId14"/>
-    <p:sldId id="290" r:id="rId15"/>
-    <p:sldId id="291" r:id="rId16"/>
-    <p:sldId id="285" r:id="rId17"/>
-    <p:sldId id="275" r:id="rId18"/>
-    <p:sldId id="278" r:id="rId19"/>
-    <p:sldId id="292" r:id="rId20"/>
-    <p:sldId id="295" r:id="rId21"/>
-    <p:sldId id="301" r:id="rId22"/>
-    <p:sldId id="296" r:id="rId23"/>
-    <p:sldId id="297" r:id="rId24"/>
-    <p:sldId id="267" r:id="rId25"/>
-    <p:sldId id="302" r:id="rId26"/>
-    <p:sldId id="264" r:id="rId27"/>
-    <p:sldId id="298" r:id="rId28"/>
-    <p:sldId id="299" r:id="rId29"/>
-    <p:sldId id="266" r:id="rId30"/>
-    <p:sldId id="300" r:id="rId31"/>
+    <p:sldId id="263" r:id="rId4"/>
+    <p:sldId id="273" r:id="rId5"/>
+    <p:sldId id="272" r:id="rId6"/>
+    <p:sldId id="283" r:id="rId7"/>
+    <p:sldId id="286" r:id="rId8"/>
+    <p:sldId id="287" r:id="rId9"/>
+    <p:sldId id="288" r:id="rId10"/>
+    <p:sldId id="289" r:id="rId11"/>
+    <p:sldId id="284" r:id="rId12"/>
+    <p:sldId id="290" r:id="rId13"/>
+    <p:sldId id="291" r:id="rId14"/>
+    <p:sldId id="285" r:id="rId15"/>
+    <p:sldId id="275" r:id="rId16"/>
+    <p:sldId id="278" r:id="rId17"/>
+    <p:sldId id="292" r:id="rId18"/>
+    <p:sldId id="295" r:id="rId19"/>
+    <p:sldId id="297" r:id="rId20"/>
+    <p:sldId id="304" r:id="rId21"/>
+    <p:sldId id="267" r:id="rId22"/>
+    <p:sldId id="302" r:id="rId23"/>
+    <p:sldId id="305" r:id="rId24"/>
+    <p:sldId id="264" r:id="rId25"/>
+    <p:sldId id="298" r:id="rId26"/>
+    <p:sldId id="300" r:id="rId27"/>
   </p:sldIdLst>
   <p:sldSz cx="9144000" cy="6858000" type="screen4x3"/>
   <p:notesSz cx="6858000" cy="9144000"/>
@@ -224,7 +220,7 @@
           <a:p>
             <a:fld id="{A885B43C-549A-4639-87D3-A3E3E5DAC635}" type="datetimeFigureOut">
               <a:rPr lang="fr-FR" smtClean="0"/>
-              <a:t>19/02/2014</a:t>
+              <a:t>19/03/2014</a:t>
             </a:fld>
             <a:endParaRPr lang="fr-FR"/>
           </a:p>
@@ -389,7 +385,7 @@
           <a:p>
             <a:fld id="{39C4ABE7-6968-4EF3-8008-B142D354329E}" type="datetimeFigureOut">
               <a:rPr lang="fr-FR" smtClean="0"/>
-              <a:t>19/02/2014</a:t>
+              <a:t>19/03/2014</a:t>
             </a:fld>
             <a:endParaRPr lang="fr-FR"/>
           </a:p>
@@ -657,98 +653,6 @@
 </p:notesMaster>
 </file>
 
-<file path=ppt/notesSlides/notesSlide1.xml><?xml version="1.0" encoding="utf-8"?>
-<p:notes xmlns:a="http://schemas.openxmlformats.org/drawingml/2006/main" xmlns:r="http://schemas.openxmlformats.org/officeDocument/2006/relationships" xmlns:p="http://schemas.openxmlformats.org/presentationml/2006/main">
-  <p:cSld>
-    <p:spTree>
-      <p:nvGrpSpPr>
-        <p:cNvPr id="1" name=""/>
-        <p:cNvGrpSpPr/>
-        <p:nvPr/>
-      </p:nvGrpSpPr>
-      <p:grpSpPr>
-        <a:xfrm>
-          <a:off x="0" y="0"/>
-          <a:ext cx="0" cy="0"/>
-          <a:chOff x="0" y="0"/>
-          <a:chExt cx="0" cy="0"/>
-        </a:xfrm>
-      </p:grpSpPr>
-      <p:sp>
-        <p:nvSpPr>
-          <p:cNvPr id="2" name="Espace réservé de l'image des diapositives 1"/>
-          <p:cNvSpPr>
-            <a:spLocks noGrp="1" noRot="1" noChangeAspect="1"/>
-          </p:cNvSpPr>
-          <p:nvPr>
-            <p:ph type="sldImg"/>
-          </p:nvPr>
-        </p:nvSpPr>
-        <p:spPr/>
-      </p:sp>
-      <p:sp>
-        <p:nvSpPr>
-          <p:cNvPr id="3" name="Espace réservé des commentaires 2"/>
-          <p:cNvSpPr>
-            <a:spLocks noGrp="1"/>
-          </p:cNvSpPr>
-          <p:nvPr>
-            <p:ph type="body" idx="1"/>
-          </p:nvPr>
-        </p:nvSpPr>
-        <p:spPr/>
-        <p:txBody>
-          <a:bodyPr/>
-          <a:lstStyle/>
-          <a:p>
-            <a:r>
-              <a:rPr lang="fr-FR" dirty="0" smtClean="0"/>
-              <a:t>Remarque</a:t>
-            </a:r>
-            <a:r>
-              <a:rPr lang="fr-FR" baseline="0" dirty="0" smtClean="0"/>
-              <a:t> : En causal, on ne peut pas aller à l’encontre du « sens des flèches »</a:t>
-            </a:r>
-            <a:endParaRPr lang="fr-FR" dirty="0"/>
-          </a:p>
-        </p:txBody>
-      </p:sp>
-      <p:sp>
-        <p:nvSpPr>
-          <p:cNvPr id="4" name="Espace réservé du numéro de diapositive 3"/>
-          <p:cNvSpPr>
-            <a:spLocks noGrp="1"/>
-          </p:cNvSpPr>
-          <p:nvPr>
-            <p:ph type="sldNum" sz="quarter" idx="10"/>
-          </p:nvPr>
-        </p:nvSpPr>
-        <p:spPr/>
-        <p:txBody>
-          <a:bodyPr/>
-          <a:lstStyle/>
-          <a:p>
-            <a:fld id="{5F0D6C09-BCA6-44EF-99A6-4587823B287A}" type="slidenum">
-              <a:rPr lang="fr-FR" smtClean="0"/>
-              <a:t>21</a:t>
-            </a:fld>
-            <a:endParaRPr lang="fr-FR"/>
-          </a:p>
-        </p:txBody>
-      </p:sp>
-    </p:spTree>
-    <p:extLst>
-      <p:ext uri="{BB962C8B-B14F-4D97-AF65-F5344CB8AC3E}">
-        <p14:creationId xmlns:p14="http://schemas.microsoft.com/office/powerpoint/2010/main" val="3285992825"/>
-      </p:ext>
-    </p:extLst>
-  </p:cSld>
-  <p:clrMapOvr>
-    <a:masterClrMapping/>
-  </p:clrMapOvr>
-</p:notes>
-</file>
-
 <file path=ppt/slideLayouts/slideLayout1.xml><?xml version="1.0" encoding="utf-8"?>
 <p:sldLayout xmlns:a="http://schemas.openxmlformats.org/drawingml/2006/main" xmlns:r="http://schemas.openxmlformats.org/officeDocument/2006/relationships" xmlns:p="http://schemas.openxmlformats.org/presentationml/2006/main" showMasterSp="0" type="title" preserve="1">
   <p:cSld name="Diapositive de titre">
@@ -886,7 +790,7 @@
           <a:p>
             <a:fld id="{4570C44E-2547-490C-B96B-C5716BE8A211}" type="datetime1">
               <a:rPr lang="fr-FR" smtClean="0"/>
-              <a:t>19/02/2014</a:t>
+              <a:t>19/03/2014</a:t>
             </a:fld>
             <a:endParaRPr lang="fr-FR"/>
           </a:p>
@@ -1755,7 +1659,7 @@
           <a:p>
             <a:fld id="{747E099B-BEB6-4FA8-A989-B5CEC6EE96A6}" type="datetime1">
               <a:rPr lang="fr-FR" smtClean="0"/>
-              <a:t>19/02/2014</a:t>
+              <a:t>19/03/2014</a:t>
             </a:fld>
             <a:endParaRPr lang="fr-FR"/>
           </a:p>
@@ -1930,7 +1834,7 @@
           <a:p>
             <a:fld id="{40DE265D-AE92-4B24-A80E-B18047B1C1D8}" type="datetime1">
               <a:rPr lang="fr-FR" smtClean="0"/>
-              <a:t>19/02/2014</a:t>
+              <a:t>19/03/2014</a:t>
             </a:fld>
             <a:endParaRPr lang="fr-FR"/>
           </a:p>
@@ -2100,7 +2004,7 @@
           <a:p>
             <a:fld id="{B833870E-E628-4B55-8FAC-7DEBA033199C}" type="datetime1">
               <a:rPr lang="fr-FR" smtClean="0"/>
-              <a:t>19/02/2014</a:t>
+              <a:t>19/03/2014</a:t>
             </a:fld>
             <a:endParaRPr lang="fr-FR"/>
           </a:p>
@@ -2319,7 +2223,7 @@
           <a:p>
             <a:fld id="{A67C8C45-4A33-4265-B602-D5E2C8444F9A}" type="datetime1">
               <a:rPr lang="fr-FR" smtClean="0"/>
-              <a:t>19/02/2014</a:t>
+              <a:t>19/03/2014</a:t>
             </a:fld>
             <a:endParaRPr lang="fr-FR"/>
           </a:p>
@@ -3133,7 +3037,7 @@
           <a:p>
             <a:fld id="{25CB6C03-371A-4D23-837F-61C5BAFAE300}" type="datetime1">
               <a:rPr lang="fr-FR" smtClean="0"/>
-              <a:t>19/02/2014</a:t>
+              <a:t>19/03/2014</a:t>
             </a:fld>
             <a:endParaRPr lang="fr-FR"/>
           </a:p>
@@ -3369,7 +3273,7 @@
           <a:p>
             <a:fld id="{86EFE65D-E49E-4ACC-802E-2FE5FA140AA8}" type="datetime1">
               <a:rPr lang="fr-FR" smtClean="0"/>
-              <a:t>19/02/2014</a:t>
+              <a:t>19/03/2014</a:t>
             </a:fld>
             <a:endParaRPr lang="fr-FR"/>
           </a:p>
@@ -3692,7 +3596,7 @@
           <a:p>
             <a:fld id="{BD2FCB01-C649-48F3-B16D-AB4366149D3F}" type="datetime1">
               <a:rPr lang="fr-FR" smtClean="0"/>
-              <a:t>19/02/2014</a:t>
+              <a:t>19/03/2014</a:t>
             </a:fld>
             <a:endParaRPr lang="fr-FR"/>
           </a:p>
@@ -3782,7 +3686,7 @@
           <a:p>
             <a:fld id="{8E4AC928-9A8D-4820-8569-8A1256CEB675}" type="datetime1">
               <a:rPr lang="fr-FR" smtClean="0"/>
-              <a:t>19/02/2014</a:t>
+              <a:t>19/03/2014</a:t>
             </a:fld>
             <a:endParaRPr lang="fr-FR"/>
           </a:p>
@@ -4299,7 +4203,7 @@
           <a:p>
             <a:fld id="{A3A61092-D682-48D6-9115-A8828AD70E20}" type="datetime1">
               <a:rPr lang="fr-FR" smtClean="0"/>
-              <a:t>19/02/2014</a:t>
+              <a:t>19/03/2014</a:t>
             </a:fld>
             <a:endParaRPr lang="fr-FR"/>
           </a:p>
@@ -4810,7 +4714,7 @@
           <a:p>
             <a:fld id="{67835B05-DF05-4BBA-868F-A88A58FB33D1}" type="datetime1">
               <a:rPr lang="fr-FR" smtClean="0"/>
-              <a:t>19/02/2014</a:t>
+              <a:t>19/03/2014</a:t>
             </a:fld>
             <a:endParaRPr lang="fr-FR"/>
           </a:p>
@@ -5056,7 +4960,7 @@
           <a:p>
             <a:fld id="{8F35236E-3142-47C6-A5D5-7DD086936AB6}" type="datetime1">
               <a:rPr lang="fr-FR" smtClean="0"/>
-              <a:t>19/02/2014</a:t>
+              <a:t>19/03/2014</a:t>
             </a:fld>
             <a:endParaRPr lang="fr-FR"/>
           </a:p>
@@ -5877,905 +5781,6 @@
             <p:ph type="title"/>
           </p:nvPr>
         </p:nvSpPr>
-        <p:spPr/>
-        <p:txBody>
-          <a:bodyPr>
-            <a:normAutofit fontScale="90000"/>
-          </a:bodyPr>
-          <a:lstStyle/>
-          <a:p>
-            <a:r>
-              <a:rPr lang="fr-FR" dirty="0" smtClean="0"/>
-              <a:t>Modélisation multiphysique</a:t>
-            </a:r>
-            <a:br>
-              <a:rPr lang="fr-FR" dirty="0" smtClean="0"/>
-            </a:br>
-            <a:r>
-              <a:rPr lang="fr-FR" dirty="0" smtClean="0"/>
-              <a:t>Modélisation causale – Mise en situation</a:t>
-            </a:r>
-            <a:endParaRPr lang="fr-FR" dirty="0"/>
-          </a:p>
-        </p:txBody>
-      </p:sp>
-      <mc:AlternateContent xmlns:mc="http://schemas.openxmlformats.org/markup-compatibility/2006" xmlns:a14="http://schemas.microsoft.com/office/drawing/2010/main">
-        <mc:Choice Requires="a14">
-          <p:sp>
-            <p:nvSpPr>
-              <p:cNvPr id="3" name="Espace réservé du contenu 2"/>
-              <p:cNvSpPr>
-                <a:spLocks noGrp="1"/>
-              </p:cNvSpPr>
-              <p:nvPr>
-                <p:ph sz="quarter" idx="1"/>
-              </p:nvPr>
-            </p:nvSpPr>
-            <p:spPr/>
-            <p:txBody>
-              <a:bodyPr>
-                <a:normAutofit fontScale="92500" lnSpcReduction="10000"/>
-              </a:bodyPr>
-              <a:lstStyle/>
-              <a:p>
-                <a:r>
-                  <a:rPr lang="fr-FR" dirty="0" smtClean="0"/>
-                  <a:t>La modélisation causale permet de modéliser des phénomènes linéaires</a:t>
-                </a:r>
-              </a:p>
-              <a:p>
-                <a:pPr lvl="1"/>
-                <a:r>
-                  <a:rPr lang="fr-FR" dirty="0" smtClean="0"/>
-                  <a:t>Loi de comportement régit par une application linéaire </a:t>
-                </a:r>
-                <a:endParaRPr lang="fr-FR" b="0" i="1" dirty="0" smtClean="0">
-                  <a:latin typeface="Cambria Math"/>
-                </a:endParaRPr>
-              </a:p>
-              <a:p>
-                <a:pPr lvl="2"/>
-                <a14:m>
-                  <m:oMath xmlns:m="http://schemas.openxmlformats.org/officeDocument/2006/math">
-                    <m:r>
-                      <a:rPr lang="fr-FR" b="0" i="1" smtClean="0">
-                        <a:latin typeface="Cambria Math"/>
-                      </a:rPr>
-                      <m:t>𝑠</m:t>
-                    </m:r>
-                    <m:d>
-                      <m:dPr>
-                        <m:ctrlPr>
-                          <a:rPr lang="fr-FR" b="0" i="1" smtClean="0">
-                            <a:latin typeface="Cambria Math"/>
-                          </a:rPr>
-                        </m:ctrlPr>
-                      </m:dPr>
-                      <m:e>
-                        <m:r>
-                          <a:rPr lang="fr-FR" b="0" i="1" smtClean="0">
-                            <a:latin typeface="Cambria Math"/>
-                          </a:rPr>
-                          <m:t>𝑡</m:t>
-                        </m:r>
-                      </m:e>
-                    </m:d>
-                    <m:r>
-                      <a:rPr lang="fr-FR" b="0" i="1" smtClean="0">
-                        <a:latin typeface="Cambria Math"/>
-                      </a:rPr>
-                      <m:t>=</m:t>
-                    </m:r>
-                    <m:r>
-                      <a:rPr lang="fr-FR" b="0" i="1" smtClean="0">
-                        <a:latin typeface="Cambria Math"/>
-                      </a:rPr>
-                      <m:t>𝑘</m:t>
-                    </m:r>
-                    <m:r>
-                      <a:rPr lang="fr-FR" b="0" i="1" smtClean="0">
-                        <a:latin typeface="Cambria Math"/>
-                      </a:rPr>
-                      <m:t>⋅</m:t>
-                    </m:r>
-                    <m:r>
-                      <a:rPr lang="fr-FR" b="0" i="1" smtClean="0">
-                        <a:latin typeface="Cambria Math"/>
-                      </a:rPr>
-                      <m:t>𝑒</m:t>
-                    </m:r>
-                    <m:d>
-                      <m:dPr>
-                        <m:ctrlPr>
-                          <a:rPr lang="fr-FR" b="0" i="1" smtClean="0">
-                            <a:latin typeface="Cambria Math"/>
-                          </a:rPr>
-                        </m:ctrlPr>
-                      </m:dPr>
-                      <m:e>
-                        <m:r>
-                          <a:rPr lang="fr-FR" b="0" i="1" smtClean="0">
-                            <a:latin typeface="Cambria Math"/>
-                          </a:rPr>
-                          <m:t>𝑡</m:t>
-                        </m:r>
-                      </m:e>
-                    </m:d>
-                  </m:oMath>
-                </a14:m>
-                <a:endParaRPr lang="fr-FR" dirty="0" smtClean="0"/>
-              </a:p>
-              <a:p>
-                <a:pPr lvl="2"/>
-                <a:r>
-                  <a:rPr lang="fr-FR" dirty="0" smtClean="0"/>
-                  <a:t>Exemples </a:t>
-                </a:r>
-              </a:p>
-              <a:p>
-                <a:pPr lvl="3"/>
-                <a:r>
-                  <a:rPr lang="fr-FR" dirty="0" smtClean="0"/>
-                  <a:t>Évolution de l’effort dans un ressort</a:t>
-                </a:r>
-              </a:p>
-              <a:p>
-                <a:pPr lvl="3"/>
-                <a:r>
-                  <a:rPr lang="fr-FR" dirty="0" smtClean="0"/>
-                  <a:t>Évolution de la tension aux bornes d’une résistance</a:t>
-                </a:r>
-              </a:p>
-              <a:p>
-                <a:pPr lvl="1"/>
-                <a:r>
-                  <a:rPr lang="fr-FR" dirty="0" smtClean="0"/>
-                  <a:t>Loi de comportement régit par une équation différentielle à coefficients constants (</a:t>
-                </a:r>
-                <a14:m>
-                  <m:oMath xmlns:m="http://schemas.openxmlformats.org/officeDocument/2006/math">
-                    <m:r>
-                      <a:rPr lang="fr-FR" b="0" i="1" smtClean="0">
-                        <a:latin typeface="Cambria Math"/>
-                      </a:rPr>
-                      <m:t>𝑛</m:t>
-                    </m:r>
-                    <m:r>
-                      <a:rPr lang="fr-FR" b="0" i="1" smtClean="0">
-                        <a:latin typeface="Cambria Math"/>
-                      </a:rPr>
-                      <m:t>≥</m:t>
-                    </m:r>
-                    <m:r>
-                      <a:rPr lang="fr-FR" b="0" i="1" smtClean="0">
-                        <a:latin typeface="Cambria Math"/>
-                      </a:rPr>
-                      <m:t>𝑚</m:t>
-                    </m:r>
-                  </m:oMath>
-                </a14:m>
-                <a:r>
-                  <a:rPr lang="fr-FR" dirty="0" smtClean="0"/>
-                  <a:t>)</a:t>
-                </a:r>
-              </a:p>
-              <a:p>
-                <a:pPr lvl="2"/>
-                <a14:m>
-                  <m:oMath xmlns:m="http://schemas.openxmlformats.org/officeDocument/2006/math">
-                    <m:nary>
-                      <m:naryPr>
-                        <m:chr m:val="∑"/>
-                        <m:ctrlPr>
-                          <a:rPr lang="fr-FR" i="1" smtClean="0">
-                            <a:latin typeface="Cambria Math"/>
-                          </a:rPr>
-                        </m:ctrlPr>
-                      </m:naryPr>
-                      <m:sub>
-                        <m:r>
-                          <m:rPr>
-                            <m:brk m:alnAt="23"/>
-                          </m:rPr>
-                          <a:rPr lang="fr-FR" b="0" i="1" smtClean="0">
-                            <a:latin typeface="Cambria Math"/>
-                          </a:rPr>
-                          <m:t>𝑖</m:t>
-                        </m:r>
-                        <m:r>
-                          <a:rPr lang="fr-FR" b="0" i="1" smtClean="0">
-                            <a:latin typeface="Cambria Math"/>
-                          </a:rPr>
-                          <m:t>=0</m:t>
-                        </m:r>
-                      </m:sub>
-                      <m:sup>
-                        <m:r>
-                          <a:rPr lang="fr-FR" b="0" i="1" smtClean="0">
-                            <a:latin typeface="Cambria Math"/>
-                          </a:rPr>
-                          <m:t>𝑛</m:t>
-                        </m:r>
-                      </m:sup>
-                      <m:e>
-                        <m:sSub>
-                          <m:sSubPr>
-                            <m:ctrlPr>
-                              <a:rPr lang="fr-FR" i="1">
-                                <a:latin typeface="Cambria Math"/>
-                              </a:rPr>
-                            </m:ctrlPr>
-                          </m:sSubPr>
-                          <m:e>
-                            <m:r>
-                              <a:rPr lang="fr-FR" i="1">
-                                <a:latin typeface="Cambria Math"/>
-                              </a:rPr>
-                              <m:t>𝑎</m:t>
-                            </m:r>
-                          </m:e>
-                          <m:sub>
-                            <m:r>
-                              <a:rPr lang="fr-FR" b="0" i="1" smtClean="0">
-                                <a:latin typeface="Cambria Math"/>
-                              </a:rPr>
-                              <m:t>𝑖</m:t>
-                            </m:r>
-                          </m:sub>
-                        </m:sSub>
-                        <m:f>
-                          <m:fPr>
-                            <m:ctrlPr>
-                              <a:rPr lang="fr-FR" b="0" i="1" smtClean="0">
-                                <a:latin typeface="Cambria Math"/>
-                              </a:rPr>
-                            </m:ctrlPr>
-                          </m:fPr>
-                          <m:num>
-                            <m:sSup>
-                              <m:sSupPr>
-                                <m:ctrlPr>
-                                  <a:rPr lang="fr-FR" b="0" i="1" smtClean="0">
-                                    <a:latin typeface="Cambria Math"/>
-                                  </a:rPr>
-                                </m:ctrlPr>
-                              </m:sSupPr>
-                              <m:e>
-                                <m:r>
-                                  <a:rPr lang="fr-FR" b="0" i="1" smtClean="0">
-                                    <a:latin typeface="Cambria Math"/>
-                                  </a:rPr>
-                                  <m:t>𝑑</m:t>
-                                </m:r>
-                              </m:e>
-                              <m:sup>
-                                <m:r>
-                                  <a:rPr lang="fr-FR" b="0" i="1" smtClean="0">
-                                    <a:latin typeface="Cambria Math"/>
-                                  </a:rPr>
-                                  <m:t>(</m:t>
-                                </m:r>
-                                <m:r>
-                                  <a:rPr lang="fr-FR" b="0" i="1" smtClean="0">
-                                    <a:latin typeface="Cambria Math"/>
-                                  </a:rPr>
-                                  <m:t>𝑖</m:t>
-                                </m:r>
-                                <m:r>
-                                  <a:rPr lang="fr-FR" b="0" i="1" smtClean="0">
-                                    <a:latin typeface="Cambria Math"/>
-                                  </a:rPr>
-                                  <m:t>)</m:t>
-                                </m:r>
-                              </m:sup>
-                            </m:sSup>
-                            <m:r>
-                              <a:rPr lang="fr-FR" b="0" i="1" smtClean="0">
-                                <a:latin typeface="Cambria Math"/>
-                              </a:rPr>
-                              <m:t>𝑠</m:t>
-                            </m:r>
-                            <m:d>
-                              <m:dPr>
-                                <m:ctrlPr>
-                                  <a:rPr lang="fr-FR" b="0" i="1" smtClean="0">
-                                    <a:latin typeface="Cambria Math"/>
-                                  </a:rPr>
-                                </m:ctrlPr>
-                              </m:dPr>
-                              <m:e>
-                                <m:r>
-                                  <a:rPr lang="fr-FR" b="0" i="1" smtClean="0">
-                                    <a:latin typeface="Cambria Math"/>
-                                  </a:rPr>
-                                  <m:t>𝑡</m:t>
-                                </m:r>
-                              </m:e>
-                            </m:d>
-                          </m:num>
-                          <m:den>
-                            <m:r>
-                              <a:rPr lang="fr-FR" b="0" i="1" smtClean="0">
-                                <a:latin typeface="Cambria Math"/>
-                              </a:rPr>
-                              <m:t>𝑑</m:t>
-                            </m:r>
-                            <m:sSup>
-                              <m:sSupPr>
-                                <m:ctrlPr>
-                                  <a:rPr lang="fr-FR" b="0" i="1" smtClean="0">
-                                    <a:latin typeface="Cambria Math"/>
-                                  </a:rPr>
-                                </m:ctrlPr>
-                              </m:sSupPr>
-                              <m:e>
-                                <m:r>
-                                  <a:rPr lang="fr-FR" b="0" i="1" smtClean="0">
-                                    <a:latin typeface="Cambria Math"/>
-                                  </a:rPr>
-                                  <m:t>𝑡</m:t>
-                                </m:r>
-                              </m:e>
-                              <m:sup>
-                                <m:r>
-                                  <a:rPr lang="fr-FR" b="0" i="1" smtClean="0">
-                                    <a:latin typeface="Cambria Math"/>
-                                  </a:rPr>
-                                  <m:t>(</m:t>
-                                </m:r>
-                                <m:r>
-                                  <a:rPr lang="fr-FR" b="0" i="1" smtClean="0">
-                                    <a:latin typeface="Cambria Math"/>
-                                  </a:rPr>
-                                  <m:t>𝑖</m:t>
-                                </m:r>
-                                <m:r>
-                                  <a:rPr lang="fr-FR" b="0" i="1" smtClean="0">
-                                    <a:latin typeface="Cambria Math"/>
-                                  </a:rPr>
-                                  <m:t>)</m:t>
-                                </m:r>
-                              </m:sup>
-                            </m:sSup>
-                          </m:den>
-                        </m:f>
-                      </m:e>
-                    </m:nary>
-                    <m:r>
-                      <a:rPr lang="fr-FR" b="0" i="1" smtClean="0">
-                        <a:latin typeface="Cambria Math"/>
-                      </a:rPr>
-                      <m:t>=</m:t>
-                    </m:r>
-                    <m:nary>
-                      <m:naryPr>
-                        <m:chr m:val="∑"/>
-                        <m:ctrlPr>
-                          <a:rPr lang="fr-FR" i="1">
-                            <a:latin typeface="Cambria Math"/>
-                          </a:rPr>
-                        </m:ctrlPr>
-                      </m:naryPr>
-                      <m:sub>
-                        <m:r>
-                          <a:rPr lang="fr-FR" b="0" i="1" smtClean="0">
-                            <a:latin typeface="Cambria Math"/>
-                          </a:rPr>
-                          <m:t>𝑗</m:t>
-                        </m:r>
-                        <m:r>
-                          <a:rPr lang="fr-FR" i="1">
-                            <a:latin typeface="Cambria Math"/>
-                          </a:rPr>
-                          <m:t>=0</m:t>
-                        </m:r>
-                      </m:sub>
-                      <m:sup>
-                        <m:r>
-                          <a:rPr lang="fr-FR" b="0" i="1" smtClean="0">
-                            <a:latin typeface="Cambria Math"/>
-                          </a:rPr>
-                          <m:t>𝑚</m:t>
-                        </m:r>
-                      </m:sup>
-                      <m:e>
-                        <m:sSub>
-                          <m:sSubPr>
-                            <m:ctrlPr>
-                              <a:rPr lang="fr-FR" i="1">
-                                <a:latin typeface="Cambria Math"/>
-                              </a:rPr>
-                            </m:ctrlPr>
-                          </m:sSubPr>
-                          <m:e>
-                            <m:r>
-                              <a:rPr lang="fr-FR" b="0" i="1" smtClean="0">
-                                <a:latin typeface="Cambria Math"/>
-                              </a:rPr>
-                              <m:t>𝑏</m:t>
-                            </m:r>
-                          </m:e>
-                          <m:sub>
-                            <m:r>
-                              <a:rPr lang="fr-FR" b="0" i="1" smtClean="0">
-                                <a:latin typeface="Cambria Math"/>
-                              </a:rPr>
-                              <m:t>𝑗</m:t>
-                            </m:r>
-                          </m:sub>
-                        </m:sSub>
-                        <m:f>
-                          <m:fPr>
-                            <m:ctrlPr>
-                              <a:rPr lang="fr-FR" i="1">
-                                <a:latin typeface="Cambria Math"/>
-                              </a:rPr>
-                            </m:ctrlPr>
-                          </m:fPr>
-                          <m:num>
-                            <m:sSup>
-                              <m:sSupPr>
-                                <m:ctrlPr>
-                                  <a:rPr lang="fr-FR" i="1">
-                                    <a:latin typeface="Cambria Math"/>
-                                  </a:rPr>
-                                </m:ctrlPr>
-                              </m:sSupPr>
-                              <m:e>
-                                <m:r>
-                                  <a:rPr lang="fr-FR" i="1">
-                                    <a:latin typeface="Cambria Math"/>
-                                  </a:rPr>
-                                  <m:t>𝑑</m:t>
-                                </m:r>
-                              </m:e>
-                              <m:sup>
-                                <m:r>
-                                  <a:rPr lang="fr-FR" i="1">
-                                    <a:latin typeface="Cambria Math"/>
-                                  </a:rPr>
-                                  <m:t>(</m:t>
-                                </m:r>
-                                <m:r>
-                                  <a:rPr lang="fr-FR" b="0" i="1" smtClean="0">
-                                    <a:latin typeface="Cambria Math"/>
-                                  </a:rPr>
-                                  <m:t>𝑗</m:t>
-                                </m:r>
-                                <m:r>
-                                  <a:rPr lang="fr-FR" i="1">
-                                    <a:latin typeface="Cambria Math"/>
-                                  </a:rPr>
-                                  <m:t>)</m:t>
-                                </m:r>
-                              </m:sup>
-                            </m:sSup>
-                            <m:r>
-                              <a:rPr lang="fr-FR" b="0" i="1" smtClean="0">
-                                <a:latin typeface="Cambria Math"/>
-                              </a:rPr>
-                              <m:t>𝑒</m:t>
-                            </m:r>
-                            <m:d>
-                              <m:dPr>
-                                <m:ctrlPr>
-                                  <a:rPr lang="fr-FR" i="1">
-                                    <a:latin typeface="Cambria Math"/>
-                                  </a:rPr>
-                                </m:ctrlPr>
-                              </m:dPr>
-                              <m:e>
-                                <m:r>
-                                  <a:rPr lang="fr-FR" i="1">
-                                    <a:latin typeface="Cambria Math"/>
-                                  </a:rPr>
-                                  <m:t>𝑡</m:t>
-                                </m:r>
-                              </m:e>
-                            </m:d>
-                          </m:num>
-                          <m:den>
-                            <m:r>
-                              <a:rPr lang="fr-FR" i="1">
-                                <a:latin typeface="Cambria Math"/>
-                              </a:rPr>
-                              <m:t>𝑑</m:t>
-                            </m:r>
-                            <m:sSup>
-                              <m:sSupPr>
-                                <m:ctrlPr>
-                                  <a:rPr lang="fr-FR" i="1">
-                                    <a:latin typeface="Cambria Math"/>
-                                  </a:rPr>
-                                </m:ctrlPr>
-                              </m:sSupPr>
-                              <m:e>
-                                <m:r>
-                                  <a:rPr lang="fr-FR" i="1">
-                                    <a:latin typeface="Cambria Math"/>
-                                  </a:rPr>
-                                  <m:t>𝑡</m:t>
-                                </m:r>
-                              </m:e>
-                              <m:sup>
-                                <m:r>
-                                  <a:rPr lang="fr-FR" i="1">
-                                    <a:latin typeface="Cambria Math"/>
-                                  </a:rPr>
-                                  <m:t>(</m:t>
-                                </m:r>
-                                <m:r>
-                                  <a:rPr lang="fr-FR" b="0" i="1" smtClean="0">
-                                    <a:latin typeface="Cambria Math"/>
-                                  </a:rPr>
-                                  <m:t>𝑗</m:t>
-                                </m:r>
-                                <m:r>
-                                  <a:rPr lang="fr-FR" i="1">
-                                    <a:latin typeface="Cambria Math"/>
-                                  </a:rPr>
-                                  <m:t>)</m:t>
-                                </m:r>
-                              </m:sup>
-                            </m:sSup>
-                          </m:den>
-                        </m:f>
-                      </m:e>
-                    </m:nary>
-                  </m:oMath>
-                </a14:m>
-                <a:endParaRPr lang="fr-FR" dirty="0" smtClean="0"/>
-              </a:p>
-              <a:p>
-                <a:pPr lvl="2"/>
-                <a:endParaRPr lang="fr-FR" dirty="0" smtClean="0"/>
-              </a:p>
-              <a:p>
-                <a:pPr lvl="2"/>
-                <a:r>
-                  <a:rPr lang="fr-FR" dirty="0" smtClean="0"/>
-                  <a:t>Exemples </a:t>
-                </a:r>
-              </a:p>
-              <a:p>
-                <a:pPr lvl="3"/>
-                <a:r>
-                  <a:rPr lang="fr-FR" dirty="0" smtClean="0"/>
-                  <a:t>Évolution de la tension aux bornes d’un condensateur</a:t>
-                </a:r>
-              </a:p>
-              <a:p>
-                <a:pPr lvl="3"/>
-                <a:r>
-                  <a:rPr lang="fr-FR" dirty="0" smtClean="0"/>
-                  <a:t>Évolution de l’effort dans un système en mouvement </a:t>
-                </a:r>
-              </a:p>
-              <a:p>
-                <a:r>
-                  <a:rPr lang="fr-FR" dirty="0" smtClean="0"/>
-                  <a:t>Exemples de phénomènes non linéaires</a:t>
-                </a:r>
-              </a:p>
-              <a:p>
-                <a:pPr lvl="1"/>
-                <a:r>
-                  <a:rPr lang="fr-FR" dirty="0" smtClean="0"/>
-                  <a:t>Fonctionnement d’une diode</a:t>
-                </a:r>
-              </a:p>
-              <a:p>
-                <a:pPr lvl="1"/>
-                <a:r>
-                  <a:rPr lang="fr-FR" dirty="0" smtClean="0"/>
-                  <a:t>Loi entrée / sortie de type « Croix de Malte »</a:t>
-                </a:r>
-              </a:p>
-              <a:p>
-                <a:pPr lvl="2"/>
-                <a:r>
-                  <a:rPr lang="fr-FR" dirty="0" smtClean="0"/>
-                  <a:t>Qu’il faudra linéariser autour d’un point de fonctionnement</a:t>
-                </a:r>
-              </a:p>
-            </p:txBody>
-          </p:sp>
-        </mc:Choice>
-        <mc:Fallback xmlns="">
-          <p:sp>
-            <p:nvSpPr>
-              <p:cNvPr id="3" name="Espace réservé du contenu 2"/>
-              <p:cNvSpPr>
-                <a:spLocks noGrp="1" noRot="1" noChangeAspect="1" noMove="1" noResize="1" noEditPoints="1" noAdjustHandles="1" noChangeArrowheads="1" noChangeShapeType="1" noTextEdit="1"/>
-              </p:cNvSpPr>
-              <p:nvPr>
-                <p:ph sz="quarter" idx="1"/>
-              </p:nvPr>
-            </p:nvSpPr>
-            <p:spPr>
-              <a:blipFill rotWithShape="1">
-                <a:blip r:embed="rId2"/>
-                <a:stretch>
-                  <a:fillRect t="-1171" r="-385"/>
-                </a:stretch>
-              </a:blipFill>
-            </p:spPr>
-            <p:txBody>
-              <a:bodyPr/>
-              <a:lstStyle/>
-              <a:p>
-                <a:r>
-                  <a:rPr lang="fr-FR">
-                    <a:noFill/>
-                  </a:rPr>
-                  <a:t> </a:t>
-                </a:r>
-              </a:p>
-            </p:txBody>
-          </p:sp>
-        </mc:Fallback>
-      </mc:AlternateContent>
-      <p:sp>
-        <p:nvSpPr>
-          <p:cNvPr id="4" name="Espace réservé du numéro de diapositive 3"/>
-          <p:cNvSpPr>
-            <a:spLocks noGrp="1"/>
-          </p:cNvSpPr>
-          <p:nvPr>
-            <p:ph type="sldNum" sz="quarter" idx="15"/>
-          </p:nvPr>
-        </p:nvSpPr>
-        <p:spPr/>
-        <p:txBody>
-          <a:bodyPr/>
-          <a:lstStyle/>
-          <a:p>
-            <a:fld id="{136A7F36-7A21-4EA8-9DC2-F00219448035}" type="slidenum">
-              <a:rPr lang="fr-FR" smtClean="0"/>
-              <a:t>10</a:t>
-            </a:fld>
-            <a:endParaRPr lang="fr-FR"/>
-          </a:p>
-        </p:txBody>
-      </p:sp>
-    </p:spTree>
-    <p:extLst>
-      <p:ext uri="{BB962C8B-B14F-4D97-AF65-F5344CB8AC3E}">
-        <p14:creationId xmlns:p14="http://schemas.microsoft.com/office/powerpoint/2010/main" val="1793480319"/>
-      </p:ext>
-    </p:extLst>
-  </p:cSld>
-  <p:clrMapOvr>
-    <a:masterClrMapping/>
-  </p:clrMapOvr>
-</p:sld>
-</file>
-
-<file path=ppt/slides/slide11.xml><?xml version="1.0" encoding="utf-8"?>
-<p:sld xmlns:a="http://schemas.openxmlformats.org/drawingml/2006/main" xmlns:r="http://schemas.openxmlformats.org/officeDocument/2006/relationships" xmlns:p="http://schemas.openxmlformats.org/presentationml/2006/main">
-  <p:cSld>
-    <p:spTree>
-      <p:nvGrpSpPr>
-        <p:cNvPr id="1" name=""/>
-        <p:cNvGrpSpPr/>
-        <p:nvPr/>
-      </p:nvGrpSpPr>
-      <p:grpSpPr>
-        <a:xfrm>
-          <a:off x="0" y="0"/>
-          <a:ext cx="0" cy="0"/>
-          <a:chOff x="0" y="0"/>
-          <a:chExt cx="0" cy="0"/>
-        </a:xfrm>
-      </p:grpSpPr>
-      <p:sp>
-        <p:nvSpPr>
-          <p:cNvPr id="2" name="Titre 1"/>
-          <p:cNvSpPr>
-            <a:spLocks noGrp="1"/>
-          </p:cNvSpPr>
-          <p:nvPr>
-            <p:ph type="title"/>
-          </p:nvPr>
-        </p:nvSpPr>
-        <p:spPr/>
-        <p:txBody>
-          <a:bodyPr>
-            <a:normAutofit fontScale="90000"/>
-          </a:bodyPr>
-          <a:lstStyle/>
-          <a:p>
-            <a:r>
-              <a:rPr lang="fr-FR" dirty="0" smtClean="0"/>
-              <a:t>Modélisation multiphysique</a:t>
-            </a:r>
-            <a:br>
-              <a:rPr lang="fr-FR" dirty="0" smtClean="0"/>
-            </a:br>
-            <a:r>
-              <a:rPr lang="fr-FR" dirty="0" smtClean="0"/>
-              <a:t>Modélisation causale – Résolution des problèmes</a:t>
-            </a:r>
-            <a:endParaRPr lang="fr-FR" dirty="0"/>
-          </a:p>
-        </p:txBody>
-      </p:sp>
-      <p:sp>
-        <p:nvSpPr>
-          <p:cNvPr id="3" name="Espace réservé du contenu 2"/>
-          <p:cNvSpPr>
-            <a:spLocks noGrp="1"/>
-          </p:cNvSpPr>
-          <p:nvPr>
-            <p:ph sz="quarter" idx="1"/>
-          </p:nvPr>
-        </p:nvSpPr>
-        <p:spPr/>
-        <p:txBody>
-          <a:bodyPr>
-            <a:normAutofit/>
-          </a:bodyPr>
-          <a:lstStyle/>
-          <a:p>
-            <a:r>
-              <a:rPr lang="fr-FR" dirty="0" smtClean="0"/>
-              <a:t>En causal</a:t>
-            </a:r>
-          </a:p>
-          <a:p>
-            <a:pPr lvl="1"/>
-            <a:r>
-              <a:rPr lang="fr-FR" dirty="0" smtClean="0"/>
-              <a:t>La modélisation repose sur le calcul symbolique :</a:t>
-            </a:r>
-          </a:p>
-          <a:p>
-            <a:pPr lvl="2"/>
-            <a:r>
-              <a:rPr lang="fr-FR" dirty="0" smtClean="0"/>
-              <a:t>la transformée (de Laplace)</a:t>
-            </a:r>
-          </a:p>
-          <a:p>
-            <a:pPr lvl="2"/>
-            <a:r>
-              <a:rPr lang="fr-FR" dirty="0" smtClean="0"/>
-              <a:t>L’algèbre de schémas blocs</a:t>
-            </a:r>
-          </a:p>
-          <a:p>
-            <a:pPr lvl="1"/>
-            <a:r>
-              <a:rPr lang="fr-FR" dirty="0" smtClean="0"/>
-              <a:t>La résolution se base sur une transformation des équations dans un domaine symbolique puis une transformation inverse permet de revenir dans le domaine temporel</a:t>
-            </a:r>
-          </a:p>
-          <a:p>
-            <a:pPr lvl="1"/>
-            <a:r>
-              <a:rPr lang="fr-FR" dirty="0" smtClean="0"/>
-              <a:t>Des conditions nulles sont imposées</a:t>
-            </a:r>
-          </a:p>
-        </p:txBody>
-      </p:sp>
-      <p:sp>
-        <p:nvSpPr>
-          <p:cNvPr id="4" name="Espace réservé du numéro de diapositive 3"/>
-          <p:cNvSpPr>
-            <a:spLocks noGrp="1"/>
-          </p:cNvSpPr>
-          <p:nvPr>
-            <p:ph type="sldNum" sz="quarter" idx="15"/>
-          </p:nvPr>
-        </p:nvSpPr>
-        <p:spPr/>
-        <p:txBody>
-          <a:bodyPr/>
-          <a:lstStyle/>
-          <a:p>
-            <a:fld id="{136A7F36-7A21-4EA8-9DC2-F00219448035}" type="slidenum">
-              <a:rPr lang="fr-FR" smtClean="0"/>
-              <a:t>11</a:t>
-            </a:fld>
-            <a:endParaRPr lang="fr-FR"/>
-          </a:p>
-        </p:txBody>
-      </p:sp>
-      <p:pic>
-        <p:nvPicPr>
-          <p:cNvPr id="9" name="Picture 3"/>
-          <p:cNvPicPr>
-            <a:picLocks noChangeAspect="1" noChangeArrowheads="1"/>
-          </p:cNvPicPr>
-          <p:nvPr/>
-        </p:nvPicPr>
-        <p:blipFill>
-          <a:blip r:embed="rId2">
-            <a:extLst>
-              <a:ext uri="{28A0092B-C50C-407E-A947-70E740481C1C}">
-                <a14:useLocalDpi xmlns:a14="http://schemas.microsoft.com/office/drawing/2010/main" val="0"/>
-              </a:ext>
-            </a:extLst>
-          </a:blip>
-          <a:srcRect/>
-          <a:stretch>
-            <a:fillRect/>
-          </a:stretch>
-        </p:blipFill>
-        <p:spPr bwMode="auto">
-          <a:xfrm>
-            <a:off x="1403648" y="4546503"/>
-            <a:ext cx="6276654" cy="2317533"/>
-          </a:xfrm>
-          <a:prstGeom prst="rect">
-            <a:avLst/>
-          </a:prstGeom>
-          <a:ln>
-            <a:noFill/>
-          </a:ln>
-          <a:effectLst/>
-          <a:extLst>
-            <a:ext uri="{909E8E84-426E-40DD-AFC4-6F175D3DCCD1}">
-              <a14:hiddenFill xmlns:a14="http://schemas.microsoft.com/office/drawing/2010/main">
-                <a:solidFill>
-                  <a:schemeClr val="accent1"/>
-                </a:solidFill>
-              </a14:hiddenFill>
-            </a:ext>
-            <a:ext uri="{91240B29-F687-4F45-9708-019B960494DF}">
-              <a14:hiddenLine xmlns:a14="http://schemas.microsoft.com/office/drawing/2010/main" w="9525">
-                <a:solidFill>
-                  <a:schemeClr val="tx1"/>
-                </a:solidFill>
-                <a:miter lim="800000"/>
-                <a:headEnd/>
-                <a:tailEnd/>
-              </a14:hiddenLine>
-            </a:ext>
-          </a:extLst>
-        </p:spPr>
-      </p:pic>
-    </p:spTree>
-    <p:extLst>
-      <p:ext uri="{BB962C8B-B14F-4D97-AF65-F5344CB8AC3E}">
-        <p14:creationId xmlns:p14="http://schemas.microsoft.com/office/powerpoint/2010/main" val="3088544584"/>
-      </p:ext>
-    </p:extLst>
-  </p:cSld>
-  <p:clrMapOvr>
-    <a:masterClrMapping/>
-  </p:clrMapOvr>
-</p:sld>
-</file>
-
-<file path=ppt/slides/slide12.xml><?xml version="1.0" encoding="utf-8"?>
-<p:sld xmlns:a="http://schemas.openxmlformats.org/drawingml/2006/main" xmlns:r="http://schemas.openxmlformats.org/officeDocument/2006/relationships" xmlns:p="http://schemas.openxmlformats.org/presentationml/2006/main">
-  <p:cSld>
-    <p:spTree>
-      <p:nvGrpSpPr>
-        <p:cNvPr id="1" name=""/>
-        <p:cNvGrpSpPr/>
-        <p:nvPr/>
-      </p:nvGrpSpPr>
-      <p:grpSpPr>
-        <a:xfrm>
-          <a:off x="0" y="0"/>
-          <a:ext cx="0" cy="0"/>
-          <a:chOff x="0" y="0"/>
-          <a:chExt cx="0" cy="0"/>
-        </a:xfrm>
-      </p:grpSpPr>
-      <p:sp>
-        <p:nvSpPr>
-          <p:cNvPr id="2" name="Titre 1"/>
-          <p:cNvSpPr>
-            <a:spLocks noGrp="1"/>
-          </p:cNvSpPr>
-          <p:nvPr>
-            <p:ph type="title"/>
-          </p:nvPr>
-        </p:nvSpPr>
         <p:spPr>
           <a:xfrm>
             <a:off x="251520" y="116632"/>
@@ -6820,7 +5825,7 @@
           <a:p>
             <a:fld id="{136A7F36-7A21-4EA8-9DC2-F00219448035}" type="slidenum">
               <a:rPr lang="fr-FR" smtClean="0"/>
-              <a:t>12</a:t>
+              <a:t>10</a:t>
             </a:fld>
             <a:endParaRPr lang="fr-FR"/>
           </a:p>
@@ -7202,7 +6207,7 @@
 </p:sld>
 </file>
 
-<file path=ppt/slides/slide13.xml><?xml version="1.0" encoding="utf-8"?>
+<file path=ppt/slides/slide11.xml><?xml version="1.0" encoding="utf-8"?>
 <p:sld xmlns:a="http://schemas.openxmlformats.org/drawingml/2006/main" xmlns:r="http://schemas.openxmlformats.org/officeDocument/2006/relationships" xmlns:p="http://schemas.openxmlformats.org/presentationml/2006/main">
   <p:cSld>
     <p:spTree>
@@ -7320,7 +6325,7 @@
           <a:p>
             <a:fld id="{136A7F36-7A21-4EA8-9DC2-F00219448035}" type="slidenum">
               <a:rPr lang="fr-FR" smtClean="0"/>
-              <a:t>13</a:t>
+              <a:t>11</a:t>
             </a:fld>
             <a:endParaRPr lang="fr-FR"/>
           </a:p>
@@ -7339,7 +6344,7 @@
 </p:sld>
 </file>
 
-<file path=ppt/slides/slide14.xml><?xml version="1.0" encoding="utf-8"?>
+<file path=ppt/slides/slide12.xml><?xml version="1.0" encoding="utf-8"?>
 <p:sld xmlns:a="http://schemas.openxmlformats.org/drawingml/2006/main" xmlns:r="http://schemas.openxmlformats.org/officeDocument/2006/relationships" xmlns:p="http://schemas.openxmlformats.org/presentationml/2006/main">
   <p:cSld>
     <p:spTree>
@@ -7463,7 +6468,7 @@
           <a:p>
             <a:fld id="{136A7F36-7A21-4EA8-9DC2-F00219448035}" type="slidenum">
               <a:rPr lang="fr-FR" smtClean="0"/>
-              <a:t>14</a:t>
+              <a:t>12</a:t>
             </a:fld>
             <a:endParaRPr lang="fr-FR"/>
           </a:p>
@@ -7546,7 +6551,7 @@
 </p:sld>
 </file>
 
-<file path=ppt/slides/slide15.xml><?xml version="1.0" encoding="utf-8"?>
+<file path=ppt/slides/slide13.xml><?xml version="1.0" encoding="utf-8"?>
 <p:sld xmlns:a="http://schemas.openxmlformats.org/drawingml/2006/main" xmlns:r="http://schemas.openxmlformats.org/officeDocument/2006/relationships" xmlns:p="http://schemas.openxmlformats.org/presentationml/2006/main">
   <p:cSld>
     <p:spTree>
@@ -7612,7 +6617,7 @@
           <a:p>
             <a:fld id="{136A7F36-7A21-4EA8-9DC2-F00219448035}" type="slidenum">
               <a:rPr lang="fr-FR" smtClean="0"/>
-              <a:t>15</a:t>
+              <a:t>13</a:t>
             </a:fld>
             <a:endParaRPr lang="fr-FR"/>
           </a:p>
@@ -8704,7 +7709,7 @@
 </p:sld>
 </file>
 
-<file path=ppt/slides/slide16.xml><?xml version="1.0" encoding="utf-8"?>
+<file path=ppt/slides/slide14.xml><?xml version="1.0" encoding="utf-8"?>
 <p:sld xmlns:a="http://schemas.openxmlformats.org/drawingml/2006/main" xmlns:r="http://schemas.openxmlformats.org/officeDocument/2006/relationships" xmlns:p="http://schemas.openxmlformats.org/presentationml/2006/main">
   <p:cSld>
     <p:spTree>
@@ -8780,7 +7785,7 @@
           <a:p>
             <a:fld id="{136A7F36-7A21-4EA8-9DC2-F00219448035}" type="slidenum">
               <a:rPr lang="fr-FR" smtClean="0"/>
-              <a:t>16</a:t>
+              <a:t>14</a:t>
             </a:fld>
             <a:endParaRPr lang="fr-FR"/>
           </a:p>
@@ -8937,8 +7942,8 @@
         </p:blipFill>
         <p:spPr bwMode="auto">
           <a:xfrm>
-            <a:off x="5004048" y="1124744"/>
-            <a:ext cx="3733164" cy="2376264"/>
+            <a:off x="4212165" y="1124744"/>
+            <a:ext cx="4525047" cy="2880320"/>
           </a:xfrm>
           <a:prstGeom prst="rect">
             <a:avLst/>
@@ -8991,7 +7996,7 @@
 </p:sld>
 </file>
 
-<file path=ppt/slides/slide17.xml><?xml version="1.0" encoding="utf-8"?>
+<file path=ppt/slides/slide15.xml><?xml version="1.0" encoding="utf-8"?>
 <p:sld xmlns:a="http://schemas.openxmlformats.org/drawingml/2006/main" xmlns:r="http://schemas.openxmlformats.org/officeDocument/2006/relationships" xmlns:p="http://schemas.openxmlformats.org/presentationml/2006/main">
   <p:cSld>
     <p:spTree>
@@ -9071,7 +8076,7 @@
           <a:p>
             <a:fld id="{136A7F36-7A21-4EA8-9DC2-F00219448035}" type="slidenum">
               <a:rPr lang="fr-FR" smtClean="0"/>
-              <a:t>17</a:t>
+              <a:t>15</a:t>
             </a:fld>
             <a:endParaRPr lang="fr-FR"/>
           </a:p>
@@ -9090,7 +8095,7 @@
 </p:sld>
 </file>
 
-<file path=ppt/slides/slide18.xml><?xml version="1.0" encoding="utf-8"?>
+<file path=ppt/slides/slide16.xml><?xml version="1.0" encoding="utf-8"?>
 <p:sld xmlns:a="http://schemas.openxmlformats.org/drawingml/2006/main" xmlns:r="http://schemas.openxmlformats.org/officeDocument/2006/relationships" xmlns:p="http://schemas.openxmlformats.org/presentationml/2006/main">
   <p:cSld>
     <p:spTree>
@@ -9221,7 +8226,7 @@
           <a:p>
             <a:fld id="{136A7F36-7A21-4EA8-9DC2-F00219448035}" type="slidenum">
               <a:rPr lang="fr-FR" smtClean="0"/>
-              <a:t>18</a:t>
+              <a:t>16</a:t>
             </a:fld>
             <a:endParaRPr lang="fr-FR"/>
           </a:p>
@@ -9334,7 +8339,7 @@
 </p:sld>
 </file>
 
-<file path=ppt/slides/slide19.xml><?xml version="1.0" encoding="utf-8"?>
+<file path=ppt/slides/slide17.xml><?xml version="1.0" encoding="utf-8"?>
 <p:sld xmlns:a="http://schemas.openxmlformats.org/drawingml/2006/main" xmlns:r="http://schemas.openxmlformats.org/officeDocument/2006/relationships" xmlns:p="http://schemas.openxmlformats.org/presentationml/2006/main">
   <p:cSld>
     <p:spTree>
@@ -9449,11 +8454,7 @@
             </a:br>
             <a:r>
               <a:rPr lang="fr-FR" dirty="0" smtClean="0"/>
-              <a:t>Module </a:t>
-            </a:r>
-            <a:r>
-              <a:rPr lang="fr-FR" dirty="0" smtClean="0"/>
-              <a:t>SIMM</a:t>
+              <a:t>Module SIMM</a:t>
             </a:r>
             <a:endParaRPr lang="fr-FR" dirty="0"/>
           </a:p>
@@ -9476,7 +8477,7 @@
           <a:p>
             <a:fld id="{136A7F36-7A21-4EA8-9DC2-F00219448035}" type="slidenum">
               <a:rPr lang="fr-FR" smtClean="0"/>
-              <a:t>19</a:t>
+              <a:t>17</a:t>
             </a:fld>
             <a:endParaRPr lang="fr-FR"/>
           </a:p>
@@ -9749,6 +8750,282 @@
 </p:sld>
 </file>
 
+<file path=ppt/slides/slide18.xml><?xml version="1.0" encoding="utf-8"?>
+<p:sld xmlns:a="http://schemas.openxmlformats.org/drawingml/2006/main" xmlns:r="http://schemas.openxmlformats.org/officeDocument/2006/relationships" xmlns:p="http://schemas.openxmlformats.org/presentationml/2006/main">
+  <p:cSld>
+    <p:spTree>
+      <p:nvGrpSpPr>
+        <p:cNvPr id="1" name=""/>
+        <p:cNvGrpSpPr/>
+        <p:nvPr/>
+      </p:nvGrpSpPr>
+      <p:grpSpPr>
+        <a:xfrm>
+          <a:off x="0" y="0"/>
+          <a:ext cx="0" cy="0"/>
+          <a:chOff x="0" y="0"/>
+          <a:chExt cx="0" cy="0"/>
+        </a:xfrm>
+      </p:grpSpPr>
+      <p:sp>
+        <p:nvSpPr>
+          <p:cNvPr id="2" name="Titre 1"/>
+          <p:cNvSpPr>
+            <a:spLocks noGrp="1"/>
+          </p:cNvSpPr>
+          <p:nvPr>
+            <p:ph type="title"/>
+          </p:nvPr>
+        </p:nvSpPr>
+        <p:spPr/>
+        <p:txBody>
+          <a:bodyPr>
+            <a:normAutofit/>
+          </a:bodyPr>
+          <a:lstStyle/>
+          <a:p>
+            <a:r>
+              <a:rPr lang="fr-FR" dirty="0"/>
+              <a:t>Modélisation des systèmes avec Scilab / </a:t>
+            </a:r>
+            <a:r>
+              <a:rPr lang="fr-FR" dirty="0" err="1" smtClean="0"/>
+              <a:t>Xcos</a:t>
+            </a:r>
+            <a:endParaRPr lang="fr-FR" dirty="0"/>
+          </a:p>
+        </p:txBody>
+      </p:sp>
+      <p:sp>
+        <p:nvSpPr>
+          <p:cNvPr id="3" name="Espace réservé du contenu 2"/>
+          <p:cNvSpPr>
+            <a:spLocks noGrp="1"/>
+          </p:cNvSpPr>
+          <p:nvPr>
+            <p:ph sz="quarter" idx="1"/>
+          </p:nvPr>
+        </p:nvSpPr>
+        <p:spPr/>
+        <p:txBody>
+          <a:bodyPr/>
+          <a:lstStyle/>
+          <a:p>
+            <a:r>
+              <a:rPr lang="fr-FR" dirty="0" smtClean="0"/>
+              <a:t>Activité 1 : prise en main de </a:t>
+            </a:r>
+            <a:r>
+              <a:rPr lang="fr-FR" dirty="0" err="1" smtClean="0"/>
+              <a:t>Xcos</a:t>
+            </a:r>
+            <a:r>
+              <a:rPr lang="fr-FR" dirty="0" smtClean="0"/>
+              <a:t> : modélisation du moteur à courant continu</a:t>
+            </a:r>
+          </a:p>
+          <a:p>
+            <a:r>
+              <a:rPr lang="fr-FR" dirty="0" smtClean="0"/>
+              <a:t>Activité 2 : enrichissement du modèle du moteur à courant continu :</a:t>
+            </a:r>
+          </a:p>
+          <a:p>
+            <a:pPr lvl="1"/>
+            <a:r>
+              <a:rPr lang="fr-FR" dirty="0" smtClean="0"/>
+              <a:t>Partie mécanique :</a:t>
+            </a:r>
+          </a:p>
+          <a:p>
+            <a:pPr lvl="2"/>
+            <a:r>
+              <a:rPr lang="fr-FR" dirty="0" smtClean="0"/>
+              <a:t>Prise en compte du frottement</a:t>
+            </a:r>
+          </a:p>
+          <a:p>
+            <a:pPr lvl="2"/>
+            <a:r>
+              <a:rPr lang="fr-FR" dirty="0" smtClean="0"/>
+              <a:t>Mesure de couple</a:t>
+            </a:r>
+          </a:p>
+          <a:p>
+            <a:pPr lvl="2"/>
+            <a:r>
+              <a:rPr lang="fr-FR" dirty="0" smtClean="0"/>
+              <a:t>Calcul de puissance</a:t>
+            </a:r>
+          </a:p>
+          <a:p>
+            <a:pPr lvl="1"/>
+            <a:r>
+              <a:rPr lang="fr-FR" dirty="0" smtClean="0"/>
+              <a:t>Partie électrique :</a:t>
+            </a:r>
+          </a:p>
+          <a:p>
+            <a:pPr lvl="2"/>
+            <a:r>
+              <a:rPr lang="fr-FR" dirty="0" smtClean="0"/>
+              <a:t>Modélisation de la partie commande</a:t>
+            </a:r>
+          </a:p>
+        </p:txBody>
+      </p:sp>
+      <p:sp>
+        <p:nvSpPr>
+          <p:cNvPr id="4" name="Espace réservé du numéro de diapositive 3"/>
+          <p:cNvSpPr>
+            <a:spLocks noGrp="1"/>
+          </p:cNvSpPr>
+          <p:nvPr>
+            <p:ph type="sldNum" sz="quarter" idx="15"/>
+          </p:nvPr>
+        </p:nvSpPr>
+        <p:spPr/>
+        <p:txBody>
+          <a:bodyPr/>
+          <a:lstStyle/>
+          <a:p>
+            <a:fld id="{136A7F36-7A21-4EA8-9DC2-F00219448035}" type="slidenum">
+              <a:rPr lang="fr-FR" smtClean="0"/>
+              <a:t>18</a:t>
+            </a:fld>
+            <a:endParaRPr lang="fr-FR"/>
+          </a:p>
+        </p:txBody>
+      </p:sp>
+    </p:spTree>
+    <p:extLst>
+      <p:ext uri="{BB962C8B-B14F-4D97-AF65-F5344CB8AC3E}">
+        <p14:creationId xmlns:p14="http://schemas.microsoft.com/office/powerpoint/2010/main" val="3193964930"/>
+      </p:ext>
+    </p:extLst>
+  </p:cSld>
+  <p:clrMapOvr>
+    <a:masterClrMapping/>
+  </p:clrMapOvr>
+</p:sld>
+</file>
+
+<file path=ppt/slides/slide19.xml><?xml version="1.0" encoding="utf-8"?>
+<p:sld xmlns:a="http://schemas.openxmlformats.org/drawingml/2006/main" xmlns:r="http://schemas.openxmlformats.org/officeDocument/2006/relationships" xmlns:p="http://schemas.openxmlformats.org/presentationml/2006/main">
+  <p:cSld>
+    <p:spTree>
+      <p:nvGrpSpPr>
+        <p:cNvPr id="1" name=""/>
+        <p:cNvGrpSpPr/>
+        <p:nvPr/>
+      </p:nvGrpSpPr>
+      <p:grpSpPr>
+        <a:xfrm>
+          <a:off x="0" y="0"/>
+          <a:ext cx="0" cy="0"/>
+          <a:chOff x="0" y="0"/>
+          <a:chExt cx="0" cy="0"/>
+        </a:xfrm>
+      </p:grpSpPr>
+      <p:sp>
+        <p:nvSpPr>
+          <p:cNvPr id="2" name="Titre 1"/>
+          <p:cNvSpPr>
+            <a:spLocks noGrp="1"/>
+          </p:cNvSpPr>
+          <p:nvPr>
+            <p:ph type="title"/>
+          </p:nvPr>
+        </p:nvSpPr>
+        <p:spPr/>
+        <p:txBody>
+          <a:bodyPr>
+            <a:normAutofit fontScale="90000"/>
+          </a:bodyPr>
+          <a:lstStyle/>
+          <a:p>
+            <a:r>
+              <a:rPr lang="fr-FR" dirty="0"/>
+              <a:t>Modélisation des systèmes avec Scilab / </a:t>
+            </a:r>
+            <a:r>
+              <a:rPr lang="fr-FR" dirty="0" err="1"/>
+              <a:t>Xcos</a:t>
+            </a:r>
+            <a:r>
+              <a:rPr lang="fr-FR" dirty="0"/>
+              <a:t/>
+            </a:r>
+            <a:br>
+              <a:rPr lang="fr-FR" dirty="0"/>
+            </a:br>
+            <a:r>
+              <a:rPr lang="fr-FR" dirty="0" smtClean="0"/>
+              <a:t>Pour aller plus loin </a:t>
+            </a:r>
+            <a:endParaRPr lang="fr-FR" dirty="0"/>
+          </a:p>
+        </p:txBody>
+      </p:sp>
+      <p:sp>
+        <p:nvSpPr>
+          <p:cNvPr id="3" name="Espace réservé du contenu 2"/>
+          <p:cNvSpPr>
+            <a:spLocks noGrp="1"/>
+          </p:cNvSpPr>
+          <p:nvPr>
+            <p:ph sz="quarter" idx="1"/>
+          </p:nvPr>
+        </p:nvSpPr>
+        <p:spPr/>
+        <p:txBody>
+          <a:bodyPr/>
+          <a:lstStyle/>
+          <a:p>
+            <a:r>
+              <a:rPr lang="fr-FR" dirty="0" smtClean="0"/>
+              <a:t>Bilan de puissance</a:t>
+            </a:r>
+            <a:endParaRPr lang="fr-FR" dirty="0"/>
+          </a:p>
+        </p:txBody>
+      </p:sp>
+      <p:sp>
+        <p:nvSpPr>
+          <p:cNvPr id="4" name="Espace réservé du numéro de diapositive 3"/>
+          <p:cNvSpPr>
+            <a:spLocks noGrp="1"/>
+          </p:cNvSpPr>
+          <p:nvPr>
+            <p:ph type="sldNum" sz="quarter" idx="15"/>
+          </p:nvPr>
+        </p:nvSpPr>
+        <p:spPr/>
+        <p:txBody>
+          <a:bodyPr/>
+          <a:lstStyle/>
+          <a:p>
+            <a:fld id="{136A7F36-7A21-4EA8-9DC2-F00219448035}" type="slidenum">
+              <a:rPr lang="fr-FR" smtClean="0"/>
+              <a:t>19</a:t>
+            </a:fld>
+            <a:endParaRPr lang="fr-FR"/>
+          </a:p>
+        </p:txBody>
+      </p:sp>
+    </p:spTree>
+    <p:extLst>
+      <p:ext uri="{BB962C8B-B14F-4D97-AF65-F5344CB8AC3E}">
+        <p14:creationId xmlns:p14="http://schemas.microsoft.com/office/powerpoint/2010/main" val="3154538276"/>
+      </p:ext>
+    </p:extLst>
+  </p:cSld>
+  <p:clrMapOvr>
+    <a:masterClrMapping/>
+  </p:clrMapOvr>
+</p:sld>
+</file>
+
 <file path=ppt/slides/slide2.xml><?xml version="1.0" encoding="utf-8"?>
 <p:sld xmlns:a="http://schemas.openxmlformats.org/drawingml/2006/main" xmlns:r="http://schemas.openxmlformats.org/officeDocument/2006/relationships" xmlns:p="http://schemas.openxmlformats.org/presentationml/2006/main">
   <p:cSld>
@@ -9783,31 +9060,91 @@
           <a:p>
             <a:r>
               <a:rPr lang="fr-FR" dirty="0" smtClean="0"/>
-              <a:t>Programme de la journée</a:t>
-            </a:r>
-          </a:p>
-          <a:p>
+              <a:t>Matin</a:t>
+            </a:r>
+          </a:p>
+          <a:p>
+            <a:pPr lvl="1"/>
             <a:r>
               <a:rPr lang="fr-FR" dirty="0" smtClean="0"/>
-              <a:t>Piste d’utilisation pédagogique de chacun des exemples</a:t>
-            </a:r>
-          </a:p>
-          <a:p>
+              <a:t>Modélisation multiphysique – Présentation</a:t>
+            </a:r>
+          </a:p>
+          <a:p>
+            <a:pPr lvl="1"/>
             <a:r>
               <a:rPr lang="fr-FR" dirty="0" smtClean="0"/>
-              <a:t>Démo </a:t>
+              <a:t>Découverte de l’utilisation du module </a:t>
             </a:r>
             <a:r>
               <a:rPr lang="fr-FR" dirty="0" err="1" smtClean="0"/>
-              <a:t>arduino</a:t>
+              <a:t>Xcos</a:t>
+            </a:r>
+            <a:r>
+              <a:rPr lang="fr-FR" dirty="0" smtClean="0"/>
+              <a:t> de </a:t>
+            </a:r>
+            <a:r>
+              <a:rPr lang="fr-FR" dirty="0" err="1" smtClean="0"/>
+              <a:t>scilab</a:t>
             </a:r>
             <a:endParaRPr lang="fr-FR" dirty="0" smtClean="0"/>
           </a:p>
           <a:p>
             <a:r>
               <a:rPr lang="fr-FR" dirty="0" smtClean="0"/>
-              <a:t>Mesure Portail</a:t>
-            </a:r>
+              <a:t>Après midi</a:t>
+            </a:r>
+          </a:p>
+          <a:p>
+            <a:pPr lvl="1"/>
+            <a:r>
+              <a:rPr lang="fr-FR" dirty="0" smtClean="0"/>
+              <a:t>Proposition d’applications pédagogiques</a:t>
+            </a:r>
+          </a:p>
+          <a:p>
+            <a:pPr lvl="2"/>
+            <a:r>
+              <a:rPr lang="fr-FR" dirty="0" smtClean="0"/>
+              <a:t>TP – Modélisation multiphysique du pilote électrique de bateau</a:t>
+            </a:r>
+          </a:p>
+          <a:p>
+            <a:pPr lvl="2"/>
+            <a:r>
+              <a:rPr lang="fr-FR" dirty="0" smtClean="0"/>
+              <a:t>TP – Modélisation multiphysique du panneau solaire électrique (SET)</a:t>
+            </a:r>
+          </a:p>
+          <a:p>
+            <a:pPr lvl="2"/>
+            <a:r>
+              <a:rPr lang="fr-FR" dirty="0" smtClean="0"/>
+              <a:t>TD – Fonctionnement d’une machine à courant continu</a:t>
+            </a:r>
+          </a:p>
+          <a:p>
+            <a:pPr lvl="2"/>
+            <a:r>
+              <a:rPr lang="fr-FR" dirty="0" smtClean="0"/>
+              <a:t>Projet – à investiguer : interfaçage </a:t>
+            </a:r>
+            <a:r>
+              <a:rPr lang="fr-FR" dirty="0" err="1" smtClean="0"/>
+              <a:t>Arduino</a:t>
+            </a:r>
+            <a:r>
+              <a:rPr lang="fr-FR" dirty="0" smtClean="0"/>
+              <a:t>/</a:t>
+            </a:r>
+            <a:r>
+              <a:rPr lang="fr-FR" dirty="0" err="1" smtClean="0"/>
+              <a:t>Xcos</a:t>
+            </a:r>
+            <a:endParaRPr lang="fr-FR" dirty="0" smtClean="0"/>
+          </a:p>
+          <a:p>
             <a:endParaRPr lang="fr-FR" dirty="0"/>
           </a:p>
         </p:txBody>
@@ -9829,7 +9166,7 @@
           <a:p>
             <a:r>
               <a:rPr lang="fr-FR" dirty="0" smtClean="0"/>
-              <a:t>TO DO</a:t>
+              <a:t>Programme (prévisionnel) de la journée</a:t>
             </a:r>
             <a:endParaRPr lang="fr-FR" dirty="0"/>
           </a:p>
@@ -9868,6 +9205,13 @@
   <p:clrMapOvr>
     <a:masterClrMapping/>
   </p:clrMapOvr>
+  <p:timing>
+    <p:tnLst>
+      <p:par>
+        <p:cTn id="1" dur="indefinite" restart="never" nodeType="tmRoot"/>
+      </p:par>
+    </p:tnLst>
+  </p:timing>
 </p:sld>
 </file>
 
@@ -9922,7 +9266,7 @@
             </a:br>
             <a:r>
               <a:rPr lang="fr-FR" dirty="0" smtClean="0"/>
-              <a:t>Activité 1 – Moteur à courant continu</a:t>
+              <a:t>Pour aller plus loin </a:t>
             </a:r>
             <a:endParaRPr lang="fr-FR" dirty="0"/>
           </a:p>
@@ -9945,34 +9289,7 @@
           <a:p>
             <a:r>
               <a:rPr lang="fr-FR" dirty="0" smtClean="0"/>
-              <a:t>Réaliser les schémas des moteurs à courant continu</a:t>
-            </a:r>
-          </a:p>
-          <a:p>
-            <a:r>
-              <a:rPr lang="fr-FR" dirty="0" smtClean="0"/>
-              <a:t>Sur le schéma simplifié :</a:t>
-            </a:r>
-          </a:p>
-          <a:p>
-            <a:pPr lvl="1"/>
-            <a:r>
-              <a:rPr lang="fr-FR" dirty="0" smtClean="0"/>
-              <a:t>Ajouter du frottement visqueux</a:t>
-            </a:r>
-          </a:p>
-          <a:p>
-            <a:pPr lvl="1"/>
-            <a:r>
-              <a:rPr lang="fr-FR" dirty="0" smtClean="0"/>
-              <a:t>Calculer puis afficher les puissances électrique et mécanique</a:t>
-            </a:r>
-          </a:p>
-          <a:p>
-            <a:pPr lvl="1"/>
-            <a:r>
-              <a:rPr lang="fr-FR" dirty="0" smtClean="0"/>
-              <a:t>Calculer le rendement en régime permanent</a:t>
+              <a:t>Prise en compte d’une saturation</a:t>
             </a:r>
             <a:endParaRPr lang="fr-FR" dirty="0"/>
           </a:p>
@@ -10004,7 +9321,7 @@
     </p:spTree>
     <p:extLst>
       <p:ext uri="{BB962C8B-B14F-4D97-AF65-F5344CB8AC3E}">
-        <p14:creationId xmlns:p14="http://schemas.microsoft.com/office/powerpoint/2010/main" val="3193964930"/>
+        <p14:creationId xmlns:p14="http://schemas.microsoft.com/office/powerpoint/2010/main" val="2871089547"/>
       </p:ext>
     </p:extLst>
   </p:cSld>
@@ -10043,29 +9360,12 @@
         </p:nvSpPr>
         <p:spPr/>
         <p:txBody>
-          <a:bodyPr>
-            <a:normAutofit fontScale="90000"/>
-          </a:bodyPr>
-          <a:lstStyle/>
-          <a:p>
-            <a:r>
-              <a:rPr lang="fr-FR" dirty="0"/>
-              <a:t>Modélisation des systèmes avec Scilab / </a:t>
-            </a:r>
-            <a:r>
-              <a:rPr lang="fr-FR" dirty="0" err="1"/>
-              <a:t>Xcos</a:t>
-            </a:r>
-            <a:r>
-              <a:rPr lang="fr-FR" dirty="0"/>
-              <a:t/>
-            </a:r>
-            <a:br>
-              <a:rPr lang="fr-FR" dirty="0"/>
-            </a:br>
+          <a:bodyPr/>
+          <a:lstStyle/>
+          <a:p>
             <a:r>
               <a:rPr lang="fr-FR" dirty="0" smtClean="0"/>
-              <a:t>Activité 2 – Machine à courant continu (réversibilité)</a:t>
+              <a:t>Modélisation d’un système de laboratoire</a:t>
             </a:r>
             <a:endParaRPr lang="fr-FR" dirty="0"/>
           </a:p>
@@ -10073,12 +9373,12 @@
       </p:sp>
       <p:sp>
         <p:nvSpPr>
-          <p:cNvPr id="3" name="Espace réservé du contenu 2"/>
+          <p:cNvPr id="3" name="Espace réservé du texte 2"/>
           <p:cNvSpPr>
             <a:spLocks noGrp="1"/>
           </p:cNvSpPr>
           <p:nvPr>
-            <p:ph sz="quarter" idx="1"/>
+            <p:ph type="body" idx="1"/>
           </p:nvPr>
         </p:nvSpPr>
         <p:spPr/>
@@ -10088,89 +9388,10 @@
           <a:p>
             <a:r>
               <a:rPr lang="fr-FR" dirty="0" smtClean="0"/>
-              <a:t>Exemple de réversibilité de la machine à courant continu (Fonctionnement en générateur et en moteur)</a:t>
-            </a:r>
-          </a:p>
-          <a:p>
-            <a:pPr lvl="1"/>
-            <a:r>
-              <a:rPr lang="fr-FR" dirty="0" smtClean="0"/>
-              <a:t>Ouvrir le fichier causal </a:t>
-            </a:r>
-            <a:r>
-              <a:rPr lang="fr-FR" i="1" dirty="0" smtClean="0"/>
-              <a:t>5_MCC_avec_reversibilite_2_causal :</a:t>
-            </a:r>
-          </a:p>
-          <a:p>
-            <a:pPr lvl="2"/>
-            <a:r>
-              <a:rPr lang="fr-FR" dirty="0" smtClean="0"/>
-              <a:t>Analyser le signal de commande en tension du moteur.</a:t>
-            </a:r>
-          </a:p>
-          <a:p>
-            <a:pPr lvl="2"/>
-            <a:r>
-              <a:rPr lang="fr-FR" dirty="0" smtClean="0"/>
-              <a:t>Analyser l’impact de la commande en couple.</a:t>
-            </a:r>
-          </a:p>
-          <a:p>
-            <a:pPr lvl="2"/>
-            <a:r>
-              <a:rPr lang="fr-FR" dirty="0" smtClean="0"/>
-              <a:t>Interpréter les courbes de tension, intensité et de taux de rotation du moteur. </a:t>
+              <a:t>Pilote automatique TP 30</a:t>
             </a:r>
             <a:endParaRPr lang="fr-FR" dirty="0"/>
           </a:p>
-          <a:p>
-            <a:pPr lvl="1"/>
-            <a:endParaRPr lang="fr-FR" dirty="0" smtClean="0"/>
-          </a:p>
-          <a:p>
-            <a:pPr lvl="1"/>
-            <a:r>
-              <a:rPr lang="fr-FR" dirty="0"/>
-              <a:t>Ouvrir le fichier </a:t>
-            </a:r>
-            <a:r>
-              <a:rPr lang="fr-FR" i="1" dirty="0" smtClean="0"/>
-              <a:t>5_MCC_avec_reversibilite_2_acausal_sans_PWM</a:t>
-            </a:r>
-          </a:p>
-          <a:p>
-            <a:pPr lvl="2"/>
-            <a:r>
-              <a:rPr lang="fr-FR" dirty="0" smtClean="0"/>
-              <a:t>Analyser </a:t>
-            </a:r>
-            <a:r>
-              <a:rPr lang="fr-FR" dirty="0"/>
-              <a:t>le signal de commande en tension du moteur.</a:t>
-            </a:r>
-          </a:p>
-          <a:p>
-            <a:pPr lvl="2"/>
-            <a:r>
-              <a:rPr lang="fr-FR" dirty="0"/>
-              <a:t>Analyser l’impact de la commande en couple.</a:t>
-            </a:r>
-          </a:p>
-          <a:p>
-            <a:pPr lvl="2"/>
-            <a:r>
-              <a:rPr lang="fr-FR" dirty="0"/>
-              <a:t>Interpréter les courbes de tension, intensité et de taux de rotation du moteur. </a:t>
-            </a:r>
-          </a:p>
-          <a:p>
-            <a:pPr lvl="1"/>
-            <a:endParaRPr lang="fr-FR" dirty="0" smtClean="0"/>
-          </a:p>
-          <a:p>
-            <a:endParaRPr lang="fr-FR" dirty="0"/>
-          </a:p>
         </p:txBody>
       </p:sp>
       <p:sp>
@@ -10180,7 +9401,7 @@
             <a:spLocks noGrp="1"/>
           </p:cNvSpPr>
           <p:nvPr>
-            <p:ph type="sldNum" sz="quarter" idx="15"/>
+            <p:ph type="sldNum" sz="quarter" idx="12"/>
           </p:nvPr>
         </p:nvSpPr>
         <p:spPr/>
@@ -10199,7 +9420,7 @@
     </p:spTree>
     <p:extLst>
       <p:ext uri="{BB962C8B-B14F-4D97-AF65-F5344CB8AC3E}">
-        <p14:creationId xmlns:p14="http://schemas.microsoft.com/office/powerpoint/2010/main" val="3668966354"/>
+        <p14:creationId xmlns:p14="http://schemas.microsoft.com/office/powerpoint/2010/main" val="3672452185"/>
       </p:ext>
     </p:extLst>
   </p:cSld>
@@ -10238,29 +9459,12 @@
         </p:nvSpPr>
         <p:spPr/>
         <p:txBody>
-          <a:bodyPr>
-            <a:normAutofit fontScale="90000"/>
-          </a:bodyPr>
-          <a:lstStyle/>
-          <a:p>
-            <a:r>
-              <a:rPr lang="fr-FR" dirty="0"/>
-              <a:t>Modélisation des systèmes avec Scilab / </a:t>
-            </a:r>
-            <a:r>
-              <a:rPr lang="fr-FR" dirty="0" err="1"/>
-              <a:t>Xcos</a:t>
-            </a:r>
-            <a:r>
-              <a:rPr lang="fr-FR" dirty="0"/>
-              <a:t/>
-            </a:r>
-            <a:br>
-              <a:rPr lang="fr-FR" dirty="0"/>
-            </a:br>
+          <a:bodyPr/>
+          <a:lstStyle/>
+          <a:p>
             <a:r>
               <a:rPr lang="fr-FR" dirty="0" smtClean="0"/>
-              <a:t>Activité 3 – Interfaces de commande d’un moteur</a:t>
+              <a:t>Modélisation d’un système de laboratoire</a:t>
             </a:r>
             <a:endParaRPr lang="fr-FR" dirty="0"/>
           </a:p>
@@ -10268,12 +9472,12 @@
       </p:sp>
       <p:sp>
         <p:nvSpPr>
-          <p:cNvPr id="3" name="Espace réservé du contenu 2"/>
+          <p:cNvPr id="3" name="Espace réservé du texte 2"/>
           <p:cNvSpPr>
             <a:spLocks noGrp="1"/>
           </p:cNvSpPr>
           <p:nvPr>
-            <p:ph sz="quarter" idx="1"/>
+            <p:ph type="body" idx="1"/>
           </p:nvPr>
         </p:nvSpPr>
         <p:spPr/>
@@ -10283,66 +9487,10 @@
           <a:p>
             <a:r>
               <a:rPr lang="fr-FR" dirty="0" smtClean="0"/>
-              <a:t>Ouvrir le fichier </a:t>
-            </a:r>
-            <a:r>
-              <a:rPr lang="fr-FR" i="1" dirty="0"/>
-              <a:t>6_commande </a:t>
-            </a:r>
-            <a:r>
-              <a:rPr lang="fr-FR" i="1" dirty="0" err="1" smtClean="0"/>
-              <a:t>MCC_TOR_acausal</a:t>
-            </a:r>
-            <a:r>
-              <a:rPr lang="fr-FR" i="1" dirty="0" smtClean="0"/>
-              <a:t>.</a:t>
-            </a:r>
-          </a:p>
-          <a:p>
-            <a:r>
-              <a:rPr lang="fr-FR" dirty="0" smtClean="0"/>
-              <a:t>Lancer la simulation</a:t>
-            </a:r>
-          </a:p>
-          <a:p>
-            <a:r>
-              <a:rPr lang="fr-FR" dirty="0" smtClean="0"/>
-              <a:t>Remplacer la commande du moteur par un </a:t>
-            </a:r>
-            <a:r>
-              <a:rPr lang="fr-FR" dirty="0"/>
-              <a:t>transistor NMOS </a:t>
-            </a:r>
-            <a:r>
-              <a:rPr lang="fr-FR" dirty="0" smtClean="0"/>
-              <a:t> et son circuit de commande. Pour commander le générateur de tension on utiliser successivement :</a:t>
-            </a:r>
-          </a:p>
-          <a:p>
-            <a:pPr lvl="1"/>
-            <a:r>
-              <a:rPr lang="fr-FR" dirty="0" smtClean="0"/>
-              <a:t>Une commande tout ou rien</a:t>
-            </a:r>
-          </a:p>
-          <a:p>
-            <a:pPr lvl="1"/>
-            <a:r>
-              <a:rPr lang="fr-FR" dirty="0" smtClean="0"/>
-              <a:t>Une commande cyclique</a:t>
-            </a:r>
-          </a:p>
-          <a:p>
-            <a:pPr lvl="1"/>
-            <a:r>
-              <a:rPr lang="fr-FR" dirty="0" smtClean="0"/>
-              <a:t>Un PWM</a:t>
+              <a:t>Portail solaire</a:t>
             </a:r>
             <a:endParaRPr lang="fr-FR" dirty="0"/>
           </a:p>
-          <a:p>
-            <a:endParaRPr lang="fr-FR" dirty="0"/>
-          </a:p>
         </p:txBody>
       </p:sp>
       <p:sp>
@@ -10352,7 +9500,7 @@
             <a:spLocks noGrp="1"/>
           </p:cNvSpPr>
           <p:nvPr>
-            <p:ph type="sldNum" sz="quarter" idx="15"/>
+            <p:ph type="sldNum" sz="quarter" idx="12"/>
           </p:nvPr>
         </p:nvSpPr>
         <p:spPr/>
@@ -10371,7 +9519,7 @@
     </p:spTree>
     <p:extLst>
       <p:ext uri="{BB962C8B-B14F-4D97-AF65-F5344CB8AC3E}">
-        <p14:creationId xmlns:p14="http://schemas.microsoft.com/office/powerpoint/2010/main" val="470814664"/>
+        <p14:creationId xmlns:p14="http://schemas.microsoft.com/office/powerpoint/2010/main" val="1932848669"/>
       </p:ext>
     </p:extLst>
   </p:cSld>
@@ -10410,29 +9558,12 @@
         </p:nvSpPr>
         <p:spPr/>
         <p:txBody>
-          <a:bodyPr>
-            <a:normAutofit fontScale="90000"/>
-          </a:bodyPr>
-          <a:lstStyle/>
-          <a:p>
-            <a:r>
-              <a:rPr lang="fr-FR" dirty="0"/>
-              <a:t>Modélisation des systèmes avec Scilab / </a:t>
-            </a:r>
-            <a:r>
-              <a:rPr lang="fr-FR" dirty="0" err="1"/>
-              <a:t>Xcos</a:t>
-            </a:r>
-            <a:r>
-              <a:rPr lang="fr-FR" dirty="0"/>
-              <a:t/>
-            </a:r>
-            <a:br>
-              <a:rPr lang="fr-FR" dirty="0"/>
-            </a:br>
+          <a:bodyPr/>
+          <a:lstStyle/>
+          <a:p>
             <a:r>
               <a:rPr lang="fr-FR" dirty="0" smtClean="0"/>
-              <a:t>Bilan</a:t>
+              <a:t>Étude de la machine à courant continu</a:t>
             </a:r>
             <a:endParaRPr lang="fr-FR" dirty="0"/>
           </a:p>
@@ -10440,12 +9571,12 @@
       </p:sp>
       <p:sp>
         <p:nvSpPr>
-          <p:cNvPr id="3" name="Espace réservé du contenu 2"/>
+          <p:cNvPr id="3" name="Espace réservé du texte 2"/>
           <p:cNvSpPr>
             <a:spLocks noGrp="1"/>
           </p:cNvSpPr>
           <p:nvPr>
-            <p:ph sz="quarter" idx="1"/>
+            <p:ph type="body" idx="1"/>
           </p:nvPr>
         </p:nvSpPr>
         <p:spPr/>
@@ -10453,25 +9584,6 @@
           <a:bodyPr/>
           <a:lstStyle/>
           <a:p>
-            <a:r>
-              <a:rPr lang="fr-FR" dirty="0" smtClean="0"/>
-              <a:t>Dilemme « Fidélité du modèle » </a:t>
-            </a:r>
-            <a:r>
-              <a:rPr lang="fr-FR" dirty="0" smtClean="0">
-                <a:latin typeface="Calibri"/>
-              </a:rPr>
-              <a:t>↔ Pas de calcul</a:t>
-            </a:r>
-          </a:p>
-          <a:p>
-            <a:pPr lvl="1"/>
-            <a:r>
-              <a:rPr lang="fr-FR" dirty="0" smtClean="0">
-                <a:latin typeface="Calibri"/>
-              </a:rPr>
-              <a:t>Exemple d’une commande par PWM</a:t>
-            </a:r>
             <a:endParaRPr lang="fr-FR" dirty="0"/>
           </a:p>
         </p:txBody>
@@ -10483,7 +9595,7 @@
             <a:spLocks noGrp="1"/>
           </p:cNvSpPr>
           <p:nvPr>
-            <p:ph type="sldNum" sz="quarter" idx="15"/>
+            <p:ph type="sldNum" sz="quarter" idx="12"/>
           </p:nvPr>
         </p:nvSpPr>
         <p:spPr/>
@@ -10502,7 +9614,7 @@
     </p:spTree>
     <p:extLst>
       <p:ext uri="{BB962C8B-B14F-4D97-AF65-F5344CB8AC3E}">
-        <p14:creationId xmlns:p14="http://schemas.microsoft.com/office/powerpoint/2010/main" val="3154538276"/>
+        <p14:creationId xmlns:p14="http://schemas.microsoft.com/office/powerpoint/2010/main" val="1091603270"/>
       </p:ext>
     </p:extLst>
   </p:cSld>
@@ -10531,7 +9643,7 @@
       </p:grpSpPr>
       <p:sp>
         <p:nvSpPr>
-          <p:cNvPr id="2" name="Titre 1"/>
+          <p:cNvPr id="4" name="Titre 3"/>
           <p:cNvSpPr>
             <a:spLocks noGrp="1"/>
           </p:cNvSpPr>
@@ -10545,8 +9657,16 @@
           <a:lstStyle/>
           <a:p>
             <a:r>
+              <a:rPr lang="fr-FR" dirty="0" err="1" smtClean="0"/>
+              <a:t>Xcos</a:t>
+            </a:r>
+            <a:r>
               <a:rPr lang="fr-FR" dirty="0" smtClean="0"/>
-              <a:t>Modélisation d’un système de laboratoire</a:t>
+              <a:t> &amp; </a:t>
+            </a:r>
+            <a:r>
+              <a:rPr lang="fr-FR" dirty="0" err="1" smtClean="0"/>
+              <a:t>Arduino</a:t>
             </a:r>
             <a:endParaRPr lang="fr-FR" dirty="0"/>
           </a:p>
@@ -10554,7 +9674,7 @@
       </p:sp>
       <p:sp>
         <p:nvSpPr>
-          <p:cNvPr id="3" name="Espace réservé du texte 2"/>
+          <p:cNvPr id="5" name="Espace réservé du texte 4"/>
           <p:cNvSpPr>
             <a:spLocks noGrp="1"/>
           </p:cNvSpPr>
@@ -10567,17 +9687,13 @@
           <a:bodyPr/>
           <a:lstStyle/>
           <a:p>
-            <a:r>
-              <a:rPr lang="fr-FR" dirty="0" smtClean="0"/>
-              <a:t>Pilote automatique TP 30</a:t>
-            </a:r>
-            <a:endParaRPr lang="fr-FR" dirty="0"/>
-          </a:p>
-        </p:txBody>
-      </p:sp>
-      <p:sp>
-        <p:nvSpPr>
-          <p:cNvPr id="4" name="Espace réservé du numéro de diapositive 3"/>
+            <a:endParaRPr lang="fr-FR"/>
+          </a:p>
+        </p:txBody>
+      </p:sp>
+      <p:sp>
+        <p:nvSpPr>
+          <p:cNvPr id="2" name="Espace réservé du numéro de diapositive 1"/>
           <p:cNvSpPr>
             <a:spLocks noGrp="1"/>
           </p:cNvSpPr>
@@ -10601,7 +9717,7 @@
     </p:spTree>
     <p:extLst>
       <p:ext uri="{BB962C8B-B14F-4D97-AF65-F5344CB8AC3E}">
-        <p14:creationId xmlns:p14="http://schemas.microsoft.com/office/powerpoint/2010/main" val="3672452185"/>
+        <p14:creationId xmlns:p14="http://schemas.microsoft.com/office/powerpoint/2010/main" val="1589319820"/>
       </p:ext>
     </p:extLst>
   </p:cSld>
@@ -10640,48 +9756,155 @@
         </p:nvSpPr>
         <p:spPr/>
         <p:txBody>
+          <a:bodyPr>
+            <a:normAutofit/>
+          </a:bodyPr>
+          <a:lstStyle/>
+          <a:p>
+            <a:r>
+              <a:rPr lang="fr-FR" dirty="0" err="1" smtClean="0"/>
+              <a:t>Xcos</a:t>
+            </a:r>
+            <a:r>
+              <a:rPr lang="fr-FR" dirty="0" smtClean="0"/>
+              <a:t> </a:t>
+            </a:r>
+            <a:r>
+              <a:rPr lang="fr-FR" dirty="0" err="1" smtClean="0"/>
+              <a:t>Arduino</a:t>
+            </a:r>
+            <a:endParaRPr lang="fr-FR" dirty="0"/>
+          </a:p>
+        </p:txBody>
+      </p:sp>
+      <p:sp>
+        <p:nvSpPr>
+          <p:cNvPr id="3" name="Espace réservé du contenu 2"/>
+          <p:cNvSpPr>
+            <a:spLocks noGrp="1"/>
+          </p:cNvSpPr>
+          <p:nvPr>
+            <p:ph sz="quarter" idx="1"/>
+          </p:nvPr>
+        </p:nvSpPr>
+        <p:spPr/>
+        <p:txBody>
           <a:bodyPr/>
           <a:lstStyle/>
           <a:p>
             <a:r>
               <a:rPr lang="fr-FR" dirty="0" smtClean="0"/>
-              <a:t>Modélisation d’un système de laboratoire</a:t>
-            </a:r>
+              <a:t>Actions préliminaires</a:t>
+            </a:r>
+          </a:p>
+          <a:p>
+            <a:pPr lvl="1"/>
+            <a:r>
+              <a:rPr lang="fr-FR" dirty="0" smtClean="0"/>
+              <a:t>Dans le gestionnaire de module </a:t>
+            </a:r>
+            <a:r>
+              <a:rPr lang="fr-FR" dirty="0" err="1" smtClean="0"/>
+              <a:t>Atom</a:t>
+            </a:r>
+            <a:r>
+              <a:rPr lang="fr-FR" dirty="0" smtClean="0"/>
+              <a:t> de Scilab</a:t>
+            </a:r>
+          </a:p>
+          <a:p>
+            <a:pPr lvl="2"/>
+            <a:r>
+              <a:rPr lang="fr-FR" dirty="0" smtClean="0"/>
+              <a:t>Installer le module </a:t>
+            </a:r>
+            <a:r>
+              <a:rPr lang="fr-FR" dirty="0" err="1" smtClean="0"/>
+              <a:t>Arduino</a:t>
+            </a:r>
+            <a:endParaRPr lang="fr-FR" dirty="0" smtClean="0"/>
+          </a:p>
+          <a:p>
+            <a:pPr lvl="2"/>
             <a:endParaRPr lang="fr-FR" dirty="0"/>
           </a:p>
-        </p:txBody>
-      </p:sp>
-      <p:sp>
-        <p:nvSpPr>
-          <p:cNvPr id="3" name="Espace réservé du texte 2"/>
+          <a:p>
+            <a:pPr lvl="1"/>
+            <a:r>
+              <a:rPr lang="fr-FR" dirty="0" smtClean="0"/>
+              <a:t>Dans le logiciel </a:t>
+            </a:r>
+            <a:r>
+              <a:rPr lang="fr-FR" dirty="0" err="1" smtClean="0"/>
+              <a:t>Arduino</a:t>
+            </a:r>
+            <a:endParaRPr lang="fr-FR" dirty="0" smtClean="0"/>
+          </a:p>
+          <a:p>
+            <a:pPr lvl="2"/>
+            <a:r>
+              <a:rPr lang="fr-FR" dirty="0"/>
+              <a:t>Télécharger toolbox_arduino_v3.ino (</a:t>
+            </a:r>
+            <a:r>
+              <a:rPr lang="fr-FR" dirty="0">
+                <a:hlinkClick r:id="rId2"/>
+              </a:rPr>
+              <a:t>http://</a:t>
+            </a:r>
+            <a:r>
+              <a:rPr lang="fr-FR" dirty="0" smtClean="0">
+                <a:hlinkClick r:id="rId2"/>
+              </a:rPr>
+              <a:t>www.demosciences.fr/projets/scilab-arduino/toolbox_arduino_v3.ino?attredirects=0&amp;d=1</a:t>
+            </a:r>
+            <a:r>
+              <a:rPr lang="fr-FR" dirty="0" smtClean="0"/>
+              <a:t>) </a:t>
+            </a:r>
+          </a:p>
+          <a:p>
+            <a:pPr lvl="2"/>
+            <a:r>
+              <a:rPr lang="fr-FR" dirty="0" err="1" smtClean="0"/>
+              <a:t>Téléverser</a:t>
+            </a:r>
+            <a:r>
+              <a:rPr lang="fr-FR" dirty="0" smtClean="0"/>
+              <a:t> la </a:t>
+            </a:r>
+            <a:r>
+              <a:rPr lang="fr-FR" dirty="0" err="1" smtClean="0"/>
+              <a:t>toolbox</a:t>
+            </a:r>
+            <a:r>
+              <a:rPr lang="fr-FR" dirty="0" smtClean="0"/>
+              <a:t> dans une carte </a:t>
+            </a:r>
+            <a:r>
+              <a:rPr lang="fr-FR" dirty="0" err="1" smtClean="0"/>
+              <a:t>arduino</a:t>
+            </a:r>
+            <a:r>
+              <a:rPr lang="fr-FR" dirty="0" smtClean="0"/>
+              <a:t> </a:t>
+            </a:r>
+            <a:r>
+              <a:rPr lang="fr-FR" dirty="0" err="1" smtClean="0"/>
+              <a:t>Uno</a:t>
+            </a:r>
+            <a:endParaRPr lang="fr-FR" dirty="0"/>
+          </a:p>
+        </p:txBody>
+      </p:sp>
+      <p:sp>
+        <p:nvSpPr>
+          <p:cNvPr id="4" name="Espace réservé du numéro de diapositive 3"/>
           <p:cNvSpPr>
             <a:spLocks noGrp="1"/>
           </p:cNvSpPr>
           <p:nvPr>
-            <p:ph type="body" idx="1"/>
-          </p:nvPr>
-        </p:nvSpPr>
-        <p:spPr/>
-        <p:txBody>
-          <a:bodyPr/>
-          <a:lstStyle/>
-          <a:p>
-            <a:r>
-              <a:rPr lang="fr-FR" dirty="0" smtClean="0"/>
-              <a:t>Portail solaire</a:t>
-            </a:r>
-            <a:endParaRPr lang="fr-FR" dirty="0"/>
-          </a:p>
-        </p:txBody>
-      </p:sp>
-      <p:sp>
-        <p:nvSpPr>
-          <p:cNvPr id="4" name="Espace réservé du numéro de diapositive 3"/>
-          <p:cNvSpPr>
-            <a:spLocks noGrp="1"/>
-          </p:cNvSpPr>
-          <p:nvPr>
-            <p:ph type="sldNum" sz="quarter" idx="12"/>
+            <p:ph type="sldNum" sz="quarter" idx="15"/>
           </p:nvPr>
         </p:nvSpPr>
         <p:spPr/>
@@ -10700,7 +9923,7 @@
     </p:spTree>
     <p:extLst>
       <p:ext uri="{BB962C8B-B14F-4D97-AF65-F5344CB8AC3E}">
-        <p14:creationId xmlns:p14="http://schemas.microsoft.com/office/powerpoint/2010/main" val="1932848669"/>
+        <p14:creationId xmlns:p14="http://schemas.microsoft.com/office/powerpoint/2010/main" val="2728033274"/>
       </p:ext>
     </p:extLst>
   </p:cSld>
@@ -10729,56 +9952,6 @@
       </p:grpSpPr>
       <p:sp>
         <p:nvSpPr>
-          <p:cNvPr id="4" name="Titre 3"/>
-          <p:cNvSpPr>
-            <a:spLocks noGrp="1"/>
-          </p:cNvSpPr>
-          <p:nvPr>
-            <p:ph type="title"/>
-          </p:nvPr>
-        </p:nvSpPr>
-        <p:spPr/>
-        <p:txBody>
-          <a:bodyPr/>
-          <a:lstStyle/>
-          <a:p>
-            <a:r>
-              <a:rPr lang="fr-FR" dirty="0" err="1" smtClean="0"/>
-              <a:t>Xcos</a:t>
-            </a:r>
-            <a:r>
-              <a:rPr lang="fr-FR" dirty="0" smtClean="0"/>
-              <a:t> &amp; </a:t>
-            </a:r>
-            <a:r>
-              <a:rPr lang="fr-FR" dirty="0" err="1" smtClean="0"/>
-              <a:t>Arduino</a:t>
-            </a:r>
-            <a:endParaRPr lang="fr-FR" dirty="0"/>
-          </a:p>
-        </p:txBody>
-      </p:sp>
-      <p:sp>
-        <p:nvSpPr>
-          <p:cNvPr id="5" name="Espace réservé du texte 4"/>
-          <p:cNvSpPr>
-            <a:spLocks noGrp="1"/>
-          </p:cNvSpPr>
-          <p:nvPr>
-            <p:ph type="body" idx="1"/>
-          </p:nvPr>
-        </p:nvSpPr>
-        <p:spPr/>
-        <p:txBody>
-          <a:bodyPr/>
-          <a:lstStyle/>
-          <a:p>
-            <a:endParaRPr lang="fr-FR"/>
-          </a:p>
-        </p:txBody>
-      </p:sp>
-      <p:sp>
-        <p:nvSpPr>
           <p:cNvPr id="2" name="Espace réservé du numéro de diapositive 1"/>
           <p:cNvSpPr>
             <a:spLocks noGrp="1"/>
@@ -10795,1825 +9968,6 @@
             <a:fld id="{136A7F36-7A21-4EA8-9DC2-F00219448035}" type="slidenum">
               <a:rPr lang="fr-FR" smtClean="0"/>
               <a:t>26</a:t>
-            </a:fld>
-            <a:endParaRPr lang="fr-FR"/>
-          </a:p>
-        </p:txBody>
-      </p:sp>
-    </p:spTree>
-    <p:extLst>
-      <p:ext uri="{BB962C8B-B14F-4D97-AF65-F5344CB8AC3E}">
-        <p14:creationId xmlns:p14="http://schemas.microsoft.com/office/powerpoint/2010/main" val="1589319820"/>
-      </p:ext>
-    </p:extLst>
-  </p:cSld>
-  <p:clrMapOvr>
-    <a:masterClrMapping/>
-  </p:clrMapOvr>
-</p:sld>
-</file>
-
-<file path=ppt/slides/slide27.xml><?xml version="1.0" encoding="utf-8"?>
-<p:sld xmlns:a="http://schemas.openxmlformats.org/drawingml/2006/main" xmlns:r="http://schemas.openxmlformats.org/officeDocument/2006/relationships" xmlns:p="http://schemas.openxmlformats.org/presentationml/2006/main">
-  <p:cSld>
-    <p:spTree>
-      <p:nvGrpSpPr>
-        <p:cNvPr id="1" name=""/>
-        <p:cNvGrpSpPr/>
-        <p:nvPr/>
-      </p:nvGrpSpPr>
-      <p:grpSpPr>
-        <a:xfrm>
-          <a:off x="0" y="0"/>
-          <a:ext cx="0" cy="0"/>
-          <a:chOff x="0" y="0"/>
-          <a:chExt cx="0" cy="0"/>
-        </a:xfrm>
-      </p:grpSpPr>
-      <p:sp>
-        <p:nvSpPr>
-          <p:cNvPr id="2" name="Titre 1"/>
-          <p:cNvSpPr>
-            <a:spLocks noGrp="1"/>
-          </p:cNvSpPr>
-          <p:nvPr>
-            <p:ph type="title"/>
-          </p:nvPr>
-        </p:nvSpPr>
-        <p:spPr/>
-        <p:txBody>
-          <a:bodyPr>
-            <a:normAutofit/>
-          </a:bodyPr>
-          <a:lstStyle/>
-          <a:p>
-            <a:r>
-              <a:rPr lang="fr-FR" dirty="0" err="1" smtClean="0"/>
-              <a:t>Xcos</a:t>
-            </a:r>
-            <a:r>
-              <a:rPr lang="fr-FR" dirty="0" smtClean="0"/>
-              <a:t> </a:t>
-            </a:r>
-            <a:r>
-              <a:rPr lang="fr-FR" dirty="0" err="1" smtClean="0"/>
-              <a:t>Arduino</a:t>
-            </a:r>
-            <a:endParaRPr lang="fr-FR" dirty="0"/>
-          </a:p>
-        </p:txBody>
-      </p:sp>
-      <p:sp>
-        <p:nvSpPr>
-          <p:cNvPr id="3" name="Espace réservé du contenu 2"/>
-          <p:cNvSpPr>
-            <a:spLocks noGrp="1"/>
-          </p:cNvSpPr>
-          <p:nvPr>
-            <p:ph sz="quarter" idx="1"/>
-          </p:nvPr>
-        </p:nvSpPr>
-        <p:spPr/>
-        <p:txBody>
-          <a:bodyPr/>
-          <a:lstStyle/>
-          <a:p>
-            <a:r>
-              <a:rPr lang="fr-FR" dirty="0" smtClean="0"/>
-              <a:t>Actions préliminaires</a:t>
-            </a:r>
-          </a:p>
-          <a:p>
-            <a:pPr lvl="1"/>
-            <a:r>
-              <a:rPr lang="fr-FR" dirty="0" smtClean="0"/>
-              <a:t>Dans le gestionnaire de module </a:t>
-            </a:r>
-            <a:r>
-              <a:rPr lang="fr-FR" dirty="0" err="1" smtClean="0"/>
-              <a:t>Atom</a:t>
-            </a:r>
-            <a:r>
-              <a:rPr lang="fr-FR" dirty="0" smtClean="0"/>
-              <a:t> de Scilab</a:t>
-            </a:r>
-          </a:p>
-          <a:p>
-            <a:pPr lvl="2"/>
-            <a:r>
-              <a:rPr lang="fr-FR" dirty="0" smtClean="0"/>
-              <a:t>Installer le module </a:t>
-            </a:r>
-            <a:r>
-              <a:rPr lang="fr-FR" dirty="0" err="1" smtClean="0"/>
-              <a:t>Arduino</a:t>
-            </a:r>
-            <a:endParaRPr lang="fr-FR" dirty="0" smtClean="0"/>
-          </a:p>
-          <a:p>
-            <a:pPr lvl="2"/>
-            <a:endParaRPr lang="fr-FR" dirty="0"/>
-          </a:p>
-          <a:p>
-            <a:pPr lvl="1"/>
-            <a:r>
-              <a:rPr lang="fr-FR" dirty="0" smtClean="0"/>
-              <a:t>Dans le logiciel </a:t>
-            </a:r>
-            <a:r>
-              <a:rPr lang="fr-FR" dirty="0" err="1" smtClean="0"/>
-              <a:t>Arduino</a:t>
-            </a:r>
-            <a:endParaRPr lang="fr-FR" dirty="0" smtClean="0"/>
-          </a:p>
-          <a:p>
-            <a:pPr lvl="2"/>
-            <a:r>
-              <a:rPr lang="fr-FR" dirty="0"/>
-              <a:t>Télécharger toolbox_arduino_v3.ino (</a:t>
-            </a:r>
-            <a:r>
-              <a:rPr lang="fr-FR" dirty="0">
-                <a:hlinkClick r:id="rId2"/>
-              </a:rPr>
-              <a:t>http://</a:t>
-            </a:r>
-            <a:r>
-              <a:rPr lang="fr-FR" dirty="0" smtClean="0">
-                <a:hlinkClick r:id="rId2"/>
-              </a:rPr>
-              <a:t>www.demosciences.fr/projets/scilab-arduino/toolbox_arduino_v3.ino?attredirects=0&amp;d=1</a:t>
-            </a:r>
-            <a:r>
-              <a:rPr lang="fr-FR" dirty="0" smtClean="0"/>
-              <a:t>) </a:t>
-            </a:r>
-          </a:p>
-          <a:p>
-            <a:pPr lvl="2"/>
-            <a:r>
-              <a:rPr lang="fr-FR" dirty="0" err="1" smtClean="0"/>
-              <a:t>Téléverser</a:t>
-            </a:r>
-            <a:r>
-              <a:rPr lang="fr-FR" dirty="0" smtClean="0"/>
-              <a:t> la </a:t>
-            </a:r>
-            <a:r>
-              <a:rPr lang="fr-FR" dirty="0" err="1" smtClean="0"/>
-              <a:t>toolbox</a:t>
-            </a:r>
-            <a:r>
-              <a:rPr lang="fr-FR" dirty="0" smtClean="0"/>
-              <a:t> dans une carte </a:t>
-            </a:r>
-            <a:r>
-              <a:rPr lang="fr-FR" dirty="0" err="1" smtClean="0"/>
-              <a:t>arduino</a:t>
-            </a:r>
-            <a:r>
-              <a:rPr lang="fr-FR" dirty="0" smtClean="0"/>
-              <a:t> </a:t>
-            </a:r>
-            <a:r>
-              <a:rPr lang="fr-FR" dirty="0" err="1" smtClean="0"/>
-              <a:t>Uno</a:t>
-            </a:r>
-            <a:endParaRPr lang="fr-FR" dirty="0"/>
-          </a:p>
-        </p:txBody>
-      </p:sp>
-      <p:sp>
-        <p:nvSpPr>
-          <p:cNvPr id="4" name="Espace réservé du numéro de diapositive 3"/>
-          <p:cNvSpPr>
-            <a:spLocks noGrp="1"/>
-          </p:cNvSpPr>
-          <p:nvPr>
-            <p:ph type="sldNum" sz="quarter" idx="15"/>
-          </p:nvPr>
-        </p:nvSpPr>
-        <p:spPr/>
-        <p:txBody>
-          <a:bodyPr/>
-          <a:lstStyle/>
-          <a:p>
-            <a:fld id="{136A7F36-7A21-4EA8-9DC2-F00219448035}" type="slidenum">
-              <a:rPr lang="fr-FR" smtClean="0"/>
-              <a:t>27</a:t>
-            </a:fld>
-            <a:endParaRPr lang="fr-FR"/>
-          </a:p>
-        </p:txBody>
-      </p:sp>
-    </p:spTree>
-    <p:extLst>
-      <p:ext uri="{BB962C8B-B14F-4D97-AF65-F5344CB8AC3E}">
-        <p14:creationId xmlns:p14="http://schemas.microsoft.com/office/powerpoint/2010/main" val="2728033274"/>
-      </p:ext>
-    </p:extLst>
-  </p:cSld>
-  <p:clrMapOvr>
-    <a:masterClrMapping/>
-  </p:clrMapOvr>
-</p:sld>
-</file>
-
-<file path=ppt/slides/slide28.xml><?xml version="1.0" encoding="utf-8"?>
-<p:sld xmlns:a="http://schemas.openxmlformats.org/drawingml/2006/main" xmlns:r="http://schemas.openxmlformats.org/officeDocument/2006/relationships" xmlns:p="http://schemas.openxmlformats.org/presentationml/2006/main">
-  <p:cSld>
-    <p:spTree>
-      <p:nvGrpSpPr>
-        <p:cNvPr id="1" name=""/>
-        <p:cNvGrpSpPr/>
-        <p:nvPr/>
-      </p:nvGrpSpPr>
-      <p:grpSpPr>
-        <a:xfrm>
-          <a:off x="0" y="0"/>
-          <a:ext cx="0" cy="0"/>
-          <a:chOff x="0" y="0"/>
-          <a:chExt cx="0" cy="0"/>
-        </a:xfrm>
-      </p:grpSpPr>
-      <p:sp>
-        <p:nvSpPr>
-          <p:cNvPr id="2" name="Espace réservé du contenu 1"/>
-          <p:cNvSpPr>
-            <a:spLocks noGrp="1"/>
-          </p:cNvSpPr>
-          <p:nvPr>
-            <p:ph sz="quarter" idx="1"/>
-          </p:nvPr>
-        </p:nvSpPr>
-        <p:spPr/>
-        <p:txBody>
-          <a:bodyPr/>
-          <a:lstStyle/>
-          <a:p>
-            <a:endParaRPr lang="fr-FR"/>
-          </a:p>
-        </p:txBody>
-      </p:sp>
-      <p:sp>
-        <p:nvSpPr>
-          <p:cNvPr id="3" name="Titre 2"/>
-          <p:cNvSpPr>
-            <a:spLocks noGrp="1"/>
-          </p:cNvSpPr>
-          <p:nvPr>
-            <p:ph type="title"/>
-          </p:nvPr>
-        </p:nvSpPr>
-        <p:spPr/>
-        <p:txBody>
-          <a:bodyPr>
-            <a:normAutofit fontScale="90000"/>
-          </a:bodyPr>
-          <a:lstStyle/>
-          <a:p>
-            <a:r>
-              <a:rPr lang="fr-FR" dirty="0" err="1" smtClean="0"/>
-              <a:t>Xcos</a:t>
-            </a:r>
-            <a:r>
-              <a:rPr lang="fr-FR" dirty="0" smtClean="0"/>
-              <a:t> </a:t>
-            </a:r>
-            <a:r>
-              <a:rPr lang="fr-FR" dirty="0" err="1" smtClean="0"/>
-              <a:t>Arduino</a:t>
-            </a:r>
-            <a:r>
-              <a:rPr lang="fr-FR" dirty="0" smtClean="0"/>
-              <a:t/>
-            </a:r>
-            <a:br>
-              <a:rPr lang="fr-FR" dirty="0" smtClean="0"/>
-            </a:br>
-            <a:r>
-              <a:rPr lang="fr-FR" smtClean="0"/>
-              <a:t>Première prise en main</a:t>
-            </a:r>
-            <a:endParaRPr lang="fr-FR"/>
-          </a:p>
-        </p:txBody>
-      </p:sp>
-      <p:sp>
-        <p:nvSpPr>
-          <p:cNvPr id="4" name="Espace réservé du numéro de diapositive 3"/>
-          <p:cNvSpPr>
-            <a:spLocks noGrp="1"/>
-          </p:cNvSpPr>
-          <p:nvPr>
-            <p:ph type="sldNum" sz="quarter" idx="15"/>
-          </p:nvPr>
-        </p:nvSpPr>
-        <p:spPr/>
-        <p:txBody>
-          <a:bodyPr/>
-          <a:lstStyle/>
-          <a:p>
-            <a:fld id="{136A7F36-7A21-4EA8-9DC2-F00219448035}" type="slidenum">
-              <a:rPr lang="fr-FR" smtClean="0"/>
-              <a:t>28</a:t>
-            </a:fld>
-            <a:endParaRPr lang="fr-FR"/>
-          </a:p>
-        </p:txBody>
-      </p:sp>
-    </p:spTree>
-    <p:extLst>
-      <p:ext uri="{BB962C8B-B14F-4D97-AF65-F5344CB8AC3E}">
-        <p14:creationId xmlns:p14="http://schemas.microsoft.com/office/powerpoint/2010/main" val="3659039995"/>
-      </p:ext>
-    </p:extLst>
-  </p:cSld>
-  <p:clrMapOvr>
-    <a:masterClrMapping/>
-  </p:clrMapOvr>
-</p:sld>
-</file>
-
-<file path=ppt/slides/slide29.xml><?xml version="1.0" encoding="utf-8"?>
-<p:sld xmlns:a="http://schemas.openxmlformats.org/drawingml/2006/main" xmlns:r="http://schemas.openxmlformats.org/officeDocument/2006/relationships" xmlns:p="http://schemas.openxmlformats.org/presentationml/2006/main">
-  <p:cSld>
-    <p:spTree>
-      <p:nvGrpSpPr>
-        <p:cNvPr id="1" name=""/>
-        <p:cNvGrpSpPr/>
-        <p:nvPr/>
-      </p:nvGrpSpPr>
-      <p:grpSpPr>
-        <a:xfrm>
-          <a:off x="0" y="0"/>
-          <a:ext cx="0" cy="0"/>
-          <a:chOff x="0" y="0"/>
-          <a:chExt cx="0" cy="0"/>
-        </a:xfrm>
-      </p:grpSpPr>
-      <p:sp>
-        <p:nvSpPr>
-          <p:cNvPr id="4" name="Espace réservé du numéro de diapositive 3"/>
-          <p:cNvSpPr>
-            <a:spLocks noGrp="1"/>
-          </p:cNvSpPr>
-          <p:nvPr>
-            <p:ph type="sldNum" sz="quarter" idx="12"/>
-          </p:nvPr>
-        </p:nvSpPr>
-        <p:spPr/>
-        <p:txBody>
-          <a:bodyPr/>
-          <a:lstStyle/>
-          <a:p>
-            <a:fld id="{136A7F36-7A21-4EA8-9DC2-F00219448035}" type="slidenum">
-              <a:rPr lang="fr-FR" smtClean="0"/>
-              <a:t>29</a:t>
-            </a:fld>
-            <a:endParaRPr lang="fr-FR"/>
-          </a:p>
-        </p:txBody>
-      </p:sp>
-      <p:pic>
-        <p:nvPicPr>
-          <p:cNvPr id="1026" name="Picture 2"/>
-          <p:cNvPicPr>
-            <a:picLocks noChangeAspect="1" noChangeArrowheads="1"/>
-          </p:cNvPicPr>
-          <p:nvPr/>
-        </p:nvPicPr>
-        <p:blipFill>
-          <a:blip r:embed="rId2">
-            <a:extLst>
-              <a:ext uri="{28A0092B-C50C-407E-A947-70E740481C1C}">
-                <a14:useLocalDpi xmlns:a14="http://schemas.microsoft.com/office/drawing/2010/main" val="0"/>
-              </a:ext>
-            </a:extLst>
-          </a:blip>
-          <a:srcRect/>
-          <a:stretch>
-            <a:fillRect/>
-          </a:stretch>
-        </p:blipFill>
-        <p:spPr bwMode="auto">
-          <a:xfrm>
-            <a:off x="926033" y="1152550"/>
-            <a:ext cx="542925" cy="571500"/>
-          </a:xfrm>
-          <a:prstGeom prst="rect">
-            <a:avLst/>
-          </a:prstGeom>
-          <a:noFill/>
-          <a:ln>
-            <a:noFill/>
-          </a:ln>
-          <a:effectLst/>
-          <a:extLst>
-            <a:ext uri="{909E8E84-426E-40DD-AFC4-6F175D3DCCD1}">
-              <a14:hiddenFill xmlns:a14="http://schemas.microsoft.com/office/drawing/2010/main">
-                <a:solidFill>
-                  <a:schemeClr val="accent1"/>
-                </a:solidFill>
-              </a14:hiddenFill>
-            </a:ext>
-            <a:ext uri="{91240B29-F687-4F45-9708-019B960494DF}">
-              <a14:hiddenLine xmlns:a14="http://schemas.microsoft.com/office/drawing/2010/main" w="9525">
-                <a:solidFill>
-                  <a:schemeClr val="tx1"/>
-                </a:solidFill>
-                <a:miter lim="800000"/>
-                <a:headEnd/>
-                <a:tailEnd/>
-              </a14:hiddenLine>
-            </a:ext>
-            <a:ext uri="{AF507438-7753-43E0-B8FC-AC1667EBCBE1}">
-              <a14:hiddenEffects xmlns:a14="http://schemas.microsoft.com/office/drawing/2010/main">
-                <a:effectLst>
-                  <a:outerShdw dist="35921" dir="2700000" algn="ctr" rotWithShape="0">
-                    <a:schemeClr val="bg2"/>
-                  </a:outerShdw>
-                </a:effectLst>
-              </a14:hiddenEffects>
-            </a:ext>
-          </a:extLst>
-        </p:spPr>
-      </p:pic>
-      <p:pic>
-        <p:nvPicPr>
-          <p:cNvPr id="1027" name="Picture 3"/>
-          <p:cNvPicPr>
-            <a:picLocks noChangeAspect="1" noChangeArrowheads="1"/>
-          </p:cNvPicPr>
-          <p:nvPr/>
-        </p:nvPicPr>
-        <p:blipFill>
-          <a:blip r:embed="rId3">
-            <a:extLst>
-              <a:ext uri="{28A0092B-C50C-407E-A947-70E740481C1C}">
-                <a14:useLocalDpi xmlns:a14="http://schemas.microsoft.com/office/drawing/2010/main" val="0"/>
-              </a:ext>
-            </a:extLst>
-          </a:blip>
-          <a:srcRect/>
-          <a:stretch>
-            <a:fillRect/>
-          </a:stretch>
-        </p:blipFill>
-        <p:spPr bwMode="auto">
-          <a:xfrm>
-            <a:off x="2173330" y="2877847"/>
-            <a:ext cx="895350" cy="571500"/>
-          </a:xfrm>
-          <a:prstGeom prst="rect">
-            <a:avLst/>
-          </a:prstGeom>
-          <a:noFill/>
-          <a:ln>
-            <a:noFill/>
-          </a:ln>
-          <a:effectLst/>
-          <a:extLst>
-            <a:ext uri="{909E8E84-426E-40DD-AFC4-6F175D3DCCD1}">
-              <a14:hiddenFill xmlns:a14="http://schemas.microsoft.com/office/drawing/2010/main">
-                <a:solidFill>
-                  <a:schemeClr val="accent1"/>
-                </a:solidFill>
-              </a14:hiddenFill>
-            </a:ext>
-            <a:ext uri="{91240B29-F687-4F45-9708-019B960494DF}">
-              <a14:hiddenLine xmlns:a14="http://schemas.microsoft.com/office/drawing/2010/main" w="9525">
-                <a:solidFill>
-                  <a:schemeClr val="tx1"/>
-                </a:solidFill>
-                <a:miter lim="800000"/>
-                <a:headEnd/>
-                <a:tailEnd/>
-              </a14:hiddenLine>
-            </a:ext>
-            <a:ext uri="{AF507438-7753-43E0-B8FC-AC1667EBCBE1}">
-              <a14:hiddenEffects xmlns:a14="http://schemas.microsoft.com/office/drawing/2010/main">
-                <a:effectLst>
-                  <a:outerShdw dist="35921" dir="2700000" algn="ctr" rotWithShape="0">
-                    <a:schemeClr val="bg2"/>
-                  </a:outerShdw>
-                </a:effectLst>
-              </a14:hiddenEffects>
-            </a:ext>
-          </a:extLst>
-        </p:spPr>
-      </p:pic>
-      <p:pic>
-        <p:nvPicPr>
-          <p:cNvPr id="1029" name="Picture 5"/>
-          <p:cNvPicPr>
-            <a:picLocks noChangeAspect="1" noChangeArrowheads="1"/>
-          </p:cNvPicPr>
-          <p:nvPr/>
-        </p:nvPicPr>
-        <p:blipFill>
-          <a:blip r:embed="rId4">
-            <a:extLst>
-              <a:ext uri="{28A0092B-C50C-407E-A947-70E740481C1C}">
-                <a14:useLocalDpi xmlns:a14="http://schemas.microsoft.com/office/drawing/2010/main" val="0"/>
-              </a:ext>
-            </a:extLst>
-          </a:blip>
-          <a:srcRect/>
-          <a:stretch>
-            <a:fillRect/>
-          </a:stretch>
-        </p:blipFill>
-        <p:spPr bwMode="auto">
-          <a:xfrm>
-            <a:off x="3555652" y="3837275"/>
-            <a:ext cx="466725" cy="552450"/>
-          </a:xfrm>
-          <a:prstGeom prst="rect">
-            <a:avLst/>
-          </a:prstGeom>
-          <a:noFill/>
-          <a:ln>
-            <a:noFill/>
-          </a:ln>
-          <a:effectLst/>
-          <a:extLst>
-            <a:ext uri="{909E8E84-426E-40DD-AFC4-6F175D3DCCD1}">
-              <a14:hiddenFill xmlns:a14="http://schemas.microsoft.com/office/drawing/2010/main">
-                <a:solidFill>
-                  <a:schemeClr val="accent1"/>
-                </a:solidFill>
-              </a14:hiddenFill>
-            </a:ext>
-            <a:ext uri="{91240B29-F687-4F45-9708-019B960494DF}">
-              <a14:hiddenLine xmlns:a14="http://schemas.microsoft.com/office/drawing/2010/main" w="9525">
-                <a:solidFill>
-                  <a:schemeClr val="tx1"/>
-                </a:solidFill>
-                <a:miter lim="800000"/>
-                <a:headEnd/>
-                <a:tailEnd/>
-              </a14:hiddenLine>
-            </a:ext>
-            <a:ext uri="{AF507438-7753-43E0-B8FC-AC1667EBCBE1}">
-              <a14:hiddenEffects xmlns:a14="http://schemas.microsoft.com/office/drawing/2010/main">
-                <a:effectLst>
-                  <a:outerShdw dist="35921" dir="2700000" algn="ctr" rotWithShape="0">
-                    <a:schemeClr val="bg2"/>
-                  </a:outerShdw>
-                </a:effectLst>
-              </a14:hiddenEffects>
-            </a:ext>
-          </a:extLst>
-        </p:spPr>
-      </p:pic>
-      <p:pic>
-        <p:nvPicPr>
-          <p:cNvPr id="1030" name="Picture 6"/>
-          <p:cNvPicPr>
-            <a:picLocks noChangeAspect="1" noChangeArrowheads="1"/>
-          </p:cNvPicPr>
-          <p:nvPr/>
-        </p:nvPicPr>
-        <p:blipFill>
-          <a:blip r:embed="rId5">
-            <a:extLst>
-              <a:ext uri="{28A0092B-C50C-407E-A947-70E740481C1C}">
-                <a14:useLocalDpi xmlns:a14="http://schemas.microsoft.com/office/drawing/2010/main" val="0"/>
-              </a:ext>
-            </a:extLst>
-          </a:blip>
-          <a:srcRect/>
-          <a:stretch>
-            <a:fillRect/>
-          </a:stretch>
-        </p:blipFill>
-        <p:spPr bwMode="auto">
-          <a:xfrm>
-            <a:off x="1617850" y="2262187"/>
-            <a:ext cx="657225" cy="571500"/>
-          </a:xfrm>
-          <a:prstGeom prst="rect">
-            <a:avLst/>
-          </a:prstGeom>
-          <a:noFill/>
-          <a:ln>
-            <a:noFill/>
-          </a:ln>
-          <a:effectLst/>
-          <a:extLst>
-            <a:ext uri="{909E8E84-426E-40DD-AFC4-6F175D3DCCD1}">
-              <a14:hiddenFill xmlns:a14="http://schemas.microsoft.com/office/drawing/2010/main">
-                <a:solidFill>
-                  <a:schemeClr val="accent1"/>
-                </a:solidFill>
-              </a14:hiddenFill>
-            </a:ext>
-            <a:ext uri="{91240B29-F687-4F45-9708-019B960494DF}">
-              <a14:hiddenLine xmlns:a14="http://schemas.microsoft.com/office/drawing/2010/main" w="9525">
-                <a:solidFill>
-                  <a:schemeClr val="tx1"/>
-                </a:solidFill>
-                <a:miter lim="800000"/>
-                <a:headEnd/>
-                <a:tailEnd/>
-              </a14:hiddenLine>
-            </a:ext>
-            <a:ext uri="{AF507438-7753-43E0-B8FC-AC1667EBCBE1}">
-              <a14:hiddenEffects xmlns:a14="http://schemas.microsoft.com/office/drawing/2010/main">
-                <a:effectLst>
-                  <a:outerShdw dist="35921" dir="2700000" algn="ctr" rotWithShape="0">
-                    <a:schemeClr val="bg2"/>
-                  </a:outerShdw>
-                </a:effectLst>
-              </a14:hiddenEffects>
-            </a:ext>
-          </a:extLst>
-        </p:spPr>
-      </p:pic>
-      <p:pic>
-        <p:nvPicPr>
-          <p:cNvPr id="1031" name="Picture 7"/>
-          <p:cNvPicPr>
-            <a:picLocks noChangeAspect="1" noChangeArrowheads="1"/>
-          </p:cNvPicPr>
-          <p:nvPr/>
-        </p:nvPicPr>
-        <p:blipFill>
-          <a:blip r:embed="rId6">
-            <a:extLst>
-              <a:ext uri="{28A0092B-C50C-407E-A947-70E740481C1C}">
-                <a14:useLocalDpi xmlns:a14="http://schemas.microsoft.com/office/drawing/2010/main" val="0"/>
-              </a:ext>
-            </a:extLst>
-          </a:blip>
-          <a:srcRect/>
-          <a:stretch>
-            <a:fillRect/>
-          </a:stretch>
-        </p:blipFill>
-        <p:spPr bwMode="auto">
-          <a:xfrm>
-            <a:off x="4759698" y="2188585"/>
-            <a:ext cx="847725" cy="647700"/>
-          </a:xfrm>
-          <a:prstGeom prst="rect">
-            <a:avLst/>
-          </a:prstGeom>
-          <a:noFill/>
-          <a:ln>
-            <a:noFill/>
-          </a:ln>
-          <a:effectLst/>
-          <a:extLst>
-            <a:ext uri="{909E8E84-426E-40DD-AFC4-6F175D3DCCD1}">
-              <a14:hiddenFill xmlns:a14="http://schemas.microsoft.com/office/drawing/2010/main">
-                <a:solidFill>
-                  <a:schemeClr val="accent1"/>
-                </a:solidFill>
-              </a14:hiddenFill>
-            </a:ext>
-            <a:ext uri="{91240B29-F687-4F45-9708-019B960494DF}">
-              <a14:hiddenLine xmlns:a14="http://schemas.microsoft.com/office/drawing/2010/main" w="9525">
-                <a:solidFill>
-                  <a:schemeClr val="tx1"/>
-                </a:solidFill>
-                <a:miter lim="800000"/>
-                <a:headEnd/>
-                <a:tailEnd/>
-              </a14:hiddenLine>
-            </a:ext>
-            <a:ext uri="{AF507438-7753-43E0-B8FC-AC1667EBCBE1}">
-              <a14:hiddenEffects xmlns:a14="http://schemas.microsoft.com/office/drawing/2010/main">
-                <a:effectLst>
-                  <a:outerShdw dist="35921" dir="2700000" algn="ctr" rotWithShape="0">
-                    <a:schemeClr val="bg2"/>
-                  </a:outerShdw>
-                </a:effectLst>
-              </a14:hiddenEffects>
-            </a:ext>
-          </a:extLst>
-        </p:spPr>
-      </p:pic>
-      <p:pic>
-        <p:nvPicPr>
-          <p:cNvPr id="1033" name="Picture 9"/>
-          <p:cNvPicPr>
-            <a:picLocks noChangeAspect="1" noChangeArrowheads="1"/>
-          </p:cNvPicPr>
-          <p:nvPr/>
-        </p:nvPicPr>
-        <p:blipFill>
-          <a:blip r:embed="rId7">
-            <a:extLst>
-              <a:ext uri="{28A0092B-C50C-407E-A947-70E740481C1C}">
-                <a14:useLocalDpi xmlns:a14="http://schemas.microsoft.com/office/drawing/2010/main" val="0"/>
-              </a:ext>
-            </a:extLst>
-          </a:blip>
-          <a:srcRect/>
-          <a:stretch>
-            <a:fillRect/>
-          </a:stretch>
-        </p:blipFill>
-        <p:spPr bwMode="auto">
-          <a:xfrm>
-            <a:off x="696567" y="2264785"/>
-            <a:ext cx="704850" cy="571500"/>
-          </a:xfrm>
-          <a:prstGeom prst="rect">
-            <a:avLst/>
-          </a:prstGeom>
-          <a:noFill/>
-          <a:ln>
-            <a:noFill/>
-          </a:ln>
-          <a:effectLst/>
-          <a:extLst>
-            <a:ext uri="{909E8E84-426E-40DD-AFC4-6F175D3DCCD1}">
-              <a14:hiddenFill xmlns:a14="http://schemas.microsoft.com/office/drawing/2010/main">
-                <a:solidFill>
-                  <a:schemeClr val="accent1"/>
-                </a:solidFill>
-              </a14:hiddenFill>
-            </a:ext>
-            <a:ext uri="{91240B29-F687-4F45-9708-019B960494DF}">
-              <a14:hiddenLine xmlns:a14="http://schemas.microsoft.com/office/drawing/2010/main" w="9525">
-                <a:solidFill>
-                  <a:schemeClr val="tx1"/>
-                </a:solidFill>
-                <a:miter lim="800000"/>
-                <a:headEnd/>
-                <a:tailEnd/>
-              </a14:hiddenLine>
-            </a:ext>
-            <a:ext uri="{AF507438-7753-43E0-B8FC-AC1667EBCBE1}">
-              <a14:hiddenEffects xmlns:a14="http://schemas.microsoft.com/office/drawing/2010/main">
-                <a:effectLst>
-                  <a:outerShdw dist="35921" dir="2700000" algn="ctr" rotWithShape="0">
-                    <a:schemeClr val="bg2"/>
-                  </a:outerShdw>
-                </a:effectLst>
-              </a14:hiddenEffects>
-            </a:ext>
-          </a:extLst>
-        </p:spPr>
-      </p:pic>
-      <p:pic>
-        <p:nvPicPr>
-          <p:cNvPr id="1034" name="Picture 10"/>
-          <p:cNvPicPr>
-            <a:picLocks noChangeAspect="1" noChangeArrowheads="1"/>
-          </p:cNvPicPr>
-          <p:nvPr/>
-        </p:nvPicPr>
-        <p:blipFill>
-          <a:blip r:embed="rId8">
-            <a:extLst>
-              <a:ext uri="{28A0092B-C50C-407E-A947-70E740481C1C}">
-                <a14:useLocalDpi xmlns:a14="http://schemas.microsoft.com/office/drawing/2010/main" val="0"/>
-              </a:ext>
-            </a:extLst>
-          </a:blip>
-          <a:srcRect/>
-          <a:stretch>
-            <a:fillRect/>
-          </a:stretch>
-        </p:blipFill>
-        <p:spPr bwMode="auto">
-          <a:xfrm>
-            <a:off x="2999407" y="1712335"/>
-            <a:ext cx="542925" cy="552450"/>
-          </a:xfrm>
-          <a:prstGeom prst="rect">
-            <a:avLst/>
-          </a:prstGeom>
-          <a:noFill/>
-          <a:ln>
-            <a:noFill/>
-          </a:ln>
-          <a:effectLst/>
-          <a:extLst>
-            <a:ext uri="{909E8E84-426E-40DD-AFC4-6F175D3DCCD1}">
-              <a14:hiddenFill xmlns:a14="http://schemas.microsoft.com/office/drawing/2010/main">
-                <a:solidFill>
-                  <a:schemeClr val="accent1"/>
-                </a:solidFill>
-              </a14:hiddenFill>
-            </a:ext>
-            <a:ext uri="{91240B29-F687-4F45-9708-019B960494DF}">
-              <a14:hiddenLine xmlns:a14="http://schemas.microsoft.com/office/drawing/2010/main" w="9525">
-                <a:solidFill>
-                  <a:schemeClr val="tx1"/>
-                </a:solidFill>
-                <a:miter lim="800000"/>
-                <a:headEnd/>
-                <a:tailEnd/>
-              </a14:hiddenLine>
-            </a:ext>
-            <a:ext uri="{AF507438-7753-43E0-B8FC-AC1667EBCBE1}">
-              <a14:hiddenEffects xmlns:a14="http://schemas.microsoft.com/office/drawing/2010/main">
-                <a:effectLst>
-                  <a:outerShdw dist="35921" dir="2700000" algn="ctr" rotWithShape="0">
-                    <a:schemeClr val="bg2"/>
-                  </a:outerShdw>
-                </a:effectLst>
-              </a14:hiddenEffects>
-            </a:ext>
-          </a:extLst>
-        </p:spPr>
-      </p:pic>
-      <p:pic>
-        <p:nvPicPr>
-          <p:cNvPr id="1035" name="Picture 11"/>
-          <p:cNvPicPr>
-            <a:picLocks noChangeAspect="1" noChangeArrowheads="1"/>
-          </p:cNvPicPr>
-          <p:nvPr/>
-        </p:nvPicPr>
-        <p:blipFill>
-          <a:blip r:embed="rId9">
-            <a:extLst>
-              <a:ext uri="{28A0092B-C50C-407E-A947-70E740481C1C}">
-                <a14:useLocalDpi xmlns:a14="http://schemas.microsoft.com/office/drawing/2010/main" val="0"/>
-              </a:ext>
-            </a:extLst>
-          </a:blip>
-          <a:srcRect/>
-          <a:stretch>
-            <a:fillRect/>
-          </a:stretch>
-        </p:blipFill>
-        <p:spPr bwMode="auto">
-          <a:xfrm>
-            <a:off x="3712814" y="2010209"/>
-            <a:ext cx="542925" cy="762000"/>
-          </a:xfrm>
-          <a:prstGeom prst="rect">
-            <a:avLst/>
-          </a:prstGeom>
-          <a:noFill/>
-          <a:ln>
-            <a:noFill/>
-          </a:ln>
-          <a:effectLst/>
-          <a:extLst>
-            <a:ext uri="{909E8E84-426E-40DD-AFC4-6F175D3DCCD1}">
-              <a14:hiddenFill xmlns:a14="http://schemas.microsoft.com/office/drawing/2010/main">
-                <a:solidFill>
-                  <a:schemeClr val="accent1"/>
-                </a:solidFill>
-              </a14:hiddenFill>
-            </a:ext>
-            <a:ext uri="{91240B29-F687-4F45-9708-019B960494DF}">
-              <a14:hiddenLine xmlns:a14="http://schemas.microsoft.com/office/drawing/2010/main" w="9525">
-                <a:solidFill>
-                  <a:schemeClr val="tx1"/>
-                </a:solidFill>
-                <a:miter lim="800000"/>
-                <a:headEnd/>
-                <a:tailEnd/>
-              </a14:hiddenLine>
-            </a:ext>
-            <a:ext uri="{AF507438-7753-43E0-B8FC-AC1667EBCBE1}">
-              <a14:hiddenEffects xmlns:a14="http://schemas.microsoft.com/office/drawing/2010/main">
-                <a:effectLst>
-                  <a:outerShdw dist="35921" dir="2700000" algn="ctr" rotWithShape="0">
-                    <a:schemeClr val="bg2"/>
-                  </a:outerShdw>
-                </a:effectLst>
-              </a14:hiddenEffects>
-            </a:ext>
-          </a:extLst>
-        </p:spPr>
-      </p:pic>
-      <p:pic>
-        <p:nvPicPr>
-          <p:cNvPr id="1037" name="Picture 13"/>
-          <p:cNvPicPr>
-            <a:picLocks noChangeAspect="1" noChangeArrowheads="1"/>
-          </p:cNvPicPr>
-          <p:nvPr/>
-        </p:nvPicPr>
-        <p:blipFill>
-          <a:blip r:embed="rId10">
-            <a:extLst>
-              <a:ext uri="{28A0092B-C50C-407E-A947-70E740481C1C}">
-                <a14:useLocalDpi xmlns:a14="http://schemas.microsoft.com/office/drawing/2010/main" val="0"/>
-              </a:ext>
-            </a:extLst>
-          </a:blip>
-          <a:srcRect/>
-          <a:stretch>
-            <a:fillRect/>
-          </a:stretch>
-        </p:blipFill>
-        <p:spPr bwMode="auto">
-          <a:xfrm>
-            <a:off x="4255739" y="3171824"/>
-            <a:ext cx="571500" cy="571500"/>
-          </a:xfrm>
-          <a:prstGeom prst="rect">
-            <a:avLst/>
-          </a:prstGeom>
-          <a:noFill/>
-          <a:ln>
-            <a:noFill/>
-          </a:ln>
-          <a:effectLst/>
-          <a:extLst>
-            <a:ext uri="{909E8E84-426E-40DD-AFC4-6F175D3DCCD1}">
-              <a14:hiddenFill xmlns:a14="http://schemas.microsoft.com/office/drawing/2010/main">
-                <a:solidFill>
-                  <a:schemeClr val="accent1"/>
-                </a:solidFill>
-              </a14:hiddenFill>
-            </a:ext>
-            <a:ext uri="{91240B29-F687-4F45-9708-019B960494DF}">
-              <a14:hiddenLine xmlns:a14="http://schemas.microsoft.com/office/drawing/2010/main" w="9525">
-                <a:solidFill>
-                  <a:schemeClr val="tx1"/>
-                </a:solidFill>
-                <a:miter lim="800000"/>
-                <a:headEnd/>
-                <a:tailEnd/>
-              </a14:hiddenLine>
-            </a:ext>
-            <a:ext uri="{AF507438-7753-43E0-B8FC-AC1667EBCBE1}">
-              <a14:hiddenEffects xmlns:a14="http://schemas.microsoft.com/office/drawing/2010/main">
-                <a:effectLst>
-                  <a:outerShdw dist="35921" dir="2700000" algn="ctr" rotWithShape="0">
-                    <a:schemeClr val="bg2"/>
-                  </a:outerShdw>
-                </a:effectLst>
-              </a14:hiddenEffects>
-            </a:ext>
-          </a:extLst>
-        </p:spPr>
-      </p:pic>
-      <p:pic>
-        <p:nvPicPr>
-          <p:cNvPr id="1038" name="Picture 14"/>
-          <p:cNvPicPr>
-            <a:picLocks noChangeAspect="1" noChangeArrowheads="1"/>
-          </p:cNvPicPr>
-          <p:nvPr/>
-        </p:nvPicPr>
-        <p:blipFill>
-          <a:blip r:embed="rId11">
-            <a:extLst>
-              <a:ext uri="{28A0092B-C50C-407E-A947-70E740481C1C}">
-                <a14:useLocalDpi xmlns:a14="http://schemas.microsoft.com/office/drawing/2010/main" val="0"/>
-              </a:ext>
-            </a:extLst>
-          </a:blip>
-          <a:srcRect/>
-          <a:stretch>
-            <a:fillRect/>
-          </a:stretch>
-        </p:blipFill>
-        <p:spPr bwMode="auto">
-          <a:xfrm>
-            <a:off x="1975470" y="1421823"/>
-            <a:ext cx="733425" cy="581025"/>
-          </a:xfrm>
-          <a:prstGeom prst="rect">
-            <a:avLst/>
-          </a:prstGeom>
-          <a:noFill/>
-          <a:ln>
-            <a:noFill/>
-          </a:ln>
-          <a:effectLst/>
-          <a:extLst>
-            <a:ext uri="{909E8E84-426E-40DD-AFC4-6F175D3DCCD1}">
-              <a14:hiddenFill xmlns:a14="http://schemas.microsoft.com/office/drawing/2010/main">
-                <a:solidFill>
-                  <a:schemeClr val="accent1"/>
-                </a:solidFill>
-              </a14:hiddenFill>
-            </a:ext>
-            <a:ext uri="{91240B29-F687-4F45-9708-019B960494DF}">
-              <a14:hiddenLine xmlns:a14="http://schemas.microsoft.com/office/drawing/2010/main" w="9525">
-                <a:solidFill>
-                  <a:schemeClr val="tx1"/>
-                </a:solidFill>
-                <a:miter lim="800000"/>
-                <a:headEnd/>
-                <a:tailEnd/>
-              </a14:hiddenLine>
-            </a:ext>
-            <a:ext uri="{AF507438-7753-43E0-B8FC-AC1667EBCBE1}">
-              <a14:hiddenEffects xmlns:a14="http://schemas.microsoft.com/office/drawing/2010/main">
-                <a:effectLst>
-                  <a:outerShdw dist="35921" dir="2700000" algn="ctr" rotWithShape="0">
-                    <a:schemeClr val="bg2"/>
-                  </a:outerShdw>
-                </a:effectLst>
-              </a14:hiddenEffects>
-            </a:ext>
-          </a:extLst>
-        </p:spPr>
-      </p:pic>
-      <p:pic>
-        <p:nvPicPr>
-          <p:cNvPr id="1039" name="Picture 15"/>
-          <p:cNvPicPr>
-            <a:picLocks noChangeAspect="1" noChangeArrowheads="1"/>
-          </p:cNvPicPr>
-          <p:nvPr/>
-        </p:nvPicPr>
-        <p:blipFill>
-          <a:blip r:embed="rId12">
-            <a:extLst>
-              <a:ext uri="{28A0092B-C50C-407E-A947-70E740481C1C}">
-                <a14:useLocalDpi xmlns:a14="http://schemas.microsoft.com/office/drawing/2010/main" val="0"/>
-              </a:ext>
-            </a:extLst>
-          </a:blip>
-          <a:srcRect/>
-          <a:stretch>
-            <a:fillRect/>
-          </a:stretch>
-        </p:blipFill>
-        <p:spPr bwMode="auto">
-          <a:xfrm>
-            <a:off x="2399332" y="3777528"/>
-            <a:ext cx="542925" cy="552450"/>
-          </a:xfrm>
-          <a:prstGeom prst="rect">
-            <a:avLst/>
-          </a:prstGeom>
-          <a:noFill/>
-          <a:ln>
-            <a:noFill/>
-          </a:ln>
-          <a:effectLst/>
-          <a:extLst>
-            <a:ext uri="{909E8E84-426E-40DD-AFC4-6F175D3DCCD1}">
-              <a14:hiddenFill xmlns:a14="http://schemas.microsoft.com/office/drawing/2010/main">
-                <a:solidFill>
-                  <a:schemeClr val="accent1"/>
-                </a:solidFill>
-              </a14:hiddenFill>
-            </a:ext>
-            <a:ext uri="{91240B29-F687-4F45-9708-019B960494DF}">
-              <a14:hiddenLine xmlns:a14="http://schemas.microsoft.com/office/drawing/2010/main" w="9525">
-                <a:solidFill>
-                  <a:schemeClr val="tx1"/>
-                </a:solidFill>
-                <a:miter lim="800000"/>
-                <a:headEnd/>
-                <a:tailEnd/>
-              </a14:hiddenLine>
-            </a:ext>
-            <a:ext uri="{AF507438-7753-43E0-B8FC-AC1667EBCBE1}">
-              <a14:hiddenEffects xmlns:a14="http://schemas.microsoft.com/office/drawing/2010/main">
-                <a:effectLst>
-                  <a:outerShdw dist="35921" dir="2700000" algn="ctr" rotWithShape="0">
-                    <a:schemeClr val="bg2"/>
-                  </a:outerShdw>
-                </a:effectLst>
-              </a14:hiddenEffects>
-            </a:ext>
-          </a:extLst>
-        </p:spPr>
-      </p:pic>
-      <p:pic>
-        <p:nvPicPr>
-          <p:cNvPr id="1040" name="Picture 16"/>
-          <p:cNvPicPr>
-            <a:picLocks noChangeAspect="1" noChangeArrowheads="1"/>
-          </p:cNvPicPr>
-          <p:nvPr/>
-        </p:nvPicPr>
-        <p:blipFill>
-          <a:blip r:embed="rId13">
-            <a:extLst>
-              <a:ext uri="{28A0092B-C50C-407E-A947-70E740481C1C}">
-                <a14:useLocalDpi xmlns:a14="http://schemas.microsoft.com/office/drawing/2010/main" val="0"/>
-              </a:ext>
-            </a:extLst>
-          </a:blip>
-          <a:srcRect/>
-          <a:stretch>
-            <a:fillRect/>
-          </a:stretch>
-        </p:blipFill>
-        <p:spPr bwMode="auto">
-          <a:xfrm>
-            <a:off x="5383177" y="4113500"/>
-            <a:ext cx="466725" cy="590550"/>
-          </a:xfrm>
-          <a:prstGeom prst="rect">
-            <a:avLst/>
-          </a:prstGeom>
-          <a:noFill/>
-          <a:ln>
-            <a:noFill/>
-          </a:ln>
-          <a:effectLst/>
-          <a:extLst>
-            <a:ext uri="{909E8E84-426E-40DD-AFC4-6F175D3DCCD1}">
-              <a14:hiddenFill xmlns:a14="http://schemas.microsoft.com/office/drawing/2010/main">
-                <a:solidFill>
-                  <a:schemeClr val="accent1"/>
-                </a:solidFill>
-              </a14:hiddenFill>
-            </a:ext>
-            <a:ext uri="{91240B29-F687-4F45-9708-019B960494DF}">
-              <a14:hiddenLine xmlns:a14="http://schemas.microsoft.com/office/drawing/2010/main" w="9525">
-                <a:solidFill>
-                  <a:schemeClr val="tx1"/>
-                </a:solidFill>
-                <a:miter lim="800000"/>
-                <a:headEnd/>
-                <a:tailEnd/>
-              </a14:hiddenLine>
-            </a:ext>
-            <a:ext uri="{AF507438-7753-43E0-B8FC-AC1667EBCBE1}">
-              <a14:hiddenEffects xmlns:a14="http://schemas.microsoft.com/office/drawing/2010/main">
-                <a:effectLst>
-                  <a:outerShdw dist="35921" dir="2700000" algn="ctr" rotWithShape="0">
-                    <a:schemeClr val="bg2"/>
-                  </a:outerShdw>
-                </a:effectLst>
-              </a14:hiddenEffects>
-            </a:ext>
-          </a:extLst>
-        </p:spPr>
-      </p:pic>
-      <p:pic>
-        <p:nvPicPr>
-          <p:cNvPr id="1041" name="Picture 17"/>
-          <p:cNvPicPr>
-            <a:picLocks noChangeAspect="1" noChangeArrowheads="1"/>
-          </p:cNvPicPr>
-          <p:nvPr/>
-        </p:nvPicPr>
-        <p:blipFill>
-          <a:blip r:embed="rId14">
-            <a:extLst>
-              <a:ext uri="{28A0092B-C50C-407E-A947-70E740481C1C}">
-                <a14:useLocalDpi xmlns:a14="http://schemas.microsoft.com/office/drawing/2010/main" val="0"/>
-              </a:ext>
-            </a:extLst>
-          </a:blip>
-          <a:srcRect/>
-          <a:stretch>
-            <a:fillRect/>
-          </a:stretch>
-        </p:blipFill>
-        <p:spPr bwMode="auto">
-          <a:xfrm>
-            <a:off x="4560768" y="4681827"/>
-            <a:ext cx="847725" cy="647700"/>
-          </a:xfrm>
-          <a:prstGeom prst="rect">
-            <a:avLst/>
-          </a:prstGeom>
-          <a:noFill/>
-          <a:ln>
-            <a:noFill/>
-          </a:ln>
-          <a:effectLst/>
-          <a:extLst>
-            <a:ext uri="{909E8E84-426E-40DD-AFC4-6F175D3DCCD1}">
-              <a14:hiddenFill xmlns:a14="http://schemas.microsoft.com/office/drawing/2010/main">
-                <a:solidFill>
-                  <a:schemeClr val="accent1"/>
-                </a:solidFill>
-              </a14:hiddenFill>
-            </a:ext>
-            <a:ext uri="{91240B29-F687-4F45-9708-019B960494DF}">
-              <a14:hiddenLine xmlns:a14="http://schemas.microsoft.com/office/drawing/2010/main" w="9525">
-                <a:solidFill>
-                  <a:schemeClr val="tx1"/>
-                </a:solidFill>
-                <a:miter lim="800000"/>
-                <a:headEnd/>
-                <a:tailEnd/>
-              </a14:hiddenLine>
-            </a:ext>
-            <a:ext uri="{AF507438-7753-43E0-B8FC-AC1667EBCBE1}">
-              <a14:hiddenEffects xmlns:a14="http://schemas.microsoft.com/office/drawing/2010/main">
-                <a:effectLst>
-                  <a:outerShdw dist="35921" dir="2700000" algn="ctr" rotWithShape="0">
-                    <a:schemeClr val="bg2"/>
-                  </a:outerShdw>
-                </a:effectLst>
-              </a14:hiddenEffects>
-            </a:ext>
-          </a:extLst>
-        </p:spPr>
-      </p:pic>
-      <p:pic>
-        <p:nvPicPr>
-          <p:cNvPr id="1042" name="Picture 18"/>
-          <p:cNvPicPr>
-            <a:picLocks noChangeAspect="1" noChangeArrowheads="1"/>
-          </p:cNvPicPr>
-          <p:nvPr/>
-        </p:nvPicPr>
-        <p:blipFill>
-          <a:blip r:embed="rId15">
-            <a:extLst>
-              <a:ext uri="{28A0092B-C50C-407E-A947-70E740481C1C}">
-                <a14:useLocalDpi xmlns:a14="http://schemas.microsoft.com/office/drawing/2010/main" val="0"/>
-              </a:ext>
-            </a:extLst>
-          </a:blip>
-          <a:srcRect/>
-          <a:stretch>
-            <a:fillRect/>
-          </a:stretch>
-        </p:blipFill>
-        <p:spPr bwMode="auto">
-          <a:xfrm>
-            <a:off x="592658" y="2909887"/>
-            <a:ext cx="561975" cy="676275"/>
-          </a:xfrm>
-          <a:prstGeom prst="rect">
-            <a:avLst/>
-          </a:prstGeom>
-          <a:noFill/>
-          <a:ln>
-            <a:noFill/>
-          </a:ln>
-          <a:effectLst/>
-          <a:extLst>
-            <a:ext uri="{909E8E84-426E-40DD-AFC4-6F175D3DCCD1}">
-              <a14:hiddenFill xmlns:a14="http://schemas.microsoft.com/office/drawing/2010/main">
-                <a:solidFill>
-                  <a:schemeClr val="accent1"/>
-                </a:solidFill>
-              </a14:hiddenFill>
-            </a:ext>
-            <a:ext uri="{91240B29-F687-4F45-9708-019B960494DF}">
-              <a14:hiddenLine xmlns:a14="http://schemas.microsoft.com/office/drawing/2010/main" w="9525">
-                <a:solidFill>
-                  <a:schemeClr val="tx1"/>
-                </a:solidFill>
-                <a:miter lim="800000"/>
-                <a:headEnd/>
-                <a:tailEnd/>
-              </a14:hiddenLine>
-            </a:ext>
-            <a:ext uri="{AF507438-7753-43E0-B8FC-AC1667EBCBE1}">
-              <a14:hiddenEffects xmlns:a14="http://schemas.microsoft.com/office/drawing/2010/main">
-                <a:effectLst>
-                  <a:outerShdw dist="35921" dir="2700000" algn="ctr" rotWithShape="0">
-                    <a:schemeClr val="bg2"/>
-                  </a:outerShdw>
-                </a:effectLst>
-              </a14:hiddenEffects>
-            </a:ext>
-          </a:extLst>
-        </p:spPr>
-      </p:pic>
-      <p:pic>
-        <p:nvPicPr>
-          <p:cNvPr id="1043" name="Picture 19"/>
-          <p:cNvPicPr>
-            <a:picLocks noChangeAspect="1" noChangeArrowheads="1"/>
-          </p:cNvPicPr>
-          <p:nvPr/>
-        </p:nvPicPr>
-        <p:blipFill>
-          <a:blip r:embed="rId16">
-            <a:extLst>
-              <a:ext uri="{28A0092B-C50C-407E-A947-70E740481C1C}">
-                <a14:useLocalDpi xmlns:a14="http://schemas.microsoft.com/office/drawing/2010/main" val="0"/>
-              </a:ext>
-            </a:extLst>
-          </a:blip>
-          <a:srcRect/>
-          <a:stretch>
-            <a:fillRect/>
-          </a:stretch>
-        </p:blipFill>
-        <p:spPr bwMode="auto">
-          <a:xfrm>
-            <a:off x="3542332" y="5467126"/>
-            <a:ext cx="666750" cy="676275"/>
-          </a:xfrm>
-          <a:prstGeom prst="rect">
-            <a:avLst/>
-          </a:prstGeom>
-          <a:noFill/>
-          <a:ln>
-            <a:noFill/>
-          </a:ln>
-          <a:effectLst/>
-          <a:extLst>
-            <a:ext uri="{909E8E84-426E-40DD-AFC4-6F175D3DCCD1}">
-              <a14:hiddenFill xmlns:a14="http://schemas.microsoft.com/office/drawing/2010/main">
-                <a:solidFill>
-                  <a:schemeClr val="accent1"/>
-                </a:solidFill>
-              </a14:hiddenFill>
-            </a:ext>
-            <a:ext uri="{91240B29-F687-4F45-9708-019B960494DF}">
-              <a14:hiddenLine xmlns:a14="http://schemas.microsoft.com/office/drawing/2010/main" w="9525">
-                <a:solidFill>
-                  <a:schemeClr val="tx1"/>
-                </a:solidFill>
-                <a:miter lim="800000"/>
-                <a:headEnd/>
-                <a:tailEnd/>
-              </a14:hiddenLine>
-            </a:ext>
-            <a:ext uri="{AF507438-7753-43E0-B8FC-AC1667EBCBE1}">
-              <a14:hiddenEffects xmlns:a14="http://schemas.microsoft.com/office/drawing/2010/main">
-                <a:effectLst>
-                  <a:outerShdw dist="35921" dir="2700000" algn="ctr" rotWithShape="0">
-                    <a:schemeClr val="bg2"/>
-                  </a:outerShdw>
-                </a:effectLst>
-              </a14:hiddenEffects>
-            </a:ext>
-          </a:extLst>
-        </p:spPr>
-      </p:pic>
-      <p:pic>
-        <p:nvPicPr>
-          <p:cNvPr id="1044" name="Picture 20"/>
-          <p:cNvPicPr>
-            <a:picLocks noChangeAspect="1" noChangeArrowheads="1"/>
-          </p:cNvPicPr>
-          <p:nvPr/>
-        </p:nvPicPr>
-        <p:blipFill>
-          <a:blip r:embed="rId17">
-            <a:extLst>
-              <a:ext uri="{28A0092B-C50C-407E-A947-70E740481C1C}">
-                <a14:useLocalDpi xmlns:a14="http://schemas.microsoft.com/office/drawing/2010/main" val="0"/>
-              </a:ext>
-            </a:extLst>
-          </a:blip>
-          <a:srcRect/>
-          <a:stretch>
-            <a:fillRect/>
-          </a:stretch>
-        </p:blipFill>
-        <p:spPr bwMode="auto">
-          <a:xfrm>
-            <a:off x="106017" y="4941168"/>
-            <a:ext cx="942975" cy="628650"/>
-          </a:xfrm>
-          <a:prstGeom prst="rect">
-            <a:avLst/>
-          </a:prstGeom>
-          <a:noFill/>
-          <a:ln>
-            <a:noFill/>
-          </a:ln>
-          <a:effectLst/>
-          <a:extLst>
-            <a:ext uri="{909E8E84-426E-40DD-AFC4-6F175D3DCCD1}">
-              <a14:hiddenFill xmlns:a14="http://schemas.microsoft.com/office/drawing/2010/main">
-                <a:solidFill>
-                  <a:schemeClr val="accent1"/>
-                </a:solidFill>
-              </a14:hiddenFill>
-            </a:ext>
-            <a:ext uri="{91240B29-F687-4F45-9708-019B960494DF}">
-              <a14:hiddenLine xmlns:a14="http://schemas.microsoft.com/office/drawing/2010/main" w="9525">
-                <a:solidFill>
-                  <a:schemeClr val="tx1"/>
-                </a:solidFill>
-                <a:miter lim="800000"/>
-                <a:headEnd/>
-                <a:tailEnd/>
-              </a14:hiddenLine>
-            </a:ext>
-            <a:ext uri="{AF507438-7753-43E0-B8FC-AC1667EBCBE1}">
-              <a14:hiddenEffects xmlns:a14="http://schemas.microsoft.com/office/drawing/2010/main">
-                <a:effectLst>
-                  <a:outerShdw dist="35921" dir="2700000" algn="ctr" rotWithShape="0">
-                    <a:schemeClr val="bg2"/>
-                  </a:outerShdw>
-                </a:effectLst>
-              </a14:hiddenEffects>
-            </a:ext>
-          </a:extLst>
-        </p:spPr>
-      </p:pic>
-      <p:pic>
-        <p:nvPicPr>
-          <p:cNvPr id="1045" name="Picture 21"/>
-          <p:cNvPicPr>
-            <a:picLocks noChangeAspect="1" noChangeArrowheads="1"/>
-          </p:cNvPicPr>
-          <p:nvPr/>
-        </p:nvPicPr>
-        <p:blipFill>
-          <a:blip r:embed="rId18">
-            <a:extLst>
-              <a:ext uri="{28A0092B-C50C-407E-A947-70E740481C1C}">
-                <a14:useLocalDpi xmlns:a14="http://schemas.microsoft.com/office/drawing/2010/main" val="0"/>
-              </a:ext>
-            </a:extLst>
-          </a:blip>
-          <a:srcRect/>
-          <a:stretch>
-            <a:fillRect/>
-          </a:stretch>
-        </p:blipFill>
-        <p:spPr bwMode="auto">
-          <a:xfrm>
-            <a:off x="1465882" y="4919519"/>
-            <a:ext cx="933450" cy="628650"/>
-          </a:xfrm>
-          <a:prstGeom prst="rect">
-            <a:avLst/>
-          </a:prstGeom>
-          <a:noFill/>
-          <a:ln>
-            <a:noFill/>
-          </a:ln>
-          <a:effectLst/>
-          <a:extLst>
-            <a:ext uri="{909E8E84-426E-40DD-AFC4-6F175D3DCCD1}">
-              <a14:hiddenFill xmlns:a14="http://schemas.microsoft.com/office/drawing/2010/main">
-                <a:solidFill>
-                  <a:schemeClr val="accent1"/>
-                </a:solidFill>
-              </a14:hiddenFill>
-            </a:ext>
-            <a:ext uri="{91240B29-F687-4F45-9708-019B960494DF}">
-              <a14:hiddenLine xmlns:a14="http://schemas.microsoft.com/office/drawing/2010/main" w="9525">
-                <a:solidFill>
-                  <a:schemeClr val="tx1"/>
-                </a:solidFill>
-                <a:miter lim="800000"/>
-                <a:headEnd/>
-                <a:tailEnd/>
-              </a14:hiddenLine>
-            </a:ext>
-            <a:ext uri="{AF507438-7753-43E0-B8FC-AC1667EBCBE1}">
-              <a14:hiddenEffects xmlns:a14="http://schemas.microsoft.com/office/drawing/2010/main">
-                <a:effectLst>
-                  <a:outerShdw dist="35921" dir="2700000" algn="ctr" rotWithShape="0">
-                    <a:schemeClr val="bg2"/>
-                  </a:outerShdw>
-                </a:effectLst>
-              </a14:hiddenEffects>
-            </a:ext>
-          </a:extLst>
-        </p:spPr>
-      </p:pic>
-      <p:pic>
-        <p:nvPicPr>
-          <p:cNvPr id="1046" name="Picture 22"/>
-          <p:cNvPicPr>
-            <a:picLocks noChangeAspect="1" noChangeArrowheads="1"/>
-          </p:cNvPicPr>
-          <p:nvPr/>
-        </p:nvPicPr>
-        <p:blipFill>
-          <a:blip r:embed="rId19">
-            <a:extLst>
-              <a:ext uri="{28A0092B-C50C-407E-A947-70E740481C1C}">
-                <a14:useLocalDpi xmlns:a14="http://schemas.microsoft.com/office/drawing/2010/main" val="0"/>
-              </a:ext>
-            </a:extLst>
-          </a:blip>
-          <a:srcRect/>
-          <a:stretch>
-            <a:fillRect/>
-          </a:stretch>
-        </p:blipFill>
-        <p:spPr bwMode="auto">
-          <a:xfrm>
-            <a:off x="454545" y="5805264"/>
-            <a:ext cx="742950" cy="790575"/>
-          </a:xfrm>
-          <a:prstGeom prst="rect">
-            <a:avLst/>
-          </a:prstGeom>
-          <a:noFill/>
-          <a:ln>
-            <a:noFill/>
-          </a:ln>
-          <a:effectLst/>
-          <a:extLst>
-            <a:ext uri="{909E8E84-426E-40DD-AFC4-6F175D3DCCD1}">
-              <a14:hiddenFill xmlns:a14="http://schemas.microsoft.com/office/drawing/2010/main">
-                <a:solidFill>
-                  <a:schemeClr val="accent1"/>
-                </a:solidFill>
-              </a14:hiddenFill>
-            </a:ext>
-            <a:ext uri="{91240B29-F687-4F45-9708-019B960494DF}">
-              <a14:hiddenLine xmlns:a14="http://schemas.microsoft.com/office/drawing/2010/main" w="9525">
-                <a:solidFill>
-                  <a:schemeClr val="tx1"/>
-                </a:solidFill>
-                <a:miter lim="800000"/>
-                <a:headEnd/>
-                <a:tailEnd/>
-              </a14:hiddenLine>
-            </a:ext>
-            <a:ext uri="{AF507438-7753-43E0-B8FC-AC1667EBCBE1}">
-              <a14:hiddenEffects xmlns:a14="http://schemas.microsoft.com/office/drawing/2010/main">
-                <a:effectLst>
-                  <a:outerShdw dist="35921" dir="2700000" algn="ctr" rotWithShape="0">
-                    <a:schemeClr val="bg2"/>
-                  </a:outerShdw>
-                </a:effectLst>
-              </a14:hiddenEffects>
-            </a:ext>
-          </a:extLst>
-        </p:spPr>
-      </p:pic>
-    </p:spTree>
-    <p:extLst>
-      <p:ext uri="{BB962C8B-B14F-4D97-AF65-F5344CB8AC3E}">
-        <p14:creationId xmlns:p14="http://schemas.microsoft.com/office/powerpoint/2010/main" val="2733093475"/>
-      </p:ext>
-    </p:extLst>
-  </p:cSld>
-  <p:clrMapOvr>
-    <a:masterClrMapping/>
-  </p:clrMapOvr>
-</p:sld>
-</file>
-
-<file path=ppt/slides/slide3.xml><?xml version="1.0" encoding="utf-8"?>
-<p:sld xmlns:a="http://schemas.openxmlformats.org/drawingml/2006/main" xmlns:r="http://schemas.openxmlformats.org/officeDocument/2006/relationships" xmlns:p="http://schemas.openxmlformats.org/presentationml/2006/main">
-  <p:cSld>
-    <p:spTree>
-      <p:nvGrpSpPr>
-        <p:cNvPr id="1" name=""/>
-        <p:cNvGrpSpPr/>
-        <p:nvPr/>
-      </p:nvGrpSpPr>
-      <p:grpSpPr>
-        <a:xfrm>
-          <a:off x="0" y="0"/>
-          <a:ext cx="0" cy="0"/>
-          <a:chOff x="0" y="0"/>
-          <a:chExt cx="0" cy="0"/>
-        </a:xfrm>
-      </p:grpSpPr>
-      <p:sp>
-        <p:nvSpPr>
-          <p:cNvPr id="2" name="Titre 1"/>
-          <p:cNvSpPr>
-            <a:spLocks noGrp="1"/>
-          </p:cNvSpPr>
-          <p:nvPr>
-            <p:ph type="title"/>
-          </p:nvPr>
-        </p:nvSpPr>
-        <p:spPr/>
-        <p:txBody>
-          <a:bodyPr/>
-          <a:lstStyle/>
-          <a:p>
-            <a:r>
-              <a:rPr lang="fr-FR" smtClean="0"/>
-              <a:t>Plan</a:t>
-            </a:r>
-            <a:endParaRPr lang="fr-FR" dirty="0"/>
-          </a:p>
-        </p:txBody>
-      </p:sp>
-      <p:sp>
-        <p:nvSpPr>
-          <p:cNvPr id="3" name="Espace réservé du contenu 2"/>
-          <p:cNvSpPr>
-            <a:spLocks noGrp="1"/>
-          </p:cNvSpPr>
-          <p:nvPr>
-            <p:ph sz="quarter" idx="1"/>
-          </p:nvPr>
-        </p:nvSpPr>
-        <p:spPr>
-          <a:xfrm>
-            <a:off x="251520" y="1268760"/>
-            <a:ext cx="7920880" cy="5472608"/>
-          </a:xfrm>
-        </p:spPr>
-        <p:txBody>
-          <a:bodyPr>
-            <a:normAutofit fontScale="85000" lnSpcReduction="20000"/>
-          </a:bodyPr>
-          <a:lstStyle/>
-          <a:p>
-            <a:r>
-              <a:rPr lang="fr-FR" dirty="0" smtClean="0"/>
-              <a:t>Modélisation multiphysique</a:t>
-            </a:r>
-          </a:p>
-          <a:p>
-            <a:pPr lvl="1"/>
-            <a:r>
-              <a:rPr lang="fr-FR" dirty="0" smtClean="0"/>
-              <a:t>Contexte dans l’enseignement</a:t>
-            </a:r>
-          </a:p>
-          <a:p>
-            <a:pPr lvl="1"/>
-            <a:r>
-              <a:rPr lang="fr-FR" dirty="0" smtClean="0"/>
-              <a:t>Définitions</a:t>
-            </a:r>
-          </a:p>
-          <a:p>
-            <a:pPr lvl="1"/>
-            <a:r>
-              <a:rPr lang="fr-FR" dirty="0" smtClean="0"/>
-              <a:t>Modèle de connaissance</a:t>
-            </a:r>
-          </a:p>
-          <a:p>
-            <a:pPr lvl="2"/>
-            <a:r>
-              <a:rPr lang="fr-FR" dirty="0" smtClean="0"/>
-              <a:t>Moteur à courant continu (linéaire/non linéaire ?)</a:t>
-            </a:r>
-          </a:p>
-          <a:p>
-            <a:pPr lvl="1"/>
-            <a:r>
-              <a:rPr lang="fr-FR" dirty="0" smtClean="0"/>
-              <a:t>Modélisation causale</a:t>
-            </a:r>
-          </a:p>
-          <a:p>
-            <a:pPr lvl="2"/>
-            <a:r>
-              <a:rPr lang="fr-FR" dirty="0" smtClean="0"/>
-              <a:t>Domaine symbolique (+FT) -&gt; Relation algébriques simples et loi E/S Simples</a:t>
-            </a:r>
-            <a:endParaRPr lang="fr-FR" dirty="0"/>
-          </a:p>
-          <a:p>
-            <a:pPr lvl="2"/>
-            <a:r>
-              <a:rPr lang="fr-FR" dirty="0" smtClean="0"/>
-              <a:t>CI nulles et modèles linéaires imposés (sauf hystérésis, saturation et seuils …)(sinon linéarisation+ pt de fonctionnement, pas de produit de fonctions  dans les équations du modèle).</a:t>
-            </a:r>
-          </a:p>
-          <a:p>
-            <a:pPr lvl="2"/>
-            <a:r>
-              <a:rPr lang="fr-FR" dirty="0" smtClean="0"/>
-              <a:t>Notion de sens S = F.E (Pas réversible)</a:t>
-            </a:r>
-          </a:p>
-          <a:p>
-            <a:pPr lvl="2"/>
-            <a:r>
-              <a:rPr lang="fr-FR" dirty="0" smtClean="0"/>
-              <a:t>Résolution numérique imposée par le modèle utilisé</a:t>
-            </a:r>
-          </a:p>
-          <a:p>
-            <a:pPr lvl="2"/>
-            <a:r>
-              <a:rPr lang="fr-FR" dirty="0" smtClean="0"/>
-              <a:t>La technologie des constituants n’apparaît pas</a:t>
-            </a:r>
-          </a:p>
-          <a:p>
-            <a:pPr lvl="2"/>
-            <a:r>
-              <a:rPr lang="fr-FR" dirty="0" smtClean="0"/>
-              <a:t>Notion d’irréversibilité du modèle</a:t>
-            </a:r>
-          </a:p>
-          <a:p>
-            <a:pPr lvl="2"/>
-            <a:r>
-              <a:rPr lang="fr-FR" dirty="0" smtClean="0"/>
-              <a:t>Cependant le calcul symbolique permet de faciliter les études harmoniques</a:t>
-            </a:r>
-          </a:p>
-          <a:p>
-            <a:pPr lvl="1"/>
-            <a:r>
-              <a:rPr lang="fr-FR" dirty="0" smtClean="0"/>
-              <a:t>Modélisation acausale</a:t>
-            </a:r>
-          </a:p>
-          <a:p>
-            <a:pPr lvl="2"/>
-            <a:r>
-              <a:rPr lang="fr-FR" dirty="0" smtClean="0"/>
-              <a:t>Symbolisation des constituants dédiés à la technologie utilisée (respect des normes, respect des connecteurs E/S, grandeurs physiques + polarité…)</a:t>
-            </a:r>
-          </a:p>
-          <a:p>
-            <a:pPr lvl="2"/>
-            <a:r>
-              <a:rPr lang="fr-FR" dirty="0" smtClean="0"/>
-              <a:t>Le modèle de connaissance n’est pas exigible, mais il faut maîtriser les paramètres caractérisant le comportement du constituant</a:t>
-            </a:r>
-          </a:p>
-          <a:p>
-            <a:pPr lvl="2"/>
-            <a:r>
-              <a:rPr lang="fr-FR" dirty="0" smtClean="0"/>
-              <a:t>Liens non orientés entre les blocs (Comparaison des modélisation causale et acausale sur une résistance)  Différence « Affectation / Équation ». Liens avec le diagramme paramétrique.</a:t>
-            </a:r>
-          </a:p>
-          <a:p>
-            <a:pPr lvl="2"/>
-            <a:r>
-              <a:rPr lang="fr-FR" dirty="0" smtClean="0"/>
-              <a:t>Ouvertures sur la réversibilité (réversibilité des composants, réversibilité des systèmes)</a:t>
-            </a:r>
-          </a:p>
-          <a:p>
-            <a:pPr lvl="2"/>
-            <a:r>
-              <a:rPr lang="fr-FR" dirty="0" smtClean="0"/>
-              <a:t>Le modèle n’impose pas de démarche de résolution. Le solveur se charge d’optimiser les calculs.  </a:t>
-            </a:r>
-          </a:p>
-        </p:txBody>
-      </p:sp>
-      <p:sp>
-        <p:nvSpPr>
-          <p:cNvPr id="4" name="Espace réservé du numéro de diapositive 3"/>
-          <p:cNvSpPr>
-            <a:spLocks noGrp="1"/>
-          </p:cNvSpPr>
-          <p:nvPr>
-            <p:ph type="sldNum" sz="quarter" idx="15"/>
-          </p:nvPr>
-        </p:nvSpPr>
-        <p:spPr/>
-        <p:txBody>
-          <a:bodyPr/>
-          <a:lstStyle/>
-          <a:p>
-            <a:fld id="{136A7F36-7A21-4EA8-9DC2-F00219448035}" type="slidenum">
-              <a:rPr lang="fr-FR" smtClean="0"/>
-              <a:t>3</a:t>
-            </a:fld>
-            <a:endParaRPr lang="fr-FR"/>
-          </a:p>
-        </p:txBody>
-      </p:sp>
-    </p:spTree>
-    <p:extLst>
-      <p:ext uri="{BB962C8B-B14F-4D97-AF65-F5344CB8AC3E}">
-        <p14:creationId xmlns:p14="http://schemas.microsoft.com/office/powerpoint/2010/main" val="3520046662"/>
-      </p:ext>
-    </p:extLst>
-  </p:cSld>
-  <p:clrMapOvr>
-    <a:masterClrMapping/>
-  </p:clrMapOvr>
-  <p:timing>
-    <p:tnLst>
-      <p:par>
-        <p:cTn id="1" dur="indefinite" restart="never" nodeType="tmRoot"/>
-      </p:par>
-    </p:tnLst>
-  </p:timing>
-</p:sld>
-</file>
-
-<file path=ppt/slides/slide30.xml><?xml version="1.0" encoding="utf-8"?>
-<p:sld xmlns:a="http://schemas.openxmlformats.org/drawingml/2006/main" xmlns:r="http://schemas.openxmlformats.org/officeDocument/2006/relationships" xmlns:p="http://schemas.openxmlformats.org/presentationml/2006/main">
-  <p:cSld>
-    <p:spTree>
-      <p:nvGrpSpPr>
-        <p:cNvPr id="1" name=""/>
-        <p:cNvGrpSpPr/>
-        <p:nvPr/>
-      </p:nvGrpSpPr>
-      <p:grpSpPr>
-        <a:xfrm>
-          <a:off x="0" y="0"/>
-          <a:ext cx="0" cy="0"/>
-          <a:chOff x="0" y="0"/>
-          <a:chExt cx="0" cy="0"/>
-        </a:xfrm>
-      </p:grpSpPr>
-      <p:sp>
-        <p:nvSpPr>
-          <p:cNvPr id="2" name="Espace réservé du numéro de diapositive 1"/>
-          <p:cNvSpPr>
-            <a:spLocks noGrp="1"/>
-          </p:cNvSpPr>
-          <p:nvPr>
-            <p:ph type="sldNum" sz="quarter" idx="12"/>
-          </p:nvPr>
-        </p:nvSpPr>
-        <p:spPr/>
-        <p:txBody>
-          <a:bodyPr/>
-          <a:lstStyle/>
-          <a:p>
-            <a:fld id="{136A7F36-7A21-4EA8-9DC2-F00219448035}" type="slidenum">
-              <a:rPr lang="fr-FR" smtClean="0"/>
-              <a:t>30</a:t>
             </a:fld>
             <a:endParaRPr lang="fr-FR"/>
           </a:p>
@@ -16638,6 +13992,112 @@
 </p:sld>
 </file>
 
+<file path=ppt/slides/slide3.xml><?xml version="1.0" encoding="utf-8"?>
+<p:sld xmlns:a="http://schemas.openxmlformats.org/drawingml/2006/main" xmlns:r="http://schemas.openxmlformats.org/officeDocument/2006/relationships" xmlns:p="http://schemas.openxmlformats.org/presentationml/2006/main">
+  <p:cSld>
+    <p:spTree>
+      <p:nvGrpSpPr>
+        <p:cNvPr id="1" name=""/>
+        <p:cNvGrpSpPr/>
+        <p:nvPr/>
+      </p:nvGrpSpPr>
+      <p:grpSpPr>
+        <a:xfrm>
+          <a:off x="0" y="0"/>
+          <a:ext cx="0" cy="0"/>
+          <a:chOff x="0" y="0"/>
+          <a:chExt cx="0" cy="0"/>
+        </a:xfrm>
+      </p:grpSpPr>
+      <p:sp>
+        <p:nvSpPr>
+          <p:cNvPr id="4" name="Titre 3"/>
+          <p:cNvSpPr>
+            <a:spLocks noGrp="1"/>
+          </p:cNvSpPr>
+          <p:nvPr>
+            <p:ph type="title"/>
+          </p:nvPr>
+        </p:nvSpPr>
+        <p:spPr/>
+        <p:txBody>
+          <a:bodyPr/>
+          <a:lstStyle/>
+          <a:p>
+            <a:r>
+              <a:rPr lang="fr-FR" dirty="0" smtClean="0"/>
+              <a:t>Modélisation </a:t>
+            </a:r>
+            <a:r>
+              <a:rPr lang="fr-FR" dirty="0" err="1" smtClean="0"/>
+              <a:t>mutiphysique</a:t>
+            </a:r>
+            <a:endParaRPr lang="fr-FR" dirty="0"/>
+          </a:p>
+        </p:txBody>
+      </p:sp>
+      <p:sp>
+        <p:nvSpPr>
+          <p:cNvPr id="5" name="Espace réservé du texte 4"/>
+          <p:cNvSpPr>
+            <a:spLocks noGrp="1"/>
+          </p:cNvSpPr>
+          <p:nvPr>
+            <p:ph type="body" idx="1"/>
+          </p:nvPr>
+        </p:nvSpPr>
+        <p:spPr/>
+        <p:txBody>
+          <a:bodyPr/>
+          <a:lstStyle/>
+          <a:p>
+            <a:endParaRPr lang="fr-FR"/>
+          </a:p>
+        </p:txBody>
+      </p:sp>
+      <p:sp>
+        <p:nvSpPr>
+          <p:cNvPr id="6" name="Espace réservé du numéro de diapositive 5"/>
+          <p:cNvSpPr>
+            <a:spLocks noGrp="1"/>
+          </p:cNvSpPr>
+          <p:nvPr>
+            <p:ph type="sldNum" sz="quarter" idx="12"/>
+          </p:nvPr>
+        </p:nvSpPr>
+        <p:spPr/>
+        <p:txBody>
+          <a:bodyPr/>
+          <a:lstStyle/>
+          <a:p>
+            <a:fld id="{136A7F36-7A21-4EA8-9DC2-F00219448035}" type="slidenum">
+              <a:rPr lang="fr-FR" smtClean="0"/>
+              <a:t>3</a:t>
+            </a:fld>
+            <a:endParaRPr lang="fr-FR"/>
+          </a:p>
+        </p:txBody>
+      </p:sp>
+    </p:spTree>
+    <p:extLst>
+      <p:ext uri="{BB962C8B-B14F-4D97-AF65-F5344CB8AC3E}">
+        <p14:creationId xmlns:p14="http://schemas.microsoft.com/office/powerpoint/2010/main" val="1140419535"/>
+      </p:ext>
+    </p:extLst>
+  </p:cSld>
+  <p:clrMapOvr>
+    <a:masterClrMapping/>
+  </p:clrMapOvr>
+  <p:timing>
+    <p:tnLst>
+      <p:par>
+        <p:cTn id="1" dur="indefinite" restart="never" nodeType="tmRoot"/>
+      </p:par>
+    </p:tnLst>
+  </p:timing>
+</p:sld>
+</file>
+
 <file path=ppt/slides/slide4.xml><?xml version="1.0" encoding="utf-8"?>
 <p:sld xmlns:a="http://schemas.openxmlformats.org/drawingml/2006/main" xmlns:r="http://schemas.openxmlformats.org/officeDocument/2006/relationships" xmlns:p="http://schemas.openxmlformats.org/presentationml/2006/main">
   <p:cSld>
@@ -16667,194 +14127,22 @@
         </p:nvSpPr>
         <p:spPr/>
         <p:txBody>
-          <a:bodyPr/>
-          <a:lstStyle/>
-          <a:p>
-            <a:r>
-              <a:rPr lang="fr-FR" smtClean="0"/>
-              <a:t>Plan</a:t>
-            </a:r>
-            <a:endParaRPr lang="fr-FR" dirty="0"/>
-          </a:p>
-        </p:txBody>
-      </p:sp>
-      <p:sp>
-        <p:nvSpPr>
-          <p:cNvPr id="3" name="Espace réservé du contenu 2"/>
-          <p:cNvSpPr>
-            <a:spLocks noGrp="1"/>
-          </p:cNvSpPr>
-          <p:nvPr>
-            <p:ph sz="quarter" idx="1"/>
-          </p:nvPr>
-        </p:nvSpPr>
-        <p:spPr/>
-        <p:txBody>
           <a:bodyPr>
-            <a:normAutofit fontScale="92500" lnSpcReduction="10000"/>
+            <a:normAutofit fontScale="90000"/>
           </a:bodyPr>
           <a:lstStyle/>
           <a:p>
             <a:r>
               <a:rPr lang="fr-FR" dirty="0" smtClean="0"/>
-              <a:t>Scilab</a:t>
-            </a:r>
-          </a:p>
-          <a:p>
-            <a:pPr lvl="1"/>
-            <a:r>
+              <a:t>Modélisation multiphysique</a:t>
+            </a:r>
+            <a:br>
               <a:rPr lang="fr-FR" dirty="0" smtClean="0"/>
-              <a:t>Qu’est ce que </a:t>
-            </a:r>
-            <a:r>
-              <a:rPr lang="fr-FR" dirty="0" err="1" smtClean="0"/>
-              <a:t>scilab</a:t>
-            </a:r>
+            </a:br>
             <a:r>
               <a:rPr lang="fr-FR" dirty="0" smtClean="0"/>
-              <a:t> ?</a:t>
-            </a:r>
-          </a:p>
-          <a:p>
-            <a:pPr lvl="1"/>
-            <a:r>
-              <a:rPr lang="fr-FR" dirty="0" smtClean="0"/>
-              <a:t>Le module </a:t>
-            </a:r>
-            <a:r>
-              <a:rPr lang="fr-FR" dirty="0" err="1" smtClean="0"/>
-              <a:t>Xcos</a:t>
-            </a:r>
-            <a:endParaRPr lang="fr-FR" dirty="0" smtClean="0"/>
-          </a:p>
-          <a:p>
-            <a:pPr lvl="1"/>
-            <a:r>
-              <a:rPr lang="fr-FR" dirty="0" smtClean="0"/>
-              <a:t>Le module SIMM/</a:t>
-            </a:r>
-            <a:r>
-              <a:rPr lang="fr-FR" dirty="0" err="1" smtClean="0"/>
-              <a:t>Coselica</a:t>
-            </a:r>
-            <a:endParaRPr lang="fr-FR" dirty="0" smtClean="0"/>
-          </a:p>
-          <a:p>
-            <a:pPr lvl="1"/>
-            <a:r>
-              <a:rPr lang="fr-FR" dirty="0" smtClean="0"/>
-              <a:t>Construction du modèle acausal du moteur à courant continu</a:t>
-            </a:r>
-          </a:p>
-          <a:p>
-            <a:pPr lvl="2"/>
-            <a:r>
-              <a:rPr lang="fr-FR" dirty="0" smtClean="0"/>
-              <a:t>Contexte, variation de paramètres…</a:t>
-            </a:r>
-          </a:p>
-          <a:p>
-            <a:pPr lvl="2"/>
-            <a:r>
-              <a:rPr lang="fr-FR" dirty="0" smtClean="0"/>
-              <a:t>Modèle complet</a:t>
-            </a:r>
-          </a:p>
-          <a:p>
-            <a:pPr lvl="2"/>
-            <a:r>
-              <a:rPr lang="fr-FR" dirty="0" smtClean="0"/>
-              <a:t>Modèle condensé</a:t>
-            </a:r>
-          </a:p>
-          <a:p>
-            <a:pPr lvl="2"/>
-            <a:r>
-              <a:rPr lang="fr-FR" dirty="0" smtClean="0"/>
-              <a:t>Commande du moteur avec hacheur / PWM</a:t>
-            </a:r>
-          </a:p>
-          <a:p>
-            <a:pPr lvl="3"/>
-            <a:r>
-              <a:rPr lang="fr-FR" dirty="0" smtClean="0"/>
-              <a:t>Possibilité bibliothèque thermique</a:t>
-            </a:r>
-          </a:p>
-          <a:p>
-            <a:pPr lvl="2"/>
-            <a:r>
-              <a:rPr lang="fr-FR" dirty="0" smtClean="0"/>
-              <a:t>Frottement visqueux / inertie transfo de </a:t>
-            </a:r>
-            <a:r>
-              <a:rPr lang="fr-FR" dirty="0" err="1" smtClean="0"/>
-              <a:t>mvt</a:t>
-            </a:r>
-            <a:r>
-              <a:rPr lang="fr-FR" dirty="0" smtClean="0"/>
-              <a:t>  …</a:t>
-            </a:r>
-          </a:p>
-          <a:p>
-            <a:pPr lvl="2"/>
-            <a:r>
-              <a:rPr lang="fr-FR" dirty="0" smtClean="0"/>
-              <a:t>Bilan échantillonnage de la résolution</a:t>
-            </a:r>
-          </a:p>
-          <a:p>
-            <a:pPr lvl="2"/>
-            <a:r>
-              <a:rPr lang="fr-FR" dirty="0" smtClean="0"/>
-              <a:t>Bilan avec réversibilité Moteur</a:t>
-            </a:r>
-          </a:p>
-          <a:p>
-            <a:pPr lvl="2"/>
-            <a:r>
-              <a:rPr lang="fr-FR" dirty="0" smtClean="0"/>
-              <a:t>Exemple avec liaisons cinématiques et limites du SIMM (pas de lien avec SW)</a:t>
-            </a:r>
-          </a:p>
-          <a:p>
-            <a:r>
-              <a:rPr lang="fr-FR" dirty="0" smtClean="0"/>
-              <a:t>Applications pédagogiques </a:t>
-            </a:r>
-            <a:r>
-              <a:rPr lang="fr-FR" dirty="0" err="1" smtClean="0"/>
-              <a:t>Coselica</a:t>
-            </a:r>
-            <a:endParaRPr lang="fr-FR" dirty="0" smtClean="0"/>
-          </a:p>
-          <a:p>
-            <a:pPr lvl="1"/>
-            <a:r>
-              <a:rPr lang="fr-FR" dirty="0" smtClean="0"/>
-              <a:t>Pilote automatique de voilier</a:t>
-            </a:r>
-          </a:p>
-          <a:p>
-            <a:pPr lvl="1"/>
-            <a:r>
-              <a:rPr lang="fr-FR" dirty="0" err="1" smtClean="0"/>
-              <a:t>Arduino</a:t>
-            </a:r>
-            <a:r>
-              <a:rPr lang="fr-FR" dirty="0"/>
-              <a:t> </a:t>
-            </a:r>
-            <a:r>
-              <a:rPr lang="fr-FR" dirty="0" smtClean="0"/>
-              <a:t>?</a:t>
-            </a:r>
-          </a:p>
-          <a:p>
-            <a:endParaRPr lang="fr-FR" dirty="0" smtClean="0"/>
-          </a:p>
-          <a:p>
-            <a:pPr lvl="1"/>
+              <a:t>Positionnement dans l’enseignement des SII</a:t>
+            </a:r>
             <a:endParaRPr lang="fr-FR" dirty="0"/>
           </a:p>
         </p:txBody>
@@ -16877,197 +14165,6 @@
             <a:fld id="{136A7F36-7A21-4EA8-9DC2-F00219448035}" type="slidenum">
               <a:rPr lang="fr-FR" smtClean="0"/>
               <a:t>4</a:t>
-            </a:fld>
-            <a:endParaRPr lang="fr-FR"/>
-          </a:p>
-        </p:txBody>
-      </p:sp>
-    </p:spTree>
-    <p:extLst>
-      <p:ext uri="{BB962C8B-B14F-4D97-AF65-F5344CB8AC3E}">
-        <p14:creationId xmlns:p14="http://schemas.microsoft.com/office/powerpoint/2010/main" val="297069116"/>
-      </p:ext>
-    </p:extLst>
-  </p:cSld>
-  <p:clrMapOvr>
-    <a:masterClrMapping/>
-  </p:clrMapOvr>
-  <p:timing>
-    <p:tnLst>
-      <p:par>
-        <p:cTn id="1" dur="indefinite" restart="never" nodeType="tmRoot"/>
-      </p:par>
-    </p:tnLst>
-  </p:timing>
-</p:sld>
-</file>
-
-<file path=ppt/slides/slide5.xml><?xml version="1.0" encoding="utf-8"?>
-<p:sld xmlns:a="http://schemas.openxmlformats.org/drawingml/2006/main" xmlns:r="http://schemas.openxmlformats.org/officeDocument/2006/relationships" xmlns:p="http://schemas.openxmlformats.org/presentationml/2006/main">
-  <p:cSld>
-    <p:spTree>
-      <p:nvGrpSpPr>
-        <p:cNvPr id="1" name=""/>
-        <p:cNvGrpSpPr/>
-        <p:nvPr/>
-      </p:nvGrpSpPr>
-      <p:grpSpPr>
-        <a:xfrm>
-          <a:off x="0" y="0"/>
-          <a:ext cx="0" cy="0"/>
-          <a:chOff x="0" y="0"/>
-          <a:chExt cx="0" cy="0"/>
-        </a:xfrm>
-      </p:grpSpPr>
-      <p:sp>
-        <p:nvSpPr>
-          <p:cNvPr id="4" name="Titre 3"/>
-          <p:cNvSpPr>
-            <a:spLocks noGrp="1"/>
-          </p:cNvSpPr>
-          <p:nvPr>
-            <p:ph type="title"/>
-          </p:nvPr>
-        </p:nvSpPr>
-        <p:spPr/>
-        <p:txBody>
-          <a:bodyPr/>
-          <a:lstStyle/>
-          <a:p>
-            <a:r>
-              <a:rPr lang="fr-FR" dirty="0" smtClean="0"/>
-              <a:t>Modélisation </a:t>
-            </a:r>
-            <a:r>
-              <a:rPr lang="fr-FR" dirty="0" err="1" smtClean="0"/>
-              <a:t>mutiphysique</a:t>
-            </a:r>
-            <a:endParaRPr lang="fr-FR" dirty="0"/>
-          </a:p>
-        </p:txBody>
-      </p:sp>
-      <p:sp>
-        <p:nvSpPr>
-          <p:cNvPr id="5" name="Espace réservé du texte 4"/>
-          <p:cNvSpPr>
-            <a:spLocks noGrp="1"/>
-          </p:cNvSpPr>
-          <p:nvPr>
-            <p:ph type="body" idx="1"/>
-          </p:nvPr>
-        </p:nvSpPr>
-        <p:spPr/>
-        <p:txBody>
-          <a:bodyPr/>
-          <a:lstStyle/>
-          <a:p>
-            <a:endParaRPr lang="fr-FR"/>
-          </a:p>
-        </p:txBody>
-      </p:sp>
-      <p:sp>
-        <p:nvSpPr>
-          <p:cNvPr id="6" name="Espace réservé du numéro de diapositive 5"/>
-          <p:cNvSpPr>
-            <a:spLocks noGrp="1"/>
-          </p:cNvSpPr>
-          <p:nvPr>
-            <p:ph type="sldNum" sz="quarter" idx="12"/>
-          </p:nvPr>
-        </p:nvSpPr>
-        <p:spPr/>
-        <p:txBody>
-          <a:bodyPr/>
-          <a:lstStyle/>
-          <a:p>
-            <a:fld id="{136A7F36-7A21-4EA8-9DC2-F00219448035}" type="slidenum">
-              <a:rPr lang="fr-FR" smtClean="0"/>
-              <a:t>5</a:t>
-            </a:fld>
-            <a:endParaRPr lang="fr-FR"/>
-          </a:p>
-        </p:txBody>
-      </p:sp>
-    </p:spTree>
-    <p:extLst>
-      <p:ext uri="{BB962C8B-B14F-4D97-AF65-F5344CB8AC3E}">
-        <p14:creationId xmlns:p14="http://schemas.microsoft.com/office/powerpoint/2010/main" val="1140419535"/>
-      </p:ext>
-    </p:extLst>
-  </p:cSld>
-  <p:clrMapOvr>
-    <a:masterClrMapping/>
-  </p:clrMapOvr>
-</p:sld>
-</file>
-
-<file path=ppt/slides/slide6.xml><?xml version="1.0" encoding="utf-8"?>
-<p:sld xmlns:a="http://schemas.openxmlformats.org/drawingml/2006/main" xmlns:r="http://schemas.openxmlformats.org/officeDocument/2006/relationships" xmlns:p="http://schemas.openxmlformats.org/presentationml/2006/main">
-  <p:cSld>
-    <p:spTree>
-      <p:nvGrpSpPr>
-        <p:cNvPr id="1" name=""/>
-        <p:cNvGrpSpPr/>
-        <p:nvPr/>
-      </p:nvGrpSpPr>
-      <p:grpSpPr>
-        <a:xfrm>
-          <a:off x="0" y="0"/>
-          <a:ext cx="0" cy="0"/>
-          <a:chOff x="0" y="0"/>
-          <a:chExt cx="0" cy="0"/>
-        </a:xfrm>
-      </p:grpSpPr>
-      <p:sp>
-        <p:nvSpPr>
-          <p:cNvPr id="2" name="Titre 1"/>
-          <p:cNvSpPr>
-            <a:spLocks noGrp="1"/>
-          </p:cNvSpPr>
-          <p:nvPr>
-            <p:ph type="title"/>
-          </p:nvPr>
-        </p:nvSpPr>
-        <p:spPr/>
-        <p:txBody>
-          <a:bodyPr>
-            <a:normAutofit fontScale="90000"/>
-          </a:bodyPr>
-          <a:lstStyle/>
-          <a:p>
-            <a:r>
-              <a:rPr lang="fr-FR" dirty="0" smtClean="0"/>
-              <a:t>Modélisation multiphysique</a:t>
-            </a:r>
-            <a:br>
-              <a:rPr lang="fr-FR" dirty="0" smtClean="0"/>
-            </a:br>
-            <a:r>
-              <a:rPr lang="fr-FR" dirty="0" smtClean="0"/>
-              <a:t>Positionnement dans l’enseignement des SII</a:t>
-            </a:r>
-            <a:endParaRPr lang="fr-FR" dirty="0"/>
-          </a:p>
-        </p:txBody>
-      </p:sp>
-      <p:sp>
-        <p:nvSpPr>
-          <p:cNvPr id="4" name="Espace réservé du numéro de diapositive 3"/>
-          <p:cNvSpPr>
-            <a:spLocks noGrp="1"/>
-          </p:cNvSpPr>
-          <p:nvPr>
-            <p:ph type="sldNum" sz="quarter" idx="15"/>
-          </p:nvPr>
-        </p:nvSpPr>
-        <p:spPr/>
-        <p:txBody>
-          <a:bodyPr/>
-          <a:lstStyle/>
-          <a:p>
-            <a:fld id="{136A7F36-7A21-4EA8-9DC2-F00219448035}" type="slidenum">
-              <a:rPr lang="fr-FR" smtClean="0"/>
-              <a:t>6</a:t>
             </a:fld>
             <a:endParaRPr lang="fr-FR"/>
           </a:p>
@@ -17150,7 +14247,7 @@
 </p:sld>
 </file>
 
-<file path=ppt/slides/slide7.xml><?xml version="1.0" encoding="utf-8"?>
+<file path=ppt/slides/slide5.xml><?xml version="1.0" encoding="utf-8"?>
 <p:sld xmlns:a="http://schemas.openxmlformats.org/drawingml/2006/main" xmlns:r="http://schemas.openxmlformats.org/officeDocument/2006/relationships" xmlns:p="http://schemas.openxmlformats.org/presentationml/2006/main">
   <p:cSld>
     <p:spTree>
@@ -17288,7 +14385,7 @@
           <a:p>
             <a:fld id="{136A7F36-7A21-4EA8-9DC2-F00219448035}" type="slidenum">
               <a:rPr lang="fr-FR" smtClean="0"/>
-              <a:t>7</a:t>
+              <a:t>5</a:t>
             </a:fld>
             <a:endParaRPr lang="fr-FR"/>
           </a:p>
@@ -17307,7 +14404,7 @@
 </p:sld>
 </file>
 
-<file path=ppt/slides/slide8.xml><?xml version="1.0" encoding="utf-8"?>
+<file path=ppt/slides/slide6.xml><?xml version="1.0" encoding="utf-8"?>
 <p:sld xmlns:a="http://schemas.openxmlformats.org/drawingml/2006/main" xmlns:r="http://schemas.openxmlformats.org/officeDocument/2006/relationships" xmlns:p="http://schemas.openxmlformats.org/presentationml/2006/main">
   <p:cSld>
     <p:spTree>
@@ -17441,7 +14538,7 @@
           <a:p>
             <a:fld id="{136A7F36-7A21-4EA8-9DC2-F00219448035}" type="slidenum">
               <a:rPr lang="fr-FR" smtClean="0"/>
-              <a:t>8</a:t>
+              <a:t>6</a:t>
             </a:fld>
             <a:endParaRPr lang="fr-FR"/>
           </a:p>
@@ -17460,7 +14557,7 @@
 </p:sld>
 </file>
 
-<file path=ppt/slides/slide9.xml><?xml version="1.0" encoding="utf-8"?>
+<file path=ppt/slides/slide7.xml><?xml version="1.0" encoding="utf-8"?>
 <p:sld xmlns:a="http://schemas.openxmlformats.org/drawingml/2006/main" xmlns:r="http://schemas.openxmlformats.org/officeDocument/2006/relationships" xmlns:p="http://schemas.openxmlformats.org/presentationml/2006/main">
   <p:cSld>
     <p:spTree>
@@ -18388,7 +15485,7 @@
           <a:p>
             <a:fld id="{136A7F36-7A21-4EA8-9DC2-F00219448035}" type="slidenum">
               <a:rPr lang="fr-FR" smtClean="0"/>
-              <a:t>9</a:t>
+              <a:t>7</a:t>
             </a:fld>
             <a:endParaRPr lang="fr-FR"/>
           </a:p>
@@ -18650,6 +15747,905 @@
     <p:extLst>
       <p:ext uri="{BB962C8B-B14F-4D97-AF65-F5344CB8AC3E}">
         <p14:creationId xmlns:p14="http://schemas.microsoft.com/office/powerpoint/2010/main" val="1891766453"/>
+      </p:ext>
+    </p:extLst>
+  </p:cSld>
+  <p:clrMapOvr>
+    <a:masterClrMapping/>
+  </p:clrMapOvr>
+</p:sld>
+</file>
+
+<file path=ppt/slides/slide8.xml><?xml version="1.0" encoding="utf-8"?>
+<p:sld xmlns:a="http://schemas.openxmlformats.org/drawingml/2006/main" xmlns:r="http://schemas.openxmlformats.org/officeDocument/2006/relationships" xmlns:p="http://schemas.openxmlformats.org/presentationml/2006/main">
+  <p:cSld>
+    <p:spTree>
+      <p:nvGrpSpPr>
+        <p:cNvPr id="1" name=""/>
+        <p:cNvGrpSpPr/>
+        <p:nvPr/>
+      </p:nvGrpSpPr>
+      <p:grpSpPr>
+        <a:xfrm>
+          <a:off x="0" y="0"/>
+          <a:ext cx="0" cy="0"/>
+          <a:chOff x="0" y="0"/>
+          <a:chExt cx="0" cy="0"/>
+        </a:xfrm>
+      </p:grpSpPr>
+      <p:sp>
+        <p:nvSpPr>
+          <p:cNvPr id="2" name="Titre 1"/>
+          <p:cNvSpPr>
+            <a:spLocks noGrp="1"/>
+          </p:cNvSpPr>
+          <p:nvPr>
+            <p:ph type="title"/>
+          </p:nvPr>
+        </p:nvSpPr>
+        <p:spPr/>
+        <p:txBody>
+          <a:bodyPr>
+            <a:normAutofit fontScale="90000"/>
+          </a:bodyPr>
+          <a:lstStyle/>
+          <a:p>
+            <a:r>
+              <a:rPr lang="fr-FR" dirty="0" smtClean="0"/>
+              <a:t>Modélisation multiphysique</a:t>
+            </a:r>
+            <a:br>
+              <a:rPr lang="fr-FR" dirty="0" smtClean="0"/>
+            </a:br>
+            <a:r>
+              <a:rPr lang="fr-FR" dirty="0" smtClean="0"/>
+              <a:t>Modélisation causale – Mise en situation</a:t>
+            </a:r>
+            <a:endParaRPr lang="fr-FR" dirty="0"/>
+          </a:p>
+        </p:txBody>
+      </p:sp>
+      <mc:AlternateContent xmlns:mc="http://schemas.openxmlformats.org/markup-compatibility/2006" xmlns:a14="http://schemas.microsoft.com/office/drawing/2010/main">
+        <mc:Choice Requires="a14">
+          <p:sp>
+            <p:nvSpPr>
+              <p:cNvPr id="3" name="Espace réservé du contenu 2"/>
+              <p:cNvSpPr>
+                <a:spLocks noGrp="1"/>
+              </p:cNvSpPr>
+              <p:nvPr>
+                <p:ph sz="quarter" idx="1"/>
+              </p:nvPr>
+            </p:nvSpPr>
+            <p:spPr/>
+            <p:txBody>
+              <a:bodyPr>
+                <a:normAutofit fontScale="92500" lnSpcReduction="10000"/>
+              </a:bodyPr>
+              <a:lstStyle/>
+              <a:p>
+                <a:r>
+                  <a:rPr lang="fr-FR" dirty="0" smtClean="0"/>
+                  <a:t>La modélisation causale permet de modéliser des phénomènes linéaires</a:t>
+                </a:r>
+              </a:p>
+              <a:p>
+                <a:pPr lvl="1"/>
+                <a:r>
+                  <a:rPr lang="fr-FR" dirty="0" smtClean="0"/>
+                  <a:t>Loi de comportement régit par une application linéaire </a:t>
+                </a:r>
+                <a:endParaRPr lang="fr-FR" b="0" i="1" dirty="0" smtClean="0">
+                  <a:latin typeface="Cambria Math"/>
+                </a:endParaRPr>
+              </a:p>
+              <a:p>
+                <a:pPr lvl="2"/>
+                <a14:m>
+                  <m:oMath xmlns:m="http://schemas.openxmlformats.org/officeDocument/2006/math">
+                    <m:r>
+                      <a:rPr lang="fr-FR" b="0" i="1" smtClean="0">
+                        <a:latin typeface="Cambria Math"/>
+                      </a:rPr>
+                      <m:t>𝑠</m:t>
+                    </m:r>
+                    <m:d>
+                      <m:dPr>
+                        <m:ctrlPr>
+                          <a:rPr lang="fr-FR" b="0" i="1" smtClean="0">
+                            <a:latin typeface="Cambria Math"/>
+                          </a:rPr>
+                        </m:ctrlPr>
+                      </m:dPr>
+                      <m:e>
+                        <m:r>
+                          <a:rPr lang="fr-FR" b="0" i="1" smtClean="0">
+                            <a:latin typeface="Cambria Math"/>
+                          </a:rPr>
+                          <m:t>𝑡</m:t>
+                        </m:r>
+                      </m:e>
+                    </m:d>
+                    <m:r>
+                      <a:rPr lang="fr-FR" b="0" i="1" smtClean="0">
+                        <a:latin typeface="Cambria Math"/>
+                      </a:rPr>
+                      <m:t>=</m:t>
+                    </m:r>
+                    <m:r>
+                      <a:rPr lang="fr-FR" b="0" i="1" smtClean="0">
+                        <a:latin typeface="Cambria Math"/>
+                      </a:rPr>
+                      <m:t>𝑘</m:t>
+                    </m:r>
+                    <m:r>
+                      <a:rPr lang="fr-FR" b="0" i="1" smtClean="0">
+                        <a:latin typeface="Cambria Math"/>
+                      </a:rPr>
+                      <m:t>⋅</m:t>
+                    </m:r>
+                    <m:r>
+                      <a:rPr lang="fr-FR" b="0" i="1" smtClean="0">
+                        <a:latin typeface="Cambria Math"/>
+                      </a:rPr>
+                      <m:t>𝑒</m:t>
+                    </m:r>
+                    <m:d>
+                      <m:dPr>
+                        <m:ctrlPr>
+                          <a:rPr lang="fr-FR" b="0" i="1" smtClean="0">
+                            <a:latin typeface="Cambria Math"/>
+                          </a:rPr>
+                        </m:ctrlPr>
+                      </m:dPr>
+                      <m:e>
+                        <m:r>
+                          <a:rPr lang="fr-FR" b="0" i="1" smtClean="0">
+                            <a:latin typeface="Cambria Math"/>
+                          </a:rPr>
+                          <m:t>𝑡</m:t>
+                        </m:r>
+                      </m:e>
+                    </m:d>
+                  </m:oMath>
+                </a14:m>
+                <a:endParaRPr lang="fr-FR" dirty="0" smtClean="0"/>
+              </a:p>
+              <a:p>
+                <a:pPr lvl="2"/>
+                <a:r>
+                  <a:rPr lang="fr-FR" dirty="0" smtClean="0"/>
+                  <a:t>Exemples </a:t>
+                </a:r>
+              </a:p>
+              <a:p>
+                <a:pPr lvl="3"/>
+                <a:r>
+                  <a:rPr lang="fr-FR" dirty="0" smtClean="0"/>
+                  <a:t>Évolution de l’effort dans un ressort</a:t>
+                </a:r>
+              </a:p>
+              <a:p>
+                <a:pPr lvl="3"/>
+                <a:r>
+                  <a:rPr lang="fr-FR" dirty="0" smtClean="0"/>
+                  <a:t>Évolution de la tension aux bornes d’une résistance</a:t>
+                </a:r>
+              </a:p>
+              <a:p>
+                <a:pPr lvl="1"/>
+                <a:r>
+                  <a:rPr lang="fr-FR" dirty="0" smtClean="0"/>
+                  <a:t>Loi de comportement régit par une équation différentielle à coefficients constants (</a:t>
+                </a:r>
+                <a14:m>
+                  <m:oMath xmlns:m="http://schemas.openxmlformats.org/officeDocument/2006/math">
+                    <m:r>
+                      <a:rPr lang="fr-FR" b="0" i="1" smtClean="0">
+                        <a:latin typeface="Cambria Math"/>
+                      </a:rPr>
+                      <m:t>𝑛</m:t>
+                    </m:r>
+                    <m:r>
+                      <a:rPr lang="fr-FR" b="0" i="1" smtClean="0">
+                        <a:latin typeface="Cambria Math"/>
+                      </a:rPr>
+                      <m:t>≥</m:t>
+                    </m:r>
+                    <m:r>
+                      <a:rPr lang="fr-FR" b="0" i="1" smtClean="0">
+                        <a:latin typeface="Cambria Math"/>
+                      </a:rPr>
+                      <m:t>𝑚</m:t>
+                    </m:r>
+                  </m:oMath>
+                </a14:m>
+                <a:r>
+                  <a:rPr lang="fr-FR" dirty="0" smtClean="0"/>
+                  <a:t>)</a:t>
+                </a:r>
+              </a:p>
+              <a:p>
+                <a:pPr lvl="2"/>
+                <a14:m>
+                  <m:oMath xmlns:m="http://schemas.openxmlformats.org/officeDocument/2006/math">
+                    <m:nary>
+                      <m:naryPr>
+                        <m:chr m:val="∑"/>
+                        <m:ctrlPr>
+                          <a:rPr lang="fr-FR" i="1" smtClean="0">
+                            <a:latin typeface="Cambria Math"/>
+                          </a:rPr>
+                        </m:ctrlPr>
+                      </m:naryPr>
+                      <m:sub>
+                        <m:r>
+                          <m:rPr>
+                            <m:brk m:alnAt="23"/>
+                          </m:rPr>
+                          <a:rPr lang="fr-FR" b="0" i="1" smtClean="0">
+                            <a:latin typeface="Cambria Math"/>
+                          </a:rPr>
+                          <m:t>𝑖</m:t>
+                        </m:r>
+                        <m:r>
+                          <a:rPr lang="fr-FR" b="0" i="1" smtClean="0">
+                            <a:latin typeface="Cambria Math"/>
+                          </a:rPr>
+                          <m:t>=0</m:t>
+                        </m:r>
+                      </m:sub>
+                      <m:sup>
+                        <m:r>
+                          <a:rPr lang="fr-FR" b="0" i="1" smtClean="0">
+                            <a:latin typeface="Cambria Math"/>
+                          </a:rPr>
+                          <m:t>𝑛</m:t>
+                        </m:r>
+                      </m:sup>
+                      <m:e>
+                        <m:sSub>
+                          <m:sSubPr>
+                            <m:ctrlPr>
+                              <a:rPr lang="fr-FR" i="1">
+                                <a:latin typeface="Cambria Math"/>
+                              </a:rPr>
+                            </m:ctrlPr>
+                          </m:sSubPr>
+                          <m:e>
+                            <m:r>
+                              <a:rPr lang="fr-FR" i="1">
+                                <a:latin typeface="Cambria Math"/>
+                              </a:rPr>
+                              <m:t>𝑎</m:t>
+                            </m:r>
+                          </m:e>
+                          <m:sub>
+                            <m:r>
+                              <a:rPr lang="fr-FR" b="0" i="1" smtClean="0">
+                                <a:latin typeface="Cambria Math"/>
+                              </a:rPr>
+                              <m:t>𝑖</m:t>
+                            </m:r>
+                          </m:sub>
+                        </m:sSub>
+                        <m:f>
+                          <m:fPr>
+                            <m:ctrlPr>
+                              <a:rPr lang="fr-FR" b="0" i="1" smtClean="0">
+                                <a:latin typeface="Cambria Math"/>
+                              </a:rPr>
+                            </m:ctrlPr>
+                          </m:fPr>
+                          <m:num>
+                            <m:sSup>
+                              <m:sSupPr>
+                                <m:ctrlPr>
+                                  <a:rPr lang="fr-FR" b="0" i="1" smtClean="0">
+                                    <a:latin typeface="Cambria Math"/>
+                                  </a:rPr>
+                                </m:ctrlPr>
+                              </m:sSupPr>
+                              <m:e>
+                                <m:r>
+                                  <a:rPr lang="fr-FR" b="0" i="1" smtClean="0">
+                                    <a:latin typeface="Cambria Math"/>
+                                  </a:rPr>
+                                  <m:t>𝑑</m:t>
+                                </m:r>
+                              </m:e>
+                              <m:sup>
+                                <m:r>
+                                  <a:rPr lang="fr-FR" b="0" i="1" smtClean="0">
+                                    <a:latin typeface="Cambria Math"/>
+                                  </a:rPr>
+                                  <m:t>(</m:t>
+                                </m:r>
+                                <m:r>
+                                  <a:rPr lang="fr-FR" b="0" i="1" smtClean="0">
+                                    <a:latin typeface="Cambria Math"/>
+                                  </a:rPr>
+                                  <m:t>𝑖</m:t>
+                                </m:r>
+                                <m:r>
+                                  <a:rPr lang="fr-FR" b="0" i="1" smtClean="0">
+                                    <a:latin typeface="Cambria Math"/>
+                                  </a:rPr>
+                                  <m:t>)</m:t>
+                                </m:r>
+                              </m:sup>
+                            </m:sSup>
+                            <m:r>
+                              <a:rPr lang="fr-FR" b="0" i="1" smtClean="0">
+                                <a:latin typeface="Cambria Math"/>
+                              </a:rPr>
+                              <m:t>𝑠</m:t>
+                            </m:r>
+                            <m:d>
+                              <m:dPr>
+                                <m:ctrlPr>
+                                  <a:rPr lang="fr-FR" b="0" i="1" smtClean="0">
+                                    <a:latin typeface="Cambria Math"/>
+                                  </a:rPr>
+                                </m:ctrlPr>
+                              </m:dPr>
+                              <m:e>
+                                <m:r>
+                                  <a:rPr lang="fr-FR" b="0" i="1" smtClean="0">
+                                    <a:latin typeface="Cambria Math"/>
+                                  </a:rPr>
+                                  <m:t>𝑡</m:t>
+                                </m:r>
+                              </m:e>
+                            </m:d>
+                          </m:num>
+                          <m:den>
+                            <m:r>
+                              <a:rPr lang="fr-FR" b="0" i="1" smtClean="0">
+                                <a:latin typeface="Cambria Math"/>
+                              </a:rPr>
+                              <m:t>𝑑</m:t>
+                            </m:r>
+                            <m:sSup>
+                              <m:sSupPr>
+                                <m:ctrlPr>
+                                  <a:rPr lang="fr-FR" b="0" i="1" smtClean="0">
+                                    <a:latin typeface="Cambria Math"/>
+                                  </a:rPr>
+                                </m:ctrlPr>
+                              </m:sSupPr>
+                              <m:e>
+                                <m:r>
+                                  <a:rPr lang="fr-FR" b="0" i="1" smtClean="0">
+                                    <a:latin typeface="Cambria Math"/>
+                                  </a:rPr>
+                                  <m:t>𝑡</m:t>
+                                </m:r>
+                              </m:e>
+                              <m:sup>
+                                <m:r>
+                                  <a:rPr lang="fr-FR" b="0" i="1" smtClean="0">
+                                    <a:latin typeface="Cambria Math"/>
+                                  </a:rPr>
+                                  <m:t>(</m:t>
+                                </m:r>
+                                <m:r>
+                                  <a:rPr lang="fr-FR" b="0" i="1" smtClean="0">
+                                    <a:latin typeface="Cambria Math"/>
+                                  </a:rPr>
+                                  <m:t>𝑖</m:t>
+                                </m:r>
+                                <m:r>
+                                  <a:rPr lang="fr-FR" b="0" i="1" smtClean="0">
+                                    <a:latin typeface="Cambria Math"/>
+                                  </a:rPr>
+                                  <m:t>)</m:t>
+                                </m:r>
+                              </m:sup>
+                            </m:sSup>
+                          </m:den>
+                        </m:f>
+                      </m:e>
+                    </m:nary>
+                    <m:r>
+                      <a:rPr lang="fr-FR" b="0" i="1" smtClean="0">
+                        <a:latin typeface="Cambria Math"/>
+                      </a:rPr>
+                      <m:t>=</m:t>
+                    </m:r>
+                    <m:nary>
+                      <m:naryPr>
+                        <m:chr m:val="∑"/>
+                        <m:ctrlPr>
+                          <a:rPr lang="fr-FR" i="1">
+                            <a:latin typeface="Cambria Math"/>
+                          </a:rPr>
+                        </m:ctrlPr>
+                      </m:naryPr>
+                      <m:sub>
+                        <m:r>
+                          <a:rPr lang="fr-FR" b="0" i="1" smtClean="0">
+                            <a:latin typeface="Cambria Math"/>
+                          </a:rPr>
+                          <m:t>𝑗</m:t>
+                        </m:r>
+                        <m:r>
+                          <a:rPr lang="fr-FR" i="1">
+                            <a:latin typeface="Cambria Math"/>
+                          </a:rPr>
+                          <m:t>=0</m:t>
+                        </m:r>
+                      </m:sub>
+                      <m:sup>
+                        <m:r>
+                          <a:rPr lang="fr-FR" b="0" i="1" smtClean="0">
+                            <a:latin typeface="Cambria Math"/>
+                          </a:rPr>
+                          <m:t>𝑚</m:t>
+                        </m:r>
+                      </m:sup>
+                      <m:e>
+                        <m:sSub>
+                          <m:sSubPr>
+                            <m:ctrlPr>
+                              <a:rPr lang="fr-FR" i="1">
+                                <a:latin typeface="Cambria Math"/>
+                              </a:rPr>
+                            </m:ctrlPr>
+                          </m:sSubPr>
+                          <m:e>
+                            <m:r>
+                              <a:rPr lang="fr-FR" b="0" i="1" smtClean="0">
+                                <a:latin typeface="Cambria Math"/>
+                              </a:rPr>
+                              <m:t>𝑏</m:t>
+                            </m:r>
+                          </m:e>
+                          <m:sub>
+                            <m:r>
+                              <a:rPr lang="fr-FR" b="0" i="1" smtClean="0">
+                                <a:latin typeface="Cambria Math"/>
+                              </a:rPr>
+                              <m:t>𝑗</m:t>
+                            </m:r>
+                          </m:sub>
+                        </m:sSub>
+                        <m:f>
+                          <m:fPr>
+                            <m:ctrlPr>
+                              <a:rPr lang="fr-FR" i="1">
+                                <a:latin typeface="Cambria Math"/>
+                              </a:rPr>
+                            </m:ctrlPr>
+                          </m:fPr>
+                          <m:num>
+                            <m:sSup>
+                              <m:sSupPr>
+                                <m:ctrlPr>
+                                  <a:rPr lang="fr-FR" i="1">
+                                    <a:latin typeface="Cambria Math"/>
+                                  </a:rPr>
+                                </m:ctrlPr>
+                              </m:sSupPr>
+                              <m:e>
+                                <m:r>
+                                  <a:rPr lang="fr-FR" i="1">
+                                    <a:latin typeface="Cambria Math"/>
+                                  </a:rPr>
+                                  <m:t>𝑑</m:t>
+                                </m:r>
+                              </m:e>
+                              <m:sup>
+                                <m:r>
+                                  <a:rPr lang="fr-FR" i="1">
+                                    <a:latin typeface="Cambria Math"/>
+                                  </a:rPr>
+                                  <m:t>(</m:t>
+                                </m:r>
+                                <m:r>
+                                  <a:rPr lang="fr-FR" b="0" i="1" smtClean="0">
+                                    <a:latin typeface="Cambria Math"/>
+                                  </a:rPr>
+                                  <m:t>𝑗</m:t>
+                                </m:r>
+                                <m:r>
+                                  <a:rPr lang="fr-FR" i="1">
+                                    <a:latin typeface="Cambria Math"/>
+                                  </a:rPr>
+                                  <m:t>)</m:t>
+                                </m:r>
+                              </m:sup>
+                            </m:sSup>
+                            <m:r>
+                              <a:rPr lang="fr-FR" b="0" i="1" smtClean="0">
+                                <a:latin typeface="Cambria Math"/>
+                              </a:rPr>
+                              <m:t>𝑒</m:t>
+                            </m:r>
+                            <m:d>
+                              <m:dPr>
+                                <m:ctrlPr>
+                                  <a:rPr lang="fr-FR" i="1">
+                                    <a:latin typeface="Cambria Math"/>
+                                  </a:rPr>
+                                </m:ctrlPr>
+                              </m:dPr>
+                              <m:e>
+                                <m:r>
+                                  <a:rPr lang="fr-FR" i="1">
+                                    <a:latin typeface="Cambria Math"/>
+                                  </a:rPr>
+                                  <m:t>𝑡</m:t>
+                                </m:r>
+                              </m:e>
+                            </m:d>
+                          </m:num>
+                          <m:den>
+                            <m:r>
+                              <a:rPr lang="fr-FR" i="1">
+                                <a:latin typeface="Cambria Math"/>
+                              </a:rPr>
+                              <m:t>𝑑</m:t>
+                            </m:r>
+                            <m:sSup>
+                              <m:sSupPr>
+                                <m:ctrlPr>
+                                  <a:rPr lang="fr-FR" i="1">
+                                    <a:latin typeface="Cambria Math"/>
+                                  </a:rPr>
+                                </m:ctrlPr>
+                              </m:sSupPr>
+                              <m:e>
+                                <m:r>
+                                  <a:rPr lang="fr-FR" i="1">
+                                    <a:latin typeface="Cambria Math"/>
+                                  </a:rPr>
+                                  <m:t>𝑡</m:t>
+                                </m:r>
+                              </m:e>
+                              <m:sup>
+                                <m:r>
+                                  <a:rPr lang="fr-FR" i="1">
+                                    <a:latin typeface="Cambria Math"/>
+                                  </a:rPr>
+                                  <m:t>(</m:t>
+                                </m:r>
+                                <m:r>
+                                  <a:rPr lang="fr-FR" b="0" i="1" smtClean="0">
+                                    <a:latin typeface="Cambria Math"/>
+                                  </a:rPr>
+                                  <m:t>𝑗</m:t>
+                                </m:r>
+                                <m:r>
+                                  <a:rPr lang="fr-FR" i="1">
+                                    <a:latin typeface="Cambria Math"/>
+                                  </a:rPr>
+                                  <m:t>)</m:t>
+                                </m:r>
+                              </m:sup>
+                            </m:sSup>
+                          </m:den>
+                        </m:f>
+                      </m:e>
+                    </m:nary>
+                  </m:oMath>
+                </a14:m>
+                <a:endParaRPr lang="fr-FR" dirty="0" smtClean="0"/>
+              </a:p>
+              <a:p>
+                <a:pPr lvl="2"/>
+                <a:endParaRPr lang="fr-FR" dirty="0" smtClean="0"/>
+              </a:p>
+              <a:p>
+                <a:pPr lvl="2"/>
+                <a:r>
+                  <a:rPr lang="fr-FR" dirty="0" smtClean="0"/>
+                  <a:t>Exemples </a:t>
+                </a:r>
+              </a:p>
+              <a:p>
+                <a:pPr lvl="3"/>
+                <a:r>
+                  <a:rPr lang="fr-FR" dirty="0" smtClean="0"/>
+                  <a:t>Évolution de la tension aux bornes d’un condensateur</a:t>
+                </a:r>
+              </a:p>
+              <a:p>
+                <a:pPr lvl="3"/>
+                <a:r>
+                  <a:rPr lang="fr-FR" dirty="0" smtClean="0"/>
+                  <a:t>Évolution de l’effort dans un système en mouvement </a:t>
+                </a:r>
+              </a:p>
+              <a:p>
+                <a:r>
+                  <a:rPr lang="fr-FR" dirty="0" smtClean="0"/>
+                  <a:t>Exemples de phénomènes non linéaires</a:t>
+                </a:r>
+              </a:p>
+              <a:p>
+                <a:pPr lvl="1"/>
+                <a:r>
+                  <a:rPr lang="fr-FR" dirty="0" smtClean="0"/>
+                  <a:t>Fonctionnement d’une diode</a:t>
+                </a:r>
+              </a:p>
+              <a:p>
+                <a:pPr lvl="1"/>
+                <a:r>
+                  <a:rPr lang="fr-FR" dirty="0" smtClean="0"/>
+                  <a:t>Loi entrée / sortie de type « Croix de Malte »</a:t>
+                </a:r>
+              </a:p>
+              <a:p>
+                <a:pPr lvl="2"/>
+                <a:r>
+                  <a:rPr lang="fr-FR" dirty="0" smtClean="0"/>
+                  <a:t>Qu’il faudra linéariser autour d’un point de fonctionnement</a:t>
+                </a:r>
+              </a:p>
+            </p:txBody>
+          </p:sp>
+        </mc:Choice>
+        <mc:Fallback xmlns="">
+          <p:sp>
+            <p:nvSpPr>
+              <p:cNvPr id="3" name="Espace réservé du contenu 2"/>
+              <p:cNvSpPr>
+                <a:spLocks noGrp="1" noRot="1" noChangeAspect="1" noMove="1" noResize="1" noEditPoints="1" noAdjustHandles="1" noChangeArrowheads="1" noChangeShapeType="1" noTextEdit="1"/>
+              </p:cNvSpPr>
+              <p:nvPr>
+                <p:ph sz="quarter" idx="1"/>
+              </p:nvPr>
+            </p:nvSpPr>
+            <p:spPr>
+              <a:blipFill rotWithShape="1">
+                <a:blip r:embed="rId2"/>
+                <a:stretch>
+                  <a:fillRect t="-1171" r="-385"/>
+                </a:stretch>
+              </a:blipFill>
+            </p:spPr>
+            <p:txBody>
+              <a:bodyPr/>
+              <a:lstStyle/>
+              <a:p>
+                <a:r>
+                  <a:rPr lang="fr-FR">
+                    <a:noFill/>
+                  </a:rPr>
+                  <a:t> </a:t>
+                </a:r>
+              </a:p>
+            </p:txBody>
+          </p:sp>
+        </mc:Fallback>
+      </mc:AlternateContent>
+      <p:sp>
+        <p:nvSpPr>
+          <p:cNvPr id="4" name="Espace réservé du numéro de diapositive 3"/>
+          <p:cNvSpPr>
+            <a:spLocks noGrp="1"/>
+          </p:cNvSpPr>
+          <p:nvPr>
+            <p:ph type="sldNum" sz="quarter" idx="15"/>
+          </p:nvPr>
+        </p:nvSpPr>
+        <p:spPr/>
+        <p:txBody>
+          <a:bodyPr/>
+          <a:lstStyle/>
+          <a:p>
+            <a:fld id="{136A7F36-7A21-4EA8-9DC2-F00219448035}" type="slidenum">
+              <a:rPr lang="fr-FR" smtClean="0"/>
+              <a:t>8</a:t>
+            </a:fld>
+            <a:endParaRPr lang="fr-FR"/>
+          </a:p>
+        </p:txBody>
+      </p:sp>
+    </p:spTree>
+    <p:extLst>
+      <p:ext uri="{BB962C8B-B14F-4D97-AF65-F5344CB8AC3E}">
+        <p14:creationId xmlns:p14="http://schemas.microsoft.com/office/powerpoint/2010/main" val="1793480319"/>
+      </p:ext>
+    </p:extLst>
+  </p:cSld>
+  <p:clrMapOvr>
+    <a:masterClrMapping/>
+  </p:clrMapOvr>
+</p:sld>
+</file>
+
+<file path=ppt/slides/slide9.xml><?xml version="1.0" encoding="utf-8"?>
+<p:sld xmlns:a="http://schemas.openxmlformats.org/drawingml/2006/main" xmlns:r="http://schemas.openxmlformats.org/officeDocument/2006/relationships" xmlns:p="http://schemas.openxmlformats.org/presentationml/2006/main">
+  <p:cSld>
+    <p:spTree>
+      <p:nvGrpSpPr>
+        <p:cNvPr id="1" name=""/>
+        <p:cNvGrpSpPr/>
+        <p:nvPr/>
+      </p:nvGrpSpPr>
+      <p:grpSpPr>
+        <a:xfrm>
+          <a:off x="0" y="0"/>
+          <a:ext cx="0" cy="0"/>
+          <a:chOff x="0" y="0"/>
+          <a:chExt cx="0" cy="0"/>
+        </a:xfrm>
+      </p:grpSpPr>
+      <p:sp>
+        <p:nvSpPr>
+          <p:cNvPr id="2" name="Titre 1"/>
+          <p:cNvSpPr>
+            <a:spLocks noGrp="1"/>
+          </p:cNvSpPr>
+          <p:nvPr>
+            <p:ph type="title"/>
+          </p:nvPr>
+        </p:nvSpPr>
+        <p:spPr/>
+        <p:txBody>
+          <a:bodyPr>
+            <a:normAutofit fontScale="90000"/>
+          </a:bodyPr>
+          <a:lstStyle/>
+          <a:p>
+            <a:r>
+              <a:rPr lang="fr-FR" dirty="0" smtClean="0"/>
+              <a:t>Modélisation multiphysique</a:t>
+            </a:r>
+            <a:br>
+              <a:rPr lang="fr-FR" dirty="0" smtClean="0"/>
+            </a:br>
+            <a:r>
+              <a:rPr lang="fr-FR" dirty="0" smtClean="0"/>
+              <a:t>Modélisation causale – Résolution des problèmes</a:t>
+            </a:r>
+            <a:endParaRPr lang="fr-FR" dirty="0"/>
+          </a:p>
+        </p:txBody>
+      </p:sp>
+      <p:sp>
+        <p:nvSpPr>
+          <p:cNvPr id="3" name="Espace réservé du contenu 2"/>
+          <p:cNvSpPr>
+            <a:spLocks noGrp="1"/>
+          </p:cNvSpPr>
+          <p:nvPr>
+            <p:ph sz="quarter" idx="1"/>
+          </p:nvPr>
+        </p:nvSpPr>
+        <p:spPr/>
+        <p:txBody>
+          <a:bodyPr>
+            <a:normAutofit/>
+          </a:bodyPr>
+          <a:lstStyle/>
+          <a:p>
+            <a:r>
+              <a:rPr lang="fr-FR" dirty="0" smtClean="0"/>
+              <a:t>En causal</a:t>
+            </a:r>
+          </a:p>
+          <a:p>
+            <a:pPr lvl="1"/>
+            <a:r>
+              <a:rPr lang="fr-FR" dirty="0" smtClean="0"/>
+              <a:t>La modélisation repose sur le calcul symbolique :</a:t>
+            </a:r>
+          </a:p>
+          <a:p>
+            <a:pPr lvl="2"/>
+            <a:r>
+              <a:rPr lang="fr-FR" dirty="0" smtClean="0"/>
+              <a:t>la transformée (de Laplace)</a:t>
+            </a:r>
+          </a:p>
+          <a:p>
+            <a:pPr lvl="2"/>
+            <a:r>
+              <a:rPr lang="fr-FR" dirty="0" smtClean="0"/>
+              <a:t>L’algèbre de schémas blocs</a:t>
+            </a:r>
+          </a:p>
+          <a:p>
+            <a:pPr lvl="1"/>
+            <a:r>
+              <a:rPr lang="fr-FR" dirty="0" smtClean="0"/>
+              <a:t>La résolution se base sur une transformation des équations dans un domaine symbolique puis une transformation inverse permet de revenir dans le domaine temporel</a:t>
+            </a:r>
+          </a:p>
+          <a:p>
+            <a:pPr lvl="1"/>
+            <a:r>
+              <a:rPr lang="fr-FR" dirty="0" smtClean="0"/>
+              <a:t>Des conditions nulles sont imposées</a:t>
+            </a:r>
+          </a:p>
+        </p:txBody>
+      </p:sp>
+      <p:sp>
+        <p:nvSpPr>
+          <p:cNvPr id="4" name="Espace réservé du numéro de diapositive 3"/>
+          <p:cNvSpPr>
+            <a:spLocks noGrp="1"/>
+          </p:cNvSpPr>
+          <p:nvPr>
+            <p:ph type="sldNum" sz="quarter" idx="15"/>
+          </p:nvPr>
+        </p:nvSpPr>
+        <p:spPr/>
+        <p:txBody>
+          <a:bodyPr/>
+          <a:lstStyle/>
+          <a:p>
+            <a:fld id="{136A7F36-7A21-4EA8-9DC2-F00219448035}" type="slidenum">
+              <a:rPr lang="fr-FR" smtClean="0"/>
+              <a:t>9</a:t>
+            </a:fld>
+            <a:endParaRPr lang="fr-FR"/>
+          </a:p>
+        </p:txBody>
+      </p:sp>
+      <p:pic>
+        <p:nvPicPr>
+          <p:cNvPr id="9" name="Picture 3"/>
+          <p:cNvPicPr>
+            <a:picLocks noChangeAspect="1" noChangeArrowheads="1"/>
+          </p:cNvPicPr>
+          <p:nvPr/>
+        </p:nvPicPr>
+        <p:blipFill>
+          <a:blip r:embed="rId2">
+            <a:extLst>
+              <a:ext uri="{28A0092B-C50C-407E-A947-70E740481C1C}">
+                <a14:useLocalDpi xmlns:a14="http://schemas.microsoft.com/office/drawing/2010/main" val="0"/>
+              </a:ext>
+            </a:extLst>
+          </a:blip>
+          <a:srcRect/>
+          <a:stretch>
+            <a:fillRect/>
+          </a:stretch>
+        </p:blipFill>
+        <p:spPr bwMode="auto">
+          <a:xfrm>
+            <a:off x="1403648" y="4546503"/>
+            <a:ext cx="6276654" cy="2317533"/>
+          </a:xfrm>
+          <a:prstGeom prst="rect">
+            <a:avLst/>
+          </a:prstGeom>
+          <a:ln>
+            <a:noFill/>
+          </a:ln>
+          <a:effectLst/>
+          <a:extLst>
+            <a:ext uri="{909E8E84-426E-40DD-AFC4-6F175D3DCCD1}">
+              <a14:hiddenFill xmlns:a14="http://schemas.microsoft.com/office/drawing/2010/main">
+                <a:solidFill>
+                  <a:schemeClr val="accent1"/>
+                </a:solidFill>
+              </a14:hiddenFill>
+            </a:ext>
+            <a:ext uri="{91240B29-F687-4F45-9708-019B960494DF}">
+              <a14:hiddenLine xmlns:a14="http://schemas.microsoft.com/office/drawing/2010/main" w="9525">
+                <a:solidFill>
+                  <a:schemeClr val="tx1"/>
+                </a:solidFill>
+                <a:miter lim="800000"/>
+                <a:headEnd/>
+                <a:tailEnd/>
+              </a14:hiddenLine>
+            </a:ext>
+          </a:extLst>
+        </p:spPr>
+      </p:pic>
+    </p:spTree>
+    <p:extLst>
+      <p:ext uri="{BB962C8B-B14F-4D97-AF65-F5344CB8AC3E}">
+        <p14:creationId xmlns:p14="http://schemas.microsoft.com/office/powerpoint/2010/main" val="3088544584"/>
       </p:ext>
     </p:extLst>
   </p:cSld>

--- a/ModelisationMultiphysique/ModelisationMultiphysique.pptx
+++ b/ModelisationMultiphysique/ModelisationMultiphysique.pptx
@@ -5,17 +5,17 @@
     <p:sldMasterId id="2147483804" r:id="rId1"/>
   </p:sldMasterIdLst>
   <p:notesMasterIdLst>
-    <p:notesMasterId r:id="rId28"/>
+    <p:notesMasterId r:id="rId20"/>
   </p:notesMasterIdLst>
   <p:handoutMasterIdLst>
-    <p:handoutMasterId r:id="rId29"/>
+    <p:handoutMasterId r:id="rId21"/>
   </p:handoutMasterIdLst>
   <p:sldIdLst>
     <p:sldId id="256" r:id="rId2"/>
     <p:sldId id="303" r:id="rId3"/>
     <p:sldId id="263" r:id="rId4"/>
-    <p:sldId id="273" r:id="rId5"/>
-    <p:sldId id="272" r:id="rId6"/>
+    <p:sldId id="272" r:id="rId5"/>
+    <p:sldId id="273" r:id="rId6"/>
     <p:sldId id="283" r:id="rId7"/>
     <p:sldId id="286" r:id="rId8"/>
     <p:sldId id="287" r:id="rId9"/>
@@ -29,17 +29,9 @@
     <p:sldId id="278" r:id="rId17"/>
     <p:sldId id="292" r:id="rId18"/>
     <p:sldId id="295" r:id="rId19"/>
-    <p:sldId id="297" r:id="rId20"/>
-    <p:sldId id="304" r:id="rId21"/>
-    <p:sldId id="267" r:id="rId22"/>
-    <p:sldId id="302" r:id="rId23"/>
-    <p:sldId id="305" r:id="rId24"/>
-    <p:sldId id="264" r:id="rId25"/>
-    <p:sldId id="298" r:id="rId26"/>
-    <p:sldId id="300" r:id="rId27"/>
   </p:sldIdLst>
   <p:sldSz cx="9144000" cy="6858000" type="screen4x3"/>
-  <p:notesSz cx="6858000" cy="9144000"/>
+  <p:notesSz cx="7099300" cy="10234613"/>
   <p:defaultTextStyle>
     <a:defPPr>
       <a:defRPr lang="fr-FR"/>
@@ -173,17 +165,17 @@
         <p:spPr>
           <a:xfrm>
             <a:off x="0" y="0"/>
-            <a:ext cx="2971800" cy="457200"/>
+            <a:ext cx="3076363" cy="511731"/>
           </a:xfrm>
           <a:prstGeom prst="rect">
             <a:avLst/>
           </a:prstGeom>
         </p:spPr>
         <p:txBody>
-          <a:bodyPr vert="horz" lIns="91440" tIns="45720" rIns="91440" bIns="45720" rtlCol="0"/>
+          <a:bodyPr vert="horz" lIns="99048" tIns="49524" rIns="99048" bIns="49524" rtlCol="0"/>
           <a:lstStyle>
             <a:lvl1pPr algn="l">
-              <a:defRPr sz="1200"/>
+              <a:defRPr sz="1300"/>
             </a:lvl1pPr>
           </a:lstStyle>
           <a:p>
@@ -203,24 +195,24 @@
         </p:nvSpPr>
         <p:spPr>
           <a:xfrm>
-            <a:off x="3884613" y="0"/>
-            <a:ext cx="2971800" cy="457200"/>
+            <a:off x="4021294" y="0"/>
+            <a:ext cx="3076363" cy="511731"/>
           </a:xfrm>
           <a:prstGeom prst="rect">
             <a:avLst/>
           </a:prstGeom>
         </p:spPr>
         <p:txBody>
-          <a:bodyPr vert="horz" lIns="91440" tIns="45720" rIns="91440" bIns="45720" rtlCol="0"/>
+          <a:bodyPr vert="horz" lIns="99048" tIns="49524" rIns="99048" bIns="49524" rtlCol="0"/>
           <a:lstStyle>
             <a:lvl1pPr algn="r">
-              <a:defRPr sz="1200"/>
+              <a:defRPr sz="1300"/>
             </a:lvl1pPr>
           </a:lstStyle>
           <a:p>
             <a:fld id="{A885B43C-549A-4639-87D3-A3E3E5DAC635}" type="datetimeFigureOut">
               <a:rPr lang="fr-FR" smtClean="0"/>
-              <a:t>19/03/2014</a:t>
+              <a:t>26/03/2014</a:t>
             </a:fld>
             <a:endParaRPr lang="fr-FR"/>
           </a:p>
@@ -238,18 +230,18 @@
         </p:nvSpPr>
         <p:spPr>
           <a:xfrm>
-            <a:off x="0" y="8685213"/>
-            <a:ext cx="2971800" cy="457200"/>
+            <a:off x="0" y="9721106"/>
+            <a:ext cx="3076363" cy="511731"/>
           </a:xfrm>
           <a:prstGeom prst="rect">
             <a:avLst/>
           </a:prstGeom>
         </p:spPr>
         <p:txBody>
-          <a:bodyPr vert="horz" lIns="91440" tIns="45720" rIns="91440" bIns="45720" rtlCol="0" anchor="b"/>
+          <a:bodyPr vert="horz" lIns="99048" tIns="49524" rIns="99048" bIns="49524" rtlCol="0" anchor="b"/>
           <a:lstStyle>
             <a:lvl1pPr algn="l">
-              <a:defRPr sz="1200"/>
+              <a:defRPr sz="1300"/>
             </a:lvl1pPr>
           </a:lstStyle>
           <a:p>
@@ -269,18 +261,18 @@
         </p:nvSpPr>
         <p:spPr>
           <a:xfrm>
-            <a:off x="3884613" y="8685213"/>
-            <a:ext cx="2971800" cy="457200"/>
+            <a:off x="4021294" y="9721106"/>
+            <a:ext cx="3076363" cy="511731"/>
           </a:xfrm>
           <a:prstGeom prst="rect">
             <a:avLst/>
           </a:prstGeom>
         </p:spPr>
         <p:txBody>
-          <a:bodyPr vert="horz" lIns="91440" tIns="45720" rIns="91440" bIns="45720" rtlCol="0" anchor="b"/>
+          <a:bodyPr vert="horz" lIns="99048" tIns="49524" rIns="99048" bIns="49524" rtlCol="0" anchor="b"/>
           <a:lstStyle>
             <a:lvl1pPr algn="r">
-              <a:defRPr sz="1200"/>
+              <a:defRPr sz="1300"/>
             </a:lvl1pPr>
           </a:lstStyle>
           <a:p>
@@ -338,17 +330,17 @@
         <p:spPr>
           <a:xfrm>
             <a:off x="0" y="0"/>
-            <a:ext cx="2971800" cy="457200"/>
+            <a:ext cx="3076363" cy="511731"/>
           </a:xfrm>
           <a:prstGeom prst="rect">
             <a:avLst/>
           </a:prstGeom>
         </p:spPr>
         <p:txBody>
-          <a:bodyPr vert="horz" lIns="91440" tIns="45720" rIns="91440" bIns="45720" rtlCol="0"/>
+          <a:bodyPr vert="horz" lIns="99048" tIns="49524" rIns="99048" bIns="49524" rtlCol="0"/>
           <a:lstStyle>
             <a:lvl1pPr algn="l">
-              <a:defRPr sz="1200"/>
+              <a:defRPr sz="1300"/>
             </a:lvl1pPr>
           </a:lstStyle>
           <a:p>
@@ -368,24 +360,24 @@
         </p:nvSpPr>
         <p:spPr>
           <a:xfrm>
-            <a:off x="3884613" y="0"/>
-            <a:ext cx="2971800" cy="457200"/>
+            <a:off x="4021294" y="0"/>
+            <a:ext cx="3076363" cy="511731"/>
           </a:xfrm>
           <a:prstGeom prst="rect">
             <a:avLst/>
           </a:prstGeom>
         </p:spPr>
         <p:txBody>
-          <a:bodyPr vert="horz" lIns="91440" tIns="45720" rIns="91440" bIns="45720" rtlCol="0"/>
+          <a:bodyPr vert="horz" lIns="99048" tIns="49524" rIns="99048" bIns="49524" rtlCol="0"/>
           <a:lstStyle>
             <a:lvl1pPr algn="r">
-              <a:defRPr sz="1200"/>
+              <a:defRPr sz="1300"/>
             </a:lvl1pPr>
           </a:lstStyle>
           <a:p>
             <a:fld id="{39C4ABE7-6968-4EF3-8008-B142D354329E}" type="datetimeFigureOut">
               <a:rPr lang="fr-FR" smtClean="0"/>
-              <a:t>19/03/2014</a:t>
+              <a:t>26/03/2014</a:t>
             </a:fld>
             <a:endParaRPr lang="fr-FR"/>
           </a:p>
@@ -403,8 +395,8 @@
         </p:nvSpPr>
         <p:spPr>
           <a:xfrm>
-            <a:off x="1143000" y="685800"/>
-            <a:ext cx="4572000" cy="3429000"/>
+            <a:off x="992188" y="768350"/>
+            <a:ext cx="5114925" cy="3836988"/>
           </a:xfrm>
           <a:prstGeom prst="rect">
             <a:avLst/>
@@ -417,7 +409,7 @@
           </a:ln>
         </p:spPr>
         <p:txBody>
-          <a:bodyPr vert="horz" lIns="91440" tIns="45720" rIns="91440" bIns="45720" rtlCol="0" anchor="ctr"/>
+          <a:bodyPr vert="horz" lIns="99048" tIns="49524" rIns="99048" bIns="49524" rtlCol="0" anchor="ctr"/>
           <a:lstStyle/>
           <a:p>
             <a:endParaRPr lang="fr-FR"/>
@@ -436,15 +428,15 @@
         </p:nvSpPr>
         <p:spPr>
           <a:xfrm>
-            <a:off x="685800" y="4343400"/>
-            <a:ext cx="5486400" cy="4114800"/>
+            <a:off x="709930" y="4861441"/>
+            <a:ext cx="5679440" cy="4605576"/>
           </a:xfrm>
           <a:prstGeom prst="rect">
             <a:avLst/>
           </a:prstGeom>
         </p:spPr>
         <p:txBody>
-          <a:bodyPr vert="horz" lIns="91440" tIns="45720" rIns="91440" bIns="45720" rtlCol="0"/>
+          <a:bodyPr vert="horz" lIns="99048" tIns="49524" rIns="99048" bIns="49524" rtlCol="0"/>
           <a:lstStyle/>
           <a:p>
             <a:pPr lvl="0"/>
@@ -496,18 +488,18 @@
         </p:nvSpPr>
         <p:spPr>
           <a:xfrm>
-            <a:off x="0" y="8685213"/>
-            <a:ext cx="2971800" cy="457200"/>
+            <a:off x="0" y="9721106"/>
+            <a:ext cx="3076363" cy="511731"/>
           </a:xfrm>
           <a:prstGeom prst="rect">
             <a:avLst/>
           </a:prstGeom>
         </p:spPr>
         <p:txBody>
-          <a:bodyPr vert="horz" lIns="91440" tIns="45720" rIns="91440" bIns="45720" rtlCol="0" anchor="b"/>
+          <a:bodyPr vert="horz" lIns="99048" tIns="49524" rIns="99048" bIns="49524" rtlCol="0" anchor="b"/>
           <a:lstStyle>
             <a:lvl1pPr algn="l">
-              <a:defRPr sz="1200"/>
+              <a:defRPr sz="1300"/>
             </a:lvl1pPr>
           </a:lstStyle>
           <a:p>
@@ -527,18 +519,18 @@
         </p:nvSpPr>
         <p:spPr>
           <a:xfrm>
-            <a:off x="3884613" y="8685213"/>
-            <a:ext cx="2971800" cy="457200"/>
+            <a:off x="4021294" y="9721106"/>
+            <a:ext cx="3076363" cy="511731"/>
           </a:xfrm>
           <a:prstGeom prst="rect">
             <a:avLst/>
           </a:prstGeom>
         </p:spPr>
         <p:txBody>
-          <a:bodyPr vert="horz" lIns="91440" tIns="45720" rIns="91440" bIns="45720" rtlCol="0" anchor="b"/>
+          <a:bodyPr vert="horz" lIns="99048" tIns="49524" rIns="99048" bIns="49524" rtlCol="0" anchor="b"/>
           <a:lstStyle>
             <a:lvl1pPr algn="r">
-              <a:defRPr sz="1200"/>
+              <a:defRPr sz="1300"/>
             </a:lvl1pPr>
           </a:lstStyle>
           <a:p>
@@ -653,6 +645,1518 @@
 </p:notesMaster>
 </file>
 
+<file path=ppt/notesSlides/notesSlide1.xml><?xml version="1.0" encoding="utf-8"?>
+<p:notes xmlns:a="http://schemas.openxmlformats.org/drawingml/2006/main" xmlns:r="http://schemas.openxmlformats.org/officeDocument/2006/relationships" xmlns:p="http://schemas.openxmlformats.org/presentationml/2006/main">
+  <p:cSld>
+    <p:spTree>
+      <p:nvGrpSpPr>
+        <p:cNvPr id="1" name=""/>
+        <p:cNvGrpSpPr/>
+        <p:nvPr/>
+      </p:nvGrpSpPr>
+      <p:grpSpPr>
+        <a:xfrm>
+          <a:off x="0" y="0"/>
+          <a:ext cx="0" cy="0"/>
+          <a:chOff x="0" y="0"/>
+          <a:chExt cx="0" cy="0"/>
+        </a:xfrm>
+      </p:grpSpPr>
+      <p:sp>
+        <p:nvSpPr>
+          <p:cNvPr id="2" name="Espace réservé de l'image des diapositives 1"/>
+          <p:cNvSpPr>
+            <a:spLocks noGrp="1" noRot="1" noChangeAspect="1"/>
+          </p:cNvSpPr>
+          <p:nvPr>
+            <p:ph type="sldImg"/>
+          </p:nvPr>
+        </p:nvSpPr>
+        <p:spPr/>
+      </p:sp>
+      <p:sp>
+        <p:nvSpPr>
+          <p:cNvPr id="3" name="Espace réservé des commentaires 2"/>
+          <p:cNvSpPr>
+            <a:spLocks noGrp="1"/>
+          </p:cNvSpPr>
+          <p:nvPr>
+            <p:ph type="body" idx="1"/>
+          </p:nvPr>
+        </p:nvSpPr>
+        <p:spPr/>
+        <p:txBody>
+          <a:bodyPr/>
+          <a:lstStyle/>
+          <a:p>
+            <a:endParaRPr lang="fr-FR"/>
+          </a:p>
+        </p:txBody>
+      </p:sp>
+      <p:sp>
+        <p:nvSpPr>
+          <p:cNvPr id="4" name="Espace réservé du numéro de diapositive 3"/>
+          <p:cNvSpPr>
+            <a:spLocks noGrp="1"/>
+          </p:cNvSpPr>
+          <p:nvPr>
+            <p:ph type="sldNum" sz="quarter" idx="10"/>
+          </p:nvPr>
+        </p:nvSpPr>
+        <p:spPr/>
+        <p:txBody>
+          <a:bodyPr/>
+          <a:lstStyle/>
+          <a:p>
+            <a:fld id="{5F0D6C09-BCA6-44EF-99A6-4587823B287A}" type="slidenum">
+              <a:rPr lang="fr-FR" smtClean="0"/>
+              <a:t>1</a:t>
+            </a:fld>
+            <a:endParaRPr lang="fr-FR"/>
+          </a:p>
+        </p:txBody>
+      </p:sp>
+    </p:spTree>
+    <p:extLst>
+      <p:ext uri="{BB962C8B-B14F-4D97-AF65-F5344CB8AC3E}">
+        <p14:creationId xmlns:p14="http://schemas.microsoft.com/office/powerpoint/2010/main" val="581257753"/>
+      </p:ext>
+    </p:extLst>
+  </p:cSld>
+  <p:clrMapOvr>
+    <a:masterClrMapping/>
+  </p:clrMapOvr>
+</p:notes>
+</file>
+
+<file path=ppt/notesSlides/notesSlide10.xml><?xml version="1.0" encoding="utf-8"?>
+<p:notes xmlns:a="http://schemas.openxmlformats.org/drawingml/2006/main" xmlns:r="http://schemas.openxmlformats.org/officeDocument/2006/relationships" xmlns:p="http://schemas.openxmlformats.org/presentationml/2006/main">
+  <p:cSld>
+    <p:spTree>
+      <p:nvGrpSpPr>
+        <p:cNvPr id="1" name=""/>
+        <p:cNvGrpSpPr/>
+        <p:nvPr/>
+      </p:nvGrpSpPr>
+      <p:grpSpPr>
+        <a:xfrm>
+          <a:off x="0" y="0"/>
+          <a:ext cx="0" cy="0"/>
+          <a:chOff x="0" y="0"/>
+          <a:chExt cx="0" cy="0"/>
+        </a:xfrm>
+      </p:grpSpPr>
+      <p:sp>
+        <p:nvSpPr>
+          <p:cNvPr id="2" name="Espace réservé de l'image des diapositives 1"/>
+          <p:cNvSpPr>
+            <a:spLocks noGrp="1" noRot="1" noChangeAspect="1"/>
+          </p:cNvSpPr>
+          <p:nvPr>
+            <p:ph type="sldImg"/>
+          </p:nvPr>
+        </p:nvSpPr>
+        <p:spPr/>
+      </p:sp>
+      <p:sp>
+        <p:nvSpPr>
+          <p:cNvPr id="3" name="Espace réservé des commentaires 2"/>
+          <p:cNvSpPr>
+            <a:spLocks noGrp="1"/>
+          </p:cNvSpPr>
+          <p:nvPr>
+            <p:ph type="body" idx="1"/>
+          </p:nvPr>
+        </p:nvSpPr>
+        <p:spPr/>
+        <p:txBody>
+          <a:bodyPr/>
+          <a:lstStyle/>
+          <a:p>
+            <a:endParaRPr lang="fr-FR"/>
+          </a:p>
+        </p:txBody>
+      </p:sp>
+      <p:sp>
+        <p:nvSpPr>
+          <p:cNvPr id="4" name="Espace réservé du numéro de diapositive 3"/>
+          <p:cNvSpPr>
+            <a:spLocks noGrp="1"/>
+          </p:cNvSpPr>
+          <p:nvPr>
+            <p:ph type="sldNum" sz="quarter" idx="10"/>
+          </p:nvPr>
+        </p:nvSpPr>
+        <p:spPr/>
+        <p:txBody>
+          <a:bodyPr/>
+          <a:lstStyle/>
+          <a:p>
+            <a:fld id="{5F0D6C09-BCA6-44EF-99A6-4587823B287A}" type="slidenum">
+              <a:rPr lang="fr-FR" smtClean="0"/>
+              <a:t>10</a:t>
+            </a:fld>
+            <a:endParaRPr lang="fr-FR"/>
+          </a:p>
+        </p:txBody>
+      </p:sp>
+    </p:spTree>
+    <p:extLst>
+      <p:ext uri="{BB962C8B-B14F-4D97-AF65-F5344CB8AC3E}">
+        <p14:creationId xmlns:p14="http://schemas.microsoft.com/office/powerpoint/2010/main" val="3037360223"/>
+      </p:ext>
+    </p:extLst>
+  </p:cSld>
+  <p:clrMapOvr>
+    <a:masterClrMapping/>
+  </p:clrMapOvr>
+</p:notes>
+</file>
+
+<file path=ppt/notesSlides/notesSlide11.xml><?xml version="1.0" encoding="utf-8"?>
+<p:notes xmlns:a="http://schemas.openxmlformats.org/drawingml/2006/main" xmlns:r="http://schemas.openxmlformats.org/officeDocument/2006/relationships" xmlns:p="http://schemas.openxmlformats.org/presentationml/2006/main">
+  <p:cSld>
+    <p:spTree>
+      <p:nvGrpSpPr>
+        <p:cNvPr id="1" name=""/>
+        <p:cNvGrpSpPr/>
+        <p:nvPr/>
+      </p:nvGrpSpPr>
+      <p:grpSpPr>
+        <a:xfrm>
+          <a:off x="0" y="0"/>
+          <a:ext cx="0" cy="0"/>
+          <a:chOff x="0" y="0"/>
+          <a:chExt cx="0" cy="0"/>
+        </a:xfrm>
+      </p:grpSpPr>
+      <p:sp>
+        <p:nvSpPr>
+          <p:cNvPr id="2" name="Espace réservé de l'image des diapositives 1"/>
+          <p:cNvSpPr>
+            <a:spLocks noGrp="1" noRot="1" noChangeAspect="1"/>
+          </p:cNvSpPr>
+          <p:nvPr>
+            <p:ph type="sldImg"/>
+          </p:nvPr>
+        </p:nvSpPr>
+        <p:spPr/>
+      </p:sp>
+      <p:sp>
+        <p:nvSpPr>
+          <p:cNvPr id="3" name="Espace réservé des commentaires 2"/>
+          <p:cNvSpPr>
+            <a:spLocks noGrp="1"/>
+          </p:cNvSpPr>
+          <p:nvPr>
+            <p:ph type="body" idx="1"/>
+          </p:nvPr>
+        </p:nvSpPr>
+        <p:spPr/>
+        <p:txBody>
+          <a:bodyPr/>
+          <a:lstStyle/>
+          <a:p>
+            <a:endParaRPr lang="fr-FR"/>
+          </a:p>
+        </p:txBody>
+      </p:sp>
+      <p:sp>
+        <p:nvSpPr>
+          <p:cNvPr id="4" name="Espace réservé du numéro de diapositive 3"/>
+          <p:cNvSpPr>
+            <a:spLocks noGrp="1"/>
+          </p:cNvSpPr>
+          <p:nvPr>
+            <p:ph type="sldNum" sz="quarter" idx="10"/>
+          </p:nvPr>
+        </p:nvSpPr>
+        <p:spPr/>
+        <p:txBody>
+          <a:bodyPr/>
+          <a:lstStyle/>
+          <a:p>
+            <a:fld id="{5F0D6C09-BCA6-44EF-99A6-4587823B287A}" type="slidenum">
+              <a:rPr lang="fr-FR" smtClean="0"/>
+              <a:t>11</a:t>
+            </a:fld>
+            <a:endParaRPr lang="fr-FR"/>
+          </a:p>
+        </p:txBody>
+      </p:sp>
+    </p:spTree>
+    <p:extLst>
+      <p:ext uri="{BB962C8B-B14F-4D97-AF65-F5344CB8AC3E}">
+        <p14:creationId xmlns:p14="http://schemas.microsoft.com/office/powerpoint/2010/main" val="1042745892"/>
+      </p:ext>
+    </p:extLst>
+  </p:cSld>
+  <p:clrMapOvr>
+    <a:masterClrMapping/>
+  </p:clrMapOvr>
+</p:notes>
+</file>
+
+<file path=ppt/notesSlides/notesSlide12.xml><?xml version="1.0" encoding="utf-8"?>
+<p:notes xmlns:a="http://schemas.openxmlformats.org/drawingml/2006/main" xmlns:r="http://schemas.openxmlformats.org/officeDocument/2006/relationships" xmlns:p="http://schemas.openxmlformats.org/presentationml/2006/main">
+  <p:cSld>
+    <p:spTree>
+      <p:nvGrpSpPr>
+        <p:cNvPr id="1" name=""/>
+        <p:cNvGrpSpPr/>
+        <p:nvPr/>
+      </p:nvGrpSpPr>
+      <p:grpSpPr>
+        <a:xfrm>
+          <a:off x="0" y="0"/>
+          <a:ext cx="0" cy="0"/>
+          <a:chOff x="0" y="0"/>
+          <a:chExt cx="0" cy="0"/>
+        </a:xfrm>
+      </p:grpSpPr>
+      <p:sp>
+        <p:nvSpPr>
+          <p:cNvPr id="2" name="Espace réservé de l'image des diapositives 1"/>
+          <p:cNvSpPr>
+            <a:spLocks noGrp="1" noRot="1" noChangeAspect="1"/>
+          </p:cNvSpPr>
+          <p:nvPr>
+            <p:ph type="sldImg"/>
+          </p:nvPr>
+        </p:nvSpPr>
+        <p:spPr/>
+      </p:sp>
+      <p:sp>
+        <p:nvSpPr>
+          <p:cNvPr id="3" name="Espace réservé des commentaires 2"/>
+          <p:cNvSpPr>
+            <a:spLocks noGrp="1"/>
+          </p:cNvSpPr>
+          <p:nvPr>
+            <p:ph type="body" idx="1"/>
+          </p:nvPr>
+        </p:nvSpPr>
+        <p:spPr/>
+        <p:txBody>
+          <a:bodyPr/>
+          <a:lstStyle/>
+          <a:p>
+            <a:endParaRPr lang="fr-FR"/>
+          </a:p>
+        </p:txBody>
+      </p:sp>
+      <p:sp>
+        <p:nvSpPr>
+          <p:cNvPr id="4" name="Espace réservé du numéro de diapositive 3"/>
+          <p:cNvSpPr>
+            <a:spLocks noGrp="1"/>
+          </p:cNvSpPr>
+          <p:nvPr>
+            <p:ph type="sldNum" sz="quarter" idx="10"/>
+          </p:nvPr>
+        </p:nvSpPr>
+        <p:spPr/>
+        <p:txBody>
+          <a:bodyPr/>
+          <a:lstStyle/>
+          <a:p>
+            <a:fld id="{5F0D6C09-BCA6-44EF-99A6-4587823B287A}" type="slidenum">
+              <a:rPr lang="fr-FR" smtClean="0"/>
+              <a:t>12</a:t>
+            </a:fld>
+            <a:endParaRPr lang="fr-FR"/>
+          </a:p>
+        </p:txBody>
+      </p:sp>
+    </p:spTree>
+    <p:extLst>
+      <p:ext uri="{BB962C8B-B14F-4D97-AF65-F5344CB8AC3E}">
+        <p14:creationId xmlns:p14="http://schemas.microsoft.com/office/powerpoint/2010/main" val="209446722"/>
+      </p:ext>
+    </p:extLst>
+  </p:cSld>
+  <p:clrMapOvr>
+    <a:masterClrMapping/>
+  </p:clrMapOvr>
+</p:notes>
+</file>
+
+<file path=ppt/notesSlides/notesSlide13.xml><?xml version="1.0" encoding="utf-8"?>
+<p:notes xmlns:a="http://schemas.openxmlformats.org/drawingml/2006/main" xmlns:r="http://schemas.openxmlformats.org/officeDocument/2006/relationships" xmlns:p="http://schemas.openxmlformats.org/presentationml/2006/main">
+  <p:cSld>
+    <p:spTree>
+      <p:nvGrpSpPr>
+        <p:cNvPr id="1" name=""/>
+        <p:cNvGrpSpPr/>
+        <p:nvPr/>
+      </p:nvGrpSpPr>
+      <p:grpSpPr>
+        <a:xfrm>
+          <a:off x="0" y="0"/>
+          <a:ext cx="0" cy="0"/>
+          <a:chOff x="0" y="0"/>
+          <a:chExt cx="0" cy="0"/>
+        </a:xfrm>
+      </p:grpSpPr>
+      <p:sp>
+        <p:nvSpPr>
+          <p:cNvPr id="2" name="Espace réservé de l'image des diapositives 1"/>
+          <p:cNvSpPr>
+            <a:spLocks noGrp="1" noRot="1" noChangeAspect="1"/>
+          </p:cNvSpPr>
+          <p:nvPr>
+            <p:ph type="sldImg"/>
+          </p:nvPr>
+        </p:nvSpPr>
+        <p:spPr/>
+      </p:sp>
+      <p:sp>
+        <p:nvSpPr>
+          <p:cNvPr id="3" name="Espace réservé des commentaires 2"/>
+          <p:cNvSpPr>
+            <a:spLocks noGrp="1"/>
+          </p:cNvSpPr>
+          <p:nvPr>
+            <p:ph type="body" idx="1"/>
+          </p:nvPr>
+        </p:nvSpPr>
+        <p:spPr/>
+        <p:txBody>
+          <a:bodyPr/>
+          <a:lstStyle/>
+          <a:p>
+            <a:endParaRPr lang="fr-FR"/>
+          </a:p>
+        </p:txBody>
+      </p:sp>
+      <p:sp>
+        <p:nvSpPr>
+          <p:cNvPr id="4" name="Espace réservé du numéro de diapositive 3"/>
+          <p:cNvSpPr>
+            <a:spLocks noGrp="1"/>
+          </p:cNvSpPr>
+          <p:nvPr>
+            <p:ph type="sldNum" sz="quarter" idx="10"/>
+          </p:nvPr>
+        </p:nvSpPr>
+        <p:spPr/>
+        <p:txBody>
+          <a:bodyPr/>
+          <a:lstStyle/>
+          <a:p>
+            <a:fld id="{5F0D6C09-BCA6-44EF-99A6-4587823B287A}" type="slidenum">
+              <a:rPr lang="fr-FR" smtClean="0"/>
+              <a:t>13</a:t>
+            </a:fld>
+            <a:endParaRPr lang="fr-FR"/>
+          </a:p>
+        </p:txBody>
+      </p:sp>
+    </p:spTree>
+    <p:extLst>
+      <p:ext uri="{BB962C8B-B14F-4D97-AF65-F5344CB8AC3E}">
+        <p14:creationId xmlns:p14="http://schemas.microsoft.com/office/powerpoint/2010/main" val="1196661466"/>
+      </p:ext>
+    </p:extLst>
+  </p:cSld>
+  <p:clrMapOvr>
+    <a:masterClrMapping/>
+  </p:clrMapOvr>
+</p:notes>
+</file>
+
+<file path=ppt/notesSlides/notesSlide14.xml><?xml version="1.0" encoding="utf-8"?>
+<p:notes xmlns:a="http://schemas.openxmlformats.org/drawingml/2006/main" xmlns:r="http://schemas.openxmlformats.org/officeDocument/2006/relationships" xmlns:p="http://schemas.openxmlformats.org/presentationml/2006/main">
+  <p:cSld>
+    <p:spTree>
+      <p:nvGrpSpPr>
+        <p:cNvPr id="1" name=""/>
+        <p:cNvGrpSpPr/>
+        <p:nvPr/>
+      </p:nvGrpSpPr>
+      <p:grpSpPr>
+        <a:xfrm>
+          <a:off x="0" y="0"/>
+          <a:ext cx="0" cy="0"/>
+          <a:chOff x="0" y="0"/>
+          <a:chExt cx="0" cy="0"/>
+        </a:xfrm>
+      </p:grpSpPr>
+      <p:sp>
+        <p:nvSpPr>
+          <p:cNvPr id="2" name="Espace réservé de l'image des diapositives 1"/>
+          <p:cNvSpPr>
+            <a:spLocks noGrp="1" noRot="1" noChangeAspect="1"/>
+          </p:cNvSpPr>
+          <p:nvPr>
+            <p:ph type="sldImg"/>
+          </p:nvPr>
+        </p:nvSpPr>
+        <p:spPr/>
+      </p:sp>
+      <p:sp>
+        <p:nvSpPr>
+          <p:cNvPr id="3" name="Espace réservé des commentaires 2"/>
+          <p:cNvSpPr>
+            <a:spLocks noGrp="1"/>
+          </p:cNvSpPr>
+          <p:nvPr>
+            <p:ph type="body" idx="1"/>
+          </p:nvPr>
+        </p:nvSpPr>
+        <p:spPr/>
+        <p:txBody>
+          <a:bodyPr/>
+          <a:lstStyle/>
+          <a:p>
+            <a:endParaRPr lang="fr-FR"/>
+          </a:p>
+        </p:txBody>
+      </p:sp>
+      <p:sp>
+        <p:nvSpPr>
+          <p:cNvPr id="4" name="Espace réservé du numéro de diapositive 3"/>
+          <p:cNvSpPr>
+            <a:spLocks noGrp="1"/>
+          </p:cNvSpPr>
+          <p:nvPr>
+            <p:ph type="sldNum" sz="quarter" idx="10"/>
+          </p:nvPr>
+        </p:nvSpPr>
+        <p:spPr/>
+        <p:txBody>
+          <a:bodyPr/>
+          <a:lstStyle/>
+          <a:p>
+            <a:fld id="{5F0D6C09-BCA6-44EF-99A6-4587823B287A}" type="slidenum">
+              <a:rPr lang="fr-FR" smtClean="0"/>
+              <a:t>14</a:t>
+            </a:fld>
+            <a:endParaRPr lang="fr-FR"/>
+          </a:p>
+        </p:txBody>
+      </p:sp>
+    </p:spTree>
+    <p:extLst>
+      <p:ext uri="{BB962C8B-B14F-4D97-AF65-F5344CB8AC3E}">
+        <p14:creationId xmlns:p14="http://schemas.microsoft.com/office/powerpoint/2010/main" val="2576620448"/>
+      </p:ext>
+    </p:extLst>
+  </p:cSld>
+  <p:clrMapOvr>
+    <a:masterClrMapping/>
+  </p:clrMapOvr>
+</p:notes>
+</file>
+
+<file path=ppt/notesSlides/notesSlide15.xml><?xml version="1.0" encoding="utf-8"?>
+<p:notes xmlns:a="http://schemas.openxmlformats.org/drawingml/2006/main" xmlns:r="http://schemas.openxmlformats.org/officeDocument/2006/relationships" xmlns:p="http://schemas.openxmlformats.org/presentationml/2006/main">
+  <p:cSld>
+    <p:spTree>
+      <p:nvGrpSpPr>
+        <p:cNvPr id="1" name=""/>
+        <p:cNvGrpSpPr/>
+        <p:nvPr/>
+      </p:nvGrpSpPr>
+      <p:grpSpPr>
+        <a:xfrm>
+          <a:off x="0" y="0"/>
+          <a:ext cx="0" cy="0"/>
+          <a:chOff x="0" y="0"/>
+          <a:chExt cx="0" cy="0"/>
+        </a:xfrm>
+      </p:grpSpPr>
+      <p:sp>
+        <p:nvSpPr>
+          <p:cNvPr id="2" name="Espace réservé de l'image des diapositives 1"/>
+          <p:cNvSpPr>
+            <a:spLocks noGrp="1" noRot="1" noChangeAspect="1"/>
+          </p:cNvSpPr>
+          <p:nvPr>
+            <p:ph type="sldImg"/>
+          </p:nvPr>
+        </p:nvSpPr>
+        <p:spPr/>
+      </p:sp>
+      <p:sp>
+        <p:nvSpPr>
+          <p:cNvPr id="3" name="Espace réservé des commentaires 2"/>
+          <p:cNvSpPr>
+            <a:spLocks noGrp="1"/>
+          </p:cNvSpPr>
+          <p:nvPr>
+            <p:ph type="body" idx="1"/>
+          </p:nvPr>
+        </p:nvSpPr>
+        <p:spPr/>
+        <p:txBody>
+          <a:bodyPr/>
+          <a:lstStyle/>
+          <a:p>
+            <a:endParaRPr lang="fr-FR"/>
+          </a:p>
+        </p:txBody>
+      </p:sp>
+      <p:sp>
+        <p:nvSpPr>
+          <p:cNvPr id="4" name="Espace réservé du numéro de diapositive 3"/>
+          <p:cNvSpPr>
+            <a:spLocks noGrp="1"/>
+          </p:cNvSpPr>
+          <p:nvPr>
+            <p:ph type="sldNum" sz="quarter" idx="10"/>
+          </p:nvPr>
+        </p:nvSpPr>
+        <p:spPr/>
+        <p:txBody>
+          <a:bodyPr/>
+          <a:lstStyle/>
+          <a:p>
+            <a:fld id="{5F0D6C09-BCA6-44EF-99A6-4587823B287A}" type="slidenum">
+              <a:rPr lang="fr-FR" smtClean="0"/>
+              <a:t>15</a:t>
+            </a:fld>
+            <a:endParaRPr lang="fr-FR"/>
+          </a:p>
+        </p:txBody>
+      </p:sp>
+    </p:spTree>
+    <p:extLst>
+      <p:ext uri="{BB962C8B-B14F-4D97-AF65-F5344CB8AC3E}">
+        <p14:creationId xmlns:p14="http://schemas.microsoft.com/office/powerpoint/2010/main" val="2339323311"/>
+      </p:ext>
+    </p:extLst>
+  </p:cSld>
+  <p:clrMapOvr>
+    <a:masterClrMapping/>
+  </p:clrMapOvr>
+</p:notes>
+</file>
+
+<file path=ppt/notesSlides/notesSlide16.xml><?xml version="1.0" encoding="utf-8"?>
+<p:notes xmlns:a="http://schemas.openxmlformats.org/drawingml/2006/main" xmlns:r="http://schemas.openxmlformats.org/officeDocument/2006/relationships" xmlns:p="http://schemas.openxmlformats.org/presentationml/2006/main">
+  <p:cSld>
+    <p:spTree>
+      <p:nvGrpSpPr>
+        <p:cNvPr id="1" name=""/>
+        <p:cNvGrpSpPr/>
+        <p:nvPr/>
+      </p:nvGrpSpPr>
+      <p:grpSpPr>
+        <a:xfrm>
+          <a:off x="0" y="0"/>
+          <a:ext cx="0" cy="0"/>
+          <a:chOff x="0" y="0"/>
+          <a:chExt cx="0" cy="0"/>
+        </a:xfrm>
+      </p:grpSpPr>
+      <p:sp>
+        <p:nvSpPr>
+          <p:cNvPr id="2" name="Espace réservé de l'image des diapositives 1"/>
+          <p:cNvSpPr>
+            <a:spLocks noGrp="1" noRot="1" noChangeAspect="1"/>
+          </p:cNvSpPr>
+          <p:nvPr>
+            <p:ph type="sldImg"/>
+          </p:nvPr>
+        </p:nvSpPr>
+        <p:spPr/>
+      </p:sp>
+      <p:sp>
+        <p:nvSpPr>
+          <p:cNvPr id="3" name="Espace réservé des commentaires 2"/>
+          <p:cNvSpPr>
+            <a:spLocks noGrp="1"/>
+          </p:cNvSpPr>
+          <p:nvPr>
+            <p:ph type="body" idx="1"/>
+          </p:nvPr>
+        </p:nvSpPr>
+        <p:spPr/>
+        <p:txBody>
+          <a:bodyPr/>
+          <a:lstStyle/>
+          <a:p>
+            <a:endParaRPr lang="fr-FR"/>
+          </a:p>
+        </p:txBody>
+      </p:sp>
+      <p:sp>
+        <p:nvSpPr>
+          <p:cNvPr id="4" name="Espace réservé du numéro de diapositive 3"/>
+          <p:cNvSpPr>
+            <a:spLocks noGrp="1"/>
+          </p:cNvSpPr>
+          <p:nvPr>
+            <p:ph type="sldNum" sz="quarter" idx="10"/>
+          </p:nvPr>
+        </p:nvSpPr>
+        <p:spPr/>
+        <p:txBody>
+          <a:bodyPr/>
+          <a:lstStyle/>
+          <a:p>
+            <a:fld id="{5F0D6C09-BCA6-44EF-99A6-4587823B287A}" type="slidenum">
+              <a:rPr lang="fr-FR" smtClean="0"/>
+              <a:t>16</a:t>
+            </a:fld>
+            <a:endParaRPr lang="fr-FR"/>
+          </a:p>
+        </p:txBody>
+      </p:sp>
+    </p:spTree>
+    <p:extLst>
+      <p:ext uri="{BB962C8B-B14F-4D97-AF65-F5344CB8AC3E}">
+        <p14:creationId xmlns:p14="http://schemas.microsoft.com/office/powerpoint/2010/main" val="3969727602"/>
+      </p:ext>
+    </p:extLst>
+  </p:cSld>
+  <p:clrMapOvr>
+    <a:masterClrMapping/>
+  </p:clrMapOvr>
+</p:notes>
+</file>
+
+<file path=ppt/notesSlides/notesSlide17.xml><?xml version="1.0" encoding="utf-8"?>
+<p:notes xmlns:a="http://schemas.openxmlformats.org/drawingml/2006/main" xmlns:r="http://schemas.openxmlformats.org/officeDocument/2006/relationships" xmlns:p="http://schemas.openxmlformats.org/presentationml/2006/main">
+  <p:cSld>
+    <p:spTree>
+      <p:nvGrpSpPr>
+        <p:cNvPr id="1" name=""/>
+        <p:cNvGrpSpPr/>
+        <p:nvPr/>
+      </p:nvGrpSpPr>
+      <p:grpSpPr>
+        <a:xfrm>
+          <a:off x="0" y="0"/>
+          <a:ext cx="0" cy="0"/>
+          <a:chOff x="0" y="0"/>
+          <a:chExt cx="0" cy="0"/>
+        </a:xfrm>
+      </p:grpSpPr>
+      <p:sp>
+        <p:nvSpPr>
+          <p:cNvPr id="2" name="Espace réservé de l'image des diapositives 1"/>
+          <p:cNvSpPr>
+            <a:spLocks noGrp="1" noRot="1" noChangeAspect="1"/>
+          </p:cNvSpPr>
+          <p:nvPr>
+            <p:ph type="sldImg"/>
+          </p:nvPr>
+        </p:nvSpPr>
+        <p:spPr/>
+      </p:sp>
+      <p:sp>
+        <p:nvSpPr>
+          <p:cNvPr id="3" name="Espace réservé des commentaires 2"/>
+          <p:cNvSpPr>
+            <a:spLocks noGrp="1"/>
+          </p:cNvSpPr>
+          <p:nvPr>
+            <p:ph type="body" idx="1"/>
+          </p:nvPr>
+        </p:nvSpPr>
+        <p:spPr/>
+        <p:txBody>
+          <a:bodyPr/>
+          <a:lstStyle/>
+          <a:p>
+            <a:endParaRPr lang="fr-FR"/>
+          </a:p>
+        </p:txBody>
+      </p:sp>
+      <p:sp>
+        <p:nvSpPr>
+          <p:cNvPr id="4" name="Espace réservé du numéro de diapositive 3"/>
+          <p:cNvSpPr>
+            <a:spLocks noGrp="1"/>
+          </p:cNvSpPr>
+          <p:nvPr>
+            <p:ph type="sldNum" sz="quarter" idx="10"/>
+          </p:nvPr>
+        </p:nvSpPr>
+        <p:spPr/>
+        <p:txBody>
+          <a:bodyPr/>
+          <a:lstStyle/>
+          <a:p>
+            <a:fld id="{5F0D6C09-BCA6-44EF-99A6-4587823B287A}" type="slidenum">
+              <a:rPr lang="fr-FR" smtClean="0"/>
+              <a:t>17</a:t>
+            </a:fld>
+            <a:endParaRPr lang="fr-FR"/>
+          </a:p>
+        </p:txBody>
+      </p:sp>
+    </p:spTree>
+    <p:extLst>
+      <p:ext uri="{BB962C8B-B14F-4D97-AF65-F5344CB8AC3E}">
+        <p14:creationId xmlns:p14="http://schemas.microsoft.com/office/powerpoint/2010/main" val="922296701"/>
+      </p:ext>
+    </p:extLst>
+  </p:cSld>
+  <p:clrMapOvr>
+    <a:masterClrMapping/>
+  </p:clrMapOvr>
+</p:notes>
+</file>
+
+<file path=ppt/notesSlides/notesSlide18.xml><?xml version="1.0" encoding="utf-8"?>
+<p:notes xmlns:a="http://schemas.openxmlformats.org/drawingml/2006/main" xmlns:r="http://schemas.openxmlformats.org/officeDocument/2006/relationships" xmlns:p="http://schemas.openxmlformats.org/presentationml/2006/main">
+  <p:cSld>
+    <p:spTree>
+      <p:nvGrpSpPr>
+        <p:cNvPr id="1" name=""/>
+        <p:cNvGrpSpPr/>
+        <p:nvPr/>
+      </p:nvGrpSpPr>
+      <p:grpSpPr>
+        <a:xfrm>
+          <a:off x="0" y="0"/>
+          <a:ext cx="0" cy="0"/>
+          <a:chOff x="0" y="0"/>
+          <a:chExt cx="0" cy="0"/>
+        </a:xfrm>
+      </p:grpSpPr>
+      <p:sp>
+        <p:nvSpPr>
+          <p:cNvPr id="2" name="Espace réservé de l'image des diapositives 1"/>
+          <p:cNvSpPr>
+            <a:spLocks noGrp="1" noRot="1" noChangeAspect="1"/>
+          </p:cNvSpPr>
+          <p:nvPr>
+            <p:ph type="sldImg"/>
+          </p:nvPr>
+        </p:nvSpPr>
+        <p:spPr/>
+      </p:sp>
+      <p:sp>
+        <p:nvSpPr>
+          <p:cNvPr id="3" name="Espace réservé des commentaires 2"/>
+          <p:cNvSpPr>
+            <a:spLocks noGrp="1"/>
+          </p:cNvSpPr>
+          <p:nvPr>
+            <p:ph type="body" idx="1"/>
+          </p:nvPr>
+        </p:nvSpPr>
+        <p:spPr/>
+        <p:txBody>
+          <a:bodyPr/>
+          <a:lstStyle/>
+          <a:p>
+            <a:endParaRPr lang="fr-FR"/>
+          </a:p>
+        </p:txBody>
+      </p:sp>
+      <p:sp>
+        <p:nvSpPr>
+          <p:cNvPr id="4" name="Espace réservé du numéro de diapositive 3"/>
+          <p:cNvSpPr>
+            <a:spLocks noGrp="1"/>
+          </p:cNvSpPr>
+          <p:nvPr>
+            <p:ph type="sldNum" sz="quarter" idx="10"/>
+          </p:nvPr>
+        </p:nvSpPr>
+        <p:spPr/>
+        <p:txBody>
+          <a:bodyPr/>
+          <a:lstStyle/>
+          <a:p>
+            <a:fld id="{5F0D6C09-BCA6-44EF-99A6-4587823B287A}" type="slidenum">
+              <a:rPr lang="fr-FR" smtClean="0"/>
+              <a:t>18</a:t>
+            </a:fld>
+            <a:endParaRPr lang="fr-FR"/>
+          </a:p>
+        </p:txBody>
+      </p:sp>
+    </p:spTree>
+    <p:extLst>
+      <p:ext uri="{BB962C8B-B14F-4D97-AF65-F5344CB8AC3E}">
+        <p14:creationId xmlns:p14="http://schemas.microsoft.com/office/powerpoint/2010/main" val="1019812340"/>
+      </p:ext>
+    </p:extLst>
+  </p:cSld>
+  <p:clrMapOvr>
+    <a:masterClrMapping/>
+  </p:clrMapOvr>
+</p:notes>
+</file>
+
+<file path=ppt/notesSlides/notesSlide2.xml><?xml version="1.0" encoding="utf-8"?>
+<p:notes xmlns:a="http://schemas.openxmlformats.org/drawingml/2006/main" xmlns:r="http://schemas.openxmlformats.org/officeDocument/2006/relationships" xmlns:p="http://schemas.openxmlformats.org/presentationml/2006/main">
+  <p:cSld>
+    <p:spTree>
+      <p:nvGrpSpPr>
+        <p:cNvPr id="1" name=""/>
+        <p:cNvGrpSpPr/>
+        <p:nvPr/>
+      </p:nvGrpSpPr>
+      <p:grpSpPr>
+        <a:xfrm>
+          <a:off x="0" y="0"/>
+          <a:ext cx="0" cy="0"/>
+          <a:chOff x="0" y="0"/>
+          <a:chExt cx="0" cy="0"/>
+        </a:xfrm>
+      </p:grpSpPr>
+      <p:sp>
+        <p:nvSpPr>
+          <p:cNvPr id="2" name="Espace réservé de l'image des diapositives 1"/>
+          <p:cNvSpPr>
+            <a:spLocks noGrp="1" noRot="1" noChangeAspect="1"/>
+          </p:cNvSpPr>
+          <p:nvPr>
+            <p:ph type="sldImg"/>
+          </p:nvPr>
+        </p:nvSpPr>
+        <p:spPr/>
+      </p:sp>
+      <p:sp>
+        <p:nvSpPr>
+          <p:cNvPr id="3" name="Espace réservé des commentaires 2"/>
+          <p:cNvSpPr>
+            <a:spLocks noGrp="1"/>
+          </p:cNvSpPr>
+          <p:nvPr>
+            <p:ph type="body" idx="1"/>
+          </p:nvPr>
+        </p:nvSpPr>
+        <p:spPr/>
+        <p:txBody>
+          <a:bodyPr/>
+          <a:lstStyle/>
+          <a:p>
+            <a:endParaRPr lang="fr-FR"/>
+          </a:p>
+        </p:txBody>
+      </p:sp>
+      <p:sp>
+        <p:nvSpPr>
+          <p:cNvPr id="4" name="Espace réservé du numéro de diapositive 3"/>
+          <p:cNvSpPr>
+            <a:spLocks noGrp="1"/>
+          </p:cNvSpPr>
+          <p:nvPr>
+            <p:ph type="sldNum" sz="quarter" idx="10"/>
+          </p:nvPr>
+        </p:nvSpPr>
+        <p:spPr/>
+        <p:txBody>
+          <a:bodyPr/>
+          <a:lstStyle/>
+          <a:p>
+            <a:fld id="{5F0D6C09-BCA6-44EF-99A6-4587823B287A}" type="slidenum">
+              <a:rPr lang="fr-FR" smtClean="0"/>
+              <a:t>2</a:t>
+            </a:fld>
+            <a:endParaRPr lang="fr-FR"/>
+          </a:p>
+        </p:txBody>
+      </p:sp>
+    </p:spTree>
+    <p:extLst>
+      <p:ext uri="{BB962C8B-B14F-4D97-AF65-F5344CB8AC3E}">
+        <p14:creationId xmlns:p14="http://schemas.microsoft.com/office/powerpoint/2010/main" val="1824840471"/>
+      </p:ext>
+    </p:extLst>
+  </p:cSld>
+  <p:clrMapOvr>
+    <a:masterClrMapping/>
+  </p:clrMapOvr>
+</p:notes>
+</file>
+
+<file path=ppt/notesSlides/notesSlide3.xml><?xml version="1.0" encoding="utf-8"?>
+<p:notes xmlns:a="http://schemas.openxmlformats.org/drawingml/2006/main" xmlns:r="http://schemas.openxmlformats.org/officeDocument/2006/relationships" xmlns:p="http://schemas.openxmlformats.org/presentationml/2006/main">
+  <p:cSld>
+    <p:spTree>
+      <p:nvGrpSpPr>
+        <p:cNvPr id="1" name=""/>
+        <p:cNvGrpSpPr/>
+        <p:nvPr/>
+      </p:nvGrpSpPr>
+      <p:grpSpPr>
+        <a:xfrm>
+          <a:off x="0" y="0"/>
+          <a:ext cx="0" cy="0"/>
+          <a:chOff x="0" y="0"/>
+          <a:chExt cx="0" cy="0"/>
+        </a:xfrm>
+      </p:grpSpPr>
+      <p:sp>
+        <p:nvSpPr>
+          <p:cNvPr id="2" name="Espace réservé de l'image des diapositives 1"/>
+          <p:cNvSpPr>
+            <a:spLocks noGrp="1" noRot="1" noChangeAspect="1"/>
+          </p:cNvSpPr>
+          <p:nvPr>
+            <p:ph type="sldImg"/>
+          </p:nvPr>
+        </p:nvSpPr>
+        <p:spPr/>
+      </p:sp>
+      <p:sp>
+        <p:nvSpPr>
+          <p:cNvPr id="3" name="Espace réservé des commentaires 2"/>
+          <p:cNvSpPr>
+            <a:spLocks noGrp="1"/>
+          </p:cNvSpPr>
+          <p:nvPr>
+            <p:ph type="body" idx="1"/>
+          </p:nvPr>
+        </p:nvSpPr>
+        <p:spPr/>
+        <p:txBody>
+          <a:bodyPr/>
+          <a:lstStyle/>
+          <a:p>
+            <a:endParaRPr lang="fr-FR"/>
+          </a:p>
+        </p:txBody>
+      </p:sp>
+      <p:sp>
+        <p:nvSpPr>
+          <p:cNvPr id="4" name="Espace réservé du numéro de diapositive 3"/>
+          <p:cNvSpPr>
+            <a:spLocks noGrp="1"/>
+          </p:cNvSpPr>
+          <p:nvPr>
+            <p:ph type="sldNum" sz="quarter" idx="10"/>
+          </p:nvPr>
+        </p:nvSpPr>
+        <p:spPr/>
+        <p:txBody>
+          <a:bodyPr/>
+          <a:lstStyle/>
+          <a:p>
+            <a:fld id="{5F0D6C09-BCA6-44EF-99A6-4587823B287A}" type="slidenum">
+              <a:rPr lang="fr-FR" smtClean="0"/>
+              <a:t>3</a:t>
+            </a:fld>
+            <a:endParaRPr lang="fr-FR"/>
+          </a:p>
+        </p:txBody>
+      </p:sp>
+    </p:spTree>
+    <p:extLst>
+      <p:ext uri="{BB962C8B-B14F-4D97-AF65-F5344CB8AC3E}">
+        <p14:creationId xmlns:p14="http://schemas.microsoft.com/office/powerpoint/2010/main" val="1580623812"/>
+      </p:ext>
+    </p:extLst>
+  </p:cSld>
+  <p:clrMapOvr>
+    <a:masterClrMapping/>
+  </p:clrMapOvr>
+</p:notes>
+</file>
+
+<file path=ppt/notesSlides/notesSlide4.xml><?xml version="1.0" encoding="utf-8"?>
+<p:notes xmlns:a="http://schemas.openxmlformats.org/drawingml/2006/main" xmlns:r="http://schemas.openxmlformats.org/officeDocument/2006/relationships" xmlns:p="http://schemas.openxmlformats.org/presentationml/2006/main">
+  <p:cSld>
+    <p:spTree>
+      <p:nvGrpSpPr>
+        <p:cNvPr id="1" name=""/>
+        <p:cNvGrpSpPr/>
+        <p:nvPr/>
+      </p:nvGrpSpPr>
+      <p:grpSpPr>
+        <a:xfrm>
+          <a:off x="0" y="0"/>
+          <a:ext cx="0" cy="0"/>
+          <a:chOff x="0" y="0"/>
+          <a:chExt cx="0" cy="0"/>
+        </a:xfrm>
+      </p:grpSpPr>
+      <p:sp>
+        <p:nvSpPr>
+          <p:cNvPr id="2" name="Espace réservé de l'image des diapositives 1"/>
+          <p:cNvSpPr>
+            <a:spLocks noGrp="1" noRot="1" noChangeAspect="1"/>
+          </p:cNvSpPr>
+          <p:nvPr>
+            <p:ph type="sldImg"/>
+          </p:nvPr>
+        </p:nvSpPr>
+        <p:spPr/>
+      </p:sp>
+      <p:sp>
+        <p:nvSpPr>
+          <p:cNvPr id="3" name="Espace réservé des commentaires 2"/>
+          <p:cNvSpPr>
+            <a:spLocks noGrp="1"/>
+          </p:cNvSpPr>
+          <p:nvPr>
+            <p:ph type="body" idx="1"/>
+          </p:nvPr>
+        </p:nvSpPr>
+        <p:spPr/>
+        <p:txBody>
+          <a:bodyPr/>
+          <a:lstStyle/>
+          <a:p>
+            <a:endParaRPr lang="fr-FR"/>
+          </a:p>
+        </p:txBody>
+      </p:sp>
+      <p:sp>
+        <p:nvSpPr>
+          <p:cNvPr id="4" name="Espace réservé du numéro de diapositive 3"/>
+          <p:cNvSpPr>
+            <a:spLocks noGrp="1"/>
+          </p:cNvSpPr>
+          <p:nvPr>
+            <p:ph type="sldNum" sz="quarter" idx="10"/>
+          </p:nvPr>
+        </p:nvSpPr>
+        <p:spPr/>
+        <p:txBody>
+          <a:bodyPr/>
+          <a:lstStyle/>
+          <a:p>
+            <a:fld id="{5F0D6C09-BCA6-44EF-99A6-4587823B287A}" type="slidenum">
+              <a:rPr lang="fr-FR" smtClean="0"/>
+              <a:t>4</a:t>
+            </a:fld>
+            <a:endParaRPr lang="fr-FR"/>
+          </a:p>
+        </p:txBody>
+      </p:sp>
+    </p:spTree>
+    <p:extLst>
+      <p:ext uri="{BB962C8B-B14F-4D97-AF65-F5344CB8AC3E}">
+        <p14:creationId xmlns:p14="http://schemas.microsoft.com/office/powerpoint/2010/main" val="812948314"/>
+      </p:ext>
+    </p:extLst>
+  </p:cSld>
+  <p:clrMapOvr>
+    <a:masterClrMapping/>
+  </p:clrMapOvr>
+</p:notes>
+</file>
+
+<file path=ppt/notesSlides/notesSlide5.xml><?xml version="1.0" encoding="utf-8"?>
+<p:notes xmlns:a="http://schemas.openxmlformats.org/drawingml/2006/main" xmlns:r="http://schemas.openxmlformats.org/officeDocument/2006/relationships" xmlns:p="http://schemas.openxmlformats.org/presentationml/2006/main">
+  <p:cSld>
+    <p:spTree>
+      <p:nvGrpSpPr>
+        <p:cNvPr id="1" name=""/>
+        <p:cNvGrpSpPr/>
+        <p:nvPr/>
+      </p:nvGrpSpPr>
+      <p:grpSpPr>
+        <a:xfrm>
+          <a:off x="0" y="0"/>
+          <a:ext cx="0" cy="0"/>
+          <a:chOff x="0" y="0"/>
+          <a:chExt cx="0" cy="0"/>
+        </a:xfrm>
+      </p:grpSpPr>
+      <p:sp>
+        <p:nvSpPr>
+          <p:cNvPr id="2" name="Espace réservé de l'image des diapositives 1"/>
+          <p:cNvSpPr>
+            <a:spLocks noGrp="1" noRot="1" noChangeAspect="1"/>
+          </p:cNvSpPr>
+          <p:nvPr>
+            <p:ph type="sldImg"/>
+          </p:nvPr>
+        </p:nvSpPr>
+        <p:spPr/>
+      </p:sp>
+      <p:sp>
+        <p:nvSpPr>
+          <p:cNvPr id="3" name="Espace réservé des commentaires 2"/>
+          <p:cNvSpPr>
+            <a:spLocks noGrp="1"/>
+          </p:cNvSpPr>
+          <p:nvPr>
+            <p:ph type="body" idx="1"/>
+          </p:nvPr>
+        </p:nvSpPr>
+        <p:spPr/>
+        <p:txBody>
+          <a:bodyPr/>
+          <a:lstStyle/>
+          <a:p>
+            <a:endParaRPr lang="fr-FR"/>
+          </a:p>
+        </p:txBody>
+      </p:sp>
+      <p:sp>
+        <p:nvSpPr>
+          <p:cNvPr id="4" name="Espace réservé du numéro de diapositive 3"/>
+          <p:cNvSpPr>
+            <a:spLocks noGrp="1"/>
+          </p:cNvSpPr>
+          <p:nvPr>
+            <p:ph type="sldNum" sz="quarter" idx="10"/>
+          </p:nvPr>
+        </p:nvSpPr>
+        <p:spPr/>
+        <p:txBody>
+          <a:bodyPr/>
+          <a:lstStyle/>
+          <a:p>
+            <a:fld id="{5F0D6C09-BCA6-44EF-99A6-4587823B287A}" type="slidenum">
+              <a:rPr lang="fr-FR" smtClean="0"/>
+              <a:t>5</a:t>
+            </a:fld>
+            <a:endParaRPr lang="fr-FR"/>
+          </a:p>
+        </p:txBody>
+      </p:sp>
+    </p:spTree>
+    <p:extLst>
+      <p:ext uri="{BB962C8B-B14F-4D97-AF65-F5344CB8AC3E}">
+        <p14:creationId xmlns:p14="http://schemas.microsoft.com/office/powerpoint/2010/main" val="3066388644"/>
+      </p:ext>
+    </p:extLst>
+  </p:cSld>
+  <p:clrMapOvr>
+    <a:masterClrMapping/>
+  </p:clrMapOvr>
+</p:notes>
+</file>
+
+<file path=ppt/notesSlides/notesSlide6.xml><?xml version="1.0" encoding="utf-8"?>
+<p:notes xmlns:a="http://schemas.openxmlformats.org/drawingml/2006/main" xmlns:r="http://schemas.openxmlformats.org/officeDocument/2006/relationships" xmlns:p="http://schemas.openxmlformats.org/presentationml/2006/main">
+  <p:cSld>
+    <p:spTree>
+      <p:nvGrpSpPr>
+        <p:cNvPr id="1" name=""/>
+        <p:cNvGrpSpPr/>
+        <p:nvPr/>
+      </p:nvGrpSpPr>
+      <p:grpSpPr>
+        <a:xfrm>
+          <a:off x="0" y="0"/>
+          <a:ext cx="0" cy="0"/>
+          <a:chOff x="0" y="0"/>
+          <a:chExt cx="0" cy="0"/>
+        </a:xfrm>
+      </p:grpSpPr>
+      <p:sp>
+        <p:nvSpPr>
+          <p:cNvPr id="2" name="Espace réservé de l'image des diapositives 1"/>
+          <p:cNvSpPr>
+            <a:spLocks noGrp="1" noRot="1" noChangeAspect="1"/>
+          </p:cNvSpPr>
+          <p:nvPr>
+            <p:ph type="sldImg"/>
+          </p:nvPr>
+        </p:nvSpPr>
+        <p:spPr/>
+      </p:sp>
+      <p:sp>
+        <p:nvSpPr>
+          <p:cNvPr id="3" name="Espace réservé des commentaires 2"/>
+          <p:cNvSpPr>
+            <a:spLocks noGrp="1"/>
+          </p:cNvSpPr>
+          <p:nvPr>
+            <p:ph type="body" idx="1"/>
+          </p:nvPr>
+        </p:nvSpPr>
+        <p:spPr/>
+        <p:txBody>
+          <a:bodyPr/>
+          <a:lstStyle/>
+          <a:p>
+            <a:endParaRPr lang="fr-FR"/>
+          </a:p>
+        </p:txBody>
+      </p:sp>
+      <p:sp>
+        <p:nvSpPr>
+          <p:cNvPr id="4" name="Espace réservé du numéro de diapositive 3"/>
+          <p:cNvSpPr>
+            <a:spLocks noGrp="1"/>
+          </p:cNvSpPr>
+          <p:nvPr>
+            <p:ph type="sldNum" sz="quarter" idx="10"/>
+          </p:nvPr>
+        </p:nvSpPr>
+        <p:spPr/>
+        <p:txBody>
+          <a:bodyPr/>
+          <a:lstStyle/>
+          <a:p>
+            <a:fld id="{5F0D6C09-BCA6-44EF-99A6-4587823B287A}" type="slidenum">
+              <a:rPr lang="fr-FR" smtClean="0"/>
+              <a:t>6</a:t>
+            </a:fld>
+            <a:endParaRPr lang="fr-FR"/>
+          </a:p>
+        </p:txBody>
+      </p:sp>
+    </p:spTree>
+    <p:extLst>
+      <p:ext uri="{BB962C8B-B14F-4D97-AF65-F5344CB8AC3E}">
+        <p14:creationId xmlns:p14="http://schemas.microsoft.com/office/powerpoint/2010/main" val="3166773888"/>
+      </p:ext>
+    </p:extLst>
+  </p:cSld>
+  <p:clrMapOvr>
+    <a:masterClrMapping/>
+  </p:clrMapOvr>
+</p:notes>
+</file>
+
+<file path=ppt/notesSlides/notesSlide7.xml><?xml version="1.0" encoding="utf-8"?>
+<p:notes xmlns:a="http://schemas.openxmlformats.org/drawingml/2006/main" xmlns:r="http://schemas.openxmlformats.org/officeDocument/2006/relationships" xmlns:p="http://schemas.openxmlformats.org/presentationml/2006/main">
+  <p:cSld>
+    <p:spTree>
+      <p:nvGrpSpPr>
+        <p:cNvPr id="1" name=""/>
+        <p:cNvGrpSpPr/>
+        <p:nvPr/>
+      </p:nvGrpSpPr>
+      <p:grpSpPr>
+        <a:xfrm>
+          <a:off x="0" y="0"/>
+          <a:ext cx="0" cy="0"/>
+          <a:chOff x="0" y="0"/>
+          <a:chExt cx="0" cy="0"/>
+        </a:xfrm>
+      </p:grpSpPr>
+      <p:sp>
+        <p:nvSpPr>
+          <p:cNvPr id="2" name="Espace réservé de l'image des diapositives 1"/>
+          <p:cNvSpPr>
+            <a:spLocks noGrp="1" noRot="1" noChangeAspect="1"/>
+          </p:cNvSpPr>
+          <p:nvPr>
+            <p:ph type="sldImg"/>
+          </p:nvPr>
+        </p:nvSpPr>
+        <p:spPr/>
+      </p:sp>
+      <p:sp>
+        <p:nvSpPr>
+          <p:cNvPr id="3" name="Espace réservé des commentaires 2"/>
+          <p:cNvSpPr>
+            <a:spLocks noGrp="1"/>
+          </p:cNvSpPr>
+          <p:nvPr>
+            <p:ph type="body" idx="1"/>
+          </p:nvPr>
+        </p:nvSpPr>
+        <p:spPr/>
+        <p:txBody>
+          <a:bodyPr/>
+          <a:lstStyle/>
+          <a:p>
+            <a:endParaRPr lang="fr-FR"/>
+          </a:p>
+        </p:txBody>
+      </p:sp>
+      <p:sp>
+        <p:nvSpPr>
+          <p:cNvPr id="4" name="Espace réservé du numéro de diapositive 3"/>
+          <p:cNvSpPr>
+            <a:spLocks noGrp="1"/>
+          </p:cNvSpPr>
+          <p:nvPr>
+            <p:ph type="sldNum" sz="quarter" idx="10"/>
+          </p:nvPr>
+        </p:nvSpPr>
+        <p:spPr/>
+        <p:txBody>
+          <a:bodyPr/>
+          <a:lstStyle/>
+          <a:p>
+            <a:fld id="{5F0D6C09-BCA6-44EF-99A6-4587823B287A}" type="slidenum">
+              <a:rPr lang="fr-FR" smtClean="0"/>
+              <a:t>7</a:t>
+            </a:fld>
+            <a:endParaRPr lang="fr-FR"/>
+          </a:p>
+        </p:txBody>
+      </p:sp>
+    </p:spTree>
+    <p:extLst>
+      <p:ext uri="{BB962C8B-B14F-4D97-AF65-F5344CB8AC3E}">
+        <p14:creationId xmlns:p14="http://schemas.microsoft.com/office/powerpoint/2010/main" val="1786076127"/>
+      </p:ext>
+    </p:extLst>
+  </p:cSld>
+  <p:clrMapOvr>
+    <a:masterClrMapping/>
+  </p:clrMapOvr>
+</p:notes>
+</file>
+
+<file path=ppt/notesSlides/notesSlide8.xml><?xml version="1.0" encoding="utf-8"?>
+<p:notes xmlns:a="http://schemas.openxmlformats.org/drawingml/2006/main" xmlns:r="http://schemas.openxmlformats.org/officeDocument/2006/relationships" xmlns:p="http://schemas.openxmlformats.org/presentationml/2006/main">
+  <p:cSld>
+    <p:spTree>
+      <p:nvGrpSpPr>
+        <p:cNvPr id="1" name=""/>
+        <p:cNvGrpSpPr/>
+        <p:nvPr/>
+      </p:nvGrpSpPr>
+      <p:grpSpPr>
+        <a:xfrm>
+          <a:off x="0" y="0"/>
+          <a:ext cx="0" cy="0"/>
+          <a:chOff x="0" y="0"/>
+          <a:chExt cx="0" cy="0"/>
+        </a:xfrm>
+      </p:grpSpPr>
+      <p:sp>
+        <p:nvSpPr>
+          <p:cNvPr id="2" name="Espace réservé de l'image des diapositives 1"/>
+          <p:cNvSpPr>
+            <a:spLocks noGrp="1" noRot="1" noChangeAspect="1"/>
+          </p:cNvSpPr>
+          <p:nvPr>
+            <p:ph type="sldImg"/>
+          </p:nvPr>
+        </p:nvSpPr>
+        <p:spPr/>
+      </p:sp>
+      <p:sp>
+        <p:nvSpPr>
+          <p:cNvPr id="3" name="Espace réservé des commentaires 2"/>
+          <p:cNvSpPr>
+            <a:spLocks noGrp="1"/>
+          </p:cNvSpPr>
+          <p:nvPr>
+            <p:ph type="body" idx="1"/>
+          </p:nvPr>
+        </p:nvSpPr>
+        <p:spPr/>
+        <p:txBody>
+          <a:bodyPr/>
+          <a:lstStyle/>
+          <a:p>
+            <a:endParaRPr lang="fr-FR"/>
+          </a:p>
+        </p:txBody>
+      </p:sp>
+      <p:sp>
+        <p:nvSpPr>
+          <p:cNvPr id="4" name="Espace réservé du numéro de diapositive 3"/>
+          <p:cNvSpPr>
+            <a:spLocks noGrp="1"/>
+          </p:cNvSpPr>
+          <p:nvPr>
+            <p:ph type="sldNum" sz="quarter" idx="10"/>
+          </p:nvPr>
+        </p:nvSpPr>
+        <p:spPr/>
+        <p:txBody>
+          <a:bodyPr/>
+          <a:lstStyle/>
+          <a:p>
+            <a:fld id="{5F0D6C09-BCA6-44EF-99A6-4587823B287A}" type="slidenum">
+              <a:rPr lang="fr-FR" smtClean="0"/>
+              <a:t>8</a:t>
+            </a:fld>
+            <a:endParaRPr lang="fr-FR"/>
+          </a:p>
+        </p:txBody>
+      </p:sp>
+    </p:spTree>
+    <p:extLst>
+      <p:ext uri="{BB962C8B-B14F-4D97-AF65-F5344CB8AC3E}">
+        <p14:creationId xmlns:p14="http://schemas.microsoft.com/office/powerpoint/2010/main" val="3337367080"/>
+      </p:ext>
+    </p:extLst>
+  </p:cSld>
+  <p:clrMapOvr>
+    <a:masterClrMapping/>
+  </p:clrMapOvr>
+</p:notes>
+</file>
+
+<file path=ppt/notesSlides/notesSlide9.xml><?xml version="1.0" encoding="utf-8"?>
+<p:notes xmlns:a="http://schemas.openxmlformats.org/drawingml/2006/main" xmlns:r="http://schemas.openxmlformats.org/officeDocument/2006/relationships" xmlns:p="http://schemas.openxmlformats.org/presentationml/2006/main">
+  <p:cSld>
+    <p:spTree>
+      <p:nvGrpSpPr>
+        <p:cNvPr id="1" name=""/>
+        <p:cNvGrpSpPr/>
+        <p:nvPr/>
+      </p:nvGrpSpPr>
+      <p:grpSpPr>
+        <a:xfrm>
+          <a:off x="0" y="0"/>
+          <a:ext cx="0" cy="0"/>
+          <a:chOff x="0" y="0"/>
+          <a:chExt cx="0" cy="0"/>
+        </a:xfrm>
+      </p:grpSpPr>
+      <p:sp>
+        <p:nvSpPr>
+          <p:cNvPr id="2" name="Espace réservé de l'image des diapositives 1"/>
+          <p:cNvSpPr>
+            <a:spLocks noGrp="1" noRot="1" noChangeAspect="1"/>
+          </p:cNvSpPr>
+          <p:nvPr>
+            <p:ph type="sldImg"/>
+          </p:nvPr>
+        </p:nvSpPr>
+        <p:spPr/>
+      </p:sp>
+      <p:sp>
+        <p:nvSpPr>
+          <p:cNvPr id="3" name="Espace réservé des commentaires 2"/>
+          <p:cNvSpPr>
+            <a:spLocks noGrp="1"/>
+          </p:cNvSpPr>
+          <p:nvPr>
+            <p:ph type="body" idx="1"/>
+          </p:nvPr>
+        </p:nvSpPr>
+        <p:spPr/>
+        <p:txBody>
+          <a:bodyPr/>
+          <a:lstStyle/>
+          <a:p>
+            <a:endParaRPr lang="fr-FR"/>
+          </a:p>
+        </p:txBody>
+      </p:sp>
+      <p:sp>
+        <p:nvSpPr>
+          <p:cNvPr id="4" name="Espace réservé du numéro de diapositive 3"/>
+          <p:cNvSpPr>
+            <a:spLocks noGrp="1"/>
+          </p:cNvSpPr>
+          <p:nvPr>
+            <p:ph type="sldNum" sz="quarter" idx="10"/>
+          </p:nvPr>
+        </p:nvSpPr>
+        <p:spPr/>
+        <p:txBody>
+          <a:bodyPr/>
+          <a:lstStyle/>
+          <a:p>
+            <a:fld id="{5F0D6C09-BCA6-44EF-99A6-4587823B287A}" type="slidenum">
+              <a:rPr lang="fr-FR" smtClean="0"/>
+              <a:t>9</a:t>
+            </a:fld>
+            <a:endParaRPr lang="fr-FR"/>
+          </a:p>
+        </p:txBody>
+      </p:sp>
+    </p:spTree>
+    <p:extLst>
+      <p:ext uri="{BB962C8B-B14F-4D97-AF65-F5344CB8AC3E}">
+        <p14:creationId xmlns:p14="http://schemas.microsoft.com/office/powerpoint/2010/main" val="2404095630"/>
+      </p:ext>
+    </p:extLst>
+  </p:cSld>
+  <p:clrMapOvr>
+    <a:masterClrMapping/>
+  </p:clrMapOvr>
+</p:notes>
+</file>
+
 <file path=ppt/slideLayouts/slideLayout1.xml><?xml version="1.0" encoding="utf-8"?>
 <p:sldLayout xmlns:a="http://schemas.openxmlformats.org/drawingml/2006/main" xmlns:r="http://schemas.openxmlformats.org/officeDocument/2006/relationships" xmlns:p="http://schemas.openxmlformats.org/presentationml/2006/main" showMasterSp="0" type="title" preserve="1">
   <p:cSld name="Diapositive de titre">
@@ -790,7 +2294,7 @@
           <a:p>
             <a:fld id="{4570C44E-2547-490C-B96B-C5716BE8A211}" type="datetime1">
               <a:rPr lang="fr-FR" smtClean="0"/>
-              <a:t>19/03/2014</a:t>
+              <a:t>26/03/2014</a:t>
             </a:fld>
             <a:endParaRPr lang="fr-FR"/>
           </a:p>
@@ -1659,7 +3163,7 @@
           <a:p>
             <a:fld id="{747E099B-BEB6-4FA8-A989-B5CEC6EE96A6}" type="datetime1">
               <a:rPr lang="fr-FR" smtClean="0"/>
-              <a:t>19/03/2014</a:t>
+              <a:t>26/03/2014</a:t>
             </a:fld>
             <a:endParaRPr lang="fr-FR"/>
           </a:p>
@@ -1834,7 +3338,7 @@
           <a:p>
             <a:fld id="{40DE265D-AE92-4B24-A80E-B18047B1C1D8}" type="datetime1">
               <a:rPr lang="fr-FR" smtClean="0"/>
-              <a:t>19/03/2014</a:t>
+              <a:t>26/03/2014</a:t>
             </a:fld>
             <a:endParaRPr lang="fr-FR"/>
           </a:p>
@@ -2004,7 +3508,7 @@
           <a:p>
             <a:fld id="{B833870E-E628-4B55-8FAC-7DEBA033199C}" type="datetime1">
               <a:rPr lang="fr-FR" smtClean="0"/>
-              <a:t>19/03/2014</a:t>
+              <a:t>26/03/2014</a:t>
             </a:fld>
             <a:endParaRPr lang="fr-FR"/>
           </a:p>
@@ -2223,7 +3727,7 @@
           <a:p>
             <a:fld id="{A67C8C45-4A33-4265-B602-D5E2C8444F9A}" type="datetime1">
               <a:rPr lang="fr-FR" smtClean="0"/>
-              <a:t>19/03/2014</a:t>
+              <a:t>26/03/2014</a:t>
             </a:fld>
             <a:endParaRPr lang="fr-FR"/>
           </a:p>
@@ -3037,7 +4541,7 @@
           <a:p>
             <a:fld id="{25CB6C03-371A-4D23-837F-61C5BAFAE300}" type="datetime1">
               <a:rPr lang="fr-FR" smtClean="0"/>
-              <a:t>19/03/2014</a:t>
+              <a:t>26/03/2014</a:t>
             </a:fld>
             <a:endParaRPr lang="fr-FR"/>
           </a:p>
@@ -3273,7 +4777,7 @@
           <a:p>
             <a:fld id="{86EFE65D-E49E-4ACC-802E-2FE5FA140AA8}" type="datetime1">
               <a:rPr lang="fr-FR" smtClean="0"/>
-              <a:t>19/03/2014</a:t>
+              <a:t>26/03/2014</a:t>
             </a:fld>
             <a:endParaRPr lang="fr-FR"/>
           </a:p>
@@ -3596,7 +5100,7 @@
           <a:p>
             <a:fld id="{BD2FCB01-C649-48F3-B16D-AB4366149D3F}" type="datetime1">
               <a:rPr lang="fr-FR" smtClean="0"/>
-              <a:t>19/03/2014</a:t>
+              <a:t>26/03/2014</a:t>
             </a:fld>
             <a:endParaRPr lang="fr-FR"/>
           </a:p>
@@ -3686,7 +5190,7 @@
           <a:p>
             <a:fld id="{8E4AC928-9A8D-4820-8569-8A1256CEB675}" type="datetime1">
               <a:rPr lang="fr-FR" smtClean="0"/>
-              <a:t>19/03/2014</a:t>
+              <a:t>26/03/2014</a:t>
             </a:fld>
             <a:endParaRPr lang="fr-FR"/>
           </a:p>
@@ -4203,7 +5707,7 @@
           <a:p>
             <a:fld id="{A3A61092-D682-48D6-9115-A8828AD70E20}" type="datetime1">
               <a:rPr lang="fr-FR" smtClean="0"/>
-              <a:t>19/03/2014</a:t>
+              <a:t>26/03/2014</a:t>
             </a:fld>
             <a:endParaRPr lang="fr-FR"/>
           </a:p>
@@ -4714,7 +6218,7 @@
           <a:p>
             <a:fld id="{67835B05-DF05-4BBA-868F-A88A58FB33D1}" type="datetime1">
               <a:rPr lang="fr-FR" smtClean="0"/>
-              <a:t>19/03/2014</a:t>
+              <a:t>26/03/2014</a:t>
             </a:fld>
             <a:endParaRPr lang="fr-FR"/>
           </a:p>
@@ -4960,7 +6464,7 @@
           <a:p>
             <a:fld id="{8F35236E-3142-47C6-A5D5-7DD086936AB6}" type="datetime1">
               <a:rPr lang="fr-FR" smtClean="0"/>
-              <a:t>19/03/2014</a:t>
+              <a:t>26/03/2014</a:t>
             </a:fld>
             <a:endParaRPr lang="fr-FR"/>
           </a:p>
@@ -5315,8 +6819,29 @@
                 </a:solidFill>
                 <a:latin typeface="Calibri" panose="020F0502020204030204" pitchFamily="34" charset="0"/>
               </a:rPr>
-              <a:t>Introduction à la modélisation acausale en Terminale STI2D et S - SI - Applications avec Scilab / SIMM Patrick Beynet - Xavier Pessoles - Académie de Nice</a:t>
-            </a:r>
+              <a:t>Introduction à la modélisation acausale en Terminale STI2D et S - SI - Applications avec Scilab / SIMM Patrick Beynet - Xavier </a:t>
+            </a:r>
+            <a:r>
+              <a:rPr lang="fr-FR" sz="1000" dirty="0" smtClean="0">
+                <a:solidFill>
+                  <a:schemeClr val="tx2">
+                    <a:lumMod val="40000"/>
+                    <a:lumOff val="60000"/>
+                  </a:schemeClr>
+                </a:solidFill>
+                <a:latin typeface="Calibri" panose="020F0502020204030204" pitchFamily="34" charset="0"/>
+              </a:rPr>
+              <a:t>Pessoles</a:t>
+            </a:r>
+            <a:endParaRPr lang="fr-FR" sz="1000" dirty="0" smtClean="0">
+              <a:solidFill>
+                <a:schemeClr val="tx2">
+                  <a:lumMod val="40000"/>
+                  <a:lumOff val="60000"/>
+                </a:schemeClr>
+              </a:solidFill>
+              <a:latin typeface="Calibri" panose="020F0502020204030204" pitchFamily="34" charset="0"/>
+            </a:endParaRPr>
           </a:p>
         </p:txBody>
       </p:sp>
@@ -5656,36 +7181,71 @@
         </p:nvSpPr>
         <p:spPr>
           <a:xfrm>
-            <a:off x="2267744" y="2348880"/>
+            <a:off x="2267744" y="2780928"/>
             <a:ext cx="6172200" cy="1894362"/>
           </a:xfrm>
         </p:spPr>
         <p:txBody>
           <a:bodyPr>
-            <a:normAutofit/>
+            <a:normAutofit fontScale="90000"/>
           </a:bodyPr>
           <a:lstStyle/>
           <a:p>
             <a:r>
+              <a:rPr lang="fr-FR" sz="2400" dirty="0"/>
+              <a:t>Modélisation multiphysique causale et </a:t>
+            </a:r>
+            <a:r>
               <a:rPr lang="fr-FR" sz="2400" dirty="0" smtClean="0"/>
-              <a:t>Découverte du </a:t>
+              <a:t>acausale</a:t>
+            </a:r>
+            <a:br>
+              <a:rPr lang="fr-FR" sz="2400" dirty="0" smtClean="0"/>
+            </a:br>
+            <a:r>
+              <a:rPr lang="fr-FR" sz="2400" dirty="0" smtClean="0"/>
+              <a:t/>
+            </a:r>
+            <a:br>
+              <a:rPr lang="fr-FR" sz="2400" dirty="0" smtClean="0"/>
+            </a:br>
+            <a:r>
+              <a:rPr lang="fr-FR" sz="2400" dirty="0" smtClean="0"/>
+              <a:t>Découverte </a:t>
             </a:r>
             <a:r>
               <a:rPr lang="fr-FR" sz="2400" dirty="0"/>
-              <a:t>logiciel SCILAB </a:t>
+              <a:t>du logiciel SCILAB – Module  </a:t>
+            </a:r>
+            <a:r>
+              <a:rPr lang="fr-FR" sz="2400" dirty="0" err="1"/>
+              <a:t>Xcos</a:t>
+            </a:r>
+            <a:r>
+              <a:rPr lang="fr-FR" sz="2400" dirty="0"/>
+              <a:t> – </a:t>
             </a:r>
             <a:r>
               <a:rPr lang="fr-FR" sz="2400" dirty="0" smtClean="0"/>
-              <a:t>Modélisations </a:t>
-            </a:r>
+              <a:t>SIMM</a:t>
+            </a:r>
+            <a:br>
+              <a:rPr lang="fr-FR" sz="2400" dirty="0" smtClean="0"/>
+            </a:br>
+            <a:r>
+              <a:rPr lang="fr-FR" sz="2000" dirty="0"/>
+              <a:t>Simulation du comportement des systèmes</a:t>
+            </a:r>
+            <a:br>
+              <a:rPr lang="fr-FR" sz="2000" dirty="0"/>
+            </a:br>
             <a:r>
               <a:rPr lang="fr-FR" sz="2400" dirty="0"/>
-              <a:t>multi-physiques causales et acausales, avec simulation du </a:t>
-            </a:r>
-            <a:r>
-              <a:rPr lang="fr-FR" sz="2400" dirty="0" smtClean="0"/>
-              <a:t>comportement</a:t>
-            </a:r>
+              <a:t/>
+            </a:r>
+            <a:br>
+              <a:rPr lang="fr-FR" sz="2400" dirty="0"/>
+            </a:br>
             <a:endParaRPr lang="fr-FR" sz="2400" dirty="0"/>
           </a:p>
         </p:txBody>
@@ -5700,37 +7260,29 @@
             <p:ph type="subTitle" idx="1"/>
           </p:nvPr>
         </p:nvSpPr>
-        <p:spPr/>
+        <p:spPr>
+          <a:xfrm>
+            <a:off x="2267744" y="5486400"/>
+            <a:ext cx="6172200" cy="1371600"/>
+          </a:xfrm>
+        </p:spPr>
         <p:txBody>
           <a:bodyPr/>
           <a:lstStyle/>
           <a:p>
             <a:r>
+              <a:rPr lang="fr-FR" dirty="0" smtClean="0"/>
+              <a:t>Démonstrations </a:t>
+            </a:r>
+            <a:r>
               <a:rPr lang="fr-FR" dirty="0"/>
-              <a:t>Utilisation du logiciel libre de droits Scilab et de ses modules </a:t>
-            </a:r>
-            <a:r>
-              <a:rPr lang="fr-FR" dirty="0" err="1"/>
-              <a:t>Xcos</a:t>
-            </a:r>
-            <a:r>
-              <a:rPr lang="fr-FR" dirty="0"/>
-              <a:t> et </a:t>
-            </a:r>
-            <a:r>
-              <a:rPr lang="fr-FR" dirty="0" err="1" smtClean="0"/>
-              <a:t>Coselica</a:t>
-            </a:r>
-            <a:endParaRPr lang="fr-FR" dirty="0" smtClean="0"/>
-          </a:p>
-          <a:p>
-            <a:endParaRPr lang="fr-FR" dirty="0" smtClean="0"/>
-          </a:p>
-          <a:p>
-            <a:r>
-              <a:rPr lang="fr-FR" dirty="0"/>
-              <a:t>Démonstrations et applications</a:t>
-            </a:r>
+              <a:t>et </a:t>
+            </a:r>
+            <a:r>
+              <a:rPr lang="fr-FR" dirty="0" smtClean="0"/>
+              <a:t>applications</a:t>
+            </a:r>
+            <a:endParaRPr lang="fr-FR" dirty="0"/>
           </a:p>
         </p:txBody>
       </p:sp>
@@ -5946,7 +7498,7 @@
                 <a:ext cx="4087165" cy="3816424"/>
               </a:xfrm>
               <a:blipFill rotWithShape="1">
-                <a:blip r:embed="rId2"/>
+                <a:blip r:embed="rId3"/>
                 <a:stretch>
                   <a:fillRect l="-149" t="-799" r="-447"/>
                 </a:stretch>
@@ -6005,7 +7557,7 @@
             <a:pPr lvl="1"/>
             <a:r>
               <a:rPr lang="fr-FR" dirty="0" smtClean="0"/>
-              <a:t>Recherche de solutions analytiques simplifiée</a:t>
+              <a:t>Recherche des solutions analytiques simplifiée</a:t>
             </a:r>
           </a:p>
           <a:p>
@@ -6047,7 +7599,7 @@
           <p:nvPr/>
         </p:nvPicPr>
         <p:blipFill>
-          <a:blip r:embed="rId3">
+          <a:blip r:embed="rId4">
             <a:extLst>
               <a:ext uri="{28A0092B-C50C-407E-A947-70E740481C1C}">
                 <a14:useLocalDpi xmlns:a14="http://schemas.microsoft.com/office/drawing/2010/main" val="0"/>
@@ -6303,7 +7855,7 @@
             <a:pPr lvl="1"/>
             <a:r>
               <a:rPr lang="fr-FR" dirty="0" smtClean="0"/>
-              <a:t>Attention : le solveur peut être perçu comme une boîte noire qui peut conduire à une non – résolution du système.</a:t>
+              <a:t>Attention : le solveur peut être perçu comme une boîte noire qui peut conduire à une non – résolution du système d’équations.</a:t>
             </a:r>
           </a:p>
         </p:txBody>
@@ -6403,7 +7955,12 @@
             <p:ph sz="quarter" idx="1"/>
           </p:nvPr>
         </p:nvSpPr>
-        <p:spPr/>
+        <p:spPr>
+          <a:xfrm>
+            <a:off x="251520" y="1124744"/>
+            <a:ext cx="7920880" cy="5205192"/>
+          </a:xfrm>
+        </p:spPr>
         <p:txBody>
           <a:bodyPr/>
           <a:lstStyle/>
@@ -6446,7 +8003,7 @@
             <a:pPr lvl="1"/>
             <a:r>
               <a:rPr lang="fr-FR" dirty="0" smtClean="0"/>
-              <a:t>Elle est réalisée à partir de plusieurs analyses temporelles</a:t>
+              <a:t>Elle peut être réalisée à partir de plusieurs analyses temporelles</a:t>
             </a:r>
           </a:p>
         </p:txBody>
@@ -6483,7 +8040,7 @@
           <p:nvPr/>
         </p:nvPicPr>
         <p:blipFill>
-          <a:blip r:embed="rId2">
+          <a:blip r:embed="rId3">
             <a:extLst>
               <a:ext uri="{28A0092B-C50C-407E-A947-70E740481C1C}">
                 <a14:useLocalDpi xmlns:a14="http://schemas.microsoft.com/office/drawing/2010/main" val="0"/>
@@ -6632,7 +8189,7 @@
           <p:nvPr/>
         </p:nvPicPr>
         <p:blipFill>
-          <a:blip r:embed="rId2" cstate="print">
+          <a:blip r:embed="rId3" cstate="print">
             <a:extLst>
               <a:ext uri="{28A0092B-C50C-407E-A947-70E740481C1C}">
                 <a14:useLocalDpi xmlns:a14="http://schemas.microsoft.com/office/drawing/2010/main" val="0"/>
@@ -6646,8 +8203,8 @@
         </p:blipFill>
         <p:spPr bwMode="auto">
           <a:xfrm>
-            <a:off x="136486" y="4437112"/>
-            <a:ext cx="3540744" cy="1307351"/>
+            <a:off x="3565982" y="1412776"/>
+            <a:ext cx="4571387" cy="1687896"/>
           </a:xfrm>
           <a:prstGeom prst="rect">
             <a:avLst/>
@@ -6655,13 +8212,7 @@
           <a:ln>
             <a:noFill/>
           </a:ln>
-          <a:effectLst>
-            <a:outerShdw blurRad="292100" dist="139700" dir="2700000" algn="tl" rotWithShape="0">
-              <a:srgbClr val="333333">
-                <a:alpha val="65000"/>
-              </a:srgbClr>
-            </a:outerShdw>
-          </a:effectLst>
+          <a:effectLst/>
           <a:extLst>
             <a:ext uri="{909E8E84-426E-40DD-AFC4-6F175D3DCCD1}">
               <a14:hiddenFill xmlns:a14="http://schemas.microsoft.com/office/drawing/2010/main">
@@ -6692,7 +8243,7 @@
           <p:nvPr/>
         </p:nvPicPr>
         <p:blipFill>
-          <a:blip r:embed="rId3" cstate="print">
+          <a:blip r:embed="rId4" cstate="print">
             <a:extLst>
               <a:ext uri="{28A0092B-C50C-407E-A947-70E740481C1C}">
                 <a14:useLocalDpi xmlns:a14="http://schemas.microsoft.com/office/drawing/2010/main" val="0"/>
@@ -6755,7 +8306,7 @@
         </p:nvSpPr>
         <p:spPr>
           <a:xfrm>
-            <a:off x="-216532" y="2760670"/>
+            <a:off x="-246707" y="2576004"/>
             <a:ext cx="2736304" cy="369332"/>
           </a:xfrm>
           <a:prstGeom prst="rect">
@@ -6784,48 +8335,13 @@
       </p:sp>
       <p:sp>
         <p:nvSpPr>
-          <p:cNvPr id="13" name="ZoneTexte 12"/>
-          <p:cNvSpPr txBox="1"/>
-          <p:nvPr/>
-        </p:nvSpPr>
-        <p:spPr>
-          <a:xfrm>
-            <a:off x="4571999" y="2945336"/>
-            <a:ext cx="3529675" cy="369332"/>
-          </a:xfrm>
-          <a:prstGeom prst="rect">
-            <a:avLst/>
-          </a:prstGeom>
-          <a:noFill/>
-        </p:spPr>
-        <p:txBody>
-          <a:bodyPr wrap="square" rtlCol="0">
-            <a:spAutoFit/>
-          </a:bodyPr>
-          <a:lstStyle/>
-          <a:p>
-            <a:pPr algn="ctr"/>
-            <a:r>
-              <a:rPr lang="fr-FR" i="1" dirty="0" smtClean="0">
-                <a:latin typeface="Calibri" panose="020F0502020204030204" pitchFamily="34" charset="0"/>
-              </a:rPr>
-              <a:t>Modèle de connaissance</a:t>
-            </a:r>
-            <a:endParaRPr lang="fr-FR" i="1" dirty="0">
-              <a:latin typeface="Calibri" panose="020F0502020204030204" pitchFamily="34" charset="0"/>
-            </a:endParaRPr>
-          </a:p>
-        </p:txBody>
-      </p:sp>
-      <p:sp>
-        <p:nvSpPr>
           <p:cNvPr id="14" name="ZoneTexte 13"/>
           <p:cNvSpPr txBox="1"/>
           <p:nvPr/>
         </p:nvSpPr>
         <p:spPr>
           <a:xfrm>
-            <a:off x="269755" y="5949280"/>
+            <a:off x="4483524" y="3150016"/>
             <a:ext cx="2736304" cy="369332"/>
           </a:xfrm>
           <a:prstGeom prst="rect">
@@ -6861,7 +8377,7 @@
           <p:nvPr/>
         </p:nvPicPr>
         <p:blipFill>
-          <a:blip r:embed="rId4">
+          <a:blip r:embed="rId5">
             <a:extLst>
               <a:ext uri="{28A0092B-C50C-407E-A947-70E740481C1C}">
                 <a14:useLocalDpi xmlns:a14="http://schemas.microsoft.com/office/drawing/2010/main" val="0"/>
@@ -6875,8 +8391,8 @@
         </p:blipFill>
         <p:spPr bwMode="auto">
           <a:xfrm>
-            <a:off x="3357859" y="3861048"/>
-            <a:ext cx="5957954" cy="2171446"/>
+            <a:off x="683568" y="3588994"/>
+            <a:ext cx="7453801" cy="2716625"/>
           </a:xfrm>
           <a:prstGeom prst="rect">
             <a:avLst/>
@@ -6924,7 +8440,7 @@
         </p:nvSpPr>
         <p:spPr>
           <a:xfrm>
-            <a:off x="4968684" y="5949280"/>
+            <a:off x="3954250" y="5853073"/>
             <a:ext cx="2736304" cy="369332"/>
           </a:xfrm>
           <a:prstGeom prst="rect">
@@ -6951,751 +8467,6 @@
           </a:p>
         </p:txBody>
       </p:sp>
-      <mc:AlternateContent xmlns:mc="http://schemas.openxmlformats.org/markup-compatibility/2006" xmlns:a14="http://schemas.microsoft.com/office/drawing/2010/main">
-        <mc:Choice Requires="a14">
-          <p:sp>
-            <p:nvSpPr>
-              <p:cNvPr id="2" name="Rectangle 1"/>
-              <p:cNvSpPr/>
-              <p:nvPr/>
-            </p:nvSpPr>
-            <p:spPr>
-              <a:xfrm>
-                <a:off x="4050836" y="921447"/>
-                <a:ext cx="4572000" cy="1978490"/>
-              </a:xfrm>
-              <a:prstGeom prst="rect">
-                <a:avLst/>
-              </a:prstGeom>
-            </p:spPr>
-            <p:txBody>
-              <a:bodyPr>
-                <a:spAutoFit/>
-              </a:bodyPr>
-              <a:lstStyle/>
-              <a:p>
-                <a:pPr lvl="2" algn="ctr"/>
-                <a14:m>
-                  <m:oMathPara xmlns:m="http://schemas.openxmlformats.org/officeDocument/2006/math">
-                    <m:oMathParaPr>
-                      <m:jc m:val="centerGroup"/>
-                    </m:oMathParaPr>
-                    <m:oMath xmlns:m="http://schemas.openxmlformats.org/officeDocument/2006/math">
-                      <m:r>
-                        <a:rPr lang="fr-FR" i="1">
-                          <a:latin typeface="Cambria Math"/>
-                        </a:rPr>
-                        <m:t>𝑢</m:t>
-                      </m:r>
-                      <m:d>
-                        <m:dPr>
-                          <m:ctrlPr>
-                            <a:rPr lang="fr-FR" i="1">
-                              <a:latin typeface="Cambria Math"/>
-                            </a:rPr>
-                          </m:ctrlPr>
-                        </m:dPr>
-                        <m:e>
-                          <m:r>
-                            <a:rPr lang="fr-FR" i="1">
-                              <a:latin typeface="Cambria Math"/>
-                            </a:rPr>
-                            <m:t>𝑡</m:t>
-                          </m:r>
-                        </m:e>
-                      </m:d>
-                      <m:r>
-                        <a:rPr lang="fr-FR" i="1">
-                          <a:latin typeface="Cambria Math"/>
-                        </a:rPr>
-                        <m:t>=</m:t>
-                      </m:r>
-                      <m:r>
-                        <a:rPr lang="fr-FR" i="1">
-                          <a:latin typeface="Cambria Math"/>
-                        </a:rPr>
-                        <m:t>𝑒</m:t>
-                      </m:r>
-                      <m:d>
-                        <m:dPr>
-                          <m:ctrlPr>
-                            <a:rPr lang="fr-FR" i="1">
-                              <a:latin typeface="Cambria Math"/>
-                            </a:rPr>
-                          </m:ctrlPr>
-                        </m:dPr>
-                        <m:e>
-                          <m:r>
-                            <a:rPr lang="fr-FR" i="1">
-                              <a:latin typeface="Cambria Math"/>
-                            </a:rPr>
-                            <m:t>𝑡</m:t>
-                          </m:r>
-                        </m:e>
-                      </m:d>
-                      <m:r>
-                        <a:rPr lang="fr-FR" i="1">
-                          <a:latin typeface="Cambria Math"/>
-                        </a:rPr>
-                        <m:t>+</m:t>
-                      </m:r>
-                      <m:r>
-                        <a:rPr lang="fr-FR" i="1">
-                          <a:latin typeface="Cambria Math"/>
-                        </a:rPr>
-                        <m:t>𝐿</m:t>
-                      </m:r>
-                      <m:f>
-                        <m:fPr>
-                          <m:ctrlPr>
-                            <a:rPr lang="fr-FR" i="1">
-                              <a:latin typeface="Cambria Math"/>
-                            </a:rPr>
-                          </m:ctrlPr>
-                        </m:fPr>
-                        <m:num>
-                          <m:r>
-                            <a:rPr lang="fr-FR" i="1">
-                              <a:latin typeface="Cambria Math"/>
-                            </a:rPr>
-                            <m:t>𝑑𝑖</m:t>
-                          </m:r>
-                          <m:r>
-                            <a:rPr lang="fr-FR" i="1">
-                              <a:latin typeface="Cambria Math"/>
-                            </a:rPr>
-                            <m:t>(</m:t>
-                          </m:r>
-                          <m:r>
-                            <a:rPr lang="fr-FR" i="1">
-                              <a:latin typeface="Cambria Math"/>
-                            </a:rPr>
-                            <m:t>𝑡</m:t>
-                          </m:r>
-                          <m:r>
-                            <a:rPr lang="fr-FR" i="1">
-                              <a:latin typeface="Cambria Math"/>
-                            </a:rPr>
-                            <m:t>)</m:t>
-                          </m:r>
-                        </m:num>
-                        <m:den>
-                          <m:r>
-                            <a:rPr lang="fr-FR" i="1">
-                              <a:latin typeface="Cambria Math"/>
-                            </a:rPr>
-                            <m:t>𝑑𝑡</m:t>
-                          </m:r>
-                        </m:den>
-                      </m:f>
-                      <m:r>
-                        <a:rPr lang="fr-FR" i="1">
-                          <a:latin typeface="Cambria Math"/>
-                        </a:rPr>
-                        <m:t>+</m:t>
-                      </m:r>
-                      <m:r>
-                        <a:rPr lang="fr-FR" i="1">
-                          <a:latin typeface="Cambria Math"/>
-                        </a:rPr>
-                        <m:t>𝑅𝑖</m:t>
-                      </m:r>
-                      <m:r>
-                        <a:rPr lang="fr-FR" i="1">
-                          <a:latin typeface="Cambria Math"/>
-                        </a:rPr>
-                        <m:t>(</m:t>
-                      </m:r>
-                      <m:r>
-                        <a:rPr lang="fr-FR" i="1">
-                          <a:latin typeface="Cambria Math"/>
-                        </a:rPr>
-                        <m:t>𝑡</m:t>
-                      </m:r>
-                      <m:r>
-                        <a:rPr lang="fr-FR" i="1">
-                          <a:latin typeface="Cambria Math"/>
-                        </a:rPr>
-                        <m:t>)</m:t>
-                      </m:r>
-                    </m:oMath>
-                  </m:oMathPara>
-                </a14:m>
-                <a:endParaRPr lang="fr-FR" dirty="0"/>
-              </a:p>
-              <a:p>
-                <a:pPr lvl="2" algn="ctr"/>
-                <a14:m>
-                  <m:oMathPara xmlns:m="http://schemas.openxmlformats.org/officeDocument/2006/math">
-                    <m:oMathParaPr>
-                      <m:jc m:val="centerGroup"/>
-                    </m:oMathParaPr>
-                    <m:oMath xmlns:m="http://schemas.openxmlformats.org/officeDocument/2006/math">
-                      <m:r>
-                        <a:rPr lang="fr-FR" i="1">
-                          <a:latin typeface="Cambria Math"/>
-                        </a:rPr>
-                        <m:t>𝐽</m:t>
-                      </m:r>
-                      <m:f>
-                        <m:fPr>
-                          <m:ctrlPr>
-                            <a:rPr lang="fr-FR" i="1">
-                              <a:latin typeface="Cambria Math"/>
-                            </a:rPr>
-                          </m:ctrlPr>
-                        </m:fPr>
-                        <m:num>
-                          <m:r>
-                            <a:rPr lang="fr-FR" i="1">
-                              <a:latin typeface="Cambria Math"/>
-                            </a:rPr>
-                            <m:t>𝑑</m:t>
-                          </m:r>
-                          <m:sSub>
-                            <m:sSubPr>
-                              <m:ctrlPr>
-                                <a:rPr lang="fr-FR" i="1">
-                                  <a:latin typeface="Cambria Math"/>
-                                </a:rPr>
-                              </m:ctrlPr>
-                            </m:sSubPr>
-                            <m:e>
-                              <m:r>
-                                <a:rPr lang="fr-FR" i="1">
-                                  <a:latin typeface="Cambria Math"/>
-                                </a:rPr>
-                                <m:t>𝜔</m:t>
-                              </m:r>
-                            </m:e>
-                            <m:sub>
-                              <m:r>
-                                <a:rPr lang="fr-FR" i="1">
-                                  <a:latin typeface="Cambria Math"/>
-                                </a:rPr>
-                                <m:t>𝑚</m:t>
-                              </m:r>
-                            </m:sub>
-                          </m:sSub>
-                          <m:r>
-                            <a:rPr lang="fr-FR" i="1">
-                              <a:latin typeface="Cambria Math"/>
-                            </a:rPr>
-                            <m:t>(</m:t>
-                          </m:r>
-                          <m:r>
-                            <a:rPr lang="fr-FR" i="1">
-                              <a:latin typeface="Cambria Math"/>
-                            </a:rPr>
-                            <m:t>𝑡</m:t>
-                          </m:r>
-                          <m:r>
-                            <a:rPr lang="fr-FR" i="1">
-                              <a:latin typeface="Cambria Math"/>
-                            </a:rPr>
-                            <m:t>)</m:t>
-                          </m:r>
-                        </m:num>
-                        <m:den>
-                          <m:r>
-                            <a:rPr lang="fr-FR" i="1">
-                              <a:latin typeface="Cambria Math"/>
-                            </a:rPr>
-                            <m:t>𝑑𝑡</m:t>
-                          </m:r>
-                        </m:den>
-                      </m:f>
-                      <m:r>
-                        <a:rPr lang="fr-FR" i="1">
-                          <a:latin typeface="Cambria Math"/>
-                        </a:rPr>
-                        <m:t>=</m:t>
-                      </m:r>
-                      <m:sSub>
-                        <m:sSubPr>
-                          <m:ctrlPr>
-                            <a:rPr lang="fr-FR" i="1">
-                              <a:latin typeface="Cambria Math"/>
-                            </a:rPr>
-                          </m:ctrlPr>
-                        </m:sSubPr>
-                        <m:e>
-                          <m:r>
-                            <a:rPr lang="fr-FR" i="1">
-                              <a:latin typeface="Cambria Math"/>
-                            </a:rPr>
-                            <m:t>𝑐</m:t>
-                          </m:r>
-                        </m:e>
-                        <m:sub>
-                          <m:r>
-                            <a:rPr lang="fr-FR" i="1">
-                              <a:latin typeface="Cambria Math"/>
-                            </a:rPr>
-                            <m:t>𝑚</m:t>
-                          </m:r>
-                        </m:sub>
-                      </m:sSub>
-                      <m:d>
-                        <m:dPr>
-                          <m:ctrlPr>
-                            <a:rPr lang="fr-FR" i="1">
-                              <a:latin typeface="Cambria Math"/>
-                            </a:rPr>
-                          </m:ctrlPr>
-                        </m:dPr>
-                        <m:e>
-                          <m:r>
-                            <a:rPr lang="fr-FR" i="1">
-                              <a:latin typeface="Cambria Math"/>
-                            </a:rPr>
-                            <m:t>𝑡</m:t>
-                          </m:r>
-                        </m:e>
-                      </m:d>
-                      <m:r>
-                        <a:rPr lang="fr-FR" i="1">
-                          <a:latin typeface="Cambria Math"/>
-                        </a:rPr>
-                        <m:t>−</m:t>
-                      </m:r>
-                      <m:sSub>
-                        <m:sSubPr>
-                          <m:ctrlPr>
-                            <a:rPr lang="fr-FR" i="1">
-                              <a:latin typeface="Cambria Math"/>
-                            </a:rPr>
-                          </m:ctrlPr>
-                        </m:sSubPr>
-                        <m:e>
-                          <m:r>
-                            <a:rPr lang="fr-FR" i="1">
-                              <a:latin typeface="Cambria Math"/>
-                            </a:rPr>
-                            <m:t>𝑐</m:t>
-                          </m:r>
-                        </m:e>
-                        <m:sub>
-                          <m:r>
-                            <a:rPr lang="fr-FR" i="1">
-                              <a:latin typeface="Cambria Math"/>
-                            </a:rPr>
-                            <m:t>𝑟</m:t>
-                          </m:r>
-                        </m:sub>
-                      </m:sSub>
-                      <m:r>
-                        <a:rPr lang="fr-FR" i="1">
-                          <a:latin typeface="Cambria Math"/>
-                        </a:rPr>
-                        <m:t>(</m:t>
-                      </m:r>
-                      <m:r>
-                        <a:rPr lang="fr-FR" i="1">
-                          <a:latin typeface="Cambria Math"/>
-                        </a:rPr>
-                        <m:t>𝑡</m:t>
-                      </m:r>
-                      <m:r>
-                        <a:rPr lang="fr-FR" i="1">
-                          <a:latin typeface="Cambria Math"/>
-                        </a:rPr>
-                        <m:t>)</m:t>
-                      </m:r>
-                    </m:oMath>
-                  </m:oMathPara>
-                </a14:m>
-                <a:endParaRPr lang="fr-FR" dirty="0"/>
-              </a:p>
-              <a:p>
-                <a:pPr lvl="2" algn="ctr"/>
-                <a14:m>
-                  <m:oMathPara xmlns:m="http://schemas.openxmlformats.org/officeDocument/2006/math">
-                    <m:oMathParaPr>
-                      <m:jc m:val="centerGroup"/>
-                    </m:oMathParaPr>
-                    <m:oMath xmlns:m="http://schemas.openxmlformats.org/officeDocument/2006/math">
-                      <m:sSub>
-                        <m:sSubPr>
-                          <m:ctrlPr>
-                            <a:rPr lang="fr-FR" i="1">
-                              <a:latin typeface="Cambria Math"/>
-                            </a:rPr>
-                          </m:ctrlPr>
-                        </m:sSubPr>
-                        <m:e>
-                          <m:r>
-                            <a:rPr lang="fr-FR" i="1">
-                              <a:latin typeface="Cambria Math"/>
-                            </a:rPr>
-                            <m:t>𝑐</m:t>
-                          </m:r>
-                        </m:e>
-                        <m:sub>
-                          <m:r>
-                            <a:rPr lang="fr-FR" i="1">
-                              <a:latin typeface="Cambria Math"/>
-                            </a:rPr>
-                            <m:t>𝑟</m:t>
-                          </m:r>
-                        </m:sub>
-                      </m:sSub>
-                      <m:d>
-                        <m:dPr>
-                          <m:ctrlPr>
-                            <a:rPr lang="fr-FR" i="1">
-                              <a:latin typeface="Cambria Math"/>
-                            </a:rPr>
-                          </m:ctrlPr>
-                        </m:dPr>
-                        <m:e>
-                          <m:r>
-                            <a:rPr lang="fr-FR" i="1">
-                              <a:latin typeface="Cambria Math"/>
-                            </a:rPr>
-                            <m:t>𝑡</m:t>
-                          </m:r>
-                        </m:e>
-                      </m:d>
-                      <m:r>
-                        <a:rPr lang="fr-FR" i="1">
-                          <a:latin typeface="Cambria Math"/>
-                        </a:rPr>
-                        <m:t>=</m:t>
-                      </m:r>
-                      <m:sSub>
-                        <m:sSubPr>
-                          <m:ctrlPr>
-                            <a:rPr lang="fr-FR" i="1">
-                              <a:latin typeface="Cambria Math"/>
-                            </a:rPr>
-                          </m:ctrlPr>
-                        </m:sSubPr>
-                        <m:e>
-                          <m:r>
-                            <a:rPr lang="fr-FR" i="1">
-                              <a:latin typeface="Cambria Math"/>
-                            </a:rPr>
-                            <m:t>𝑓</m:t>
-                          </m:r>
-                        </m:e>
-                        <m:sub>
-                          <m:r>
-                            <a:rPr lang="fr-FR" i="1">
-                              <a:latin typeface="Cambria Math"/>
-                            </a:rPr>
-                            <m:t>𝑣</m:t>
-                          </m:r>
-                        </m:sub>
-                      </m:sSub>
-                      <m:sSub>
-                        <m:sSubPr>
-                          <m:ctrlPr>
-                            <a:rPr lang="fr-FR" i="1">
-                              <a:latin typeface="Cambria Math"/>
-                            </a:rPr>
-                          </m:ctrlPr>
-                        </m:sSubPr>
-                        <m:e>
-                          <m:r>
-                            <a:rPr lang="fr-FR" i="1">
-                              <a:latin typeface="Cambria Math"/>
-                            </a:rPr>
-                            <m:t>𝜔</m:t>
-                          </m:r>
-                        </m:e>
-                        <m:sub>
-                          <m:r>
-                            <a:rPr lang="fr-FR" i="1">
-                              <a:latin typeface="Cambria Math"/>
-                            </a:rPr>
-                            <m:t>𝑚</m:t>
-                          </m:r>
-                        </m:sub>
-                      </m:sSub>
-                      <m:r>
-                        <a:rPr lang="fr-FR" i="1">
-                          <a:latin typeface="Cambria Math"/>
-                        </a:rPr>
-                        <m:t>(</m:t>
-                      </m:r>
-                      <m:r>
-                        <a:rPr lang="fr-FR" i="1">
-                          <a:latin typeface="Cambria Math"/>
-                        </a:rPr>
-                        <m:t>𝑡</m:t>
-                      </m:r>
-                      <m:r>
-                        <a:rPr lang="fr-FR" i="1">
-                          <a:latin typeface="Cambria Math"/>
-                        </a:rPr>
-                        <m:t>)</m:t>
-                      </m:r>
-                    </m:oMath>
-                  </m:oMathPara>
-                </a14:m>
-                <a:endParaRPr lang="fr-FR" dirty="0"/>
-              </a:p>
-              <a:p>
-                <a:pPr lvl="2" algn="ctr"/>
-                <a14:m>
-                  <m:oMathPara xmlns:m="http://schemas.openxmlformats.org/officeDocument/2006/math">
-                    <m:oMathParaPr>
-                      <m:jc m:val="centerGroup"/>
-                    </m:oMathParaPr>
-                    <m:oMath xmlns:m="http://schemas.openxmlformats.org/officeDocument/2006/math">
-                      <m:r>
-                        <a:rPr lang="fr-FR" i="1">
-                          <a:latin typeface="Cambria Math"/>
-                        </a:rPr>
-                        <m:t>𝑒</m:t>
-                      </m:r>
-                      <m:d>
-                        <m:dPr>
-                          <m:ctrlPr>
-                            <a:rPr lang="fr-FR" i="1">
-                              <a:latin typeface="Cambria Math"/>
-                            </a:rPr>
-                          </m:ctrlPr>
-                        </m:dPr>
-                        <m:e>
-                          <m:r>
-                            <a:rPr lang="fr-FR" i="1">
-                              <a:latin typeface="Cambria Math"/>
-                            </a:rPr>
-                            <m:t>𝑡</m:t>
-                          </m:r>
-                        </m:e>
-                      </m:d>
-                      <m:r>
-                        <a:rPr lang="fr-FR" i="1">
-                          <a:latin typeface="Cambria Math"/>
-                        </a:rPr>
-                        <m:t>=</m:t>
-                      </m:r>
-                      <m:sSub>
-                        <m:sSubPr>
-                          <m:ctrlPr>
-                            <a:rPr lang="fr-FR" i="1">
-                              <a:latin typeface="Cambria Math"/>
-                            </a:rPr>
-                          </m:ctrlPr>
-                        </m:sSubPr>
-                        <m:e>
-                          <m:r>
-                            <a:rPr lang="fr-FR" i="1">
-                              <a:latin typeface="Cambria Math"/>
-                            </a:rPr>
-                            <m:t>𝐾</m:t>
-                          </m:r>
-                        </m:e>
-                        <m:sub>
-                          <m:r>
-                            <a:rPr lang="fr-FR" i="1">
-                              <a:latin typeface="Cambria Math"/>
-                            </a:rPr>
-                            <m:t>𝐸</m:t>
-                          </m:r>
-                        </m:sub>
-                      </m:sSub>
-                      <m:sSub>
-                        <m:sSubPr>
-                          <m:ctrlPr>
-                            <a:rPr lang="fr-FR" i="1">
-                              <a:latin typeface="Cambria Math"/>
-                            </a:rPr>
-                          </m:ctrlPr>
-                        </m:sSubPr>
-                        <m:e>
-                          <m:r>
-                            <a:rPr lang="fr-FR" i="1">
-                              <a:latin typeface="Cambria Math"/>
-                            </a:rPr>
-                            <m:t>𝜔</m:t>
-                          </m:r>
-                        </m:e>
-                        <m:sub>
-                          <m:r>
-                            <a:rPr lang="fr-FR" i="1">
-                              <a:latin typeface="Cambria Math"/>
-                            </a:rPr>
-                            <m:t>𝑚</m:t>
-                          </m:r>
-                        </m:sub>
-                      </m:sSub>
-                      <m:d>
-                        <m:dPr>
-                          <m:ctrlPr>
-                            <a:rPr lang="fr-FR" i="1">
-                              <a:latin typeface="Cambria Math"/>
-                            </a:rPr>
-                          </m:ctrlPr>
-                        </m:dPr>
-                        <m:e>
-                          <m:r>
-                            <a:rPr lang="fr-FR" i="1">
-                              <a:latin typeface="Cambria Math"/>
-                            </a:rPr>
-                            <m:t>𝑡</m:t>
-                          </m:r>
-                        </m:e>
-                      </m:d>
-                    </m:oMath>
-                  </m:oMathPara>
-                </a14:m>
-                <a:endParaRPr lang="fr-FR" dirty="0"/>
-              </a:p>
-              <a:p>
-                <a:pPr lvl="2" algn="ctr"/>
-                <a14:m>
-                  <m:oMathPara xmlns:m="http://schemas.openxmlformats.org/officeDocument/2006/math">
-                    <m:oMathParaPr>
-                      <m:jc m:val="centerGroup"/>
-                    </m:oMathParaPr>
-                    <m:oMath xmlns:m="http://schemas.openxmlformats.org/officeDocument/2006/math">
-                      <m:sSub>
-                        <m:sSubPr>
-                          <m:ctrlPr>
-                            <a:rPr lang="fr-FR" i="1">
-                              <a:latin typeface="Cambria Math"/>
-                            </a:rPr>
-                          </m:ctrlPr>
-                        </m:sSubPr>
-                        <m:e>
-                          <m:r>
-                            <a:rPr lang="fr-FR" i="1">
-                              <a:latin typeface="Cambria Math"/>
-                            </a:rPr>
-                            <m:t>𝑐</m:t>
-                          </m:r>
-                        </m:e>
-                        <m:sub>
-                          <m:r>
-                            <a:rPr lang="fr-FR" i="1">
-                              <a:latin typeface="Cambria Math"/>
-                            </a:rPr>
-                            <m:t>𝑚</m:t>
-                          </m:r>
-                        </m:sub>
-                      </m:sSub>
-                      <m:d>
-                        <m:dPr>
-                          <m:ctrlPr>
-                            <a:rPr lang="fr-FR" i="1">
-                              <a:latin typeface="Cambria Math"/>
-                            </a:rPr>
-                          </m:ctrlPr>
-                        </m:dPr>
-                        <m:e>
-                          <m:r>
-                            <a:rPr lang="fr-FR" i="1">
-                              <a:latin typeface="Cambria Math"/>
-                            </a:rPr>
-                            <m:t>𝑡</m:t>
-                          </m:r>
-                        </m:e>
-                      </m:d>
-                      <m:r>
-                        <a:rPr lang="fr-FR" i="1">
-                          <a:latin typeface="Cambria Math"/>
-                        </a:rPr>
-                        <m:t>=</m:t>
-                      </m:r>
-                      <m:sSub>
-                        <m:sSubPr>
-                          <m:ctrlPr>
-                            <a:rPr lang="fr-FR" i="1">
-                              <a:latin typeface="Cambria Math"/>
-                            </a:rPr>
-                          </m:ctrlPr>
-                        </m:sSubPr>
-                        <m:e>
-                          <m:r>
-                            <a:rPr lang="fr-FR" i="1">
-                              <a:latin typeface="Cambria Math"/>
-                            </a:rPr>
-                            <m:t>𝐾</m:t>
-                          </m:r>
-                        </m:e>
-                        <m:sub>
-                          <m:r>
-                            <a:rPr lang="fr-FR" i="1">
-                              <a:latin typeface="Cambria Math"/>
-                            </a:rPr>
-                            <m:t>𝐶</m:t>
-                          </m:r>
-                        </m:sub>
-                      </m:sSub>
-                      <m:r>
-                        <a:rPr lang="fr-FR" i="1">
-                          <a:latin typeface="Cambria Math"/>
-                        </a:rPr>
-                        <m:t>𝑖</m:t>
-                      </m:r>
-                      <m:d>
-                        <m:dPr>
-                          <m:ctrlPr>
-                            <a:rPr lang="fr-FR" i="1">
-                              <a:latin typeface="Cambria Math"/>
-                            </a:rPr>
-                          </m:ctrlPr>
-                        </m:dPr>
-                        <m:e>
-                          <m:r>
-                            <a:rPr lang="fr-FR" i="1">
-                              <a:latin typeface="Cambria Math"/>
-                            </a:rPr>
-                            <m:t>𝑡</m:t>
-                          </m:r>
-                        </m:e>
-                      </m:d>
-                    </m:oMath>
-                  </m:oMathPara>
-                </a14:m>
-                <a:endParaRPr lang="fr-FR" dirty="0"/>
-              </a:p>
-            </p:txBody>
-          </p:sp>
-        </mc:Choice>
-        <mc:Fallback xmlns="">
-          <p:sp>
-            <p:nvSpPr>
-              <p:cNvPr id="2" name="Rectangle 1"/>
-              <p:cNvSpPr>
-                <a:spLocks noRot="1" noChangeAspect="1" noMove="1" noResize="1" noEditPoints="1" noAdjustHandles="1" noChangeArrowheads="1" noChangeShapeType="1" noTextEdit="1"/>
-              </p:cNvSpPr>
-              <p:nvPr/>
-            </p:nvSpPr>
-            <p:spPr>
-              <a:xfrm>
-                <a:off x="4050836" y="921447"/>
-                <a:ext cx="4572000" cy="1978490"/>
-              </a:xfrm>
-              <a:prstGeom prst="rect">
-                <a:avLst/>
-              </a:prstGeom>
-              <a:blipFill rotWithShape="1">
-                <a:blip r:embed="rId5"/>
-                <a:stretch>
-                  <a:fillRect/>
-                </a:stretch>
-              </a:blipFill>
-            </p:spPr>
-            <p:txBody>
-              <a:bodyPr/>
-              <a:lstStyle/>
-              <a:p>
-                <a:r>
-                  <a:rPr lang="fr-FR">
-                    <a:noFill/>
-                  </a:rPr>
-                  <a:t> </a:t>
-                </a:r>
-              </a:p>
-            </p:txBody>
-          </p:sp>
-        </mc:Fallback>
-      </mc:AlternateContent>
     </p:spTree>
     <p:extLst>
       <p:ext uri="{BB962C8B-B14F-4D97-AF65-F5344CB8AC3E}">
@@ -7706,6 +8477,13 @@
   <p:clrMapOvr>
     <a:masterClrMapping/>
   </p:clrMapOvr>
+  <p:timing>
+    <p:tnLst>
+      <p:par>
+        <p:cTn id="1" dur="indefinite" restart="never" nodeType="tmRoot"/>
+      </p:par>
+    </p:tnLst>
+  </p:timing>
 </p:sld>
 </file>
 
@@ -7800,7 +8578,7 @@
           <p:nvPr/>
         </p:nvPicPr>
         <p:blipFill>
-          <a:blip r:embed="rId2" cstate="print">
+          <a:blip r:embed="rId3" cstate="print">
             <a:extLst>
               <a:ext uri="{28A0092B-C50C-407E-A947-70E740481C1C}">
                 <a14:useLocalDpi xmlns:a14="http://schemas.microsoft.com/office/drawing/2010/main" val="0"/>
@@ -7864,7 +8642,7 @@
           <p:nvPr/>
         </p:nvPicPr>
         <p:blipFill>
-          <a:blip r:embed="rId3">
+          <a:blip r:embed="rId4">
             <a:extLst>
               <a:ext uri="{28A0092B-C50C-407E-A947-70E740481C1C}">
                 <a14:useLocalDpi xmlns:a14="http://schemas.microsoft.com/office/drawing/2010/main" val="0"/>
@@ -7928,7 +8706,7 @@
           <p:nvPr/>
         </p:nvPicPr>
         <p:blipFill>
-          <a:blip r:embed="rId4" cstate="print">
+          <a:blip r:embed="rId5" cstate="print">
             <a:extLst>
               <a:ext uri="{28A0092B-C50C-407E-A947-70E740481C1C}">
                 <a14:useLocalDpi xmlns:a14="http://schemas.microsoft.com/office/drawing/2010/main" val="0"/>
@@ -7993,6 +8771,13 @@
   <p:clrMapOvr>
     <a:masterClrMapping/>
   </p:clrMapOvr>
+  <p:timing>
+    <p:tnLst>
+      <p:par>
+        <p:cTn id="1" dur="indefinite" restart="never" nodeType="tmRoot"/>
+      </p:par>
+    </p:tnLst>
+  </p:timing>
 </p:sld>
 </file>
 
@@ -8092,6 +8877,13 @@
   <p:clrMapOvr>
     <a:masterClrMapping/>
   </p:clrMapOvr>
+  <p:timing>
+    <p:tnLst>
+      <p:par>
+        <p:cTn id="1" dur="indefinite" restart="never" nodeType="tmRoot"/>
+      </p:par>
+    </p:tnLst>
+  </p:timing>
 </p:sld>
 </file>
 
@@ -8184,7 +8976,7 @@
             </a:r>
             <a:r>
               <a:rPr lang="fr-FR" dirty="0" smtClean="0"/>
-              <a:t>et Scilab sont des logiciels de calcul numériques. Ils possèdent un langage de programmation (haut niveau) permettant (entre autre) de manipuler aisément des matrices et d’afficher des courbes de résultats.</a:t>
+              <a:t>et Scilab (…) sont des logiciels de calcul numérique. Ils possèdent un langage de programmation (haut niveau) permettant (entre autre) de manipuler aisément des matrices et d’afficher des courbes de résultats.</a:t>
             </a:r>
           </a:p>
           <a:p>
@@ -8205,7 +8997,17 @@
               <a:rPr lang="fr-FR" dirty="0" err="1" smtClean="0"/>
               <a:t>multiphysiques</a:t>
             </a:r>
-            <a:endParaRPr lang="fr-FR" dirty="0" smtClean="0"/>
+            <a:r>
+              <a:rPr lang="fr-FR" dirty="0" smtClean="0"/>
+              <a:t>.</a:t>
+            </a:r>
+          </a:p>
+          <a:p>
+            <a:pPr lvl="1"/>
+            <a:r>
+              <a:rPr lang="fr-FR" dirty="0" smtClean="0"/>
+              <a:t>Des modules dédiés permettent de réaliser des modèles causaux ou acausaux.</a:t>
+            </a:r>
           </a:p>
         </p:txBody>
       </p:sp>
@@ -8336,6 +9138,13 @@
   <p:clrMapOvr>
     <a:masterClrMapping/>
   </p:clrMapOvr>
+  <p:timing>
+    <p:tnLst>
+      <p:par>
+        <p:cTn id="1" dur="indefinite" restart="never" nodeType="tmRoot"/>
+      </p:par>
+    </p:tnLst>
+  </p:timing>
 </p:sld>
 </file>
 
@@ -8365,7 +9174,7 @@
           <p:nvPr/>
         </p:nvPicPr>
         <p:blipFill>
-          <a:blip r:embed="rId2">
+          <a:blip r:embed="rId3">
             <a:extLst>
               <a:ext uri="{28A0092B-C50C-407E-A947-70E740481C1C}">
                 <a14:useLocalDpi xmlns:a14="http://schemas.microsoft.com/office/drawing/2010/main" val="0"/>
@@ -8454,7 +9263,7 @@
             </a:br>
             <a:r>
               <a:rPr lang="fr-FR" dirty="0" smtClean="0"/>
-              <a:t>Module SIMM</a:t>
+              <a:t>Modules SIMM et COSELICA</a:t>
             </a:r>
             <a:endParaRPr lang="fr-FR" dirty="0"/>
           </a:p>
@@ -8747,6 +9556,13 @@
   <p:clrMapOvr>
     <a:masterClrMapping/>
   </p:clrMapOvr>
+  <p:timing>
+    <p:tnLst>
+      <p:par>
+        <p:cTn id="1" dur="indefinite" restart="never" nodeType="tmRoot"/>
+      </p:par>
+    </p:tnLst>
+  </p:timing>
 </p:sld>
 </file>
 
@@ -8830,48 +9646,6 @@
               <a:t>Activité 2 : enrichissement du modèle du moteur à courant continu :</a:t>
             </a:r>
           </a:p>
-          <a:p>
-            <a:pPr lvl="1"/>
-            <a:r>
-              <a:rPr lang="fr-FR" dirty="0" smtClean="0"/>
-              <a:t>Partie mécanique :</a:t>
-            </a:r>
-          </a:p>
-          <a:p>
-            <a:pPr lvl="2"/>
-            <a:r>
-              <a:rPr lang="fr-FR" dirty="0" smtClean="0"/>
-              <a:t>Prise en compte du frottement</a:t>
-            </a:r>
-          </a:p>
-          <a:p>
-            <a:pPr lvl="2"/>
-            <a:r>
-              <a:rPr lang="fr-FR" dirty="0" smtClean="0"/>
-              <a:t>Mesure de couple</a:t>
-            </a:r>
-          </a:p>
-          <a:p>
-            <a:pPr lvl="2"/>
-            <a:r>
-              <a:rPr lang="fr-FR" dirty="0" smtClean="0"/>
-              <a:t>Calcul de puissance</a:t>
-            </a:r>
-          </a:p>
-          <a:p>
-            <a:pPr lvl="1"/>
-            <a:r>
-              <a:rPr lang="fr-FR" dirty="0" smtClean="0"/>
-              <a:t>Partie électrique :</a:t>
-            </a:r>
-          </a:p>
-          <a:p>
-            <a:pPr lvl="2"/>
-            <a:r>
-              <a:rPr lang="fr-FR" dirty="0" smtClean="0"/>
-              <a:t>Modélisation de la partie commande</a:t>
-            </a:r>
-          </a:p>
         </p:txBody>
       </p:sp>
       <p:sp>
@@ -8907,122 +9681,13 @@
   <p:clrMapOvr>
     <a:masterClrMapping/>
   </p:clrMapOvr>
-</p:sld>
-</file>
-
-<file path=ppt/slides/slide19.xml><?xml version="1.0" encoding="utf-8"?>
-<p:sld xmlns:a="http://schemas.openxmlformats.org/drawingml/2006/main" xmlns:r="http://schemas.openxmlformats.org/officeDocument/2006/relationships" xmlns:p="http://schemas.openxmlformats.org/presentationml/2006/main">
-  <p:cSld>
-    <p:spTree>
-      <p:nvGrpSpPr>
-        <p:cNvPr id="1" name=""/>
-        <p:cNvGrpSpPr/>
-        <p:nvPr/>
-      </p:nvGrpSpPr>
-      <p:grpSpPr>
-        <a:xfrm>
-          <a:off x="0" y="0"/>
-          <a:ext cx="0" cy="0"/>
-          <a:chOff x="0" y="0"/>
-          <a:chExt cx="0" cy="0"/>
-        </a:xfrm>
-      </p:grpSpPr>
-      <p:sp>
-        <p:nvSpPr>
-          <p:cNvPr id="2" name="Titre 1"/>
-          <p:cNvSpPr>
-            <a:spLocks noGrp="1"/>
-          </p:cNvSpPr>
-          <p:nvPr>
-            <p:ph type="title"/>
-          </p:nvPr>
-        </p:nvSpPr>
-        <p:spPr/>
-        <p:txBody>
-          <a:bodyPr>
-            <a:normAutofit fontScale="90000"/>
-          </a:bodyPr>
-          <a:lstStyle/>
-          <a:p>
-            <a:r>
-              <a:rPr lang="fr-FR" dirty="0"/>
-              <a:t>Modélisation des systèmes avec Scilab / </a:t>
-            </a:r>
-            <a:r>
-              <a:rPr lang="fr-FR" dirty="0" err="1"/>
-              <a:t>Xcos</a:t>
-            </a:r>
-            <a:r>
-              <a:rPr lang="fr-FR" dirty="0"/>
-              <a:t/>
-            </a:r>
-            <a:br>
-              <a:rPr lang="fr-FR" dirty="0"/>
-            </a:br>
-            <a:r>
-              <a:rPr lang="fr-FR" dirty="0" smtClean="0"/>
-              <a:t>Pour aller plus loin </a:t>
-            </a:r>
-            <a:endParaRPr lang="fr-FR" dirty="0"/>
-          </a:p>
-        </p:txBody>
-      </p:sp>
-      <p:sp>
-        <p:nvSpPr>
-          <p:cNvPr id="3" name="Espace réservé du contenu 2"/>
-          <p:cNvSpPr>
-            <a:spLocks noGrp="1"/>
-          </p:cNvSpPr>
-          <p:nvPr>
-            <p:ph sz="quarter" idx="1"/>
-          </p:nvPr>
-        </p:nvSpPr>
-        <p:spPr/>
-        <p:txBody>
-          <a:bodyPr/>
-          <a:lstStyle/>
-          <a:p>
-            <a:r>
-              <a:rPr lang="fr-FR" dirty="0" smtClean="0"/>
-              <a:t>Bilan de puissance</a:t>
-            </a:r>
-            <a:endParaRPr lang="fr-FR" dirty="0"/>
-          </a:p>
-        </p:txBody>
-      </p:sp>
-      <p:sp>
-        <p:nvSpPr>
-          <p:cNvPr id="4" name="Espace réservé du numéro de diapositive 3"/>
-          <p:cNvSpPr>
-            <a:spLocks noGrp="1"/>
-          </p:cNvSpPr>
-          <p:nvPr>
-            <p:ph type="sldNum" sz="quarter" idx="15"/>
-          </p:nvPr>
-        </p:nvSpPr>
-        <p:spPr/>
-        <p:txBody>
-          <a:bodyPr/>
-          <a:lstStyle/>
-          <a:p>
-            <a:fld id="{136A7F36-7A21-4EA8-9DC2-F00219448035}" type="slidenum">
-              <a:rPr lang="fr-FR" smtClean="0"/>
-              <a:t>19</a:t>
-            </a:fld>
-            <a:endParaRPr lang="fr-FR"/>
-          </a:p>
-        </p:txBody>
-      </p:sp>
-    </p:spTree>
-    <p:extLst>
-      <p:ext uri="{BB962C8B-B14F-4D97-AF65-F5344CB8AC3E}">
-        <p14:creationId xmlns:p14="http://schemas.microsoft.com/office/powerpoint/2010/main" val="3154538276"/>
-      </p:ext>
-    </p:extLst>
-  </p:cSld>
-  <p:clrMapOvr>
-    <a:masterClrMapping/>
-  </p:clrMapOvr>
+  <p:timing>
+    <p:tnLst>
+      <p:par>
+        <p:cTn id="1" dur="indefinite" restart="never" nodeType="tmRoot"/>
+      </p:par>
+    </p:tnLst>
+  </p:timing>
 </p:sld>
 </file>
 
@@ -9067,7 +9732,7 @@
             <a:pPr lvl="1"/>
             <a:r>
               <a:rPr lang="fr-FR" dirty="0" smtClean="0"/>
-              <a:t>Modélisation multiphysique – Présentation</a:t>
+              <a:t>Présentation « Modélisation multiphysique »</a:t>
             </a:r>
           </a:p>
           <a:p>
@@ -9121,30 +9786,13 @@
             <a:pPr lvl="2"/>
             <a:r>
               <a:rPr lang="fr-FR" dirty="0" smtClean="0"/>
-              <a:t>TD – Fonctionnement d’une machine à courant continu</a:t>
-            </a:r>
-          </a:p>
-          <a:p>
-            <a:pPr lvl="2"/>
-            <a:r>
-              <a:rPr lang="fr-FR" dirty="0" smtClean="0"/>
-              <a:t>Projet – à investiguer : interfaçage </a:t>
-            </a:r>
-            <a:r>
-              <a:rPr lang="fr-FR" dirty="0" err="1" smtClean="0"/>
-              <a:t>Arduino</a:t>
-            </a:r>
-            <a:r>
-              <a:rPr lang="fr-FR" dirty="0" smtClean="0"/>
-              <a:t>/</a:t>
-            </a:r>
-            <a:r>
-              <a:rPr lang="fr-FR" dirty="0" err="1" smtClean="0"/>
-              <a:t>Xcos</a:t>
-            </a:r>
-            <a:endParaRPr lang="fr-FR" dirty="0" smtClean="0"/>
-          </a:p>
-          <a:p>
+              <a:t>TD – Fonctionnement de la commande d’une machine à courant continu</a:t>
+            </a:r>
+          </a:p>
+          <a:p>
+            <a:pPr marL="0" indent="0">
+              <a:buNone/>
+            </a:pPr>
             <a:endParaRPr lang="fr-FR" dirty="0"/>
           </a:p>
         </p:txBody>
@@ -9212,4783 +9860,6 @@
       </p:par>
     </p:tnLst>
   </p:timing>
-</p:sld>
-</file>
-
-<file path=ppt/slides/slide20.xml><?xml version="1.0" encoding="utf-8"?>
-<p:sld xmlns:a="http://schemas.openxmlformats.org/drawingml/2006/main" xmlns:r="http://schemas.openxmlformats.org/officeDocument/2006/relationships" xmlns:p="http://schemas.openxmlformats.org/presentationml/2006/main">
-  <p:cSld>
-    <p:spTree>
-      <p:nvGrpSpPr>
-        <p:cNvPr id="1" name=""/>
-        <p:cNvGrpSpPr/>
-        <p:nvPr/>
-      </p:nvGrpSpPr>
-      <p:grpSpPr>
-        <a:xfrm>
-          <a:off x="0" y="0"/>
-          <a:ext cx="0" cy="0"/>
-          <a:chOff x="0" y="0"/>
-          <a:chExt cx="0" cy="0"/>
-        </a:xfrm>
-      </p:grpSpPr>
-      <p:sp>
-        <p:nvSpPr>
-          <p:cNvPr id="2" name="Titre 1"/>
-          <p:cNvSpPr>
-            <a:spLocks noGrp="1"/>
-          </p:cNvSpPr>
-          <p:nvPr>
-            <p:ph type="title"/>
-          </p:nvPr>
-        </p:nvSpPr>
-        <p:spPr/>
-        <p:txBody>
-          <a:bodyPr>
-            <a:normAutofit fontScale="90000"/>
-          </a:bodyPr>
-          <a:lstStyle/>
-          <a:p>
-            <a:r>
-              <a:rPr lang="fr-FR" dirty="0"/>
-              <a:t>Modélisation des systèmes avec Scilab / </a:t>
-            </a:r>
-            <a:r>
-              <a:rPr lang="fr-FR" dirty="0" err="1"/>
-              <a:t>Xcos</a:t>
-            </a:r>
-            <a:r>
-              <a:rPr lang="fr-FR" dirty="0"/>
-              <a:t/>
-            </a:r>
-            <a:br>
-              <a:rPr lang="fr-FR" dirty="0"/>
-            </a:br>
-            <a:r>
-              <a:rPr lang="fr-FR" dirty="0" smtClean="0"/>
-              <a:t>Pour aller plus loin </a:t>
-            </a:r>
-            <a:endParaRPr lang="fr-FR" dirty="0"/>
-          </a:p>
-        </p:txBody>
-      </p:sp>
-      <p:sp>
-        <p:nvSpPr>
-          <p:cNvPr id="3" name="Espace réservé du contenu 2"/>
-          <p:cNvSpPr>
-            <a:spLocks noGrp="1"/>
-          </p:cNvSpPr>
-          <p:nvPr>
-            <p:ph sz="quarter" idx="1"/>
-          </p:nvPr>
-        </p:nvSpPr>
-        <p:spPr/>
-        <p:txBody>
-          <a:bodyPr/>
-          <a:lstStyle/>
-          <a:p>
-            <a:r>
-              <a:rPr lang="fr-FR" dirty="0" smtClean="0"/>
-              <a:t>Prise en compte d’une saturation</a:t>
-            </a:r>
-            <a:endParaRPr lang="fr-FR" dirty="0"/>
-          </a:p>
-        </p:txBody>
-      </p:sp>
-      <p:sp>
-        <p:nvSpPr>
-          <p:cNvPr id="4" name="Espace réservé du numéro de diapositive 3"/>
-          <p:cNvSpPr>
-            <a:spLocks noGrp="1"/>
-          </p:cNvSpPr>
-          <p:nvPr>
-            <p:ph type="sldNum" sz="quarter" idx="15"/>
-          </p:nvPr>
-        </p:nvSpPr>
-        <p:spPr/>
-        <p:txBody>
-          <a:bodyPr/>
-          <a:lstStyle/>
-          <a:p>
-            <a:fld id="{136A7F36-7A21-4EA8-9DC2-F00219448035}" type="slidenum">
-              <a:rPr lang="fr-FR" smtClean="0"/>
-              <a:t>20</a:t>
-            </a:fld>
-            <a:endParaRPr lang="fr-FR"/>
-          </a:p>
-        </p:txBody>
-      </p:sp>
-    </p:spTree>
-    <p:extLst>
-      <p:ext uri="{BB962C8B-B14F-4D97-AF65-F5344CB8AC3E}">
-        <p14:creationId xmlns:p14="http://schemas.microsoft.com/office/powerpoint/2010/main" val="2871089547"/>
-      </p:ext>
-    </p:extLst>
-  </p:cSld>
-  <p:clrMapOvr>
-    <a:masterClrMapping/>
-  </p:clrMapOvr>
-</p:sld>
-</file>
-
-<file path=ppt/slides/slide21.xml><?xml version="1.0" encoding="utf-8"?>
-<p:sld xmlns:a="http://schemas.openxmlformats.org/drawingml/2006/main" xmlns:r="http://schemas.openxmlformats.org/officeDocument/2006/relationships" xmlns:p="http://schemas.openxmlformats.org/presentationml/2006/main">
-  <p:cSld>
-    <p:spTree>
-      <p:nvGrpSpPr>
-        <p:cNvPr id="1" name=""/>
-        <p:cNvGrpSpPr/>
-        <p:nvPr/>
-      </p:nvGrpSpPr>
-      <p:grpSpPr>
-        <a:xfrm>
-          <a:off x="0" y="0"/>
-          <a:ext cx="0" cy="0"/>
-          <a:chOff x="0" y="0"/>
-          <a:chExt cx="0" cy="0"/>
-        </a:xfrm>
-      </p:grpSpPr>
-      <p:sp>
-        <p:nvSpPr>
-          <p:cNvPr id="2" name="Titre 1"/>
-          <p:cNvSpPr>
-            <a:spLocks noGrp="1"/>
-          </p:cNvSpPr>
-          <p:nvPr>
-            <p:ph type="title"/>
-          </p:nvPr>
-        </p:nvSpPr>
-        <p:spPr/>
-        <p:txBody>
-          <a:bodyPr/>
-          <a:lstStyle/>
-          <a:p>
-            <a:r>
-              <a:rPr lang="fr-FR" dirty="0" smtClean="0"/>
-              <a:t>Modélisation d’un système de laboratoire</a:t>
-            </a:r>
-            <a:endParaRPr lang="fr-FR" dirty="0"/>
-          </a:p>
-        </p:txBody>
-      </p:sp>
-      <p:sp>
-        <p:nvSpPr>
-          <p:cNvPr id="3" name="Espace réservé du texte 2"/>
-          <p:cNvSpPr>
-            <a:spLocks noGrp="1"/>
-          </p:cNvSpPr>
-          <p:nvPr>
-            <p:ph type="body" idx="1"/>
-          </p:nvPr>
-        </p:nvSpPr>
-        <p:spPr/>
-        <p:txBody>
-          <a:bodyPr/>
-          <a:lstStyle/>
-          <a:p>
-            <a:r>
-              <a:rPr lang="fr-FR" dirty="0" smtClean="0"/>
-              <a:t>Pilote automatique TP 30</a:t>
-            </a:r>
-            <a:endParaRPr lang="fr-FR" dirty="0"/>
-          </a:p>
-        </p:txBody>
-      </p:sp>
-      <p:sp>
-        <p:nvSpPr>
-          <p:cNvPr id="4" name="Espace réservé du numéro de diapositive 3"/>
-          <p:cNvSpPr>
-            <a:spLocks noGrp="1"/>
-          </p:cNvSpPr>
-          <p:nvPr>
-            <p:ph type="sldNum" sz="quarter" idx="12"/>
-          </p:nvPr>
-        </p:nvSpPr>
-        <p:spPr/>
-        <p:txBody>
-          <a:bodyPr/>
-          <a:lstStyle/>
-          <a:p>
-            <a:fld id="{136A7F36-7A21-4EA8-9DC2-F00219448035}" type="slidenum">
-              <a:rPr lang="fr-FR" smtClean="0"/>
-              <a:t>21</a:t>
-            </a:fld>
-            <a:endParaRPr lang="fr-FR"/>
-          </a:p>
-        </p:txBody>
-      </p:sp>
-    </p:spTree>
-    <p:extLst>
-      <p:ext uri="{BB962C8B-B14F-4D97-AF65-F5344CB8AC3E}">
-        <p14:creationId xmlns:p14="http://schemas.microsoft.com/office/powerpoint/2010/main" val="3672452185"/>
-      </p:ext>
-    </p:extLst>
-  </p:cSld>
-  <p:clrMapOvr>
-    <a:masterClrMapping/>
-  </p:clrMapOvr>
-</p:sld>
-</file>
-
-<file path=ppt/slides/slide22.xml><?xml version="1.0" encoding="utf-8"?>
-<p:sld xmlns:a="http://schemas.openxmlformats.org/drawingml/2006/main" xmlns:r="http://schemas.openxmlformats.org/officeDocument/2006/relationships" xmlns:p="http://schemas.openxmlformats.org/presentationml/2006/main">
-  <p:cSld>
-    <p:spTree>
-      <p:nvGrpSpPr>
-        <p:cNvPr id="1" name=""/>
-        <p:cNvGrpSpPr/>
-        <p:nvPr/>
-      </p:nvGrpSpPr>
-      <p:grpSpPr>
-        <a:xfrm>
-          <a:off x="0" y="0"/>
-          <a:ext cx="0" cy="0"/>
-          <a:chOff x="0" y="0"/>
-          <a:chExt cx="0" cy="0"/>
-        </a:xfrm>
-      </p:grpSpPr>
-      <p:sp>
-        <p:nvSpPr>
-          <p:cNvPr id="2" name="Titre 1"/>
-          <p:cNvSpPr>
-            <a:spLocks noGrp="1"/>
-          </p:cNvSpPr>
-          <p:nvPr>
-            <p:ph type="title"/>
-          </p:nvPr>
-        </p:nvSpPr>
-        <p:spPr/>
-        <p:txBody>
-          <a:bodyPr/>
-          <a:lstStyle/>
-          <a:p>
-            <a:r>
-              <a:rPr lang="fr-FR" dirty="0" smtClean="0"/>
-              <a:t>Modélisation d’un système de laboratoire</a:t>
-            </a:r>
-            <a:endParaRPr lang="fr-FR" dirty="0"/>
-          </a:p>
-        </p:txBody>
-      </p:sp>
-      <p:sp>
-        <p:nvSpPr>
-          <p:cNvPr id="3" name="Espace réservé du texte 2"/>
-          <p:cNvSpPr>
-            <a:spLocks noGrp="1"/>
-          </p:cNvSpPr>
-          <p:nvPr>
-            <p:ph type="body" idx="1"/>
-          </p:nvPr>
-        </p:nvSpPr>
-        <p:spPr/>
-        <p:txBody>
-          <a:bodyPr/>
-          <a:lstStyle/>
-          <a:p>
-            <a:r>
-              <a:rPr lang="fr-FR" dirty="0" smtClean="0"/>
-              <a:t>Portail solaire</a:t>
-            </a:r>
-            <a:endParaRPr lang="fr-FR" dirty="0"/>
-          </a:p>
-        </p:txBody>
-      </p:sp>
-      <p:sp>
-        <p:nvSpPr>
-          <p:cNvPr id="4" name="Espace réservé du numéro de diapositive 3"/>
-          <p:cNvSpPr>
-            <a:spLocks noGrp="1"/>
-          </p:cNvSpPr>
-          <p:nvPr>
-            <p:ph type="sldNum" sz="quarter" idx="12"/>
-          </p:nvPr>
-        </p:nvSpPr>
-        <p:spPr/>
-        <p:txBody>
-          <a:bodyPr/>
-          <a:lstStyle/>
-          <a:p>
-            <a:fld id="{136A7F36-7A21-4EA8-9DC2-F00219448035}" type="slidenum">
-              <a:rPr lang="fr-FR" smtClean="0"/>
-              <a:t>22</a:t>
-            </a:fld>
-            <a:endParaRPr lang="fr-FR"/>
-          </a:p>
-        </p:txBody>
-      </p:sp>
-    </p:spTree>
-    <p:extLst>
-      <p:ext uri="{BB962C8B-B14F-4D97-AF65-F5344CB8AC3E}">
-        <p14:creationId xmlns:p14="http://schemas.microsoft.com/office/powerpoint/2010/main" val="1932848669"/>
-      </p:ext>
-    </p:extLst>
-  </p:cSld>
-  <p:clrMapOvr>
-    <a:masterClrMapping/>
-  </p:clrMapOvr>
-</p:sld>
-</file>
-
-<file path=ppt/slides/slide23.xml><?xml version="1.0" encoding="utf-8"?>
-<p:sld xmlns:a="http://schemas.openxmlformats.org/drawingml/2006/main" xmlns:r="http://schemas.openxmlformats.org/officeDocument/2006/relationships" xmlns:p="http://schemas.openxmlformats.org/presentationml/2006/main">
-  <p:cSld>
-    <p:spTree>
-      <p:nvGrpSpPr>
-        <p:cNvPr id="1" name=""/>
-        <p:cNvGrpSpPr/>
-        <p:nvPr/>
-      </p:nvGrpSpPr>
-      <p:grpSpPr>
-        <a:xfrm>
-          <a:off x="0" y="0"/>
-          <a:ext cx="0" cy="0"/>
-          <a:chOff x="0" y="0"/>
-          <a:chExt cx="0" cy="0"/>
-        </a:xfrm>
-      </p:grpSpPr>
-      <p:sp>
-        <p:nvSpPr>
-          <p:cNvPr id="2" name="Titre 1"/>
-          <p:cNvSpPr>
-            <a:spLocks noGrp="1"/>
-          </p:cNvSpPr>
-          <p:nvPr>
-            <p:ph type="title"/>
-          </p:nvPr>
-        </p:nvSpPr>
-        <p:spPr/>
-        <p:txBody>
-          <a:bodyPr/>
-          <a:lstStyle/>
-          <a:p>
-            <a:r>
-              <a:rPr lang="fr-FR" dirty="0" smtClean="0"/>
-              <a:t>Étude de la machine à courant continu</a:t>
-            </a:r>
-            <a:endParaRPr lang="fr-FR" dirty="0"/>
-          </a:p>
-        </p:txBody>
-      </p:sp>
-      <p:sp>
-        <p:nvSpPr>
-          <p:cNvPr id="3" name="Espace réservé du texte 2"/>
-          <p:cNvSpPr>
-            <a:spLocks noGrp="1"/>
-          </p:cNvSpPr>
-          <p:nvPr>
-            <p:ph type="body" idx="1"/>
-          </p:nvPr>
-        </p:nvSpPr>
-        <p:spPr/>
-        <p:txBody>
-          <a:bodyPr/>
-          <a:lstStyle/>
-          <a:p>
-            <a:endParaRPr lang="fr-FR" dirty="0"/>
-          </a:p>
-        </p:txBody>
-      </p:sp>
-      <p:sp>
-        <p:nvSpPr>
-          <p:cNvPr id="4" name="Espace réservé du numéro de diapositive 3"/>
-          <p:cNvSpPr>
-            <a:spLocks noGrp="1"/>
-          </p:cNvSpPr>
-          <p:nvPr>
-            <p:ph type="sldNum" sz="quarter" idx="12"/>
-          </p:nvPr>
-        </p:nvSpPr>
-        <p:spPr/>
-        <p:txBody>
-          <a:bodyPr/>
-          <a:lstStyle/>
-          <a:p>
-            <a:fld id="{136A7F36-7A21-4EA8-9DC2-F00219448035}" type="slidenum">
-              <a:rPr lang="fr-FR" smtClean="0"/>
-              <a:t>23</a:t>
-            </a:fld>
-            <a:endParaRPr lang="fr-FR"/>
-          </a:p>
-        </p:txBody>
-      </p:sp>
-    </p:spTree>
-    <p:extLst>
-      <p:ext uri="{BB962C8B-B14F-4D97-AF65-F5344CB8AC3E}">
-        <p14:creationId xmlns:p14="http://schemas.microsoft.com/office/powerpoint/2010/main" val="1091603270"/>
-      </p:ext>
-    </p:extLst>
-  </p:cSld>
-  <p:clrMapOvr>
-    <a:masterClrMapping/>
-  </p:clrMapOvr>
-</p:sld>
-</file>
-
-<file path=ppt/slides/slide24.xml><?xml version="1.0" encoding="utf-8"?>
-<p:sld xmlns:a="http://schemas.openxmlformats.org/drawingml/2006/main" xmlns:r="http://schemas.openxmlformats.org/officeDocument/2006/relationships" xmlns:p="http://schemas.openxmlformats.org/presentationml/2006/main">
-  <p:cSld>
-    <p:spTree>
-      <p:nvGrpSpPr>
-        <p:cNvPr id="1" name=""/>
-        <p:cNvGrpSpPr/>
-        <p:nvPr/>
-      </p:nvGrpSpPr>
-      <p:grpSpPr>
-        <a:xfrm>
-          <a:off x="0" y="0"/>
-          <a:ext cx="0" cy="0"/>
-          <a:chOff x="0" y="0"/>
-          <a:chExt cx="0" cy="0"/>
-        </a:xfrm>
-      </p:grpSpPr>
-      <p:sp>
-        <p:nvSpPr>
-          <p:cNvPr id="4" name="Titre 3"/>
-          <p:cNvSpPr>
-            <a:spLocks noGrp="1"/>
-          </p:cNvSpPr>
-          <p:nvPr>
-            <p:ph type="title"/>
-          </p:nvPr>
-        </p:nvSpPr>
-        <p:spPr/>
-        <p:txBody>
-          <a:bodyPr/>
-          <a:lstStyle/>
-          <a:p>
-            <a:r>
-              <a:rPr lang="fr-FR" dirty="0" err="1" smtClean="0"/>
-              <a:t>Xcos</a:t>
-            </a:r>
-            <a:r>
-              <a:rPr lang="fr-FR" dirty="0" smtClean="0"/>
-              <a:t> &amp; </a:t>
-            </a:r>
-            <a:r>
-              <a:rPr lang="fr-FR" dirty="0" err="1" smtClean="0"/>
-              <a:t>Arduino</a:t>
-            </a:r>
-            <a:endParaRPr lang="fr-FR" dirty="0"/>
-          </a:p>
-        </p:txBody>
-      </p:sp>
-      <p:sp>
-        <p:nvSpPr>
-          <p:cNvPr id="5" name="Espace réservé du texte 4"/>
-          <p:cNvSpPr>
-            <a:spLocks noGrp="1"/>
-          </p:cNvSpPr>
-          <p:nvPr>
-            <p:ph type="body" idx="1"/>
-          </p:nvPr>
-        </p:nvSpPr>
-        <p:spPr/>
-        <p:txBody>
-          <a:bodyPr/>
-          <a:lstStyle/>
-          <a:p>
-            <a:endParaRPr lang="fr-FR"/>
-          </a:p>
-        </p:txBody>
-      </p:sp>
-      <p:sp>
-        <p:nvSpPr>
-          <p:cNvPr id="2" name="Espace réservé du numéro de diapositive 1"/>
-          <p:cNvSpPr>
-            <a:spLocks noGrp="1"/>
-          </p:cNvSpPr>
-          <p:nvPr>
-            <p:ph type="sldNum" sz="quarter" idx="12"/>
-          </p:nvPr>
-        </p:nvSpPr>
-        <p:spPr/>
-        <p:txBody>
-          <a:bodyPr/>
-          <a:lstStyle/>
-          <a:p>
-            <a:fld id="{136A7F36-7A21-4EA8-9DC2-F00219448035}" type="slidenum">
-              <a:rPr lang="fr-FR" smtClean="0"/>
-              <a:t>24</a:t>
-            </a:fld>
-            <a:endParaRPr lang="fr-FR"/>
-          </a:p>
-        </p:txBody>
-      </p:sp>
-    </p:spTree>
-    <p:extLst>
-      <p:ext uri="{BB962C8B-B14F-4D97-AF65-F5344CB8AC3E}">
-        <p14:creationId xmlns:p14="http://schemas.microsoft.com/office/powerpoint/2010/main" val="1589319820"/>
-      </p:ext>
-    </p:extLst>
-  </p:cSld>
-  <p:clrMapOvr>
-    <a:masterClrMapping/>
-  </p:clrMapOvr>
-</p:sld>
-</file>
-
-<file path=ppt/slides/slide25.xml><?xml version="1.0" encoding="utf-8"?>
-<p:sld xmlns:a="http://schemas.openxmlformats.org/drawingml/2006/main" xmlns:r="http://schemas.openxmlformats.org/officeDocument/2006/relationships" xmlns:p="http://schemas.openxmlformats.org/presentationml/2006/main">
-  <p:cSld>
-    <p:spTree>
-      <p:nvGrpSpPr>
-        <p:cNvPr id="1" name=""/>
-        <p:cNvGrpSpPr/>
-        <p:nvPr/>
-      </p:nvGrpSpPr>
-      <p:grpSpPr>
-        <a:xfrm>
-          <a:off x="0" y="0"/>
-          <a:ext cx="0" cy="0"/>
-          <a:chOff x="0" y="0"/>
-          <a:chExt cx="0" cy="0"/>
-        </a:xfrm>
-      </p:grpSpPr>
-      <p:sp>
-        <p:nvSpPr>
-          <p:cNvPr id="2" name="Titre 1"/>
-          <p:cNvSpPr>
-            <a:spLocks noGrp="1"/>
-          </p:cNvSpPr>
-          <p:nvPr>
-            <p:ph type="title"/>
-          </p:nvPr>
-        </p:nvSpPr>
-        <p:spPr/>
-        <p:txBody>
-          <a:bodyPr>
-            <a:normAutofit/>
-          </a:bodyPr>
-          <a:lstStyle/>
-          <a:p>
-            <a:r>
-              <a:rPr lang="fr-FR" dirty="0" err="1" smtClean="0"/>
-              <a:t>Xcos</a:t>
-            </a:r>
-            <a:r>
-              <a:rPr lang="fr-FR" dirty="0" smtClean="0"/>
-              <a:t> </a:t>
-            </a:r>
-            <a:r>
-              <a:rPr lang="fr-FR" dirty="0" err="1" smtClean="0"/>
-              <a:t>Arduino</a:t>
-            </a:r>
-            <a:endParaRPr lang="fr-FR" dirty="0"/>
-          </a:p>
-        </p:txBody>
-      </p:sp>
-      <p:sp>
-        <p:nvSpPr>
-          <p:cNvPr id="3" name="Espace réservé du contenu 2"/>
-          <p:cNvSpPr>
-            <a:spLocks noGrp="1"/>
-          </p:cNvSpPr>
-          <p:nvPr>
-            <p:ph sz="quarter" idx="1"/>
-          </p:nvPr>
-        </p:nvSpPr>
-        <p:spPr/>
-        <p:txBody>
-          <a:bodyPr/>
-          <a:lstStyle/>
-          <a:p>
-            <a:r>
-              <a:rPr lang="fr-FR" dirty="0" smtClean="0"/>
-              <a:t>Actions préliminaires</a:t>
-            </a:r>
-          </a:p>
-          <a:p>
-            <a:pPr lvl="1"/>
-            <a:r>
-              <a:rPr lang="fr-FR" dirty="0" smtClean="0"/>
-              <a:t>Dans le gestionnaire de module </a:t>
-            </a:r>
-            <a:r>
-              <a:rPr lang="fr-FR" dirty="0" err="1" smtClean="0"/>
-              <a:t>Atom</a:t>
-            </a:r>
-            <a:r>
-              <a:rPr lang="fr-FR" dirty="0" smtClean="0"/>
-              <a:t> de Scilab</a:t>
-            </a:r>
-          </a:p>
-          <a:p>
-            <a:pPr lvl="2"/>
-            <a:r>
-              <a:rPr lang="fr-FR" dirty="0" smtClean="0"/>
-              <a:t>Installer le module </a:t>
-            </a:r>
-            <a:r>
-              <a:rPr lang="fr-FR" dirty="0" err="1" smtClean="0"/>
-              <a:t>Arduino</a:t>
-            </a:r>
-            <a:endParaRPr lang="fr-FR" dirty="0" smtClean="0"/>
-          </a:p>
-          <a:p>
-            <a:pPr lvl="2"/>
-            <a:endParaRPr lang="fr-FR" dirty="0"/>
-          </a:p>
-          <a:p>
-            <a:pPr lvl="1"/>
-            <a:r>
-              <a:rPr lang="fr-FR" dirty="0" smtClean="0"/>
-              <a:t>Dans le logiciel </a:t>
-            </a:r>
-            <a:r>
-              <a:rPr lang="fr-FR" dirty="0" err="1" smtClean="0"/>
-              <a:t>Arduino</a:t>
-            </a:r>
-            <a:endParaRPr lang="fr-FR" dirty="0" smtClean="0"/>
-          </a:p>
-          <a:p>
-            <a:pPr lvl="2"/>
-            <a:r>
-              <a:rPr lang="fr-FR" dirty="0"/>
-              <a:t>Télécharger toolbox_arduino_v3.ino (</a:t>
-            </a:r>
-            <a:r>
-              <a:rPr lang="fr-FR" dirty="0">
-                <a:hlinkClick r:id="rId2"/>
-              </a:rPr>
-              <a:t>http://</a:t>
-            </a:r>
-            <a:r>
-              <a:rPr lang="fr-FR" dirty="0" smtClean="0">
-                <a:hlinkClick r:id="rId2"/>
-              </a:rPr>
-              <a:t>www.demosciences.fr/projets/scilab-arduino/toolbox_arduino_v3.ino?attredirects=0&amp;d=1</a:t>
-            </a:r>
-            <a:r>
-              <a:rPr lang="fr-FR" dirty="0" smtClean="0"/>
-              <a:t>) </a:t>
-            </a:r>
-          </a:p>
-          <a:p>
-            <a:pPr lvl="2"/>
-            <a:r>
-              <a:rPr lang="fr-FR" dirty="0" err="1" smtClean="0"/>
-              <a:t>Téléverser</a:t>
-            </a:r>
-            <a:r>
-              <a:rPr lang="fr-FR" dirty="0" smtClean="0"/>
-              <a:t> la </a:t>
-            </a:r>
-            <a:r>
-              <a:rPr lang="fr-FR" dirty="0" err="1" smtClean="0"/>
-              <a:t>toolbox</a:t>
-            </a:r>
-            <a:r>
-              <a:rPr lang="fr-FR" dirty="0" smtClean="0"/>
-              <a:t> dans une carte </a:t>
-            </a:r>
-            <a:r>
-              <a:rPr lang="fr-FR" dirty="0" err="1" smtClean="0"/>
-              <a:t>arduino</a:t>
-            </a:r>
-            <a:r>
-              <a:rPr lang="fr-FR" dirty="0" smtClean="0"/>
-              <a:t> </a:t>
-            </a:r>
-            <a:r>
-              <a:rPr lang="fr-FR" dirty="0" err="1" smtClean="0"/>
-              <a:t>Uno</a:t>
-            </a:r>
-            <a:endParaRPr lang="fr-FR" dirty="0"/>
-          </a:p>
-        </p:txBody>
-      </p:sp>
-      <p:sp>
-        <p:nvSpPr>
-          <p:cNvPr id="4" name="Espace réservé du numéro de diapositive 3"/>
-          <p:cNvSpPr>
-            <a:spLocks noGrp="1"/>
-          </p:cNvSpPr>
-          <p:nvPr>
-            <p:ph type="sldNum" sz="quarter" idx="15"/>
-          </p:nvPr>
-        </p:nvSpPr>
-        <p:spPr/>
-        <p:txBody>
-          <a:bodyPr/>
-          <a:lstStyle/>
-          <a:p>
-            <a:fld id="{136A7F36-7A21-4EA8-9DC2-F00219448035}" type="slidenum">
-              <a:rPr lang="fr-FR" smtClean="0"/>
-              <a:t>25</a:t>
-            </a:fld>
-            <a:endParaRPr lang="fr-FR"/>
-          </a:p>
-        </p:txBody>
-      </p:sp>
-    </p:spTree>
-    <p:extLst>
-      <p:ext uri="{BB962C8B-B14F-4D97-AF65-F5344CB8AC3E}">
-        <p14:creationId xmlns:p14="http://schemas.microsoft.com/office/powerpoint/2010/main" val="2728033274"/>
-      </p:ext>
-    </p:extLst>
-  </p:cSld>
-  <p:clrMapOvr>
-    <a:masterClrMapping/>
-  </p:clrMapOvr>
-</p:sld>
-</file>
-
-<file path=ppt/slides/slide26.xml><?xml version="1.0" encoding="utf-8"?>
-<p:sld xmlns:a="http://schemas.openxmlformats.org/drawingml/2006/main" xmlns:r="http://schemas.openxmlformats.org/officeDocument/2006/relationships" xmlns:p="http://schemas.openxmlformats.org/presentationml/2006/main">
-  <p:cSld>
-    <p:spTree>
-      <p:nvGrpSpPr>
-        <p:cNvPr id="1" name=""/>
-        <p:cNvGrpSpPr/>
-        <p:nvPr/>
-      </p:nvGrpSpPr>
-      <p:grpSpPr>
-        <a:xfrm>
-          <a:off x="0" y="0"/>
-          <a:ext cx="0" cy="0"/>
-          <a:chOff x="0" y="0"/>
-          <a:chExt cx="0" cy="0"/>
-        </a:xfrm>
-      </p:grpSpPr>
-      <p:sp>
-        <p:nvSpPr>
-          <p:cNvPr id="2" name="Espace réservé du numéro de diapositive 1"/>
-          <p:cNvSpPr>
-            <a:spLocks noGrp="1"/>
-          </p:cNvSpPr>
-          <p:nvPr>
-            <p:ph type="sldNum" sz="quarter" idx="12"/>
-          </p:nvPr>
-        </p:nvSpPr>
-        <p:spPr/>
-        <p:txBody>
-          <a:bodyPr/>
-          <a:lstStyle/>
-          <a:p>
-            <a:fld id="{136A7F36-7A21-4EA8-9DC2-F00219448035}" type="slidenum">
-              <a:rPr lang="fr-FR" smtClean="0"/>
-              <a:t>26</a:t>
-            </a:fld>
-            <a:endParaRPr lang="fr-FR"/>
-          </a:p>
-        </p:txBody>
-      </p:sp>
-      <p:sp>
-        <p:nvSpPr>
-          <p:cNvPr id="4" name="AutoShape 27"/>
-          <p:cNvSpPr>
-            <a:spLocks noChangeArrowheads="1"/>
-          </p:cNvSpPr>
-          <p:nvPr/>
-        </p:nvSpPr>
-        <p:spPr bwMode="auto">
-          <a:xfrm>
-            <a:off x="-114300" y="1085850"/>
-            <a:ext cx="9705975" cy="2801938"/>
-          </a:xfrm>
-          <a:prstGeom prst="roundRect">
-            <a:avLst>
-              <a:gd name="adj" fmla="val 16667"/>
-            </a:avLst>
-          </a:prstGeom>
-          <a:solidFill>
-            <a:srgbClr val="DDD8C2"/>
-          </a:solidFill>
-          <a:ln w="9525">
-            <a:solidFill>
-              <a:srgbClr val="000000"/>
-            </a:solidFill>
-            <a:round/>
-            <a:headEnd/>
-            <a:tailEnd/>
-          </a:ln>
-        </p:spPr>
-        <p:txBody>
-          <a:bodyPr vert="horz" wrap="square" lIns="91440" tIns="45720" rIns="91440" bIns="45720" numCol="1" anchor="t" anchorCtr="0" compatLnSpc="1">
-            <a:prstTxWarp prst="textNoShape">
-              <a:avLst/>
-            </a:prstTxWarp>
-          </a:bodyPr>
-          <a:lstStyle/>
-          <a:p>
-            <a:endParaRPr lang="fr-FR"/>
-          </a:p>
-        </p:txBody>
-      </p:sp>
-      <p:sp>
-        <p:nvSpPr>
-          <p:cNvPr id="5" name="AutoShape 26"/>
-          <p:cNvSpPr>
-            <a:spLocks noChangeArrowheads="1"/>
-          </p:cNvSpPr>
-          <p:nvPr/>
-        </p:nvSpPr>
-        <p:spPr bwMode="auto">
-          <a:xfrm>
-            <a:off x="-42863" y="1471613"/>
-            <a:ext cx="2082801" cy="2144712"/>
-          </a:xfrm>
-          <a:prstGeom prst="roundRect">
-            <a:avLst>
-              <a:gd name="adj" fmla="val 16667"/>
-            </a:avLst>
-          </a:prstGeom>
-          <a:solidFill>
-            <a:srgbClr val="DAEEF3"/>
-          </a:solidFill>
-          <a:ln w="9525">
-            <a:solidFill>
-              <a:srgbClr val="000000"/>
-            </a:solidFill>
-            <a:round/>
-            <a:headEnd/>
-            <a:tailEnd/>
-          </a:ln>
-        </p:spPr>
-        <p:txBody>
-          <a:bodyPr vert="horz" wrap="square" lIns="91440" tIns="45720" rIns="91440" bIns="45720" numCol="1" anchor="t" anchorCtr="0" compatLnSpc="1">
-            <a:prstTxWarp prst="textNoShape">
-              <a:avLst/>
-            </a:prstTxWarp>
-          </a:bodyPr>
-          <a:lstStyle/>
-          <a:p>
-            <a:endParaRPr lang="fr-FR"/>
-          </a:p>
-        </p:txBody>
-      </p:sp>
-      <p:sp>
-        <p:nvSpPr>
-          <p:cNvPr id="6" name="AutoShape 25"/>
-          <p:cNvSpPr>
-            <a:spLocks noChangeArrowheads="1"/>
-          </p:cNvSpPr>
-          <p:nvPr/>
-        </p:nvSpPr>
-        <p:spPr bwMode="auto">
-          <a:xfrm>
-            <a:off x="2171700" y="1471613"/>
-            <a:ext cx="2651125" cy="2144712"/>
-          </a:xfrm>
-          <a:prstGeom prst="roundRect">
-            <a:avLst>
-              <a:gd name="adj" fmla="val 16667"/>
-            </a:avLst>
-          </a:prstGeom>
-          <a:solidFill>
-            <a:srgbClr val="E5DFEC"/>
-          </a:solidFill>
-          <a:ln w="9525">
-            <a:solidFill>
-              <a:srgbClr val="000000"/>
-            </a:solidFill>
-            <a:round/>
-            <a:headEnd/>
-            <a:tailEnd/>
-          </a:ln>
-        </p:spPr>
-        <p:txBody>
-          <a:bodyPr vert="horz" wrap="square" lIns="91440" tIns="45720" rIns="91440" bIns="45720" numCol="1" anchor="t" anchorCtr="0" compatLnSpc="1">
-            <a:prstTxWarp prst="textNoShape">
-              <a:avLst/>
-            </a:prstTxWarp>
-          </a:bodyPr>
-          <a:lstStyle/>
-          <a:p>
-            <a:endParaRPr lang="fr-FR"/>
-          </a:p>
-        </p:txBody>
-      </p:sp>
-      <p:sp>
-        <p:nvSpPr>
-          <p:cNvPr id="7" name="AutoShape 24"/>
-          <p:cNvSpPr>
-            <a:spLocks noChangeArrowheads="1"/>
-          </p:cNvSpPr>
-          <p:nvPr/>
-        </p:nvSpPr>
-        <p:spPr bwMode="auto">
-          <a:xfrm>
-            <a:off x="4940300" y="1471613"/>
-            <a:ext cx="2365375" cy="2144712"/>
-          </a:xfrm>
-          <a:prstGeom prst="roundRect">
-            <a:avLst>
-              <a:gd name="adj" fmla="val 16667"/>
-            </a:avLst>
-          </a:prstGeom>
-          <a:solidFill>
-            <a:srgbClr val="EAF1DD"/>
-          </a:solidFill>
-          <a:ln w="9525">
-            <a:solidFill>
-              <a:srgbClr val="000000"/>
-            </a:solidFill>
-            <a:round/>
-            <a:headEnd/>
-            <a:tailEnd/>
-          </a:ln>
-        </p:spPr>
-        <p:txBody>
-          <a:bodyPr vert="horz" wrap="square" lIns="91440" tIns="45720" rIns="91440" bIns="45720" numCol="1" anchor="t" anchorCtr="0" compatLnSpc="1">
-            <a:prstTxWarp prst="textNoShape">
-              <a:avLst/>
-            </a:prstTxWarp>
-          </a:bodyPr>
-          <a:lstStyle/>
-          <a:p>
-            <a:endParaRPr lang="fr-FR"/>
-          </a:p>
-        </p:txBody>
-      </p:sp>
-      <p:sp>
-        <p:nvSpPr>
-          <p:cNvPr id="8" name="AutoShape 23"/>
-          <p:cNvSpPr>
-            <a:spLocks noChangeArrowheads="1"/>
-          </p:cNvSpPr>
-          <p:nvPr/>
-        </p:nvSpPr>
-        <p:spPr bwMode="auto">
-          <a:xfrm>
-            <a:off x="7424738" y="1471613"/>
-            <a:ext cx="2082800" cy="2144712"/>
-          </a:xfrm>
-          <a:prstGeom prst="roundRect">
-            <a:avLst>
-              <a:gd name="adj" fmla="val 16667"/>
-            </a:avLst>
-          </a:prstGeom>
-          <a:solidFill>
-            <a:srgbClr val="F2DBDB"/>
-          </a:solidFill>
-          <a:ln w="9525">
-            <a:solidFill>
-              <a:srgbClr val="000000"/>
-            </a:solidFill>
-            <a:round/>
-            <a:headEnd/>
-            <a:tailEnd/>
-          </a:ln>
-        </p:spPr>
-        <p:txBody>
-          <a:bodyPr vert="horz" wrap="square" lIns="91440" tIns="45720" rIns="91440" bIns="45720" numCol="1" anchor="t" anchorCtr="0" compatLnSpc="1">
-            <a:prstTxWarp prst="textNoShape">
-              <a:avLst/>
-            </a:prstTxWarp>
-          </a:bodyPr>
-          <a:lstStyle/>
-          <a:p>
-            <a:endParaRPr lang="fr-FR"/>
-          </a:p>
-        </p:txBody>
-      </p:sp>
-      <p:sp>
-        <p:nvSpPr>
-          <p:cNvPr id="12" name="Text Box 19"/>
-          <p:cNvSpPr txBox="1">
-            <a:spLocks noChangeArrowheads="1"/>
-          </p:cNvSpPr>
-          <p:nvPr/>
-        </p:nvSpPr>
-        <p:spPr bwMode="auto">
-          <a:xfrm>
-            <a:off x="25400" y="1592263"/>
-            <a:ext cx="2100263" cy="1082675"/>
-          </a:xfrm>
-          <a:prstGeom prst="rect">
-            <a:avLst/>
-          </a:prstGeom>
-          <a:noFill/>
-          <a:ln>
-            <a:noFill/>
-          </a:ln>
-          <a:extLst>
-            <a:ext uri="{909E8E84-426E-40DD-AFC4-6F175D3DCCD1}">
-              <a14:hiddenFill xmlns:a14="http://schemas.microsoft.com/office/drawing/2010/main">
-                <a:solidFill>
-                  <a:srgbClr val="FFFFFF"/>
-                </a:solidFill>
-              </a14:hiddenFill>
-            </a:ext>
-            <a:ext uri="{91240B29-F687-4F45-9708-019B960494DF}">
-              <a14:hiddenLine xmlns:a14="http://schemas.microsoft.com/office/drawing/2010/main" w="9525">
-                <a:solidFill>
-                  <a:srgbClr val="000000"/>
-                </a:solidFill>
-                <a:miter lim="800000"/>
-                <a:headEnd/>
-                <a:tailEnd/>
-              </a14:hiddenLine>
-            </a:ext>
-          </a:extLst>
-        </p:spPr>
-        <p:txBody>
-          <a:bodyPr vert="horz" wrap="square" lIns="91440" tIns="45720" rIns="91440" bIns="45720" numCol="1" anchor="t" anchorCtr="0" compatLnSpc="1">
-            <a:prstTxWarp prst="textNoShape">
-              <a:avLst/>
-            </a:prstTxWarp>
-          </a:bodyPr>
-          <a:lstStyle/>
-          <a:p>
-            <a:pPr marL="0" marR="0" lvl="0" indent="0" algn="ctr" defTabSz="914400" rtl="0" eaLnBrk="1" fontAlgn="base" latinLnBrk="0" hangingPunct="1">
-              <a:lnSpc>
-                <a:spcPct val="100000"/>
-              </a:lnSpc>
-              <a:spcBef>
-                <a:spcPct val="0"/>
-              </a:spcBef>
-              <a:spcAft>
-                <a:spcPct val="0"/>
-              </a:spcAft>
-              <a:buClrTx/>
-              <a:buSzTx/>
-              <a:buFontTx/>
-              <a:buNone/>
-              <a:tabLst/>
-            </a:pPr>
-            <a:r>
-              <a:rPr kumimoji="0" lang="fr-FR" altLang="fr-FR" sz="1100" b="1" i="0" u="none" strike="noStrike" cap="none" normalizeH="0" baseline="0" smtClean="0">
-                <a:ln>
-                  <a:noFill/>
-                </a:ln>
-                <a:solidFill>
-                  <a:schemeClr val="tx1"/>
-                </a:solidFill>
-                <a:effectLst/>
-                <a:latin typeface="Calibri" pitchFamily="34" charset="0"/>
-                <a:ea typeface="Calibri" pitchFamily="34" charset="0"/>
-                <a:cs typeface="Times New Roman" pitchFamily="18" charset="0"/>
-              </a:rPr>
-              <a:t>Description fonctionnelle</a:t>
-            </a:r>
-            <a:endParaRPr kumimoji="0" lang="fr-FR" altLang="fr-FR" sz="800" b="0" i="0" u="none" strike="noStrike" cap="none" normalizeH="0" baseline="0" smtClean="0">
-              <a:ln>
-                <a:noFill/>
-              </a:ln>
-              <a:solidFill>
-                <a:schemeClr val="tx1"/>
-              </a:solidFill>
-              <a:effectLst/>
-              <a:latin typeface="Arial" pitchFamily="34" charset="0"/>
-              <a:cs typeface="Arial" pitchFamily="34" charset="0"/>
-            </a:endParaRPr>
-          </a:p>
-          <a:p>
-            <a:pPr marL="0" marR="0" lvl="0" indent="0" algn="ctr" defTabSz="914400" rtl="0" eaLnBrk="0" fontAlgn="base" latinLnBrk="0" hangingPunct="0">
-              <a:lnSpc>
-                <a:spcPct val="100000"/>
-              </a:lnSpc>
-              <a:spcBef>
-                <a:spcPct val="0"/>
-              </a:spcBef>
-              <a:spcAft>
-                <a:spcPct val="0"/>
-              </a:spcAft>
-              <a:buClrTx/>
-              <a:buSzTx/>
-              <a:buFontTx/>
-              <a:buNone/>
-              <a:tabLst/>
-            </a:pPr>
-            <a:r>
-              <a:rPr kumimoji="0" lang="fr-FR" altLang="fr-FR" sz="1100" b="0" i="0" u="none" strike="noStrike" cap="none" normalizeH="0" baseline="0" smtClean="0">
-                <a:ln>
-                  <a:noFill/>
-                </a:ln>
-                <a:solidFill>
-                  <a:schemeClr val="tx1"/>
-                </a:solidFill>
-                <a:effectLst/>
-                <a:latin typeface="Calibri" pitchFamily="34" charset="0"/>
-                <a:ea typeface="Calibri" pitchFamily="34" charset="0"/>
-                <a:cs typeface="Times New Roman" pitchFamily="18" charset="0"/>
-              </a:rPr>
-              <a:t>Bête à corne, APTE, SADT, FAST</a:t>
-            </a:r>
-            <a:endParaRPr kumimoji="0" lang="fr-FR" altLang="fr-FR" sz="800" b="0" i="0" u="none" strike="noStrike" cap="none" normalizeH="0" baseline="0" smtClean="0">
-              <a:ln>
-                <a:noFill/>
-              </a:ln>
-              <a:solidFill>
-                <a:schemeClr val="tx1"/>
-              </a:solidFill>
-              <a:effectLst/>
-              <a:latin typeface="Arial" pitchFamily="34" charset="0"/>
-              <a:cs typeface="Arial" pitchFamily="34" charset="0"/>
-            </a:endParaRPr>
-          </a:p>
-          <a:p>
-            <a:pPr marL="0" marR="0" lvl="0" indent="0" algn="l" defTabSz="914400" rtl="0" eaLnBrk="0" fontAlgn="base" latinLnBrk="0" hangingPunct="0">
-              <a:lnSpc>
-                <a:spcPct val="100000"/>
-              </a:lnSpc>
-              <a:spcBef>
-                <a:spcPct val="0"/>
-              </a:spcBef>
-              <a:spcAft>
-                <a:spcPct val="0"/>
-              </a:spcAft>
-              <a:buClrTx/>
-              <a:buSzTx/>
-              <a:buFontTx/>
-              <a:buNone/>
-              <a:tabLst/>
-            </a:pPr>
-            <a:endParaRPr kumimoji="0" lang="fr-FR" altLang="fr-FR" sz="1800" b="0" i="0" u="none" strike="noStrike" cap="none" normalizeH="0" baseline="0" smtClean="0">
-              <a:ln>
-                <a:noFill/>
-              </a:ln>
-              <a:solidFill>
-                <a:schemeClr val="tx1"/>
-              </a:solidFill>
-              <a:effectLst/>
-              <a:latin typeface="Arial" pitchFamily="34" charset="0"/>
-              <a:cs typeface="Arial" pitchFamily="34" charset="0"/>
-            </a:endParaRPr>
-          </a:p>
-        </p:txBody>
-      </p:sp>
-      <p:sp>
-        <p:nvSpPr>
-          <p:cNvPr id="13" name="Text Box 18"/>
-          <p:cNvSpPr txBox="1">
-            <a:spLocks noChangeArrowheads="1"/>
-          </p:cNvSpPr>
-          <p:nvPr/>
-        </p:nvSpPr>
-        <p:spPr bwMode="auto">
-          <a:xfrm>
-            <a:off x="2138363" y="1581150"/>
-            <a:ext cx="2724150" cy="1544638"/>
-          </a:xfrm>
-          <a:prstGeom prst="rect">
-            <a:avLst/>
-          </a:prstGeom>
-          <a:noFill/>
-          <a:ln>
-            <a:noFill/>
-          </a:ln>
-          <a:extLst>
-            <a:ext uri="{909E8E84-426E-40DD-AFC4-6F175D3DCCD1}">
-              <a14:hiddenFill xmlns:a14="http://schemas.microsoft.com/office/drawing/2010/main">
-                <a:solidFill>
-                  <a:srgbClr val="FFFFFF"/>
-                </a:solidFill>
-              </a14:hiddenFill>
-            </a:ext>
-            <a:ext uri="{91240B29-F687-4F45-9708-019B960494DF}">
-              <a14:hiddenLine xmlns:a14="http://schemas.microsoft.com/office/drawing/2010/main" w="9525">
-                <a:solidFill>
-                  <a:srgbClr val="000000"/>
-                </a:solidFill>
-                <a:miter lim="800000"/>
-                <a:headEnd/>
-                <a:tailEnd/>
-              </a14:hiddenLine>
-            </a:ext>
-          </a:extLst>
-        </p:spPr>
-        <p:txBody>
-          <a:bodyPr vert="horz" wrap="square" lIns="91440" tIns="45720" rIns="91440" bIns="45720" numCol="1" anchor="t" anchorCtr="0" compatLnSpc="1">
-            <a:prstTxWarp prst="textNoShape">
-              <a:avLst/>
-            </a:prstTxWarp>
-          </a:bodyPr>
-          <a:lstStyle/>
-          <a:p>
-            <a:pPr marL="0" marR="0" lvl="0" indent="0" algn="ctr" defTabSz="914400" rtl="0" eaLnBrk="1" fontAlgn="base" latinLnBrk="0" hangingPunct="1">
-              <a:lnSpc>
-                <a:spcPct val="100000"/>
-              </a:lnSpc>
-              <a:spcBef>
-                <a:spcPct val="0"/>
-              </a:spcBef>
-              <a:spcAft>
-                <a:spcPct val="0"/>
-              </a:spcAft>
-              <a:buClrTx/>
-              <a:buSzTx/>
-              <a:buFontTx/>
-              <a:buNone/>
-              <a:tabLst/>
-            </a:pPr>
-            <a:r>
-              <a:rPr kumimoji="0" lang="fr-FR" altLang="fr-FR" sz="1100" b="1" i="0" u="none" strike="noStrike" cap="none" normalizeH="0" baseline="0" smtClean="0">
-                <a:ln>
-                  <a:noFill/>
-                </a:ln>
-                <a:solidFill>
-                  <a:schemeClr val="tx1"/>
-                </a:solidFill>
-                <a:effectLst/>
-                <a:latin typeface="Calibri" pitchFamily="34" charset="0"/>
-                <a:ea typeface="Calibri" pitchFamily="34" charset="0"/>
-                <a:cs typeface="Times New Roman" pitchFamily="18" charset="0"/>
-              </a:rPr>
-              <a:t>Description structurelle</a:t>
-            </a:r>
-            <a:endParaRPr kumimoji="0" lang="fr-FR" altLang="fr-FR" sz="800" b="0" i="0" u="none" strike="noStrike" cap="none" normalizeH="0" baseline="0" smtClean="0">
-              <a:ln>
-                <a:noFill/>
-              </a:ln>
-              <a:solidFill>
-                <a:schemeClr val="tx1"/>
-              </a:solidFill>
-              <a:effectLst/>
-              <a:latin typeface="Arial" pitchFamily="34" charset="0"/>
-              <a:cs typeface="Arial" pitchFamily="34" charset="0"/>
-            </a:endParaRPr>
-          </a:p>
-          <a:p>
-            <a:pPr marL="0" marR="0" lvl="0" indent="0" algn="ctr" defTabSz="914400" rtl="0" eaLnBrk="0" fontAlgn="base" latinLnBrk="0" hangingPunct="0">
-              <a:lnSpc>
-                <a:spcPct val="100000"/>
-              </a:lnSpc>
-              <a:spcBef>
-                <a:spcPct val="0"/>
-              </a:spcBef>
-              <a:spcAft>
-                <a:spcPct val="0"/>
-              </a:spcAft>
-              <a:buClrTx/>
-              <a:buSzTx/>
-              <a:buFontTx/>
-              <a:buNone/>
-              <a:tabLst/>
-            </a:pPr>
-            <a:r>
-              <a:rPr kumimoji="0" lang="fr-FR" altLang="fr-FR" sz="1100" b="0" i="0" u="none" strike="noStrike" cap="none" normalizeH="0" baseline="0" smtClean="0">
-                <a:ln>
-                  <a:noFill/>
-                </a:ln>
-                <a:solidFill>
-                  <a:schemeClr val="tx1"/>
-                </a:solidFill>
-                <a:effectLst/>
-                <a:latin typeface="Calibri" pitchFamily="34" charset="0"/>
-                <a:ea typeface="Calibri" pitchFamily="34" charset="0"/>
-                <a:cs typeface="Times New Roman" pitchFamily="18" charset="0"/>
-              </a:rPr>
-              <a:t>Schémas cinématique, électrique, etc.</a:t>
-            </a:r>
-            <a:endParaRPr kumimoji="0" lang="fr-FR" altLang="fr-FR" sz="800" b="0" i="0" u="none" strike="noStrike" cap="none" normalizeH="0" baseline="0" smtClean="0">
-              <a:ln>
-                <a:noFill/>
-              </a:ln>
-              <a:solidFill>
-                <a:schemeClr val="tx1"/>
-              </a:solidFill>
-              <a:effectLst/>
-              <a:latin typeface="Arial" pitchFamily="34" charset="0"/>
-              <a:cs typeface="Arial" pitchFamily="34" charset="0"/>
-            </a:endParaRPr>
-          </a:p>
-          <a:p>
-            <a:pPr marL="0" marR="0" lvl="0" indent="0" algn="ctr" defTabSz="914400" rtl="0" eaLnBrk="0" fontAlgn="base" latinLnBrk="0" hangingPunct="0">
-              <a:lnSpc>
-                <a:spcPct val="100000"/>
-              </a:lnSpc>
-              <a:spcBef>
-                <a:spcPct val="0"/>
-              </a:spcBef>
-              <a:spcAft>
-                <a:spcPct val="0"/>
-              </a:spcAft>
-              <a:buClrTx/>
-              <a:buSzTx/>
-              <a:buFontTx/>
-              <a:buNone/>
-              <a:tabLst/>
-            </a:pPr>
-            <a:r>
-              <a:rPr kumimoji="0" lang="fr-FR" altLang="fr-FR" sz="1100" b="0" i="0" u="none" strike="noStrike" cap="none" normalizeH="0" baseline="0" smtClean="0">
-                <a:ln>
-                  <a:noFill/>
-                </a:ln>
-                <a:solidFill>
-                  <a:schemeClr val="tx1"/>
-                </a:solidFill>
-                <a:effectLst/>
-                <a:latin typeface="Calibri" pitchFamily="34" charset="0"/>
-                <a:ea typeface="Calibri" pitchFamily="34" charset="0"/>
-                <a:cs typeface="Times New Roman" pitchFamily="18" charset="0"/>
-              </a:rPr>
-              <a:t>Dessins techniques</a:t>
-            </a:r>
-            <a:endParaRPr kumimoji="0" lang="fr-FR" altLang="fr-FR" sz="800" b="0" i="0" u="none" strike="noStrike" cap="none" normalizeH="0" baseline="0" smtClean="0">
-              <a:ln>
-                <a:noFill/>
-              </a:ln>
-              <a:solidFill>
-                <a:schemeClr val="tx1"/>
-              </a:solidFill>
-              <a:effectLst/>
-              <a:latin typeface="Arial" pitchFamily="34" charset="0"/>
-              <a:cs typeface="Arial" pitchFamily="34" charset="0"/>
-            </a:endParaRPr>
-          </a:p>
-          <a:p>
-            <a:pPr marL="0" marR="0" lvl="0" indent="0" algn="ctr" defTabSz="914400" rtl="0" eaLnBrk="0" fontAlgn="base" latinLnBrk="0" hangingPunct="0">
-              <a:lnSpc>
-                <a:spcPct val="100000"/>
-              </a:lnSpc>
-              <a:spcBef>
-                <a:spcPct val="0"/>
-              </a:spcBef>
-              <a:spcAft>
-                <a:spcPct val="0"/>
-              </a:spcAft>
-              <a:buClrTx/>
-              <a:buSzTx/>
-              <a:buFontTx/>
-              <a:buNone/>
-              <a:tabLst/>
-            </a:pPr>
-            <a:r>
-              <a:rPr kumimoji="0" lang="fr-FR" altLang="fr-FR" sz="1100" b="0" i="0" u="none" strike="noStrike" cap="none" normalizeH="0" baseline="0" smtClean="0">
-                <a:ln>
-                  <a:noFill/>
-                </a:ln>
-                <a:solidFill>
-                  <a:schemeClr val="tx1"/>
-                </a:solidFill>
-                <a:effectLst/>
-                <a:latin typeface="Calibri" pitchFamily="34" charset="0"/>
-                <a:ea typeface="Calibri" pitchFamily="34" charset="0"/>
-                <a:cs typeface="Times New Roman" pitchFamily="18" charset="0"/>
-              </a:rPr>
-              <a:t>Perspectives et éclatés</a:t>
-            </a:r>
-            <a:endParaRPr kumimoji="0" lang="fr-FR" altLang="fr-FR" sz="800" b="0" i="0" u="none" strike="noStrike" cap="none" normalizeH="0" baseline="0" smtClean="0">
-              <a:ln>
-                <a:noFill/>
-              </a:ln>
-              <a:solidFill>
-                <a:schemeClr val="tx1"/>
-              </a:solidFill>
-              <a:effectLst/>
-              <a:latin typeface="Arial" pitchFamily="34" charset="0"/>
-              <a:cs typeface="Arial" pitchFamily="34" charset="0"/>
-            </a:endParaRPr>
-          </a:p>
-          <a:p>
-            <a:pPr marL="0" marR="0" lvl="0" indent="0" algn="ctr" defTabSz="914400" rtl="0" eaLnBrk="0" fontAlgn="base" latinLnBrk="0" hangingPunct="0">
-              <a:lnSpc>
-                <a:spcPct val="100000"/>
-              </a:lnSpc>
-              <a:spcBef>
-                <a:spcPct val="0"/>
-              </a:spcBef>
-              <a:spcAft>
-                <a:spcPct val="0"/>
-              </a:spcAft>
-              <a:buClrTx/>
-              <a:buSzTx/>
-              <a:buFontTx/>
-              <a:buNone/>
-              <a:tabLst/>
-            </a:pPr>
-            <a:r>
-              <a:rPr kumimoji="0" lang="fr-FR" altLang="fr-FR" sz="1100" b="0" i="0" u="none" strike="noStrike" cap="none" normalizeH="0" baseline="0" smtClean="0">
-                <a:ln>
-                  <a:noFill/>
-                </a:ln>
-                <a:solidFill>
-                  <a:schemeClr val="tx1"/>
-                </a:solidFill>
-                <a:effectLst/>
-                <a:latin typeface="Calibri" pitchFamily="34" charset="0"/>
-                <a:ea typeface="Calibri" pitchFamily="34" charset="0"/>
-                <a:cs typeface="Times New Roman" pitchFamily="18" charset="0"/>
-              </a:rPr>
-              <a:t>Schéma topo-fonctionnel (chaîne d’énergie  / chaîne d’information)</a:t>
-            </a:r>
-            <a:endParaRPr kumimoji="0" lang="fr-FR" altLang="fr-FR" sz="800" b="0" i="0" u="none" strike="noStrike" cap="none" normalizeH="0" baseline="0" smtClean="0">
-              <a:ln>
-                <a:noFill/>
-              </a:ln>
-              <a:solidFill>
-                <a:schemeClr val="tx1"/>
-              </a:solidFill>
-              <a:effectLst/>
-              <a:latin typeface="Arial" pitchFamily="34" charset="0"/>
-              <a:cs typeface="Arial" pitchFamily="34" charset="0"/>
-            </a:endParaRPr>
-          </a:p>
-          <a:p>
-            <a:pPr marL="0" marR="0" lvl="0" indent="0" algn="l" defTabSz="914400" rtl="0" eaLnBrk="0" fontAlgn="base" latinLnBrk="0" hangingPunct="0">
-              <a:lnSpc>
-                <a:spcPct val="100000"/>
-              </a:lnSpc>
-              <a:spcBef>
-                <a:spcPct val="0"/>
-              </a:spcBef>
-              <a:spcAft>
-                <a:spcPct val="0"/>
-              </a:spcAft>
-              <a:buClrTx/>
-              <a:buSzTx/>
-              <a:buFontTx/>
-              <a:buNone/>
-              <a:tabLst/>
-            </a:pPr>
-            <a:endParaRPr kumimoji="0" lang="fr-FR" altLang="fr-FR" sz="1800" b="0" i="0" u="none" strike="noStrike" cap="none" normalizeH="0" baseline="0" smtClean="0">
-              <a:ln>
-                <a:noFill/>
-              </a:ln>
-              <a:solidFill>
-                <a:schemeClr val="tx1"/>
-              </a:solidFill>
-              <a:effectLst/>
-              <a:latin typeface="Arial" pitchFamily="34" charset="0"/>
-              <a:cs typeface="Arial" pitchFamily="34" charset="0"/>
-            </a:endParaRPr>
-          </a:p>
-        </p:txBody>
-      </p:sp>
-      <p:sp>
-        <p:nvSpPr>
-          <p:cNvPr id="14" name="Text Box 17"/>
-          <p:cNvSpPr txBox="1">
-            <a:spLocks noChangeArrowheads="1"/>
-          </p:cNvSpPr>
-          <p:nvPr/>
-        </p:nvSpPr>
-        <p:spPr bwMode="auto">
-          <a:xfrm>
-            <a:off x="5041900" y="1573213"/>
-            <a:ext cx="2314575" cy="1373187"/>
-          </a:xfrm>
-          <a:prstGeom prst="rect">
-            <a:avLst/>
-          </a:prstGeom>
-          <a:noFill/>
-          <a:ln>
-            <a:noFill/>
-          </a:ln>
-          <a:extLst>
-            <a:ext uri="{909E8E84-426E-40DD-AFC4-6F175D3DCCD1}">
-              <a14:hiddenFill xmlns:a14="http://schemas.microsoft.com/office/drawing/2010/main">
-                <a:solidFill>
-                  <a:srgbClr val="FFFFFF"/>
-                </a:solidFill>
-              </a14:hiddenFill>
-            </a:ext>
-            <a:ext uri="{91240B29-F687-4F45-9708-019B960494DF}">
-              <a14:hiddenLine xmlns:a14="http://schemas.microsoft.com/office/drawing/2010/main" w="9525">
-                <a:solidFill>
-                  <a:srgbClr val="000000"/>
-                </a:solidFill>
-                <a:miter lim="800000"/>
-                <a:headEnd/>
-                <a:tailEnd/>
-              </a14:hiddenLine>
-            </a:ext>
-          </a:extLst>
-        </p:spPr>
-        <p:txBody>
-          <a:bodyPr vert="horz" wrap="square" lIns="91440" tIns="45720" rIns="91440" bIns="45720" numCol="1" anchor="t" anchorCtr="0" compatLnSpc="1">
-            <a:prstTxWarp prst="textNoShape">
-              <a:avLst/>
-            </a:prstTxWarp>
-          </a:bodyPr>
-          <a:lstStyle/>
-          <a:p>
-            <a:pPr marL="0" marR="0" lvl="0" indent="0" algn="ctr" defTabSz="914400" rtl="0" eaLnBrk="1" fontAlgn="base" latinLnBrk="0" hangingPunct="1">
-              <a:lnSpc>
-                <a:spcPct val="100000"/>
-              </a:lnSpc>
-              <a:spcBef>
-                <a:spcPct val="0"/>
-              </a:spcBef>
-              <a:spcAft>
-                <a:spcPct val="0"/>
-              </a:spcAft>
-              <a:buClrTx/>
-              <a:buSzTx/>
-              <a:buFontTx/>
-              <a:buNone/>
-              <a:tabLst/>
-            </a:pPr>
-            <a:r>
-              <a:rPr kumimoji="0" lang="fr-FR" altLang="fr-FR" sz="1100" b="1" i="0" u="none" strike="noStrike" cap="none" normalizeH="0" baseline="0" smtClean="0">
-                <a:ln>
-                  <a:noFill/>
-                </a:ln>
-                <a:solidFill>
-                  <a:schemeClr val="tx1"/>
-                </a:solidFill>
-                <a:effectLst/>
-                <a:latin typeface="Calibri" pitchFamily="34" charset="0"/>
-                <a:ea typeface="Calibri" pitchFamily="34" charset="0"/>
-                <a:cs typeface="Times New Roman" pitchFamily="18" charset="0"/>
-              </a:rPr>
-              <a:t>Description comportementale</a:t>
-            </a:r>
-            <a:endParaRPr kumimoji="0" lang="fr-FR" altLang="fr-FR" sz="800" b="0" i="0" u="none" strike="noStrike" cap="none" normalizeH="0" baseline="0" smtClean="0">
-              <a:ln>
-                <a:noFill/>
-              </a:ln>
-              <a:solidFill>
-                <a:schemeClr val="tx1"/>
-              </a:solidFill>
-              <a:effectLst/>
-              <a:latin typeface="Arial" pitchFamily="34" charset="0"/>
-              <a:cs typeface="Arial" pitchFamily="34" charset="0"/>
-            </a:endParaRPr>
-          </a:p>
-          <a:p>
-            <a:pPr marL="0" marR="0" lvl="0" indent="0" algn="ctr" defTabSz="914400" rtl="0" eaLnBrk="0" fontAlgn="base" latinLnBrk="0" hangingPunct="0">
-              <a:lnSpc>
-                <a:spcPct val="100000"/>
-              </a:lnSpc>
-              <a:spcBef>
-                <a:spcPct val="0"/>
-              </a:spcBef>
-              <a:spcAft>
-                <a:spcPct val="0"/>
-              </a:spcAft>
-              <a:buClrTx/>
-              <a:buSzTx/>
-              <a:buFontTx/>
-              <a:buNone/>
-              <a:tabLst/>
-            </a:pPr>
-            <a:r>
-              <a:rPr kumimoji="0" lang="fr-FR" altLang="fr-FR" sz="1100" b="0" i="0" u="none" strike="noStrike" cap="none" normalizeH="0" baseline="0" smtClean="0">
-                <a:ln>
-                  <a:noFill/>
-                </a:ln>
-                <a:solidFill>
-                  <a:schemeClr val="tx1"/>
-                </a:solidFill>
-                <a:effectLst/>
-                <a:latin typeface="Calibri" pitchFamily="34" charset="0"/>
-                <a:ea typeface="Calibri" pitchFamily="34" charset="0"/>
-                <a:cs typeface="Times New Roman" pitchFamily="18" charset="0"/>
-              </a:rPr>
-              <a:t>Algorigrammes, graphe d’états, GRAFCET, etc.</a:t>
-            </a:r>
-            <a:endParaRPr kumimoji="0" lang="fr-FR" altLang="fr-FR" sz="800" b="0" i="0" u="none" strike="noStrike" cap="none" normalizeH="0" baseline="0" smtClean="0">
-              <a:ln>
-                <a:noFill/>
-              </a:ln>
-              <a:solidFill>
-                <a:schemeClr val="tx1"/>
-              </a:solidFill>
-              <a:effectLst/>
-              <a:latin typeface="Arial" pitchFamily="34" charset="0"/>
-              <a:cs typeface="Arial" pitchFamily="34" charset="0"/>
-            </a:endParaRPr>
-          </a:p>
-          <a:p>
-            <a:pPr marL="0" marR="0" lvl="0" indent="0" algn="ctr" defTabSz="914400" rtl="0" eaLnBrk="0" fontAlgn="base" latinLnBrk="0" hangingPunct="0">
-              <a:lnSpc>
-                <a:spcPct val="100000"/>
-              </a:lnSpc>
-              <a:spcBef>
-                <a:spcPct val="0"/>
-              </a:spcBef>
-              <a:spcAft>
-                <a:spcPct val="0"/>
-              </a:spcAft>
-              <a:buClrTx/>
-              <a:buSzTx/>
-              <a:buFontTx/>
-              <a:buNone/>
-              <a:tabLst/>
-            </a:pPr>
-            <a:r>
-              <a:rPr kumimoji="0" lang="fr-FR" altLang="fr-FR" sz="1100" b="0" i="0" u="none" strike="noStrike" cap="none" normalizeH="0" baseline="0" smtClean="0">
-                <a:ln>
-                  <a:noFill/>
-                </a:ln>
-                <a:solidFill>
-                  <a:schemeClr val="tx1"/>
-                </a:solidFill>
-                <a:effectLst/>
-                <a:latin typeface="Calibri" pitchFamily="34" charset="0"/>
-                <a:ea typeface="Calibri" pitchFamily="34" charset="0"/>
-                <a:cs typeface="Times New Roman" pitchFamily="18" charset="0"/>
-              </a:rPr>
-              <a:t>Réponses temporelle, fréquentielle</a:t>
-            </a:r>
-            <a:endParaRPr kumimoji="0" lang="fr-FR" altLang="fr-FR" sz="800" b="0" i="0" u="none" strike="noStrike" cap="none" normalizeH="0" baseline="0" smtClean="0">
-              <a:ln>
-                <a:noFill/>
-              </a:ln>
-              <a:solidFill>
-                <a:schemeClr val="tx1"/>
-              </a:solidFill>
-              <a:effectLst/>
-              <a:latin typeface="Arial" pitchFamily="34" charset="0"/>
-              <a:cs typeface="Arial" pitchFamily="34" charset="0"/>
-            </a:endParaRPr>
-          </a:p>
-          <a:p>
-            <a:pPr marL="0" marR="0" lvl="0" indent="0" algn="l" defTabSz="914400" rtl="0" eaLnBrk="0" fontAlgn="base" latinLnBrk="0" hangingPunct="0">
-              <a:lnSpc>
-                <a:spcPct val="100000"/>
-              </a:lnSpc>
-              <a:spcBef>
-                <a:spcPct val="0"/>
-              </a:spcBef>
-              <a:spcAft>
-                <a:spcPct val="0"/>
-              </a:spcAft>
-              <a:buClrTx/>
-              <a:buSzTx/>
-              <a:buFontTx/>
-              <a:buNone/>
-              <a:tabLst/>
-            </a:pPr>
-            <a:endParaRPr kumimoji="0" lang="fr-FR" altLang="fr-FR" sz="1800" b="0" i="0" u="none" strike="noStrike" cap="none" normalizeH="0" baseline="0" smtClean="0">
-              <a:ln>
-                <a:noFill/>
-              </a:ln>
-              <a:solidFill>
-                <a:schemeClr val="tx1"/>
-              </a:solidFill>
-              <a:effectLst/>
-              <a:latin typeface="Arial" pitchFamily="34" charset="0"/>
-              <a:cs typeface="Arial" pitchFamily="34" charset="0"/>
-            </a:endParaRPr>
-          </a:p>
-        </p:txBody>
-      </p:sp>
-      <p:sp>
-        <p:nvSpPr>
-          <p:cNvPr id="15" name="Text Box 16"/>
-          <p:cNvSpPr txBox="1">
-            <a:spLocks noChangeArrowheads="1"/>
-          </p:cNvSpPr>
-          <p:nvPr/>
-        </p:nvSpPr>
-        <p:spPr bwMode="auto">
-          <a:xfrm>
-            <a:off x="7416800" y="1573213"/>
-            <a:ext cx="2100263" cy="427037"/>
-          </a:xfrm>
-          <a:prstGeom prst="rect">
-            <a:avLst/>
-          </a:prstGeom>
-          <a:noFill/>
-          <a:ln>
-            <a:noFill/>
-          </a:ln>
-          <a:extLst>
-            <a:ext uri="{909E8E84-426E-40DD-AFC4-6F175D3DCCD1}">
-              <a14:hiddenFill xmlns:a14="http://schemas.microsoft.com/office/drawing/2010/main">
-                <a:solidFill>
-                  <a:srgbClr val="FFFFFF"/>
-                </a:solidFill>
-              </a14:hiddenFill>
-            </a:ext>
-            <a:ext uri="{91240B29-F687-4F45-9708-019B960494DF}">
-              <a14:hiddenLine xmlns:a14="http://schemas.microsoft.com/office/drawing/2010/main" w="9525">
-                <a:solidFill>
-                  <a:srgbClr val="000000"/>
-                </a:solidFill>
-                <a:miter lim="800000"/>
-                <a:headEnd/>
-                <a:tailEnd/>
-              </a14:hiddenLine>
-            </a:ext>
-          </a:extLst>
-        </p:spPr>
-        <p:txBody>
-          <a:bodyPr vert="horz" wrap="square" lIns="91440" tIns="45720" rIns="91440" bIns="45720" numCol="1" anchor="t" anchorCtr="0" compatLnSpc="1">
-            <a:prstTxWarp prst="textNoShape">
-              <a:avLst/>
-            </a:prstTxWarp>
-          </a:bodyPr>
-          <a:lstStyle/>
-          <a:p>
-            <a:pPr marL="0" marR="0" lvl="0" indent="0" algn="ctr" defTabSz="914400" rtl="0" eaLnBrk="1" fontAlgn="base" latinLnBrk="0" hangingPunct="1">
-              <a:lnSpc>
-                <a:spcPct val="100000"/>
-              </a:lnSpc>
-              <a:spcBef>
-                <a:spcPct val="0"/>
-              </a:spcBef>
-              <a:spcAft>
-                <a:spcPct val="0"/>
-              </a:spcAft>
-              <a:buClrTx/>
-              <a:buSzTx/>
-              <a:buFontTx/>
-              <a:buNone/>
-              <a:tabLst/>
-            </a:pPr>
-            <a:r>
-              <a:rPr kumimoji="0" lang="fr-FR" altLang="fr-FR" sz="1100" b="1" i="0" u="none" strike="noStrike" cap="none" normalizeH="0" baseline="0" smtClean="0">
-                <a:ln>
-                  <a:noFill/>
-                </a:ln>
-                <a:solidFill>
-                  <a:schemeClr val="tx1"/>
-                </a:solidFill>
-                <a:effectLst/>
-                <a:latin typeface="Calibri" pitchFamily="34" charset="0"/>
-                <a:ea typeface="Calibri" pitchFamily="34" charset="0"/>
-                <a:cs typeface="Times New Roman" pitchFamily="18" charset="0"/>
-              </a:rPr>
-              <a:t>Description paramétrique</a:t>
-            </a:r>
-            <a:endParaRPr kumimoji="0" lang="fr-FR" altLang="fr-FR" sz="1800" b="0" i="0" u="none" strike="noStrike" cap="none" normalizeH="0" baseline="0" smtClean="0">
-              <a:ln>
-                <a:noFill/>
-              </a:ln>
-              <a:solidFill>
-                <a:schemeClr val="tx1"/>
-              </a:solidFill>
-              <a:effectLst/>
-              <a:latin typeface="Arial" pitchFamily="34" charset="0"/>
-              <a:cs typeface="Arial" pitchFamily="34" charset="0"/>
-            </a:endParaRPr>
-          </a:p>
-        </p:txBody>
-      </p:sp>
-      <p:sp>
-        <p:nvSpPr>
-          <p:cNvPr id="16" name="AutoShape 15"/>
-          <p:cNvSpPr>
-            <a:spLocks noChangeArrowheads="1"/>
-          </p:cNvSpPr>
-          <p:nvPr/>
-        </p:nvSpPr>
-        <p:spPr bwMode="auto">
-          <a:xfrm>
-            <a:off x="-114300" y="3941763"/>
-            <a:ext cx="9705975" cy="3024187"/>
-          </a:xfrm>
-          <a:prstGeom prst="roundRect">
-            <a:avLst>
-              <a:gd name="adj" fmla="val 16667"/>
-            </a:avLst>
-          </a:prstGeom>
-          <a:solidFill>
-            <a:srgbClr val="DDD8C2"/>
-          </a:solidFill>
-          <a:ln w="9525">
-            <a:solidFill>
-              <a:srgbClr val="000000"/>
-            </a:solidFill>
-            <a:round/>
-            <a:headEnd/>
-            <a:tailEnd/>
-          </a:ln>
-        </p:spPr>
-        <p:txBody>
-          <a:bodyPr vert="horz" wrap="square" lIns="91440" tIns="45720" rIns="91440" bIns="45720" numCol="1" anchor="t" anchorCtr="0" compatLnSpc="1">
-            <a:prstTxWarp prst="textNoShape">
-              <a:avLst/>
-            </a:prstTxWarp>
-          </a:bodyPr>
-          <a:lstStyle/>
-          <a:p>
-            <a:endParaRPr lang="fr-FR"/>
-          </a:p>
-        </p:txBody>
-      </p:sp>
-      <p:sp>
-        <p:nvSpPr>
-          <p:cNvPr id="17" name="AutoShape 14"/>
-          <p:cNvSpPr>
-            <a:spLocks noChangeArrowheads="1"/>
-          </p:cNvSpPr>
-          <p:nvPr/>
-        </p:nvSpPr>
-        <p:spPr bwMode="auto">
-          <a:xfrm>
-            <a:off x="-42863" y="4349750"/>
-            <a:ext cx="2082801" cy="2144713"/>
-          </a:xfrm>
-          <a:prstGeom prst="roundRect">
-            <a:avLst>
-              <a:gd name="adj" fmla="val 16667"/>
-            </a:avLst>
-          </a:prstGeom>
-          <a:solidFill>
-            <a:srgbClr val="DAEEF3"/>
-          </a:solidFill>
-          <a:ln w="9525">
-            <a:solidFill>
-              <a:srgbClr val="000000"/>
-            </a:solidFill>
-            <a:round/>
-            <a:headEnd/>
-            <a:tailEnd/>
-          </a:ln>
-        </p:spPr>
-        <p:txBody>
-          <a:bodyPr vert="horz" wrap="square" lIns="91440" tIns="45720" rIns="91440" bIns="45720" numCol="1" anchor="t" anchorCtr="0" compatLnSpc="1">
-            <a:prstTxWarp prst="textNoShape">
-              <a:avLst/>
-            </a:prstTxWarp>
-          </a:bodyPr>
-          <a:lstStyle/>
-          <a:p>
-            <a:endParaRPr lang="fr-FR"/>
-          </a:p>
-        </p:txBody>
-      </p:sp>
-      <p:sp>
-        <p:nvSpPr>
-          <p:cNvPr id="18" name="AutoShape 13"/>
-          <p:cNvSpPr>
-            <a:spLocks noChangeArrowheads="1"/>
-          </p:cNvSpPr>
-          <p:nvPr/>
-        </p:nvSpPr>
-        <p:spPr bwMode="auto">
-          <a:xfrm>
-            <a:off x="2171700" y="4349750"/>
-            <a:ext cx="2651125" cy="2144713"/>
-          </a:xfrm>
-          <a:prstGeom prst="roundRect">
-            <a:avLst>
-              <a:gd name="adj" fmla="val 16667"/>
-            </a:avLst>
-          </a:prstGeom>
-          <a:solidFill>
-            <a:srgbClr val="E5DFEC"/>
-          </a:solidFill>
-          <a:ln w="9525">
-            <a:solidFill>
-              <a:srgbClr val="000000"/>
-            </a:solidFill>
-            <a:round/>
-            <a:headEnd/>
-            <a:tailEnd/>
-          </a:ln>
-        </p:spPr>
-        <p:txBody>
-          <a:bodyPr vert="horz" wrap="square" lIns="91440" tIns="45720" rIns="91440" bIns="45720" numCol="1" anchor="t" anchorCtr="0" compatLnSpc="1">
-            <a:prstTxWarp prst="textNoShape">
-              <a:avLst/>
-            </a:prstTxWarp>
-          </a:bodyPr>
-          <a:lstStyle/>
-          <a:p>
-            <a:endParaRPr lang="fr-FR"/>
-          </a:p>
-        </p:txBody>
-      </p:sp>
-      <p:sp>
-        <p:nvSpPr>
-          <p:cNvPr id="19" name="AutoShape 12"/>
-          <p:cNvSpPr>
-            <a:spLocks noChangeArrowheads="1"/>
-          </p:cNvSpPr>
-          <p:nvPr/>
-        </p:nvSpPr>
-        <p:spPr bwMode="auto">
-          <a:xfrm>
-            <a:off x="4940300" y="4349750"/>
-            <a:ext cx="2365375" cy="2144713"/>
-          </a:xfrm>
-          <a:prstGeom prst="roundRect">
-            <a:avLst>
-              <a:gd name="adj" fmla="val 16667"/>
-            </a:avLst>
-          </a:prstGeom>
-          <a:solidFill>
-            <a:srgbClr val="EAF1DD"/>
-          </a:solidFill>
-          <a:ln w="9525">
-            <a:solidFill>
-              <a:srgbClr val="000000"/>
-            </a:solidFill>
-            <a:round/>
-            <a:headEnd/>
-            <a:tailEnd/>
-          </a:ln>
-        </p:spPr>
-        <p:txBody>
-          <a:bodyPr vert="horz" wrap="square" lIns="91440" tIns="45720" rIns="91440" bIns="45720" numCol="1" anchor="t" anchorCtr="0" compatLnSpc="1">
-            <a:prstTxWarp prst="textNoShape">
-              <a:avLst/>
-            </a:prstTxWarp>
-          </a:bodyPr>
-          <a:lstStyle/>
-          <a:p>
-            <a:endParaRPr lang="fr-FR"/>
-          </a:p>
-        </p:txBody>
-      </p:sp>
-      <p:sp>
-        <p:nvSpPr>
-          <p:cNvPr id="20" name="AutoShape 11"/>
-          <p:cNvSpPr>
-            <a:spLocks noChangeArrowheads="1"/>
-          </p:cNvSpPr>
-          <p:nvPr/>
-        </p:nvSpPr>
-        <p:spPr bwMode="auto">
-          <a:xfrm>
-            <a:off x="7424738" y="4349750"/>
-            <a:ext cx="2082800" cy="2144713"/>
-          </a:xfrm>
-          <a:prstGeom prst="roundRect">
-            <a:avLst>
-              <a:gd name="adj" fmla="val 16667"/>
-            </a:avLst>
-          </a:prstGeom>
-          <a:solidFill>
-            <a:srgbClr val="F2DBDB"/>
-          </a:solidFill>
-          <a:ln w="9525">
-            <a:solidFill>
-              <a:srgbClr val="000000"/>
-            </a:solidFill>
-            <a:round/>
-            <a:headEnd/>
-            <a:tailEnd/>
-          </a:ln>
-        </p:spPr>
-        <p:txBody>
-          <a:bodyPr vert="horz" wrap="square" lIns="91440" tIns="45720" rIns="91440" bIns="45720" numCol="1" anchor="t" anchorCtr="0" compatLnSpc="1">
-            <a:prstTxWarp prst="textNoShape">
-              <a:avLst/>
-            </a:prstTxWarp>
-          </a:bodyPr>
-          <a:lstStyle/>
-          <a:p>
-            <a:endParaRPr lang="fr-FR"/>
-          </a:p>
-        </p:txBody>
-      </p:sp>
-      <p:sp>
-        <p:nvSpPr>
-          <p:cNvPr id="24" name="Text Box 7"/>
-          <p:cNvSpPr txBox="1">
-            <a:spLocks noChangeArrowheads="1"/>
-          </p:cNvSpPr>
-          <p:nvPr/>
-        </p:nvSpPr>
-        <p:spPr bwMode="auto">
-          <a:xfrm>
-            <a:off x="25400" y="4470400"/>
-            <a:ext cx="2100263" cy="1831975"/>
-          </a:xfrm>
-          <a:prstGeom prst="rect">
-            <a:avLst/>
-          </a:prstGeom>
-          <a:noFill/>
-          <a:ln>
-            <a:noFill/>
-          </a:ln>
-          <a:extLst>
-            <a:ext uri="{909E8E84-426E-40DD-AFC4-6F175D3DCCD1}">
-              <a14:hiddenFill xmlns:a14="http://schemas.microsoft.com/office/drawing/2010/main">
-                <a:solidFill>
-                  <a:srgbClr val="FFFFFF"/>
-                </a:solidFill>
-              </a14:hiddenFill>
-            </a:ext>
-            <a:ext uri="{91240B29-F687-4F45-9708-019B960494DF}">
-              <a14:hiddenLine xmlns:a14="http://schemas.microsoft.com/office/drawing/2010/main" w="9525">
-                <a:solidFill>
-                  <a:srgbClr val="000000"/>
-                </a:solidFill>
-                <a:miter lim="800000"/>
-                <a:headEnd/>
-                <a:tailEnd/>
-              </a14:hiddenLine>
-            </a:ext>
-          </a:extLst>
-        </p:spPr>
-        <p:txBody>
-          <a:bodyPr vert="horz" wrap="square" lIns="91440" tIns="45720" rIns="91440" bIns="45720" numCol="1" anchor="t" anchorCtr="0" compatLnSpc="1">
-            <a:prstTxWarp prst="textNoShape">
-              <a:avLst/>
-            </a:prstTxWarp>
-          </a:bodyPr>
-          <a:lstStyle/>
-          <a:p>
-            <a:pPr marL="0" marR="0" lvl="0" indent="0" algn="ctr" defTabSz="914400" rtl="0" eaLnBrk="1" fontAlgn="base" latinLnBrk="0" hangingPunct="1">
-              <a:lnSpc>
-                <a:spcPct val="100000"/>
-              </a:lnSpc>
-              <a:spcBef>
-                <a:spcPct val="0"/>
-              </a:spcBef>
-              <a:spcAft>
-                <a:spcPct val="0"/>
-              </a:spcAft>
-              <a:buClrTx/>
-              <a:buSzTx/>
-              <a:buFontTx/>
-              <a:buNone/>
-              <a:tabLst/>
-            </a:pPr>
-            <a:r>
-              <a:rPr kumimoji="0" lang="fr-FR" altLang="fr-FR" sz="1100" b="1" i="0" u="none" strike="noStrike" cap="none" normalizeH="0" baseline="0" smtClean="0">
-                <a:ln>
-                  <a:noFill/>
-                </a:ln>
-                <a:solidFill>
-                  <a:schemeClr val="tx1"/>
-                </a:solidFill>
-                <a:effectLst/>
-                <a:latin typeface="Calibri" pitchFamily="34" charset="0"/>
-                <a:ea typeface="Calibri" pitchFamily="34" charset="0"/>
-                <a:cs typeface="Times New Roman" pitchFamily="18" charset="0"/>
-              </a:rPr>
-              <a:t>Domaine de la mécanique</a:t>
-            </a:r>
-            <a:endParaRPr kumimoji="0" lang="fr-FR" altLang="fr-FR" sz="800" b="0" i="0" u="none" strike="noStrike" cap="none" normalizeH="0" baseline="0" smtClean="0">
-              <a:ln>
-                <a:noFill/>
-              </a:ln>
-              <a:solidFill>
-                <a:schemeClr val="tx1"/>
-              </a:solidFill>
-              <a:effectLst/>
-              <a:latin typeface="Arial" pitchFamily="34" charset="0"/>
-              <a:cs typeface="Arial" pitchFamily="34" charset="0"/>
-            </a:endParaRPr>
-          </a:p>
-          <a:p>
-            <a:pPr marL="0" marR="0" lvl="0" indent="0" algn="ctr" defTabSz="914400" rtl="0" eaLnBrk="0" fontAlgn="base" latinLnBrk="0" hangingPunct="0">
-              <a:lnSpc>
-                <a:spcPct val="100000"/>
-              </a:lnSpc>
-              <a:spcBef>
-                <a:spcPct val="0"/>
-              </a:spcBef>
-              <a:spcAft>
-                <a:spcPct val="0"/>
-              </a:spcAft>
-              <a:buClrTx/>
-              <a:buSzTx/>
-              <a:buFontTx/>
-              <a:buNone/>
-              <a:tabLst/>
-            </a:pPr>
-            <a:r>
-              <a:rPr kumimoji="0" lang="fr-FR" altLang="fr-FR" sz="1100" b="0" i="0" u="none" strike="noStrike" cap="none" normalizeH="0" baseline="0" smtClean="0">
-                <a:ln>
-                  <a:noFill/>
-                </a:ln>
-                <a:solidFill>
-                  <a:schemeClr val="tx1"/>
-                </a:solidFill>
-                <a:effectLst/>
-                <a:latin typeface="Calibri" pitchFamily="34" charset="0"/>
-                <a:ea typeface="Calibri" pitchFamily="34" charset="0"/>
-                <a:cs typeface="Times New Roman" pitchFamily="18" charset="0"/>
-              </a:rPr>
-              <a:t>Modeleurs volumiques et compléments</a:t>
-            </a:r>
-            <a:endParaRPr kumimoji="0" lang="fr-FR" altLang="fr-FR" sz="800" b="0" i="0" u="none" strike="noStrike" cap="none" normalizeH="0" baseline="0" smtClean="0">
-              <a:ln>
-                <a:noFill/>
-              </a:ln>
-              <a:solidFill>
-                <a:schemeClr val="tx1"/>
-              </a:solidFill>
-              <a:effectLst/>
-              <a:latin typeface="Arial" pitchFamily="34" charset="0"/>
-              <a:cs typeface="Arial" pitchFamily="34" charset="0"/>
-            </a:endParaRPr>
-          </a:p>
-          <a:p>
-            <a:pPr marL="0" marR="0" lvl="0" indent="0" algn="ctr" defTabSz="914400" rtl="0" eaLnBrk="0" fontAlgn="base" latinLnBrk="0" hangingPunct="0">
-              <a:lnSpc>
-                <a:spcPct val="100000"/>
-              </a:lnSpc>
-              <a:spcBef>
-                <a:spcPct val="0"/>
-              </a:spcBef>
-              <a:spcAft>
-                <a:spcPct val="0"/>
-              </a:spcAft>
-              <a:buClrTx/>
-              <a:buSzTx/>
-              <a:buFontTx/>
-              <a:buNone/>
-              <a:tabLst/>
-            </a:pPr>
-            <a:r>
-              <a:rPr kumimoji="0" lang="fr-FR" altLang="fr-FR" sz="1100" b="0" i="0" u="none" strike="noStrike" cap="none" normalizeH="0" baseline="0" smtClean="0">
-                <a:ln>
-                  <a:noFill/>
-                </a:ln>
-                <a:solidFill>
-                  <a:schemeClr val="tx1"/>
-                </a:solidFill>
-                <a:effectLst/>
-                <a:latin typeface="Calibri" pitchFamily="34" charset="0"/>
-                <a:ea typeface="Calibri" pitchFamily="34" charset="0"/>
-                <a:cs typeface="Times New Roman" pitchFamily="18" charset="0"/>
-              </a:rPr>
-              <a:t>Solidworks, CATIA, etc.</a:t>
-            </a:r>
-            <a:endParaRPr kumimoji="0" lang="fr-FR" altLang="fr-FR" sz="800" b="0" i="0" u="none" strike="noStrike" cap="none" normalizeH="0" baseline="0" smtClean="0">
-              <a:ln>
-                <a:noFill/>
-              </a:ln>
-              <a:solidFill>
-                <a:schemeClr val="tx1"/>
-              </a:solidFill>
-              <a:effectLst/>
-              <a:latin typeface="Arial" pitchFamily="34" charset="0"/>
-              <a:cs typeface="Arial" pitchFamily="34" charset="0"/>
-            </a:endParaRPr>
-          </a:p>
-          <a:p>
-            <a:pPr marL="0" marR="0" lvl="0" indent="0" algn="ctr" defTabSz="914400" rtl="0" eaLnBrk="0" fontAlgn="base" latinLnBrk="0" hangingPunct="0">
-              <a:lnSpc>
-                <a:spcPct val="100000"/>
-              </a:lnSpc>
-              <a:spcBef>
-                <a:spcPct val="0"/>
-              </a:spcBef>
-              <a:spcAft>
-                <a:spcPct val="0"/>
-              </a:spcAft>
-              <a:buClrTx/>
-              <a:buSzTx/>
-              <a:buFontTx/>
-              <a:buNone/>
-              <a:tabLst/>
-            </a:pPr>
-            <a:r>
-              <a:rPr kumimoji="0" lang="fr-FR" altLang="fr-FR" sz="1100" b="0" i="0" u="none" strike="noStrike" cap="none" normalizeH="0" baseline="0" smtClean="0">
-                <a:ln>
-                  <a:noFill/>
-                </a:ln>
-                <a:solidFill>
-                  <a:schemeClr val="tx1"/>
-                </a:solidFill>
-                <a:effectLst/>
-                <a:latin typeface="Calibri" pitchFamily="34" charset="0"/>
-                <a:ea typeface="Calibri" pitchFamily="34" charset="0"/>
-                <a:cs typeface="Times New Roman" pitchFamily="18" charset="0"/>
-              </a:rPr>
-              <a:t>Logiciels spécialisés (mécanique des fluides, et autres)</a:t>
-            </a:r>
-            <a:endParaRPr kumimoji="0" lang="fr-FR" altLang="fr-FR" sz="800" b="0" i="0" u="none" strike="noStrike" cap="none" normalizeH="0" baseline="0" smtClean="0">
-              <a:ln>
-                <a:noFill/>
-              </a:ln>
-              <a:solidFill>
-                <a:schemeClr val="tx1"/>
-              </a:solidFill>
-              <a:effectLst/>
-              <a:latin typeface="Arial" pitchFamily="34" charset="0"/>
-              <a:cs typeface="Arial" pitchFamily="34" charset="0"/>
-            </a:endParaRPr>
-          </a:p>
-          <a:p>
-            <a:pPr marL="0" marR="0" lvl="0" indent="0" algn="l" defTabSz="914400" rtl="0" eaLnBrk="0" fontAlgn="base" latinLnBrk="0" hangingPunct="0">
-              <a:lnSpc>
-                <a:spcPct val="100000"/>
-              </a:lnSpc>
-              <a:spcBef>
-                <a:spcPct val="0"/>
-              </a:spcBef>
-              <a:spcAft>
-                <a:spcPct val="0"/>
-              </a:spcAft>
-              <a:buClrTx/>
-              <a:buSzTx/>
-              <a:buFontTx/>
-              <a:buNone/>
-              <a:tabLst/>
-            </a:pPr>
-            <a:endParaRPr kumimoji="0" lang="fr-FR" altLang="fr-FR" sz="1800" b="0" i="0" u="none" strike="noStrike" cap="none" normalizeH="0" baseline="0" smtClean="0">
-              <a:ln>
-                <a:noFill/>
-              </a:ln>
-              <a:solidFill>
-                <a:schemeClr val="tx1"/>
-              </a:solidFill>
-              <a:effectLst/>
-              <a:latin typeface="Arial" pitchFamily="34" charset="0"/>
-              <a:cs typeface="Arial" pitchFamily="34" charset="0"/>
-            </a:endParaRPr>
-          </a:p>
-        </p:txBody>
-      </p:sp>
-      <p:sp>
-        <p:nvSpPr>
-          <p:cNvPr id="25" name="Text Box 6"/>
-          <p:cNvSpPr txBox="1">
-            <a:spLocks noChangeArrowheads="1"/>
-          </p:cNvSpPr>
-          <p:nvPr/>
-        </p:nvSpPr>
-        <p:spPr bwMode="auto">
-          <a:xfrm>
-            <a:off x="2138363" y="4457700"/>
-            <a:ext cx="2724150" cy="1544638"/>
-          </a:xfrm>
-          <a:prstGeom prst="rect">
-            <a:avLst/>
-          </a:prstGeom>
-          <a:noFill/>
-          <a:ln>
-            <a:noFill/>
-          </a:ln>
-          <a:extLst>
-            <a:ext uri="{909E8E84-426E-40DD-AFC4-6F175D3DCCD1}">
-              <a14:hiddenFill xmlns:a14="http://schemas.microsoft.com/office/drawing/2010/main">
-                <a:solidFill>
-                  <a:srgbClr val="FFFFFF"/>
-                </a:solidFill>
-              </a14:hiddenFill>
-            </a:ext>
-            <a:ext uri="{91240B29-F687-4F45-9708-019B960494DF}">
-              <a14:hiddenLine xmlns:a14="http://schemas.microsoft.com/office/drawing/2010/main" w="9525">
-                <a:solidFill>
-                  <a:srgbClr val="000000"/>
-                </a:solidFill>
-                <a:miter lim="800000"/>
-                <a:headEnd/>
-                <a:tailEnd/>
-              </a14:hiddenLine>
-            </a:ext>
-          </a:extLst>
-        </p:spPr>
-        <p:txBody>
-          <a:bodyPr vert="horz" wrap="square" lIns="91440" tIns="45720" rIns="91440" bIns="45720" numCol="1" anchor="t" anchorCtr="0" compatLnSpc="1">
-            <a:prstTxWarp prst="textNoShape">
-              <a:avLst/>
-            </a:prstTxWarp>
-          </a:bodyPr>
-          <a:lstStyle/>
-          <a:p>
-            <a:pPr marL="0" marR="0" lvl="0" indent="0" algn="ctr" defTabSz="914400" rtl="0" eaLnBrk="1" fontAlgn="base" latinLnBrk="0" hangingPunct="1">
-              <a:lnSpc>
-                <a:spcPct val="100000"/>
-              </a:lnSpc>
-              <a:spcBef>
-                <a:spcPct val="0"/>
-              </a:spcBef>
-              <a:spcAft>
-                <a:spcPct val="0"/>
-              </a:spcAft>
-              <a:buClrTx/>
-              <a:buSzTx/>
-              <a:buFontTx/>
-              <a:buNone/>
-              <a:tabLst/>
-            </a:pPr>
-            <a:r>
-              <a:rPr kumimoji="0" lang="fr-FR" altLang="fr-FR" sz="1100" b="1" i="0" u="none" strike="noStrike" cap="none" normalizeH="0" baseline="0" smtClean="0">
-                <a:ln>
-                  <a:noFill/>
-                </a:ln>
-                <a:solidFill>
-                  <a:schemeClr val="tx1"/>
-                </a:solidFill>
-                <a:effectLst/>
-                <a:latin typeface="Calibri" pitchFamily="34" charset="0"/>
-                <a:ea typeface="Calibri" pitchFamily="34" charset="0"/>
-                <a:cs typeface="Times New Roman" pitchFamily="18" charset="0"/>
-              </a:rPr>
-              <a:t>Domaine de l’électronique</a:t>
-            </a:r>
-            <a:endParaRPr kumimoji="0" lang="fr-FR" altLang="fr-FR" sz="800" b="0" i="0" u="none" strike="noStrike" cap="none" normalizeH="0" baseline="0" smtClean="0">
-              <a:ln>
-                <a:noFill/>
-              </a:ln>
-              <a:solidFill>
-                <a:schemeClr val="tx1"/>
-              </a:solidFill>
-              <a:effectLst/>
-              <a:latin typeface="Arial" pitchFamily="34" charset="0"/>
-              <a:cs typeface="Arial" pitchFamily="34" charset="0"/>
-            </a:endParaRPr>
-          </a:p>
-          <a:p>
-            <a:pPr marL="0" marR="0" lvl="0" indent="0" algn="ctr" defTabSz="914400" rtl="0" eaLnBrk="0" fontAlgn="base" latinLnBrk="0" hangingPunct="0">
-              <a:lnSpc>
-                <a:spcPct val="100000"/>
-              </a:lnSpc>
-              <a:spcBef>
-                <a:spcPct val="0"/>
-              </a:spcBef>
-              <a:spcAft>
-                <a:spcPct val="0"/>
-              </a:spcAft>
-              <a:buClrTx/>
-              <a:buSzTx/>
-              <a:buFontTx/>
-              <a:buNone/>
-              <a:tabLst/>
-            </a:pPr>
-            <a:r>
-              <a:rPr kumimoji="0" lang="fr-FR" altLang="fr-FR" sz="1100" b="0" i="0" u="none" strike="noStrike" cap="none" normalizeH="0" baseline="0" smtClean="0">
-                <a:ln>
-                  <a:noFill/>
-                </a:ln>
-                <a:solidFill>
-                  <a:schemeClr val="tx1"/>
-                </a:solidFill>
-                <a:effectLst/>
-                <a:latin typeface="Calibri" pitchFamily="34" charset="0"/>
-                <a:ea typeface="Calibri" pitchFamily="34" charset="0"/>
-                <a:cs typeface="Times New Roman" pitchFamily="18" charset="0"/>
-              </a:rPr>
-              <a:t>Conception et simulation</a:t>
-            </a:r>
-            <a:endParaRPr kumimoji="0" lang="fr-FR" altLang="fr-FR" sz="800" b="0" i="0" u="none" strike="noStrike" cap="none" normalizeH="0" baseline="0" smtClean="0">
-              <a:ln>
-                <a:noFill/>
-              </a:ln>
-              <a:solidFill>
-                <a:schemeClr val="tx1"/>
-              </a:solidFill>
-              <a:effectLst/>
-              <a:latin typeface="Arial" pitchFamily="34" charset="0"/>
-              <a:cs typeface="Arial" pitchFamily="34" charset="0"/>
-            </a:endParaRPr>
-          </a:p>
-          <a:p>
-            <a:pPr marL="0" marR="0" lvl="0" indent="0" algn="ctr" defTabSz="914400" rtl="0" eaLnBrk="0" fontAlgn="base" latinLnBrk="0" hangingPunct="0">
-              <a:lnSpc>
-                <a:spcPct val="100000"/>
-              </a:lnSpc>
-              <a:spcBef>
-                <a:spcPct val="0"/>
-              </a:spcBef>
-              <a:spcAft>
-                <a:spcPct val="0"/>
-              </a:spcAft>
-              <a:buClrTx/>
-              <a:buSzTx/>
-              <a:buFontTx/>
-              <a:buNone/>
-              <a:tabLst/>
-            </a:pPr>
-            <a:r>
-              <a:rPr kumimoji="0" lang="fr-FR" altLang="fr-FR" sz="1100" b="0" i="0" u="none" strike="noStrike" cap="none" normalizeH="0" baseline="0" smtClean="0">
-                <a:ln>
-                  <a:noFill/>
-                </a:ln>
-                <a:solidFill>
-                  <a:schemeClr val="tx1"/>
-                </a:solidFill>
-                <a:effectLst/>
-                <a:latin typeface="Calibri" pitchFamily="34" charset="0"/>
-                <a:ea typeface="Calibri" pitchFamily="34" charset="0"/>
-                <a:cs typeface="Times New Roman" pitchFamily="18" charset="0"/>
-              </a:rPr>
-              <a:t>Proteus, Orcad, etc.</a:t>
-            </a:r>
-            <a:endParaRPr kumimoji="0" lang="fr-FR" altLang="fr-FR" sz="800" b="0" i="0" u="none" strike="noStrike" cap="none" normalizeH="0" baseline="0" smtClean="0">
-              <a:ln>
-                <a:noFill/>
-              </a:ln>
-              <a:solidFill>
-                <a:schemeClr val="tx1"/>
-              </a:solidFill>
-              <a:effectLst/>
-              <a:latin typeface="Arial" pitchFamily="34" charset="0"/>
-              <a:cs typeface="Arial" pitchFamily="34" charset="0"/>
-            </a:endParaRPr>
-          </a:p>
-          <a:p>
-            <a:pPr marL="0" marR="0" lvl="0" indent="0" algn="ctr" defTabSz="914400" rtl="0" eaLnBrk="0" fontAlgn="base" latinLnBrk="0" hangingPunct="0">
-              <a:lnSpc>
-                <a:spcPct val="100000"/>
-              </a:lnSpc>
-              <a:spcBef>
-                <a:spcPct val="0"/>
-              </a:spcBef>
-              <a:spcAft>
-                <a:spcPct val="0"/>
-              </a:spcAft>
-              <a:buClrTx/>
-              <a:buSzTx/>
-              <a:buFontTx/>
-              <a:buNone/>
-              <a:tabLst/>
-            </a:pPr>
-            <a:r>
-              <a:rPr kumimoji="0" lang="fr-FR" altLang="fr-FR" sz="1100" b="0" i="0" u="none" strike="noStrike" cap="none" normalizeH="0" baseline="0" smtClean="0">
-                <a:ln>
-                  <a:noFill/>
-                </a:ln>
-                <a:solidFill>
-                  <a:schemeClr val="tx1"/>
-                </a:solidFill>
-                <a:effectLst/>
-                <a:latin typeface="Calibri" pitchFamily="34" charset="0"/>
-                <a:ea typeface="Calibri" pitchFamily="34" charset="0"/>
-                <a:cs typeface="Times New Roman" pitchFamily="18" charset="0"/>
-              </a:rPr>
-              <a:t>Environnements de programmation</a:t>
-            </a:r>
-            <a:endParaRPr kumimoji="0" lang="fr-FR" altLang="fr-FR" sz="800" b="0" i="0" u="none" strike="noStrike" cap="none" normalizeH="0" baseline="0" smtClean="0">
-              <a:ln>
-                <a:noFill/>
-              </a:ln>
-              <a:solidFill>
-                <a:schemeClr val="tx1"/>
-              </a:solidFill>
-              <a:effectLst/>
-              <a:latin typeface="Arial" pitchFamily="34" charset="0"/>
-              <a:cs typeface="Arial" pitchFamily="34" charset="0"/>
-            </a:endParaRPr>
-          </a:p>
-          <a:p>
-            <a:pPr marL="0" marR="0" lvl="0" indent="0" algn="ctr" defTabSz="914400" rtl="0" eaLnBrk="0" fontAlgn="base" latinLnBrk="0" hangingPunct="0">
-              <a:lnSpc>
-                <a:spcPct val="100000"/>
-              </a:lnSpc>
-              <a:spcBef>
-                <a:spcPct val="0"/>
-              </a:spcBef>
-              <a:spcAft>
-                <a:spcPct val="0"/>
-              </a:spcAft>
-              <a:buClrTx/>
-              <a:buSzTx/>
-              <a:buFontTx/>
-              <a:buNone/>
-              <a:tabLst/>
-            </a:pPr>
-            <a:r>
-              <a:rPr kumimoji="0" lang="fr-FR" altLang="fr-FR" sz="1100" b="0" i="0" u="none" strike="noStrike" cap="none" normalizeH="0" baseline="0" smtClean="0">
-                <a:ln>
-                  <a:noFill/>
-                </a:ln>
-                <a:solidFill>
-                  <a:schemeClr val="tx1"/>
-                </a:solidFill>
-                <a:effectLst/>
-                <a:latin typeface="Calibri" pitchFamily="34" charset="0"/>
-                <a:ea typeface="Calibri" pitchFamily="34" charset="0"/>
-                <a:cs typeface="Times New Roman" pitchFamily="18" charset="0"/>
-              </a:rPr>
-              <a:t>Mplab, Arduino, Automgen, Flowcode, etc.</a:t>
-            </a:r>
-            <a:endParaRPr kumimoji="0" lang="fr-FR" altLang="fr-FR" sz="1800" b="0" i="0" u="none" strike="noStrike" cap="none" normalizeH="0" baseline="0" smtClean="0">
-              <a:ln>
-                <a:noFill/>
-              </a:ln>
-              <a:solidFill>
-                <a:schemeClr val="tx1"/>
-              </a:solidFill>
-              <a:effectLst/>
-              <a:latin typeface="Arial" pitchFamily="34" charset="0"/>
-              <a:cs typeface="Arial" pitchFamily="34" charset="0"/>
-            </a:endParaRPr>
-          </a:p>
-        </p:txBody>
-      </p:sp>
-      <p:sp>
-        <p:nvSpPr>
-          <p:cNvPr id="26" name="Text Box 5"/>
-          <p:cNvSpPr txBox="1">
-            <a:spLocks noChangeArrowheads="1"/>
-          </p:cNvSpPr>
-          <p:nvPr/>
-        </p:nvSpPr>
-        <p:spPr bwMode="auto">
-          <a:xfrm>
-            <a:off x="5041900" y="4451350"/>
-            <a:ext cx="2314575" cy="1373188"/>
-          </a:xfrm>
-          <a:prstGeom prst="rect">
-            <a:avLst/>
-          </a:prstGeom>
-          <a:noFill/>
-          <a:ln>
-            <a:noFill/>
-          </a:ln>
-          <a:extLst>
-            <a:ext uri="{909E8E84-426E-40DD-AFC4-6F175D3DCCD1}">
-              <a14:hiddenFill xmlns:a14="http://schemas.microsoft.com/office/drawing/2010/main">
-                <a:solidFill>
-                  <a:srgbClr val="FFFFFF"/>
-                </a:solidFill>
-              </a14:hiddenFill>
-            </a:ext>
-            <a:ext uri="{91240B29-F687-4F45-9708-019B960494DF}">
-              <a14:hiddenLine xmlns:a14="http://schemas.microsoft.com/office/drawing/2010/main" w="9525">
-                <a:solidFill>
-                  <a:srgbClr val="000000"/>
-                </a:solidFill>
-                <a:miter lim="800000"/>
-                <a:headEnd/>
-                <a:tailEnd/>
-              </a14:hiddenLine>
-            </a:ext>
-          </a:extLst>
-        </p:spPr>
-        <p:txBody>
-          <a:bodyPr vert="horz" wrap="square" lIns="91440" tIns="45720" rIns="91440" bIns="45720" numCol="1" anchor="t" anchorCtr="0" compatLnSpc="1">
-            <a:prstTxWarp prst="textNoShape">
-              <a:avLst/>
-            </a:prstTxWarp>
-          </a:bodyPr>
-          <a:lstStyle/>
-          <a:p>
-            <a:pPr marL="0" marR="0" lvl="0" indent="0" algn="ctr" defTabSz="914400" rtl="0" eaLnBrk="1" fontAlgn="base" latinLnBrk="0" hangingPunct="1">
-              <a:lnSpc>
-                <a:spcPct val="100000"/>
-              </a:lnSpc>
-              <a:spcBef>
-                <a:spcPct val="0"/>
-              </a:spcBef>
-              <a:spcAft>
-                <a:spcPct val="0"/>
-              </a:spcAft>
-              <a:buClrTx/>
-              <a:buSzTx/>
-              <a:buFontTx/>
-              <a:buNone/>
-              <a:tabLst/>
-            </a:pPr>
-            <a:r>
-              <a:rPr kumimoji="0" lang="fr-FR" altLang="fr-FR" sz="1100" b="1" i="0" u="none" strike="noStrike" cap="none" normalizeH="0" baseline="0" smtClean="0">
-                <a:ln>
-                  <a:noFill/>
-                </a:ln>
-                <a:solidFill>
-                  <a:schemeClr val="tx1"/>
-                </a:solidFill>
-                <a:effectLst/>
-                <a:latin typeface="Calibri" pitchFamily="34" charset="0"/>
-                <a:ea typeface="Calibri" pitchFamily="34" charset="0"/>
-                <a:cs typeface="Times New Roman" pitchFamily="18" charset="0"/>
-              </a:rPr>
-              <a:t>Domaine des mathématiques</a:t>
-            </a:r>
-            <a:endParaRPr kumimoji="0" lang="fr-FR" altLang="fr-FR" sz="800" b="0" i="0" u="none" strike="noStrike" cap="none" normalizeH="0" baseline="0" smtClean="0">
-              <a:ln>
-                <a:noFill/>
-              </a:ln>
-              <a:solidFill>
-                <a:schemeClr val="tx1"/>
-              </a:solidFill>
-              <a:effectLst/>
-              <a:latin typeface="Arial" pitchFamily="34" charset="0"/>
-              <a:cs typeface="Arial" pitchFamily="34" charset="0"/>
-            </a:endParaRPr>
-          </a:p>
-          <a:p>
-            <a:pPr marL="0" marR="0" lvl="0" indent="0" algn="ctr" defTabSz="914400" rtl="0" eaLnBrk="0" fontAlgn="base" latinLnBrk="0" hangingPunct="0">
-              <a:lnSpc>
-                <a:spcPct val="100000"/>
-              </a:lnSpc>
-              <a:spcBef>
-                <a:spcPct val="0"/>
-              </a:spcBef>
-              <a:spcAft>
-                <a:spcPct val="0"/>
-              </a:spcAft>
-              <a:buClrTx/>
-              <a:buSzTx/>
-              <a:buFontTx/>
-              <a:buNone/>
-              <a:tabLst/>
-            </a:pPr>
-            <a:r>
-              <a:rPr kumimoji="0" lang="fr-FR" altLang="fr-FR" sz="1100" b="0" i="0" u="none" strike="noStrike" cap="none" normalizeH="0" baseline="0" smtClean="0">
-                <a:ln>
-                  <a:noFill/>
-                </a:ln>
-                <a:solidFill>
-                  <a:schemeClr val="tx1"/>
-                </a:solidFill>
-                <a:effectLst/>
-                <a:latin typeface="Calibri" pitchFamily="34" charset="0"/>
-                <a:ea typeface="Calibri" pitchFamily="34" charset="0"/>
-                <a:cs typeface="Times New Roman" pitchFamily="18" charset="0"/>
-              </a:rPr>
-              <a:t>Calcul formel</a:t>
-            </a:r>
-            <a:endParaRPr kumimoji="0" lang="fr-FR" altLang="fr-FR" sz="800" b="0" i="0" u="none" strike="noStrike" cap="none" normalizeH="0" baseline="0" smtClean="0">
-              <a:ln>
-                <a:noFill/>
-              </a:ln>
-              <a:solidFill>
-                <a:schemeClr val="tx1"/>
-              </a:solidFill>
-              <a:effectLst/>
-              <a:latin typeface="Arial" pitchFamily="34" charset="0"/>
-              <a:cs typeface="Arial" pitchFamily="34" charset="0"/>
-            </a:endParaRPr>
-          </a:p>
-          <a:p>
-            <a:pPr marL="0" marR="0" lvl="0" indent="0" algn="ctr" defTabSz="914400" rtl="0" eaLnBrk="0" fontAlgn="base" latinLnBrk="0" hangingPunct="0">
-              <a:lnSpc>
-                <a:spcPct val="100000"/>
-              </a:lnSpc>
-              <a:spcBef>
-                <a:spcPct val="0"/>
-              </a:spcBef>
-              <a:spcAft>
-                <a:spcPct val="0"/>
-              </a:spcAft>
-              <a:buClrTx/>
-              <a:buSzTx/>
-              <a:buFontTx/>
-              <a:buNone/>
-              <a:tabLst/>
-            </a:pPr>
-            <a:r>
-              <a:rPr kumimoji="0" lang="fr-FR" altLang="fr-FR" sz="1100" b="0" i="0" u="none" strike="noStrike" cap="none" normalizeH="0" baseline="0" smtClean="0">
-                <a:ln>
-                  <a:noFill/>
-                </a:ln>
-                <a:solidFill>
-                  <a:schemeClr val="tx1"/>
-                </a:solidFill>
-                <a:effectLst/>
-                <a:latin typeface="Calibri" pitchFamily="34" charset="0"/>
-                <a:ea typeface="Calibri" pitchFamily="34" charset="0"/>
-                <a:cs typeface="Times New Roman" pitchFamily="18" charset="0"/>
-              </a:rPr>
-              <a:t>Maple, Mathcad, etc</a:t>
-            </a:r>
-            <a:endParaRPr kumimoji="0" lang="fr-FR" altLang="fr-FR" sz="800" b="0" i="0" u="none" strike="noStrike" cap="none" normalizeH="0" baseline="0" smtClean="0">
-              <a:ln>
-                <a:noFill/>
-              </a:ln>
-              <a:solidFill>
-                <a:schemeClr val="tx1"/>
-              </a:solidFill>
-              <a:effectLst/>
-              <a:latin typeface="Arial" pitchFamily="34" charset="0"/>
-              <a:cs typeface="Arial" pitchFamily="34" charset="0"/>
-            </a:endParaRPr>
-          </a:p>
-          <a:p>
-            <a:pPr marL="0" marR="0" lvl="0" indent="0" algn="ctr" defTabSz="914400" rtl="0" eaLnBrk="0" fontAlgn="base" latinLnBrk="0" hangingPunct="0">
-              <a:lnSpc>
-                <a:spcPct val="100000"/>
-              </a:lnSpc>
-              <a:spcBef>
-                <a:spcPct val="0"/>
-              </a:spcBef>
-              <a:spcAft>
-                <a:spcPct val="0"/>
-              </a:spcAft>
-              <a:buClrTx/>
-              <a:buSzTx/>
-              <a:buFontTx/>
-              <a:buNone/>
-              <a:tabLst/>
-            </a:pPr>
-            <a:r>
-              <a:rPr kumimoji="0" lang="pt-PT" altLang="fr-FR" sz="1100" b="0" i="0" u="none" strike="noStrike" cap="none" normalizeH="0" baseline="0" smtClean="0">
-                <a:ln>
-                  <a:noFill/>
-                </a:ln>
-                <a:solidFill>
-                  <a:schemeClr val="tx1"/>
-                </a:solidFill>
-                <a:effectLst/>
-                <a:latin typeface="Calibri" pitchFamily="34" charset="0"/>
-                <a:ea typeface="Calibri" pitchFamily="34" charset="0"/>
-                <a:cs typeface="Times New Roman" pitchFamily="18" charset="0"/>
-              </a:rPr>
-              <a:t>Calcul numérique</a:t>
-            </a:r>
-            <a:endParaRPr kumimoji="0" lang="pt-PT" altLang="fr-FR" sz="800" b="0" i="0" u="none" strike="noStrike" cap="none" normalizeH="0" baseline="0" smtClean="0">
-              <a:ln>
-                <a:noFill/>
-              </a:ln>
-              <a:solidFill>
-                <a:schemeClr val="tx1"/>
-              </a:solidFill>
-              <a:effectLst/>
-              <a:latin typeface="Arial" pitchFamily="34" charset="0"/>
-              <a:cs typeface="Arial" pitchFamily="34" charset="0"/>
-            </a:endParaRPr>
-          </a:p>
-          <a:p>
-            <a:pPr marL="0" marR="0" lvl="0" indent="0" algn="ctr" defTabSz="914400" rtl="0" eaLnBrk="0" fontAlgn="base" latinLnBrk="0" hangingPunct="0">
-              <a:lnSpc>
-                <a:spcPct val="100000"/>
-              </a:lnSpc>
-              <a:spcBef>
-                <a:spcPct val="0"/>
-              </a:spcBef>
-              <a:spcAft>
-                <a:spcPct val="0"/>
-              </a:spcAft>
-              <a:buClrTx/>
-              <a:buSzTx/>
-              <a:buFontTx/>
-              <a:buNone/>
-              <a:tabLst/>
-            </a:pPr>
-            <a:r>
-              <a:rPr kumimoji="0" lang="pt-PT" altLang="fr-FR" sz="1100" b="0" i="0" u="none" strike="noStrike" cap="none" normalizeH="0" baseline="0" smtClean="0">
-                <a:ln>
-                  <a:noFill/>
-                </a:ln>
-                <a:solidFill>
-                  <a:schemeClr val="tx1"/>
-                </a:solidFill>
-                <a:effectLst/>
-                <a:latin typeface="Calibri" pitchFamily="34" charset="0"/>
-                <a:ea typeface="Calibri" pitchFamily="34" charset="0"/>
-                <a:cs typeface="Times New Roman" pitchFamily="18" charset="0"/>
-              </a:rPr>
-              <a:t>Matlab, Scilab, etc.</a:t>
-            </a:r>
-            <a:endParaRPr kumimoji="0" lang="pt-PT" altLang="fr-FR" sz="1800" b="0" i="0" u="none" strike="noStrike" cap="none" normalizeH="0" baseline="0" smtClean="0">
-              <a:ln>
-                <a:noFill/>
-              </a:ln>
-              <a:solidFill>
-                <a:schemeClr val="tx1"/>
-              </a:solidFill>
-              <a:effectLst/>
-              <a:latin typeface="Arial" pitchFamily="34" charset="0"/>
-              <a:cs typeface="Arial" pitchFamily="34" charset="0"/>
-            </a:endParaRPr>
-          </a:p>
-        </p:txBody>
-      </p:sp>
-      <p:sp>
-        <p:nvSpPr>
-          <p:cNvPr id="27" name="Text Box 4"/>
-          <p:cNvSpPr txBox="1">
-            <a:spLocks noChangeArrowheads="1"/>
-          </p:cNvSpPr>
-          <p:nvPr/>
-        </p:nvSpPr>
-        <p:spPr bwMode="auto">
-          <a:xfrm>
-            <a:off x="7416800" y="4451350"/>
-            <a:ext cx="2100263" cy="1660525"/>
-          </a:xfrm>
-          <a:prstGeom prst="rect">
-            <a:avLst/>
-          </a:prstGeom>
-          <a:noFill/>
-          <a:ln>
-            <a:noFill/>
-          </a:ln>
-          <a:extLst>
-            <a:ext uri="{909E8E84-426E-40DD-AFC4-6F175D3DCCD1}">
-              <a14:hiddenFill xmlns:a14="http://schemas.microsoft.com/office/drawing/2010/main">
-                <a:solidFill>
-                  <a:srgbClr val="FFFFFF"/>
-                </a:solidFill>
-              </a14:hiddenFill>
-            </a:ext>
-            <a:ext uri="{91240B29-F687-4F45-9708-019B960494DF}">
-              <a14:hiddenLine xmlns:a14="http://schemas.microsoft.com/office/drawing/2010/main" w="9525">
-                <a:solidFill>
-                  <a:srgbClr val="000000"/>
-                </a:solidFill>
-                <a:miter lim="800000"/>
-                <a:headEnd/>
-                <a:tailEnd/>
-              </a14:hiddenLine>
-            </a:ext>
-          </a:extLst>
-        </p:spPr>
-        <p:txBody>
-          <a:bodyPr vert="horz" wrap="square" lIns="91440" tIns="45720" rIns="91440" bIns="45720" numCol="1" anchor="t" anchorCtr="0" compatLnSpc="1">
-            <a:prstTxWarp prst="textNoShape">
-              <a:avLst/>
-            </a:prstTxWarp>
-          </a:bodyPr>
-          <a:lstStyle/>
-          <a:p>
-            <a:pPr marL="0" marR="0" lvl="0" indent="0" algn="ctr" defTabSz="914400" rtl="0" eaLnBrk="1" fontAlgn="base" latinLnBrk="0" hangingPunct="1">
-              <a:lnSpc>
-                <a:spcPct val="100000"/>
-              </a:lnSpc>
-              <a:spcBef>
-                <a:spcPct val="0"/>
-              </a:spcBef>
-              <a:spcAft>
-                <a:spcPct val="0"/>
-              </a:spcAft>
-              <a:buClrTx/>
-              <a:buSzTx/>
-              <a:buFontTx/>
-              <a:buNone/>
-              <a:tabLst/>
-            </a:pPr>
-            <a:r>
-              <a:rPr kumimoji="0" lang="fr-FR" altLang="fr-FR" sz="1100" b="1" i="0" u="none" strike="noStrike" cap="none" normalizeH="0" baseline="0" smtClean="0">
-                <a:ln>
-                  <a:noFill/>
-                </a:ln>
-                <a:solidFill>
-                  <a:schemeClr val="tx1"/>
-                </a:solidFill>
-                <a:effectLst/>
-                <a:latin typeface="Calibri" pitchFamily="34" charset="0"/>
-                <a:ea typeface="Calibri" pitchFamily="34" charset="0"/>
-                <a:cs typeface="Times New Roman" pitchFamily="18" charset="0"/>
-              </a:rPr>
-              <a:t>Domaine de l’informatique</a:t>
-            </a:r>
-            <a:endParaRPr kumimoji="0" lang="fr-FR" altLang="fr-FR" sz="800" b="0" i="0" u="none" strike="noStrike" cap="none" normalizeH="0" baseline="0" smtClean="0">
-              <a:ln>
-                <a:noFill/>
-              </a:ln>
-              <a:solidFill>
-                <a:schemeClr val="tx1"/>
-              </a:solidFill>
-              <a:effectLst/>
-              <a:latin typeface="Arial" pitchFamily="34" charset="0"/>
-              <a:cs typeface="Arial" pitchFamily="34" charset="0"/>
-            </a:endParaRPr>
-          </a:p>
-          <a:p>
-            <a:pPr marL="0" marR="0" lvl="0" indent="0" algn="ctr" defTabSz="914400" rtl="0" eaLnBrk="0" fontAlgn="base" latinLnBrk="0" hangingPunct="0">
-              <a:lnSpc>
-                <a:spcPct val="100000"/>
-              </a:lnSpc>
-              <a:spcBef>
-                <a:spcPct val="0"/>
-              </a:spcBef>
-              <a:spcAft>
-                <a:spcPct val="0"/>
-              </a:spcAft>
-              <a:buClrTx/>
-              <a:buSzTx/>
-              <a:buFontTx/>
-              <a:buNone/>
-              <a:tabLst/>
-            </a:pPr>
-            <a:r>
-              <a:rPr kumimoji="0" lang="fr-FR" altLang="fr-FR" sz="1100" b="0" i="0" u="none" strike="noStrike" cap="none" normalizeH="0" baseline="0" smtClean="0">
-                <a:ln>
-                  <a:noFill/>
-                </a:ln>
-                <a:solidFill>
-                  <a:schemeClr val="tx1"/>
-                </a:solidFill>
-                <a:effectLst/>
-                <a:latin typeface="Calibri" pitchFamily="34" charset="0"/>
-                <a:ea typeface="Calibri" pitchFamily="34" charset="0"/>
-                <a:cs typeface="Times New Roman" pitchFamily="18" charset="0"/>
-              </a:rPr>
-              <a:t>Programmation impérative</a:t>
-            </a:r>
-            <a:endParaRPr kumimoji="0" lang="fr-FR" altLang="fr-FR" sz="800" b="0" i="0" u="none" strike="noStrike" cap="none" normalizeH="0" baseline="0" smtClean="0">
-              <a:ln>
-                <a:noFill/>
-              </a:ln>
-              <a:solidFill>
-                <a:schemeClr val="tx1"/>
-              </a:solidFill>
-              <a:effectLst/>
-              <a:latin typeface="Arial" pitchFamily="34" charset="0"/>
-              <a:cs typeface="Arial" pitchFamily="34" charset="0"/>
-            </a:endParaRPr>
-          </a:p>
-          <a:p>
-            <a:pPr marL="0" marR="0" lvl="0" indent="0" algn="ctr" defTabSz="914400" rtl="0" eaLnBrk="0" fontAlgn="base" latinLnBrk="0" hangingPunct="0">
-              <a:lnSpc>
-                <a:spcPct val="100000"/>
-              </a:lnSpc>
-              <a:spcBef>
-                <a:spcPct val="0"/>
-              </a:spcBef>
-              <a:spcAft>
-                <a:spcPct val="0"/>
-              </a:spcAft>
-              <a:buClrTx/>
-              <a:buSzTx/>
-              <a:buFontTx/>
-              <a:buNone/>
-              <a:tabLst/>
-            </a:pPr>
-            <a:r>
-              <a:rPr kumimoji="0" lang="fr-FR" altLang="fr-FR" sz="1100" b="0" i="0" u="none" strike="noStrike" cap="none" normalizeH="0" baseline="0" smtClean="0">
-                <a:ln>
-                  <a:noFill/>
-                </a:ln>
-                <a:solidFill>
-                  <a:schemeClr val="tx1"/>
-                </a:solidFill>
-                <a:effectLst/>
-                <a:latin typeface="Calibri" pitchFamily="34" charset="0"/>
-                <a:ea typeface="Calibri" pitchFamily="34" charset="0"/>
-                <a:cs typeface="Times New Roman" pitchFamily="18" charset="0"/>
-              </a:rPr>
-              <a:t>C, Python, Java, etc.</a:t>
-            </a:r>
-            <a:endParaRPr kumimoji="0" lang="fr-FR" altLang="fr-FR" sz="800" b="0" i="0" u="none" strike="noStrike" cap="none" normalizeH="0" baseline="0" smtClean="0">
-              <a:ln>
-                <a:noFill/>
-              </a:ln>
-              <a:solidFill>
-                <a:schemeClr val="tx1"/>
-              </a:solidFill>
-              <a:effectLst/>
-              <a:latin typeface="Arial" pitchFamily="34" charset="0"/>
-              <a:cs typeface="Arial" pitchFamily="34" charset="0"/>
-            </a:endParaRPr>
-          </a:p>
-          <a:p>
-            <a:pPr marL="0" marR="0" lvl="0" indent="0" algn="ctr" defTabSz="914400" rtl="0" eaLnBrk="0" fontAlgn="base" latinLnBrk="0" hangingPunct="0">
-              <a:lnSpc>
-                <a:spcPct val="100000"/>
-              </a:lnSpc>
-              <a:spcBef>
-                <a:spcPct val="0"/>
-              </a:spcBef>
-              <a:spcAft>
-                <a:spcPct val="0"/>
-              </a:spcAft>
-              <a:buClrTx/>
-              <a:buSzTx/>
-              <a:buFontTx/>
-              <a:buNone/>
-              <a:tabLst/>
-            </a:pPr>
-            <a:r>
-              <a:rPr kumimoji="0" lang="fr-FR" altLang="fr-FR" sz="1100" b="0" i="0" u="none" strike="noStrike" cap="none" normalizeH="0" baseline="0" smtClean="0">
-                <a:ln>
-                  <a:noFill/>
-                </a:ln>
-                <a:solidFill>
-                  <a:schemeClr val="tx1"/>
-                </a:solidFill>
-                <a:effectLst/>
-                <a:latin typeface="Calibri" pitchFamily="34" charset="0"/>
-                <a:ea typeface="Calibri" pitchFamily="34" charset="0"/>
-                <a:cs typeface="Times New Roman" pitchFamily="18" charset="0"/>
-              </a:rPr>
-              <a:t>Environnements de développement</a:t>
-            </a:r>
-            <a:endParaRPr kumimoji="0" lang="fr-FR" altLang="fr-FR" sz="800" b="0" i="0" u="none" strike="noStrike" cap="none" normalizeH="0" baseline="0" smtClean="0">
-              <a:ln>
-                <a:noFill/>
-              </a:ln>
-              <a:solidFill>
-                <a:schemeClr val="tx1"/>
-              </a:solidFill>
-              <a:effectLst/>
-              <a:latin typeface="Arial" pitchFamily="34" charset="0"/>
-              <a:cs typeface="Arial" pitchFamily="34" charset="0"/>
-            </a:endParaRPr>
-          </a:p>
-          <a:p>
-            <a:pPr marL="0" marR="0" lvl="0" indent="0" algn="ctr" defTabSz="914400" rtl="0" eaLnBrk="0" fontAlgn="base" latinLnBrk="0" hangingPunct="0">
-              <a:lnSpc>
-                <a:spcPct val="100000"/>
-              </a:lnSpc>
-              <a:spcBef>
-                <a:spcPct val="0"/>
-              </a:spcBef>
-              <a:spcAft>
-                <a:spcPct val="0"/>
-              </a:spcAft>
-              <a:buClrTx/>
-              <a:buSzTx/>
-              <a:buFontTx/>
-              <a:buNone/>
-              <a:tabLst/>
-            </a:pPr>
-            <a:r>
-              <a:rPr kumimoji="0" lang="fr-FR" altLang="fr-FR" sz="1100" b="0" i="0" u="none" strike="noStrike" cap="none" normalizeH="0" baseline="0" smtClean="0">
-                <a:ln>
-                  <a:noFill/>
-                </a:ln>
-                <a:solidFill>
-                  <a:schemeClr val="tx1"/>
-                </a:solidFill>
-                <a:effectLst/>
-                <a:latin typeface="Calibri" pitchFamily="34" charset="0"/>
-                <a:ea typeface="Calibri" pitchFamily="34" charset="0"/>
-                <a:cs typeface="Times New Roman" pitchFamily="18" charset="0"/>
-              </a:rPr>
-              <a:t>Visual Studio, Eclipse, etc.</a:t>
-            </a:r>
-            <a:endParaRPr kumimoji="0" lang="fr-FR" altLang="fr-FR" sz="800" b="0" i="0" u="none" strike="noStrike" cap="none" normalizeH="0" baseline="0" smtClean="0">
-              <a:ln>
-                <a:noFill/>
-              </a:ln>
-              <a:solidFill>
-                <a:schemeClr val="tx1"/>
-              </a:solidFill>
-              <a:effectLst/>
-              <a:latin typeface="Arial" pitchFamily="34" charset="0"/>
-              <a:cs typeface="Arial" pitchFamily="34" charset="0"/>
-            </a:endParaRPr>
-          </a:p>
-          <a:p>
-            <a:pPr marL="0" marR="0" lvl="0" indent="0" algn="ctr" defTabSz="914400" rtl="0" eaLnBrk="0" fontAlgn="base" latinLnBrk="0" hangingPunct="0">
-              <a:lnSpc>
-                <a:spcPct val="100000"/>
-              </a:lnSpc>
-              <a:spcBef>
-                <a:spcPct val="0"/>
-              </a:spcBef>
-              <a:spcAft>
-                <a:spcPct val="0"/>
-              </a:spcAft>
-              <a:buClrTx/>
-              <a:buSzTx/>
-              <a:buFontTx/>
-              <a:buNone/>
-              <a:tabLst/>
-            </a:pPr>
-            <a:r>
-              <a:rPr kumimoji="0" lang="fr-FR" altLang="fr-FR" sz="1100" b="0" i="0" u="none" strike="noStrike" cap="none" normalizeH="0" baseline="0" smtClean="0">
-                <a:ln>
-                  <a:noFill/>
-                </a:ln>
-                <a:solidFill>
-                  <a:schemeClr val="tx1"/>
-                </a:solidFill>
-                <a:effectLst/>
-                <a:latin typeface="Calibri" pitchFamily="34" charset="0"/>
-                <a:ea typeface="Calibri" pitchFamily="34" charset="0"/>
-                <a:cs typeface="Times New Roman" pitchFamily="18" charset="0"/>
-              </a:rPr>
-              <a:t> </a:t>
-            </a:r>
-            <a:endParaRPr kumimoji="0" lang="fr-FR" altLang="fr-FR" sz="800" b="0" i="0" u="none" strike="noStrike" cap="none" normalizeH="0" baseline="0" smtClean="0">
-              <a:ln>
-                <a:noFill/>
-              </a:ln>
-              <a:solidFill>
-                <a:schemeClr val="tx1"/>
-              </a:solidFill>
-              <a:effectLst/>
-              <a:latin typeface="Arial" pitchFamily="34" charset="0"/>
-              <a:cs typeface="Arial" pitchFamily="34" charset="0"/>
-            </a:endParaRPr>
-          </a:p>
-          <a:p>
-            <a:pPr marL="0" marR="0" lvl="0" indent="0" algn="l" defTabSz="914400" rtl="0" eaLnBrk="0" fontAlgn="base" latinLnBrk="0" hangingPunct="0">
-              <a:lnSpc>
-                <a:spcPct val="100000"/>
-              </a:lnSpc>
-              <a:spcBef>
-                <a:spcPct val="0"/>
-              </a:spcBef>
-              <a:spcAft>
-                <a:spcPct val="0"/>
-              </a:spcAft>
-              <a:buClrTx/>
-              <a:buSzTx/>
-              <a:buFontTx/>
-              <a:buNone/>
-              <a:tabLst/>
-            </a:pPr>
-            <a:endParaRPr kumimoji="0" lang="fr-FR" altLang="fr-FR" sz="1800" b="0" i="0" u="none" strike="noStrike" cap="none" normalizeH="0" baseline="0" smtClean="0">
-              <a:ln>
-                <a:noFill/>
-              </a:ln>
-              <a:solidFill>
-                <a:schemeClr val="tx1"/>
-              </a:solidFill>
-              <a:effectLst/>
-              <a:latin typeface="Arial" pitchFamily="34" charset="0"/>
-              <a:cs typeface="Arial" pitchFamily="34" charset="0"/>
-            </a:endParaRPr>
-          </a:p>
-        </p:txBody>
-      </p:sp>
-      <p:sp>
-        <p:nvSpPr>
-          <p:cNvPr id="31" name="Rectangle 29"/>
-          <p:cNvSpPr>
-            <a:spLocks noChangeArrowheads="1"/>
-          </p:cNvSpPr>
-          <p:nvPr/>
-        </p:nvSpPr>
-        <p:spPr bwMode="auto">
-          <a:xfrm>
-            <a:off x="0" y="0"/>
-            <a:ext cx="9144000" cy="457200"/>
-          </a:xfrm>
-          <a:prstGeom prst="rect">
-            <a:avLst/>
-          </a:prstGeom>
-          <a:noFill/>
-          <a:ln>
-            <a:noFill/>
-          </a:ln>
-          <a:effectLst/>
-          <a:extLst>
-            <a:ext uri="{909E8E84-426E-40DD-AFC4-6F175D3DCCD1}">
-              <a14:hiddenFill xmlns:a14="http://schemas.microsoft.com/office/drawing/2010/main">
-                <a:solidFill>
-                  <a:schemeClr val="accent1"/>
-                </a:solidFill>
-              </a14:hiddenFill>
-            </a:ext>
-            <a:ext uri="{91240B29-F687-4F45-9708-019B960494DF}">
-              <a14:hiddenLine xmlns:a14="http://schemas.microsoft.com/office/drawing/2010/main" w="9525">
-                <a:solidFill>
-                  <a:schemeClr val="tx1"/>
-                </a:solidFill>
-                <a:miter lim="800000"/>
-                <a:headEnd/>
-                <a:tailEnd/>
-              </a14:hiddenLine>
-            </a:ext>
-            <a:ext uri="{AF507438-7753-43E0-B8FC-AC1667EBCBE1}">
-              <a14:hiddenEffects xmlns:a14="http://schemas.microsoft.com/office/drawing/2010/main">
-                <a:effectLst>
-                  <a:outerShdw dist="35921" dir="2700000" algn="ctr" rotWithShape="0">
-                    <a:schemeClr val="bg2"/>
-                  </a:outerShdw>
-                </a:effectLst>
-              </a14:hiddenEffects>
-            </a:ext>
-          </a:extLst>
-        </p:spPr>
-        <p:txBody>
-          <a:bodyPr vert="horz" wrap="none" lIns="91440" tIns="45720" rIns="91440" bIns="45720" numCol="1" anchor="ctr" anchorCtr="0" compatLnSpc="1">
-            <a:prstTxWarp prst="textNoShape">
-              <a:avLst/>
-            </a:prstTxWarp>
-            <a:spAutoFit/>
-          </a:bodyPr>
-          <a:lstStyle/>
-          <a:p>
-            <a:endParaRPr lang="fr-FR"/>
-          </a:p>
-        </p:txBody>
-      </p:sp>
-      <p:sp>
-        <p:nvSpPr>
-          <p:cNvPr id="32" name="Rectangle 44"/>
-          <p:cNvSpPr>
-            <a:spLocks noChangeArrowheads="1"/>
-          </p:cNvSpPr>
-          <p:nvPr/>
-        </p:nvSpPr>
-        <p:spPr bwMode="auto">
-          <a:xfrm>
-            <a:off x="0" y="457200"/>
-            <a:ext cx="9144000" cy="457200"/>
-          </a:xfrm>
-          <a:prstGeom prst="rect">
-            <a:avLst/>
-          </a:prstGeom>
-          <a:noFill/>
-          <a:ln>
-            <a:noFill/>
-          </a:ln>
-          <a:effectLst/>
-          <a:extLst>
-            <a:ext uri="{909E8E84-426E-40DD-AFC4-6F175D3DCCD1}">
-              <a14:hiddenFill xmlns:a14="http://schemas.microsoft.com/office/drawing/2010/main">
-                <a:solidFill>
-                  <a:schemeClr val="accent1"/>
-                </a:solidFill>
-              </a14:hiddenFill>
-            </a:ext>
-            <a:ext uri="{91240B29-F687-4F45-9708-019B960494DF}">
-              <a14:hiddenLine xmlns:a14="http://schemas.microsoft.com/office/drawing/2010/main" w="9525">
-                <a:solidFill>
-                  <a:schemeClr val="tx1"/>
-                </a:solidFill>
-                <a:miter lim="800000"/>
-                <a:headEnd/>
-                <a:tailEnd/>
-              </a14:hiddenLine>
-            </a:ext>
-            <a:ext uri="{AF507438-7753-43E0-B8FC-AC1667EBCBE1}">
-              <a14:hiddenEffects xmlns:a14="http://schemas.microsoft.com/office/drawing/2010/main">
-                <a:effectLst>
-                  <a:outerShdw dist="35921" dir="2700000" algn="ctr" rotWithShape="0">
-                    <a:schemeClr val="bg2"/>
-                  </a:outerShdw>
-                </a:effectLst>
-              </a14:hiddenEffects>
-            </a:ext>
-          </a:extLst>
-        </p:spPr>
-        <p:txBody>
-          <a:bodyPr vert="horz" wrap="none" lIns="91440" tIns="45720" rIns="91440" bIns="45720" numCol="1" anchor="ctr" anchorCtr="0" compatLnSpc="1">
-            <a:prstTxWarp prst="textNoShape">
-              <a:avLst/>
-            </a:prstTxWarp>
-            <a:spAutoFit/>
-          </a:bodyPr>
-          <a:lstStyle/>
-          <a:p>
-            <a:pPr marL="0" marR="0" lvl="0" indent="0" algn="l" defTabSz="914400" rtl="0" eaLnBrk="1" fontAlgn="base" latinLnBrk="0" hangingPunct="1">
-              <a:lnSpc>
-                <a:spcPct val="100000"/>
-              </a:lnSpc>
-              <a:spcBef>
-                <a:spcPct val="0"/>
-              </a:spcBef>
-              <a:spcAft>
-                <a:spcPct val="0"/>
-              </a:spcAft>
-              <a:buClrTx/>
-              <a:buSzTx/>
-              <a:buFontTx/>
-              <a:buNone/>
-              <a:tabLst/>
-            </a:pPr>
-            <a:endParaRPr kumimoji="0" lang="fr-FR" altLang="fr-FR" sz="1800" b="0" i="0" u="none" strike="noStrike" cap="none" normalizeH="0" baseline="0" smtClean="0">
-              <a:ln>
-                <a:noFill/>
-              </a:ln>
-              <a:solidFill>
-                <a:schemeClr val="tx1"/>
-              </a:solidFill>
-              <a:effectLst/>
-              <a:latin typeface="Arial" pitchFamily="34" charset="0"/>
-              <a:cs typeface="Arial" pitchFamily="34" charset="0"/>
-            </a:endParaRPr>
-          </a:p>
-        </p:txBody>
-      </p:sp>
-      <p:sp>
-        <p:nvSpPr>
-          <p:cNvPr id="33" name="Rectangle 32"/>
-          <p:cNvSpPr/>
-          <p:nvPr/>
-        </p:nvSpPr>
-        <p:spPr>
-          <a:xfrm>
-            <a:off x="-468560" y="332656"/>
-            <a:ext cx="10513168" cy="6693619"/>
-          </a:xfrm>
-          <a:prstGeom prst="rect">
-            <a:avLst/>
-          </a:prstGeom>
-          <a:solidFill>
-            <a:schemeClr val="bg1">
-              <a:alpha val="85000"/>
-            </a:schemeClr>
-          </a:solidFill>
-          <a:ln>
-            <a:noFill/>
-          </a:ln>
-        </p:spPr>
-        <p:style>
-          <a:lnRef idx="2">
-            <a:schemeClr val="accent1">
-              <a:shade val="50000"/>
-            </a:schemeClr>
-          </a:lnRef>
-          <a:fillRef idx="1">
-            <a:schemeClr val="accent1"/>
-          </a:fillRef>
-          <a:effectRef idx="0">
-            <a:schemeClr val="accent1"/>
-          </a:effectRef>
-          <a:fontRef idx="minor">
-            <a:schemeClr val="lt1"/>
-          </a:fontRef>
-        </p:style>
-        <p:txBody>
-          <a:bodyPr rtlCol="0" anchor="ctr"/>
-          <a:lstStyle/>
-          <a:p>
-            <a:pPr algn="ctr"/>
-            <a:endParaRPr lang="fr-FR"/>
-          </a:p>
-        </p:txBody>
-      </p:sp>
-      <p:sp>
-        <p:nvSpPr>
-          <p:cNvPr id="29" name="AutoShape 2"/>
-          <p:cNvSpPr>
-            <a:spLocks noChangeArrowheads="1"/>
-          </p:cNvSpPr>
-          <p:nvPr/>
-        </p:nvSpPr>
-        <p:spPr bwMode="auto">
-          <a:xfrm rot="5400000">
-            <a:off x="8130157" y="4252119"/>
-            <a:ext cx="2854325" cy="731837"/>
-          </a:xfrm>
-          <a:custGeom>
-            <a:avLst/>
-            <a:gdLst>
-              <a:gd name="G0" fmla="+- 16200 0 0"/>
-              <a:gd name="G1" fmla="+- 5400 0 0"/>
-              <a:gd name="G2" fmla="+- 21600 0 5400"/>
-              <a:gd name="G3" fmla="+- 10800 0 5400"/>
-              <a:gd name="G4" fmla="+- 21600 0 16200"/>
-              <a:gd name="G5" fmla="*/ G4 G3 10800"/>
-              <a:gd name="G6" fmla="+- 21600 0 G5"/>
-              <a:gd name="T0" fmla="*/ 16200 w 21600"/>
-              <a:gd name="T1" fmla="*/ 0 h 21600"/>
-              <a:gd name="T2" fmla="*/ 0 w 21600"/>
-              <a:gd name="T3" fmla="*/ 10800 h 21600"/>
-              <a:gd name="T4" fmla="*/ 16200 w 21600"/>
-              <a:gd name="T5" fmla="*/ 21600 h 21600"/>
-              <a:gd name="T6" fmla="*/ 21600 w 21600"/>
-              <a:gd name="T7" fmla="*/ 10800 h 21600"/>
-              <a:gd name="T8" fmla="*/ 17694720 60000 65536"/>
-              <a:gd name="T9" fmla="*/ 11796480 60000 65536"/>
-              <a:gd name="T10" fmla="*/ 5898240 60000 65536"/>
-              <a:gd name="T11" fmla="*/ 0 60000 65536"/>
-              <a:gd name="T12" fmla="*/ 3375 w 21600"/>
-              <a:gd name="T13" fmla="*/ G1 h 21600"/>
-              <a:gd name="T14" fmla="*/ G6 w 21600"/>
-              <a:gd name="T15" fmla="*/ G2 h 21600"/>
-            </a:gdLst>
-            <a:ahLst/>
-            <a:cxnLst>
-              <a:cxn ang="T8">
-                <a:pos x="T0" y="T1"/>
-              </a:cxn>
-              <a:cxn ang="T9">
-                <a:pos x="T2" y="T3"/>
-              </a:cxn>
-              <a:cxn ang="T10">
-                <a:pos x="T4" y="T5"/>
-              </a:cxn>
-              <a:cxn ang="T11">
-                <a:pos x="T6" y="T7"/>
-              </a:cxn>
-            </a:cxnLst>
-            <a:rect l="T12" t="T13" r="T14" b="T15"/>
-            <a:pathLst>
-              <a:path w="21600" h="21600">
-                <a:moveTo>
-                  <a:pt x="16200" y="0"/>
-                </a:moveTo>
-                <a:lnTo>
-                  <a:pt x="16200" y="5400"/>
-                </a:lnTo>
-                <a:lnTo>
-                  <a:pt x="3375" y="5400"/>
-                </a:lnTo>
-                <a:lnTo>
-                  <a:pt x="3375" y="16200"/>
-                </a:lnTo>
-                <a:lnTo>
-                  <a:pt x="16200" y="16200"/>
-                </a:lnTo>
-                <a:lnTo>
-                  <a:pt x="16200" y="21600"/>
-                </a:lnTo>
-                <a:lnTo>
-                  <a:pt x="21600" y="10800"/>
-                </a:lnTo>
-                <a:close/>
-              </a:path>
-              <a:path w="21600" h="21600">
-                <a:moveTo>
-                  <a:pt x="1350" y="5400"/>
-                </a:moveTo>
-                <a:lnTo>
-                  <a:pt x="1350" y="16200"/>
-                </a:lnTo>
-                <a:lnTo>
-                  <a:pt x="2700" y="16200"/>
-                </a:lnTo>
-                <a:lnTo>
-                  <a:pt x="2700" y="5400"/>
-                </a:lnTo>
-                <a:close/>
-              </a:path>
-              <a:path w="21600" h="21600">
-                <a:moveTo>
-                  <a:pt x="0" y="5400"/>
-                </a:moveTo>
-                <a:lnTo>
-                  <a:pt x="0" y="16200"/>
-                </a:lnTo>
-                <a:lnTo>
-                  <a:pt x="675" y="16200"/>
-                </a:lnTo>
-                <a:lnTo>
-                  <a:pt x="675" y="5400"/>
-                </a:lnTo>
-                <a:close/>
-              </a:path>
-            </a:pathLst>
-          </a:custGeom>
-          <a:solidFill>
-            <a:srgbClr val="FFFFFF"/>
-          </a:solidFill>
-          <a:ln w="9525">
-            <a:solidFill>
-              <a:srgbClr val="000000"/>
-            </a:solidFill>
-            <a:miter lim="800000"/>
-            <a:headEnd/>
-            <a:tailEnd/>
-          </a:ln>
-        </p:spPr>
-        <p:txBody>
-          <a:bodyPr vert="horz" wrap="square" lIns="91440" tIns="45720" rIns="91440" bIns="45720" numCol="1" anchor="t" anchorCtr="0" compatLnSpc="1">
-            <a:prstTxWarp prst="textNoShape">
-              <a:avLst/>
-            </a:prstTxWarp>
-          </a:bodyPr>
-          <a:lstStyle/>
-          <a:p>
-            <a:endParaRPr lang="fr-FR"/>
-          </a:p>
-        </p:txBody>
-      </p:sp>
-      <p:sp>
-        <p:nvSpPr>
-          <p:cNvPr id="30" name="Text Box 1"/>
-          <p:cNvSpPr txBox="1">
-            <a:spLocks noChangeArrowheads="1"/>
-          </p:cNvSpPr>
-          <p:nvPr/>
-        </p:nvSpPr>
-        <p:spPr bwMode="auto">
-          <a:xfrm>
-            <a:off x="9296176" y="3563938"/>
-            <a:ext cx="573087" cy="2349500"/>
-          </a:xfrm>
-          <a:prstGeom prst="rect">
-            <a:avLst/>
-          </a:prstGeom>
-          <a:noFill/>
-          <a:ln>
-            <a:noFill/>
-          </a:ln>
-          <a:extLst>
-            <a:ext uri="{909E8E84-426E-40DD-AFC4-6F175D3DCCD1}">
-              <a14:hiddenFill xmlns:a14="http://schemas.microsoft.com/office/drawing/2010/main">
-                <a:solidFill>
-                  <a:srgbClr val="FFFFFF"/>
-                </a:solidFill>
-              </a14:hiddenFill>
-            </a:ext>
-            <a:ext uri="{91240B29-F687-4F45-9708-019B960494DF}">
-              <a14:hiddenLine xmlns:a14="http://schemas.microsoft.com/office/drawing/2010/main" w="9525">
-                <a:solidFill>
-                  <a:srgbClr val="000000"/>
-                </a:solidFill>
-                <a:miter lim="800000"/>
-                <a:headEnd/>
-                <a:tailEnd/>
-              </a14:hiddenLine>
-            </a:ext>
-          </a:extLst>
-        </p:spPr>
-        <p:txBody>
-          <a:bodyPr vert="vert270" wrap="square" lIns="91440" tIns="45720" rIns="91440" bIns="45720" numCol="1" anchor="t" anchorCtr="0" compatLnSpc="1">
-            <a:prstTxWarp prst="textNoShape">
-              <a:avLst/>
-            </a:prstTxWarp>
-          </a:bodyPr>
-          <a:lstStyle/>
-          <a:p>
-            <a:pPr marL="0" marR="0" lvl="0" indent="0" algn="ctr" defTabSz="914400" rtl="0" eaLnBrk="1" fontAlgn="base" latinLnBrk="0" hangingPunct="1">
-              <a:lnSpc>
-                <a:spcPct val="100000"/>
-              </a:lnSpc>
-              <a:spcBef>
-                <a:spcPct val="0"/>
-              </a:spcBef>
-              <a:spcAft>
-                <a:spcPct val="0"/>
-              </a:spcAft>
-              <a:buClrTx/>
-              <a:buSzTx/>
-              <a:buFontTx/>
-              <a:buNone/>
-              <a:tabLst/>
-            </a:pPr>
-            <a:r>
-              <a:rPr kumimoji="0" lang="fr-FR" altLang="fr-FR" sz="1100" b="1" i="0" u="none" strike="noStrike" cap="none" normalizeH="0" baseline="0" dirty="0" smtClean="0">
-                <a:ln>
-                  <a:noFill/>
-                </a:ln>
-                <a:solidFill>
-                  <a:schemeClr val="tx1"/>
-                </a:solidFill>
-                <a:effectLst/>
-                <a:latin typeface="Calibri" pitchFamily="34" charset="0"/>
-                <a:ea typeface="Calibri" pitchFamily="34" charset="0"/>
-                <a:cs typeface="Times New Roman" pitchFamily="18" charset="0"/>
-              </a:rPr>
-              <a:t>Le diagramme paramétrique devrait permettre de faire la passerelle</a:t>
-            </a:r>
-            <a:endParaRPr kumimoji="0" lang="fr-FR" altLang="fr-FR" sz="800" b="0" i="0" u="none" strike="noStrike" cap="none" normalizeH="0" baseline="0" dirty="0" smtClean="0">
-              <a:ln>
-                <a:noFill/>
-              </a:ln>
-              <a:solidFill>
-                <a:schemeClr val="tx1"/>
-              </a:solidFill>
-              <a:effectLst/>
-              <a:latin typeface="Arial" pitchFamily="34" charset="0"/>
-              <a:cs typeface="Arial" pitchFamily="34" charset="0"/>
-            </a:endParaRPr>
-          </a:p>
-          <a:p>
-            <a:pPr marL="0" marR="0" lvl="0" indent="0" algn="l" defTabSz="914400" rtl="0" eaLnBrk="0" fontAlgn="base" latinLnBrk="0" hangingPunct="0">
-              <a:lnSpc>
-                <a:spcPct val="100000"/>
-              </a:lnSpc>
-              <a:spcBef>
-                <a:spcPct val="0"/>
-              </a:spcBef>
-              <a:spcAft>
-                <a:spcPct val="0"/>
-              </a:spcAft>
-              <a:buClrTx/>
-              <a:buSzTx/>
-              <a:buFontTx/>
-              <a:buNone/>
-              <a:tabLst/>
-            </a:pPr>
-            <a:endParaRPr kumimoji="0" lang="fr-FR" altLang="fr-FR" sz="1800" b="0" i="0" u="none" strike="noStrike" cap="none" normalizeH="0" baseline="0" dirty="0" smtClean="0">
-              <a:ln>
-                <a:noFill/>
-              </a:ln>
-              <a:solidFill>
-                <a:schemeClr val="tx1"/>
-              </a:solidFill>
-              <a:effectLst/>
-              <a:latin typeface="Arial" pitchFamily="34" charset="0"/>
-              <a:cs typeface="Arial" pitchFamily="34" charset="0"/>
-            </a:endParaRPr>
-          </a:p>
-        </p:txBody>
-      </p:sp>
-      <p:sp>
-        <p:nvSpPr>
-          <p:cNvPr id="11" name="Text Box 20"/>
-          <p:cNvSpPr txBox="1">
-            <a:spLocks noChangeArrowheads="1"/>
-          </p:cNvSpPr>
-          <p:nvPr/>
-        </p:nvSpPr>
-        <p:spPr bwMode="auto">
-          <a:xfrm>
-            <a:off x="3063875" y="1104900"/>
-            <a:ext cx="3543300" cy="427038"/>
-          </a:xfrm>
-          <a:prstGeom prst="rect">
-            <a:avLst/>
-          </a:prstGeom>
-          <a:noFill/>
-          <a:ln>
-            <a:noFill/>
-          </a:ln>
-          <a:extLst>
-            <a:ext uri="{909E8E84-426E-40DD-AFC4-6F175D3DCCD1}">
-              <a14:hiddenFill xmlns:a14="http://schemas.microsoft.com/office/drawing/2010/main">
-                <a:solidFill>
-                  <a:srgbClr val="FFFFFF"/>
-                </a:solidFill>
-              </a14:hiddenFill>
-            </a:ext>
-            <a:ext uri="{91240B29-F687-4F45-9708-019B960494DF}">
-              <a14:hiddenLine xmlns:a14="http://schemas.microsoft.com/office/drawing/2010/main" w="9525">
-                <a:solidFill>
-                  <a:srgbClr val="000000"/>
-                </a:solidFill>
-                <a:miter lim="800000"/>
-                <a:headEnd/>
-                <a:tailEnd/>
-              </a14:hiddenLine>
-            </a:ext>
-          </a:extLst>
-        </p:spPr>
-        <p:txBody>
-          <a:bodyPr vert="horz" wrap="square" lIns="91440" tIns="45720" rIns="91440" bIns="45720" numCol="1" anchor="t" anchorCtr="0" compatLnSpc="1">
-            <a:prstTxWarp prst="textNoShape">
-              <a:avLst/>
-            </a:prstTxWarp>
-          </a:bodyPr>
-          <a:lstStyle/>
-          <a:p>
-            <a:pPr marL="0" marR="0" lvl="0" indent="0" algn="ctr" defTabSz="914400" rtl="0" eaLnBrk="1" fontAlgn="base" latinLnBrk="0" hangingPunct="1">
-              <a:lnSpc>
-                <a:spcPct val="100000"/>
-              </a:lnSpc>
-              <a:spcBef>
-                <a:spcPct val="0"/>
-              </a:spcBef>
-              <a:spcAft>
-                <a:spcPct val="0"/>
-              </a:spcAft>
-              <a:buClrTx/>
-              <a:buSzTx/>
-              <a:buFontTx/>
-              <a:buNone/>
-              <a:tabLst/>
-            </a:pPr>
-            <a:r>
-              <a:rPr kumimoji="0" lang="fr-FR" altLang="fr-FR" sz="1800" b="1" i="0" u="none" strike="noStrike" cap="none" normalizeH="0" baseline="0" dirty="0" smtClean="0">
-                <a:ln>
-                  <a:noFill/>
-                </a:ln>
-                <a:solidFill>
-                  <a:schemeClr val="tx1"/>
-                </a:solidFill>
-                <a:effectLst/>
-                <a:latin typeface="Calibri" pitchFamily="34" charset="0"/>
-                <a:ea typeface="Calibri" pitchFamily="34" charset="0"/>
-                <a:cs typeface="Times New Roman" pitchFamily="18" charset="0"/>
-              </a:rPr>
-              <a:t>Les outils de communication</a:t>
-            </a:r>
-            <a:endParaRPr kumimoji="0" lang="fr-FR" altLang="fr-FR" sz="1800" b="0" i="0" u="none" strike="noStrike" cap="none" normalizeH="0" baseline="0" dirty="0" smtClean="0">
-              <a:ln>
-                <a:noFill/>
-              </a:ln>
-              <a:solidFill>
-                <a:schemeClr val="tx1"/>
-              </a:solidFill>
-              <a:effectLst/>
-              <a:latin typeface="Arial" pitchFamily="34" charset="0"/>
-              <a:cs typeface="Arial" pitchFamily="34" charset="0"/>
-            </a:endParaRPr>
-          </a:p>
-        </p:txBody>
-      </p:sp>
-      <p:sp>
-        <p:nvSpPr>
-          <p:cNvPr id="23" name="Text Box 8"/>
-          <p:cNvSpPr txBox="1">
-            <a:spLocks noChangeArrowheads="1"/>
-          </p:cNvSpPr>
-          <p:nvPr/>
-        </p:nvSpPr>
-        <p:spPr bwMode="auto">
-          <a:xfrm>
-            <a:off x="2065338" y="3963988"/>
-            <a:ext cx="5541962" cy="427037"/>
-          </a:xfrm>
-          <a:prstGeom prst="rect">
-            <a:avLst/>
-          </a:prstGeom>
-          <a:noFill/>
-          <a:ln>
-            <a:noFill/>
-          </a:ln>
-          <a:extLst>
-            <a:ext uri="{909E8E84-426E-40DD-AFC4-6F175D3DCCD1}">
-              <a14:hiddenFill xmlns:a14="http://schemas.microsoft.com/office/drawing/2010/main">
-                <a:solidFill>
-                  <a:srgbClr val="FFFFFF"/>
-                </a:solidFill>
-              </a14:hiddenFill>
-            </a:ext>
-            <a:ext uri="{91240B29-F687-4F45-9708-019B960494DF}">
-              <a14:hiddenLine xmlns:a14="http://schemas.microsoft.com/office/drawing/2010/main" w="9525">
-                <a:solidFill>
-                  <a:srgbClr val="000000"/>
-                </a:solidFill>
-                <a:miter lim="800000"/>
-                <a:headEnd/>
-                <a:tailEnd/>
-              </a14:hiddenLine>
-            </a:ext>
-          </a:extLst>
-        </p:spPr>
-        <p:txBody>
-          <a:bodyPr vert="horz" wrap="square" lIns="91440" tIns="45720" rIns="91440" bIns="45720" numCol="1" anchor="t" anchorCtr="0" compatLnSpc="1">
-            <a:prstTxWarp prst="textNoShape">
-              <a:avLst/>
-            </a:prstTxWarp>
-          </a:bodyPr>
-          <a:lstStyle/>
-          <a:p>
-            <a:pPr marL="0" marR="0" lvl="0" indent="0" algn="ctr" defTabSz="914400" rtl="0" eaLnBrk="1" fontAlgn="base" latinLnBrk="0" hangingPunct="1">
-              <a:lnSpc>
-                <a:spcPct val="100000"/>
-              </a:lnSpc>
-              <a:spcBef>
-                <a:spcPct val="0"/>
-              </a:spcBef>
-              <a:spcAft>
-                <a:spcPct val="0"/>
-              </a:spcAft>
-              <a:buClrTx/>
-              <a:buSzTx/>
-              <a:buFontTx/>
-              <a:buNone/>
-              <a:tabLst/>
-            </a:pPr>
-            <a:r>
-              <a:rPr kumimoji="0" lang="fr-FR" altLang="fr-FR" sz="1800" b="1" i="0" u="none" strike="noStrike" cap="none" normalizeH="0" baseline="0" smtClean="0">
-                <a:ln>
-                  <a:noFill/>
-                </a:ln>
-                <a:solidFill>
-                  <a:schemeClr val="tx1"/>
-                </a:solidFill>
-                <a:effectLst/>
-                <a:latin typeface="Calibri" pitchFamily="34" charset="0"/>
-                <a:ea typeface="Calibri" pitchFamily="34" charset="0"/>
-                <a:cs typeface="Times New Roman" pitchFamily="18" charset="0"/>
-              </a:rPr>
-              <a:t>La conception et la commande des systèmes</a:t>
-            </a:r>
-            <a:endParaRPr kumimoji="0" lang="fr-FR" altLang="fr-FR" sz="1800" b="0" i="0" u="none" strike="noStrike" cap="none" normalizeH="0" baseline="0" smtClean="0">
-              <a:ln>
-                <a:noFill/>
-              </a:ln>
-              <a:solidFill>
-                <a:schemeClr val="tx1"/>
-              </a:solidFill>
-              <a:effectLst/>
-              <a:latin typeface="Arial" pitchFamily="34" charset="0"/>
-              <a:cs typeface="Arial" pitchFamily="34" charset="0"/>
-            </a:endParaRPr>
-          </a:p>
-        </p:txBody>
-      </p:sp>
-      <p:sp>
-        <p:nvSpPr>
-          <p:cNvPr id="9" name="AutoShape 22"/>
-          <p:cNvSpPr>
-            <a:spLocks noChangeArrowheads="1"/>
-          </p:cNvSpPr>
-          <p:nvPr/>
-        </p:nvSpPr>
-        <p:spPr bwMode="auto">
-          <a:xfrm>
-            <a:off x="17463" y="2847975"/>
-            <a:ext cx="9434512" cy="898525"/>
-          </a:xfrm>
-          <a:prstGeom prst="roundRect">
-            <a:avLst>
-              <a:gd name="adj" fmla="val 16667"/>
-            </a:avLst>
-          </a:prstGeom>
-          <a:solidFill>
-            <a:srgbClr val="FDE9D9"/>
-          </a:solidFill>
-          <a:ln w="9525">
-            <a:solidFill>
-              <a:srgbClr val="000000"/>
-            </a:solidFill>
-            <a:round/>
-            <a:headEnd/>
-            <a:tailEnd/>
-          </a:ln>
-        </p:spPr>
-        <p:txBody>
-          <a:bodyPr vert="horz" wrap="square" lIns="91440" tIns="45720" rIns="91440" bIns="45720" numCol="1" anchor="t" anchorCtr="0" compatLnSpc="1">
-            <a:prstTxWarp prst="textNoShape">
-              <a:avLst/>
-            </a:prstTxWarp>
-          </a:bodyPr>
-          <a:lstStyle/>
-          <a:p>
-            <a:endParaRPr lang="fr-FR"/>
-          </a:p>
-        </p:txBody>
-      </p:sp>
-      <p:sp>
-        <p:nvSpPr>
-          <p:cNvPr id="10" name="Text Box 21"/>
-          <p:cNvSpPr txBox="1">
-            <a:spLocks noChangeArrowheads="1"/>
-          </p:cNvSpPr>
-          <p:nvPr/>
-        </p:nvSpPr>
-        <p:spPr bwMode="auto">
-          <a:xfrm>
-            <a:off x="438150" y="2835275"/>
-            <a:ext cx="8918575" cy="1052513"/>
-          </a:xfrm>
-          <a:prstGeom prst="rect">
-            <a:avLst/>
-          </a:prstGeom>
-          <a:noFill/>
-          <a:ln>
-            <a:noFill/>
-          </a:ln>
-          <a:extLst>
-            <a:ext uri="{909E8E84-426E-40DD-AFC4-6F175D3DCCD1}">
-              <a14:hiddenFill xmlns:a14="http://schemas.microsoft.com/office/drawing/2010/main">
-                <a:solidFill>
-                  <a:srgbClr val="FFFFFF"/>
-                </a:solidFill>
-              </a14:hiddenFill>
-            </a:ext>
-            <a:ext uri="{91240B29-F687-4F45-9708-019B960494DF}">
-              <a14:hiddenLine xmlns:a14="http://schemas.microsoft.com/office/drawing/2010/main" w="9525">
-                <a:solidFill>
-                  <a:srgbClr val="000000"/>
-                </a:solidFill>
-                <a:miter lim="800000"/>
-                <a:headEnd/>
-                <a:tailEnd/>
-              </a14:hiddenLine>
-            </a:ext>
-          </a:extLst>
-        </p:spPr>
-        <p:txBody>
-          <a:bodyPr vert="horz" wrap="square" lIns="91440" tIns="45720" rIns="91440" bIns="45720" numCol="1" anchor="t" anchorCtr="0" compatLnSpc="1">
-            <a:prstTxWarp prst="textNoShape">
-              <a:avLst/>
-            </a:prstTxWarp>
-          </a:bodyPr>
-          <a:lstStyle/>
-          <a:p>
-            <a:pPr marL="0" marR="0" lvl="0" indent="0" algn="ctr" defTabSz="914400" rtl="0" eaLnBrk="1" fontAlgn="base" latinLnBrk="0" hangingPunct="1">
-              <a:lnSpc>
-                <a:spcPct val="100000"/>
-              </a:lnSpc>
-              <a:spcBef>
-                <a:spcPct val="0"/>
-              </a:spcBef>
-              <a:spcAft>
-                <a:spcPct val="0"/>
-              </a:spcAft>
-              <a:buClrTx/>
-              <a:buSzTx/>
-              <a:buFontTx/>
-              <a:buNone/>
-              <a:tabLst/>
-            </a:pPr>
-            <a:r>
-              <a:rPr kumimoji="0" lang="fr-FR" altLang="fr-FR" sz="1400" b="1" i="0" u="none" strike="noStrike" cap="none" normalizeH="0" baseline="0" smtClean="0">
-                <a:ln>
-                  <a:noFill/>
-                </a:ln>
-                <a:solidFill>
-                  <a:schemeClr val="tx1"/>
-                </a:solidFill>
-                <a:effectLst/>
-                <a:latin typeface="Calibri" pitchFamily="34" charset="0"/>
-                <a:ea typeface="Calibri" pitchFamily="34" charset="0"/>
-                <a:cs typeface="Times New Roman" pitchFamily="18" charset="0"/>
-              </a:rPr>
-              <a:t>SysML</a:t>
-            </a:r>
-            <a:endParaRPr kumimoji="0" lang="fr-FR" altLang="fr-FR" sz="800" b="0" i="0" u="none" strike="noStrike" cap="none" normalizeH="0" baseline="0" smtClean="0">
-              <a:ln>
-                <a:noFill/>
-              </a:ln>
-              <a:solidFill>
-                <a:schemeClr val="tx1"/>
-              </a:solidFill>
-              <a:effectLst/>
-              <a:latin typeface="Arial" pitchFamily="34" charset="0"/>
-              <a:cs typeface="Arial" pitchFamily="34" charset="0"/>
-            </a:endParaRPr>
-          </a:p>
-          <a:p>
-            <a:pPr marL="0" marR="0" lvl="0" indent="0" algn="ctr" defTabSz="914400" rtl="0" eaLnBrk="0" fontAlgn="base" latinLnBrk="0" hangingPunct="0">
-              <a:lnSpc>
-                <a:spcPct val="100000"/>
-              </a:lnSpc>
-              <a:spcBef>
-                <a:spcPct val="0"/>
-              </a:spcBef>
-              <a:spcAft>
-                <a:spcPct val="0"/>
-              </a:spcAft>
-              <a:buClrTx/>
-              <a:buSzTx/>
-              <a:buFontTx/>
-              <a:buNone/>
-              <a:tabLst/>
-            </a:pPr>
-            <a:r>
-              <a:rPr kumimoji="0" lang="fr-FR" altLang="fr-FR" sz="1200" b="1" i="0" u="none" strike="noStrike" cap="none" normalizeH="0" baseline="0" smtClean="0">
-                <a:ln>
-                  <a:noFill/>
-                </a:ln>
-                <a:solidFill>
-                  <a:schemeClr val="tx1"/>
-                </a:solidFill>
-                <a:effectLst/>
-                <a:latin typeface="Calibri" pitchFamily="34" charset="0"/>
-                <a:ea typeface="Calibri" pitchFamily="34" charset="0"/>
-                <a:cs typeface="Times New Roman" pitchFamily="18" charset="0"/>
-              </a:rPr>
-              <a:t>9 diagrammes permettant de décrire chaque point de vue, avec des interconnections</a:t>
-            </a:r>
-            <a:endParaRPr kumimoji="0" lang="fr-FR" altLang="fr-FR" sz="800" b="0" i="0" u="none" strike="noStrike" cap="none" normalizeH="0" baseline="0" smtClean="0">
-              <a:ln>
-                <a:noFill/>
-              </a:ln>
-              <a:solidFill>
-                <a:schemeClr val="tx1"/>
-              </a:solidFill>
-              <a:effectLst/>
-              <a:latin typeface="Arial" pitchFamily="34" charset="0"/>
-              <a:cs typeface="Arial" pitchFamily="34" charset="0"/>
-            </a:endParaRPr>
-          </a:p>
-          <a:p>
-            <a:pPr marL="0" marR="0" lvl="0" indent="0" algn="ctr" defTabSz="914400" rtl="0" eaLnBrk="0" fontAlgn="base" latinLnBrk="0" hangingPunct="0">
-              <a:lnSpc>
-                <a:spcPct val="100000"/>
-              </a:lnSpc>
-              <a:spcBef>
-                <a:spcPct val="0"/>
-              </a:spcBef>
-              <a:spcAft>
-                <a:spcPct val="0"/>
-              </a:spcAft>
-              <a:buClrTx/>
-              <a:buSzTx/>
-              <a:buFontTx/>
-              <a:buNone/>
-              <a:tabLst/>
-            </a:pPr>
-            <a:r>
-              <a:rPr kumimoji="0" lang="fr-FR" altLang="fr-FR" sz="1100" b="0" i="0" u="none" strike="noStrike" cap="none" normalizeH="0" baseline="0" smtClean="0">
-                <a:ln>
-                  <a:noFill/>
-                </a:ln>
-                <a:solidFill>
-                  <a:schemeClr val="tx1"/>
-                </a:solidFill>
-                <a:effectLst/>
-                <a:latin typeface="Calibri" pitchFamily="34" charset="0"/>
-                <a:ea typeface="Calibri" pitchFamily="34" charset="0"/>
-                <a:cs typeface="Times New Roman" pitchFamily="18" charset="0"/>
-              </a:rPr>
-              <a:t>Diagramme des cas d’utilisation, diagramme de séquence, diagramme d’activité, diagramme d’états, diagramme des exigences,</a:t>
-            </a:r>
-            <a:endParaRPr kumimoji="0" lang="fr-FR" altLang="fr-FR" sz="800" b="0" i="0" u="none" strike="noStrike" cap="none" normalizeH="0" baseline="0" smtClean="0">
-              <a:ln>
-                <a:noFill/>
-              </a:ln>
-              <a:solidFill>
-                <a:schemeClr val="tx1"/>
-              </a:solidFill>
-              <a:effectLst/>
-              <a:latin typeface="Arial" pitchFamily="34" charset="0"/>
-              <a:cs typeface="Arial" pitchFamily="34" charset="0"/>
-            </a:endParaRPr>
-          </a:p>
-          <a:p>
-            <a:pPr marL="0" marR="0" lvl="0" indent="0" algn="ctr" defTabSz="914400" rtl="0" eaLnBrk="0" fontAlgn="base" latinLnBrk="0" hangingPunct="0">
-              <a:lnSpc>
-                <a:spcPct val="100000"/>
-              </a:lnSpc>
-              <a:spcBef>
-                <a:spcPct val="0"/>
-              </a:spcBef>
-              <a:spcAft>
-                <a:spcPct val="0"/>
-              </a:spcAft>
-              <a:buClrTx/>
-              <a:buSzTx/>
-              <a:buFontTx/>
-              <a:buNone/>
-              <a:tabLst/>
-            </a:pPr>
-            <a:r>
-              <a:rPr kumimoji="0" lang="fr-FR" altLang="fr-FR" sz="1100" b="0" i="0" u="none" strike="noStrike" cap="none" normalizeH="0" baseline="0" smtClean="0">
-                <a:ln>
-                  <a:noFill/>
-                </a:ln>
-                <a:solidFill>
-                  <a:schemeClr val="tx1"/>
-                </a:solidFill>
-                <a:effectLst/>
-                <a:latin typeface="Calibri" pitchFamily="34" charset="0"/>
-                <a:ea typeface="Calibri" pitchFamily="34" charset="0"/>
-                <a:cs typeface="Times New Roman" pitchFamily="18" charset="0"/>
-              </a:rPr>
-              <a:t>diagramme de définition de blocs, diagramme de bloc interne, diagramme de package, diagramme paramétrique</a:t>
-            </a:r>
-            <a:endParaRPr kumimoji="0" lang="fr-FR" altLang="fr-FR" sz="1800" b="0" i="0" u="none" strike="noStrike" cap="none" normalizeH="0" baseline="0" smtClean="0">
-              <a:ln>
-                <a:noFill/>
-              </a:ln>
-              <a:solidFill>
-                <a:schemeClr val="tx1"/>
-              </a:solidFill>
-              <a:effectLst/>
-              <a:latin typeface="Arial" pitchFamily="34" charset="0"/>
-              <a:cs typeface="Arial" pitchFamily="34" charset="0"/>
-            </a:endParaRPr>
-          </a:p>
-        </p:txBody>
-      </p:sp>
-      <p:sp>
-        <p:nvSpPr>
-          <p:cNvPr id="21" name="AutoShape 10"/>
-          <p:cNvSpPr>
-            <a:spLocks noChangeArrowheads="1"/>
-          </p:cNvSpPr>
-          <p:nvPr/>
-        </p:nvSpPr>
-        <p:spPr bwMode="auto">
-          <a:xfrm>
-            <a:off x="17463" y="5724525"/>
-            <a:ext cx="9434512" cy="1133475"/>
-          </a:xfrm>
-          <a:prstGeom prst="roundRect">
-            <a:avLst>
-              <a:gd name="adj" fmla="val 16667"/>
-            </a:avLst>
-          </a:prstGeom>
-          <a:solidFill>
-            <a:srgbClr val="FDE9D9"/>
-          </a:solidFill>
-          <a:ln w="9525">
-            <a:solidFill>
-              <a:srgbClr val="000000"/>
-            </a:solidFill>
-            <a:round/>
-            <a:headEnd/>
-            <a:tailEnd/>
-          </a:ln>
-        </p:spPr>
-        <p:txBody>
-          <a:bodyPr vert="horz" wrap="square" lIns="91440" tIns="45720" rIns="91440" bIns="45720" numCol="1" anchor="t" anchorCtr="0" compatLnSpc="1">
-            <a:prstTxWarp prst="textNoShape">
-              <a:avLst/>
-            </a:prstTxWarp>
-          </a:bodyPr>
-          <a:lstStyle/>
-          <a:p>
-            <a:endParaRPr lang="fr-FR"/>
-          </a:p>
-        </p:txBody>
-      </p:sp>
-      <p:sp>
-        <p:nvSpPr>
-          <p:cNvPr id="22" name="Text Box 9"/>
-          <p:cNvSpPr txBox="1">
-            <a:spLocks noChangeArrowheads="1"/>
-          </p:cNvSpPr>
-          <p:nvPr/>
-        </p:nvSpPr>
-        <p:spPr bwMode="auto">
-          <a:xfrm>
-            <a:off x="457200" y="5711825"/>
-            <a:ext cx="8918575" cy="1314450"/>
-          </a:xfrm>
-          <a:prstGeom prst="rect">
-            <a:avLst/>
-          </a:prstGeom>
-          <a:noFill/>
-          <a:ln>
-            <a:noFill/>
-          </a:ln>
-          <a:extLst>
-            <a:ext uri="{909E8E84-426E-40DD-AFC4-6F175D3DCCD1}">
-              <a14:hiddenFill xmlns:a14="http://schemas.microsoft.com/office/drawing/2010/main">
-                <a:solidFill>
-                  <a:srgbClr val="FFFFFF"/>
-                </a:solidFill>
-              </a14:hiddenFill>
-            </a:ext>
-            <a:ext uri="{91240B29-F687-4F45-9708-019B960494DF}">
-              <a14:hiddenLine xmlns:a14="http://schemas.microsoft.com/office/drawing/2010/main" w="9525">
-                <a:solidFill>
-                  <a:srgbClr val="000000"/>
-                </a:solidFill>
-                <a:miter lim="800000"/>
-                <a:headEnd/>
-                <a:tailEnd/>
-              </a14:hiddenLine>
-            </a:ext>
-          </a:extLst>
-        </p:spPr>
-        <p:txBody>
-          <a:bodyPr vert="horz" wrap="square" lIns="91440" tIns="45720" rIns="91440" bIns="45720" numCol="1" anchor="t" anchorCtr="0" compatLnSpc="1">
-            <a:prstTxWarp prst="textNoShape">
-              <a:avLst/>
-            </a:prstTxWarp>
-          </a:bodyPr>
-          <a:lstStyle/>
-          <a:p>
-            <a:pPr marL="0" marR="0" lvl="0" indent="0" algn="ctr" defTabSz="914400" rtl="0" eaLnBrk="1" fontAlgn="base" latinLnBrk="0" hangingPunct="1">
-              <a:lnSpc>
-                <a:spcPct val="100000"/>
-              </a:lnSpc>
-              <a:spcBef>
-                <a:spcPct val="0"/>
-              </a:spcBef>
-              <a:spcAft>
-                <a:spcPct val="0"/>
-              </a:spcAft>
-              <a:buClrTx/>
-              <a:buSzTx/>
-              <a:buFontTx/>
-              <a:buNone/>
-              <a:tabLst/>
-            </a:pPr>
-            <a:r>
-              <a:rPr kumimoji="0" lang="fr-FR" altLang="fr-FR" sz="1400" b="1" i="0" u="none" strike="noStrike" cap="none" normalizeH="0" baseline="0" dirty="0" smtClean="0">
-                <a:ln>
-                  <a:noFill/>
-                </a:ln>
-                <a:solidFill>
-                  <a:schemeClr val="tx1"/>
-                </a:solidFill>
-                <a:effectLst/>
-                <a:latin typeface="Calibri" pitchFamily="34" charset="0"/>
-                <a:ea typeface="Calibri" pitchFamily="34" charset="0"/>
-                <a:cs typeface="Times New Roman" pitchFamily="18" charset="0"/>
-              </a:rPr>
-              <a:t>Les systèmes multi-physiques</a:t>
-            </a:r>
-            <a:endParaRPr kumimoji="0" lang="fr-FR" altLang="fr-FR" sz="800" b="0" i="0" u="none" strike="noStrike" cap="none" normalizeH="0" baseline="0" dirty="0" smtClean="0">
-              <a:ln>
-                <a:noFill/>
-              </a:ln>
-              <a:solidFill>
-                <a:schemeClr val="tx1"/>
-              </a:solidFill>
-              <a:effectLst/>
-              <a:latin typeface="Arial" pitchFamily="34" charset="0"/>
-              <a:cs typeface="Arial" pitchFamily="34" charset="0"/>
-            </a:endParaRPr>
-          </a:p>
-          <a:p>
-            <a:pPr marL="0" marR="0" lvl="0" indent="0" algn="ctr" defTabSz="914400" rtl="0" eaLnBrk="0" fontAlgn="base" latinLnBrk="0" hangingPunct="0">
-              <a:lnSpc>
-                <a:spcPct val="100000"/>
-              </a:lnSpc>
-              <a:spcBef>
-                <a:spcPct val="0"/>
-              </a:spcBef>
-              <a:spcAft>
-                <a:spcPct val="0"/>
-              </a:spcAft>
-              <a:buClrTx/>
-              <a:buSzTx/>
-              <a:buFontTx/>
-              <a:buNone/>
-              <a:tabLst/>
-            </a:pPr>
-            <a:r>
-              <a:rPr kumimoji="0" lang="fr-FR" altLang="fr-FR" sz="1200" b="1" i="0" u="none" strike="noStrike" cap="none" normalizeH="0" baseline="0" dirty="0" smtClean="0">
-                <a:ln>
-                  <a:noFill/>
-                </a:ln>
-                <a:solidFill>
-                  <a:schemeClr val="tx1"/>
-                </a:solidFill>
-                <a:effectLst/>
-                <a:latin typeface="Calibri" pitchFamily="34" charset="0"/>
-                <a:ea typeface="Calibri" pitchFamily="34" charset="0"/>
-                <a:cs typeface="Times New Roman" pitchFamily="18" charset="0"/>
-              </a:rPr>
-              <a:t>Des logiciels spécialisés …</a:t>
-            </a:r>
-            <a:endParaRPr kumimoji="0" lang="fr-FR" altLang="fr-FR" sz="800" b="0" i="0" u="none" strike="noStrike" cap="none" normalizeH="0" baseline="0" dirty="0" smtClean="0">
-              <a:ln>
-                <a:noFill/>
-              </a:ln>
-              <a:solidFill>
-                <a:schemeClr val="tx1"/>
-              </a:solidFill>
-              <a:effectLst/>
-              <a:latin typeface="Arial" pitchFamily="34" charset="0"/>
-              <a:cs typeface="Arial" pitchFamily="34" charset="0"/>
-            </a:endParaRPr>
-          </a:p>
-          <a:p>
-            <a:pPr marL="0" marR="0" lvl="0" indent="0" algn="ctr" defTabSz="914400" rtl="0" eaLnBrk="0" fontAlgn="base" latinLnBrk="0" hangingPunct="0">
-              <a:lnSpc>
-                <a:spcPct val="100000"/>
-              </a:lnSpc>
-              <a:spcBef>
-                <a:spcPct val="0"/>
-              </a:spcBef>
-              <a:spcAft>
-                <a:spcPct val="0"/>
-              </a:spcAft>
-              <a:buClrTx/>
-              <a:buSzTx/>
-              <a:buFontTx/>
-              <a:buNone/>
-              <a:tabLst/>
-            </a:pPr>
-            <a:r>
-              <a:rPr kumimoji="0" lang="fr-FR" altLang="fr-FR" sz="1100" b="1" i="0" u="none" strike="noStrike" cap="none" normalizeH="0" baseline="0" dirty="0" smtClean="0">
-                <a:ln>
-                  <a:noFill/>
-                </a:ln>
-                <a:solidFill>
-                  <a:schemeClr val="tx1"/>
-                </a:solidFill>
-                <a:effectLst/>
-                <a:latin typeface="Calibri" pitchFamily="34" charset="0"/>
-                <a:ea typeface="Calibri" pitchFamily="34" charset="0"/>
-                <a:cs typeface="Times New Roman" pitchFamily="18" charset="0"/>
-              </a:rPr>
-              <a:t>Acquisition et contrôle</a:t>
-            </a:r>
-            <a:r>
-              <a:rPr kumimoji="0" lang="fr-FR" altLang="fr-FR" sz="1100" b="0" i="0" u="none" strike="noStrike" cap="none" normalizeH="0" baseline="0" dirty="0" smtClean="0">
-                <a:ln>
-                  <a:noFill/>
-                </a:ln>
-                <a:solidFill>
-                  <a:schemeClr val="tx1"/>
-                </a:solidFill>
-                <a:effectLst/>
-                <a:latin typeface="Calibri" pitchFamily="34" charset="0"/>
-                <a:ea typeface="Calibri" pitchFamily="34" charset="0"/>
-                <a:cs typeface="Times New Roman" pitchFamily="18" charset="0"/>
-              </a:rPr>
-              <a:t> : </a:t>
-            </a:r>
-            <a:r>
-              <a:rPr kumimoji="0" lang="fr-FR" altLang="fr-FR" sz="1100" b="0" i="0" u="none" strike="noStrike" cap="none" normalizeH="0" baseline="0" dirty="0" err="1" smtClean="0">
-                <a:ln>
-                  <a:noFill/>
-                </a:ln>
-                <a:solidFill>
-                  <a:schemeClr val="tx1"/>
-                </a:solidFill>
-                <a:effectLst/>
-                <a:latin typeface="Calibri" pitchFamily="34" charset="0"/>
-                <a:ea typeface="Calibri" pitchFamily="34" charset="0"/>
-                <a:cs typeface="Times New Roman" pitchFamily="18" charset="0"/>
-              </a:rPr>
-              <a:t>LabView</a:t>
-            </a:r>
-            <a:r>
-              <a:rPr kumimoji="0" lang="fr-FR" altLang="fr-FR" sz="1100" b="0" i="0" u="none" strike="noStrike" cap="none" normalizeH="0" baseline="0" dirty="0" smtClean="0">
-                <a:ln>
-                  <a:noFill/>
-                </a:ln>
-                <a:solidFill>
-                  <a:schemeClr val="tx1"/>
-                </a:solidFill>
-                <a:effectLst/>
-                <a:latin typeface="Calibri" pitchFamily="34" charset="0"/>
-                <a:ea typeface="Calibri" pitchFamily="34" charset="0"/>
-                <a:cs typeface="Times New Roman" pitchFamily="18" charset="0"/>
-              </a:rPr>
-              <a:t>, </a:t>
-            </a:r>
-            <a:r>
-              <a:rPr kumimoji="0" lang="fr-FR" altLang="fr-FR" sz="1100" b="0" i="0" u="none" strike="noStrike" cap="none" normalizeH="0" baseline="0" dirty="0" err="1" smtClean="0">
-                <a:ln>
-                  <a:noFill/>
-                </a:ln>
-                <a:solidFill>
-                  <a:schemeClr val="tx1"/>
-                </a:solidFill>
-                <a:effectLst/>
-                <a:latin typeface="Calibri" pitchFamily="34" charset="0"/>
-                <a:ea typeface="Calibri" pitchFamily="34" charset="0"/>
-                <a:cs typeface="Times New Roman" pitchFamily="18" charset="0"/>
-              </a:rPr>
-              <a:t>Arduino</a:t>
-            </a:r>
-            <a:r>
-              <a:rPr kumimoji="0" lang="fr-FR" altLang="fr-FR" sz="1100" b="0" i="0" u="none" strike="noStrike" cap="none" normalizeH="0" baseline="0" dirty="0" smtClean="0">
-                <a:ln>
-                  <a:noFill/>
-                </a:ln>
-                <a:solidFill>
-                  <a:schemeClr val="tx1"/>
-                </a:solidFill>
-                <a:effectLst/>
-                <a:latin typeface="Calibri" pitchFamily="34" charset="0"/>
-                <a:ea typeface="Calibri" pitchFamily="34" charset="0"/>
-                <a:cs typeface="Times New Roman" pitchFamily="18" charset="0"/>
-              </a:rPr>
-              <a:t> </a:t>
-            </a:r>
-            <a:endParaRPr kumimoji="0" lang="fr-FR" altLang="fr-FR" sz="800" b="0" i="0" u="none" strike="noStrike" cap="none" normalizeH="0" baseline="0" dirty="0" smtClean="0">
-              <a:ln>
-                <a:noFill/>
-              </a:ln>
-              <a:solidFill>
-                <a:schemeClr val="tx1"/>
-              </a:solidFill>
-              <a:effectLst/>
-              <a:latin typeface="Arial" pitchFamily="34" charset="0"/>
-              <a:cs typeface="Arial" pitchFamily="34" charset="0"/>
-            </a:endParaRPr>
-          </a:p>
-          <a:p>
-            <a:pPr marL="0" marR="0" lvl="0" indent="0" algn="ctr" defTabSz="914400" rtl="0" eaLnBrk="0" fontAlgn="base" latinLnBrk="0" hangingPunct="0">
-              <a:lnSpc>
-                <a:spcPct val="100000"/>
-              </a:lnSpc>
-              <a:spcBef>
-                <a:spcPct val="0"/>
-              </a:spcBef>
-              <a:spcAft>
-                <a:spcPct val="0"/>
-              </a:spcAft>
-              <a:buClrTx/>
-              <a:buSzTx/>
-              <a:buFontTx/>
-              <a:buNone/>
-              <a:tabLst/>
-            </a:pPr>
-            <a:r>
-              <a:rPr kumimoji="0" lang="fr-FR" altLang="fr-FR" sz="1100" b="1" i="0" u="none" strike="noStrike" cap="none" normalizeH="0" baseline="0" dirty="0" smtClean="0">
-                <a:ln>
-                  <a:noFill/>
-                </a:ln>
-                <a:solidFill>
-                  <a:schemeClr val="tx1"/>
-                </a:solidFill>
-                <a:effectLst/>
-                <a:latin typeface="Calibri" pitchFamily="34" charset="0"/>
-                <a:ea typeface="Calibri" pitchFamily="34" charset="0"/>
-                <a:cs typeface="Times New Roman" pitchFamily="18" charset="0"/>
-              </a:rPr>
-              <a:t>Modélisation causale</a:t>
-            </a:r>
-            <a:r>
-              <a:rPr kumimoji="0" lang="fr-FR" altLang="fr-FR" sz="1100" b="0" i="0" u="none" strike="noStrike" cap="none" normalizeH="0" baseline="0" dirty="0" smtClean="0">
-                <a:ln>
-                  <a:noFill/>
-                </a:ln>
-                <a:solidFill>
-                  <a:schemeClr val="tx1"/>
-                </a:solidFill>
-                <a:effectLst/>
-                <a:latin typeface="Calibri" pitchFamily="34" charset="0"/>
-                <a:ea typeface="Calibri" pitchFamily="34" charset="0"/>
-                <a:cs typeface="Times New Roman" pitchFamily="18" charset="0"/>
-              </a:rPr>
-              <a:t> et simulation : Matlab / Simulink, Scilab / </a:t>
-            </a:r>
-            <a:r>
-              <a:rPr kumimoji="0" lang="fr-FR" altLang="fr-FR" sz="1100" b="0" i="0" u="none" strike="noStrike" cap="none" normalizeH="0" baseline="0" dirty="0" err="1" smtClean="0">
-                <a:ln>
-                  <a:noFill/>
-                </a:ln>
-                <a:solidFill>
-                  <a:schemeClr val="tx1"/>
-                </a:solidFill>
-                <a:effectLst/>
-                <a:latin typeface="Calibri" pitchFamily="34" charset="0"/>
-                <a:ea typeface="Calibri" pitchFamily="34" charset="0"/>
-                <a:cs typeface="Times New Roman" pitchFamily="18" charset="0"/>
-              </a:rPr>
-              <a:t>Xcos</a:t>
-            </a:r>
-            <a:endParaRPr kumimoji="0" lang="fr-FR" altLang="fr-FR" sz="800" b="0" i="0" u="none" strike="noStrike" cap="none" normalizeH="0" baseline="0" dirty="0" smtClean="0">
-              <a:ln>
-                <a:noFill/>
-              </a:ln>
-              <a:solidFill>
-                <a:schemeClr val="tx1"/>
-              </a:solidFill>
-              <a:effectLst/>
-              <a:latin typeface="Arial" pitchFamily="34" charset="0"/>
-              <a:cs typeface="Arial" pitchFamily="34" charset="0"/>
-            </a:endParaRPr>
-          </a:p>
-          <a:p>
-            <a:pPr marL="0" marR="0" lvl="0" indent="0" algn="ctr" defTabSz="914400" rtl="0" eaLnBrk="0" fontAlgn="base" latinLnBrk="0" hangingPunct="0">
-              <a:lnSpc>
-                <a:spcPct val="100000"/>
-              </a:lnSpc>
-              <a:spcBef>
-                <a:spcPct val="0"/>
-              </a:spcBef>
-              <a:spcAft>
-                <a:spcPct val="0"/>
-              </a:spcAft>
-              <a:buClrTx/>
-              <a:buSzTx/>
-              <a:buFontTx/>
-              <a:buNone/>
-              <a:tabLst/>
-            </a:pPr>
-            <a:r>
-              <a:rPr kumimoji="0" lang="fr-FR" altLang="fr-FR" sz="1100" b="1" i="0" u="none" strike="noStrike" cap="none" normalizeH="0" baseline="0" dirty="0" smtClean="0">
-                <a:ln>
-                  <a:noFill/>
-                </a:ln>
-                <a:solidFill>
-                  <a:schemeClr val="tx1"/>
-                </a:solidFill>
-                <a:effectLst/>
-                <a:latin typeface="Calibri" pitchFamily="34" charset="0"/>
-                <a:ea typeface="Calibri" pitchFamily="34" charset="0"/>
-                <a:cs typeface="Times New Roman" pitchFamily="18" charset="0"/>
-              </a:rPr>
-              <a:t>Modélisation acausale</a:t>
-            </a:r>
-            <a:r>
-              <a:rPr kumimoji="0" lang="fr-FR" altLang="fr-FR" sz="1100" b="0" i="0" u="none" strike="noStrike" cap="none" normalizeH="0" baseline="0" dirty="0" smtClean="0">
-                <a:ln>
-                  <a:noFill/>
-                </a:ln>
-                <a:solidFill>
-                  <a:schemeClr val="tx1"/>
-                </a:solidFill>
-                <a:effectLst/>
-                <a:latin typeface="Calibri" pitchFamily="34" charset="0"/>
-                <a:ea typeface="Calibri" pitchFamily="34" charset="0"/>
-                <a:cs typeface="Times New Roman" pitchFamily="18" charset="0"/>
-              </a:rPr>
-              <a:t> et simulation : Matlab / </a:t>
-            </a:r>
-            <a:r>
-              <a:rPr kumimoji="0" lang="fr-FR" altLang="fr-FR" sz="1100" b="0" i="0" u="none" strike="noStrike" cap="none" normalizeH="0" baseline="0" dirty="0" err="1" smtClean="0">
-                <a:ln>
-                  <a:noFill/>
-                </a:ln>
-                <a:solidFill>
-                  <a:schemeClr val="tx1"/>
-                </a:solidFill>
-                <a:effectLst/>
-                <a:latin typeface="Calibri" pitchFamily="34" charset="0"/>
-                <a:ea typeface="Calibri" pitchFamily="34" charset="0"/>
-                <a:cs typeface="Times New Roman" pitchFamily="18" charset="0"/>
-              </a:rPr>
-              <a:t>Simscape</a:t>
-            </a:r>
-            <a:r>
-              <a:rPr kumimoji="0" lang="fr-FR" altLang="fr-FR" sz="1100" b="0" i="0" u="none" strike="noStrike" cap="none" normalizeH="0" baseline="0" dirty="0" smtClean="0">
-                <a:ln>
-                  <a:noFill/>
-                </a:ln>
-                <a:solidFill>
-                  <a:schemeClr val="tx1"/>
-                </a:solidFill>
-                <a:effectLst/>
-                <a:latin typeface="Calibri" pitchFamily="34" charset="0"/>
-                <a:ea typeface="Calibri" pitchFamily="34" charset="0"/>
-                <a:cs typeface="Times New Roman" pitchFamily="18" charset="0"/>
-              </a:rPr>
-              <a:t>, Scilab / </a:t>
-            </a:r>
-            <a:r>
-              <a:rPr kumimoji="0" lang="fr-FR" altLang="fr-FR" sz="1100" b="0" i="0" u="none" strike="noStrike" cap="none" normalizeH="0" baseline="0" dirty="0" err="1" smtClean="0">
-                <a:ln>
-                  <a:noFill/>
-                </a:ln>
-                <a:solidFill>
-                  <a:schemeClr val="tx1"/>
-                </a:solidFill>
-                <a:effectLst/>
-                <a:latin typeface="Calibri" pitchFamily="34" charset="0"/>
-                <a:ea typeface="Calibri" pitchFamily="34" charset="0"/>
-                <a:cs typeface="Times New Roman" pitchFamily="18" charset="0"/>
-              </a:rPr>
-              <a:t>Simm</a:t>
-            </a:r>
-            <a:r>
-              <a:rPr kumimoji="0" lang="fr-FR" altLang="fr-FR" sz="1100" b="0" i="0" u="none" strike="noStrike" cap="none" normalizeH="0" baseline="0" dirty="0" smtClean="0">
-                <a:ln>
-                  <a:noFill/>
-                </a:ln>
-                <a:solidFill>
-                  <a:schemeClr val="tx1"/>
-                </a:solidFill>
-                <a:effectLst/>
-                <a:latin typeface="Calibri" pitchFamily="34" charset="0"/>
-                <a:ea typeface="Calibri" pitchFamily="34" charset="0"/>
-                <a:cs typeface="Times New Roman" pitchFamily="18" charset="0"/>
-              </a:rPr>
-              <a:t> / </a:t>
-            </a:r>
-            <a:r>
-              <a:rPr kumimoji="0" lang="fr-FR" altLang="fr-FR" sz="1100" b="0" i="0" u="none" strike="noStrike" cap="none" normalizeH="0" baseline="0" dirty="0" err="1" smtClean="0">
-                <a:ln>
-                  <a:noFill/>
-                </a:ln>
-                <a:solidFill>
-                  <a:schemeClr val="tx1"/>
-                </a:solidFill>
-                <a:effectLst/>
-                <a:latin typeface="Calibri" pitchFamily="34" charset="0"/>
-                <a:ea typeface="Calibri" pitchFamily="34" charset="0"/>
-                <a:cs typeface="Times New Roman" pitchFamily="18" charset="0"/>
-              </a:rPr>
-              <a:t>Coselica</a:t>
-            </a:r>
-            <a:r>
-              <a:rPr kumimoji="0" lang="fr-FR" altLang="fr-FR" sz="1100" b="0" i="0" u="none" strike="noStrike" cap="none" normalizeH="0" baseline="0" dirty="0" smtClean="0">
-                <a:ln>
-                  <a:noFill/>
-                </a:ln>
-                <a:solidFill>
-                  <a:schemeClr val="tx1"/>
-                </a:solidFill>
-                <a:effectLst/>
-                <a:latin typeface="Calibri" pitchFamily="34" charset="0"/>
-                <a:ea typeface="Calibri" pitchFamily="34" charset="0"/>
-                <a:cs typeface="Times New Roman" pitchFamily="18" charset="0"/>
-              </a:rPr>
-              <a:t> </a:t>
-            </a:r>
-            <a:endParaRPr kumimoji="0" lang="fr-FR" altLang="fr-FR" sz="800" b="0" i="0" u="none" strike="noStrike" cap="none" normalizeH="0" baseline="0" dirty="0" smtClean="0">
-              <a:ln>
-                <a:noFill/>
-              </a:ln>
-              <a:solidFill>
-                <a:schemeClr val="tx1"/>
-              </a:solidFill>
-              <a:effectLst/>
-              <a:latin typeface="Arial" pitchFamily="34" charset="0"/>
-              <a:cs typeface="Arial" pitchFamily="34" charset="0"/>
-            </a:endParaRPr>
-          </a:p>
-          <a:p>
-            <a:pPr marL="0" marR="0" lvl="0" indent="0" algn="ctr" defTabSz="914400" rtl="0" eaLnBrk="0" fontAlgn="base" latinLnBrk="0" hangingPunct="0">
-              <a:lnSpc>
-                <a:spcPct val="100000"/>
-              </a:lnSpc>
-              <a:spcBef>
-                <a:spcPct val="0"/>
-              </a:spcBef>
-              <a:spcAft>
-                <a:spcPct val="0"/>
-              </a:spcAft>
-              <a:buClrTx/>
-              <a:buSzTx/>
-              <a:buFontTx/>
-              <a:buNone/>
-              <a:tabLst/>
-            </a:pPr>
-            <a:r>
-              <a:rPr kumimoji="0" lang="fr-FR" altLang="fr-FR" sz="1200" b="1" i="0" u="none" strike="noStrike" cap="none" normalizeH="0" baseline="0" dirty="0" smtClean="0">
-                <a:ln>
-                  <a:noFill/>
-                </a:ln>
-                <a:solidFill>
-                  <a:schemeClr val="tx1"/>
-                </a:solidFill>
-                <a:effectLst/>
-                <a:latin typeface="Calibri" pitchFamily="34" charset="0"/>
-                <a:ea typeface="Calibri" pitchFamily="34" charset="0"/>
-                <a:cs typeface="Times New Roman" pitchFamily="18" charset="0"/>
-              </a:rPr>
-              <a:t>… mais pas que : fonctionnalités communes, interconnections et passerelles</a:t>
-            </a:r>
-            <a:endParaRPr kumimoji="0" lang="fr-FR" altLang="fr-FR" sz="1800" b="0" i="0" u="none" strike="noStrike" cap="none" normalizeH="0" baseline="0" dirty="0" smtClean="0">
-              <a:ln>
-                <a:noFill/>
-              </a:ln>
-              <a:solidFill>
-                <a:schemeClr val="tx1"/>
-              </a:solidFill>
-              <a:effectLst/>
-              <a:latin typeface="Arial" pitchFamily="34" charset="0"/>
-              <a:cs typeface="Arial" pitchFamily="34" charset="0"/>
-            </a:endParaRPr>
-          </a:p>
-        </p:txBody>
-      </p:sp>
-      <p:sp>
-        <p:nvSpPr>
-          <p:cNvPr id="3" name="AutoShape 28"/>
-          <p:cNvSpPr>
-            <a:spLocks noChangeArrowheads="1"/>
-          </p:cNvSpPr>
-          <p:nvPr/>
-        </p:nvSpPr>
-        <p:spPr bwMode="auto">
-          <a:xfrm>
-            <a:off x="-114300" y="457200"/>
-            <a:ext cx="9705975" cy="612775"/>
-          </a:xfrm>
-          <a:prstGeom prst="roundRect">
-            <a:avLst>
-              <a:gd name="adj" fmla="val 16667"/>
-            </a:avLst>
-          </a:prstGeom>
-          <a:solidFill>
-            <a:srgbClr val="DDD8C2"/>
-          </a:solidFill>
-          <a:ln w="9525">
-            <a:solidFill>
-              <a:srgbClr val="000000"/>
-            </a:solidFill>
-            <a:round/>
-            <a:headEnd/>
-            <a:tailEnd/>
-          </a:ln>
-        </p:spPr>
-        <p:txBody>
-          <a:bodyPr vert="horz" wrap="square" lIns="91440" tIns="45720" rIns="91440" bIns="45720" numCol="1" anchor="t" anchorCtr="0" compatLnSpc="1">
-            <a:prstTxWarp prst="textNoShape">
-              <a:avLst/>
-            </a:prstTxWarp>
-          </a:bodyPr>
-          <a:lstStyle/>
-          <a:p>
-            <a:endParaRPr lang="fr-FR"/>
-          </a:p>
-        </p:txBody>
-      </p:sp>
-      <p:sp>
-        <p:nvSpPr>
-          <p:cNvPr id="28" name="Text Box 3"/>
-          <p:cNvSpPr txBox="1">
-            <a:spLocks noChangeArrowheads="1"/>
-          </p:cNvSpPr>
-          <p:nvPr/>
-        </p:nvSpPr>
-        <p:spPr bwMode="auto">
-          <a:xfrm>
-            <a:off x="1057275" y="457200"/>
-            <a:ext cx="7616825" cy="833438"/>
-          </a:xfrm>
-          <a:prstGeom prst="rect">
-            <a:avLst/>
-          </a:prstGeom>
-          <a:noFill/>
-          <a:ln>
-            <a:noFill/>
-          </a:ln>
-          <a:extLst>
-            <a:ext uri="{909E8E84-426E-40DD-AFC4-6F175D3DCCD1}">
-              <a14:hiddenFill xmlns:a14="http://schemas.microsoft.com/office/drawing/2010/main">
-                <a:solidFill>
-                  <a:srgbClr val="FFFFFF"/>
-                </a:solidFill>
-              </a14:hiddenFill>
-            </a:ext>
-            <a:ext uri="{91240B29-F687-4F45-9708-019B960494DF}">
-              <a14:hiddenLine xmlns:a14="http://schemas.microsoft.com/office/drawing/2010/main" w="9525">
-                <a:solidFill>
-                  <a:srgbClr val="000000"/>
-                </a:solidFill>
-                <a:miter lim="800000"/>
-                <a:headEnd/>
-                <a:tailEnd/>
-              </a14:hiddenLine>
-            </a:ext>
-          </a:extLst>
-        </p:spPr>
-        <p:txBody>
-          <a:bodyPr vert="horz" wrap="square" lIns="91440" tIns="45720" rIns="91440" bIns="45720" numCol="1" anchor="t" anchorCtr="0" compatLnSpc="1">
-            <a:prstTxWarp prst="textNoShape">
-              <a:avLst/>
-            </a:prstTxWarp>
-          </a:bodyPr>
-          <a:lstStyle/>
-          <a:p>
-            <a:pPr marL="0" marR="0" lvl="0" indent="0" algn="ctr" defTabSz="914400" rtl="0" eaLnBrk="1" fontAlgn="base" latinLnBrk="0" hangingPunct="1">
-              <a:lnSpc>
-                <a:spcPct val="100000"/>
-              </a:lnSpc>
-              <a:spcBef>
-                <a:spcPct val="0"/>
-              </a:spcBef>
-              <a:spcAft>
-                <a:spcPct val="0"/>
-              </a:spcAft>
-              <a:buClrTx/>
-              <a:buSzTx/>
-              <a:buFontTx/>
-              <a:buNone/>
-              <a:tabLst/>
-            </a:pPr>
-            <a:r>
-              <a:rPr kumimoji="0" lang="fr-FR" altLang="fr-FR" sz="1800" b="1" i="0" u="none" strike="noStrike" cap="none" normalizeH="0" baseline="0" dirty="0" smtClean="0">
-                <a:ln>
-                  <a:noFill/>
-                </a:ln>
-                <a:solidFill>
-                  <a:schemeClr val="tx1"/>
-                </a:solidFill>
-                <a:effectLst/>
-                <a:latin typeface="Calibri" pitchFamily="34" charset="0"/>
-                <a:ea typeface="Calibri" pitchFamily="34" charset="0"/>
-                <a:cs typeface="Times New Roman" pitchFamily="18" charset="0"/>
-              </a:rPr>
-              <a:t>Les outils de l’ingénierie système dans l’enseignement</a:t>
-            </a:r>
-            <a:endParaRPr kumimoji="0" lang="fr-FR" altLang="fr-FR" sz="800" b="0" i="0" u="none" strike="noStrike" cap="none" normalizeH="0" baseline="0" dirty="0" smtClean="0">
-              <a:ln>
-                <a:noFill/>
-              </a:ln>
-              <a:solidFill>
-                <a:schemeClr val="tx1"/>
-              </a:solidFill>
-              <a:effectLst/>
-              <a:latin typeface="Arial" pitchFamily="34" charset="0"/>
-              <a:cs typeface="Arial" pitchFamily="34" charset="0"/>
-            </a:endParaRPr>
-          </a:p>
-          <a:p>
-            <a:pPr marL="0" marR="0" lvl="0" indent="0" algn="ctr" defTabSz="914400" rtl="0" eaLnBrk="0" fontAlgn="base" latinLnBrk="0" hangingPunct="0">
-              <a:lnSpc>
-                <a:spcPct val="100000"/>
-              </a:lnSpc>
-              <a:spcBef>
-                <a:spcPct val="0"/>
-              </a:spcBef>
-              <a:spcAft>
-                <a:spcPct val="0"/>
-              </a:spcAft>
-              <a:buClrTx/>
-              <a:buSzTx/>
-              <a:buFontTx/>
-              <a:buNone/>
-              <a:tabLst/>
-            </a:pPr>
-            <a:r>
-              <a:rPr kumimoji="0" lang="fr-FR" altLang="fr-FR" sz="1800" b="1" i="1" u="none" strike="noStrike" cap="none" normalizeH="0" baseline="0" dirty="0" smtClean="0">
-                <a:ln>
-                  <a:noFill/>
-                </a:ln>
-                <a:solidFill>
-                  <a:schemeClr val="tx1"/>
-                </a:solidFill>
-                <a:effectLst/>
-                <a:latin typeface="Calibri" pitchFamily="34" charset="0"/>
-                <a:ea typeface="Calibri" pitchFamily="34" charset="0"/>
-                <a:cs typeface="Times New Roman" pitchFamily="18" charset="0"/>
-              </a:rPr>
-              <a:t>Vers une approche globalisée</a:t>
-            </a:r>
-            <a:endParaRPr kumimoji="0" lang="fr-FR" altLang="fr-FR" sz="800" b="0" i="0" u="none" strike="noStrike" cap="none" normalizeH="0" baseline="0" dirty="0" smtClean="0">
-              <a:ln>
-                <a:noFill/>
-              </a:ln>
-              <a:solidFill>
-                <a:schemeClr val="tx1"/>
-              </a:solidFill>
-              <a:effectLst/>
-              <a:latin typeface="Arial" pitchFamily="34" charset="0"/>
-              <a:cs typeface="Arial" pitchFamily="34" charset="0"/>
-            </a:endParaRPr>
-          </a:p>
-          <a:p>
-            <a:pPr marL="0" marR="0" lvl="0" indent="0" algn="l" defTabSz="914400" rtl="0" eaLnBrk="0" fontAlgn="base" latinLnBrk="0" hangingPunct="0">
-              <a:lnSpc>
-                <a:spcPct val="100000"/>
-              </a:lnSpc>
-              <a:spcBef>
-                <a:spcPct val="0"/>
-              </a:spcBef>
-              <a:spcAft>
-                <a:spcPct val="0"/>
-              </a:spcAft>
-              <a:buClrTx/>
-              <a:buSzTx/>
-              <a:buFontTx/>
-              <a:buNone/>
-              <a:tabLst/>
-            </a:pPr>
-            <a:endParaRPr kumimoji="0" lang="fr-FR" altLang="fr-FR" sz="1800" b="0" i="0" u="none" strike="noStrike" cap="none" normalizeH="0" baseline="0" dirty="0" smtClean="0">
-              <a:ln>
-                <a:noFill/>
-              </a:ln>
-              <a:solidFill>
-                <a:schemeClr val="tx1"/>
-              </a:solidFill>
-              <a:effectLst/>
-              <a:latin typeface="Arial" pitchFamily="34" charset="0"/>
-              <a:cs typeface="Arial" pitchFamily="34" charset="0"/>
-            </a:endParaRPr>
-          </a:p>
-        </p:txBody>
-      </p:sp>
-    </p:spTree>
-    <p:extLst>
-      <p:ext uri="{BB962C8B-B14F-4D97-AF65-F5344CB8AC3E}">
-        <p14:creationId xmlns:p14="http://schemas.microsoft.com/office/powerpoint/2010/main" val="3396356777"/>
-      </p:ext>
-    </p:extLst>
-  </p:cSld>
-  <p:clrMapOvr>
-    <a:masterClrMapping/>
-  </p:clrMapOvr>
 </p:sld>
 </file>
 
@@ -14117,7 +9988,7 @@
       </p:grpSpPr>
       <p:sp>
         <p:nvSpPr>
-          <p:cNvPr id="2" name="Titre 1"/>
+          <p:cNvPr id="5" name="Titre 4"/>
           <p:cNvSpPr>
             <a:spLocks noGrp="1"/>
           </p:cNvSpPr>
@@ -14141,9 +10012,70 @@
             </a:br>
             <a:r>
               <a:rPr lang="fr-FR" dirty="0" smtClean="0"/>
-              <a:t>Positionnement dans l’enseignement des SII</a:t>
+              <a:t>Tentatives de définitions</a:t>
             </a:r>
             <a:endParaRPr lang="fr-FR" dirty="0"/>
+          </a:p>
+        </p:txBody>
+      </p:sp>
+      <p:sp>
+        <p:nvSpPr>
+          <p:cNvPr id="6" name="Espace réservé du contenu 5"/>
+          <p:cNvSpPr>
+            <a:spLocks noGrp="1"/>
+          </p:cNvSpPr>
+          <p:nvPr>
+            <p:ph sz="quarter" idx="1"/>
+          </p:nvPr>
+        </p:nvSpPr>
+        <p:spPr/>
+        <p:txBody>
+          <a:bodyPr>
+            <a:normAutofit/>
+          </a:bodyPr>
+          <a:lstStyle/>
+          <a:p>
+            <a:pPr algn="just"/>
+            <a:r>
+              <a:rPr lang="fr-FR" dirty="0" smtClean="0"/>
+              <a:t>La modélisation multiphysique et multi échelle dans la recherche et l’industrie</a:t>
+            </a:r>
+          </a:p>
+          <a:p>
+            <a:pPr lvl="1" algn="just"/>
+            <a:r>
+              <a:rPr lang="fr-FR" dirty="0" smtClean="0"/>
+              <a:t>La modélisation multiphysique permet de de prendre en compte les couplages entre phénomènes physiques différents (couplage mécanique – chimique, couplage mécanique des structures – neutronique – thermo hydraulique dans la physique des réacteurs …)</a:t>
+            </a:r>
+          </a:p>
+          <a:p>
+            <a:pPr lvl="1" algn="just"/>
+            <a:r>
+              <a:rPr lang="fr-FR" dirty="0" smtClean="0"/>
+              <a:t>La modélisation multi échelle permet, grâce au calcul numérique, de déduire des propriétés macroscopiques à partir de modèles microscopiques</a:t>
+            </a:r>
+          </a:p>
+          <a:p>
+            <a:pPr lvl="1" algn="just"/>
+            <a:endParaRPr lang="fr-FR" dirty="0"/>
+          </a:p>
+          <a:p>
+            <a:pPr algn="just"/>
+            <a:r>
+              <a:rPr lang="fr-FR" dirty="0"/>
+              <a:t>La modélisation multiphysique en SII</a:t>
+            </a:r>
+          </a:p>
+          <a:p>
+            <a:pPr lvl="1" algn="just"/>
+            <a:r>
+              <a:rPr lang="fr-FR" dirty="0"/>
+              <a:t>Modélisation d’un système pluri technologique en intégrant tous les domaines de la physique nécessaires au fonctionnement de ce système</a:t>
+            </a:r>
+          </a:p>
+          <a:p>
+            <a:pPr lvl="1" algn="just"/>
+            <a:endParaRPr lang="fr-FR" dirty="0" smtClean="0"/>
           </a:p>
         </p:txBody>
       </p:sp>
@@ -14165,6 +10097,98 @@
             <a:fld id="{136A7F36-7A21-4EA8-9DC2-F00219448035}" type="slidenum">
               <a:rPr lang="fr-FR" smtClean="0"/>
               <a:t>4</a:t>
+            </a:fld>
+            <a:endParaRPr lang="fr-FR"/>
+          </a:p>
+        </p:txBody>
+      </p:sp>
+    </p:spTree>
+    <p:extLst>
+      <p:ext uri="{BB962C8B-B14F-4D97-AF65-F5344CB8AC3E}">
+        <p14:creationId xmlns:p14="http://schemas.microsoft.com/office/powerpoint/2010/main" val="2231398042"/>
+      </p:ext>
+    </p:extLst>
+  </p:cSld>
+  <p:clrMapOvr>
+    <a:masterClrMapping/>
+  </p:clrMapOvr>
+  <p:timing>
+    <p:tnLst>
+      <p:par>
+        <p:cTn id="1" dur="indefinite" restart="never" nodeType="tmRoot"/>
+      </p:par>
+    </p:tnLst>
+  </p:timing>
+</p:sld>
+</file>
+
+<file path=ppt/slides/slide5.xml><?xml version="1.0" encoding="utf-8"?>
+<p:sld xmlns:a="http://schemas.openxmlformats.org/drawingml/2006/main" xmlns:r="http://schemas.openxmlformats.org/officeDocument/2006/relationships" xmlns:p="http://schemas.openxmlformats.org/presentationml/2006/main">
+  <p:cSld>
+    <p:spTree>
+      <p:nvGrpSpPr>
+        <p:cNvPr id="1" name=""/>
+        <p:cNvGrpSpPr/>
+        <p:nvPr/>
+      </p:nvGrpSpPr>
+      <p:grpSpPr>
+        <a:xfrm>
+          <a:off x="0" y="0"/>
+          <a:ext cx="0" cy="0"/>
+          <a:chOff x="0" y="0"/>
+          <a:chExt cx="0" cy="0"/>
+        </a:xfrm>
+      </p:grpSpPr>
+      <p:sp>
+        <p:nvSpPr>
+          <p:cNvPr id="2" name="Titre 1"/>
+          <p:cNvSpPr>
+            <a:spLocks noGrp="1"/>
+          </p:cNvSpPr>
+          <p:nvPr>
+            <p:ph type="title"/>
+          </p:nvPr>
+        </p:nvSpPr>
+        <p:spPr/>
+        <p:txBody>
+          <a:bodyPr>
+            <a:normAutofit fontScale="90000"/>
+          </a:bodyPr>
+          <a:lstStyle/>
+          <a:p>
+            <a:r>
+              <a:rPr lang="fr-FR" dirty="0" smtClean="0"/>
+              <a:t>Modélisation multiphysique</a:t>
+            </a:r>
+            <a:br>
+              <a:rPr lang="fr-FR" dirty="0" smtClean="0"/>
+            </a:br>
+            <a:r>
+              <a:rPr lang="fr-FR" dirty="0" smtClean="0"/>
+              <a:t>Positionnement dans l’enseignement des SII</a:t>
+            </a:r>
+            <a:endParaRPr lang="fr-FR" dirty="0"/>
+          </a:p>
+        </p:txBody>
+      </p:sp>
+      <p:sp>
+        <p:nvSpPr>
+          <p:cNvPr id="4" name="Espace réservé du numéro de diapositive 3"/>
+          <p:cNvSpPr>
+            <a:spLocks noGrp="1"/>
+          </p:cNvSpPr>
+          <p:nvPr>
+            <p:ph type="sldNum" sz="quarter" idx="15"/>
+          </p:nvPr>
+        </p:nvSpPr>
+        <p:spPr/>
+        <p:txBody>
+          <a:bodyPr/>
+          <a:lstStyle/>
+          <a:p>
+            <a:fld id="{136A7F36-7A21-4EA8-9DC2-F00219448035}" type="slidenum">
+              <a:rPr lang="fr-FR" smtClean="0"/>
+              <a:t>5</a:t>
             </a:fld>
             <a:endParaRPr lang="fr-FR"/>
           </a:p>
@@ -14179,7 +10203,7 @@
           <p:nvPr/>
         </p:nvPicPr>
         <p:blipFill>
-          <a:blip r:embed="rId2" cstate="print">
+          <a:blip r:embed="rId3" cstate="print">
             <a:extLst>
               <a:ext uri="{28A0092B-C50C-407E-A947-70E740481C1C}">
                 <a14:useLocalDpi xmlns:a14="http://schemas.microsoft.com/office/drawing/2010/main" val="0"/>
@@ -14244,163 +10268,13 @@
   <p:clrMapOvr>
     <a:masterClrMapping/>
   </p:clrMapOvr>
-</p:sld>
-</file>
-
-<file path=ppt/slides/slide5.xml><?xml version="1.0" encoding="utf-8"?>
-<p:sld xmlns:a="http://schemas.openxmlformats.org/drawingml/2006/main" xmlns:r="http://schemas.openxmlformats.org/officeDocument/2006/relationships" xmlns:p="http://schemas.openxmlformats.org/presentationml/2006/main">
-  <p:cSld>
-    <p:spTree>
-      <p:nvGrpSpPr>
-        <p:cNvPr id="1" name=""/>
-        <p:cNvGrpSpPr/>
-        <p:nvPr/>
-      </p:nvGrpSpPr>
-      <p:grpSpPr>
-        <a:xfrm>
-          <a:off x="0" y="0"/>
-          <a:ext cx="0" cy="0"/>
-          <a:chOff x="0" y="0"/>
-          <a:chExt cx="0" cy="0"/>
-        </a:xfrm>
-      </p:grpSpPr>
-      <p:sp>
-        <p:nvSpPr>
-          <p:cNvPr id="5" name="Titre 4"/>
-          <p:cNvSpPr>
-            <a:spLocks noGrp="1"/>
-          </p:cNvSpPr>
-          <p:nvPr>
-            <p:ph type="title"/>
-          </p:nvPr>
-        </p:nvSpPr>
-        <p:spPr/>
-        <p:txBody>
-          <a:bodyPr>
-            <a:normAutofit fontScale="90000"/>
-          </a:bodyPr>
-          <a:lstStyle/>
-          <a:p>
-            <a:r>
-              <a:rPr lang="fr-FR" dirty="0" smtClean="0"/>
-              <a:t>Modélisation multiphysique</a:t>
-            </a:r>
-            <a:br>
-              <a:rPr lang="fr-FR" dirty="0" smtClean="0"/>
-            </a:br>
-            <a:r>
-              <a:rPr lang="fr-FR" dirty="0" smtClean="0"/>
-              <a:t>Tentatives de définitions</a:t>
-            </a:r>
-            <a:endParaRPr lang="fr-FR" dirty="0"/>
-          </a:p>
-        </p:txBody>
-      </p:sp>
-      <p:sp>
-        <p:nvSpPr>
-          <p:cNvPr id="6" name="Espace réservé du contenu 5"/>
-          <p:cNvSpPr>
-            <a:spLocks noGrp="1"/>
-          </p:cNvSpPr>
-          <p:nvPr>
-            <p:ph sz="quarter" idx="1"/>
-          </p:nvPr>
-        </p:nvSpPr>
-        <p:spPr/>
-        <p:txBody>
-          <a:bodyPr>
-            <a:normAutofit lnSpcReduction="10000"/>
-          </a:bodyPr>
-          <a:lstStyle/>
-          <a:p>
-            <a:pPr algn="just"/>
-            <a:r>
-              <a:rPr lang="fr-FR" dirty="0" smtClean="0"/>
-              <a:t>La modélisation multiphysique en SII</a:t>
-            </a:r>
-          </a:p>
-          <a:p>
-            <a:pPr lvl="1" algn="just"/>
-            <a:r>
-              <a:rPr lang="fr-FR" dirty="0" smtClean="0"/>
-              <a:t>Modélisation d’un système pluri technologique en intégrant tous les domaines de la physique nécessaires au fonctionnement de ce système</a:t>
-            </a:r>
-          </a:p>
-          <a:p>
-            <a:pPr algn="just"/>
-            <a:endParaRPr lang="fr-FR" dirty="0"/>
-          </a:p>
-          <a:p>
-            <a:pPr algn="just"/>
-            <a:r>
-              <a:rPr lang="fr-FR" dirty="0" smtClean="0"/>
-              <a:t>La modélisation multiphysique et multi échelle dans la recherche</a:t>
-            </a:r>
-          </a:p>
-          <a:p>
-            <a:pPr lvl="1" algn="just"/>
-            <a:r>
-              <a:rPr lang="fr-FR" dirty="0" smtClean="0"/>
-              <a:t>La modélisation multiphysique permet de de prendre en compte les couplages entre phénomènes physiques différents (couplage mécanique – chimique, couplage mécanique des structures – neutronique – thermo hydraulique dans la physique des réacteurs …)</a:t>
-            </a:r>
-          </a:p>
-          <a:p>
-            <a:pPr lvl="1" algn="just"/>
-            <a:r>
-              <a:rPr lang="fr-FR" dirty="0" smtClean="0"/>
-              <a:t>La modélisation multi échelle permet, grâce au calcul numérique, de déduire des propriétés macroscopiques à partir de modèles microscopiques</a:t>
-            </a:r>
-          </a:p>
-          <a:p>
-            <a:pPr lvl="2" algn="just"/>
-            <a:r>
-              <a:rPr lang="fr-FR" dirty="0" smtClean="0"/>
-              <a:t>Utilisation complémentaires de modèles probabilistes</a:t>
-            </a:r>
-          </a:p>
-          <a:p>
-            <a:pPr lvl="1" algn="just"/>
-            <a:r>
-              <a:rPr lang="fr-FR" dirty="0" smtClean="0"/>
-              <a:t>Problèmes de compatibilité et de cohérences des codes de calcul</a:t>
-            </a:r>
-            <a:endParaRPr lang="fr-FR" dirty="0"/>
-          </a:p>
-        </p:txBody>
-      </p:sp>
-      <p:sp>
-        <p:nvSpPr>
-          <p:cNvPr id="4" name="Espace réservé du numéro de diapositive 3"/>
-          <p:cNvSpPr>
-            <a:spLocks noGrp="1"/>
-          </p:cNvSpPr>
-          <p:nvPr>
-            <p:ph type="sldNum" sz="quarter" idx="15"/>
-          </p:nvPr>
-        </p:nvSpPr>
-        <p:spPr/>
-        <p:txBody>
-          <a:bodyPr/>
-          <a:lstStyle/>
-          <a:p>
-            <a:fld id="{136A7F36-7A21-4EA8-9DC2-F00219448035}" type="slidenum">
-              <a:rPr lang="fr-FR" smtClean="0"/>
-              <a:t>5</a:t>
-            </a:fld>
-            <a:endParaRPr lang="fr-FR"/>
-          </a:p>
-        </p:txBody>
-      </p:sp>
-    </p:spTree>
-    <p:extLst>
-      <p:ext uri="{BB962C8B-B14F-4D97-AF65-F5344CB8AC3E}">
-        <p14:creationId xmlns:p14="http://schemas.microsoft.com/office/powerpoint/2010/main" val="2231398042"/>
-      </p:ext>
-    </p:extLst>
-  </p:cSld>
-  <p:clrMapOvr>
-    <a:masterClrMapping/>
-  </p:clrMapOvr>
+  <p:timing>
+    <p:tnLst>
+      <p:par>
+        <p:cTn id="1" dur="indefinite" restart="never" nodeType="tmRoot"/>
+      </p:par>
+    </p:tnLst>
+  </p:timing>
 </p:sld>
 </file>
 
@@ -14479,8 +10353,12 @@
             <a:pPr lvl="1"/>
             <a:r>
               <a:rPr lang="fr-FR" dirty="0" smtClean="0"/>
-              <a:t>Le modèle établi à partir des lois de la physique ou de la chimie</a:t>
-            </a:r>
+              <a:t>Le modèle est établi à partir des lois de la physique ou de la chimie</a:t>
+            </a:r>
+          </a:p>
+          <a:p>
+            <a:pPr lvl="1"/>
+            <a:endParaRPr lang="fr-FR" dirty="0" smtClean="0"/>
           </a:p>
           <a:p>
             <a:r>
@@ -14491,13 +10369,13 @@
           <a:p>
             <a:pPr lvl="1"/>
             <a:r>
-              <a:rPr lang="fr-FR" dirty="0"/>
-              <a:t>E</a:t>
-            </a:r>
-            <a:r>
               <a:rPr lang="fr-FR" dirty="0" smtClean="0"/>
-              <a:t>xpliciter le fonctionnement d’un bloc d’un système par une relation mathématique</a:t>
-            </a:r>
+              <a:t>Prévoir le comportement d’un constituant d’un système </a:t>
+            </a:r>
+          </a:p>
+          <a:p>
+            <a:pPr lvl="1"/>
+            <a:endParaRPr lang="fr-FR" dirty="0" smtClean="0"/>
           </a:p>
           <a:p>
             <a:r>
@@ -14509,14 +10387,32 @@
             <a:pPr lvl="1"/>
             <a:r>
               <a:rPr lang="fr-FR" dirty="0" smtClean="0"/>
-              <a:t>Complexité de certains modèles</a:t>
-            </a:r>
+              <a:t>Complexité de certains systèmes </a:t>
+            </a:r>
+          </a:p>
+          <a:p>
+            <a:pPr lvl="2"/>
+            <a:endParaRPr lang="fr-FR" dirty="0" smtClean="0"/>
           </a:p>
           <a:p>
             <a:pPr lvl="1"/>
             <a:r>
               <a:rPr lang="fr-FR" dirty="0" smtClean="0"/>
-              <a:t>Identification nécessaires de paramètres</a:t>
+              <a:t>Identification nécessaire </a:t>
+            </a:r>
+          </a:p>
+          <a:p>
+            <a:pPr lvl="2"/>
+            <a:r>
+              <a:rPr lang="fr-FR" dirty="0" smtClean="0"/>
+              <a:t>Du nombre de paramètres influant (liés à la précision du modèle)</a:t>
+            </a:r>
+          </a:p>
+          <a:p>
+            <a:pPr lvl="2"/>
+            <a:r>
+              <a:rPr lang="fr-FR" dirty="0" smtClean="0"/>
+              <a:t>De la valeur de ces paramètres</a:t>
             </a:r>
           </a:p>
         </p:txBody>
@@ -14554,6 +10450,13 @@
   <p:clrMapOvr>
     <a:masterClrMapping/>
   </p:clrMapOvr>
+  <p:timing>
+    <p:tnLst>
+      <p:par>
+        <p:cTn id="1" dur="indefinite" restart="never" nodeType="tmRoot"/>
+      </p:par>
+    </p:tnLst>
+  </p:timing>
 </p:sld>
 </file>
 
@@ -15322,18 +11225,15 @@
               <a:p>
                 <a:r>
                   <a:rPr lang="fr-FR" dirty="0" smtClean="0"/>
-                  <a:t>Phénomène non linéaires</a:t>
+                  <a:t>Phénomène non linéaire</a:t>
                 </a:r>
               </a:p>
               <a:p>
                 <a:pPr lvl="1"/>
                 <a:r>
                   <a:rPr lang="fr-FR" dirty="0" smtClean="0"/>
-                  <a:t>Saturation du courant</a:t>
+                  <a:t>Exemple : saturation du courant </a:t>
                 </a:r>
-              </a:p>
-              <a:p>
-                <a:pPr lvl="2"/>
                 <a14:m>
                   <m:oMath xmlns:m="http://schemas.openxmlformats.org/officeDocument/2006/math">
                     <m:r>
@@ -15447,7 +11347,7 @@
             </p:nvSpPr>
             <p:spPr>
               <a:blipFill rotWithShape="1">
-                <a:blip r:embed="rId2"/>
+                <a:blip r:embed="rId3"/>
                 <a:stretch>
                   <a:fillRect l="-77" t="-585"/>
                 </a:stretch>
@@ -15500,7 +11400,7 @@
           <p:nvPr/>
         </p:nvPicPr>
         <p:blipFill>
-          <a:blip r:embed="rId3" cstate="print">
+          <a:blip r:embed="rId4" cstate="print">
             <a:extLst>
               <a:ext uri="{28A0092B-C50C-407E-A947-70E740481C1C}">
                 <a14:useLocalDpi xmlns:a14="http://schemas.microsoft.com/office/drawing/2010/main" val="0"/>
@@ -15560,7 +11460,7 @@
           <p:nvPr/>
         </p:nvPicPr>
         <p:blipFill>
-          <a:blip r:embed="rId4">
+          <a:blip r:embed="rId5">
             <a:extLst>
               <a:ext uri="{28A0092B-C50C-407E-A947-70E740481C1C}">
                 <a14:useLocalDpi xmlns:a14="http://schemas.microsoft.com/office/drawing/2010/main" val="0"/>
@@ -15574,7 +11474,7 @@
         </p:blipFill>
         <p:spPr bwMode="auto">
           <a:xfrm>
-            <a:off x="4556364" y="1124744"/>
+            <a:off x="4716016" y="2852936"/>
             <a:ext cx="3922328" cy="1555545"/>
           </a:xfrm>
           <a:prstGeom prst="rect">
@@ -15611,138 +11511,6 @@
           </a:extLst>
         </p:spPr>
       </p:pic>
-      <p:pic>
-        <p:nvPicPr>
-          <p:cNvPr id="3074" name="Picture 2"/>
-          <p:cNvPicPr>
-            <a:picLocks noChangeAspect="1" noChangeArrowheads="1"/>
-          </p:cNvPicPr>
-          <p:nvPr/>
-        </p:nvPicPr>
-        <p:blipFill>
-          <a:blip r:embed="rId5">
-            <a:extLst>
-              <a:ext uri="{28A0092B-C50C-407E-A947-70E740481C1C}">
-                <a14:useLocalDpi xmlns:a14="http://schemas.microsoft.com/office/drawing/2010/main" val="0"/>
-              </a:ext>
-            </a:extLst>
-          </a:blip>
-          <a:srcRect/>
-          <a:stretch>
-            <a:fillRect/>
-          </a:stretch>
-        </p:blipFill>
-        <p:spPr bwMode="auto">
-          <a:xfrm>
-            <a:off x="4215615" y="4221088"/>
-            <a:ext cx="4603825" cy="1825818"/>
-          </a:xfrm>
-          <a:prstGeom prst="rect">
-            <a:avLst/>
-          </a:prstGeom>
-          <a:ln>
-            <a:noFill/>
-          </a:ln>
-          <a:effectLst>
-            <a:outerShdw blurRad="292100" dist="139700" dir="2700000" algn="tl" rotWithShape="0">
-              <a:srgbClr val="333333">
-                <a:alpha val="65000"/>
-              </a:srgbClr>
-            </a:outerShdw>
-          </a:effectLst>
-          <a:extLst>
-            <a:ext uri="{909E8E84-426E-40DD-AFC4-6F175D3DCCD1}">
-              <a14:hiddenFill xmlns:a14="http://schemas.microsoft.com/office/drawing/2010/main">
-                <a:solidFill>
-                  <a:schemeClr val="accent1"/>
-                </a:solidFill>
-              </a14:hiddenFill>
-            </a:ext>
-            <a:ext uri="{91240B29-F687-4F45-9708-019B960494DF}">
-              <a14:hiddenLine xmlns:a14="http://schemas.microsoft.com/office/drawing/2010/main" w="9525">
-                <a:solidFill>
-                  <a:schemeClr val="tx1"/>
-                </a:solidFill>
-                <a:miter lim="800000"/>
-                <a:headEnd/>
-                <a:tailEnd/>
-              </a14:hiddenLine>
-            </a:ext>
-          </a:extLst>
-        </p:spPr>
-      </p:pic>
-      <p:sp>
-        <p:nvSpPr>
-          <p:cNvPr id="7" name="Flèche vers le bas 6"/>
-          <p:cNvSpPr/>
-          <p:nvPr/>
-        </p:nvSpPr>
-        <p:spPr>
-          <a:xfrm>
-            <a:off x="5868144" y="2996952"/>
-            <a:ext cx="430736" cy="720080"/>
-          </a:xfrm>
-          <a:prstGeom prst="downArrow">
-            <a:avLst/>
-          </a:prstGeom>
-        </p:spPr>
-        <p:style>
-          <a:lnRef idx="1">
-            <a:schemeClr val="accent1"/>
-          </a:lnRef>
-          <a:fillRef idx="2">
-            <a:schemeClr val="accent1"/>
-          </a:fillRef>
-          <a:effectRef idx="1">
-            <a:schemeClr val="accent1"/>
-          </a:effectRef>
-          <a:fontRef idx="minor">
-            <a:schemeClr val="dk1"/>
-          </a:fontRef>
-        </p:style>
-        <p:txBody>
-          <a:bodyPr rtlCol="0" anchor="ctr"/>
-          <a:lstStyle/>
-          <a:p>
-            <a:pPr algn="ctr"/>
-            <a:endParaRPr lang="fr-FR"/>
-          </a:p>
-        </p:txBody>
-      </p:sp>
-      <p:sp>
-        <p:nvSpPr>
-          <p:cNvPr id="3" name="ZoneTexte 2"/>
-          <p:cNvSpPr txBox="1"/>
-          <p:nvPr/>
-        </p:nvSpPr>
-        <p:spPr>
-          <a:xfrm>
-            <a:off x="6407696" y="3033826"/>
-            <a:ext cx="2736304" cy="646331"/>
-          </a:xfrm>
-          <a:prstGeom prst="rect">
-            <a:avLst/>
-          </a:prstGeom>
-          <a:noFill/>
-        </p:spPr>
-        <p:txBody>
-          <a:bodyPr wrap="square" rtlCol="0">
-            <a:spAutoFit/>
-          </a:bodyPr>
-          <a:lstStyle/>
-          <a:p>
-            <a:r>
-              <a:rPr lang="fr-FR" dirty="0" smtClean="0">
-                <a:latin typeface="Calibri" panose="020F0502020204030204" pitchFamily="34" charset="0"/>
-              </a:rPr>
-              <a:t>Intégration des non linéarités</a:t>
-            </a:r>
-            <a:endParaRPr lang="fr-FR" dirty="0">
-              <a:latin typeface="Calibri" panose="020F0502020204030204" pitchFamily="34" charset="0"/>
-            </a:endParaRPr>
-          </a:p>
-        </p:txBody>
-      </p:sp>
     </p:spTree>
     <p:extLst>
       <p:ext uri="{BB962C8B-B14F-4D97-AF65-F5344CB8AC3E}">
@@ -15753,6 +11521,13 @@
   <p:clrMapOvr>
     <a:masterClrMapping/>
   </p:clrMapOvr>
+  <p:timing>
+    <p:tnLst>
+      <p:par>
+        <p:cTn id="1" dur="indefinite" restart="never" nodeType="tmRoot"/>
+      </p:par>
+    </p:tnLst>
+  </p:timing>
 </p:sld>
 </file>
 
@@ -15820,7 +11595,7 @@
             <p:spPr/>
             <p:txBody>
               <a:bodyPr>
-                <a:normAutofit fontScale="92500" lnSpcReduction="10000"/>
+                <a:normAutofit lnSpcReduction="10000"/>
               </a:bodyPr>
               <a:lstStyle/>
               <a:p>
@@ -16360,28 +12135,13 @@
               <a:p>
                 <a:r>
                   <a:rPr lang="fr-FR" dirty="0" smtClean="0"/>
-                  <a:t>Exemples de phénomènes non linéaires</a:t>
+                  <a:t>Certaines non linéarités sont prises en compte par les logiciels (saturations, seuils, hystérésis …). </a:t>
                 </a:r>
               </a:p>
               <a:p>
-                <a:pPr lvl="1"/>
                 <a:r>
                   <a:rPr lang="fr-FR" dirty="0" smtClean="0"/>
-                  <a:t>Fonctionnement d’une diode</a:t>
-                </a:r>
-              </a:p>
-              <a:p>
-                <a:pPr lvl="1"/>
-                <a:r>
-                  <a:rPr lang="fr-FR" dirty="0" smtClean="0"/>
-                  <a:t>Loi entrée / sortie de type « Croix de Malte »</a:t>
-                </a:r>
-              </a:p>
-              <a:p>
-                <a:pPr lvl="2"/>
-                <a:r>
-                  <a:rPr lang="fr-FR" dirty="0" smtClean="0"/>
-                  <a:t>Qu’il faudra linéariser autour d’un point de fonctionnement</a:t>
+                  <a:t>Les phénomènes non linéaires peuvent être étudiés autour d’un point de fonctionnement après linéarisation.</a:t>
                 </a:r>
               </a:p>
             </p:txBody>
@@ -16400,9 +12160,9 @@
             </p:nvSpPr>
             <p:spPr>
               <a:blipFill rotWithShape="1">
-                <a:blip r:embed="rId2"/>
+                <a:blip r:embed="rId3"/>
                 <a:stretch>
-                  <a:fillRect t="-1171" r="-385"/>
+                  <a:fillRect l="-77" t="-1171" r="-538" b="-1991"/>
                 </a:stretch>
               </a:blipFill>
             </p:spPr>
@@ -16560,7 +12320,7 @@
             <a:pPr lvl="1"/>
             <a:r>
               <a:rPr lang="fr-FR" dirty="0" smtClean="0"/>
-              <a:t>Des conditions nulles sont imposées</a:t>
+              <a:t>Des conditions initiales nulles sont imposées</a:t>
             </a:r>
           </a:p>
         </p:txBody>
@@ -16597,7 +12357,7 @@
           <p:nvPr/>
         </p:nvPicPr>
         <p:blipFill>
-          <a:blip r:embed="rId2">
+          <a:blip r:embed="rId3">
             <a:extLst>
               <a:ext uri="{28A0092B-C50C-407E-A947-70E740481C1C}">
                 <a14:useLocalDpi xmlns:a14="http://schemas.microsoft.com/office/drawing/2010/main" val="0"/>
@@ -16611,7 +12371,7 @@
         </p:blipFill>
         <p:spPr bwMode="auto">
           <a:xfrm>
-            <a:off x="1403648" y="4546503"/>
+            <a:off x="1403648" y="4149080"/>
             <a:ext cx="6276654" cy="2317533"/>
           </a:xfrm>
           <a:prstGeom prst="rect">
